--- a/docs/vv.pptx
+++ b/docs/vv.pptx
@@ -24122,10 +24122,10 @@
       </p:sp>
       <p:pic>
         <p:nvPicPr>
-          <p:cNvPr id="8" name="Picture 7">
+          <p:cNvPr id="15" name="Picture 14">
             <a:extLst>
               <a:ext uri="{FF2B5EF4-FFF2-40B4-BE49-F238E27FC236}">
-                <a16:creationId xmlns:a16="http://schemas.microsoft.com/office/drawing/2014/main" id="{7669CE41-AF51-ADD3-EE4B-CFBFE47C9E9E}"/>
+                <a16:creationId xmlns:a16="http://schemas.microsoft.com/office/drawing/2014/main" id="{FAB37A1F-AFB4-91A9-DD03-604191026725}"/>
               </a:ext>
             </a:extLst>
           </p:cNvPr>
@@ -24142,8 +24142,38 @@
         </p:blipFill>
         <p:spPr>
           <a:xfrm>
-            <a:off x="304800" y="3352800"/>
-            <a:ext cx="3657600" cy="2751965"/>
+            <a:off x="533400" y="3048000"/>
+            <a:ext cx="4019757" cy="3010055"/>
+          </a:xfrm>
+          <a:prstGeom prst="rect">
+            <a:avLst/>
+          </a:prstGeom>
+        </p:spPr>
+      </p:pic>
+      <p:pic>
+        <p:nvPicPr>
+          <p:cNvPr id="17" name="Picture 16">
+            <a:extLst>
+              <a:ext uri="{FF2B5EF4-FFF2-40B4-BE49-F238E27FC236}">
+                <a16:creationId xmlns:a16="http://schemas.microsoft.com/office/drawing/2014/main" id="{0AA73FDA-FC69-4147-69A3-B7DBCACBE950}"/>
+              </a:ext>
+            </a:extLst>
+          </p:cNvPr>
+          <p:cNvPicPr>
+            <a:picLocks noChangeAspect="1"/>
+          </p:cNvPicPr>
+          <p:nvPr/>
+        </p:nvPicPr>
+        <p:blipFill>
+          <a:blip r:embed="rId5"/>
+          <a:stretch>
+            <a:fillRect/>
+          </a:stretch>
+        </p:blipFill>
+        <p:spPr>
+          <a:xfrm>
+            <a:off x="4553157" y="3051175"/>
+            <a:ext cx="3962604" cy="3003704"/>
           </a:xfrm>
           <a:prstGeom prst="rect">
             <a:avLst/>

--- a/docs/vv.pptx
+++ b/docs/vv.pptx
@@ -5,17 +5,16 @@
     <p:sldMasterId id="2147483660" r:id="rId1"/>
   </p:sldMasterIdLst>
   <p:notesMasterIdLst>
-    <p:notesMasterId r:id="rId7"/>
+    <p:notesMasterId r:id="rId6"/>
   </p:notesMasterIdLst>
   <p:handoutMasterIdLst>
-    <p:handoutMasterId r:id="rId8"/>
+    <p:handoutMasterId r:id="rId7"/>
   </p:handoutMasterIdLst>
   <p:sldIdLst>
     <p:sldId id="256" r:id="rId2"/>
-    <p:sldId id="645" r:id="rId3"/>
-    <p:sldId id="646" r:id="rId4"/>
-    <p:sldId id="643" r:id="rId5"/>
-    <p:sldId id="513" r:id="rId6"/>
+    <p:sldId id="647" r:id="rId3"/>
+    <p:sldId id="645" r:id="rId4"/>
+    <p:sldId id="646" r:id="rId5"/>
   </p:sldIdLst>
   <p:sldSz cx="9144000" cy="6858000" type="screen4x3"/>
   <p:notesSz cx="6797675" cy="9931400"/>
@@ -218,7 +217,7 @@
           <a:p>
             <a:fld id="{30C704EE-38E9-4E72-9BB6-71E8241CE3C0}" type="datetimeFigureOut">
               <a:rPr lang="en-US" smtClean="0"/>
-              <a:t>2/12/2024</a:t>
+              <a:t>2/14/2024</a:t>
             </a:fld>
             <a:endParaRPr lang="en-US"/>
           </a:p>
@@ -383,7 +382,7 @@
           <a:p>
             <a:fld id="{0D66AE9B-9EE2-43DA-9A8E-D2E5656B8B43}" type="datetimeFigureOut">
               <a:rPr lang="en-US" smtClean="0"/>
-              <a:t>2/12/2024</a:t>
+              <a:t>2/14/2024</a:t>
             </a:fld>
             <a:endParaRPr lang="en-US"/>
           </a:p>
@@ -739,6 +738,114 @@
   <p:cSld>
     <p:spTree>
       <p:nvGrpSpPr>
+        <p:cNvPr id="1" name="">
+          <a:extLst>
+            <a:ext uri="{FF2B5EF4-FFF2-40B4-BE49-F238E27FC236}">
+              <a16:creationId xmlns:a16="http://schemas.microsoft.com/office/drawing/2014/main" id="{C0539071-8D93-3A67-E5E6-839A52716C05}"/>
+            </a:ext>
+          </a:extLst>
+        </p:cNvPr>
+        <p:cNvGrpSpPr/>
+        <p:nvPr/>
+      </p:nvGrpSpPr>
+      <p:grpSpPr>
+        <a:xfrm>
+          <a:off x="0" y="0"/>
+          <a:ext cx="0" cy="0"/>
+          <a:chOff x="0" y="0"/>
+          <a:chExt cx="0" cy="0"/>
+        </a:xfrm>
+      </p:grpSpPr>
+      <p:sp>
+        <p:nvSpPr>
+          <p:cNvPr id="2" name="Slide Image Placeholder 1">
+            <a:extLst>
+              <a:ext uri="{FF2B5EF4-FFF2-40B4-BE49-F238E27FC236}">
+                <a16:creationId xmlns:a16="http://schemas.microsoft.com/office/drawing/2014/main" id="{B8B33FB5-C957-6A2A-E241-6CAE11C70CC6}"/>
+              </a:ext>
+            </a:extLst>
+          </p:cNvPr>
+          <p:cNvSpPr>
+            <a:spLocks noGrp="1" noRot="1" noChangeAspect="1"/>
+          </p:cNvSpPr>
+          <p:nvPr>
+            <p:ph type="sldImg"/>
+          </p:nvPr>
+        </p:nvSpPr>
+        <p:spPr/>
+      </p:sp>
+      <p:sp>
+        <p:nvSpPr>
+          <p:cNvPr id="3" name="Notes Placeholder 2">
+            <a:extLst>
+              <a:ext uri="{FF2B5EF4-FFF2-40B4-BE49-F238E27FC236}">
+                <a16:creationId xmlns:a16="http://schemas.microsoft.com/office/drawing/2014/main" id="{FEB59A83-72B7-CD96-A274-198E3B94AE0E}"/>
+              </a:ext>
+            </a:extLst>
+          </p:cNvPr>
+          <p:cNvSpPr>
+            <a:spLocks noGrp="1"/>
+          </p:cNvSpPr>
+          <p:nvPr>
+            <p:ph type="body" idx="1"/>
+          </p:nvPr>
+        </p:nvSpPr>
+        <p:spPr/>
+        <p:txBody>
+          <a:bodyPr/>
+          <a:lstStyle/>
+          <a:p>
+            <a:endParaRPr lang="en-US" dirty="0"/>
+          </a:p>
+        </p:txBody>
+      </p:sp>
+      <p:sp>
+        <p:nvSpPr>
+          <p:cNvPr id="4" name="Slide Number Placeholder 3">
+            <a:extLst>
+              <a:ext uri="{FF2B5EF4-FFF2-40B4-BE49-F238E27FC236}">
+                <a16:creationId xmlns:a16="http://schemas.microsoft.com/office/drawing/2014/main" id="{368DAFB5-10FE-708F-A9E2-01070680B432}"/>
+              </a:ext>
+            </a:extLst>
+          </p:cNvPr>
+          <p:cNvSpPr>
+            <a:spLocks noGrp="1"/>
+          </p:cNvSpPr>
+          <p:nvPr>
+            <p:ph type="sldNum" sz="quarter" idx="10"/>
+          </p:nvPr>
+        </p:nvSpPr>
+        <p:spPr/>
+        <p:txBody>
+          <a:bodyPr/>
+          <a:lstStyle/>
+          <a:p>
+            <a:fld id="{FFA5E540-6D76-429F-95AD-C7F13B3CAC82}" type="slidenum">
+              <a:rPr lang="en-US" smtClean="0"/>
+              <a:t>2</a:t>
+            </a:fld>
+            <a:endParaRPr lang="en-US" dirty="0"/>
+          </a:p>
+        </p:txBody>
+      </p:sp>
+    </p:spTree>
+    <p:extLst>
+      <p:ext uri="{BB962C8B-B14F-4D97-AF65-F5344CB8AC3E}">
+        <p14:creationId xmlns:p14="http://schemas.microsoft.com/office/powerpoint/2010/main" val="3962452878"/>
+      </p:ext>
+    </p:extLst>
+  </p:cSld>
+  <p:clrMapOvr>
+    <a:masterClrMapping/>
+  </p:clrMapOvr>
+</p:notes>
+</file>
+
+<file path=ppt/notesSlides/notesSlide3.xml><?xml version="1.0" encoding="utf-8"?>
+<p:notes xmlns:a="http://schemas.openxmlformats.org/drawingml/2006/main" xmlns:r="http://schemas.openxmlformats.org/officeDocument/2006/relationships" xmlns:p="http://schemas.openxmlformats.org/presentationml/2006/main">
+  <p:cSld>
+    <p:spTree>
+      <p:nvGrpSpPr>
         <p:cNvPr id="1" name=""/>
         <p:cNvGrpSpPr/>
         <p:nvPr/>
@@ -778,9 +885,38 @@
           <a:bodyPr/>
           <a:lstStyle/>
           <a:p>
+            <a:pPr marL="228600" indent="-228600">
+              <a:buAutoNum type="arabicPeriod"/>
+            </a:pPr>
             <a:r>
               <a:rPr lang="en-US" dirty="0"/>
-              <a:t>Log-law and stresses</a:t>
+              <a:t>Check the results of using constant wall stress in the wall model    using debug mode   ok</a:t>
+            </a:r>
+          </a:p>
+          <a:p>
+            <a:pPr marL="228600" indent="-228600">
+              <a:buAutoNum type="arabicPeriod"/>
+            </a:pPr>
+            <a:r>
+              <a:rPr lang="en-US" dirty="0"/>
+              <a:t>Compare implicit1D </a:t>
+            </a:r>
+            <a:r>
+              <a:rPr lang="en-US"/>
+              <a:t>results with </a:t>
+            </a:r>
+            <a:r>
+              <a:rPr lang="en-US" dirty="0"/>
+              <a:t>explicit results</a:t>
+            </a:r>
+          </a:p>
+          <a:p>
+            <a:pPr marL="228600" indent="-228600">
+              <a:buAutoNum type="arabicPeriod"/>
+            </a:pPr>
+            <a:r>
+              <a:rPr lang="en-US" dirty="0"/>
+              <a:t>Check numerical instability using Q value</a:t>
             </a:r>
           </a:p>
         </p:txBody>
@@ -802,7 +938,7 @@
           <a:p>
             <a:fld id="{FFA5E540-6D76-429F-95AD-C7F13B3CAC82}" type="slidenum">
               <a:rPr lang="en-US" smtClean="0"/>
-              <a:t>2</a:t>
+              <a:t>3</a:t>
             </a:fld>
             <a:endParaRPr lang="en-US" dirty="0"/>
           </a:p>
@@ -821,7 +957,7 @@
 </p:notes>
 </file>
 
-<file path=ppt/notesSlides/notesSlide3.xml><?xml version="1.0" encoding="utf-8"?>
+<file path=ppt/notesSlides/notesSlide4.xml><?xml version="1.0" encoding="utf-8"?>
 <p:notes xmlns:a="http://schemas.openxmlformats.org/drawingml/2006/main" xmlns:r="http://schemas.openxmlformats.org/officeDocument/2006/relationships" xmlns:p="http://schemas.openxmlformats.org/presentationml/2006/main">
   <p:cSld>
     <p:spTree>
@@ -931,7 +1067,7 @@
           <a:p>
             <a:fld id="{FFA5E540-6D76-429F-95AD-C7F13B3CAC82}" type="slidenum">
               <a:rPr lang="en-US" smtClean="0"/>
-              <a:t>3</a:t>
+              <a:t>4</a:t>
             </a:fld>
             <a:endParaRPr lang="en-US" dirty="0"/>
           </a:p>
@@ -941,183 +1077,6 @@
     <p:extLst>
       <p:ext uri="{BB962C8B-B14F-4D97-AF65-F5344CB8AC3E}">
         <p14:creationId xmlns:p14="http://schemas.microsoft.com/office/powerpoint/2010/main" val="3090747838"/>
-      </p:ext>
-    </p:extLst>
-  </p:cSld>
-  <p:clrMapOvr>
-    <a:masterClrMapping/>
-  </p:clrMapOvr>
-</p:notes>
-</file>
-
-<file path=ppt/notesSlides/notesSlide4.xml><?xml version="1.0" encoding="utf-8"?>
-<p:notes xmlns:a="http://schemas.openxmlformats.org/drawingml/2006/main" xmlns:r="http://schemas.openxmlformats.org/officeDocument/2006/relationships" xmlns:p="http://schemas.openxmlformats.org/presentationml/2006/main">
-  <p:cSld>
-    <p:spTree>
-      <p:nvGrpSpPr>
-        <p:cNvPr id="1" name=""/>
-        <p:cNvGrpSpPr/>
-        <p:nvPr/>
-      </p:nvGrpSpPr>
-      <p:grpSpPr>
-        <a:xfrm>
-          <a:off x="0" y="0"/>
-          <a:ext cx="0" cy="0"/>
-          <a:chOff x="0" y="0"/>
-          <a:chExt cx="0" cy="0"/>
-        </a:xfrm>
-      </p:grpSpPr>
-      <p:sp>
-        <p:nvSpPr>
-          <p:cNvPr id="2" name="幻灯片图像占位符 1"/>
-          <p:cNvSpPr>
-            <a:spLocks noGrp="1" noRot="1" noChangeAspect="1"/>
-          </p:cNvSpPr>
-          <p:nvPr>
-            <p:ph type="sldImg"/>
-          </p:nvPr>
-        </p:nvSpPr>
-        <p:spPr/>
-      </p:sp>
-      <p:sp>
-        <p:nvSpPr>
-          <p:cNvPr id="3" name="备注占位符 2"/>
-          <p:cNvSpPr>
-            <a:spLocks noGrp="1"/>
-          </p:cNvSpPr>
-          <p:nvPr>
-            <p:ph type="body" idx="1"/>
-          </p:nvPr>
-        </p:nvSpPr>
-        <p:spPr/>
-        <p:txBody>
-          <a:bodyPr/>
-          <a:lstStyle/>
-          <a:p>
-            <a:r>
-              <a:rPr lang="en-US" altLang="zh-CN" sz="2400" baseline="30000" dirty="0"/>
-              <a:t>Add</a:t>
-            </a:r>
-            <a:r>
-              <a:rPr lang="en-US" altLang="zh-CN" sz="2400" baseline="0" dirty="0"/>
-              <a:t> one background picture</a:t>
-            </a:r>
-            <a:endParaRPr lang="zh-CN" altLang="en-US" sz="2400" baseline="30000" dirty="0"/>
-          </a:p>
-        </p:txBody>
-      </p:sp>
-      <p:sp>
-        <p:nvSpPr>
-          <p:cNvPr id="4" name="灯片编号占位符 3"/>
-          <p:cNvSpPr>
-            <a:spLocks noGrp="1"/>
-          </p:cNvSpPr>
-          <p:nvPr>
-            <p:ph type="sldNum" sz="quarter" idx="10"/>
-          </p:nvPr>
-        </p:nvSpPr>
-        <p:spPr/>
-        <p:txBody>
-          <a:bodyPr/>
-          <a:lstStyle/>
-          <a:p>
-            <a:fld id="{FFA5E540-6D76-429F-95AD-C7F13B3CAC82}" type="slidenum">
-              <a:rPr lang="en-US" smtClean="0"/>
-              <a:pPr/>
-              <a:t>4</a:t>
-            </a:fld>
-            <a:endParaRPr lang="en-US"/>
-          </a:p>
-        </p:txBody>
-      </p:sp>
-    </p:spTree>
-    <p:extLst>
-      <p:ext uri="{BB962C8B-B14F-4D97-AF65-F5344CB8AC3E}">
-        <p14:creationId xmlns:p14="http://schemas.microsoft.com/office/powerpoint/2010/main" val="989999689"/>
-      </p:ext>
-    </p:extLst>
-  </p:cSld>
-  <p:clrMapOvr>
-    <a:masterClrMapping/>
-  </p:clrMapOvr>
-</p:notes>
-</file>
-
-<file path=ppt/notesSlides/notesSlide5.xml><?xml version="1.0" encoding="utf-8"?>
-<p:notes xmlns:a="http://schemas.openxmlformats.org/drawingml/2006/main" xmlns:r="http://schemas.openxmlformats.org/officeDocument/2006/relationships" xmlns:p="http://schemas.openxmlformats.org/presentationml/2006/main">
-  <p:cSld>
-    <p:spTree>
-      <p:nvGrpSpPr>
-        <p:cNvPr id="1" name=""/>
-        <p:cNvGrpSpPr/>
-        <p:nvPr/>
-      </p:nvGrpSpPr>
-      <p:grpSpPr>
-        <a:xfrm>
-          <a:off x="0" y="0"/>
-          <a:ext cx="0" cy="0"/>
-          <a:chOff x="0" y="0"/>
-          <a:chExt cx="0" cy="0"/>
-        </a:xfrm>
-      </p:grpSpPr>
-      <p:sp>
-        <p:nvSpPr>
-          <p:cNvPr id="2" name="幻灯片图像占位符 1"/>
-          <p:cNvSpPr>
-            <a:spLocks noGrp="1" noRot="1" noChangeAspect="1"/>
-          </p:cNvSpPr>
-          <p:nvPr>
-            <p:ph type="sldImg"/>
-          </p:nvPr>
-        </p:nvSpPr>
-        <p:spPr/>
-      </p:sp>
-      <p:sp>
-        <p:nvSpPr>
-          <p:cNvPr id="3" name="备注占位符 2"/>
-          <p:cNvSpPr>
-            <a:spLocks noGrp="1"/>
-          </p:cNvSpPr>
-          <p:nvPr>
-            <p:ph type="body" idx="1"/>
-          </p:nvPr>
-        </p:nvSpPr>
-        <p:spPr/>
-        <p:txBody>
-          <a:bodyPr/>
-          <a:lstStyle/>
-          <a:p>
-            <a:endParaRPr lang="zh-CN" altLang="en-US" dirty="0"/>
-          </a:p>
-        </p:txBody>
-      </p:sp>
-      <p:sp>
-        <p:nvSpPr>
-          <p:cNvPr id="4" name="灯片编号占位符 3"/>
-          <p:cNvSpPr>
-            <a:spLocks noGrp="1"/>
-          </p:cNvSpPr>
-          <p:nvPr>
-            <p:ph type="sldNum" sz="quarter" idx="10"/>
-          </p:nvPr>
-        </p:nvSpPr>
-        <p:spPr/>
-        <p:txBody>
-          <a:bodyPr/>
-          <a:lstStyle/>
-          <a:p>
-            <a:fld id="{FFA5E540-6D76-429F-95AD-C7F13B3CAC82}" type="slidenum">
-              <a:rPr lang="en-US" smtClean="0"/>
-              <a:t>5</a:t>
-            </a:fld>
-            <a:endParaRPr lang="en-US"/>
-          </a:p>
-        </p:txBody>
-      </p:sp>
-    </p:spTree>
-    <p:extLst>
-      <p:ext uri="{BB962C8B-B14F-4D97-AF65-F5344CB8AC3E}">
-        <p14:creationId xmlns:p14="http://schemas.microsoft.com/office/powerpoint/2010/main" val="2420947402"/>
       </p:ext>
     </p:extLst>
   </p:cSld>
@@ -20309,7 +20268,7 @@
           <a:p>
             <a:fld id="{F7015205-6E1C-4AA4-A1F5-F88A14739F8D}" type="datetime1">
               <a:rPr lang="en-US" altLang="zh-CN" smtClean="0"/>
-              <a:t>2/12/2024</a:t>
+              <a:t>2/14/2024</a:t>
             </a:fld>
             <a:endParaRPr lang="en-US"/>
           </a:p>
@@ -20519,7 +20478,7 @@
           <a:p>
             <a:fld id="{C5005B59-A863-49AB-8A46-4FABF628DCDB}" type="datetime1">
               <a:rPr lang="en-US" altLang="zh-CN" smtClean="0"/>
-              <a:t>2/12/2024</a:t>
+              <a:t>2/14/2024</a:t>
             </a:fld>
             <a:endParaRPr lang="en-US"/>
           </a:p>
@@ -20694,7 +20653,7 @@
           <a:p>
             <a:fld id="{B9B359B8-BB35-4942-BB3F-553087A1AB07}" type="datetime1">
               <a:rPr lang="en-US" altLang="zh-CN" smtClean="0"/>
-              <a:t>2/12/2024</a:t>
+              <a:t>2/14/2024</a:t>
             </a:fld>
             <a:endParaRPr lang="en-US"/>
           </a:p>
@@ -20859,7 +20818,7 @@
           <a:p>
             <a:fld id="{0051FDAB-E13B-4DED-ACB5-C97F04F9745D}" type="datetime1">
               <a:rPr lang="en-US" altLang="zh-CN" smtClean="0"/>
-              <a:t>2/12/2024</a:t>
+              <a:t>2/14/2024</a:t>
             </a:fld>
             <a:endParaRPr lang="en-US"/>
           </a:p>
@@ -21046,7 +21005,7 @@
           <a:p>
             <a:fld id="{411C2638-AFB1-4A52-81EA-13B8957633A2}" type="datetime1">
               <a:rPr lang="en-US" altLang="zh-CN" smtClean="0"/>
-              <a:t>2/12/2024</a:t>
+              <a:t>2/14/2024</a:t>
             </a:fld>
             <a:endParaRPr lang="en-US"/>
           </a:p>
@@ -21329,7 +21288,7 @@
           <a:p>
             <a:fld id="{86FEA545-9191-4074-8B47-064CD17714D7}" type="datetime1">
               <a:rPr lang="en-US" altLang="zh-CN" smtClean="0"/>
-              <a:t>2/12/2024</a:t>
+              <a:t>2/14/2024</a:t>
             </a:fld>
             <a:endParaRPr lang="en-US"/>
           </a:p>
@@ -21751,7 +21710,7 @@
           <a:p>
             <a:fld id="{FEDA739D-67B9-461E-9E24-584E6BDA3BCB}" type="datetime1">
               <a:rPr lang="en-US" altLang="zh-CN" smtClean="0"/>
-              <a:t>2/12/2024</a:t>
+              <a:t>2/14/2024</a:t>
             </a:fld>
             <a:endParaRPr lang="en-US"/>
           </a:p>
@@ -21864,7 +21823,7 @@
           <a:p>
             <a:fld id="{9B17A94F-F96B-45CF-824C-A53F0758AB69}" type="datetime1">
               <a:rPr lang="en-US" altLang="zh-CN" smtClean="0"/>
-              <a:t>2/12/2024</a:t>
+              <a:t>2/14/2024</a:t>
             </a:fld>
             <a:endParaRPr lang="en-US"/>
           </a:p>
@@ -21954,7 +21913,7 @@
           <a:p>
             <a:fld id="{0E7E811E-CB35-486D-A51A-D28D7B88C8A1}" type="datetime1">
               <a:rPr lang="en-US" altLang="zh-CN" smtClean="0"/>
-              <a:t>2/12/2024</a:t>
+              <a:t>2/14/2024</a:t>
             </a:fld>
             <a:endParaRPr lang="en-US"/>
           </a:p>
@@ -22226,7 +22185,7 @@
           <a:p>
             <a:fld id="{49060A9D-03E3-407A-91FE-4FD83FD5236C}" type="datetime1">
               <a:rPr lang="en-US" altLang="zh-CN" smtClean="0"/>
-              <a:t>2/12/2024</a:t>
+              <a:t>2/14/2024</a:t>
             </a:fld>
             <a:endParaRPr lang="en-US"/>
           </a:p>
@@ -22479,7 +22438,7 @@
           <a:p>
             <a:fld id="{27EABF16-FC76-43D1-8210-F66033CB86AD}" type="datetime1">
               <a:rPr lang="en-US" altLang="zh-CN" smtClean="0"/>
-              <a:t>2/12/2024</a:t>
+              <a:t>2/14/2024</a:t>
             </a:fld>
             <a:endParaRPr lang="en-US"/>
           </a:p>
@@ -22741,7 +22700,7 @@
           <a:p>
             <a:fld id="{5C24D9CC-1561-4C99-B045-95C038C2B123}" type="datetime1">
               <a:rPr lang="en-US" altLang="zh-CN" smtClean="0"/>
-              <a:t>2/12/2024</a:t>
+              <a:t>2/14/2024</a:t>
             </a:fld>
             <a:endParaRPr lang="en-US"/>
           </a:p>
@@ -23776,6 +23735,435 @@
   <p:cSld>
     <p:spTree>
       <p:nvGrpSpPr>
+        <p:cNvPr id="1" name="">
+          <a:extLst>
+            <a:ext uri="{FF2B5EF4-FFF2-40B4-BE49-F238E27FC236}">
+              <a16:creationId xmlns:a16="http://schemas.microsoft.com/office/drawing/2014/main" id="{2D15152C-B19F-6BB3-728D-5F7F2B035AD0}"/>
+            </a:ext>
+          </a:extLst>
+        </p:cNvPr>
+        <p:cNvGrpSpPr/>
+        <p:nvPr/>
+      </p:nvGrpSpPr>
+      <p:grpSpPr>
+        <a:xfrm>
+          <a:off x="0" y="0"/>
+          <a:ext cx="0" cy="0"/>
+          <a:chOff x="0" y="0"/>
+          <a:chExt cx="0" cy="0"/>
+        </a:xfrm>
+      </p:grpSpPr>
+      <p:sp>
+        <p:nvSpPr>
+          <p:cNvPr id="2" name="Title 1">
+            <a:extLst>
+              <a:ext uri="{FF2B5EF4-FFF2-40B4-BE49-F238E27FC236}">
+                <a16:creationId xmlns:a16="http://schemas.microsoft.com/office/drawing/2014/main" id="{D13EE2B0-B4C2-89D5-D5B9-1DF5BE70DC5F}"/>
+              </a:ext>
+            </a:extLst>
+          </p:cNvPr>
+          <p:cNvSpPr>
+            <a:spLocks noGrp="1"/>
+          </p:cNvSpPr>
+          <p:nvPr>
+            <p:ph type="title"/>
+          </p:nvPr>
+        </p:nvSpPr>
+        <p:spPr>
+          <a:xfrm>
+            <a:off x="152400" y="152400"/>
+            <a:ext cx="8610600" cy="838200"/>
+          </a:xfrm>
+        </p:spPr>
+        <p:txBody>
+          <a:bodyPr/>
+          <a:lstStyle/>
+          <a:p>
+            <a:r>
+              <a:rPr lang="en-US" altLang="zh-CN" dirty="0"/>
+              <a:t>Channel</a:t>
+            </a:r>
+            <a:endParaRPr lang="zh-CN" altLang="en-US" dirty="0"/>
+          </a:p>
+        </p:txBody>
+      </p:sp>
+      <p:sp>
+        <p:nvSpPr>
+          <p:cNvPr id="7" name="内容占位符 2">
+            <a:extLst>
+              <a:ext uri="{FF2B5EF4-FFF2-40B4-BE49-F238E27FC236}">
+                <a16:creationId xmlns:a16="http://schemas.microsoft.com/office/drawing/2014/main" id="{D2C6C04E-3AE6-BF1A-EE2B-80CAEA4AD7AC}"/>
+              </a:ext>
+            </a:extLst>
+          </p:cNvPr>
+          <p:cNvSpPr>
+            <a:spLocks noGrp="1"/>
+          </p:cNvSpPr>
+          <p:nvPr>
+            <p:ph idx="4294967295"/>
+          </p:nvPr>
+        </p:nvSpPr>
+        <p:spPr>
+          <a:xfrm>
+            <a:off x="93652" y="1068111"/>
+            <a:ext cx="9050348" cy="1979889"/>
+          </a:xfrm>
+        </p:spPr>
+        <p:txBody>
+          <a:bodyPr/>
+          <a:lstStyle/>
+          <a:p>
+            <a:r>
+              <a:rPr lang="en-US" altLang="zh-CN" sz="2400" dirty="0">
+                <a:latin typeface="+mn-lt"/>
+                <a:cs typeface="Times New Roman" panose="02020603050405020304" pitchFamily="18" charset="0"/>
+              </a:rPr>
+              <a:t>RETAU180</a:t>
+            </a:r>
+            <a:endParaRPr lang="en-US" altLang="zh-CN" sz="2000" dirty="0">
+              <a:latin typeface="+mn-lt"/>
+              <a:cs typeface="Times New Roman" panose="02020603050405020304" pitchFamily="18" charset="0"/>
+            </a:endParaRPr>
+          </a:p>
+          <a:p>
+            <a:pPr lvl="1"/>
+            <a:r>
+              <a:rPr lang="en-US" altLang="zh-CN" sz="2000" dirty="0">
+                <a:latin typeface="+mn-lt"/>
+                <a:cs typeface="Times New Roman" panose="02020603050405020304" pitchFamily="18" charset="0"/>
+              </a:rPr>
+              <a:t>Both Neumann and wall model yield acceptable profiles</a:t>
+            </a:r>
+          </a:p>
+          <a:p>
+            <a:pPr lvl="1"/>
+            <a:r>
+              <a:rPr lang="en-US" altLang="zh-CN" sz="2000" dirty="0">
+                <a:latin typeface="+mn-lt"/>
+                <a:cs typeface="Times New Roman" panose="02020603050405020304" pitchFamily="18" charset="0"/>
+              </a:rPr>
+              <a:t>The DNS grid and the finest wall model grid produce the same results, but show difference from the DNS results, demonstrating imperfection of the wall model</a:t>
+            </a:r>
+            <a:endParaRPr lang="en-US" altLang="zh-CN" sz="2000" kern="0" dirty="0">
+              <a:latin typeface="+mn-lt"/>
+              <a:cs typeface="Times New Roman" panose="02020603050405020304" pitchFamily="18" charset="0"/>
+            </a:endParaRPr>
+          </a:p>
+          <a:p>
+            <a:pPr marL="457200" lvl="1" indent="0">
+              <a:buNone/>
+            </a:pPr>
+            <a:endParaRPr lang="en-US" altLang="zh-CN" sz="2000" baseline="30000" dirty="0">
+              <a:latin typeface="+mn-lt"/>
+              <a:cs typeface="Times New Roman" panose="02020603050405020304" pitchFamily="18" charset="0"/>
+            </a:endParaRPr>
+          </a:p>
+          <a:p>
+            <a:pPr marL="457200" lvl="1" indent="0">
+              <a:buNone/>
+            </a:pPr>
+            <a:endParaRPr lang="en-US" altLang="zh-CN" sz="2000" baseline="30000" dirty="0">
+              <a:latin typeface="+mn-lt"/>
+              <a:cs typeface="Times New Roman" panose="02020603050405020304" pitchFamily="18" charset="0"/>
+            </a:endParaRPr>
+          </a:p>
+          <a:p>
+            <a:pPr marL="457200" lvl="1" indent="0">
+              <a:buNone/>
+            </a:pPr>
+            <a:endParaRPr lang="en-US" altLang="zh-CN" sz="2000" baseline="30000" dirty="0">
+              <a:latin typeface="+mn-lt"/>
+              <a:cs typeface="Times New Roman" panose="02020603050405020304" pitchFamily="18" charset="0"/>
+            </a:endParaRPr>
+          </a:p>
+          <a:p>
+            <a:pPr marL="457200" lvl="1" indent="0">
+              <a:buNone/>
+            </a:pPr>
+            <a:endParaRPr lang="en-US" altLang="zh-CN" sz="2000" baseline="30000" dirty="0">
+              <a:latin typeface="+mn-lt"/>
+              <a:cs typeface="Times New Roman" panose="02020603050405020304" pitchFamily="18" charset="0"/>
+            </a:endParaRPr>
+          </a:p>
+          <a:p>
+            <a:pPr marL="457200" lvl="1" indent="0">
+              <a:buNone/>
+            </a:pPr>
+            <a:endParaRPr lang="en-US" altLang="zh-CN" sz="2000" baseline="30000" dirty="0">
+              <a:latin typeface="+mn-lt"/>
+              <a:cs typeface="Times New Roman" panose="02020603050405020304" pitchFamily="18" charset="0"/>
+            </a:endParaRPr>
+          </a:p>
+          <a:p>
+            <a:pPr marL="457200" lvl="1" indent="0">
+              <a:buNone/>
+            </a:pPr>
+            <a:endParaRPr lang="en-US" altLang="zh-CN" sz="2000" baseline="30000" dirty="0">
+              <a:latin typeface="+mn-lt"/>
+              <a:cs typeface="Times New Roman" panose="02020603050405020304" pitchFamily="18" charset="0"/>
+            </a:endParaRPr>
+          </a:p>
+          <a:p>
+            <a:pPr marL="457200" lvl="1" indent="0">
+              <a:buNone/>
+            </a:pPr>
+            <a:endParaRPr lang="en-US" altLang="zh-CN" sz="2000" baseline="30000" dirty="0">
+              <a:latin typeface="+mn-lt"/>
+              <a:cs typeface="Times New Roman" panose="02020603050405020304" pitchFamily="18" charset="0"/>
+            </a:endParaRPr>
+          </a:p>
+          <a:p>
+            <a:pPr marL="457200" lvl="1" indent="0">
+              <a:buNone/>
+            </a:pPr>
+            <a:endParaRPr lang="en-US" altLang="zh-CN" sz="2000" baseline="30000" dirty="0">
+              <a:latin typeface="+mn-lt"/>
+              <a:cs typeface="Times New Roman" panose="02020603050405020304" pitchFamily="18" charset="0"/>
+            </a:endParaRPr>
+          </a:p>
+          <a:p>
+            <a:pPr>
+              <a:lnSpc>
+                <a:spcPct val="125000"/>
+              </a:lnSpc>
+            </a:pPr>
+            <a:endParaRPr lang="en-US" altLang="zh-CN" sz="2400" dirty="0">
+              <a:latin typeface="+mn-lt"/>
+              <a:cs typeface="Times New Roman" panose="02020603050405020304" pitchFamily="18" charset="0"/>
+            </a:endParaRPr>
+          </a:p>
+          <a:p>
+            <a:pPr marL="457200" lvl="1" indent="0">
+              <a:lnSpc>
+                <a:spcPct val="125000"/>
+              </a:lnSpc>
+              <a:buNone/>
+            </a:pPr>
+            <a:endParaRPr lang="en-US" altLang="zh-CN" sz="2000" dirty="0">
+              <a:latin typeface="+mn-lt"/>
+              <a:cs typeface="Times New Roman" panose="02020603050405020304" pitchFamily="18" charset="0"/>
+            </a:endParaRPr>
+          </a:p>
+        </p:txBody>
+      </p:sp>
+      <p:sp>
+        <p:nvSpPr>
+          <p:cNvPr id="9" name="Rectangle 2">
+            <a:extLst>
+              <a:ext uri="{FF2B5EF4-FFF2-40B4-BE49-F238E27FC236}">
+                <a16:creationId xmlns:a16="http://schemas.microsoft.com/office/drawing/2014/main" id="{39432E37-D0CA-42E2-B210-9AC1CA0029EC}"/>
+              </a:ext>
+            </a:extLst>
+          </p:cNvPr>
+          <p:cNvSpPr>
+            <a:spLocks noChangeArrowheads="1"/>
+          </p:cNvSpPr>
+          <p:nvPr/>
+        </p:nvSpPr>
+        <p:spPr bwMode="auto">
+          <a:xfrm>
+            <a:off x="0" y="0"/>
+            <a:ext cx="9144000" cy="0"/>
+          </a:xfrm>
+          <a:prstGeom prst="rect">
+            <a:avLst/>
+          </a:prstGeom>
+          <a:noFill/>
+          <a:ln>
+            <a:noFill/>
+          </a:ln>
+          <a:effectLst/>
+          <a:extLst>
+            <a:ext uri="{909E8E84-426E-40DD-AFC4-6F175D3DCCD1}">
+              <a14:hiddenFill xmlns:a14="http://schemas.microsoft.com/office/drawing/2010/main">
+                <a:solidFill>
+                  <a:schemeClr val="accent1"/>
+                </a:solidFill>
+              </a14:hiddenFill>
+            </a:ext>
+            <a:ext uri="{91240B29-F687-4F45-9708-019B960494DF}">
+              <a14:hiddenLine xmlns:a14="http://schemas.microsoft.com/office/drawing/2010/main" w="9525">
+                <a:solidFill>
+                  <a:schemeClr val="tx1"/>
+                </a:solidFill>
+                <a:miter lim="800000"/>
+                <a:headEnd/>
+                <a:tailEnd/>
+              </a14:hiddenLine>
+            </a:ext>
+            <a:ext uri="{AF507438-7753-43E0-B8FC-AC1667EBCBE1}">
+              <a14:hiddenEffects xmlns:a14="http://schemas.microsoft.com/office/drawing/2010/main">
+                <a:effectLst>
+                  <a:outerShdw dist="35921" dir="2700000" algn="ctr" rotWithShape="0">
+                    <a:schemeClr val="bg2"/>
+                  </a:outerShdw>
+                </a:effectLst>
+              </a14:hiddenEffects>
+            </a:ext>
+          </a:extLst>
+        </p:spPr>
+        <p:txBody>
+          <a:bodyPr vert="horz" wrap="none" lIns="91440" tIns="45720" rIns="91440" bIns="45720" numCol="1" anchor="ctr" anchorCtr="0" compatLnSpc="1">
+            <a:prstTxWarp prst="textNoShape">
+              <a:avLst/>
+            </a:prstTxWarp>
+            <a:spAutoFit/>
+          </a:bodyPr>
+          <a:lstStyle/>
+          <a:p>
+            <a:endParaRPr lang="zh-CN" altLang="en-US"/>
+          </a:p>
+        </p:txBody>
+      </p:sp>
+      <p:pic>
+        <p:nvPicPr>
+          <p:cNvPr id="49" name="Picture 48">
+            <a:extLst>
+              <a:ext uri="{FF2B5EF4-FFF2-40B4-BE49-F238E27FC236}">
+                <a16:creationId xmlns:a16="http://schemas.microsoft.com/office/drawing/2014/main" id="{D5A11D27-84BB-2B33-F838-7B95FFEEDBE5}"/>
+              </a:ext>
+            </a:extLst>
+          </p:cNvPr>
+          <p:cNvPicPr>
+            <a:picLocks noChangeAspect="1"/>
+          </p:cNvPicPr>
+          <p:nvPr/>
+        </p:nvPicPr>
+        <p:blipFill>
+          <a:blip r:embed="rId3"/>
+          <a:stretch>
+            <a:fillRect/>
+          </a:stretch>
+        </p:blipFill>
+        <p:spPr>
+          <a:xfrm>
+            <a:off x="457200" y="3445612"/>
+            <a:ext cx="4026107" cy="3003704"/>
+          </a:xfrm>
+          <a:prstGeom prst="rect">
+            <a:avLst/>
+          </a:prstGeom>
+        </p:spPr>
+      </p:pic>
+      <p:sp>
+        <p:nvSpPr>
+          <p:cNvPr id="59" name="TextBox 58">
+            <a:extLst>
+              <a:ext uri="{FF2B5EF4-FFF2-40B4-BE49-F238E27FC236}">
+                <a16:creationId xmlns:a16="http://schemas.microsoft.com/office/drawing/2014/main" id="{BB6B4FBE-508A-E38E-975C-A4488FB09E39}"/>
+              </a:ext>
+            </a:extLst>
+          </p:cNvPr>
+          <p:cNvSpPr txBox="1"/>
+          <p:nvPr/>
+        </p:nvSpPr>
+        <p:spPr>
+          <a:xfrm>
+            <a:off x="1786861" y="6412468"/>
+            <a:ext cx="1184940" cy="369332"/>
+          </a:xfrm>
+          <a:prstGeom prst="rect">
+            <a:avLst/>
+          </a:prstGeom>
+          <a:noFill/>
+        </p:spPr>
+        <p:txBody>
+          <a:bodyPr wrap="none" rtlCol="0">
+            <a:spAutoFit/>
+          </a:bodyPr>
+          <a:lstStyle/>
+          <a:p>
+            <a:r>
+              <a:rPr lang="en-US" dirty="0"/>
+              <a:t>Neumann</a:t>
+            </a:r>
+          </a:p>
+        </p:txBody>
+      </p:sp>
+      <p:sp>
+        <p:nvSpPr>
+          <p:cNvPr id="60" name="TextBox 59">
+            <a:extLst>
+              <a:ext uri="{FF2B5EF4-FFF2-40B4-BE49-F238E27FC236}">
+                <a16:creationId xmlns:a16="http://schemas.microsoft.com/office/drawing/2014/main" id="{CAB6FECC-5F82-6284-E96C-30D32FA6BC32}"/>
+              </a:ext>
+            </a:extLst>
+          </p:cNvPr>
+          <p:cNvSpPr txBox="1"/>
+          <p:nvPr/>
+        </p:nvSpPr>
+        <p:spPr>
+          <a:xfrm>
+            <a:off x="6039727" y="6412468"/>
+            <a:ext cx="1317412" cy="369332"/>
+          </a:xfrm>
+          <a:prstGeom prst="rect">
+            <a:avLst/>
+          </a:prstGeom>
+          <a:noFill/>
+        </p:spPr>
+        <p:txBody>
+          <a:bodyPr wrap="none" rtlCol="0">
+            <a:spAutoFit/>
+          </a:bodyPr>
+          <a:lstStyle/>
+          <a:p>
+            <a:r>
+              <a:rPr lang="en-US" dirty="0"/>
+              <a:t>Wall model</a:t>
+            </a:r>
+          </a:p>
+        </p:txBody>
+      </p:sp>
+      <p:pic>
+        <p:nvPicPr>
+          <p:cNvPr id="4" name="Picture 3">
+            <a:extLst>
+              <a:ext uri="{FF2B5EF4-FFF2-40B4-BE49-F238E27FC236}">
+                <a16:creationId xmlns:a16="http://schemas.microsoft.com/office/drawing/2014/main" id="{FD88229E-DD92-3F94-4CF6-74514DEE22C8}"/>
+              </a:ext>
+            </a:extLst>
+          </p:cNvPr>
+          <p:cNvPicPr>
+            <a:picLocks noChangeAspect="1"/>
+          </p:cNvPicPr>
+          <p:nvPr/>
+        </p:nvPicPr>
+        <p:blipFill>
+          <a:blip r:embed="rId4"/>
+          <a:stretch>
+            <a:fillRect/>
+          </a:stretch>
+        </p:blipFill>
+        <p:spPr>
+          <a:xfrm>
+            <a:off x="4572000" y="3444240"/>
+            <a:ext cx="3981655" cy="2991004"/>
+          </a:xfrm>
+          <a:prstGeom prst="rect">
+            <a:avLst/>
+          </a:prstGeom>
+        </p:spPr>
+      </p:pic>
+    </p:spTree>
+    <p:extLst>
+      <p:ext uri="{BB962C8B-B14F-4D97-AF65-F5344CB8AC3E}">
+        <p14:creationId xmlns:p14="http://schemas.microsoft.com/office/powerpoint/2010/main" val="3334254190"/>
+      </p:ext>
+    </p:extLst>
+  </p:cSld>
+  <p:clrMapOvr>
+    <a:masterClrMapping/>
+  </p:clrMapOvr>
+  <p:transition spd="med" advTm="63997"/>
+</p:sld>
+</file>
+
+<file path=ppt/slides/slide3.xml><?xml version="1.0" encoding="utf-8"?>
+<p:sld xmlns:a="http://schemas.openxmlformats.org/drawingml/2006/main" xmlns:r="http://schemas.openxmlformats.org/officeDocument/2006/relationships" xmlns:p="http://schemas.openxmlformats.org/presentationml/2006/main">
+  <p:cSld>
+    <p:spTree>
+      <p:nvGrpSpPr>
         <p:cNvPr id="1" name=""/>
         <p:cNvGrpSpPr/>
         <p:nvPr/>
@@ -23816,247 +24204,6 @@
           </a:p>
         </p:txBody>
       </p:sp>
-      <mc:AlternateContent xmlns:mc="http://schemas.openxmlformats.org/markup-compatibility/2006">
-        <mc:Choice xmlns:a14="http://schemas.microsoft.com/office/drawing/2010/main" Requires="a14">
-          <p:sp>
-            <p:nvSpPr>
-              <p:cNvPr id="7" name="内容占位符 2"/>
-              <p:cNvSpPr>
-                <a:spLocks noGrp="1"/>
-              </p:cNvSpPr>
-              <p:nvPr>
-                <p:ph idx="4294967295"/>
-              </p:nvPr>
-            </p:nvSpPr>
-            <p:spPr>
-              <a:xfrm>
-                <a:off x="93652" y="1068110"/>
-                <a:ext cx="9050348" cy="1827489"/>
-              </a:xfrm>
-            </p:spPr>
-            <p:txBody>
-              <a:bodyPr/>
-              <a:lstStyle/>
-              <a:p>
-                <a:r>
-                  <a:rPr lang="en-US" altLang="zh-CN" sz="2400" dirty="0">
-                    <a:latin typeface="+mn-lt"/>
-                    <a:cs typeface="Times New Roman" panose="02020603050405020304" pitchFamily="18" charset="0"/>
-                  </a:rPr>
-                  <a:t>High-Reynolds-number wall-bounded turbulence is common in industrial engineering, but is inaccessible to DNS/LES</a:t>
-                </a:r>
-                <a:endParaRPr lang="en-US" altLang="zh-CN" sz="2000" dirty="0">
-                  <a:latin typeface="+mn-lt"/>
-                  <a:cs typeface="Times New Roman" panose="02020603050405020304" pitchFamily="18" charset="0"/>
-                </a:endParaRPr>
-              </a:p>
-              <a:p>
-                <a:pPr lvl="1"/>
-                <a:r>
-                  <a:rPr lang="en-US" altLang="zh-CN" sz="2000" dirty="0">
-                    <a:latin typeface="+mn-lt"/>
-                    <a:cs typeface="Times New Roman" panose="02020603050405020304" pitchFamily="18" charset="0"/>
-                  </a:rPr>
-                  <a:t>LES of a whole aircraft will be ready in 2045</a:t>
-                </a:r>
-              </a:p>
-              <a:p>
-                <a:pPr lvl="1"/>
-                <a:r>
-                  <a:rPr lang="en-US" altLang="zh-CN" sz="2000" dirty="0">
-                    <a:latin typeface="+mn-lt"/>
-                    <a:cs typeface="Times New Roman" panose="02020603050405020304" pitchFamily="18" charset="0"/>
-                  </a:rPr>
-                  <a:t>The highest computable </a:t>
-                </a:r>
-                <a14:m>
-                  <m:oMath xmlns:m="http://schemas.openxmlformats.org/officeDocument/2006/math">
-                    <m:sSub>
-                      <m:sSubPr>
-                        <m:ctrlPr>
-                          <a:rPr lang="en-US" altLang="zh-CN" sz="2000" i="1" smtClean="0">
-                            <a:latin typeface="Cambria Math" panose="02040503050406030204" pitchFamily="18" charset="0"/>
-                            <a:cs typeface="Times New Roman" panose="02020603050405020304" pitchFamily="18" charset="0"/>
-                          </a:rPr>
-                        </m:ctrlPr>
-                      </m:sSubPr>
-                      <m:e>
-                        <m:r>
-                          <a:rPr lang="en-US" altLang="zh-CN" sz="2000" b="0" i="1" smtClean="0">
-                            <a:latin typeface="Cambria Math" panose="02040503050406030204" pitchFamily="18" charset="0"/>
-                            <a:cs typeface="Times New Roman" panose="02020603050405020304" pitchFamily="18" charset="0"/>
-                          </a:rPr>
-                          <m:t>𝑅𝑒</m:t>
-                        </m:r>
-                      </m:e>
-                      <m:sub>
-                        <m:r>
-                          <a:rPr lang="zh-CN" altLang="en-US" sz="2000" i="1" smtClean="0">
-                            <a:latin typeface="Cambria Math" panose="02040503050406030204" pitchFamily="18" charset="0"/>
-                            <a:cs typeface="Times New Roman" panose="02020603050405020304" pitchFamily="18" charset="0"/>
-                          </a:rPr>
-                          <m:t>𝜏</m:t>
-                        </m:r>
-                      </m:sub>
-                    </m:sSub>
-                  </m:oMath>
-                </a14:m>
-                <a:r>
-                  <a:rPr lang="en-US" altLang="zh-CN" sz="2000" dirty="0">
-                    <a:latin typeface="+mn-lt"/>
-                    <a:cs typeface="Times New Roman" panose="02020603050405020304" pitchFamily="18" charset="0"/>
-                  </a:rPr>
-                  <a:t> ~ 10</a:t>
-                </a:r>
-                <a:r>
-                  <a:rPr lang="en-US" altLang="zh-CN" sz="2000" baseline="30000" dirty="0">
-                    <a:latin typeface="+mn-lt"/>
-                    <a:cs typeface="Times New Roman" panose="02020603050405020304" pitchFamily="18" charset="0"/>
-                  </a:rPr>
-                  <a:t>4</a:t>
-                </a:r>
-                <a:r>
-                  <a:rPr lang="en-US" altLang="zh-CN" sz="2000" dirty="0">
-                    <a:latin typeface="+mn-lt"/>
-                    <a:cs typeface="Times New Roman" panose="02020603050405020304" pitchFamily="18" charset="0"/>
-                  </a:rPr>
-                  <a:t> for channel</a:t>
-                </a:r>
-              </a:p>
-              <a:p>
-                <a:pPr lvl="1"/>
-                <a:endParaRPr lang="en-US" altLang="zh-CN" sz="2000" baseline="30000" dirty="0">
-                  <a:latin typeface="+mn-lt"/>
-                  <a:cs typeface="Times New Roman" panose="02020603050405020304" pitchFamily="18" charset="0"/>
-                </a:endParaRPr>
-              </a:p>
-              <a:p>
-                <a:pPr marL="457200" lvl="1" indent="0">
-                  <a:buNone/>
-                </a:pPr>
-                <a:endParaRPr lang="en-US" altLang="zh-CN" sz="2000" baseline="30000" dirty="0">
-                  <a:latin typeface="+mn-lt"/>
-                  <a:cs typeface="Times New Roman" panose="02020603050405020304" pitchFamily="18" charset="0"/>
-                </a:endParaRPr>
-              </a:p>
-              <a:p>
-                <a:pPr marL="457200" lvl="1" indent="0">
-                  <a:buNone/>
-                </a:pPr>
-                <a:endParaRPr lang="en-US" altLang="zh-CN" sz="2000" baseline="30000" dirty="0">
-                  <a:latin typeface="+mn-lt"/>
-                  <a:cs typeface="Times New Roman" panose="02020603050405020304" pitchFamily="18" charset="0"/>
-                </a:endParaRPr>
-              </a:p>
-              <a:p>
-                <a:pPr marL="457200" lvl="1" indent="0">
-                  <a:buNone/>
-                </a:pPr>
-                <a:endParaRPr lang="en-US" altLang="zh-CN" sz="2000" baseline="30000" dirty="0">
-                  <a:latin typeface="+mn-lt"/>
-                  <a:cs typeface="Times New Roman" panose="02020603050405020304" pitchFamily="18" charset="0"/>
-                </a:endParaRPr>
-              </a:p>
-              <a:p>
-                <a:pPr marL="457200" lvl="1" indent="0">
-                  <a:buNone/>
-                </a:pPr>
-                <a:endParaRPr lang="en-US" altLang="zh-CN" sz="2000" baseline="30000" dirty="0">
-                  <a:latin typeface="+mn-lt"/>
-                  <a:cs typeface="Times New Roman" panose="02020603050405020304" pitchFamily="18" charset="0"/>
-                </a:endParaRPr>
-              </a:p>
-              <a:p>
-                <a:pPr marL="457200" lvl="1" indent="0">
-                  <a:buNone/>
-                </a:pPr>
-                <a:endParaRPr lang="en-US" altLang="zh-CN" sz="2000" baseline="30000" dirty="0">
-                  <a:latin typeface="+mn-lt"/>
-                  <a:cs typeface="Times New Roman" panose="02020603050405020304" pitchFamily="18" charset="0"/>
-                </a:endParaRPr>
-              </a:p>
-              <a:p>
-                <a:pPr marL="457200" lvl="1" indent="0">
-                  <a:buNone/>
-                </a:pPr>
-                <a:endParaRPr lang="en-US" altLang="zh-CN" sz="2000" baseline="30000" dirty="0">
-                  <a:latin typeface="+mn-lt"/>
-                  <a:cs typeface="Times New Roman" panose="02020603050405020304" pitchFamily="18" charset="0"/>
-                </a:endParaRPr>
-              </a:p>
-              <a:p>
-                <a:pPr marL="457200" lvl="1" indent="0">
-                  <a:buNone/>
-                </a:pPr>
-                <a:endParaRPr lang="en-US" altLang="zh-CN" sz="2000" baseline="30000" dirty="0">
-                  <a:latin typeface="+mn-lt"/>
-                  <a:cs typeface="Times New Roman" panose="02020603050405020304" pitchFamily="18" charset="0"/>
-                </a:endParaRPr>
-              </a:p>
-              <a:p>
-                <a:pPr>
-                  <a:lnSpc>
-                    <a:spcPct val="125000"/>
-                  </a:lnSpc>
-                </a:pPr>
-                <a:endParaRPr lang="en-US" altLang="zh-CN" sz="2400" dirty="0">
-                  <a:latin typeface="+mn-lt"/>
-                  <a:cs typeface="Times New Roman" panose="02020603050405020304" pitchFamily="18" charset="0"/>
-                </a:endParaRPr>
-              </a:p>
-              <a:p>
-                <a:pPr marL="457200" lvl="1" indent="0">
-                  <a:lnSpc>
-                    <a:spcPct val="125000"/>
-                  </a:lnSpc>
-                  <a:buNone/>
-                </a:pPr>
-                <a:endParaRPr lang="en-US" altLang="zh-CN" sz="2000" dirty="0">
-                  <a:latin typeface="+mn-lt"/>
-                  <a:cs typeface="Times New Roman" panose="02020603050405020304" pitchFamily="18" charset="0"/>
-                </a:endParaRPr>
-              </a:p>
-            </p:txBody>
-          </p:sp>
-        </mc:Choice>
-        <mc:Fallback>
-          <p:sp>
-            <p:nvSpPr>
-              <p:cNvPr id="7" name="内容占位符 2"/>
-              <p:cNvSpPr>
-                <a:spLocks noGrp="1" noRot="1" noChangeAspect="1" noMove="1" noResize="1" noEditPoints="1" noAdjustHandles="1" noChangeArrowheads="1" noChangeShapeType="1" noTextEdit="1"/>
-              </p:cNvSpPr>
-              <p:nvPr>
-                <p:ph idx="4294967295"/>
-              </p:nvPr>
-            </p:nvSpPr>
-            <p:spPr>
-              <a:xfrm>
-                <a:off x="93652" y="1068110"/>
-                <a:ext cx="9050348" cy="1827489"/>
-              </a:xfrm>
-              <a:blipFill>
-                <a:blip r:embed="rId3"/>
-                <a:stretch>
-                  <a:fillRect l="-875" t="-2333" r="-943"/>
-                </a:stretch>
-              </a:blipFill>
-            </p:spPr>
-            <p:txBody>
-              <a:bodyPr/>
-              <a:lstStyle/>
-              <a:p>
-                <a:r>
-                  <a:rPr lang="en-US">
-                    <a:noFill/>
-                  </a:rPr>
-                  <a:t> </a:t>
-                </a:r>
-              </a:p>
-            </p:txBody>
-          </p:sp>
-        </mc:Fallback>
-      </mc:AlternateContent>
       <p:sp>
         <p:nvSpPr>
           <p:cNvPr id="9" name="Rectangle 2"/>
@@ -24120,12 +24267,315 @@
           </a:p>
         </p:txBody>
       </p:sp>
+      <p:sp>
+        <p:nvSpPr>
+          <p:cNvPr id="18" name="内容占位符 2">
+            <a:extLst>
+              <a:ext uri="{FF2B5EF4-FFF2-40B4-BE49-F238E27FC236}">
+                <a16:creationId xmlns:a16="http://schemas.microsoft.com/office/drawing/2014/main" id="{5B83F688-3AAF-6E92-D5A4-B8DCA97B9756}"/>
+              </a:ext>
+            </a:extLst>
+          </p:cNvPr>
+          <p:cNvSpPr txBox="1">
+            <a:spLocks/>
+          </p:cNvSpPr>
+          <p:nvPr/>
+        </p:nvSpPr>
+        <p:spPr bwMode="auto">
+          <a:xfrm>
+            <a:off x="93652" y="1068111"/>
+            <a:ext cx="9050348" cy="1446487"/>
+          </a:xfrm>
+          <a:prstGeom prst="rect">
+            <a:avLst/>
+          </a:prstGeom>
+          <a:noFill/>
+          <a:ln>
+            <a:noFill/>
+          </a:ln>
+          <a:extLst>
+            <a:ext uri="{909E8E84-426E-40DD-AFC4-6F175D3DCCD1}">
+              <a14:hiddenFill xmlns:a14="http://schemas.microsoft.com/office/drawing/2010/main">
+                <a:solidFill>
+                  <a:srgbClr val="FFFFFF"/>
+                </a:solidFill>
+              </a14:hiddenFill>
+            </a:ext>
+            <a:ext uri="{91240B29-F687-4F45-9708-019B960494DF}">
+              <a14:hiddenLine xmlns:a14="http://schemas.microsoft.com/office/drawing/2010/main" w="28575">
+                <a:solidFill>
+                  <a:srgbClr val="000000"/>
+                </a:solidFill>
+                <a:miter lim="800000"/>
+                <a:headEnd/>
+                <a:tailEnd/>
+              </a14:hiddenLine>
+            </a:ext>
+          </a:extLst>
+        </p:spPr>
+        <p:txBody>
+          <a:bodyPr vert="horz" wrap="square" lIns="91440" tIns="45720" rIns="91440" bIns="45720" numCol="1" anchor="t" anchorCtr="0" compatLnSpc="1">
+            <a:prstTxWarp prst="textNoShape">
+              <a:avLst/>
+            </a:prstTxWarp>
+          </a:bodyPr>
+          <a:lstStyle>
+            <a:lvl1pPr marL="342900" indent="-342900" algn="l" rtl="0" eaLnBrk="1" fontAlgn="base" hangingPunct="1">
+              <a:spcBef>
+                <a:spcPct val="30000"/>
+              </a:spcBef>
+              <a:spcAft>
+                <a:spcPct val="0"/>
+              </a:spcAft>
+              <a:buClr>
+                <a:schemeClr val="hlink"/>
+              </a:buClr>
+              <a:buFont typeface="Wingdings" pitchFamily="2" charset="2"/>
+              <a:buChar char="§"/>
+              <a:defRPr sz="3200">
+                <a:solidFill>
+                  <a:srgbClr val="000066"/>
+                </a:solidFill>
+                <a:latin typeface="微软雅黑" pitchFamily="34" charset="-122"/>
+                <a:ea typeface="微软雅黑" pitchFamily="34" charset="-122"/>
+                <a:cs typeface="+mn-cs"/>
+              </a:defRPr>
+            </a:lvl1pPr>
+            <a:lvl2pPr marL="742950" indent="-285750" algn="l" rtl="0" eaLnBrk="1" fontAlgn="base" hangingPunct="1">
+              <a:spcBef>
+                <a:spcPct val="30000"/>
+              </a:spcBef>
+              <a:spcAft>
+                <a:spcPct val="0"/>
+              </a:spcAft>
+              <a:buClr>
+                <a:schemeClr val="tx2"/>
+              </a:buClr>
+              <a:buSzPct val="85000"/>
+              <a:buFont typeface="Wingdings" pitchFamily="2" charset="2"/>
+              <a:buChar char="Ø"/>
+              <a:defRPr sz="2800">
+                <a:solidFill>
+                  <a:srgbClr val="006666"/>
+                </a:solidFill>
+                <a:latin typeface="微软雅黑" pitchFamily="34" charset="-122"/>
+                <a:ea typeface="微软雅黑" pitchFamily="34" charset="-122"/>
+              </a:defRPr>
+            </a:lvl2pPr>
+            <a:lvl3pPr marL="1143000" indent="-228600" algn="l" rtl="0" eaLnBrk="1" fontAlgn="base" hangingPunct="1">
+              <a:spcBef>
+                <a:spcPct val="30000"/>
+              </a:spcBef>
+              <a:spcAft>
+                <a:spcPct val="0"/>
+              </a:spcAft>
+              <a:buClr>
+                <a:schemeClr val="hlink"/>
+              </a:buClr>
+              <a:buSzPct val="95000"/>
+              <a:buFont typeface="Wingdings 2" pitchFamily="18" charset="2"/>
+              <a:buChar char="¡"/>
+              <a:defRPr sz="2400">
+                <a:solidFill>
+                  <a:schemeClr val="hlink"/>
+                </a:solidFill>
+                <a:latin typeface="微软雅黑" pitchFamily="34" charset="-122"/>
+                <a:ea typeface="微软雅黑" pitchFamily="34" charset="-122"/>
+              </a:defRPr>
+            </a:lvl3pPr>
+            <a:lvl4pPr marL="1600200" indent="-228600" algn="l" rtl="0" eaLnBrk="1" fontAlgn="base" hangingPunct="1">
+              <a:spcBef>
+                <a:spcPct val="30000"/>
+              </a:spcBef>
+              <a:spcAft>
+                <a:spcPct val="0"/>
+              </a:spcAft>
+              <a:buClr>
+                <a:schemeClr val="tx2"/>
+              </a:buClr>
+              <a:buSzPct val="90000"/>
+              <a:buFont typeface="Wingdings" pitchFamily="2" charset="2"/>
+              <a:buChar char="Ø"/>
+              <a:defRPr sz="2000">
+                <a:solidFill>
+                  <a:srgbClr val="990099"/>
+                </a:solidFill>
+                <a:latin typeface="微软雅黑" pitchFamily="34" charset="-122"/>
+                <a:ea typeface="微软雅黑" pitchFamily="34" charset="-122"/>
+              </a:defRPr>
+            </a:lvl4pPr>
+            <a:lvl5pPr marL="2057400" indent="-228600" algn="l" rtl="0" eaLnBrk="1" fontAlgn="base" hangingPunct="1">
+              <a:spcBef>
+                <a:spcPct val="30000"/>
+              </a:spcBef>
+              <a:spcAft>
+                <a:spcPct val="0"/>
+              </a:spcAft>
+              <a:buClr>
+                <a:schemeClr val="hlink"/>
+              </a:buClr>
+              <a:buFont typeface="Wingdings 2" pitchFamily="18" charset="2"/>
+              <a:buChar char="¡"/>
+              <a:defRPr sz="2000">
+                <a:solidFill>
+                  <a:schemeClr val="tx1"/>
+                </a:solidFill>
+                <a:latin typeface="微软雅黑" pitchFamily="34" charset="-122"/>
+                <a:ea typeface="微软雅黑" pitchFamily="34" charset="-122"/>
+              </a:defRPr>
+            </a:lvl5pPr>
+            <a:lvl6pPr marL="2514600" indent="-228600" algn="l" rtl="0" eaLnBrk="1" fontAlgn="base" hangingPunct="1">
+              <a:spcBef>
+                <a:spcPct val="30000"/>
+              </a:spcBef>
+              <a:spcAft>
+                <a:spcPct val="0"/>
+              </a:spcAft>
+              <a:buClr>
+                <a:schemeClr val="hlink"/>
+              </a:buClr>
+              <a:buFont typeface="Wingdings 2" pitchFamily="18" charset="2"/>
+              <a:buChar char="¡"/>
+              <a:defRPr sz="2000">
+                <a:solidFill>
+                  <a:schemeClr val="tx1"/>
+                </a:solidFill>
+                <a:latin typeface="+mn-lt"/>
+                <a:ea typeface="+mn-ea"/>
+              </a:defRPr>
+            </a:lvl6pPr>
+            <a:lvl7pPr marL="2971800" indent="-228600" algn="l" rtl="0" eaLnBrk="1" fontAlgn="base" hangingPunct="1">
+              <a:spcBef>
+                <a:spcPct val="30000"/>
+              </a:spcBef>
+              <a:spcAft>
+                <a:spcPct val="0"/>
+              </a:spcAft>
+              <a:buClr>
+                <a:schemeClr val="hlink"/>
+              </a:buClr>
+              <a:buFont typeface="Wingdings 2" pitchFamily="18" charset="2"/>
+              <a:buChar char="¡"/>
+              <a:defRPr sz="2000">
+                <a:solidFill>
+                  <a:schemeClr val="tx1"/>
+                </a:solidFill>
+                <a:latin typeface="+mn-lt"/>
+                <a:ea typeface="+mn-ea"/>
+              </a:defRPr>
+            </a:lvl7pPr>
+            <a:lvl8pPr marL="3429000" indent="-228600" algn="l" rtl="0" eaLnBrk="1" fontAlgn="base" hangingPunct="1">
+              <a:spcBef>
+                <a:spcPct val="30000"/>
+              </a:spcBef>
+              <a:spcAft>
+                <a:spcPct val="0"/>
+              </a:spcAft>
+              <a:buClr>
+                <a:schemeClr val="hlink"/>
+              </a:buClr>
+              <a:buFont typeface="Wingdings 2" pitchFamily="18" charset="2"/>
+              <a:buChar char="¡"/>
+              <a:defRPr sz="2000">
+                <a:solidFill>
+                  <a:schemeClr val="tx1"/>
+                </a:solidFill>
+                <a:latin typeface="+mn-lt"/>
+                <a:ea typeface="+mn-ea"/>
+              </a:defRPr>
+            </a:lvl8pPr>
+            <a:lvl9pPr marL="3886200" indent="-228600" algn="l" rtl="0" eaLnBrk="1" fontAlgn="base" hangingPunct="1">
+              <a:spcBef>
+                <a:spcPct val="30000"/>
+              </a:spcBef>
+              <a:spcAft>
+                <a:spcPct val="0"/>
+              </a:spcAft>
+              <a:buClr>
+                <a:schemeClr val="hlink"/>
+              </a:buClr>
+              <a:buFont typeface="Wingdings 2" pitchFamily="18" charset="2"/>
+              <a:buChar char="¡"/>
+              <a:defRPr sz="2000">
+                <a:solidFill>
+                  <a:schemeClr val="tx1"/>
+                </a:solidFill>
+                <a:latin typeface="+mn-lt"/>
+                <a:ea typeface="+mn-ea"/>
+              </a:defRPr>
+            </a:lvl9pPr>
+          </a:lstStyle>
+          <a:p>
+            <a:r>
+              <a:rPr lang="en-US" altLang="zh-CN" sz="2400" kern="0" dirty="0">
+                <a:latin typeface="+mn-lt"/>
+                <a:cs typeface="Times New Roman" panose="02020603050405020304" pitchFamily="18" charset="0"/>
+              </a:rPr>
+              <a:t>RETAU5200</a:t>
+            </a:r>
+            <a:endParaRPr lang="en-US" altLang="zh-CN" sz="2000" kern="0" dirty="0">
+              <a:latin typeface="+mn-lt"/>
+              <a:cs typeface="Times New Roman" panose="02020603050405020304" pitchFamily="18" charset="0"/>
+            </a:endParaRPr>
+          </a:p>
+          <a:p>
+            <a:pPr lvl="1"/>
+            <a:r>
+              <a:rPr lang="en-US" altLang="zh-CN" sz="2000" dirty="0">
+                <a:latin typeface="+mn-lt"/>
+                <a:cs typeface="Times New Roman" panose="02020603050405020304" pitchFamily="18" charset="0"/>
+              </a:rPr>
+              <a:t>Neither Neumann nor wall model yields acceptable profiles</a:t>
+            </a:r>
+          </a:p>
+          <a:p>
+            <a:pPr lvl="1"/>
+            <a:r>
+              <a:rPr lang="en-US" altLang="zh-CN" sz="2000" kern="0" dirty="0">
+                <a:latin typeface="+mn-lt"/>
+                <a:cs typeface="Times New Roman" panose="02020603050405020304" pitchFamily="18" charset="0"/>
+              </a:rPr>
+              <a:t>Resolutions are insufficient</a:t>
+            </a:r>
+          </a:p>
+        </p:txBody>
+      </p:sp>
       <p:pic>
         <p:nvPicPr>
-          <p:cNvPr id="15" name="Picture 14">
+          <p:cNvPr id="36" name="Picture 35">
             <a:extLst>
               <a:ext uri="{FF2B5EF4-FFF2-40B4-BE49-F238E27FC236}">
-                <a16:creationId xmlns:a16="http://schemas.microsoft.com/office/drawing/2014/main" id="{FAB37A1F-AFB4-91A9-DD03-604191026725}"/>
+                <a16:creationId xmlns:a16="http://schemas.microsoft.com/office/drawing/2014/main" id="{A8525D05-0C2D-7294-E8C6-96683A2E1D5F}"/>
+              </a:ext>
+            </a:extLst>
+          </p:cNvPr>
+          <p:cNvPicPr>
+            <a:picLocks noChangeAspect="1"/>
+          </p:cNvPicPr>
+          <p:nvPr/>
+        </p:nvPicPr>
+        <p:blipFill>
+          <a:blip r:embed="rId3"/>
+          <a:stretch>
+            <a:fillRect/>
+          </a:stretch>
+        </p:blipFill>
+        <p:spPr>
+          <a:xfrm>
+            <a:off x="4724400" y="3390745"/>
+            <a:ext cx="3968954" cy="3010055"/>
+          </a:xfrm>
+          <a:prstGeom prst="rect">
+            <a:avLst/>
+          </a:prstGeom>
+        </p:spPr>
+      </p:pic>
+      <p:pic>
+        <p:nvPicPr>
+          <p:cNvPr id="55" name="Picture 54">
+            <a:extLst>
+              <a:ext uri="{FF2B5EF4-FFF2-40B4-BE49-F238E27FC236}">
+                <a16:creationId xmlns:a16="http://schemas.microsoft.com/office/drawing/2014/main" id="{17CB35E4-3428-7F51-3B97-A61FF179DC1A}"/>
               </a:ext>
             </a:extLst>
           </p:cNvPr>
@@ -24142,44 +24592,84 @@
         </p:blipFill>
         <p:spPr>
           <a:xfrm>
-            <a:off x="533400" y="3048000"/>
-            <a:ext cx="4019757" cy="3010055"/>
+            <a:off x="457200" y="3390745"/>
+            <a:ext cx="3956253" cy="2984653"/>
           </a:xfrm>
           <a:prstGeom prst="rect">
             <a:avLst/>
           </a:prstGeom>
         </p:spPr>
       </p:pic>
-      <p:pic>
-        <p:nvPicPr>
-          <p:cNvPr id="17" name="Picture 16">
+      <p:sp>
+        <p:nvSpPr>
+          <p:cNvPr id="41" name="TextBox 40">
             <a:extLst>
               <a:ext uri="{FF2B5EF4-FFF2-40B4-BE49-F238E27FC236}">
-                <a16:creationId xmlns:a16="http://schemas.microsoft.com/office/drawing/2014/main" id="{0AA73FDA-FC69-4147-69A3-B7DBCACBE950}"/>
+                <a16:creationId xmlns:a16="http://schemas.microsoft.com/office/drawing/2014/main" id="{CEFC1CA4-6BDA-687A-BF4B-114098DF5FEC}"/>
               </a:ext>
             </a:extLst>
           </p:cNvPr>
-          <p:cNvPicPr>
-            <a:picLocks noChangeAspect="1"/>
-          </p:cNvPicPr>
+          <p:cNvSpPr txBox="1"/>
           <p:nvPr/>
-        </p:nvPicPr>
-        <p:blipFill>
-          <a:blip r:embed="rId5"/>
-          <a:stretch>
-            <a:fillRect/>
-          </a:stretch>
-        </p:blipFill>
+        </p:nvSpPr>
         <p:spPr>
           <a:xfrm>
-            <a:off x="4553157" y="3051175"/>
-            <a:ext cx="3962604" cy="3003704"/>
+            <a:off x="1786861" y="6412468"/>
+            <a:ext cx="1184940" cy="369332"/>
           </a:xfrm>
           <a:prstGeom prst="rect">
             <a:avLst/>
           </a:prstGeom>
+          <a:noFill/>
         </p:spPr>
-      </p:pic>
+        <p:txBody>
+          <a:bodyPr wrap="none" rtlCol="0">
+            <a:spAutoFit/>
+          </a:bodyPr>
+          <a:lstStyle/>
+          <a:p>
+            <a:r>
+              <a:rPr lang="en-US" dirty="0"/>
+              <a:t>Neumann</a:t>
+            </a:r>
+          </a:p>
+        </p:txBody>
+      </p:sp>
+      <p:sp>
+        <p:nvSpPr>
+          <p:cNvPr id="42" name="TextBox 41">
+            <a:extLst>
+              <a:ext uri="{FF2B5EF4-FFF2-40B4-BE49-F238E27FC236}">
+                <a16:creationId xmlns:a16="http://schemas.microsoft.com/office/drawing/2014/main" id="{1312CB8D-E9F5-FF1E-4ED8-D2F0EB944E34}"/>
+              </a:ext>
+            </a:extLst>
+          </p:cNvPr>
+          <p:cNvSpPr txBox="1"/>
+          <p:nvPr/>
+        </p:nvSpPr>
+        <p:spPr>
+          <a:xfrm>
+            <a:off x="6039727" y="6412468"/>
+            <a:ext cx="1317412" cy="369332"/>
+          </a:xfrm>
+          <a:prstGeom prst="rect">
+            <a:avLst/>
+          </a:prstGeom>
+          <a:noFill/>
+        </p:spPr>
+        <p:txBody>
+          <a:bodyPr wrap="none" rtlCol="0">
+            <a:spAutoFit/>
+          </a:bodyPr>
+          <a:lstStyle/>
+          <a:p>
+            <a:r>
+              <a:rPr lang="en-US" dirty="0"/>
+              <a:t>Wall model</a:t>
+            </a:r>
+          </a:p>
+        </p:txBody>
+      </p:sp>
     </p:spTree>
     <p:extLst>
       <p:ext uri="{BB962C8B-B14F-4D97-AF65-F5344CB8AC3E}">
@@ -24194,7 +24684,7 @@
 </p:sld>
 </file>
 
-<file path=ppt/slides/slide3.xml><?xml version="1.0" encoding="utf-8"?>
+<file path=ppt/slides/slide4.xml><?xml version="1.0" encoding="utf-8"?>
 <p:sld xmlns:a="http://schemas.openxmlformats.org/drawingml/2006/main" xmlns:r="http://schemas.openxmlformats.org/officeDocument/2006/relationships" xmlns:p="http://schemas.openxmlformats.org/presentationml/2006/main">
   <p:cSld>
     <p:spTree>
@@ -24446,30 +24936,6 @@
                 </a:endParaRPr>
               </a:p>
               <a:p>
-                <a:pPr>
-                  <a:lnSpc>
-                    <a:spcPct val="125000"/>
-                  </a:lnSpc>
-                </a:pPr>
-                <a:r>
-                  <a:rPr lang="en-US" altLang="zh-CN" sz="2400" dirty="0">
-                    <a:latin typeface="+mn-lt"/>
-                    <a:cs typeface="Times New Roman" panose="02020603050405020304" pitchFamily="18" charset="0"/>
-                  </a:rPr>
-                  <a:t>Wall-modelled LES</a:t>
-                </a:r>
-              </a:p>
-              <a:p>
-                <a:pPr lvl="1"/>
-                <a:r>
-                  <a:rPr lang="en-US" altLang="zh-CN" sz="2000" dirty="0">
-                    <a:latin typeface="+mn-lt"/>
-                    <a:cs typeface="Times New Roman" panose="02020603050405020304" pitchFamily="18" charset="0"/>
-                  </a:rPr>
-                  <a:t>The expensive inner layer (~0.1δ) is modelled by eddy viscosity or modified wall-shear stress and heat flux</a:t>
-                </a:r>
-              </a:p>
-              <a:p>
                 <a:pPr lvl="1">
                   <a:lnSpc>
                     <a:spcPct val="125000"/>
@@ -24486,7 +24952,13 @@
         <mc:Fallback xmlns="">
           <p:sp>
             <p:nvSpPr>
-              <p:cNvPr id="7" name="内容占位符 2"/>
+              <p:cNvPr id="7" name="内容占位符 2">
+                <a:extLst>
+                  <a:ext uri="{FF2B5EF4-FFF2-40B4-BE49-F238E27FC236}">
+                    <a16:creationId xmlns:a16="http://schemas.microsoft.com/office/drawing/2014/main" id="{A7064020-A8FD-D083-3E6B-AB4AA320E5C7}"/>
+                  </a:ext>
+                </a:extLst>
+              </p:cNvPr>
               <p:cNvSpPr>
                 <a:spLocks noGrp="1" noRot="1" noChangeAspect="1" noMove="1" noResize="1" noEditPoints="1" noAdjustHandles="1" noChangeArrowheads="1" noChangeShapeType="1" noTextEdit="1"/>
               </p:cNvSpPr>
@@ -24590,176 +25062,6 @@
           </a:p>
         </p:txBody>
       </p:sp>
-      <p:sp>
-        <p:nvSpPr>
-          <p:cNvPr id="6" name="文本框 5">
-            <a:extLst>
-              <a:ext uri="{FF2B5EF4-FFF2-40B4-BE49-F238E27FC236}">
-                <a16:creationId xmlns:a16="http://schemas.microsoft.com/office/drawing/2014/main" id="{E9B2BCD5-BD9E-7978-1D93-3F0F2E00664F}"/>
-              </a:ext>
-            </a:extLst>
-          </p:cNvPr>
-          <p:cNvSpPr txBox="1"/>
-          <p:nvPr/>
-        </p:nvSpPr>
-        <p:spPr>
-          <a:xfrm>
-            <a:off x="8549391" y="6488668"/>
-            <a:ext cx="633507" cy="369332"/>
-          </a:xfrm>
-          <a:prstGeom prst="rect">
-            <a:avLst/>
-          </a:prstGeom>
-          <a:noFill/>
-        </p:spPr>
-        <p:txBody>
-          <a:bodyPr wrap="none" rtlCol="0">
-            <a:spAutoFit/>
-          </a:bodyPr>
-          <a:lstStyle/>
-          <a:p>
-            <a:r>
-              <a:rPr lang="en-US" altLang="zh-CN" dirty="0"/>
-              <a:t>1/12</a:t>
-            </a:r>
-            <a:endParaRPr lang="zh-CN" altLang="en-US" dirty="0"/>
-          </a:p>
-        </p:txBody>
-      </p:sp>
-      <p:pic>
-        <p:nvPicPr>
-          <p:cNvPr id="10" name="Picture 9">
-            <a:extLst>
-              <a:ext uri="{FF2B5EF4-FFF2-40B4-BE49-F238E27FC236}">
-                <a16:creationId xmlns:a16="http://schemas.microsoft.com/office/drawing/2014/main" id="{2D0CC69F-9DA2-C3F9-0768-DDC0C3615F99}"/>
-              </a:ext>
-            </a:extLst>
-          </p:cNvPr>
-          <p:cNvPicPr>
-            <a:picLocks noChangeAspect="1"/>
-          </p:cNvPicPr>
-          <p:nvPr/>
-        </p:nvPicPr>
-        <p:blipFill>
-          <a:blip r:embed="rId4"/>
-          <a:stretch>
-            <a:fillRect/>
-          </a:stretch>
-        </p:blipFill>
-        <p:spPr>
-          <a:xfrm>
-            <a:off x="4726984" y="2649859"/>
-            <a:ext cx="4035136" cy="3198439"/>
-          </a:xfrm>
-          <a:prstGeom prst="rect">
-            <a:avLst/>
-          </a:prstGeom>
-        </p:spPr>
-      </p:pic>
-      <p:pic>
-        <p:nvPicPr>
-          <p:cNvPr id="11" name="Picture 10">
-            <a:extLst>
-              <a:ext uri="{FF2B5EF4-FFF2-40B4-BE49-F238E27FC236}">
-                <a16:creationId xmlns:a16="http://schemas.microsoft.com/office/drawing/2014/main" id="{D28BCEC2-5205-1979-0D06-9228679B7BEA}"/>
-              </a:ext>
-            </a:extLst>
-          </p:cNvPr>
-          <p:cNvPicPr>
-            <a:picLocks noChangeAspect="1"/>
-          </p:cNvPicPr>
-          <p:nvPr/>
-        </p:nvPicPr>
-        <p:blipFill>
-          <a:blip r:embed="rId5"/>
-          <a:stretch>
-            <a:fillRect/>
-          </a:stretch>
-        </p:blipFill>
-        <p:spPr>
-          <a:xfrm>
-            <a:off x="463330" y="2639468"/>
-            <a:ext cx="3920836" cy="2875773"/>
-          </a:xfrm>
-          <a:prstGeom prst="rect">
-            <a:avLst/>
-          </a:prstGeom>
-        </p:spPr>
-      </p:pic>
-      <p:sp>
-        <p:nvSpPr>
-          <p:cNvPr id="13" name="TextBox 12">
-            <a:extLst>
-              <a:ext uri="{FF2B5EF4-FFF2-40B4-BE49-F238E27FC236}">
-                <a16:creationId xmlns:a16="http://schemas.microsoft.com/office/drawing/2014/main" id="{40AD2EEF-476A-28F6-ACBE-EF2538BADFA2}"/>
-              </a:ext>
-            </a:extLst>
-          </p:cNvPr>
-          <p:cNvSpPr txBox="1"/>
-          <p:nvPr/>
-        </p:nvSpPr>
-        <p:spPr>
-          <a:xfrm>
-            <a:off x="2779309" y="4800600"/>
-            <a:ext cx="2005677" cy="369332"/>
-          </a:xfrm>
-          <a:prstGeom prst="rect">
-            <a:avLst/>
-          </a:prstGeom>
-          <a:noFill/>
-        </p:spPr>
-        <p:txBody>
-          <a:bodyPr wrap="none" rtlCol="0">
-            <a:spAutoFit/>
-          </a:bodyPr>
-          <a:lstStyle/>
-          <a:p>
-            <a:r>
-              <a:rPr lang="en-US" dirty="0"/>
-              <a:t>Deck et al. (2014)</a:t>
-            </a:r>
-          </a:p>
-        </p:txBody>
-      </p:sp>
-      <p:sp>
-        <p:nvSpPr>
-          <p:cNvPr id="14" name="TextBox 13">
-            <a:extLst>
-              <a:ext uri="{FF2B5EF4-FFF2-40B4-BE49-F238E27FC236}">
-                <a16:creationId xmlns:a16="http://schemas.microsoft.com/office/drawing/2014/main" id="{535832A4-FC2B-7ACB-BEA9-B3E76EEE2BEE}"/>
-              </a:ext>
-            </a:extLst>
-          </p:cNvPr>
-          <p:cNvSpPr txBox="1"/>
-          <p:nvPr/>
-        </p:nvSpPr>
-        <p:spPr>
-          <a:xfrm>
-            <a:off x="6633906" y="4985266"/>
-            <a:ext cx="1787669" cy="369332"/>
-          </a:xfrm>
-          <a:prstGeom prst="rect">
-            <a:avLst/>
-          </a:prstGeom>
-          <a:noFill/>
-        </p:spPr>
-        <p:txBody>
-          <a:bodyPr wrap="none" rtlCol="0">
-            <a:spAutoFit/>
-          </a:bodyPr>
-          <a:lstStyle/>
-          <a:p>
-            <a:r>
-              <a:rPr lang="en-US" dirty="0" err="1"/>
-              <a:t>Pirozzoli</a:t>
-            </a:r>
-            <a:r>
-              <a:rPr lang="en-US" dirty="0"/>
-              <a:t> (2022)</a:t>
-            </a:r>
-          </a:p>
-        </p:txBody>
-      </p:sp>
     </p:spTree>
     <p:extLst>
       <p:ext uri="{BB962C8B-B14F-4D97-AF65-F5344CB8AC3E}">
@@ -24771,246 +25073,6 @@
     <a:masterClrMapping/>
   </p:clrMapOvr>
   <p:transition spd="med" advTm="63997"/>
-</p:sld>
-</file>
-
-<file path=ppt/slides/slide4.xml><?xml version="1.0" encoding="utf-8"?>
-<p:sld xmlns:a="http://schemas.openxmlformats.org/drawingml/2006/main" xmlns:r="http://schemas.openxmlformats.org/officeDocument/2006/relationships" xmlns:p="http://schemas.openxmlformats.org/presentationml/2006/main">
-  <p:cSld>
-    <p:spTree>
-      <p:nvGrpSpPr>
-        <p:cNvPr id="1" name=""/>
-        <p:cNvGrpSpPr/>
-        <p:nvPr/>
-      </p:nvGrpSpPr>
-      <p:grpSpPr>
-        <a:xfrm>
-          <a:off x="0" y="0"/>
-          <a:ext cx="0" cy="0"/>
-          <a:chOff x="0" y="0"/>
-          <a:chExt cx="0" cy="0"/>
-        </a:xfrm>
-      </p:grpSpPr>
-      <p:sp>
-        <p:nvSpPr>
-          <p:cNvPr id="3" name="内容占位符 2"/>
-          <p:cNvSpPr>
-            <a:spLocks noGrp="1"/>
-          </p:cNvSpPr>
-          <p:nvPr>
-            <p:ph idx="1"/>
-          </p:nvPr>
-        </p:nvSpPr>
-        <p:spPr>
-          <a:xfrm>
-            <a:off x="437621" y="1373816"/>
-            <a:ext cx="5886979" cy="4924425"/>
-          </a:xfrm>
-        </p:spPr>
-        <p:txBody>
-          <a:bodyPr/>
-          <a:lstStyle/>
-          <a:p>
-            <a:r>
-              <a:rPr lang="en-US" altLang="zh-CN" sz="2800" dirty="0">
-                <a:latin typeface="+mj-lt"/>
-                <a:cs typeface="Times New Roman" panose="02020603050405020304" pitchFamily="18" charset="0"/>
-              </a:rPr>
-              <a:t>Background</a:t>
-            </a:r>
-          </a:p>
-          <a:p>
-            <a:r>
-              <a:rPr lang="en-US" altLang="zh-CN" sz="2800" dirty="0">
-                <a:latin typeface="+mj-lt"/>
-                <a:cs typeface="Times New Roman" panose="02020603050405020304" pitchFamily="18" charset="0"/>
-              </a:rPr>
-              <a:t>Content</a:t>
-            </a:r>
-            <a:endParaRPr lang="en-US" altLang="zh-CN" sz="2000" dirty="0">
-              <a:latin typeface="+mj-lt"/>
-              <a:cs typeface="Times New Roman" panose="02020603050405020304" pitchFamily="18" charset="0"/>
-            </a:endParaRPr>
-          </a:p>
-          <a:p>
-            <a:pPr lvl="1"/>
-            <a:r>
-              <a:rPr lang="en-US" altLang="zh-CN" sz="2000" dirty="0" err="1">
-                <a:latin typeface="+mj-lt"/>
-                <a:cs typeface="Times New Roman" panose="02020603050405020304" pitchFamily="18" charset="0"/>
-              </a:rPr>
-              <a:t>RLTurb</a:t>
-            </a:r>
-            <a:endParaRPr lang="en-US" altLang="zh-CN" sz="2000" dirty="0">
-              <a:latin typeface="+mj-lt"/>
-              <a:cs typeface="Times New Roman" panose="02020603050405020304" pitchFamily="18" charset="0"/>
-            </a:endParaRPr>
-          </a:p>
-          <a:p>
-            <a:pPr lvl="1"/>
-            <a:r>
-              <a:rPr lang="en-US" altLang="zh-CN" sz="2000" dirty="0">
-                <a:latin typeface="+mj-lt"/>
-                <a:cs typeface="Times New Roman" panose="02020603050405020304" pitchFamily="18" charset="0"/>
-              </a:rPr>
-              <a:t>RLWM-IC</a:t>
-            </a:r>
-          </a:p>
-          <a:p>
-            <a:pPr lvl="1"/>
-            <a:r>
-              <a:rPr lang="en-US" altLang="zh-CN" sz="2000" dirty="0">
-                <a:latin typeface="+mj-lt"/>
-                <a:cs typeface="Times New Roman" panose="02020603050405020304" pitchFamily="18" charset="0"/>
-              </a:rPr>
-              <a:t>RLWM</a:t>
-            </a:r>
-          </a:p>
-          <a:p>
-            <a:r>
-              <a:rPr lang="en-US" altLang="zh-CN" sz="2800" dirty="0">
-                <a:latin typeface="+mj-lt"/>
-                <a:cs typeface="Times New Roman" panose="02020603050405020304" pitchFamily="18" charset="0"/>
-              </a:rPr>
-              <a:t>Drag reduction of pipe flow</a:t>
-            </a:r>
-            <a:endParaRPr lang="zh-CN" altLang="en-US" sz="2800" dirty="0">
-              <a:latin typeface="+mj-lt"/>
-              <a:cs typeface="Times New Roman" panose="02020603050405020304" pitchFamily="18" charset="0"/>
-            </a:endParaRPr>
-          </a:p>
-          <a:p>
-            <a:r>
-              <a:rPr lang="en-US" altLang="zh-CN" sz="2800" dirty="0">
-                <a:latin typeface="+mj-lt"/>
-                <a:cs typeface="Times New Roman" panose="02020603050405020304" pitchFamily="18" charset="0"/>
-              </a:rPr>
-              <a:t>Past research</a:t>
-            </a:r>
-          </a:p>
-          <a:p>
-            <a:pPr lvl="1"/>
-            <a:r>
-              <a:rPr lang="en-US" altLang="zh-CN" sz="2400" dirty="0">
-                <a:latin typeface="+mj-lt"/>
-                <a:cs typeface="Times New Roman" panose="02020603050405020304" pitchFamily="18" charset="0"/>
-              </a:rPr>
-              <a:t>AMD-IDDES</a:t>
-            </a:r>
-          </a:p>
-          <a:p>
-            <a:pPr lvl="1"/>
-            <a:r>
-              <a:rPr lang="en-US" altLang="zh-CN" sz="2400" dirty="0">
-                <a:latin typeface="+mj-lt"/>
-                <a:cs typeface="Times New Roman" panose="02020603050405020304" pitchFamily="18" charset="0"/>
-              </a:rPr>
-              <a:t>Iced wing flow</a:t>
-            </a:r>
-            <a:endParaRPr lang="zh-CN" altLang="en-US" sz="2400" dirty="0">
-              <a:latin typeface="+mj-lt"/>
-              <a:cs typeface="Times New Roman" panose="02020603050405020304" pitchFamily="18" charset="0"/>
-            </a:endParaRPr>
-          </a:p>
-        </p:txBody>
-      </p:sp>
-      <p:sp>
-        <p:nvSpPr>
-          <p:cNvPr id="2" name="标题 1"/>
-          <p:cNvSpPr>
-            <a:spLocks noGrp="1"/>
-          </p:cNvSpPr>
-          <p:nvPr>
-            <p:ph type="title"/>
-          </p:nvPr>
-        </p:nvSpPr>
-        <p:spPr/>
-        <p:txBody>
-          <a:bodyPr/>
-          <a:lstStyle/>
-          <a:p>
-            <a:r>
-              <a:rPr lang="en-US" altLang="zh-CN" dirty="0"/>
-              <a:t>Outline</a:t>
-            </a:r>
-            <a:endParaRPr lang="zh-CN" altLang="en-US" dirty="0"/>
-          </a:p>
-        </p:txBody>
-      </p:sp>
-    </p:spTree>
-    <p:extLst>
-      <p:ext uri="{BB962C8B-B14F-4D97-AF65-F5344CB8AC3E}">
-        <p14:creationId xmlns:p14="http://schemas.microsoft.com/office/powerpoint/2010/main" val="3823752556"/>
-      </p:ext>
-    </p:extLst>
-  </p:cSld>
-  <p:clrMapOvr>
-    <a:masterClrMapping/>
-  </p:clrMapOvr>
-  <p:transition spd="med"/>
-</p:sld>
-</file>
-
-<file path=ppt/slides/slide5.xml><?xml version="1.0" encoding="utf-8"?>
-<p:sld xmlns:a="http://schemas.openxmlformats.org/drawingml/2006/main" xmlns:r="http://schemas.openxmlformats.org/officeDocument/2006/relationships" xmlns:p="http://schemas.openxmlformats.org/presentationml/2006/main">
-  <p:cSld>
-    <p:spTree>
-      <p:nvGrpSpPr>
-        <p:cNvPr id="1" name=""/>
-        <p:cNvGrpSpPr/>
-        <p:nvPr/>
-      </p:nvGrpSpPr>
-      <p:grpSpPr>
-        <a:xfrm>
-          <a:off x="0" y="0"/>
-          <a:ext cx="0" cy="0"/>
-          <a:chOff x="0" y="0"/>
-          <a:chExt cx="0" cy="0"/>
-        </a:xfrm>
-      </p:grpSpPr>
-      <p:sp>
-        <p:nvSpPr>
-          <p:cNvPr id="2" name="Title 1"/>
-          <p:cNvSpPr>
-            <a:spLocks noGrp="1"/>
-          </p:cNvSpPr>
-          <p:nvPr>
-            <p:ph type="ctrTitle"/>
-          </p:nvPr>
-        </p:nvSpPr>
-        <p:spPr>
-          <a:xfrm>
-            <a:off x="152400" y="2286000"/>
-            <a:ext cx="8839200" cy="1600200"/>
-          </a:xfrm>
-        </p:spPr>
-        <p:txBody>
-          <a:bodyPr/>
-          <a:lstStyle/>
-          <a:p>
-            <a:r>
-              <a:rPr lang="en-US" altLang="zh-CN" sz="6000" dirty="0"/>
-              <a:t>Thank you</a:t>
-            </a:r>
-            <a:r>
-              <a:rPr lang="zh-CN" altLang="en-US" sz="6000" dirty="0"/>
-              <a:t>！</a:t>
-            </a:r>
-            <a:endParaRPr lang="en-US" sz="6000" dirty="0"/>
-          </a:p>
-        </p:txBody>
-      </p:sp>
-    </p:spTree>
-    <p:extLst>
-      <p:ext uri="{BB962C8B-B14F-4D97-AF65-F5344CB8AC3E}">
-        <p14:creationId xmlns:p14="http://schemas.microsoft.com/office/powerpoint/2010/main" val="435151847"/>
-      </p:ext>
-    </p:extLst>
-  </p:cSld>
-  <p:clrMapOvr>
-    <a:masterClrMapping/>
-  </p:clrMapOvr>
-  <p:transition spd="med" advTm="10765"/>
 </p:sld>
 </file>
 

--- a/docs/vv.pptx
+++ b/docs/vv.pptx
@@ -5,16 +5,24 @@
     <p:sldMasterId id="2147483660" r:id="rId1"/>
   </p:sldMasterIdLst>
   <p:notesMasterIdLst>
-    <p:notesMasterId r:id="rId6"/>
+    <p:notesMasterId r:id="rId14"/>
   </p:notesMasterIdLst>
   <p:handoutMasterIdLst>
-    <p:handoutMasterId r:id="rId7"/>
+    <p:handoutMasterId r:id="rId15"/>
   </p:handoutMasterIdLst>
   <p:sldIdLst>
     <p:sldId id="256" r:id="rId2"/>
     <p:sldId id="647" r:id="rId3"/>
-    <p:sldId id="645" r:id="rId4"/>
-    <p:sldId id="646" r:id="rId5"/>
+    <p:sldId id="654" r:id="rId4"/>
+    <p:sldId id="648" r:id="rId5"/>
+    <p:sldId id="656" r:id="rId6"/>
+    <p:sldId id="650" r:id="rId7"/>
+    <p:sldId id="645" r:id="rId8"/>
+    <p:sldId id="651" r:id="rId9"/>
+    <p:sldId id="653" r:id="rId10"/>
+    <p:sldId id="655" r:id="rId11"/>
+    <p:sldId id="649" r:id="rId12"/>
+    <p:sldId id="646" r:id="rId13"/>
   </p:sldIdLst>
   <p:sldSz cx="9144000" cy="6858000" type="screen4x3"/>
   <p:notesSz cx="6797675" cy="9931400"/>
@@ -733,6 +741,403 @@
 </p:notes>
 </file>
 
+<file path=ppt/notesSlides/notesSlide10.xml><?xml version="1.0" encoding="utf-8"?>
+<p:notes xmlns:a="http://schemas.openxmlformats.org/drawingml/2006/main" xmlns:r="http://schemas.openxmlformats.org/officeDocument/2006/relationships" xmlns:p="http://schemas.openxmlformats.org/presentationml/2006/main">
+  <p:cSld>
+    <p:spTree>
+      <p:nvGrpSpPr>
+        <p:cNvPr id="1" name="">
+          <a:extLst>
+            <a:ext uri="{FF2B5EF4-FFF2-40B4-BE49-F238E27FC236}">
+              <a16:creationId xmlns:a16="http://schemas.microsoft.com/office/drawing/2014/main" id="{217A2AAE-6BC8-5808-E162-24A5377FFF91}"/>
+            </a:ext>
+          </a:extLst>
+        </p:cNvPr>
+        <p:cNvGrpSpPr/>
+        <p:nvPr/>
+      </p:nvGrpSpPr>
+      <p:grpSpPr>
+        <a:xfrm>
+          <a:off x="0" y="0"/>
+          <a:ext cx="0" cy="0"/>
+          <a:chOff x="0" y="0"/>
+          <a:chExt cx="0" cy="0"/>
+        </a:xfrm>
+      </p:grpSpPr>
+      <p:sp>
+        <p:nvSpPr>
+          <p:cNvPr id="2" name="Slide Image Placeholder 1">
+            <a:extLst>
+              <a:ext uri="{FF2B5EF4-FFF2-40B4-BE49-F238E27FC236}">
+                <a16:creationId xmlns:a16="http://schemas.microsoft.com/office/drawing/2014/main" id="{8711CEC4-AE77-552C-E28F-E007F72AD713}"/>
+              </a:ext>
+            </a:extLst>
+          </p:cNvPr>
+          <p:cNvSpPr>
+            <a:spLocks noGrp="1" noRot="1" noChangeAspect="1"/>
+          </p:cNvSpPr>
+          <p:nvPr>
+            <p:ph type="sldImg"/>
+          </p:nvPr>
+        </p:nvSpPr>
+        <p:spPr/>
+      </p:sp>
+      <p:sp>
+        <p:nvSpPr>
+          <p:cNvPr id="3" name="Notes Placeholder 2">
+            <a:extLst>
+              <a:ext uri="{FF2B5EF4-FFF2-40B4-BE49-F238E27FC236}">
+                <a16:creationId xmlns:a16="http://schemas.microsoft.com/office/drawing/2014/main" id="{D13FBE2A-8637-C7BB-F205-5DDD71C632AD}"/>
+              </a:ext>
+            </a:extLst>
+          </p:cNvPr>
+          <p:cNvSpPr>
+            <a:spLocks noGrp="1"/>
+          </p:cNvSpPr>
+          <p:nvPr>
+            <p:ph type="body" idx="1"/>
+          </p:nvPr>
+        </p:nvSpPr>
+        <p:spPr/>
+        <p:txBody>
+          <a:bodyPr/>
+          <a:lstStyle/>
+          <a:p>
+            <a:pPr marL="228600" indent="-228600">
+              <a:buAutoNum type="arabicPeriod"/>
+            </a:pPr>
+            <a:r>
+              <a:rPr lang="en-US" dirty="0"/>
+              <a:t>Check the results of using constant wall stress in the wall model    using debug mode   ok</a:t>
+            </a:r>
+          </a:p>
+          <a:p>
+            <a:pPr marL="228600" marR="0" lvl="0" indent="-228600" algn="l" defTabSz="914400" rtl="0" eaLnBrk="1" fontAlgn="auto" latinLnBrk="0" hangingPunct="1">
+              <a:lnSpc>
+                <a:spcPct val="100000"/>
+              </a:lnSpc>
+              <a:spcBef>
+                <a:spcPts val="0"/>
+              </a:spcBef>
+              <a:spcAft>
+                <a:spcPts val="0"/>
+              </a:spcAft>
+              <a:buClrTx/>
+              <a:buSzTx/>
+              <a:buFontTx/>
+              <a:buAutoNum type="arabicPeriod"/>
+              <a:tabLst/>
+              <a:defRPr/>
+            </a:pPr>
+            <a:r>
+              <a:rPr lang="en-US" dirty="0"/>
+              <a:t>Compare implicit1D results with explicit results</a:t>
+            </a:r>
+          </a:p>
+          <a:p>
+            <a:pPr marL="228600" marR="0" lvl="0" indent="-228600" algn="l" defTabSz="914400" rtl="0" eaLnBrk="1" fontAlgn="auto" latinLnBrk="0" hangingPunct="1">
+              <a:lnSpc>
+                <a:spcPct val="100000"/>
+              </a:lnSpc>
+              <a:spcBef>
+                <a:spcPts val="0"/>
+              </a:spcBef>
+              <a:spcAft>
+                <a:spcPts val="0"/>
+              </a:spcAft>
+              <a:buClrTx/>
+              <a:buSzTx/>
+              <a:buFontTx/>
+              <a:buAutoNum type="arabicPeriod"/>
+              <a:tabLst/>
+              <a:defRPr/>
+            </a:pPr>
+            <a:r>
+              <a:rPr lang="en-US" dirty="0"/>
+              <a:t>Check numerical instability using Q value  numerical oscillation</a:t>
+            </a:r>
+          </a:p>
+        </p:txBody>
+      </p:sp>
+      <p:sp>
+        <p:nvSpPr>
+          <p:cNvPr id="4" name="Slide Number Placeholder 3">
+            <a:extLst>
+              <a:ext uri="{FF2B5EF4-FFF2-40B4-BE49-F238E27FC236}">
+                <a16:creationId xmlns:a16="http://schemas.microsoft.com/office/drawing/2014/main" id="{FD36D316-19DC-B709-334C-9F4AB28C4701}"/>
+              </a:ext>
+            </a:extLst>
+          </p:cNvPr>
+          <p:cNvSpPr>
+            <a:spLocks noGrp="1"/>
+          </p:cNvSpPr>
+          <p:nvPr>
+            <p:ph type="sldNum" sz="quarter" idx="10"/>
+          </p:nvPr>
+        </p:nvSpPr>
+        <p:spPr/>
+        <p:txBody>
+          <a:bodyPr/>
+          <a:lstStyle/>
+          <a:p>
+            <a:fld id="{FFA5E540-6D76-429F-95AD-C7F13B3CAC82}" type="slidenum">
+              <a:rPr lang="en-US" smtClean="0"/>
+              <a:t>10</a:t>
+            </a:fld>
+            <a:endParaRPr lang="en-US" dirty="0"/>
+          </a:p>
+        </p:txBody>
+      </p:sp>
+    </p:spTree>
+    <p:extLst>
+      <p:ext uri="{BB962C8B-B14F-4D97-AF65-F5344CB8AC3E}">
+        <p14:creationId xmlns:p14="http://schemas.microsoft.com/office/powerpoint/2010/main" val="3186069772"/>
+      </p:ext>
+    </p:extLst>
+  </p:cSld>
+  <p:clrMapOvr>
+    <a:masterClrMapping/>
+  </p:clrMapOvr>
+</p:notes>
+</file>
+
+<file path=ppt/notesSlides/notesSlide11.xml><?xml version="1.0" encoding="utf-8"?>
+<p:notes xmlns:a="http://schemas.openxmlformats.org/drawingml/2006/main" xmlns:r="http://schemas.openxmlformats.org/officeDocument/2006/relationships" xmlns:p="http://schemas.openxmlformats.org/presentationml/2006/main">
+  <p:cSld>
+    <p:spTree>
+      <p:nvGrpSpPr>
+        <p:cNvPr id="1" name="">
+          <a:extLst>
+            <a:ext uri="{FF2B5EF4-FFF2-40B4-BE49-F238E27FC236}">
+              <a16:creationId xmlns:a16="http://schemas.microsoft.com/office/drawing/2014/main" id="{C882B80B-CB29-A50D-A6FD-FD13EE274D25}"/>
+            </a:ext>
+          </a:extLst>
+        </p:cNvPr>
+        <p:cNvGrpSpPr/>
+        <p:nvPr/>
+      </p:nvGrpSpPr>
+      <p:grpSpPr>
+        <a:xfrm>
+          <a:off x="0" y="0"/>
+          <a:ext cx="0" cy="0"/>
+          <a:chOff x="0" y="0"/>
+          <a:chExt cx="0" cy="0"/>
+        </a:xfrm>
+      </p:grpSpPr>
+      <p:sp>
+        <p:nvSpPr>
+          <p:cNvPr id="2" name="Slide Image Placeholder 1">
+            <a:extLst>
+              <a:ext uri="{FF2B5EF4-FFF2-40B4-BE49-F238E27FC236}">
+                <a16:creationId xmlns:a16="http://schemas.microsoft.com/office/drawing/2014/main" id="{3B4AD0FE-F436-7846-4C90-2D2DFA3BE74D}"/>
+              </a:ext>
+            </a:extLst>
+          </p:cNvPr>
+          <p:cNvSpPr>
+            <a:spLocks noGrp="1" noRot="1" noChangeAspect="1"/>
+          </p:cNvSpPr>
+          <p:nvPr>
+            <p:ph type="sldImg"/>
+          </p:nvPr>
+        </p:nvSpPr>
+        <p:spPr/>
+      </p:sp>
+      <p:sp>
+        <p:nvSpPr>
+          <p:cNvPr id="3" name="Notes Placeholder 2">
+            <a:extLst>
+              <a:ext uri="{FF2B5EF4-FFF2-40B4-BE49-F238E27FC236}">
+                <a16:creationId xmlns:a16="http://schemas.microsoft.com/office/drawing/2014/main" id="{C913C41C-7569-43A2-D2A2-9644A4B7406A}"/>
+              </a:ext>
+            </a:extLst>
+          </p:cNvPr>
+          <p:cNvSpPr>
+            <a:spLocks noGrp="1"/>
+          </p:cNvSpPr>
+          <p:nvPr>
+            <p:ph type="body" idx="1"/>
+          </p:nvPr>
+        </p:nvSpPr>
+        <p:spPr/>
+        <p:txBody>
+          <a:bodyPr/>
+          <a:lstStyle/>
+          <a:p>
+            <a:endParaRPr lang="en-US" dirty="0"/>
+          </a:p>
+        </p:txBody>
+      </p:sp>
+      <p:sp>
+        <p:nvSpPr>
+          <p:cNvPr id="4" name="Slide Number Placeholder 3">
+            <a:extLst>
+              <a:ext uri="{FF2B5EF4-FFF2-40B4-BE49-F238E27FC236}">
+                <a16:creationId xmlns:a16="http://schemas.microsoft.com/office/drawing/2014/main" id="{4EC37134-B491-46FE-58C3-889B9BADFCED}"/>
+              </a:ext>
+            </a:extLst>
+          </p:cNvPr>
+          <p:cNvSpPr>
+            <a:spLocks noGrp="1"/>
+          </p:cNvSpPr>
+          <p:nvPr>
+            <p:ph type="sldNum" sz="quarter" idx="10"/>
+          </p:nvPr>
+        </p:nvSpPr>
+        <p:spPr/>
+        <p:txBody>
+          <a:bodyPr/>
+          <a:lstStyle/>
+          <a:p>
+            <a:fld id="{FFA5E540-6D76-429F-95AD-C7F13B3CAC82}" type="slidenum">
+              <a:rPr lang="en-US" smtClean="0"/>
+              <a:t>11</a:t>
+            </a:fld>
+            <a:endParaRPr lang="en-US" dirty="0"/>
+          </a:p>
+        </p:txBody>
+      </p:sp>
+    </p:spTree>
+    <p:extLst>
+      <p:ext uri="{BB962C8B-B14F-4D97-AF65-F5344CB8AC3E}">
+        <p14:creationId xmlns:p14="http://schemas.microsoft.com/office/powerpoint/2010/main" val="3062646772"/>
+      </p:ext>
+    </p:extLst>
+  </p:cSld>
+  <p:clrMapOvr>
+    <a:masterClrMapping/>
+  </p:clrMapOvr>
+</p:notes>
+</file>
+
+<file path=ppt/notesSlides/notesSlide12.xml><?xml version="1.0" encoding="utf-8"?>
+<p:notes xmlns:a="http://schemas.openxmlformats.org/drawingml/2006/main" xmlns:r="http://schemas.openxmlformats.org/officeDocument/2006/relationships" xmlns:p="http://schemas.openxmlformats.org/presentationml/2006/main">
+  <p:cSld>
+    <p:spTree>
+      <p:nvGrpSpPr>
+        <p:cNvPr id="1" name="">
+          <a:extLst>
+            <a:ext uri="{FF2B5EF4-FFF2-40B4-BE49-F238E27FC236}">
+              <a16:creationId xmlns:a16="http://schemas.microsoft.com/office/drawing/2014/main" id="{F4442583-C6E7-FF61-8F7E-B0F727F33744}"/>
+            </a:ext>
+          </a:extLst>
+        </p:cNvPr>
+        <p:cNvGrpSpPr/>
+        <p:nvPr/>
+      </p:nvGrpSpPr>
+      <p:grpSpPr>
+        <a:xfrm>
+          <a:off x="0" y="0"/>
+          <a:ext cx="0" cy="0"/>
+          <a:chOff x="0" y="0"/>
+          <a:chExt cx="0" cy="0"/>
+        </a:xfrm>
+      </p:grpSpPr>
+      <p:sp>
+        <p:nvSpPr>
+          <p:cNvPr id="2" name="Slide Image Placeholder 1">
+            <a:extLst>
+              <a:ext uri="{FF2B5EF4-FFF2-40B4-BE49-F238E27FC236}">
+                <a16:creationId xmlns:a16="http://schemas.microsoft.com/office/drawing/2014/main" id="{00BB3B79-BBCF-9212-12B0-381DA028CBF0}"/>
+              </a:ext>
+            </a:extLst>
+          </p:cNvPr>
+          <p:cNvSpPr>
+            <a:spLocks noGrp="1" noRot="1" noChangeAspect="1"/>
+          </p:cNvSpPr>
+          <p:nvPr>
+            <p:ph type="sldImg"/>
+          </p:nvPr>
+        </p:nvSpPr>
+        <p:spPr/>
+      </p:sp>
+      <p:sp>
+        <p:nvSpPr>
+          <p:cNvPr id="3" name="Notes Placeholder 2">
+            <a:extLst>
+              <a:ext uri="{FF2B5EF4-FFF2-40B4-BE49-F238E27FC236}">
+                <a16:creationId xmlns:a16="http://schemas.microsoft.com/office/drawing/2014/main" id="{F80E693B-4CCB-1215-E00D-22D83C6857A3}"/>
+              </a:ext>
+            </a:extLst>
+          </p:cNvPr>
+          <p:cNvSpPr>
+            <a:spLocks noGrp="1"/>
+          </p:cNvSpPr>
+          <p:nvPr>
+            <p:ph type="body" idx="1"/>
+          </p:nvPr>
+        </p:nvSpPr>
+        <p:spPr/>
+        <p:txBody>
+          <a:bodyPr/>
+          <a:lstStyle/>
+          <a:p>
+            <a:r>
+              <a:rPr lang="en-US" dirty="0"/>
+              <a:t>High Reynolds turbulence examples   inaccessible (how much cost)      </a:t>
+            </a:r>
+            <a:r>
+              <a:rPr lang="en-US" dirty="0" err="1"/>
+              <a:t>wmles</a:t>
+            </a:r>
+            <a:r>
+              <a:rPr lang="en-US" dirty="0"/>
+              <a:t>    modeled   two methods</a:t>
+            </a:r>
+          </a:p>
+          <a:p>
+            <a:endParaRPr lang="en-US" dirty="0"/>
+          </a:p>
+          <a:p>
+            <a:r>
+              <a:rPr lang="en-US" altLang="zh-CN" dirty="0"/>
+              <a:t>Grids requirements</a:t>
+            </a:r>
+            <a:endParaRPr lang="en-US" dirty="0"/>
+          </a:p>
+        </p:txBody>
+      </p:sp>
+      <p:sp>
+        <p:nvSpPr>
+          <p:cNvPr id="4" name="Slide Number Placeholder 3">
+            <a:extLst>
+              <a:ext uri="{FF2B5EF4-FFF2-40B4-BE49-F238E27FC236}">
+                <a16:creationId xmlns:a16="http://schemas.microsoft.com/office/drawing/2014/main" id="{8D96BE29-B270-AAC9-4624-5A1E344C2D0C}"/>
+              </a:ext>
+            </a:extLst>
+          </p:cNvPr>
+          <p:cNvSpPr>
+            <a:spLocks noGrp="1"/>
+          </p:cNvSpPr>
+          <p:nvPr>
+            <p:ph type="sldNum" sz="quarter" idx="10"/>
+          </p:nvPr>
+        </p:nvSpPr>
+        <p:spPr/>
+        <p:txBody>
+          <a:bodyPr/>
+          <a:lstStyle/>
+          <a:p>
+            <a:fld id="{FFA5E540-6D76-429F-95AD-C7F13B3CAC82}" type="slidenum">
+              <a:rPr lang="en-US" smtClean="0"/>
+              <a:t>12</a:t>
+            </a:fld>
+            <a:endParaRPr lang="en-US" dirty="0"/>
+          </a:p>
+        </p:txBody>
+      </p:sp>
+    </p:spTree>
+    <p:extLst>
+      <p:ext uri="{BB962C8B-B14F-4D97-AF65-F5344CB8AC3E}">
+        <p14:creationId xmlns:p14="http://schemas.microsoft.com/office/powerpoint/2010/main" val="3090747838"/>
+      </p:ext>
+    </p:extLst>
+  </p:cSld>
+  <p:clrMapOvr>
+    <a:masterClrMapping/>
+  </p:clrMapOvr>
+</p:notes>
+</file>
+
 <file path=ppt/notesSlides/notesSlide2.xml><?xml version="1.0" encoding="utf-8"?>
 <p:notes xmlns:a="http://schemas.openxmlformats.org/drawingml/2006/main" xmlns:r="http://schemas.openxmlformats.org/officeDocument/2006/relationships" xmlns:p="http://schemas.openxmlformats.org/presentationml/2006/main">
   <p:cSld>
@@ -846,6 +1251,438 @@
   <p:cSld>
     <p:spTree>
       <p:nvGrpSpPr>
+        <p:cNvPr id="1" name="">
+          <a:extLst>
+            <a:ext uri="{FF2B5EF4-FFF2-40B4-BE49-F238E27FC236}">
+              <a16:creationId xmlns:a16="http://schemas.microsoft.com/office/drawing/2014/main" id="{8ECF7FF1-8854-F297-74B9-24ACE8F21754}"/>
+            </a:ext>
+          </a:extLst>
+        </p:cNvPr>
+        <p:cNvGrpSpPr/>
+        <p:nvPr/>
+      </p:nvGrpSpPr>
+      <p:grpSpPr>
+        <a:xfrm>
+          <a:off x="0" y="0"/>
+          <a:ext cx="0" cy="0"/>
+          <a:chOff x="0" y="0"/>
+          <a:chExt cx="0" cy="0"/>
+        </a:xfrm>
+      </p:grpSpPr>
+      <p:sp>
+        <p:nvSpPr>
+          <p:cNvPr id="2" name="Slide Image Placeholder 1">
+            <a:extLst>
+              <a:ext uri="{FF2B5EF4-FFF2-40B4-BE49-F238E27FC236}">
+                <a16:creationId xmlns:a16="http://schemas.microsoft.com/office/drawing/2014/main" id="{390FB785-F836-E481-D65D-F4B0F3DBFCD2}"/>
+              </a:ext>
+            </a:extLst>
+          </p:cNvPr>
+          <p:cNvSpPr>
+            <a:spLocks noGrp="1" noRot="1" noChangeAspect="1"/>
+          </p:cNvSpPr>
+          <p:nvPr>
+            <p:ph type="sldImg"/>
+          </p:nvPr>
+        </p:nvSpPr>
+        <p:spPr/>
+      </p:sp>
+      <p:sp>
+        <p:nvSpPr>
+          <p:cNvPr id="3" name="Notes Placeholder 2">
+            <a:extLst>
+              <a:ext uri="{FF2B5EF4-FFF2-40B4-BE49-F238E27FC236}">
+                <a16:creationId xmlns:a16="http://schemas.microsoft.com/office/drawing/2014/main" id="{7EA6D145-500A-1E53-1042-7C31B367DB62}"/>
+              </a:ext>
+            </a:extLst>
+          </p:cNvPr>
+          <p:cNvSpPr>
+            <a:spLocks noGrp="1"/>
+          </p:cNvSpPr>
+          <p:nvPr>
+            <p:ph type="body" idx="1"/>
+          </p:nvPr>
+        </p:nvSpPr>
+        <p:spPr/>
+        <p:txBody>
+          <a:bodyPr/>
+          <a:lstStyle/>
+          <a:p>
+            <a:endParaRPr lang="en-US" dirty="0"/>
+          </a:p>
+        </p:txBody>
+      </p:sp>
+      <p:sp>
+        <p:nvSpPr>
+          <p:cNvPr id="4" name="Slide Number Placeholder 3">
+            <a:extLst>
+              <a:ext uri="{FF2B5EF4-FFF2-40B4-BE49-F238E27FC236}">
+                <a16:creationId xmlns:a16="http://schemas.microsoft.com/office/drawing/2014/main" id="{0603BF4F-AE6F-EDE2-032B-36F7B1E42813}"/>
+              </a:ext>
+            </a:extLst>
+          </p:cNvPr>
+          <p:cNvSpPr>
+            <a:spLocks noGrp="1"/>
+          </p:cNvSpPr>
+          <p:nvPr>
+            <p:ph type="sldNum" sz="quarter" idx="10"/>
+          </p:nvPr>
+        </p:nvSpPr>
+        <p:spPr/>
+        <p:txBody>
+          <a:bodyPr/>
+          <a:lstStyle/>
+          <a:p>
+            <a:fld id="{FFA5E540-6D76-429F-95AD-C7F13B3CAC82}" type="slidenum">
+              <a:rPr lang="en-US" smtClean="0"/>
+              <a:t>3</a:t>
+            </a:fld>
+            <a:endParaRPr lang="en-US" dirty="0"/>
+          </a:p>
+        </p:txBody>
+      </p:sp>
+    </p:spTree>
+    <p:extLst>
+      <p:ext uri="{BB962C8B-B14F-4D97-AF65-F5344CB8AC3E}">
+        <p14:creationId xmlns:p14="http://schemas.microsoft.com/office/powerpoint/2010/main" val="2602796576"/>
+      </p:ext>
+    </p:extLst>
+  </p:cSld>
+  <p:clrMapOvr>
+    <a:masterClrMapping/>
+  </p:clrMapOvr>
+</p:notes>
+</file>
+
+<file path=ppt/notesSlides/notesSlide4.xml><?xml version="1.0" encoding="utf-8"?>
+<p:notes xmlns:a="http://schemas.openxmlformats.org/drawingml/2006/main" xmlns:r="http://schemas.openxmlformats.org/officeDocument/2006/relationships" xmlns:p="http://schemas.openxmlformats.org/presentationml/2006/main">
+  <p:cSld>
+    <p:spTree>
+      <p:nvGrpSpPr>
+        <p:cNvPr id="1" name="">
+          <a:extLst>
+            <a:ext uri="{FF2B5EF4-FFF2-40B4-BE49-F238E27FC236}">
+              <a16:creationId xmlns:a16="http://schemas.microsoft.com/office/drawing/2014/main" id="{B82CD7DD-D620-77A7-C782-2C721CBDC202}"/>
+            </a:ext>
+          </a:extLst>
+        </p:cNvPr>
+        <p:cNvGrpSpPr/>
+        <p:nvPr/>
+      </p:nvGrpSpPr>
+      <p:grpSpPr>
+        <a:xfrm>
+          <a:off x="0" y="0"/>
+          <a:ext cx="0" cy="0"/>
+          <a:chOff x="0" y="0"/>
+          <a:chExt cx="0" cy="0"/>
+        </a:xfrm>
+      </p:grpSpPr>
+      <p:sp>
+        <p:nvSpPr>
+          <p:cNvPr id="2" name="Slide Image Placeholder 1">
+            <a:extLst>
+              <a:ext uri="{FF2B5EF4-FFF2-40B4-BE49-F238E27FC236}">
+                <a16:creationId xmlns:a16="http://schemas.microsoft.com/office/drawing/2014/main" id="{F1BA0D12-8F89-320A-F5CB-05803F076A24}"/>
+              </a:ext>
+            </a:extLst>
+          </p:cNvPr>
+          <p:cNvSpPr>
+            <a:spLocks noGrp="1" noRot="1" noChangeAspect="1"/>
+          </p:cNvSpPr>
+          <p:nvPr>
+            <p:ph type="sldImg"/>
+          </p:nvPr>
+        </p:nvSpPr>
+        <p:spPr/>
+      </p:sp>
+      <p:sp>
+        <p:nvSpPr>
+          <p:cNvPr id="3" name="Notes Placeholder 2">
+            <a:extLst>
+              <a:ext uri="{FF2B5EF4-FFF2-40B4-BE49-F238E27FC236}">
+                <a16:creationId xmlns:a16="http://schemas.microsoft.com/office/drawing/2014/main" id="{D34F3DAA-CA3C-ED78-901D-052459FC9F7E}"/>
+              </a:ext>
+            </a:extLst>
+          </p:cNvPr>
+          <p:cNvSpPr>
+            <a:spLocks noGrp="1"/>
+          </p:cNvSpPr>
+          <p:nvPr>
+            <p:ph type="body" idx="1"/>
+          </p:nvPr>
+        </p:nvSpPr>
+        <p:spPr/>
+        <p:txBody>
+          <a:bodyPr/>
+          <a:lstStyle/>
+          <a:p>
+            <a:endParaRPr lang="en-US" dirty="0"/>
+          </a:p>
+        </p:txBody>
+      </p:sp>
+      <p:sp>
+        <p:nvSpPr>
+          <p:cNvPr id="4" name="Slide Number Placeholder 3">
+            <a:extLst>
+              <a:ext uri="{FF2B5EF4-FFF2-40B4-BE49-F238E27FC236}">
+                <a16:creationId xmlns:a16="http://schemas.microsoft.com/office/drawing/2014/main" id="{F16B5BE1-A505-C910-CDD6-C11DAFD5D18A}"/>
+              </a:ext>
+            </a:extLst>
+          </p:cNvPr>
+          <p:cNvSpPr>
+            <a:spLocks noGrp="1"/>
+          </p:cNvSpPr>
+          <p:nvPr>
+            <p:ph type="sldNum" sz="quarter" idx="10"/>
+          </p:nvPr>
+        </p:nvSpPr>
+        <p:spPr/>
+        <p:txBody>
+          <a:bodyPr/>
+          <a:lstStyle/>
+          <a:p>
+            <a:fld id="{FFA5E540-6D76-429F-95AD-C7F13B3CAC82}" type="slidenum">
+              <a:rPr lang="en-US" smtClean="0"/>
+              <a:t>4</a:t>
+            </a:fld>
+            <a:endParaRPr lang="en-US" dirty="0"/>
+          </a:p>
+        </p:txBody>
+      </p:sp>
+    </p:spTree>
+    <p:extLst>
+      <p:ext uri="{BB962C8B-B14F-4D97-AF65-F5344CB8AC3E}">
+        <p14:creationId xmlns:p14="http://schemas.microsoft.com/office/powerpoint/2010/main" val="1780762574"/>
+      </p:ext>
+    </p:extLst>
+  </p:cSld>
+  <p:clrMapOvr>
+    <a:masterClrMapping/>
+  </p:clrMapOvr>
+</p:notes>
+</file>
+
+<file path=ppt/notesSlides/notesSlide5.xml><?xml version="1.0" encoding="utf-8"?>
+<p:notes xmlns:a="http://schemas.openxmlformats.org/drawingml/2006/main" xmlns:r="http://schemas.openxmlformats.org/officeDocument/2006/relationships" xmlns:p="http://schemas.openxmlformats.org/presentationml/2006/main">
+  <p:cSld>
+    <p:spTree>
+      <p:nvGrpSpPr>
+        <p:cNvPr id="1" name="">
+          <a:extLst>
+            <a:ext uri="{FF2B5EF4-FFF2-40B4-BE49-F238E27FC236}">
+              <a16:creationId xmlns:a16="http://schemas.microsoft.com/office/drawing/2014/main" id="{2999F572-B4D1-B140-60F7-FC04F2804FCE}"/>
+            </a:ext>
+          </a:extLst>
+        </p:cNvPr>
+        <p:cNvGrpSpPr/>
+        <p:nvPr/>
+      </p:nvGrpSpPr>
+      <p:grpSpPr>
+        <a:xfrm>
+          <a:off x="0" y="0"/>
+          <a:ext cx="0" cy="0"/>
+          <a:chOff x="0" y="0"/>
+          <a:chExt cx="0" cy="0"/>
+        </a:xfrm>
+      </p:grpSpPr>
+      <p:sp>
+        <p:nvSpPr>
+          <p:cNvPr id="2" name="Slide Image Placeholder 1">
+            <a:extLst>
+              <a:ext uri="{FF2B5EF4-FFF2-40B4-BE49-F238E27FC236}">
+                <a16:creationId xmlns:a16="http://schemas.microsoft.com/office/drawing/2014/main" id="{E3FE269E-0AAD-02DA-4135-CF2F71FECF76}"/>
+              </a:ext>
+            </a:extLst>
+          </p:cNvPr>
+          <p:cNvSpPr>
+            <a:spLocks noGrp="1" noRot="1" noChangeAspect="1"/>
+          </p:cNvSpPr>
+          <p:nvPr>
+            <p:ph type="sldImg"/>
+          </p:nvPr>
+        </p:nvSpPr>
+        <p:spPr/>
+      </p:sp>
+      <p:sp>
+        <p:nvSpPr>
+          <p:cNvPr id="3" name="Notes Placeholder 2">
+            <a:extLst>
+              <a:ext uri="{FF2B5EF4-FFF2-40B4-BE49-F238E27FC236}">
+                <a16:creationId xmlns:a16="http://schemas.microsoft.com/office/drawing/2014/main" id="{7577CC57-0935-3312-2827-00E671B4D32A}"/>
+              </a:ext>
+            </a:extLst>
+          </p:cNvPr>
+          <p:cNvSpPr>
+            <a:spLocks noGrp="1"/>
+          </p:cNvSpPr>
+          <p:nvPr>
+            <p:ph type="body" idx="1"/>
+          </p:nvPr>
+        </p:nvSpPr>
+        <p:spPr/>
+        <p:txBody>
+          <a:bodyPr/>
+          <a:lstStyle/>
+          <a:p>
+            <a:endParaRPr lang="en-US" dirty="0"/>
+          </a:p>
+        </p:txBody>
+      </p:sp>
+      <p:sp>
+        <p:nvSpPr>
+          <p:cNvPr id="4" name="Slide Number Placeholder 3">
+            <a:extLst>
+              <a:ext uri="{FF2B5EF4-FFF2-40B4-BE49-F238E27FC236}">
+                <a16:creationId xmlns:a16="http://schemas.microsoft.com/office/drawing/2014/main" id="{FB607FCD-79C3-F1C8-D43F-5EC240004F09}"/>
+              </a:ext>
+            </a:extLst>
+          </p:cNvPr>
+          <p:cNvSpPr>
+            <a:spLocks noGrp="1"/>
+          </p:cNvSpPr>
+          <p:nvPr>
+            <p:ph type="sldNum" sz="quarter" idx="10"/>
+          </p:nvPr>
+        </p:nvSpPr>
+        <p:spPr/>
+        <p:txBody>
+          <a:bodyPr/>
+          <a:lstStyle/>
+          <a:p>
+            <a:fld id="{FFA5E540-6D76-429F-95AD-C7F13B3CAC82}" type="slidenum">
+              <a:rPr lang="en-US" smtClean="0"/>
+              <a:t>5</a:t>
+            </a:fld>
+            <a:endParaRPr lang="en-US" dirty="0"/>
+          </a:p>
+        </p:txBody>
+      </p:sp>
+    </p:spTree>
+    <p:extLst>
+      <p:ext uri="{BB962C8B-B14F-4D97-AF65-F5344CB8AC3E}">
+        <p14:creationId xmlns:p14="http://schemas.microsoft.com/office/powerpoint/2010/main" val="3900637474"/>
+      </p:ext>
+    </p:extLst>
+  </p:cSld>
+  <p:clrMapOvr>
+    <a:masterClrMapping/>
+  </p:clrMapOvr>
+</p:notes>
+</file>
+
+<file path=ppt/notesSlides/notesSlide6.xml><?xml version="1.0" encoding="utf-8"?>
+<p:notes xmlns:a="http://schemas.openxmlformats.org/drawingml/2006/main" xmlns:r="http://schemas.openxmlformats.org/officeDocument/2006/relationships" xmlns:p="http://schemas.openxmlformats.org/presentationml/2006/main">
+  <p:cSld>
+    <p:spTree>
+      <p:nvGrpSpPr>
+        <p:cNvPr id="1" name="">
+          <a:extLst>
+            <a:ext uri="{FF2B5EF4-FFF2-40B4-BE49-F238E27FC236}">
+              <a16:creationId xmlns:a16="http://schemas.microsoft.com/office/drawing/2014/main" id="{9BBB1A3A-0F8B-8CC4-7B65-DD508165D59C}"/>
+            </a:ext>
+          </a:extLst>
+        </p:cNvPr>
+        <p:cNvGrpSpPr/>
+        <p:nvPr/>
+      </p:nvGrpSpPr>
+      <p:grpSpPr>
+        <a:xfrm>
+          <a:off x="0" y="0"/>
+          <a:ext cx="0" cy="0"/>
+          <a:chOff x="0" y="0"/>
+          <a:chExt cx="0" cy="0"/>
+        </a:xfrm>
+      </p:grpSpPr>
+      <p:sp>
+        <p:nvSpPr>
+          <p:cNvPr id="2" name="Slide Image Placeholder 1">
+            <a:extLst>
+              <a:ext uri="{FF2B5EF4-FFF2-40B4-BE49-F238E27FC236}">
+                <a16:creationId xmlns:a16="http://schemas.microsoft.com/office/drawing/2014/main" id="{8C48DF48-D2FF-8B3B-980F-E738BE820377}"/>
+              </a:ext>
+            </a:extLst>
+          </p:cNvPr>
+          <p:cNvSpPr>
+            <a:spLocks noGrp="1" noRot="1" noChangeAspect="1"/>
+          </p:cNvSpPr>
+          <p:nvPr>
+            <p:ph type="sldImg"/>
+          </p:nvPr>
+        </p:nvSpPr>
+        <p:spPr/>
+      </p:sp>
+      <p:sp>
+        <p:nvSpPr>
+          <p:cNvPr id="3" name="Notes Placeholder 2">
+            <a:extLst>
+              <a:ext uri="{FF2B5EF4-FFF2-40B4-BE49-F238E27FC236}">
+                <a16:creationId xmlns:a16="http://schemas.microsoft.com/office/drawing/2014/main" id="{8F5F6223-BF06-5DCF-0E5F-9568F632C461}"/>
+              </a:ext>
+            </a:extLst>
+          </p:cNvPr>
+          <p:cNvSpPr>
+            <a:spLocks noGrp="1"/>
+          </p:cNvSpPr>
+          <p:nvPr>
+            <p:ph type="body" idx="1"/>
+          </p:nvPr>
+        </p:nvSpPr>
+        <p:spPr/>
+        <p:txBody>
+          <a:bodyPr/>
+          <a:lstStyle/>
+          <a:p>
+            <a:endParaRPr lang="en-US" dirty="0"/>
+          </a:p>
+        </p:txBody>
+      </p:sp>
+      <p:sp>
+        <p:nvSpPr>
+          <p:cNvPr id="4" name="Slide Number Placeholder 3">
+            <a:extLst>
+              <a:ext uri="{FF2B5EF4-FFF2-40B4-BE49-F238E27FC236}">
+                <a16:creationId xmlns:a16="http://schemas.microsoft.com/office/drawing/2014/main" id="{E2AC06BD-499A-7408-23DF-16318FDE3CFF}"/>
+              </a:ext>
+            </a:extLst>
+          </p:cNvPr>
+          <p:cNvSpPr>
+            <a:spLocks noGrp="1"/>
+          </p:cNvSpPr>
+          <p:nvPr>
+            <p:ph type="sldNum" sz="quarter" idx="10"/>
+          </p:nvPr>
+        </p:nvSpPr>
+        <p:spPr/>
+        <p:txBody>
+          <a:bodyPr/>
+          <a:lstStyle/>
+          <a:p>
+            <a:fld id="{FFA5E540-6D76-429F-95AD-C7F13B3CAC82}" type="slidenum">
+              <a:rPr lang="en-US" smtClean="0"/>
+              <a:t>6</a:t>
+            </a:fld>
+            <a:endParaRPr lang="en-US" dirty="0"/>
+          </a:p>
+        </p:txBody>
+      </p:sp>
+    </p:spTree>
+    <p:extLst>
+      <p:ext uri="{BB962C8B-B14F-4D97-AF65-F5344CB8AC3E}">
+        <p14:creationId xmlns:p14="http://schemas.microsoft.com/office/powerpoint/2010/main" val="4119098890"/>
+      </p:ext>
+    </p:extLst>
+  </p:cSld>
+  <p:clrMapOvr>
+    <a:masterClrMapping/>
+  </p:clrMapOvr>
+</p:notes>
+</file>
+
+<file path=ppt/notesSlides/notesSlide7.xml><?xml version="1.0" encoding="utf-8"?>
+<p:notes xmlns:a="http://schemas.openxmlformats.org/drawingml/2006/main" xmlns:r="http://schemas.openxmlformats.org/officeDocument/2006/relationships" xmlns:p="http://schemas.openxmlformats.org/presentationml/2006/main">
+  <p:cSld>
+    <p:spTree>
+      <p:nvGrpSpPr>
         <p:cNvPr id="1" name=""/>
         <p:cNvGrpSpPr/>
         <p:nvPr/>
@@ -894,29 +1731,49 @@
             </a:r>
           </a:p>
           <a:p>
-            <a:pPr marL="228600" indent="-228600">
+            <a:pPr marL="228600" marR="0" lvl="0" indent="-228600" algn="l" defTabSz="914400" rtl="0" eaLnBrk="1" fontAlgn="auto" latinLnBrk="0" hangingPunct="1">
+              <a:lnSpc>
+                <a:spcPct val="100000"/>
+              </a:lnSpc>
+              <a:spcBef>
+                <a:spcPts val="0"/>
+              </a:spcBef>
+              <a:spcAft>
+                <a:spcPts val="0"/>
+              </a:spcAft>
+              <a:buClrTx/>
+              <a:buSzTx/>
+              <a:buFontTx/>
               <a:buAutoNum type="arabicPeriod"/>
+              <a:tabLst/>
+              <a:defRPr/>
             </a:pPr>
             <a:r>
               <a:rPr lang="en-US" dirty="0"/>
-              <a:t>Compare implicit1D </a:t>
-            </a:r>
-            <a:r>
-              <a:rPr lang="en-US"/>
-              <a:t>results with </a:t>
-            </a:r>
-            <a:r>
-              <a:rPr lang="en-US" dirty="0"/>
-              <a:t>explicit results</a:t>
+              <a:t>Compare implicit1D results with explicit results</a:t>
             </a:r>
           </a:p>
           <a:p>
-            <a:pPr marL="228600" indent="-228600">
+            <a:pPr marL="228600" marR="0" lvl="0" indent="-228600" algn="l" defTabSz="914400" rtl="0" eaLnBrk="1" fontAlgn="auto" latinLnBrk="0" hangingPunct="1">
+              <a:lnSpc>
+                <a:spcPct val="100000"/>
+              </a:lnSpc>
+              <a:spcBef>
+                <a:spcPts val="0"/>
+              </a:spcBef>
+              <a:spcAft>
+                <a:spcPts val="0"/>
+              </a:spcAft>
+              <a:buClrTx/>
+              <a:buSzTx/>
+              <a:buFontTx/>
               <a:buAutoNum type="arabicPeriod"/>
+              <a:tabLst/>
+              <a:defRPr/>
             </a:pPr>
             <a:r>
               <a:rPr lang="en-US" dirty="0"/>
-              <a:t>Check numerical instability using Q value</a:t>
+              <a:t>Check numerical instability using Q value  numerical oscillation</a:t>
             </a:r>
           </a:p>
         </p:txBody>
@@ -938,7 +1795,7 @@
           <a:p>
             <a:fld id="{FFA5E540-6D76-429F-95AD-C7F13B3CAC82}" type="slidenum">
               <a:rPr lang="en-US" smtClean="0"/>
-              <a:t>3</a:t>
+              <a:t>7</a:t>
             </a:fld>
             <a:endParaRPr lang="en-US" dirty="0"/>
           </a:p>
@@ -957,7 +1814,7 @@
 </p:notes>
 </file>
 
-<file path=ppt/notesSlides/notesSlide4.xml><?xml version="1.0" encoding="utf-8"?>
+<file path=ppt/notesSlides/notesSlide8.xml><?xml version="1.0" encoding="utf-8"?>
 <p:notes xmlns:a="http://schemas.openxmlformats.org/drawingml/2006/main" xmlns:r="http://schemas.openxmlformats.org/officeDocument/2006/relationships" xmlns:p="http://schemas.openxmlformats.org/presentationml/2006/main">
   <p:cSld>
     <p:spTree>
@@ -965,7 +1822,7 @@
         <p:cNvPr id="1" name="">
           <a:extLst>
             <a:ext uri="{FF2B5EF4-FFF2-40B4-BE49-F238E27FC236}">
-              <a16:creationId xmlns:a16="http://schemas.microsoft.com/office/drawing/2014/main" id="{F4442583-C6E7-FF61-8F7E-B0F727F33744}"/>
+              <a16:creationId xmlns:a16="http://schemas.microsoft.com/office/drawing/2014/main" id="{6D7ED9F6-3217-1E52-F122-11506604D5A4}"/>
             </a:ext>
           </a:extLst>
         </p:cNvPr>
@@ -985,7 +1842,7 @@
           <p:cNvPr id="2" name="Slide Image Placeholder 1">
             <a:extLst>
               <a:ext uri="{FF2B5EF4-FFF2-40B4-BE49-F238E27FC236}">
-                <a16:creationId xmlns:a16="http://schemas.microsoft.com/office/drawing/2014/main" id="{00BB3B79-BBCF-9212-12B0-381DA028CBF0}"/>
+                <a16:creationId xmlns:a16="http://schemas.microsoft.com/office/drawing/2014/main" id="{9A6031B9-D293-0C7E-5C10-2B88FF08519F}"/>
               </a:ext>
             </a:extLst>
           </p:cNvPr>
@@ -1003,7 +1860,7 @@
           <p:cNvPr id="3" name="Notes Placeholder 2">
             <a:extLst>
               <a:ext uri="{FF2B5EF4-FFF2-40B4-BE49-F238E27FC236}">
-                <a16:creationId xmlns:a16="http://schemas.microsoft.com/office/drawing/2014/main" id="{F80E693B-4CCB-1215-E00D-22D83C6857A3}"/>
+                <a16:creationId xmlns:a16="http://schemas.microsoft.com/office/drawing/2014/main" id="{1501AABF-7606-273A-9AFD-3F19620EDD39}"/>
               </a:ext>
             </a:extLst>
           </p:cNvPr>
@@ -1019,26 +1876,62 @@
           <a:bodyPr/>
           <a:lstStyle/>
           <a:p>
+            <a:pPr marL="228600" indent="-228600">
+              <a:buAutoNum type="arabicPeriod"/>
+            </a:pPr>
             <a:r>
               <a:rPr lang="en-US" dirty="0"/>
-              <a:t>High Reynolds turbulence examples   inaccessible (how much cost)      </a:t>
-            </a:r>
-            <a:r>
-              <a:rPr lang="en-US" dirty="0" err="1"/>
-              <a:t>wmles</a:t>
-            </a:r>
-            <a:r>
-              <a:rPr lang="en-US" dirty="0"/>
-              <a:t>    modeled   two methods</a:t>
+              <a:t>Check the results of using constant wall stress in the wall model    using debug mode   ok</a:t>
             </a:r>
           </a:p>
           <a:p>
-            <a:endParaRPr lang="en-US" dirty="0"/>
+            <a:pPr marL="228600" marR="0" lvl="0" indent="-228600" algn="l" defTabSz="914400" rtl="0" eaLnBrk="1" fontAlgn="auto" latinLnBrk="0" hangingPunct="1">
+              <a:lnSpc>
+                <a:spcPct val="100000"/>
+              </a:lnSpc>
+              <a:spcBef>
+                <a:spcPts val="0"/>
+              </a:spcBef>
+              <a:spcAft>
+                <a:spcPts val="0"/>
+              </a:spcAft>
+              <a:buClrTx/>
+              <a:buSzTx/>
+              <a:buFontTx/>
+              <a:buAutoNum type="arabicPeriod"/>
+              <a:tabLst/>
+              <a:defRPr/>
+            </a:pPr>
+            <a:r>
+              <a:rPr lang="en-US" dirty="0"/>
+              <a:t>Compare implicit1D results with explicit results</a:t>
+            </a:r>
           </a:p>
           <a:p>
+            <a:pPr marL="228600" marR="0" lvl="0" indent="-228600" algn="l" defTabSz="914400" rtl="0" eaLnBrk="1" fontAlgn="auto" latinLnBrk="0" hangingPunct="1">
+              <a:lnSpc>
+                <a:spcPct val="100000"/>
+              </a:lnSpc>
+              <a:spcBef>
+                <a:spcPts val="0"/>
+              </a:spcBef>
+              <a:spcAft>
+                <a:spcPts val="0"/>
+              </a:spcAft>
+              <a:buClrTx/>
+              <a:buSzTx/>
+              <a:buFontTx/>
+              <a:buAutoNum type="arabicPeriod"/>
+              <a:tabLst/>
+              <a:defRPr/>
+            </a:pPr>
             <a:r>
-              <a:rPr lang="en-US" altLang="zh-CN" dirty="0"/>
-              <a:t>Grids requirements</a:t>
+              <a:rPr lang="en-US" dirty="0"/>
+              <a:t>Check numerical instability using Q value  </a:t>
+            </a:r>
+            <a:r>
+              <a:rPr lang="en-US"/>
+              <a:t>numerical oscillation</a:t>
             </a:r>
             <a:endParaRPr lang="en-US" dirty="0"/>
           </a:p>
@@ -1049,7 +1942,7 @@
           <p:cNvPr id="4" name="Slide Number Placeholder 3">
             <a:extLst>
               <a:ext uri="{FF2B5EF4-FFF2-40B4-BE49-F238E27FC236}">
-                <a16:creationId xmlns:a16="http://schemas.microsoft.com/office/drawing/2014/main" id="{8D96BE29-B270-AAC9-4624-5A1E344C2D0C}"/>
+                <a16:creationId xmlns:a16="http://schemas.microsoft.com/office/drawing/2014/main" id="{5527F8DC-37ED-6310-0978-CCF47D489A31}"/>
               </a:ext>
             </a:extLst>
           </p:cNvPr>
@@ -1067,7 +1960,7 @@
           <a:p>
             <a:fld id="{FFA5E540-6D76-429F-95AD-C7F13B3CAC82}" type="slidenum">
               <a:rPr lang="en-US" smtClean="0"/>
-              <a:t>4</a:t>
+              <a:t>8</a:t>
             </a:fld>
             <a:endParaRPr lang="en-US" dirty="0"/>
           </a:p>
@@ -1076,7 +1969,167 @@
     </p:spTree>
     <p:extLst>
       <p:ext uri="{BB962C8B-B14F-4D97-AF65-F5344CB8AC3E}">
-        <p14:creationId xmlns:p14="http://schemas.microsoft.com/office/powerpoint/2010/main" val="3090747838"/>
+        <p14:creationId xmlns:p14="http://schemas.microsoft.com/office/powerpoint/2010/main" val="4233718859"/>
+      </p:ext>
+    </p:extLst>
+  </p:cSld>
+  <p:clrMapOvr>
+    <a:masterClrMapping/>
+  </p:clrMapOvr>
+</p:notes>
+</file>
+
+<file path=ppt/notesSlides/notesSlide9.xml><?xml version="1.0" encoding="utf-8"?>
+<p:notes xmlns:a="http://schemas.openxmlformats.org/drawingml/2006/main" xmlns:r="http://schemas.openxmlformats.org/officeDocument/2006/relationships" xmlns:p="http://schemas.openxmlformats.org/presentationml/2006/main">
+  <p:cSld>
+    <p:spTree>
+      <p:nvGrpSpPr>
+        <p:cNvPr id="1" name="">
+          <a:extLst>
+            <a:ext uri="{FF2B5EF4-FFF2-40B4-BE49-F238E27FC236}">
+              <a16:creationId xmlns:a16="http://schemas.microsoft.com/office/drawing/2014/main" id="{5EB4A1C9-ECDB-41F8-3884-738BCCB738D8}"/>
+            </a:ext>
+          </a:extLst>
+        </p:cNvPr>
+        <p:cNvGrpSpPr/>
+        <p:nvPr/>
+      </p:nvGrpSpPr>
+      <p:grpSpPr>
+        <a:xfrm>
+          <a:off x="0" y="0"/>
+          <a:ext cx="0" cy="0"/>
+          <a:chOff x="0" y="0"/>
+          <a:chExt cx="0" cy="0"/>
+        </a:xfrm>
+      </p:grpSpPr>
+      <p:sp>
+        <p:nvSpPr>
+          <p:cNvPr id="2" name="Slide Image Placeholder 1">
+            <a:extLst>
+              <a:ext uri="{FF2B5EF4-FFF2-40B4-BE49-F238E27FC236}">
+                <a16:creationId xmlns:a16="http://schemas.microsoft.com/office/drawing/2014/main" id="{06EC575E-38B0-DAD3-2344-2BFE2434719F}"/>
+              </a:ext>
+            </a:extLst>
+          </p:cNvPr>
+          <p:cNvSpPr>
+            <a:spLocks noGrp="1" noRot="1" noChangeAspect="1"/>
+          </p:cNvSpPr>
+          <p:nvPr>
+            <p:ph type="sldImg"/>
+          </p:nvPr>
+        </p:nvSpPr>
+        <p:spPr/>
+      </p:sp>
+      <p:sp>
+        <p:nvSpPr>
+          <p:cNvPr id="3" name="Notes Placeholder 2">
+            <a:extLst>
+              <a:ext uri="{FF2B5EF4-FFF2-40B4-BE49-F238E27FC236}">
+                <a16:creationId xmlns:a16="http://schemas.microsoft.com/office/drawing/2014/main" id="{22EBD3C7-DFD0-1B18-4A8B-378F172083D4}"/>
+              </a:ext>
+            </a:extLst>
+          </p:cNvPr>
+          <p:cNvSpPr>
+            <a:spLocks noGrp="1"/>
+          </p:cNvSpPr>
+          <p:nvPr>
+            <p:ph type="body" idx="1"/>
+          </p:nvPr>
+        </p:nvSpPr>
+        <p:spPr/>
+        <p:txBody>
+          <a:bodyPr/>
+          <a:lstStyle/>
+          <a:p>
+            <a:pPr marL="228600" indent="-228600">
+              <a:buAutoNum type="arabicPeriod"/>
+            </a:pPr>
+            <a:r>
+              <a:rPr lang="en-US" dirty="0"/>
+              <a:t>Check the results of using constant wall stress in the wall model    using debug mode   ok</a:t>
+            </a:r>
+          </a:p>
+          <a:p>
+            <a:pPr marL="228600" marR="0" lvl="0" indent="-228600" algn="l" defTabSz="914400" rtl="0" eaLnBrk="1" fontAlgn="auto" latinLnBrk="0" hangingPunct="1">
+              <a:lnSpc>
+                <a:spcPct val="100000"/>
+              </a:lnSpc>
+              <a:spcBef>
+                <a:spcPts val="0"/>
+              </a:spcBef>
+              <a:spcAft>
+                <a:spcPts val="0"/>
+              </a:spcAft>
+              <a:buClrTx/>
+              <a:buSzTx/>
+              <a:buFontTx/>
+              <a:buAutoNum type="arabicPeriod"/>
+              <a:tabLst/>
+              <a:defRPr/>
+            </a:pPr>
+            <a:r>
+              <a:rPr lang="en-US" dirty="0"/>
+              <a:t>Compare implicit1D results with explicit results</a:t>
+            </a:r>
+          </a:p>
+          <a:p>
+            <a:pPr marL="228600" marR="0" lvl="0" indent="-228600" algn="l" defTabSz="914400" rtl="0" eaLnBrk="1" fontAlgn="auto" latinLnBrk="0" hangingPunct="1">
+              <a:lnSpc>
+                <a:spcPct val="100000"/>
+              </a:lnSpc>
+              <a:spcBef>
+                <a:spcPts val="0"/>
+              </a:spcBef>
+              <a:spcAft>
+                <a:spcPts val="0"/>
+              </a:spcAft>
+              <a:buClrTx/>
+              <a:buSzTx/>
+              <a:buFontTx/>
+              <a:buAutoNum type="arabicPeriod"/>
+              <a:tabLst/>
+              <a:defRPr/>
+            </a:pPr>
+            <a:r>
+              <a:rPr lang="en-US" dirty="0"/>
+              <a:t>Check numerical instability using Q value  numerical oscillation</a:t>
+            </a:r>
+          </a:p>
+        </p:txBody>
+      </p:sp>
+      <p:sp>
+        <p:nvSpPr>
+          <p:cNvPr id="4" name="Slide Number Placeholder 3">
+            <a:extLst>
+              <a:ext uri="{FF2B5EF4-FFF2-40B4-BE49-F238E27FC236}">
+                <a16:creationId xmlns:a16="http://schemas.microsoft.com/office/drawing/2014/main" id="{FEC3B541-4859-138B-B16F-363E5C818D79}"/>
+              </a:ext>
+            </a:extLst>
+          </p:cNvPr>
+          <p:cNvSpPr>
+            <a:spLocks noGrp="1"/>
+          </p:cNvSpPr>
+          <p:nvPr>
+            <p:ph type="sldNum" sz="quarter" idx="10"/>
+          </p:nvPr>
+        </p:nvSpPr>
+        <p:spPr/>
+        <p:txBody>
+          <a:bodyPr/>
+          <a:lstStyle/>
+          <a:p>
+            <a:fld id="{FFA5E540-6D76-429F-95AD-C7F13B3CAC82}" type="slidenum">
+              <a:rPr lang="en-US" smtClean="0"/>
+              <a:t>9</a:t>
+            </a:fld>
+            <a:endParaRPr lang="en-US" dirty="0"/>
+          </a:p>
+        </p:txBody>
+      </p:sp>
+    </p:spTree>
+    <p:extLst>
+      <p:ext uri="{BB962C8B-B14F-4D97-AF65-F5344CB8AC3E}">
+        <p14:creationId xmlns:p14="http://schemas.microsoft.com/office/powerpoint/2010/main" val="282513375"/>
       </p:ext>
     </p:extLst>
   </p:cSld>
@@ -23595,7 +24648,7 @@
             </a:r>
             <a:r>
               <a:rPr lang="en-US" altLang="zh-CN" dirty="0"/>
-              <a:t>Wall-Modeled LES in CaNS-2.0</a:t>
+              <a:t>WMLES in CaNS-2.0</a:t>
             </a:r>
             <a:endParaRPr lang="en-US" dirty="0"/>
           </a:p>
@@ -23730,7 +24783,7 @@
 </p:sld>
 </file>
 
-<file path=ppt/slides/slide2.xml><?xml version="1.0" encoding="utf-8"?>
+<file path=ppt/slides/slide10.xml><?xml version="1.0" encoding="utf-8"?>
 <p:sld xmlns:a="http://schemas.openxmlformats.org/drawingml/2006/main" xmlns:r="http://schemas.openxmlformats.org/officeDocument/2006/relationships" xmlns:p="http://schemas.openxmlformats.org/presentationml/2006/main">
   <p:cSld>
     <p:spTree>
@@ -23738,7 +24791,7 @@
         <p:cNvPr id="1" name="">
           <a:extLst>
             <a:ext uri="{FF2B5EF4-FFF2-40B4-BE49-F238E27FC236}">
-              <a16:creationId xmlns:a16="http://schemas.microsoft.com/office/drawing/2014/main" id="{2D15152C-B19F-6BB3-728D-5F7F2B035AD0}"/>
+              <a16:creationId xmlns:a16="http://schemas.microsoft.com/office/drawing/2014/main" id="{2E905563-DB9F-52CC-C53B-E3FF5597882D}"/>
             </a:ext>
           </a:extLst>
         </p:cNvPr>
@@ -23753,12 +24806,72 @@
           <a:chExt cx="0" cy="0"/>
         </a:xfrm>
       </p:grpSpPr>
+      <p:pic>
+        <p:nvPicPr>
+          <p:cNvPr id="6" name="Picture 5">
+            <a:extLst>
+              <a:ext uri="{FF2B5EF4-FFF2-40B4-BE49-F238E27FC236}">
+                <a16:creationId xmlns:a16="http://schemas.microsoft.com/office/drawing/2014/main" id="{FB78C7FE-FD8F-51AA-4D8C-7467F9B6F21A}"/>
+              </a:ext>
+            </a:extLst>
+          </p:cNvPr>
+          <p:cNvPicPr>
+            <a:picLocks noChangeAspect="1"/>
+          </p:cNvPicPr>
+          <p:nvPr/>
+        </p:nvPicPr>
+        <p:blipFill>
+          <a:blip r:embed="rId3"/>
+          <a:stretch>
+            <a:fillRect/>
+          </a:stretch>
+        </p:blipFill>
+        <p:spPr>
+          <a:xfrm>
+            <a:off x="4572000" y="2062404"/>
+            <a:ext cx="3200400" cy="2382407"/>
+          </a:xfrm>
+          <a:prstGeom prst="rect">
+            <a:avLst/>
+          </a:prstGeom>
+        </p:spPr>
+      </p:pic>
+      <p:pic>
+        <p:nvPicPr>
+          <p:cNvPr id="4" name="Picture 3">
+            <a:extLst>
+              <a:ext uri="{FF2B5EF4-FFF2-40B4-BE49-F238E27FC236}">
+                <a16:creationId xmlns:a16="http://schemas.microsoft.com/office/drawing/2014/main" id="{E76930AD-16F2-5B02-CDA2-BED87F8CE8AD}"/>
+              </a:ext>
+            </a:extLst>
+          </p:cNvPr>
+          <p:cNvPicPr>
+            <a:picLocks noChangeAspect="1"/>
+          </p:cNvPicPr>
+          <p:nvPr/>
+        </p:nvPicPr>
+        <p:blipFill>
+          <a:blip r:embed="rId4"/>
+          <a:stretch>
+            <a:fillRect/>
+          </a:stretch>
+        </p:blipFill>
+        <p:spPr>
+          <a:xfrm>
+            <a:off x="1257300" y="2040016"/>
+            <a:ext cx="3200400" cy="2427184"/>
+          </a:xfrm>
+          <a:prstGeom prst="rect">
+            <a:avLst/>
+          </a:prstGeom>
+        </p:spPr>
+      </p:pic>
       <p:sp>
         <p:nvSpPr>
           <p:cNvPr id="2" name="Title 1">
             <a:extLst>
               <a:ext uri="{FF2B5EF4-FFF2-40B4-BE49-F238E27FC236}">
-                <a16:creationId xmlns:a16="http://schemas.microsoft.com/office/drawing/2014/main" id="{D13EE2B0-B4C2-89D5-D5B9-1DF5BE70DC5F}"/>
+                <a16:creationId xmlns:a16="http://schemas.microsoft.com/office/drawing/2014/main" id="{0EFF7BD2-C244-AA5A-D725-298402CE7DD6}"/>
               </a:ext>
             </a:extLst>
           </p:cNvPr>
@@ -23789,424 +24902,13 @@
       </p:sp>
       <p:sp>
         <p:nvSpPr>
-          <p:cNvPr id="7" name="内容占位符 2">
+          <p:cNvPr id="9" name="Rectangle 2">
             <a:extLst>
               <a:ext uri="{FF2B5EF4-FFF2-40B4-BE49-F238E27FC236}">
-                <a16:creationId xmlns:a16="http://schemas.microsoft.com/office/drawing/2014/main" id="{D2C6C04E-3AE6-BF1A-EE2B-80CAEA4AD7AC}"/>
+                <a16:creationId xmlns:a16="http://schemas.microsoft.com/office/drawing/2014/main" id="{E7176D20-836C-1983-9CFC-7F752845BD51}"/>
               </a:ext>
             </a:extLst>
           </p:cNvPr>
-          <p:cNvSpPr>
-            <a:spLocks noGrp="1"/>
-          </p:cNvSpPr>
-          <p:nvPr>
-            <p:ph idx="4294967295"/>
-          </p:nvPr>
-        </p:nvSpPr>
-        <p:spPr>
-          <a:xfrm>
-            <a:off x="93652" y="1068111"/>
-            <a:ext cx="9050348" cy="1979889"/>
-          </a:xfrm>
-        </p:spPr>
-        <p:txBody>
-          <a:bodyPr/>
-          <a:lstStyle/>
-          <a:p>
-            <a:r>
-              <a:rPr lang="en-US" altLang="zh-CN" sz="2400" dirty="0">
-                <a:latin typeface="+mn-lt"/>
-                <a:cs typeface="Times New Roman" panose="02020603050405020304" pitchFamily="18" charset="0"/>
-              </a:rPr>
-              <a:t>RETAU180</a:t>
-            </a:r>
-            <a:endParaRPr lang="en-US" altLang="zh-CN" sz="2000" dirty="0">
-              <a:latin typeface="+mn-lt"/>
-              <a:cs typeface="Times New Roman" panose="02020603050405020304" pitchFamily="18" charset="0"/>
-            </a:endParaRPr>
-          </a:p>
-          <a:p>
-            <a:pPr lvl="1"/>
-            <a:r>
-              <a:rPr lang="en-US" altLang="zh-CN" sz="2000" dirty="0">
-                <a:latin typeface="+mn-lt"/>
-                <a:cs typeface="Times New Roman" panose="02020603050405020304" pitchFamily="18" charset="0"/>
-              </a:rPr>
-              <a:t>Both Neumann and wall model yield acceptable profiles</a:t>
-            </a:r>
-          </a:p>
-          <a:p>
-            <a:pPr lvl="1"/>
-            <a:r>
-              <a:rPr lang="en-US" altLang="zh-CN" sz="2000" dirty="0">
-                <a:latin typeface="+mn-lt"/>
-                <a:cs typeface="Times New Roman" panose="02020603050405020304" pitchFamily="18" charset="0"/>
-              </a:rPr>
-              <a:t>The DNS grid and the finest wall model grid produce the same results, but show difference from the DNS results, demonstrating imperfection of the wall model</a:t>
-            </a:r>
-            <a:endParaRPr lang="en-US" altLang="zh-CN" sz="2000" kern="0" dirty="0">
-              <a:latin typeface="+mn-lt"/>
-              <a:cs typeface="Times New Roman" panose="02020603050405020304" pitchFamily="18" charset="0"/>
-            </a:endParaRPr>
-          </a:p>
-          <a:p>
-            <a:pPr marL="457200" lvl="1" indent="0">
-              <a:buNone/>
-            </a:pPr>
-            <a:endParaRPr lang="en-US" altLang="zh-CN" sz="2000" baseline="30000" dirty="0">
-              <a:latin typeface="+mn-lt"/>
-              <a:cs typeface="Times New Roman" panose="02020603050405020304" pitchFamily="18" charset="0"/>
-            </a:endParaRPr>
-          </a:p>
-          <a:p>
-            <a:pPr marL="457200" lvl="1" indent="0">
-              <a:buNone/>
-            </a:pPr>
-            <a:endParaRPr lang="en-US" altLang="zh-CN" sz="2000" baseline="30000" dirty="0">
-              <a:latin typeface="+mn-lt"/>
-              <a:cs typeface="Times New Roman" panose="02020603050405020304" pitchFamily="18" charset="0"/>
-            </a:endParaRPr>
-          </a:p>
-          <a:p>
-            <a:pPr marL="457200" lvl="1" indent="0">
-              <a:buNone/>
-            </a:pPr>
-            <a:endParaRPr lang="en-US" altLang="zh-CN" sz="2000" baseline="30000" dirty="0">
-              <a:latin typeface="+mn-lt"/>
-              <a:cs typeface="Times New Roman" panose="02020603050405020304" pitchFamily="18" charset="0"/>
-            </a:endParaRPr>
-          </a:p>
-          <a:p>
-            <a:pPr marL="457200" lvl="1" indent="0">
-              <a:buNone/>
-            </a:pPr>
-            <a:endParaRPr lang="en-US" altLang="zh-CN" sz="2000" baseline="30000" dirty="0">
-              <a:latin typeface="+mn-lt"/>
-              <a:cs typeface="Times New Roman" panose="02020603050405020304" pitchFamily="18" charset="0"/>
-            </a:endParaRPr>
-          </a:p>
-          <a:p>
-            <a:pPr marL="457200" lvl="1" indent="0">
-              <a:buNone/>
-            </a:pPr>
-            <a:endParaRPr lang="en-US" altLang="zh-CN" sz="2000" baseline="30000" dirty="0">
-              <a:latin typeface="+mn-lt"/>
-              <a:cs typeface="Times New Roman" panose="02020603050405020304" pitchFamily="18" charset="0"/>
-            </a:endParaRPr>
-          </a:p>
-          <a:p>
-            <a:pPr marL="457200" lvl="1" indent="0">
-              <a:buNone/>
-            </a:pPr>
-            <a:endParaRPr lang="en-US" altLang="zh-CN" sz="2000" baseline="30000" dirty="0">
-              <a:latin typeface="+mn-lt"/>
-              <a:cs typeface="Times New Roman" panose="02020603050405020304" pitchFamily="18" charset="0"/>
-            </a:endParaRPr>
-          </a:p>
-          <a:p>
-            <a:pPr marL="457200" lvl="1" indent="0">
-              <a:buNone/>
-            </a:pPr>
-            <a:endParaRPr lang="en-US" altLang="zh-CN" sz="2000" baseline="30000" dirty="0">
-              <a:latin typeface="+mn-lt"/>
-              <a:cs typeface="Times New Roman" panose="02020603050405020304" pitchFamily="18" charset="0"/>
-            </a:endParaRPr>
-          </a:p>
-          <a:p>
-            <a:pPr marL="457200" lvl="1" indent="0">
-              <a:buNone/>
-            </a:pPr>
-            <a:endParaRPr lang="en-US" altLang="zh-CN" sz="2000" baseline="30000" dirty="0">
-              <a:latin typeface="+mn-lt"/>
-              <a:cs typeface="Times New Roman" panose="02020603050405020304" pitchFamily="18" charset="0"/>
-            </a:endParaRPr>
-          </a:p>
-          <a:p>
-            <a:pPr>
-              <a:lnSpc>
-                <a:spcPct val="125000"/>
-              </a:lnSpc>
-            </a:pPr>
-            <a:endParaRPr lang="en-US" altLang="zh-CN" sz="2400" dirty="0">
-              <a:latin typeface="+mn-lt"/>
-              <a:cs typeface="Times New Roman" panose="02020603050405020304" pitchFamily="18" charset="0"/>
-            </a:endParaRPr>
-          </a:p>
-          <a:p>
-            <a:pPr marL="457200" lvl="1" indent="0">
-              <a:lnSpc>
-                <a:spcPct val="125000"/>
-              </a:lnSpc>
-              <a:buNone/>
-            </a:pPr>
-            <a:endParaRPr lang="en-US" altLang="zh-CN" sz="2000" dirty="0">
-              <a:latin typeface="+mn-lt"/>
-              <a:cs typeface="Times New Roman" panose="02020603050405020304" pitchFamily="18" charset="0"/>
-            </a:endParaRPr>
-          </a:p>
-        </p:txBody>
-      </p:sp>
-      <p:sp>
-        <p:nvSpPr>
-          <p:cNvPr id="9" name="Rectangle 2">
-            <a:extLst>
-              <a:ext uri="{FF2B5EF4-FFF2-40B4-BE49-F238E27FC236}">
-                <a16:creationId xmlns:a16="http://schemas.microsoft.com/office/drawing/2014/main" id="{39432E37-D0CA-42E2-B210-9AC1CA0029EC}"/>
-              </a:ext>
-            </a:extLst>
-          </p:cNvPr>
-          <p:cNvSpPr>
-            <a:spLocks noChangeArrowheads="1"/>
-          </p:cNvSpPr>
-          <p:nvPr/>
-        </p:nvSpPr>
-        <p:spPr bwMode="auto">
-          <a:xfrm>
-            <a:off x="0" y="0"/>
-            <a:ext cx="9144000" cy="0"/>
-          </a:xfrm>
-          <a:prstGeom prst="rect">
-            <a:avLst/>
-          </a:prstGeom>
-          <a:noFill/>
-          <a:ln>
-            <a:noFill/>
-          </a:ln>
-          <a:effectLst/>
-          <a:extLst>
-            <a:ext uri="{909E8E84-426E-40DD-AFC4-6F175D3DCCD1}">
-              <a14:hiddenFill xmlns:a14="http://schemas.microsoft.com/office/drawing/2010/main">
-                <a:solidFill>
-                  <a:schemeClr val="accent1"/>
-                </a:solidFill>
-              </a14:hiddenFill>
-            </a:ext>
-            <a:ext uri="{91240B29-F687-4F45-9708-019B960494DF}">
-              <a14:hiddenLine xmlns:a14="http://schemas.microsoft.com/office/drawing/2010/main" w="9525">
-                <a:solidFill>
-                  <a:schemeClr val="tx1"/>
-                </a:solidFill>
-                <a:miter lim="800000"/>
-                <a:headEnd/>
-                <a:tailEnd/>
-              </a14:hiddenLine>
-            </a:ext>
-            <a:ext uri="{AF507438-7753-43E0-B8FC-AC1667EBCBE1}">
-              <a14:hiddenEffects xmlns:a14="http://schemas.microsoft.com/office/drawing/2010/main">
-                <a:effectLst>
-                  <a:outerShdw dist="35921" dir="2700000" algn="ctr" rotWithShape="0">
-                    <a:schemeClr val="bg2"/>
-                  </a:outerShdw>
-                </a:effectLst>
-              </a14:hiddenEffects>
-            </a:ext>
-          </a:extLst>
-        </p:spPr>
-        <p:txBody>
-          <a:bodyPr vert="horz" wrap="none" lIns="91440" tIns="45720" rIns="91440" bIns="45720" numCol="1" anchor="ctr" anchorCtr="0" compatLnSpc="1">
-            <a:prstTxWarp prst="textNoShape">
-              <a:avLst/>
-            </a:prstTxWarp>
-            <a:spAutoFit/>
-          </a:bodyPr>
-          <a:lstStyle/>
-          <a:p>
-            <a:endParaRPr lang="zh-CN" altLang="en-US"/>
-          </a:p>
-        </p:txBody>
-      </p:sp>
-      <p:pic>
-        <p:nvPicPr>
-          <p:cNvPr id="49" name="Picture 48">
-            <a:extLst>
-              <a:ext uri="{FF2B5EF4-FFF2-40B4-BE49-F238E27FC236}">
-                <a16:creationId xmlns:a16="http://schemas.microsoft.com/office/drawing/2014/main" id="{D5A11D27-84BB-2B33-F838-7B95FFEEDBE5}"/>
-              </a:ext>
-            </a:extLst>
-          </p:cNvPr>
-          <p:cNvPicPr>
-            <a:picLocks noChangeAspect="1"/>
-          </p:cNvPicPr>
-          <p:nvPr/>
-        </p:nvPicPr>
-        <p:blipFill>
-          <a:blip r:embed="rId3"/>
-          <a:stretch>
-            <a:fillRect/>
-          </a:stretch>
-        </p:blipFill>
-        <p:spPr>
-          <a:xfrm>
-            <a:off x="457200" y="3445612"/>
-            <a:ext cx="4026107" cy="3003704"/>
-          </a:xfrm>
-          <a:prstGeom prst="rect">
-            <a:avLst/>
-          </a:prstGeom>
-        </p:spPr>
-      </p:pic>
-      <p:sp>
-        <p:nvSpPr>
-          <p:cNvPr id="59" name="TextBox 58">
-            <a:extLst>
-              <a:ext uri="{FF2B5EF4-FFF2-40B4-BE49-F238E27FC236}">
-                <a16:creationId xmlns:a16="http://schemas.microsoft.com/office/drawing/2014/main" id="{BB6B4FBE-508A-E38E-975C-A4488FB09E39}"/>
-              </a:ext>
-            </a:extLst>
-          </p:cNvPr>
-          <p:cNvSpPr txBox="1"/>
-          <p:nvPr/>
-        </p:nvSpPr>
-        <p:spPr>
-          <a:xfrm>
-            <a:off x="1786861" y="6412468"/>
-            <a:ext cx="1184940" cy="369332"/>
-          </a:xfrm>
-          <a:prstGeom prst="rect">
-            <a:avLst/>
-          </a:prstGeom>
-          <a:noFill/>
-        </p:spPr>
-        <p:txBody>
-          <a:bodyPr wrap="none" rtlCol="0">
-            <a:spAutoFit/>
-          </a:bodyPr>
-          <a:lstStyle/>
-          <a:p>
-            <a:r>
-              <a:rPr lang="en-US" dirty="0"/>
-              <a:t>Neumann</a:t>
-            </a:r>
-          </a:p>
-        </p:txBody>
-      </p:sp>
-      <p:sp>
-        <p:nvSpPr>
-          <p:cNvPr id="60" name="TextBox 59">
-            <a:extLst>
-              <a:ext uri="{FF2B5EF4-FFF2-40B4-BE49-F238E27FC236}">
-                <a16:creationId xmlns:a16="http://schemas.microsoft.com/office/drawing/2014/main" id="{CAB6FECC-5F82-6284-E96C-30D32FA6BC32}"/>
-              </a:ext>
-            </a:extLst>
-          </p:cNvPr>
-          <p:cNvSpPr txBox="1"/>
-          <p:nvPr/>
-        </p:nvSpPr>
-        <p:spPr>
-          <a:xfrm>
-            <a:off x="6039727" y="6412468"/>
-            <a:ext cx="1317412" cy="369332"/>
-          </a:xfrm>
-          <a:prstGeom prst="rect">
-            <a:avLst/>
-          </a:prstGeom>
-          <a:noFill/>
-        </p:spPr>
-        <p:txBody>
-          <a:bodyPr wrap="none" rtlCol="0">
-            <a:spAutoFit/>
-          </a:bodyPr>
-          <a:lstStyle/>
-          <a:p>
-            <a:r>
-              <a:rPr lang="en-US" dirty="0"/>
-              <a:t>Wall model</a:t>
-            </a:r>
-          </a:p>
-        </p:txBody>
-      </p:sp>
-      <p:pic>
-        <p:nvPicPr>
-          <p:cNvPr id="4" name="Picture 3">
-            <a:extLst>
-              <a:ext uri="{FF2B5EF4-FFF2-40B4-BE49-F238E27FC236}">
-                <a16:creationId xmlns:a16="http://schemas.microsoft.com/office/drawing/2014/main" id="{FD88229E-DD92-3F94-4CF6-74514DEE22C8}"/>
-              </a:ext>
-            </a:extLst>
-          </p:cNvPr>
-          <p:cNvPicPr>
-            <a:picLocks noChangeAspect="1"/>
-          </p:cNvPicPr>
-          <p:nvPr/>
-        </p:nvPicPr>
-        <p:blipFill>
-          <a:blip r:embed="rId4"/>
-          <a:stretch>
-            <a:fillRect/>
-          </a:stretch>
-        </p:blipFill>
-        <p:spPr>
-          <a:xfrm>
-            <a:off x="4572000" y="3444240"/>
-            <a:ext cx="3981655" cy="2991004"/>
-          </a:xfrm>
-          <a:prstGeom prst="rect">
-            <a:avLst/>
-          </a:prstGeom>
-        </p:spPr>
-      </p:pic>
-    </p:spTree>
-    <p:extLst>
-      <p:ext uri="{BB962C8B-B14F-4D97-AF65-F5344CB8AC3E}">
-        <p14:creationId xmlns:p14="http://schemas.microsoft.com/office/powerpoint/2010/main" val="3334254190"/>
-      </p:ext>
-    </p:extLst>
-  </p:cSld>
-  <p:clrMapOvr>
-    <a:masterClrMapping/>
-  </p:clrMapOvr>
-  <p:transition spd="med" advTm="63997"/>
-</p:sld>
-</file>
-
-<file path=ppt/slides/slide3.xml><?xml version="1.0" encoding="utf-8"?>
-<p:sld xmlns:a="http://schemas.openxmlformats.org/drawingml/2006/main" xmlns:r="http://schemas.openxmlformats.org/officeDocument/2006/relationships" xmlns:p="http://schemas.openxmlformats.org/presentationml/2006/main">
-  <p:cSld>
-    <p:spTree>
-      <p:nvGrpSpPr>
-        <p:cNvPr id="1" name=""/>
-        <p:cNvGrpSpPr/>
-        <p:nvPr/>
-      </p:nvGrpSpPr>
-      <p:grpSpPr>
-        <a:xfrm>
-          <a:off x="0" y="0"/>
-          <a:ext cx="0" cy="0"/>
-          <a:chOff x="0" y="0"/>
-          <a:chExt cx="0" cy="0"/>
-        </a:xfrm>
-      </p:grpSpPr>
-      <p:sp>
-        <p:nvSpPr>
-          <p:cNvPr id="2" name="Title 1"/>
-          <p:cNvSpPr>
-            <a:spLocks noGrp="1"/>
-          </p:cNvSpPr>
-          <p:nvPr>
-            <p:ph type="title"/>
-          </p:nvPr>
-        </p:nvSpPr>
-        <p:spPr>
-          <a:xfrm>
-            <a:off x="152400" y="152400"/>
-            <a:ext cx="8610600" cy="838200"/>
-          </a:xfrm>
-        </p:spPr>
-        <p:txBody>
-          <a:bodyPr/>
-          <a:lstStyle/>
-          <a:p>
-            <a:r>
-              <a:rPr lang="en-US" altLang="zh-CN" dirty="0"/>
-              <a:t>Channel</a:t>
-            </a:r>
-            <a:endParaRPr lang="zh-CN" altLang="en-US" dirty="0"/>
-          </a:p>
-        </p:txBody>
-      </p:sp>
-      <p:sp>
-        <p:nvSpPr>
-          <p:cNvPr id="9" name="Rectangle 2"/>
           <p:cNvSpPr>
             <a:spLocks noChangeArrowheads="1"/>
           </p:cNvSpPr>
@@ -24272,7 +24974,7 @@
           <p:cNvPr id="18" name="内容占位符 2">
             <a:extLst>
               <a:ext uri="{FF2B5EF4-FFF2-40B4-BE49-F238E27FC236}">
-                <a16:creationId xmlns:a16="http://schemas.microsoft.com/office/drawing/2014/main" id="{5B83F688-3AAF-6E92-D5A4-B8DCA97B9756}"/>
+                <a16:creationId xmlns:a16="http://schemas.microsoft.com/office/drawing/2014/main" id="{ECA7E871-F1DC-8D58-CADE-32324F375F7C}"/>
               </a:ext>
             </a:extLst>
           </p:cNvPr>
@@ -24511,7 +25213,7 @@
                 <a:latin typeface="+mn-lt"/>
                 <a:cs typeface="Times New Roman" panose="02020603050405020304" pitchFamily="18" charset="0"/>
               </a:rPr>
-              <a:t>RETAU5200</a:t>
+              <a:t>No-slip BC</a:t>
             </a:r>
             <a:endParaRPr lang="en-US" altLang="zh-CN" sz="2000" kern="0" dirty="0">
               <a:latin typeface="+mn-lt"/>
@@ -24525,87 +25227,437 @@
                 <a:latin typeface="+mn-lt"/>
                 <a:cs typeface="Times New Roman" panose="02020603050405020304" pitchFamily="18" charset="0"/>
               </a:rPr>
-              <a:t>Neither Neumann nor wall model yields acceptable profiles</a:t>
+              <a:t>s</a:t>
             </a:r>
+          </a:p>
+        </p:txBody>
+      </p:sp>
+      <p:sp>
+        <p:nvSpPr>
+          <p:cNvPr id="14" name="TextBox 13">
+            <a:extLst>
+              <a:ext uri="{FF2B5EF4-FFF2-40B4-BE49-F238E27FC236}">
+                <a16:creationId xmlns:a16="http://schemas.microsoft.com/office/drawing/2014/main" id="{626DCE55-9064-DF2D-188B-E64D5007A4F7}"/>
+              </a:ext>
+            </a:extLst>
+          </p:cNvPr>
+          <p:cNvSpPr txBox="1"/>
+          <p:nvPr/>
+        </p:nvSpPr>
+        <p:spPr>
+          <a:xfrm>
+            <a:off x="2171184" y="3098623"/>
+            <a:ext cx="1334533" cy="369332"/>
+          </a:xfrm>
+          <a:prstGeom prst="rect">
+            <a:avLst/>
+          </a:prstGeom>
+          <a:noFill/>
+        </p:spPr>
+        <p:txBody>
+          <a:bodyPr wrap="none" rtlCol="0">
+            <a:spAutoFit/>
+          </a:bodyPr>
+          <a:lstStyle/>
+          <a:p>
+            <a:r>
+              <a:rPr lang="en-US" dirty="0"/>
+              <a:t>RETAU180</a:t>
+            </a:r>
+          </a:p>
+        </p:txBody>
+      </p:sp>
+      <p:sp>
+        <p:nvSpPr>
+          <p:cNvPr id="15" name="TextBox 14">
+            <a:extLst>
+              <a:ext uri="{FF2B5EF4-FFF2-40B4-BE49-F238E27FC236}">
+                <a16:creationId xmlns:a16="http://schemas.microsoft.com/office/drawing/2014/main" id="{88834B70-DB70-54FA-9F27-8DE536075B68}"/>
+              </a:ext>
+            </a:extLst>
+          </p:cNvPr>
+          <p:cNvSpPr txBox="1"/>
+          <p:nvPr/>
+        </p:nvSpPr>
+        <p:spPr>
+          <a:xfrm>
+            <a:off x="5352533" y="3058355"/>
+            <a:ext cx="1334533" cy="369332"/>
+          </a:xfrm>
+          <a:prstGeom prst="rect">
+            <a:avLst/>
+          </a:prstGeom>
+          <a:noFill/>
+        </p:spPr>
+        <p:txBody>
+          <a:bodyPr wrap="none" rtlCol="0">
+            <a:spAutoFit/>
+          </a:bodyPr>
+          <a:lstStyle/>
+          <a:p>
+            <a:r>
+              <a:rPr lang="en-US" dirty="0"/>
+              <a:t>RETAU550</a:t>
+            </a:r>
+          </a:p>
+        </p:txBody>
+      </p:sp>
+      <p:sp>
+        <p:nvSpPr>
+          <p:cNvPr id="16" name="TextBox 15">
+            <a:extLst>
+              <a:ext uri="{FF2B5EF4-FFF2-40B4-BE49-F238E27FC236}">
+                <a16:creationId xmlns:a16="http://schemas.microsoft.com/office/drawing/2014/main" id="{4CF26863-94F6-57C1-F80C-CF838C763E17}"/>
+              </a:ext>
+            </a:extLst>
+          </p:cNvPr>
+          <p:cNvSpPr txBox="1"/>
+          <p:nvPr/>
+        </p:nvSpPr>
+        <p:spPr>
+          <a:xfrm>
+            <a:off x="2209800" y="5420557"/>
+            <a:ext cx="1462773" cy="369332"/>
+          </a:xfrm>
+          <a:prstGeom prst="rect">
+            <a:avLst/>
+          </a:prstGeom>
+          <a:noFill/>
+        </p:spPr>
+        <p:txBody>
+          <a:bodyPr wrap="none" rtlCol="0">
+            <a:spAutoFit/>
+          </a:bodyPr>
+          <a:lstStyle/>
+          <a:p>
+            <a:r>
+              <a:rPr lang="en-US" dirty="0"/>
+              <a:t>RETAU1000</a:t>
+            </a:r>
+          </a:p>
+        </p:txBody>
+      </p:sp>
+      <p:sp>
+        <p:nvSpPr>
+          <p:cNvPr id="17" name="TextBox 16">
+            <a:extLst>
+              <a:ext uri="{FF2B5EF4-FFF2-40B4-BE49-F238E27FC236}">
+                <a16:creationId xmlns:a16="http://schemas.microsoft.com/office/drawing/2014/main" id="{3B8C9E9F-2BE8-EA55-428B-2350DF8E1CB0}"/>
+              </a:ext>
+            </a:extLst>
+          </p:cNvPr>
+          <p:cNvSpPr txBox="1"/>
+          <p:nvPr/>
+        </p:nvSpPr>
+        <p:spPr>
+          <a:xfrm>
+            <a:off x="5352532" y="5406547"/>
+            <a:ext cx="1462773" cy="369332"/>
+          </a:xfrm>
+          <a:prstGeom prst="rect">
+            <a:avLst/>
+          </a:prstGeom>
+          <a:noFill/>
+        </p:spPr>
+        <p:txBody>
+          <a:bodyPr wrap="none" rtlCol="0">
+            <a:spAutoFit/>
+          </a:bodyPr>
+          <a:lstStyle/>
+          <a:p>
+            <a:r>
+              <a:rPr lang="en-US" dirty="0"/>
+              <a:t>RETAU5200</a:t>
+            </a:r>
+          </a:p>
+        </p:txBody>
+      </p:sp>
+    </p:spTree>
+    <p:extLst>
+      <p:ext uri="{BB962C8B-B14F-4D97-AF65-F5344CB8AC3E}">
+        <p14:creationId xmlns:p14="http://schemas.microsoft.com/office/powerpoint/2010/main" val="3293639466"/>
+      </p:ext>
+    </p:extLst>
+  </p:cSld>
+  <p:clrMapOvr>
+    <a:masterClrMapping/>
+  </p:clrMapOvr>
+  <p:transition spd="med" advTm="63997"/>
+</p:sld>
+</file>
+
+<file path=ppt/slides/slide11.xml><?xml version="1.0" encoding="utf-8"?>
+<p:sld xmlns:a="http://schemas.openxmlformats.org/drawingml/2006/main" xmlns:r="http://schemas.openxmlformats.org/officeDocument/2006/relationships" xmlns:p="http://schemas.openxmlformats.org/presentationml/2006/main">
+  <p:cSld>
+    <p:spTree>
+      <p:nvGrpSpPr>
+        <p:cNvPr id="1" name="">
+          <a:extLst>
+            <a:ext uri="{FF2B5EF4-FFF2-40B4-BE49-F238E27FC236}">
+              <a16:creationId xmlns:a16="http://schemas.microsoft.com/office/drawing/2014/main" id="{FD51F8A1-C545-C753-B009-0A022151AB5E}"/>
+            </a:ext>
+          </a:extLst>
+        </p:cNvPr>
+        <p:cNvGrpSpPr/>
+        <p:nvPr/>
+      </p:nvGrpSpPr>
+      <p:grpSpPr>
+        <a:xfrm>
+          <a:off x="0" y="0"/>
+          <a:ext cx="0" cy="0"/>
+          <a:chOff x="0" y="0"/>
+          <a:chExt cx="0" cy="0"/>
+        </a:xfrm>
+      </p:grpSpPr>
+      <p:sp>
+        <p:nvSpPr>
+          <p:cNvPr id="2" name="Title 1">
+            <a:extLst>
+              <a:ext uri="{FF2B5EF4-FFF2-40B4-BE49-F238E27FC236}">
+                <a16:creationId xmlns:a16="http://schemas.microsoft.com/office/drawing/2014/main" id="{29DD39E9-7677-88D7-3BB8-B65B4DFD9039}"/>
+              </a:ext>
+            </a:extLst>
+          </p:cNvPr>
+          <p:cNvSpPr>
+            <a:spLocks noGrp="1"/>
+          </p:cNvSpPr>
+          <p:nvPr>
+            <p:ph type="title"/>
+          </p:nvPr>
+        </p:nvSpPr>
+        <p:spPr>
+          <a:xfrm>
+            <a:off x="152400" y="152400"/>
+            <a:ext cx="8610600" cy="838200"/>
+          </a:xfrm>
+        </p:spPr>
+        <p:txBody>
+          <a:bodyPr/>
+          <a:lstStyle/>
+          <a:p>
+            <a:r>
+              <a:rPr lang="en-US" altLang="zh-CN" dirty="0"/>
+              <a:t>Channel</a:t>
+            </a:r>
+            <a:endParaRPr lang="zh-CN" altLang="en-US" dirty="0"/>
+          </a:p>
+        </p:txBody>
+      </p:sp>
+      <p:sp>
+        <p:nvSpPr>
+          <p:cNvPr id="7" name="内容占位符 2">
+            <a:extLst>
+              <a:ext uri="{FF2B5EF4-FFF2-40B4-BE49-F238E27FC236}">
+                <a16:creationId xmlns:a16="http://schemas.microsoft.com/office/drawing/2014/main" id="{0F9127B6-8915-E052-521C-E8C25F1A38CF}"/>
+              </a:ext>
+            </a:extLst>
+          </p:cNvPr>
+          <p:cNvSpPr>
+            <a:spLocks noGrp="1"/>
+          </p:cNvSpPr>
+          <p:nvPr>
+            <p:ph idx="4294967295"/>
+          </p:nvPr>
+        </p:nvSpPr>
+        <p:spPr>
+          <a:xfrm>
+            <a:off x="93652" y="1068111"/>
+            <a:ext cx="9050348" cy="2376129"/>
+          </a:xfrm>
+        </p:spPr>
+        <p:txBody>
+          <a:bodyPr/>
+          <a:lstStyle/>
+          <a:p>
+            <a:r>
+              <a:rPr lang="pt-BR" altLang="zh-CN" sz="2400" dirty="0">
+                <a:latin typeface="+mn-lt"/>
+                <a:cs typeface="Times New Roman" panose="02020603050405020304" pitchFamily="18" charset="0"/>
+              </a:rPr>
+              <a:t>EXP vs IMP1D, CHA_CFR_RETAU180_H0.1_NX128_NY48_NZ32</a:t>
+            </a:r>
+            <a:endParaRPr lang="en-US" altLang="zh-CN" sz="2000" dirty="0">
+              <a:latin typeface="+mn-lt"/>
+              <a:cs typeface="Times New Roman" panose="02020603050405020304" pitchFamily="18" charset="0"/>
+            </a:endParaRPr>
           </a:p>
           <a:p>
             <a:pPr lvl="1"/>
             <a:r>
-              <a:rPr lang="en-US" altLang="zh-CN" sz="2000" kern="0" dirty="0">
+              <a:rPr lang="en-US" altLang="zh-CN" sz="2000" dirty="0">
                 <a:latin typeface="+mn-lt"/>
                 <a:cs typeface="Times New Roman" panose="02020603050405020304" pitchFamily="18" charset="0"/>
               </a:rPr>
-              <a:t>Resolutions are insufficient</a:t>
+              <a:t>The results from the explicit and the implicit1D schemes are almost the same</a:t>
             </a:r>
+            <a:endParaRPr lang="en-US" altLang="zh-CN" sz="2000" baseline="30000" dirty="0">
+              <a:latin typeface="+mn-lt"/>
+              <a:cs typeface="Times New Roman" panose="02020603050405020304" pitchFamily="18" charset="0"/>
+            </a:endParaRPr>
+          </a:p>
+          <a:p>
+            <a:pPr marL="457200" lvl="1" indent="0">
+              <a:buNone/>
+            </a:pPr>
+            <a:endParaRPr lang="en-US" altLang="zh-CN" sz="2000" baseline="30000" dirty="0">
+              <a:latin typeface="+mn-lt"/>
+              <a:cs typeface="Times New Roman" panose="02020603050405020304" pitchFamily="18" charset="0"/>
+            </a:endParaRPr>
+          </a:p>
+          <a:p>
+            <a:pPr marL="457200" lvl="1" indent="0">
+              <a:buNone/>
+            </a:pPr>
+            <a:endParaRPr lang="en-US" altLang="zh-CN" sz="2000" baseline="30000" dirty="0">
+              <a:latin typeface="+mn-lt"/>
+              <a:cs typeface="Times New Roman" panose="02020603050405020304" pitchFamily="18" charset="0"/>
+            </a:endParaRPr>
+          </a:p>
+          <a:p>
+            <a:pPr marL="457200" lvl="1" indent="0">
+              <a:buNone/>
+            </a:pPr>
+            <a:endParaRPr lang="en-US" altLang="zh-CN" sz="2000" baseline="30000" dirty="0">
+              <a:latin typeface="+mn-lt"/>
+              <a:cs typeface="Times New Roman" panose="02020603050405020304" pitchFamily="18" charset="0"/>
+            </a:endParaRPr>
+          </a:p>
+          <a:p>
+            <a:pPr marL="457200" lvl="1" indent="0">
+              <a:buNone/>
+            </a:pPr>
+            <a:endParaRPr lang="en-US" altLang="zh-CN" sz="2000" baseline="30000" dirty="0">
+              <a:latin typeface="+mn-lt"/>
+              <a:cs typeface="Times New Roman" panose="02020603050405020304" pitchFamily="18" charset="0"/>
+            </a:endParaRPr>
+          </a:p>
+          <a:p>
+            <a:pPr marL="457200" lvl="1" indent="0">
+              <a:buNone/>
+            </a:pPr>
+            <a:endParaRPr lang="en-US" altLang="zh-CN" sz="2000" baseline="30000" dirty="0">
+              <a:latin typeface="+mn-lt"/>
+              <a:cs typeface="Times New Roman" panose="02020603050405020304" pitchFamily="18" charset="0"/>
+            </a:endParaRPr>
+          </a:p>
+          <a:p>
+            <a:pPr marL="457200" lvl="1" indent="0">
+              <a:buNone/>
+            </a:pPr>
+            <a:endParaRPr lang="en-US" altLang="zh-CN" sz="2000" baseline="30000" dirty="0">
+              <a:latin typeface="+mn-lt"/>
+              <a:cs typeface="Times New Roman" panose="02020603050405020304" pitchFamily="18" charset="0"/>
+            </a:endParaRPr>
+          </a:p>
+          <a:p>
+            <a:pPr marL="457200" lvl="1" indent="0">
+              <a:buNone/>
+            </a:pPr>
+            <a:endParaRPr lang="en-US" altLang="zh-CN" sz="2000" baseline="30000" dirty="0">
+              <a:latin typeface="+mn-lt"/>
+              <a:cs typeface="Times New Roman" panose="02020603050405020304" pitchFamily="18" charset="0"/>
+            </a:endParaRPr>
+          </a:p>
+          <a:p>
+            <a:pPr>
+              <a:lnSpc>
+                <a:spcPct val="125000"/>
+              </a:lnSpc>
+            </a:pPr>
+            <a:endParaRPr lang="en-US" altLang="zh-CN" sz="2400" dirty="0">
+              <a:latin typeface="+mn-lt"/>
+              <a:cs typeface="Times New Roman" panose="02020603050405020304" pitchFamily="18" charset="0"/>
+            </a:endParaRPr>
+          </a:p>
+          <a:p>
+            <a:pPr marL="457200" lvl="1" indent="0">
+              <a:lnSpc>
+                <a:spcPct val="125000"/>
+              </a:lnSpc>
+              <a:buNone/>
+            </a:pPr>
+            <a:endParaRPr lang="en-US" altLang="zh-CN" sz="2000" dirty="0">
+              <a:latin typeface="+mn-lt"/>
+              <a:cs typeface="Times New Roman" panose="02020603050405020304" pitchFamily="18" charset="0"/>
+            </a:endParaRPr>
           </a:p>
         </p:txBody>
       </p:sp>
-      <p:pic>
-        <p:nvPicPr>
-          <p:cNvPr id="36" name="Picture 35">
+      <p:sp>
+        <p:nvSpPr>
+          <p:cNvPr id="9" name="Rectangle 2">
             <a:extLst>
               <a:ext uri="{FF2B5EF4-FFF2-40B4-BE49-F238E27FC236}">
-                <a16:creationId xmlns:a16="http://schemas.microsoft.com/office/drawing/2014/main" id="{A8525D05-0C2D-7294-E8C6-96683A2E1D5F}"/>
+                <a16:creationId xmlns:a16="http://schemas.microsoft.com/office/drawing/2014/main" id="{A7EC59C2-06EC-9DCB-0F67-A96A07EDBA34}"/>
               </a:ext>
             </a:extLst>
           </p:cNvPr>
-          <p:cNvPicPr>
-            <a:picLocks noChangeAspect="1"/>
-          </p:cNvPicPr>
+          <p:cNvSpPr>
+            <a:spLocks noChangeArrowheads="1"/>
+          </p:cNvSpPr>
           <p:nvPr/>
-        </p:nvPicPr>
-        <p:blipFill>
-          <a:blip r:embed="rId3"/>
-          <a:stretch>
-            <a:fillRect/>
-          </a:stretch>
-        </p:blipFill>
-        <p:spPr>
+        </p:nvSpPr>
+        <p:spPr bwMode="auto">
           <a:xfrm>
-            <a:off x="4724400" y="3390745"/>
-            <a:ext cx="3968954" cy="3010055"/>
+            <a:off x="0" y="0"/>
+            <a:ext cx="9144000" cy="0"/>
           </a:xfrm>
           <a:prstGeom prst="rect">
             <a:avLst/>
           </a:prstGeom>
+          <a:noFill/>
+          <a:ln>
+            <a:noFill/>
+          </a:ln>
+          <a:effectLst/>
+          <a:extLst>
+            <a:ext uri="{909E8E84-426E-40DD-AFC4-6F175D3DCCD1}">
+              <a14:hiddenFill xmlns:a14="http://schemas.microsoft.com/office/drawing/2010/main">
+                <a:solidFill>
+                  <a:schemeClr val="accent1"/>
+                </a:solidFill>
+              </a14:hiddenFill>
+            </a:ext>
+            <a:ext uri="{91240B29-F687-4F45-9708-019B960494DF}">
+              <a14:hiddenLine xmlns:a14="http://schemas.microsoft.com/office/drawing/2010/main" w="9525">
+                <a:solidFill>
+                  <a:schemeClr val="tx1"/>
+                </a:solidFill>
+                <a:miter lim="800000"/>
+                <a:headEnd/>
+                <a:tailEnd/>
+              </a14:hiddenLine>
+            </a:ext>
+            <a:ext uri="{AF507438-7753-43E0-B8FC-AC1667EBCBE1}">
+              <a14:hiddenEffects xmlns:a14="http://schemas.microsoft.com/office/drawing/2010/main">
+                <a:effectLst>
+                  <a:outerShdw dist="35921" dir="2700000" algn="ctr" rotWithShape="0">
+                    <a:schemeClr val="bg2"/>
+                  </a:outerShdw>
+                </a:effectLst>
+              </a14:hiddenEffects>
+            </a:ext>
+          </a:extLst>
         </p:spPr>
-      </p:pic>
-      <p:pic>
-        <p:nvPicPr>
-          <p:cNvPr id="55" name="Picture 54">
+        <p:txBody>
+          <a:bodyPr vert="horz" wrap="none" lIns="91440" tIns="45720" rIns="91440" bIns="45720" numCol="1" anchor="ctr" anchorCtr="0" compatLnSpc="1">
+            <a:prstTxWarp prst="textNoShape">
+              <a:avLst/>
+            </a:prstTxWarp>
+            <a:spAutoFit/>
+          </a:bodyPr>
+          <a:lstStyle/>
+          <a:p>
+            <a:endParaRPr lang="zh-CN" altLang="en-US"/>
+          </a:p>
+        </p:txBody>
+      </p:sp>
+      <p:sp>
+        <p:nvSpPr>
+          <p:cNvPr id="59" name="TextBox 58">
             <a:extLst>
               <a:ext uri="{FF2B5EF4-FFF2-40B4-BE49-F238E27FC236}">
-                <a16:creationId xmlns:a16="http://schemas.microsoft.com/office/drawing/2014/main" id="{17CB35E4-3428-7F51-3B97-A61FF179DC1A}"/>
-              </a:ext>
-            </a:extLst>
-          </p:cNvPr>
-          <p:cNvPicPr>
-            <a:picLocks noChangeAspect="1"/>
-          </p:cNvPicPr>
-          <p:nvPr/>
-        </p:nvPicPr>
-        <p:blipFill>
-          <a:blip r:embed="rId4"/>
-          <a:stretch>
-            <a:fillRect/>
-          </a:stretch>
-        </p:blipFill>
-        <p:spPr>
-          <a:xfrm>
-            <a:off x="457200" y="3390745"/>
-            <a:ext cx="3956253" cy="2984653"/>
-          </a:xfrm>
-          <a:prstGeom prst="rect">
-            <a:avLst/>
-          </a:prstGeom>
-        </p:spPr>
-      </p:pic>
-      <p:sp>
-        <p:nvSpPr>
-          <p:cNvPr id="41" name="TextBox 40">
-            <a:extLst>
-              <a:ext uri="{FF2B5EF4-FFF2-40B4-BE49-F238E27FC236}">
-                <a16:creationId xmlns:a16="http://schemas.microsoft.com/office/drawing/2014/main" id="{CEFC1CA4-6BDA-687A-BF4B-114098DF5FEC}"/>
+                <a16:creationId xmlns:a16="http://schemas.microsoft.com/office/drawing/2014/main" id="{1899DD4C-C3EE-1C3A-C921-86950782D14F}"/>
               </a:ext>
             </a:extLst>
           </p:cNvPr>
@@ -24637,10 +25689,10 @@
       </p:sp>
       <p:sp>
         <p:nvSpPr>
-          <p:cNvPr id="42" name="TextBox 41">
+          <p:cNvPr id="60" name="TextBox 59">
             <a:extLst>
               <a:ext uri="{FF2B5EF4-FFF2-40B4-BE49-F238E27FC236}">
-                <a16:creationId xmlns:a16="http://schemas.microsoft.com/office/drawing/2014/main" id="{1312CB8D-E9F5-FF1E-4ED8-D2F0EB944E34}"/>
+                <a16:creationId xmlns:a16="http://schemas.microsoft.com/office/drawing/2014/main" id="{D2F5FEBF-0D64-2DE9-F76A-A146EBCD6406}"/>
               </a:ext>
             </a:extLst>
           </p:cNvPr>
@@ -24670,10 +25722,40 @@
           </a:p>
         </p:txBody>
       </p:sp>
+      <p:pic>
+        <p:nvPicPr>
+          <p:cNvPr id="8" name="Picture 7">
+            <a:extLst>
+              <a:ext uri="{FF2B5EF4-FFF2-40B4-BE49-F238E27FC236}">
+                <a16:creationId xmlns:a16="http://schemas.microsoft.com/office/drawing/2014/main" id="{F9137558-4943-B470-22BB-28A23C7F1A73}"/>
+              </a:ext>
+            </a:extLst>
+          </p:cNvPr>
+          <p:cNvPicPr>
+            <a:picLocks noChangeAspect="1"/>
+          </p:cNvPicPr>
+          <p:nvPr/>
+        </p:nvPicPr>
+        <p:blipFill>
+          <a:blip r:embed="rId3"/>
+          <a:stretch>
+            <a:fillRect/>
+          </a:stretch>
+        </p:blipFill>
+        <p:spPr>
+          <a:xfrm>
+            <a:off x="4774995" y="3439203"/>
+            <a:ext cx="3988005" cy="2978303"/>
+          </a:xfrm>
+          <a:prstGeom prst="rect">
+            <a:avLst/>
+          </a:prstGeom>
+        </p:spPr>
+      </p:pic>
     </p:spTree>
     <p:extLst>
       <p:ext uri="{BB962C8B-B14F-4D97-AF65-F5344CB8AC3E}">
-        <p14:creationId xmlns:p14="http://schemas.microsoft.com/office/powerpoint/2010/main" val="1039208005"/>
+        <p14:creationId xmlns:p14="http://schemas.microsoft.com/office/powerpoint/2010/main" val="1891939900"/>
       </p:ext>
     </p:extLst>
   </p:cSld>
@@ -24684,7 +25766,7 @@
 </p:sld>
 </file>
 
-<file path=ppt/slides/slide4.xml><?xml version="1.0" encoding="utf-8"?>
+<file path=ppt/slides/slide12.xml><?xml version="1.0" encoding="utf-8"?>
 <p:sld xmlns:a="http://schemas.openxmlformats.org/drawingml/2006/main" xmlns:r="http://schemas.openxmlformats.org/officeDocument/2006/relationships" xmlns:p="http://schemas.openxmlformats.org/presentationml/2006/main">
   <p:cSld>
     <p:spTree>
@@ -25066,6 +26148,3761 @@
     <p:extLst>
       <p:ext uri="{BB962C8B-B14F-4D97-AF65-F5344CB8AC3E}">
         <p14:creationId xmlns:p14="http://schemas.microsoft.com/office/powerpoint/2010/main" val="2238880401"/>
+      </p:ext>
+    </p:extLst>
+  </p:cSld>
+  <p:clrMapOvr>
+    <a:masterClrMapping/>
+  </p:clrMapOvr>
+  <p:transition spd="med" advTm="63997"/>
+</p:sld>
+</file>
+
+<file path=ppt/slides/slide2.xml><?xml version="1.0" encoding="utf-8"?>
+<p:sld xmlns:a="http://schemas.openxmlformats.org/drawingml/2006/main" xmlns:r="http://schemas.openxmlformats.org/officeDocument/2006/relationships" xmlns:p="http://schemas.openxmlformats.org/presentationml/2006/main">
+  <p:cSld>
+    <p:spTree>
+      <p:nvGrpSpPr>
+        <p:cNvPr id="1" name="">
+          <a:extLst>
+            <a:ext uri="{FF2B5EF4-FFF2-40B4-BE49-F238E27FC236}">
+              <a16:creationId xmlns:a16="http://schemas.microsoft.com/office/drawing/2014/main" id="{2D15152C-B19F-6BB3-728D-5F7F2B035AD0}"/>
+            </a:ext>
+          </a:extLst>
+        </p:cNvPr>
+        <p:cNvGrpSpPr/>
+        <p:nvPr/>
+      </p:nvGrpSpPr>
+      <p:grpSpPr>
+        <a:xfrm>
+          <a:off x="0" y="0"/>
+          <a:ext cx="0" cy="0"/>
+          <a:chOff x="0" y="0"/>
+          <a:chExt cx="0" cy="0"/>
+        </a:xfrm>
+      </p:grpSpPr>
+      <p:sp>
+        <p:nvSpPr>
+          <p:cNvPr id="2" name="Title 1">
+            <a:extLst>
+              <a:ext uri="{FF2B5EF4-FFF2-40B4-BE49-F238E27FC236}">
+                <a16:creationId xmlns:a16="http://schemas.microsoft.com/office/drawing/2014/main" id="{D13EE2B0-B4C2-89D5-D5B9-1DF5BE70DC5F}"/>
+              </a:ext>
+            </a:extLst>
+          </p:cNvPr>
+          <p:cNvSpPr>
+            <a:spLocks noGrp="1"/>
+          </p:cNvSpPr>
+          <p:nvPr>
+            <p:ph type="title"/>
+          </p:nvPr>
+        </p:nvSpPr>
+        <p:spPr>
+          <a:xfrm>
+            <a:off x="152400" y="152400"/>
+            <a:ext cx="8610600" cy="838200"/>
+          </a:xfrm>
+        </p:spPr>
+        <p:txBody>
+          <a:bodyPr/>
+          <a:lstStyle/>
+          <a:p>
+            <a:r>
+              <a:rPr lang="en-US" altLang="zh-CN" dirty="0"/>
+              <a:t>Channel</a:t>
+            </a:r>
+            <a:endParaRPr lang="zh-CN" altLang="en-US" dirty="0"/>
+          </a:p>
+        </p:txBody>
+      </p:sp>
+      <p:sp>
+        <p:nvSpPr>
+          <p:cNvPr id="7" name="内容占位符 2">
+            <a:extLst>
+              <a:ext uri="{FF2B5EF4-FFF2-40B4-BE49-F238E27FC236}">
+                <a16:creationId xmlns:a16="http://schemas.microsoft.com/office/drawing/2014/main" id="{D2C6C04E-3AE6-BF1A-EE2B-80CAEA4AD7AC}"/>
+              </a:ext>
+            </a:extLst>
+          </p:cNvPr>
+          <p:cNvSpPr>
+            <a:spLocks noGrp="1"/>
+          </p:cNvSpPr>
+          <p:nvPr>
+            <p:ph idx="4294967295"/>
+          </p:nvPr>
+        </p:nvSpPr>
+        <p:spPr>
+          <a:xfrm>
+            <a:off x="93652" y="1068111"/>
+            <a:ext cx="9050348" cy="1979889"/>
+          </a:xfrm>
+        </p:spPr>
+        <p:txBody>
+          <a:bodyPr/>
+          <a:lstStyle/>
+          <a:p>
+            <a:r>
+              <a:rPr lang="en-US" altLang="zh-CN" sz="2400" dirty="0">
+                <a:latin typeface="+mn-lt"/>
+                <a:cs typeface="Times New Roman" panose="02020603050405020304" pitchFamily="18" charset="0"/>
+              </a:rPr>
+              <a:t>RETAU180</a:t>
+            </a:r>
+            <a:endParaRPr lang="en-US" altLang="zh-CN" sz="2000" dirty="0">
+              <a:latin typeface="+mn-lt"/>
+              <a:cs typeface="Times New Roman" panose="02020603050405020304" pitchFamily="18" charset="0"/>
+            </a:endParaRPr>
+          </a:p>
+          <a:p>
+            <a:pPr lvl="1"/>
+            <a:r>
+              <a:rPr lang="en-US" altLang="zh-CN" sz="2000" dirty="0">
+                <a:latin typeface="+mn-lt"/>
+                <a:cs typeface="Times New Roman" panose="02020603050405020304" pitchFamily="18" charset="0"/>
+              </a:rPr>
+              <a:t>Both Neumann and wall model yield acceptable profiles</a:t>
+            </a:r>
+          </a:p>
+          <a:p>
+            <a:pPr lvl="1"/>
+            <a:r>
+              <a:rPr lang="en-US" altLang="zh-CN" sz="2000" dirty="0">
+                <a:latin typeface="+mn-lt"/>
+                <a:cs typeface="Times New Roman" panose="02020603050405020304" pitchFamily="18" charset="0"/>
+              </a:rPr>
+              <a:t>The DNS grid and the finest wall model grid produce the same results, but show difference from the DNS results, demonstrating imperfection of the wall model</a:t>
+            </a:r>
+            <a:endParaRPr lang="en-US" altLang="zh-CN" sz="2000" kern="0" dirty="0">
+              <a:latin typeface="+mn-lt"/>
+              <a:cs typeface="Times New Roman" panose="02020603050405020304" pitchFamily="18" charset="0"/>
+            </a:endParaRPr>
+          </a:p>
+          <a:p>
+            <a:pPr marL="457200" lvl="1" indent="0">
+              <a:buNone/>
+            </a:pPr>
+            <a:endParaRPr lang="en-US" altLang="zh-CN" sz="2000" baseline="30000" dirty="0">
+              <a:latin typeface="+mn-lt"/>
+              <a:cs typeface="Times New Roman" panose="02020603050405020304" pitchFamily="18" charset="0"/>
+            </a:endParaRPr>
+          </a:p>
+          <a:p>
+            <a:pPr marL="457200" lvl="1" indent="0">
+              <a:buNone/>
+            </a:pPr>
+            <a:endParaRPr lang="en-US" altLang="zh-CN" sz="2000" baseline="30000" dirty="0">
+              <a:latin typeface="+mn-lt"/>
+              <a:cs typeface="Times New Roman" panose="02020603050405020304" pitchFamily="18" charset="0"/>
+            </a:endParaRPr>
+          </a:p>
+          <a:p>
+            <a:pPr marL="457200" lvl="1" indent="0">
+              <a:buNone/>
+            </a:pPr>
+            <a:endParaRPr lang="en-US" altLang="zh-CN" sz="2000" baseline="30000" dirty="0">
+              <a:latin typeface="+mn-lt"/>
+              <a:cs typeface="Times New Roman" panose="02020603050405020304" pitchFamily="18" charset="0"/>
+            </a:endParaRPr>
+          </a:p>
+          <a:p>
+            <a:pPr marL="457200" lvl="1" indent="0">
+              <a:buNone/>
+            </a:pPr>
+            <a:endParaRPr lang="en-US" altLang="zh-CN" sz="2000" baseline="30000" dirty="0">
+              <a:latin typeface="+mn-lt"/>
+              <a:cs typeface="Times New Roman" panose="02020603050405020304" pitchFamily="18" charset="0"/>
+            </a:endParaRPr>
+          </a:p>
+          <a:p>
+            <a:pPr marL="457200" lvl="1" indent="0">
+              <a:buNone/>
+            </a:pPr>
+            <a:endParaRPr lang="en-US" altLang="zh-CN" sz="2000" baseline="30000" dirty="0">
+              <a:latin typeface="+mn-lt"/>
+              <a:cs typeface="Times New Roman" panose="02020603050405020304" pitchFamily="18" charset="0"/>
+            </a:endParaRPr>
+          </a:p>
+          <a:p>
+            <a:pPr marL="457200" lvl="1" indent="0">
+              <a:buNone/>
+            </a:pPr>
+            <a:endParaRPr lang="en-US" altLang="zh-CN" sz="2000" baseline="30000" dirty="0">
+              <a:latin typeface="+mn-lt"/>
+              <a:cs typeface="Times New Roman" panose="02020603050405020304" pitchFamily="18" charset="0"/>
+            </a:endParaRPr>
+          </a:p>
+          <a:p>
+            <a:pPr marL="457200" lvl="1" indent="0">
+              <a:buNone/>
+            </a:pPr>
+            <a:endParaRPr lang="en-US" altLang="zh-CN" sz="2000" baseline="30000" dirty="0">
+              <a:latin typeface="+mn-lt"/>
+              <a:cs typeface="Times New Roman" panose="02020603050405020304" pitchFamily="18" charset="0"/>
+            </a:endParaRPr>
+          </a:p>
+          <a:p>
+            <a:pPr marL="457200" lvl="1" indent="0">
+              <a:buNone/>
+            </a:pPr>
+            <a:endParaRPr lang="en-US" altLang="zh-CN" sz="2000" baseline="30000" dirty="0">
+              <a:latin typeface="+mn-lt"/>
+              <a:cs typeface="Times New Roman" panose="02020603050405020304" pitchFamily="18" charset="0"/>
+            </a:endParaRPr>
+          </a:p>
+          <a:p>
+            <a:pPr>
+              <a:lnSpc>
+                <a:spcPct val="125000"/>
+              </a:lnSpc>
+            </a:pPr>
+            <a:endParaRPr lang="en-US" altLang="zh-CN" sz="2400" dirty="0">
+              <a:latin typeface="+mn-lt"/>
+              <a:cs typeface="Times New Roman" panose="02020603050405020304" pitchFamily="18" charset="0"/>
+            </a:endParaRPr>
+          </a:p>
+          <a:p>
+            <a:pPr marL="457200" lvl="1" indent="0">
+              <a:lnSpc>
+                <a:spcPct val="125000"/>
+              </a:lnSpc>
+              <a:buNone/>
+            </a:pPr>
+            <a:endParaRPr lang="en-US" altLang="zh-CN" sz="2000" dirty="0">
+              <a:latin typeface="+mn-lt"/>
+              <a:cs typeface="Times New Roman" panose="02020603050405020304" pitchFamily="18" charset="0"/>
+            </a:endParaRPr>
+          </a:p>
+        </p:txBody>
+      </p:sp>
+      <p:sp>
+        <p:nvSpPr>
+          <p:cNvPr id="9" name="Rectangle 2">
+            <a:extLst>
+              <a:ext uri="{FF2B5EF4-FFF2-40B4-BE49-F238E27FC236}">
+                <a16:creationId xmlns:a16="http://schemas.microsoft.com/office/drawing/2014/main" id="{39432E37-D0CA-42E2-B210-9AC1CA0029EC}"/>
+              </a:ext>
+            </a:extLst>
+          </p:cNvPr>
+          <p:cNvSpPr>
+            <a:spLocks noChangeArrowheads="1"/>
+          </p:cNvSpPr>
+          <p:nvPr/>
+        </p:nvSpPr>
+        <p:spPr bwMode="auto">
+          <a:xfrm>
+            <a:off x="0" y="0"/>
+            <a:ext cx="9144000" cy="0"/>
+          </a:xfrm>
+          <a:prstGeom prst="rect">
+            <a:avLst/>
+          </a:prstGeom>
+          <a:noFill/>
+          <a:ln>
+            <a:noFill/>
+          </a:ln>
+          <a:effectLst/>
+          <a:extLst>
+            <a:ext uri="{909E8E84-426E-40DD-AFC4-6F175D3DCCD1}">
+              <a14:hiddenFill xmlns:a14="http://schemas.microsoft.com/office/drawing/2010/main">
+                <a:solidFill>
+                  <a:schemeClr val="accent1"/>
+                </a:solidFill>
+              </a14:hiddenFill>
+            </a:ext>
+            <a:ext uri="{91240B29-F687-4F45-9708-019B960494DF}">
+              <a14:hiddenLine xmlns:a14="http://schemas.microsoft.com/office/drawing/2010/main" w="9525">
+                <a:solidFill>
+                  <a:schemeClr val="tx1"/>
+                </a:solidFill>
+                <a:miter lim="800000"/>
+                <a:headEnd/>
+                <a:tailEnd/>
+              </a14:hiddenLine>
+            </a:ext>
+            <a:ext uri="{AF507438-7753-43E0-B8FC-AC1667EBCBE1}">
+              <a14:hiddenEffects xmlns:a14="http://schemas.microsoft.com/office/drawing/2010/main">
+                <a:effectLst>
+                  <a:outerShdw dist="35921" dir="2700000" algn="ctr" rotWithShape="0">
+                    <a:schemeClr val="bg2"/>
+                  </a:outerShdw>
+                </a:effectLst>
+              </a14:hiddenEffects>
+            </a:ext>
+          </a:extLst>
+        </p:spPr>
+        <p:txBody>
+          <a:bodyPr vert="horz" wrap="none" lIns="91440" tIns="45720" rIns="91440" bIns="45720" numCol="1" anchor="ctr" anchorCtr="0" compatLnSpc="1">
+            <a:prstTxWarp prst="textNoShape">
+              <a:avLst/>
+            </a:prstTxWarp>
+            <a:spAutoFit/>
+          </a:bodyPr>
+          <a:lstStyle/>
+          <a:p>
+            <a:endParaRPr lang="zh-CN" altLang="en-US"/>
+          </a:p>
+        </p:txBody>
+      </p:sp>
+      <p:sp>
+        <p:nvSpPr>
+          <p:cNvPr id="59" name="TextBox 58">
+            <a:extLst>
+              <a:ext uri="{FF2B5EF4-FFF2-40B4-BE49-F238E27FC236}">
+                <a16:creationId xmlns:a16="http://schemas.microsoft.com/office/drawing/2014/main" id="{BB6B4FBE-508A-E38E-975C-A4488FB09E39}"/>
+              </a:ext>
+            </a:extLst>
+          </p:cNvPr>
+          <p:cNvSpPr txBox="1"/>
+          <p:nvPr/>
+        </p:nvSpPr>
+        <p:spPr>
+          <a:xfrm>
+            <a:off x="1786861" y="6412468"/>
+            <a:ext cx="1184940" cy="369332"/>
+          </a:xfrm>
+          <a:prstGeom prst="rect">
+            <a:avLst/>
+          </a:prstGeom>
+          <a:noFill/>
+        </p:spPr>
+        <p:txBody>
+          <a:bodyPr wrap="none" rtlCol="0">
+            <a:spAutoFit/>
+          </a:bodyPr>
+          <a:lstStyle/>
+          <a:p>
+            <a:r>
+              <a:rPr lang="en-US" dirty="0"/>
+              <a:t>Neumann</a:t>
+            </a:r>
+          </a:p>
+        </p:txBody>
+      </p:sp>
+      <p:sp>
+        <p:nvSpPr>
+          <p:cNvPr id="60" name="TextBox 59">
+            <a:extLst>
+              <a:ext uri="{FF2B5EF4-FFF2-40B4-BE49-F238E27FC236}">
+                <a16:creationId xmlns:a16="http://schemas.microsoft.com/office/drawing/2014/main" id="{CAB6FECC-5F82-6284-E96C-30D32FA6BC32}"/>
+              </a:ext>
+            </a:extLst>
+          </p:cNvPr>
+          <p:cNvSpPr txBox="1"/>
+          <p:nvPr/>
+        </p:nvSpPr>
+        <p:spPr>
+          <a:xfrm>
+            <a:off x="6039727" y="6412468"/>
+            <a:ext cx="1317412" cy="369332"/>
+          </a:xfrm>
+          <a:prstGeom prst="rect">
+            <a:avLst/>
+          </a:prstGeom>
+          <a:noFill/>
+        </p:spPr>
+        <p:txBody>
+          <a:bodyPr wrap="none" rtlCol="0">
+            <a:spAutoFit/>
+          </a:bodyPr>
+          <a:lstStyle/>
+          <a:p>
+            <a:r>
+              <a:rPr lang="en-US" dirty="0"/>
+              <a:t>Wall model</a:t>
+            </a:r>
+          </a:p>
+        </p:txBody>
+      </p:sp>
+      <p:pic>
+        <p:nvPicPr>
+          <p:cNvPr id="5" name="Picture 4">
+            <a:extLst>
+              <a:ext uri="{FF2B5EF4-FFF2-40B4-BE49-F238E27FC236}">
+                <a16:creationId xmlns:a16="http://schemas.microsoft.com/office/drawing/2014/main" id="{BB53BF31-CAD9-F27F-3F00-BCBA25526B6B}"/>
+              </a:ext>
+            </a:extLst>
+          </p:cNvPr>
+          <p:cNvPicPr>
+            <a:picLocks noChangeAspect="1"/>
+          </p:cNvPicPr>
+          <p:nvPr/>
+        </p:nvPicPr>
+        <p:blipFill>
+          <a:blip r:embed="rId3"/>
+          <a:stretch>
+            <a:fillRect/>
+          </a:stretch>
+        </p:blipFill>
+        <p:spPr>
+          <a:xfrm>
+            <a:off x="485870" y="3444240"/>
+            <a:ext cx="4000706" cy="2991004"/>
+          </a:xfrm>
+          <a:prstGeom prst="rect">
+            <a:avLst/>
+          </a:prstGeom>
+        </p:spPr>
+      </p:pic>
+      <p:pic>
+        <p:nvPicPr>
+          <p:cNvPr id="11" name="Picture 10">
+            <a:extLst>
+              <a:ext uri="{FF2B5EF4-FFF2-40B4-BE49-F238E27FC236}">
+                <a16:creationId xmlns:a16="http://schemas.microsoft.com/office/drawing/2014/main" id="{11E714D1-86A9-7923-7505-0A1E5630DB09}"/>
+              </a:ext>
+            </a:extLst>
+          </p:cNvPr>
+          <p:cNvPicPr>
+            <a:picLocks noChangeAspect="1"/>
+          </p:cNvPicPr>
+          <p:nvPr/>
+        </p:nvPicPr>
+        <p:blipFill>
+          <a:blip r:embed="rId4"/>
+          <a:stretch>
+            <a:fillRect/>
+          </a:stretch>
+        </p:blipFill>
+        <p:spPr>
+          <a:xfrm>
+            <a:off x="4672243" y="3440515"/>
+            <a:ext cx="3968954" cy="2971953"/>
+          </a:xfrm>
+          <a:prstGeom prst="rect">
+            <a:avLst/>
+          </a:prstGeom>
+        </p:spPr>
+      </p:pic>
+    </p:spTree>
+    <p:extLst>
+      <p:ext uri="{BB962C8B-B14F-4D97-AF65-F5344CB8AC3E}">
+        <p14:creationId xmlns:p14="http://schemas.microsoft.com/office/powerpoint/2010/main" val="3334254190"/>
+      </p:ext>
+    </p:extLst>
+  </p:cSld>
+  <p:clrMapOvr>
+    <a:masterClrMapping/>
+  </p:clrMapOvr>
+  <p:transition spd="med" advTm="63997"/>
+</p:sld>
+</file>
+
+<file path=ppt/slides/slide3.xml><?xml version="1.0" encoding="utf-8"?>
+<p:sld xmlns:a="http://schemas.openxmlformats.org/drawingml/2006/main" xmlns:r="http://schemas.openxmlformats.org/officeDocument/2006/relationships" xmlns:p="http://schemas.openxmlformats.org/presentationml/2006/main">
+  <p:cSld>
+    <p:spTree>
+      <p:nvGrpSpPr>
+        <p:cNvPr id="1" name="">
+          <a:extLst>
+            <a:ext uri="{FF2B5EF4-FFF2-40B4-BE49-F238E27FC236}">
+              <a16:creationId xmlns:a16="http://schemas.microsoft.com/office/drawing/2014/main" id="{F88127A5-1BF4-A303-EDD5-EE7B5483D35E}"/>
+            </a:ext>
+          </a:extLst>
+        </p:cNvPr>
+        <p:cNvGrpSpPr/>
+        <p:nvPr/>
+      </p:nvGrpSpPr>
+      <p:grpSpPr>
+        <a:xfrm>
+          <a:off x="0" y="0"/>
+          <a:ext cx="0" cy="0"/>
+          <a:chOff x="0" y="0"/>
+          <a:chExt cx="0" cy="0"/>
+        </a:xfrm>
+      </p:grpSpPr>
+      <p:sp>
+        <p:nvSpPr>
+          <p:cNvPr id="2" name="Title 1">
+            <a:extLst>
+              <a:ext uri="{FF2B5EF4-FFF2-40B4-BE49-F238E27FC236}">
+                <a16:creationId xmlns:a16="http://schemas.microsoft.com/office/drawing/2014/main" id="{A72ABA0C-9DB1-FCEC-87E4-DB16FD3DFCD6}"/>
+              </a:ext>
+            </a:extLst>
+          </p:cNvPr>
+          <p:cNvSpPr>
+            <a:spLocks noGrp="1"/>
+          </p:cNvSpPr>
+          <p:nvPr>
+            <p:ph type="title"/>
+          </p:nvPr>
+        </p:nvSpPr>
+        <p:spPr>
+          <a:xfrm>
+            <a:off x="152400" y="152400"/>
+            <a:ext cx="8610600" cy="838200"/>
+          </a:xfrm>
+        </p:spPr>
+        <p:txBody>
+          <a:bodyPr/>
+          <a:lstStyle/>
+          <a:p>
+            <a:r>
+              <a:rPr lang="en-US" altLang="zh-CN" dirty="0"/>
+              <a:t>Channel</a:t>
+            </a:r>
+            <a:endParaRPr lang="zh-CN" altLang="en-US" dirty="0"/>
+          </a:p>
+        </p:txBody>
+      </p:sp>
+      <p:sp>
+        <p:nvSpPr>
+          <p:cNvPr id="7" name="内容占位符 2">
+            <a:extLst>
+              <a:ext uri="{FF2B5EF4-FFF2-40B4-BE49-F238E27FC236}">
+                <a16:creationId xmlns:a16="http://schemas.microsoft.com/office/drawing/2014/main" id="{45C5B1C2-F908-570D-15F0-E873CDDAB71A}"/>
+              </a:ext>
+            </a:extLst>
+          </p:cNvPr>
+          <p:cNvSpPr>
+            <a:spLocks noGrp="1"/>
+          </p:cNvSpPr>
+          <p:nvPr>
+            <p:ph idx="4294967295"/>
+          </p:nvPr>
+        </p:nvSpPr>
+        <p:spPr>
+          <a:xfrm>
+            <a:off x="93652" y="1068111"/>
+            <a:ext cx="9050348" cy="1979889"/>
+          </a:xfrm>
+        </p:spPr>
+        <p:txBody>
+          <a:bodyPr/>
+          <a:lstStyle/>
+          <a:p>
+            <a:r>
+              <a:rPr lang="en-US" altLang="zh-CN" sz="2400" dirty="0">
+                <a:latin typeface="+mn-lt"/>
+                <a:cs typeface="Times New Roman" panose="02020603050405020304" pitchFamily="18" charset="0"/>
+              </a:rPr>
+              <a:t>RETAU180</a:t>
+            </a:r>
+            <a:endParaRPr lang="en-US" altLang="zh-CN" sz="2000" dirty="0">
+              <a:latin typeface="+mn-lt"/>
+              <a:cs typeface="Times New Roman" panose="02020603050405020304" pitchFamily="18" charset="0"/>
+            </a:endParaRPr>
+          </a:p>
+          <a:p>
+            <a:pPr lvl="1"/>
+            <a:r>
+              <a:rPr lang="en-US" altLang="zh-CN" sz="2000" dirty="0">
+                <a:latin typeface="+mn-lt"/>
+                <a:cs typeface="Times New Roman" panose="02020603050405020304" pitchFamily="18" charset="0"/>
+              </a:rPr>
+              <a:t>The results</a:t>
+            </a:r>
+            <a:endParaRPr lang="en-US" altLang="zh-CN" sz="2000" baseline="30000" dirty="0">
+              <a:latin typeface="+mn-lt"/>
+              <a:cs typeface="Times New Roman" panose="02020603050405020304" pitchFamily="18" charset="0"/>
+            </a:endParaRPr>
+          </a:p>
+          <a:p>
+            <a:pPr marL="457200" lvl="1" indent="0">
+              <a:buNone/>
+            </a:pPr>
+            <a:endParaRPr lang="en-US" altLang="zh-CN" sz="2000" baseline="30000" dirty="0">
+              <a:latin typeface="+mn-lt"/>
+              <a:cs typeface="Times New Roman" panose="02020603050405020304" pitchFamily="18" charset="0"/>
+            </a:endParaRPr>
+          </a:p>
+          <a:p>
+            <a:pPr marL="457200" lvl="1" indent="0">
+              <a:buNone/>
+            </a:pPr>
+            <a:endParaRPr lang="en-US" altLang="zh-CN" sz="2000" baseline="30000" dirty="0">
+              <a:latin typeface="+mn-lt"/>
+              <a:cs typeface="Times New Roman" panose="02020603050405020304" pitchFamily="18" charset="0"/>
+            </a:endParaRPr>
+          </a:p>
+          <a:p>
+            <a:pPr marL="457200" lvl="1" indent="0">
+              <a:buNone/>
+            </a:pPr>
+            <a:endParaRPr lang="en-US" altLang="zh-CN" sz="2000" baseline="30000" dirty="0">
+              <a:latin typeface="+mn-lt"/>
+              <a:cs typeface="Times New Roman" panose="02020603050405020304" pitchFamily="18" charset="0"/>
+            </a:endParaRPr>
+          </a:p>
+          <a:p>
+            <a:pPr marL="457200" lvl="1" indent="0">
+              <a:buNone/>
+            </a:pPr>
+            <a:endParaRPr lang="en-US" altLang="zh-CN" sz="2000" baseline="30000" dirty="0">
+              <a:latin typeface="+mn-lt"/>
+              <a:cs typeface="Times New Roman" panose="02020603050405020304" pitchFamily="18" charset="0"/>
+            </a:endParaRPr>
+          </a:p>
+          <a:p>
+            <a:pPr marL="457200" lvl="1" indent="0">
+              <a:buNone/>
+            </a:pPr>
+            <a:endParaRPr lang="en-US" altLang="zh-CN" sz="2000" baseline="30000" dirty="0">
+              <a:latin typeface="+mn-lt"/>
+              <a:cs typeface="Times New Roman" panose="02020603050405020304" pitchFamily="18" charset="0"/>
+            </a:endParaRPr>
+          </a:p>
+          <a:p>
+            <a:pPr marL="457200" lvl="1" indent="0">
+              <a:buNone/>
+            </a:pPr>
+            <a:endParaRPr lang="en-US" altLang="zh-CN" sz="2000" baseline="30000" dirty="0">
+              <a:latin typeface="+mn-lt"/>
+              <a:cs typeface="Times New Roman" panose="02020603050405020304" pitchFamily="18" charset="0"/>
+            </a:endParaRPr>
+          </a:p>
+          <a:p>
+            <a:pPr>
+              <a:lnSpc>
+                <a:spcPct val="125000"/>
+              </a:lnSpc>
+            </a:pPr>
+            <a:endParaRPr lang="en-US" altLang="zh-CN" sz="2400" dirty="0">
+              <a:latin typeface="+mn-lt"/>
+              <a:cs typeface="Times New Roman" panose="02020603050405020304" pitchFamily="18" charset="0"/>
+            </a:endParaRPr>
+          </a:p>
+          <a:p>
+            <a:pPr marL="457200" lvl="1" indent="0">
+              <a:lnSpc>
+                <a:spcPct val="125000"/>
+              </a:lnSpc>
+              <a:buNone/>
+            </a:pPr>
+            <a:endParaRPr lang="en-US" altLang="zh-CN" sz="2000" dirty="0">
+              <a:latin typeface="+mn-lt"/>
+              <a:cs typeface="Times New Roman" panose="02020603050405020304" pitchFamily="18" charset="0"/>
+            </a:endParaRPr>
+          </a:p>
+        </p:txBody>
+      </p:sp>
+      <p:sp>
+        <p:nvSpPr>
+          <p:cNvPr id="9" name="Rectangle 2">
+            <a:extLst>
+              <a:ext uri="{FF2B5EF4-FFF2-40B4-BE49-F238E27FC236}">
+                <a16:creationId xmlns:a16="http://schemas.microsoft.com/office/drawing/2014/main" id="{0403F9C4-3150-E7B4-F7AA-9241D90B091C}"/>
+              </a:ext>
+            </a:extLst>
+          </p:cNvPr>
+          <p:cNvSpPr>
+            <a:spLocks noChangeArrowheads="1"/>
+          </p:cNvSpPr>
+          <p:nvPr/>
+        </p:nvSpPr>
+        <p:spPr bwMode="auto">
+          <a:xfrm>
+            <a:off x="0" y="0"/>
+            <a:ext cx="9144000" cy="0"/>
+          </a:xfrm>
+          <a:prstGeom prst="rect">
+            <a:avLst/>
+          </a:prstGeom>
+          <a:noFill/>
+          <a:ln>
+            <a:noFill/>
+          </a:ln>
+          <a:effectLst/>
+          <a:extLst>
+            <a:ext uri="{909E8E84-426E-40DD-AFC4-6F175D3DCCD1}">
+              <a14:hiddenFill xmlns:a14="http://schemas.microsoft.com/office/drawing/2010/main">
+                <a:solidFill>
+                  <a:schemeClr val="accent1"/>
+                </a:solidFill>
+              </a14:hiddenFill>
+            </a:ext>
+            <a:ext uri="{91240B29-F687-4F45-9708-019B960494DF}">
+              <a14:hiddenLine xmlns:a14="http://schemas.microsoft.com/office/drawing/2010/main" w="9525">
+                <a:solidFill>
+                  <a:schemeClr val="tx1"/>
+                </a:solidFill>
+                <a:miter lim="800000"/>
+                <a:headEnd/>
+                <a:tailEnd/>
+              </a14:hiddenLine>
+            </a:ext>
+            <a:ext uri="{AF507438-7753-43E0-B8FC-AC1667EBCBE1}">
+              <a14:hiddenEffects xmlns:a14="http://schemas.microsoft.com/office/drawing/2010/main">
+                <a:effectLst>
+                  <a:outerShdw dist="35921" dir="2700000" algn="ctr" rotWithShape="0">
+                    <a:schemeClr val="bg2"/>
+                  </a:outerShdw>
+                </a:effectLst>
+              </a14:hiddenEffects>
+            </a:ext>
+          </a:extLst>
+        </p:spPr>
+        <p:txBody>
+          <a:bodyPr vert="horz" wrap="none" lIns="91440" tIns="45720" rIns="91440" bIns="45720" numCol="1" anchor="ctr" anchorCtr="0" compatLnSpc="1">
+            <a:prstTxWarp prst="textNoShape">
+              <a:avLst/>
+            </a:prstTxWarp>
+            <a:spAutoFit/>
+          </a:bodyPr>
+          <a:lstStyle/>
+          <a:p>
+            <a:endParaRPr lang="zh-CN" altLang="en-US"/>
+          </a:p>
+        </p:txBody>
+      </p:sp>
+      <p:sp>
+        <p:nvSpPr>
+          <p:cNvPr id="59" name="TextBox 58">
+            <a:extLst>
+              <a:ext uri="{FF2B5EF4-FFF2-40B4-BE49-F238E27FC236}">
+                <a16:creationId xmlns:a16="http://schemas.microsoft.com/office/drawing/2014/main" id="{0020B962-7A9F-1A81-C259-A27371DD4717}"/>
+              </a:ext>
+            </a:extLst>
+          </p:cNvPr>
+          <p:cNvSpPr txBox="1"/>
+          <p:nvPr/>
+        </p:nvSpPr>
+        <p:spPr>
+          <a:xfrm>
+            <a:off x="1786861" y="6412468"/>
+            <a:ext cx="902811" cy="369332"/>
+          </a:xfrm>
+          <a:prstGeom prst="rect">
+            <a:avLst/>
+          </a:prstGeom>
+          <a:noFill/>
+        </p:spPr>
+        <p:txBody>
+          <a:bodyPr wrap="none" rtlCol="0">
+            <a:spAutoFit/>
+          </a:bodyPr>
+          <a:lstStyle/>
+          <a:p>
+            <a:r>
+              <a:rPr lang="en-US" dirty="0"/>
+              <a:t>No-slip</a:t>
+            </a:r>
+          </a:p>
+        </p:txBody>
+      </p:sp>
+      <p:pic>
+        <p:nvPicPr>
+          <p:cNvPr id="8" name="Picture 7">
+            <a:extLst>
+              <a:ext uri="{FF2B5EF4-FFF2-40B4-BE49-F238E27FC236}">
+                <a16:creationId xmlns:a16="http://schemas.microsoft.com/office/drawing/2014/main" id="{04F2A977-0024-4286-9053-4AF8E54F0B19}"/>
+              </a:ext>
+            </a:extLst>
+          </p:cNvPr>
+          <p:cNvPicPr>
+            <a:picLocks noChangeAspect="1"/>
+          </p:cNvPicPr>
+          <p:nvPr/>
+        </p:nvPicPr>
+        <p:blipFill>
+          <a:blip r:embed="rId3"/>
+          <a:stretch>
+            <a:fillRect/>
+          </a:stretch>
+        </p:blipFill>
+        <p:spPr>
+          <a:xfrm>
+            <a:off x="228387" y="3169154"/>
+            <a:ext cx="4019757" cy="2984653"/>
+          </a:xfrm>
+          <a:prstGeom prst="rect">
+            <a:avLst/>
+          </a:prstGeom>
+        </p:spPr>
+      </p:pic>
+    </p:spTree>
+    <p:extLst>
+      <p:ext uri="{BB962C8B-B14F-4D97-AF65-F5344CB8AC3E}">
+        <p14:creationId xmlns:p14="http://schemas.microsoft.com/office/powerpoint/2010/main" val="1417739374"/>
+      </p:ext>
+    </p:extLst>
+  </p:cSld>
+  <p:clrMapOvr>
+    <a:masterClrMapping/>
+  </p:clrMapOvr>
+  <p:transition spd="med" advTm="63997"/>
+</p:sld>
+</file>
+
+<file path=ppt/slides/slide4.xml><?xml version="1.0" encoding="utf-8"?>
+<p:sld xmlns:a="http://schemas.openxmlformats.org/drawingml/2006/main" xmlns:r="http://schemas.openxmlformats.org/officeDocument/2006/relationships" xmlns:p="http://schemas.openxmlformats.org/presentationml/2006/main">
+  <p:cSld>
+    <p:spTree>
+      <p:nvGrpSpPr>
+        <p:cNvPr id="1" name="">
+          <a:extLst>
+            <a:ext uri="{FF2B5EF4-FFF2-40B4-BE49-F238E27FC236}">
+              <a16:creationId xmlns:a16="http://schemas.microsoft.com/office/drawing/2014/main" id="{CF11DB0D-C7A8-E826-4746-04D8875E9064}"/>
+            </a:ext>
+          </a:extLst>
+        </p:cNvPr>
+        <p:cNvGrpSpPr/>
+        <p:nvPr/>
+      </p:nvGrpSpPr>
+      <p:grpSpPr>
+        <a:xfrm>
+          <a:off x="0" y="0"/>
+          <a:ext cx="0" cy="0"/>
+          <a:chOff x="0" y="0"/>
+          <a:chExt cx="0" cy="0"/>
+        </a:xfrm>
+      </p:grpSpPr>
+      <p:sp>
+        <p:nvSpPr>
+          <p:cNvPr id="2" name="Title 1">
+            <a:extLst>
+              <a:ext uri="{FF2B5EF4-FFF2-40B4-BE49-F238E27FC236}">
+                <a16:creationId xmlns:a16="http://schemas.microsoft.com/office/drawing/2014/main" id="{E023CC34-DD90-F195-065C-8690D567C7CA}"/>
+              </a:ext>
+            </a:extLst>
+          </p:cNvPr>
+          <p:cNvSpPr>
+            <a:spLocks noGrp="1"/>
+          </p:cNvSpPr>
+          <p:nvPr>
+            <p:ph type="title"/>
+          </p:nvPr>
+        </p:nvSpPr>
+        <p:spPr>
+          <a:xfrm>
+            <a:off x="152400" y="152400"/>
+            <a:ext cx="8610600" cy="838200"/>
+          </a:xfrm>
+        </p:spPr>
+        <p:txBody>
+          <a:bodyPr/>
+          <a:lstStyle/>
+          <a:p>
+            <a:r>
+              <a:rPr lang="en-US" altLang="zh-CN" dirty="0"/>
+              <a:t>Channel</a:t>
+            </a:r>
+            <a:endParaRPr lang="zh-CN" altLang="en-US" dirty="0"/>
+          </a:p>
+        </p:txBody>
+      </p:sp>
+      <p:sp>
+        <p:nvSpPr>
+          <p:cNvPr id="7" name="内容占位符 2">
+            <a:extLst>
+              <a:ext uri="{FF2B5EF4-FFF2-40B4-BE49-F238E27FC236}">
+                <a16:creationId xmlns:a16="http://schemas.microsoft.com/office/drawing/2014/main" id="{77358499-8047-EF37-77D2-D5BA9A2BEE93}"/>
+              </a:ext>
+            </a:extLst>
+          </p:cNvPr>
+          <p:cNvSpPr>
+            <a:spLocks noGrp="1"/>
+          </p:cNvSpPr>
+          <p:nvPr>
+            <p:ph idx="4294967295"/>
+          </p:nvPr>
+        </p:nvSpPr>
+        <p:spPr>
+          <a:xfrm>
+            <a:off x="93652" y="1068111"/>
+            <a:ext cx="9050348" cy="1979889"/>
+          </a:xfrm>
+        </p:spPr>
+        <p:txBody>
+          <a:bodyPr/>
+          <a:lstStyle/>
+          <a:p>
+            <a:r>
+              <a:rPr lang="en-US" altLang="zh-CN" sz="2400" dirty="0">
+                <a:latin typeface="+mn-lt"/>
+                <a:cs typeface="Times New Roman" panose="02020603050405020304" pitchFamily="18" charset="0"/>
+              </a:rPr>
+              <a:t>RETAU550</a:t>
+            </a:r>
+            <a:endParaRPr lang="en-US" altLang="zh-CN" sz="2000" dirty="0">
+              <a:latin typeface="+mn-lt"/>
+              <a:cs typeface="Times New Roman" panose="02020603050405020304" pitchFamily="18" charset="0"/>
+            </a:endParaRPr>
+          </a:p>
+          <a:p>
+            <a:pPr lvl="1"/>
+            <a:r>
+              <a:rPr lang="en-US" altLang="zh-CN" sz="2000" dirty="0">
+                <a:latin typeface="+mn-lt"/>
+                <a:cs typeface="Times New Roman" panose="02020603050405020304" pitchFamily="18" charset="0"/>
+              </a:rPr>
+              <a:t>Both</a:t>
+            </a:r>
+            <a:endParaRPr lang="en-US" altLang="zh-CN" sz="2000" baseline="30000" dirty="0">
+              <a:latin typeface="+mn-lt"/>
+              <a:cs typeface="Times New Roman" panose="02020603050405020304" pitchFamily="18" charset="0"/>
+            </a:endParaRPr>
+          </a:p>
+          <a:p>
+            <a:pPr marL="457200" lvl="1" indent="0">
+              <a:buNone/>
+            </a:pPr>
+            <a:endParaRPr lang="en-US" altLang="zh-CN" sz="2000" baseline="30000" dirty="0">
+              <a:latin typeface="+mn-lt"/>
+              <a:cs typeface="Times New Roman" panose="02020603050405020304" pitchFamily="18" charset="0"/>
+            </a:endParaRPr>
+          </a:p>
+          <a:p>
+            <a:pPr marL="457200" lvl="1" indent="0">
+              <a:buNone/>
+            </a:pPr>
+            <a:endParaRPr lang="en-US" altLang="zh-CN" sz="2000" baseline="30000" dirty="0">
+              <a:latin typeface="+mn-lt"/>
+              <a:cs typeface="Times New Roman" panose="02020603050405020304" pitchFamily="18" charset="0"/>
+            </a:endParaRPr>
+          </a:p>
+          <a:p>
+            <a:pPr marL="457200" lvl="1" indent="0">
+              <a:buNone/>
+            </a:pPr>
+            <a:endParaRPr lang="en-US" altLang="zh-CN" sz="2000" baseline="30000" dirty="0">
+              <a:latin typeface="+mn-lt"/>
+              <a:cs typeface="Times New Roman" panose="02020603050405020304" pitchFamily="18" charset="0"/>
+            </a:endParaRPr>
+          </a:p>
+          <a:p>
+            <a:pPr marL="457200" lvl="1" indent="0">
+              <a:buNone/>
+            </a:pPr>
+            <a:endParaRPr lang="en-US" altLang="zh-CN" sz="2000" baseline="30000" dirty="0">
+              <a:latin typeface="+mn-lt"/>
+              <a:cs typeface="Times New Roman" panose="02020603050405020304" pitchFamily="18" charset="0"/>
+            </a:endParaRPr>
+          </a:p>
+          <a:p>
+            <a:pPr marL="457200" lvl="1" indent="0">
+              <a:buNone/>
+            </a:pPr>
+            <a:endParaRPr lang="en-US" altLang="zh-CN" sz="2000" baseline="30000" dirty="0">
+              <a:latin typeface="+mn-lt"/>
+              <a:cs typeface="Times New Roman" panose="02020603050405020304" pitchFamily="18" charset="0"/>
+            </a:endParaRPr>
+          </a:p>
+          <a:p>
+            <a:pPr marL="457200" lvl="1" indent="0">
+              <a:buNone/>
+            </a:pPr>
+            <a:endParaRPr lang="en-US" altLang="zh-CN" sz="2000" baseline="30000" dirty="0">
+              <a:latin typeface="+mn-lt"/>
+              <a:cs typeface="Times New Roman" panose="02020603050405020304" pitchFamily="18" charset="0"/>
+            </a:endParaRPr>
+          </a:p>
+          <a:p>
+            <a:pPr marL="457200" lvl="1" indent="0">
+              <a:buNone/>
+            </a:pPr>
+            <a:endParaRPr lang="en-US" altLang="zh-CN" sz="2000" baseline="30000" dirty="0">
+              <a:latin typeface="+mn-lt"/>
+              <a:cs typeface="Times New Roman" panose="02020603050405020304" pitchFamily="18" charset="0"/>
+            </a:endParaRPr>
+          </a:p>
+          <a:p>
+            <a:pPr>
+              <a:lnSpc>
+                <a:spcPct val="125000"/>
+              </a:lnSpc>
+            </a:pPr>
+            <a:endParaRPr lang="en-US" altLang="zh-CN" sz="2400" dirty="0">
+              <a:latin typeface="+mn-lt"/>
+              <a:cs typeface="Times New Roman" panose="02020603050405020304" pitchFamily="18" charset="0"/>
+            </a:endParaRPr>
+          </a:p>
+          <a:p>
+            <a:pPr marL="457200" lvl="1" indent="0">
+              <a:lnSpc>
+                <a:spcPct val="125000"/>
+              </a:lnSpc>
+              <a:buNone/>
+            </a:pPr>
+            <a:endParaRPr lang="en-US" altLang="zh-CN" sz="2000" dirty="0">
+              <a:latin typeface="+mn-lt"/>
+              <a:cs typeface="Times New Roman" panose="02020603050405020304" pitchFamily="18" charset="0"/>
+            </a:endParaRPr>
+          </a:p>
+        </p:txBody>
+      </p:sp>
+      <p:sp>
+        <p:nvSpPr>
+          <p:cNvPr id="9" name="Rectangle 2">
+            <a:extLst>
+              <a:ext uri="{FF2B5EF4-FFF2-40B4-BE49-F238E27FC236}">
+                <a16:creationId xmlns:a16="http://schemas.microsoft.com/office/drawing/2014/main" id="{2FB58356-09D7-B518-3635-1FF228F562AA}"/>
+              </a:ext>
+            </a:extLst>
+          </p:cNvPr>
+          <p:cNvSpPr>
+            <a:spLocks noChangeArrowheads="1"/>
+          </p:cNvSpPr>
+          <p:nvPr/>
+        </p:nvSpPr>
+        <p:spPr bwMode="auto">
+          <a:xfrm>
+            <a:off x="0" y="0"/>
+            <a:ext cx="9144000" cy="0"/>
+          </a:xfrm>
+          <a:prstGeom prst="rect">
+            <a:avLst/>
+          </a:prstGeom>
+          <a:noFill/>
+          <a:ln>
+            <a:noFill/>
+          </a:ln>
+          <a:effectLst/>
+          <a:extLst>
+            <a:ext uri="{909E8E84-426E-40DD-AFC4-6F175D3DCCD1}">
+              <a14:hiddenFill xmlns:a14="http://schemas.microsoft.com/office/drawing/2010/main">
+                <a:solidFill>
+                  <a:schemeClr val="accent1"/>
+                </a:solidFill>
+              </a14:hiddenFill>
+            </a:ext>
+            <a:ext uri="{91240B29-F687-4F45-9708-019B960494DF}">
+              <a14:hiddenLine xmlns:a14="http://schemas.microsoft.com/office/drawing/2010/main" w="9525">
+                <a:solidFill>
+                  <a:schemeClr val="tx1"/>
+                </a:solidFill>
+                <a:miter lim="800000"/>
+                <a:headEnd/>
+                <a:tailEnd/>
+              </a14:hiddenLine>
+            </a:ext>
+            <a:ext uri="{AF507438-7753-43E0-B8FC-AC1667EBCBE1}">
+              <a14:hiddenEffects xmlns:a14="http://schemas.microsoft.com/office/drawing/2010/main">
+                <a:effectLst>
+                  <a:outerShdw dist="35921" dir="2700000" algn="ctr" rotWithShape="0">
+                    <a:schemeClr val="bg2"/>
+                  </a:outerShdw>
+                </a:effectLst>
+              </a14:hiddenEffects>
+            </a:ext>
+          </a:extLst>
+        </p:spPr>
+        <p:txBody>
+          <a:bodyPr vert="horz" wrap="none" lIns="91440" tIns="45720" rIns="91440" bIns="45720" numCol="1" anchor="ctr" anchorCtr="0" compatLnSpc="1">
+            <a:prstTxWarp prst="textNoShape">
+              <a:avLst/>
+            </a:prstTxWarp>
+            <a:spAutoFit/>
+          </a:bodyPr>
+          <a:lstStyle/>
+          <a:p>
+            <a:endParaRPr lang="zh-CN" altLang="en-US"/>
+          </a:p>
+        </p:txBody>
+      </p:sp>
+      <p:sp>
+        <p:nvSpPr>
+          <p:cNvPr id="59" name="TextBox 58">
+            <a:extLst>
+              <a:ext uri="{FF2B5EF4-FFF2-40B4-BE49-F238E27FC236}">
+                <a16:creationId xmlns:a16="http://schemas.microsoft.com/office/drawing/2014/main" id="{56C80521-9A4D-908B-A736-B7D17DF69C95}"/>
+              </a:ext>
+            </a:extLst>
+          </p:cNvPr>
+          <p:cNvSpPr txBox="1"/>
+          <p:nvPr/>
+        </p:nvSpPr>
+        <p:spPr>
+          <a:xfrm>
+            <a:off x="1786861" y="6412468"/>
+            <a:ext cx="1184940" cy="369332"/>
+          </a:xfrm>
+          <a:prstGeom prst="rect">
+            <a:avLst/>
+          </a:prstGeom>
+          <a:noFill/>
+        </p:spPr>
+        <p:txBody>
+          <a:bodyPr wrap="none" rtlCol="0">
+            <a:spAutoFit/>
+          </a:bodyPr>
+          <a:lstStyle/>
+          <a:p>
+            <a:r>
+              <a:rPr lang="en-US" dirty="0"/>
+              <a:t>Neumann</a:t>
+            </a:r>
+          </a:p>
+        </p:txBody>
+      </p:sp>
+      <p:sp>
+        <p:nvSpPr>
+          <p:cNvPr id="60" name="TextBox 59">
+            <a:extLst>
+              <a:ext uri="{FF2B5EF4-FFF2-40B4-BE49-F238E27FC236}">
+                <a16:creationId xmlns:a16="http://schemas.microsoft.com/office/drawing/2014/main" id="{C13FB47B-C4D5-57CA-0E70-6769C5A106DB}"/>
+              </a:ext>
+            </a:extLst>
+          </p:cNvPr>
+          <p:cNvSpPr txBox="1"/>
+          <p:nvPr/>
+        </p:nvSpPr>
+        <p:spPr>
+          <a:xfrm>
+            <a:off x="6039727" y="6412468"/>
+            <a:ext cx="1317412" cy="369332"/>
+          </a:xfrm>
+          <a:prstGeom prst="rect">
+            <a:avLst/>
+          </a:prstGeom>
+          <a:noFill/>
+        </p:spPr>
+        <p:txBody>
+          <a:bodyPr wrap="none" rtlCol="0">
+            <a:spAutoFit/>
+          </a:bodyPr>
+          <a:lstStyle/>
+          <a:p>
+            <a:r>
+              <a:rPr lang="en-US" dirty="0"/>
+              <a:t>Wall model</a:t>
+            </a:r>
+          </a:p>
+        </p:txBody>
+      </p:sp>
+      <p:pic>
+        <p:nvPicPr>
+          <p:cNvPr id="4" name="Picture 3">
+            <a:extLst>
+              <a:ext uri="{FF2B5EF4-FFF2-40B4-BE49-F238E27FC236}">
+                <a16:creationId xmlns:a16="http://schemas.microsoft.com/office/drawing/2014/main" id="{FC2977A1-E315-3C41-7054-E921C9EA2037}"/>
+              </a:ext>
+            </a:extLst>
+          </p:cNvPr>
+          <p:cNvPicPr>
+            <a:picLocks noChangeAspect="1"/>
+          </p:cNvPicPr>
+          <p:nvPr/>
+        </p:nvPicPr>
+        <p:blipFill>
+          <a:blip r:embed="rId3"/>
+          <a:stretch>
+            <a:fillRect/>
+          </a:stretch>
+        </p:blipFill>
+        <p:spPr>
+          <a:xfrm>
+            <a:off x="4723481" y="3485996"/>
+            <a:ext cx="3949903" cy="2991004"/>
+          </a:xfrm>
+          <a:prstGeom prst="rect">
+            <a:avLst/>
+          </a:prstGeom>
+        </p:spPr>
+      </p:pic>
+    </p:spTree>
+    <p:extLst>
+      <p:ext uri="{BB962C8B-B14F-4D97-AF65-F5344CB8AC3E}">
+        <p14:creationId xmlns:p14="http://schemas.microsoft.com/office/powerpoint/2010/main" val="4034970986"/>
+      </p:ext>
+    </p:extLst>
+  </p:cSld>
+  <p:clrMapOvr>
+    <a:masterClrMapping/>
+  </p:clrMapOvr>
+  <p:transition spd="med" advTm="63997"/>
+</p:sld>
+</file>
+
+<file path=ppt/slides/slide5.xml><?xml version="1.0" encoding="utf-8"?>
+<p:sld xmlns:a="http://schemas.openxmlformats.org/drawingml/2006/main" xmlns:r="http://schemas.openxmlformats.org/officeDocument/2006/relationships" xmlns:p="http://schemas.openxmlformats.org/presentationml/2006/main">
+  <p:cSld>
+    <p:spTree>
+      <p:nvGrpSpPr>
+        <p:cNvPr id="1" name="">
+          <a:extLst>
+            <a:ext uri="{FF2B5EF4-FFF2-40B4-BE49-F238E27FC236}">
+              <a16:creationId xmlns:a16="http://schemas.microsoft.com/office/drawing/2014/main" id="{BBEEE4D8-D958-0554-7B48-2774DBD53346}"/>
+            </a:ext>
+          </a:extLst>
+        </p:cNvPr>
+        <p:cNvGrpSpPr/>
+        <p:nvPr/>
+      </p:nvGrpSpPr>
+      <p:grpSpPr>
+        <a:xfrm>
+          <a:off x="0" y="0"/>
+          <a:ext cx="0" cy="0"/>
+          <a:chOff x="0" y="0"/>
+          <a:chExt cx="0" cy="0"/>
+        </a:xfrm>
+      </p:grpSpPr>
+      <p:sp>
+        <p:nvSpPr>
+          <p:cNvPr id="2" name="Title 1">
+            <a:extLst>
+              <a:ext uri="{FF2B5EF4-FFF2-40B4-BE49-F238E27FC236}">
+                <a16:creationId xmlns:a16="http://schemas.microsoft.com/office/drawing/2014/main" id="{D07D03FB-2BA4-0290-A7A5-EBBE493EF7BF}"/>
+              </a:ext>
+            </a:extLst>
+          </p:cNvPr>
+          <p:cNvSpPr>
+            <a:spLocks noGrp="1"/>
+          </p:cNvSpPr>
+          <p:nvPr>
+            <p:ph type="title"/>
+          </p:nvPr>
+        </p:nvSpPr>
+        <p:spPr>
+          <a:xfrm>
+            <a:off x="152400" y="152400"/>
+            <a:ext cx="8610600" cy="838200"/>
+          </a:xfrm>
+        </p:spPr>
+        <p:txBody>
+          <a:bodyPr/>
+          <a:lstStyle/>
+          <a:p>
+            <a:r>
+              <a:rPr lang="en-US" altLang="zh-CN" dirty="0"/>
+              <a:t>Channel</a:t>
+            </a:r>
+            <a:endParaRPr lang="zh-CN" altLang="en-US" dirty="0"/>
+          </a:p>
+        </p:txBody>
+      </p:sp>
+      <p:sp>
+        <p:nvSpPr>
+          <p:cNvPr id="7" name="内容占位符 2">
+            <a:extLst>
+              <a:ext uri="{FF2B5EF4-FFF2-40B4-BE49-F238E27FC236}">
+                <a16:creationId xmlns:a16="http://schemas.microsoft.com/office/drawing/2014/main" id="{504AEA5E-AF1F-6B50-DB1E-DB1F4FC503B0}"/>
+              </a:ext>
+            </a:extLst>
+          </p:cNvPr>
+          <p:cNvSpPr>
+            <a:spLocks noGrp="1"/>
+          </p:cNvSpPr>
+          <p:nvPr>
+            <p:ph idx="4294967295"/>
+          </p:nvPr>
+        </p:nvSpPr>
+        <p:spPr>
+          <a:xfrm>
+            <a:off x="93652" y="1068111"/>
+            <a:ext cx="9050348" cy="1979889"/>
+          </a:xfrm>
+        </p:spPr>
+        <p:txBody>
+          <a:bodyPr/>
+          <a:lstStyle/>
+          <a:p>
+            <a:r>
+              <a:rPr lang="en-US" altLang="zh-CN" sz="2400" dirty="0">
+                <a:latin typeface="+mn-lt"/>
+                <a:cs typeface="Times New Roman" panose="02020603050405020304" pitchFamily="18" charset="0"/>
+              </a:rPr>
+              <a:t>RETAU550</a:t>
+            </a:r>
+            <a:endParaRPr lang="en-US" altLang="zh-CN" sz="2000" dirty="0">
+              <a:latin typeface="+mn-lt"/>
+              <a:cs typeface="Times New Roman" panose="02020603050405020304" pitchFamily="18" charset="0"/>
+            </a:endParaRPr>
+          </a:p>
+          <a:p>
+            <a:pPr lvl="1"/>
+            <a:r>
+              <a:rPr lang="en-US" altLang="zh-CN" sz="2000" dirty="0">
+                <a:latin typeface="+mn-lt"/>
+                <a:cs typeface="Times New Roman" panose="02020603050405020304" pitchFamily="18" charset="0"/>
+              </a:rPr>
+              <a:t>Both</a:t>
+            </a:r>
+            <a:endParaRPr lang="en-US" altLang="zh-CN" sz="2000" baseline="30000" dirty="0">
+              <a:latin typeface="+mn-lt"/>
+              <a:cs typeface="Times New Roman" panose="02020603050405020304" pitchFamily="18" charset="0"/>
+            </a:endParaRPr>
+          </a:p>
+          <a:p>
+            <a:pPr marL="457200" lvl="1" indent="0">
+              <a:buNone/>
+            </a:pPr>
+            <a:endParaRPr lang="en-US" altLang="zh-CN" sz="2000" baseline="30000" dirty="0">
+              <a:latin typeface="+mn-lt"/>
+              <a:cs typeface="Times New Roman" panose="02020603050405020304" pitchFamily="18" charset="0"/>
+            </a:endParaRPr>
+          </a:p>
+          <a:p>
+            <a:pPr marL="457200" lvl="1" indent="0">
+              <a:buNone/>
+            </a:pPr>
+            <a:endParaRPr lang="en-US" altLang="zh-CN" sz="2000" baseline="30000" dirty="0">
+              <a:latin typeface="+mn-lt"/>
+              <a:cs typeface="Times New Roman" panose="02020603050405020304" pitchFamily="18" charset="0"/>
+            </a:endParaRPr>
+          </a:p>
+          <a:p>
+            <a:pPr marL="457200" lvl="1" indent="0">
+              <a:buNone/>
+            </a:pPr>
+            <a:endParaRPr lang="en-US" altLang="zh-CN" sz="2000" baseline="30000" dirty="0">
+              <a:latin typeface="+mn-lt"/>
+              <a:cs typeface="Times New Roman" panose="02020603050405020304" pitchFamily="18" charset="0"/>
+            </a:endParaRPr>
+          </a:p>
+          <a:p>
+            <a:pPr marL="457200" lvl="1" indent="0">
+              <a:buNone/>
+            </a:pPr>
+            <a:endParaRPr lang="en-US" altLang="zh-CN" sz="2000" baseline="30000" dirty="0">
+              <a:latin typeface="+mn-lt"/>
+              <a:cs typeface="Times New Roman" panose="02020603050405020304" pitchFamily="18" charset="0"/>
+            </a:endParaRPr>
+          </a:p>
+          <a:p>
+            <a:pPr marL="457200" lvl="1" indent="0">
+              <a:buNone/>
+            </a:pPr>
+            <a:endParaRPr lang="en-US" altLang="zh-CN" sz="2000" baseline="30000" dirty="0">
+              <a:latin typeface="+mn-lt"/>
+              <a:cs typeface="Times New Roman" panose="02020603050405020304" pitchFamily="18" charset="0"/>
+            </a:endParaRPr>
+          </a:p>
+          <a:p>
+            <a:pPr marL="457200" lvl="1" indent="0">
+              <a:buNone/>
+            </a:pPr>
+            <a:endParaRPr lang="en-US" altLang="zh-CN" sz="2000" baseline="30000" dirty="0">
+              <a:latin typeface="+mn-lt"/>
+              <a:cs typeface="Times New Roman" panose="02020603050405020304" pitchFamily="18" charset="0"/>
+            </a:endParaRPr>
+          </a:p>
+          <a:p>
+            <a:pPr marL="457200" lvl="1" indent="0">
+              <a:buNone/>
+            </a:pPr>
+            <a:endParaRPr lang="en-US" altLang="zh-CN" sz="2000" baseline="30000" dirty="0">
+              <a:latin typeface="+mn-lt"/>
+              <a:cs typeface="Times New Roman" panose="02020603050405020304" pitchFamily="18" charset="0"/>
+            </a:endParaRPr>
+          </a:p>
+          <a:p>
+            <a:pPr>
+              <a:lnSpc>
+                <a:spcPct val="125000"/>
+              </a:lnSpc>
+            </a:pPr>
+            <a:endParaRPr lang="en-US" altLang="zh-CN" sz="2400" dirty="0">
+              <a:latin typeface="+mn-lt"/>
+              <a:cs typeface="Times New Roman" panose="02020603050405020304" pitchFamily="18" charset="0"/>
+            </a:endParaRPr>
+          </a:p>
+          <a:p>
+            <a:pPr marL="457200" lvl="1" indent="0">
+              <a:lnSpc>
+                <a:spcPct val="125000"/>
+              </a:lnSpc>
+              <a:buNone/>
+            </a:pPr>
+            <a:endParaRPr lang="en-US" altLang="zh-CN" sz="2000" dirty="0">
+              <a:latin typeface="+mn-lt"/>
+              <a:cs typeface="Times New Roman" panose="02020603050405020304" pitchFamily="18" charset="0"/>
+            </a:endParaRPr>
+          </a:p>
+        </p:txBody>
+      </p:sp>
+      <p:sp>
+        <p:nvSpPr>
+          <p:cNvPr id="9" name="Rectangle 2">
+            <a:extLst>
+              <a:ext uri="{FF2B5EF4-FFF2-40B4-BE49-F238E27FC236}">
+                <a16:creationId xmlns:a16="http://schemas.microsoft.com/office/drawing/2014/main" id="{AE5CABD3-343E-86A3-7C47-95DEDC1DF35C}"/>
+              </a:ext>
+            </a:extLst>
+          </p:cNvPr>
+          <p:cNvSpPr>
+            <a:spLocks noChangeArrowheads="1"/>
+          </p:cNvSpPr>
+          <p:nvPr/>
+        </p:nvSpPr>
+        <p:spPr bwMode="auto">
+          <a:xfrm>
+            <a:off x="0" y="0"/>
+            <a:ext cx="9144000" cy="0"/>
+          </a:xfrm>
+          <a:prstGeom prst="rect">
+            <a:avLst/>
+          </a:prstGeom>
+          <a:noFill/>
+          <a:ln>
+            <a:noFill/>
+          </a:ln>
+          <a:effectLst/>
+          <a:extLst>
+            <a:ext uri="{909E8E84-426E-40DD-AFC4-6F175D3DCCD1}">
+              <a14:hiddenFill xmlns:a14="http://schemas.microsoft.com/office/drawing/2010/main">
+                <a:solidFill>
+                  <a:schemeClr val="accent1"/>
+                </a:solidFill>
+              </a14:hiddenFill>
+            </a:ext>
+            <a:ext uri="{91240B29-F687-4F45-9708-019B960494DF}">
+              <a14:hiddenLine xmlns:a14="http://schemas.microsoft.com/office/drawing/2010/main" w="9525">
+                <a:solidFill>
+                  <a:schemeClr val="tx1"/>
+                </a:solidFill>
+                <a:miter lim="800000"/>
+                <a:headEnd/>
+                <a:tailEnd/>
+              </a14:hiddenLine>
+            </a:ext>
+            <a:ext uri="{AF507438-7753-43E0-B8FC-AC1667EBCBE1}">
+              <a14:hiddenEffects xmlns:a14="http://schemas.microsoft.com/office/drawing/2010/main">
+                <a:effectLst>
+                  <a:outerShdw dist="35921" dir="2700000" algn="ctr" rotWithShape="0">
+                    <a:schemeClr val="bg2"/>
+                  </a:outerShdw>
+                </a:effectLst>
+              </a14:hiddenEffects>
+            </a:ext>
+          </a:extLst>
+        </p:spPr>
+        <p:txBody>
+          <a:bodyPr vert="horz" wrap="none" lIns="91440" tIns="45720" rIns="91440" bIns="45720" numCol="1" anchor="ctr" anchorCtr="0" compatLnSpc="1">
+            <a:prstTxWarp prst="textNoShape">
+              <a:avLst/>
+            </a:prstTxWarp>
+            <a:spAutoFit/>
+          </a:bodyPr>
+          <a:lstStyle/>
+          <a:p>
+            <a:endParaRPr lang="zh-CN" altLang="en-US"/>
+          </a:p>
+        </p:txBody>
+      </p:sp>
+      <p:sp>
+        <p:nvSpPr>
+          <p:cNvPr id="59" name="TextBox 58">
+            <a:extLst>
+              <a:ext uri="{FF2B5EF4-FFF2-40B4-BE49-F238E27FC236}">
+                <a16:creationId xmlns:a16="http://schemas.microsoft.com/office/drawing/2014/main" id="{6F7B2530-1540-3C45-7A67-DEA44B00630D}"/>
+              </a:ext>
+            </a:extLst>
+          </p:cNvPr>
+          <p:cNvSpPr txBox="1"/>
+          <p:nvPr/>
+        </p:nvSpPr>
+        <p:spPr>
+          <a:xfrm>
+            <a:off x="1786861" y="6412468"/>
+            <a:ext cx="902811" cy="369332"/>
+          </a:xfrm>
+          <a:prstGeom prst="rect">
+            <a:avLst/>
+          </a:prstGeom>
+          <a:noFill/>
+        </p:spPr>
+        <p:txBody>
+          <a:bodyPr wrap="none" rtlCol="0">
+            <a:spAutoFit/>
+          </a:bodyPr>
+          <a:lstStyle/>
+          <a:p>
+            <a:r>
+              <a:rPr lang="en-US" dirty="0"/>
+              <a:t>No-slip</a:t>
+            </a:r>
+          </a:p>
+        </p:txBody>
+      </p:sp>
+      <p:sp>
+        <p:nvSpPr>
+          <p:cNvPr id="60" name="TextBox 59">
+            <a:extLst>
+              <a:ext uri="{FF2B5EF4-FFF2-40B4-BE49-F238E27FC236}">
+                <a16:creationId xmlns:a16="http://schemas.microsoft.com/office/drawing/2014/main" id="{D43A2CFC-2DA0-DC58-7055-FB43889C5B26}"/>
+              </a:ext>
+            </a:extLst>
+          </p:cNvPr>
+          <p:cNvSpPr txBox="1"/>
+          <p:nvPr/>
+        </p:nvSpPr>
+        <p:spPr>
+          <a:xfrm>
+            <a:off x="6039727" y="6412468"/>
+            <a:ext cx="1317412" cy="369332"/>
+          </a:xfrm>
+          <a:prstGeom prst="rect">
+            <a:avLst/>
+          </a:prstGeom>
+          <a:noFill/>
+        </p:spPr>
+        <p:txBody>
+          <a:bodyPr wrap="none" rtlCol="0">
+            <a:spAutoFit/>
+          </a:bodyPr>
+          <a:lstStyle/>
+          <a:p>
+            <a:r>
+              <a:rPr lang="en-US" dirty="0"/>
+              <a:t>Wall model</a:t>
+            </a:r>
+          </a:p>
+        </p:txBody>
+      </p:sp>
+      <p:pic>
+        <p:nvPicPr>
+          <p:cNvPr id="6" name="Picture 5">
+            <a:extLst>
+              <a:ext uri="{FF2B5EF4-FFF2-40B4-BE49-F238E27FC236}">
+                <a16:creationId xmlns:a16="http://schemas.microsoft.com/office/drawing/2014/main" id="{29D43F04-3181-1DB2-66CD-724EAE85FC83}"/>
+              </a:ext>
+            </a:extLst>
+          </p:cNvPr>
+          <p:cNvPicPr>
+            <a:picLocks noChangeAspect="1"/>
+          </p:cNvPicPr>
+          <p:nvPr/>
+        </p:nvPicPr>
+        <p:blipFill>
+          <a:blip r:embed="rId3"/>
+          <a:stretch>
+            <a:fillRect/>
+          </a:stretch>
+        </p:blipFill>
+        <p:spPr>
+          <a:xfrm>
+            <a:off x="495096" y="3445933"/>
+            <a:ext cx="3962604" cy="2952902"/>
+          </a:xfrm>
+          <a:prstGeom prst="rect">
+            <a:avLst/>
+          </a:prstGeom>
+        </p:spPr>
+      </p:pic>
+    </p:spTree>
+    <p:extLst>
+      <p:ext uri="{BB962C8B-B14F-4D97-AF65-F5344CB8AC3E}">
+        <p14:creationId xmlns:p14="http://schemas.microsoft.com/office/powerpoint/2010/main" val="128865218"/>
+      </p:ext>
+    </p:extLst>
+  </p:cSld>
+  <p:clrMapOvr>
+    <a:masterClrMapping/>
+  </p:clrMapOvr>
+  <p:transition spd="med" advTm="63997"/>
+</p:sld>
+</file>
+
+<file path=ppt/slides/slide6.xml><?xml version="1.0" encoding="utf-8"?>
+<p:sld xmlns:a="http://schemas.openxmlformats.org/drawingml/2006/main" xmlns:r="http://schemas.openxmlformats.org/officeDocument/2006/relationships" xmlns:p="http://schemas.openxmlformats.org/presentationml/2006/main">
+  <p:cSld>
+    <p:spTree>
+      <p:nvGrpSpPr>
+        <p:cNvPr id="1" name="">
+          <a:extLst>
+            <a:ext uri="{FF2B5EF4-FFF2-40B4-BE49-F238E27FC236}">
+              <a16:creationId xmlns:a16="http://schemas.microsoft.com/office/drawing/2014/main" id="{E36FAF1C-FB3C-6E4F-3EF6-B91416465A30}"/>
+            </a:ext>
+          </a:extLst>
+        </p:cNvPr>
+        <p:cNvGrpSpPr/>
+        <p:nvPr/>
+      </p:nvGrpSpPr>
+      <p:grpSpPr>
+        <a:xfrm>
+          <a:off x="0" y="0"/>
+          <a:ext cx="0" cy="0"/>
+          <a:chOff x="0" y="0"/>
+          <a:chExt cx="0" cy="0"/>
+        </a:xfrm>
+      </p:grpSpPr>
+      <p:sp>
+        <p:nvSpPr>
+          <p:cNvPr id="2" name="Title 1">
+            <a:extLst>
+              <a:ext uri="{FF2B5EF4-FFF2-40B4-BE49-F238E27FC236}">
+                <a16:creationId xmlns:a16="http://schemas.microsoft.com/office/drawing/2014/main" id="{5ADC8DE3-593B-5208-402D-39D2452CA6CD}"/>
+              </a:ext>
+            </a:extLst>
+          </p:cNvPr>
+          <p:cNvSpPr>
+            <a:spLocks noGrp="1"/>
+          </p:cNvSpPr>
+          <p:nvPr>
+            <p:ph type="title"/>
+          </p:nvPr>
+        </p:nvSpPr>
+        <p:spPr>
+          <a:xfrm>
+            <a:off x="152400" y="152400"/>
+            <a:ext cx="8610600" cy="838200"/>
+          </a:xfrm>
+        </p:spPr>
+        <p:txBody>
+          <a:bodyPr/>
+          <a:lstStyle/>
+          <a:p>
+            <a:r>
+              <a:rPr lang="en-US" altLang="zh-CN" dirty="0"/>
+              <a:t>Channel</a:t>
+            </a:r>
+            <a:endParaRPr lang="zh-CN" altLang="en-US" dirty="0"/>
+          </a:p>
+        </p:txBody>
+      </p:sp>
+      <p:sp>
+        <p:nvSpPr>
+          <p:cNvPr id="7" name="内容占位符 2">
+            <a:extLst>
+              <a:ext uri="{FF2B5EF4-FFF2-40B4-BE49-F238E27FC236}">
+                <a16:creationId xmlns:a16="http://schemas.microsoft.com/office/drawing/2014/main" id="{F3384177-C1B6-3F19-F831-1205A5DA7337}"/>
+              </a:ext>
+            </a:extLst>
+          </p:cNvPr>
+          <p:cNvSpPr>
+            <a:spLocks noGrp="1"/>
+          </p:cNvSpPr>
+          <p:nvPr>
+            <p:ph idx="4294967295"/>
+          </p:nvPr>
+        </p:nvSpPr>
+        <p:spPr>
+          <a:xfrm>
+            <a:off x="93652" y="1068111"/>
+            <a:ext cx="9050348" cy="1979889"/>
+          </a:xfrm>
+        </p:spPr>
+        <p:txBody>
+          <a:bodyPr/>
+          <a:lstStyle/>
+          <a:p>
+            <a:r>
+              <a:rPr lang="en-US" altLang="zh-CN" sz="2400" dirty="0">
+                <a:latin typeface="+mn-lt"/>
+                <a:cs typeface="Times New Roman" panose="02020603050405020304" pitchFamily="18" charset="0"/>
+              </a:rPr>
+              <a:t>RETAU1000</a:t>
+            </a:r>
+            <a:endParaRPr lang="en-US" altLang="zh-CN" sz="2000" dirty="0">
+              <a:latin typeface="+mn-lt"/>
+              <a:cs typeface="Times New Roman" panose="02020603050405020304" pitchFamily="18" charset="0"/>
+            </a:endParaRPr>
+          </a:p>
+          <a:p>
+            <a:pPr lvl="1"/>
+            <a:r>
+              <a:rPr lang="en-US" altLang="zh-CN" sz="2000" dirty="0">
+                <a:latin typeface="+mn-lt"/>
+                <a:cs typeface="Times New Roman" panose="02020603050405020304" pitchFamily="18" charset="0"/>
+              </a:rPr>
+              <a:t>Both</a:t>
+            </a:r>
+            <a:endParaRPr lang="en-US" altLang="zh-CN" sz="2000" baseline="30000" dirty="0">
+              <a:latin typeface="+mn-lt"/>
+              <a:cs typeface="Times New Roman" panose="02020603050405020304" pitchFamily="18" charset="0"/>
+            </a:endParaRPr>
+          </a:p>
+          <a:p>
+            <a:pPr marL="457200" lvl="1" indent="0">
+              <a:buNone/>
+            </a:pPr>
+            <a:endParaRPr lang="en-US" altLang="zh-CN" sz="2000" baseline="30000" dirty="0">
+              <a:latin typeface="+mn-lt"/>
+              <a:cs typeface="Times New Roman" panose="02020603050405020304" pitchFamily="18" charset="0"/>
+            </a:endParaRPr>
+          </a:p>
+          <a:p>
+            <a:pPr marL="457200" lvl="1" indent="0">
+              <a:buNone/>
+            </a:pPr>
+            <a:endParaRPr lang="en-US" altLang="zh-CN" sz="2000" baseline="30000" dirty="0">
+              <a:latin typeface="+mn-lt"/>
+              <a:cs typeface="Times New Roman" panose="02020603050405020304" pitchFamily="18" charset="0"/>
+            </a:endParaRPr>
+          </a:p>
+          <a:p>
+            <a:pPr marL="457200" lvl="1" indent="0">
+              <a:buNone/>
+            </a:pPr>
+            <a:endParaRPr lang="en-US" altLang="zh-CN" sz="2000" baseline="30000" dirty="0">
+              <a:latin typeface="+mn-lt"/>
+              <a:cs typeface="Times New Roman" panose="02020603050405020304" pitchFamily="18" charset="0"/>
+            </a:endParaRPr>
+          </a:p>
+          <a:p>
+            <a:pPr marL="457200" lvl="1" indent="0">
+              <a:buNone/>
+            </a:pPr>
+            <a:endParaRPr lang="en-US" altLang="zh-CN" sz="2000" baseline="30000" dirty="0">
+              <a:latin typeface="+mn-lt"/>
+              <a:cs typeface="Times New Roman" panose="02020603050405020304" pitchFamily="18" charset="0"/>
+            </a:endParaRPr>
+          </a:p>
+          <a:p>
+            <a:pPr marL="457200" lvl="1" indent="0">
+              <a:buNone/>
+            </a:pPr>
+            <a:endParaRPr lang="en-US" altLang="zh-CN" sz="2000" baseline="30000" dirty="0">
+              <a:latin typeface="+mn-lt"/>
+              <a:cs typeface="Times New Roman" panose="02020603050405020304" pitchFamily="18" charset="0"/>
+            </a:endParaRPr>
+          </a:p>
+          <a:p>
+            <a:pPr marL="457200" lvl="1" indent="0">
+              <a:buNone/>
+            </a:pPr>
+            <a:endParaRPr lang="en-US" altLang="zh-CN" sz="2000" baseline="30000" dirty="0">
+              <a:latin typeface="+mn-lt"/>
+              <a:cs typeface="Times New Roman" panose="02020603050405020304" pitchFamily="18" charset="0"/>
+            </a:endParaRPr>
+          </a:p>
+          <a:p>
+            <a:pPr marL="457200" lvl="1" indent="0">
+              <a:buNone/>
+            </a:pPr>
+            <a:endParaRPr lang="en-US" altLang="zh-CN" sz="2000" baseline="30000" dirty="0">
+              <a:latin typeface="+mn-lt"/>
+              <a:cs typeface="Times New Roman" panose="02020603050405020304" pitchFamily="18" charset="0"/>
+            </a:endParaRPr>
+          </a:p>
+          <a:p>
+            <a:pPr>
+              <a:lnSpc>
+                <a:spcPct val="125000"/>
+              </a:lnSpc>
+            </a:pPr>
+            <a:endParaRPr lang="en-US" altLang="zh-CN" sz="2400" dirty="0">
+              <a:latin typeface="+mn-lt"/>
+              <a:cs typeface="Times New Roman" panose="02020603050405020304" pitchFamily="18" charset="0"/>
+            </a:endParaRPr>
+          </a:p>
+          <a:p>
+            <a:pPr marL="457200" lvl="1" indent="0">
+              <a:lnSpc>
+                <a:spcPct val="125000"/>
+              </a:lnSpc>
+              <a:buNone/>
+            </a:pPr>
+            <a:endParaRPr lang="en-US" altLang="zh-CN" sz="2000" dirty="0">
+              <a:latin typeface="+mn-lt"/>
+              <a:cs typeface="Times New Roman" panose="02020603050405020304" pitchFamily="18" charset="0"/>
+            </a:endParaRPr>
+          </a:p>
+        </p:txBody>
+      </p:sp>
+      <p:sp>
+        <p:nvSpPr>
+          <p:cNvPr id="9" name="Rectangle 2">
+            <a:extLst>
+              <a:ext uri="{FF2B5EF4-FFF2-40B4-BE49-F238E27FC236}">
+                <a16:creationId xmlns:a16="http://schemas.microsoft.com/office/drawing/2014/main" id="{CC5CEECD-70F9-A816-BDE0-0CF29A6F574A}"/>
+              </a:ext>
+            </a:extLst>
+          </p:cNvPr>
+          <p:cNvSpPr>
+            <a:spLocks noChangeArrowheads="1"/>
+          </p:cNvSpPr>
+          <p:nvPr/>
+        </p:nvSpPr>
+        <p:spPr bwMode="auto">
+          <a:xfrm>
+            <a:off x="0" y="0"/>
+            <a:ext cx="9144000" cy="0"/>
+          </a:xfrm>
+          <a:prstGeom prst="rect">
+            <a:avLst/>
+          </a:prstGeom>
+          <a:noFill/>
+          <a:ln>
+            <a:noFill/>
+          </a:ln>
+          <a:effectLst/>
+          <a:extLst>
+            <a:ext uri="{909E8E84-426E-40DD-AFC4-6F175D3DCCD1}">
+              <a14:hiddenFill xmlns:a14="http://schemas.microsoft.com/office/drawing/2010/main">
+                <a:solidFill>
+                  <a:schemeClr val="accent1"/>
+                </a:solidFill>
+              </a14:hiddenFill>
+            </a:ext>
+            <a:ext uri="{91240B29-F687-4F45-9708-019B960494DF}">
+              <a14:hiddenLine xmlns:a14="http://schemas.microsoft.com/office/drawing/2010/main" w="9525">
+                <a:solidFill>
+                  <a:schemeClr val="tx1"/>
+                </a:solidFill>
+                <a:miter lim="800000"/>
+                <a:headEnd/>
+                <a:tailEnd/>
+              </a14:hiddenLine>
+            </a:ext>
+            <a:ext uri="{AF507438-7753-43E0-B8FC-AC1667EBCBE1}">
+              <a14:hiddenEffects xmlns:a14="http://schemas.microsoft.com/office/drawing/2010/main">
+                <a:effectLst>
+                  <a:outerShdw dist="35921" dir="2700000" algn="ctr" rotWithShape="0">
+                    <a:schemeClr val="bg2"/>
+                  </a:outerShdw>
+                </a:effectLst>
+              </a14:hiddenEffects>
+            </a:ext>
+          </a:extLst>
+        </p:spPr>
+        <p:txBody>
+          <a:bodyPr vert="horz" wrap="none" lIns="91440" tIns="45720" rIns="91440" bIns="45720" numCol="1" anchor="ctr" anchorCtr="0" compatLnSpc="1">
+            <a:prstTxWarp prst="textNoShape">
+              <a:avLst/>
+            </a:prstTxWarp>
+            <a:spAutoFit/>
+          </a:bodyPr>
+          <a:lstStyle/>
+          <a:p>
+            <a:endParaRPr lang="zh-CN" altLang="en-US"/>
+          </a:p>
+        </p:txBody>
+      </p:sp>
+      <p:sp>
+        <p:nvSpPr>
+          <p:cNvPr id="59" name="TextBox 58">
+            <a:extLst>
+              <a:ext uri="{FF2B5EF4-FFF2-40B4-BE49-F238E27FC236}">
+                <a16:creationId xmlns:a16="http://schemas.microsoft.com/office/drawing/2014/main" id="{1E333F98-D969-7680-D0BE-D006F8E4AA33}"/>
+              </a:ext>
+            </a:extLst>
+          </p:cNvPr>
+          <p:cNvSpPr txBox="1"/>
+          <p:nvPr/>
+        </p:nvSpPr>
+        <p:spPr>
+          <a:xfrm>
+            <a:off x="1786861" y="6412468"/>
+            <a:ext cx="1184940" cy="369332"/>
+          </a:xfrm>
+          <a:prstGeom prst="rect">
+            <a:avLst/>
+          </a:prstGeom>
+          <a:noFill/>
+        </p:spPr>
+        <p:txBody>
+          <a:bodyPr wrap="none" rtlCol="0">
+            <a:spAutoFit/>
+          </a:bodyPr>
+          <a:lstStyle/>
+          <a:p>
+            <a:r>
+              <a:rPr lang="en-US" dirty="0"/>
+              <a:t>Neumann</a:t>
+            </a:r>
+          </a:p>
+        </p:txBody>
+      </p:sp>
+      <p:sp>
+        <p:nvSpPr>
+          <p:cNvPr id="60" name="TextBox 59">
+            <a:extLst>
+              <a:ext uri="{FF2B5EF4-FFF2-40B4-BE49-F238E27FC236}">
+                <a16:creationId xmlns:a16="http://schemas.microsoft.com/office/drawing/2014/main" id="{BEAADFC7-883F-BEFB-D78E-E7BE34CB3B01}"/>
+              </a:ext>
+            </a:extLst>
+          </p:cNvPr>
+          <p:cNvSpPr txBox="1"/>
+          <p:nvPr/>
+        </p:nvSpPr>
+        <p:spPr>
+          <a:xfrm>
+            <a:off x="6039727" y="6412468"/>
+            <a:ext cx="1317412" cy="369332"/>
+          </a:xfrm>
+          <a:prstGeom prst="rect">
+            <a:avLst/>
+          </a:prstGeom>
+          <a:noFill/>
+        </p:spPr>
+        <p:txBody>
+          <a:bodyPr wrap="none" rtlCol="0">
+            <a:spAutoFit/>
+          </a:bodyPr>
+          <a:lstStyle/>
+          <a:p>
+            <a:r>
+              <a:rPr lang="en-US" dirty="0"/>
+              <a:t>Wall model</a:t>
+            </a:r>
+          </a:p>
+        </p:txBody>
+      </p:sp>
+      <p:pic>
+        <p:nvPicPr>
+          <p:cNvPr id="6" name="Picture 5">
+            <a:extLst>
+              <a:ext uri="{FF2B5EF4-FFF2-40B4-BE49-F238E27FC236}">
+                <a16:creationId xmlns:a16="http://schemas.microsoft.com/office/drawing/2014/main" id="{B59DF556-E795-2300-7F43-648997D04089}"/>
+              </a:ext>
+            </a:extLst>
+          </p:cNvPr>
+          <p:cNvPicPr>
+            <a:picLocks noChangeAspect="1"/>
+          </p:cNvPicPr>
+          <p:nvPr/>
+        </p:nvPicPr>
+        <p:blipFill>
+          <a:blip r:embed="rId3"/>
+          <a:stretch>
+            <a:fillRect/>
+          </a:stretch>
+        </p:blipFill>
+        <p:spPr>
+          <a:xfrm>
+            <a:off x="4618826" y="3446866"/>
+            <a:ext cx="4000706" cy="2965602"/>
+          </a:xfrm>
+          <a:prstGeom prst="rect">
+            <a:avLst/>
+          </a:prstGeom>
+        </p:spPr>
+      </p:pic>
+    </p:spTree>
+    <p:extLst>
+      <p:ext uri="{BB962C8B-B14F-4D97-AF65-F5344CB8AC3E}">
+        <p14:creationId xmlns:p14="http://schemas.microsoft.com/office/powerpoint/2010/main" val="3546392556"/>
+      </p:ext>
+    </p:extLst>
+  </p:cSld>
+  <p:clrMapOvr>
+    <a:masterClrMapping/>
+  </p:clrMapOvr>
+  <p:transition spd="med" advTm="63997"/>
+</p:sld>
+</file>
+
+<file path=ppt/slides/slide7.xml><?xml version="1.0" encoding="utf-8"?>
+<p:sld xmlns:a="http://schemas.openxmlformats.org/drawingml/2006/main" xmlns:r="http://schemas.openxmlformats.org/officeDocument/2006/relationships" xmlns:p="http://schemas.openxmlformats.org/presentationml/2006/main">
+  <p:cSld>
+    <p:spTree>
+      <p:nvGrpSpPr>
+        <p:cNvPr id="1" name=""/>
+        <p:cNvGrpSpPr/>
+        <p:nvPr/>
+      </p:nvGrpSpPr>
+      <p:grpSpPr>
+        <a:xfrm>
+          <a:off x="0" y="0"/>
+          <a:ext cx="0" cy="0"/>
+          <a:chOff x="0" y="0"/>
+          <a:chExt cx="0" cy="0"/>
+        </a:xfrm>
+      </p:grpSpPr>
+      <p:sp>
+        <p:nvSpPr>
+          <p:cNvPr id="2" name="Title 1"/>
+          <p:cNvSpPr>
+            <a:spLocks noGrp="1"/>
+          </p:cNvSpPr>
+          <p:nvPr>
+            <p:ph type="title"/>
+          </p:nvPr>
+        </p:nvSpPr>
+        <p:spPr>
+          <a:xfrm>
+            <a:off x="152400" y="152400"/>
+            <a:ext cx="8610600" cy="838200"/>
+          </a:xfrm>
+        </p:spPr>
+        <p:txBody>
+          <a:bodyPr/>
+          <a:lstStyle/>
+          <a:p>
+            <a:r>
+              <a:rPr lang="en-US" altLang="zh-CN" dirty="0"/>
+              <a:t>Channel</a:t>
+            </a:r>
+            <a:endParaRPr lang="zh-CN" altLang="en-US" dirty="0"/>
+          </a:p>
+        </p:txBody>
+      </p:sp>
+      <p:sp>
+        <p:nvSpPr>
+          <p:cNvPr id="9" name="Rectangle 2"/>
+          <p:cNvSpPr>
+            <a:spLocks noChangeArrowheads="1"/>
+          </p:cNvSpPr>
+          <p:nvPr/>
+        </p:nvSpPr>
+        <p:spPr bwMode="auto">
+          <a:xfrm>
+            <a:off x="0" y="0"/>
+            <a:ext cx="9144000" cy="0"/>
+          </a:xfrm>
+          <a:prstGeom prst="rect">
+            <a:avLst/>
+          </a:prstGeom>
+          <a:noFill/>
+          <a:ln>
+            <a:noFill/>
+          </a:ln>
+          <a:effectLst/>
+          <a:extLst>
+            <a:ext uri="{909E8E84-426E-40DD-AFC4-6F175D3DCCD1}">
+              <a14:hiddenFill xmlns:a14="http://schemas.microsoft.com/office/drawing/2010/main">
+                <a:solidFill>
+                  <a:schemeClr val="accent1"/>
+                </a:solidFill>
+              </a14:hiddenFill>
+            </a:ext>
+            <a:ext uri="{91240B29-F687-4F45-9708-019B960494DF}">
+              <a14:hiddenLine xmlns:a14="http://schemas.microsoft.com/office/drawing/2010/main" w="9525">
+                <a:solidFill>
+                  <a:schemeClr val="tx1"/>
+                </a:solidFill>
+                <a:miter lim="800000"/>
+                <a:headEnd/>
+                <a:tailEnd/>
+              </a14:hiddenLine>
+            </a:ext>
+            <a:ext uri="{AF507438-7753-43E0-B8FC-AC1667EBCBE1}">
+              <a14:hiddenEffects xmlns:a14="http://schemas.microsoft.com/office/drawing/2010/main">
+                <a:effectLst>
+                  <a:outerShdw dist="35921" dir="2700000" algn="ctr" rotWithShape="0">
+                    <a:schemeClr val="bg2"/>
+                  </a:outerShdw>
+                </a:effectLst>
+              </a14:hiddenEffects>
+            </a:ext>
+          </a:extLst>
+        </p:spPr>
+        <p:txBody>
+          <a:bodyPr vert="horz" wrap="none" lIns="91440" tIns="45720" rIns="91440" bIns="45720" numCol="1" anchor="ctr" anchorCtr="0" compatLnSpc="1">
+            <a:prstTxWarp prst="textNoShape">
+              <a:avLst/>
+            </a:prstTxWarp>
+            <a:spAutoFit/>
+          </a:bodyPr>
+          <a:lstStyle/>
+          <a:p>
+            <a:endParaRPr lang="zh-CN" altLang="en-US"/>
+          </a:p>
+        </p:txBody>
+      </p:sp>
+      <p:sp>
+        <p:nvSpPr>
+          <p:cNvPr id="18" name="内容占位符 2">
+            <a:extLst>
+              <a:ext uri="{FF2B5EF4-FFF2-40B4-BE49-F238E27FC236}">
+                <a16:creationId xmlns:a16="http://schemas.microsoft.com/office/drawing/2014/main" id="{5B83F688-3AAF-6E92-D5A4-B8DCA97B9756}"/>
+              </a:ext>
+            </a:extLst>
+          </p:cNvPr>
+          <p:cNvSpPr txBox="1">
+            <a:spLocks/>
+          </p:cNvSpPr>
+          <p:nvPr/>
+        </p:nvSpPr>
+        <p:spPr bwMode="auto">
+          <a:xfrm>
+            <a:off x="93652" y="1068111"/>
+            <a:ext cx="9050348" cy="1446487"/>
+          </a:xfrm>
+          <a:prstGeom prst="rect">
+            <a:avLst/>
+          </a:prstGeom>
+          <a:noFill/>
+          <a:ln>
+            <a:noFill/>
+          </a:ln>
+          <a:extLst>
+            <a:ext uri="{909E8E84-426E-40DD-AFC4-6F175D3DCCD1}">
+              <a14:hiddenFill xmlns:a14="http://schemas.microsoft.com/office/drawing/2010/main">
+                <a:solidFill>
+                  <a:srgbClr val="FFFFFF"/>
+                </a:solidFill>
+              </a14:hiddenFill>
+            </a:ext>
+            <a:ext uri="{91240B29-F687-4F45-9708-019B960494DF}">
+              <a14:hiddenLine xmlns:a14="http://schemas.microsoft.com/office/drawing/2010/main" w="28575">
+                <a:solidFill>
+                  <a:srgbClr val="000000"/>
+                </a:solidFill>
+                <a:miter lim="800000"/>
+                <a:headEnd/>
+                <a:tailEnd/>
+              </a14:hiddenLine>
+            </a:ext>
+          </a:extLst>
+        </p:spPr>
+        <p:txBody>
+          <a:bodyPr vert="horz" wrap="square" lIns="91440" tIns="45720" rIns="91440" bIns="45720" numCol="1" anchor="t" anchorCtr="0" compatLnSpc="1">
+            <a:prstTxWarp prst="textNoShape">
+              <a:avLst/>
+            </a:prstTxWarp>
+          </a:bodyPr>
+          <a:lstStyle>
+            <a:lvl1pPr marL="342900" indent="-342900" algn="l" rtl="0" eaLnBrk="1" fontAlgn="base" hangingPunct="1">
+              <a:spcBef>
+                <a:spcPct val="30000"/>
+              </a:spcBef>
+              <a:spcAft>
+                <a:spcPct val="0"/>
+              </a:spcAft>
+              <a:buClr>
+                <a:schemeClr val="hlink"/>
+              </a:buClr>
+              <a:buFont typeface="Wingdings" pitchFamily="2" charset="2"/>
+              <a:buChar char="§"/>
+              <a:defRPr sz="3200">
+                <a:solidFill>
+                  <a:srgbClr val="000066"/>
+                </a:solidFill>
+                <a:latin typeface="微软雅黑" pitchFamily="34" charset="-122"/>
+                <a:ea typeface="微软雅黑" pitchFamily="34" charset="-122"/>
+                <a:cs typeface="+mn-cs"/>
+              </a:defRPr>
+            </a:lvl1pPr>
+            <a:lvl2pPr marL="742950" indent="-285750" algn="l" rtl="0" eaLnBrk="1" fontAlgn="base" hangingPunct="1">
+              <a:spcBef>
+                <a:spcPct val="30000"/>
+              </a:spcBef>
+              <a:spcAft>
+                <a:spcPct val="0"/>
+              </a:spcAft>
+              <a:buClr>
+                <a:schemeClr val="tx2"/>
+              </a:buClr>
+              <a:buSzPct val="85000"/>
+              <a:buFont typeface="Wingdings" pitchFamily="2" charset="2"/>
+              <a:buChar char="Ø"/>
+              <a:defRPr sz="2800">
+                <a:solidFill>
+                  <a:srgbClr val="006666"/>
+                </a:solidFill>
+                <a:latin typeface="微软雅黑" pitchFamily="34" charset="-122"/>
+                <a:ea typeface="微软雅黑" pitchFamily="34" charset="-122"/>
+              </a:defRPr>
+            </a:lvl2pPr>
+            <a:lvl3pPr marL="1143000" indent="-228600" algn="l" rtl="0" eaLnBrk="1" fontAlgn="base" hangingPunct="1">
+              <a:spcBef>
+                <a:spcPct val="30000"/>
+              </a:spcBef>
+              <a:spcAft>
+                <a:spcPct val="0"/>
+              </a:spcAft>
+              <a:buClr>
+                <a:schemeClr val="hlink"/>
+              </a:buClr>
+              <a:buSzPct val="95000"/>
+              <a:buFont typeface="Wingdings 2" pitchFamily="18" charset="2"/>
+              <a:buChar char="¡"/>
+              <a:defRPr sz="2400">
+                <a:solidFill>
+                  <a:schemeClr val="hlink"/>
+                </a:solidFill>
+                <a:latin typeface="微软雅黑" pitchFamily="34" charset="-122"/>
+                <a:ea typeface="微软雅黑" pitchFamily="34" charset="-122"/>
+              </a:defRPr>
+            </a:lvl3pPr>
+            <a:lvl4pPr marL="1600200" indent="-228600" algn="l" rtl="0" eaLnBrk="1" fontAlgn="base" hangingPunct="1">
+              <a:spcBef>
+                <a:spcPct val="30000"/>
+              </a:spcBef>
+              <a:spcAft>
+                <a:spcPct val="0"/>
+              </a:spcAft>
+              <a:buClr>
+                <a:schemeClr val="tx2"/>
+              </a:buClr>
+              <a:buSzPct val="90000"/>
+              <a:buFont typeface="Wingdings" pitchFamily="2" charset="2"/>
+              <a:buChar char="Ø"/>
+              <a:defRPr sz="2000">
+                <a:solidFill>
+                  <a:srgbClr val="990099"/>
+                </a:solidFill>
+                <a:latin typeface="微软雅黑" pitchFamily="34" charset="-122"/>
+                <a:ea typeface="微软雅黑" pitchFamily="34" charset="-122"/>
+              </a:defRPr>
+            </a:lvl4pPr>
+            <a:lvl5pPr marL="2057400" indent="-228600" algn="l" rtl="0" eaLnBrk="1" fontAlgn="base" hangingPunct="1">
+              <a:spcBef>
+                <a:spcPct val="30000"/>
+              </a:spcBef>
+              <a:spcAft>
+                <a:spcPct val="0"/>
+              </a:spcAft>
+              <a:buClr>
+                <a:schemeClr val="hlink"/>
+              </a:buClr>
+              <a:buFont typeface="Wingdings 2" pitchFamily="18" charset="2"/>
+              <a:buChar char="¡"/>
+              <a:defRPr sz="2000">
+                <a:solidFill>
+                  <a:schemeClr val="tx1"/>
+                </a:solidFill>
+                <a:latin typeface="微软雅黑" pitchFamily="34" charset="-122"/>
+                <a:ea typeface="微软雅黑" pitchFamily="34" charset="-122"/>
+              </a:defRPr>
+            </a:lvl5pPr>
+            <a:lvl6pPr marL="2514600" indent="-228600" algn="l" rtl="0" eaLnBrk="1" fontAlgn="base" hangingPunct="1">
+              <a:spcBef>
+                <a:spcPct val="30000"/>
+              </a:spcBef>
+              <a:spcAft>
+                <a:spcPct val="0"/>
+              </a:spcAft>
+              <a:buClr>
+                <a:schemeClr val="hlink"/>
+              </a:buClr>
+              <a:buFont typeface="Wingdings 2" pitchFamily="18" charset="2"/>
+              <a:buChar char="¡"/>
+              <a:defRPr sz="2000">
+                <a:solidFill>
+                  <a:schemeClr val="tx1"/>
+                </a:solidFill>
+                <a:latin typeface="+mn-lt"/>
+                <a:ea typeface="+mn-ea"/>
+              </a:defRPr>
+            </a:lvl6pPr>
+            <a:lvl7pPr marL="2971800" indent="-228600" algn="l" rtl="0" eaLnBrk="1" fontAlgn="base" hangingPunct="1">
+              <a:spcBef>
+                <a:spcPct val="30000"/>
+              </a:spcBef>
+              <a:spcAft>
+                <a:spcPct val="0"/>
+              </a:spcAft>
+              <a:buClr>
+                <a:schemeClr val="hlink"/>
+              </a:buClr>
+              <a:buFont typeface="Wingdings 2" pitchFamily="18" charset="2"/>
+              <a:buChar char="¡"/>
+              <a:defRPr sz="2000">
+                <a:solidFill>
+                  <a:schemeClr val="tx1"/>
+                </a:solidFill>
+                <a:latin typeface="+mn-lt"/>
+                <a:ea typeface="+mn-ea"/>
+              </a:defRPr>
+            </a:lvl7pPr>
+            <a:lvl8pPr marL="3429000" indent="-228600" algn="l" rtl="0" eaLnBrk="1" fontAlgn="base" hangingPunct="1">
+              <a:spcBef>
+                <a:spcPct val="30000"/>
+              </a:spcBef>
+              <a:spcAft>
+                <a:spcPct val="0"/>
+              </a:spcAft>
+              <a:buClr>
+                <a:schemeClr val="hlink"/>
+              </a:buClr>
+              <a:buFont typeface="Wingdings 2" pitchFamily="18" charset="2"/>
+              <a:buChar char="¡"/>
+              <a:defRPr sz="2000">
+                <a:solidFill>
+                  <a:schemeClr val="tx1"/>
+                </a:solidFill>
+                <a:latin typeface="+mn-lt"/>
+                <a:ea typeface="+mn-ea"/>
+              </a:defRPr>
+            </a:lvl8pPr>
+            <a:lvl9pPr marL="3886200" indent="-228600" algn="l" rtl="0" eaLnBrk="1" fontAlgn="base" hangingPunct="1">
+              <a:spcBef>
+                <a:spcPct val="30000"/>
+              </a:spcBef>
+              <a:spcAft>
+                <a:spcPct val="0"/>
+              </a:spcAft>
+              <a:buClr>
+                <a:schemeClr val="hlink"/>
+              </a:buClr>
+              <a:buFont typeface="Wingdings 2" pitchFamily="18" charset="2"/>
+              <a:buChar char="¡"/>
+              <a:defRPr sz="2000">
+                <a:solidFill>
+                  <a:schemeClr val="tx1"/>
+                </a:solidFill>
+                <a:latin typeface="+mn-lt"/>
+                <a:ea typeface="+mn-ea"/>
+              </a:defRPr>
+            </a:lvl9pPr>
+          </a:lstStyle>
+          <a:p>
+            <a:r>
+              <a:rPr lang="en-US" altLang="zh-CN" sz="2400" kern="0" dirty="0">
+                <a:latin typeface="+mn-lt"/>
+                <a:cs typeface="Times New Roman" panose="02020603050405020304" pitchFamily="18" charset="0"/>
+              </a:rPr>
+              <a:t>RETAU5200</a:t>
+            </a:r>
+            <a:endParaRPr lang="en-US" altLang="zh-CN" sz="2000" kern="0" dirty="0">
+              <a:latin typeface="+mn-lt"/>
+              <a:cs typeface="Times New Roman" panose="02020603050405020304" pitchFamily="18" charset="0"/>
+            </a:endParaRPr>
+          </a:p>
+          <a:p>
+            <a:pPr lvl="1"/>
+            <a:r>
+              <a:rPr lang="en-US" altLang="zh-CN" sz="2000" dirty="0">
+                <a:latin typeface="+mn-lt"/>
+                <a:cs typeface="Times New Roman" panose="02020603050405020304" pitchFamily="18" charset="0"/>
+              </a:rPr>
+              <a:t>Neither Neumann nor wall model yields acceptable profiles</a:t>
+            </a:r>
+          </a:p>
+          <a:p>
+            <a:pPr lvl="1"/>
+            <a:r>
+              <a:rPr lang="en-US" altLang="zh-CN" sz="2000" kern="0" dirty="0">
+                <a:latin typeface="+mn-lt"/>
+                <a:cs typeface="Times New Roman" panose="02020603050405020304" pitchFamily="18" charset="0"/>
+              </a:rPr>
+              <a:t>Resolutions are insufficient</a:t>
+            </a:r>
+          </a:p>
+        </p:txBody>
+      </p:sp>
+      <p:sp>
+        <p:nvSpPr>
+          <p:cNvPr id="41" name="TextBox 40">
+            <a:extLst>
+              <a:ext uri="{FF2B5EF4-FFF2-40B4-BE49-F238E27FC236}">
+                <a16:creationId xmlns:a16="http://schemas.microsoft.com/office/drawing/2014/main" id="{CEFC1CA4-6BDA-687A-BF4B-114098DF5FEC}"/>
+              </a:ext>
+            </a:extLst>
+          </p:cNvPr>
+          <p:cNvSpPr txBox="1"/>
+          <p:nvPr/>
+        </p:nvSpPr>
+        <p:spPr>
+          <a:xfrm>
+            <a:off x="1786861" y="6412468"/>
+            <a:ext cx="1184940" cy="369332"/>
+          </a:xfrm>
+          <a:prstGeom prst="rect">
+            <a:avLst/>
+          </a:prstGeom>
+          <a:noFill/>
+        </p:spPr>
+        <p:txBody>
+          <a:bodyPr wrap="none" rtlCol="0">
+            <a:spAutoFit/>
+          </a:bodyPr>
+          <a:lstStyle/>
+          <a:p>
+            <a:r>
+              <a:rPr lang="en-US" dirty="0"/>
+              <a:t>Neumann</a:t>
+            </a:r>
+          </a:p>
+        </p:txBody>
+      </p:sp>
+      <p:sp>
+        <p:nvSpPr>
+          <p:cNvPr id="42" name="TextBox 41">
+            <a:extLst>
+              <a:ext uri="{FF2B5EF4-FFF2-40B4-BE49-F238E27FC236}">
+                <a16:creationId xmlns:a16="http://schemas.microsoft.com/office/drawing/2014/main" id="{1312CB8D-E9F5-FF1E-4ED8-D2F0EB944E34}"/>
+              </a:ext>
+            </a:extLst>
+          </p:cNvPr>
+          <p:cNvSpPr txBox="1"/>
+          <p:nvPr/>
+        </p:nvSpPr>
+        <p:spPr>
+          <a:xfrm>
+            <a:off x="6039727" y="6412468"/>
+            <a:ext cx="1317412" cy="369332"/>
+          </a:xfrm>
+          <a:prstGeom prst="rect">
+            <a:avLst/>
+          </a:prstGeom>
+          <a:noFill/>
+        </p:spPr>
+        <p:txBody>
+          <a:bodyPr wrap="none" rtlCol="0">
+            <a:spAutoFit/>
+          </a:bodyPr>
+          <a:lstStyle/>
+          <a:p>
+            <a:r>
+              <a:rPr lang="en-US" dirty="0"/>
+              <a:t>Wall model</a:t>
+            </a:r>
+          </a:p>
+        </p:txBody>
+      </p:sp>
+      <p:pic>
+        <p:nvPicPr>
+          <p:cNvPr id="8" name="Picture 7">
+            <a:extLst>
+              <a:ext uri="{FF2B5EF4-FFF2-40B4-BE49-F238E27FC236}">
+                <a16:creationId xmlns:a16="http://schemas.microsoft.com/office/drawing/2014/main" id="{9A407A00-2EDD-F2E4-D7E8-2AAB53D81723}"/>
+              </a:ext>
+            </a:extLst>
+          </p:cNvPr>
+          <p:cNvPicPr>
+            <a:picLocks noChangeAspect="1"/>
+          </p:cNvPicPr>
+          <p:nvPr/>
+        </p:nvPicPr>
+        <p:blipFill>
+          <a:blip r:embed="rId3"/>
+          <a:stretch>
+            <a:fillRect/>
+          </a:stretch>
+        </p:blipFill>
+        <p:spPr>
+          <a:xfrm>
+            <a:off x="603923" y="3378045"/>
+            <a:ext cx="3962604" cy="2984653"/>
+          </a:xfrm>
+          <a:prstGeom prst="rect">
+            <a:avLst/>
+          </a:prstGeom>
+        </p:spPr>
+      </p:pic>
+      <p:pic>
+        <p:nvPicPr>
+          <p:cNvPr id="11" name="Picture 10">
+            <a:extLst>
+              <a:ext uri="{FF2B5EF4-FFF2-40B4-BE49-F238E27FC236}">
+                <a16:creationId xmlns:a16="http://schemas.microsoft.com/office/drawing/2014/main" id="{EE43C99D-87F0-BDA6-6BBC-EDCE9C3EEC27}"/>
+              </a:ext>
+            </a:extLst>
+          </p:cNvPr>
+          <p:cNvPicPr>
+            <a:picLocks noChangeAspect="1"/>
+          </p:cNvPicPr>
+          <p:nvPr/>
+        </p:nvPicPr>
+        <p:blipFill>
+          <a:blip r:embed="rId4"/>
+          <a:stretch>
+            <a:fillRect/>
+          </a:stretch>
+        </p:blipFill>
+        <p:spPr>
+          <a:xfrm>
+            <a:off x="4566527" y="3378045"/>
+            <a:ext cx="3962604" cy="2978303"/>
+          </a:xfrm>
+          <a:prstGeom prst="rect">
+            <a:avLst/>
+          </a:prstGeom>
+        </p:spPr>
+      </p:pic>
+    </p:spTree>
+    <p:extLst>
+      <p:ext uri="{BB962C8B-B14F-4D97-AF65-F5344CB8AC3E}">
+        <p14:creationId xmlns:p14="http://schemas.microsoft.com/office/powerpoint/2010/main" val="1039208005"/>
+      </p:ext>
+    </p:extLst>
+  </p:cSld>
+  <p:clrMapOvr>
+    <a:masterClrMapping/>
+  </p:clrMapOvr>
+  <p:transition spd="med" advTm="63997"/>
+</p:sld>
+</file>
+
+<file path=ppt/slides/slide8.xml><?xml version="1.0" encoding="utf-8"?>
+<p:sld xmlns:a="http://schemas.openxmlformats.org/drawingml/2006/main" xmlns:r="http://schemas.openxmlformats.org/officeDocument/2006/relationships" xmlns:p="http://schemas.openxmlformats.org/presentationml/2006/main">
+  <p:cSld>
+    <p:spTree>
+      <p:nvGrpSpPr>
+        <p:cNvPr id="1" name="">
+          <a:extLst>
+            <a:ext uri="{FF2B5EF4-FFF2-40B4-BE49-F238E27FC236}">
+              <a16:creationId xmlns:a16="http://schemas.microsoft.com/office/drawing/2014/main" id="{AC1F77E0-A72A-D9B7-E0F0-167A00DFB001}"/>
+            </a:ext>
+          </a:extLst>
+        </p:cNvPr>
+        <p:cNvGrpSpPr/>
+        <p:nvPr/>
+      </p:nvGrpSpPr>
+      <p:grpSpPr>
+        <a:xfrm>
+          <a:off x="0" y="0"/>
+          <a:ext cx="0" cy="0"/>
+          <a:chOff x="0" y="0"/>
+          <a:chExt cx="0" cy="0"/>
+        </a:xfrm>
+      </p:grpSpPr>
+      <p:sp>
+        <p:nvSpPr>
+          <p:cNvPr id="2" name="Title 1">
+            <a:extLst>
+              <a:ext uri="{FF2B5EF4-FFF2-40B4-BE49-F238E27FC236}">
+                <a16:creationId xmlns:a16="http://schemas.microsoft.com/office/drawing/2014/main" id="{7CD1962D-41C7-8984-8FE7-DBEEF0C4D867}"/>
+              </a:ext>
+            </a:extLst>
+          </p:cNvPr>
+          <p:cNvSpPr>
+            <a:spLocks noGrp="1"/>
+          </p:cNvSpPr>
+          <p:nvPr>
+            <p:ph type="title"/>
+          </p:nvPr>
+        </p:nvSpPr>
+        <p:spPr>
+          <a:xfrm>
+            <a:off x="152400" y="152400"/>
+            <a:ext cx="8610600" cy="838200"/>
+          </a:xfrm>
+        </p:spPr>
+        <p:txBody>
+          <a:bodyPr/>
+          <a:lstStyle/>
+          <a:p>
+            <a:r>
+              <a:rPr lang="en-US" altLang="zh-CN" dirty="0"/>
+              <a:t>Channel</a:t>
+            </a:r>
+            <a:endParaRPr lang="zh-CN" altLang="en-US" dirty="0"/>
+          </a:p>
+        </p:txBody>
+      </p:sp>
+      <p:sp>
+        <p:nvSpPr>
+          <p:cNvPr id="9" name="Rectangle 2">
+            <a:extLst>
+              <a:ext uri="{FF2B5EF4-FFF2-40B4-BE49-F238E27FC236}">
+                <a16:creationId xmlns:a16="http://schemas.microsoft.com/office/drawing/2014/main" id="{B3C7AD1D-37B8-3EB9-D27E-CF2F316B113E}"/>
+              </a:ext>
+            </a:extLst>
+          </p:cNvPr>
+          <p:cNvSpPr>
+            <a:spLocks noChangeArrowheads="1"/>
+          </p:cNvSpPr>
+          <p:nvPr/>
+        </p:nvSpPr>
+        <p:spPr bwMode="auto">
+          <a:xfrm>
+            <a:off x="0" y="0"/>
+            <a:ext cx="9144000" cy="0"/>
+          </a:xfrm>
+          <a:prstGeom prst="rect">
+            <a:avLst/>
+          </a:prstGeom>
+          <a:noFill/>
+          <a:ln>
+            <a:noFill/>
+          </a:ln>
+          <a:effectLst/>
+          <a:extLst>
+            <a:ext uri="{909E8E84-426E-40DD-AFC4-6F175D3DCCD1}">
+              <a14:hiddenFill xmlns:a14="http://schemas.microsoft.com/office/drawing/2010/main">
+                <a:solidFill>
+                  <a:schemeClr val="accent1"/>
+                </a:solidFill>
+              </a14:hiddenFill>
+            </a:ext>
+            <a:ext uri="{91240B29-F687-4F45-9708-019B960494DF}">
+              <a14:hiddenLine xmlns:a14="http://schemas.microsoft.com/office/drawing/2010/main" w="9525">
+                <a:solidFill>
+                  <a:schemeClr val="tx1"/>
+                </a:solidFill>
+                <a:miter lim="800000"/>
+                <a:headEnd/>
+                <a:tailEnd/>
+              </a14:hiddenLine>
+            </a:ext>
+            <a:ext uri="{AF507438-7753-43E0-B8FC-AC1667EBCBE1}">
+              <a14:hiddenEffects xmlns:a14="http://schemas.microsoft.com/office/drawing/2010/main">
+                <a:effectLst>
+                  <a:outerShdw dist="35921" dir="2700000" algn="ctr" rotWithShape="0">
+                    <a:schemeClr val="bg2"/>
+                  </a:outerShdw>
+                </a:effectLst>
+              </a14:hiddenEffects>
+            </a:ext>
+          </a:extLst>
+        </p:spPr>
+        <p:txBody>
+          <a:bodyPr vert="horz" wrap="none" lIns="91440" tIns="45720" rIns="91440" bIns="45720" numCol="1" anchor="ctr" anchorCtr="0" compatLnSpc="1">
+            <a:prstTxWarp prst="textNoShape">
+              <a:avLst/>
+            </a:prstTxWarp>
+            <a:spAutoFit/>
+          </a:bodyPr>
+          <a:lstStyle/>
+          <a:p>
+            <a:endParaRPr lang="zh-CN" altLang="en-US"/>
+          </a:p>
+        </p:txBody>
+      </p:sp>
+      <p:sp>
+        <p:nvSpPr>
+          <p:cNvPr id="18" name="内容占位符 2">
+            <a:extLst>
+              <a:ext uri="{FF2B5EF4-FFF2-40B4-BE49-F238E27FC236}">
+                <a16:creationId xmlns:a16="http://schemas.microsoft.com/office/drawing/2014/main" id="{8CE674CA-02F4-8EA6-60C0-3C0A90B64F32}"/>
+              </a:ext>
+            </a:extLst>
+          </p:cNvPr>
+          <p:cNvSpPr txBox="1">
+            <a:spLocks/>
+          </p:cNvSpPr>
+          <p:nvPr/>
+        </p:nvSpPr>
+        <p:spPr bwMode="auto">
+          <a:xfrm>
+            <a:off x="93652" y="1068111"/>
+            <a:ext cx="9050348" cy="1446487"/>
+          </a:xfrm>
+          <a:prstGeom prst="rect">
+            <a:avLst/>
+          </a:prstGeom>
+          <a:noFill/>
+          <a:ln>
+            <a:noFill/>
+          </a:ln>
+          <a:extLst>
+            <a:ext uri="{909E8E84-426E-40DD-AFC4-6F175D3DCCD1}">
+              <a14:hiddenFill xmlns:a14="http://schemas.microsoft.com/office/drawing/2010/main">
+                <a:solidFill>
+                  <a:srgbClr val="FFFFFF"/>
+                </a:solidFill>
+              </a14:hiddenFill>
+            </a:ext>
+            <a:ext uri="{91240B29-F687-4F45-9708-019B960494DF}">
+              <a14:hiddenLine xmlns:a14="http://schemas.microsoft.com/office/drawing/2010/main" w="28575">
+                <a:solidFill>
+                  <a:srgbClr val="000000"/>
+                </a:solidFill>
+                <a:miter lim="800000"/>
+                <a:headEnd/>
+                <a:tailEnd/>
+              </a14:hiddenLine>
+            </a:ext>
+          </a:extLst>
+        </p:spPr>
+        <p:txBody>
+          <a:bodyPr vert="horz" wrap="square" lIns="91440" tIns="45720" rIns="91440" bIns="45720" numCol="1" anchor="t" anchorCtr="0" compatLnSpc="1">
+            <a:prstTxWarp prst="textNoShape">
+              <a:avLst/>
+            </a:prstTxWarp>
+          </a:bodyPr>
+          <a:lstStyle>
+            <a:lvl1pPr marL="342900" indent="-342900" algn="l" rtl="0" eaLnBrk="1" fontAlgn="base" hangingPunct="1">
+              <a:spcBef>
+                <a:spcPct val="30000"/>
+              </a:spcBef>
+              <a:spcAft>
+                <a:spcPct val="0"/>
+              </a:spcAft>
+              <a:buClr>
+                <a:schemeClr val="hlink"/>
+              </a:buClr>
+              <a:buFont typeface="Wingdings" pitchFamily="2" charset="2"/>
+              <a:buChar char="§"/>
+              <a:defRPr sz="3200">
+                <a:solidFill>
+                  <a:srgbClr val="000066"/>
+                </a:solidFill>
+                <a:latin typeface="微软雅黑" pitchFamily="34" charset="-122"/>
+                <a:ea typeface="微软雅黑" pitchFamily="34" charset="-122"/>
+                <a:cs typeface="+mn-cs"/>
+              </a:defRPr>
+            </a:lvl1pPr>
+            <a:lvl2pPr marL="742950" indent="-285750" algn="l" rtl="0" eaLnBrk="1" fontAlgn="base" hangingPunct="1">
+              <a:spcBef>
+                <a:spcPct val="30000"/>
+              </a:spcBef>
+              <a:spcAft>
+                <a:spcPct val="0"/>
+              </a:spcAft>
+              <a:buClr>
+                <a:schemeClr val="tx2"/>
+              </a:buClr>
+              <a:buSzPct val="85000"/>
+              <a:buFont typeface="Wingdings" pitchFamily="2" charset="2"/>
+              <a:buChar char="Ø"/>
+              <a:defRPr sz="2800">
+                <a:solidFill>
+                  <a:srgbClr val="006666"/>
+                </a:solidFill>
+                <a:latin typeface="微软雅黑" pitchFamily="34" charset="-122"/>
+                <a:ea typeface="微软雅黑" pitchFamily="34" charset="-122"/>
+              </a:defRPr>
+            </a:lvl2pPr>
+            <a:lvl3pPr marL="1143000" indent="-228600" algn="l" rtl="0" eaLnBrk="1" fontAlgn="base" hangingPunct="1">
+              <a:spcBef>
+                <a:spcPct val="30000"/>
+              </a:spcBef>
+              <a:spcAft>
+                <a:spcPct val="0"/>
+              </a:spcAft>
+              <a:buClr>
+                <a:schemeClr val="hlink"/>
+              </a:buClr>
+              <a:buSzPct val="95000"/>
+              <a:buFont typeface="Wingdings 2" pitchFamily="18" charset="2"/>
+              <a:buChar char="¡"/>
+              <a:defRPr sz="2400">
+                <a:solidFill>
+                  <a:schemeClr val="hlink"/>
+                </a:solidFill>
+                <a:latin typeface="微软雅黑" pitchFamily="34" charset="-122"/>
+                <a:ea typeface="微软雅黑" pitchFamily="34" charset="-122"/>
+              </a:defRPr>
+            </a:lvl3pPr>
+            <a:lvl4pPr marL="1600200" indent="-228600" algn="l" rtl="0" eaLnBrk="1" fontAlgn="base" hangingPunct="1">
+              <a:spcBef>
+                <a:spcPct val="30000"/>
+              </a:spcBef>
+              <a:spcAft>
+                <a:spcPct val="0"/>
+              </a:spcAft>
+              <a:buClr>
+                <a:schemeClr val="tx2"/>
+              </a:buClr>
+              <a:buSzPct val="90000"/>
+              <a:buFont typeface="Wingdings" pitchFamily="2" charset="2"/>
+              <a:buChar char="Ø"/>
+              <a:defRPr sz="2000">
+                <a:solidFill>
+                  <a:srgbClr val="990099"/>
+                </a:solidFill>
+                <a:latin typeface="微软雅黑" pitchFamily="34" charset="-122"/>
+                <a:ea typeface="微软雅黑" pitchFamily="34" charset="-122"/>
+              </a:defRPr>
+            </a:lvl4pPr>
+            <a:lvl5pPr marL="2057400" indent="-228600" algn="l" rtl="0" eaLnBrk="1" fontAlgn="base" hangingPunct="1">
+              <a:spcBef>
+                <a:spcPct val="30000"/>
+              </a:spcBef>
+              <a:spcAft>
+                <a:spcPct val="0"/>
+              </a:spcAft>
+              <a:buClr>
+                <a:schemeClr val="hlink"/>
+              </a:buClr>
+              <a:buFont typeface="Wingdings 2" pitchFamily="18" charset="2"/>
+              <a:buChar char="¡"/>
+              <a:defRPr sz="2000">
+                <a:solidFill>
+                  <a:schemeClr val="tx1"/>
+                </a:solidFill>
+                <a:latin typeface="微软雅黑" pitchFamily="34" charset="-122"/>
+                <a:ea typeface="微软雅黑" pitchFamily="34" charset="-122"/>
+              </a:defRPr>
+            </a:lvl5pPr>
+            <a:lvl6pPr marL="2514600" indent="-228600" algn="l" rtl="0" eaLnBrk="1" fontAlgn="base" hangingPunct="1">
+              <a:spcBef>
+                <a:spcPct val="30000"/>
+              </a:spcBef>
+              <a:spcAft>
+                <a:spcPct val="0"/>
+              </a:spcAft>
+              <a:buClr>
+                <a:schemeClr val="hlink"/>
+              </a:buClr>
+              <a:buFont typeface="Wingdings 2" pitchFamily="18" charset="2"/>
+              <a:buChar char="¡"/>
+              <a:defRPr sz="2000">
+                <a:solidFill>
+                  <a:schemeClr val="tx1"/>
+                </a:solidFill>
+                <a:latin typeface="+mn-lt"/>
+                <a:ea typeface="+mn-ea"/>
+              </a:defRPr>
+            </a:lvl6pPr>
+            <a:lvl7pPr marL="2971800" indent="-228600" algn="l" rtl="0" eaLnBrk="1" fontAlgn="base" hangingPunct="1">
+              <a:spcBef>
+                <a:spcPct val="30000"/>
+              </a:spcBef>
+              <a:spcAft>
+                <a:spcPct val="0"/>
+              </a:spcAft>
+              <a:buClr>
+                <a:schemeClr val="hlink"/>
+              </a:buClr>
+              <a:buFont typeface="Wingdings 2" pitchFamily="18" charset="2"/>
+              <a:buChar char="¡"/>
+              <a:defRPr sz="2000">
+                <a:solidFill>
+                  <a:schemeClr val="tx1"/>
+                </a:solidFill>
+                <a:latin typeface="+mn-lt"/>
+                <a:ea typeface="+mn-ea"/>
+              </a:defRPr>
+            </a:lvl7pPr>
+            <a:lvl8pPr marL="3429000" indent="-228600" algn="l" rtl="0" eaLnBrk="1" fontAlgn="base" hangingPunct="1">
+              <a:spcBef>
+                <a:spcPct val="30000"/>
+              </a:spcBef>
+              <a:spcAft>
+                <a:spcPct val="0"/>
+              </a:spcAft>
+              <a:buClr>
+                <a:schemeClr val="hlink"/>
+              </a:buClr>
+              <a:buFont typeface="Wingdings 2" pitchFamily="18" charset="2"/>
+              <a:buChar char="¡"/>
+              <a:defRPr sz="2000">
+                <a:solidFill>
+                  <a:schemeClr val="tx1"/>
+                </a:solidFill>
+                <a:latin typeface="+mn-lt"/>
+                <a:ea typeface="+mn-ea"/>
+              </a:defRPr>
+            </a:lvl8pPr>
+            <a:lvl9pPr marL="3886200" indent="-228600" algn="l" rtl="0" eaLnBrk="1" fontAlgn="base" hangingPunct="1">
+              <a:spcBef>
+                <a:spcPct val="30000"/>
+              </a:spcBef>
+              <a:spcAft>
+                <a:spcPct val="0"/>
+              </a:spcAft>
+              <a:buClr>
+                <a:schemeClr val="hlink"/>
+              </a:buClr>
+              <a:buFont typeface="Wingdings 2" pitchFamily="18" charset="2"/>
+              <a:buChar char="¡"/>
+              <a:defRPr sz="2000">
+                <a:solidFill>
+                  <a:schemeClr val="tx1"/>
+                </a:solidFill>
+                <a:latin typeface="+mn-lt"/>
+                <a:ea typeface="+mn-ea"/>
+              </a:defRPr>
+            </a:lvl9pPr>
+          </a:lstStyle>
+          <a:p>
+            <a:r>
+              <a:rPr lang="en-US" altLang="zh-CN" sz="2400" kern="0" dirty="0">
+                <a:latin typeface="+mn-lt"/>
+                <a:cs typeface="Times New Roman" panose="02020603050405020304" pitchFamily="18" charset="0"/>
+              </a:rPr>
+              <a:t>Wall model</a:t>
+            </a:r>
+            <a:endParaRPr lang="en-US" altLang="zh-CN" sz="2000" kern="0" dirty="0">
+              <a:latin typeface="+mn-lt"/>
+              <a:cs typeface="Times New Roman" panose="02020603050405020304" pitchFamily="18" charset="0"/>
+            </a:endParaRPr>
+          </a:p>
+          <a:p>
+            <a:pPr lvl="1"/>
+            <a:r>
+              <a:rPr lang="en-US" altLang="zh-CN" sz="2000" dirty="0">
+                <a:latin typeface="+mn-lt"/>
+                <a:cs typeface="Times New Roman" panose="02020603050405020304" pitchFamily="18" charset="0"/>
+              </a:rPr>
+              <a:t>s</a:t>
+            </a:r>
+          </a:p>
+        </p:txBody>
+      </p:sp>
+      <p:pic>
+        <p:nvPicPr>
+          <p:cNvPr id="5" name="Picture 4">
+            <a:extLst>
+              <a:ext uri="{FF2B5EF4-FFF2-40B4-BE49-F238E27FC236}">
+                <a16:creationId xmlns:a16="http://schemas.microsoft.com/office/drawing/2014/main" id="{7232F890-3DBD-3456-E4FB-60245A79789F}"/>
+              </a:ext>
+            </a:extLst>
+          </p:cNvPr>
+          <p:cNvPicPr>
+            <a:picLocks noChangeAspect="1"/>
+          </p:cNvPicPr>
+          <p:nvPr/>
+        </p:nvPicPr>
+        <p:blipFill>
+          <a:blip r:embed="rId3"/>
+          <a:stretch>
+            <a:fillRect/>
+          </a:stretch>
+        </p:blipFill>
+        <p:spPr>
+          <a:xfrm>
+            <a:off x="1219200" y="1981200"/>
+            <a:ext cx="3200400" cy="2440113"/>
+          </a:xfrm>
+          <a:prstGeom prst="rect">
+            <a:avLst/>
+          </a:prstGeom>
+        </p:spPr>
+      </p:pic>
+      <p:pic>
+        <p:nvPicPr>
+          <p:cNvPr id="8" name="Picture 7">
+            <a:extLst>
+              <a:ext uri="{FF2B5EF4-FFF2-40B4-BE49-F238E27FC236}">
+                <a16:creationId xmlns:a16="http://schemas.microsoft.com/office/drawing/2014/main" id="{267F8B68-D263-9CBB-C5A6-8F82FB2D2E65}"/>
+              </a:ext>
+            </a:extLst>
+          </p:cNvPr>
+          <p:cNvPicPr>
+            <a:picLocks noChangeAspect="1"/>
+          </p:cNvPicPr>
+          <p:nvPr/>
+        </p:nvPicPr>
+        <p:blipFill>
+          <a:blip r:embed="rId4"/>
+          <a:stretch>
+            <a:fillRect/>
+          </a:stretch>
+        </p:blipFill>
+        <p:spPr>
+          <a:xfrm>
+            <a:off x="4419600" y="1981200"/>
+            <a:ext cx="3200400" cy="2386308"/>
+          </a:xfrm>
+          <a:prstGeom prst="rect">
+            <a:avLst/>
+          </a:prstGeom>
+        </p:spPr>
+      </p:pic>
+      <p:pic>
+        <p:nvPicPr>
+          <p:cNvPr id="11" name="Picture 10">
+            <a:extLst>
+              <a:ext uri="{FF2B5EF4-FFF2-40B4-BE49-F238E27FC236}">
+                <a16:creationId xmlns:a16="http://schemas.microsoft.com/office/drawing/2014/main" id="{E82EDBFA-5B8B-5F27-58F7-22186554CC60}"/>
+              </a:ext>
+            </a:extLst>
+          </p:cNvPr>
+          <p:cNvPicPr>
+            <a:picLocks noChangeAspect="1"/>
+          </p:cNvPicPr>
+          <p:nvPr/>
+        </p:nvPicPr>
+        <p:blipFill>
+          <a:blip r:embed="rId5"/>
+          <a:stretch>
+            <a:fillRect/>
+          </a:stretch>
+        </p:blipFill>
+        <p:spPr>
+          <a:xfrm>
+            <a:off x="1219200" y="4426724"/>
+            <a:ext cx="3200400" cy="2328979"/>
+          </a:xfrm>
+          <a:prstGeom prst="rect">
+            <a:avLst/>
+          </a:prstGeom>
+        </p:spPr>
+      </p:pic>
+      <p:pic>
+        <p:nvPicPr>
+          <p:cNvPr id="13" name="Picture 12">
+            <a:extLst>
+              <a:ext uri="{FF2B5EF4-FFF2-40B4-BE49-F238E27FC236}">
+                <a16:creationId xmlns:a16="http://schemas.microsoft.com/office/drawing/2014/main" id="{35000236-DA16-C5D2-DC0D-54314A7ECD01}"/>
+              </a:ext>
+            </a:extLst>
+          </p:cNvPr>
+          <p:cNvPicPr>
+            <a:picLocks noChangeAspect="1"/>
+          </p:cNvPicPr>
+          <p:nvPr/>
+        </p:nvPicPr>
+        <p:blipFill rotWithShape="1">
+          <a:blip r:embed="rId6"/>
+          <a:srcRect b="2610"/>
+          <a:stretch/>
+        </p:blipFill>
+        <p:spPr>
+          <a:xfrm>
+            <a:off x="4419600" y="4426724"/>
+            <a:ext cx="3200400" cy="2328979"/>
+          </a:xfrm>
+          <a:prstGeom prst="rect">
+            <a:avLst/>
+          </a:prstGeom>
+        </p:spPr>
+      </p:pic>
+      <p:sp>
+        <p:nvSpPr>
+          <p:cNvPr id="14" name="TextBox 13">
+            <a:extLst>
+              <a:ext uri="{FF2B5EF4-FFF2-40B4-BE49-F238E27FC236}">
+                <a16:creationId xmlns:a16="http://schemas.microsoft.com/office/drawing/2014/main" id="{DD7D4A30-2C1F-72E6-2C33-40F24BACB839}"/>
+              </a:ext>
+            </a:extLst>
+          </p:cNvPr>
+          <p:cNvSpPr txBox="1"/>
+          <p:nvPr/>
+        </p:nvSpPr>
+        <p:spPr>
+          <a:xfrm>
+            <a:off x="2171184" y="3098623"/>
+            <a:ext cx="1334533" cy="369332"/>
+          </a:xfrm>
+          <a:prstGeom prst="rect">
+            <a:avLst/>
+          </a:prstGeom>
+          <a:noFill/>
+        </p:spPr>
+        <p:txBody>
+          <a:bodyPr wrap="none" rtlCol="0">
+            <a:spAutoFit/>
+          </a:bodyPr>
+          <a:lstStyle/>
+          <a:p>
+            <a:r>
+              <a:rPr lang="en-US" dirty="0"/>
+              <a:t>RETAU180</a:t>
+            </a:r>
+          </a:p>
+        </p:txBody>
+      </p:sp>
+      <p:sp>
+        <p:nvSpPr>
+          <p:cNvPr id="15" name="TextBox 14">
+            <a:extLst>
+              <a:ext uri="{FF2B5EF4-FFF2-40B4-BE49-F238E27FC236}">
+                <a16:creationId xmlns:a16="http://schemas.microsoft.com/office/drawing/2014/main" id="{B74A4548-3C20-E14E-FBEC-CD5F572CCD92}"/>
+              </a:ext>
+            </a:extLst>
+          </p:cNvPr>
+          <p:cNvSpPr txBox="1"/>
+          <p:nvPr/>
+        </p:nvSpPr>
+        <p:spPr>
+          <a:xfrm>
+            <a:off x="5352533" y="3058355"/>
+            <a:ext cx="1334533" cy="369332"/>
+          </a:xfrm>
+          <a:prstGeom prst="rect">
+            <a:avLst/>
+          </a:prstGeom>
+          <a:noFill/>
+        </p:spPr>
+        <p:txBody>
+          <a:bodyPr wrap="none" rtlCol="0">
+            <a:spAutoFit/>
+          </a:bodyPr>
+          <a:lstStyle/>
+          <a:p>
+            <a:r>
+              <a:rPr lang="en-US" dirty="0"/>
+              <a:t>RETAU550</a:t>
+            </a:r>
+          </a:p>
+        </p:txBody>
+      </p:sp>
+      <p:sp>
+        <p:nvSpPr>
+          <p:cNvPr id="16" name="TextBox 15">
+            <a:extLst>
+              <a:ext uri="{FF2B5EF4-FFF2-40B4-BE49-F238E27FC236}">
+                <a16:creationId xmlns:a16="http://schemas.microsoft.com/office/drawing/2014/main" id="{928D889C-DF25-351A-4CA2-B7F55A743571}"/>
+              </a:ext>
+            </a:extLst>
+          </p:cNvPr>
+          <p:cNvSpPr txBox="1"/>
+          <p:nvPr/>
+        </p:nvSpPr>
+        <p:spPr>
+          <a:xfrm>
+            <a:off x="2209800" y="5420557"/>
+            <a:ext cx="1462773" cy="369332"/>
+          </a:xfrm>
+          <a:prstGeom prst="rect">
+            <a:avLst/>
+          </a:prstGeom>
+          <a:noFill/>
+        </p:spPr>
+        <p:txBody>
+          <a:bodyPr wrap="none" rtlCol="0">
+            <a:spAutoFit/>
+          </a:bodyPr>
+          <a:lstStyle/>
+          <a:p>
+            <a:r>
+              <a:rPr lang="en-US" dirty="0"/>
+              <a:t>RETAU1000</a:t>
+            </a:r>
+          </a:p>
+        </p:txBody>
+      </p:sp>
+      <p:sp>
+        <p:nvSpPr>
+          <p:cNvPr id="17" name="TextBox 16">
+            <a:extLst>
+              <a:ext uri="{FF2B5EF4-FFF2-40B4-BE49-F238E27FC236}">
+                <a16:creationId xmlns:a16="http://schemas.microsoft.com/office/drawing/2014/main" id="{790735DE-AB7A-6962-59D0-1173EC7A4AC3}"/>
+              </a:ext>
+            </a:extLst>
+          </p:cNvPr>
+          <p:cNvSpPr txBox="1"/>
+          <p:nvPr/>
+        </p:nvSpPr>
+        <p:spPr>
+          <a:xfrm>
+            <a:off x="5352532" y="5406547"/>
+            <a:ext cx="1462773" cy="369332"/>
+          </a:xfrm>
+          <a:prstGeom prst="rect">
+            <a:avLst/>
+          </a:prstGeom>
+          <a:noFill/>
+        </p:spPr>
+        <p:txBody>
+          <a:bodyPr wrap="none" rtlCol="0">
+            <a:spAutoFit/>
+          </a:bodyPr>
+          <a:lstStyle/>
+          <a:p>
+            <a:r>
+              <a:rPr lang="en-US" dirty="0"/>
+              <a:t>RETAU5200</a:t>
+            </a:r>
+          </a:p>
+        </p:txBody>
+      </p:sp>
+    </p:spTree>
+    <p:extLst>
+      <p:ext uri="{BB962C8B-B14F-4D97-AF65-F5344CB8AC3E}">
+        <p14:creationId xmlns:p14="http://schemas.microsoft.com/office/powerpoint/2010/main" val="790753085"/>
+      </p:ext>
+    </p:extLst>
+  </p:cSld>
+  <p:clrMapOvr>
+    <a:masterClrMapping/>
+  </p:clrMapOvr>
+  <p:transition spd="med" advTm="63997"/>
+</p:sld>
+</file>
+
+<file path=ppt/slides/slide9.xml><?xml version="1.0" encoding="utf-8"?>
+<p:sld xmlns:a="http://schemas.openxmlformats.org/drawingml/2006/main" xmlns:r="http://schemas.openxmlformats.org/officeDocument/2006/relationships" xmlns:p="http://schemas.openxmlformats.org/presentationml/2006/main">
+  <p:cSld>
+    <p:spTree>
+      <p:nvGrpSpPr>
+        <p:cNvPr id="1" name="">
+          <a:extLst>
+            <a:ext uri="{FF2B5EF4-FFF2-40B4-BE49-F238E27FC236}">
+              <a16:creationId xmlns:a16="http://schemas.microsoft.com/office/drawing/2014/main" id="{B8E2A31D-06EF-EDF5-F976-05230CFA58CE}"/>
+            </a:ext>
+          </a:extLst>
+        </p:cNvPr>
+        <p:cNvGrpSpPr/>
+        <p:nvPr/>
+      </p:nvGrpSpPr>
+      <p:grpSpPr>
+        <a:xfrm>
+          <a:off x="0" y="0"/>
+          <a:ext cx="0" cy="0"/>
+          <a:chOff x="0" y="0"/>
+          <a:chExt cx="0" cy="0"/>
+        </a:xfrm>
+      </p:grpSpPr>
+      <p:pic>
+        <p:nvPicPr>
+          <p:cNvPr id="22" name="Picture 21">
+            <a:extLst>
+              <a:ext uri="{FF2B5EF4-FFF2-40B4-BE49-F238E27FC236}">
+                <a16:creationId xmlns:a16="http://schemas.microsoft.com/office/drawing/2014/main" id="{64CD6053-3694-96A1-4359-71E77521320D}"/>
+              </a:ext>
+            </a:extLst>
+          </p:cNvPr>
+          <p:cNvPicPr>
+            <a:picLocks noChangeAspect="1"/>
+          </p:cNvPicPr>
+          <p:nvPr/>
+        </p:nvPicPr>
+        <p:blipFill>
+          <a:blip r:embed="rId3"/>
+          <a:stretch>
+            <a:fillRect/>
+          </a:stretch>
+        </p:blipFill>
+        <p:spPr>
+          <a:xfrm>
+            <a:off x="4457700" y="4225098"/>
+            <a:ext cx="3200400" cy="2392680"/>
+          </a:xfrm>
+          <a:prstGeom prst="rect">
+            <a:avLst/>
+          </a:prstGeom>
+        </p:spPr>
+      </p:pic>
+      <p:pic>
+        <p:nvPicPr>
+          <p:cNvPr id="20" name="Picture 19">
+            <a:extLst>
+              <a:ext uri="{FF2B5EF4-FFF2-40B4-BE49-F238E27FC236}">
+                <a16:creationId xmlns:a16="http://schemas.microsoft.com/office/drawing/2014/main" id="{2339D549-29A9-529E-57B0-D13004CDF3E7}"/>
+              </a:ext>
+            </a:extLst>
+          </p:cNvPr>
+          <p:cNvPicPr>
+            <a:picLocks noChangeAspect="1"/>
+          </p:cNvPicPr>
+          <p:nvPr/>
+        </p:nvPicPr>
+        <p:blipFill>
+          <a:blip r:embed="rId4"/>
+          <a:stretch>
+            <a:fillRect/>
+          </a:stretch>
+        </p:blipFill>
+        <p:spPr>
+          <a:xfrm>
+            <a:off x="1143000" y="4208305"/>
+            <a:ext cx="3200400" cy="2372536"/>
+          </a:xfrm>
+          <a:prstGeom prst="rect">
+            <a:avLst/>
+          </a:prstGeom>
+        </p:spPr>
+      </p:pic>
+      <p:pic>
+        <p:nvPicPr>
+          <p:cNvPr id="12" name="Picture 11">
+            <a:extLst>
+              <a:ext uri="{FF2B5EF4-FFF2-40B4-BE49-F238E27FC236}">
+                <a16:creationId xmlns:a16="http://schemas.microsoft.com/office/drawing/2014/main" id="{DEC82609-F06C-51F5-6E7E-5558DF9BF330}"/>
+              </a:ext>
+            </a:extLst>
+          </p:cNvPr>
+          <p:cNvPicPr>
+            <a:picLocks noChangeAspect="1"/>
+          </p:cNvPicPr>
+          <p:nvPr/>
+        </p:nvPicPr>
+        <p:blipFill>
+          <a:blip r:embed="rId5"/>
+          <a:stretch>
+            <a:fillRect/>
+          </a:stretch>
+        </p:blipFill>
+        <p:spPr>
+          <a:xfrm>
+            <a:off x="4457700" y="1791354"/>
+            <a:ext cx="3200400" cy="2433744"/>
+          </a:xfrm>
+          <a:prstGeom prst="rect">
+            <a:avLst/>
+          </a:prstGeom>
+        </p:spPr>
+      </p:pic>
+      <p:pic>
+        <p:nvPicPr>
+          <p:cNvPr id="7" name="Picture 6">
+            <a:extLst>
+              <a:ext uri="{FF2B5EF4-FFF2-40B4-BE49-F238E27FC236}">
+                <a16:creationId xmlns:a16="http://schemas.microsoft.com/office/drawing/2014/main" id="{C9AF2E9A-84D7-D641-E5EC-64B8B6E2F1F4}"/>
+              </a:ext>
+            </a:extLst>
+          </p:cNvPr>
+          <p:cNvPicPr>
+            <a:picLocks noChangeAspect="1"/>
+          </p:cNvPicPr>
+          <p:nvPr/>
+        </p:nvPicPr>
+        <p:blipFill>
+          <a:blip r:embed="rId6"/>
+          <a:stretch>
+            <a:fillRect/>
+          </a:stretch>
+        </p:blipFill>
+        <p:spPr>
+          <a:xfrm>
+            <a:off x="1143000" y="1806733"/>
+            <a:ext cx="3200400" cy="2401572"/>
+          </a:xfrm>
+          <a:prstGeom prst="rect">
+            <a:avLst/>
+          </a:prstGeom>
+        </p:spPr>
+      </p:pic>
+      <p:sp>
+        <p:nvSpPr>
+          <p:cNvPr id="2" name="Title 1">
+            <a:extLst>
+              <a:ext uri="{FF2B5EF4-FFF2-40B4-BE49-F238E27FC236}">
+                <a16:creationId xmlns:a16="http://schemas.microsoft.com/office/drawing/2014/main" id="{5F7D8DA0-C082-EFB6-2D50-4B117CBADD11}"/>
+              </a:ext>
+            </a:extLst>
+          </p:cNvPr>
+          <p:cNvSpPr>
+            <a:spLocks noGrp="1"/>
+          </p:cNvSpPr>
+          <p:nvPr>
+            <p:ph type="title"/>
+          </p:nvPr>
+        </p:nvSpPr>
+        <p:spPr>
+          <a:xfrm>
+            <a:off x="152400" y="152400"/>
+            <a:ext cx="8610600" cy="838200"/>
+          </a:xfrm>
+        </p:spPr>
+        <p:txBody>
+          <a:bodyPr/>
+          <a:lstStyle/>
+          <a:p>
+            <a:r>
+              <a:rPr lang="en-US" altLang="zh-CN" dirty="0"/>
+              <a:t>Channel</a:t>
+            </a:r>
+            <a:endParaRPr lang="zh-CN" altLang="en-US" dirty="0"/>
+          </a:p>
+        </p:txBody>
+      </p:sp>
+      <p:sp>
+        <p:nvSpPr>
+          <p:cNvPr id="9" name="Rectangle 2">
+            <a:extLst>
+              <a:ext uri="{FF2B5EF4-FFF2-40B4-BE49-F238E27FC236}">
+                <a16:creationId xmlns:a16="http://schemas.microsoft.com/office/drawing/2014/main" id="{E6F3BC53-E44F-D3BC-3EA2-FB408B327182}"/>
+              </a:ext>
+            </a:extLst>
+          </p:cNvPr>
+          <p:cNvSpPr>
+            <a:spLocks noChangeArrowheads="1"/>
+          </p:cNvSpPr>
+          <p:nvPr/>
+        </p:nvSpPr>
+        <p:spPr bwMode="auto">
+          <a:xfrm>
+            <a:off x="0" y="0"/>
+            <a:ext cx="9144000" cy="0"/>
+          </a:xfrm>
+          <a:prstGeom prst="rect">
+            <a:avLst/>
+          </a:prstGeom>
+          <a:noFill/>
+          <a:ln>
+            <a:noFill/>
+          </a:ln>
+          <a:effectLst/>
+          <a:extLst>
+            <a:ext uri="{909E8E84-426E-40DD-AFC4-6F175D3DCCD1}">
+              <a14:hiddenFill xmlns:a14="http://schemas.microsoft.com/office/drawing/2010/main">
+                <a:solidFill>
+                  <a:schemeClr val="accent1"/>
+                </a:solidFill>
+              </a14:hiddenFill>
+            </a:ext>
+            <a:ext uri="{91240B29-F687-4F45-9708-019B960494DF}">
+              <a14:hiddenLine xmlns:a14="http://schemas.microsoft.com/office/drawing/2010/main" w="9525">
+                <a:solidFill>
+                  <a:schemeClr val="tx1"/>
+                </a:solidFill>
+                <a:miter lim="800000"/>
+                <a:headEnd/>
+                <a:tailEnd/>
+              </a14:hiddenLine>
+            </a:ext>
+            <a:ext uri="{AF507438-7753-43E0-B8FC-AC1667EBCBE1}">
+              <a14:hiddenEffects xmlns:a14="http://schemas.microsoft.com/office/drawing/2010/main">
+                <a:effectLst>
+                  <a:outerShdw dist="35921" dir="2700000" algn="ctr" rotWithShape="0">
+                    <a:schemeClr val="bg2"/>
+                  </a:outerShdw>
+                </a:effectLst>
+              </a14:hiddenEffects>
+            </a:ext>
+          </a:extLst>
+        </p:spPr>
+        <p:txBody>
+          <a:bodyPr vert="horz" wrap="none" lIns="91440" tIns="45720" rIns="91440" bIns="45720" numCol="1" anchor="ctr" anchorCtr="0" compatLnSpc="1">
+            <a:prstTxWarp prst="textNoShape">
+              <a:avLst/>
+            </a:prstTxWarp>
+            <a:spAutoFit/>
+          </a:bodyPr>
+          <a:lstStyle/>
+          <a:p>
+            <a:endParaRPr lang="zh-CN" altLang="en-US"/>
+          </a:p>
+        </p:txBody>
+      </p:sp>
+      <p:sp>
+        <p:nvSpPr>
+          <p:cNvPr id="18" name="内容占位符 2">
+            <a:extLst>
+              <a:ext uri="{FF2B5EF4-FFF2-40B4-BE49-F238E27FC236}">
+                <a16:creationId xmlns:a16="http://schemas.microsoft.com/office/drawing/2014/main" id="{7B818FB2-A40F-DFB7-1A9B-B79EC2DDEBB5}"/>
+              </a:ext>
+            </a:extLst>
+          </p:cNvPr>
+          <p:cNvSpPr txBox="1">
+            <a:spLocks/>
+          </p:cNvSpPr>
+          <p:nvPr/>
+        </p:nvSpPr>
+        <p:spPr bwMode="auto">
+          <a:xfrm>
+            <a:off x="93652" y="1068111"/>
+            <a:ext cx="9050348" cy="1446487"/>
+          </a:xfrm>
+          <a:prstGeom prst="rect">
+            <a:avLst/>
+          </a:prstGeom>
+          <a:noFill/>
+          <a:ln>
+            <a:noFill/>
+          </a:ln>
+          <a:extLst>
+            <a:ext uri="{909E8E84-426E-40DD-AFC4-6F175D3DCCD1}">
+              <a14:hiddenFill xmlns:a14="http://schemas.microsoft.com/office/drawing/2010/main">
+                <a:solidFill>
+                  <a:srgbClr val="FFFFFF"/>
+                </a:solidFill>
+              </a14:hiddenFill>
+            </a:ext>
+            <a:ext uri="{91240B29-F687-4F45-9708-019B960494DF}">
+              <a14:hiddenLine xmlns:a14="http://schemas.microsoft.com/office/drawing/2010/main" w="28575">
+                <a:solidFill>
+                  <a:srgbClr val="000000"/>
+                </a:solidFill>
+                <a:miter lim="800000"/>
+                <a:headEnd/>
+                <a:tailEnd/>
+              </a14:hiddenLine>
+            </a:ext>
+          </a:extLst>
+        </p:spPr>
+        <p:txBody>
+          <a:bodyPr vert="horz" wrap="square" lIns="91440" tIns="45720" rIns="91440" bIns="45720" numCol="1" anchor="t" anchorCtr="0" compatLnSpc="1">
+            <a:prstTxWarp prst="textNoShape">
+              <a:avLst/>
+            </a:prstTxWarp>
+          </a:bodyPr>
+          <a:lstStyle>
+            <a:lvl1pPr marL="342900" indent="-342900" algn="l" rtl="0" eaLnBrk="1" fontAlgn="base" hangingPunct="1">
+              <a:spcBef>
+                <a:spcPct val="30000"/>
+              </a:spcBef>
+              <a:spcAft>
+                <a:spcPct val="0"/>
+              </a:spcAft>
+              <a:buClr>
+                <a:schemeClr val="hlink"/>
+              </a:buClr>
+              <a:buFont typeface="Wingdings" pitchFamily="2" charset="2"/>
+              <a:buChar char="§"/>
+              <a:defRPr sz="3200">
+                <a:solidFill>
+                  <a:srgbClr val="000066"/>
+                </a:solidFill>
+                <a:latin typeface="微软雅黑" pitchFamily="34" charset="-122"/>
+                <a:ea typeface="微软雅黑" pitchFamily="34" charset="-122"/>
+                <a:cs typeface="+mn-cs"/>
+              </a:defRPr>
+            </a:lvl1pPr>
+            <a:lvl2pPr marL="742950" indent="-285750" algn="l" rtl="0" eaLnBrk="1" fontAlgn="base" hangingPunct="1">
+              <a:spcBef>
+                <a:spcPct val="30000"/>
+              </a:spcBef>
+              <a:spcAft>
+                <a:spcPct val="0"/>
+              </a:spcAft>
+              <a:buClr>
+                <a:schemeClr val="tx2"/>
+              </a:buClr>
+              <a:buSzPct val="85000"/>
+              <a:buFont typeface="Wingdings" pitchFamily="2" charset="2"/>
+              <a:buChar char="Ø"/>
+              <a:defRPr sz="2800">
+                <a:solidFill>
+                  <a:srgbClr val="006666"/>
+                </a:solidFill>
+                <a:latin typeface="微软雅黑" pitchFamily="34" charset="-122"/>
+                <a:ea typeface="微软雅黑" pitchFamily="34" charset="-122"/>
+              </a:defRPr>
+            </a:lvl2pPr>
+            <a:lvl3pPr marL="1143000" indent="-228600" algn="l" rtl="0" eaLnBrk="1" fontAlgn="base" hangingPunct="1">
+              <a:spcBef>
+                <a:spcPct val="30000"/>
+              </a:spcBef>
+              <a:spcAft>
+                <a:spcPct val="0"/>
+              </a:spcAft>
+              <a:buClr>
+                <a:schemeClr val="hlink"/>
+              </a:buClr>
+              <a:buSzPct val="95000"/>
+              <a:buFont typeface="Wingdings 2" pitchFamily="18" charset="2"/>
+              <a:buChar char="¡"/>
+              <a:defRPr sz="2400">
+                <a:solidFill>
+                  <a:schemeClr val="hlink"/>
+                </a:solidFill>
+                <a:latin typeface="微软雅黑" pitchFamily="34" charset="-122"/>
+                <a:ea typeface="微软雅黑" pitchFamily="34" charset="-122"/>
+              </a:defRPr>
+            </a:lvl3pPr>
+            <a:lvl4pPr marL="1600200" indent="-228600" algn="l" rtl="0" eaLnBrk="1" fontAlgn="base" hangingPunct="1">
+              <a:spcBef>
+                <a:spcPct val="30000"/>
+              </a:spcBef>
+              <a:spcAft>
+                <a:spcPct val="0"/>
+              </a:spcAft>
+              <a:buClr>
+                <a:schemeClr val="tx2"/>
+              </a:buClr>
+              <a:buSzPct val="90000"/>
+              <a:buFont typeface="Wingdings" pitchFamily="2" charset="2"/>
+              <a:buChar char="Ø"/>
+              <a:defRPr sz="2000">
+                <a:solidFill>
+                  <a:srgbClr val="990099"/>
+                </a:solidFill>
+                <a:latin typeface="微软雅黑" pitchFamily="34" charset="-122"/>
+                <a:ea typeface="微软雅黑" pitchFamily="34" charset="-122"/>
+              </a:defRPr>
+            </a:lvl4pPr>
+            <a:lvl5pPr marL="2057400" indent="-228600" algn="l" rtl="0" eaLnBrk="1" fontAlgn="base" hangingPunct="1">
+              <a:spcBef>
+                <a:spcPct val="30000"/>
+              </a:spcBef>
+              <a:spcAft>
+                <a:spcPct val="0"/>
+              </a:spcAft>
+              <a:buClr>
+                <a:schemeClr val="hlink"/>
+              </a:buClr>
+              <a:buFont typeface="Wingdings 2" pitchFamily="18" charset="2"/>
+              <a:buChar char="¡"/>
+              <a:defRPr sz="2000">
+                <a:solidFill>
+                  <a:schemeClr val="tx1"/>
+                </a:solidFill>
+                <a:latin typeface="微软雅黑" pitchFamily="34" charset="-122"/>
+                <a:ea typeface="微软雅黑" pitchFamily="34" charset="-122"/>
+              </a:defRPr>
+            </a:lvl5pPr>
+            <a:lvl6pPr marL="2514600" indent="-228600" algn="l" rtl="0" eaLnBrk="1" fontAlgn="base" hangingPunct="1">
+              <a:spcBef>
+                <a:spcPct val="30000"/>
+              </a:spcBef>
+              <a:spcAft>
+                <a:spcPct val="0"/>
+              </a:spcAft>
+              <a:buClr>
+                <a:schemeClr val="hlink"/>
+              </a:buClr>
+              <a:buFont typeface="Wingdings 2" pitchFamily="18" charset="2"/>
+              <a:buChar char="¡"/>
+              <a:defRPr sz="2000">
+                <a:solidFill>
+                  <a:schemeClr val="tx1"/>
+                </a:solidFill>
+                <a:latin typeface="+mn-lt"/>
+                <a:ea typeface="+mn-ea"/>
+              </a:defRPr>
+            </a:lvl6pPr>
+            <a:lvl7pPr marL="2971800" indent="-228600" algn="l" rtl="0" eaLnBrk="1" fontAlgn="base" hangingPunct="1">
+              <a:spcBef>
+                <a:spcPct val="30000"/>
+              </a:spcBef>
+              <a:spcAft>
+                <a:spcPct val="0"/>
+              </a:spcAft>
+              <a:buClr>
+                <a:schemeClr val="hlink"/>
+              </a:buClr>
+              <a:buFont typeface="Wingdings 2" pitchFamily="18" charset="2"/>
+              <a:buChar char="¡"/>
+              <a:defRPr sz="2000">
+                <a:solidFill>
+                  <a:schemeClr val="tx1"/>
+                </a:solidFill>
+                <a:latin typeface="+mn-lt"/>
+                <a:ea typeface="+mn-ea"/>
+              </a:defRPr>
+            </a:lvl7pPr>
+            <a:lvl8pPr marL="3429000" indent="-228600" algn="l" rtl="0" eaLnBrk="1" fontAlgn="base" hangingPunct="1">
+              <a:spcBef>
+                <a:spcPct val="30000"/>
+              </a:spcBef>
+              <a:spcAft>
+                <a:spcPct val="0"/>
+              </a:spcAft>
+              <a:buClr>
+                <a:schemeClr val="hlink"/>
+              </a:buClr>
+              <a:buFont typeface="Wingdings 2" pitchFamily="18" charset="2"/>
+              <a:buChar char="¡"/>
+              <a:defRPr sz="2000">
+                <a:solidFill>
+                  <a:schemeClr val="tx1"/>
+                </a:solidFill>
+                <a:latin typeface="+mn-lt"/>
+                <a:ea typeface="+mn-ea"/>
+              </a:defRPr>
+            </a:lvl8pPr>
+            <a:lvl9pPr marL="3886200" indent="-228600" algn="l" rtl="0" eaLnBrk="1" fontAlgn="base" hangingPunct="1">
+              <a:spcBef>
+                <a:spcPct val="30000"/>
+              </a:spcBef>
+              <a:spcAft>
+                <a:spcPct val="0"/>
+              </a:spcAft>
+              <a:buClr>
+                <a:schemeClr val="hlink"/>
+              </a:buClr>
+              <a:buFont typeface="Wingdings 2" pitchFamily="18" charset="2"/>
+              <a:buChar char="¡"/>
+              <a:defRPr sz="2000">
+                <a:solidFill>
+                  <a:schemeClr val="tx1"/>
+                </a:solidFill>
+                <a:latin typeface="+mn-lt"/>
+                <a:ea typeface="+mn-ea"/>
+              </a:defRPr>
+            </a:lvl9pPr>
+          </a:lstStyle>
+          <a:p>
+            <a:r>
+              <a:rPr lang="en-US" altLang="zh-CN" sz="2400" kern="0" dirty="0">
+                <a:latin typeface="+mn-lt"/>
+                <a:cs typeface="Times New Roman" panose="02020603050405020304" pitchFamily="18" charset="0"/>
+              </a:rPr>
+              <a:t>Neumann BC with fixed shear stress</a:t>
+            </a:r>
+            <a:endParaRPr lang="en-US" altLang="zh-CN" sz="2000" kern="0" dirty="0">
+              <a:latin typeface="+mn-lt"/>
+              <a:cs typeface="Times New Roman" panose="02020603050405020304" pitchFamily="18" charset="0"/>
+            </a:endParaRPr>
+          </a:p>
+          <a:p>
+            <a:pPr lvl="1"/>
+            <a:r>
+              <a:rPr lang="en-US" altLang="zh-CN" sz="2000" dirty="0">
+                <a:latin typeface="+mn-lt"/>
+                <a:cs typeface="Times New Roman" panose="02020603050405020304" pitchFamily="18" charset="0"/>
+              </a:rPr>
+              <a:t>s</a:t>
+            </a:r>
+          </a:p>
+        </p:txBody>
+      </p:sp>
+      <p:sp>
+        <p:nvSpPr>
+          <p:cNvPr id="14" name="TextBox 13">
+            <a:extLst>
+              <a:ext uri="{FF2B5EF4-FFF2-40B4-BE49-F238E27FC236}">
+                <a16:creationId xmlns:a16="http://schemas.microsoft.com/office/drawing/2014/main" id="{1B529017-0B6B-0ACB-89B0-858FFC2A4C20}"/>
+              </a:ext>
+            </a:extLst>
+          </p:cNvPr>
+          <p:cNvSpPr txBox="1"/>
+          <p:nvPr/>
+        </p:nvSpPr>
+        <p:spPr>
+          <a:xfrm>
+            <a:off x="2171184" y="3098623"/>
+            <a:ext cx="1334533" cy="369332"/>
+          </a:xfrm>
+          <a:prstGeom prst="rect">
+            <a:avLst/>
+          </a:prstGeom>
+          <a:noFill/>
+        </p:spPr>
+        <p:txBody>
+          <a:bodyPr wrap="none" rtlCol="0">
+            <a:spAutoFit/>
+          </a:bodyPr>
+          <a:lstStyle/>
+          <a:p>
+            <a:r>
+              <a:rPr lang="en-US" dirty="0"/>
+              <a:t>RETAU180</a:t>
+            </a:r>
+          </a:p>
+        </p:txBody>
+      </p:sp>
+      <p:sp>
+        <p:nvSpPr>
+          <p:cNvPr id="15" name="TextBox 14">
+            <a:extLst>
+              <a:ext uri="{FF2B5EF4-FFF2-40B4-BE49-F238E27FC236}">
+                <a16:creationId xmlns:a16="http://schemas.microsoft.com/office/drawing/2014/main" id="{C8684D57-EF74-BB89-569F-9FEA59F05739}"/>
+              </a:ext>
+            </a:extLst>
+          </p:cNvPr>
+          <p:cNvSpPr txBox="1"/>
+          <p:nvPr/>
+        </p:nvSpPr>
+        <p:spPr>
+          <a:xfrm>
+            <a:off x="5352533" y="3058355"/>
+            <a:ext cx="1334533" cy="369332"/>
+          </a:xfrm>
+          <a:prstGeom prst="rect">
+            <a:avLst/>
+          </a:prstGeom>
+          <a:noFill/>
+        </p:spPr>
+        <p:txBody>
+          <a:bodyPr wrap="none" rtlCol="0">
+            <a:spAutoFit/>
+          </a:bodyPr>
+          <a:lstStyle/>
+          <a:p>
+            <a:r>
+              <a:rPr lang="en-US" dirty="0"/>
+              <a:t>RETAU550</a:t>
+            </a:r>
+          </a:p>
+        </p:txBody>
+      </p:sp>
+      <p:sp>
+        <p:nvSpPr>
+          <p:cNvPr id="16" name="TextBox 15">
+            <a:extLst>
+              <a:ext uri="{FF2B5EF4-FFF2-40B4-BE49-F238E27FC236}">
+                <a16:creationId xmlns:a16="http://schemas.microsoft.com/office/drawing/2014/main" id="{A81E0D96-94BA-7895-4B68-EE65FCEA898F}"/>
+              </a:ext>
+            </a:extLst>
+          </p:cNvPr>
+          <p:cNvSpPr txBox="1"/>
+          <p:nvPr/>
+        </p:nvSpPr>
+        <p:spPr>
+          <a:xfrm>
+            <a:off x="2209800" y="5420557"/>
+            <a:ext cx="1462773" cy="369332"/>
+          </a:xfrm>
+          <a:prstGeom prst="rect">
+            <a:avLst/>
+          </a:prstGeom>
+          <a:noFill/>
+        </p:spPr>
+        <p:txBody>
+          <a:bodyPr wrap="none" rtlCol="0">
+            <a:spAutoFit/>
+          </a:bodyPr>
+          <a:lstStyle/>
+          <a:p>
+            <a:r>
+              <a:rPr lang="en-US" dirty="0"/>
+              <a:t>RETAU1000</a:t>
+            </a:r>
+          </a:p>
+        </p:txBody>
+      </p:sp>
+      <p:sp>
+        <p:nvSpPr>
+          <p:cNvPr id="17" name="TextBox 16">
+            <a:extLst>
+              <a:ext uri="{FF2B5EF4-FFF2-40B4-BE49-F238E27FC236}">
+                <a16:creationId xmlns:a16="http://schemas.microsoft.com/office/drawing/2014/main" id="{464CDD66-A778-D834-F9C7-CC676A0ADA8D}"/>
+              </a:ext>
+            </a:extLst>
+          </p:cNvPr>
+          <p:cNvSpPr txBox="1"/>
+          <p:nvPr/>
+        </p:nvSpPr>
+        <p:spPr>
+          <a:xfrm>
+            <a:off x="5352532" y="5406547"/>
+            <a:ext cx="1462773" cy="369332"/>
+          </a:xfrm>
+          <a:prstGeom prst="rect">
+            <a:avLst/>
+          </a:prstGeom>
+          <a:noFill/>
+        </p:spPr>
+        <p:txBody>
+          <a:bodyPr wrap="none" rtlCol="0">
+            <a:spAutoFit/>
+          </a:bodyPr>
+          <a:lstStyle/>
+          <a:p>
+            <a:r>
+              <a:rPr lang="en-US" dirty="0"/>
+              <a:t>RETAU5200</a:t>
+            </a:r>
+          </a:p>
+        </p:txBody>
+      </p:sp>
+    </p:spTree>
+    <p:extLst>
+      <p:ext uri="{BB962C8B-B14F-4D97-AF65-F5344CB8AC3E}">
+        <p14:creationId xmlns:p14="http://schemas.microsoft.com/office/powerpoint/2010/main" val="1841384156"/>
       </p:ext>
     </p:extLst>
   </p:cSld>

--- a/docs/vv.pptx
+++ b/docs/vv.pptx
@@ -15,12 +15,12 @@
     <p:sldId id="647" r:id="rId3"/>
     <p:sldId id="654" r:id="rId4"/>
     <p:sldId id="648" r:id="rId5"/>
-    <p:sldId id="656" r:id="rId6"/>
-    <p:sldId id="650" r:id="rId7"/>
-    <p:sldId id="645" r:id="rId8"/>
-    <p:sldId id="651" r:id="rId9"/>
-    <p:sldId id="653" r:id="rId10"/>
-    <p:sldId id="655" r:id="rId11"/>
+    <p:sldId id="650" r:id="rId6"/>
+    <p:sldId id="645" r:id="rId7"/>
+    <p:sldId id="651" r:id="rId8"/>
+    <p:sldId id="653" r:id="rId9"/>
+    <p:sldId id="655" r:id="rId10"/>
+    <p:sldId id="656" r:id="rId11"/>
     <p:sldId id="649" r:id="rId12"/>
     <p:sldId id="646" r:id="rId13"/>
   </p:sldIdLst>
@@ -225,7 +225,7 @@
           <a:p>
             <a:fld id="{30C704EE-38E9-4E72-9BB6-71E8241CE3C0}" type="datetimeFigureOut">
               <a:rPr lang="en-US" smtClean="0"/>
-              <a:t>2/14/2024</a:t>
+              <a:t>4/15/2024</a:t>
             </a:fld>
             <a:endParaRPr lang="en-US"/>
           </a:p>
@@ -390,7 +390,7 @@
           <a:p>
             <a:fld id="{0D66AE9B-9EE2-43DA-9A8E-D2E5656B8B43}" type="datetimeFigureOut">
               <a:rPr lang="en-US" smtClean="0"/>
-              <a:t>2/14/2024</a:t>
+              <a:t>4/15/2024</a:t>
             </a:fld>
             <a:endParaRPr lang="en-US"/>
           </a:p>
@@ -749,7 +749,7 @@
         <p:cNvPr id="1" name="">
           <a:extLst>
             <a:ext uri="{FF2B5EF4-FFF2-40B4-BE49-F238E27FC236}">
-              <a16:creationId xmlns:a16="http://schemas.microsoft.com/office/drawing/2014/main" id="{217A2AAE-6BC8-5808-E162-24A5377FFF91}"/>
+              <a16:creationId xmlns:a16="http://schemas.microsoft.com/office/drawing/2014/main" id="{77D48704-A97B-6AB1-B4E8-82D796B57A28}"/>
             </a:ext>
           </a:extLst>
         </p:cNvPr>
@@ -769,7 +769,7 @@
           <p:cNvPr id="2" name="Slide Image Placeholder 1">
             <a:extLst>
               <a:ext uri="{FF2B5EF4-FFF2-40B4-BE49-F238E27FC236}">
-                <a16:creationId xmlns:a16="http://schemas.microsoft.com/office/drawing/2014/main" id="{8711CEC4-AE77-552C-E28F-E007F72AD713}"/>
+                <a16:creationId xmlns:a16="http://schemas.microsoft.com/office/drawing/2014/main" id="{A62B8F63-995F-C4FE-A432-D86511D8610E}"/>
               </a:ext>
             </a:extLst>
           </p:cNvPr>
@@ -787,7 +787,7 @@
           <p:cNvPr id="3" name="Notes Placeholder 2">
             <a:extLst>
               <a:ext uri="{FF2B5EF4-FFF2-40B4-BE49-F238E27FC236}">
-                <a16:creationId xmlns:a16="http://schemas.microsoft.com/office/drawing/2014/main" id="{D13FBE2A-8637-C7BB-F205-5DDD71C632AD}"/>
+                <a16:creationId xmlns:a16="http://schemas.microsoft.com/office/drawing/2014/main" id="{EE4D095E-A64B-EF2C-9723-5EB558A85164}"/>
               </a:ext>
             </a:extLst>
           </p:cNvPr>
@@ -803,59 +803,10 @@
           <a:bodyPr/>
           <a:lstStyle/>
           <a:p>
-            <a:pPr marL="228600" indent="-228600">
-              <a:buAutoNum type="arabicPeriod"/>
+            <a:pPr marL="0" indent="0">
+              <a:buNone/>
             </a:pPr>
-            <a:r>
-              <a:rPr lang="en-US" dirty="0"/>
-              <a:t>Check the results of using constant wall stress in the wall model    using debug mode   ok</a:t>
-            </a:r>
-          </a:p>
-          <a:p>
-            <a:pPr marL="228600" marR="0" lvl="0" indent="-228600" algn="l" defTabSz="914400" rtl="0" eaLnBrk="1" fontAlgn="auto" latinLnBrk="0" hangingPunct="1">
-              <a:lnSpc>
-                <a:spcPct val="100000"/>
-              </a:lnSpc>
-              <a:spcBef>
-                <a:spcPts val="0"/>
-              </a:spcBef>
-              <a:spcAft>
-                <a:spcPts val="0"/>
-              </a:spcAft>
-              <a:buClrTx/>
-              <a:buSzTx/>
-              <a:buFontTx/>
-              <a:buAutoNum type="arabicPeriod"/>
-              <a:tabLst/>
-              <a:defRPr/>
-            </a:pPr>
-            <a:r>
-              <a:rPr lang="en-US" dirty="0"/>
-              <a:t>Compare implicit1D results with explicit results</a:t>
-            </a:r>
-          </a:p>
-          <a:p>
-            <a:pPr marL="228600" marR="0" lvl="0" indent="-228600" algn="l" defTabSz="914400" rtl="0" eaLnBrk="1" fontAlgn="auto" latinLnBrk="0" hangingPunct="1">
-              <a:lnSpc>
-                <a:spcPct val="100000"/>
-              </a:lnSpc>
-              <a:spcBef>
-                <a:spcPts val="0"/>
-              </a:spcBef>
-              <a:spcAft>
-                <a:spcPts val="0"/>
-              </a:spcAft>
-              <a:buClrTx/>
-              <a:buSzTx/>
-              <a:buFontTx/>
-              <a:buAutoNum type="arabicPeriod"/>
-              <a:tabLst/>
-              <a:defRPr/>
-            </a:pPr>
-            <a:r>
-              <a:rPr lang="en-US" dirty="0"/>
-              <a:t>Check numerical instability using Q value  numerical oscillation</a:t>
-            </a:r>
+            <a:endParaRPr lang="en-US" dirty="0"/>
           </a:p>
         </p:txBody>
       </p:sp>
@@ -864,7 +815,7 @@
           <p:cNvPr id="4" name="Slide Number Placeholder 3">
             <a:extLst>
               <a:ext uri="{FF2B5EF4-FFF2-40B4-BE49-F238E27FC236}">
-                <a16:creationId xmlns:a16="http://schemas.microsoft.com/office/drawing/2014/main" id="{FD36D316-19DC-B709-334C-9F4AB28C4701}"/>
+                <a16:creationId xmlns:a16="http://schemas.microsoft.com/office/drawing/2014/main" id="{BCBFC0FC-1813-8444-349C-AEFD82EEB12A}"/>
               </a:ext>
             </a:extLst>
           </p:cNvPr>
@@ -891,7 +842,7 @@
     </p:spTree>
     <p:extLst>
       <p:ext uri="{BB962C8B-B14F-4D97-AF65-F5344CB8AC3E}">
-        <p14:creationId xmlns:p14="http://schemas.microsoft.com/office/powerpoint/2010/main" val="3186069772"/>
+        <p14:creationId xmlns:p14="http://schemas.microsoft.com/office/powerpoint/2010/main" val="3292914359"/>
       </p:ext>
     </p:extLst>
   </p:cSld>
@@ -1071,27 +1022,6 @@
           <a:bodyPr/>
           <a:lstStyle/>
           <a:p>
-            <a:r>
-              <a:rPr lang="en-US" dirty="0"/>
-              <a:t>High Reynolds turbulence examples   inaccessible (how much cost)      </a:t>
-            </a:r>
-            <a:r>
-              <a:rPr lang="en-US" dirty="0" err="1"/>
-              <a:t>wmles</a:t>
-            </a:r>
-            <a:r>
-              <a:rPr lang="en-US" dirty="0"/>
-              <a:t>    modeled   two methods</a:t>
-            </a:r>
-          </a:p>
-          <a:p>
-            <a:endParaRPr lang="en-US" dirty="0"/>
-          </a:p>
-          <a:p>
-            <a:r>
-              <a:rPr lang="en-US" altLang="zh-CN" dirty="0"/>
-              <a:t>Grids requirements</a:t>
-            </a:r>
             <a:endParaRPr lang="en-US" dirty="0"/>
           </a:p>
         </p:txBody>
@@ -1470,114 +1400,6 @@
         <p:cNvPr id="1" name="">
           <a:extLst>
             <a:ext uri="{FF2B5EF4-FFF2-40B4-BE49-F238E27FC236}">
-              <a16:creationId xmlns:a16="http://schemas.microsoft.com/office/drawing/2014/main" id="{2999F572-B4D1-B140-60F7-FC04F2804FCE}"/>
-            </a:ext>
-          </a:extLst>
-        </p:cNvPr>
-        <p:cNvGrpSpPr/>
-        <p:nvPr/>
-      </p:nvGrpSpPr>
-      <p:grpSpPr>
-        <a:xfrm>
-          <a:off x="0" y="0"/>
-          <a:ext cx="0" cy="0"/>
-          <a:chOff x="0" y="0"/>
-          <a:chExt cx="0" cy="0"/>
-        </a:xfrm>
-      </p:grpSpPr>
-      <p:sp>
-        <p:nvSpPr>
-          <p:cNvPr id="2" name="Slide Image Placeholder 1">
-            <a:extLst>
-              <a:ext uri="{FF2B5EF4-FFF2-40B4-BE49-F238E27FC236}">
-                <a16:creationId xmlns:a16="http://schemas.microsoft.com/office/drawing/2014/main" id="{E3FE269E-0AAD-02DA-4135-CF2F71FECF76}"/>
-              </a:ext>
-            </a:extLst>
-          </p:cNvPr>
-          <p:cNvSpPr>
-            <a:spLocks noGrp="1" noRot="1" noChangeAspect="1"/>
-          </p:cNvSpPr>
-          <p:nvPr>
-            <p:ph type="sldImg"/>
-          </p:nvPr>
-        </p:nvSpPr>
-        <p:spPr/>
-      </p:sp>
-      <p:sp>
-        <p:nvSpPr>
-          <p:cNvPr id="3" name="Notes Placeholder 2">
-            <a:extLst>
-              <a:ext uri="{FF2B5EF4-FFF2-40B4-BE49-F238E27FC236}">
-                <a16:creationId xmlns:a16="http://schemas.microsoft.com/office/drawing/2014/main" id="{7577CC57-0935-3312-2827-00E671B4D32A}"/>
-              </a:ext>
-            </a:extLst>
-          </p:cNvPr>
-          <p:cNvSpPr>
-            <a:spLocks noGrp="1"/>
-          </p:cNvSpPr>
-          <p:nvPr>
-            <p:ph type="body" idx="1"/>
-          </p:nvPr>
-        </p:nvSpPr>
-        <p:spPr/>
-        <p:txBody>
-          <a:bodyPr/>
-          <a:lstStyle/>
-          <a:p>
-            <a:endParaRPr lang="en-US" dirty="0"/>
-          </a:p>
-        </p:txBody>
-      </p:sp>
-      <p:sp>
-        <p:nvSpPr>
-          <p:cNvPr id="4" name="Slide Number Placeholder 3">
-            <a:extLst>
-              <a:ext uri="{FF2B5EF4-FFF2-40B4-BE49-F238E27FC236}">
-                <a16:creationId xmlns:a16="http://schemas.microsoft.com/office/drawing/2014/main" id="{FB607FCD-79C3-F1C8-D43F-5EC240004F09}"/>
-              </a:ext>
-            </a:extLst>
-          </p:cNvPr>
-          <p:cNvSpPr>
-            <a:spLocks noGrp="1"/>
-          </p:cNvSpPr>
-          <p:nvPr>
-            <p:ph type="sldNum" sz="quarter" idx="10"/>
-          </p:nvPr>
-        </p:nvSpPr>
-        <p:spPr/>
-        <p:txBody>
-          <a:bodyPr/>
-          <a:lstStyle/>
-          <a:p>
-            <a:fld id="{FFA5E540-6D76-429F-95AD-C7F13B3CAC82}" type="slidenum">
-              <a:rPr lang="en-US" smtClean="0"/>
-              <a:t>5</a:t>
-            </a:fld>
-            <a:endParaRPr lang="en-US" dirty="0"/>
-          </a:p>
-        </p:txBody>
-      </p:sp>
-    </p:spTree>
-    <p:extLst>
-      <p:ext uri="{BB962C8B-B14F-4D97-AF65-F5344CB8AC3E}">
-        <p14:creationId xmlns:p14="http://schemas.microsoft.com/office/powerpoint/2010/main" val="3900637474"/>
-      </p:ext>
-    </p:extLst>
-  </p:cSld>
-  <p:clrMapOvr>
-    <a:masterClrMapping/>
-  </p:clrMapOvr>
-</p:notes>
-</file>
-
-<file path=ppt/notesSlides/notesSlide6.xml><?xml version="1.0" encoding="utf-8"?>
-<p:notes xmlns:a="http://schemas.openxmlformats.org/drawingml/2006/main" xmlns:r="http://schemas.openxmlformats.org/officeDocument/2006/relationships" xmlns:p="http://schemas.openxmlformats.org/presentationml/2006/main">
-  <p:cSld>
-    <p:spTree>
-      <p:nvGrpSpPr>
-        <p:cNvPr id="1" name="">
-          <a:extLst>
-            <a:ext uri="{FF2B5EF4-FFF2-40B4-BE49-F238E27FC236}">
               <a16:creationId xmlns:a16="http://schemas.microsoft.com/office/drawing/2014/main" id="{9BBB1A3A-0F8B-8CC4-7B65-DD508165D59C}"/>
             </a:ext>
           </a:extLst>
@@ -1659,7 +1481,7 @@
           <a:p>
             <a:fld id="{FFA5E540-6D76-429F-95AD-C7F13B3CAC82}" type="slidenum">
               <a:rPr lang="en-US" smtClean="0"/>
-              <a:t>6</a:t>
+              <a:t>5</a:t>
             </a:fld>
             <a:endParaRPr lang="en-US" dirty="0"/>
           </a:p>
@@ -1678,7 +1500,7 @@
 </p:notes>
 </file>
 
-<file path=ppt/notesSlides/notesSlide7.xml><?xml version="1.0" encoding="utf-8"?>
+<file path=ppt/notesSlides/notesSlide6.xml><?xml version="1.0" encoding="utf-8"?>
 <p:notes xmlns:a="http://schemas.openxmlformats.org/drawingml/2006/main" xmlns:r="http://schemas.openxmlformats.org/officeDocument/2006/relationships" xmlns:p="http://schemas.openxmlformats.org/presentationml/2006/main">
   <p:cSld>
     <p:spTree>
@@ -1722,59 +1544,10 @@
           <a:bodyPr/>
           <a:lstStyle/>
           <a:p>
-            <a:pPr marL="228600" indent="-228600">
-              <a:buAutoNum type="arabicPeriod"/>
+            <a:pPr marL="0" indent="0">
+              <a:buNone/>
             </a:pPr>
-            <a:r>
-              <a:rPr lang="en-US" dirty="0"/>
-              <a:t>Check the results of using constant wall stress in the wall model    using debug mode   ok</a:t>
-            </a:r>
-          </a:p>
-          <a:p>
-            <a:pPr marL="228600" marR="0" lvl="0" indent="-228600" algn="l" defTabSz="914400" rtl="0" eaLnBrk="1" fontAlgn="auto" latinLnBrk="0" hangingPunct="1">
-              <a:lnSpc>
-                <a:spcPct val="100000"/>
-              </a:lnSpc>
-              <a:spcBef>
-                <a:spcPts val="0"/>
-              </a:spcBef>
-              <a:spcAft>
-                <a:spcPts val="0"/>
-              </a:spcAft>
-              <a:buClrTx/>
-              <a:buSzTx/>
-              <a:buFontTx/>
-              <a:buAutoNum type="arabicPeriod"/>
-              <a:tabLst/>
-              <a:defRPr/>
-            </a:pPr>
-            <a:r>
-              <a:rPr lang="en-US" dirty="0"/>
-              <a:t>Compare implicit1D results with explicit results</a:t>
-            </a:r>
-          </a:p>
-          <a:p>
-            <a:pPr marL="228600" marR="0" lvl="0" indent="-228600" algn="l" defTabSz="914400" rtl="0" eaLnBrk="1" fontAlgn="auto" latinLnBrk="0" hangingPunct="1">
-              <a:lnSpc>
-                <a:spcPct val="100000"/>
-              </a:lnSpc>
-              <a:spcBef>
-                <a:spcPts val="0"/>
-              </a:spcBef>
-              <a:spcAft>
-                <a:spcPts val="0"/>
-              </a:spcAft>
-              <a:buClrTx/>
-              <a:buSzTx/>
-              <a:buFontTx/>
-              <a:buAutoNum type="arabicPeriod"/>
-              <a:tabLst/>
-              <a:defRPr/>
-            </a:pPr>
-            <a:r>
-              <a:rPr lang="en-US" dirty="0"/>
-              <a:t>Check numerical instability using Q value  numerical oscillation</a:t>
-            </a:r>
+            <a:endParaRPr lang="en-US" dirty="0"/>
           </a:p>
         </p:txBody>
       </p:sp>
@@ -1795,7 +1568,7 @@
           <a:p>
             <a:fld id="{FFA5E540-6D76-429F-95AD-C7F13B3CAC82}" type="slidenum">
               <a:rPr lang="en-US" smtClean="0"/>
-              <a:t>7</a:t>
+              <a:t>6</a:t>
             </a:fld>
             <a:endParaRPr lang="en-US" dirty="0"/>
           </a:p>
@@ -1814,7 +1587,7 @@
 </p:notes>
 </file>
 
-<file path=ppt/notesSlides/notesSlide8.xml><?xml version="1.0" encoding="utf-8"?>
+<file path=ppt/notesSlides/notesSlide7.xml><?xml version="1.0" encoding="utf-8"?>
 <p:notes xmlns:a="http://schemas.openxmlformats.org/drawingml/2006/main" xmlns:r="http://schemas.openxmlformats.org/officeDocument/2006/relationships" xmlns:p="http://schemas.openxmlformats.org/presentationml/2006/main">
   <p:cSld>
     <p:spTree>
@@ -1876,63 +1649,9 @@
           <a:bodyPr/>
           <a:lstStyle/>
           <a:p>
-            <a:pPr marL="228600" indent="-228600">
-              <a:buAutoNum type="arabicPeriod"/>
+            <a:pPr marL="0" indent="0">
+              <a:buNone/>
             </a:pPr>
-            <a:r>
-              <a:rPr lang="en-US" dirty="0"/>
-              <a:t>Check the results of using constant wall stress in the wall model    using debug mode   ok</a:t>
-            </a:r>
-          </a:p>
-          <a:p>
-            <a:pPr marL="228600" marR="0" lvl="0" indent="-228600" algn="l" defTabSz="914400" rtl="0" eaLnBrk="1" fontAlgn="auto" latinLnBrk="0" hangingPunct="1">
-              <a:lnSpc>
-                <a:spcPct val="100000"/>
-              </a:lnSpc>
-              <a:spcBef>
-                <a:spcPts val="0"/>
-              </a:spcBef>
-              <a:spcAft>
-                <a:spcPts val="0"/>
-              </a:spcAft>
-              <a:buClrTx/>
-              <a:buSzTx/>
-              <a:buFontTx/>
-              <a:buAutoNum type="arabicPeriod"/>
-              <a:tabLst/>
-              <a:defRPr/>
-            </a:pPr>
-            <a:r>
-              <a:rPr lang="en-US" dirty="0"/>
-              <a:t>Compare implicit1D results with explicit results</a:t>
-            </a:r>
-          </a:p>
-          <a:p>
-            <a:pPr marL="228600" marR="0" lvl="0" indent="-228600" algn="l" defTabSz="914400" rtl="0" eaLnBrk="1" fontAlgn="auto" latinLnBrk="0" hangingPunct="1">
-              <a:lnSpc>
-                <a:spcPct val="100000"/>
-              </a:lnSpc>
-              <a:spcBef>
-                <a:spcPts val="0"/>
-              </a:spcBef>
-              <a:spcAft>
-                <a:spcPts val="0"/>
-              </a:spcAft>
-              <a:buClrTx/>
-              <a:buSzTx/>
-              <a:buFontTx/>
-              <a:buAutoNum type="arabicPeriod"/>
-              <a:tabLst/>
-              <a:defRPr/>
-            </a:pPr>
-            <a:r>
-              <a:rPr lang="en-US" dirty="0"/>
-              <a:t>Check numerical instability using Q value  </a:t>
-            </a:r>
-            <a:r>
-              <a:rPr lang="en-US"/>
-              <a:t>numerical oscillation</a:t>
-            </a:r>
             <a:endParaRPr lang="en-US" dirty="0"/>
           </a:p>
         </p:txBody>
@@ -1960,7 +1679,7 @@
           <a:p>
             <a:fld id="{FFA5E540-6D76-429F-95AD-C7F13B3CAC82}" type="slidenum">
               <a:rPr lang="en-US" smtClean="0"/>
-              <a:t>8</a:t>
+              <a:t>7</a:t>
             </a:fld>
             <a:endParaRPr lang="en-US" dirty="0"/>
           </a:p>
@@ -1979,7 +1698,7 @@
 </p:notes>
 </file>
 
-<file path=ppt/notesSlides/notesSlide9.xml><?xml version="1.0" encoding="utf-8"?>
+<file path=ppt/notesSlides/notesSlide8.xml><?xml version="1.0" encoding="utf-8"?>
 <p:notes xmlns:a="http://schemas.openxmlformats.org/drawingml/2006/main" xmlns:r="http://schemas.openxmlformats.org/officeDocument/2006/relationships" xmlns:p="http://schemas.openxmlformats.org/presentationml/2006/main">
   <p:cSld>
     <p:spTree>
@@ -2041,59 +1760,10 @@
           <a:bodyPr/>
           <a:lstStyle/>
           <a:p>
-            <a:pPr marL="228600" indent="-228600">
-              <a:buAutoNum type="arabicPeriod"/>
+            <a:pPr marL="0" indent="0">
+              <a:buNone/>
             </a:pPr>
-            <a:r>
-              <a:rPr lang="en-US" dirty="0"/>
-              <a:t>Check the results of using constant wall stress in the wall model    using debug mode   ok</a:t>
-            </a:r>
-          </a:p>
-          <a:p>
-            <a:pPr marL="228600" marR="0" lvl="0" indent="-228600" algn="l" defTabSz="914400" rtl="0" eaLnBrk="1" fontAlgn="auto" latinLnBrk="0" hangingPunct="1">
-              <a:lnSpc>
-                <a:spcPct val="100000"/>
-              </a:lnSpc>
-              <a:spcBef>
-                <a:spcPts val="0"/>
-              </a:spcBef>
-              <a:spcAft>
-                <a:spcPts val="0"/>
-              </a:spcAft>
-              <a:buClrTx/>
-              <a:buSzTx/>
-              <a:buFontTx/>
-              <a:buAutoNum type="arabicPeriod"/>
-              <a:tabLst/>
-              <a:defRPr/>
-            </a:pPr>
-            <a:r>
-              <a:rPr lang="en-US" dirty="0"/>
-              <a:t>Compare implicit1D results with explicit results</a:t>
-            </a:r>
-          </a:p>
-          <a:p>
-            <a:pPr marL="228600" marR="0" lvl="0" indent="-228600" algn="l" defTabSz="914400" rtl="0" eaLnBrk="1" fontAlgn="auto" latinLnBrk="0" hangingPunct="1">
-              <a:lnSpc>
-                <a:spcPct val="100000"/>
-              </a:lnSpc>
-              <a:spcBef>
-                <a:spcPts val="0"/>
-              </a:spcBef>
-              <a:spcAft>
-                <a:spcPts val="0"/>
-              </a:spcAft>
-              <a:buClrTx/>
-              <a:buSzTx/>
-              <a:buFontTx/>
-              <a:buAutoNum type="arabicPeriod"/>
-              <a:tabLst/>
-              <a:defRPr/>
-            </a:pPr>
-            <a:r>
-              <a:rPr lang="en-US" dirty="0"/>
-              <a:t>Check numerical instability using Q value  numerical oscillation</a:t>
-            </a:r>
+            <a:endParaRPr lang="en-US" dirty="0"/>
           </a:p>
         </p:txBody>
       </p:sp>
@@ -2120,6 +1790,117 @@
           <a:p>
             <a:fld id="{FFA5E540-6D76-429F-95AD-C7F13B3CAC82}" type="slidenum">
               <a:rPr lang="en-US" smtClean="0"/>
+              <a:t>8</a:t>
+            </a:fld>
+            <a:endParaRPr lang="en-US" dirty="0"/>
+          </a:p>
+        </p:txBody>
+      </p:sp>
+    </p:spTree>
+    <p:extLst>
+      <p:ext uri="{BB962C8B-B14F-4D97-AF65-F5344CB8AC3E}">
+        <p14:creationId xmlns:p14="http://schemas.microsoft.com/office/powerpoint/2010/main" val="282513375"/>
+      </p:ext>
+    </p:extLst>
+  </p:cSld>
+  <p:clrMapOvr>
+    <a:masterClrMapping/>
+  </p:clrMapOvr>
+</p:notes>
+</file>
+
+<file path=ppt/notesSlides/notesSlide9.xml><?xml version="1.0" encoding="utf-8"?>
+<p:notes xmlns:a="http://schemas.openxmlformats.org/drawingml/2006/main" xmlns:r="http://schemas.openxmlformats.org/officeDocument/2006/relationships" xmlns:p="http://schemas.openxmlformats.org/presentationml/2006/main">
+  <p:cSld>
+    <p:spTree>
+      <p:nvGrpSpPr>
+        <p:cNvPr id="1" name="">
+          <a:extLst>
+            <a:ext uri="{FF2B5EF4-FFF2-40B4-BE49-F238E27FC236}">
+              <a16:creationId xmlns:a16="http://schemas.microsoft.com/office/drawing/2014/main" id="{217A2AAE-6BC8-5808-E162-24A5377FFF91}"/>
+            </a:ext>
+          </a:extLst>
+        </p:cNvPr>
+        <p:cNvGrpSpPr/>
+        <p:nvPr/>
+      </p:nvGrpSpPr>
+      <p:grpSpPr>
+        <a:xfrm>
+          <a:off x="0" y="0"/>
+          <a:ext cx="0" cy="0"/>
+          <a:chOff x="0" y="0"/>
+          <a:chExt cx="0" cy="0"/>
+        </a:xfrm>
+      </p:grpSpPr>
+      <p:sp>
+        <p:nvSpPr>
+          <p:cNvPr id="2" name="Slide Image Placeholder 1">
+            <a:extLst>
+              <a:ext uri="{FF2B5EF4-FFF2-40B4-BE49-F238E27FC236}">
+                <a16:creationId xmlns:a16="http://schemas.microsoft.com/office/drawing/2014/main" id="{8711CEC4-AE77-552C-E28F-E007F72AD713}"/>
+              </a:ext>
+            </a:extLst>
+          </p:cNvPr>
+          <p:cNvSpPr>
+            <a:spLocks noGrp="1" noRot="1" noChangeAspect="1"/>
+          </p:cNvSpPr>
+          <p:nvPr>
+            <p:ph type="sldImg"/>
+          </p:nvPr>
+        </p:nvSpPr>
+        <p:spPr/>
+      </p:sp>
+      <p:sp>
+        <p:nvSpPr>
+          <p:cNvPr id="3" name="Notes Placeholder 2">
+            <a:extLst>
+              <a:ext uri="{FF2B5EF4-FFF2-40B4-BE49-F238E27FC236}">
+                <a16:creationId xmlns:a16="http://schemas.microsoft.com/office/drawing/2014/main" id="{D13FBE2A-8637-C7BB-F205-5DDD71C632AD}"/>
+              </a:ext>
+            </a:extLst>
+          </p:cNvPr>
+          <p:cNvSpPr>
+            <a:spLocks noGrp="1"/>
+          </p:cNvSpPr>
+          <p:nvPr>
+            <p:ph type="body" idx="1"/>
+          </p:nvPr>
+        </p:nvSpPr>
+        <p:spPr/>
+        <p:txBody>
+          <a:bodyPr/>
+          <a:lstStyle/>
+          <a:p>
+            <a:pPr marL="0" indent="0">
+              <a:buNone/>
+            </a:pPr>
+            <a:endParaRPr lang="en-US" dirty="0"/>
+          </a:p>
+        </p:txBody>
+      </p:sp>
+      <p:sp>
+        <p:nvSpPr>
+          <p:cNvPr id="4" name="Slide Number Placeholder 3">
+            <a:extLst>
+              <a:ext uri="{FF2B5EF4-FFF2-40B4-BE49-F238E27FC236}">
+                <a16:creationId xmlns:a16="http://schemas.microsoft.com/office/drawing/2014/main" id="{FD36D316-19DC-B709-334C-9F4AB28C4701}"/>
+              </a:ext>
+            </a:extLst>
+          </p:cNvPr>
+          <p:cNvSpPr>
+            <a:spLocks noGrp="1"/>
+          </p:cNvSpPr>
+          <p:nvPr>
+            <p:ph type="sldNum" sz="quarter" idx="10"/>
+          </p:nvPr>
+        </p:nvSpPr>
+        <p:spPr/>
+        <p:txBody>
+          <a:bodyPr/>
+          <a:lstStyle/>
+          <a:p>
+            <a:fld id="{FFA5E540-6D76-429F-95AD-C7F13B3CAC82}" type="slidenum">
+              <a:rPr lang="en-US" smtClean="0"/>
               <a:t>9</a:t>
             </a:fld>
             <a:endParaRPr lang="en-US" dirty="0"/>
@@ -2129,7 +1910,7 @@
     </p:spTree>
     <p:extLst>
       <p:ext uri="{BB962C8B-B14F-4D97-AF65-F5344CB8AC3E}">
-        <p14:creationId xmlns:p14="http://schemas.microsoft.com/office/powerpoint/2010/main" val="282513375"/>
+        <p14:creationId xmlns:p14="http://schemas.microsoft.com/office/powerpoint/2010/main" val="3186069772"/>
       </p:ext>
     </p:extLst>
   </p:cSld>
@@ -21321,7 +21102,7 @@
           <a:p>
             <a:fld id="{F7015205-6E1C-4AA4-A1F5-F88A14739F8D}" type="datetime1">
               <a:rPr lang="en-US" altLang="zh-CN" smtClean="0"/>
-              <a:t>2/14/2024</a:t>
+              <a:t>4/15/2024</a:t>
             </a:fld>
             <a:endParaRPr lang="en-US"/>
           </a:p>
@@ -21531,7 +21312,7 @@
           <a:p>
             <a:fld id="{C5005B59-A863-49AB-8A46-4FABF628DCDB}" type="datetime1">
               <a:rPr lang="en-US" altLang="zh-CN" smtClean="0"/>
-              <a:t>2/14/2024</a:t>
+              <a:t>4/15/2024</a:t>
             </a:fld>
             <a:endParaRPr lang="en-US"/>
           </a:p>
@@ -21706,7 +21487,7 @@
           <a:p>
             <a:fld id="{B9B359B8-BB35-4942-BB3F-553087A1AB07}" type="datetime1">
               <a:rPr lang="en-US" altLang="zh-CN" smtClean="0"/>
-              <a:t>2/14/2024</a:t>
+              <a:t>4/15/2024</a:t>
             </a:fld>
             <a:endParaRPr lang="en-US"/>
           </a:p>
@@ -21871,7 +21652,7 @@
           <a:p>
             <a:fld id="{0051FDAB-E13B-4DED-ACB5-C97F04F9745D}" type="datetime1">
               <a:rPr lang="en-US" altLang="zh-CN" smtClean="0"/>
-              <a:t>2/14/2024</a:t>
+              <a:t>4/15/2024</a:t>
             </a:fld>
             <a:endParaRPr lang="en-US"/>
           </a:p>
@@ -22058,7 +21839,7 @@
           <a:p>
             <a:fld id="{411C2638-AFB1-4A52-81EA-13B8957633A2}" type="datetime1">
               <a:rPr lang="en-US" altLang="zh-CN" smtClean="0"/>
-              <a:t>2/14/2024</a:t>
+              <a:t>4/15/2024</a:t>
             </a:fld>
             <a:endParaRPr lang="en-US"/>
           </a:p>
@@ -22341,7 +22122,7 @@
           <a:p>
             <a:fld id="{86FEA545-9191-4074-8B47-064CD17714D7}" type="datetime1">
               <a:rPr lang="en-US" altLang="zh-CN" smtClean="0"/>
-              <a:t>2/14/2024</a:t>
+              <a:t>4/15/2024</a:t>
             </a:fld>
             <a:endParaRPr lang="en-US"/>
           </a:p>
@@ -22763,7 +22544,7 @@
           <a:p>
             <a:fld id="{FEDA739D-67B9-461E-9E24-584E6BDA3BCB}" type="datetime1">
               <a:rPr lang="en-US" altLang="zh-CN" smtClean="0"/>
-              <a:t>2/14/2024</a:t>
+              <a:t>4/15/2024</a:t>
             </a:fld>
             <a:endParaRPr lang="en-US"/>
           </a:p>
@@ -22876,7 +22657,7 @@
           <a:p>
             <a:fld id="{9B17A94F-F96B-45CF-824C-A53F0758AB69}" type="datetime1">
               <a:rPr lang="en-US" altLang="zh-CN" smtClean="0"/>
-              <a:t>2/14/2024</a:t>
+              <a:t>4/15/2024</a:t>
             </a:fld>
             <a:endParaRPr lang="en-US"/>
           </a:p>
@@ -22966,7 +22747,7 @@
           <a:p>
             <a:fld id="{0E7E811E-CB35-486D-A51A-D28D7B88C8A1}" type="datetime1">
               <a:rPr lang="en-US" altLang="zh-CN" smtClean="0"/>
-              <a:t>2/14/2024</a:t>
+              <a:t>4/15/2024</a:t>
             </a:fld>
             <a:endParaRPr lang="en-US"/>
           </a:p>
@@ -23238,7 +23019,7 @@
           <a:p>
             <a:fld id="{49060A9D-03E3-407A-91FE-4FD83FD5236C}" type="datetime1">
               <a:rPr lang="en-US" altLang="zh-CN" smtClean="0"/>
-              <a:t>2/14/2024</a:t>
+              <a:t>4/15/2024</a:t>
             </a:fld>
             <a:endParaRPr lang="en-US"/>
           </a:p>
@@ -23491,7 +23272,7 @@
           <a:p>
             <a:fld id="{27EABF16-FC76-43D1-8210-F66033CB86AD}" type="datetime1">
               <a:rPr lang="en-US" altLang="zh-CN" smtClean="0"/>
-              <a:t>2/14/2024</a:t>
+              <a:t>4/15/2024</a:t>
             </a:fld>
             <a:endParaRPr lang="en-US"/>
           </a:p>
@@ -23753,7 +23534,7 @@
           <a:p>
             <a:fld id="{5C24D9CC-1561-4C99-B045-95C038C2B123}" type="datetime1">
               <a:rPr lang="en-US" altLang="zh-CN" smtClean="0"/>
-              <a:t>2/14/2024</a:t>
+              <a:t>4/15/2024</a:t>
             </a:fld>
             <a:endParaRPr lang="en-US"/>
           </a:p>
@@ -24648,7 +24429,7 @@
             </a:r>
             <a:r>
               <a:rPr lang="en-US" altLang="zh-CN" dirty="0"/>
-              <a:t>WMLES in CaNS-2.0</a:t>
+              <a:t>WMLES</a:t>
             </a:r>
             <a:endParaRPr lang="en-US" dirty="0"/>
           </a:p>
@@ -24791,7 +24572,7 @@
         <p:cNvPr id="1" name="">
           <a:extLst>
             <a:ext uri="{FF2B5EF4-FFF2-40B4-BE49-F238E27FC236}">
-              <a16:creationId xmlns:a16="http://schemas.microsoft.com/office/drawing/2014/main" id="{2E905563-DB9F-52CC-C53B-E3FF5597882D}"/>
+              <a16:creationId xmlns:a16="http://schemas.microsoft.com/office/drawing/2014/main" id="{1E441310-FF70-3BAA-6331-1ED6A14632CE}"/>
             </a:ext>
           </a:extLst>
         </p:cNvPr>
@@ -24808,10 +24589,10 @@
       </p:grpSpPr>
       <p:pic>
         <p:nvPicPr>
-          <p:cNvPr id="6" name="Picture 5">
+          <p:cNvPr id="11" name="Picture 10">
             <a:extLst>
               <a:ext uri="{FF2B5EF4-FFF2-40B4-BE49-F238E27FC236}">
-                <a16:creationId xmlns:a16="http://schemas.microsoft.com/office/drawing/2014/main" id="{FB78C7FE-FD8F-51AA-4D8C-7467F9B6F21A}"/>
+                <a16:creationId xmlns:a16="http://schemas.microsoft.com/office/drawing/2014/main" id="{F5233DE3-5287-8A7B-A06F-B00D47E53D07}"/>
               </a:ext>
             </a:extLst>
           </p:cNvPr>
@@ -24828,7 +24609,7 @@
         </p:blipFill>
         <p:spPr>
           <a:xfrm>
-            <a:off x="4572000" y="2062404"/>
+            <a:off x="1371600" y="1752600"/>
             <a:ext cx="3200400" cy="2382407"/>
           </a:xfrm>
           <a:prstGeom prst="rect">
@@ -24838,10 +24619,10 @@
       </p:pic>
       <p:pic>
         <p:nvPicPr>
-          <p:cNvPr id="4" name="Picture 3">
+          <p:cNvPr id="13" name="Picture 12">
             <a:extLst>
               <a:ext uri="{FF2B5EF4-FFF2-40B4-BE49-F238E27FC236}">
-                <a16:creationId xmlns:a16="http://schemas.microsoft.com/office/drawing/2014/main" id="{E76930AD-16F2-5B02-CDA2-BED87F8CE8AD}"/>
+                <a16:creationId xmlns:a16="http://schemas.microsoft.com/office/drawing/2014/main" id="{5241BC39-4FDA-D71C-CA02-A89C295CBAFD}"/>
               </a:ext>
             </a:extLst>
           </p:cNvPr>
@@ -24858,8 +24639,8 @@
         </p:blipFill>
         <p:spPr>
           <a:xfrm>
-            <a:off x="1257300" y="2040016"/>
-            <a:ext cx="3200400" cy="2427184"/>
+            <a:off x="4618826" y="1764167"/>
+            <a:ext cx="3200400" cy="2410557"/>
           </a:xfrm>
           <a:prstGeom prst="rect">
             <a:avLst/>
@@ -24871,7 +24652,7 @@
           <p:cNvPr id="2" name="Title 1">
             <a:extLst>
               <a:ext uri="{FF2B5EF4-FFF2-40B4-BE49-F238E27FC236}">
-                <a16:creationId xmlns:a16="http://schemas.microsoft.com/office/drawing/2014/main" id="{0EFF7BD2-C244-AA5A-D725-298402CE7DD6}"/>
+                <a16:creationId xmlns:a16="http://schemas.microsoft.com/office/drawing/2014/main" id="{18BEBD0A-A0AC-719B-F776-54A1C924C579}"/>
               </a:ext>
             </a:extLst>
           </p:cNvPr>
@@ -24905,7 +24686,7 @@
           <p:cNvPr id="9" name="Rectangle 2">
             <a:extLst>
               <a:ext uri="{FF2B5EF4-FFF2-40B4-BE49-F238E27FC236}">
-                <a16:creationId xmlns:a16="http://schemas.microsoft.com/office/drawing/2014/main" id="{E7176D20-836C-1983-9CFC-7F752845BD51}"/>
+                <a16:creationId xmlns:a16="http://schemas.microsoft.com/office/drawing/2014/main" id="{4A8DB8A6-7A01-F7EB-E464-7976A310F3FC}"/>
               </a:ext>
             </a:extLst>
           </p:cNvPr>
@@ -24971,10 +24752,150 @@
       </p:sp>
       <p:sp>
         <p:nvSpPr>
-          <p:cNvPr id="18" name="内容占位符 2">
+          <p:cNvPr id="14" name="TextBox 13">
             <a:extLst>
               <a:ext uri="{FF2B5EF4-FFF2-40B4-BE49-F238E27FC236}">
-                <a16:creationId xmlns:a16="http://schemas.microsoft.com/office/drawing/2014/main" id="{ECA7E871-F1DC-8D58-CADE-32324F375F7C}"/>
+                <a16:creationId xmlns:a16="http://schemas.microsoft.com/office/drawing/2014/main" id="{5BEF1BBC-C316-7FAA-8226-679AF80BCE67}"/>
+              </a:ext>
+            </a:extLst>
+          </p:cNvPr>
+          <p:cNvSpPr txBox="1"/>
+          <p:nvPr/>
+        </p:nvSpPr>
+        <p:spPr>
+          <a:xfrm>
+            <a:off x="2171184" y="2844704"/>
+            <a:ext cx="1334533" cy="369332"/>
+          </a:xfrm>
+          <a:prstGeom prst="rect">
+            <a:avLst/>
+          </a:prstGeom>
+          <a:noFill/>
+        </p:spPr>
+        <p:txBody>
+          <a:bodyPr wrap="none" rtlCol="0">
+            <a:spAutoFit/>
+          </a:bodyPr>
+          <a:lstStyle/>
+          <a:p>
+            <a:r>
+              <a:rPr lang="en-US" dirty="0"/>
+              <a:t>RETAU180</a:t>
+            </a:r>
+          </a:p>
+        </p:txBody>
+      </p:sp>
+      <p:sp>
+        <p:nvSpPr>
+          <p:cNvPr id="15" name="TextBox 14">
+            <a:extLst>
+              <a:ext uri="{FF2B5EF4-FFF2-40B4-BE49-F238E27FC236}">
+                <a16:creationId xmlns:a16="http://schemas.microsoft.com/office/drawing/2014/main" id="{F3F0CD28-8180-3087-5F54-1E42DE9DD221}"/>
+              </a:ext>
+            </a:extLst>
+          </p:cNvPr>
+          <p:cNvSpPr txBox="1"/>
+          <p:nvPr/>
+        </p:nvSpPr>
+        <p:spPr>
+          <a:xfrm>
+            <a:off x="5466316" y="2805749"/>
+            <a:ext cx="1334533" cy="369332"/>
+          </a:xfrm>
+          <a:prstGeom prst="rect">
+            <a:avLst/>
+          </a:prstGeom>
+          <a:noFill/>
+        </p:spPr>
+        <p:txBody>
+          <a:bodyPr wrap="none" rtlCol="0">
+            <a:spAutoFit/>
+          </a:bodyPr>
+          <a:lstStyle/>
+          <a:p>
+            <a:r>
+              <a:rPr lang="en-US" dirty="0"/>
+              <a:t>RETAU550</a:t>
+            </a:r>
+          </a:p>
+        </p:txBody>
+      </p:sp>
+      <p:sp>
+        <p:nvSpPr>
+          <p:cNvPr id="16" name="TextBox 15">
+            <a:extLst>
+              <a:ext uri="{FF2B5EF4-FFF2-40B4-BE49-F238E27FC236}">
+                <a16:creationId xmlns:a16="http://schemas.microsoft.com/office/drawing/2014/main" id="{1835B301-21BA-877B-235F-07600EF8C242}"/>
+              </a:ext>
+            </a:extLst>
+          </p:cNvPr>
+          <p:cNvSpPr txBox="1"/>
+          <p:nvPr/>
+        </p:nvSpPr>
+        <p:spPr>
+          <a:xfrm>
+            <a:off x="2209800" y="5420557"/>
+            <a:ext cx="1462773" cy="369332"/>
+          </a:xfrm>
+          <a:prstGeom prst="rect">
+            <a:avLst/>
+          </a:prstGeom>
+          <a:noFill/>
+        </p:spPr>
+        <p:txBody>
+          <a:bodyPr wrap="none" rtlCol="0">
+            <a:spAutoFit/>
+          </a:bodyPr>
+          <a:lstStyle/>
+          <a:p>
+            <a:r>
+              <a:rPr lang="en-US" dirty="0"/>
+              <a:t>RETAU1000</a:t>
+            </a:r>
+          </a:p>
+        </p:txBody>
+      </p:sp>
+      <p:sp>
+        <p:nvSpPr>
+          <p:cNvPr id="17" name="TextBox 16">
+            <a:extLst>
+              <a:ext uri="{FF2B5EF4-FFF2-40B4-BE49-F238E27FC236}">
+                <a16:creationId xmlns:a16="http://schemas.microsoft.com/office/drawing/2014/main" id="{8F60D1F8-DEA6-6EA0-43AA-CB2006FDB149}"/>
+              </a:ext>
+            </a:extLst>
+          </p:cNvPr>
+          <p:cNvSpPr txBox="1"/>
+          <p:nvPr/>
+        </p:nvSpPr>
+        <p:spPr>
+          <a:xfrm>
+            <a:off x="5352532" y="5406547"/>
+            <a:ext cx="1462773" cy="369332"/>
+          </a:xfrm>
+          <a:prstGeom prst="rect">
+            <a:avLst/>
+          </a:prstGeom>
+          <a:noFill/>
+        </p:spPr>
+        <p:txBody>
+          <a:bodyPr wrap="none" rtlCol="0">
+            <a:spAutoFit/>
+          </a:bodyPr>
+          <a:lstStyle/>
+          <a:p>
+            <a:r>
+              <a:rPr lang="en-US" dirty="0"/>
+              <a:t>RETAU5200</a:t>
+            </a:r>
+          </a:p>
+        </p:txBody>
+      </p:sp>
+      <p:sp>
+        <p:nvSpPr>
+          <p:cNvPr id="19" name="内容占位符 2">
+            <a:extLst>
+              <a:ext uri="{FF2B5EF4-FFF2-40B4-BE49-F238E27FC236}">
+                <a16:creationId xmlns:a16="http://schemas.microsoft.com/office/drawing/2014/main" id="{8BB2625A-81A8-07C1-264C-8777A3C2A072}"/>
               </a:ext>
             </a:extLst>
           </p:cNvPr>
@@ -24986,7 +24907,7 @@
         <p:spPr bwMode="auto">
           <a:xfrm>
             <a:off x="93652" y="1068111"/>
-            <a:ext cx="9050348" cy="1446487"/>
+            <a:ext cx="9050348" cy="1979889"/>
           </a:xfrm>
           <a:prstGeom prst="rect">
             <a:avLst/>
@@ -25213,169 +25134,113 @@
                 <a:latin typeface="+mn-lt"/>
                 <a:cs typeface="Times New Roman" panose="02020603050405020304" pitchFamily="18" charset="0"/>
               </a:rPr>
-              <a:t>No-slip BC</a:t>
+              <a:t>No-slip</a:t>
             </a:r>
-            <a:endParaRPr lang="en-US" altLang="zh-CN" sz="2000" kern="0" dirty="0">
+            <a:endParaRPr lang="en-US" altLang="zh-CN" sz="2000" kern="0" baseline="30000" dirty="0">
               <a:latin typeface="+mn-lt"/>
               <a:cs typeface="Times New Roman" panose="02020603050405020304" pitchFamily="18" charset="0"/>
             </a:endParaRPr>
           </a:p>
           <a:p>
-            <a:pPr lvl="1"/>
-            <a:r>
-              <a:rPr lang="en-US" altLang="zh-CN" sz="2000" dirty="0">
-                <a:latin typeface="+mn-lt"/>
-                <a:cs typeface="Times New Roman" panose="02020603050405020304" pitchFamily="18" charset="0"/>
-              </a:rPr>
-              <a:t>s</a:t>
-            </a:r>
+            <a:pPr marL="457200" lvl="1" indent="0">
+              <a:buFont typeface="Wingdings" pitchFamily="2" charset="2"/>
+              <a:buNone/>
+            </a:pPr>
+            <a:endParaRPr lang="en-US" altLang="zh-CN" sz="2000" kern="0" baseline="30000" dirty="0">
+              <a:latin typeface="+mn-lt"/>
+              <a:cs typeface="Times New Roman" panose="02020603050405020304" pitchFamily="18" charset="0"/>
+            </a:endParaRPr>
           </a:p>
-        </p:txBody>
-      </p:sp>
-      <p:sp>
-        <p:nvSpPr>
-          <p:cNvPr id="14" name="TextBox 13">
-            <a:extLst>
-              <a:ext uri="{FF2B5EF4-FFF2-40B4-BE49-F238E27FC236}">
-                <a16:creationId xmlns:a16="http://schemas.microsoft.com/office/drawing/2014/main" id="{626DCE55-9064-DF2D-188B-E64D5007A4F7}"/>
-              </a:ext>
-            </a:extLst>
-          </p:cNvPr>
-          <p:cNvSpPr txBox="1"/>
-          <p:nvPr/>
-        </p:nvSpPr>
-        <p:spPr>
-          <a:xfrm>
-            <a:off x="2171184" y="3098623"/>
-            <a:ext cx="1334533" cy="369332"/>
-          </a:xfrm>
-          <a:prstGeom prst="rect">
-            <a:avLst/>
-          </a:prstGeom>
-          <a:noFill/>
-        </p:spPr>
-        <p:txBody>
-          <a:bodyPr wrap="none" rtlCol="0">
-            <a:spAutoFit/>
-          </a:bodyPr>
-          <a:lstStyle/>
           <a:p>
-            <a:r>
-              <a:rPr lang="en-US" dirty="0"/>
-              <a:t>RETAU180</a:t>
-            </a:r>
+            <a:pPr marL="457200" lvl="1" indent="0">
+              <a:buFont typeface="Wingdings" pitchFamily="2" charset="2"/>
+              <a:buNone/>
+            </a:pPr>
+            <a:endParaRPr lang="en-US" altLang="zh-CN" sz="2000" kern="0" baseline="30000" dirty="0">
+              <a:latin typeface="+mn-lt"/>
+              <a:cs typeface="Times New Roman" panose="02020603050405020304" pitchFamily="18" charset="0"/>
+            </a:endParaRPr>
           </a:p>
-        </p:txBody>
-      </p:sp>
-      <p:sp>
-        <p:nvSpPr>
-          <p:cNvPr id="15" name="TextBox 14">
-            <a:extLst>
-              <a:ext uri="{FF2B5EF4-FFF2-40B4-BE49-F238E27FC236}">
-                <a16:creationId xmlns:a16="http://schemas.microsoft.com/office/drawing/2014/main" id="{88834B70-DB70-54FA-9F27-8DE536075B68}"/>
-              </a:ext>
-            </a:extLst>
-          </p:cNvPr>
-          <p:cNvSpPr txBox="1"/>
-          <p:nvPr/>
-        </p:nvSpPr>
-        <p:spPr>
-          <a:xfrm>
-            <a:off x="5352533" y="3058355"/>
-            <a:ext cx="1334533" cy="369332"/>
-          </a:xfrm>
-          <a:prstGeom prst="rect">
-            <a:avLst/>
-          </a:prstGeom>
-          <a:noFill/>
-        </p:spPr>
-        <p:txBody>
-          <a:bodyPr wrap="none" rtlCol="0">
-            <a:spAutoFit/>
-          </a:bodyPr>
-          <a:lstStyle/>
           <a:p>
-            <a:r>
-              <a:rPr lang="en-US" dirty="0"/>
-              <a:t>RETAU550</a:t>
-            </a:r>
+            <a:pPr marL="457200" lvl="1" indent="0">
+              <a:buFont typeface="Wingdings" pitchFamily="2" charset="2"/>
+              <a:buNone/>
+            </a:pPr>
+            <a:endParaRPr lang="en-US" altLang="zh-CN" sz="2000" kern="0" baseline="30000" dirty="0">
+              <a:latin typeface="+mn-lt"/>
+              <a:cs typeface="Times New Roman" panose="02020603050405020304" pitchFamily="18" charset="0"/>
+            </a:endParaRPr>
           </a:p>
-        </p:txBody>
-      </p:sp>
-      <p:sp>
-        <p:nvSpPr>
-          <p:cNvPr id="16" name="TextBox 15">
-            <a:extLst>
-              <a:ext uri="{FF2B5EF4-FFF2-40B4-BE49-F238E27FC236}">
-                <a16:creationId xmlns:a16="http://schemas.microsoft.com/office/drawing/2014/main" id="{4CF26863-94F6-57C1-F80C-CF838C763E17}"/>
-              </a:ext>
-            </a:extLst>
-          </p:cNvPr>
-          <p:cNvSpPr txBox="1"/>
-          <p:nvPr/>
-        </p:nvSpPr>
-        <p:spPr>
-          <a:xfrm>
-            <a:off x="2209800" y="5420557"/>
-            <a:ext cx="1462773" cy="369332"/>
-          </a:xfrm>
-          <a:prstGeom prst="rect">
-            <a:avLst/>
-          </a:prstGeom>
-          <a:noFill/>
-        </p:spPr>
-        <p:txBody>
-          <a:bodyPr wrap="none" rtlCol="0">
-            <a:spAutoFit/>
-          </a:bodyPr>
-          <a:lstStyle/>
           <a:p>
-            <a:r>
-              <a:rPr lang="en-US" dirty="0"/>
-              <a:t>RETAU1000</a:t>
-            </a:r>
+            <a:pPr marL="457200" lvl="1" indent="0">
+              <a:buFont typeface="Wingdings" pitchFamily="2" charset="2"/>
+              <a:buNone/>
+            </a:pPr>
+            <a:endParaRPr lang="en-US" altLang="zh-CN" sz="2000" kern="0" baseline="30000" dirty="0">
+              <a:latin typeface="+mn-lt"/>
+              <a:cs typeface="Times New Roman" panose="02020603050405020304" pitchFamily="18" charset="0"/>
+            </a:endParaRPr>
           </a:p>
-        </p:txBody>
-      </p:sp>
-      <p:sp>
-        <p:nvSpPr>
-          <p:cNvPr id="17" name="TextBox 16">
-            <a:extLst>
-              <a:ext uri="{FF2B5EF4-FFF2-40B4-BE49-F238E27FC236}">
-                <a16:creationId xmlns:a16="http://schemas.microsoft.com/office/drawing/2014/main" id="{3B8C9E9F-2BE8-EA55-428B-2350DF8E1CB0}"/>
-              </a:ext>
-            </a:extLst>
-          </p:cNvPr>
-          <p:cNvSpPr txBox="1"/>
-          <p:nvPr/>
-        </p:nvSpPr>
-        <p:spPr>
-          <a:xfrm>
-            <a:off x="5352532" y="5406547"/>
-            <a:ext cx="1462773" cy="369332"/>
-          </a:xfrm>
-          <a:prstGeom prst="rect">
-            <a:avLst/>
-          </a:prstGeom>
-          <a:noFill/>
-        </p:spPr>
-        <p:txBody>
-          <a:bodyPr wrap="none" rtlCol="0">
-            <a:spAutoFit/>
-          </a:bodyPr>
-          <a:lstStyle/>
           <a:p>
-            <a:r>
-              <a:rPr lang="en-US" dirty="0"/>
-              <a:t>RETAU5200</a:t>
-            </a:r>
+            <a:pPr marL="457200" lvl="1" indent="0">
+              <a:buFont typeface="Wingdings" pitchFamily="2" charset="2"/>
+              <a:buNone/>
+            </a:pPr>
+            <a:endParaRPr lang="en-US" altLang="zh-CN" sz="2000" kern="0" baseline="30000" dirty="0">
+              <a:latin typeface="+mn-lt"/>
+              <a:cs typeface="Times New Roman" panose="02020603050405020304" pitchFamily="18" charset="0"/>
+            </a:endParaRPr>
+          </a:p>
+          <a:p>
+            <a:pPr marL="457200" lvl="1" indent="0">
+              <a:buFont typeface="Wingdings" pitchFamily="2" charset="2"/>
+              <a:buNone/>
+            </a:pPr>
+            <a:endParaRPr lang="en-US" altLang="zh-CN" sz="2000" kern="0" baseline="30000" dirty="0">
+              <a:latin typeface="+mn-lt"/>
+              <a:cs typeface="Times New Roman" panose="02020603050405020304" pitchFamily="18" charset="0"/>
+            </a:endParaRPr>
+          </a:p>
+          <a:p>
+            <a:pPr marL="457200" lvl="1" indent="0">
+              <a:buFont typeface="Wingdings" pitchFamily="2" charset="2"/>
+              <a:buNone/>
+            </a:pPr>
+            <a:endParaRPr lang="en-US" altLang="zh-CN" sz="2000" kern="0" baseline="30000" dirty="0">
+              <a:latin typeface="+mn-lt"/>
+              <a:cs typeface="Times New Roman" panose="02020603050405020304" pitchFamily="18" charset="0"/>
+            </a:endParaRPr>
+          </a:p>
+          <a:p>
+            <a:pPr>
+              <a:lnSpc>
+                <a:spcPct val="125000"/>
+              </a:lnSpc>
+            </a:pPr>
+            <a:endParaRPr lang="en-US" altLang="zh-CN" sz="2400" kern="0" dirty="0">
+              <a:latin typeface="+mn-lt"/>
+              <a:cs typeface="Times New Roman" panose="02020603050405020304" pitchFamily="18" charset="0"/>
+            </a:endParaRPr>
+          </a:p>
+          <a:p>
+            <a:pPr marL="457200" lvl="1" indent="0">
+              <a:lnSpc>
+                <a:spcPct val="125000"/>
+              </a:lnSpc>
+              <a:buFont typeface="Wingdings" pitchFamily="2" charset="2"/>
+              <a:buNone/>
+            </a:pPr>
+            <a:endParaRPr lang="en-US" altLang="zh-CN" sz="2000" kern="0" dirty="0">
+              <a:latin typeface="+mn-lt"/>
+              <a:cs typeface="Times New Roman" panose="02020603050405020304" pitchFamily="18" charset="0"/>
+            </a:endParaRPr>
           </a:p>
         </p:txBody>
       </p:sp>
     </p:spTree>
     <p:extLst>
       <p:ext uri="{BB962C8B-B14F-4D97-AF65-F5344CB8AC3E}">
-        <p14:creationId xmlns:p14="http://schemas.microsoft.com/office/powerpoint/2010/main" val="3293639466"/>
+        <p14:creationId xmlns:p14="http://schemas.microsoft.com/office/powerpoint/2010/main" val="4283442579"/>
       </p:ext>
     </p:extLst>
   </p:cSld>
@@ -26443,136 +26308,6 @@
           </a:p>
         </p:txBody>
       </p:sp>
-      <p:sp>
-        <p:nvSpPr>
-          <p:cNvPr id="59" name="TextBox 58">
-            <a:extLst>
-              <a:ext uri="{FF2B5EF4-FFF2-40B4-BE49-F238E27FC236}">
-                <a16:creationId xmlns:a16="http://schemas.microsoft.com/office/drawing/2014/main" id="{BB6B4FBE-508A-E38E-975C-A4488FB09E39}"/>
-              </a:ext>
-            </a:extLst>
-          </p:cNvPr>
-          <p:cNvSpPr txBox="1"/>
-          <p:nvPr/>
-        </p:nvSpPr>
-        <p:spPr>
-          <a:xfrm>
-            <a:off x="1786861" y="6412468"/>
-            <a:ext cx="1184940" cy="369332"/>
-          </a:xfrm>
-          <a:prstGeom prst="rect">
-            <a:avLst/>
-          </a:prstGeom>
-          <a:noFill/>
-        </p:spPr>
-        <p:txBody>
-          <a:bodyPr wrap="none" rtlCol="0">
-            <a:spAutoFit/>
-          </a:bodyPr>
-          <a:lstStyle/>
-          <a:p>
-            <a:r>
-              <a:rPr lang="en-US" dirty="0"/>
-              <a:t>Neumann</a:t>
-            </a:r>
-          </a:p>
-        </p:txBody>
-      </p:sp>
-      <p:sp>
-        <p:nvSpPr>
-          <p:cNvPr id="60" name="TextBox 59">
-            <a:extLst>
-              <a:ext uri="{FF2B5EF4-FFF2-40B4-BE49-F238E27FC236}">
-                <a16:creationId xmlns:a16="http://schemas.microsoft.com/office/drawing/2014/main" id="{CAB6FECC-5F82-6284-E96C-30D32FA6BC32}"/>
-              </a:ext>
-            </a:extLst>
-          </p:cNvPr>
-          <p:cNvSpPr txBox="1"/>
-          <p:nvPr/>
-        </p:nvSpPr>
-        <p:spPr>
-          <a:xfrm>
-            <a:off x="6039727" y="6412468"/>
-            <a:ext cx="1317412" cy="369332"/>
-          </a:xfrm>
-          <a:prstGeom prst="rect">
-            <a:avLst/>
-          </a:prstGeom>
-          <a:noFill/>
-        </p:spPr>
-        <p:txBody>
-          <a:bodyPr wrap="none" rtlCol="0">
-            <a:spAutoFit/>
-          </a:bodyPr>
-          <a:lstStyle/>
-          <a:p>
-            <a:r>
-              <a:rPr lang="en-US" dirty="0"/>
-              <a:t>Wall model</a:t>
-            </a:r>
-          </a:p>
-        </p:txBody>
-      </p:sp>
-      <p:pic>
-        <p:nvPicPr>
-          <p:cNvPr id="5" name="Picture 4">
-            <a:extLst>
-              <a:ext uri="{FF2B5EF4-FFF2-40B4-BE49-F238E27FC236}">
-                <a16:creationId xmlns:a16="http://schemas.microsoft.com/office/drawing/2014/main" id="{BB53BF31-CAD9-F27F-3F00-BCBA25526B6B}"/>
-              </a:ext>
-            </a:extLst>
-          </p:cNvPr>
-          <p:cNvPicPr>
-            <a:picLocks noChangeAspect="1"/>
-          </p:cNvPicPr>
-          <p:nvPr/>
-        </p:nvPicPr>
-        <p:blipFill>
-          <a:blip r:embed="rId3"/>
-          <a:stretch>
-            <a:fillRect/>
-          </a:stretch>
-        </p:blipFill>
-        <p:spPr>
-          <a:xfrm>
-            <a:off x="485870" y="3444240"/>
-            <a:ext cx="4000706" cy="2991004"/>
-          </a:xfrm>
-          <a:prstGeom prst="rect">
-            <a:avLst/>
-          </a:prstGeom>
-        </p:spPr>
-      </p:pic>
-      <p:pic>
-        <p:nvPicPr>
-          <p:cNvPr id="11" name="Picture 10">
-            <a:extLst>
-              <a:ext uri="{FF2B5EF4-FFF2-40B4-BE49-F238E27FC236}">
-                <a16:creationId xmlns:a16="http://schemas.microsoft.com/office/drawing/2014/main" id="{11E714D1-86A9-7923-7505-0A1E5630DB09}"/>
-              </a:ext>
-            </a:extLst>
-          </p:cNvPr>
-          <p:cNvPicPr>
-            <a:picLocks noChangeAspect="1"/>
-          </p:cNvPicPr>
-          <p:nvPr/>
-        </p:nvPicPr>
-        <p:blipFill>
-          <a:blip r:embed="rId4"/>
-          <a:stretch>
-            <a:fillRect/>
-          </a:stretch>
-        </p:blipFill>
-        <p:spPr>
-          <a:xfrm>
-            <a:off x="4672243" y="3440515"/>
-            <a:ext cx="3968954" cy="2971953"/>
-          </a:xfrm>
-          <a:prstGeom prst="rect">
-            <a:avLst/>
-          </a:prstGeom>
-        </p:spPr>
-      </p:pic>
     </p:spTree>
     <p:extLst>
       <p:ext uri="{BB962C8B-B14F-4D97-AF65-F5344CB8AC3E}">
@@ -26610,171 +26345,36 @@
           <a:chExt cx="0" cy="0"/>
         </a:xfrm>
       </p:grpSpPr>
-      <p:sp>
-        <p:nvSpPr>
-          <p:cNvPr id="2" name="Title 1">
+      <p:pic>
+        <p:nvPicPr>
+          <p:cNvPr id="15" name="Picture 14">
             <a:extLst>
               <a:ext uri="{FF2B5EF4-FFF2-40B4-BE49-F238E27FC236}">
-                <a16:creationId xmlns:a16="http://schemas.microsoft.com/office/drawing/2014/main" id="{A72ABA0C-9DB1-FCEC-87E4-DB16FD3DFCD6}"/>
+                <a16:creationId xmlns:a16="http://schemas.microsoft.com/office/drawing/2014/main" id="{25F5D429-7755-36CE-9195-80DBED4E3BBB}"/>
               </a:ext>
             </a:extLst>
           </p:cNvPr>
-          <p:cNvSpPr>
-            <a:spLocks noGrp="1"/>
-          </p:cNvSpPr>
-          <p:nvPr>
-            <p:ph type="title"/>
-          </p:nvPr>
-        </p:nvSpPr>
+          <p:cNvPicPr>
+            <a:picLocks noChangeAspect="1"/>
+          </p:cNvPicPr>
+          <p:nvPr/>
+        </p:nvPicPr>
+        <p:blipFill>
+          <a:blip r:embed="rId3"/>
+          <a:stretch>
+            <a:fillRect/>
+          </a:stretch>
+        </p:blipFill>
         <p:spPr>
           <a:xfrm>
-            <a:off x="152400" y="152400"/>
-            <a:ext cx="8610600" cy="838200"/>
+            <a:off x="1181100" y="4072860"/>
+            <a:ext cx="3200400" cy="2407969"/>
           </a:xfrm>
+          <a:prstGeom prst="rect">
+            <a:avLst/>
+          </a:prstGeom>
         </p:spPr>
-        <p:txBody>
-          <a:bodyPr/>
-          <a:lstStyle/>
-          <a:p>
-            <a:r>
-              <a:rPr lang="en-US" altLang="zh-CN" dirty="0"/>
-              <a:t>Channel</a:t>
-            </a:r>
-            <a:endParaRPr lang="zh-CN" altLang="en-US" dirty="0"/>
-          </a:p>
-        </p:txBody>
-      </p:sp>
-      <p:sp>
-        <p:nvSpPr>
-          <p:cNvPr id="7" name="内容占位符 2">
-            <a:extLst>
-              <a:ext uri="{FF2B5EF4-FFF2-40B4-BE49-F238E27FC236}">
-                <a16:creationId xmlns:a16="http://schemas.microsoft.com/office/drawing/2014/main" id="{45C5B1C2-F908-570D-15F0-E873CDDAB71A}"/>
-              </a:ext>
-            </a:extLst>
-          </p:cNvPr>
-          <p:cNvSpPr>
-            <a:spLocks noGrp="1"/>
-          </p:cNvSpPr>
-          <p:nvPr>
-            <p:ph idx="4294967295"/>
-          </p:nvPr>
-        </p:nvSpPr>
-        <p:spPr>
-          <a:xfrm>
-            <a:off x="93652" y="1068111"/>
-            <a:ext cx="9050348" cy="1979889"/>
-          </a:xfrm>
-        </p:spPr>
-        <p:txBody>
-          <a:bodyPr/>
-          <a:lstStyle/>
-          <a:p>
-            <a:r>
-              <a:rPr lang="en-US" altLang="zh-CN" sz="2400" dirty="0">
-                <a:latin typeface="+mn-lt"/>
-                <a:cs typeface="Times New Roman" panose="02020603050405020304" pitchFamily="18" charset="0"/>
-              </a:rPr>
-              <a:t>RETAU180</a:t>
-            </a:r>
-            <a:endParaRPr lang="en-US" altLang="zh-CN" sz="2000" dirty="0">
-              <a:latin typeface="+mn-lt"/>
-              <a:cs typeface="Times New Roman" panose="02020603050405020304" pitchFamily="18" charset="0"/>
-            </a:endParaRPr>
-          </a:p>
-          <a:p>
-            <a:pPr lvl="1"/>
-            <a:r>
-              <a:rPr lang="en-US" altLang="zh-CN" sz="2000" dirty="0">
-                <a:latin typeface="+mn-lt"/>
-                <a:cs typeface="Times New Roman" panose="02020603050405020304" pitchFamily="18" charset="0"/>
-              </a:rPr>
-              <a:t>The results</a:t>
-            </a:r>
-            <a:endParaRPr lang="en-US" altLang="zh-CN" sz="2000" baseline="30000" dirty="0">
-              <a:latin typeface="+mn-lt"/>
-              <a:cs typeface="Times New Roman" panose="02020603050405020304" pitchFamily="18" charset="0"/>
-            </a:endParaRPr>
-          </a:p>
-          <a:p>
-            <a:pPr marL="457200" lvl="1" indent="0">
-              <a:buNone/>
-            </a:pPr>
-            <a:endParaRPr lang="en-US" altLang="zh-CN" sz="2000" baseline="30000" dirty="0">
-              <a:latin typeface="+mn-lt"/>
-              <a:cs typeface="Times New Roman" panose="02020603050405020304" pitchFamily="18" charset="0"/>
-            </a:endParaRPr>
-          </a:p>
-          <a:p>
-            <a:pPr marL="457200" lvl="1" indent="0">
-              <a:buNone/>
-            </a:pPr>
-            <a:endParaRPr lang="en-US" altLang="zh-CN" sz="2000" baseline="30000" dirty="0">
-              <a:latin typeface="+mn-lt"/>
-              <a:cs typeface="Times New Roman" panose="02020603050405020304" pitchFamily="18" charset="0"/>
-            </a:endParaRPr>
-          </a:p>
-          <a:p>
-            <a:pPr marL="457200" lvl="1" indent="0">
-              <a:buNone/>
-            </a:pPr>
-            <a:endParaRPr lang="en-US" altLang="zh-CN" sz="2000" baseline="30000" dirty="0">
-              <a:latin typeface="+mn-lt"/>
-              <a:cs typeface="Times New Roman" panose="02020603050405020304" pitchFamily="18" charset="0"/>
-            </a:endParaRPr>
-          </a:p>
-          <a:p>
-            <a:pPr marL="457200" lvl="1" indent="0">
-              <a:buNone/>
-            </a:pPr>
-            <a:endParaRPr lang="en-US" altLang="zh-CN" sz="2000" baseline="30000" dirty="0">
-              <a:latin typeface="+mn-lt"/>
-              <a:cs typeface="Times New Roman" panose="02020603050405020304" pitchFamily="18" charset="0"/>
-            </a:endParaRPr>
-          </a:p>
-          <a:p>
-            <a:pPr marL="457200" lvl="1" indent="0">
-              <a:buNone/>
-            </a:pPr>
-            <a:endParaRPr lang="en-US" altLang="zh-CN" sz="2000" baseline="30000" dirty="0">
-              <a:latin typeface="+mn-lt"/>
-              <a:cs typeface="Times New Roman" panose="02020603050405020304" pitchFamily="18" charset="0"/>
-            </a:endParaRPr>
-          </a:p>
-          <a:p>
-            <a:pPr marL="457200" lvl="1" indent="0">
-              <a:buNone/>
-            </a:pPr>
-            <a:endParaRPr lang="en-US" altLang="zh-CN" sz="2000" baseline="30000" dirty="0">
-              <a:latin typeface="+mn-lt"/>
-              <a:cs typeface="Times New Roman" panose="02020603050405020304" pitchFamily="18" charset="0"/>
-            </a:endParaRPr>
-          </a:p>
-          <a:p>
-            <a:pPr>
-              <a:lnSpc>
-                <a:spcPct val="125000"/>
-              </a:lnSpc>
-            </a:pPr>
-            <a:endParaRPr lang="en-US" altLang="zh-CN" sz="2400" dirty="0">
-              <a:latin typeface="+mn-lt"/>
-              <a:cs typeface="Times New Roman" panose="02020603050405020304" pitchFamily="18" charset="0"/>
-            </a:endParaRPr>
-          </a:p>
-          <a:p>
-            <a:pPr marL="457200" lvl="1" indent="0">
-              <a:lnSpc>
-                <a:spcPct val="125000"/>
-              </a:lnSpc>
-              <a:buNone/>
-            </a:pPr>
-            <a:endParaRPr lang="en-US" altLang="zh-CN" sz="2000" dirty="0">
-              <a:latin typeface="+mn-lt"/>
-              <a:cs typeface="Times New Roman" panose="02020603050405020304" pitchFamily="18" charset="0"/>
-            </a:endParaRPr>
-          </a:p>
-        </p:txBody>
-      </p:sp>
+      </p:pic>
       <p:sp>
         <p:nvSpPr>
           <p:cNvPr id="9" name="Rectangle 2">
@@ -26844,9 +26444,139 @@
           </a:p>
         </p:txBody>
       </p:sp>
+      <p:pic>
+        <p:nvPicPr>
+          <p:cNvPr id="5" name="Picture 4">
+            <a:extLst>
+              <a:ext uri="{FF2B5EF4-FFF2-40B4-BE49-F238E27FC236}">
+                <a16:creationId xmlns:a16="http://schemas.microsoft.com/office/drawing/2014/main" id="{BB53BF31-CAD9-F27F-3F00-BCBA25526B6B}"/>
+              </a:ext>
+            </a:extLst>
+          </p:cNvPr>
+          <p:cNvPicPr>
+            <a:picLocks noChangeAspect="1"/>
+          </p:cNvPicPr>
+          <p:nvPr/>
+        </p:nvPicPr>
+        <p:blipFill>
+          <a:blip r:embed="rId4"/>
+          <a:stretch>
+            <a:fillRect/>
+          </a:stretch>
+        </p:blipFill>
+        <p:spPr>
+          <a:xfrm>
+            <a:off x="4387115" y="1680180"/>
+            <a:ext cx="3200400" cy="2392680"/>
+          </a:xfrm>
+          <a:prstGeom prst="rect">
+            <a:avLst/>
+          </a:prstGeom>
+        </p:spPr>
+      </p:pic>
+      <p:pic>
+        <p:nvPicPr>
+          <p:cNvPr id="11" name="Picture 10">
+            <a:extLst>
+              <a:ext uri="{FF2B5EF4-FFF2-40B4-BE49-F238E27FC236}">
+                <a16:creationId xmlns:a16="http://schemas.microsoft.com/office/drawing/2014/main" id="{11E714D1-86A9-7923-7505-0A1E5630DB09}"/>
+              </a:ext>
+            </a:extLst>
+          </p:cNvPr>
+          <p:cNvPicPr>
+            <a:picLocks noChangeAspect="1"/>
+          </p:cNvPicPr>
+          <p:nvPr/>
+        </p:nvPicPr>
+        <p:blipFill>
+          <a:blip r:embed="rId5"/>
+          <a:stretch>
+            <a:fillRect/>
+          </a:stretch>
+        </p:blipFill>
+        <p:spPr>
+          <a:xfrm>
+            <a:off x="1181100" y="1676400"/>
+            <a:ext cx="3200400" cy="2396460"/>
+          </a:xfrm>
+          <a:prstGeom prst="rect">
+            <a:avLst/>
+          </a:prstGeom>
+        </p:spPr>
+      </p:pic>
       <p:sp>
         <p:nvSpPr>
-          <p:cNvPr id="59" name="TextBox 58">
+          <p:cNvPr id="4" name="TextBox 3">
+            <a:extLst>
+              <a:ext uri="{FF2B5EF4-FFF2-40B4-BE49-F238E27FC236}">
+                <a16:creationId xmlns:a16="http://schemas.microsoft.com/office/drawing/2014/main" id="{BB6B4FBE-508A-E38E-975C-A4488FB09E39}"/>
+              </a:ext>
+            </a:extLst>
+          </p:cNvPr>
+          <p:cNvSpPr txBox="1"/>
+          <p:nvPr/>
+        </p:nvSpPr>
+        <p:spPr>
+          <a:xfrm>
+            <a:off x="4656926" y="1783314"/>
+            <a:ext cx="1184940" cy="369332"/>
+          </a:xfrm>
+          <a:prstGeom prst="rect">
+            <a:avLst/>
+          </a:prstGeom>
+          <a:noFill/>
+        </p:spPr>
+        <p:txBody>
+          <a:bodyPr wrap="none" rtlCol="0">
+            <a:spAutoFit/>
+          </a:bodyPr>
+          <a:lstStyle/>
+          <a:p>
+            <a:r>
+              <a:rPr lang="en-US" dirty="0"/>
+              <a:t>Neumann</a:t>
+            </a:r>
+          </a:p>
+        </p:txBody>
+      </p:sp>
+      <p:sp>
+        <p:nvSpPr>
+          <p:cNvPr id="6" name="TextBox 5">
+            <a:extLst>
+              <a:ext uri="{FF2B5EF4-FFF2-40B4-BE49-F238E27FC236}">
+                <a16:creationId xmlns:a16="http://schemas.microsoft.com/office/drawing/2014/main" id="{CAB6FECC-5F82-6284-E96C-30D32FA6BC32}"/>
+              </a:ext>
+            </a:extLst>
+          </p:cNvPr>
+          <p:cNvSpPr txBox="1"/>
+          <p:nvPr/>
+        </p:nvSpPr>
+        <p:spPr>
+          <a:xfrm>
+            <a:off x="1463888" y="1810412"/>
+            <a:ext cx="1317412" cy="369332"/>
+          </a:xfrm>
+          <a:prstGeom prst="rect">
+            <a:avLst/>
+          </a:prstGeom>
+          <a:noFill/>
+        </p:spPr>
+        <p:txBody>
+          <a:bodyPr wrap="none" rtlCol="0">
+            <a:spAutoFit/>
+          </a:bodyPr>
+          <a:lstStyle/>
+          <a:p>
+            <a:r>
+              <a:rPr lang="en-US" dirty="0"/>
+              <a:t>Wall model</a:t>
+            </a:r>
+          </a:p>
+        </p:txBody>
+      </p:sp>
+      <p:sp>
+        <p:nvSpPr>
+          <p:cNvPr id="10" name="TextBox 9">
             <a:extLst>
               <a:ext uri="{FF2B5EF4-FFF2-40B4-BE49-F238E27FC236}">
                 <a16:creationId xmlns:a16="http://schemas.microsoft.com/office/drawing/2014/main" id="{0020B962-7A9F-1A81-C259-A27371DD4717}"/>
@@ -26858,7 +26588,7 @@
         </p:nvSpPr>
         <p:spPr>
           <a:xfrm>
-            <a:off x="1786861" y="6412468"/>
+            <a:off x="1463888" y="4206872"/>
             <a:ext cx="902811" cy="369332"/>
           </a:xfrm>
           <a:prstGeom prst="rect">
@@ -26879,36 +26609,293 @@
           </a:p>
         </p:txBody>
       </p:sp>
-      <p:pic>
-        <p:nvPicPr>
-          <p:cNvPr id="8" name="Picture 7">
+      <p:sp>
+        <p:nvSpPr>
+          <p:cNvPr id="13" name="Title 1">
             <a:extLst>
               <a:ext uri="{FF2B5EF4-FFF2-40B4-BE49-F238E27FC236}">
-                <a16:creationId xmlns:a16="http://schemas.microsoft.com/office/drawing/2014/main" id="{04F2A977-0024-4286-9053-4AF8E54F0B19}"/>
+                <a16:creationId xmlns:a16="http://schemas.microsoft.com/office/drawing/2014/main" id="{6FDE24A7-108E-8F3D-A3A0-236CCCB0B9DC}"/>
               </a:ext>
             </a:extLst>
           </p:cNvPr>
-          <p:cNvPicPr>
-            <a:picLocks noChangeAspect="1"/>
-          </p:cNvPicPr>
-          <p:nvPr/>
-        </p:nvPicPr>
-        <p:blipFill>
-          <a:blip r:embed="rId3"/>
-          <a:stretch>
-            <a:fillRect/>
-          </a:stretch>
-        </p:blipFill>
+          <p:cNvSpPr>
+            <a:spLocks noGrp="1"/>
+          </p:cNvSpPr>
+          <p:nvPr>
+            <p:ph type="title"/>
+          </p:nvPr>
+        </p:nvSpPr>
         <p:spPr>
           <a:xfrm>
-            <a:off x="228387" y="3169154"/>
-            <a:ext cx="4019757" cy="2984653"/>
+            <a:off x="152400" y="152400"/>
+            <a:ext cx="8610600" cy="838200"/>
+          </a:xfrm>
+        </p:spPr>
+        <p:txBody>
+          <a:bodyPr/>
+          <a:lstStyle/>
+          <a:p>
+            <a:r>
+              <a:rPr lang="en-US" altLang="zh-CN" dirty="0"/>
+              <a:t>Channel</a:t>
+            </a:r>
+            <a:endParaRPr lang="zh-CN" altLang="en-US" dirty="0"/>
+          </a:p>
+        </p:txBody>
+      </p:sp>
+      <p:sp>
+        <p:nvSpPr>
+          <p:cNvPr id="16" name="内容占位符 2">
+            <a:extLst>
+              <a:ext uri="{FF2B5EF4-FFF2-40B4-BE49-F238E27FC236}">
+                <a16:creationId xmlns:a16="http://schemas.microsoft.com/office/drawing/2014/main" id="{E06380B4-F0EF-0F3E-264F-55AACA038C5F}"/>
+              </a:ext>
+            </a:extLst>
+          </p:cNvPr>
+          <p:cNvSpPr txBox="1">
+            <a:spLocks/>
+          </p:cNvSpPr>
+          <p:nvPr/>
+        </p:nvSpPr>
+        <p:spPr bwMode="auto">
+          <a:xfrm>
+            <a:off x="93652" y="1068112"/>
+            <a:ext cx="9050348" cy="474198"/>
           </a:xfrm>
           <a:prstGeom prst="rect">
             <a:avLst/>
           </a:prstGeom>
+          <a:noFill/>
+          <a:ln>
+            <a:noFill/>
+          </a:ln>
+          <a:extLst>
+            <a:ext uri="{909E8E84-426E-40DD-AFC4-6F175D3DCCD1}">
+              <a14:hiddenFill xmlns:a14="http://schemas.microsoft.com/office/drawing/2010/main">
+                <a:solidFill>
+                  <a:srgbClr val="FFFFFF"/>
+                </a:solidFill>
+              </a14:hiddenFill>
+            </a:ext>
+            <a:ext uri="{91240B29-F687-4F45-9708-019B960494DF}">
+              <a14:hiddenLine xmlns:a14="http://schemas.microsoft.com/office/drawing/2010/main" w="28575">
+                <a:solidFill>
+                  <a:srgbClr val="000000"/>
+                </a:solidFill>
+                <a:miter lim="800000"/>
+                <a:headEnd/>
+                <a:tailEnd/>
+              </a14:hiddenLine>
+            </a:ext>
+          </a:extLst>
         </p:spPr>
-      </p:pic>
+        <p:txBody>
+          <a:bodyPr vert="horz" wrap="square" lIns="91440" tIns="45720" rIns="91440" bIns="45720" numCol="1" anchor="t" anchorCtr="0" compatLnSpc="1">
+            <a:prstTxWarp prst="textNoShape">
+              <a:avLst/>
+            </a:prstTxWarp>
+          </a:bodyPr>
+          <a:lstStyle>
+            <a:lvl1pPr marL="342900" indent="-342900" algn="l" rtl="0" eaLnBrk="1" fontAlgn="base" hangingPunct="1">
+              <a:spcBef>
+                <a:spcPct val="30000"/>
+              </a:spcBef>
+              <a:spcAft>
+                <a:spcPct val="0"/>
+              </a:spcAft>
+              <a:buClr>
+                <a:schemeClr val="hlink"/>
+              </a:buClr>
+              <a:buFont typeface="Wingdings" pitchFamily="2" charset="2"/>
+              <a:buChar char="§"/>
+              <a:defRPr sz="3200">
+                <a:solidFill>
+                  <a:srgbClr val="000066"/>
+                </a:solidFill>
+                <a:latin typeface="微软雅黑" pitchFamily="34" charset="-122"/>
+                <a:ea typeface="微软雅黑" pitchFamily="34" charset="-122"/>
+                <a:cs typeface="+mn-cs"/>
+              </a:defRPr>
+            </a:lvl1pPr>
+            <a:lvl2pPr marL="742950" indent="-285750" algn="l" rtl="0" eaLnBrk="1" fontAlgn="base" hangingPunct="1">
+              <a:spcBef>
+                <a:spcPct val="30000"/>
+              </a:spcBef>
+              <a:spcAft>
+                <a:spcPct val="0"/>
+              </a:spcAft>
+              <a:buClr>
+                <a:schemeClr val="tx2"/>
+              </a:buClr>
+              <a:buSzPct val="85000"/>
+              <a:buFont typeface="Wingdings" pitchFamily="2" charset="2"/>
+              <a:buChar char="Ø"/>
+              <a:defRPr sz="2800">
+                <a:solidFill>
+                  <a:srgbClr val="006666"/>
+                </a:solidFill>
+                <a:latin typeface="微软雅黑" pitchFamily="34" charset="-122"/>
+                <a:ea typeface="微软雅黑" pitchFamily="34" charset="-122"/>
+              </a:defRPr>
+            </a:lvl2pPr>
+            <a:lvl3pPr marL="1143000" indent="-228600" algn="l" rtl="0" eaLnBrk="1" fontAlgn="base" hangingPunct="1">
+              <a:spcBef>
+                <a:spcPct val="30000"/>
+              </a:spcBef>
+              <a:spcAft>
+                <a:spcPct val="0"/>
+              </a:spcAft>
+              <a:buClr>
+                <a:schemeClr val="hlink"/>
+              </a:buClr>
+              <a:buSzPct val="95000"/>
+              <a:buFont typeface="Wingdings 2" pitchFamily="18" charset="2"/>
+              <a:buChar char="¡"/>
+              <a:defRPr sz="2400">
+                <a:solidFill>
+                  <a:schemeClr val="hlink"/>
+                </a:solidFill>
+                <a:latin typeface="微软雅黑" pitchFamily="34" charset="-122"/>
+                <a:ea typeface="微软雅黑" pitchFamily="34" charset="-122"/>
+              </a:defRPr>
+            </a:lvl3pPr>
+            <a:lvl4pPr marL="1600200" indent="-228600" algn="l" rtl="0" eaLnBrk="1" fontAlgn="base" hangingPunct="1">
+              <a:spcBef>
+                <a:spcPct val="30000"/>
+              </a:spcBef>
+              <a:spcAft>
+                <a:spcPct val="0"/>
+              </a:spcAft>
+              <a:buClr>
+                <a:schemeClr val="tx2"/>
+              </a:buClr>
+              <a:buSzPct val="90000"/>
+              <a:buFont typeface="Wingdings" pitchFamily="2" charset="2"/>
+              <a:buChar char="Ø"/>
+              <a:defRPr sz="2000">
+                <a:solidFill>
+                  <a:srgbClr val="990099"/>
+                </a:solidFill>
+                <a:latin typeface="微软雅黑" pitchFamily="34" charset="-122"/>
+                <a:ea typeface="微软雅黑" pitchFamily="34" charset="-122"/>
+              </a:defRPr>
+            </a:lvl4pPr>
+            <a:lvl5pPr marL="2057400" indent="-228600" algn="l" rtl="0" eaLnBrk="1" fontAlgn="base" hangingPunct="1">
+              <a:spcBef>
+                <a:spcPct val="30000"/>
+              </a:spcBef>
+              <a:spcAft>
+                <a:spcPct val="0"/>
+              </a:spcAft>
+              <a:buClr>
+                <a:schemeClr val="hlink"/>
+              </a:buClr>
+              <a:buFont typeface="Wingdings 2" pitchFamily="18" charset="2"/>
+              <a:buChar char="¡"/>
+              <a:defRPr sz="2000">
+                <a:solidFill>
+                  <a:schemeClr val="tx1"/>
+                </a:solidFill>
+                <a:latin typeface="微软雅黑" pitchFamily="34" charset="-122"/>
+                <a:ea typeface="微软雅黑" pitchFamily="34" charset="-122"/>
+              </a:defRPr>
+            </a:lvl5pPr>
+            <a:lvl6pPr marL="2514600" indent="-228600" algn="l" rtl="0" eaLnBrk="1" fontAlgn="base" hangingPunct="1">
+              <a:spcBef>
+                <a:spcPct val="30000"/>
+              </a:spcBef>
+              <a:spcAft>
+                <a:spcPct val="0"/>
+              </a:spcAft>
+              <a:buClr>
+                <a:schemeClr val="hlink"/>
+              </a:buClr>
+              <a:buFont typeface="Wingdings 2" pitchFamily="18" charset="2"/>
+              <a:buChar char="¡"/>
+              <a:defRPr sz="2000">
+                <a:solidFill>
+                  <a:schemeClr val="tx1"/>
+                </a:solidFill>
+                <a:latin typeface="+mn-lt"/>
+                <a:ea typeface="+mn-ea"/>
+              </a:defRPr>
+            </a:lvl6pPr>
+            <a:lvl7pPr marL="2971800" indent="-228600" algn="l" rtl="0" eaLnBrk="1" fontAlgn="base" hangingPunct="1">
+              <a:spcBef>
+                <a:spcPct val="30000"/>
+              </a:spcBef>
+              <a:spcAft>
+                <a:spcPct val="0"/>
+              </a:spcAft>
+              <a:buClr>
+                <a:schemeClr val="hlink"/>
+              </a:buClr>
+              <a:buFont typeface="Wingdings 2" pitchFamily="18" charset="2"/>
+              <a:buChar char="¡"/>
+              <a:defRPr sz="2000">
+                <a:solidFill>
+                  <a:schemeClr val="tx1"/>
+                </a:solidFill>
+                <a:latin typeface="+mn-lt"/>
+                <a:ea typeface="+mn-ea"/>
+              </a:defRPr>
+            </a:lvl7pPr>
+            <a:lvl8pPr marL="3429000" indent="-228600" algn="l" rtl="0" eaLnBrk="1" fontAlgn="base" hangingPunct="1">
+              <a:spcBef>
+                <a:spcPct val="30000"/>
+              </a:spcBef>
+              <a:spcAft>
+                <a:spcPct val="0"/>
+              </a:spcAft>
+              <a:buClr>
+                <a:schemeClr val="hlink"/>
+              </a:buClr>
+              <a:buFont typeface="Wingdings 2" pitchFamily="18" charset="2"/>
+              <a:buChar char="¡"/>
+              <a:defRPr sz="2000">
+                <a:solidFill>
+                  <a:schemeClr val="tx1"/>
+                </a:solidFill>
+                <a:latin typeface="+mn-lt"/>
+                <a:ea typeface="+mn-ea"/>
+              </a:defRPr>
+            </a:lvl8pPr>
+            <a:lvl9pPr marL="3886200" indent="-228600" algn="l" rtl="0" eaLnBrk="1" fontAlgn="base" hangingPunct="1">
+              <a:spcBef>
+                <a:spcPct val="30000"/>
+              </a:spcBef>
+              <a:spcAft>
+                <a:spcPct val="0"/>
+              </a:spcAft>
+              <a:buClr>
+                <a:schemeClr val="hlink"/>
+              </a:buClr>
+              <a:buFont typeface="Wingdings 2" pitchFamily="18" charset="2"/>
+              <a:buChar char="¡"/>
+              <a:defRPr sz="2000">
+                <a:solidFill>
+                  <a:schemeClr val="tx1"/>
+                </a:solidFill>
+                <a:latin typeface="+mn-lt"/>
+                <a:ea typeface="+mn-ea"/>
+              </a:defRPr>
+            </a:lvl9pPr>
+          </a:lstStyle>
+          <a:p>
+            <a:r>
+              <a:rPr lang="en-US" altLang="zh-CN" sz="2400" kern="0" dirty="0">
+                <a:latin typeface="+mn-lt"/>
+                <a:cs typeface="Times New Roman" panose="02020603050405020304" pitchFamily="18" charset="0"/>
+              </a:rPr>
+              <a:t>RETAU180</a:t>
+            </a:r>
+            <a:endParaRPr lang="en-US" altLang="zh-CN" sz="2000" kern="0" dirty="0">
+              <a:latin typeface="+mn-lt"/>
+              <a:cs typeface="Times New Roman" panose="02020603050405020304" pitchFamily="18" charset="0"/>
+            </a:endParaRPr>
+          </a:p>
+        </p:txBody>
+      </p:sp>
     </p:spTree>
     <p:extLst>
       <p:ext uri="{BB962C8B-B14F-4D97-AF65-F5344CB8AC3E}">
@@ -26998,8 +26985,8 @@
         </p:nvSpPr>
         <p:spPr>
           <a:xfrm>
-            <a:off x="93652" y="1068111"/>
-            <a:ext cx="9050348" cy="1979889"/>
+            <a:off x="93652" y="1068112"/>
+            <a:ext cx="9050348" cy="455888"/>
           </a:xfrm>
         </p:spPr>
         <p:txBody>
@@ -27012,20 +26999,6 @@
                 <a:cs typeface="Times New Roman" panose="02020603050405020304" pitchFamily="18" charset="0"/>
               </a:rPr>
               <a:t>RETAU550</a:t>
-            </a:r>
-            <a:endParaRPr lang="en-US" altLang="zh-CN" sz="2000" dirty="0">
-              <a:latin typeface="+mn-lt"/>
-              <a:cs typeface="Times New Roman" panose="02020603050405020304" pitchFamily="18" charset="0"/>
-            </a:endParaRPr>
-          </a:p>
-          <a:p>
-            <a:pPr lvl="1"/>
-            <a:r>
-              <a:rPr lang="en-US" altLang="zh-CN" sz="2000" dirty="0">
-                <a:latin typeface="+mn-lt"/>
-                <a:cs typeface="Times New Roman" panose="02020603050405020304" pitchFamily="18" charset="0"/>
-              </a:rPr>
-              <a:t>Both</a:t>
             </a:r>
             <a:endParaRPr lang="en-US" altLang="zh-CN" sz="2000" baseline="30000" dirty="0">
               <a:latin typeface="+mn-lt"/>
@@ -27189,9 +27162,99 @@
           </a:p>
         </p:txBody>
       </p:sp>
+      <p:pic>
+        <p:nvPicPr>
+          <p:cNvPr id="4" name="Picture 3">
+            <a:extLst>
+              <a:ext uri="{FF2B5EF4-FFF2-40B4-BE49-F238E27FC236}">
+                <a16:creationId xmlns:a16="http://schemas.microsoft.com/office/drawing/2014/main" id="{FC2977A1-E315-3C41-7054-E921C9EA2037}"/>
+              </a:ext>
+            </a:extLst>
+          </p:cNvPr>
+          <p:cNvPicPr>
+            <a:picLocks noChangeAspect="1"/>
+          </p:cNvPicPr>
+          <p:nvPr/>
+        </p:nvPicPr>
+        <p:blipFill>
+          <a:blip r:embed="rId3"/>
+          <a:stretch>
+            <a:fillRect/>
+          </a:stretch>
+        </p:blipFill>
+        <p:spPr>
+          <a:xfrm>
+            <a:off x="1143000" y="1723106"/>
+            <a:ext cx="3200400" cy="2423454"/>
+          </a:xfrm>
+          <a:prstGeom prst="rect">
+            <a:avLst/>
+          </a:prstGeom>
+        </p:spPr>
+      </p:pic>
+      <p:pic>
+        <p:nvPicPr>
+          <p:cNvPr id="5" name="Picture 4">
+            <a:extLst>
+              <a:ext uri="{FF2B5EF4-FFF2-40B4-BE49-F238E27FC236}">
+                <a16:creationId xmlns:a16="http://schemas.microsoft.com/office/drawing/2014/main" id="{F7776D60-DF05-E43D-82AE-7A57096B561E}"/>
+              </a:ext>
+            </a:extLst>
+          </p:cNvPr>
+          <p:cNvPicPr>
+            <a:picLocks noChangeAspect="1"/>
+          </p:cNvPicPr>
+          <p:nvPr/>
+        </p:nvPicPr>
+        <p:blipFill>
+          <a:blip r:embed="rId4"/>
+          <a:stretch>
+            <a:fillRect/>
+          </a:stretch>
+        </p:blipFill>
+        <p:spPr>
+          <a:xfrm>
+            <a:off x="4486436" y="1723106"/>
+            <a:ext cx="3200400" cy="2393960"/>
+          </a:xfrm>
+          <a:prstGeom prst="rect">
+            <a:avLst/>
+          </a:prstGeom>
+        </p:spPr>
+      </p:pic>
+      <p:pic>
+        <p:nvPicPr>
+          <p:cNvPr id="8" name="Picture 7">
+            <a:extLst>
+              <a:ext uri="{FF2B5EF4-FFF2-40B4-BE49-F238E27FC236}">
+                <a16:creationId xmlns:a16="http://schemas.microsoft.com/office/drawing/2014/main" id="{A902AA01-3ADF-32C7-EFEC-6BFB7C5E4AF9}"/>
+              </a:ext>
+            </a:extLst>
+          </p:cNvPr>
+          <p:cNvPicPr>
+            <a:picLocks noChangeAspect="1"/>
+          </p:cNvPicPr>
+          <p:nvPr/>
+        </p:nvPicPr>
+        <p:blipFill>
+          <a:blip r:embed="rId5"/>
+          <a:stretch>
+            <a:fillRect/>
+          </a:stretch>
+        </p:blipFill>
+        <p:spPr>
+          <a:xfrm>
+            <a:off x="1143000" y="4146560"/>
+            <a:ext cx="3200400" cy="2415786"/>
+          </a:xfrm>
+          <a:prstGeom prst="rect">
+            <a:avLst/>
+          </a:prstGeom>
+        </p:spPr>
+      </p:pic>
       <p:sp>
         <p:nvSpPr>
-          <p:cNvPr id="59" name="TextBox 58">
+          <p:cNvPr id="10" name="TextBox 9">
             <a:extLst>
               <a:ext uri="{FF2B5EF4-FFF2-40B4-BE49-F238E27FC236}">
                 <a16:creationId xmlns:a16="http://schemas.microsoft.com/office/drawing/2014/main" id="{56C80521-9A4D-908B-A736-B7D17DF69C95}"/>
@@ -27203,7 +27266,7 @@
         </p:nvSpPr>
         <p:spPr>
           <a:xfrm>
-            <a:off x="1786861" y="6412468"/>
+            <a:off x="4712866" y="1893639"/>
             <a:ext cx="1184940" cy="369332"/>
           </a:xfrm>
           <a:prstGeom prst="rect">
@@ -27226,7 +27289,7 @@
       </p:sp>
       <p:sp>
         <p:nvSpPr>
-          <p:cNvPr id="60" name="TextBox 59">
+          <p:cNvPr id="11" name="TextBox 10">
             <a:extLst>
               <a:ext uri="{FF2B5EF4-FFF2-40B4-BE49-F238E27FC236}">
                 <a16:creationId xmlns:a16="http://schemas.microsoft.com/office/drawing/2014/main" id="{C13FB47B-C4D5-57CA-0E70-6769C5A106DB}"/>
@@ -27238,7 +27301,7 @@
         </p:nvSpPr>
         <p:spPr>
           <a:xfrm>
-            <a:off x="6039727" y="6412468"/>
+            <a:off x="1425788" y="1887289"/>
             <a:ext cx="1317412" cy="369332"/>
           </a:xfrm>
           <a:prstGeom prst="rect">
@@ -27259,319 +27322,9 @@
           </a:p>
         </p:txBody>
       </p:sp>
-      <p:pic>
-        <p:nvPicPr>
-          <p:cNvPr id="4" name="Picture 3">
-            <a:extLst>
-              <a:ext uri="{FF2B5EF4-FFF2-40B4-BE49-F238E27FC236}">
-                <a16:creationId xmlns:a16="http://schemas.microsoft.com/office/drawing/2014/main" id="{FC2977A1-E315-3C41-7054-E921C9EA2037}"/>
-              </a:ext>
-            </a:extLst>
-          </p:cNvPr>
-          <p:cNvPicPr>
-            <a:picLocks noChangeAspect="1"/>
-          </p:cNvPicPr>
-          <p:nvPr/>
-        </p:nvPicPr>
-        <p:blipFill>
-          <a:blip r:embed="rId3"/>
-          <a:stretch>
-            <a:fillRect/>
-          </a:stretch>
-        </p:blipFill>
-        <p:spPr>
-          <a:xfrm>
-            <a:off x="4723481" y="3485996"/>
-            <a:ext cx="3949903" cy="2991004"/>
-          </a:xfrm>
-          <a:prstGeom prst="rect">
-            <a:avLst/>
-          </a:prstGeom>
-        </p:spPr>
-      </p:pic>
-    </p:spTree>
-    <p:extLst>
-      <p:ext uri="{BB962C8B-B14F-4D97-AF65-F5344CB8AC3E}">
-        <p14:creationId xmlns:p14="http://schemas.microsoft.com/office/powerpoint/2010/main" val="4034970986"/>
-      </p:ext>
-    </p:extLst>
-  </p:cSld>
-  <p:clrMapOvr>
-    <a:masterClrMapping/>
-  </p:clrMapOvr>
-  <p:transition spd="med" advTm="63997"/>
-</p:sld>
-</file>
-
-<file path=ppt/slides/slide5.xml><?xml version="1.0" encoding="utf-8"?>
-<p:sld xmlns:a="http://schemas.openxmlformats.org/drawingml/2006/main" xmlns:r="http://schemas.openxmlformats.org/officeDocument/2006/relationships" xmlns:p="http://schemas.openxmlformats.org/presentationml/2006/main">
-  <p:cSld>
-    <p:spTree>
-      <p:nvGrpSpPr>
-        <p:cNvPr id="1" name="">
-          <a:extLst>
-            <a:ext uri="{FF2B5EF4-FFF2-40B4-BE49-F238E27FC236}">
-              <a16:creationId xmlns:a16="http://schemas.microsoft.com/office/drawing/2014/main" id="{BBEEE4D8-D958-0554-7B48-2774DBD53346}"/>
-            </a:ext>
-          </a:extLst>
-        </p:cNvPr>
-        <p:cNvGrpSpPr/>
-        <p:nvPr/>
-      </p:nvGrpSpPr>
-      <p:grpSpPr>
-        <a:xfrm>
-          <a:off x="0" y="0"/>
-          <a:ext cx="0" cy="0"/>
-          <a:chOff x="0" y="0"/>
-          <a:chExt cx="0" cy="0"/>
-        </a:xfrm>
-      </p:grpSpPr>
       <p:sp>
         <p:nvSpPr>
-          <p:cNvPr id="2" name="Title 1">
-            <a:extLst>
-              <a:ext uri="{FF2B5EF4-FFF2-40B4-BE49-F238E27FC236}">
-                <a16:creationId xmlns:a16="http://schemas.microsoft.com/office/drawing/2014/main" id="{D07D03FB-2BA4-0290-A7A5-EBBE493EF7BF}"/>
-              </a:ext>
-            </a:extLst>
-          </p:cNvPr>
-          <p:cNvSpPr>
-            <a:spLocks noGrp="1"/>
-          </p:cNvSpPr>
-          <p:nvPr>
-            <p:ph type="title"/>
-          </p:nvPr>
-        </p:nvSpPr>
-        <p:spPr>
-          <a:xfrm>
-            <a:off x="152400" y="152400"/>
-            <a:ext cx="8610600" cy="838200"/>
-          </a:xfrm>
-        </p:spPr>
-        <p:txBody>
-          <a:bodyPr/>
-          <a:lstStyle/>
-          <a:p>
-            <a:r>
-              <a:rPr lang="en-US" altLang="zh-CN" dirty="0"/>
-              <a:t>Channel</a:t>
-            </a:r>
-            <a:endParaRPr lang="zh-CN" altLang="en-US" dirty="0"/>
-          </a:p>
-        </p:txBody>
-      </p:sp>
-      <p:sp>
-        <p:nvSpPr>
-          <p:cNvPr id="7" name="内容占位符 2">
-            <a:extLst>
-              <a:ext uri="{FF2B5EF4-FFF2-40B4-BE49-F238E27FC236}">
-                <a16:creationId xmlns:a16="http://schemas.microsoft.com/office/drawing/2014/main" id="{504AEA5E-AF1F-6B50-DB1E-DB1F4FC503B0}"/>
-              </a:ext>
-            </a:extLst>
-          </p:cNvPr>
-          <p:cNvSpPr>
-            <a:spLocks noGrp="1"/>
-          </p:cNvSpPr>
-          <p:nvPr>
-            <p:ph idx="4294967295"/>
-          </p:nvPr>
-        </p:nvSpPr>
-        <p:spPr>
-          <a:xfrm>
-            <a:off x="93652" y="1068111"/>
-            <a:ext cx="9050348" cy="1979889"/>
-          </a:xfrm>
-        </p:spPr>
-        <p:txBody>
-          <a:bodyPr/>
-          <a:lstStyle/>
-          <a:p>
-            <a:r>
-              <a:rPr lang="en-US" altLang="zh-CN" sz="2400" dirty="0">
-                <a:latin typeface="+mn-lt"/>
-                <a:cs typeface="Times New Roman" panose="02020603050405020304" pitchFamily="18" charset="0"/>
-              </a:rPr>
-              <a:t>RETAU550</a:t>
-            </a:r>
-            <a:endParaRPr lang="en-US" altLang="zh-CN" sz="2000" dirty="0">
-              <a:latin typeface="+mn-lt"/>
-              <a:cs typeface="Times New Roman" panose="02020603050405020304" pitchFamily="18" charset="0"/>
-            </a:endParaRPr>
-          </a:p>
-          <a:p>
-            <a:pPr lvl="1"/>
-            <a:r>
-              <a:rPr lang="en-US" altLang="zh-CN" sz="2000" dirty="0">
-                <a:latin typeface="+mn-lt"/>
-                <a:cs typeface="Times New Roman" panose="02020603050405020304" pitchFamily="18" charset="0"/>
-              </a:rPr>
-              <a:t>Both</a:t>
-            </a:r>
-            <a:endParaRPr lang="en-US" altLang="zh-CN" sz="2000" baseline="30000" dirty="0">
-              <a:latin typeface="+mn-lt"/>
-              <a:cs typeface="Times New Roman" panose="02020603050405020304" pitchFamily="18" charset="0"/>
-            </a:endParaRPr>
-          </a:p>
-          <a:p>
-            <a:pPr marL="457200" lvl="1" indent="0">
-              <a:buNone/>
-            </a:pPr>
-            <a:endParaRPr lang="en-US" altLang="zh-CN" sz="2000" baseline="30000" dirty="0">
-              <a:latin typeface="+mn-lt"/>
-              <a:cs typeface="Times New Roman" panose="02020603050405020304" pitchFamily="18" charset="0"/>
-            </a:endParaRPr>
-          </a:p>
-          <a:p>
-            <a:pPr marL="457200" lvl="1" indent="0">
-              <a:buNone/>
-            </a:pPr>
-            <a:endParaRPr lang="en-US" altLang="zh-CN" sz="2000" baseline="30000" dirty="0">
-              <a:latin typeface="+mn-lt"/>
-              <a:cs typeface="Times New Roman" panose="02020603050405020304" pitchFamily="18" charset="0"/>
-            </a:endParaRPr>
-          </a:p>
-          <a:p>
-            <a:pPr marL="457200" lvl="1" indent="0">
-              <a:buNone/>
-            </a:pPr>
-            <a:endParaRPr lang="en-US" altLang="zh-CN" sz="2000" baseline="30000" dirty="0">
-              <a:latin typeface="+mn-lt"/>
-              <a:cs typeface="Times New Roman" panose="02020603050405020304" pitchFamily="18" charset="0"/>
-            </a:endParaRPr>
-          </a:p>
-          <a:p>
-            <a:pPr marL="457200" lvl="1" indent="0">
-              <a:buNone/>
-            </a:pPr>
-            <a:endParaRPr lang="en-US" altLang="zh-CN" sz="2000" baseline="30000" dirty="0">
-              <a:latin typeface="+mn-lt"/>
-              <a:cs typeface="Times New Roman" panose="02020603050405020304" pitchFamily="18" charset="0"/>
-            </a:endParaRPr>
-          </a:p>
-          <a:p>
-            <a:pPr marL="457200" lvl="1" indent="0">
-              <a:buNone/>
-            </a:pPr>
-            <a:endParaRPr lang="en-US" altLang="zh-CN" sz="2000" baseline="30000" dirty="0">
-              <a:latin typeface="+mn-lt"/>
-              <a:cs typeface="Times New Roman" panose="02020603050405020304" pitchFamily="18" charset="0"/>
-            </a:endParaRPr>
-          </a:p>
-          <a:p>
-            <a:pPr marL="457200" lvl="1" indent="0">
-              <a:buNone/>
-            </a:pPr>
-            <a:endParaRPr lang="en-US" altLang="zh-CN" sz="2000" baseline="30000" dirty="0">
-              <a:latin typeface="+mn-lt"/>
-              <a:cs typeface="Times New Roman" panose="02020603050405020304" pitchFamily="18" charset="0"/>
-            </a:endParaRPr>
-          </a:p>
-          <a:p>
-            <a:pPr marL="457200" lvl="1" indent="0">
-              <a:buNone/>
-            </a:pPr>
-            <a:endParaRPr lang="en-US" altLang="zh-CN" sz="2000" baseline="30000" dirty="0">
-              <a:latin typeface="+mn-lt"/>
-              <a:cs typeface="Times New Roman" panose="02020603050405020304" pitchFamily="18" charset="0"/>
-            </a:endParaRPr>
-          </a:p>
-          <a:p>
-            <a:pPr>
-              <a:lnSpc>
-                <a:spcPct val="125000"/>
-              </a:lnSpc>
-            </a:pPr>
-            <a:endParaRPr lang="en-US" altLang="zh-CN" sz="2400" dirty="0">
-              <a:latin typeface="+mn-lt"/>
-              <a:cs typeface="Times New Roman" panose="02020603050405020304" pitchFamily="18" charset="0"/>
-            </a:endParaRPr>
-          </a:p>
-          <a:p>
-            <a:pPr marL="457200" lvl="1" indent="0">
-              <a:lnSpc>
-                <a:spcPct val="125000"/>
-              </a:lnSpc>
-              <a:buNone/>
-            </a:pPr>
-            <a:endParaRPr lang="en-US" altLang="zh-CN" sz="2000" dirty="0">
-              <a:latin typeface="+mn-lt"/>
-              <a:cs typeface="Times New Roman" panose="02020603050405020304" pitchFamily="18" charset="0"/>
-            </a:endParaRPr>
-          </a:p>
-        </p:txBody>
-      </p:sp>
-      <p:sp>
-        <p:nvSpPr>
-          <p:cNvPr id="9" name="Rectangle 2">
-            <a:extLst>
-              <a:ext uri="{FF2B5EF4-FFF2-40B4-BE49-F238E27FC236}">
-                <a16:creationId xmlns:a16="http://schemas.microsoft.com/office/drawing/2014/main" id="{AE5CABD3-343E-86A3-7C47-95DEDC1DF35C}"/>
-              </a:ext>
-            </a:extLst>
-          </p:cNvPr>
-          <p:cNvSpPr>
-            <a:spLocks noChangeArrowheads="1"/>
-          </p:cNvSpPr>
-          <p:nvPr/>
-        </p:nvSpPr>
-        <p:spPr bwMode="auto">
-          <a:xfrm>
-            <a:off x="0" y="0"/>
-            <a:ext cx="9144000" cy="0"/>
-          </a:xfrm>
-          <a:prstGeom prst="rect">
-            <a:avLst/>
-          </a:prstGeom>
-          <a:noFill/>
-          <a:ln>
-            <a:noFill/>
-          </a:ln>
-          <a:effectLst/>
-          <a:extLst>
-            <a:ext uri="{909E8E84-426E-40DD-AFC4-6F175D3DCCD1}">
-              <a14:hiddenFill xmlns:a14="http://schemas.microsoft.com/office/drawing/2010/main">
-                <a:solidFill>
-                  <a:schemeClr val="accent1"/>
-                </a:solidFill>
-              </a14:hiddenFill>
-            </a:ext>
-            <a:ext uri="{91240B29-F687-4F45-9708-019B960494DF}">
-              <a14:hiddenLine xmlns:a14="http://schemas.microsoft.com/office/drawing/2010/main" w="9525">
-                <a:solidFill>
-                  <a:schemeClr val="tx1"/>
-                </a:solidFill>
-                <a:miter lim="800000"/>
-                <a:headEnd/>
-                <a:tailEnd/>
-              </a14:hiddenLine>
-            </a:ext>
-            <a:ext uri="{AF507438-7753-43E0-B8FC-AC1667EBCBE1}">
-              <a14:hiddenEffects xmlns:a14="http://schemas.microsoft.com/office/drawing/2010/main">
-                <a:effectLst>
-                  <a:outerShdw dist="35921" dir="2700000" algn="ctr" rotWithShape="0">
-                    <a:schemeClr val="bg2"/>
-                  </a:outerShdw>
-                </a:effectLst>
-              </a14:hiddenEffects>
-            </a:ext>
-          </a:extLst>
-        </p:spPr>
-        <p:txBody>
-          <a:bodyPr vert="horz" wrap="none" lIns="91440" tIns="45720" rIns="91440" bIns="45720" numCol="1" anchor="ctr" anchorCtr="0" compatLnSpc="1">
-            <a:prstTxWarp prst="textNoShape">
-              <a:avLst/>
-            </a:prstTxWarp>
-            <a:spAutoFit/>
-          </a:bodyPr>
-          <a:lstStyle/>
-          <a:p>
-            <a:endParaRPr lang="zh-CN" altLang="en-US"/>
-          </a:p>
-        </p:txBody>
-      </p:sp>
-      <p:sp>
-        <p:nvSpPr>
-          <p:cNvPr id="59" name="TextBox 58">
+          <p:cNvPr id="12" name="TextBox 11">
             <a:extLst>
               <a:ext uri="{FF2B5EF4-FFF2-40B4-BE49-F238E27FC236}">
                 <a16:creationId xmlns:a16="http://schemas.microsoft.com/office/drawing/2014/main" id="{6F7B2530-1540-3C45-7A67-DEA44B00630D}"/>
@@ -27583,7 +27336,7 @@
         </p:nvSpPr>
         <p:spPr>
           <a:xfrm>
-            <a:off x="1786861" y="6412468"/>
+            <a:off x="1403921" y="4317093"/>
             <a:ext cx="902811" cy="369332"/>
           </a:xfrm>
           <a:prstGeom prst="rect">
@@ -27604,75 +27357,10 @@
           </a:p>
         </p:txBody>
       </p:sp>
-      <p:sp>
-        <p:nvSpPr>
-          <p:cNvPr id="60" name="TextBox 59">
-            <a:extLst>
-              <a:ext uri="{FF2B5EF4-FFF2-40B4-BE49-F238E27FC236}">
-                <a16:creationId xmlns:a16="http://schemas.microsoft.com/office/drawing/2014/main" id="{D43A2CFC-2DA0-DC58-7055-FB43889C5B26}"/>
-              </a:ext>
-            </a:extLst>
-          </p:cNvPr>
-          <p:cNvSpPr txBox="1"/>
-          <p:nvPr/>
-        </p:nvSpPr>
-        <p:spPr>
-          <a:xfrm>
-            <a:off x="6039727" y="6412468"/>
-            <a:ext cx="1317412" cy="369332"/>
-          </a:xfrm>
-          <a:prstGeom prst="rect">
-            <a:avLst/>
-          </a:prstGeom>
-          <a:noFill/>
-        </p:spPr>
-        <p:txBody>
-          <a:bodyPr wrap="none" rtlCol="0">
-            <a:spAutoFit/>
-          </a:bodyPr>
-          <a:lstStyle/>
-          <a:p>
-            <a:r>
-              <a:rPr lang="en-US" dirty="0"/>
-              <a:t>Wall model</a:t>
-            </a:r>
-          </a:p>
-        </p:txBody>
-      </p:sp>
-      <p:pic>
-        <p:nvPicPr>
-          <p:cNvPr id="6" name="Picture 5">
-            <a:extLst>
-              <a:ext uri="{FF2B5EF4-FFF2-40B4-BE49-F238E27FC236}">
-                <a16:creationId xmlns:a16="http://schemas.microsoft.com/office/drawing/2014/main" id="{29D43F04-3181-1DB2-66CD-724EAE85FC83}"/>
-              </a:ext>
-            </a:extLst>
-          </p:cNvPr>
-          <p:cNvPicPr>
-            <a:picLocks noChangeAspect="1"/>
-          </p:cNvPicPr>
-          <p:nvPr/>
-        </p:nvPicPr>
-        <p:blipFill>
-          <a:blip r:embed="rId3"/>
-          <a:stretch>
-            <a:fillRect/>
-          </a:stretch>
-        </p:blipFill>
-        <p:spPr>
-          <a:xfrm>
-            <a:off x="495096" y="3445933"/>
-            <a:ext cx="3962604" cy="2952902"/>
-          </a:xfrm>
-          <a:prstGeom prst="rect">
-            <a:avLst/>
-          </a:prstGeom>
-        </p:spPr>
-      </p:pic>
     </p:spTree>
     <p:extLst>
       <p:ext uri="{BB962C8B-B14F-4D97-AF65-F5344CB8AC3E}">
-        <p14:creationId xmlns:p14="http://schemas.microsoft.com/office/powerpoint/2010/main" val="128865218"/>
+        <p14:creationId xmlns:p14="http://schemas.microsoft.com/office/powerpoint/2010/main" val="4034970986"/>
       </p:ext>
     </p:extLst>
   </p:cSld>
@@ -27683,7 +27371,7 @@
 </p:sld>
 </file>
 
-<file path=ppt/slides/slide6.xml><?xml version="1.0" encoding="utf-8"?>
+<file path=ppt/slides/slide5.xml><?xml version="1.0" encoding="utf-8"?>
 <p:sld xmlns:a="http://schemas.openxmlformats.org/drawingml/2006/main" xmlns:r="http://schemas.openxmlformats.org/officeDocument/2006/relationships" xmlns:p="http://schemas.openxmlformats.org/presentationml/2006/main">
   <p:cSld>
     <p:spTree>
@@ -27772,20 +27460,6 @@
                 <a:cs typeface="Times New Roman" panose="02020603050405020304" pitchFamily="18" charset="0"/>
               </a:rPr>
               <a:t>RETAU1000</a:t>
-            </a:r>
-            <a:endParaRPr lang="en-US" altLang="zh-CN" sz="2000" dirty="0">
-              <a:latin typeface="+mn-lt"/>
-              <a:cs typeface="Times New Roman" panose="02020603050405020304" pitchFamily="18" charset="0"/>
-            </a:endParaRPr>
-          </a:p>
-          <a:p>
-            <a:pPr lvl="1"/>
-            <a:r>
-              <a:rPr lang="en-US" altLang="zh-CN" sz="2000" dirty="0">
-                <a:latin typeface="+mn-lt"/>
-                <a:cs typeface="Times New Roman" panose="02020603050405020304" pitchFamily="18" charset="0"/>
-              </a:rPr>
-              <a:t>Both</a:t>
             </a:r>
             <a:endParaRPr lang="en-US" altLang="zh-CN" sz="2000" baseline="30000" dirty="0">
               <a:latin typeface="+mn-lt"/>
@@ -27949,9 +27623,69 @@
           </a:p>
         </p:txBody>
       </p:sp>
+      <p:pic>
+        <p:nvPicPr>
+          <p:cNvPr id="6" name="Picture 5">
+            <a:extLst>
+              <a:ext uri="{FF2B5EF4-FFF2-40B4-BE49-F238E27FC236}">
+                <a16:creationId xmlns:a16="http://schemas.microsoft.com/office/drawing/2014/main" id="{B59DF556-E795-2300-7F43-648997D04089}"/>
+              </a:ext>
+            </a:extLst>
+          </p:cNvPr>
+          <p:cNvPicPr>
+            <a:picLocks noChangeAspect="1"/>
+          </p:cNvPicPr>
+          <p:nvPr/>
+        </p:nvPicPr>
+        <p:blipFill>
+          <a:blip r:embed="rId3"/>
+          <a:stretch>
+            <a:fillRect/>
+          </a:stretch>
+        </p:blipFill>
+        <p:spPr>
+          <a:xfrm>
+            <a:off x="914400" y="1676400"/>
+            <a:ext cx="3200400" cy="2372359"/>
+          </a:xfrm>
+          <a:prstGeom prst="rect">
+            <a:avLst/>
+          </a:prstGeom>
+        </p:spPr>
+      </p:pic>
+      <p:pic>
+        <p:nvPicPr>
+          <p:cNvPr id="4" name="Picture 3">
+            <a:extLst>
+              <a:ext uri="{FF2B5EF4-FFF2-40B4-BE49-F238E27FC236}">
+                <a16:creationId xmlns:a16="http://schemas.microsoft.com/office/drawing/2014/main" id="{BEB93039-8369-B913-4A11-AE5A4E08A72D}"/>
+              </a:ext>
+            </a:extLst>
+          </p:cNvPr>
+          <p:cNvPicPr>
+            <a:picLocks noChangeAspect="1"/>
+          </p:cNvPicPr>
+          <p:nvPr/>
+        </p:nvPicPr>
+        <p:blipFill>
+          <a:blip r:embed="rId4"/>
+          <a:stretch>
+            <a:fillRect/>
+          </a:stretch>
+        </p:blipFill>
+        <p:spPr>
+          <a:xfrm>
+            <a:off x="4114800" y="1676400"/>
+            <a:ext cx="3200400" cy="2397744"/>
+          </a:xfrm>
+          <a:prstGeom prst="rect">
+            <a:avLst/>
+          </a:prstGeom>
+        </p:spPr>
+      </p:pic>
       <p:sp>
         <p:nvSpPr>
-          <p:cNvPr id="59" name="TextBox 58">
+          <p:cNvPr id="5" name="TextBox 4">
             <a:extLst>
               <a:ext uri="{FF2B5EF4-FFF2-40B4-BE49-F238E27FC236}">
                 <a16:creationId xmlns:a16="http://schemas.microsoft.com/office/drawing/2014/main" id="{1E333F98-D969-7680-D0BE-D006F8E4AA33}"/>
@@ -27963,7 +27697,7 @@
         </p:nvSpPr>
         <p:spPr>
           <a:xfrm>
-            <a:off x="1786861" y="6412468"/>
+            <a:off x="4402469" y="1837912"/>
             <a:ext cx="1184940" cy="369332"/>
           </a:xfrm>
           <a:prstGeom prst="rect">
@@ -27986,7 +27720,7 @@
       </p:sp>
       <p:sp>
         <p:nvSpPr>
-          <p:cNvPr id="60" name="TextBox 59">
+          <p:cNvPr id="8" name="TextBox 7">
             <a:extLst>
               <a:ext uri="{FF2B5EF4-FFF2-40B4-BE49-F238E27FC236}">
                 <a16:creationId xmlns:a16="http://schemas.microsoft.com/office/drawing/2014/main" id="{BEAADFC7-883F-BEFB-D78E-E7BE34CB3B01}"/>
@@ -27998,7 +27732,7 @@
         </p:nvSpPr>
         <p:spPr>
           <a:xfrm>
-            <a:off x="6039727" y="6412468"/>
+            <a:off x="1119589" y="1837912"/>
             <a:ext cx="1317412" cy="369332"/>
           </a:xfrm>
           <a:prstGeom prst="rect">
@@ -28019,36 +27753,6 @@
           </a:p>
         </p:txBody>
       </p:sp>
-      <p:pic>
-        <p:nvPicPr>
-          <p:cNvPr id="6" name="Picture 5">
-            <a:extLst>
-              <a:ext uri="{FF2B5EF4-FFF2-40B4-BE49-F238E27FC236}">
-                <a16:creationId xmlns:a16="http://schemas.microsoft.com/office/drawing/2014/main" id="{B59DF556-E795-2300-7F43-648997D04089}"/>
-              </a:ext>
-            </a:extLst>
-          </p:cNvPr>
-          <p:cNvPicPr>
-            <a:picLocks noChangeAspect="1"/>
-          </p:cNvPicPr>
-          <p:nvPr/>
-        </p:nvPicPr>
-        <p:blipFill>
-          <a:blip r:embed="rId3"/>
-          <a:stretch>
-            <a:fillRect/>
-          </a:stretch>
-        </p:blipFill>
-        <p:spPr>
-          <a:xfrm>
-            <a:off x="4618826" y="3446866"/>
-            <a:ext cx="4000706" cy="2965602"/>
-          </a:xfrm>
-          <a:prstGeom prst="rect">
-            <a:avLst/>
-          </a:prstGeom>
-        </p:spPr>
-      </p:pic>
     </p:spTree>
     <p:extLst>
       <p:ext uri="{BB962C8B-B14F-4D97-AF65-F5344CB8AC3E}">
@@ -28063,7 +27767,7 @@
 </p:sld>
 </file>
 
-<file path=ppt/slides/slide7.xml><?xml version="1.0" encoding="utf-8"?>
+<file path=ppt/slides/slide6.xml><?xml version="1.0" encoding="utf-8"?>
 <p:sld xmlns:a="http://schemas.openxmlformats.org/drawingml/2006/main" xmlns:r="http://schemas.openxmlformats.org/officeDocument/2006/relationships" xmlns:p="http://schemas.openxmlformats.org/presentationml/2006/main">
   <p:cSld>
     <p:spTree>
@@ -28444,76 +28148,6 @@
           </a:p>
         </p:txBody>
       </p:sp>
-      <p:sp>
-        <p:nvSpPr>
-          <p:cNvPr id="41" name="TextBox 40">
-            <a:extLst>
-              <a:ext uri="{FF2B5EF4-FFF2-40B4-BE49-F238E27FC236}">
-                <a16:creationId xmlns:a16="http://schemas.microsoft.com/office/drawing/2014/main" id="{CEFC1CA4-6BDA-687A-BF4B-114098DF5FEC}"/>
-              </a:ext>
-            </a:extLst>
-          </p:cNvPr>
-          <p:cNvSpPr txBox="1"/>
-          <p:nvPr/>
-        </p:nvSpPr>
-        <p:spPr>
-          <a:xfrm>
-            <a:off x="1786861" y="6412468"/>
-            <a:ext cx="1184940" cy="369332"/>
-          </a:xfrm>
-          <a:prstGeom prst="rect">
-            <a:avLst/>
-          </a:prstGeom>
-          <a:noFill/>
-        </p:spPr>
-        <p:txBody>
-          <a:bodyPr wrap="none" rtlCol="0">
-            <a:spAutoFit/>
-          </a:bodyPr>
-          <a:lstStyle/>
-          <a:p>
-            <a:r>
-              <a:rPr lang="en-US" dirty="0"/>
-              <a:t>Neumann</a:t>
-            </a:r>
-          </a:p>
-        </p:txBody>
-      </p:sp>
-      <p:sp>
-        <p:nvSpPr>
-          <p:cNvPr id="42" name="TextBox 41">
-            <a:extLst>
-              <a:ext uri="{FF2B5EF4-FFF2-40B4-BE49-F238E27FC236}">
-                <a16:creationId xmlns:a16="http://schemas.microsoft.com/office/drawing/2014/main" id="{1312CB8D-E9F5-FF1E-4ED8-D2F0EB944E34}"/>
-              </a:ext>
-            </a:extLst>
-          </p:cNvPr>
-          <p:cNvSpPr txBox="1"/>
-          <p:nvPr/>
-        </p:nvSpPr>
-        <p:spPr>
-          <a:xfrm>
-            <a:off x="6039727" y="6412468"/>
-            <a:ext cx="1317412" cy="369332"/>
-          </a:xfrm>
-          <a:prstGeom prst="rect">
-            <a:avLst/>
-          </a:prstGeom>
-          <a:noFill/>
-        </p:spPr>
-        <p:txBody>
-          <a:bodyPr wrap="none" rtlCol="0">
-            <a:spAutoFit/>
-          </a:bodyPr>
-          <a:lstStyle/>
-          <a:p>
-            <a:r>
-              <a:rPr lang="en-US" dirty="0"/>
-              <a:t>Wall model</a:t>
-            </a:r>
-          </a:p>
-        </p:txBody>
-      </p:sp>
       <p:pic>
         <p:nvPicPr>
           <p:cNvPr id="8" name="Picture 7">
@@ -28536,8 +28170,8 @@
         </p:blipFill>
         <p:spPr>
           <a:xfrm>
-            <a:off x="603923" y="3378045"/>
-            <a:ext cx="3962604" cy="2984653"/>
+            <a:off x="4173870" y="2754406"/>
+            <a:ext cx="3200400" cy="2410557"/>
           </a:xfrm>
           <a:prstGeom prst="rect">
             <a:avLst/>
@@ -28566,14 +28200,84 @@
         </p:blipFill>
         <p:spPr>
           <a:xfrm>
-            <a:off x="4566527" y="3378045"/>
-            <a:ext cx="3962604" cy="2978303"/>
+            <a:off x="973470" y="2743200"/>
+            <a:ext cx="3200400" cy="2405429"/>
           </a:xfrm>
           <a:prstGeom prst="rect">
             <a:avLst/>
           </a:prstGeom>
         </p:spPr>
       </p:pic>
+      <p:sp>
+        <p:nvSpPr>
+          <p:cNvPr id="3" name="TextBox 2">
+            <a:extLst>
+              <a:ext uri="{FF2B5EF4-FFF2-40B4-BE49-F238E27FC236}">
+                <a16:creationId xmlns:a16="http://schemas.microsoft.com/office/drawing/2014/main" id="{CEFC1CA4-6BDA-687A-BF4B-114098DF5FEC}"/>
+              </a:ext>
+            </a:extLst>
+          </p:cNvPr>
+          <p:cNvSpPr txBox="1"/>
+          <p:nvPr/>
+        </p:nvSpPr>
+        <p:spPr>
+          <a:xfrm>
+            <a:off x="4343400" y="2995982"/>
+            <a:ext cx="1184940" cy="369332"/>
+          </a:xfrm>
+          <a:prstGeom prst="rect">
+            <a:avLst/>
+          </a:prstGeom>
+          <a:noFill/>
+        </p:spPr>
+        <p:txBody>
+          <a:bodyPr wrap="none" rtlCol="0">
+            <a:spAutoFit/>
+          </a:bodyPr>
+          <a:lstStyle/>
+          <a:p>
+            <a:r>
+              <a:rPr lang="en-US" dirty="0"/>
+              <a:t>Neumann</a:t>
+            </a:r>
+          </a:p>
+        </p:txBody>
+      </p:sp>
+      <p:sp>
+        <p:nvSpPr>
+          <p:cNvPr id="4" name="TextBox 3">
+            <a:extLst>
+              <a:ext uri="{FF2B5EF4-FFF2-40B4-BE49-F238E27FC236}">
+                <a16:creationId xmlns:a16="http://schemas.microsoft.com/office/drawing/2014/main" id="{1312CB8D-E9F5-FF1E-4ED8-D2F0EB944E34}"/>
+              </a:ext>
+            </a:extLst>
+          </p:cNvPr>
+          <p:cNvSpPr txBox="1"/>
+          <p:nvPr/>
+        </p:nvSpPr>
+        <p:spPr>
+          <a:xfrm>
+            <a:off x="1143000" y="2966012"/>
+            <a:ext cx="1317412" cy="369332"/>
+          </a:xfrm>
+          <a:prstGeom prst="rect">
+            <a:avLst/>
+          </a:prstGeom>
+          <a:noFill/>
+        </p:spPr>
+        <p:txBody>
+          <a:bodyPr wrap="none" rtlCol="0">
+            <a:spAutoFit/>
+          </a:bodyPr>
+          <a:lstStyle/>
+          <a:p>
+            <a:r>
+              <a:rPr lang="en-US" dirty="0"/>
+              <a:t>Wall model</a:t>
+            </a:r>
+          </a:p>
+        </p:txBody>
+      </p:sp>
     </p:spTree>
     <p:extLst>
       <p:ext uri="{BB962C8B-B14F-4D97-AF65-F5344CB8AC3E}">
@@ -28588,7 +28292,7 @@
 </p:sld>
 </file>
 
-<file path=ppt/slides/slide8.xml><?xml version="1.0" encoding="utf-8"?>
+<file path=ppt/slides/slide7.xml><?xml version="1.0" encoding="utf-8"?>
 <p:sld xmlns:a="http://schemas.openxmlformats.org/drawingml/2006/main" xmlns:r="http://schemas.openxmlformats.org/officeDocument/2006/relationships" xmlns:p="http://schemas.openxmlformats.org/presentationml/2006/main">
   <p:cSld>
     <p:spTree>
@@ -28611,6 +28315,126 @@
           <a:chExt cx="0" cy="0"/>
         </a:xfrm>
       </p:grpSpPr>
+      <p:pic>
+        <p:nvPicPr>
+          <p:cNvPr id="4" name="Picture 3">
+            <a:extLst>
+              <a:ext uri="{FF2B5EF4-FFF2-40B4-BE49-F238E27FC236}">
+                <a16:creationId xmlns:a16="http://schemas.microsoft.com/office/drawing/2014/main" id="{797D60A4-F34A-F171-920D-922D62499F64}"/>
+              </a:ext>
+            </a:extLst>
+          </p:cNvPr>
+          <p:cNvPicPr>
+            <a:picLocks noChangeAspect="1"/>
+          </p:cNvPicPr>
+          <p:nvPr/>
+        </p:nvPicPr>
+        <p:blipFill>
+          <a:blip r:embed="rId3"/>
+          <a:stretch>
+            <a:fillRect/>
+          </a:stretch>
+        </p:blipFill>
+        <p:spPr>
+          <a:xfrm>
+            <a:off x="1211723" y="1676400"/>
+            <a:ext cx="3200400" cy="2373502"/>
+          </a:xfrm>
+          <a:prstGeom prst="rect">
+            <a:avLst/>
+          </a:prstGeom>
+        </p:spPr>
+      </p:pic>
+      <p:pic>
+        <p:nvPicPr>
+          <p:cNvPr id="7" name="Picture 6">
+            <a:extLst>
+              <a:ext uri="{FF2B5EF4-FFF2-40B4-BE49-F238E27FC236}">
+                <a16:creationId xmlns:a16="http://schemas.microsoft.com/office/drawing/2014/main" id="{FD08D565-3CBE-5E1F-A671-A1240AF249B7}"/>
+              </a:ext>
+            </a:extLst>
+          </p:cNvPr>
+          <p:cNvPicPr>
+            <a:picLocks noChangeAspect="1"/>
+          </p:cNvPicPr>
+          <p:nvPr/>
+        </p:nvPicPr>
+        <p:blipFill>
+          <a:blip r:embed="rId4"/>
+          <a:stretch>
+            <a:fillRect/>
+          </a:stretch>
+        </p:blipFill>
+        <p:spPr>
+          <a:xfrm>
+            <a:off x="4483718" y="1676400"/>
+            <a:ext cx="3200400" cy="2407969"/>
+          </a:xfrm>
+          <a:prstGeom prst="rect">
+            <a:avLst/>
+          </a:prstGeom>
+        </p:spPr>
+      </p:pic>
+      <p:pic>
+        <p:nvPicPr>
+          <p:cNvPr id="20" name="Picture 19">
+            <a:extLst>
+              <a:ext uri="{FF2B5EF4-FFF2-40B4-BE49-F238E27FC236}">
+                <a16:creationId xmlns:a16="http://schemas.microsoft.com/office/drawing/2014/main" id="{087C6294-9B60-473A-2BBD-1332E9956C68}"/>
+              </a:ext>
+            </a:extLst>
+          </p:cNvPr>
+          <p:cNvPicPr>
+            <a:picLocks noChangeAspect="1"/>
+          </p:cNvPicPr>
+          <p:nvPr/>
+        </p:nvPicPr>
+        <p:blipFill>
+          <a:blip r:embed="rId5"/>
+          <a:stretch>
+            <a:fillRect/>
+          </a:stretch>
+        </p:blipFill>
+        <p:spPr>
+          <a:xfrm>
+            <a:off x="1195115" y="4084369"/>
+            <a:ext cx="3200400" cy="2395203"/>
+          </a:xfrm>
+          <a:prstGeom prst="rect">
+            <a:avLst/>
+          </a:prstGeom>
+        </p:spPr>
+      </p:pic>
+      <p:pic>
+        <p:nvPicPr>
+          <p:cNvPr id="22" name="Picture 21">
+            <a:extLst>
+              <a:ext uri="{FF2B5EF4-FFF2-40B4-BE49-F238E27FC236}">
+                <a16:creationId xmlns:a16="http://schemas.microsoft.com/office/drawing/2014/main" id="{4F0DF793-ACB9-8C48-EA4F-41B8196DE185}"/>
+              </a:ext>
+            </a:extLst>
+          </p:cNvPr>
+          <p:cNvPicPr>
+            <a:picLocks noChangeAspect="1"/>
+          </p:cNvPicPr>
+          <p:nvPr/>
+        </p:nvPicPr>
+        <p:blipFill>
+          <a:blip r:embed="rId6"/>
+          <a:stretch>
+            <a:fillRect/>
+          </a:stretch>
+        </p:blipFill>
+        <p:spPr>
+          <a:xfrm>
+            <a:off x="4488180" y="4084369"/>
+            <a:ext cx="3200400" cy="2420815"/>
+          </a:xfrm>
+          <a:prstGeom prst="rect">
+            <a:avLst/>
+          </a:prstGeom>
+        </p:spPr>
+      </p:pic>
       <p:sp>
         <p:nvSpPr>
           <p:cNvPr id="2" name="Title 1">
@@ -28965,137 +28789,8 @@
               <a:cs typeface="Times New Roman" panose="02020603050405020304" pitchFamily="18" charset="0"/>
             </a:endParaRPr>
           </a:p>
-          <a:p>
-            <a:pPr lvl="1"/>
-            <a:r>
-              <a:rPr lang="en-US" altLang="zh-CN" sz="2000" dirty="0">
-                <a:latin typeface="+mn-lt"/>
-                <a:cs typeface="Times New Roman" panose="02020603050405020304" pitchFamily="18" charset="0"/>
-              </a:rPr>
-              <a:t>s</a:t>
-            </a:r>
-          </a:p>
         </p:txBody>
       </p:sp>
-      <p:pic>
-        <p:nvPicPr>
-          <p:cNvPr id="5" name="Picture 4">
-            <a:extLst>
-              <a:ext uri="{FF2B5EF4-FFF2-40B4-BE49-F238E27FC236}">
-                <a16:creationId xmlns:a16="http://schemas.microsoft.com/office/drawing/2014/main" id="{7232F890-3DBD-3456-E4FB-60245A79789F}"/>
-              </a:ext>
-            </a:extLst>
-          </p:cNvPr>
-          <p:cNvPicPr>
-            <a:picLocks noChangeAspect="1"/>
-          </p:cNvPicPr>
-          <p:nvPr/>
-        </p:nvPicPr>
-        <p:blipFill>
-          <a:blip r:embed="rId3"/>
-          <a:stretch>
-            <a:fillRect/>
-          </a:stretch>
-        </p:blipFill>
-        <p:spPr>
-          <a:xfrm>
-            <a:off x="1219200" y="1981200"/>
-            <a:ext cx="3200400" cy="2440113"/>
-          </a:xfrm>
-          <a:prstGeom prst="rect">
-            <a:avLst/>
-          </a:prstGeom>
-        </p:spPr>
-      </p:pic>
-      <p:pic>
-        <p:nvPicPr>
-          <p:cNvPr id="8" name="Picture 7">
-            <a:extLst>
-              <a:ext uri="{FF2B5EF4-FFF2-40B4-BE49-F238E27FC236}">
-                <a16:creationId xmlns:a16="http://schemas.microsoft.com/office/drawing/2014/main" id="{267F8B68-D263-9CBB-C5A6-8F82FB2D2E65}"/>
-              </a:ext>
-            </a:extLst>
-          </p:cNvPr>
-          <p:cNvPicPr>
-            <a:picLocks noChangeAspect="1"/>
-          </p:cNvPicPr>
-          <p:nvPr/>
-        </p:nvPicPr>
-        <p:blipFill>
-          <a:blip r:embed="rId4"/>
-          <a:stretch>
-            <a:fillRect/>
-          </a:stretch>
-        </p:blipFill>
-        <p:spPr>
-          <a:xfrm>
-            <a:off x="4419600" y="1981200"/>
-            <a:ext cx="3200400" cy="2386308"/>
-          </a:xfrm>
-          <a:prstGeom prst="rect">
-            <a:avLst/>
-          </a:prstGeom>
-        </p:spPr>
-      </p:pic>
-      <p:pic>
-        <p:nvPicPr>
-          <p:cNvPr id="11" name="Picture 10">
-            <a:extLst>
-              <a:ext uri="{FF2B5EF4-FFF2-40B4-BE49-F238E27FC236}">
-                <a16:creationId xmlns:a16="http://schemas.microsoft.com/office/drawing/2014/main" id="{E82EDBFA-5B8B-5F27-58F7-22186554CC60}"/>
-              </a:ext>
-            </a:extLst>
-          </p:cNvPr>
-          <p:cNvPicPr>
-            <a:picLocks noChangeAspect="1"/>
-          </p:cNvPicPr>
-          <p:nvPr/>
-        </p:nvPicPr>
-        <p:blipFill>
-          <a:blip r:embed="rId5"/>
-          <a:stretch>
-            <a:fillRect/>
-          </a:stretch>
-        </p:blipFill>
-        <p:spPr>
-          <a:xfrm>
-            <a:off x="1219200" y="4426724"/>
-            <a:ext cx="3200400" cy="2328979"/>
-          </a:xfrm>
-          <a:prstGeom prst="rect">
-            <a:avLst/>
-          </a:prstGeom>
-        </p:spPr>
-      </p:pic>
-      <p:pic>
-        <p:nvPicPr>
-          <p:cNvPr id="13" name="Picture 12">
-            <a:extLst>
-              <a:ext uri="{FF2B5EF4-FFF2-40B4-BE49-F238E27FC236}">
-                <a16:creationId xmlns:a16="http://schemas.microsoft.com/office/drawing/2014/main" id="{35000236-DA16-C5D2-DC0D-54314A7ECD01}"/>
-              </a:ext>
-            </a:extLst>
-          </p:cNvPr>
-          <p:cNvPicPr>
-            <a:picLocks noChangeAspect="1"/>
-          </p:cNvPicPr>
-          <p:nvPr/>
-        </p:nvPicPr>
-        <p:blipFill rotWithShape="1">
-          <a:blip r:embed="rId6"/>
-          <a:srcRect b="2610"/>
-          <a:stretch/>
-        </p:blipFill>
-        <p:spPr>
-          <a:xfrm>
-            <a:off x="4419600" y="4426724"/>
-            <a:ext cx="3200400" cy="2328979"/>
-          </a:xfrm>
-          <a:prstGeom prst="rect">
-            <a:avLst/>
-          </a:prstGeom>
-        </p:spPr>
-      </p:pic>
       <p:sp>
         <p:nvSpPr>
           <p:cNvPr id="14" name="TextBox 13">
@@ -29110,7 +28805,7 @@
         </p:nvSpPr>
         <p:spPr>
           <a:xfrm>
-            <a:off x="2171184" y="3098623"/>
+            <a:off x="2171184" y="2704269"/>
             <a:ext cx="1334533" cy="369332"/>
           </a:xfrm>
           <a:prstGeom prst="rect">
@@ -29145,7 +28840,7 @@
         </p:nvSpPr>
         <p:spPr>
           <a:xfrm>
-            <a:off x="5352533" y="3058355"/>
+            <a:off x="5352533" y="2664001"/>
             <a:ext cx="1334533" cy="369332"/>
           </a:xfrm>
           <a:prstGeom prst="rect">
@@ -29180,7 +28875,7 @@
         </p:nvSpPr>
         <p:spPr>
           <a:xfrm>
-            <a:off x="2209800" y="5420557"/>
+            <a:off x="2209800" y="5026203"/>
             <a:ext cx="1462773" cy="369332"/>
           </a:xfrm>
           <a:prstGeom prst="rect">
@@ -29215,7 +28910,7 @@
         </p:nvSpPr>
         <p:spPr>
           <a:xfrm>
-            <a:off x="5352532" y="5406547"/>
+            <a:off x="5352532" y="5012193"/>
             <a:ext cx="1462773" cy="369332"/>
           </a:xfrm>
           <a:prstGeom prst="rect">
@@ -29250,7 +28945,7 @@
 </p:sld>
 </file>
 
-<file path=ppt/slides/slide9.xml><?xml version="1.0" encoding="utf-8"?>
+<file path=ppt/slides/slide8.xml><?xml version="1.0" encoding="utf-8"?>
 <p:sld xmlns:a="http://schemas.openxmlformats.org/drawingml/2006/main" xmlns:r="http://schemas.openxmlformats.org/officeDocument/2006/relationships" xmlns:p="http://schemas.openxmlformats.org/presentationml/2006/main">
   <p:cSld>
     <p:spTree>
@@ -29275,10 +28970,10 @@
       </p:grpSpPr>
       <p:pic>
         <p:nvPicPr>
-          <p:cNvPr id="22" name="Picture 21">
+          <p:cNvPr id="13" name="Picture 12">
             <a:extLst>
               <a:ext uri="{FF2B5EF4-FFF2-40B4-BE49-F238E27FC236}">
-                <a16:creationId xmlns:a16="http://schemas.microsoft.com/office/drawing/2014/main" id="{64CD6053-3694-96A1-4359-71E77521320D}"/>
+                <a16:creationId xmlns:a16="http://schemas.microsoft.com/office/drawing/2014/main" id="{AA3E92A2-DFE0-7CE9-344E-646126582000}"/>
               </a:ext>
             </a:extLst>
           </p:cNvPr>
@@ -29295,8 +28990,8 @@
         </p:blipFill>
         <p:spPr>
           <a:xfrm>
-            <a:off x="4457700" y="4225098"/>
-            <a:ext cx="3200400" cy="2392680"/>
+            <a:off x="1143000" y="1595482"/>
+            <a:ext cx="3200400" cy="2401580"/>
           </a:xfrm>
           <a:prstGeom prst="rect">
             <a:avLst/>
@@ -29305,10 +29000,10 @@
       </p:pic>
       <p:pic>
         <p:nvPicPr>
-          <p:cNvPr id="20" name="Picture 19">
+          <p:cNvPr id="4" name="Picture 3">
             <a:extLst>
               <a:ext uri="{FF2B5EF4-FFF2-40B4-BE49-F238E27FC236}">
-                <a16:creationId xmlns:a16="http://schemas.microsoft.com/office/drawing/2014/main" id="{2339D549-29A9-529E-57B0-D13004CDF3E7}"/>
+                <a16:creationId xmlns:a16="http://schemas.microsoft.com/office/drawing/2014/main" id="{38BA0178-AC9A-F7CE-C496-80603446D2AB}"/>
               </a:ext>
             </a:extLst>
           </p:cNvPr>
@@ -29325,8 +29020,8 @@
         </p:blipFill>
         <p:spPr>
           <a:xfrm>
-            <a:off x="1143000" y="4208305"/>
-            <a:ext cx="3200400" cy="2372536"/>
+            <a:off x="4343400" y="1595482"/>
+            <a:ext cx="3200400" cy="2405429"/>
           </a:xfrm>
           <a:prstGeom prst="rect">
             <a:avLst/>
@@ -29335,10 +29030,10 @@
       </p:pic>
       <p:pic>
         <p:nvPicPr>
-          <p:cNvPr id="12" name="Picture 11">
+          <p:cNvPr id="6" name="Picture 5">
             <a:extLst>
               <a:ext uri="{FF2B5EF4-FFF2-40B4-BE49-F238E27FC236}">
-                <a16:creationId xmlns:a16="http://schemas.microsoft.com/office/drawing/2014/main" id="{DEC82609-F06C-51F5-6E7E-5558DF9BF330}"/>
+                <a16:creationId xmlns:a16="http://schemas.microsoft.com/office/drawing/2014/main" id="{ADAF67AC-B637-B602-B61E-26C39505AE26}"/>
               </a:ext>
             </a:extLst>
           </p:cNvPr>
@@ -29355,8 +29050,8 @@
         </p:blipFill>
         <p:spPr>
           <a:xfrm>
-            <a:off x="4457700" y="1791354"/>
-            <a:ext cx="3200400" cy="2433744"/>
+            <a:off x="1143000" y="4084568"/>
+            <a:ext cx="3200400" cy="2422202"/>
           </a:xfrm>
           <a:prstGeom prst="rect">
             <a:avLst/>
@@ -29365,10 +29060,10 @@
       </p:pic>
       <p:pic>
         <p:nvPicPr>
-          <p:cNvPr id="7" name="Picture 6">
+          <p:cNvPr id="10" name="Picture 9">
             <a:extLst>
               <a:ext uri="{FF2B5EF4-FFF2-40B4-BE49-F238E27FC236}">
-                <a16:creationId xmlns:a16="http://schemas.microsoft.com/office/drawing/2014/main" id="{C9AF2E9A-84D7-D641-E5EC-64B8B6E2F1F4}"/>
+                <a16:creationId xmlns:a16="http://schemas.microsoft.com/office/drawing/2014/main" id="{DE581D4A-7279-2006-1A04-48DFDE2A503C}"/>
               </a:ext>
             </a:extLst>
           </p:cNvPr>
@@ -29385,8 +29080,8 @@
         </p:blipFill>
         <p:spPr>
           <a:xfrm>
-            <a:off x="1143000" y="1806733"/>
-            <a:ext cx="3200400" cy="2401572"/>
+            <a:off x="4343400" y="4107804"/>
+            <a:ext cx="3200400" cy="2406700"/>
           </a:xfrm>
           <a:prstGeom prst="rect">
             <a:avLst/>
@@ -29512,8 +29207,8 @@
         </p:nvSpPr>
         <p:spPr bwMode="auto">
           <a:xfrm>
-            <a:off x="93652" y="1068111"/>
-            <a:ext cx="9050348" cy="1446487"/>
+            <a:off x="93652" y="1068112"/>
+            <a:ext cx="9050348" cy="532088"/>
           </a:xfrm>
           <a:prstGeom prst="rect">
             <a:avLst/>
@@ -29740,22 +29435,12 @@
                 <a:latin typeface="+mn-lt"/>
                 <a:cs typeface="Times New Roman" panose="02020603050405020304" pitchFamily="18" charset="0"/>
               </a:rPr>
-              <a:t>Neumann BC with fixed shear stress</a:t>
+              <a:t>Neumann</a:t>
             </a:r>
             <a:endParaRPr lang="en-US" altLang="zh-CN" sz="2000" kern="0" dirty="0">
               <a:latin typeface="+mn-lt"/>
               <a:cs typeface="Times New Roman" panose="02020603050405020304" pitchFamily="18" charset="0"/>
             </a:endParaRPr>
-          </a:p>
-          <a:p>
-            <a:pPr lvl="1"/>
-            <a:r>
-              <a:rPr lang="en-US" altLang="zh-CN" sz="2000" dirty="0">
-                <a:latin typeface="+mn-lt"/>
-                <a:cs typeface="Times New Roman" panose="02020603050405020304" pitchFamily="18" charset="0"/>
-              </a:rPr>
-              <a:t>s</a:t>
-            </a:r>
           </a:p>
         </p:txBody>
       </p:sp>
@@ -29773,7 +29458,7 @@
         </p:nvSpPr>
         <p:spPr>
           <a:xfrm>
-            <a:off x="2171184" y="3098623"/>
+            <a:off x="2171184" y="2907469"/>
             <a:ext cx="1334533" cy="369332"/>
           </a:xfrm>
           <a:prstGeom prst="rect">
@@ -29808,7 +29493,7 @@
         </p:nvSpPr>
         <p:spPr>
           <a:xfrm>
-            <a:off x="5352533" y="3058355"/>
+            <a:off x="5352533" y="2867201"/>
             <a:ext cx="1334533" cy="369332"/>
           </a:xfrm>
           <a:prstGeom prst="rect">
@@ -29843,7 +29528,7 @@
         </p:nvSpPr>
         <p:spPr>
           <a:xfrm>
-            <a:off x="2209800" y="5420557"/>
+            <a:off x="2209800" y="5229403"/>
             <a:ext cx="1462773" cy="369332"/>
           </a:xfrm>
           <a:prstGeom prst="rect">
@@ -29878,7 +29563,7 @@
         </p:nvSpPr>
         <p:spPr>
           <a:xfrm>
-            <a:off x="5352532" y="5406547"/>
+            <a:off x="5352532" y="5215393"/>
             <a:ext cx="1462773" cy="369332"/>
           </a:xfrm>
           <a:prstGeom prst="rect">
@@ -29903,6 +29588,527 @@
     <p:extLst>
       <p:ext uri="{BB962C8B-B14F-4D97-AF65-F5344CB8AC3E}">
         <p14:creationId xmlns:p14="http://schemas.microsoft.com/office/powerpoint/2010/main" val="1841384156"/>
+      </p:ext>
+    </p:extLst>
+  </p:cSld>
+  <p:clrMapOvr>
+    <a:masterClrMapping/>
+  </p:clrMapOvr>
+  <p:transition spd="med" advTm="63997"/>
+</p:sld>
+</file>
+
+<file path=ppt/slides/slide9.xml><?xml version="1.0" encoding="utf-8"?>
+<p:sld xmlns:a="http://schemas.openxmlformats.org/drawingml/2006/main" xmlns:r="http://schemas.openxmlformats.org/officeDocument/2006/relationships" xmlns:p="http://schemas.openxmlformats.org/presentationml/2006/main">
+  <p:cSld>
+    <p:spTree>
+      <p:nvGrpSpPr>
+        <p:cNvPr id="1" name="">
+          <a:extLst>
+            <a:ext uri="{FF2B5EF4-FFF2-40B4-BE49-F238E27FC236}">
+              <a16:creationId xmlns:a16="http://schemas.microsoft.com/office/drawing/2014/main" id="{2E905563-DB9F-52CC-C53B-E3FF5597882D}"/>
+            </a:ext>
+          </a:extLst>
+        </p:cNvPr>
+        <p:cNvGrpSpPr/>
+        <p:nvPr/>
+      </p:nvGrpSpPr>
+      <p:grpSpPr>
+        <a:xfrm>
+          <a:off x="0" y="0"/>
+          <a:ext cx="0" cy="0"/>
+          <a:chOff x="0" y="0"/>
+          <a:chExt cx="0" cy="0"/>
+        </a:xfrm>
+      </p:grpSpPr>
+      <p:sp>
+        <p:nvSpPr>
+          <p:cNvPr id="2" name="Title 1">
+            <a:extLst>
+              <a:ext uri="{FF2B5EF4-FFF2-40B4-BE49-F238E27FC236}">
+                <a16:creationId xmlns:a16="http://schemas.microsoft.com/office/drawing/2014/main" id="{0EFF7BD2-C244-AA5A-D725-298402CE7DD6}"/>
+              </a:ext>
+            </a:extLst>
+          </p:cNvPr>
+          <p:cNvSpPr>
+            <a:spLocks noGrp="1"/>
+          </p:cNvSpPr>
+          <p:nvPr>
+            <p:ph type="title"/>
+          </p:nvPr>
+        </p:nvSpPr>
+        <p:spPr>
+          <a:xfrm>
+            <a:off x="152400" y="152400"/>
+            <a:ext cx="8610600" cy="838200"/>
+          </a:xfrm>
+        </p:spPr>
+        <p:txBody>
+          <a:bodyPr/>
+          <a:lstStyle/>
+          <a:p>
+            <a:r>
+              <a:rPr lang="en-US" altLang="zh-CN" dirty="0"/>
+              <a:t>Channel</a:t>
+            </a:r>
+            <a:endParaRPr lang="zh-CN" altLang="en-US" dirty="0"/>
+          </a:p>
+        </p:txBody>
+      </p:sp>
+      <p:sp>
+        <p:nvSpPr>
+          <p:cNvPr id="9" name="Rectangle 2">
+            <a:extLst>
+              <a:ext uri="{FF2B5EF4-FFF2-40B4-BE49-F238E27FC236}">
+                <a16:creationId xmlns:a16="http://schemas.microsoft.com/office/drawing/2014/main" id="{E7176D20-836C-1983-9CFC-7F752845BD51}"/>
+              </a:ext>
+            </a:extLst>
+          </p:cNvPr>
+          <p:cNvSpPr>
+            <a:spLocks noChangeArrowheads="1"/>
+          </p:cNvSpPr>
+          <p:nvPr/>
+        </p:nvSpPr>
+        <p:spPr bwMode="auto">
+          <a:xfrm>
+            <a:off x="0" y="0"/>
+            <a:ext cx="9144000" cy="0"/>
+          </a:xfrm>
+          <a:prstGeom prst="rect">
+            <a:avLst/>
+          </a:prstGeom>
+          <a:noFill/>
+          <a:ln>
+            <a:noFill/>
+          </a:ln>
+          <a:effectLst/>
+          <a:extLst>
+            <a:ext uri="{909E8E84-426E-40DD-AFC4-6F175D3DCCD1}">
+              <a14:hiddenFill xmlns:a14="http://schemas.microsoft.com/office/drawing/2010/main">
+                <a:solidFill>
+                  <a:schemeClr val="accent1"/>
+                </a:solidFill>
+              </a14:hiddenFill>
+            </a:ext>
+            <a:ext uri="{91240B29-F687-4F45-9708-019B960494DF}">
+              <a14:hiddenLine xmlns:a14="http://schemas.microsoft.com/office/drawing/2010/main" w="9525">
+                <a:solidFill>
+                  <a:schemeClr val="tx1"/>
+                </a:solidFill>
+                <a:miter lim="800000"/>
+                <a:headEnd/>
+                <a:tailEnd/>
+              </a14:hiddenLine>
+            </a:ext>
+            <a:ext uri="{AF507438-7753-43E0-B8FC-AC1667EBCBE1}">
+              <a14:hiddenEffects xmlns:a14="http://schemas.microsoft.com/office/drawing/2010/main">
+                <a:effectLst>
+                  <a:outerShdw dist="35921" dir="2700000" algn="ctr" rotWithShape="0">
+                    <a:schemeClr val="bg2"/>
+                  </a:outerShdw>
+                </a:effectLst>
+              </a14:hiddenEffects>
+            </a:ext>
+          </a:extLst>
+        </p:spPr>
+        <p:txBody>
+          <a:bodyPr vert="horz" wrap="none" lIns="91440" tIns="45720" rIns="91440" bIns="45720" numCol="1" anchor="ctr" anchorCtr="0" compatLnSpc="1">
+            <a:prstTxWarp prst="textNoShape">
+              <a:avLst/>
+            </a:prstTxWarp>
+            <a:spAutoFit/>
+          </a:bodyPr>
+          <a:lstStyle/>
+          <a:p>
+            <a:endParaRPr lang="zh-CN" altLang="en-US"/>
+          </a:p>
+        </p:txBody>
+      </p:sp>
+      <p:sp>
+        <p:nvSpPr>
+          <p:cNvPr id="19" name="内容占位符 2">
+            <a:extLst>
+              <a:ext uri="{FF2B5EF4-FFF2-40B4-BE49-F238E27FC236}">
+                <a16:creationId xmlns:a16="http://schemas.microsoft.com/office/drawing/2014/main" id="{A9053510-A9E5-F61F-8222-40E5AFC298E4}"/>
+              </a:ext>
+            </a:extLst>
+          </p:cNvPr>
+          <p:cNvSpPr txBox="1">
+            <a:spLocks/>
+          </p:cNvSpPr>
+          <p:nvPr/>
+        </p:nvSpPr>
+        <p:spPr bwMode="auto">
+          <a:xfrm>
+            <a:off x="93652" y="1068111"/>
+            <a:ext cx="9050348" cy="1979889"/>
+          </a:xfrm>
+          <a:prstGeom prst="rect">
+            <a:avLst/>
+          </a:prstGeom>
+          <a:noFill/>
+          <a:ln>
+            <a:noFill/>
+          </a:ln>
+          <a:extLst>
+            <a:ext uri="{909E8E84-426E-40DD-AFC4-6F175D3DCCD1}">
+              <a14:hiddenFill xmlns:a14="http://schemas.microsoft.com/office/drawing/2010/main">
+                <a:solidFill>
+                  <a:srgbClr val="FFFFFF"/>
+                </a:solidFill>
+              </a14:hiddenFill>
+            </a:ext>
+            <a:ext uri="{91240B29-F687-4F45-9708-019B960494DF}">
+              <a14:hiddenLine xmlns:a14="http://schemas.microsoft.com/office/drawing/2010/main" w="28575">
+                <a:solidFill>
+                  <a:srgbClr val="000000"/>
+                </a:solidFill>
+                <a:miter lim="800000"/>
+                <a:headEnd/>
+                <a:tailEnd/>
+              </a14:hiddenLine>
+            </a:ext>
+          </a:extLst>
+        </p:spPr>
+        <p:txBody>
+          <a:bodyPr vert="horz" wrap="square" lIns="91440" tIns="45720" rIns="91440" bIns="45720" numCol="1" anchor="t" anchorCtr="0" compatLnSpc="1">
+            <a:prstTxWarp prst="textNoShape">
+              <a:avLst/>
+            </a:prstTxWarp>
+          </a:bodyPr>
+          <a:lstStyle>
+            <a:lvl1pPr marL="342900" indent="-342900" algn="l" rtl="0" eaLnBrk="1" fontAlgn="base" hangingPunct="1">
+              <a:spcBef>
+                <a:spcPct val="30000"/>
+              </a:spcBef>
+              <a:spcAft>
+                <a:spcPct val="0"/>
+              </a:spcAft>
+              <a:buClr>
+                <a:schemeClr val="hlink"/>
+              </a:buClr>
+              <a:buFont typeface="Wingdings" pitchFamily="2" charset="2"/>
+              <a:buChar char="§"/>
+              <a:defRPr sz="3200">
+                <a:solidFill>
+                  <a:srgbClr val="000066"/>
+                </a:solidFill>
+                <a:latin typeface="微软雅黑" pitchFamily="34" charset="-122"/>
+                <a:ea typeface="微软雅黑" pitchFamily="34" charset="-122"/>
+                <a:cs typeface="+mn-cs"/>
+              </a:defRPr>
+            </a:lvl1pPr>
+            <a:lvl2pPr marL="742950" indent="-285750" algn="l" rtl="0" eaLnBrk="1" fontAlgn="base" hangingPunct="1">
+              <a:spcBef>
+                <a:spcPct val="30000"/>
+              </a:spcBef>
+              <a:spcAft>
+                <a:spcPct val="0"/>
+              </a:spcAft>
+              <a:buClr>
+                <a:schemeClr val="tx2"/>
+              </a:buClr>
+              <a:buSzPct val="85000"/>
+              <a:buFont typeface="Wingdings" pitchFamily="2" charset="2"/>
+              <a:buChar char="Ø"/>
+              <a:defRPr sz="2800">
+                <a:solidFill>
+                  <a:srgbClr val="006666"/>
+                </a:solidFill>
+                <a:latin typeface="微软雅黑" pitchFamily="34" charset="-122"/>
+                <a:ea typeface="微软雅黑" pitchFamily="34" charset="-122"/>
+              </a:defRPr>
+            </a:lvl2pPr>
+            <a:lvl3pPr marL="1143000" indent="-228600" algn="l" rtl="0" eaLnBrk="1" fontAlgn="base" hangingPunct="1">
+              <a:spcBef>
+                <a:spcPct val="30000"/>
+              </a:spcBef>
+              <a:spcAft>
+                <a:spcPct val="0"/>
+              </a:spcAft>
+              <a:buClr>
+                <a:schemeClr val="hlink"/>
+              </a:buClr>
+              <a:buSzPct val="95000"/>
+              <a:buFont typeface="Wingdings 2" pitchFamily="18" charset="2"/>
+              <a:buChar char="¡"/>
+              <a:defRPr sz="2400">
+                <a:solidFill>
+                  <a:schemeClr val="hlink"/>
+                </a:solidFill>
+                <a:latin typeface="微软雅黑" pitchFamily="34" charset="-122"/>
+                <a:ea typeface="微软雅黑" pitchFamily="34" charset="-122"/>
+              </a:defRPr>
+            </a:lvl3pPr>
+            <a:lvl4pPr marL="1600200" indent="-228600" algn="l" rtl="0" eaLnBrk="1" fontAlgn="base" hangingPunct="1">
+              <a:spcBef>
+                <a:spcPct val="30000"/>
+              </a:spcBef>
+              <a:spcAft>
+                <a:spcPct val="0"/>
+              </a:spcAft>
+              <a:buClr>
+                <a:schemeClr val="tx2"/>
+              </a:buClr>
+              <a:buSzPct val="90000"/>
+              <a:buFont typeface="Wingdings" pitchFamily="2" charset="2"/>
+              <a:buChar char="Ø"/>
+              <a:defRPr sz="2000">
+                <a:solidFill>
+                  <a:srgbClr val="990099"/>
+                </a:solidFill>
+                <a:latin typeface="微软雅黑" pitchFamily="34" charset="-122"/>
+                <a:ea typeface="微软雅黑" pitchFamily="34" charset="-122"/>
+              </a:defRPr>
+            </a:lvl4pPr>
+            <a:lvl5pPr marL="2057400" indent="-228600" algn="l" rtl="0" eaLnBrk="1" fontAlgn="base" hangingPunct="1">
+              <a:spcBef>
+                <a:spcPct val="30000"/>
+              </a:spcBef>
+              <a:spcAft>
+                <a:spcPct val="0"/>
+              </a:spcAft>
+              <a:buClr>
+                <a:schemeClr val="hlink"/>
+              </a:buClr>
+              <a:buFont typeface="Wingdings 2" pitchFamily="18" charset="2"/>
+              <a:buChar char="¡"/>
+              <a:defRPr sz="2000">
+                <a:solidFill>
+                  <a:schemeClr val="tx1"/>
+                </a:solidFill>
+                <a:latin typeface="微软雅黑" pitchFamily="34" charset="-122"/>
+                <a:ea typeface="微软雅黑" pitchFamily="34" charset="-122"/>
+              </a:defRPr>
+            </a:lvl5pPr>
+            <a:lvl6pPr marL="2514600" indent="-228600" algn="l" rtl="0" eaLnBrk="1" fontAlgn="base" hangingPunct="1">
+              <a:spcBef>
+                <a:spcPct val="30000"/>
+              </a:spcBef>
+              <a:spcAft>
+                <a:spcPct val="0"/>
+              </a:spcAft>
+              <a:buClr>
+                <a:schemeClr val="hlink"/>
+              </a:buClr>
+              <a:buFont typeface="Wingdings 2" pitchFamily="18" charset="2"/>
+              <a:buChar char="¡"/>
+              <a:defRPr sz="2000">
+                <a:solidFill>
+                  <a:schemeClr val="tx1"/>
+                </a:solidFill>
+                <a:latin typeface="+mn-lt"/>
+                <a:ea typeface="+mn-ea"/>
+              </a:defRPr>
+            </a:lvl6pPr>
+            <a:lvl7pPr marL="2971800" indent="-228600" algn="l" rtl="0" eaLnBrk="1" fontAlgn="base" hangingPunct="1">
+              <a:spcBef>
+                <a:spcPct val="30000"/>
+              </a:spcBef>
+              <a:spcAft>
+                <a:spcPct val="0"/>
+              </a:spcAft>
+              <a:buClr>
+                <a:schemeClr val="hlink"/>
+              </a:buClr>
+              <a:buFont typeface="Wingdings 2" pitchFamily="18" charset="2"/>
+              <a:buChar char="¡"/>
+              <a:defRPr sz="2000">
+                <a:solidFill>
+                  <a:schemeClr val="tx1"/>
+                </a:solidFill>
+                <a:latin typeface="+mn-lt"/>
+                <a:ea typeface="+mn-ea"/>
+              </a:defRPr>
+            </a:lvl7pPr>
+            <a:lvl8pPr marL="3429000" indent="-228600" algn="l" rtl="0" eaLnBrk="1" fontAlgn="base" hangingPunct="1">
+              <a:spcBef>
+                <a:spcPct val="30000"/>
+              </a:spcBef>
+              <a:spcAft>
+                <a:spcPct val="0"/>
+              </a:spcAft>
+              <a:buClr>
+                <a:schemeClr val="hlink"/>
+              </a:buClr>
+              <a:buFont typeface="Wingdings 2" pitchFamily="18" charset="2"/>
+              <a:buChar char="¡"/>
+              <a:defRPr sz="2000">
+                <a:solidFill>
+                  <a:schemeClr val="tx1"/>
+                </a:solidFill>
+                <a:latin typeface="+mn-lt"/>
+                <a:ea typeface="+mn-ea"/>
+              </a:defRPr>
+            </a:lvl8pPr>
+            <a:lvl9pPr marL="3886200" indent="-228600" algn="l" rtl="0" eaLnBrk="1" fontAlgn="base" hangingPunct="1">
+              <a:spcBef>
+                <a:spcPct val="30000"/>
+              </a:spcBef>
+              <a:spcAft>
+                <a:spcPct val="0"/>
+              </a:spcAft>
+              <a:buClr>
+                <a:schemeClr val="hlink"/>
+              </a:buClr>
+              <a:buFont typeface="Wingdings 2" pitchFamily="18" charset="2"/>
+              <a:buChar char="¡"/>
+              <a:defRPr sz="2000">
+                <a:solidFill>
+                  <a:schemeClr val="tx1"/>
+                </a:solidFill>
+                <a:latin typeface="+mn-lt"/>
+                <a:ea typeface="+mn-ea"/>
+              </a:defRPr>
+            </a:lvl9pPr>
+          </a:lstStyle>
+          <a:p>
+            <a:r>
+              <a:rPr lang="en-US" altLang="zh-CN" sz="2400" kern="0" dirty="0">
+                <a:latin typeface="+mn-lt"/>
+                <a:cs typeface="Times New Roman" panose="02020603050405020304" pitchFamily="18" charset="0"/>
+              </a:rPr>
+              <a:t>No-slip</a:t>
+            </a:r>
+            <a:endParaRPr lang="en-US" altLang="zh-CN" sz="2000" kern="0" dirty="0">
+              <a:latin typeface="+mn-lt"/>
+              <a:cs typeface="Times New Roman" panose="02020603050405020304" pitchFamily="18" charset="0"/>
+            </a:endParaRPr>
+          </a:p>
+          <a:p>
+            <a:pPr lvl="1"/>
+            <a:r>
+              <a:rPr lang="en-US" altLang="zh-CN" sz="2000" kern="0" dirty="0">
+                <a:latin typeface="+mn-lt"/>
+                <a:cs typeface="Times New Roman" panose="02020603050405020304" pitchFamily="18" charset="0"/>
+              </a:rPr>
+              <a:t>No-slip </a:t>
+            </a:r>
+            <a:r>
+              <a:rPr lang="en-US" altLang="zh-CN" sz="2000" kern="0" dirty="0" err="1">
+                <a:latin typeface="+mn-lt"/>
+                <a:cs typeface="Times New Roman" panose="02020603050405020304" pitchFamily="18" charset="0"/>
+              </a:rPr>
+              <a:t>bc</a:t>
+            </a:r>
+            <a:r>
+              <a:rPr lang="en-US" altLang="zh-CN" sz="2000" kern="0" dirty="0">
+                <a:latin typeface="+mn-lt"/>
+                <a:cs typeface="Times New Roman" panose="02020603050405020304" pitchFamily="18" charset="0"/>
+              </a:rPr>
+              <a:t> leads to higher RETAU on coarse grids when there is no numerical dissipation on the scales near the cut-off scale</a:t>
+            </a:r>
+          </a:p>
+          <a:p>
+            <a:pPr marL="457200" lvl="1" indent="0">
+              <a:buFont typeface="Wingdings" pitchFamily="2" charset="2"/>
+              <a:buNone/>
+            </a:pPr>
+            <a:endParaRPr lang="en-US" altLang="zh-CN" sz="2000" kern="0" baseline="30000" dirty="0">
+              <a:latin typeface="+mn-lt"/>
+              <a:cs typeface="Times New Roman" panose="02020603050405020304" pitchFamily="18" charset="0"/>
+            </a:endParaRPr>
+          </a:p>
+          <a:p>
+            <a:pPr marL="457200" lvl="1" indent="0">
+              <a:buFont typeface="Wingdings" pitchFamily="2" charset="2"/>
+              <a:buNone/>
+            </a:pPr>
+            <a:endParaRPr lang="en-US" altLang="zh-CN" sz="2000" kern="0" baseline="30000" dirty="0">
+              <a:latin typeface="+mn-lt"/>
+              <a:cs typeface="Times New Roman" panose="02020603050405020304" pitchFamily="18" charset="0"/>
+            </a:endParaRPr>
+          </a:p>
+          <a:p>
+            <a:pPr marL="457200" lvl="1" indent="0">
+              <a:buFont typeface="Wingdings" pitchFamily="2" charset="2"/>
+              <a:buNone/>
+            </a:pPr>
+            <a:endParaRPr lang="en-US" altLang="zh-CN" sz="2000" kern="0" baseline="30000" dirty="0">
+              <a:latin typeface="+mn-lt"/>
+              <a:cs typeface="Times New Roman" panose="02020603050405020304" pitchFamily="18" charset="0"/>
+            </a:endParaRPr>
+          </a:p>
+          <a:p>
+            <a:pPr marL="457200" lvl="1" indent="0">
+              <a:buFont typeface="Wingdings" pitchFamily="2" charset="2"/>
+              <a:buNone/>
+            </a:pPr>
+            <a:endParaRPr lang="en-US" altLang="zh-CN" sz="2000" kern="0" baseline="30000" dirty="0">
+              <a:latin typeface="+mn-lt"/>
+              <a:cs typeface="Times New Roman" panose="02020603050405020304" pitchFamily="18" charset="0"/>
+            </a:endParaRPr>
+          </a:p>
+          <a:p>
+            <a:pPr marL="457200" lvl="1" indent="0">
+              <a:buFont typeface="Wingdings" pitchFamily="2" charset="2"/>
+              <a:buNone/>
+            </a:pPr>
+            <a:endParaRPr lang="en-US" altLang="zh-CN" sz="2000" kern="0" baseline="30000" dirty="0">
+              <a:latin typeface="+mn-lt"/>
+              <a:cs typeface="Times New Roman" panose="02020603050405020304" pitchFamily="18" charset="0"/>
+            </a:endParaRPr>
+          </a:p>
+          <a:p>
+            <a:pPr marL="457200" lvl="1" indent="0">
+              <a:buFont typeface="Wingdings" pitchFamily="2" charset="2"/>
+              <a:buNone/>
+            </a:pPr>
+            <a:endParaRPr lang="en-US" altLang="zh-CN" sz="2000" kern="0" baseline="30000" dirty="0">
+              <a:latin typeface="+mn-lt"/>
+              <a:cs typeface="Times New Roman" panose="02020603050405020304" pitchFamily="18" charset="0"/>
+            </a:endParaRPr>
+          </a:p>
+          <a:p>
+            <a:pPr marL="457200" lvl="1" indent="0">
+              <a:buFont typeface="Wingdings" pitchFamily="2" charset="2"/>
+              <a:buNone/>
+            </a:pPr>
+            <a:endParaRPr lang="en-US" altLang="zh-CN" sz="2000" kern="0" baseline="30000" dirty="0">
+              <a:latin typeface="+mn-lt"/>
+              <a:cs typeface="Times New Roman" panose="02020603050405020304" pitchFamily="18" charset="0"/>
+            </a:endParaRPr>
+          </a:p>
+          <a:p>
+            <a:pPr marL="457200" lvl="1" indent="0">
+              <a:buFont typeface="Wingdings" pitchFamily="2" charset="2"/>
+              <a:buNone/>
+            </a:pPr>
+            <a:endParaRPr lang="en-US" altLang="zh-CN" sz="2000" kern="0" baseline="30000" dirty="0">
+              <a:latin typeface="+mn-lt"/>
+              <a:cs typeface="Times New Roman" panose="02020603050405020304" pitchFamily="18" charset="0"/>
+            </a:endParaRPr>
+          </a:p>
+          <a:p>
+            <a:pPr>
+              <a:lnSpc>
+                <a:spcPct val="125000"/>
+              </a:lnSpc>
+            </a:pPr>
+            <a:endParaRPr lang="en-US" altLang="zh-CN" sz="2400" kern="0" dirty="0">
+              <a:latin typeface="+mn-lt"/>
+              <a:cs typeface="Times New Roman" panose="02020603050405020304" pitchFamily="18" charset="0"/>
+            </a:endParaRPr>
+          </a:p>
+          <a:p>
+            <a:pPr marL="457200" lvl="1" indent="0">
+              <a:lnSpc>
+                <a:spcPct val="125000"/>
+              </a:lnSpc>
+              <a:buFont typeface="Wingdings" pitchFamily="2" charset="2"/>
+              <a:buNone/>
+            </a:pPr>
+            <a:endParaRPr lang="en-US" altLang="zh-CN" sz="2000" kern="0" dirty="0">
+              <a:latin typeface="+mn-lt"/>
+              <a:cs typeface="Times New Roman" panose="02020603050405020304" pitchFamily="18" charset="0"/>
+            </a:endParaRPr>
+          </a:p>
+        </p:txBody>
+      </p:sp>
+    </p:spTree>
+    <p:extLst>
+      <p:ext uri="{BB962C8B-B14F-4D97-AF65-F5344CB8AC3E}">
+        <p14:creationId xmlns:p14="http://schemas.microsoft.com/office/powerpoint/2010/main" val="3293639466"/>
       </p:ext>
     </p:extLst>
   </p:cSld>

--- a/docs/vv.pptx
+++ b/docs/vv.pptx
@@ -225,7 +225,7 @@
           <a:p>
             <a:fld id="{30C704EE-38E9-4E72-9BB6-71E8241CE3C0}" type="datetimeFigureOut">
               <a:rPr lang="en-US" smtClean="0"/>
-              <a:t>4/15/2024</a:t>
+              <a:t>4/16/2024</a:t>
             </a:fld>
             <a:endParaRPr lang="en-US"/>
           </a:p>
@@ -390,7 +390,7 @@
           <a:p>
             <a:fld id="{0D66AE9B-9EE2-43DA-9A8E-D2E5656B8B43}" type="datetimeFigureOut">
               <a:rPr lang="en-US" smtClean="0"/>
-              <a:t>4/15/2024</a:t>
+              <a:t>4/16/2024</a:t>
             </a:fld>
             <a:endParaRPr lang="en-US"/>
           </a:p>
@@ -21102,7 +21102,7 @@
           <a:p>
             <a:fld id="{F7015205-6E1C-4AA4-A1F5-F88A14739F8D}" type="datetime1">
               <a:rPr lang="en-US" altLang="zh-CN" smtClean="0"/>
-              <a:t>4/15/2024</a:t>
+              <a:t>4/16/2024</a:t>
             </a:fld>
             <a:endParaRPr lang="en-US"/>
           </a:p>
@@ -21312,7 +21312,7 @@
           <a:p>
             <a:fld id="{C5005B59-A863-49AB-8A46-4FABF628DCDB}" type="datetime1">
               <a:rPr lang="en-US" altLang="zh-CN" smtClean="0"/>
-              <a:t>4/15/2024</a:t>
+              <a:t>4/16/2024</a:t>
             </a:fld>
             <a:endParaRPr lang="en-US"/>
           </a:p>
@@ -21487,7 +21487,7 @@
           <a:p>
             <a:fld id="{B9B359B8-BB35-4942-BB3F-553087A1AB07}" type="datetime1">
               <a:rPr lang="en-US" altLang="zh-CN" smtClean="0"/>
-              <a:t>4/15/2024</a:t>
+              <a:t>4/16/2024</a:t>
             </a:fld>
             <a:endParaRPr lang="en-US"/>
           </a:p>
@@ -21652,7 +21652,7 @@
           <a:p>
             <a:fld id="{0051FDAB-E13B-4DED-ACB5-C97F04F9745D}" type="datetime1">
               <a:rPr lang="en-US" altLang="zh-CN" smtClean="0"/>
-              <a:t>4/15/2024</a:t>
+              <a:t>4/16/2024</a:t>
             </a:fld>
             <a:endParaRPr lang="en-US"/>
           </a:p>
@@ -21839,7 +21839,7 @@
           <a:p>
             <a:fld id="{411C2638-AFB1-4A52-81EA-13B8957633A2}" type="datetime1">
               <a:rPr lang="en-US" altLang="zh-CN" smtClean="0"/>
-              <a:t>4/15/2024</a:t>
+              <a:t>4/16/2024</a:t>
             </a:fld>
             <a:endParaRPr lang="en-US"/>
           </a:p>
@@ -22122,7 +22122,7 @@
           <a:p>
             <a:fld id="{86FEA545-9191-4074-8B47-064CD17714D7}" type="datetime1">
               <a:rPr lang="en-US" altLang="zh-CN" smtClean="0"/>
-              <a:t>4/15/2024</a:t>
+              <a:t>4/16/2024</a:t>
             </a:fld>
             <a:endParaRPr lang="en-US"/>
           </a:p>
@@ -22544,7 +22544,7 @@
           <a:p>
             <a:fld id="{FEDA739D-67B9-461E-9E24-584E6BDA3BCB}" type="datetime1">
               <a:rPr lang="en-US" altLang="zh-CN" smtClean="0"/>
-              <a:t>4/15/2024</a:t>
+              <a:t>4/16/2024</a:t>
             </a:fld>
             <a:endParaRPr lang="en-US"/>
           </a:p>
@@ -22657,7 +22657,7 @@
           <a:p>
             <a:fld id="{9B17A94F-F96B-45CF-824C-A53F0758AB69}" type="datetime1">
               <a:rPr lang="en-US" altLang="zh-CN" smtClean="0"/>
-              <a:t>4/15/2024</a:t>
+              <a:t>4/16/2024</a:t>
             </a:fld>
             <a:endParaRPr lang="en-US"/>
           </a:p>
@@ -22747,7 +22747,7 @@
           <a:p>
             <a:fld id="{0E7E811E-CB35-486D-A51A-D28D7B88C8A1}" type="datetime1">
               <a:rPr lang="en-US" altLang="zh-CN" smtClean="0"/>
-              <a:t>4/15/2024</a:t>
+              <a:t>4/16/2024</a:t>
             </a:fld>
             <a:endParaRPr lang="en-US"/>
           </a:p>
@@ -23019,7 +23019,7 @@
           <a:p>
             <a:fld id="{49060A9D-03E3-407A-91FE-4FD83FD5236C}" type="datetime1">
               <a:rPr lang="en-US" altLang="zh-CN" smtClean="0"/>
-              <a:t>4/15/2024</a:t>
+              <a:t>4/16/2024</a:t>
             </a:fld>
             <a:endParaRPr lang="en-US"/>
           </a:p>
@@ -23272,7 +23272,7 @@
           <a:p>
             <a:fld id="{27EABF16-FC76-43D1-8210-F66033CB86AD}" type="datetime1">
               <a:rPr lang="en-US" altLang="zh-CN" smtClean="0"/>
-              <a:t>4/15/2024</a:t>
+              <a:t>4/16/2024</a:t>
             </a:fld>
             <a:endParaRPr lang="en-US"/>
           </a:p>
@@ -23534,7 +23534,7 @@
           <a:p>
             <a:fld id="{5C24D9CC-1561-4C99-B045-95C038C2B123}" type="datetime1">
               <a:rPr lang="en-US" altLang="zh-CN" smtClean="0"/>
-              <a:t>4/15/2024</a:t>
+              <a:t>4/16/2024</a:t>
             </a:fld>
             <a:endParaRPr lang="en-US"/>
           </a:p>
@@ -24532,7 +24532,7 @@
         </p:blipFill>
         <p:spPr bwMode="auto">
           <a:xfrm>
-            <a:off x="6019800" y="-457200"/>
+            <a:off x="6553200" y="0"/>
             <a:ext cx="3124200" cy="2111067"/>
           </a:xfrm>
           <a:prstGeom prst="rect">
@@ -27892,7 +27892,7 @@
         <p:spPr bwMode="auto">
           <a:xfrm>
             <a:off x="93652" y="1068111"/>
-            <a:ext cx="9050348" cy="1446487"/>
+            <a:ext cx="5621348" cy="1446487"/>
           </a:xfrm>
           <a:prstGeom prst="rect">
             <a:avLst/>
@@ -28170,7 +28170,7 @@
         </p:blipFill>
         <p:spPr>
           <a:xfrm>
-            <a:off x="4173870" y="2754406"/>
+            <a:off x="3335867" y="2602006"/>
             <a:ext cx="3200400" cy="2410557"/>
           </a:xfrm>
           <a:prstGeom prst="rect">
@@ -28200,7 +28200,7 @@
         </p:blipFill>
         <p:spPr>
           <a:xfrm>
-            <a:off x="973470" y="2743200"/>
+            <a:off x="135467" y="2590800"/>
             <a:ext cx="3200400" cy="2405429"/>
           </a:xfrm>
           <a:prstGeom prst="rect">
@@ -28222,7 +28222,7 @@
         </p:nvSpPr>
         <p:spPr>
           <a:xfrm>
-            <a:off x="4343400" y="2995982"/>
+            <a:off x="3539659" y="2907268"/>
             <a:ext cx="1184940" cy="369332"/>
           </a:xfrm>
           <a:prstGeom prst="rect">
@@ -28257,7 +28257,7 @@
         </p:nvSpPr>
         <p:spPr>
           <a:xfrm>
-            <a:off x="1143000" y="2966012"/>
+            <a:off x="339259" y="2877298"/>
             <a:ext cx="1317412" cy="369332"/>
           </a:xfrm>
           <a:prstGeom prst="rect">
@@ -28278,6 +28278,36 @@
           </a:p>
         </p:txBody>
       </p:sp>
+      <p:pic>
+        <p:nvPicPr>
+          <p:cNvPr id="6" name="Picture 5">
+            <a:extLst>
+              <a:ext uri="{FF2B5EF4-FFF2-40B4-BE49-F238E27FC236}">
+                <a16:creationId xmlns:a16="http://schemas.microsoft.com/office/drawing/2014/main" id="{AD8854C0-A854-BFE5-0C48-3F182C96611A}"/>
+              </a:ext>
+            </a:extLst>
+          </p:cNvPr>
+          <p:cNvPicPr>
+            <a:picLocks noChangeAspect="1"/>
+          </p:cNvPicPr>
+          <p:nvPr/>
+        </p:nvPicPr>
+        <p:blipFill>
+          <a:blip r:embed="rId5"/>
+          <a:stretch>
+            <a:fillRect/>
+          </a:stretch>
+        </p:blipFill>
+        <p:spPr>
+          <a:xfrm>
+            <a:off x="135467" y="5137423"/>
+            <a:ext cx="3200400" cy="2386219"/>
+          </a:xfrm>
+          <a:prstGeom prst="rect">
+            <a:avLst/>
+          </a:prstGeom>
+        </p:spPr>
+      </p:pic>
     </p:spTree>
     <p:extLst>
       <p:ext uri="{BB962C8B-B14F-4D97-AF65-F5344CB8AC3E}">

--- a/docs/vv.pptx
+++ b/docs/vv.pptx
@@ -28170,7 +28170,7 @@
         </p:blipFill>
         <p:spPr>
           <a:xfrm>
-            <a:off x="3335867" y="2602006"/>
+            <a:off x="4191000" y="2618643"/>
             <a:ext cx="3200400" cy="2410557"/>
           </a:xfrm>
           <a:prstGeom prst="rect">
@@ -28200,7 +28200,7 @@
         </p:blipFill>
         <p:spPr>
           <a:xfrm>
-            <a:off x="135467" y="2590800"/>
+            <a:off x="990600" y="2607437"/>
             <a:ext cx="3200400" cy="2405429"/>
           </a:xfrm>
           <a:prstGeom prst="rect">
@@ -28222,7 +28222,7 @@
         </p:nvSpPr>
         <p:spPr>
           <a:xfrm>
-            <a:off x="3539659" y="2907268"/>
+            <a:off x="4394792" y="2923905"/>
             <a:ext cx="1184940" cy="369332"/>
           </a:xfrm>
           <a:prstGeom prst="rect">
@@ -28257,7 +28257,7 @@
         </p:nvSpPr>
         <p:spPr>
           <a:xfrm>
-            <a:off x="339259" y="2877298"/>
+            <a:off x="1194392" y="2893935"/>
             <a:ext cx="1317412" cy="369332"/>
           </a:xfrm>
           <a:prstGeom prst="rect">
@@ -28280,10 +28280,10 @@
       </p:sp>
       <p:pic>
         <p:nvPicPr>
-          <p:cNvPr id="6" name="Picture 5">
+          <p:cNvPr id="10" name="Picture 9">
             <a:extLst>
               <a:ext uri="{FF2B5EF4-FFF2-40B4-BE49-F238E27FC236}">
-                <a16:creationId xmlns:a16="http://schemas.microsoft.com/office/drawing/2014/main" id="{AD8854C0-A854-BFE5-0C48-3F182C96611A}"/>
+                <a16:creationId xmlns:a16="http://schemas.microsoft.com/office/drawing/2014/main" id="{D6D53031-87C9-EEFB-FC82-6EF9906B175E}"/>
               </a:ext>
             </a:extLst>
           </p:cNvPr>
@@ -28300,8 +28300,38 @@
         </p:blipFill>
         <p:spPr>
           <a:xfrm>
-            <a:off x="135467" y="5137423"/>
-            <a:ext cx="3200400" cy="2386219"/>
+            <a:off x="1007533" y="5060899"/>
+            <a:ext cx="3200400" cy="2406701"/>
+          </a:xfrm>
+          <a:prstGeom prst="rect">
+            <a:avLst/>
+          </a:prstGeom>
+        </p:spPr>
+      </p:pic>
+      <p:pic>
+        <p:nvPicPr>
+          <p:cNvPr id="15" name="Picture 14">
+            <a:extLst>
+              <a:ext uri="{FF2B5EF4-FFF2-40B4-BE49-F238E27FC236}">
+                <a16:creationId xmlns:a16="http://schemas.microsoft.com/office/drawing/2014/main" id="{EC0DFEA0-6F58-8A08-3D83-8B600AFF3492}"/>
+              </a:ext>
+            </a:extLst>
+          </p:cNvPr>
+          <p:cNvPicPr>
+            <a:picLocks noChangeAspect="1"/>
+          </p:cNvPicPr>
+          <p:nvPr/>
+        </p:nvPicPr>
+        <p:blipFill>
+          <a:blip r:embed="rId6"/>
+          <a:stretch>
+            <a:fillRect/>
+          </a:stretch>
+        </p:blipFill>
+        <p:spPr>
+          <a:xfrm>
+            <a:off x="4191000" y="5065014"/>
+            <a:ext cx="3200400" cy="2390108"/>
           </a:xfrm>
           <a:prstGeom prst="rect">
             <a:avLst/>

--- a/docs/vv.pptx
+++ b/docs/vv.pptx
@@ -5,10 +5,10 @@
     <p:sldMasterId id="2147483660" r:id="rId1"/>
   </p:sldMasterIdLst>
   <p:notesMasterIdLst>
-    <p:notesMasterId r:id="rId14"/>
+    <p:notesMasterId r:id="rId15"/>
   </p:notesMasterIdLst>
   <p:handoutMasterIdLst>
-    <p:handoutMasterId r:id="rId15"/>
+    <p:handoutMasterId r:id="rId16"/>
   </p:handoutMasterIdLst>
   <p:sldIdLst>
     <p:sldId id="256" r:id="rId2"/>
@@ -17,12 +17,13 @@
     <p:sldId id="648" r:id="rId5"/>
     <p:sldId id="650" r:id="rId6"/>
     <p:sldId id="645" r:id="rId7"/>
-    <p:sldId id="651" r:id="rId8"/>
-    <p:sldId id="653" r:id="rId9"/>
-    <p:sldId id="655" r:id="rId10"/>
-    <p:sldId id="656" r:id="rId11"/>
-    <p:sldId id="649" r:id="rId12"/>
-    <p:sldId id="646" r:id="rId13"/>
+    <p:sldId id="658" r:id="rId8"/>
+    <p:sldId id="651" r:id="rId9"/>
+    <p:sldId id="653" r:id="rId10"/>
+    <p:sldId id="655" r:id="rId11"/>
+    <p:sldId id="656" r:id="rId12"/>
+    <p:sldId id="649" r:id="rId13"/>
+    <p:sldId id="646" r:id="rId14"/>
   </p:sldIdLst>
   <p:sldSz cx="9144000" cy="6858000" type="screen4x3"/>
   <p:notesSz cx="6797675" cy="9931400"/>
@@ -225,7 +226,7 @@
           <a:p>
             <a:fld id="{30C704EE-38E9-4E72-9BB6-71E8241CE3C0}" type="datetimeFigureOut">
               <a:rPr lang="en-US" smtClean="0"/>
-              <a:t>4/16/2024</a:t>
+              <a:t>4/17/2024</a:t>
             </a:fld>
             <a:endParaRPr lang="en-US"/>
           </a:p>
@@ -390,7 +391,7 @@
           <a:p>
             <a:fld id="{0D66AE9B-9EE2-43DA-9A8E-D2E5656B8B43}" type="datetimeFigureOut">
               <a:rPr lang="en-US" smtClean="0"/>
-              <a:t>4/16/2024</a:t>
+              <a:t>4/17/2024</a:t>
             </a:fld>
             <a:endParaRPr lang="en-US"/>
           </a:p>
@@ -749,6 +750,117 @@
         <p:cNvPr id="1" name="">
           <a:extLst>
             <a:ext uri="{FF2B5EF4-FFF2-40B4-BE49-F238E27FC236}">
+              <a16:creationId xmlns:a16="http://schemas.microsoft.com/office/drawing/2014/main" id="{217A2AAE-6BC8-5808-E162-24A5377FFF91}"/>
+            </a:ext>
+          </a:extLst>
+        </p:cNvPr>
+        <p:cNvGrpSpPr/>
+        <p:nvPr/>
+      </p:nvGrpSpPr>
+      <p:grpSpPr>
+        <a:xfrm>
+          <a:off x="0" y="0"/>
+          <a:ext cx="0" cy="0"/>
+          <a:chOff x="0" y="0"/>
+          <a:chExt cx="0" cy="0"/>
+        </a:xfrm>
+      </p:grpSpPr>
+      <p:sp>
+        <p:nvSpPr>
+          <p:cNvPr id="2" name="Slide Image Placeholder 1">
+            <a:extLst>
+              <a:ext uri="{FF2B5EF4-FFF2-40B4-BE49-F238E27FC236}">
+                <a16:creationId xmlns:a16="http://schemas.microsoft.com/office/drawing/2014/main" id="{8711CEC4-AE77-552C-E28F-E007F72AD713}"/>
+              </a:ext>
+            </a:extLst>
+          </p:cNvPr>
+          <p:cNvSpPr>
+            <a:spLocks noGrp="1" noRot="1" noChangeAspect="1"/>
+          </p:cNvSpPr>
+          <p:nvPr>
+            <p:ph type="sldImg"/>
+          </p:nvPr>
+        </p:nvSpPr>
+        <p:spPr/>
+      </p:sp>
+      <p:sp>
+        <p:nvSpPr>
+          <p:cNvPr id="3" name="Notes Placeholder 2">
+            <a:extLst>
+              <a:ext uri="{FF2B5EF4-FFF2-40B4-BE49-F238E27FC236}">
+                <a16:creationId xmlns:a16="http://schemas.microsoft.com/office/drawing/2014/main" id="{D13FBE2A-8637-C7BB-F205-5DDD71C632AD}"/>
+              </a:ext>
+            </a:extLst>
+          </p:cNvPr>
+          <p:cNvSpPr>
+            <a:spLocks noGrp="1"/>
+          </p:cNvSpPr>
+          <p:nvPr>
+            <p:ph type="body" idx="1"/>
+          </p:nvPr>
+        </p:nvSpPr>
+        <p:spPr/>
+        <p:txBody>
+          <a:bodyPr/>
+          <a:lstStyle/>
+          <a:p>
+            <a:pPr marL="0" indent="0">
+              <a:buNone/>
+            </a:pPr>
+            <a:endParaRPr lang="en-US" dirty="0"/>
+          </a:p>
+        </p:txBody>
+      </p:sp>
+      <p:sp>
+        <p:nvSpPr>
+          <p:cNvPr id="4" name="Slide Number Placeholder 3">
+            <a:extLst>
+              <a:ext uri="{FF2B5EF4-FFF2-40B4-BE49-F238E27FC236}">
+                <a16:creationId xmlns:a16="http://schemas.microsoft.com/office/drawing/2014/main" id="{FD36D316-19DC-B709-334C-9F4AB28C4701}"/>
+              </a:ext>
+            </a:extLst>
+          </p:cNvPr>
+          <p:cNvSpPr>
+            <a:spLocks noGrp="1"/>
+          </p:cNvSpPr>
+          <p:nvPr>
+            <p:ph type="sldNum" sz="quarter" idx="10"/>
+          </p:nvPr>
+        </p:nvSpPr>
+        <p:spPr/>
+        <p:txBody>
+          <a:bodyPr/>
+          <a:lstStyle/>
+          <a:p>
+            <a:fld id="{FFA5E540-6D76-429F-95AD-C7F13B3CAC82}" type="slidenum">
+              <a:rPr lang="en-US" smtClean="0"/>
+              <a:t>10</a:t>
+            </a:fld>
+            <a:endParaRPr lang="en-US" dirty="0"/>
+          </a:p>
+        </p:txBody>
+      </p:sp>
+    </p:spTree>
+    <p:extLst>
+      <p:ext uri="{BB962C8B-B14F-4D97-AF65-F5344CB8AC3E}">
+        <p14:creationId xmlns:p14="http://schemas.microsoft.com/office/powerpoint/2010/main" val="3186069772"/>
+      </p:ext>
+    </p:extLst>
+  </p:cSld>
+  <p:clrMapOvr>
+    <a:masterClrMapping/>
+  </p:clrMapOvr>
+</p:notes>
+</file>
+
+<file path=ppt/notesSlides/notesSlide11.xml><?xml version="1.0" encoding="utf-8"?>
+<p:notes xmlns:a="http://schemas.openxmlformats.org/drawingml/2006/main" xmlns:r="http://schemas.openxmlformats.org/officeDocument/2006/relationships" xmlns:p="http://schemas.openxmlformats.org/presentationml/2006/main">
+  <p:cSld>
+    <p:spTree>
+      <p:nvGrpSpPr>
+        <p:cNvPr id="1" name="">
+          <a:extLst>
+            <a:ext uri="{FF2B5EF4-FFF2-40B4-BE49-F238E27FC236}">
               <a16:creationId xmlns:a16="http://schemas.microsoft.com/office/drawing/2014/main" id="{77D48704-A97B-6AB1-B4E8-82D796B57A28}"/>
             </a:ext>
           </a:extLst>
@@ -833,7 +945,7 @@
           <a:p>
             <a:fld id="{FFA5E540-6D76-429F-95AD-C7F13B3CAC82}" type="slidenum">
               <a:rPr lang="en-US" smtClean="0"/>
-              <a:t>10</a:t>
+              <a:t>11</a:t>
             </a:fld>
             <a:endParaRPr lang="en-US" dirty="0"/>
           </a:p>
@@ -852,7 +964,7 @@
 </p:notes>
 </file>
 
-<file path=ppt/notesSlides/notesSlide11.xml><?xml version="1.0" encoding="utf-8"?>
+<file path=ppt/notesSlides/notesSlide12.xml><?xml version="1.0" encoding="utf-8"?>
 <p:notes xmlns:a="http://schemas.openxmlformats.org/drawingml/2006/main" xmlns:r="http://schemas.openxmlformats.org/officeDocument/2006/relationships" xmlns:p="http://schemas.openxmlformats.org/presentationml/2006/main">
   <p:cSld>
     <p:spTree>
@@ -941,7 +1053,7 @@
           <a:p>
             <a:fld id="{FFA5E540-6D76-429F-95AD-C7F13B3CAC82}" type="slidenum">
               <a:rPr lang="en-US" smtClean="0"/>
-              <a:t>11</a:t>
+              <a:t>12</a:t>
             </a:fld>
             <a:endParaRPr lang="en-US" dirty="0"/>
           </a:p>
@@ -960,7 +1072,7 @@
 </p:notes>
 </file>
 
-<file path=ppt/notesSlides/notesSlide12.xml><?xml version="1.0" encoding="utf-8"?>
+<file path=ppt/notesSlides/notesSlide13.xml><?xml version="1.0" encoding="utf-8"?>
 <p:notes xmlns:a="http://schemas.openxmlformats.org/drawingml/2006/main" xmlns:r="http://schemas.openxmlformats.org/officeDocument/2006/relationships" xmlns:p="http://schemas.openxmlformats.org/presentationml/2006/main">
   <p:cSld>
     <p:spTree>
@@ -1049,7 +1161,7 @@
           <a:p>
             <a:fld id="{FFA5E540-6D76-429F-95AD-C7F13B3CAC82}" type="slidenum">
               <a:rPr lang="en-US" smtClean="0"/>
-              <a:t>12</a:t>
+              <a:t>13</a:t>
             </a:fld>
             <a:endParaRPr lang="en-US" dirty="0"/>
           </a:p>
@@ -1592,6 +1704,93 @@
   <p:cSld>
     <p:spTree>
       <p:nvGrpSpPr>
+        <p:cNvPr id="1" name=""/>
+        <p:cNvGrpSpPr/>
+        <p:nvPr/>
+      </p:nvGrpSpPr>
+      <p:grpSpPr>
+        <a:xfrm>
+          <a:off x="0" y="0"/>
+          <a:ext cx="0" cy="0"/>
+          <a:chOff x="0" y="0"/>
+          <a:chExt cx="0" cy="0"/>
+        </a:xfrm>
+      </p:grpSpPr>
+      <p:sp>
+        <p:nvSpPr>
+          <p:cNvPr id="2" name="Slide Image Placeholder 1"/>
+          <p:cNvSpPr>
+            <a:spLocks noGrp="1" noRot="1" noChangeAspect="1"/>
+          </p:cNvSpPr>
+          <p:nvPr>
+            <p:ph type="sldImg"/>
+          </p:nvPr>
+        </p:nvSpPr>
+        <p:spPr/>
+      </p:sp>
+      <p:sp>
+        <p:nvSpPr>
+          <p:cNvPr id="3" name="Notes Placeholder 2"/>
+          <p:cNvSpPr>
+            <a:spLocks noGrp="1"/>
+          </p:cNvSpPr>
+          <p:nvPr>
+            <p:ph type="body" idx="1"/>
+          </p:nvPr>
+        </p:nvSpPr>
+        <p:spPr/>
+        <p:txBody>
+          <a:bodyPr/>
+          <a:lstStyle/>
+          <a:p>
+            <a:pPr marL="0" indent="0">
+              <a:buNone/>
+            </a:pPr>
+            <a:endParaRPr lang="en-US" dirty="0"/>
+          </a:p>
+        </p:txBody>
+      </p:sp>
+      <p:sp>
+        <p:nvSpPr>
+          <p:cNvPr id="4" name="Slide Number Placeholder 3"/>
+          <p:cNvSpPr>
+            <a:spLocks noGrp="1"/>
+          </p:cNvSpPr>
+          <p:nvPr>
+            <p:ph type="sldNum" sz="quarter" idx="10"/>
+          </p:nvPr>
+        </p:nvSpPr>
+        <p:spPr/>
+        <p:txBody>
+          <a:bodyPr/>
+          <a:lstStyle/>
+          <a:p>
+            <a:fld id="{FFA5E540-6D76-429F-95AD-C7F13B3CAC82}" type="slidenum">
+              <a:rPr lang="en-US" smtClean="0"/>
+              <a:t>7</a:t>
+            </a:fld>
+            <a:endParaRPr lang="en-US" dirty="0"/>
+          </a:p>
+        </p:txBody>
+      </p:sp>
+    </p:spTree>
+    <p:extLst>
+      <p:ext uri="{BB962C8B-B14F-4D97-AF65-F5344CB8AC3E}">
+        <p14:creationId xmlns:p14="http://schemas.microsoft.com/office/powerpoint/2010/main" val="903497370"/>
+      </p:ext>
+    </p:extLst>
+  </p:cSld>
+  <p:clrMapOvr>
+    <a:masterClrMapping/>
+  </p:clrMapOvr>
+</p:notes>
+</file>
+
+<file path=ppt/notesSlides/notesSlide8.xml><?xml version="1.0" encoding="utf-8"?>
+<p:notes xmlns:a="http://schemas.openxmlformats.org/drawingml/2006/main" xmlns:r="http://schemas.openxmlformats.org/officeDocument/2006/relationships" xmlns:p="http://schemas.openxmlformats.org/presentationml/2006/main">
+  <p:cSld>
+    <p:spTree>
+      <p:nvGrpSpPr>
         <p:cNvPr id="1" name="">
           <a:extLst>
             <a:ext uri="{FF2B5EF4-FFF2-40B4-BE49-F238E27FC236}">
@@ -1679,7 +1878,7 @@
           <a:p>
             <a:fld id="{FFA5E540-6D76-429F-95AD-C7F13B3CAC82}" type="slidenum">
               <a:rPr lang="en-US" smtClean="0"/>
-              <a:t>7</a:t>
+              <a:t>8</a:t>
             </a:fld>
             <a:endParaRPr lang="en-US" dirty="0"/>
           </a:p>
@@ -1698,7 +1897,7 @@
 </p:notes>
 </file>
 
-<file path=ppt/notesSlides/notesSlide8.xml><?xml version="1.0" encoding="utf-8"?>
+<file path=ppt/notesSlides/notesSlide9.xml><?xml version="1.0" encoding="utf-8"?>
 <p:notes xmlns:a="http://schemas.openxmlformats.org/drawingml/2006/main" xmlns:r="http://schemas.openxmlformats.org/officeDocument/2006/relationships" xmlns:p="http://schemas.openxmlformats.org/presentationml/2006/main">
   <p:cSld>
     <p:spTree>
@@ -1790,7 +1989,7 @@
           <a:p>
             <a:fld id="{FFA5E540-6D76-429F-95AD-C7F13B3CAC82}" type="slidenum">
               <a:rPr lang="en-US" smtClean="0"/>
-              <a:t>8</a:t>
+              <a:t>9</a:t>
             </a:fld>
             <a:endParaRPr lang="en-US" dirty="0"/>
           </a:p>
@@ -1800,117 +1999,6 @@
     <p:extLst>
       <p:ext uri="{BB962C8B-B14F-4D97-AF65-F5344CB8AC3E}">
         <p14:creationId xmlns:p14="http://schemas.microsoft.com/office/powerpoint/2010/main" val="282513375"/>
-      </p:ext>
-    </p:extLst>
-  </p:cSld>
-  <p:clrMapOvr>
-    <a:masterClrMapping/>
-  </p:clrMapOvr>
-</p:notes>
-</file>
-
-<file path=ppt/notesSlides/notesSlide9.xml><?xml version="1.0" encoding="utf-8"?>
-<p:notes xmlns:a="http://schemas.openxmlformats.org/drawingml/2006/main" xmlns:r="http://schemas.openxmlformats.org/officeDocument/2006/relationships" xmlns:p="http://schemas.openxmlformats.org/presentationml/2006/main">
-  <p:cSld>
-    <p:spTree>
-      <p:nvGrpSpPr>
-        <p:cNvPr id="1" name="">
-          <a:extLst>
-            <a:ext uri="{FF2B5EF4-FFF2-40B4-BE49-F238E27FC236}">
-              <a16:creationId xmlns:a16="http://schemas.microsoft.com/office/drawing/2014/main" id="{217A2AAE-6BC8-5808-E162-24A5377FFF91}"/>
-            </a:ext>
-          </a:extLst>
-        </p:cNvPr>
-        <p:cNvGrpSpPr/>
-        <p:nvPr/>
-      </p:nvGrpSpPr>
-      <p:grpSpPr>
-        <a:xfrm>
-          <a:off x="0" y="0"/>
-          <a:ext cx="0" cy="0"/>
-          <a:chOff x="0" y="0"/>
-          <a:chExt cx="0" cy="0"/>
-        </a:xfrm>
-      </p:grpSpPr>
-      <p:sp>
-        <p:nvSpPr>
-          <p:cNvPr id="2" name="Slide Image Placeholder 1">
-            <a:extLst>
-              <a:ext uri="{FF2B5EF4-FFF2-40B4-BE49-F238E27FC236}">
-                <a16:creationId xmlns:a16="http://schemas.microsoft.com/office/drawing/2014/main" id="{8711CEC4-AE77-552C-E28F-E007F72AD713}"/>
-              </a:ext>
-            </a:extLst>
-          </p:cNvPr>
-          <p:cNvSpPr>
-            <a:spLocks noGrp="1" noRot="1" noChangeAspect="1"/>
-          </p:cNvSpPr>
-          <p:nvPr>
-            <p:ph type="sldImg"/>
-          </p:nvPr>
-        </p:nvSpPr>
-        <p:spPr/>
-      </p:sp>
-      <p:sp>
-        <p:nvSpPr>
-          <p:cNvPr id="3" name="Notes Placeholder 2">
-            <a:extLst>
-              <a:ext uri="{FF2B5EF4-FFF2-40B4-BE49-F238E27FC236}">
-                <a16:creationId xmlns:a16="http://schemas.microsoft.com/office/drawing/2014/main" id="{D13FBE2A-8637-C7BB-F205-5DDD71C632AD}"/>
-              </a:ext>
-            </a:extLst>
-          </p:cNvPr>
-          <p:cNvSpPr>
-            <a:spLocks noGrp="1"/>
-          </p:cNvSpPr>
-          <p:nvPr>
-            <p:ph type="body" idx="1"/>
-          </p:nvPr>
-        </p:nvSpPr>
-        <p:spPr/>
-        <p:txBody>
-          <a:bodyPr/>
-          <a:lstStyle/>
-          <a:p>
-            <a:pPr marL="0" indent="0">
-              <a:buNone/>
-            </a:pPr>
-            <a:endParaRPr lang="en-US" dirty="0"/>
-          </a:p>
-        </p:txBody>
-      </p:sp>
-      <p:sp>
-        <p:nvSpPr>
-          <p:cNvPr id="4" name="Slide Number Placeholder 3">
-            <a:extLst>
-              <a:ext uri="{FF2B5EF4-FFF2-40B4-BE49-F238E27FC236}">
-                <a16:creationId xmlns:a16="http://schemas.microsoft.com/office/drawing/2014/main" id="{FD36D316-19DC-B709-334C-9F4AB28C4701}"/>
-              </a:ext>
-            </a:extLst>
-          </p:cNvPr>
-          <p:cNvSpPr>
-            <a:spLocks noGrp="1"/>
-          </p:cNvSpPr>
-          <p:nvPr>
-            <p:ph type="sldNum" sz="quarter" idx="10"/>
-          </p:nvPr>
-        </p:nvSpPr>
-        <p:spPr/>
-        <p:txBody>
-          <a:bodyPr/>
-          <a:lstStyle/>
-          <a:p>
-            <a:fld id="{FFA5E540-6D76-429F-95AD-C7F13B3CAC82}" type="slidenum">
-              <a:rPr lang="en-US" smtClean="0"/>
-              <a:t>9</a:t>
-            </a:fld>
-            <a:endParaRPr lang="en-US" dirty="0"/>
-          </a:p>
-        </p:txBody>
-      </p:sp>
-    </p:spTree>
-    <p:extLst>
-      <p:ext uri="{BB962C8B-B14F-4D97-AF65-F5344CB8AC3E}">
-        <p14:creationId xmlns:p14="http://schemas.microsoft.com/office/powerpoint/2010/main" val="3186069772"/>
       </p:ext>
     </p:extLst>
   </p:cSld>
@@ -21102,7 +21190,7 @@
           <a:p>
             <a:fld id="{F7015205-6E1C-4AA4-A1F5-F88A14739F8D}" type="datetime1">
               <a:rPr lang="en-US" altLang="zh-CN" smtClean="0"/>
-              <a:t>4/16/2024</a:t>
+              <a:t>4/17/2024</a:t>
             </a:fld>
             <a:endParaRPr lang="en-US"/>
           </a:p>
@@ -21312,7 +21400,7 @@
           <a:p>
             <a:fld id="{C5005B59-A863-49AB-8A46-4FABF628DCDB}" type="datetime1">
               <a:rPr lang="en-US" altLang="zh-CN" smtClean="0"/>
-              <a:t>4/16/2024</a:t>
+              <a:t>4/17/2024</a:t>
             </a:fld>
             <a:endParaRPr lang="en-US"/>
           </a:p>
@@ -21487,7 +21575,7 @@
           <a:p>
             <a:fld id="{B9B359B8-BB35-4942-BB3F-553087A1AB07}" type="datetime1">
               <a:rPr lang="en-US" altLang="zh-CN" smtClean="0"/>
-              <a:t>4/16/2024</a:t>
+              <a:t>4/17/2024</a:t>
             </a:fld>
             <a:endParaRPr lang="en-US"/>
           </a:p>
@@ -21652,7 +21740,7 @@
           <a:p>
             <a:fld id="{0051FDAB-E13B-4DED-ACB5-C97F04F9745D}" type="datetime1">
               <a:rPr lang="en-US" altLang="zh-CN" smtClean="0"/>
-              <a:t>4/16/2024</a:t>
+              <a:t>4/17/2024</a:t>
             </a:fld>
             <a:endParaRPr lang="en-US"/>
           </a:p>
@@ -21839,7 +21927,7 @@
           <a:p>
             <a:fld id="{411C2638-AFB1-4A52-81EA-13B8957633A2}" type="datetime1">
               <a:rPr lang="en-US" altLang="zh-CN" smtClean="0"/>
-              <a:t>4/16/2024</a:t>
+              <a:t>4/17/2024</a:t>
             </a:fld>
             <a:endParaRPr lang="en-US"/>
           </a:p>
@@ -22122,7 +22210,7 @@
           <a:p>
             <a:fld id="{86FEA545-9191-4074-8B47-064CD17714D7}" type="datetime1">
               <a:rPr lang="en-US" altLang="zh-CN" smtClean="0"/>
-              <a:t>4/16/2024</a:t>
+              <a:t>4/17/2024</a:t>
             </a:fld>
             <a:endParaRPr lang="en-US"/>
           </a:p>
@@ -22544,7 +22632,7 @@
           <a:p>
             <a:fld id="{FEDA739D-67B9-461E-9E24-584E6BDA3BCB}" type="datetime1">
               <a:rPr lang="en-US" altLang="zh-CN" smtClean="0"/>
-              <a:t>4/16/2024</a:t>
+              <a:t>4/17/2024</a:t>
             </a:fld>
             <a:endParaRPr lang="en-US"/>
           </a:p>
@@ -22657,7 +22745,7 @@
           <a:p>
             <a:fld id="{9B17A94F-F96B-45CF-824C-A53F0758AB69}" type="datetime1">
               <a:rPr lang="en-US" altLang="zh-CN" smtClean="0"/>
-              <a:t>4/16/2024</a:t>
+              <a:t>4/17/2024</a:t>
             </a:fld>
             <a:endParaRPr lang="en-US"/>
           </a:p>
@@ -22747,7 +22835,7 @@
           <a:p>
             <a:fld id="{0E7E811E-CB35-486D-A51A-D28D7B88C8A1}" type="datetime1">
               <a:rPr lang="en-US" altLang="zh-CN" smtClean="0"/>
-              <a:t>4/16/2024</a:t>
+              <a:t>4/17/2024</a:t>
             </a:fld>
             <a:endParaRPr lang="en-US"/>
           </a:p>
@@ -23019,7 +23107,7 @@
           <a:p>
             <a:fld id="{49060A9D-03E3-407A-91FE-4FD83FD5236C}" type="datetime1">
               <a:rPr lang="en-US" altLang="zh-CN" smtClean="0"/>
-              <a:t>4/16/2024</a:t>
+              <a:t>4/17/2024</a:t>
             </a:fld>
             <a:endParaRPr lang="en-US"/>
           </a:p>
@@ -23272,7 +23360,7 @@
           <a:p>
             <a:fld id="{27EABF16-FC76-43D1-8210-F66033CB86AD}" type="datetime1">
               <a:rPr lang="en-US" altLang="zh-CN" smtClean="0"/>
-              <a:t>4/16/2024</a:t>
+              <a:t>4/17/2024</a:t>
             </a:fld>
             <a:endParaRPr lang="en-US"/>
           </a:p>
@@ -23534,7 +23622,7 @@
           <a:p>
             <a:fld id="{5C24D9CC-1561-4C99-B045-95C038C2B123}" type="datetime1">
               <a:rPr lang="en-US" altLang="zh-CN" smtClean="0"/>
-              <a:t>4/16/2024</a:t>
+              <a:t>4/17/2024</a:t>
             </a:fld>
             <a:endParaRPr lang="en-US"/>
           </a:p>
@@ -24532,7 +24620,7 @@
         </p:blipFill>
         <p:spPr bwMode="auto">
           <a:xfrm>
-            <a:off x="6553200" y="0"/>
+            <a:off x="6019800" y="-533400"/>
             <a:ext cx="3124200" cy="2111067"/>
           </a:xfrm>
           <a:prstGeom prst="rect">
@@ -24565,6 +24653,527 @@
 </file>
 
 <file path=ppt/slides/slide10.xml><?xml version="1.0" encoding="utf-8"?>
+<p:sld xmlns:a="http://schemas.openxmlformats.org/drawingml/2006/main" xmlns:r="http://schemas.openxmlformats.org/officeDocument/2006/relationships" xmlns:p="http://schemas.openxmlformats.org/presentationml/2006/main">
+  <p:cSld>
+    <p:spTree>
+      <p:nvGrpSpPr>
+        <p:cNvPr id="1" name="">
+          <a:extLst>
+            <a:ext uri="{FF2B5EF4-FFF2-40B4-BE49-F238E27FC236}">
+              <a16:creationId xmlns:a16="http://schemas.microsoft.com/office/drawing/2014/main" id="{2E905563-DB9F-52CC-C53B-E3FF5597882D}"/>
+            </a:ext>
+          </a:extLst>
+        </p:cNvPr>
+        <p:cNvGrpSpPr/>
+        <p:nvPr/>
+      </p:nvGrpSpPr>
+      <p:grpSpPr>
+        <a:xfrm>
+          <a:off x="0" y="0"/>
+          <a:ext cx="0" cy="0"/>
+          <a:chOff x="0" y="0"/>
+          <a:chExt cx="0" cy="0"/>
+        </a:xfrm>
+      </p:grpSpPr>
+      <p:sp>
+        <p:nvSpPr>
+          <p:cNvPr id="2" name="Title 1">
+            <a:extLst>
+              <a:ext uri="{FF2B5EF4-FFF2-40B4-BE49-F238E27FC236}">
+                <a16:creationId xmlns:a16="http://schemas.microsoft.com/office/drawing/2014/main" id="{0EFF7BD2-C244-AA5A-D725-298402CE7DD6}"/>
+              </a:ext>
+            </a:extLst>
+          </p:cNvPr>
+          <p:cNvSpPr>
+            <a:spLocks noGrp="1"/>
+          </p:cNvSpPr>
+          <p:nvPr>
+            <p:ph type="title"/>
+          </p:nvPr>
+        </p:nvSpPr>
+        <p:spPr>
+          <a:xfrm>
+            <a:off x="152400" y="152400"/>
+            <a:ext cx="8610600" cy="838200"/>
+          </a:xfrm>
+        </p:spPr>
+        <p:txBody>
+          <a:bodyPr/>
+          <a:lstStyle/>
+          <a:p>
+            <a:r>
+              <a:rPr lang="en-US" altLang="zh-CN" dirty="0"/>
+              <a:t>Channel</a:t>
+            </a:r>
+            <a:endParaRPr lang="zh-CN" altLang="en-US" dirty="0"/>
+          </a:p>
+        </p:txBody>
+      </p:sp>
+      <p:sp>
+        <p:nvSpPr>
+          <p:cNvPr id="9" name="Rectangle 2">
+            <a:extLst>
+              <a:ext uri="{FF2B5EF4-FFF2-40B4-BE49-F238E27FC236}">
+                <a16:creationId xmlns:a16="http://schemas.microsoft.com/office/drawing/2014/main" id="{E7176D20-836C-1983-9CFC-7F752845BD51}"/>
+              </a:ext>
+            </a:extLst>
+          </p:cNvPr>
+          <p:cNvSpPr>
+            <a:spLocks noChangeArrowheads="1"/>
+          </p:cNvSpPr>
+          <p:nvPr/>
+        </p:nvSpPr>
+        <p:spPr bwMode="auto">
+          <a:xfrm>
+            <a:off x="0" y="0"/>
+            <a:ext cx="9144000" cy="0"/>
+          </a:xfrm>
+          <a:prstGeom prst="rect">
+            <a:avLst/>
+          </a:prstGeom>
+          <a:noFill/>
+          <a:ln>
+            <a:noFill/>
+          </a:ln>
+          <a:effectLst/>
+          <a:extLst>
+            <a:ext uri="{909E8E84-426E-40DD-AFC4-6F175D3DCCD1}">
+              <a14:hiddenFill xmlns:a14="http://schemas.microsoft.com/office/drawing/2010/main">
+                <a:solidFill>
+                  <a:schemeClr val="accent1"/>
+                </a:solidFill>
+              </a14:hiddenFill>
+            </a:ext>
+            <a:ext uri="{91240B29-F687-4F45-9708-019B960494DF}">
+              <a14:hiddenLine xmlns:a14="http://schemas.microsoft.com/office/drawing/2010/main" w="9525">
+                <a:solidFill>
+                  <a:schemeClr val="tx1"/>
+                </a:solidFill>
+                <a:miter lim="800000"/>
+                <a:headEnd/>
+                <a:tailEnd/>
+              </a14:hiddenLine>
+            </a:ext>
+            <a:ext uri="{AF507438-7753-43E0-B8FC-AC1667EBCBE1}">
+              <a14:hiddenEffects xmlns:a14="http://schemas.microsoft.com/office/drawing/2010/main">
+                <a:effectLst>
+                  <a:outerShdw dist="35921" dir="2700000" algn="ctr" rotWithShape="0">
+                    <a:schemeClr val="bg2"/>
+                  </a:outerShdw>
+                </a:effectLst>
+              </a14:hiddenEffects>
+            </a:ext>
+          </a:extLst>
+        </p:spPr>
+        <p:txBody>
+          <a:bodyPr vert="horz" wrap="none" lIns="91440" tIns="45720" rIns="91440" bIns="45720" numCol="1" anchor="ctr" anchorCtr="0" compatLnSpc="1">
+            <a:prstTxWarp prst="textNoShape">
+              <a:avLst/>
+            </a:prstTxWarp>
+            <a:spAutoFit/>
+          </a:bodyPr>
+          <a:lstStyle/>
+          <a:p>
+            <a:endParaRPr lang="zh-CN" altLang="en-US"/>
+          </a:p>
+        </p:txBody>
+      </p:sp>
+      <p:sp>
+        <p:nvSpPr>
+          <p:cNvPr id="19" name="内容占位符 2">
+            <a:extLst>
+              <a:ext uri="{FF2B5EF4-FFF2-40B4-BE49-F238E27FC236}">
+                <a16:creationId xmlns:a16="http://schemas.microsoft.com/office/drawing/2014/main" id="{A9053510-A9E5-F61F-8222-40E5AFC298E4}"/>
+              </a:ext>
+            </a:extLst>
+          </p:cNvPr>
+          <p:cNvSpPr txBox="1">
+            <a:spLocks/>
+          </p:cNvSpPr>
+          <p:nvPr/>
+        </p:nvSpPr>
+        <p:spPr bwMode="auto">
+          <a:xfrm>
+            <a:off x="93652" y="1068111"/>
+            <a:ext cx="9050348" cy="1979889"/>
+          </a:xfrm>
+          <a:prstGeom prst="rect">
+            <a:avLst/>
+          </a:prstGeom>
+          <a:noFill/>
+          <a:ln>
+            <a:noFill/>
+          </a:ln>
+          <a:extLst>
+            <a:ext uri="{909E8E84-426E-40DD-AFC4-6F175D3DCCD1}">
+              <a14:hiddenFill xmlns:a14="http://schemas.microsoft.com/office/drawing/2010/main">
+                <a:solidFill>
+                  <a:srgbClr val="FFFFFF"/>
+                </a:solidFill>
+              </a14:hiddenFill>
+            </a:ext>
+            <a:ext uri="{91240B29-F687-4F45-9708-019B960494DF}">
+              <a14:hiddenLine xmlns:a14="http://schemas.microsoft.com/office/drawing/2010/main" w="28575">
+                <a:solidFill>
+                  <a:srgbClr val="000000"/>
+                </a:solidFill>
+                <a:miter lim="800000"/>
+                <a:headEnd/>
+                <a:tailEnd/>
+              </a14:hiddenLine>
+            </a:ext>
+          </a:extLst>
+        </p:spPr>
+        <p:txBody>
+          <a:bodyPr vert="horz" wrap="square" lIns="91440" tIns="45720" rIns="91440" bIns="45720" numCol="1" anchor="t" anchorCtr="0" compatLnSpc="1">
+            <a:prstTxWarp prst="textNoShape">
+              <a:avLst/>
+            </a:prstTxWarp>
+          </a:bodyPr>
+          <a:lstStyle>
+            <a:lvl1pPr marL="342900" indent="-342900" algn="l" rtl="0" eaLnBrk="1" fontAlgn="base" hangingPunct="1">
+              <a:spcBef>
+                <a:spcPct val="30000"/>
+              </a:spcBef>
+              <a:spcAft>
+                <a:spcPct val="0"/>
+              </a:spcAft>
+              <a:buClr>
+                <a:schemeClr val="hlink"/>
+              </a:buClr>
+              <a:buFont typeface="Wingdings" pitchFamily="2" charset="2"/>
+              <a:buChar char="§"/>
+              <a:defRPr sz="3200">
+                <a:solidFill>
+                  <a:srgbClr val="000066"/>
+                </a:solidFill>
+                <a:latin typeface="微软雅黑" pitchFamily="34" charset="-122"/>
+                <a:ea typeface="微软雅黑" pitchFamily="34" charset="-122"/>
+                <a:cs typeface="+mn-cs"/>
+              </a:defRPr>
+            </a:lvl1pPr>
+            <a:lvl2pPr marL="742950" indent="-285750" algn="l" rtl="0" eaLnBrk="1" fontAlgn="base" hangingPunct="1">
+              <a:spcBef>
+                <a:spcPct val="30000"/>
+              </a:spcBef>
+              <a:spcAft>
+                <a:spcPct val="0"/>
+              </a:spcAft>
+              <a:buClr>
+                <a:schemeClr val="tx2"/>
+              </a:buClr>
+              <a:buSzPct val="85000"/>
+              <a:buFont typeface="Wingdings" pitchFamily="2" charset="2"/>
+              <a:buChar char="Ø"/>
+              <a:defRPr sz="2800">
+                <a:solidFill>
+                  <a:srgbClr val="006666"/>
+                </a:solidFill>
+                <a:latin typeface="微软雅黑" pitchFamily="34" charset="-122"/>
+                <a:ea typeface="微软雅黑" pitchFamily="34" charset="-122"/>
+              </a:defRPr>
+            </a:lvl2pPr>
+            <a:lvl3pPr marL="1143000" indent="-228600" algn="l" rtl="0" eaLnBrk="1" fontAlgn="base" hangingPunct="1">
+              <a:spcBef>
+                <a:spcPct val="30000"/>
+              </a:spcBef>
+              <a:spcAft>
+                <a:spcPct val="0"/>
+              </a:spcAft>
+              <a:buClr>
+                <a:schemeClr val="hlink"/>
+              </a:buClr>
+              <a:buSzPct val="95000"/>
+              <a:buFont typeface="Wingdings 2" pitchFamily="18" charset="2"/>
+              <a:buChar char="¡"/>
+              <a:defRPr sz="2400">
+                <a:solidFill>
+                  <a:schemeClr val="hlink"/>
+                </a:solidFill>
+                <a:latin typeface="微软雅黑" pitchFamily="34" charset="-122"/>
+                <a:ea typeface="微软雅黑" pitchFamily="34" charset="-122"/>
+              </a:defRPr>
+            </a:lvl3pPr>
+            <a:lvl4pPr marL="1600200" indent="-228600" algn="l" rtl="0" eaLnBrk="1" fontAlgn="base" hangingPunct="1">
+              <a:spcBef>
+                <a:spcPct val="30000"/>
+              </a:spcBef>
+              <a:spcAft>
+                <a:spcPct val="0"/>
+              </a:spcAft>
+              <a:buClr>
+                <a:schemeClr val="tx2"/>
+              </a:buClr>
+              <a:buSzPct val="90000"/>
+              <a:buFont typeface="Wingdings" pitchFamily="2" charset="2"/>
+              <a:buChar char="Ø"/>
+              <a:defRPr sz="2000">
+                <a:solidFill>
+                  <a:srgbClr val="990099"/>
+                </a:solidFill>
+                <a:latin typeface="微软雅黑" pitchFamily="34" charset="-122"/>
+                <a:ea typeface="微软雅黑" pitchFamily="34" charset="-122"/>
+              </a:defRPr>
+            </a:lvl4pPr>
+            <a:lvl5pPr marL="2057400" indent="-228600" algn="l" rtl="0" eaLnBrk="1" fontAlgn="base" hangingPunct="1">
+              <a:spcBef>
+                <a:spcPct val="30000"/>
+              </a:spcBef>
+              <a:spcAft>
+                <a:spcPct val="0"/>
+              </a:spcAft>
+              <a:buClr>
+                <a:schemeClr val="hlink"/>
+              </a:buClr>
+              <a:buFont typeface="Wingdings 2" pitchFamily="18" charset="2"/>
+              <a:buChar char="¡"/>
+              <a:defRPr sz="2000">
+                <a:solidFill>
+                  <a:schemeClr val="tx1"/>
+                </a:solidFill>
+                <a:latin typeface="微软雅黑" pitchFamily="34" charset="-122"/>
+                <a:ea typeface="微软雅黑" pitchFamily="34" charset="-122"/>
+              </a:defRPr>
+            </a:lvl5pPr>
+            <a:lvl6pPr marL="2514600" indent="-228600" algn="l" rtl="0" eaLnBrk="1" fontAlgn="base" hangingPunct="1">
+              <a:spcBef>
+                <a:spcPct val="30000"/>
+              </a:spcBef>
+              <a:spcAft>
+                <a:spcPct val="0"/>
+              </a:spcAft>
+              <a:buClr>
+                <a:schemeClr val="hlink"/>
+              </a:buClr>
+              <a:buFont typeface="Wingdings 2" pitchFamily="18" charset="2"/>
+              <a:buChar char="¡"/>
+              <a:defRPr sz="2000">
+                <a:solidFill>
+                  <a:schemeClr val="tx1"/>
+                </a:solidFill>
+                <a:latin typeface="+mn-lt"/>
+                <a:ea typeface="+mn-ea"/>
+              </a:defRPr>
+            </a:lvl6pPr>
+            <a:lvl7pPr marL="2971800" indent="-228600" algn="l" rtl="0" eaLnBrk="1" fontAlgn="base" hangingPunct="1">
+              <a:spcBef>
+                <a:spcPct val="30000"/>
+              </a:spcBef>
+              <a:spcAft>
+                <a:spcPct val="0"/>
+              </a:spcAft>
+              <a:buClr>
+                <a:schemeClr val="hlink"/>
+              </a:buClr>
+              <a:buFont typeface="Wingdings 2" pitchFamily="18" charset="2"/>
+              <a:buChar char="¡"/>
+              <a:defRPr sz="2000">
+                <a:solidFill>
+                  <a:schemeClr val="tx1"/>
+                </a:solidFill>
+                <a:latin typeface="+mn-lt"/>
+                <a:ea typeface="+mn-ea"/>
+              </a:defRPr>
+            </a:lvl7pPr>
+            <a:lvl8pPr marL="3429000" indent="-228600" algn="l" rtl="0" eaLnBrk="1" fontAlgn="base" hangingPunct="1">
+              <a:spcBef>
+                <a:spcPct val="30000"/>
+              </a:spcBef>
+              <a:spcAft>
+                <a:spcPct val="0"/>
+              </a:spcAft>
+              <a:buClr>
+                <a:schemeClr val="hlink"/>
+              </a:buClr>
+              <a:buFont typeface="Wingdings 2" pitchFamily="18" charset="2"/>
+              <a:buChar char="¡"/>
+              <a:defRPr sz="2000">
+                <a:solidFill>
+                  <a:schemeClr val="tx1"/>
+                </a:solidFill>
+                <a:latin typeface="+mn-lt"/>
+                <a:ea typeface="+mn-ea"/>
+              </a:defRPr>
+            </a:lvl8pPr>
+            <a:lvl9pPr marL="3886200" indent="-228600" algn="l" rtl="0" eaLnBrk="1" fontAlgn="base" hangingPunct="1">
+              <a:spcBef>
+                <a:spcPct val="30000"/>
+              </a:spcBef>
+              <a:spcAft>
+                <a:spcPct val="0"/>
+              </a:spcAft>
+              <a:buClr>
+                <a:schemeClr val="hlink"/>
+              </a:buClr>
+              <a:buFont typeface="Wingdings 2" pitchFamily="18" charset="2"/>
+              <a:buChar char="¡"/>
+              <a:defRPr sz="2000">
+                <a:solidFill>
+                  <a:schemeClr val="tx1"/>
+                </a:solidFill>
+                <a:latin typeface="+mn-lt"/>
+                <a:ea typeface="+mn-ea"/>
+              </a:defRPr>
+            </a:lvl9pPr>
+          </a:lstStyle>
+          <a:p>
+            <a:r>
+              <a:rPr lang="en-US" altLang="zh-CN" sz="2400" kern="0" dirty="0">
+                <a:latin typeface="+mn-lt"/>
+                <a:cs typeface="Times New Roman" panose="02020603050405020304" pitchFamily="18" charset="0"/>
+              </a:rPr>
+              <a:t>No-slip</a:t>
+            </a:r>
+            <a:endParaRPr lang="en-US" altLang="zh-CN" sz="2000" kern="0" dirty="0">
+              <a:latin typeface="+mn-lt"/>
+              <a:cs typeface="Times New Roman" panose="02020603050405020304" pitchFamily="18" charset="0"/>
+            </a:endParaRPr>
+          </a:p>
+          <a:p>
+            <a:pPr lvl="1"/>
+            <a:r>
+              <a:rPr lang="en-US" altLang="zh-CN" sz="2000" kern="0" dirty="0">
+                <a:latin typeface="+mn-lt"/>
+                <a:cs typeface="Times New Roman" panose="02020603050405020304" pitchFamily="18" charset="0"/>
+              </a:rPr>
+              <a:t>No-slip </a:t>
+            </a:r>
+            <a:r>
+              <a:rPr lang="en-US" altLang="zh-CN" sz="2000" kern="0" dirty="0" err="1">
+                <a:latin typeface="+mn-lt"/>
+                <a:cs typeface="Times New Roman" panose="02020603050405020304" pitchFamily="18" charset="0"/>
+              </a:rPr>
+              <a:t>bc</a:t>
+            </a:r>
+            <a:r>
+              <a:rPr lang="en-US" altLang="zh-CN" sz="2000" kern="0" dirty="0">
+                <a:latin typeface="+mn-lt"/>
+                <a:cs typeface="Times New Roman" panose="02020603050405020304" pitchFamily="18" charset="0"/>
+              </a:rPr>
+              <a:t> leads to higher RETAU on coarse grids when there is no numerical dissipation on the scales near the cut-off scale</a:t>
+            </a:r>
+          </a:p>
+          <a:p>
+            <a:pPr marL="457200" lvl="1" indent="0">
+              <a:buFont typeface="Wingdings" pitchFamily="2" charset="2"/>
+              <a:buNone/>
+            </a:pPr>
+            <a:endParaRPr lang="en-US" altLang="zh-CN" sz="2000" kern="0" baseline="30000" dirty="0">
+              <a:latin typeface="+mn-lt"/>
+              <a:cs typeface="Times New Roman" panose="02020603050405020304" pitchFamily="18" charset="0"/>
+            </a:endParaRPr>
+          </a:p>
+          <a:p>
+            <a:pPr marL="457200" lvl="1" indent="0">
+              <a:buFont typeface="Wingdings" pitchFamily="2" charset="2"/>
+              <a:buNone/>
+            </a:pPr>
+            <a:endParaRPr lang="en-US" altLang="zh-CN" sz="2000" kern="0" baseline="30000" dirty="0">
+              <a:latin typeface="+mn-lt"/>
+              <a:cs typeface="Times New Roman" panose="02020603050405020304" pitchFamily="18" charset="0"/>
+            </a:endParaRPr>
+          </a:p>
+          <a:p>
+            <a:pPr marL="457200" lvl="1" indent="0">
+              <a:buFont typeface="Wingdings" pitchFamily="2" charset="2"/>
+              <a:buNone/>
+            </a:pPr>
+            <a:endParaRPr lang="en-US" altLang="zh-CN" sz="2000" kern="0" baseline="30000" dirty="0">
+              <a:latin typeface="+mn-lt"/>
+              <a:cs typeface="Times New Roman" panose="02020603050405020304" pitchFamily="18" charset="0"/>
+            </a:endParaRPr>
+          </a:p>
+          <a:p>
+            <a:pPr marL="457200" lvl="1" indent="0">
+              <a:buFont typeface="Wingdings" pitchFamily="2" charset="2"/>
+              <a:buNone/>
+            </a:pPr>
+            <a:endParaRPr lang="en-US" altLang="zh-CN" sz="2000" kern="0" baseline="30000" dirty="0">
+              <a:latin typeface="+mn-lt"/>
+              <a:cs typeface="Times New Roman" panose="02020603050405020304" pitchFamily="18" charset="0"/>
+            </a:endParaRPr>
+          </a:p>
+          <a:p>
+            <a:pPr marL="457200" lvl="1" indent="0">
+              <a:buFont typeface="Wingdings" pitchFamily="2" charset="2"/>
+              <a:buNone/>
+            </a:pPr>
+            <a:endParaRPr lang="en-US" altLang="zh-CN" sz="2000" kern="0" baseline="30000" dirty="0">
+              <a:latin typeface="+mn-lt"/>
+              <a:cs typeface="Times New Roman" panose="02020603050405020304" pitchFamily="18" charset="0"/>
+            </a:endParaRPr>
+          </a:p>
+          <a:p>
+            <a:pPr marL="457200" lvl="1" indent="0">
+              <a:buFont typeface="Wingdings" pitchFamily="2" charset="2"/>
+              <a:buNone/>
+            </a:pPr>
+            <a:endParaRPr lang="en-US" altLang="zh-CN" sz="2000" kern="0" baseline="30000" dirty="0">
+              <a:latin typeface="+mn-lt"/>
+              <a:cs typeface="Times New Roman" panose="02020603050405020304" pitchFamily="18" charset="0"/>
+            </a:endParaRPr>
+          </a:p>
+          <a:p>
+            <a:pPr marL="457200" lvl="1" indent="0">
+              <a:buFont typeface="Wingdings" pitchFamily="2" charset="2"/>
+              <a:buNone/>
+            </a:pPr>
+            <a:endParaRPr lang="en-US" altLang="zh-CN" sz="2000" kern="0" baseline="30000" dirty="0">
+              <a:latin typeface="+mn-lt"/>
+              <a:cs typeface="Times New Roman" panose="02020603050405020304" pitchFamily="18" charset="0"/>
+            </a:endParaRPr>
+          </a:p>
+          <a:p>
+            <a:pPr marL="457200" lvl="1" indent="0">
+              <a:buFont typeface="Wingdings" pitchFamily="2" charset="2"/>
+              <a:buNone/>
+            </a:pPr>
+            <a:endParaRPr lang="en-US" altLang="zh-CN" sz="2000" kern="0" baseline="30000" dirty="0">
+              <a:latin typeface="+mn-lt"/>
+              <a:cs typeface="Times New Roman" panose="02020603050405020304" pitchFamily="18" charset="0"/>
+            </a:endParaRPr>
+          </a:p>
+          <a:p>
+            <a:pPr>
+              <a:lnSpc>
+                <a:spcPct val="125000"/>
+              </a:lnSpc>
+            </a:pPr>
+            <a:endParaRPr lang="en-US" altLang="zh-CN" sz="2400" kern="0" dirty="0">
+              <a:latin typeface="+mn-lt"/>
+              <a:cs typeface="Times New Roman" panose="02020603050405020304" pitchFamily="18" charset="0"/>
+            </a:endParaRPr>
+          </a:p>
+          <a:p>
+            <a:pPr marL="457200" lvl="1" indent="0">
+              <a:lnSpc>
+                <a:spcPct val="125000"/>
+              </a:lnSpc>
+              <a:buFont typeface="Wingdings" pitchFamily="2" charset="2"/>
+              <a:buNone/>
+            </a:pPr>
+            <a:endParaRPr lang="en-US" altLang="zh-CN" sz="2000" kern="0" dirty="0">
+              <a:latin typeface="+mn-lt"/>
+              <a:cs typeface="Times New Roman" panose="02020603050405020304" pitchFamily="18" charset="0"/>
+            </a:endParaRPr>
+          </a:p>
+        </p:txBody>
+      </p:sp>
+    </p:spTree>
+    <p:extLst>
+      <p:ext uri="{BB962C8B-B14F-4D97-AF65-F5344CB8AC3E}">
+        <p14:creationId xmlns:p14="http://schemas.microsoft.com/office/powerpoint/2010/main" val="3293639466"/>
+      </p:ext>
+    </p:extLst>
+  </p:cSld>
+  <p:clrMapOvr>
+    <a:masterClrMapping/>
+  </p:clrMapOvr>
+  <p:transition spd="med" advTm="63997"/>
+</p:sld>
+</file>
+
+<file path=ppt/slides/slide11.xml><?xml version="1.0" encoding="utf-8"?>
 <p:sld xmlns:a="http://schemas.openxmlformats.org/drawingml/2006/main" xmlns:r="http://schemas.openxmlformats.org/officeDocument/2006/relationships" xmlns:p="http://schemas.openxmlformats.org/presentationml/2006/main">
   <p:cSld>
     <p:spTree>
@@ -25251,7 +25860,7 @@
 </p:sld>
 </file>
 
-<file path=ppt/slides/slide11.xml><?xml version="1.0" encoding="utf-8"?>
+<file path=ppt/slides/slide12.xml><?xml version="1.0" encoding="utf-8"?>
 <p:sld xmlns:a="http://schemas.openxmlformats.org/drawingml/2006/main" xmlns:r="http://schemas.openxmlformats.org/officeDocument/2006/relationships" xmlns:p="http://schemas.openxmlformats.org/presentationml/2006/main">
   <p:cSld>
     <p:spTree>
@@ -25631,7 +26240,7 @@
 </p:sld>
 </file>
 
-<file path=ppt/slides/slide12.xml><?xml version="1.0" encoding="utf-8"?>
+<file path=ppt/slides/slide13.xml><?xml version="1.0" encoding="utf-8"?>
 <p:sld xmlns:a="http://schemas.openxmlformats.org/drawingml/2006/main" xmlns:r="http://schemas.openxmlformats.org/officeDocument/2006/relationships" xmlns:p="http://schemas.openxmlformats.org/presentationml/2006/main">
   <p:cSld>
     <p:spTree>
@@ -27892,7 +28501,7 @@
         <p:spPr bwMode="auto">
           <a:xfrm>
             <a:off x="93652" y="1068111"/>
-            <a:ext cx="5621348" cy="1446487"/>
+            <a:ext cx="9050348" cy="1446487"/>
           </a:xfrm>
           <a:prstGeom prst="rect">
             <a:avLst/>
@@ -28278,12 +28887,194 @@
           </a:p>
         </p:txBody>
       </p:sp>
+    </p:spTree>
+    <p:extLst>
+      <p:ext uri="{BB962C8B-B14F-4D97-AF65-F5344CB8AC3E}">
+        <p14:creationId xmlns:p14="http://schemas.microsoft.com/office/powerpoint/2010/main" val="1039208005"/>
+      </p:ext>
+    </p:extLst>
+  </p:cSld>
+  <p:clrMapOvr>
+    <a:masterClrMapping/>
+  </p:clrMapOvr>
+  <p:transition spd="med" advTm="63997"/>
+</p:sld>
+</file>
+
+<file path=ppt/slides/slide7.xml><?xml version="1.0" encoding="utf-8"?>
+<p:sld xmlns:a="http://schemas.openxmlformats.org/drawingml/2006/main" xmlns:r="http://schemas.openxmlformats.org/officeDocument/2006/relationships" xmlns:p="http://schemas.openxmlformats.org/presentationml/2006/main">
+  <p:cSld>
+    <p:spTree>
+      <p:nvGrpSpPr>
+        <p:cNvPr id="1" name=""/>
+        <p:cNvGrpSpPr/>
+        <p:nvPr/>
+      </p:nvGrpSpPr>
+      <p:grpSpPr>
+        <a:xfrm>
+          <a:off x="0" y="0"/>
+          <a:ext cx="0" cy="0"/>
+          <a:chOff x="0" y="0"/>
+          <a:chExt cx="0" cy="0"/>
+        </a:xfrm>
+      </p:grpSpPr>
+      <p:sp>
+        <p:nvSpPr>
+          <p:cNvPr id="2" name="Title 1"/>
+          <p:cNvSpPr>
+            <a:spLocks noGrp="1"/>
+          </p:cNvSpPr>
+          <p:nvPr>
+            <p:ph type="title"/>
+          </p:nvPr>
+        </p:nvSpPr>
+        <p:spPr>
+          <a:xfrm>
+            <a:off x="152400" y="152400"/>
+            <a:ext cx="8610600" cy="838200"/>
+          </a:xfrm>
+        </p:spPr>
+        <p:txBody>
+          <a:bodyPr/>
+          <a:lstStyle/>
+          <a:p>
+            <a:r>
+              <a:rPr lang="en-US" altLang="zh-CN" dirty="0"/>
+              <a:t>Channel</a:t>
+            </a:r>
+            <a:endParaRPr lang="zh-CN" altLang="en-US" dirty="0"/>
+          </a:p>
+        </p:txBody>
+      </p:sp>
+      <p:sp>
+        <p:nvSpPr>
+          <p:cNvPr id="9" name="Rectangle 2"/>
+          <p:cNvSpPr>
+            <a:spLocks noChangeArrowheads="1"/>
+          </p:cNvSpPr>
+          <p:nvPr/>
+        </p:nvSpPr>
+        <p:spPr bwMode="auto">
+          <a:xfrm>
+            <a:off x="0" y="0"/>
+            <a:ext cx="9144000" cy="0"/>
+          </a:xfrm>
+          <a:prstGeom prst="rect">
+            <a:avLst/>
+          </a:prstGeom>
+          <a:noFill/>
+          <a:ln>
+            <a:noFill/>
+          </a:ln>
+          <a:effectLst/>
+          <a:extLst>
+            <a:ext uri="{909E8E84-426E-40DD-AFC4-6F175D3DCCD1}">
+              <a14:hiddenFill xmlns:a14="http://schemas.microsoft.com/office/drawing/2010/main">
+                <a:solidFill>
+                  <a:schemeClr val="accent1"/>
+                </a:solidFill>
+              </a14:hiddenFill>
+            </a:ext>
+            <a:ext uri="{91240B29-F687-4F45-9708-019B960494DF}">
+              <a14:hiddenLine xmlns:a14="http://schemas.microsoft.com/office/drawing/2010/main" w="9525">
+                <a:solidFill>
+                  <a:schemeClr val="tx1"/>
+                </a:solidFill>
+                <a:miter lim="800000"/>
+                <a:headEnd/>
+                <a:tailEnd/>
+              </a14:hiddenLine>
+            </a:ext>
+            <a:ext uri="{AF507438-7753-43E0-B8FC-AC1667EBCBE1}">
+              <a14:hiddenEffects xmlns:a14="http://schemas.microsoft.com/office/drawing/2010/main">
+                <a:effectLst>
+                  <a:outerShdw dist="35921" dir="2700000" algn="ctr" rotWithShape="0">
+                    <a:schemeClr val="bg2"/>
+                  </a:outerShdw>
+                </a:effectLst>
+              </a14:hiddenEffects>
+            </a:ext>
+          </a:extLst>
+        </p:spPr>
+        <p:txBody>
+          <a:bodyPr vert="horz" wrap="none" lIns="91440" tIns="45720" rIns="91440" bIns="45720" numCol="1" anchor="ctr" anchorCtr="0" compatLnSpc="1">
+            <a:prstTxWarp prst="textNoShape">
+              <a:avLst/>
+            </a:prstTxWarp>
+            <a:spAutoFit/>
+          </a:bodyPr>
+          <a:lstStyle/>
+          <a:p>
+            <a:endParaRPr lang="zh-CN" altLang="en-US"/>
+          </a:p>
+        </p:txBody>
+      </p:sp>
       <p:pic>
         <p:nvPicPr>
-          <p:cNvPr id="10" name="Picture 9">
+          <p:cNvPr id="5" name="Picture 4">
             <a:extLst>
               <a:ext uri="{FF2B5EF4-FFF2-40B4-BE49-F238E27FC236}">
                 <a16:creationId xmlns:a16="http://schemas.microsoft.com/office/drawing/2014/main" id="{D6D53031-87C9-EEFB-FC82-6EF9906B175E}"/>
+              </a:ext>
+            </a:extLst>
+          </p:cNvPr>
+          <p:cNvPicPr>
+            <a:picLocks noChangeAspect="1"/>
+          </p:cNvPicPr>
+          <p:nvPr/>
+        </p:nvPicPr>
+        <p:blipFill>
+          <a:blip r:embed="rId3"/>
+          <a:stretch>
+            <a:fillRect/>
+          </a:stretch>
+        </p:blipFill>
+        <p:spPr>
+          <a:xfrm>
+            <a:off x="1447800" y="1936699"/>
+            <a:ext cx="3200400" cy="2406701"/>
+          </a:xfrm>
+          <a:prstGeom prst="rect">
+            <a:avLst/>
+          </a:prstGeom>
+        </p:spPr>
+      </p:pic>
+      <p:pic>
+        <p:nvPicPr>
+          <p:cNvPr id="7" name="Picture 6">
+            <a:extLst>
+              <a:ext uri="{FF2B5EF4-FFF2-40B4-BE49-F238E27FC236}">
+                <a16:creationId xmlns:a16="http://schemas.microsoft.com/office/drawing/2014/main" id="{F910AC52-327A-3BE5-7FE2-81837643E099}"/>
+              </a:ext>
+            </a:extLst>
+          </p:cNvPr>
+          <p:cNvPicPr>
+            <a:picLocks noChangeAspect="1"/>
+          </p:cNvPicPr>
+          <p:nvPr/>
+        </p:nvPicPr>
+        <p:blipFill>
+          <a:blip r:embed="rId4"/>
+          <a:stretch>
+            <a:fillRect/>
+          </a:stretch>
+        </p:blipFill>
+        <p:spPr>
+          <a:xfrm>
+            <a:off x="4615579" y="1934110"/>
+            <a:ext cx="3200400" cy="2409290"/>
+          </a:xfrm>
+          <a:prstGeom prst="rect">
+            <a:avLst/>
+          </a:prstGeom>
+        </p:spPr>
+      </p:pic>
+      <p:pic>
+        <p:nvPicPr>
+          <p:cNvPr id="13" name="Picture 12">
+            <a:extLst>
+              <a:ext uri="{FF2B5EF4-FFF2-40B4-BE49-F238E27FC236}">
+                <a16:creationId xmlns:a16="http://schemas.microsoft.com/office/drawing/2014/main" id="{77971CA0-1B84-69D7-DA96-32EDC04C0D25}"/>
               </a:ext>
             </a:extLst>
           </p:cNvPr>
@@ -28300,8 +29091,8 @@
         </p:blipFill>
         <p:spPr>
           <a:xfrm>
-            <a:off x="1007533" y="5060899"/>
-            <a:ext cx="3200400" cy="2406701"/>
+            <a:off x="1447800" y="4354617"/>
+            <a:ext cx="3200400" cy="2427183"/>
           </a:xfrm>
           <a:prstGeom prst="rect">
             <a:avLst/>
@@ -28313,7 +29104,7 @@
           <p:cNvPr id="15" name="Picture 14">
             <a:extLst>
               <a:ext uri="{FF2B5EF4-FFF2-40B4-BE49-F238E27FC236}">
-                <a16:creationId xmlns:a16="http://schemas.microsoft.com/office/drawing/2014/main" id="{EC0DFEA0-6F58-8A08-3D83-8B600AFF3492}"/>
+                <a16:creationId xmlns:a16="http://schemas.microsoft.com/office/drawing/2014/main" id="{5D29B047-1FA6-BD43-1403-30798B734CD5}"/>
               </a:ext>
             </a:extLst>
           </p:cNvPr>
@@ -28330,18 +29121,316 @@
         </p:blipFill>
         <p:spPr>
           <a:xfrm>
-            <a:off x="4191000" y="5065014"/>
-            <a:ext cx="3200400" cy="2390108"/>
+            <a:off x="4648200" y="4369760"/>
+            <a:ext cx="3200400" cy="2379915"/>
           </a:xfrm>
           <a:prstGeom prst="rect">
             <a:avLst/>
           </a:prstGeom>
         </p:spPr>
       </p:pic>
+      <p:sp>
+        <p:nvSpPr>
+          <p:cNvPr id="16" name="TextBox 15">
+            <a:extLst>
+              <a:ext uri="{FF2B5EF4-FFF2-40B4-BE49-F238E27FC236}">
+                <a16:creationId xmlns:a16="http://schemas.microsoft.com/office/drawing/2014/main" id="{F194CE6C-16FC-47B1-8B61-FD123BC78814}"/>
+              </a:ext>
+            </a:extLst>
+          </p:cNvPr>
+          <p:cNvSpPr txBox="1"/>
+          <p:nvPr/>
+        </p:nvSpPr>
+        <p:spPr>
+          <a:xfrm>
+            <a:off x="1747148" y="4754788"/>
+            <a:ext cx="1351652" cy="369332"/>
+          </a:xfrm>
+          <a:prstGeom prst="rect">
+            <a:avLst/>
+          </a:prstGeom>
+          <a:noFill/>
+        </p:spPr>
+        <p:txBody>
+          <a:bodyPr wrap="none" rtlCol="0">
+            <a:spAutoFit/>
+          </a:bodyPr>
+          <a:lstStyle/>
+          <a:p>
+            <a:r>
+              <a:rPr lang="en-US" dirty="0"/>
+              <a:t>KAP0.4187</a:t>
+            </a:r>
+          </a:p>
+        </p:txBody>
+      </p:sp>
+      <p:sp>
+        <p:nvSpPr>
+          <p:cNvPr id="17" name="内容占位符 2">
+            <a:extLst>
+              <a:ext uri="{FF2B5EF4-FFF2-40B4-BE49-F238E27FC236}">
+                <a16:creationId xmlns:a16="http://schemas.microsoft.com/office/drawing/2014/main" id="{D7B13CA5-CF5D-287A-9ACB-EF5CA77485F1}"/>
+              </a:ext>
+            </a:extLst>
+          </p:cNvPr>
+          <p:cNvSpPr txBox="1">
+            <a:spLocks/>
+          </p:cNvSpPr>
+          <p:nvPr/>
+        </p:nvSpPr>
+        <p:spPr bwMode="auto">
+          <a:xfrm>
+            <a:off x="93652" y="1068112"/>
+            <a:ext cx="9144000" cy="1399397"/>
+          </a:xfrm>
+          <a:prstGeom prst="rect">
+            <a:avLst/>
+          </a:prstGeom>
+          <a:noFill/>
+          <a:ln>
+            <a:noFill/>
+          </a:ln>
+          <a:extLst>
+            <a:ext uri="{909E8E84-426E-40DD-AFC4-6F175D3DCCD1}">
+              <a14:hiddenFill xmlns:a14="http://schemas.microsoft.com/office/drawing/2010/main">
+                <a:solidFill>
+                  <a:srgbClr val="FFFFFF"/>
+                </a:solidFill>
+              </a14:hiddenFill>
+            </a:ext>
+            <a:ext uri="{91240B29-F687-4F45-9708-019B960494DF}">
+              <a14:hiddenLine xmlns:a14="http://schemas.microsoft.com/office/drawing/2010/main" w="28575">
+                <a:solidFill>
+                  <a:srgbClr val="000000"/>
+                </a:solidFill>
+                <a:miter lim="800000"/>
+                <a:headEnd/>
+                <a:tailEnd/>
+              </a14:hiddenLine>
+            </a:ext>
+          </a:extLst>
+        </p:spPr>
+        <p:txBody>
+          <a:bodyPr vert="horz" wrap="square" lIns="91440" tIns="45720" rIns="91440" bIns="45720" numCol="1" anchor="t" anchorCtr="0" compatLnSpc="1">
+            <a:prstTxWarp prst="textNoShape">
+              <a:avLst/>
+            </a:prstTxWarp>
+          </a:bodyPr>
+          <a:lstStyle>
+            <a:lvl1pPr marL="342900" indent="-342900" algn="l" rtl="0" eaLnBrk="1" fontAlgn="base" hangingPunct="1">
+              <a:spcBef>
+                <a:spcPct val="30000"/>
+              </a:spcBef>
+              <a:spcAft>
+                <a:spcPct val="0"/>
+              </a:spcAft>
+              <a:buClr>
+                <a:schemeClr val="hlink"/>
+              </a:buClr>
+              <a:buFont typeface="Wingdings" pitchFamily="2" charset="2"/>
+              <a:buChar char="§"/>
+              <a:defRPr sz="3200">
+                <a:solidFill>
+                  <a:srgbClr val="000066"/>
+                </a:solidFill>
+                <a:latin typeface="微软雅黑" pitchFamily="34" charset="-122"/>
+                <a:ea typeface="微软雅黑" pitchFamily="34" charset="-122"/>
+                <a:cs typeface="+mn-cs"/>
+              </a:defRPr>
+            </a:lvl1pPr>
+            <a:lvl2pPr marL="742950" indent="-285750" algn="l" rtl="0" eaLnBrk="1" fontAlgn="base" hangingPunct="1">
+              <a:spcBef>
+                <a:spcPct val="30000"/>
+              </a:spcBef>
+              <a:spcAft>
+                <a:spcPct val="0"/>
+              </a:spcAft>
+              <a:buClr>
+                <a:schemeClr val="tx2"/>
+              </a:buClr>
+              <a:buSzPct val="85000"/>
+              <a:buFont typeface="Wingdings" pitchFamily="2" charset="2"/>
+              <a:buChar char="Ø"/>
+              <a:defRPr sz="2800">
+                <a:solidFill>
+                  <a:srgbClr val="006666"/>
+                </a:solidFill>
+                <a:latin typeface="微软雅黑" pitchFamily="34" charset="-122"/>
+                <a:ea typeface="微软雅黑" pitchFamily="34" charset="-122"/>
+              </a:defRPr>
+            </a:lvl2pPr>
+            <a:lvl3pPr marL="1143000" indent="-228600" algn="l" rtl="0" eaLnBrk="1" fontAlgn="base" hangingPunct="1">
+              <a:spcBef>
+                <a:spcPct val="30000"/>
+              </a:spcBef>
+              <a:spcAft>
+                <a:spcPct val="0"/>
+              </a:spcAft>
+              <a:buClr>
+                <a:schemeClr val="hlink"/>
+              </a:buClr>
+              <a:buSzPct val="95000"/>
+              <a:buFont typeface="Wingdings 2" pitchFamily="18" charset="2"/>
+              <a:buChar char="¡"/>
+              <a:defRPr sz="2400">
+                <a:solidFill>
+                  <a:schemeClr val="hlink"/>
+                </a:solidFill>
+                <a:latin typeface="微软雅黑" pitchFamily="34" charset="-122"/>
+                <a:ea typeface="微软雅黑" pitchFamily="34" charset="-122"/>
+              </a:defRPr>
+            </a:lvl3pPr>
+            <a:lvl4pPr marL="1600200" indent="-228600" algn="l" rtl="0" eaLnBrk="1" fontAlgn="base" hangingPunct="1">
+              <a:spcBef>
+                <a:spcPct val="30000"/>
+              </a:spcBef>
+              <a:spcAft>
+                <a:spcPct val="0"/>
+              </a:spcAft>
+              <a:buClr>
+                <a:schemeClr val="tx2"/>
+              </a:buClr>
+              <a:buSzPct val="90000"/>
+              <a:buFont typeface="Wingdings" pitchFamily="2" charset="2"/>
+              <a:buChar char="Ø"/>
+              <a:defRPr sz="2000">
+                <a:solidFill>
+                  <a:srgbClr val="990099"/>
+                </a:solidFill>
+                <a:latin typeface="微软雅黑" pitchFamily="34" charset="-122"/>
+                <a:ea typeface="微软雅黑" pitchFamily="34" charset="-122"/>
+              </a:defRPr>
+            </a:lvl4pPr>
+            <a:lvl5pPr marL="2057400" indent="-228600" algn="l" rtl="0" eaLnBrk="1" fontAlgn="base" hangingPunct="1">
+              <a:spcBef>
+                <a:spcPct val="30000"/>
+              </a:spcBef>
+              <a:spcAft>
+                <a:spcPct val="0"/>
+              </a:spcAft>
+              <a:buClr>
+                <a:schemeClr val="hlink"/>
+              </a:buClr>
+              <a:buFont typeface="Wingdings 2" pitchFamily="18" charset="2"/>
+              <a:buChar char="¡"/>
+              <a:defRPr sz="2000">
+                <a:solidFill>
+                  <a:schemeClr val="tx1"/>
+                </a:solidFill>
+                <a:latin typeface="微软雅黑" pitchFamily="34" charset="-122"/>
+                <a:ea typeface="微软雅黑" pitchFamily="34" charset="-122"/>
+              </a:defRPr>
+            </a:lvl5pPr>
+            <a:lvl6pPr marL="2514600" indent="-228600" algn="l" rtl="0" eaLnBrk="1" fontAlgn="base" hangingPunct="1">
+              <a:spcBef>
+                <a:spcPct val="30000"/>
+              </a:spcBef>
+              <a:spcAft>
+                <a:spcPct val="0"/>
+              </a:spcAft>
+              <a:buClr>
+                <a:schemeClr val="hlink"/>
+              </a:buClr>
+              <a:buFont typeface="Wingdings 2" pitchFamily="18" charset="2"/>
+              <a:buChar char="¡"/>
+              <a:defRPr sz="2000">
+                <a:solidFill>
+                  <a:schemeClr val="tx1"/>
+                </a:solidFill>
+                <a:latin typeface="+mn-lt"/>
+                <a:ea typeface="+mn-ea"/>
+              </a:defRPr>
+            </a:lvl6pPr>
+            <a:lvl7pPr marL="2971800" indent="-228600" algn="l" rtl="0" eaLnBrk="1" fontAlgn="base" hangingPunct="1">
+              <a:spcBef>
+                <a:spcPct val="30000"/>
+              </a:spcBef>
+              <a:spcAft>
+                <a:spcPct val="0"/>
+              </a:spcAft>
+              <a:buClr>
+                <a:schemeClr val="hlink"/>
+              </a:buClr>
+              <a:buFont typeface="Wingdings 2" pitchFamily="18" charset="2"/>
+              <a:buChar char="¡"/>
+              <a:defRPr sz="2000">
+                <a:solidFill>
+                  <a:schemeClr val="tx1"/>
+                </a:solidFill>
+                <a:latin typeface="+mn-lt"/>
+                <a:ea typeface="+mn-ea"/>
+              </a:defRPr>
+            </a:lvl7pPr>
+            <a:lvl8pPr marL="3429000" indent="-228600" algn="l" rtl="0" eaLnBrk="1" fontAlgn="base" hangingPunct="1">
+              <a:spcBef>
+                <a:spcPct val="30000"/>
+              </a:spcBef>
+              <a:spcAft>
+                <a:spcPct val="0"/>
+              </a:spcAft>
+              <a:buClr>
+                <a:schemeClr val="hlink"/>
+              </a:buClr>
+              <a:buFont typeface="Wingdings 2" pitchFamily="18" charset="2"/>
+              <a:buChar char="¡"/>
+              <a:defRPr sz="2000">
+                <a:solidFill>
+                  <a:schemeClr val="tx1"/>
+                </a:solidFill>
+                <a:latin typeface="+mn-lt"/>
+                <a:ea typeface="+mn-ea"/>
+              </a:defRPr>
+            </a:lvl8pPr>
+            <a:lvl9pPr marL="3886200" indent="-228600" algn="l" rtl="0" eaLnBrk="1" fontAlgn="base" hangingPunct="1">
+              <a:spcBef>
+                <a:spcPct val="30000"/>
+              </a:spcBef>
+              <a:spcAft>
+                <a:spcPct val="0"/>
+              </a:spcAft>
+              <a:buClr>
+                <a:schemeClr val="hlink"/>
+              </a:buClr>
+              <a:buFont typeface="Wingdings 2" pitchFamily="18" charset="2"/>
+              <a:buChar char="¡"/>
+              <a:defRPr sz="2000">
+                <a:solidFill>
+                  <a:schemeClr val="tx1"/>
+                </a:solidFill>
+                <a:latin typeface="+mn-lt"/>
+                <a:ea typeface="+mn-ea"/>
+              </a:defRPr>
+            </a:lvl9pPr>
+          </a:lstStyle>
+          <a:p>
+            <a:r>
+              <a:rPr lang="en-US" altLang="zh-CN" sz="2400" kern="0" dirty="0">
+                <a:latin typeface="+mn-lt"/>
+                <a:cs typeface="Times New Roman" panose="02020603050405020304" pitchFamily="18" charset="0"/>
+              </a:rPr>
+              <a:t>RETAU5200</a:t>
+            </a:r>
+            <a:endParaRPr lang="en-US" altLang="zh-CN" sz="2000" kern="0" dirty="0">
+              <a:latin typeface="+mn-lt"/>
+              <a:cs typeface="Times New Roman" panose="02020603050405020304" pitchFamily="18" charset="0"/>
+            </a:endParaRPr>
+          </a:p>
+          <a:p>
+            <a:pPr lvl="1"/>
+            <a:r>
+              <a:rPr lang="en-US" altLang="zh-CN" sz="2000" dirty="0">
+                <a:latin typeface="+mn-lt"/>
+                <a:cs typeface="Times New Roman" panose="02020603050405020304" pitchFamily="18" charset="0"/>
+              </a:rPr>
+              <a:t>Two sets of (KAP, B) have the same results. KAP0.41 is negligibly better </a:t>
+            </a:r>
+          </a:p>
+        </p:txBody>
+      </p:sp>
     </p:spTree>
     <p:extLst>
       <p:ext uri="{BB962C8B-B14F-4D97-AF65-F5344CB8AC3E}">
-        <p14:creationId xmlns:p14="http://schemas.microsoft.com/office/powerpoint/2010/main" val="1039208005"/>
+        <p14:creationId xmlns:p14="http://schemas.microsoft.com/office/powerpoint/2010/main" val="1196598494"/>
       </p:ext>
     </p:extLst>
   </p:cSld>
@@ -28352,7 +29441,7 @@
 </p:sld>
 </file>
 
-<file path=ppt/slides/slide7.xml><?xml version="1.0" encoding="utf-8"?>
+<file path=ppt/slides/slide8.xml><?xml version="1.0" encoding="utf-8"?>
 <p:sld xmlns:a="http://schemas.openxmlformats.org/drawingml/2006/main" xmlns:r="http://schemas.openxmlformats.org/officeDocument/2006/relationships" xmlns:p="http://schemas.openxmlformats.org/presentationml/2006/main">
   <p:cSld>
     <p:spTree>
@@ -29005,7 +30094,7 @@
 </p:sld>
 </file>
 
-<file path=ppt/slides/slide8.xml><?xml version="1.0" encoding="utf-8"?>
+<file path=ppt/slides/slide9.xml><?xml version="1.0" encoding="utf-8"?>
 <p:sld xmlns:a="http://schemas.openxmlformats.org/drawingml/2006/main" xmlns:r="http://schemas.openxmlformats.org/officeDocument/2006/relationships" xmlns:p="http://schemas.openxmlformats.org/presentationml/2006/main">
   <p:cSld>
     <p:spTree>
@@ -29648,527 +30737,6 @@
     <p:extLst>
       <p:ext uri="{BB962C8B-B14F-4D97-AF65-F5344CB8AC3E}">
         <p14:creationId xmlns:p14="http://schemas.microsoft.com/office/powerpoint/2010/main" val="1841384156"/>
-      </p:ext>
-    </p:extLst>
-  </p:cSld>
-  <p:clrMapOvr>
-    <a:masterClrMapping/>
-  </p:clrMapOvr>
-  <p:transition spd="med" advTm="63997"/>
-</p:sld>
-</file>
-
-<file path=ppt/slides/slide9.xml><?xml version="1.0" encoding="utf-8"?>
-<p:sld xmlns:a="http://schemas.openxmlformats.org/drawingml/2006/main" xmlns:r="http://schemas.openxmlformats.org/officeDocument/2006/relationships" xmlns:p="http://schemas.openxmlformats.org/presentationml/2006/main">
-  <p:cSld>
-    <p:spTree>
-      <p:nvGrpSpPr>
-        <p:cNvPr id="1" name="">
-          <a:extLst>
-            <a:ext uri="{FF2B5EF4-FFF2-40B4-BE49-F238E27FC236}">
-              <a16:creationId xmlns:a16="http://schemas.microsoft.com/office/drawing/2014/main" id="{2E905563-DB9F-52CC-C53B-E3FF5597882D}"/>
-            </a:ext>
-          </a:extLst>
-        </p:cNvPr>
-        <p:cNvGrpSpPr/>
-        <p:nvPr/>
-      </p:nvGrpSpPr>
-      <p:grpSpPr>
-        <a:xfrm>
-          <a:off x="0" y="0"/>
-          <a:ext cx="0" cy="0"/>
-          <a:chOff x="0" y="0"/>
-          <a:chExt cx="0" cy="0"/>
-        </a:xfrm>
-      </p:grpSpPr>
-      <p:sp>
-        <p:nvSpPr>
-          <p:cNvPr id="2" name="Title 1">
-            <a:extLst>
-              <a:ext uri="{FF2B5EF4-FFF2-40B4-BE49-F238E27FC236}">
-                <a16:creationId xmlns:a16="http://schemas.microsoft.com/office/drawing/2014/main" id="{0EFF7BD2-C244-AA5A-D725-298402CE7DD6}"/>
-              </a:ext>
-            </a:extLst>
-          </p:cNvPr>
-          <p:cNvSpPr>
-            <a:spLocks noGrp="1"/>
-          </p:cNvSpPr>
-          <p:nvPr>
-            <p:ph type="title"/>
-          </p:nvPr>
-        </p:nvSpPr>
-        <p:spPr>
-          <a:xfrm>
-            <a:off x="152400" y="152400"/>
-            <a:ext cx="8610600" cy="838200"/>
-          </a:xfrm>
-        </p:spPr>
-        <p:txBody>
-          <a:bodyPr/>
-          <a:lstStyle/>
-          <a:p>
-            <a:r>
-              <a:rPr lang="en-US" altLang="zh-CN" dirty="0"/>
-              <a:t>Channel</a:t>
-            </a:r>
-            <a:endParaRPr lang="zh-CN" altLang="en-US" dirty="0"/>
-          </a:p>
-        </p:txBody>
-      </p:sp>
-      <p:sp>
-        <p:nvSpPr>
-          <p:cNvPr id="9" name="Rectangle 2">
-            <a:extLst>
-              <a:ext uri="{FF2B5EF4-FFF2-40B4-BE49-F238E27FC236}">
-                <a16:creationId xmlns:a16="http://schemas.microsoft.com/office/drawing/2014/main" id="{E7176D20-836C-1983-9CFC-7F752845BD51}"/>
-              </a:ext>
-            </a:extLst>
-          </p:cNvPr>
-          <p:cNvSpPr>
-            <a:spLocks noChangeArrowheads="1"/>
-          </p:cNvSpPr>
-          <p:nvPr/>
-        </p:nvSpPr>
-        <p:spPr bwMode="auto">
-          <a:xfrm>
-            <a:off x="0" y="0"/>
-            <a:ext cx="9144000" cy="0"/>
-          </a:xfrm>
-          <a:prstGeom prst="rect">
-            <a:avLst/>
-          </a:prstGeom>
-          <a:noFill/>
-          <a:ln>
-            <a:noFill/>
-          </a:ln>
-          <a:effectLst/>
-          <a:extLst>
-            <a:ext uri="{909E8E84-426E-40DD-AFC4-6F175D3DCCD1}">
-              <a14:hiddenFill xmlns:a14="http://schemas.microsoft.com/office/drawing/2010/main">
-                <a:solidFill>
-                  <a:schemeClr val="accent1"/>
-                </a:solidFill>
-              </a14:hiddenFill>
-            </a:ext>
-            <a:ext uri="{91240B29-F687-4F45-9708-019B960494DF}">
-              <a14:hiddenLine xmlns:a14="http://schemas.microsoft.com/office/drawing/2010/main" w="9525">
-                <a:solidFill>
-                  <a:schemeClr val="tx1"/>
-                </a:solidFill>
-                <a:miter lim="800000"/>
-                <a:headEnd/>
-                <a:tailEnd/>
-              </a14:hiddenLine>
-            </a:ext>
-            <a:ext uri="{AF507438-7753-43E0-B8FC-AC1667EBCBE1}">
-              <a14:hiddenEffects xmlns:a14="http://schemas.microsoft.com/office/drawing/2010/main">
-                <a:effectLst>
-                  <a:outerShdw dist="35921" dir="2700000" algn="ctr" rotWithShape="0">
-                    <a:schemeClr val="bg2"/>
-                  </a:outerShdw>
-                </a:effectLst>
-              </a14:hiddenEffects>
-            </a:ext>
-          </a:extLst>
-        </p:spPr>
-        <p:txBody>
-          <a:bodyPr vert="horz" wrap="none" lIns="91440" tIns="45720" rIns="91440" bIns="45720" numCol="1" anchor="ctr" anchorCtr="0" compatLnSpc="1">
-            <a:prstTxWarp prst="textNoShape">
-              <a:avLst/>
-            </a:prstTxWarp>
-            <a:spAutoFit/>
-          </a:bodyPr>
-          <a:lstStyle/>
-          <a:p>
-            <a:endParaRPr lang="zh-CN" altLang="en-US"/>
-          </a:p>
-        </p:txBody>
-      </p:sp>
-      <p:sp>
-        <p:nvSpPr>
-          <p:cNvPr id="19" name="内容占位符 2">
-            <a:extLst>
-              <a:ext uri="{FF2B5EF4-FFF2-40B4-BE49-F238E27FC236}">
-                <a16:creationId xmlns:a16="http://schemas.microsoft.com/office/drawing/2014/main" id="{A9053510-A9E5-F61F-8222-40E5AFC298E4}"/>
-              </a:ext>
-            </a:extLst>
-          </p:cNvPr>
-          <p:cNvSpPr txBox="1">
-            <a:spLocks/>
-          </p:cNvSpPr>
-          <p:nvPr/>
-        </p:nvSpPr>
-        <p:spPr bwMode="auto">
-          <a:xfrm>
-            <a:off x="93652" y="1068111"/>
-            <a:ext cx="9050348" cy="1979889"/>
-          </a:xfrm>
-          <a:prstGeom prst="rect">
-            <a:avLst/>
-          </a:prstGeom>
-          <a:noFill/>
-          <a:ln>
-            <a:noFill/>
-          </a:ln>
-          <a:extLst>
-            <a:ext uri="{909E8E84-426E-40DD-AFC4-6F175D3DCCD1}">
-              <a14:hiddenFill xmlns:a14="http://schemas.microsoft.com/office/drawing/2010/main">
-                <a:solidFill>
-                  <a:srgbClr val="FFFFFF"/>
-                </a:solidFill>
-              </a14:hiddenFill>
-            </a:ext>
-            <a:ext uri="{91240B29-F687-4F45-9708-019B960494DF}">
-              <a14:hiddenLine xmlns:a14="http://schemas.microsoft.com/office/drawing/2010/main" w="28575">
-                <a:solidFill>
-                  <a:srgbClr val="000000"/>
-                </a:solidFill>
-                <a:miter lim="800000"/>
-                <a:headEnd/>
-                <a:tailEnd/>
-              </a14:hiddenLine>
-            </a:ext>
-          </a:extLst>
-        </p:spPr>
-        <p:txBody>
-          <a:bodyPr vert="horz" wrap="square" lIns="91440" tIns="45720" rIns="91440" bIns="45720" numCol="1" anchor="t" anchorCtr="0" compatLnSpc="1">
-            <a:prstTxWarp prst="textNoShape">
-              <a:avLst/>
-            </a:prstTxWarp>
-          </a:bodyPr>
-          <a:lstStyle>
-            <a:lvl1pPr marL="342900" indent="-342900" algn="l" rtl="0" eaLnBrk="1" fontAlgn="base" hangingPunct="1">
-              <a:spcBef>
-                <a:spcPct val="30000"/>
-              </a:spcBef>
-              <a:spcAft>
-                <a:spcPct val="0"/>
-              </a:spcAft>
-              <a:buClr>
-                <a:schemeClr val="hlink"/>
-              </a:buClr>
-              <a:buFont typeface="Wingdings" pitchFamily="2" charset="2"/>
-              <a:buChar char="§"/>
-              <a:defRPr sz="3200">
-                <a:solidFill>
-                  <a:srgbClr val="000066"/>
-                </a:solidFill>
-                <a:latin typeface="微软雅黑" pitchFamily="34" charset="-122"/>
-                <a:ea typeface="微软雅黑" pitchFamily="34" charset="-122"/>
-                <a:cs typeface="+mn-cs"/>
-              </a:defRPr>
-            </a:lvl1pPr>
-            <a:lvl2pPr marL="742950" indent="-285750" algn="l" rtl="0" eaLnBrk="1" fontAlgn="base" hangingPunct="1">
-              <a:spcBef>
-                <a:spcPct val="30000"/>
-              </a:spcBef>
-              <a:spcAft>
-                <a:spcPct val="0"/>
-              </a:spcAft>
-              <a:buClr>
-                <a:schemeClr val="tx2"/>
-              </a:buClr>
-              <a:buSzPct val="85000"/>
-              <a:buFont typeface="Wingdings" pitchFamily="2" charset="2"/>
-              <a:buChar char="Ø"/>
-              <a:defRPr sz="2800">
-                <a:solidFill>
-                  <a:srgbClr val="006666"/>
-                </a:solidFill>
-                <a:latin typeface="微软雅黑" pitchFamily="34" charset="-122"/>
-                <a:ea typeface="微软雅黑" pitchFamily="34" charset="-122"/>
-              </a:defRPr>
-            </a:lvl2pPr>
-            <a:lvl3pPr marL="1143000" indent="-228600" algn="l" rtl="0" eaLnBrk="1" fontAlgn="base" hangingPunct="1">
-              <a:spcBef>
-                <a:spcPct val="30000"/>
-              </a:spcBef>
-              <a:spcAft>
-                <a:spcPct val="0"/>
-              </a:spcAft>
-              <a:buClr>
-                <a:schemeClr val="hlink"/>
-              </a:buClr>
-              <a:buSzPct val="95000"/>
-              <a:buFont typeface="Wingdings 2" pitchFamily="18" charset="2"/>
-              <a:buChar char="¡"/>
-              <a:defRPr sz="2400">
-                <a:solidFill>
-                  <a:schemeClr val="hlink"/>
-                </a:solidFill>
-                <a:latin typeface="微软雅黑" pitchFamily="34" charset="-122"/>
-                <a:ea typeface="微软雅黑" pitchFamily="34" charset="-122"/>
-              </a:defRPr>
-            </a:lvl3pPr>
-            <a:lvl4pPr marL="1600200" indent="-228600" algn="l" rtl="0" eaLnBrk="1" fontAlgn="base" hangingPunct="1">
-              <a:spcBef>
-                <a:spcPct val="30000"/>
-              </a:spcBef>
-              <a:spcAft>
-                <a:spcPct val="0"/>
-              </a:spcAft>
-              <a:buClr>
-                <a:schemeClr val="tx2"/>
-              </a:buClr>
-              <a:buSzPct val="90000"/>
-              <a:buFont typeface="Wingdings" pitchFamily="2" charset="2"/>
-              <a:buChar char="Ø"/>
-              <a:defRPr sz="2000">
-                <a:solidFill>
-                  <a:srgbClr val="990099"/>
-                </a:solidFill>
-                <a:latin typeface="微软雅黑" pitchFamily="34" charset="-122"/>
-                <a:ea typeface="微软雅黑" pitchFamily="34" charset="-122"/>
-              </a:defRPr>
-            </a:lvl4pPr>
-            <a:lvl5pPr marL="2057400" indent="-228600" algn="l" rtl="0" eaLnBrk="1" fontAlgn="base" hangingPunct="1">
-              <a:spcBef>
-                <a:spcPct val="30000"/>
-              </a:spcBef>
-              <a:spcAft>
-                <a:spcPct val="0"/>
-              </a:spcAft>
-              <a:buClr>
-                <a:schemeClr val="hlink"/>
-              </a:buClr>
-              <a:buFont typeface="Wingdings 2" pitchFamily="18" charset="2"/>
-              <a:buChar char="¡"/>
-              <a:defRPr sz="2000">
-                <a:solidFill>
-                  <a:schemeClr val="tx1"/>
-                </a:solidFill>
-                <a:latin typeface="微软雅黑" pitchFamily="34" charset="-122"/>
-                <a:ea typeface="微软雅黑" pitchFamily="34" charset="-122"/>
-              </a:defRPr>
-            </a:lvl5pPr>
-            <a:lvl6pPr marL="2514600" indent="-228600" algn="l" rtl="0" eaLnBrk="1" fontAlgn="base" hangingPunct="1">
-              <a:spcBef>
-                <a:spcPct val="30000"/>
-              </a:spcBef>
-              <a:spcAft>
-                <a:spcPct val="0"/>
-              </a:spcAft>
-              <a:buClr>
-                <a:schemeClr val="hlink"/>
-              </a:buClr>
-              <a:buFont typeface="Wingdings 2" pitchFamily="18" charset="2"/>
-              <a:buChar char="¡"/>
-              <a:defRPr sz="2000">
-                <a:solidFill>
-                  <a:schemeClr val="tx1"/>
-                </a:solidFill>
-                <a:latin typeface="+mn-lt"/>
-                <a:ea typeface="+mn-ea"/>
-              </a:defRPr>
-            </a:lvl6pPr>
-            <a:lvl7pPr marL="2971800" indent="-228600" algn="l" rtl="0" eaLnBrk="1" fontAlgn="base" hangingPunct="1">
-              <a:spcBef>
-                <a:spcPct val="30000"/>
-              </a:spcBef>
-              <a:spcAft>
-                <a:spcPct val="0"/>
-              </a:spcAft>
-              <a:buClr>
-                <a:schemeClr val="hlink"/>
-              </a:buClr>
-              <a:buFont typeface="Wingdings 2" pitchFamily="18" charset="2"/>
-              <a:buChar char="¡"/>
-              <a:defRPr sz="2000">
-                <a:solidFill>
-                  <a:schemeClr val="tx1"/>
-                </a:solidFill>
-                <a:latin typeface="+mn-lt"/>
-                <a:ea typeface="+mn-ea"/>
-              </a:defRPr>
-            </a:lvl7pPr>
-            <a:lvl8pPr marL="3429000" indent="-228600" algn="l" rtl="0" eaLnBrk="1" fontAlgn="base" hangingPunct="1">
-              <a:spcBef>
-                <a:spcPct val="30000"/>
-              </a:spcBef>
-              <a:spcAft>
-                <a:spcPct val="0"/>
-              </a:spcAft>
-              <a:buClr>
-                <a:schemeClr val="hlink"/>
-              </a:buClr>
-              <a:buFont typeface="Wingdings 2" pitchFamily="18" charset="2"/>
-              <a:buChar char="¡"/>
-              <a:defRPr sz="2000">
-                <a:solidFill>
-                  <a:schemeClr val="tx1"/>
-                </a:solidFill>
-                <a:latin typeface="+mn-lt"/>
-                <a:ea typeface="+mn-ea"/>
-              </a:defRPr>
-            </a:lvl8pPr>
-            <a:lvl9pPr marL="3886200" indent="-228600" algn="l" rtl="0" eaLnBrk="1" fontAlgn="base" hangingPunct="1">
-              <a:spcBef>
-                <a:spcPct val="30000"/>
-              </a:spcBef>
-              <a:spcAft>
-                <a:spcPct val="0"/>
-              </a:spcAft>
-              <a:buClr>
-                <a:schemeClr val="hlink"/>
-              </a:buClr>
-              <a:buFont typeface="Wingdings 2" pitchFamily="18" charset="2"/>
-              <a:buChar char="¡"/>
-              <a:defRPr sz="2000">
-                <a:solidFill>
-                  <a:schemeClr val="tx1"/>
-                </a:solidFill>
-                <a:latin typeface="+mn-lt"/>
-                <a:ea typeface="+mn-ea"/>
-              </a:defRPr>
-            </a:lvl9pPr>
-          </a:lstStyle>
-          <a:p>
-            <a:r>
-              <a:rPr lang="en-US" altLang="zh-CN" sz="2400" kern="0" dirty="0">
-                <a:latin typeface="+mn-lt"/>
-                <a:cs typeface="Times New Roman" panose="02020603050405020304" pitchFamily="18" charset="0"/>
-              </a:rPr>
-              <a:t>No-slip</a:t>
-            </a:r>
-            <a:endParaRPr lang="en-US" altLang="zh-CN" sz="2000" kern="0" dirty="0">
-              <a:latin typeface="+mn-lt"/>
-              <a:cs typeface="Times New Roman" panose="02020603050405020304" pitchFamily="18" charset="0"/>
-            </a:endParaRPr>
-          </a:p>
-          <a:p>
-            <a:pPr lvl="1"/>
-            <a:r>
-              <a:rPr lang="en-US" altLang="zh-CN" sz="2000" kern="0" dirty="0">
-                <a:latin typeface="+mn-lt"/>
-                <a:cs typeface="Times New Roman" panose="02020603050405020304" pitchFamily="18" charset="0"/>
-              </a:rPr>
-              <a:t>No-slip </a:t>
-            </a:r>
-            <a:r>
-              <a:rPr lang="en-US" altLang="zh-CN" sz="2000" kern="0" dirty="0" err="1">
-                <a:latin typeface="+mn-lt"/>
-                <a:cs typeface="Times New Roman" panose="02020603050405020304" pitchFamily="18" charset="0"/>
-              </a:rPr>
-              <a:t>bc</a:t>
-            </a:r>
-            <a:r>
-              <a:rPr lang="en-US" altLang="zh-CN" sz="2000" kern="0" dirty="0">
-                <a:latin typeface="+mn-lt"/>
-                <a:cs typeface="Times New Roman" panose="02020603050405020304" pitchFamily="18" charset="0"/>
-              </a:rPr>
-              <a:t> leads to higher RETAU on coarse grids when there is no numerical dissipation on the scales near the cut-off scale</a:t>
-            </a:r>
-          </a:p>
-          <a:p>
-            <a:pPr marL="457200" lvl="1" indent="0">
-              <a:buFont typeface="Wingdings" pitchFamily="2" charset="2"/>
-              <a:buNone/>
-            </a:pPr>
-            <a:endParaRPr lang="en-US" altLang="zh-CN" sz="2000" kern="0" baseline="30000" dirty="0">
-              <a:latin typeface="+mn-lt"/>
-              <a:cs typeface="Times New Roman" panose="02020603050405020304" pitchFamily="18" charset="0"/>
-            </a:endParaRPr>
-          </a:p>
-          <a:p>
-            <a:pPr marL="457200" lvl="1" indent="0">
-              <a:buFont typeface="Wingdings" pitchFamily="2" charset="2"/>
-              <a:buNone/>
-            </a:pPr>
-            <a:endParaRPr lang="en-US" altLang="zh-CN" sz="2000" kern="0" baseline="30000" dirty="0">
-              <a:latin typeface="+mn-lt"/>
-              <a:cs typeface="Times New Roman" panose="02020603050405020304" pitchFamily="18" charset="0"/>
-            </a:endParaRPr>
-          </a:p>
-          <a:p>
-            <a:pPr marL="457200" lvl="1" indent="0">
-              <a:buFont typeface="Wingdings" pitchFamily="2" charset="2"/>
-              <a:buNone/>
-            </a:pPr>
-            <a:endParaRPr lang="en-US" altLang="zh-CN" sz="2000" kern="0" baseline="30000" dirty="0">
-              <a:latin typeface="+mn-lt"/>
-              <a:cs typeface="Times New Roman" panose="02020603050405020304" pitchFamily="18" charset="0"/>
-            </a:endParaRPr>
-          </a:p>
-          <a:p>
-            <a:pPr marL="457200" lvl="1" indent="0">
-              <a:buFont typeface="Wingdings" pitchFamily="2" charset="2"/>
-              <a:buNone/>
-            </a:pPr>
-            <a:endParaRPr lang="en-US" altLang="zh-CN" sz="2000" kern="0" baseline="30000" dirty="0">
-              <a:latin typeface="+mn-lt"/>
-              <a:cs typeface="Times New Roman" panose="02020603050405020304" pitchFamily="18" charset="0"/>
-            </a:endParaRPr>
-          </a:p>
-          <a:p>
-            <a:pPr marL="457200" lvl="1" indent="0">
-              <a:buFont typeface="Wingdings" pitchFamily="2" charset="2"/>
-              <a:buNone/>
-            </a:pPr>
-            <a:endParaRPr lang="en-US" altLang="zh-CN" sz="2000" kern="0" baseline="30000" dirty="0">
-              <a:latin typeface="+mn-lt"/>
-              <a:cs typeface="Times New Roman" panose="02020603050405020304" pitchFamily="18" charset="0"/>
-            </a:endParaRPr>
-          </a:p>
-          <a:p>
-            <a:pPr marL="457200" lvl="1" indent="0">
-              <a:buFont typeface="Wingdings" pitchFamily="2" charset="2"/>
-              <a:buNone/>
-            </a:pPr>
-            <a:endParaRPr lang="en-US" altLang="zh-CN" sz="2000" kern="0" baseline="30000" dirty="0">
-              <a:latin typeface="+mn-lt"/>
-              <a:cs typeface="Times New Roman" panose="02020603050405020304" pitchFamily="18" charset="0"/>
-            </a:endParaRPr>
-          </a:p>
-          <a:p>
-            <a:pPr marL="457200" lvl="1" indent="0">
-              <a:buFont typeface="Wingdings" pitchFamily="2" charset="2"/>
-              <a:buNone/>
-            </a:pPr>
-            <a:endParaRPr lang="en-US" altLang="zh-CN" sz="2000" kern="0" baseline="30000" dirty="0">
-              <a:latin typeface="+mn-lt"/>
-              <a:cs typeface="Times New Roman" panose="02020603050405020304" pitchFamily="18" charset="0"/>
-            </a:endParaRPr>
-          </a:p>
-          <a:p>
-            <a:pPr marL="457200" lvl="1" indent="0">
-              <a:buFont typeface="Wingdings" pitchFamily="2" charset="2"/>
-              <a:buNone/>
-            </a:pPr>
-            <a:endParaRPr lang="en-US" altLang="zh-CN" sz="2000" kern="0" baseline="30000" dirty="0">
-              <a:latin typeface="+mn-lt"/>
-              <a:cs typeface="Times New Roman" panose="02020603050405020304" pitchFamily="18" charset="0"/>
-            </a:endParaRPr>
-          </a:p>
-          <a:p>
-            <a:pPr>
-              <a:lnSpc>
-                <a:spcPct val="125000"/>
-              </a:lnSpc>
-            </a:pPr>
-            <a:endParaRPr lang="en-US" altLang="zh-CN" sz="2400" kern="0" dirty="0">
-              <a:latin typeface="+mn-lt"/>
-              <a:cs typeface="Times New Roman" panose="02020603050405020304" pitchFamily="18" charset="0"/>
-            </a:endParaRPr>
-          </a:p>
-          <a:p>
-            <a:pPr marL="457200" lvl="1" indent="0">
-              <a:lnSpc>
-                <a:spcPct val="125000"/>
-              </a:lnSpc>
-              <a:buFont typeface="Wingdings" pitchFamily="2" charset="2"/>
-              <a:buNone/>
-            </a:pPr>
-            <a:endParaRPr lang="en-US" altLang="zh-CN" sz="2000" kern="0" dirty="0">
-              <a:latin typeface="+mn-lt"/>
-              <a:cs typeface="Times New Roman" panose="02020603050405020304" pitchFamily="18" charset="0"/>
-            </a:endParaRPr>
-          </a:p>
-        </p:txBody>
-      </p:sp>
-    </p:spTree>
-    <p:extLst>
-      <p:ext uri="{BB962C8B-B14F-4D97-AF65-F5344CB8AC3E}">
-        <p14:creationId xmlns:p14="http://schemas.microsoft.com/office/powerpoint/2010/main" val="3293639466"/>
       </p:ext>
     </p:extLst>
   </p:cSld>

--- a/docs/vv.pptx
+++ b/docs/vv.pptx
@@ -5,10 +5,10 @@
     <p:sldMasterId id="2147483660" r:id="rId1"/>
   </p:sldMasterIdLst>
   <p:notesMasterIdLst>
-    <p:notesMasterId r:id="rId15"/>
+    <p:notesMasterId r:id="rId18"/>
   </p:notesMasterIdLst>
   <p:handoutMasterIdLst>
-    <p:handoutMasterId r:id="rId16"/>
+    <p:handoutMasterId r:id="rId19"/>
   </p:handoutMasterIdLst>
   <p:sldIdLst>
     <p:sldId id="256" r:id="rId2"/>
@@ -18,12 +18,15 @@
     <p:sldId id="650" r:id="rId6"/>
     <p:sldId id="645" r:id="rId7"/>
     <p:sldId id="658" r:id="rId8"/>
-    <p:sldId id="651" r:id="rId9"/>
-    <p:sldId id="653" r:id="rId10"/>
-    <p:sldId id="655" r:id="rId11"/>
-    <p:sldId id="656" r:id="rId12"/>
-    <p:sldId id="649" r:id="rId13"/>
-    <p:sldId id="646" r:id="rId14"/>
+    <p:sldId id="660" r:id="rId9"/>
+    <p:sldId id="661" r:id="rId10"/>
+    <p:sldId id="662" r:id="rId11"/>
+    <p:sldId id="651" r:id="rId12"/>
+    <p:sldId id="653" r:id="rId13"/>
+    <p:sldId id="655" r:id="rId14"/>
+    <p:sldId id="656" r:id="rId15"/>
+    <p:sldId id="649" r:id="rId16"/>
+    <p:sldId id="646" r:id="rId17"/>
   </p:sldIdLst>
   <p:sldSz cx="9144000" cy="6858000" type="screen4x3"/>
   <p:notesSz cx="6797675" cy="9931400"/>
@@ -226,7 +229,7 @@
           <a:p>
             <a:fld id="{30C704EE-38E9-4E72-9BB6-71E8241CE3C0}" type="datetimeFigureOut">
               <a:rPr lang="en-US" smtClean="0"/>
-              <a:t>4/17/2024</a:t>
+              <a:t>4/18/2024</a:t>
             </a:fld>
             <a:endParaRPr lang="en-US"/>
           </a:p>
@@ -391,7 +394,7 @@
           <a:p>
             <a:fld id="{0D66AE9B-9EE2-43DA-9A8E-D2E5656B8B43}" type="datetimeFigureOut">
               <a:rPr lang="en-US" smtClean="0"/>
-              <a:t>4/17/2024</a:t>
+              <a:t>4/18/2024</a:t>
             </a:fld>
             <a:endParaRPr lang="en-US"/>
           </a:p>
@@ -747,6 +750,315 @@
   <p:cSld>
     <p:spTree>
       <p:nvGrpSpPr>
+        <p:cNvPr id="1" name=""/>
+        <p:cNvGrpSpPr/>
+        <p:nvPr/>
+      </p:nvGrpSpPr>
+      <p:grpSpPr>
+        <a:xfrm>
+          <a:off x="0" y="0"/>
+          <a:ext cx="0" cy="0"/>
+          <a:chOff x="0" y="0"/>
+          <a:chExt cx="0" cy="0"/>
+        </a:xfrm>
+      </p:grpSpPr>
+      <p:sp>
+        <p:nvSpPr>
+          <p:cNvPr id="2" name="Slide Image Placeholder 1"/>
+          <p:cNvSpPr>
+            <a:spLocks noGrp="1" noRot="1" noChangeAspect="1"/>
+          </p:cNvSpPr>
+          <p:nvPr>
+            <p:ph type="sldImg"/>
+          </p:nvPr>
+        </p:nvSpPr>
+        <p:spPr/>
+      </p:sp>
+      <p:sp>
+        <p:nvSpPr>
+          <p:cNvPr id="3" name="Notes Placeholder 2"/>
+          <p:cNvSpPr>
+            <a:spLocks noGrp="1"/>
+          </p:cNvSpPr>
+          <p:nvPr>
+            <p:ph type="body" idx="1"/>
+          </p:nvPr>
+        </p:nvSpPr>
+        <p:spPr/>
+        <p:txBody>
+          <a:bodyPr/>
+          <a:lstStyle/>
+          <a:p>
+            <a:pPr marL="0" indent="0">
+              <a:buNone/>
+            </a:pPr>
+            <a:endParaRPr lang="en-US" dirty="0"/>
+          </a:p>
+        </p:txBody>
+      </p:sp>
+      <p:sp>
+        <p:nvSpPr>
+          <p:cNvPr id="4" name="Slide Number Placeholder 3"/>
+          <p:cNvSpPr>
+            <a:spLocks noGrp="1"/>
+          </p:cNvSpPr>
+          <p:nvPr>
+            <p:ph type="sldNum" sz="quarter" idx="10"/>
+          </p:nvPr>
+        </p:nvSpPr>
+        <p:spPr/>
+        <p:txBody>
+          <a:bodyPr/>
+          <a:lstStyle/>
+          <a:p>
+            <a:fld id="{FFA5E540-6D76-429F-95AD-C7F13B3CAC82}" type="slidenum">
+              <a:rPr lang="en-US" smtClean="0"/>
+              <a:t>10</a:t>
+            </a:fld>
+            <a:endParaRPr lang="en-US" dirty="0"/>
+          </a:p>
+        </p:txBody>
+      </p:sp>
+    </p:spTree>
+    <p:extLst>
+      <p:ext uri="{BB962C8B-B14F-4D97-AF65-F5344CB8AC3E}">
+        <p14:creationId xmlns:p14="http://schemas.microsoft.com/office/powerpoint/2010/main" val="9479848"/>
+      </p:ext>
+    </p:extLst>
+  </p:cSld>
+  <p:clrMapOvr>
+    <a:masterClrMapping/>
+  </p:clrMapOvr>
+</p:notes>
+</file>
+
+<file path=ppt/notesSlides/notesSlide11.xml><?xml version="1.0" encoding="utf-8"?>
+<p:notes xmlns:a="http://schemas.openxmlformats.org/drawingml/2006/main" xmlns:r="http://schemas.openxmlformats.org/officeDocument/2006/relationships" xmlns:p="http://schemas.openxmlformats.org/presentationml/2006/main">
+  <p:cSld>
+    <p:spTree>
+      <p:nvGrpSpPr>
+        <p:cNvPr id="1" name="">
+          <a:extLst>
+            <a:ext uri="{FF2B5EF4-FFF2-40B4-BE49-F238E27FC236}">
+              <a16:creationId xmlns:a16="http://schemas.microsoft.com/office/drawing/2014/main" id="{6D7ED9F6-3217-1E52-F122-11506604D5A4}"/>
+            </a:ext>
+          </a:extLst>
+        </p:cNvPr>
+        <p:cNvGrpSpPr/>
+        <p:nvPr/>
+      </p:nvGrpSpPr>
+      <p:grpSpPr>
+        <a:xfrm>
+          <a:off x="0" y="0"/>
+          <a:ext cx="0" cy="0"/>
+          <a:chOff x="0" y="0"/>
+          <a:chExt cx="0" cy="0"/>
+        </a:xfrm>
+      </p:grpSpPr>
+      <p:sp>
+        <p:nvSpPr>
+          <p:cNvPr id="2" name="Slide Image Placeholder 1">
+            <a:extLst>
+              <a:ext uri="{FF2B5EF4-FFF2-40B4-BE49-F238E27FC236}">
+                <a16:creationId xmlns:a16="http://schemas.microsoft.com/office/drawing/2014/main" id="{9A6031B9-D293-0C7E-5C10-2B88FF08519F}"/>
+              </a:ext>
+            </a:extLst>
+          </p:cNvPr>
+          <p:cNvSpPr>
+            <a:spLocks noGrp="1" noRot="1" noChangeAspect="1"/>
+          </p:cNvSpPr>
+          <p:nvPr>
+            <p:ph type="sldImg"/>
+          </p:nvPr>
+        </p:nvSpPr>
+        <p:spPr/>
+      </p:sp>
+      <p:sp>
+        <p:nvSpPr>
+          <p:cNvPr id="3" name="Notes Placeholder 2">
+            <a:extLst>
+              <a:ext uri="{FF2B5EF4-FFF2-40B4-BE49-F238E27FC236}">
+                <a16:creationId xmlns:a16="http://schemas.microsoft.com/office/drawing/2014/main" id="{1501AABF-7606-273A-9AFD-3F19620EDD39}"/>
+              </a:ext>
+            </a:extLst>
+          </p:cNvPr>
+          <p:cNvSpPr>
+            <a:spLocks noGrp="1"/>
+          </p:cNvSpPr>
+          <p:nvPr>
+            <p:ph type="body" idx="1"/>
+          </p:nvPr>
+        </p:nvSpPr>
+        <p:spPr/>
+        <p:txBody>
+          <a:bodyPr/>
+          <a:lstStyle/>
+          <a:p>
+            <a:pPr marL="0" indent="0">
+              <a:buNone/>
+            </a:pPr>
+            <a:endParaRPr lang="en-US" dirty="0"/>
+          </a:p>
+        </p:txBody>
+      </p:sp>
+      <p:sp>
+        <p:nvSpPr>
+          <p:cNvPr id="4" name="Slide Number Placeholder 3">
+            <a:extLst>
+              <a:ext uri="{FF2B5EF4-FFF2-40B4-BE49-F238E27FC236}">
+                <a16:creationId xmlns:a16="http://schemas.microsoft.com/office/drawing/2014/main" id="{5527F8DC-37ED-6310-0978-CCF47D489A31}"/>
+              </a:ext>
+            </a:extLst>
+          </p:cNvPr>
+          <p:cNvSpPr>
+            <a:spLocks noGrp="1"/>
+          </p:cNvSpPr>
+          <p:nvPr>
+            <p:ph type="sldNum" sz="quarter" idx="10"/>
+          </p:nvPr>
+        </p:nvSpPr>
+        <p:spPr/>
+        <p:txBody>
+          <a:bodyPr/>
+          <a:lstStyle/>
+          <a:p>
+            <a:fld id="{FFA5E540-6D76-429F-95AD-C7F13B3CAC82}" type="slidenum">
+              <a:rPr lang="en-US" smtClean="0"/>
+              <a:t>11</a:t>
+            </a:fld>
+            <a:endParaRPr lang="en-US" dirty="0"/>
+          </a:p>
+        </p:txBody>
+      </p:sp>
+    </p:spTree>
+    <p:extLst>
+      <p:ext uri="{BB962C8B-B14F-4D97-AF65-F5344CB8AC3E}">
+        <p14:creationId xmlns:p14="http://schemas.microsoft.com/office/powerpoint/2010/main" val="4233718859"/>
+      </p:ext>
+    </p:extLst>
+  </p:cSld>
+  <p:clrMapOvr>
+    <a:masterClrMapping/>
+  </p:clrMapOvr>
+</p:notes>
+</file>
+
+<file path=ppt/notesSlides/notesSlide12.xml><?xml version="1.0" encoding="utf-8"?>
+<p:notes xmlns:a="http://schemas.openxmlformats.org/drawingml/2006/main" xmlns:r="http://schemas.openxmlformats.org/officeDocument/2006/relationships" xmlns:p="http://schemas.openxmlformats.org/presentationml/2006/main">
+  <p:cSld>
+    <p:spTree>
+      <p:nvGrpSpPr>
+        <p:cNvPr id="1" name="">
+          <a:extLst>
+            <a:ext uri="{FF2B5EF4-FFF2-40B4-BE49-F238E27FC236}">
+              <a16:creationId xmlns:a16="http://schemas.microsoft.com/office/drawing/2014/main" id="{5EB4A1C9-ECDB-41F8-3884-738BCCB738D8}"/>
+            </a:ext>
+          </a:extLst>
+        </p:cNvPr>
+        <p:cNvGrpSpPr/>
+        <p:nvPr/>
+      </p:nvGrpSpPr>
+      <p:grpSpPr>
+        <a:xfrm>
+          <a:off x="0" y="0"/>
+          <a:ext cx="0" cy="0"/>
+          <a:chOff x="0" y="0"/>
+          <a:chExt cx="0" cy="0"/>
+        </a:xfrm>
+      </p:grpSpPr>
+      <p:sp>
+        <p:nvSpPr>
+          <p:cNvPr id="2" name="Slide Image Placeholder 1">
+            <a:extLst>
+              <a:ext uri="{FF2B5EF4-FFF2-40B4-BE49-F238E27FC236}">
+                <a16:creationId xmlns:a16="http://schemas.microsoft.com/office/drawing/2014/main" id="{06EC575E-38B0-DAD3-2344-2BFE2434719F}"/>
+              </a:ext>
+            </a:extLst>
+          </p:cNvPr>
+          <p:cNvSpPr>
+            <a:spLocks noGrp="1" noRot="1" noChangeAspect="1"/>
+          </p:cNvSpPr>
+          <p:nvPr>
+            <p:ph type="sldImg"/>
+          </p:nvPr>
+        </p:nvSpPr>
+        <p:spPr/>
+      </p:sp>
+      <p:sp>
+        <p:nvSpPr>
+          <p:cNvPr id="3" name="Notes Placeholder 2">
+            <a:extLst>
+              <a:ext uri="{FF2B5EF4-FFF2-40B4-BE49-F238E27FC236}">
+                <a16:creationId xmlns:a16="http://schemas.microsoft.com/office/drawing/2014/main" id="{22EBD3C7-DFD0-1B18-4A8B-378F172083D4}"/>
+              </a:ext>
+            </a:extLst>
+          </p:cNvPr>
+          <p:cNvSpPr>
+            <a:spLocks noGrp="1"/>
+          </p:cNvSpPr>
+          <p:nvPr>
+            <p:ph type="body" idx="1"/>
+          </p:nvPr>
+        </p:nvSpPr>
+        <p:spPr/>
+        <p:txBody>
+          <a:bodyPr/>
+          <a:lstStyle/>
+          <a:p>
+            <a:pPr marL="0" indent="0">
+              <a:buNone/>
+            </a:pPr>
+            <a:endParaRPr lang="en-US" dirty="0"/>
+          </a:p>
+        </p:txBody>
+      </p:sp>
+      <p:sp>
+        <p:nvSpPr>
+          <p:cNvPr id="4" name="Slide Number Placeholder 3">
+            <a:extLst>
+              <a:ext uri="{FF2B5EF4-FFF2-40B4-BE49-F238E27FC236}">
+                <a16:creationId xmlns:a16="http://schemas.microsoft.com/office/drawing/2014/main" id="{FEC3B541-4859-138B-B16F-363E5C818D79}"/>
+              </a:ext>
+            </a:extLst>
+          </p:cNvPr>
+          <p:cNvSpPr>
+            <a:spLocks noGrp="1"/>
+          </p:cNvSpPr>
+          <p:nvPr>
+            <p:ph type="sldNum" sz="quarter" idx="10"/>
+          </p:nvPr>
+        </p:nvSpPr>
+        <p:spPr/>
+        <p:txBody>
+          <a:bodyPr/>
+          <a:lstStyle/>
+          <a:p>
+            <a:fld id="{FFA5E540-6D76-429F-95AD-C7F13B3CAC82}" type="slidenum">
+              <a:rPr lang="en-US" smtClean="0"/>
+              <a:t>12</a:t>
+            </a:fld>
+            <a:endParaRPr lang="en-US" dirty="0"/>
+          </a:p>
+        </p:txBody>
+      </p:sp>
+    </p:spTree>
+    <p:extLst>
+      <p:ext uri="{BB962C8B-B14F-4D97-AF65-F5344CB8AC3E}">
+        <p14:creationId xmlns:p14="http://schemas.microsoft.com/office/powerpoint/2010/main" val="282513375"/>
+      </p:ext>
+    </p:extLst>
+  </p:cSld>
+  <p:clrMapOvr>
+    <a:masterClrMapping/>
+  </p:clrMapOvr>
+</p:notes>
+</file>
+
+<file path=ppt/notesSlides/notesSlide13.xml><?xml version="1.0" encoding="utf-8"?>
+<p:notes xmlns:a="http://schemas.openxmlformats.org/drawingml/2006/main" xmlns:r="http://schemas.openxmlformats.org/officeDocument/2006/relationships" xmlns:p="http://schemas.openxmlformats.org/presentationml/2006/main">
+  <p:cSld>
+    <p:spTree>
+      <p:nvGrpSpPr>
         <p:cNvPr id="1" name="">
           <a:extLst>
             <a:ext uri="{FF2B5EF4-FFF2-40B4-BE49-F238E27FC236}">
@@ -834,7 +1146,7 @@
           <a:p>
             <a:fld id="{FFA5E540-6D76-429F-95AD-C7F13B3CAC82}" type="slidenum">
               <a:rPr lang="en-US" smtClean="0"/>
-              <a:t>10</a:t>
+              <a:t>13</a:t>
             </a:fld>
             <a:endParaRPr lang="en-US" dirty="0"/>
           </a:p>
@@ -853,7 +1165,7 @@
 </p:notes>
 </file>
 
-<file path=ppt/notesSlides/notesSlide11.xml><?xml version="1.0" encoding="utf-8"?>
+<file path=ppt/notesSlides/notesSlide14.xml><?xml version="1.0" encoding="utf-8"?>
 <p:notes xmlns:a="http://schemas.openxmlformats.org/drawingml/2006/main" xmlns:r="http://schemas.openxmlformats.org/officeDocument/2006/relationships" xmlns:p="http://schemas.openxmlformats.org/presentationml/2006/main">
   <p:cSld>
     <p:spTree>
@@ -945,7 +1257,7 @@
           <a:p>
             <a:fld id="{FFA5E540-6D76-429F-95AD-C7F13B3CAC82}" type="slidenum">
               <a:rPr lang="en-US" smtClean="0"/>
-              <a:t>11</a:t>
+              <a:t>14</a:t>
             </a:fld>
             <a:endParaRPr lang="en-US" dirty="0"/>
           </a:p>
@@ -964,7 +1276,7 @@
 </p:notes>
 </file>
 
-<file path=ppt/notesSlides/notesSlide12.xml><?xml version="1.0" encoding="utf-8"?>
+<file path=ppt/notesSlides/notesSlide15.xml><?xml version="1.0" encoding="utf-8"?>
 <p:notes xmlns:a="http://schemas.openxmlformats.org/drawingml/2006/main" xmlns:r="http://schemas.openxmlformats.org/officeDocument/2006/relationships" xmlns:p="http://schemas.openxmlformats.org/presentationml/2006/main">
   <p:cSld>
     <p:spTree>
@@ -1053,7 +1365,7 @@
           <a:p>
             <a:fld id="{FFA5E540-6D76-429F-95AD-C7F13B3CAC82}" type="slidenum">
               <a:rPr lang="en-US" smtClean="0"/>
-              <a:t>12</a:t>
+              <a:t>15</a:t>
             </a:fld>
             <a:endParaRPr lang="en-US" dirty="0"/>
           </a:p>
@@ -1072,7 +1384,7 @@
 </p:notes>
 </file>
 
-<file path=ppt/notesSlides/notesSlide13.xml><?xml version="1.0" encoding="utf-8"?>
+<file path=ppt/notesSlides/notesSlide16.xml><?xml version="1.0" encoding="utf-8"?>
 <p:notes xmlns:a="http://schemas.openxmlformats.org/drawingml/2006/main" xmlns:r="http://schemas.openxmlformats.org/officeDocument/2006/relationships" xmlns:p="http://schemas.openxmlformats.org/presentationml/2006/main">
   <p:cSld>
     <p:spTree>
@@ -1161,7 +1473,7 @@
           <a:p>
             <a:fld id="{FFA5E540-6D76-429F-95AD-C7F13B3CAC82}" type="slidenum">
               <a:rPr lang="en-US" smtClean="0"/>
-              <a:t>13</a:t>
+              <a:t>16</a:t>
             </a:fld>
             <a:endParaRPr lang="en-US" dirty="0"/>
           </a:p>
@@ -1791,13 +2103,7 @@
   <p:cSld>
     <p:spTree>
       <p:nvGrpSpPr>
-        <p:cNvPr id="1" name="">
-          <a:extLst>
-            <a:ext uri="{FF2B5EF4-FFF2-40B4-BE49-F238E27FC236}">
-              <a16:creationId xmlns:a16="http://schemas.microsoft.com/office/drawing/2014/main" id="{6D7ED9F6-3217-1E52-F122-11506604D5A4}"/>
-            </a:ext>
-          </a:extLst>
-        </p:cNvPr>
+        <p:cNvPr id="1" name=""/>
         <p:cNvGrpSpPr/>
         <p:nvPr/>
       </p:nvGrpSpPr>
@@ -1811,13 +2117,7 @@
       </p:grpSpPr>
       <p:sp>
         <p:nvSpPr>
-          <p:cNvPr id="2" name="Slide Image Placeholder 1">
-            <a:extLst>
-              <a:ext uri="{FF2B5EF4-FFF2-40B4-BE49-F238E27FC236}">
-                <a16:creationId xmlns:a16="http://schemas.microsoft.com/office/drawing/2014/main" id="{9A6031B9-D293-0C7E-5C10-2B88FF08519F}"/>
-              </a:ext>
-            </a:extLst>
-          </p:cNvPr>
+          <p:cNvPr id="2" name="Slide Image Placeholder 1"/>
           <p:cNvSpPr>
             <a:spLocks noGrp="1" noRot="1" noChangeAspect="1"/>
           </p:cNvSpPr>
@@ -1829,13 +2129,7 @@
       </p:sp>
       <p:sp>
         <p:nvSpPr>
-          <p:cNvPr id="3" name="Notes Placeholder 2">
-            <a:extLst>
-              <a:ext uri="{FF2B5EF4-FFF2-40B4-BE49-F238E27FC236}">
-                <a16:creationId xmlns:a16="http://schemas.microsoft.com/office/drawing/2014/main" id="{1501AABF-7606-273A-9AFD-3F19620EDD39}"/>
-              </a:ext>
-            </a:extLst>
-          </p:cNvPr>
+          <p:cNvPr id="3" name="Notes Placeholder 2"/>
           <p:cNvSpPr>
             <a:spLocks noGrp="1"/>
           </p:cNvSpPr>
@@ -1857,13 +2151,7 @@
       </p:sp>
       <p:sp>
         <p:nvSpPr>
-          <p:cNvPr id="4" name="Slide Number Placeholder 3">
-            <a:extLst>
-              <a:ext uri="{FF2B5EF4-FFF2-40B4-BE49-F238E27FC236}">
-                <a16:creationId xmlns:a16="http://schemas.microsoft.com/office/drawing/2014/main" id="{5527F8DC-37ED-6310-0978-CCF47D489A31}"/>
-              </a:ext>
-            </a:extLst>
-          </p:cNvPr>
+          <p:cNvPr id="4" name="Slide Number Placeholder 3"/>
           <p:cNvSpPr>
             <a:spLocks noGrp="1"/>
           </p:cNvSpPr>
@@ -1887,7 +2175,7 @@
     </p:spTree>
     <p:extLst>
       <p:ext uri="{BB962C8B-B14F-4D97-AF65-F5344CB8AC3E}">
-        <p14:creationId xmlns:p14="http://schemas.microsoft.com/office/powerpoint/2010/main" val="4233718859"/>
+        <p14:creationId xmlns:p14="http://schemas.microsoft.com/office/powerpoint/2010/main" val="4134521755"/>
       </p:ext>
     </p:extLst>
   </p:cSld>
@@ -1902,13 +2190,7 @@
   <p:cSld>
     <p:spTree>
       <p:nvGrpSpPr>
-        <p:cNvPr id="1" name="">
-          <a:extLst>
-            <a:ext uri="{FF2B5EF4-FFF2-40B4-BE49-F238E27FC236}">
-              <a16:creationId xmlns:a16="http://schemas.microsoft.com/office/drawing/2014/main" id="{5EB4A1C9-ECDB-41F8-3884-738BCCB738D8}"/>
-            </a:ext>
-          </a:extLst>
-        </p:cNvPr>
+        <p:cNvPr id="1" name=""/>
         <p:cNvGrpSpPr/>
         <p:nvPr/>
       </p:nvGrpSpPr>
@@ -1922,13 +2204,7 @@
       </p:grpSpPr>
       <p:sp>
         <p:nvSpPr>
-          <p:cNvPr id="2" name="Slide Image Placeholder 1">
-            <a:extLst>
-              <a:ext uri="{FF2B5EF4-FFF2-40B4-BE49-F238E27FC236}">
-                <a16:creationId xmlns:a16="http://schemas.microsoft.com/office/drawing/2014/main" id="{06EC575E-38B0-DAD3-2344-2BFE2434719F}"/>
-              </a:ext>
-            </a:extLst>
-          </p:cNvPr>
+          <p:cNvPr id="2" name="Slide Image Placeholder 1"/>
           <p:cNvSpPr>
             <a:spLocks noGrp="1" noRot="1" noChangeAspect="1"/>
           </p:cNvSpPr>
@@ -1940,13 +2216,7 @@
       </p:sp>
       <p:sp>
         <p:nvSpPr>
-          <p:cNvPr id="3" name="Notes Placeholder 2">
-            <a:extLst>
-              <a:ext uri="{FF2B5EF4-FFF2-40B4-BE49-F238E27FC236}">
-                <a16:creationId xmlns:a16="http://schemas.microsoft.com/office/drawing/2014/main" id="{22EBD3C7-DFD0-1B18-4A8B-378F172083D4}"/>
-              </a:ext>
-            </a:extLst>
-          </p:cNvPr>
+          <p:cNvPr id="3" name="Notes Placeholder 2"/>
           <p:cNvSpPr>
             <a:spLocks noGrp="1"/>
           </p:cNvSpPr>
@@ -1968,13 +2238,7 @@
       </p:sp>
       <p:sp>
         <p:nvSpPr>
-          <p:cNvPr id="4" name="Slide Number Placeholder 3">
-            <a:extLst>
-              <a:ext uri="{FF2B5EF4-FFF2-40B4-BE49-F238E27FC236}">
-                <a16:creationId xmlns:a16="http://schemas.microsoft.com/office/drawing/2014/main" id="{FEC3B541-4859-138B-B16F-363E5C818D79}"/>
-              </a:ext>
-            </a:extLst>
-          </p:cNvPr>
+          <p:cNvPr id="4" name="Slide Number Placeholder 3"/>
           <p:cNvSpPr>
             <a:spLocks noGrp="1"/>
           </p:cNvSpPr>
@@ -1998,7 +2262,7 @@
     </p:spTree>
     <p:extLst>
       <p:ext uri="{BB962C8B-B14F-4D97-AF65-F5344CB8AC3E}">
-        <p14:creationId xmlns:p14="http://schemas.microsoft.com/office/powerpoint/2010/main" val="282513375"/>
+        <p14:creationId xmlns:p14="http://schemas.microsoft.com/office/powerpoint/2010/main" val="104754045"/>
       </p:ext>
     </p:extLst>
   </p:cSld>
@@ -21190,7 +21454,7 @@
           <a:p>
             <a:fld id="{F7015205-6E1C-4AA4-A1F5-F88A14739F8D}" type="datetime1">
               <a:rPr lang="en-US" altLang="zh-CN" smtClean="0"/>
-              <a:t>4/17/2024</a:t>
+              <a:t>4/18/2024</a:t>
             </a:fld>
             <a:endParaRPr lang="en-US"/>
           </a:p>
@@ -21400,7 +21664,7 @@
           <a:p>
             <a:fld id="{C5005B59-A863-49AB-8A46-4FABF628DCDB}" type="datetime1">
               <a:rPr lang="en-US" altLang="zh-CN" smtClean="0"/>
-              <a:t>4/17/2024</a:t>
+              <a:t>4/18/2024</a:t>
             </a:fld>
             <a:endParaRPr lang="en-US"/>
           </a:p>
@@ -21575,7 +21839,7 @@
           <a:p>
             <a:fld id="{B9B359B8-BB35-4942-BB3F-553087A1AB07}" type="datetime1">
               <a:rPr lang="en-US" altLang="zh-CN" smtClean="0"/>
-              <a:t>4/17/2024</a:t>
+              <a:t>4/18/2024</a:t>
             </a:fld>
             <a:endParaRPr lang="en-US"/>
           </a:p>
@@ -21740,7 +22004,7 @@
           <a:p>
             <a:fld id="{0051FDAB-E13B-4DED-ACB5-C97F04F9745D}" type="datetime1">
               <a:rPr lang="en-US" altLang="zh-CN" smtClean="0"/>
-              <a:t>4/17/2024</a:t>
+              <a:t>4/18/2024</a:t>
             </a:fld>
             <a:endParaRPr lang="en-US"/>
           </a:p>
@@ -21927,7 +22191,7 @@
           <a:p>
             <a:fld id="{411C2638-AFB1-4A52-81EA-13B8957633A2}" type="datetime1">
               <a:rPr lang="en-US" altLang="zh-CN" smtClean="0"/>
-              <a:t>4/17/2024</a:t>
+              <a:t>4/18/2024</a:t>
             </a:fld>
             <a:endParaRPr lang="en-US"/>
           </a:p>
@@ -22210,7 +22474,7 @@
           <a:p>
             <a:fld id="{86FEA545-9191-4074-8B47-064CD17714D7}" type="datetime1">
               <a:rPr lang="en-US" altLang="zh-CN" smtClean="0"/>
-              <a:t>4/17/2024</a:t>
+              <a:t>4/18/2024</a:t>
             </a:fld>
             <a:endParaRPr lang="en-US"/>
           </a:p>
@@ -22632,7 +22896,7 @@
           <a:p>
             <a:fld id="{FEDA739D-67B9-461E-9E24-584E6BDA3BCB}" type="datetime1">
               <a:rPr lang="en-US" altLang="zh-CN" smtClean="0"/>
-              <a:t>4/17/2024</a:t>
+              <a:t>4/18/2024</a:t>
             </a:fld>
             <a:endParaRPr lang="en-US"/>
           </a:p>
@@ -22745,7 +23009,7 @@
           <a:p>
             <a:fld id="{9B17A94F-F96B-45CF-824C-A53F0758AB69}" type="datetime1">
               <a:rPr lang="en-US" altLang="zh-CN" smtClean="0"/>
-              <a:t>4/17/2024</a:t>
+              <a:t>4/18/2024</a:t>
             </a:fld>
             <a:endParaRPr lang="en-US"/>
           </a:p>
@@ -22835,7 +23099,7 @@
           <a:p>
             <a:fld id="{0E7E811E-CB35-486D-A51A-D28D7B88C8A1}" type="datetime1">
               <a:rPr lang="en-US" altLang="zh-CN" smtClean="0"/>
-              <a:t>4/17/2024</a:t>
+              <a:t>4/18/2024</a:t>
             </a:fld>
             <a:endParaRPr lang="en-US"/>
           </a:p>
@@ -23107,7 +23371,7 @@
           <a:p>
             <a:fld id="{49060A9D-03E3-407A-91FE-4FD83FD5236C}" type="datetime1">
               <a:rPr lang="en-US" altLang="zh-CN" smtClean="0"/>
-              <a:t>4/17/2024</a:t>
+              <a:t>4/18/2024</a:t>
             </a:fld>
             <a:endParaRPr lang="en-US"/>
           </a:p>
@@ -23360,7 +23624,7 @@
           <a:p>
             <a:fld id="{27EABF16-FC76-43D1-8210-F66033CB86AD}" type="datetime1">
               <a:rPr lang="en-US" altLang="zh-CN" smtClean="0"/>
-              <a:t>4/17/2024</a:t>
+              <a:t>4/18/2024</a:t>
             </a:fld>
             <a:endParaRPr lang="en-US"/>
           </a:p>
@@ -23622,7 +23886,7 @@
           <a:p>
             <a:fld id="{5C24D9CC-1561-4C99-B045-95C038C2B123}" type="datetime1">
               <a:rPr lang="en-US" altLang="zh-CN" smtClean="0"/>
-              <a:t>4/17/2024</a:t>
+              <a:t>4/18/2024</a:t>
             </a:fld>
             <a:endParaRPr lang="en-US"/>
           </a:p>
@@ -24657,6 +24921,1817 @@
   <p:cSld>
     <p:spTree>
       <p:nvGrpSpPr>
+        <p:cNvPr id="1" name=""/>
+        <p:cNvGrpSpPr/>
+        <p:nvPr/>
+      </p:nvGrpSpPr>
+      <p:grpSpPr>
+        <a:xfrm>
+          <a:off x="0" y="0"/>
+          <a:ext cx="0" cy="0"/>
+          <a:chOff x="0" y="0"/>
+          <a:chExt cx="0" cy="0"/>
+        </a:xfrm>
+      </p:grpSpPr>
+      <p:sp>
+        <p:nvSpPr>
+          <p:cNvPr id="2" name="Title 1"/>
+          <p:cNvSpPr>
+            <a:spLocks noGrp="1"/>
+          </p:cNvSpPr>
+          <p:nvPr>
+            <p:ph type="title"/>
+          </p:nvPr>
+        </p:nvSpPr>
+        <p:spPr>
+          <a:xfrm>
+            <a:off x="152400" y="152400"/>
+            <a:ext cx="8610600" cy="838200"/>
+          </a:xfrm>
+        </p:spPr>
+        <p:txBody>
+          <a:bodyPr/>
+          <a:lstStyle/>
+          <a:p>
+            <a:r>
+              <a:rPr lang="en-US" altLang="zh-CN" dirty="0"/>
+              <a:t>Channel</a:t>
+            </a:r>
+            <a:endParaRPr lang="zh-CN" altLang="en-US" dirty="0"/>
+          </a:p>
+        </p:txBody>
+      </p:sp>
+      <p:sp>
+        <p:nvSpPr>
+          <p:cNvPr id="9" name="Rectangle 2"/>
+          <p:cNvSpPr>
+            <a:spLocks noChangeArrowheads="1"/>
+          </p:cNvSpPr>
+          <p:nvPr/>
+        </p:nvSpPr>
+        <p:spPr bwMode="auto">
+          <a:xfrm>
+            <a:off x="0" y="0"/>
+            <a:ext cx="9144000" cy="0"/>
+          </a:xfrm>
+          <a:prstGeom prst="rect">
+            <a:avLst/>
+          </a:prstGeom>
+          <a:noFill/>
+          <a:ln>
+            <a:noFill/>
+          </a:ln>
+          <a:effectLst/>
+          <a:extLst>
+            <a:ext uri="{909E8E84-426E-40DD-AFC4-6F175D3DCCD1}">
+              <a14:hiddenFill xmlns:a14="http://schemas.microsoft.com/office/drawing/2010/main">
+                <a:solidFill>
+                  <a:schemeClr val="accent1"/>
+                </a:solidFill>
+              </a14:hiddenFill>
+            </a:ext>
+            <a:ext uri="{91240B29-F687-4F45-9708-019B960494DF}">
+              <a14:hiddenLine xmlns:a14="http://schemas.microsoft.com/office/drawing/2010/main" w="9525">
+                <a:solidFill>
+                  <a:schemeClr val="tx1"/>
+                </a:solidFill>
+                <a:miter lim="800000"/>
+                <a:headEnd/>
+                <a:tailEnd/>
+              </a14:hiddenLine>
+            </a:ext>
+            <a:ext uri="{AF507438-7753-43E0-B8FC-AC1667EBCBE1}">
+              <a14:hiddenEffects xmlns:a14="http://schemas.microsoft.com/office/drawing/2010/main">
+                <a:effectLst>
+                  <a:outerShdw dist="35921" dir="2700000" algn="ctr" rotWithShape="0">
+                    <a:schemeClr val="bg2"/>
+                  </a:outerShdw>
+                </a:effectLst>
+              </a14:hiddenEffects>
+            </a:ext>
+          </a:extLst>
+        </p:spPr>
+        <p:txBody>
+          <a:bodyPr vert="horz" wrap="none" lIns="91440" tIns="45720" rIns="91440" bIns="45720" numCol="1" anchor="ctr" anchorCtr="0" compatLnSpc="1">
+            <a:prstTxWarp prst="textNoShape">
+              <a:avLst/>
+            </a:prstTxWarp>
+            <a:spAutoFit/>
+          </a:bodyPr>
+          <a:lstStyle/>
+          <a:p>
+            <a:endParaRPr lang="zh-CN" altLang="en-US"/>
+          </a:p>
+        </p:txBody>
+      </p:sp>
+      <p:sp>
+        <p:nvSpPr>
+          <p:cNvPr id="17" name="内容占位符 2">
+            <a:extLst>
+              <a:ext uri="{FF2B5EF4-FFF2-40B4-BE49-F238E27FC236}">
+                <a16:creationId xmlns:a16="http://schemas.microsoft.com/office/drawing/2014/main" id="{D7B13CA5-CF5D-287A-9ACB-EF5CA77485F1}"/>
+              </a:ext>
+            </a:extLst>
+          </p:cNvPr>
+          <p:cNvSpPr txBox="1">
+            <a:spLocks/>
+          </p:cNvSpPr>
+          <p:nvPr/>
+        </p:nvSpPr>
+        <p:spPr bwMode="auto">
+          <a:xfrm>
+            <a:off x="93652" y="1068113"/>
+            <a:ext cx="6535748" cy="932338"/>
+          </a:xfrm>
+          <a:prstGeom prst="rect">
+            <a:avLst/>
+          </a:prstGeom>
+          <a:noFill/>
+          <a:ln>
+            <a:noFill/>
+          </a:ln>
+          <a:extLst>
+            <a:ext uri="{909E8E84-426E-40DD-AFC4-6F175D3DCCD1}">
+              <a14:hiddenFill xmlns:a14="http://schemas.microsoft.com/office/drawing/2010/main">
+                <a:solidFill>
+                  <a:srgbClr val="FFFFFF"/>
+                </a:solidFill>
+              </a14:hiddenFill>
+            </a:ext>
+            <a:ext uri="{91240B29-F687-4F45-9708-019B960494DF}">
+              <a14:hiddenLine xmlns:a14="http://schemas.microsoft.com/office/drawing/2010/main" w="28575">
+                <a:solidFill>
+                  <a:srgbClr val="000000"/>
+                </a:solidFill>
+                <a:miter lim="800000"/>
+                <a:headEnd/>
+                <a:tailEnd/>
+              </a14:hiddenLine>
+            </a:ext>
+          </a:extLst>
+        </p:spPr>
+        <p:txBody>
+          <a:bodyPr vert="horz" wrap="square" lIns="91440" tIns="45720" rIns="91440" bIns="45720" numCol="1" anchor="t" anchorCtr="0" compatLnSpc="1">
+            <a:prstTxWarp prst="textNoShape">
+              <a:avLst/>
+            </a:prstTxWarp>
+          </a:bodyPr>
+          <a:lstStyle>
+            <a:lvl1pPr marL="342900" indent="-342900" algn="l" rtl="0" eaLnBrk="1" fontAlgn="base" hangingPunct="1">
+              <a:spcBef>
+                <a:spcPct val="30000"/>
+              </a:spcBef>
+              <a:spcAft>
+                <a:spcPct val="0"/>
+              </a:spcAft>
+              <a:buClr>
+                <a:schemeClr val="hlink"/>
+              </a:buClr>
+              <a:buFont typeface="Wingdings" pitchFamily="2" charset="2"/>
+              <a:buChar char="§"/>
+              <a:defRPr sz="3200">
+                <a:solidFill>
+                  <a:srgbClr val="000066"/>
+                </a:solidFill>
+                <a:latin typeface="微软雅黑" pitchFamily="34" charset="-122"/>
+                <a:ea typeface="微软雅黑" pitchFamily="34" charset="-122"/>
+                <a:cs typeface="+mn-cs"/>
+              </a:defRPr>
+            </a:lvl1pPr>
+            <a:lvl2pPr marL="742950" indent="-285750" algn="l" rtl="0" eaLnBrk="1" fontAlgn="base" hangingPunct="1">
+              <a:spcBef>
+                <a:spcPct val="30000"/>
+              </a:spcBef>
+              <a:spcAft>
+                <a:spcPct val="0"/>
+              </a:spcAft>
+              <a:buClr>
+                <a:schemeClr val="tx2"/>
+              </a:buClr>
+              <a:buSzPct val="85000"/>
+              <a:buFont typeface="Wingdings" pitchFamily="2" charset="2"/>
+              <a:buChar char="Ø"/>
+              <a:defRPr sz="2800">
+                <a:solidFill>
+                  <a:srgbClr val="006666"/>
+                </a:solidFill>
+                <a:latin typeface="微软雅黑" pitchFamily="34" charset="-122"/>
+                <a:ea typeface="微软雅黑" pitchFamily="34" charset="-122"/>
+              </a:defRPr>
+            </a:lvl2pPr>
+            <a:lvl3pPr marL="1143000" indent="-228600" algn="l" rtl="0" eaLnBrk="1" fontAlgn="base" hangingPunct="1">
+              <a:spcBef>
+                <a:spcPct val="30000"/>
+              </a:spcBef>
+              <a:spcAft>
+                <a:spcPct val="0"/>
+              </a:spcAft>
+              <a:buClr>
+                <a:schemeClr val="hlink"/>
+              </a:buClr>
+              <a:buSzPct val="95000"/>
+              <a:buFont typeface="Wingdings 2" pitchFamily="18" charset="2"/>
+              <a:buChar char="¡"/>
+              <a:defRPr sz="2400">
+                <a:solidFill>
+                  <a:schemeClr val="hlink"/>
+                </a:solidFill>
+                <a:latin typeface="微软雅黑" pitchFamily="34" charset="-122"/>
+                <a:ea typeface="微软雅黑" pitchFamily="34" charset="-122"/>
+              </a:defRPr>
+            </a:lvl3pPr>
+            <a:lvl4pPr marL="1600200" indent="-228600" algn="l" rtl="0" eaLnBrk="1" fontAlgn="base" hangingPunct="1">
+              <a:spcBef>
+                <a:spcPct val="30000"/>
+              </a:spcBef>
+              <a:spcAft>
+                <a:spcPct val="0"/>
+              </a:spcAft>
+              <a:buClr>
+                <a:schemeClr val="tx2"/>
+              </a:buClr>
+              <a:buSzPct val="90000"/>
+              <a:buFont typeface="Wingdings" pitchFamily="2" charset="2"/>
+              <a:buChar char="Ø"/>
+              <a:defRPr sz="2000">
+                <a:solidFill>
+                  <a:srgbClr val="990099"/>
+                </a:solidFill>
+                <a:latin typeface="微软雅黑" pitchFamily="34" charset="-122"/>
+                <a:ea typeface="微软雅黑" pitchFamily="34" charset="-122"/>
+              </a:defRPr>
+            </a:lvl4pPr>
+            <a:lvl5pPr marL="2057400" indent="-228600" algn="l" rtl="0" eaLnBrk="1" fontAlgn="base" hangingPunct="1">
+              <a:spcBef>
+                <a:spcPct val="30000"/>
+              </a:spcBef>
+              <a:spcAft>
+                <a:spcPct val="0"/>
+              </a:spcAft>
+              <a:buClr>
+                <a:schemeClr val="hlink"/>
+              </a:buClr>
+              <a:buFont typeface="Wingdings 2" pitchFamily="18" charset="2"/>
+              <a:buChar char="¡"/>
+              <a:defRPr sz="2000">
+                <a:solidFill>
+                  <a:schemeClr val="tx1"/>
+                </a:solidFill>
+                <a:latin typeface="微软雅黑" pitchFamily="34" charset="-122"/>
+                <a:ea typeface="微软雅黑" pitchFamily="34" charset="-122"/>
+              </a:defRPr>
+            </a:lvl5pPr>
+            <a:lvl6pPr marL="2514600" indent="-228600" algn="l" rtl="0" eaLnBrk="1" fontAlgn="base" hangingPunct="1">
+              <a:spcBef>
+                <a:spcPct val="30000"/>
+              </a:spcBef>
+              <a:spcAft>
+                <a:spcPct val="0"/>
+              </a:spcAft>
+              <a:buClr>
+                <a:schemeClr val="hlink"/>
+              </a:buClr>
+              <a:buFont typeface="Wingdings 2" pitchFamily="18" charset="2"/>
+              <a:buChar char="¡"/>
+              <a:defRPr sz="2000">
+                <a:solidFill>
+                  <a:schemeClr val="tx1"/>
+                </a:solidFill>
+                <a:latin typeface="+mn-lt"/>
+                <a:ea typeface="+mn-ea"/>
+              </a:defRPr>
+            </a:lvl6pPr>
+            <a:lvl7pPr marL="2971800" indent="-228600" algn="l" rtl="0" eaLnBrk="1" fontAlgn="base" hangingPunct="1">
+              <a:spcBef>
+                <a:spcPct val="30000"/>
+              </a:spcBef>
+              <a:spcAft>
+                <a:spcPct val="0"/>
+              </a:spcAft>
+              <a:buClr>
+                <a:schemeClr val="hlink"/>
+              </a:buClr>
+              <a:buFont typeface="Wingdings 2" pitchFamily="18" charset="2"/>
+              <a:buChar char="¡"/>
+              <a:defRPr sz="2000">
+                <a:solidFill>
+                  <a:schemeClr val="tx1"/>
+                </a:solidFill>
+                <a:latin typeface="+mn-lt"/>
+                <a:ea typeface="+mn-ea"/>
+              </a:defRPr>
+            </a:lvl7pPr>
+            <a:lvl8pPr marL="3429000" indent="-228600" algn="l" rtl="0" eaLnBrk="1" fontAlgn="base" hangingPunct="1">
+              <a:spcBef>
+                <a:spcPct val="30000"/>
+              </a:spcBef>
+              <a:spcAft>
+                <a:spcPct val="0"/>
+              </a:spcAft>
+              <a:buClr>
+                <a:schemeClr val="hlink"/>
+              </a:buClr>
+              <a:buFont typeface="Wingdings 2" pitchFamily="18" charset="2"/>
+              <a:buChar char="¡"/>
+              <a:defRPr sz="2000">
+                <a:solidFill>
+                  <a:schemeClr val="tx1"/>
+                </a:solidFill>
+                <a:latin typeface="+mn-lt"/>
+                <a:ea typeface="+mn-ea"/>
+              </a:defRPr>
+            </a:lvl8pPr>
+            <a:lvl9pPr marL="3886200" indent="-228600" algn="l" rtl="0" eaLnBrk="1" fontAlgn="base" hangingPunct="1">
+              <a:spcBef>
+                <a:spcPct val="30000"/>
+              </a:spcBef>
+              <a:spcAft>
+                <a:spcPct val="0"/>
+              </a:spcAft>
+              <a:buClr>
+                <a:schemeClr val="hlink"/>
+              </a:buClr>
+              <a:buFont typeface="Wingdings 2" pitchFamily="18" charset="2"/>
+              <a:buChar char="¡"/>
+              <a:defRPr sz="2000">
+                <a:solidFill>
+                  <a:schemeClr val="tx1"/>
+                </a:solidFill>
+                <a:latin typeface="+mn-lt"/>
+                <a:ea typeface="+mn-ea"/>
+              </a:defRPr>
+            </a:lvl9pPr>
+          </a:lstStyle>
+          <a:p>
+            <a:r>
+              <a:rPr lang="en-US" altLang="zh-CN" sz="2400" kern="0" dirty="0">
+                <a:latin typeface="+mn-lt"/>
+                <a:cs typeface="Times New Roman" panose="02020603050405020304" pitchFamily="18" charset="0"/>
+              </a:rPr>
+              <a:t>RETAU5200</a:t>
+            </a:r>
+            <a:endParaRPr lang="en-US" altLang="zh-CN" sz="2000" kern="0" dirty="0">
+              <a:latin typeface="+mn-lt"/>
+              <a:cs typeface="Times New Roman" panose="02020603050405020304" pitchFamily="18" charset="0"/>
+            </a:endParaRPr>
+          </a:p>
+          <a:p>
+            <a:pPr lvl="1"/>
+            <a:r>
+              <a:rPr lang="en-US" altLang="zh-CN" sz="2000" dirty="0">
+                <a:latin typeface="+mn-lt"/>
+                <a:cs typeface="Times New Roman" panose="02020603050405020304" pitchFamily="18" charset="0"/>
+              </a:rPr>
+              <a:t>CS0 does reproduce the results with no SGS</a:t>
+            </a:r>
+          </a:p>
+        </p:txBody>
+      </p:sp>
+      <p:pic>
+        <p:nvPicPr>
+          <p:cNvPr id="4" name="Picture 3">
+            <a:extLst>
+              <a:ext uri="{FF2B5EF4-FFF2-40B4-BE49-F238E27FC236}">
+                <a16:creationId xmlns:a16="http://schemas.microsoft.com/office/drawing/2014/main" id="{50EE1709-EABB-454A-53B1-315DA164832A}"/>
+              </a:ext>
+            </a:extLst>
+          </p:cNvPr>
+          <p:cNvPicPr>
+            <a:picLocks noChangeAspect="1"/>
+          </p:cNvPicPr>
+          <p:nvPr/>
+        </p:nvPicPr>
+        <p:blipFill>
+          <a:blip r:embed="rId3"/>
+          <a:stretch>
+            <a:fillRect/>
+          </a:stretch>
+        </p:blipFill>
+        <p:spPr>
+          <a:xfrm>
+            <a:off x="1295400" y="4390492"/>
+            <a:ext cx="3200400" cy="2390042"/>
+          </a:xfrm>
+          <a:prstGeom prst="rect">
+            <a:avLst/>
+          </a:prstGeom>
+        </p:spPr>
+      </p:pic>
+      <p:pic>
+        <p:nvPicPr>
+          <p:cNvPr id="6" name="Picture 5">
+            <a:extLst>
+              <a:ext uri="{FF2B5EF4-FFF2-40B4-BE49-F238E27FC236}">
+                <a16:creationId xmlns:a16="http://schemas.microsoft.com/office/drawing/2014/main" id="{75FAD4A9-F8BA-3F98-7D08-F79BDD909E55}"/>
+              </a:ext>
+            </a:extLst>
+          </p:cNvPr>
+          <p:cNvPicPr>
+            <a:picLocks noChangeAspect="1"/>
+          </p:cNvPicPr>
+          <p:nvPr/>
+        </p:nvPicPr>
+        <p:blipFill>
+          <a:blip r:embed="rId4"/>
+          <a:stretch>
+            <a:fillRect/>
+          </a:stretch>
+        </p:blipFill>
+        <p:spPr>
+          <a:xfrm>
+            <a:off x="4495800" y="2018132"/>
+            <a:ext cx="3200400" cy="2372360"/>
+          </a:xfrm>
+          <a:prstGeom prst="rect">
+            <a:avLst/>
+          </a:prstGeom>
+        </p:spPr>
+      </p:pic>
+      <p:pic>
+        <p:nvPicPr>
+          <p:cNvPr id="8" name="Picture 7">
+            <a:extLst>
+              <a:ext uri="{FF2B5EF4-FFF2-40B4-BE49-F238E27FC236}">
+                <a16:creationId xmlns:a16="http://schemas.microsoft.com/office/drawing/2014/main" id="{900089F2-6F03-AC4F-47FB-B494550D41D8}"/>
+              </a:ext>
+            </a:extLst>
+          </p:cNvPr>
+          <p:cNvPicPr>
+            <a:picLocks noChangeAspect="1"/>
+          </p:cNvPicPr>
+          <p:nvPr/>
+        </p:nvPicPr>
+        <p:blipFill>
+          <a:blip r:embed="rId5"/>
+          <a:stretch>
+            <a:fillRect/>
+          </a:stretch>
+        </p:blipFill>
+        <p:spPr>
+          <a:xfrm>
+            <a:off x="1295400" y="2004184"/>
+            <a:ext cx="3200400" cy="2386308"/>
+          </a:xfrm>
+          <a:prstGeom prst="rect">
+            <a:avLst/>
+          </a:prstGeom>
+        </p:spPr>
+      </p:pic>
+      <p:pic>
+        <p:nvPicPr>
+          <p:cNvPr id="13" name="Picture 12">
+            <a:extLst>
+              <a:ext uri="{FF2B5EF4-FFF2-40B4-BE49-F238E27FC236}">
+                <a16:creationId xmlns:a16="http://schemas.microsoft.com/office/drawing/2014/main" id="{7FA17928-4EAE-2C6F-0C99-5C67EDC2AB39}"/>
+              </a:ext>
+            </a:extLst>
+          </p:cNvPr>
+          <p:cNvPicPr>
+            <a:picLocks noChangeAspect="1"/>
+          </p:cNvPicPr>
+          <p:nvPr/>
+        </p:nvPicPr>
+        <p:blipFill>
+          <a:blip r:embed="rId6"/>
+          <a:stretch>
+            <a:fillRect/>
+          </a:stretch>
+        </p:blipFill>
+        <p:spPr>
+          <a:xfrm>
+            <a:off x="4495800" y="4390902"/>
+            <a:ext cx="3200400" cy="2396459"/>
+          </a:xfrm>
+          <a:prstGeom prst="rect">
+            <a:avLst/>
+          </a:prstGeom>
+        </p:spPr>
+      </p:pic>
+    </p:spTree>
+    <p:extLst>
+      <p:ext uri="{BB962C8B-B14F-4D97-AF65-F5344CB8AC3E}">
+        <p14:creationId xmlns:p14="http://schemas.microsoft.com/office/powerpoint/2010/main" val="1166957128"/>
+      </p:ext>
+    </p:extLst>
+  </p:cSld>
+  <p:clrMapOvr>
+    <a:masterClrMapping/>
+  </p:clrMapOvr>
+  <p:transition spd="med" advTm="63997"/>
+</p:sld>
+</file>
+
+<file path=ppt/slides/slide11.xml><?xml version="1.0" encoding="utf-8"?>
+<p:sld xmlns:a="http://schemas.openxmlformats.org/drawingml/2006/main" xmlns:r="http://schemas.openxmlformats.org/officeDocument/2006/relationships" xmlns:p="http://schemas.openxmlformats.org/presentationml/2006/main">
+  <p:cSld>
+    <p:spTree>
+      <p:nvGrpSpPr>
+        <p:cNvPr id="1" name="">
+          <a:extLst>
+            <a:ext uri="{FF2B5EF4-FFF2-40B4-BE49-F238E27FC236}">
+              <a16:creationId xmlns:a16="http://schemas.microsoft.com/office/drawing/2014/main" id="{AC1F77E0-A72A-D9B7-E0F0-167A00DFB001}"/>
+            </a:ext>
+          </a:extLst>
+        </p:cNvPr>
+        <p:cNvGrpSpPr/>
+        <p:nvPr/>
+      </p:nvGrpSpPr>
+      <p:grpSpPr>
+        <a:xfrm>
+          <a:off x="0" y="0"/>
+          <a:ext cx="0" cy="0"/>
+          <a:chOff x="0" y="0"/>
+          <a:chExt cx="0" cy="0"/>
+        </a:xfrm>
+      </p:grpSpPr>
+      <p:pic>
+        <p:nvPicPr>
+          <p:cNvPr id="4" name="Picture 3">
+            <a:extLst>
+              <a:ext uri="{FF2B5EF4-FFF2-40B4-BE49-F238E27FC236}">
+                <a16:creationId xmlns:a16="http://schemas.microsoft.com/office/drawing/2014/main" id="{797D60A4-F34A-F171-920D-922D62499F64}"/>
+              </a:ext>
+            </a:extLst>
+          </p:cNvPr>
+          <p:cNvPicPr>
+            <a:picLocks noChangeAspect="1"/>
+          </p:cNvPicPr>
+          <p:nvPr/>
+        </p:nvPicPr>
+        <p:blipFill>
+          <a:blip r:embed="rId3"/>
+          <a:stretch>
+            <a:fillRect/>
+          </a:stretch>
+        </p:blipFill>
+        <p:spPr>
+          <a:xfrm>
+            <a:off x="1211723" y="1676400"/>
+            <a:ext cx="3200400" cy="2373502"/>
+          </a:xfrm>
+          <a:prstGeom prst="rect">
+            <a:avLst/>
+          </a:prstGeom>
+        </p:spPr>
+      </p:pic>
+      <p:pic>
+        <p:nvPicPr>
+          <p:cNvPr id="7" name="Picture 6">
+            <a:extLst>
+              <a:ext uri="{FF2B5EF4-FFF2-40B4-BE49-F238E27FC236}">
+                <a16:creationId xmlns:a16="http://schemas.microsoft.com/office/drawing/2014/main" id="{FD08D565-3CBE-5E1F-A671-A1240AF249B7}"/>
+              </a:ext>
+            </a:extLst>
+          </p:cNvPr>
+          <p:cNvPicPr>
+            <a:picLocks noChangeAspect="1"/>
+          </p:cNvPicPr>
+          <p:nvPr/>
+        </p:nvPicPr>
+        <p:blipFill>
+          <a:blip r:embed="rId4"/>
+          <a:stretch>
+            <a:fillRect/>
+          </a:stretch>
+        </p:blipFill>
+        <p:spPr>
+          <a:xfrm>
+            <a:off x="4483718" y="1676400"/>
+            <a:ext cx="3200400" cy="2407969"/>
+          </a:xfrm>
+          <a:prstGeom prst="rect">
+            <a:avLst/>
+          </a:prstGeom>
+        </p:spPr>
+      </p:pic>
+      <p:pic>
+        <p:nvPicPr>
+          <p:cNvPr id="20" name="Picture 19">
+            <a:extLst>
+              <a:ext uri="{FF2B5EF4-FFF2-40B4-BE49-F238E27FC236}">
+                <a16:creationId xmlns:a16="http://schemas.microsoft.com/office/drawing/2014/main" id="{087C6294-9B60-473A-2BBD-1332E9956C68}"/>
+              </a:ext>
+            </a:extLst>
+          </p:cNvPr>
+          <p:cNvPicPr>
+            <a:picLocks noChangeAspect="1"/>
+          </p:cNvPicPr>
+          <p:nvPr/>
+        </p:nvPicPr>
+        <p:blipFill>
+          <a:blip r:embed="rId5"/>
+          <a:stretch>
+            <a:fillRect/>
+          </a:stretch>
+        </p:blipFill>
+        <p:spPr>
+          <a:xfrm>
+            <a:off x="1195115" y="4084369"/>
+            <a:ext cx="3200400" cy="2395203"/>
+          </a:xfrm>
+          <a:prstGeom prst="rect">
+            <a:avLst/>
+          </a:prstGeom>
+        </p:spPr>
+      </p:pic>
+      <p:pic>
+        <p:nvPicPr>
+          <p:cNvPr id="22" name="Picture 21">
+            <a:extLst>
+              <a:ext uri="{FF2B5EF4-FFF2-40B4-BE49-F238E27FC236}">
+                <a16:creationId xmlns:a16="http://schemas.microsoft.com/office/drawing/2014/main" id="{4F0DF793-ACB9-8C48-EA4F-41B8196DE185}"/>
+              </a:ext>
+            </a:extLst>
+          </p:cNvPr>
+          <p:cNvPicPr>
+            <a:picLocks noChangeAspect="1"/>
+          </p:cNvPicPr>
+          <p:nvPr/>
+        </p:nvPicPr>
+        <p:blipFill>
+          <a:blip r:embed="rId6"/>
+          <a:stretch>
+            <a:fillRect/>
+          </a:stretch>
+        </p:blipFill>
+        <p:spPr>
+          <a:xfrm>
+            <a:off x="4488180" y="4084369"/>
+            <a:ext cx="3200400" cy="2420815"/>
+          </a:xfrm>
+          <a:prstGeom prst="rect">
+            <a:avLst/>
+          </a:prstGeom>
+        </p:spPr>
+      </p:pic>
+      <p:sp>
+        <p:nvSpPr>
+          <p:cNvPr id="2" name="Title 1">
+            <a:extLst>
+              <a:ext uri="{FF2B5EF4-FFF2-40B4-BE49-F238E27FC236}">
+                <a16:creationId xmlns:a16="http://schemas.microsoft.com/office/drawing/2014/main" id="{7CD1962D-41C7-8984-8FE7-DBEEF0C4D867}"/>
+              </a:ext>
+            </a:extLst>
+          </p:cNvPr>
+          <p:cNvSpPr>
+            <a:spLocks noGrp="1"/>
+          </p:cNvSpPr>
+          <p:nvPr>
+            <p:ph type="title"/>
+          </p:nvPr>
+        </p:nvSpPr>
+        <p:spPr>
+          <a:xfrm>
+            <a:off x="152400" y="152400"/>
+            <a:ext cx="8610600" cy="838200"/>
+          </a:xfrm>
+        </p:spPr>
+        <p:txBody>
+          <a:bodyPr/>
+          <a:lstStyle/>
+          <a:p>
+            <a:r>
+              <a:rPr lang="en-US" altLang="zh-CN" dirty="0"/>
+              <a:t>Channel</a:t>
+            </a:r>
+            <a:endParaRPr lang="zh-CN" altLang="en-US" dirty="0"/>
+          </a:p>
+        </p:txBody>
+      </p:sp>
+      <p:sp>
+        <p:nvSpPr>
+          <p:cNvPr id="9" name="Rectangle 2">
+            <a:extLst>
+              <a:ext uri="{FF2B5EF4-FFF2-40B4-BE49-F238E27FC236}">
+                <a16:creationId xmlns:a16="http://schemas.microsoft.com/office/drawing/2014/main" id="{B3C7AD1D-37B8-3EB9-D27E-CF2F316B113E}"/>
+              </a:ext>
+            </a:extLst>
+          </p:cNvPr>
+          <p:cNvSpPr>
+            <a:spLocks noChangeArrowheads="1"/>
+          </p:cNvSpPr>
+          <p:nvPr/>
+        </p:nvSpPr>
+        <p:spPr bwMode="auto">
+          <a:xfrm>
+            <a:off x="0" y="0"/>
+            <a:ext cx="9144000" cy="0"/>
+          </a:xfrm>
+          <a:prstGeom prst="rect">
+            <a:avLst/>
+          </a:prstGeom>
+          <a:noFill/>
+          <a:ln>
+            <a:noFill/>
+          </a:ln>
+          <a:effectLst/>
+          <a:extLst>
+            <a:ext uri="{909E8E84-426E-40DD-AFC4-6F175D3DCCD1}">
+              <a14:hiddenFill xmlns:a14="http://schemas.microsoft.com/office/drawing/2010/main">
+                <a:solidFill>
+                  <a:schemeClr val="accent1"/>
+                </a:solidFill>
+              </a14:hiddenFill>
+            </a:ext>
+            <a:ext uri="{91240B29-F687-4F45-9708-019B960494DF}">
+              <a14:hiddenLine xmlns:a14="http://schemas.microsoft.com/office/drawing/2010/main" w="9525">
+                <a:solidFill>
+                  <a:schemeClr val="tx1"/>
+                </a:solidFill>
+                <a:miter lim="800000"/>
+                <a:headEnd/>
+                <a:tailEnd/>
+              </a14:hiddenLine>
+            </a:ext>
+            <a:ext uri="{AF507438-7753-43E0-B8FC-AC1667EBCBE1}">
+              <a14:hiddenEffects xmlns:a14="http://schemas.microsoft.com/office/drawing/2010/main">
+                <a:effectLst>
+                  <a:outerShdw dist="35921" dir="2700000" algn="ctr" rotWithShape="0">
+                    <a:schemeClr val="bg2"/>
+                  </a:outerShdw>
+                </a:effectLst>
+              </a14:hiddenEffects>
+            </a:ext>
+          </a:extLst>
+        </p:spPr>
+        <p:txBody>
+          <a:bodyPr vert="horz" wrap="none" lIns="91440" tIns="45720" rIns="91440" bIns="45720" numCol="1" anchor="ctr" anchorCtr="0" compatLnSpc="1">
+            <a:prstTxWarp prst="textNoShape">
+              <a:avLst/>
+            </a:prstTxWarp>
+            <a:spAutoFit/>
+          </a:bodyPr>
+          <a:lstStyle/>
+          <a:p>
+            <a:endParaRPr lang="zh-CN" altLang="en-US"/>
+          </a:p>
+        </p:txBody>
+      </p:sp>
+      <p:sp>
+        <p:nvSpPr>
+          <p:cNvPr id="18" name="内容占位符 2">
+            <a:extLst>
+              <a:ext uri="{FF2B5EF4-FFF2-40B4-BE49-F238E27FC236}">
+                <a16:creationId xmlns:a16="http://schemas.microsoft.com/office/drawing/2014/main" id="{8CE674CA-02F4-8EA6-60C0-3C0A90B64F32}"/>
+              </a:ext>
+            </a:extLst>
+          </p:cNvPr>
+          <p:cNvSpPr txBox="1">
+            <a:spLocks/>
+          </p:cNvSpPr>
+          <p:nvPr/>
+        </p:nvSpPr>
+        <p:spPr bwMode="auto">
+          <a:xfrm>
+            <a:off x="93652" y="1068111"/>
+            <a:ext cx="9050348" cy="1446487"/>
+          </a:xfrm>
+          <a:prstGeom prst="rect">
+            <a:avLst/>
+          </a:prstGeom>
+          <a:noFill/>
+          <a:ln>
+            <a:noFill/>
+          </a:ln>
+          <a:extLst>
+            <a:ext uri="{909E8E84-426E-40DD-AFC4-6F175D3DCCD1}">
+              <a14:hiddenFill xmlns:a14="http://schemas.microsoft.com/office/drawing/2010/main">
+                <a:solidFill>
+                  <a:srgbClr val="FFFFFF"/>
+                </a:solidFill>
+              </a14:hiddenFill>
+            </a:ext>
+            <a:ext uri="{91240B29-F687-4F45-9708-019B960494DF}">
+              <a14:hiddenLine xmlns:a14="http://schemas.microsoft.com/office/drawing/2010/main" w="28575">
+                <a:solidFill>
+                  <a:srgbClr val="000000"/>
+                </a:solidFill>
+                <a:miter lim="800000"/>
+                <a:headEnd/>
+                <a:tailEnd/>
+              </a14:hiddenLine>
+            </a:ext>
+          </a:extLst>
+        </p:spPr>
+        <p:txBody>
+          <a:bodyPr vert="horz" wrap="square" lIns="91440" tIns="45720" rIns="91440" bIns="45720" numCol="1" anchor="t" anchorCtr="0" compatLnSpc="1">
+            <a:prstTxWarp prst="textNoShape">
+              <a:avLst/>
+            </a:prstTxWarp>
+          </a:bodyPr>
+          <a:lstStyle>
+            <a:lvl1pPr marL="342900" indent="-342900" algn="l" rtl="0" eaLnBrk="1" fontAlgn="base" hangingPunct="1">
+              <a:spcBef>
+                <a:spcPct val="30000"/>
+              </a:spcBef>
+              <a:spcAft>
+                <a:spcPct val="0"/>
+              </a:spcAft>
+              <a:buClr>
+                <a:schemeClr val="hlink"/>
+              </a:buClr>
+              <a:buFont typeface="Wingdings" pitchFamily="2" charset="2"/>
+              <a:buChar char="§"/>
+              <a:defRPr sz="3200">
+                <a:solidFill>
+                  <a:srgbClr val="000066"/>
+                </a:solidFill>
+                <a:latin typeface="微软雅黑" pitchFamily="34" charset="-122"/>
+                <a:ea typeface="微软雅黑" pitchFamily="34" charset="-122"/>
+                <a:cs typeface="+mn-cs"/>
+              </a:defRPr>
+            </a:lvl1pPr>
+            <a:lvl2pPr marL="742950" indent="-285750" algn="l" rtl="0" eaLnBrk="1" fontAlgn="base" hangingPunct="1">
+              <a:spcBef>
+                <a:spcPct val="30000"/>
+              </a:spcBef>
+              <a:spcAft>
+                <a:spcPct val="0"/>
+              </a:spcAft>
+              <a:buClr>
+                <a:schemeClr val="tx2"/>
+              </a:buClr>
+              <a:buSzPct val="85000"/>
+              <a:buFont typeface="Wingdings" pitchFamily="2" charset="2"/>
+              <a:buChar char="Ø"/>
+              <a:defRPr sz="2800">
+                <a:solidFill>
+                  <a:srgbClr val="006666"/>
+                </a:solidFill>
+                <a:latin typeface="微软雅黑" pitchFamily="34" charset="-122"/>
+                <a:ea typeface="微软雅黑" pitchFamily="34" charset="-122"/>
+              </a:defRPr>
+            </a:lvl2pPr>
+            <a:lvl3pPr marL="1143000" indent="-228600" algn="l" rtl="0" eaLnBrk="1" fontAlgn="base" hangingPunct="1">
+              <a:spcBef>
+                <a:spcPct val="30000"/>
+              </a:spcBef>
+              <a:spcAft>
+                <a:spcPct val="0"/>
+              </a:spcAft>
+              <a:buClr>
+                <a:schemeClr val="hlink"/>
+              </a:buClr>
+              <a:buSzPct val="95000"/>
+              <a:buFont typeface="Wingdings 2" pitchFamily="18" charset="2"/>
+              <a:buChar char="¡"/>
+              <a:defRPr sz="2400">
+                <a:solidFill>
+                  <a:schemeClr val="hlink"/>
+                </a:solidFill>
+                <a:latin typeface="微软雅黑" pitchFamily="34" charset="-122"/>
+                <a:ea typeface="微软雅黑" pitchFamily="34" charset="-122"/>
+              </a:defRPr>
+            </a:lvl3pPr>
+            <a:lvl4pPr marL="1600200" indent="-228600" algn="l" rtl="0" eaLnBrk="1" fontAlgn="base" hangingPunct="1">
+              <a:spcBef>
+                <a:spcPct val="30000"/>
+              </a:spcBef>
+              <a:spcAft>
+                <a:spcPct val="0"/>
+              </a:spcAft>
+              <a:buClr>
+                <a:schemeClr val="tx2"/>
+              </a:buClr>
+              <a:buSzPct val="90000"/>
+              <a:buFont typeface="Wingdings" pitchFamily="2" charset="2"/>
+              <a:buChar char="Ø"/>
+              <a:defRPr sz="2000">
+                <a:solidFill>
+                  <a:srgbClr val="990099"/>
+                </a:solidFill>
+                <a:latin typeface="微软雅黑" pitchFamily="34" charset="-122"/>
+                <a:ea typeface="微软雅黑" pitchFamily="34" charset="-122"/>
+              </a:defRPr>
+            </a:lvl4pPr>
+            <a:lvl5pPr marL="2057400" indent="-228600" algn="l" rtl="0" eaLnBrk="1" fontAlgn="base" hangingPunct="1">
+              <a:spcBef>
+                <a:spcPct val="30000"/>
+              </a:spcBef>
+              <a:spcAft>
+                <a:spcPct val="0"/>
+              </a:spcAft>
+              <a:buClr>
+                <a:schemeClr val="hlink"/>
+              </a:buClr>
+              <a:buFont typeface="Wingdings 2" pitchFamily="18" charset="2"/>
+              <a:buChar char="¡"/>
+              <a:defRPr sz="2000">
+                <a:solidFill>
+                  <a:schemeClr val="tx1"/>
+                </a:solidFill>
+                <a:latin typeface="微软雅黑" pitchFamily="34" charset="-122"/>
+                <a:ea typeface="微软雅黑" pitchFamily="34" charset="-122"/>
+              </a:defRPr>
+            </a:lvl5pPr>
+            <a:lvl6pPr marL="2514600" indent="-228600" algn="l" rtl="0" eaLnBrk="1" fontAlgn="base" hangingPunct="1">
+              <a:spcBef>
+                <a:spcPct val="30000"/>
+              </a:spcBef>
+              <a:spcAft>
+                <a:spcPct val="0"/>
+              </a:spcAft>
+              <a:buClr>
+                <a:schemeClr val="hlink"/>
+              </a:buClr>
+              <a:buFont typeface="Wingdings 2" pitchFamily="18" charset="2"/>
+              <a:buChar char="¡"/>
+              <a:defRPr sz="2000">
+                <a:solidFill>
+                  <a:schemeClr val="tx1"/>
+                </a:solidFill>
+                <a:latin typeface="+mn-lt"/>
+                <a:ea typeface="+mn-ea"/>
+              </a:defRPr>
+            </a:lvl6pPr>
+            <a:lvl7pPr marL="2971800" indent="-228600" algn="l" rtl="0" eaLnBrk="1" fontAlgn="base" hangingPunct="1">
+              <a:spcBef>
+                <a:spcPct val="30000"/>
+              </a:spcBef>
+              <a:spcAft>
+                <a:spcPct val="0"/>
+              </a:spcAft>
+              <a:buClr>
+                <a:schemeClr val="hlink"/>
+              </a:buClr>
+              <a:buFont typeface="Wingdings 2" pitchFamily="18" charset="2"/>
+              <a:buChar char="¡"/>
+              <a:defRPr sz="2000">
+                <a:solidFill>
+                  <a:schemeClr val="tx1"/>
+                </a:solidFill>
+                <a:latin typeface="+mn-lt"/>
+                <a:ea typeface="+mn-ea"/>
+              </a:defRPr>
+            </a:lvl7pPr>
+            <a:lvl8pPr marL="3429000" indent="-228600" algn="l" rtl="0" eaLnBrk="1" fontAlgn="base" hangingPunct="1">
+              <a:spcBef>
+                <a:spcPct val="30000"/>
+              </a:spcBef>
+              <a:spcAft>
+                <a:spcPct val="0"/>
+              </a:spcAft>
+              <a:buClr>
+                <a:schemeClr val="hlink"/>
+              </a:buClr>
+              <a:buFont typeface="Wingdings 2" pitchFamily="18" charset="2"/>
+              <a:buChar char="¡"/>
+              <a:defRPr sz="2000">
+                <a:solidFill>
+                  <a:schemeClr val="tx1"/>
+                </a:solidFill>
+                <a:latin typeface="+mn-lt"/>
+                <a:ea typeface="+mn-ea"/>
+              </a:defRPr>
+            </a:lvl8pPr>
+            <a:lvl9pPr marL="3886200" indent="-228600" algn="l" rtl="0" eaLnBrk="1" fontAlgn="base" hangingPunct="1">
+              <a:spcBef>
+                <a:spcPct val="30000"/>
+              </a:spcBef>
+              <a:spcAft>
+                <a:spcPct val="0"/>
+              </a:spcAft>
+              <a:buClr>
+                <a:schemeClr val="hlink"/>
+              </a:buClr>
+              <a:buFont typeface="Wingdings 2" pitchFamily="18" charset="2"/>
+              <a:buChar char="¡"/>
+              <a:defRPr sz="2000">
+                <a:solidFill>
+                  <a:schemeClr val="tx1"/>
+                </a:solidFill>
+                <a:latin typeface="+mn-lt"/>
+                <a:ea typeface="+mn-ea"/>
+              </a:defRPr>
+            </a:lvl9pPr>
+          </a:lstStyle>
+          <a:p>
+            <a:r>
+              <a:rPr lang="en-US" altLang="zh-CN" sz="2400" kern="0" dirty="0">
+                <a:latin typeface="+mn-lt"/>
+                <a:cs typeface="Times New Roman" panose="02020603050405020304" pitchFamily="18" charset="0"/>
+              </a:rPr>
+              <a:t>Wall model</a:t>
+            </a:r>
+            <a:endParaRPr lang="en-US" altLang="zh-CN" sz="2000" kern="0" dirty="0">
+              <a:latin typeface="+mn-lt"/>
+              <a:cs typeface="Times New Roman" panose="02020603050405020304" pitchFamily="18" charset="0"/>
+            </a:endParaRPr>
+          </a:p>
+        </p:txBody>
+      </p:sp>
+      <p:sp>
+        <p:nvSpPr>
+          <p:cNvPr id="14" name="TextBox 13">
+            <a:extLst>
+              <a:ext uri="{FF2B5EF4-FFF2-40B4-BE49-F238E27FC236}">
+                <a16:creationId xmlns:a16="http://schemas.microsoft.com/office/drawing/2014/main" id="{DD7D4A30-2C1F-72E6-2C33-40F24BACB839}"/>
+              </a:ext>
+            </a:extLst>
+          </p:cNvPr>
+          <p:cNvSpPr txBox="1"/>
+          <p:nvPr/>
+        </p:nvSpPr>
+        <p:spPr>
+          <a:xfrm>
+            <a:off x="2171184" y="2704269"/>
+            <a:ext cx="1334533" cy="369332"/>
+          </a:xfrm>
+          <a:prstGeom prst="rect">
+            <a:avLst/>
+          </a:prstGeom>
+          <a:noFill/>
+        </p:spPr>
+        <p:txBody>
+          <a:bodyPr wrap="none" rtlCol="0">
+            <a:spAutoFit/>
+          </a:bodyPr>
+          <a:lstStyle/>
+          <a:p>
+            <a:r>
+              <a:rPr lang="en-US" dirty="0"/>
+              <a:t>RETAU180</a:t>
+            </a:r>
+          </a:p>
+        </p:txBody>
+      </p:sp>
+      <p:sp>
+        <p:nvSpPr>
+          <p:cNvPr id="15" name="TextBox 14">
+            <a:extLst>
+              <a:ext uri="{FF2B5EF4-FFF2-40B4-BE49-F238E27FC236}">
+                <a16:creationId xmlns:a16="http://schemas.microsoft.com/office/drawing/2014/main" id="{B74A4548-3C20-E14E-FBEC-CD5F572CCD92}"/>
+              </a:ext>
+            </a:extLst>
+          </p:cNvPr>
+          <p:cNvSpPr txBox="1"/>
+          <p:nvPr/>
+        </p:nvSpPr>
+        <p:spPr>
+          <a:xfrm>
+            <a:off x="5352533" y="2664001"/>
+            <a:ext cx="1334533" cy="369332"/>
+          </a:xfrm>
+          <a:prstGeom prst="rect">
+            <a:avLst/>
+          </a:prstGeom>
+          <a:noFill/>
+        </p:spPr>
+        <p:txBody>
+          <a:bodyPr wrap="none" rtlCol="0">
+            <a:spAutoFit/>
+          </a:bodyPr>
+          <a:lstStyle/>
+          <a:p>
+            <a:r>
+              <a:rPr lang="en-US" dirty="0"/>
+              <a:t>RETAU550</a:t>
+            </a:r>
+          </a:p>
+        </p:txBody>
+      </p:sp>
+      <p:sp>
+        <p:nvSpPr>
+          <p:cNvPr id="16" name="TextBox 15">
+            <a:extLst>
+              <a:ext uri="{FF2B5EF4-FFF2-40B4-BE49-F238E27FC236}">
+                <a16:creationId xmlns:a16="http://schemas.microsoft.com/office/drawing/2014/main" id="{928D889C-DF25-351A-4CA2-B7F55A743571}"/>
+              </a:ext>
+            </a:extLst>
+          </p:cNvPr>
+          <p:cNvSpPr txBox="1"/>
+          <p:nvPr/>
+        </p:nvSpPr>
+        <p:spPr>
+          <a:xfrm>
+            <a:off x="2209800" y="5026203"/>
+            <a:ext cx="1462773" cy="369332"/>
+          </a:xfrm>
+          <a:prstGeom prst="rect">
+            <a:avLst/>
+          </a:prstGeom>
+          <a:noFill/>
+        </p:spPr>
+        <p:txBody>
+          <a:bodyPr wrap="none" rtlCol="0">
+            <a:spAutoFit/>
+          </a:bodyPr>
+          <a:lstStyle/>
+          <a:p>
+            <a:r>
+              <a:rPr lang="en-US" dirty="0"/>
+              <a:t>RETAU1000</a:t>
+            </a:r>
+          </a:p>
+        </p:txBody>
+      </p:sp>
+      <p:sp>
+        <p:nvSpPr>
+          <p:cNvPr id="17" name="TextBox 16">
+            <a:extLst>
+              <a:ext uri="{FF2B5EF4-FFF2-40B4-BE49-F238E27FC236}">
+                <a16:creationId xmlns:a16="http://schemas.microsoft.com/office/drawing/2014/main" id="{790735DE-AB7A-6962-59D0-1173EC7A4AC3}"/>
+              </a:ext>
+            </a:extLst>
+          </p:cNvPr>
+          <p:cNvSpPr txBox="1"/>
+          <p:nvPr/>
+        </p:nvSpPr>
+        <p:spPr>
+          <a:xfrm>
+            <a:off x="5352532" y="5012193"/>
+            <a:ext cx="1462773" cy="369332"/>
+          </a:xfrm>
+          <a:prstGeom prst="rect">
+            <a:avLst/>
+          </a:prstGeom>
+          <a:noFill/>
+        </p:spPr>
+        <p:txBody>
+          <a:bodyPr wrap="none" rtlCol="0">
+            <a:spAutoFit/>
+          </a:bodyPr>
+          <a:lstStyle/>
+          <a:p>
+            <a:r>
+              <a:rPr lang="en-US" dirty="0"/>
+              <a:t>RETAU5200</a:t>
+            </a:r>
+          </a:p>
+        </p:txBody>
+      </p:sp>
+    </p:spTree>
+    <p:extLst>
+      <p:ext uri="{BB962C8B-B14F-4D97-AF65-F5344CB8AC3E}">
+        <p14:creationId xmlns:p14="http://schemas.microsoft.com/office/powerpoint/2010/main" val="790753085"/>
+      </p:ext>
+    </p:extLst>
+  </p:cSld>
+  <p:clrMapOvr>
+    <a:masterClrMapping/>
+  </p:clrMapOvr>
+  <p:transition spd="med" advTm="63997"/>
+</p:sld>
+</file>
+
+<file path=ppt/slides/slide12.xml><?xml version="1.0" encoding="utf-8"?>
+<p:sld xmlns:a="http://schemas.openxmlformats.org/drawingml/2006/main" xmlns:r="http://schemas.openxmlformats.org/officeDocument/2006/relationships" xmlns:p="http://schemas.openxmlformats.org/presentationml/2006/main">
+  <p:cSld>
+    <p:spTree>
+      <p:nvGrpSpPr>
+        <p:cNvPr id="1" name="">
+          <a:extLst>
+            <a:ext uri="{FF2B5EF4-FFF2-40B4-BE49-F238E27FC236}">
+              <a16:creationId xmlns:a16="http://schemas.microsoft.com/office/drawing/2014/main" id="{B8E2A31D-06EF-EDF5-F976-05230CFA58CE}"/>
+            </a:ext>
+          </a:extLst>
+        </p:cNvPr>
+        <p:cNvGrpSpPr/>
+        <p:nvPr/>
+      </p:nvGrpSpPr>
+      <p:grpSpPr>
+        <a:xfrm>
+          <a:off x="0" y="0"/>
+          <a:ext cx="0" cy="0"/>
+          <a:chOff x="0" y="0"/>
+          <a:chExt cx="0" cy="0"/>
+        </a:xfrm>
+      </p:grpSpPr>
+      <p:pic>
+        <p:nvPicPr>
+          <p:cNvPr id="13" name="Picture 12">
+            <a:extLst>
+              <a:ext uri="{FF2B5EF4-FFF2-40B4-BE49-F238E27FC236}">
+                <a16:creationId xmlns:a16="http://schemas.microsoft.com/office/drawing/2014/main" id="{AA3E92A2-DFE0-7CE9-344E-646126582000}"/>
+              </a:ext>
+            </a:extLst>
+          </p:cNvPr>
+          <p:cNvPicPr>
+            <a:picLocks noChangeAspect="1"/>
+          </p:cNvPicPr>
+          <p:nvPr/>
+        </p:nvPicPr>
+        <p:blipFill>
+          <a:blip r:embed="rId3"/>
+          <a:stretch>
+            <a:fillRect/>
+          </a:stretch>
+        </p:blipFill>
+        <p:spPr>
+          <a:xfrm>
+            <a:off x="1143000" y="1595482"/>
+            <a:ext cx="3200400" cy="2401580"/>
+          </a:xfrm>
+          <a:prstGeom prst="rect">
+            <a:avLst/>
+          </a:prstGeom>
+        </p:spPr>
+      </p:pic>
+      <p:pic>
+        <p:nvPicPr>
+          <p:cNvPr id="4" name="Picture 3">
+            <a:extLst>
+              <a:ext uri="{FF2B5EF4-FFF2-40B4-BE49-F238E27FC236}">
+                <a16:creationId xmlns:a16="http://schemas.microsoft.com/office/drawing/2014/main" id="{38BA0178-AC9A-F7CE-C496-80603446D2AB}"/>
+              </a:ext>
+            </a:extLst>
+          </p:cNvPr>
+          <p:cNvPicPr>
+            <a:picLocks noChangeAspect="1"/>
+          </p:cNvPicPr>
+          <p:nvPr/>
+        </p:nvPicPr>
+        <p:blipFill>
+          <a:blip r:embed="rId4"/>
+          <a:stretch>
+            <a:fillRect/>
+          </a:stretch>
+        </p:blipFill>
+        <p:spPr>
+          <a:xfrm>
+            <a:off x="4343400" y="1595482"/>
+            <a:ext cx="3200400" cy="2405429"/>
+          </a:xfrm>
+          <a:prstGeom prst="rect">
+            <a:avLst/>
+          </a:prstGeom>
+        </p:spPr>
+      </p:pic>
+      <p:pic>
+        <p:nvPicPr>
+          <p:cNvPr id="6" name="Picture 5">
+            <a:extLst>
+              <a:ext uri="{FF2B5EF4-FFF2-40B4-BE49-F238E27FC236}">
+                <a16:creationId xmlns:a16="http://schemas.microsoft.com/office/drawing/2014/main" id="{ADAF67AC-B637-B602-B61E-26C39505AE26}"/>
+              </a:ext>
+            </a:extLst>
+          </p:cNvPr>
+          <p:cNvPicPr>
+            <a:picLocks noChangeAspect="1"/>
+          </p:cNvPicPr>
+          <p:nvPr/>
+        </p:nvPicPr>
+        <p:blipFill>
+          <a:blip r:embed="rId5"/>
+          <a:stretch>
+            <a:fillRect/>
+          </a:stretch>
+        </p:blipFill>
+        <p:spPr>
+          <a:xfrm>
+            <a:off x="1143000" y="4084568"/>
+            <a:ext cx="3200400" cy="2422202"/>
+          </a:xfrm>
+          <a:prstGeom prst="rect">
+            <a:avLst/>
+          </a:prstGeom>
+        </p:spPr>
+      </p:pic>
+      <p:pic>
+        <p:nvPicPr>
+          <p:cNvPr id="10" name="Picture 9">
+            <a:extLst>
+              <a:ext uri="{FF2B5EF4-FFF2-40B4-BE49-F238E27FC236}">
+                <a16:creationId xmlns:a16="http://schemas.microsoft.com/office/drawing/2014/main" id="{DE581D4A-7279-2006-1A04-48DFDE2A503C}"/>
+              </a:ext>
+            </a:extLst>
+          </p:cNvPr>
+          <p:cNvPicPr>
+            <a:picLocks noChangeAspect="1"/>
+          </p:cNvPicPr>
+          <p:nvPr/>
+        </p:nvPicPr>
+        <p:blipFill>
+          <a:blip r:embed="rId6"/>
+          <a:stretch>
+            <a:fillRect/>
+          </a:stretch>
+        </p:blipFill>
+        <p:spPr>
+          <a:xfrm>
+            <a:off x="4343400" y="4107804"/>
+            <a:ext cx="3200400" cy="2406700"/>
+          </a:xfrm>
+          <a:prstGeom prst="rect">
+            <a:avLst/>
+          </a:prstGeom>
+        </p:spPr>
+      </p:pic>
+      <p:sp>
+        <p:nvSpPr>
+          <p:cNvPr id="2" name="Title 1">
+            <a:extLst>
+              <a:ext uri="{FF2B5EF4-FFF2-40B4-BE49-F238E27FC236}">
+                <a16:creationId xmlns:a16="http://schemas.microsoft.com/office/drawing/2014/main" id="{5F7D8DA0-C082-EFB6-2D50-4B117CBADD11}"/>
+              </a:ext>
+            </a:extLst>
+          </p:cNvPr>
+          <p:cNvSpPr>
+            <a:spLocks noGrp="1"/>
+          </p:cNvSpPr>
+          <p:nvPr>
+            <p:ph type="title"/>
+          </p:nvPr>
+        </p:nvSpPr>
+        <p:spPr>
+          <a:xfrm>
+            <a:off x="152400" y="152400"/>
+            <a:ext cx="8610600" cy="838200"/>
+          </a:xfrm>
+        </p:spPr>
+        <p:txBody>
+          <a:bodyPr/>
+          <a:lstStyle/>
+          <a:p>
+            <a:r>
+              <a:rPr lang="en-US" altLang="zh-CN" dirty="0"/>
+              <a:t>Channel</a:t>
+            </a:r>
+            <a:endParaRPr lang="zh-CN" altLang="en-US" dirty="0"/>
+          </a:p>
+        </p:txBody>
+      </p:sp>
+      <p:sp>
+        <p:nvSpPr>
+          <p:cNvPr id="9" name="Rectangle 2">
+            <a:extLst>
+              <a:ext uri="{FF2B5EF4-FFF2-40B4-BE49-F238E27FC236}">
+                <a16:creationId xmlns:a16="http://schemas.microsoft.com/office/drawing/2014/main" id="{E6F3BC53-E44F-D3BC-3EA2-FB408B327182}"/>
+              </a:ext>
+            </a:extLst>
+          </p:cNvPr>
+          <p:cNvSpPr>
+            <a:spLocks noChangeArrowheads="1"/>
+          </p:cNvSpPr>
+          <p:nvPr/>
+        </p:nvSpPr>
+        <p:spPr bwMode="auto">
+          <a:xfrm>
+            <a:off x="0" y="0"/>
+            <a:ext cx="9144000" cy="0"/>
+          </a:xfrm>
+          <a:prstGeom prst="rect">
+            <a:avLst/>
+          </a:prstGeom>
+          <a:noFill/>
+          <a:ln>
+            <a:noFill/>
+          </a:ln>
+          <a:effectLst/>
+          <a:extLst>
+            <a:ext uri="{909E8E84-426E-40DD-AFC4-6F175D3DCCD1}">
+              <a14:hiddenFill xmlns:a14="http://schemas.microsoft.com/office/drawing/2010/main">
+                <a:solidFill>
+                  <a:schemeClr val="accent1"/>
+                </a:solidFill>
+              </a14:hiddenFill>
+            </a:ext>
+            <a:ext uri="{91240B29-F687-4F45-9708-019B960494DF}">
+              <a14:hiddenLine xmlns:a14="http://schemas.microsoft.com/office/drawing/2010/main" w="9525">
+                <a:solidFill>
+                  <a:schemeClr val="tx1"/>
+                </a:solidFill>
+                <a:miter lim="800000"/>
+                <a:headEnd/>
+                <a:tailEnd/>
+              </a14:hiddenLine>
+            </a:ext>
+            <a:ext uri="{AF507438-7753-43E0-B8FC-AC1667EBCBE1}">
+              <a14:hiddenEffects xmlns:a14="http://schemas.microsoft.com/office/drawing/2010/main">
+                <a:effectLst>
+                  <a:outerShdw dist="35921" dir="2700000" algn="ctr" rotWithShape="0">
+                    <a:schemeClr val="bg2"/>
+                  </a:outerShdw>
+                </a:effectLst>
+              </a14:hiddenEffects>
+            </a:ext>
+          </a:extLst>
+        </p:spPr>
+        <p:txBody>
+          <a:bodyPr vert="horz" wrap="none" lIns="91440" tIns="45720" rIns="91440" bIns="45720" numCol="1" anchor="ctr" anchorCtr="0" compatLnSpc="1">
+            <a:prstTxWarp prst="textNoShape">
+              <a:avLst/>
+            </a:prstTxWarp>
+            <a:spAutoFit/>
+          </a:bodyPr>
+          <a:lstStyle/>
+          <a:p>
+            <a:endParaRPr lang="zh-CN" altLang="en-US"/>
+          </a:p>
+        </p:txBody>
+      </p:sp>
+      <p:sp>
+        <p:nvSpPr>
+          <p:cNvPr id="18" name="内容占位符 2">
+            <a:extLst>
+              <a:ext uri="{FF2B5EF4-FFF2-40B4-BE49-F238E27FC236}">
+                <a16:creationId xmlns:a16="http://schemas.microsoft.com/office/drawing/2014/main" id="{7B818FB2-A40F-DFB7-1A9B-B79EC2DDEBB5}"/>
+              </a:ext>
+            </a:extLst>
+          </p:cNvPr>
+          <p:cNvSpPr txBox="1">
+            <a:spLocks/>
+          </p:cNvSpPr>
+          <p:nvPr/>
+        </p:nvSpPr>
+        <p:spPr bwMode="auto">
+          <a:xfrm>
+            <a:off x="93652" y="1068112"/>
+            <a:ext cx="9050348" cy="532088"/>
+          </a:xfrm>
+          <a:prstGeom prst="rect">
+            <a:avLst/>
+          </a:prstGeom>
+          <a:noFill/>
+          <a:ln>
+            <a:noFill/>
+          </a:ln>
+          <a:extLst>
+            <a:ext uri="{909E8E84-426E-40DD-AFC4-6F175D3DCCD1}">
+              <a14:hiddenFill xmlns:a14="http://schemas.microsoft.com/office/drawing/2010/main">
+                <a:solidFill>
+                  <a:srgbClr val="FFFFFF"/>
+                </a:solidFill>
+              </a14:hiddenFill>
+            </a:ext>
+            <a:ext uri="{91240B29-F687-4F45-9708-019B960494DF}">
+              <a14:hiddenLine xmlns:a14="http://schemas.microsoft.com/office/drawing/2010/main" w="28575">
+                <a:solidFill>
+                  <a:srgbClr val="000000"/>
+                </a:solidFill>
+                <a:miter lim="800000"/>
+                <a:headEnd/>
+                <a:tailEnd/>
+              </a14:hiddenLine>
+            </a:ext>
+          </a:extLst>
+        </p:spPr>
+        <p:txBody>
+          <a:bodyPr vert="horz" wrap="square" lIns="91440" tIns="45720" rIns="91440" bIns="45720" numCol="1" anchor="t" anchorCtr="0" compatLnSpc="1">
+            <a:prstTxWarp prst="textNoShape">
+              <a:avLst/>
+            </a:prstTxWarp>
+          </a:bodyPr>
+          <a:lstStyle>
+            <a:lvl1pPr marL="342900" indent="-342900" algn="l" rtl="0" eaLnBrk="1" fontAlgn="base" hangingPunct="1">
+              <a:spcBef>
+                <a:spcPct val="30000"/>
+              </a:spcBef>
+              <a:spcAft>
+                <a:spcPct val="0"/>
+              </a:spcAft>
+              <a:buClr>
+                <a:schemeClr val="hlink"/>
+              </a:buClr>
+              <a:buFont typeface="Wingdings" pitchFamily="2" charset="2"/>
+              <a:buChar char="§"/>
+              <a:defRPr sz="3200">
+                <a:solidFill>
+                  <a:srgbClr val="000066"/>
+                </a:solidFill>
+                <a:latin typeface="微软雅黑" pitchFamily="34" charset="-122"/>
+                <a:ea typeface="微软雅黑" pitchFamily="34" charset="-122"/>
+                <a:cs typeface="+mn-cs"/>
+              </a:defRPr>
+            </a:lvl1pPr>
+            <a:lvl2pPr marL="742950" indent="-285750" algn="l" rtl="0" eaLnBrk="1" fontAlgn="base" hangingPunct="1">
+              <a:spcBef>
+                <a:spcPct val="30000"/>
+              </a:spcBef>
+              <a:spcAft>
+                <a:spcPct val="0"/>
+              </a:spcAft>
+              <a:buClr>
+                <a:schemeClr val="tx2"/>
+              </a:buClr>
+              <a:buSzPct val="85000"/>
+              <a:buFont typeface="Wingdings" pitchFamily="2" charset="2"/>
+              <a:buChar char="Ø"/>
+              <a:defRPr sz="2800">
+                <a:solidFill>
+                  <a:srgbClr val="006666"/>
+                </a:solidFill>
+                <a:latin typeface="微软雅黑" pitchFamily="34" charset="-122"/>
+                <a:ea typeface="微软雅黑" pitchFamily="34" charset="-122"/>
+              </a:defRPr>
+            </a:lvl2pPr>
+            <a:lvl3pPr marL="1143000" indent="-228600" algn="l" rtl="0" eaLnBrk="1" fontAlgn="base" hangingPunct="1">
+              <a:spcBef>
+                <a:spcPct val="30000"/>
+              </a:spcBef>
+              <a:spcAft>
+                <a:spcPct val="0"/>
+              </a:spcAft>
+              <a:buClr>
+                <a:schemeClr val="hlink"/>
+              </a:buClr>
+              <a:buSzPct val="95000"/>
+              <a:buFont typeface="Wingdings 2" pitchFamily="18" charset="2"/>
+              <a:buChar char="¡"/>
+              <a:defRPr sz="2400">
+                <a:solidFill>
+                  <a:schemeClr val="hlink"/>
+                </a:solidFill>
+                <a:latin typeface="微软雅黑" pitchFamily="34" charset="-122"/>
+                <a:ea typeface="微软雅黑" pitchFamily="34" charset="-122"/>
+              </a:defRPr>
+            </a:lvl3pPr>
+            <a:lvl4pPr marL="1600200" indent="-228600" algn="l" rtl="0" eaLnBrk="1" fontAlgn="base" hangingPunct="1">
+              <a:spcBef>
+                <a:spcPct val="30000"/>
+              </a:spcBef>
+              <a:spcAft>
+                <a:spcPct val="0"/>
+              </a:spcAft>
+              <a:buClr>
+                <a:schemeClr val="tx2"/>
+              </a:buClr>
+              <a:buSzPct val="90000"/>
+              <a:buFont typeface="Wingdings" pitchFamily="2" charset="2"/>
+              <a:buChar char="Ø"/>
+              <a:defRPr sz="2000">
+                <a:solidFill>
+                  <a:srgbClr val="990099"/>
+                </a:solidFill>
+                <a:latin typeface="微软雅黑" pitchFamily="34" charset="-122"/>
+                <a:ea typeface="微软雅黑" pitchFamily="34" charset="-122"/>
+              </a:defRPr>
+            </a:lvl4pPr>
+            <a:lvl5pPr marL="2057400" indent="-228600" algn="l" rtl="0" eaLnBrk="1" fontAlgn="base" hangingPunct="1">
+              <a:spcBef>
+                <a:spcPct val="30000"/>
+              </a:spcBef>
+              <a:spcAft>
+                <a:spcPct val="0"/>
+              </a:spcAft>
+              <a:buClr>
+                <a:schemeClr val="hlink"/>
+              </a:buClr>
+              <a:buFont typeface="Wingdings 2" pitchFamily="18" charset="2"/>
+              <a:buChar char="¡"/>
+              <a:defRPr sz="2000">
+                <a:solidFill>
+                  <a:schemeClr val="tx1"/>
+                </a:solidFill>
+                <a:latin typeface="微软雅黑" pitchFamily="34" charset="-122"/>
+                <a:ea typeface="微软雅黑" pitchFamily="34" charset="-122"/>
+              </a:defRPr>
+            </a:lvl5pPr>
+            <a:lvl6pPr marL="2514600" indent="-228600" algn="l" rtl="0" eaLnBrk="1" fontAlgn="base" hangingPunct="1">
+              <a:spcBef>
+                <a:spcPct val="30000"/>
+              </a:spcBef>
+              <a:spcAft>
+                <a:spcPct val="0"/>
+              </a:spcAft>
+              <a:buClr>
+                <a:schemeClr val="hlink"/>
+              </a:buClr>
+              <a:buFont typeface="Wingdings 2" pitchFamily="18" charset="2"/>
+              <a:buChar char="¡"/>
+              <a:defRPr sz="2000">
+                <a:solidFill>
+                  <a:schemeClr val="tx1"/>
+                </a:solidFill>
+                <a:latin typeface="+mn-lt"/>
+                <a:ea typeface="+mn-ea"/>
+              </a:defRPr>
+            </a:lvl6pPr>
+            <a:lvl7pPr marL="2971800" indent="-228600" algn="l" rtl="0" eaLnBrk="1" fontAlgn="base" hangingPunct="1">
+              <a:spcBef>
+                <a:spcPct val="30000"/>
+              </a:spcBef>
+              <a:spcAft>
+                <a:spcPct val="0"/>
+              </a:spcAft>
+              <a:buClr>
+                <a:schemeClr val="hlink"/>
+              </a:buClr>
+              <a:buFont typeface="Wingdings 2" pitchFamily="18" charset="2"/>
+              <a:buChar char="¡"/>
+              <a:defRPr sz="2000">
+                <a:solidFill>
+                  <a:schemeClr val="tx1"/>
+                </a:solidFill>
+                <a:latin typeface="+mn-lt"/>
+                <a:ea typeface="+mn-ea"/>
+              </a:defRPr>
+            </a:lvl7pPr>
+            <a:lvl8pPr marL="3429000" indent="-228600" algn="l" rtl="0" eaLnBrk="1" fontAlgn="base" hangingPunct="1">
+              <a:spcBef>
+                <a:spcPct val="30000"/>
+              </a:spcBef>
+              <a:spcAft>
+                <a:spcPct val="0"/>
+              </a:spcAft>
+              <a:buClr>
+                <a:schemeClr val="hlink"/>
+              </a:buClr>
+              <a:buFont typeface="Wingdings 2" pitchFamily="18" charset="2"/>
+              <a:buChar char="¡"/>
+              <a:defRPr sz="2000">
+                <a:solidFill>
+                  <a:schemeClr val="tx1"/>
+                </a:solidFill>
+                <a:latin typeface="+mn-lt"/>
+                <a:ea typeface="+mn-ea"/>
+              </a:defRPr>
+            </a:lvl8pPr>
+            <a:lvl9pPr marL="3886200" indent="-228600" algn="l" rtl="0" eaLnBrk="1" fontAlgn="base" hangingPunct="1">
+              <a:spcBef>
+                <a:spcPct val="30000"/>
+              </a:spcBef>
+              <a:spcAft>
+                <a:spcPct val="0"/>
+              </a:spcAft>
+              <a:buClr>
+                <a:schemeClr val="hlink"/>
+              </a:buClr>
+              <a:buFont typeface="Wingdings 2" pitchFamily="18" charset="2"/>
+              <a:buChar char="¡"/>
+              <a:defRPr sz="2000">
+                <a:solidFill>
+                  <a:schemeClr val="tx1"/>
+                </a:solidFill>
+                <a:latin typeface="+mn-lt"/>
+                <a:ea typeface="+mn-ea"/>
+              </a:defRPr>
+            </a:lvl9pPr>
+          </a:lstStyle>
+          <a:p>
+            <a:r>
+              <a:rPr lang="en-US" altLang="zh-CN" sz="2400" kern="0" dirty="0">
+                <a:latin typeface="+mn-lt"/>
+                <a:cs typeface="Times New Roman" panose="02020603050405020304" pitchFamily="18" charset="0"/>
+              </a:rPr>
+              <a:t>Neumann</a:t>
+            </a:r>
+            <a:endParaRPr lang="en-US" altLang="zh-CN" sz="2000" kern="0" dirty="0">
+              <a:latin typeface="+mn-lt"/>
+              <a:cs typeface="Times New Roman" panose="02020603050405020304" pitchFamily="18" charset="0"/>
+            </a:endParaRPr>
+          </a:p>
+        </p:txBody>
+      </p:sp>
+      <p:sp>
+        <p:nvSpPr>
+          <p:cNvPr id="14" name="TextBox 13">
+            <a:extLst>
+              <a:ext uri="{FF2B5EF4-FFF2-40B4-BE49-F238E27FC236}">
+                <a16:creationId xmlns:a16="http://schemas.microsoft.com/office/drawing/2014/main" id="{1B529017-0B6B-0ACB-89B0-858FFC2A4C20}"/>
+              </a:ext>
+            </a:extLst>
+          </p:cNvPr>
+          <p:cNvSpPr txBox="1"/>
+          <p:nvPr/>
+        </p:nvSpPr>
+        <p:spPr>
+          <a:xfrm>
+            <a:off x="2171184" y="2907469"/>
+            <a:ext cx="1334533" cy="369332"/>
+          </a:xfrm>
+          <a:prstGeom prst="rect">
+            <a:avLst/>
+          </a:prstGeom>
+          <a:noFill/>
+        </p:spPr>
+        <p:txBody>
+          <a:bodyPr wrap="none" rtlCol="0">
+            <a:spAutoFit/>
+          </a:bodyPr>
+          <a:lstStyle/>
+          <a:p>
+            <a:r>
+              <a:rPr lang="en-US" dirty="0"/>
+              <a:t>RETAU180</a:t>
+            </a:r>
+          </a:p>
+        </p:txBody>
+      </p:sp>
+      <p:sp>
+        <p:nvSpPr>
+          <p:cNvPr id="15" name="TextBox 14">
+            <a:extLst>
+              <a:ext uri="{FF2B5EF4-FFF2-40B4-BE49-F238E27FC236}">
+                <a16:creationId xmlns:a16="http://schemas.microsoft.com/office/drawing/2014/main" id="{C8684D57-EF74-BB89-569F-9FEA59F05739}"/>
+              </a:ext>
+            </a:extLst>
+          </p:cNvPr>
+          <p:cNvSpPr txBox="1"/>
+          <p:nvPr/>
+        </p:nvSpPr>
+        <p:spPr>
+          <a:xfrm>
+            <a:off x="5352533" y="2867201"/>
+            <a:ext cx="1334533" cy="369332"/>
+          </a:xfrm>
+          <a:prstGeom prst="rect">
+            <a:avLst/>
+          </a:prstGeom>
+          <a:noFill/>
+        </p:spPr>
+        <p:txBody>
+          <a:bodyPr wrap="none" rtlCol="0">
+            <a:spAutoFit/>
+          </a:bodyPr>
+          <a:lstStyle/>
+          <a:p>
+            <a:r>
+              <a:rPr lang="en-US" dirty="0"/>
+              <a:t>RETAU550</a:t>
+            </a:r>
+          </a:p>
+        </p:txBody>
+      </p:sp>
+      <p:sp>
+        <p:nvSpPr>
+          <p:cNvPr id="16" name="TextBox 15">
+            <a:extLst>
+              <a:ext uri="{FF2B5EF4-FFF2-40B4-BE49-F238E27FC236}">
+                <a16:creationId xmlns:a16="http://schemas.microsoft.com/office/drawing/2014/main" id="{A81E0D96-94BA-7895-4B68-EE65FCEA898F}"/>
+              </a:ext>
+            </a:extLst>
+          </p:cNvPr>
+          <p:cNvSpPr txBox="1"/>
+          <p:nvPr/>
+        </p:nvSpPr>
+        <p:spPr>
+          <a:xfrm>
+            <a:off x="2209800" y="5229403"/>
+            <a:ext cx="1462773" cy="369332"/>
+          </a:xfrm>
+          <a:prstGeom prst="rect">
+            <a:avLst/>
+          </a:prstGeom>
+          <a:noFill/>
+        </p:spPr>
+        <p:txBody>
+          <a:bodyPr wrap="none" rtlCol="0">
+            <a:spAutoFit/>
+          </a:bodyPr>
+          <a:lstStyle/>
+          <a:p>
+            <a:r>
+              <a:rPr lang="en-US" dirty="0"/>
+              <a:t>RETAU1000</a:t>
+            </a:r>
+          </a:p>
+        </p:txBody>
+      </p:sp>
+      <p:sp>
+        <p:nvSpPr>
+          <p:cNvPr id="17" name="TextBox 16">
+            <a:extLst>
+              <a:ext uri="{FF2B5EF4-FFF2-40B4-BE49-F238E27FC236}">
+                <a16:creationId xmlns:a16="http://schemas.microsoft.com/office/drawing/2014/main" id="{464CDD66-A778-D834-F9C7-CC676A0ADA8D}"/>
+              </a:ext>
+            </a:extLst>
+          </p:cNvPr>
+          <p:cNvSpPr txBox="1"/>
+          <p:nvPr/>
+        </p:nvSpPr>
+        <p:spPr>
+          <a:xfrm>
+            <a:off x="5352532" y="5215393"/>
+            <a:ext cx="1462773" cy="369332"/>
+          </a:xfrm>
+          <a:prstGeom prst="rect">
+            <a:avLst/>
+          </a:prstGeom>
+          <a:noFill/>
+        </p:spPr>
+        <p:txBody>
+          <a:bodyPr wrap="none" rtlCol="0">
+            <a:spAutoFit/>
+          </a:bodyPr>
+          <a:lstStyle/>
+          <a:p>
+            <a:r>
+              <a:rPr lang="en-US" dirty="0"/>
+              <a:t>RETAU5200</a:t>
+            </a:r>
+          </a:p>
+        </p:txBody>
+      </p:sp>
+    </p:spTree>
+    <p:extLst>
+      <p:ext uri="{BB962C8B-B14F-4D97-AF65-F5344CB8AC3E}">
+        <p14:creationId xmlns:p14="http://schemas.microsoft.com/office/powerpoint/2010/main" val="1841384156"/>
+      </p:ext>
+    </p:extLst>
+  </p:cSld>
+  <p:clrMapOvr>
+    <a:masterClrMapping/>
+  </p:clrMapOvr>
+  <p:transition spd="med" advTm="63997"/>
+</p:sld>
+</file>
+
+<file path=ppt/slides/slide13.xml><?xml version="1.0" encoding="utf-8"?>
+<p:sld xmlns:a="http://schemas.openxmlformats.org/drawingml/2006/main" xmlns:r="http://schemas.openxmlformats.org/officeDocument/2006/relationships" xmlns:p="http://schemas.openxmlformats.org/presentationml/2006/main">
+  <p:cSld>
+    <p:spTree>
+      <p:nvGrpSpPr>
         <p:cNvPr id="1" name="">
           <a:extLst>
             <a:ext uri="{FF2B5EF4-FFF2-40B4-BE49-F238E27FC236}">
@@ -25173,7 +27248,7 @@
 </p:sld>
 </file>
 
-<file path=ppt/slides/slide11.xml><?xml version="1.0" encoding="utf-8"?>
+<file path=ppt/slides/slide14.xml><?xml version="1.0" encoding="utf-8"?>
 <p:sld xmlns:a="http://schemas.openxmlformats.org/drawingml/2006/main" xmlns:r="http://schemas.openxmlformats.org/officeDocument/2006/relationships" xmlns:p="http://schemas.openxmlformats.org/presentationml/2006/main">
   <p:cSld>
     <p:spTree>
@@ -25860,7 +27935,7 @@
 </p:sld>
 </file>
 
-<file path=ppt/slides/slide12.xml><?xml version="1.0" encoding="utf-8"?>
+<file path=ppt/slides/slide15.xml><?xml version="1.0" encoding="utf-8"?>
 <p:sld xmlns:a="http://schemas.openxmlformats.org/drawingml/2006/main" xmlns:r="http://schemas.openxmlformats.org/officeDocument/2006/relationships" xmlns:p="http://schemas.openxmlformats.org/presentationml/2006/main">
   <p:cSld>
     <p:spTree>
@@ -26240,7 +28315,7 @@
 </p:sld>
 </file>
 
-<file path=ppt/slides/slide13.xml><?xml version="1.0" encoding="utf-8"?>
+<file path=ppt/slides/slide16.xml><?xml version="1.0" encoding="utf-8"?>
 <p:sld xmlns:a="http://schemas.openxmlformats.org/drawingml/2006/main" xmlns:r="http://schemas.openxmlformats.org/officeDocument/2006/relationships" xmlns:p="http://schemas.openxmlformats.org/presentationml/2006/main">
   <p:cSld>
     <p:spTree>
@@ -29071,10 +31146,10 @@
       </p:pic>
       <p:pic>
         <p:nvPicPr>
-          <p:cNvPr id="13" name="Picture 12">
+          <p:cNvPr id="15" name="Picture 14">
             <a:extLst>
               <a:ext uri="{FF2B5EF4-FFF2-40B4-BE49-F238E27FC236}">
-                <a16:creationId xmlns:a16="http://schemas.microsoft.com/office/drawing/2014/main" id="{77971CA0-1B84-69D7-DA96-32EDC04C0D25}"/>
+                <a16:creationId xmlns:a16="http://schemas.microsoft.com/office/drawing/2014/main" id="{5D29B047-1FA6-BD43-1403-30798B734CD5}"/>
               </a:ext>
             </a:extLst>
           </p:cNvPr>
@@ -29091,20 +31166,283 @@
         </p:blipFill>
         <p:spPr>
           <a:xfrm>
-            <a:off x="1447800" y="4354617"/>
-            <a:ext cx="3200400" cy="2427183"/>
+            <a:off x="4648200" y="4369760"/>
+            <a:ext cx="3200400" cy="2379915"/>
           </a:xfrm>
           <a:prstGeom prst="rect">
             <a:avLst/>
           </a:prstGeom>
         </p:spPr>
       </p:pic>
+      <p:sp>
+        <p:nvSpPr>
+          <p:cNvPr id="17" name="内容占位符 2">
+            <a:extLst>
+              <a:ext uri="{FF2B5EF4-FFF2-40B4-BE49-F238E27FC236}">
+                <a16:creationId xmlns:a16="http://schemas.microsoft.com/office/drawing/2014/main" id="{D7B13CA5-CF5D-287A-9ACB-EF5CA77485F1}"/>
+              </a:ext>
+            </a:extLst>
+          </p:cNvPr>
+          <p:cNvSpPr txBox="1">
+            <a:spLocks/>
+          </p:cNvSpPr>
+          <p:nvPr/>
+        </p:nvSpPr>
+        <p:spPr bwMode="auto">
+          <a:xfrm>
+            <a:off x="93652" y="1068112"/>
+            <a:ext cx="8288348" cy="1399397"/>
+          </a:xfrm>
+          <a:prstGeom prst="rect">
+            <a:avLst/>
+          </a:prstGeom>
+          <a:noFill/>
+          <a:ln>
+            <a:noFill/>
+          </a:ln>
+          <a:extLst>
+            <a:ext uri="{909E8E84-426E-40DD-AFC4-6F175D3DCCD1}">
+              <a14:hiddenFill xmlns:a14="http://schemas.microsoft.com/office/drawing/2010/main">
+                <a:solidFill>
+                  <a:srgbClr val="FFFFFF"/>
+                </a:solidFill>
+              </a14:hiddenFill>
+            </a:ext>
+            <a:ext uri="{91240B29-F687-4F45-9708-019B960494DF}">
+              <a14:hiddenLine xmlns:a14="http://schemas.microsoft.com/office/drawing/2010/main" w="28575">
+                <a:solidFill>
+                  <a:srgbClr val="000000"/>
+                </a:solidFill>
+                <a:miter lim="800000"/>
+                <a:headEnd/>
+                <a:tailEnd/>
+              </a14:hiddenLine>
+            </a:ext>
+          </a:extLst>
+        </p:spPr>
+        <p:txBody>
+          <a:bodyPr vert="horz" wrap="square" lIns="91440" tIns="45720" rIns="91440" bIns="45720" numCol="1" anchor="t" anchorCtr="0" compatLnSpc="1">
+            <a:prstTxWarp prst="textNoShape">
+              <a:avLst/>
+            </a:prstTxWarp>
+          </a:bodyPr>
+          <a:lstStyle>
+            <a:lvl1pPr marL="342900" indent="-342900" algn="l" rtl="0" eaLnBrk="1" fontAlgn="base" hangingPunct="1">
+              <a:spcBef>
+                <a:spcPct val="30000"/>
+              </a:spcBef>
+              <a:spcAft>
+                <a:spcPct val="0"/>
+              </a:spcAft>
+              <a:buClr>
+                <a:schemeClr val="hlink"/>
+              </a:buClr>
+              <a:buFont typeface="Wingdings" pitchFamily="2" charset="2"/>
+              <a:buChar char="§"/>
+              <a:defRPr sz="3200">
+                <a:solidFill>
+                  <a:srgbClr val="000066"/>
+                </a:solidFill>
+                <a:latin typeface="微软雅黑" pitchFamily="34" charset="-122"/>
+                <a:ea typeface="微软雅黑" pitchFamily="34" charset="-122"/>
+                <a:cs typeface="+mn-cs"/>
+              </a:defRPr>
+            </a:lvl1pPr>
+            <a:lvl2pPr marL="742950" indent="-285750" algn="l" rtl="0" eaLnBrk="1" fontAlgn="base" hangingPunct="1">
+              <a:spcBef>
+                <a:spcPct val="30000"/>
+              </a:spcBef>
+              <a:spcAft>
+                <a:spcPct val="0"/>
+              </a:spcAft>
+              <a:buClr>
+                <a:schemeClr val="tx2"/>
+              </a:buClr>
+              <a:buSzPct val="85000"/>
+              <a:buFont typeface="Wingdings" pitchFamily="2" charset="2"/>
+              <a:buChar char="Ø"/>
+              <a:defRPr sz="2800">
+                <a:solidFill>
+                  <a:srgbClr val="006666"/>
+                </a:solidFill>
+                <a:latin typeface="微软雅黑" pitchFamily="34" charset="-122"/>
+                <a:ea typeface="微软雅黑" pitchFamily="34" charset="-122"/>
+              </a:defRPr>
+            </a:lvl2pPr>
+            <a:lvl3pPr marL="1143000" indent="-228600" algn="l" rtl="0" eaLnBrk="1" fontAlgn="base" hangingPunct="1">
+              <a:spcBef>
+                <a:spcPct val="30000"/>
+              </a:spcBef>
+              <a:spcAft>
+                <a:spcPct val="0"/>
+              </a:spcAft>
+              <a:buClr>
+                <a:schemeClr val="hlink"/>
+              </a:buClr>
+              <a:buSzPct val="95000"/>
+              <a:buFont typeface="Wingdings 2" pitchFamily="18" charset="2"/>
+              <a:buChar char="¡"/>
+              <a:defRPr sz="2400">
+                <a:solidFill>
+                  <a:schemeClr val="hlink"/>
+                </a:solidFill>
+                <a:latin typeface="微软雅黑" pitchFamily="34" charset="-122"/>
+                <a:ea typeface="微软雅黑" pitchFamily="34" charset="-122"/>
+              </a:defRPr>
+            </a:lvl3pPr>
+            <a:lvl4pPr marL="1600200" indent="-228600" algn="l" rtl="0" eaLnBrk="1" fontAlgn="base" hangingPunct="1">
+              <a:spcBef>
+                <a:spcPct val="30000"/>
+              </a:spcBef>
+              <a:spcAft>
+                <a:spcPct val="0"/>
+              </a:spcAft>
+              <a:buClr>
+                <a:schemeClr val="tx2"/>
+              </a:buClr>
+              <a:buSzPct val="90000"/>
+              <a:buFont typeface="Wingdings" pitchFamily="2" charset="2"/>
+              <a:buChar char="Ø"/>
+              <a:defRPr sz="2000">
+                <a:solidFill>
+                  <a:srgbClr val="990099"/>
+                </a:solidFill>
+                <a:latin typeface="微软雅黑" pitchFamily="34" charset="-122"/>
+                <a:ea typeface="微软雅黑" pitchFamily="34" charset="-122"/>
+              </a:defRPr>
+            </a:lvl4pPr>
+            <a:lvl5pPr marL="2057400" indent="-228600" algn="l" rtl="0" eaLnBrk="1" fontAlgn="base" hangingPunct="1">
+              <a:spcBef>
+                <a:spcPct val="30000"/>
+              </a:spcBef>
+              <a:spcAft>
+                <a:spcPct val="0"/>
+              </a:spcAft>
+              <a:buClr>
+                <a:schemeClr val="hlink"/>
+              </a:buClr>
+              <a:buFont typeface="Wingdings 2" pitchFamily="18" charset="2"/>
+              <a:buChar char="¡"/>
+              <a:defRPr sz="2000">
+                <a:solidFill>
+                  <a:schemeClr val="tx1"/>
+                </a:solidFill>
+                <a:latin typeface="微软雅黑" pitchFamily="34" charset="-122"/>
+                <a:ea typeface="微软雅黑" pitchFamily="34" charset="-122"/>
+              </a:defRPr>
+            </a:lvl5pPr>
+            <a:lvl6pPr marL="2514600" indent="-228600" algn="l" rtl="0" eaLnBrk="1" fontAlgn="base" hangingPunct="1">
+              <a:spcBef>
+                <a:spcPct val="30000"/>
+              </a:spcBef>
+              <a:spcAft>
+                <a:spcPct val="0"/>
+              </a:spcAft>
+              <a:buClr>
+                <a:schemeClr val="hlink"/>
+              </a:buClr>
+              <a:buFont typeface="Wingdings 2" pitchFamily="18" charset="2"/>
+              <a:buChar char="¡"/>
+              <a:defRPr sz="2000">
+                <a:solidFill>
+                  <a:schemeClr val="tx1"/>
+                </a:solidFill>
+                <a:latin typeface="+mn-lt"/>
+                <a:ea typeface="+mn-ea"/>
+              </a:defRPr>
+            </a:lvl6pPr>
+            <a:lvl7pPr marL="2971800" indent="-228600" algn="l" rtl="0" eaLnBrk="1" fontAlgn="base" hangingPunct="1">
+              <a:spcBef>
+                <a:spcPct val="30000"/>
+              </a:spcBef>
+              <a:spcAft>
+                <a:spcPct val="0"/>
+              </a:spcAft>
+              <a:buClr>
+                <a:schemeClr val="hlink"/>
+              </a:buClr>
+              <a:buFont typeface="Wingdings 2" pitchFamily="18" charset="2"/>
+              <a:buChar char="¡"/>
+              <a:defRPr sz="2000">
+                <a:solidFill>
+                  <a:schemeClr val="tx1"/>
+                </a:solidFill>
+                <a:latin typeface="+mn-lt"/>
+                <a:ea typeface="+mn-ea"/>
+              </a:defRPr>
+            </a:lvl7pPr>
+            <a:lvl8pPr marL="3429000" indent="-228600" algn="l" rtl="0" eaLnBrk="1" fontAlgn="base" hangingPunct="1">
+              <a:spcBef>
+                <a:spcPct val="30000"/>
+              </a:spcBef>
+              <a:spcAft>
+                <a:spcPct val="0"/>
+              </a:spcAft>
+              <a:buClr>
+                <a:schemeClr val="hlink"/>
+              </a:buClr>
+              <a:buFont typeface="Wingdings 2" pitchFamily="18" charset="2"/>
+              <a:buChar char="¡"/>
+              <a:defRPr sz="2000">
+                <a:solidFill>
+                  <a:schemeClr val="tx1"/>
+                </a:solidFill>
+                <a:latin typeface="+mn-lt"/>
+                <a:ea typeface="+mn-ea"/>
+              </a:defRPr>
+            </a:lvl8pPr>
+            <a:lvl9pPr marL="3886200" indent="-228600" algn="l" rtl="0" eaLnBrk="1" fontAlgn="base" hangingPunct="1">
+              <a:spcBef>
+                <a:spcPct val="30000"/>
+              </a:spcBef>
+              <a:spcAft>
+                <a:spcPct val="0"/>
+              </a:spcAft>
+              <a:buClr>
+                <a:schemeClr val="hlink"/>
+              </a:buClr>
+              <a:buFont typeface="Wingdings 2" pitchFamily="18" charset="2"/>
+              <a:buChar char="¡"/>
+              <a:defRPr sz="2000">
+                <a:solidFill>
+                  <a:schemeClr val="tx1"/>
+                </a:solidFill>
+                <a:latin typeface="+mn-lt"/>
+                <a:ea typeface="+mn-ea"/>
+              </a:defRPr>
+            </a:lvl9pPr>
+          </a:lstStyle>
+          <a:p>
+            <a:r>
+              <a:rPr lang="en-US" altLang="zh-CN" sz="2400" kern="0" dirty="0">
+                <a:latin typeface="+mn-lt"/>
+                <a:cs typeface="Times New Roman" panose="02020603050405020304" pitchFamily="18" charset="0"/>
+              </a:rPr>
+              <a:t>RETAU5200</a:t>
+            </a:r>
+            <a:endParaRPr lang="en-US" altLang="zh-CN" sz="2000" kern="0" dirty="0">
+              <a:latin typeface="+mn-lt"/>
+              <a:cs typeface="Times New Roman" panose="02020603050405020304" pitchFamily="18" charset="0"/>
+            </a:endParaRPr>
+          </a:p>
+          <a:p>
+            <a:pPr lvl="1"/>
+            <a:r>
+              <a:rPr lang="en-US" altLang="zh-CN" sz="2000" dirty="0">
+                <a:latin typeface="+mn-lt"/>
+                <a:cs typeface="Times New Roman" panose="02020603050405020304" pitchFamily="18" charset="0"/>
+              </a:rPr>
+              <a:t>Two sets of (KAP, B) have almost the same results, although KAP0.41 is negligibly better </a:t>
+            </a:r>
+          </a:p>
+        </p:txBody>
+      </p:sp>
       <p:pic>
         <p:nvPicPr>
-          <p:cNvPr id="15" name="Picture 14">
+          <p:cNvPr id="23" name="Picture 22">
             <a:extLst>
               <a:ext uri="{FF2B5EF4-FFF2-40B4-BE49-F238E27FC236}">
-                <a16:creationId xmlns:a16="http://schemas.microsoft.com/office/drawing/2014/main" id="{5D29B047-1FA6-BD43-1403-30798B734CD5}"/>
+                <a16:creationId xmlns:a16="http://schemas.microsoft.com/office/drawing/2014/main" id="{AEB7BA5B-DB3E-34A4-DEB8-76288665C6A4}"/>
               </a:ext>
             </a:extLst>
           </p:cNvPr>
@@ -29121,46 +31459,133 @@
         </p:blipFill>
         <p:spPr>
           <a:xfrm>
-            <a:off x="4648200" y="4369760"/>
-            <a:ext cx="3200400" cy="2379915"/>
+            <a:off x="1461247" y="4368455"/>
+            <a:ext cx="3200400" cy="2381220"/>
           </a:xfrm>
           <a:prstGeom prst="rect">
             <a:avLst/>
           </a:prstGeom>
         </p:spPr>
       </p:pic>
+    </p:spTree>
+    <p:extLst>
+      <p:ext uri="{BB962C8B-B14F-4D97-AF65-F5344CB8AC3E}">
+        <p14:creationId xmlns:p14="http://schemas.microsoft.com/office/powerpoint/2010/main" val="1196598494"/>
+      </p:ext>
+    </p:extLst>
+  </p:cSld>
+  <p:clrMapOvr>
+    <a:masterClrMapping/>
+  </p:clrMapOvr>
+  <p:transition spd="med" advTm="63997"/>
+</p:sld>
+</file>
+
+<file path=ppt/slides/slide8.xml><?xml version="1.0" encoding="utf-8"?>
+<p:sld xmlns:a="http://schemas.openxmlformats.org/drawingml/2006/main" xmlns:r="http://schemas.openxmlformats.org/officeDocument/2006/relationships" xmlns:p="http://schemas.openxmlformats.org/presentationml/2006/main">
+  <p:cSld>
+    <p:spTree>
+      <p:nvGrpSpPr>
+        <p:cNvPr id="1" name=""/>
+        <p:cNvGrpSpPr/>
+        <p:nvPr/>
+      </p:nvGrpSpPr>
+      <p:grpSpPr>
+        <a:xfrm>
+          <a:off x="0" y="0"/>
+          <a:ext cx="0" cy="0"/>
+          <a:chOff x="0" y="0"/>
+          <a:chExt cx="0" cy="0"/>
+        </a:xfrm>
+      </p:grpSpPr>
       <p:sp>
         <p:nvSpPr>
-          <p:cNvPr id="16" name="TextBox 15">
-            <a:extLst>
-              <a:ext uri="{FF2B5EF4-FFF2-40B4-BE49-F238E27FC236}">
-                <a16:creationId xmlns:a16="http://schemas.microsoft.com/office/drawing/2014/main" id="{F194CE6C-16FC-47B1-8B61-FD123BC78814}"/>
-              </a:ext>
-            </a:extLst>
-          </p:cNvPr>
-          <p:cNvSpPr txBox="1"/>
-          <p:nvPr/>
+          <p:cNvPr id="2" name="Title 1"/>
+          <p:cNvSpPr>
+            <a:spLocks noGrp="1"/>
+          </p:cNvSpPr>
+          <p:nvPr>
+            <p:ph type="title"/>
+          </p:nvPr>
         </p:nvSpPr>
         <p:spPr>
           <a:xfrm>
-            <a:off x="1747148" y="4754788"/>
-            <a:ext cx="1351652" cy="369332"/>
+            <a:off x="152400" y="152400"/>
+            <a:ext cx="8610600" cy="838200"/>
+          </a:xfrm>
+        </p:spPr>
+        <p:txBody>
+          <a:bodyPr/>
+          <a:lstStyle/>
+          <a:p>
+            <a:r>
+              <a:rPr lang="en-US" altLang="zh-CN" dirty="0"/>
+              <a:t>Channel</a:t>
+            </a:r>
+            <a:endParaRPr lang="zh-CN" altLang="en-US" dirty="0"/>
+          </a:p>
+        </p:txBody>
+      </p:sp>
+      <p:sp>
+        <p:nvSpPr>
+          <p:cNvPr id="9" name="Rectangle 2"/>
+          <p:cNvSpPr>
+            <a:spLocks noChangeArrowheads="1"/>
+          </p:cNvSpPr>
+          <p:nvPr/>
+        </p:nvSpPr>
+        <p:spPr bwMode="auto">
+          <a:xfrm>
+            <a:off x="0" y="0"/>
+            <a:ext cx="9144000" cy="0"/>
           </a:xfrm>
           <a:prstGeom prst="rect">
             <a:avLst/>
           </a:prstGeom>
           <a:noFill/>
+          <a:ln>
+            <a:noFill/>
+          </a:ln>
+          <a:effectLst/>
+          <a:extLst>
+            <a:ext uri="{909E8E84-426E-40DD-AFC4-6F175D3DCCD1}">
+              <a14:hiddenFill xmlns:a14="http://schemas.microsoft.com/office/drawing/2010/main">
+                <a:solidFill>
+                  <a:schemeClr val="accent1"/>
+                </a:solidFill>
+              </a14:hiddenFill>
+            </a:ext>
+            <a:ext uri="{91240B29-F687-4F45-9708-019B960494DF}">
+              <a14:hiddenLine xmlns:a14="http://schemas.microsoft.com/office/drawing/2010/main" w="9525">
+                <a:solidFill>
+                  <a:schemeClr val="tx1"/>
+                </a:solidFill>
+                <a:miter lim="800000"/>
+                <a:headEnd/>
+                <a:tailEnd/>
+              </a14:hiddenLine>
+            </a:ext>
+            <a:ext uri="{AF507438-7753-43E0-B8FC-AC1667EBCBE1}">
+              <a14:hiddenEffects xmlns:a14="http://schemas.microsoft.com/office/drawing/2010/main">
+                <a:effectLst>
+                  <a:outerShdw dist="35921" dir="2700000" algn="ctr" rotWithShape="0">
+                    <a:schemeClr val="bg2"/>
+                  </a:outerShdw>
+                </a:effectLst>
+              </a14:hiddenEffects>
+            </a:ext>
+          </a:extLst>
         </p:spPr>
         <p:txBody>
-          <a:bodyPr wrap="none" rtlCol="0">
+          <a:bodyPr vert="horz" wrap="none" lIns="91440" tIns="45720" rIns="91440" bIns="45720" numCol="1" anchor="ctr" anchorCtr="0" compatLnSpc="1">
+            <a:prstTxWarp prst="textNoShape">
+              <a:avLst/>
+            </a:prstTxWarp>
             <a:spAutoFit/>
           </a:bodyPr>
           <a:lstStyle/>
           <a:p>
-            <a:r>
-              <a:rPr lang="en-US" dirty="0"/>
-              <a:t>KAP0.4187</a:t>
-            </a:r>
+            <a:endParaRPr lang="zh-CN" altLang="en-US"/>
           </a:p>
         </p:txBody>
       </p:sp>
@@ -29422,54 +31847,27 @@
                 <a:latin typeface="+mn-lt"/>
                 <a:cs typeface="Times New Roman" panose="02020603050405020304" pitchFamily="18" charset="0"/>
               </a:rPr>
-              <a:t>Two sets of (KAP, B) have the same results. KAP0.41 is negligibly better </a:t>
+              <a:t>Two sets of (KAP, B) produce the same results. KAP0.41 is negligibly better</a:t>
+            </a:r>
+          </a:p>
+          <a:p>
+            <a:pPr lvl="1"/>
+            <a:r>
+              <a:rPr lang="en-US" altLang="zh-CN" sz="2000" dirty="0">
+                <a:latin typeface="+mn-lt"/>
+                <a:cs typeface="Times New Roman" panose="02020603050405020304" pitchFamily="18" charset="0"/>
+              </a:rPr>
+              <a:t>CS0.11 is optimum. CS0.05 is too small, especially in the core region.</a:t>
             </a:r>
           </a:p>
         </p:txBody>
       </p:sp>
-    </p:spTree>
-    <p:extLst>
-      <p:ext uri="{BB962C8B-B14F-4D97-AF65-F5344CB8AC3E}">
-        <p14:creationId xmlns:p14="http://schemas.microsoft.com/office/powerpoint/2010/main" val="1196598494"/>
-      </p:ext>
-    </p:extLst>
-  </p:cSld>
-  <p:clrMapOvr>
-    <a:masterClrMapping/>
-  </p:clrMapOvr>
-  <p:transition spd="med" advTm="63997"/>
-</p:sld>
-</file>
-
-<file path=ppt/slides/slide8.xml><?xml version="1.0" encoding="utf-8"?>
-<p:sld xmlns:a="http://schemas.openxmlformats.org/drawingml/2006/main" xmlns:r="http://schemas.openxmlformats.org/officeDocument/2006/relationships" xmlns:p="http://schemas.openxmlformats.org/presentationml/2006/main">
-  <p:cSld>
-    <p:spTree>
-      <p:nvGrpSpPr>
-        <p:cNvPr id="1" name="">
-          <a:extLst>
-            <a:ext uri="{FF2B5EF4-FFF2-40B4-BE49-F238E27FC236}">
-              <a16:creationId xmlns:a16="http://schemas.microsoft.com/office/drawing/2014/main" id="{AC1F77E0-A72A-D9B7-E0F0-167A00DFB001}"/>
-            </a:ext>
-          </a:extLst>
-        </p:cNvPr>
-        <p:cNvGrpSpPr/>
-        <p:nvPr/>
-      </p:nvGrpSpPr>
-      <p:grpSpPr>
-        <a:xfrm>
-          <a:off x="0" y="0"/>
-          <a:ext cx="0" cy="0"/>
-          <a:chOff x="0" y="0"/>
-          <a:chExt cx="0" cy="0"/>
-        </a:xfrm>
-      </p:grpSpPr>
       <p:pic>
         <p:nvPicPr>
-          <p:cNvPr id="4" name="Picture 3">
+          <p:cNvPr id="11" name="Picture 10">
             <a:extLst>
               <a:ext uri="{FF2B5EF4-FFF2-40B4-BE49-F238E27FC236}">
-                <a16:creationId xmlns:a16="http://schemas.microsoft.com/office/drawing/2014/main" id="{797D60A4-F34A-F171-920D-922D62499F64}"/>
+                <a16:creationId xmlns:a16="http://schemas.microsoft.com/office/drawing/2014/main" id="{DC008D5A-B323-E2B2-B77B-254F1AFEA484}"/>
               </a:ext>
             </a:extLst>
           </p:cNvPr>
@@ -29486,8 +31884,8 @@
         </p:blipFill>
         <p:spPr>
           <a:xfrm>
-            <a:off x="1211723" y="1676400"/>
-            <a:ext cx="3200400" cy="2373502"/>
+            <a:off x="1371600" y="2819400"/>
+            <a:ext cx="3200400" cy="2387519"/>
           </a:xfrm>
           <a:prstGeom prst="rect">
             <a:avLst/>
@@ -29496,10 +31894,10 @@
       </p:pic>
       <p:pic>
         <p:nvPicPr>
-          <p:cNvPr id="7" name="Picture 6">
+          <p:cNvPr id="14" name="Picture 13">
             <a:extLst>
               <a:ext uri="{FF2B5EF4-FFF2-40B4-BE49-F238E27FC236}">
-                <a16:creationId xmlns:a16="http://schemas.microsoft.com/office/drawing/2014/main" id="{FD08D565-3CBE-5E1F-A671-A1240AF249B7}"/>
+                <a16:creationId xmlns:a16="http://schemas.microsoft.com/office/drawing/2014/main" id="{22B582E0-111D-049E-4E46-646C3EC6032F}"/>
               </a:ext>
             </a:extLst>
           </p:cNvPr>
@@ -29516,83 +31914,48 @@
         </p:blipFill>
         <p:spPr>
           <a:xfrm>
-            <a:off x="4483718" y="1676400"/>
-            <a:ext cx="3200400" cy="2407969"/>
+            <a:off x="4605867" y="2819400"/>
+            <a:ext cx="3200400" cy="2390108"/>
           </a:xfrm>
           <a:prstGeom prst="rect">
             <a:avLst/>
           </a:prstGeom>
         </p:spPr>
       </p:pic>
-      <p:pic>
-        <p:nvPicPr>
-          <p:cNvPr id="20" name="Picture 19">
-            <a:extLst>
-              <a:ext uri="{FF2B5EF4-FFF2-40B4-BE49-F238E27FC236}">
-                <a16:creationId xmlns:a16="http://schemas.microsoft.com/office/drawing/2014/main" id="{087C6294-9B60-473A-2BBD-1332E9956C68}"/>
-              </a:ext>
-            </a:extLst>
-          </p:cNvPr>
-          <p:cNvPicPr>
-            <a:picLocks noChangeAspect="1"/>
-          </p:cNvPicPr>
-          <p:nvPr/>
-        </p:nvPicPr>
-        <p:blipFill>
-          <a:blip r:embed="rId5"/>
-          <a:stretch>
-            <a:fillRect/>
-          </a:stretch>
-        </p:blipFill>
-        <p:spPr>
-          <a:xfrm>
-            <a:off x="1195115" y="4084369"/>
-            <a:ext cx="3200400" cy="2395203"/>
-          </a:xfrm>
-          <a:prstGeom prst="rect">
-            <a:avLst/>
-          </a:prstGeom>
-        </p:spPr>
-      </p:pic>
-      <p:pic>
-        <p:nvPicPr>
-          <p:cNvPr id="22" name="Picture 21">
-            <a:extLst>
-              <a:ext uri="{FF2B5EF4-FFF2-40B4-BE49-F238E27FC236}">
-                <a16:creationId xmlns:a16="http://schemas.microsoft.com/office/drawing/2014/main" id="{4F0DF793-ACB9-8C48-EA4F-41B8196DE185}"/>
-              </a:ext>
-            </a:extLst>
-          </p:cNvPr>
-          <p:cNvPicPr>
-            <a:picLocks noChangeAspect="1"/>
-          </p:cNvPicPr>
-          <p:nvPr/>
-        </p:nvPicPr>
-        <p:blipFill>
-          <a:blip r:embed="rId6"/>
-          <a:stretch>
-            <a:fillRect/>
-          </a:stretch>
-        </p:blipFill>
-        <p:spPr>
-          <a:xfrm>
-            <a:off x="4488180" y="4084369"/>
-            <a:ext cx="3200400" cy="2420815"/>
-          </a:xfrm>
-          <a:prstGeom prst="rect">
-            <a:avLst/>
-          </a:prstGeom>
-        </p:spPr>
-      </p:pic>
+    </p:spTree>
+    <p:extLst>
+      <p:ext uri="{BB962C8B-B14F-4D97-AF65-F5344CB8AC3E}">
+        <p14:creationId xmlns:p14="http://schemas.microsoft.com/office/powerpoint/2010/main" val="506017243"/>
+      </p:ext>
+    </p:extLst>
+  </p:cSld>
+  <p:clrMapOvr>
+    <a:masterClrMapping/>
+  </p:clrMapOvr>
+  <p:transition spd="med" advTm="63997"/>
+</p:sld>
+</file>
+
+<file path=ppt/slides/slide9.xml><?xml version="1.0" encoding="utf-8"?>
+<p:sld xmlns:a="http://schemas.openxmlformats.org/drawingml/2006/main" xmlns:r="http://schemas.openxmlformats.org/officeDocument/2006/relationships" xmlns:p="http://schemas.openxmlformats.org/presentationml/2006/main">
+  <p:cSld>
+    <p:spTree>
+      <p:nvGrpSpPr>
+        <p:cNvPr id="1" name=""/>
+        <p:cNvGrpSpPr/>
+        <p:nvPr/>
+      </p:nvGrpSpPr>
+      <p:grpSpPr>
+        <a:xfrm>
+          <a:off x="0" y="0"/>
+          <a:ext cx="0" cy="0"/>
+          <a:chOff x="0" y="0"/>
+          <a:chExt cx="0" cy="0"/>
+        </a:xfrm>
+      </p:grpSpPr>
       <p:sp>
         <p:nvSpPr>
-          <p:cNvPr id="2" name="Title 1">
-            <a:extLst>
-              <a:ext uri="{FF2B5EF4-FFF2-40B4-BE49-F238E27FC236}">
-                <a16:creationId xmlns:a16="http://schemas.microsoft.com/office/drawing/2014/main" id="{7CD1962D-41C7-8984-8FE7-DBEEF0C4D867}"/>
-              </a:ext>
-            </a:extLst>
-          </p:cNvPr>
+          <p:cNvPr id="2" name="Title 1"/>
           <p:cNvSpPr>
             <a:spLocks noGrp="1"/>
           </p:cNvSpPr>
@@ -29620,13 +31983,7 @@
       </p:sp>
       <p:sp>
         <p:nvSpPr>
-          <p:cNvPr id="9" name="Rectangle 2">
-            <a:extLst>
-              <a:ext uri="{FF2B5EF4-FFF2-40B4-BE49-F238E27FC236}">
-                <a16:creationId xmlns:a16="http://schemas.microsoft.com/office/drawing/2014/main" id="{B3C7AD1D-37B8-3EB9-D27E-CF2F316B113E}"/>
-              </a:ext>
-            </a:extLst>
-          </p:cNvPr>
+          <p:cNvPr id="9" name="Rectangle 2"/>
           <p:cNvSpPr>
             <a:spLocks noChangeArrowheads="1"/>
           </p:cNvSpPr>
@@ -29689,10 +32046,10 @@
       </p:sp>
       <p:sp>
         <p:nvSpPr>
-          <p:cNvPr id="18" name="内容占位符 2">
+          <p:cNvPr id="17" name="内容占位符 2">
             <a:extLst>
               <a:ext uri="{FF2B5EF4-FFF2-40B4-BE49-F238E27FC236}">
-                <a16:creationId xmlns:a16="http://schemas.microsoft.com/office/drawing/2014/main" id="{8CE674CA-02F4-8EA6-60C0-3C0A90B64F32}"/>
+                <a16:creationId xmlns:a16="http://schemas.microsoft.com/office/drawing/2014/main" id="{D7B13CA5-CF5D-287A-9ACB-EF5CA77485F1}"/>
               </a:ext>
             </a:extLst>
           </p:cNvPr>
@@ -29703,8 +32060,8 @@
         </p:nvSpPr>
         <p:spPr bwMode="auto">
           <a:xfrm>
-            <a:off x="93652" y="1068111"/>
-            <a:ext cx="9050348" cy="1446487"/>
+            <a:off x="93652" y="1068112"/>
+            <a:ext cx="9144000" cy="1399397"/>
           </a:xfrm>
           <a:prstGeom prst="rect">
             <a:avLst/>
@@ -29931,198 +32288,31 @@
                 <a:latin typeface="+mn-lt"/>
                 <a:cs typeface="Times New Roman" panose="02020603050405020304" pitchFamily="18" charset="0"/>
               </a:rPr>
-              <a:t>Wall model</a:t>
+              <a:t>RETAU5200</a:t>
             </a:r>
             <a:endParaRPr lang="en-US" altLang="zh-CN" sz="2000" kern="0" dirty="0">
               <a:latin typeface="+mn-lt"/>
               <a:cs typeface="Times New Roman" panose="02020603050405020304" pitchFamily="18" charset="0"/>
             </a:endParaRPr>
           </a:p>
-        </p:txBody>
-      </p:sp>
-      <p:sp>
-        <p:nvSpPr>
-          <p:cNvPr id="14" name="TextBox 13">
-            <a:extLst>
-              <a:ext uri="{FF2B5EF4-FFF2-40B4-BE49-F238E27FC236}">
-                <a16:creationId xmlns:a16="http://schemas.microsoft.com/office/drawing/2014/main" id="{DD7D4A30-2C1F-72E6-2C33-40F24BACB839}"/>
-              </a:ext>
-            </a:extLst>
-          </p:cNvPr>
-          <p:cNvSpPr txBox="1"/>
-          <p:nvPr/>
-        </p:nvSpPr>
-        <p:spPr>
-          <a:xfrm>
-            <a:off x="2171184" y="2704269"/>
-            <a:ext cx="1334533" cy="369332"/>
-          </a:xfrm>
-          <a:prstGeom prst="rect">
-            <a:avLst/>
-          </a:prstGeom>
-          <a:noFill/>
-        </p:spPr>
-        <p:txBody>
-          <a:bodyPr wrap="none" rtlCol="0">
-            <a:spAutoFit/>
-          </a:bodyPr>
-          <a:lstStyle/>
           <a:p>
+            <a:pPr lvl="1"/>
             <a:r>
-              <a:rPr lang="en-US" dirty="0"/>
-              <a:t>RETAU180</a:t>
+              <a:rPr lang="en-US" altLang="zh-CN" sz="2000" dirty="0">
+                <a:latin typeface="+mn-lt"/>
+                <a:cs typeface="Times New Roman" panose="02020603050405020304" pitchFamily="18" charset="0"/>
+              </a:rPr>
+              <a:t>CS0 does reproduce the results with no SGS</a:t>
             </a:r>
           </a:p>
         </p:txBody>
       </p:sp>
-      <p:sp>
-        <p:nvSpPr>
-          <p:cNvPr id="15" name="TextBox 14">
+      <p:pic>
+        <p:nvPicPr>
+          <p:cNvPr id="19" name="Picture 18">
             <a:extLst>
               <a:ext uri="{FF2B5EF4-FFF2-40B4-BE49-F238E27FC236}">
-                <a16:creationId xmlns:a16="http://schemas.microsoft.com/office/drawing/2014/main" id="{B74A4548-3C20-E14E-FBEC-CD5F572CCD92}"/>
-              </a:ext>
-            </a:extLst>
-          </p:cNvPr>
-          <p:cNvSpPr txBox="1"/>
-          <p:nvPr/>
-        </p:nvSpPr>
-        <p:spPr>
-          <a:xfrm>
-            <a:off x="5352533" y="2664001"/>
-            <a:ext cx="1334533" cy="369332"/>
-          </a:xfrm>
-          <a:prstGeom prst="rect">
-            <a:avLst/>
-          </a:prstGeom>
-          <a:noFill/>
-        </p:spPr>
-        <p:txBody>
-          <a:bodyPr wrap="none" rtlCol="0">
-            <a:spAutoFit/>
-          </a:bodyPr>
-          <a:lstStyle/>
-          <a:p>
-            <a:r>
-              <a:rPr lang="en-US" dirty="0"/>
-              <a:t>RETAU550</a:t>
-            </a:r>
-          </a:p>
-        </p:txBody>
-      </p:sp>
-      <p:sp>
-        <p:nvSpPr>
-          <p:cNvPr id="16" name="TextBox 15">
-            <a:extLst>
-              <a:ext uri="{FF2B5EF4-FFF2-40B4-BE49-F238E27FC236}">
-                <a16:creationId xmlns:a16="http://schemas.microsoft.com/office/drawing/2014/main" id="{928D889C-DF25-351A-4CA2-B7F55A743571}"/>
-              </a:ext>
-            </a:extLst>
-          </p:cNvPr>
-          <p:cNvSpPr txBox="1"/>
-          <p:nvPr/>
-        </p:nvSpPr>
-        <p:spPr>
-          <a:xfrm>
-            <a:off x="2209800" y="5026203"/>
-            <a:ext cx="1462773" cy="369332"/>
-          </a:xfrm>
-          <a:prstGeom prst="rect">
-            <a:avLst/>
-          </a:prstGeom>
-          <a:noFill/>
-        </p:spPr>
-        <p:txBody>
-          <a:bodyPr wrap="none" rtlCol="0">
-            <a:spAutoFit/>
-          </a:bodyPr>
-          <a:lstStyle/>
-          <a:p>
-            <a:r>
-              <a:rPr lang="en-US" dirty="0"/>
-              <a:t>RETAU1000</a:t>
-            </a:r>
-          </a:p>
-        </p:txBody>
-      </p:sp>
-      <p:sp>
-        <p:nvSpPr>
-          <p:cNvPr id="17" name="TextBox 16">
-            <a:extLst>
-              <a:ext uri="{FF2B5EF4-FFF2-40B4-BE49-F238E27FC236}">
-                <a16:creationId xmlns:a16="http://schemas.microsoft.com/office/drawing/2014/main" id="{790735DE-AB7A-6962-59D0-1173EC7A4AC3}"/>
-              </a:ext>
-            </a:extLst>
-          </p:cNvPr>
-          <p:cNvSpPr txBox="1"/>
-          <p:nvPr/>
-        </p:nvSpPr>
-        <p:spPr>
-          <a:xfrm>
-            <a:off x="5352532" y="5012193"/>
-            <a:ext cx="1462773" cy="369332"/>
-          </a:xfrm>
-          <a:prstGeom prst="rect">
-            <a:avLst/>
-          </a:prstGeom>
-          <a:noFill/>
-        </p:spPr>
-        <p:txBody>
-          <a:bodyPr wrap="none" rtlCol="0">
-            <a:spAutoFit/>
-          </a:bodyPr>
-          <a:lstStyle/>
-          <a:p>
-            <a:r>
-              <a:rPr lang="en-US" dirty="0"/>
-              <a:t>RETAU5200</a:t>
-            </a:r>
-          </a:p>
-        </p:txBody>
-      </p:sp>
-    </p:spTree>
-    <p:extLst>
-      <p:ext uri="{BB962C8B-B14F-4D97-AF65-F5344CB8AC3E}">
-        <p14:creationId xmlns:p14="http://schemas.microsoft.com/office/powerpoint/2010/main" val="790753085"/>
-      </p:ext>
-    </p:extLst>
-  </p:cSld>
-  <p:clrMapOvr>
-    <a:masterClrMapping/>
-  </p:clrMapOvr>
-  <p:transition spd="med" advTm="63997"/>
-</p:sld>
-</file>
-
-<file path=ppt/slides/slide9.xml><?xml version="1.0" encoding="utf-8"?>
-<p:sld xmlns:a="http://schemas.openxmlformats.org/drawingml/2006/main" xmlns:r="http://schemas.openxmlformats.org/officeDocument/2006/relationships" xmlns:p="http://schemas.openxmlformats.org/presentationml/2006/main">
-  <p:cSld>
-    <p:spTree>
-      <p:nvGrpSpPr>
-        <p:cNvPr id="1" name="">
-          <a:extLst>
-            <a:ext uri="{FF2B5EF4-FFF2-40B4-BE49-F238E27FC236}">
-              <a16:creationId xmlns:a16="http://schemas.microsoft.com/office/drawing/2014/main" id="{B8E2A31D-06EF-EDF5-F976-05230CFA58CE}"/>
-            </a:ext>
-          </a:extLst>
-        </p:cNvPr>
-        <p:cNvGrpSpPr/>
-        <p:nvPr/>
-      </p:nvGrpSpPr>
-      <p:grpSpPr>
-        <a:xfrm>
-          <a:off x="0" y="0"/>
-          <a:ext cx="0" cy="0"/>
-          <a:chOff x="0" y="0"/>
-          <a:chExt cx="0" cy="0"/>
-        </a:xfrm>
-      </p:grpSpPr>
-      <p:pic>
-        <p:nvPicPr>
-          <p:cNvPr id="13" name="Picture 12">
-            <a:extLst>
-              <a:ext uri="{FF2B5EF4-FFF2-40B4-BE49-F238E27FC236}">
-                <a16:creationId xmlns:a16="http://schemas.microsoft.com/office/drawing/2014/main" id="{AA3E92A2-DFE0-7CE9-344E-646126582000}"/>
+                <a16:creationId xmlns:a16="http://schemas.microsoft.com/office/drawing/2014/main" id="{77F3895B-202B-3D41-46E4-68AC6908346D}"/>
               </a:ext>
             </a:extLst>
           </p:cNvPr>
@@ -30139,604 +32329,18 @@
         </p:blipFill>
         <p:spPr>
           <a:xfrm>
-            <a:off x="1143000" y="1595482"/>
-            <a:ext cx="3200400" cy="2401580"/>
+            <a:off x="93652" y="3562089"/>
+            <a:ext cx="3200400" cy="2396459"/>
           </a:xfrm>
           <a:prstGeom prst="rect">
             <a:avLst/>
           </a:prstGeom>
         </p:spPr>
       </p:pic>
-      <p:pic>
-        <p:nvPicPr>
-          <p:cNvPr id="4" name="Picture 3">
-            <a:extLst>
-              <a:ext uri="{FF2B5EF4-FFF2-40B4-BE49-F238E27FC236}">
-                <a16:creationId xmlns:a16="http://schemas.microsoft.com/office/drawing/2014/main" id="{38BA0178-AC9A-F7CE-C496-80603446D2AB}"/>
-              </a:ext>
-            </a:extLst>
-          </p:cNvPr>
-          <p:cNvPicPr>
-            <a:picLocks noChangeAspect="1"/>
-          </p:cNvPicPr>
-          <p:nvPr/>
-        </p:nvPicPr>
-        <p:blipFill>
-          <a:blip r:embed="rId4"/>
-          <a:stretch>
-            <a:fillRect/>
-          </a:stretch>
-        </p:blipFill>
-        <p:spPr>
-          <a:xfrm>
-            <a:off x="4343400" y="1595482"/>
-            <a:ext cx="3200400" cy="2405429"/>
-          </a:xfrm>
-          <a:prstGeom prst="rect">
-            <a:avLst/>
-          </a:prstGeom>
-        </p:spPr>
-      </p:pic>
-      <p:pic>
-        <p:nvPicPr>
-          <p:cNvPr id="6" name="Picture 5">
-            <a:extLst>
-              <a:ext uri="{FF2B5EF4-FFF2-40B4-BE49-F238E27FC236}">
-                <a16:creationId xmlns:a16="http://schemas.microsoft.com/office/drawing/2014/main" id="{ADAF67AC-B637-B602-B61E-26C39505AE26}"/>
-              </a:ext>
-            </a:extLst>
-          </p:cNvPr>
-          <p:cNvPicPr>
-            <a:picLocks noChangeAspect="1"/>
-          </p:cNvPicPr>
-          <p:nvPr/>
-        </p:nvPicPr>
-        <p:blipFill>
-          <a:blip r:embed="rId5"/>
-          <a:stretch>
-            <a:fillRect/>
-          </a:stretch>
-        </p:blipFill>
-        <p:spPr>
-          <a:xfrm>
-            <a:off x="1143000" y="4084568"/>
-            <a:ext cx="3200400" cy="2422202"/>
-          </a:xfrm>
-          <a:prstGeom prst="rect">
-            <a:avLst/>
-          </a:prstGeom>
-        </p:spPr>
-      </p:pic>
-      <p:pic>
-        <p:nvPicPr>
-          <p:cNvPr id="10" name="Picture 9">
-            <a:extLst>
-              <a:ext uri="{FF2B5EF4-FFF2-40B4-BE49-F238E27FC236}">
-                <a16:creationId xmlns:a16="http://schemas.microsoft.com/office/drawing/2014/main" id="{DE581D4A-7279-2006-1A04-48DFDE2A503C}"/>
-              </a:ext>
-            </a:extLst>
-          </p:cNvPr>
-          <p:cNvPicPr>
-            <a:picLocks noChangeAspect="1"/>
-          </p:cNvPicPr>
-          <p:nvPr/>
-        </p:nvPicPr>
-        <p:blipFill>
-          <a:blip r:embed="rId6"/>
-          <a:stretch>
-            <a:fillRect/>
-          </a:stretch>
-        </p:blipFill>
-        <p:spPr>
-          <a:xfrm>
-            <a:off x="4343400" y="4107804"/>
-            <a:ext cx="3200400" cy="2406700"/>
-          </a:xfrm>
-          <a:prstGeom prst="rect">
-            <a:avLst/>
-          </a:prstGeom>
-        </p:spPr>
-      </p:pic>
-      <p:sp>
-        <p:nvSpPr>
-          <p:cNvPr id="2" name="Title 1">
-            <a:extLst>
-              <a:ext uri="{FF2B5EF4-FFF2-40B4-BE49-F238E27FC236}">
-                <a16:creationId xmlns:a16="http://schemas.microsoft.com/office/drawing/2014/main" id="{5F7D8DA0-C082-EFB6-2D50-4B117CBADD11}"/>
-              </a:ext>
-            </a:extLst>
-          </p:cNvPr>
-          <p:cNvSpPr>
-            <a:spLocks noGrp="1"/>
-          </p:cNvSpPr>
-          <p:nvPr>
-            <p:ph type="title"/>
-          </p:nvPr>
-        </p:nvSpPr>
-        <p:spPr>
-          <a:xfrm>
-            <a:off x="152400" y="152400"/>
-            <a:ext cx="8610600" cy="838200"/>
-          </a:xfrm>
-        </p:spPr>
-        <p:txBody>
-          <a:bodyPr/>
-          <a:lstStyle/>
-          <a:p>
-            <a:r>
-              <a:rPr lang="en-US" altLang="zh-CN" dirty="0"/>
-              <a:t>Channel</a:t>
-            </a:r>
-            <a:endParaRPr lang="zh-CN" altLang="en-US" dirty="0"/>
-          </a:p>
-        </p:txBody>
-      </p:sp>
-      <p:sp>
-        <p:nvSpPr>
-          <p:cNvPr id="9" name="Rectangle 2">
-            <a:extLst>
-              <a:ext uri="{FF2B5EF4-FFF2-40B4-BE49-F238E27FC236}">
-                <a16:creationId xmlns:a16="http://schemas.microsoft.com/office/drawing/2014/main" id="{E6F3BC53-E44F-D3BC-3EA2-FB408B327182}"/>
-              </a:ext>
-            </a:extLst>
-          </p:cNvPr>
-          <p:cNvSpPr>
-            <a:spLocks noChangeArrowheads="1"/>
-          </p:cNvSpPr>
-          <p:nvPr/>
-        </p:nvSpPr>
-        <p:spPr bwMode="auto">
-          <a:xfrm>
-            <a:off x="0" y="0"/>
-            <a:ext cx="9144000" cy="0"/>
-          </a:xfrm>
-          <a:prstGeom prst="rect">
-            <a:avLst/>
-          </a:prstGeom>
-          <a:noFill/>
-          <a:ln>
-            <a:noFill/>
-          </a:ln>
-          <a:effectLst/>
-          <a:extLst>
-            <a:ext uri="{909E8E84-426E-40DD-AFC4-6F175D3DCCD1}">
-              <a14:hiddenFill xmlns:a14="http://schemas.microsoft.com/office/drawing/2010/main">
-                <a:solidFill>
-                  <a:schemeClr val="accent1"/>
-                </a:solidFill>
-              </a14:hiddenFill>
-            </a:ext>
-            <a:ext uri="{91240B29-F687-4F45-9708-019B960494DF}">
-              <a14:hiddenLine xmlns:a14="http://schemas.microsoft.com/office/drawing/2010/main" w="9525">
-                <a:solidFill>
-                  <a:schemeClr val="tx1"/>
-                </a:solidFill>
-                <a:miter lim="800000"/>
-                <a:headEnd/>
-                <a:tailEnd/>
-              </a14:hiddenLine>
-            </a:ext>
-            <a:ext uri="{AF507438-7753-43E0-B8FC-AC1667EBCBE1}">
-              <a14:hiddenEffects xmlns:a14="http://schemas.microsoft.com/office/drawing/2010/main">
-                <a:effectLst>
-                  <a:outerShdw dist="35921" dir="2700000" algn="ctr" rotWithShape="0">
-                    <a:schemeClr val="bg2"/>
-                  </a:outerShdw>
-                </a:effectLst>
-              </a14:hiddenEffects>
-            </a:ext>
-          </a:extLst>
-        </p:spPr>
-        <p:txBody>
-          <a:bodyPr vert="horz" wrap="none" lIns="91440" tIns="45720" rIns="91440" bIns="45720" numCol="1" anchor="ctr" anchorCtr="0" compatLnSpc="1">
-            <a:prstTxWarp prst="textNoShape">
-              <a:avLst/>
-            </a:prstTxWarp>
-            <a:spAutoFit/>
-          </a:bodyPr>
-          <a:lstStyle/>
-          <a:p>
-            <a:endParaRPr lang="zh-CN" altLang="en-US"/>
-          </a:p>
-        </p:txBody>
-      </p:sp>
-      <p:sp>
-        <p:nvSpPr>
-          <p:cNvPr id="18" name="内容占位符 2">
-            <a:extLst>
-              <a:ext uri="{FF2B5EF4-FFF2-40B4-BE49-F238E27FC236}">
-                <a16:creationId xmlns:a16="http://schemas.microsoft.com/office/drawing/2014/main" id="{7B818FB2-A40F-DFB7-1A9B-B79EC2DDEBB5}"/>
-              </a:ext>
-            </a:extLst>
-          </p:cNvPr>
-          <p:cNvSpPr txBox="1">
-            <a:spLocks/>
-          </p:cNvSpPr>
-          <p:nvPr/>
-        </p:nvSpPr>
-        <p:spPr bwMode="auto">
-          <a:xfrm>
-            <a:off x="93652" y="1068112"/>
-            <a:ext cx="9050348" cy="532088"/>
-          </a:xfrm>
-          <a:prstGeom prst="rect">
-            <a:avLst/>
-          </a:prstGeom>
-          <a:noFill/>
-          <a:ln>
-            <a:noFill/>
-          </a:ln>
-          <a:extLst>
-            <a:ext uri="{909E8E84-426E-40DD-AFC4-6F175D3DCCD1}">
-              <a14:hiddenFill xmlns:a14="http://schemas.microsoft.com/office/drawing/2010/main">
-                <a:solidFill>
-                  <a:srgbClr val="FFFFFF"/>
-                </a:solidFill>
-              </a14:hiddenFill>
-            </a:ext>
-            <a:ext uri="{91240B29-F687-4F45-9708-019B960494DF}">
-              <a14:hiddenLine xmlns:a14="http://schemas.microsoft.com/office/drawing/2010/main" w="28575">
-                <a:solidFill>
-                  <a:srgbClr val="000000"/>
-                </a:solidFill>
-                <a:miter lim="800000"/>
-                <a:headEnd/>
-                <a:tailEnd/>
-              </a14:hiddenLine>
-            </a:ext>
-          </a:extLst>
-        </p:spPr>
-        <p:txBody>
-          <a:bodyPr vert="horz" wrap="square" lIns="91440" tIns="45720" rIns="91440" bIns="45720" numCol="1" anchor="t" anchorCtr="0" compatLnSpc="1">
-            <a:prstTxWarp prst="textNoShape">
-              <a:avLst/>
-            </a:prstTxWarp>
-          </a:bodyPr>
-          <a:lstStyle>
-            <a:lvl1pPr marL="342900" indent="-342900" algn="l" rtl="0" eaLnBrk="1" fontAlgn="base" hangingPunct="1">
-              <a:spcBef>
-                <a:spcPct val="30000"/>
-              </a:spcBef>
-              <a:spcAft>
-                <a:spcPct val="0"/>
-              </a:spcAft>
-              <a:buClr>
-                <a:schemeClr val="hlink"/>
-              </a:buClr>
-              <a:buFont typeface="Wingdings" pitchFamily="2" charset="2"/>
-              <a:buChar char="§"/>
-              <a:defRPr sz="3200">
-                <a:solidFill>
-                  <a:srgbClr val="000066"/>
-                </a:solidFill>
-                <a:latin typeface="微软雅黑" pitchFamily="34" charset="-122"/>
-                <a:ea typeface="微软雅黑" pitchFamily="34" charset="-122"/>
-                <a:cs typeface="+mn-cs"/>
-              </a:defRPr>
-            </a:lvl1pPr>
-            <a:lvl2pPr marL="742950" indent="-285750" algn="l" rtl="0" eaLnBrk="1" fontAlgn="base" hangingPunct="1">
-              <a:spcBef>
-                <a:spcPct val="30000"/>
-              </a:spcBef>
-              <a:spcAft>
-                <a:spcPct val="0"/>
-              </a:spcAft>
-              <a:buClr>
-                <a:schemeClr val="tx2"/>
-              </a:buClr>
-              <a:buSzPct val="85000"/>
-              <a:buFont typeface="Wingdings" pitchFamily="2" charset="2"/>
-              <a:buChar char="Ø"/>
-              <a:defRPr sz="2800">
-                <a:solidFill>
-                  <a:srgbClr val="006666"/>
-                </a:solidFill>
-                <a:latin typeface="微软雅黑" pitchFamily="34" charset="-122"/>
-                <a:ea typeface="微软雅黑" pitchFamily="34" charset="-122"/>
-              </a:defRPr>
-            </a:lvl2pPr>
-            <a:lvl3pPr marL="1143000" indent="-228600" algn="l" rtl="0" eaLnBrk="1" fontAlgn="base" hangingPunct="1">
-              <a:spcBef>
-                <a:spcPct val="30000"/>
-              </a:spcBef>
-              <a:spcAft>
-                <a:spcPct val="0"/>
-              </a:spcAft>
-              <a:buClr>
-                <a:schemeClr val="hlink"/>
-              </a:buClr>
-              <a:buSzPct val="95000"/>
-              <a:buFont typeface="Wingdings 2" pitchFamily="18" charset="2"/>
-              <a:buChar char="¡"/>
-              <a:defRPr sz="2400">
-                <a:solidFill>
-                  <a:schemeClr val="hlink"/>
-                </a:solidFill>
-                <a:latin typeface="微软雅黑" pitchFamily="34" charset="-122"/>
-                <a:ea typeface="微软雅黑" pitchFamily="34" charset="-122"/>
-              </a:defRPr>
-            </a:lvl3pPr>
-            <a:lvl4pPr marL="1600200" indent="-228600" algn="l" rtl="0" eaLnBrk="1" fontAlgn="base" hangingPunct="1">
-              <a:spcBef>
-                <a:spcPct val="30000"/>
-              </a:spcBef>
-              <a:spcAft>
-                <a:spcPct val="0"/>
-              </a:spcAft>
-              <a:buClr>
-                <a:schemeClr val="tx2"/>
-              </a:buClr>
-              <a:buSzPct val="90000"/>
-              <a:buFont typeface="Wingdings" pitchFamily="2" charset="2"/>
-              <a:buChar char="Ø"/>
-              <a:defRPr sz="2000">
-                <a:solidFill>
-                  <a:srgbClr val="990099"/>
-                </a:solidFill>
-                <a:latin typeface="微软雅黑" pitchFamily="34" charset="-122"/>
-                <a:ea typeface="微软雅黑" pitchFamily="34" charset="-122"/>
-              </a:defRPr>
-            </a:lvl4pPr>
-            <a:lvl5pPr marL="2057400" indent="-228600" algn="l" rtl="0" eaLnBrk="1" fontAlgn="base" hangingPunct="1">
-              <a:spcBef>
-                <a:spcPct val="30000"/>
-              </a:spcBef>
-              <a:spcAft>
-                <a:spcPct val="0"/>
-              </a:spcAft>
-              <a:buClr>
-                <a:schemeClr val="hlink"/>
-              </a:buClr>
-              <a:buFont typeface="Wingdings 2" pitchFamily="18" charset="2"/>
-              <a:buChar char="¡"/>
-              <a:defRPr sz="2000">
-                <a:solidFill>
-                  <a:schemeClr val="tx1"/>
-                </a:solidFill>
-                <a:latin typeface="微软雅黑" pitchFamily="34" charset="-122"/>
-                <a:ea typeface="微软雅黑" pitchFamily="34" charset="-122"/>
-              </a:defRPr>
-            </a:lvl5pPr>
-            <a:lvl6pPr marL="2514600" indent="-228600" algn="l" rtl="0" eaLnBrk="1" fontAlgn="base" hangingPunct="1">
-              <a:spcBef>
-                <a:spcPct val="30000"/>
-              </a:spcBef>
-              <a:spcAft>
-                <a:spcPct val="0"/>
-              </a:spcAft>
-              <a:buClr>
-                <a:schemeClr val="hlink"/>
-              </a:buClr>
-              <a:buFont typeface="Wingdings 2" pitchFamily="18" charset="2"/>
-              <a:buChar char="¡"/>
-              <a:defRPr sz="2000">
-                <a:solidFill>
-                  <a:schemeClr val="tx1"/>
-                </a:solidFill>
-                <a:latin typeface="+mn-lt"/>
-                <a:ea typeface="+mn-ea"/>
-              </a:defRPr>
-            </a:lvl6pPr>
-            <a:lvl7pPr marL="2971800" indent="-228600" algn="l" rtl="0" eaLnBrk="1" fontAlgn="base" hangingPunct="1">
-              <a:spcBef>
-                <a:spcPct val="30000"/>
-              </a:spcBef>
-              <a:spcAft>
-                <a:spcPct val="0"/>
-              </a:spcAft>
-              <a:buClr>
-                <a:schemeClr val="hlink"/>
-              </a:buClr>
-              <a:buFont typeface="Wingdings 2" pitchFamily="18" charset="2"/>
-              <a:buChar char="¡"/>
-              <a:defRPr sz="2000">
-                <a:solidFill>
-                  <a:schemeClr val="tx1"/>
-                </a:solidFill>
-                <a:latin typeface="+mn-lt"/>
-                <a:ea typeface="+mn-ea"/>
-              </a:defRPr>
-            </a:lvl7pPr>
-            <a:lvl8pPr marL="3429000" indent="-228600" algn="l" rtl="0" eaLnBrk="1" fontAlgn="base" hangingPunct="1">
-              <a:spcBef>
-                <a:spcPct val="30000"/>
-              </a:spcBef>
-              <a:spcAft>
-                <a:spcPct val="0"/>
-              </a:spcAft>
-              <a:buClr>
-                <a:schemeClr val="hlink"/>
-              </a:buClr>
-              <a:buFont typeface="Wingdings 2" pitchFamily="18" charset="2"/>
-              <a:buChar char="¡"/>
-              <a:defRPr sz="2000">
-                <a:solidFill>
-                  <a:schemeClr val="tx1"/>
-                </a:solidFill>
-                <a:latin typeface="+mn-lt"/>
-                <a:ea typeface="+mn-ea"/>
-              </a:defRPr>
-            </a:lvl8pPr>
-            <a:lvl9pPr marL="3886200" indent="-228600" algn="l" rtl="0" eaLnBrk="1" fontAlgn="base" hangingPunct="1">
-              <a:spcBef>
-                <a:spcPct val="30000"/>
-              </a:spcBef>
-              <a:spcAft>
-                <a:spcPct val="0"/>
-              </a:spcAft>
-              <a:buClr>
-                <a:schemeClr val="hlink"/>
-              </a:buClr>
-              <a:buFont typeface="Wingdings 2" pitchFamily="18" charset="2"/>
-              <a:buChar char="¡"/>
-              <a:defRPr sz="2000">
-                <a:solidFill>
-                  <a:schemeClr val="tx1"/>
-                </a:solidFill>
-                <a:latin typeface="+mn-lt"/>
-                <a:ea typeface="+mn-ea"/>
-              </a:defRPr>
-            </a:lvl9pPr>
-          </a:lstStyle>
-          <a:p>
-            <a:r>
-              <a:rPr lang="en-US" altLang="zh-CN" sz="2400" kern="0" dirty="0">
-                <a:latin typeface="+mn-lt"/>
-                <a:cs typeface="Times New Roman" panose="02020603050405020304" pitchFamily="18" charset="0"/>
-              </a:rPr>
-              <a:t>Neumann</a:t>
-            </a:r>
-            <a:endParaRPr lang="en-US" altLang="zh-CN" sz="2000" kern="0" dirty="0">
-              <a:latin typeface="+mn-lt"/>
-              <a:cs typeface="Times New Roman" panose="02020603050405020304" pitchFamily="18" charset="0"/>
-            </a:endParaRPr>
-          </a:p>
-        </p:txBody>
-      </p:sp>
-      <p:sp>
-        <p:nvSpPr>
-          <p:cNvPr id="14" name="TextBox 13">
-            <a:extLst>
-              <a:ext uri="{FF2B5EF4-FFF2-40B4-BE49-F238E27FC236}">
-                <a16:creationId xmlns:a16="http://schemas.microsoft.com/office/drawing/2014/main" id="{1B529017-0B6B-0ACB-89B0-858FFC2A4C20}"/>
-              </a:ext>
-            </a:extLst>
-          </p:cNvPr>
-          <p:cNvSpPr txBox="1"/>
-          <p:nvPr/>
-        </p:nvSpPr>
-        <p:spPr>
-          <a:xfrm>
-            <a:off x="2171184" y="2907469"/>
-            <a:ext cx="1334533" cy="369332"/>
-          </a:xfrm>
-          <a:prstGeom prst="rect">
-            <a:avLst/>
-          </a:prstGeom>
-          <a:noFill/>
-        </p:spPr>
-        <p:txBody>
-          <a:bodyPr wrap="none" rtlCol="0">
-            <a:spAutoFit/>
-          </a:bodyPr>
-          <a:lstStyle/>
-          <a:p>
-            <a:r>
-              <a:rPr lang="en-US" dirty="0"/>
-              <a:t>RETAU180</a:t>
-            </a:r>
-          </a:p>
-        </p:txBody>
-      </p:sp>
-      <p:sp>
-        <p:nvSpPr>
-          <p:cNvPr id="15" name="TextBox 14">
-            <a:extLst>
-              <a:ext uri="{FF2B5EF4-FFF2-40B4-BE49-F238E27FC236}">
-                <a16:creationId xmlns:a16="http://schemas.microsoft.com/office/drawing/2014/main" id="{C8684D57-EF74-BB89-569F-9FEA59F05739}"/>
-              </a:ext>
-            </a:extLst>
-          </p:cNvPr>
-          <p:cNvSpPr txBox="1"/>
-          <p:nvPr/>
-        </p:nvSpPr>
-        <p:spPr>
-          <a:xfrm>
-            <a:off x="5352533" y="2867201"/>
-            <a:ext cx="1334533" cy="369332"/>
-          </a:xfrm>
-          <a:prstGeom prst="rect">
-            <a:avLst/>
-          </a:prstGeom>
-          <a:noFill/>
-        </p:spPr>
-        <p:txBody>
-          <a:bodyPr wrap="none" rtlCol="0">
-            <a:spAutoFit/>
-          </a:bodyPr>
-          <a:lstStyle/>
-          <a:p>
-            <a:r>
-              <a:rPr lang="en-US" dirty="0"/>
-              <a:t>RETAU550</a:t>
-            </a:r>
-          </a:p>
-        </p:txBody>
-      </p:sp>
-      <p:sp>
-        <p:nvSpPr>
-          <p:cNvPr id="16" name="TextBox 15">
-            <a:extLst>
-              <a:ext uri="{FF2B5EF4-FFF2-40B4-BE49-F238E27FC236}">
-                <a16:creationId xmlns:a16="http://schemas.microsoft.com/office/drawing/2014/main" id="{A81E0D96-94BA-7895-4B68-EE65FCEA898F}"/>
-              </a:ext>
-            </a:extLst>
-          </p:cNvPr>
-          <p:cNvSpPr txBox="1"/>
-          <p:nvPr/>
-        </p:nvSpPr>
-        <p:spPr>
-          <a:xfrm>
-            <a:off x="2209800" y="5229403"/>
-            <a:ext cx="1462773" cy="369332"/>
-          </a:xfrm>
-          <a:prstGeom prst="rect">
-            <a:avLst/>
-          </a:prstGeom>
-          <a:noFill/>
-        </p:spPr>
-        <p:txBody>
-          <a:bodyPr wrap="none" rtlCol="0">
-            <a:spAutoFit/>
-          </a:bodyPr>
-          <a:lstStyle/>
-          <a:p>
-            <a:r>
-              <a:rPr lang="en-US" dirty="0"/>
-              <a:t>RETAU1000</a:t>
-            </a:r>
-          </a:p>
-        </p:txBody>
-      </p:sp>
-      <p:sp>
-        <p:nvSpPr>
-          <p:cNvPr id="17" name="TextBox 16">
-            <a:extLst>
-              <a:ext uri="{FF2B5EF4-FFF2-40B4-BE49-F238E27FC236}">
-                <a16:creationId xmlns:a16="http://schemas.microsoft.com/office/drawing/2014/main" id="{464CDD66-A778-D834-F9C7-CC676A0ADA8D}"/>
-              </a:ext>
-            </a:extLst>
-          </p:cNvPr>
-          <p:cNvSpPr txBox="1"/>
-          <p:nvPr/>
-        </p:nvSpPr>
-        <p:spPr>
-          <a:xfrm>
-            <a:off x="5352532" y="5215393"/>
-            <a:ext cx="1462773" cy="369332"/>
-          </a:xfrm>
-          <a:prstGeom prst="rect">
-            <a:avLst/>
-          </a:prstGeom>
-          <a:noFill/>
-        </p:spPr>
-        <p:txBody>
-          <a:bodyPr wrap="none" rtlCol="0">
-            <a:spAutoFit/>
-          </a:bodyPr>
-          <a:lstStyle/>
-          <a:p>
-            <a:r>
-              <a:rPr lang="en-US" dirty="0"/>
-              <a:t>RETAU5200</a:t>
-            </a:r>
-          </a:p>
-        </p:txBody>
-      </p:sp>
     </p:spTree>
     <p:extLst>
       <p:ext uri="{BB962C8B-B14F-4D97-AF65-F5344CB8AC3E}">
-        <p14:creationId xmlns:p14="http://schemas.microsoft.com/office/powerpoint/2010/main" val="1841384156"/>
+        <p14:creationId xmlns:p14="http://schemas.microsoft.com/office/powerpoint/2010/main" val="1101504850"/>
       </p:ext>
     </p:extLst>
   </p:cSld>

--- a/docs/vv.pptx
+++ b/docs/vv.pptx
@@ -5,28 +5,35 @@
     <p:sldMasterId id="2147483660" r:id="rId1"/>
   </p:sldMasterIdLst>
   <p:notesMasterIdLst>
-    <p:notesMasterId r:id="rId18"/>
+    <p:notesMasterId r:id="rId25"/>
   </p:notesMasterIdLst>
   <p:handoutMasterIdLst>
-    <p:handoutMasterId r:id="rId19"/>
+    <p:handoutMasterId r:id="rId26"/>
   </p:handoutMasterIdLst>
   <p:sldIdLst>
     <p:sldId id="256" r:id="rId2"/>
     <p:sldId id="647" r:id="rId3"/>
     <p:sldId id="654" r:id="rId4"/>
-    <p:sldId id="648" r:id="rId5"/>
-    <p:sldId id="650" r:id="rId6"/>
-    <p:sldId id="645" r:id="rId7"/>
-    <p:sldId id="658" r:id="rId8"/>
-    <p:sldId id="660" r:id="rId9"/>
-    <p:sldId id="661" r:id="rId10"/>
-    <p:sldId id="662" r:id="rId11"/>
-    <p:sldId id="651" r:id="rId12"/>
-    <p:sldId id="653" r:id="rId13"/>
-    <p:sldId id="655" r:id="rId14"/>
-    <p:sldId id="656" r:id="rId15"/>
-    <p:sldId id="649" r:id="rId16"/>
-    <p:sldId id="646" r:id="rId17"/>
+    <p:sldId id="665" r:id="rId5"/>
+    <p:sldId id="648" r:id="rId6"/>
+    <p:sldId id="666" r:id="rId7"/>
+    <p:sldId id="650" r:id="rId8"/>
+    <p:sldId id="667" r:id="rId9"/>
+    <p:sldId id="645" r:id="rId10"/>
+    <p:sldId id="658" r:id="rId11"/>
+    <p:sldId id="669" r:id="rId12"/>
+    <p:sldId id="660" r:id="rId13"/>
+    <p:sldId id="661" r:id="rId14"/>
+    <p:sldId id="662" r:id="rId15"/>
+    <p:sldId id="663" r:id="rId16"/>
+    <p:sldId id="664" r:id="rId17"/>
+    <p:sldId id="668" r:id="rId18"/>
+    <p:sldId id="651" r:id="rId19"/>
+    <p:sldId id="653" r:id="rId20"/>
+    <p:sldId id="655" r:id="rId21"/>
+    <p:sldId id="656" r:id="rId22"/>
+    <p:sldId id="649" r:id="rId23"/>
+    <p:sldId id="646" r:id="rId24"/>
   </p:sldIdLst>
   <p:sldSz cx="9144000" cy="6858000" type="screen4x3"/>
   <p:notesSz cx="6797675" cy="9931400"/>
@@ -229,7 +236,7 @@
           <a:p>
             <a:fld id="{30C704EE-38E9-4E72-9BB6-71E8241CE3C0}" type="datetimeFigureOut">
               <a:rPr lang="en-US" smtClean="0"/>
-              <a:t>4/18/2024</a:t>
+              <a:t>4/20/2024</a:t>
             </a:fld>
             <a:endParaRPr lang="en-US"/>
           </a:p>
@@ -394,7 +401,7 @@
           <a:p>
             <a:fld id="{0D66AE9B-9EE2-43DA-9A8E-D2E5656B8B43}" type="datetimeFigureOut">
               <a:rPr lang="en-US" smtClean="0"/>
-              <a:t>4/18/2024</a:t>
+              <a:t>4/20/2024</a:t>
             </a:fld>
             <a:endParaRPr lang="en-US"/>
           </a:p>
@@ -822,6 +829,354 @@
     </p:spTree>
     <p:extLst>
       <p:ext uri="{BB962C8B-B14F-4D97-AF65-F5344CB8AC3E}">
+        <p14:creationId xmlns:p14="http://schemas.microsoft.com/office/powerpoint/2010/main" val="903497370"/>
+      </p:ext>
+    </p:extLst>
+  </p:cSld>
+  <p:clrMapOvr>
+    <a:masterClrMapping/>
+  </p:clrMapOvr>
+</p:notes>
+</file>
+
+<file path=ppt/notesSlides/notesSlide11.xml><?xml version="1.0" encoding="utf-8"?>
+<p:notes xmlns:a="http://schemas.openxmlformats.org/drawingml/2006/main" xmlns:r="http://schemas.openxmlformats.org/officeDocument/2006/relationships" xmlns:p="http://schemas.openxmlformats.org/presentationml/2006/main">
+  <p:cSld>
+    <p:spTree>
+      <p:nvGrpSpPr>
+        <p:cNvPr id="1" name=""/>
+        <p:cNvGrpSpPr/>
+        <p:nvPr/>
+      </p:nvGrpSpPr>
+      <p:grpSpPr>
+        <a:xfrm>
+          <a:off x="0" y="0"/>
+          <a:ext cx="0" cy="0"/>
+          <a:chOff x="0" y="0"/>
+          <a:chExt cx="0" cy="0"/>
+        </a:xfrm>
+      </p:grpSpPr>
+      <p:sp>
+        <p:nvSpPr>
+          <p:cNvPr id="2" name="Slide Image Placeholder 1"/>
+          <p:cNvSpPr>
+            <a:spLocks noGrp="1" noRot="1" noChangeAspect="1"/>
+          </p:cNvSpPr>
+          <p:nvPr>
+            <p:ph type="sldImg"/>
+          </p:nvPr>
+        </p:nvSpPr>
+        <p:spPr/>
+      </p:sp>
+      <p:sp>
+        <p:nvSpPr>
+          <p:cNvPr id="3" name="Notes Placeholder 2"/>
+          <p:cNvSpPr>
+            <a:spLocks noGrp="1"/>
+          </p:cNvSpPr>
+          <p:nvPr>
+            <p:ph type="body" idx="1"/>
+          </p:nvPr>
+        </p:nvSpPr>
+        <p:spPr/>
+        <p:txBody>
+          <a:bodyPr/>
+          <a:lstStyle/>
+          <a:p>
+            <a:pPr marL="0" indent="0">
+              <a:buNone/>
+            </a:pPr>
+            <a:endParaRPr lang="en-US" dirty="0"/>
+          </a:p>
+        </p:txBody>
+      </p:sp>
+      <p:sp>
+        <p:nvSpPr>
+          <p:cNvPr id="4" name="Slide Number Placeholder 3"/>
+          <p:cNvSpPr>
+            <a:spLocks noGrp="1"/>
+          </p:cNvSpPr>
+          <p:nvPr>
+            <p:ph type="sldNum" sz="quarter" idx="10"/>
+          </p:nvPr>
+        </p:nvSpPr>
+        <p:spPr/>
+        <p:txBody>
+          <a:bodyPr/>
+          <a:lstStyle/>
+          <a:p>
+            <a:fld id="{FFA5E540-6D76-429F-95AD-C7F13B3CAC82}" type="slidenum">
+              <a:rPr lang="en-US" smtClean="0"/>
+              <a:t>11</a:t>
+            </a:fld>
+            <a:endParaRPr lang="en-US" dirty="0"/>
+          </a:p>
+        </p:txBody>
+      </p:sp>
+    </p:spTree>
+    <p:extLst>
+      <p:ext uri="{BB962C8B-B14F-4D97-AF65-F5344CB8AC3E}">
+        <p14:creationId xmlns:p14="http://schemas.microsoft.com/office/powerpoint/2010/main" val="463014086"/>
+      </p:ext>
+    </p:extLst>
+  </p:cSld>
+  <p:clrMapOvr>
+    <a:masterClrMapping/>
+  </p:clrMapOvr>
+</p:notes>
+</file>
+
+<file path=ppt/notesSlides/notesSlide12.xml><?xml version="1.0" encoding="utf-8"?>
+<p:notes xmlns:a="http://schemas.openxmlformats.org/drawingml/2006/main" xmlns:r="http://schemas.openxmlformats.org/officeDocument/2006/relationships" xmlns:p="http://schemas.openxmlformats.org/presentationml/2006/main">
+  <p:cSld>
+    <p:spTree>
+      <p:nvGrpSpPr>
+        <p:cNvPr id="1" name=""/>
+        <p:cNvGrpSpPr/>
+        <p:nvPr/>
+      </p:nvGrpSpPr>
+      <p:grpSpPr>
+        <a:xfrm>
+          <a:off x="0" y="0"/>
+          <a:ext cx="0" cy="0"/>
+          <a:chOff x="0" y="0"/>
+          <a:chExt cx="0" cy="0"/>
+        </a:xfrm>
+      </p:grpSpPr>
+      <p:sp>
+        <p:nvSpPr>
+          <p:cNvPr id="2" name="Slide Image Placeholder 1"/>
+          <p:cNvSpPr>
+            <a:spLocks noGrp="1" noRot="1" noChangeAspect="1"/>
+          </p:cNvSpPr>
+          <p:nvPr>
+            <p:ph type="sldImg"/>
+          </p:nvPr>
+        </p:nvSpPr>
+        <p:spPr/>
+      </p:sp>
+      <p:sp>
+        <p:nvSpPr>
+          <p:cNvPr id="3" name="Notes Placeholder 2"/>
+          <p:cNvSpPr>
+            <a:spLocks noGrp="1"/>
+          </p:cNvSpPr>
+          <p:nvPr>
+            <p:ph type="body" idx="1"/>
+          </p:nvPr>
+        </p:nvSpPr>
+        <p:spPr/>
+        <p:txBody>
+          <a:bodyPr/>
+          <a:lstStyle/>
+          <a:p>
+            <a:pPr marL="0" indent="0">
+              <a:buNone/>
+            </a:pPr>
+            <a:endParaRPr lang="en-US" dirty="0"/>
+          </a:p>
+        </p:txBody>
+      </p:sp>
+      <p:sp>
+        <p:nvSpPr>
+          <p:cNvPr id="4" name="Slide Number Placeholder 3"/>
+          <p:cNvSpPr>
+            <a:spLocks noGrp="1"/>
+          </p:cNvSpPr>
+          <p:nvPr>
+            <p:ph type="sldNum" sz="quarter" idx="10"/>
+          </p:nvPr>
+        </p:nvSpPr>
+        <p:spPr/>
+        <p:txBody>
+          <a:bodyPr/>
+          <a:lstStyle/>
+          <a:p>
+            <a:fld id="{FFA5E540-6D76-429F-95AD-C7F13B3CAC82}" type="slidenum">
+              <a:rPr lang="en-US" smtClean="0"/>
+              <a:t>12</a:t>
+            </a:fld>
+            <a:endParaRPr lang="en-US" dirty="0"/>
+          </a:p>
+        </p:txBody>
+      </p:sp>
+    </p:spTree>
+    <p:extLst>
+      <p:ext uri="{BB962C8B-B14F-4D97-AF65-F5344CB8AC3E}">
+        <p14:creationId xmlns:p14="http://schemas.microsoft.com/office/powerpoint/2010/main" val="4134521755"/>
+      </p:ext>
+    </p:extLst>
+  </p:cSld>
+  <p:clrMapOvr>
+    <a:masterClrMapping/>
+  </p:clrMapOvr>
+</p:notes>
+</file>
+
+<file path=ppt/notesSlides/notesSlide13.xml><?xml version="1.0" encoding="utf-8"?>
+<p:notes xmlns:a="http://schemas.openxmlformats.org/drawingml/2006/main" xmlns:r="http://schemas.openxmlformats.org/officeDocument/2006/relationships" xmlns:p="http://schemas.openxmlformats.org/presentationml/2006/main">
+  <p:cSld>
+    <p:spTree>
+      <p:nvGrpSpPr>
+        <p:cNvPr id="1" name=""/>
+        <p:cNvGrpSpPr/>
+        <p:nvPr/>
+      </p:nvGrpSpPr>
+      <p:grpSpPr>
+        <a:xfrm>
+          <a:off x="0" y="0"/>
+          <a:ext cx="0" cy="0"/>
+          <a:chOff x="0" y="0"/>
+          <a:chExt cx="0" cy="0"/>
+        </a:xfrm>
+      </p:grpSpPr>
+      <p:sp>
+        <p:nvSpPr>
+          <p:cNvPr id="2" name="Slide Image Placeholder 1"/>
+          <p:cNvSpPr>
+            <a:spLocks noGrp="1" noRot="1" noChangeAspect="1"/>
+          </p:cNvSpPr>
+          <p:nvPr>
+            <p:ph type="sldImg"/>
+          </p:nvPr>
+        </p:nvSpPr>
+        <p:spPr/>
+      </p:sp>
+      <p:sp>
+        <p:nvSpPr>
+          <p:cNvPr id="3" name="Notes Placeholder 2"/>
+          <p:cNvSpPr>
+            <a:spLocks noGrp="1"/>
+          </p:cNvSpPr>
+          <p:nvPr>
+            <p:ph type="body" idx="1"/>
+          </p:nvPr>
+        </p:nvSpPr>
+        <p:spPr/>
+        <p:txBody>
+          <a:bodyPr/>
+          <a:lstStyle/>
+          <a:p>
+            <a:pPr marL="0" indent="0">
+              <a:buNone/>
+            </a:pPr>
+            <a:endParaRPr lang="en-US" dirty="0"/>
+          </a:p>
+        </p:txBody>
+      </p:sp>
+      <p:sp>
+        <p:nvSpPr>
+          <p:cNvPr id="4" name="Slide Number Placeholder 3"/>
+          <p:cNvSpPr>
+            <a:spLocks noGrp="1"/>
+          </p:cNvSpPr>
+          <p:nvPr>
+            <p:ph type="sldNum" sz="quarter" idx="10"/>
+          </p:nvPr>
+        </p:nvSpPr>
+        <p:spPr/>
+        <p:txBody>
+          <a:bodyPr/>
+          <a:lstStyle/>
+          <a:p>
+            <a:fld id="{FFA5E540-6D76-429F-95AD-C7F13B3CAC82}" type="slidenum">
+              <a:rPr lang="en-US" smtClean="0"/>
+              <a:t>13</a:t>
+            </a:fld>
+            <a:endParaRPr lang="en-US" dirty="0"/>
+          </a:p>
+        </p:txBody>
+      </p:sp>
+    </p:spTree>
+    <p:extLst>
+      <p:ext uri="{BB962C8B-B14F-4D97-AF65-F5344CB8AC3E}">
+        <p14:creationId xmlns:p14="http://schemas.microsoft.com/office/powerpoint/2010/main" val="104754045"/>
+      </p:ext>
+    </p:extLst>
+  </p:cSld>
+  <p:clrMapOvr>
+    <a:masterClrMapping/>
+  </p:clrMapOvr>
+</p:notes>
+</file>
+
+<file path=ppt/notesSlides/notesSlide14.xml><?xml version="1.0" encoding="utf-8"?>
+<p:notes xmlns:a="http://schemas.openxmlformats.org/drawingml/2006/main" xmlns:r="http://schemas.openxmlformats.org/officeDocument/2006/relationships" xmlns:p="http://schemas.openxmlformats.org/presentationml/2006/main">
+  <p:cSld>
+    <p:spTree>
+      <p:nvGrpSpPr>
+        <p:cNvPr id="1" name=""/>
+        <p:cNvGrpSpPr/>
+        <p:nvPr/>
+      </p:nvGrpSpPr>
+      <p:grpSpPr>
+        <a:xfrm>
+          <a:off x="0" y="0"/>
+          <a:ext cx="0" cy="0"/>
+          <a:chOff x="0" y="0"/>
+          <a:chExt cx="0" cy="0"/>
+        </a:xfrm>
+      </p:grpSpPr>
+      <p:sp>
+        <p:nvSpPr>
+          <p:cNvPr id="2" name="Slide Image Placeholder 1"/>
+          <p:cNvSpPr>
+            <a:spLocks noGrp="1" noRot="1" noChangeAspect="1"/>
+          </p:cNvSpPr>
+          <p:nvPr>
+            <p:ph type="sldImg"/>
+          </p:nvPr>
+        </p:nvSpPr>
+        <p:spPr/>
+      </p:sp>
+      <p:sp>
+        <p:nvSpPr>
+          <p:cNvPr id="3" name="Notes Placeholder 2"/>
+          <p:cNvSpPr>
+            <a:spLocks noGrp="1"/>
+          </p:cNvSpPr>
+          <p:nvPr>
+            <p:ph type="body" idx="1"/>
+          </p:nvPr>
+        </p:nvSpPr>
+        <p:spPr/>
+        <p:txBody>
+          <a:bodyPr/>
+          <a:lstStyle/>
+          <a:p>
+            <a:pPr marL="0" indent="0">
+              <a:buNone/>
+            </a:pPr>
+            <a:endParaRPr lang="en-US" dirty="0"/>
+          </a:p>
+        </p:txBody>
+      </p:sp>
+      <p:sp>
+        <p:nvSpPr>
+          <p:cNvPr id="4" name="Slide Number Placeholder 3"/>
+          <p:cNvSpPr>
+            <a:spLocks noGrp="1"/>
+          </p:cNvSpPr>
+          <p:nvPr>
+            <p:ph type="sldNum" sz="quarter" idx="10"/>
+          </p:nvPr>
+        </p:nvSpPr>
+        <p:spPr/>
+        <p:txBody>
+          <a:bodyPr/>
+          <a:lstStyle/>
+          <a:p>
+            <a:fld id="{FFA5E540-6D76-429F-95AD-C7F13B3CAC82}" type="slidenum">
+              <a:rPr lang="en-US" smtClean="0"/>
+              <a:t>14</a:t>
+            </a:fld>
+            <a:endParaRPr lang="en-US" dirty="0"/>
+          </a:p>
+        </p:txBody>
+      </p:sp>
+    </p:spTree>
+    <p:extLst>
+      <p:ext uri="{BB962C8B-B14F-4D97-AF65-F5344CB8AC3E}">
         <p14:creationId xmlns:p14="http://schemas.microsoft.com/office/powerpoint/2010/main" val="9479848"/>
       </p:ext>
     </p:extLst>
@@ -832,7 +1187,181 @@
 </p:notes>
 </file>
 
-<file path=ppt/notesSlides/notesSlide11.xml><?xml version="1.0" encoding="utf-8"?>
+<file path=ppt/notesSlides/notesSlide15.xml><?xml version="1.0" encoding="utf-8"?>
+<p:notes xmlns:a="http://schemas.openxmlformats.org/drawingml/2006/main" xmlns:r="http://schemas.openxmlformats.org/officeDocument/2006/relationships" xmlns:p="http://schemas.openxmlformats.org/presentationml/2006/main">
+  <p:cSld>
+    <p:spTree>
+      <p:nvGrpSpPr>
+        <p:cNvPr id="1" name=""/>
+        <p:cNvGrpSpPr/>
+        <p:nvPr/>
+      </p:nvGrpSpPr>
+      <p:grpSpPr>
+        <a:xfrm>
+          <a:off x="0" y="0"/>
+          <a:ext cx="0" cy="0"/>
+          <a:chOff x="0" y="0"/>
+          <a:chExt cx="0" cy="0"/>
+        </a:xfrm>
+      </p:grpSpPr>
+      <p:sp>
+        <p:nvSpPr>
+          <p:cNvPr id="2" name="Slide Image Placeholder 1"/>
+          <p:cNvSpPr>
+            <a:spLocks noGrp="1" noRot="1" noChangeAspect="1"/>
+          </p:cNvSpPr>
+          <p:nvPr>
+            <p:ph type="sldImg"/>
+          </p:nvPr>
+        </p:nvSpPr>
+        <p:spPr/>
+      </p:sp>
+      <p:sp>
+        <p:nvSpPr>
+          <p:cNvPr id="3" name="Notes Placeholder 2"/>
+          <p:cNvSpPr>
+            <a:spLocks noGrp="1"/>
+          </p:cNvSpPr>
+          <p:nvPr>
+            <p:ph type="body" idx="1"/>
+          </p:nvPr>
+        </p:nvSpPr>
+        <p:spPr/>
+        <p:txBody>
+          <a:bodyPr/>
+          <a:lstStyle/>
+          <a:p>
+            <a:pPr marL="0" indent="0">
+              <a:buNone/>
+            </a:pPr>
+            <a:endParaRPr lang="en-US" dirty="0"/>
+          </a:p>
+        </p:txBody>
+      </p:sp>
+      <p:sp>
+        <p:nvSpPr>
+          <p:cNvPr id="4" name="Slide Number Placeholder 3"/>
+          <p:cNvSpPr>
+            <a:spLocks noGrp="1"/>
+          </p:cNvSpPr>
+          <p:nvPr>
+            <p:ph type="sldNum" sz="quarter" idx="10"/>
+          </p:nvPr>
+        </p:nvSpPr>
+        <p:spPr/>
+        <p:txBody>
+          <a:bodyPr/>
+          <a:lstStyle/>
+          <a:p>
+            <a:fld id="{FFA5E540-6D76-429F-95AD-C7F13B3CAC82}" type="slidenum">
+              <a:rPr lang="en-US" smtClean="0"/>
+              <a:t>15</a:t>
+            </a:fld>
+            <a:endParaRPr lang="en-US" dirty="0"/>
+          </a:p>
+        </p:txBody>
+      </p:sp>
+    </p:spTree>
+    <p:extLst>
+      <p:ext uri="{BB962C8B-B14F-4D97-AF65-F5344CB8AC3E}">
+        <p14:creationId xmlns:p14="http://schemas.microsoft.com/office/powerpoint/2010/main" val="2934220991"/>
+      </p:ext>
+    </p:extLst>
+  </p:cSld>
+  <p:clrMapOvr>
+    <a:masterClrMapping/>
+  </p:clrMapOvr>
+</p:notes>
+</file>
+
+<file path=ppt/notesSlides/notesSlide16.xml><?xml version="1.0" encoding="utf-8"?>
+<p:notes xmlns:a="http://schemas.openxmlformats.org/drawingml/2006/main" xmlns:r="http://schemas.openxmlformats.org/officeDocument/2006/relationships" xmlns:p="http://schemas.openxmlformats.org/presentationml/2006/main">
+  <p:cSld>
+    <p:spTree>
+      <p:nvGrpSpPr>
+        <p:cNvPr id="1" name=""/>
+        <p:cNvGrpSpPr/>
+        <p:nvPr/>
+      </p:nvGrpSpPr>
+      <p:grpSpPr>
+        <a:xfrm>
+          <a:off x="0" y="0"/>
+          <a:ext cx="0" cy="0"/>
+          <a:chOff x="0" y="0"/>
+          <a:chExt cx="0" cy="0"/>
+        </a:xfrm>
+      </p:grpSpPr>
+      <p:sp>
+        <p:nvSpPr>
+          <p:cNvPr id="2" name="Slide Image Placeholder 1"/>
+          <p:cNvSpPr>
+            <a:spLocks noGrp="1" noRot="1" noChangeAspect="1"/>
+          </p:cNvSpPr>
+          <p:nvPr>
+            <p:ph type="sldImg"/>
+          </p:nvPr>
+        </p:nvSpPr>
+        <p:spPr/>
+      </p:sp>
+      <p:sp>
+        <p:nvSpPr>
+          <p:cNvPr id="3" name="Notes Placeholder 2"/>
+          <p:cNvSpPr>
+            <a:spLocks noGrp="1"/>
+          </p:cNvSpPr>
+          <p:nvPr>
+            <p:ph type="body" idx="1"/>
+          </p:nvPr>
+        </p:nvSpPr>
+        <p:spPr/>
+        <p:txBody>
+          <a:bodyPr/>
+          <a:lstStyle/>
+          <a:p>
+            <a:pPr marL="0" indent="0">
+              <a:buNone/>
+            </a:pPr>
+            <a:endParaRPr lang="en-US" dirty="0"/>
+          </a:p>
+        </p:txBody>
+      </p:sp>
+      <p:sp>
+        <p:nvSpPr>
+          <p:cNvPr id="4" name="Slide Number Placeholder 3"/>
+          <p:cNvSpPr>
+            <a:spLocks noGrp="1"/>
+          </p:cNvSpPr>
+          <p:nvPr>
+            <p:ph type="sldNum" sz="quarter" idx="10"/>
+          </p:nvPr>
+        </p:nvSpPr>
+        <p:spPr/>
+        <p:txBody>
+          <a:bodyPr/>
+          <a:lstStyle/>
+          <a:p>
+            <a:fld id="{FFA5E540-6D76-429F-95AD-C7F13B3CAC82}" type="slidenum">
+              <a:rPr lang="en-US" smtClean="0"/>
+              <a:t>16</a:t>
+            </a:fld>
+            <a:endParaRPr lang="en-US" dirty="0"/>
+          </a:p>
+        </p:txBody>
+      </p:sp>
+    </p:spTree>
+    <p:extLst>
+      <p:ext uri="{BB962C8B-B14F-4D97-AF65-F5344CB8AC3E}">
+        <p14:creationId xmlns:p14="http://schemas.microsoft.com/office/powerpoint/2010/main" val="2519188471"/>
+      </p:ext>
+    </p:extLst>
+  </p:cSld>
+  <p:clrMapOvr>
+    <a:masterClrMapping/>
+  </p:clrMapOvr>
+</p:notes>
+</file>
+
+<file path=ppt/notesSlides/notesSlide17.xml><?xml version="1.0" encoding="utf-8"?>
 <p:notes xmlns:a="http://schemas.openxmlformats.org/drawingml/2006/main" xmlns:r="http://schemas.openxmlformats.org/officeDocument/2006/relationships" xmlns:p="http://schemas.openxmlformats.org/presentationml/2006/main">
   <p:cSld>
     <p:spTree>
@@ -924,7 +1453,7 @@
           <a:p>
             <a:fld id="{FFA5E540-6D76-429F-95AD-C7F13B3CAC82}" type="slidenum">
               <a:rPr lang="en-US" smtClean="0"/>
-              <a:t>11</a:t>
+              <a:t>18</a:t>
             </a:fld>
             <a:endParaRPr lang="en-US" dirty="0"/>
           </a:p>
@@ -943,7 +1472,7 @@
 </p:notes>
 </file>
 
-<file path=ppt/notesSlides/notesSlide12.xml><?xml version="1.0" encoding="utf-8"?>
+<file path=ppt/notesSlides/notesSlide18.xml><?xml version="1.0" encoding="utf-8"?>
 <p:notes xmlns:a="http://schemas.openxmlformats.org/drawingml/2006/main" xmlns:r="http://schemas.openxmlformats.org/officeDocument/2006/relationships" xmlns:p="http://schemas.openxmlformats.org/presentationml/2006/main">
   <p:cSld>
     <p:spTree>
@@ -1035,7 +1564,7 @@
           <a:p>
             <a:fld id="{FFA5E540-6D76-429F-95AD-C7F13B3CAC82}" type="slidenum">
               <a:rPr lang="en-US" smtClean="0"/>
-              <a:t>12</a:t>
+              <a:t>19</a:t>
             </a:fld>
             <a:endParaRPr lang="en-US" dirty="0"/>
           </a:p>
@@ -1054,7 +1583,7 @@
 </p:notes>
 </file>
 
-<file path=ppt/notesSlides/notesSlide13.xml><?xml version="1.0" encoding="utf-8"?>
+<file path=ppt/notesSlides/notesSlide19.xml><?xml version="1.0" encoding="utf-8"?>
 <p:notes xmlns:a="http://schemas.openxmlformats.org/drawingml/2006/main" xmlns:r="http://schemas.openxmlformats.org/officeDocument/2006/relationships" xmlns:p="http://schemas.openxmlformats.org/presentationml/2006/main">
   <p:cSld>
     <p:spTree>
@@ -1146,7 +1675,7 @@
           <a:p>
             <a:fld id="{FFA5E540-6D76-429F-95AD-C7F13B3CAC82}" type="slidenum">
               <a:rPr lang="en-US" smtClean="0"/>
-              <a:t>13</a:t>
+              <a:t>20</a:t>
             </a:fld>
             <a:endParaRPr lang="en-US" dirty="0"/>
           </a:p>
@@ -1156,333 +1685,6 @@
     <p:extLst>
       <p:ext uri="{BB962C8B-B14F-4D97-AF65-F5344CB8AC3E}">
         <p14:creationId xmlns:p14="http://schemas.microsoft.com/office/powerpoint/2010/main" val="3186069772"/>
-      </p:ext>
-    </p:extLst>
-  </p:cSld>
-  <p:clrMapOvr>
-    <a:masterClrMapping/>
-  </p:clrMapOvr>
-</p:notes>
-</file>
-
-<file path=ppt/notesSlides/notesSlide14.xml><?xml version="1.0" encoding="utf-8"?>
-<p:notes xmlns:a="http://schemas.openxmlformats.org/drawingml/2006/main" xmlns:r="http://schemas.openxmlformats.org/officeDocument/2006/relationships" xmlns:p="http://schemas.openxmlformats.org/presentationml/2006/main">
-  <p:cSld>
-    <p:spTree>
-      <p:nvGrpSpPr>
-        <p:cNvPr id="1" name="">
-          <a:extLst>
-            <a:ext uri="{FF2B5EF4-FFF2-40B4-BE49-F238E27FC236}">
-              <a16:creationId xmlns:a16="http://schemas.microsoft.com/office/drawing/2014/main" id="{77D48704-A97B-6AB1-B4E8-82D796B57A28}"/>
-            </a:ext>
-          </a:extLst>
-        </p:cNvPr>
-        <p:cNvGrpSpPr/>
-        <p:nvPr/>
-      </p:nvGrpSpPr>
-      <p:grpSpPr>
-        <a:xfrm>
-          <a:off x="0" y="0"/>
-          <a:ext cx="0" cy="0"/>
-          <a:chOff x="0" y="0"/>
-          <a:chExt cx="0" cy="0"/>
-        </a:xfrm>
-      </p:grpSpPr>
-      <p:sp>
-        <p:nvSpPr>
-          <p:cNvPr id="2" name="Slide Image Placeholder 1">
-            <a:extLst>
-              <a:ext uri="{FF2B5EF4-FFF2-40B4-BE49-F238E27FC236}">
-                <a16:creationId xmlns:a16="http://schemas.microsoft.com/office/drawing/2014/main" id="{A62B8F63-995F-C4FE-A432-D86511D8610E}"/>
-              </a:ext>
-            </a:extLst>
-          </p:cNvPr>
-          <p:cNvSpPr>
-            <a:spLocks noGrp="1" noRot="1" noChangeAspect="1"/>
-          </p:cNvSpPr>
-          <p:nvPr>
-            <p:ph type="sldImg"/>
-          </p:nvPr>
-        </p:nvSpPr>
-        <p:spPr/>
-      </p:sp>
-      <p:sp>
-        <p:nvSpPr>
-          <p:cNvPr id="3" name="Notes Placeholder 2">
-            <a:extLst>
-              <a:ext uri="{FF2B5EF4-FFF2-40B4-BE49-F238E27FC236}">
-                <a16:creationId xmlns:a16="http://schemas.microsoft.com/office/drawing/2014/main" id="{EE4D095E-A64B-EF2C-9723-5EB558A85164}"/>
-              </a:ext>
-            </a:extLst>
-          </p:cNvPr>
-          <p:cNvSpPr>
-            <a:spLocks noGrp="1"/>
-          </p:cNvSpPr>
-          <p:nvPr>
-            <p:ph type="body" idx="1"/>
-          </p:nvPr>
-        </p:nvSpPr>
-        <p:spPr/>
-        <p:txBody>
-          <a:bodyPr/>
-          <a:lstStyle/>
-          <a:p>
-            <a:pPr marL="0" indent="0">
-              <a:buNone/>
-            </a:pPr>
-            <a:endParaRPr lang="en-US" dirty="0"/>
-          </a:p>
-        </p:txBody>
-      </p:sp>
-      <p:sp>
-        <p:nvSpPr>
-          <p:cNvPr id="4" name="Slide Number Placeholder 3">
-            <a:extLst>
-              <a:ext uri="{FF2B5EF4-FFF2-40B4-BE49-F238E27FC236}">
-                <a16:creationId xmlns:a16="http://schemas.microsoft.com/office/drawing/2014/main" id="{BCBFC0FC-1813-8444-349C-AEFD82EEB12A}"/>
-              </a:ext>
-            </a:extLst>
-          </p:cNvPr>
-          <p:cNvSpPr>
-            <a:spLocks noGrp="1"/>
-          </p:cNvSpPr>
-          <p:nvPr>
-            <p:ph type="sldNum" sz="quarter" idx="10"/>
-          </p:nvPr>
-        </p:nvSpPr>
-        <p:spPr/>
-        <p:txBody>
-          <a:bodyPr/>
-          <a:lstStyle/>
-          <a:p>
-            <a:fld id="{FFA5E540-6D76-429F-95AD-C7F13B3CAC82}" type="slidenum">
-              <a:rPr lang="en-US" smtClean="0"/>
-              <a:t>14</a:t>
-            </a:fld>
-            <a:endParaRPr lang="en-US" dirty="0"/>
-          </a:p>
-        </p:txBody>
-      </p:sp>
-    </p:spTree>
-    <p:extLst>
-      <p:ext uri="{BB962C8B-B14F-4D97-AF65-F5344CB8AC3E}">
-        <p14:creationId xmlns:p14="http://schemas.microsoft.com/office/powerpoint/2010/main" val="3292914359"/>
-      </p:ext>
-    </p:extLst>
-  </p:cSld>
-  <p:clrMapOvr>
-    <a:masterClrMapping/>
-  </p:clrMapOvr>
-</p:notes>
-</file>
-
-<file path=ppt/notesSlides/notesSlide15.xml><?xml version="1.0" encoding="utf-8"?>
-<p:notes xmlns:a="http://schemas.openxmlformats.org/drawingml/2006/main" xmlns:r="http://schemas.openxmlformats.org/officeDocument/2006/relationships" xmlns:p="http://schemas.openxmlformats.org/presentationml/2006/main">
-  <p:cSld>
-    <p:spTree>
-      <p:nvGrpSpPr>
-        <p:cNvPr id="1" name="">
-          <a:extLst>
-            <a:ext uri="{FF2B5EF4-FFF2-40B4-BE49-F238E27FC236}">
-              <a16:creationId xmlns:a16="http://schemas.microsoft.com/office/drawing/2014/main" id="{C882B80B-CB29-A50D-A6FD-FD13EE274D25}"/>
-            </a:ext>
-          </a:extLst>
-        </p:cNvPr>
-        <p:cNvGrpSpPr/>
-        <p:nvPr/>
-      </p:nvGrpSpPr>
-      <p:grpSpPr>
-        <a:xfrm>
-          <a:off x="0" y="0"/>
-          <a:ext cx="0" cy="0"/>
-          <a:chOff x="0" y="0"/>
-          <a:chExt cx="0" cy="0"/>
-        </a:xfrm>
-      </p:grpSpPr>
-      <p:sp>
-        <p:nvSpPr>
-          <p:cNvPr id="2" name="Slide Image Placeholder 1">
-            <a:extLst>
-              <a:ext uri="{FF2B5EF4-FFF2-40B4-BE49-F238E27FC236}">
-                <a16:creationId xmlns:a16="http://schemas.microsoft.com/office/drawing/2014/main" id="{3B4AD0FE-F436-7846-4C90-2D2DFA3BE74D}"/>
-              </a:ext>
-            </a:extLst>
-          </p:cNvPr>
-          <p:cNvSpPr>
-            <a:spLocks noGrp="1" noRot="1" noChangeAspect="1"/>
-          </p:cNvSpPr>
-          <p:nvPr>
-            <p:ph type="sldImg"/>
-          </p:nvPr>
-        </p:nvSpPr>
-        <p:spPr/>
-      </p:sp>
-      <p:sp>
-        <p:nvSpPr>
-          <p:cNvPr id="3" name="Notes Placeholder 2">
-            <a:extLst>
-              <a:ext uri="{FF2B5EF4-FFF2-40B4-BE49-F238E27FC236}">
-                <a16:creationId xmlns:a16="http://schemas.microsoft.com/office/drawing/2014/main" id="{C913C41C-7569-43A2-D2A2-9644A4B7406A}"/>
-              </a:ext>
-            </a:extLst>
-          </p:cNvPr>
-          <p:cNvSpPr>
-            <a:spLocks noGrp="1"/>
-          </p:cNvSpPr>
-          <p:nvPr>
-            <p:ph type="body" idx="1"/>
-          </p:nvPr>
-        </p:nvSpPr>
-        <p:spPr/>
-        <p:txBody>
-          <a:bodyPr/>
-          <a:lstStyle/>
-          <a:p>
-            <a:endParaRPr lang="en-US" dirty="0"/>
-          </a:p>
-        </p:txBody>
-      </p:sp>
-      <p:sp>
-        <p:nvSpPr>
-          <p:cNvPr id="4" name="Slide Number Placeholder 3">
-            <a:extLst>
-              <a:ext uri="{FF2B5EF4-FFF2-40B4-BE49-F238E27FC236}">
-                <a16:creationId xmlns:a16="http://schemas.microsoft.com/office/drawing/2014/main" id="{4EC37134-B491-46FE-58C3-889B9BADFCED}"/>
-              </a:ext>
-            </a:extLst>
-          </p:cNvPr>
-          <p:cNvSpPr>
-            <a:spLocks noGrp="1"/>
-          </p:cNvSpPr>
-          <p:nvPr>
-            <p:ph type="sldNum" sz="quarter" idx="10"/>
-          </p:nvPr>
-        </p:nvSpPr>
-        <p:spPr/>
-        <p:txBody>
-          <a:bodyPr/>
-          <a:lstStyle/>
-          <a:p>
-            <a:fld id="{FFA5E540-6D76-429F-95AD-C7F13B3CAC82}" type="slidenum">
-              <a:rPr lang="en-US" smtClean="0"/>
-              <a:t>15</a:t>
-            </a:fld>
-            <a:endParaRPr lang="en-US" dirty="0"/>
-          </a:p>
-        </p:txBody>
-      </p:sp>
-    </p:spTree>
-    <p:extLst>
-      <p:ext uri="{BB962C8B-B14F-4D97-AF65-F5344CB8AC3E}">
-        <p14:creationId xmlns:p14="http://schemas.microsoft.com/office/powerpoint/2010/main" val="3062646772"/>
-      </p:ext>
-    </p:extLst>
-  </p:cSld>
-  <p:clrMapOvr>
-    <a:masterClrMapping/>
-  </p:clrMapOvr>
-</p:notes>
-</file>
-
-<file path=ppt/notesSlides/notesSlide16.xml><?xml version="1.0" encoding="utf-8"?>
-<p:notes xmlns:a="http://schemas.openxmlformats.org/drawingml/2006/main" xmlns:r="http://schemas.openxmlformats.org/officeDocument/2006/relationships" xmlns:p="http://schemas.openxmlformats.org/presentationml/2006/main">
-  <p:cSld>
-    <p:spTree>
-      <p:nvGrpSpPr>
-        <p:cNvPr id="1" name="">
-          <a:extLst>
-            <a:ext uri="{FF2B5EF4-FFF2-40B4-BE49-F238E27FC236}">
-              <a16:creationId xmlns:a16="http://schemas.microsoft.com/office/drawing/2014/main" id="{F4442583-C6E7-FF61-8F7E-B0F727F33744}"/>
-            </a:ext>
-          </a:extLst>
-        </p:cNvPr>
-        <p:cNvGrpSpPr/>
-        <p:nvPr/>
-      </p:nvGrpSpPr>
-      <p:grpSpPr>
-        <a:xfrm>
-          <a:off x="0" y="0"/>
-          <a:ext cx="0" cy="0"/>
-          <a:chOff x="0" y="0"/>
-          <a:chExt cx="0" cy="0"/>
-        </a:xfrm>
-      </p:grpSpPr>
-      <p:sp>
-        <p:nvSpPr>
-          <p:cNvPr id="2" name="Slide Image Placeholder 1">
-            <a:extLst>
-              <a:ext uri="{FF2B5EF4-FFF2-40B4-BE49-F238E27FC236}">
-                <a16:creationId xmlns:a16="http://schemas.microsoft.com/office/drawing/2014/main" id="{00BB3B79-BBCF-9212-12B0-381DA028CBF0}"/>
-              </a:ext>
-            </a:extLst>
-          </p:cNvPr>
-          <p:cNvSpPr>
-            <a:spLocks noGrp="1" noRot="1" noChangeAspect="1"/>
-          </p:cNvSpPr>
-          <p:nvPr>
-            <p:ph type="sldImg"/>
-          </p:nvPr>
-        </p:nvSpPr>
-        <p:spPr/>
-      </p:sp>
-      <p:sp>
-        <p:nvSpPr>
-          <p:cNvPr id="3" name="Notes Placeholder 2">
-            <a:extLst>
-              <a:ext uri="{FF2B5EF4-FFF2-40B4-BE49-F238E27FC236}">
-                <a16:creationId xmlns:a16="http://schemas.microsoft.com/office/drawing/2014/main" id="{F80E693B-4CCB-1215-E00D-22D83C6857A3}"/>
-              </a:ext>
-            </a:extLst>
-          </p:cNvPr>
-          <p:cNvSpPr>
-            <a:spLocks noGrp="1"/>
-          </p:cNvSpPr>
-          <p:nvPr>
-            <p:ph type="body" idx="1"/>
-          </p:nvPr>
-        </p:nvSpPr>
-        <p:spPr/>
-        <p:txBody>
-          <a:bodyPr/>
-          <a:lstStyle/>
-          <a:p>
-            <a:endParaRPr lang="en-US" dirty="0"/>
-          </a:p>
-        </p:txBody>
-      </p:sp>
-      <p:sp>
-        <p:nvSpPr>
-          <p:cNvPr id="4" name="Slide Number Placeholder 3">
-            <a:extLst>
-              <a:ext uri="{FF2B5EF4-FFF2-40B4-BE49-F238E27FC236}">
-                <a16:creationId xmlns:a16="http://schemas.microsoft.com/office/drawing/2014/main" id="{8D96BE29-B270-AAC9-4624-5A1E344C2D0C}"/>
-              </a:ext>
-            </a:extLst>
-          </p:cNvPr>
-          <p:cNvSpPr>
-            <a:spLocks noGrp="1"/>
-          </p:cNvSpPr>
-          <p:nvPr>
-            <p:ph type="sldNum" sz="quarter" idx="10"/>
-          </p:nvPr>
-        </p:nvSpPr>
-        <p:spPr/>
-        <p:txBody>
-          <a:bodyPr/>
-          <a:lstStyle/>
-          <a:p>
-            <a:fld id="{FFA5E540-6D76-429F-95AD-C7F13B3CAC82}" type="slidenum">
-              <a:rPr lang="en-US" smtClean="0"/>
-              <a:t>16</a:t>
-            </a:fld>
-            <a:endParaRPr lang="en-US" dirty="0"/>
-          </a:p>
-        </p:txBody>
-      </p:sp>
-    </p:spTree>
-    <p:extLst>
-      <p:ext uri="{BB962C8B-B14F-4D97-AF65-F5344CB8AC3E}">
-        <p14:creationId xmlns:p14="http://schemas.microsoft.com/office/powerpoint/2010/main" val="3090747838"/>
       </p:ext>
     </p:extLst>
   </p:cSld>
@@ -1591,6 +1793,333 @@
     <p:extLst>
       <p:ext uri="{BB962C8B-B14F-4D97-AF65-F5344CB8AC3E}">
         <p14:creationId xmlns:p14="http://schemas.microsoft.com/office/powerpoint/2010/main" val="3962452878"/>
+      </p:ext>
+    </p:extLst>
+  </p:cSld>
+  <p:clrMapOvr>
+    <a:masterClrMapping/>
+  </p:clrMapOvr>
+</p:notes>
+</file>
+
+<file path=ppt/notesSlides/notesSlide20.xml><?xml version="1.0" encoding="utf-8"?>
+<p:notes xmlns:a="http://schemas.openxmlformats.org/drawingml/2006/main" xmlns:r="http://schemas.openxmlformats.org/officeDocument/2006/relationships" xmlns:p="http://schemas.openxmlformats.org/presentationml/2006/main">
+  <p:cSld>
+    <p:spTree>
+      <p:nvGrpSpPr>
+        <p:cNvPr id="1" name="">
+          <a:extLst>
+            <a:ext uri="{FF2B5EF4-FFF2-40B4-BE49-F238E27FC236}">
+              <a16:creationId xmlns:a16="http://schemas.microsoft.com/office/drawing/2014/main" id="{77D48704-A97B-6AB1-B4E8-82D796B57A28}"/>
+            </a:ext>
+          </a:extLst>
+        </p:cNvPr>
+        <p:cNvGrpSpPr/>
+        <p:nvPr/>
+      </p:nvGrpSpPr>
+      <p:grpSpPr>
+        <a:xfrm>
+          <a:off x="0" y="0"/>
+          <a:ext cx="0" cy="0"/>
+          <a:chOff x="0" y="0"/>
+          <a:chExt cx="0" cy="0"/>
+        </a:xfrm>
+      </p:grpSpPr>
+      <p:sp>
+        <p:nvSpPr>
+          <p:cNvPr id="2" name="Slide Image Placeholder 1">
+            <a:extLst>
+              <a:ext uri="{FF2B5EF4-FFF2-40B4-BE49-F238E27FC236}">
+                <a16:creationId xmlns:a16="http://schemas.microsoft.com/office/drawing/2014/main" id="{A62B8F63-995F-C4FE-A432-D86511D8610E}"/>
+              </a:ext>
+            </a:extLst>
+          </p:cNvPr>
+          <p:cNvSpPr>
+            <a:spLocks noGrp="1" noRot="1" noChangeAspect="1"/>
+          </p:cNvSpPr>
+          <p:nvPr>
+            <p:ph type="sldImg"/>
+          </p:nvPr>
+        </p:nvSpPr>
+        <p:spPr/>
+      </p:sp>
+      <p:sp>
+        <p:nvSpPr>
+          <p:cNvPr id="3" name="Notes Placeholder 2">
+            <a:extLst>
+              <a:ext uri="{FF2B5EF4-FFF2-40B4-BE49-F238E27FC236}">
+                <a16:creationId xmlns:a16="http://schemas.microsoft.com/office/drawing/2014/main" id="{EE4D095E-A64B-EF2C-9723-5EB558A85164}"/>
+              </a:ext>
+            </a:extLst>
+          </p:cNvPr>
+          <p:cNvSpPr>
+            <a:spLocks noGrp="1"/>
+          </p:cNvSpPr>
+          <p:nvPr>
+            <p:ph type="body" idx="1"/>
+          </p:nvPr>
+        </p:nvSpPr>
+        <p:spPr/>
+        <p:txBody>
+          <a:bodyPr/>
+          <a:lstStyle/>
+          <a:p>
+            <a:pPr marL="0" indent="0">
+              <a:buNone/>
+            </a:pPr>
+            <a:endParaRPr lang="en-US" dirty="0"/>
+          </a:p>
+        </p:txBody>
+      </p:sp>
+      <p:sp>
+        <p:nvSpPr>
+          <p:cNvPr id="4" name="Slide Number Placeholder 3">
+            <a:extLst>
+              <a:ext uri="{FF2B5EF4-FFF2-40B4-BE49-F238E27FC236}">
+                <a16:creationId xmlns:a16="http://schemas.microsoft.com/office/drawing/2014/main" id="{BCBFC0FC-1813-8444-349C-AEFD82EEB12A}"/>
+              </a:ext>
+            </a:extLst>
+          </p:cNvPr>
+          <p:cNvSpPr>
+            <a:spLocks noGrp="1"/>
+          </p:cNvSpPr>
+          <p:nvPr>
+            <p:ph type="sldNum" sz="quarter" idx="10"/>
+          </p:nvPr>
+        </p:nvSpPr>
+        <p:spPr/>
+        <p:txBody>
+          <a:bodyPr/>
+          <a:lstStyle/>
+          <a:p>
+            <a:fld id="{FFA5E540-6D76-429F-95AD-C7F13B3CAC82}" type="slidenum">
+              <a:rPr lang="en-US" smtClean="0"/>
+              <a:t>21</a:t>
+            </a:fld>
+            <a:endParaRPr lang="en-US" dirty="0"/>
+          </a:p>
+        </p:txBody>
+      </p:sp>
+    </p:spTree>
+    <p:extLst>
+      <p:ext uri="{BB962C8B-B14F-4D97-AF65-F5344CB8AC3E}">
+        <p14:creationId xmlns:p14="http://schemas.microsoft.com/office/powerpoint/2010/main" val="3292914359"/>
+      </p:ext>
+    </p:extLst>
+  </p:cSld>
+  <p:clrMapOvr>
+    <a:masterClrMapping/>
+  </p:clrMapOvr>
+</p:notes>
+</file>
+
+<file path=ppt/notesSlides/notesSlide21.xml><?xml version="1.0" encoding="utf-8"?>
+<p:notes xmlns:a="http://schemas.openxmlformats.org/drawingml/2006/main" xmlns:r="http://schemas.openxmlformats.org/officeDocument/2006/relationships" xmlns:p="http://schemas.openxmlformats.org/presentationml/2006/main">
+  <p:cSld>
+    <p:spTree>
+      <p:nvGrpSpPr>
+        <p:cNvPr id="1" name="">
+          <a:extLst>
+            <a:ext uri="{FF2B5EF4-FFF2-40B4-BE49-F238E27FC236}">
+              <a16:creationId xmlns:a16="http://schemas.microsoft.com/office/drawing/2014/main" id="{C882B80B-CB29-A50D-A6FD-FD13EE274D25}"/>
+            </a:ext>
+          </a:extLst>
+        </p:cNvPr>
+        <p:cNvGrpSpPr/>
+        <p:nvPr/>
+      </p:nvGrpSpPr>
+      <p:grpSpPr>
+        <a:xfrm>
+          <a:off x="0" y="0"/>
+          <a:ext cx="0" cy="0"/>
+          <a:chOff x="0" y="0"/>
+          <a:chExt cx="0" cy="0"/>
+        </a:xfrm>
+      </p:grpSpPr>
+      <p:sp>
+        <p:nvSpPr>
+          <p:cNvPr id="2" name="Slide Image Placeholder 1">
+            <a:extLst>
+              <a:ext uri="{FF2B5EF4-FFF2-40B4-BE49-F238E27FC236}">
+                <a16:creationId xmlns:a16="http://schemas.microsoft.com/office/drawing/2014/main" id="{3B4AD0FE-F436-7846-4C90-2D2DFA3BE74D}"/>
+              </a:ext>
+            </a:extLst>
+          </p:cNvPr>
+          <p:cNvSpPr>
+            <a:spLocks noGrp="1" noRot="1" noChangeAspect="1"/>
+          </p:cNvSpPr>
+          <p:nvPr>
+            <p:ph type="sldImg"/>
+          </p:nvPr>
+        </p:nvSpPr>
+        <p:spPr/>
+      </p:sp>
+      <p:sp>
+        <p:nvSpPr>
+          <p:cNvPr id="3" name="Notes Placeholder 2">
+            <a:extLst>
+              <a:ext uri="{FF2B5EF4-FFF2-40B4-BE49-F238E27FC236}">
+                <a16:creationId xmlns:a16="http://schemas.microsoft.com/office/drawing/2014/main" id="{C913C41C-7569-43A2-D2A2-9644A4B7406A}"/>
+              </a:ext>
+            </a:extLst>
+          </p:cNvPr>
+          <p:cNvSpPr>
+            <a:spLocks noGrp="1"/>
+          </p:cNvSpPr>
+          <p:nvPr>
+            <p:ph type="body" idx="1"/>
+          </p:nvPr>
+        </p:nvSpPr>
+        <p:spPr/>
+        <p:txBody>
+          <a:bodyPr/>
+          <a:lstStyle/>
+          <a:p>
+            <a:endParaRPr lang="en-US" dirty="0"/>
+          </a:p>
+        </p:txBody>
+      </p:sp>
+      <p:sp>
+        <p:nvSpPr>
+          <p:cNvPr id="4" name="Slide Number Placeholder 3">
+            <a:extLst>
+              <a:ext uri="{FF2B5EF4-FFF2-40B4-BE49-F238E27FC236}">
+                <a16:creationId xmlns:a16="http://schemas.microsoft.com/office/drawing/2014/main" id="{4EC37134-B491-46FE-58C3-889B9BADFCED}"/>
+              </a:ext>
+            </a:extLst>
+          </p:cNvPr>
+          <p:cNvSpPr>
+            <a:spLocks noGrp="1"/>
+          </p:cNvSpPr>
+          <p:nvPr>
+            <p:ph type="sldNum" sz="quarter" idx="10"/>
+          </p:nvPr>
+        </p:nvSpPr>
+        <p:spPr/>
+        <p:txBody>
+          <a:bodyPr/>
+          <a:lstStyle/>
+          <a:p>
+            <a:fld id="{FFA5E540-6D76-429F-95AD-C7F13B3CAC82}" type="slidenum">
+              <a:rPr lang="en-US" smtClean="0"/>
+              <a:t>22</a:t>
+            </a:fld>
+            <a:endParaRPr lang="en-US" dirty="0"/>
+          </a:p>
+        </p:txBody>
+      </p:sp>
+    </p:spTree>
+    <p:extLst>
+      <p:ext uri="{BB962C8B-B14F-4D97-AF65-F5344CB8AC3E}">
+        <p14:creationId xmlns:p14="http://schemas.microsoft.com/office/powerpoint/2010/main" val="3062646772"/>
+      </p:ext>
+    </p:extLst>
+  </p:cSld>
+  <p:clrMapOvr>
+    <a:masterClrMapping/>
+  </p:clrMapOvr>
+</p:notes>
+</file>
+
+<file path=ppt/notesSlides/notesSlide22.xml><?xml version="1.0" encoding="utf-8"?>
+<p:notes xmlns:a="http://schemas.openxmlformats.org/drawingml/2006/main" xmlns:r="http://schemas.openxmlformats.org/officeDocument/2006/relationships" xmlns:p="http://schemas.openxmlformats.org/presentationml/2006/main">
+  <p:cSld>
+    <p:spTree>
+      <p:nvGrpSpPr>
+        <p:cNvPr id="1" name="">
+          <a:extLst>
+            <a:ext uri="{FF2B5EF4-FFF2-40B4-BE49-F238E27FC236}">
+              <a16:creationId xmlns:a16="http://schemas.microsoft.com/office/drawing/2014/main" id="{F4442583-C6E7-FF61-8F7E-B0F727F33744}"/>
+            </a:ext>
+          </a:extLst>
+        </p:cNvPr>
+        <p:cNvGrpSpPr/>
+        <p:nvPr/>
+      </p:nvGrpSpPr>
+      <p:grpSpPr>
+        <a:xfrm>
+          <a:off x="0" y="0"/>
+          <a:ext cx="0" cy="0"/>
+          <a:chOff x="0" y="0"/>
+          <a:chExt cx="0" cy="0"/>
+        </a:xfrm>
+      </p:grpSpPr>
+      <p:sp>
+        <p:nvSpPr>
+          <p:cNvPr id="2" name="Slide Image Placeholder 1">
+            <a:extLst>
+              <a:ext uri="{FF2B5EF4-FFF2-40B4-BE49-F238E27FC236}">
+                <a16:creationId xmlns:a16="http://schemas.microsoft.com/office/drawing/2014/main" id="{00BB3B79-BBCF-9212-12B0-381DA028CBF0}"/>
+              </a:ext>
+            </a:extLst>
+          </p:cNvPr>
+          <p:cNvSpPr>
+            <a:spLocks noGrp="1" noRot="1" noChangeAspect="1"/>
+          </p:cNvSpPr>
+          <p:nvPr>
+            <p:ph type="sldImg"/>
+          </p:nvPr>
+        </p:nvSpPr>
+        <p:spPr/>
+      </p:sp>
+      <p:sp>
+        <p:nvSpPr>
+          <p:cNvPr id="3" name="Notes Placeholder 2">
+            <a:extLst>
+              <a:ext uri="{FF2B5EF4-FFF2-40B4-BE49-F238E27FC236}">
+                <a16:creationId xmlns:a16="http://schemas.microsoft.com/office/drawing/2014/main" id="{F80E693B-4CCB-1215-E00D-22D83C6857A3}"/>
+              </a:ext>
+            </a:extLst>
+          </p:cNvPr>
+          <p:cNvSpPr>
+            <a:spLocks noGrp="1"/>
+          </p:cNvSpPr>
+          <p:nvPr>
+            <p:ph type="body" idx="1"/>
+          </p:nvPr>
+        </p:nvSpPr>
+        <p:spPr/>
+        <p:txBody>
+          <a:bodyPr/>
+          <a:lstStyle/>
+          <a:p>
+            <a:endParaRPr lang="en-US" dirty="0"/>
+          </a:p>
+        </p:txBody>
+      </p:sp>
+      <p:sp>
+        <p:nvSpPr>
+          <p:cNvPr id="4" name="Slide Number Placeholder 3">
+            <a:extLst>
+              <a:ext uri="{FF2B5EF4-FFF2-40B4-BE49-F238E27FC236}">
+                <a16:creationId xmlns:a16="http://schemas.microsoft.com/office/drawing/2014/main" id="{8D96BE29-B270-AAC9-4624-5A1E344C2D0C}"/>
+              </a:ext>
+            </a:extLst>
+          </p:cNvPr>
+          <p:cNvSpPr>
+            <a:spLocks noGrp="1"/>
+          </p:cNvSpPr>
+          <p:nvPr>
+            <p:ph type="sldNum" sz="quarter" idx="10"/>
+          </p:nvPr>
+        </p:nvSpPr>
+        <p:spPr/>
+        <p:txBody>
+          <a:bodyPr/>
+          <a:lstStyle/>
+          <a:p>
+            <a:fld id="{FFA5E540-6D76-429F-95AD-C7F13B3CAC82}" type="slidenum">
+              <a:rPr lang="en-US" smtClean="0"/>
+              <a:t>23</a:t>
+            </a:fld>
+            <a:endParaRPr lang="en-US" dirty="0"/>
+          </a:p>
+        </p:txBody>
+      </p:sp>
+    </p:spTree>
+    <p:extLst>
+      <p:ext uri="{BB962C8B-B14F-4D97-AF65-F5344CB8AC3E}">
+        <p14:creationId xmlns:p14="http://schemas.microsoft.com/office/powerpoint/2010/main" val="3090747838"/>
       </p:ext>
     </p:extLst>
   </p:cSld>
@@ -1716,6 +2245,114 @@
         <p:cNvPr id="1" name="">
           <a:extLst>
             <a:ext uri="{FF2B5EF4-FFF2-40B4-BE49-F238E27FC236}">
+              <a16:creationId xmlns:a16="http://schemas.microsoft.com/office/drawing/2014/main" id="{8ECF7FF1-8854-F297-74B9-24ACE8F21754}"/>
+            </a:ext>
+          </a:extLst>
+        </p:cNvPr>
+        <p:cNvGrpSpPr/>
+        <p:nvPr/>
+      </p:nvGrpSpPr>
+      <p:grpSpPr>
+        <a:xfrm>
+          <a:off x="0" y="0"/>
+          <a:ext cx="0" cy="0"/>
+          <a:chOff x="0" y="0"/>
+          <a:chExt cx="0" cy="0"/>
+        </a:xfrm>
+      </p:grpSpPr>
+      <p:sp>
+        <p:nvSpPr>
+          <p:cNvPr id="2" name="Slide Image Placeholder 1">
+            <a:extLst>
+              <a:ext uri="{FF2B5EF4-FFF2-40B4-BE49-F238E27FC236}">
+                <a16:creationId xmlns:a16="http://schemas.microsoft.com/office/drawing/2014/main" id="{390FB785-F836-E481-D65D-F4B0F3DBFCD2}"/>
+              </a:ext>
+            </a:extLst>
+          </p:cNvPr>
+          <p:cNvSpPr>
+            <a:spLocks noGrp="1" noRot="1" noChangeAspect="1"/>
+          </p:cNvSpPr>
+          <p:nvPr>
+            <p:ph type="sldImg"/>
+          </p:nvPr>
+        </p:nvSpPr>
+        <p:spPr/>
+      </p:sp>
+      <p:sp>
+        <p:nvSpPr>
+          <p:cNvPr id="3" name="Notes Placeholder 2">
+            <a:extLst>
+              <a:ext uri="{FF2B5EF4-FFF2-40B4-BE49-F238E27FC236}">
+                <a16:creationId xmlns:a16="http://schemas.microsoft.com/office/drawing/2014/main" id="{7EA6D145-500A-1E53-1042-7C31B367DB62}"/>
+              </a:ext>
+            </a:extLst>
+          </p:cNvPr>
+          <p:cNvSpPr>
+            <a:spLocks noGrp="1"/>
+          </p:cNvSpPr>
+          <p:nvPr>
+            <p:ph type="body" idx="1"/>
+          </p:nvPr>
+        </p:nvSpPr>
+        <p:spPr/>
+        <p:txBody>
+          <a:bodyPr/>
+          <a:lstStyle/>
+          <a:p>
+            <a:endParaRPr lang="en-US" dirty="0"/>
+          </a:p>
+        </p:txBody>
+      </p:sp>
+      <p:sp>
+        <p:nvSpPr>
+          <p:cNvPr id="4" name="Slide Number Placeholder 3">
+            <a:extLst>
+              <a:ext uri="{FF2B5EF4-FFF2-40B4-BE49-F238E27FC236}">
+                <a16:creationId xmlns:a16="http://schemas.microsoft.com/office/drawing/2014/main" id="{0603BF4F-AE6F-EDE2-032B-36F7B1E42813}"/>
+              </a:ext>
+            </a:extLst>
+          </p:cNvPr>
+          <p:cNvSpPr>
+            <a:spLocks noGrp="1"/>
+          </p:cNvSpPr>
+          <p:nvPr>
+            <p:ph type="sldNum" sz="quarter" idx="10"/>
+          </p:nvPr>
+        </p:nvSpPr>
+        <p:spPr/>
+        <p:txBody>
+          <a:bodyPr/>
+          <a:lstStyle/>
+          <a:p>
+            <a:fld id="{FFA5E540-6D76-429F-95AD-C7F13B3CAC82}" type="slidenum">
+              <a:rPr lang="en-US" smtClean="0"/>
+              <a:t>4</a:t>
+            </a:fld>
+            <a:endParaRPr lang="en-US" dirty="0"/>
+          </a:p>
+        </p:txBody>
+      </p:sp>
+    </p:spTree>
+    <p:extLst>
+      <p:ext uri="{BB962C8B-B14F-4D97-AF65-F5344CB8AC3E}">
+        <p14:creationId xmlns:p14="http://schemas.microsoft.com/office/powerpoint/2010/main" val="3177302094"/>
+      </p:ext>
+    </p:extLst>
+  </p:cSld>
+  <p:clrMapOvr>
+    <a:masterClrMapping/>
+  </p:clrMapOvr>
+</p:notes>
+</file>
+
+<file path=ppt/notesSlides/notesSlide5.xml><?xml version="1.0" encoding="utf-8"?>
+<p:notes xmlns:a="http://schemas.openxmlformats.org/drawingml/2006/main" xmlns:r="http://schemas.openxmlformats.org/officeDocument/2006/relationships" xmlns:p="http://schemas.openxmlformats.org/presentationml/2006/main">
+  <p:cSld>
+    <p:spTree>
+      <p:nvGrpSpPr>
+        <p:cNvPr id="1" name="">
+          <a:extLst>
+            <a:ext uri="{FF2B5EF4-FFF2-40B4-BE49-F238E27FC236}">
               <a16:creationId xmlns:a16="http://schemas.microsoft.com/office/drawing/2014/main" id="{B82CD7DD-D620-77A7-C782-2C721CBDC202}"/>
             </a:ext>
           </a:extLst>
@@ -1797,7 +2434,7 @@
           <a:p>
             <a:fld id="{FFA5E540-6D76-429F-95AD-C7F13B3CAC82}" type="slidenum">
               <a:rPr lang="en-US" smtClean="0"/>
-              <a:t>4</a:t>
+              <a:t>5</a:t>
             </a:fld>
             <a:endParaRPr lang="en-US" dirty="0"/>
           </a:p>
@@ -1816,7 +2453,115 @@
 </p:notes>
 </file>
 
-<file path=ppt/notesSlides/notesSlide5.xml><?xml version="1.0" encoding="utf-8"?>
+<file path=ppt/notesSlides/notesSlide6.xml><?xml version="1.0" encoding="utf-8"?>
+<p:notes xmlns:a="http://schemas.openxmlformats.org/drawingml/2006/main" xmlns:r="http://schemas.openxmlformats.org/officeDocument/2006/relationships" xmlns:p="http://schemas.openxmlformats.org/presentationml/2006/main">
+  <p:cSld>
+    <p:spTree>
+      <p:nvGrpSpPr>
+        <p:cNvPr id="1" name="">
+          <a:extLst>
+            <a:ext uri="{FF2B5EF4-FFF2-40B4-BE49-F238E27FC236}">
+              <a16:creationId xmlns:a16="http://schemas.microsoft.com/office/drawing/2014/main" id="{B82CD7DD-D620-77A7-C782-2C721CBDC202}"/>
+            </a:ext>
+          </a:extLst>
+        </p:cNvPr>
+        <p:cNvGrpSpPr/>
+        <p:nvPr/>
+      </p:nvGrpSpPr>
+      <p:grpSpPr>
+        <a:xfrm>
+          <a:off x="0" y="0"/>
+          <a:ext cx="0" cy="0"/>
+          <a:chOff x="0" y="0"/>
+          <a:chExt cx="0" cy="0"/>
+        </a:xfrm>
+      </p:grpSpPr>
+      <p:sp>
+        <p:nvSpPr>
+          <p:cNvPr id="2" name="Slide Image Placeholder 1">
+            <a:extLst>
+              <a:ext uri="{FF2B5EF4-FFF2-40B4-BE49-F238E27FC236}">
+                <a16:creationId xmlns:a16="http://schemas.microsoft.com/office/drawing/2014/main" id="{F1BA0D12-8F89-320A-F5CB-05803F076A24}"/>
+              </a:ext>
+            </a:extLst>
+          </p:cNvPr>
+          <p:cNvSpPr>
+            <a:spLocks noGrp="1" noRot="1" noChangeAspect="1"/>
+          </p:cNvSpPr>
+          <p:nvPr>
+            <p:ph type="sldImg"/>
+          </p:nvPr>
+        </p:nvSpPr>
+        <p:spPr/>
+      </p:sp>
+      <p:sp>
+        <p:nvSpPr>
+          <p:cNvPr id="3" name="Notes Placeholder 2">
+            <a:extLst>
+              <a:ext uri="{FF2B5EF4-FFF2-40B4-BE49-F238E27FC236}">
+                <a16:creationId xmlns:a16="http://schemas.microsoft.com/office/drawing/2014/main" id="{D34F3DAA-CA3C-ED78-901D-052459FC9F7E}"/>
+              </a:ext>
+            </a:extLst>
+          </p:cNvPr>
+          <p:cNvSpPr>
+            <a:spLocks noGrp="1"/>
+          </p:cNvSpPr>
+          <p:nvPr>
+            <p:ph type="body" idx="1"/>
+          </p:nvPr>
+        </p:nvSpPr>
+        <p:spPr/>
+        <p:txBody>
+          <a:bodyPr/>
+          <a:lstStyle/>
+          <a:p>
+            <a:endParaRPr lang="en-US" dirty="0"/>
+          </a:p>
+        </p:txBody>
+      </p:sp>
+      <p:sp>
+        <p:nvSpPr>
+          <p:cNvPr id="4" name="Slide Number Placeholder 3">
+            <a:extLst>
+              <a:ext uri="{FF2B5EF4-FFF2-40B4-BE49-F238E27FC236}">
+                <a16:creationId xmlns:a16="http://schemas.microsoft.com/office/drawing/2014/main" id="{F16B5BE1-A505-C910-CDD6-C11DAFD5D18A}"/>
+              </a:ext>
+            </a:extLst>
+          </p:cNvPr>
+          <p:cNvSpPr>
+            <a:spLocks noGrp="1"/>
+          </p:cNvSpPr>
+          <p:nvPr>
+            <p:ph type="sldNum" sz="quarter" idx="10"/>
+          </p:nvPr>
+        </p:nvSpPr>
+        <p:spPr/>
+        <p:txBody>
+          <a:bodyPr/>
+          <a:lstStyle/>
+          <a:p>
+            <a:fld id="{FFA5E540-6D76-429F-95AD-C7F13B3CAC82}" type="slidenum">
+              <a:rPr lang="en-US" smtClean="0"/>
+              <a:t>6</a:t>
+            </a:fld>
+            <a:endParaRPr lang="en-US" dirty="0"/>
+          </a:p>
+        </p:txBody>
+      </p:sp>
+    </p:spTree>
+    <p:extLst>
+      <p:ext uri="{BB962C8B-B14F-4D97-AF65-F5344CB8AC3E}">
+        <p14:creationId xmlns:p14="http://schemas.microsoft.com/office/powerpoint/2010/main" val="2278068725"/>
+      </p:ext>
+    </p:extLst>
+  </p:cSld>
+  <p:clrMapOvr>
+    <a:masterClrMapping/>
+  </p:clrMapOvr>
+</p:notes>
+</file>
+
+<file path=ppt/notesSlides/notesSlide7.xml><?xml version="1.0" encoding="utf-8"?>
 <p:notes xmlns:a="http://schemas.openxmlformats.org/drawingml/2006/main" xmlns:r="http://schemas.openxmlformats.org/officeDocument/2006/relationships" xmlns:p="http://schemas.openxmlformats.org/presentationml/2006/main">
   <p:cSld>
     <p:spTree>
@@ -1905,7 +2650,7 @@
           <a:p>
             <a:fld id="{FFA5E540-6D76-429F-95AD-C7F13B3CAC82}" type="slidenum">
               <a:rPr lang="en-US" smtClean="0"/>
-              <a:t>5</a:t>
+              <a:t>7</a:t>
             </a:fld>
             <a:endParaRPr lang="en-US" dirty="0"/>
           </a:p>
@@ -1924,12 +2669,18 @@
 </p:notes>
 </file>
 
-<file path=ppt/notesSlides/notesSlide6.xml><?xml version="1.0" encoding="utf-8"?>
+<file path=ppt/notesSlides/notesSlide8.xml><?xml version="1.0" encoding="utf-8"?>
 <p:notes xmlns:a="http://schemas.openxmlformats.org/drawingml/2006/main" xmlns:r="http://schemas.openxmlformats.org/officeDocument/2006/relationships" xmlns:p="http://schemas.openxmlformats.org/presentationml/2006/main">
   <p:cSld>
     <p:spTree>
       <p:nvGrpSpPr>
-        <p:cNvPr id="1" name=""/>
+        <p:cNvPr id="1" name="">
+          <a:extLst>
+            <a:ext uri="{FF2B5EF4-FFF2-40B4-BE49-F238E27FC236}">
+              <a16:creationId xmlns:a16="http://schemas.microsoft.com/office/drawing/2014/main" id="{9BBB1A3A-0F8B-8CC4-7B65-DD508165D59C}"/>
+            </a:ext>
+          </a:extLst>
+        </p:cNvPr>
         <p:cNvGrpSpPr/>
         <p:nvPr/>
       </p:nvGrpSpPr>
@@ -1943,7 +2694,13 @@
       </p:grpSpPr>
       <p:sp>
         <p:nvSpPr>
-          <p:cNvPr id="2" name="Slide Image Placeholder 1"/>
+          <p:cNvPr id="2" name="Slide Image Placeholder 1">
+            <a:extLst>
+              <a:ext uri="{FF2B5EF4-FFF2-40B4-BE49-F238E27FC236}">
+                <a16:creationId xmlns:a16="http://schemas.microsoft.com/office/drawing/2014/main" id="{8C48DF48-D2FF-8B3B-980F-E738BE820377}"/>
+              </a:ext>
+            </a:extLst>
+          </p:cNvPr>
           <p:cNvSpPr>
             <a:spLocks noGrp="1" noRot="1" noChangeAspect="1"/>
           </p:cNvSpPr>
@@ -1955,7 +2712,13 @@
       </p:sp>
       <p:sp>
         <p:nvSpPr>
-          <p:cNvPr id="3" name="Notes Placeholder 2"/>
+          <p:cNvPr id="3" name="Notes Placeholder 2">
+            <a:extLst>
+              <a:ext uri="{FF2B5EF4-FFF2-40B4-BE49-F238E27FC236}">
+                <a16:creationId xmlns:a16="http://schemas.microsoft.com/office/drawing/2014/main" id="{8F5F6223-BF06-5DCF-0E5F-9568F632C461}"/>
+              </a:ext>
+            </a:extLst>
+          </p:cNvPr>
           <p:cNvSpPr>
             <a:spLocks noGrp="1"/>
           </p:cNvSpPr>
@@ -1968,190 +2731,19 @@
           <a:bodyPr/>
           <a:lstStyle/>
           <a:p>
-            <a:pPr marL="0" indent="0">
-              <a:buNone/>
-            </a:pPr>
             <a:endParaRPr lang="en-US" dirty="0"/>
           </a:p>
         </p:txBody>
       </p:sp>
       <p:sp>
         <p:nvSpPr>
-          <p:cNvPr id="4" name="Slide Number Placeholder 3"/>
-          <p:cNvSpPr>
-            <a:spLocks noGrp="1"/>
-          </p:cNvSpPr>
-          <p:nvPr>
-            <p:ph type="sldNum" sz="quarter" idx="10"/>
-          </p:nvPr>
-        </p:nvSpPr>
-        <p:spPr/>
-        <p:txBody>
-          <a:bodyPr/>
-          <a:lstStyle/>
-          <a:p>
-            <a:fld id="{FFA5E540-6D76-429F-95AD-C7F13B3CAC82}" type="slidenum">
-              <a:rPr lang="en-US" smtClean="0"/>
-              <a:t>6</a:t>
-            </a:fld>
-            <a:endParaRPr lang="en-US" dirty="0"/>
-          </a:p>
-        </p:txBody>
-      </p:sp>
-    </p:spTree>
-    <p:extLst>
-      <p:ext uri="{BB962C8B-B14F-4D97-AF65-F5344CB8AC3E}">
-        <p14:creationId xmlns:p14="http://schemas.microsoft.com/office/powerpoint/2010/main" val="2859619452"/>
-      </p:ext>
-    </p:extLst>
-  </p:cSld>
-  <p:clrMapOvr>
-    <a:masterClrMapping/>
-  </p:clrMapOvr>
-</p:notes>
-</file>
-
-<file path=ppt/notesSlides/notesSlide7.xml><?xml version="1.0" encoding="utf-8"?>
-<p:notes xmlns:a="http://schemas.openxmlformats.org/drawingml/2006/main" xmlns:r="http://schemas.openxmlformats.org/officeDocument/2006/relationships" xmlns:p="http://schemas.openxmlformats.org/presentationml/2006/main">
-  <p:cSld>
-    <p:spTree>
-      <p:nvGrpSpPr>
-        <p:cNvPr id="1" name=""/>
-        <p:cNvGrpSpPr/>
-        <p:nvPr/>
-      </p:nvGrpSpPr>
-      <p:grpSpPr>
-        <a:xfrm>
-          <a:off x="0" y="0"/>
-          <a:ext cx="0" cy="0"/>
-          <a:chOff x="0" y="0"/>
-          <a:chExt cx="0" cy="0"/>
-        </a:xfrm>
-      </p:grpSpPr>
-      <p:sp>
-        <p:nvSpPr>
-          <p:cNvPr id="2" name="Slide Image Placeholder 1"/>
-          <p:cNvSpPr>
-            <a:spLocks noGrp="1" noRot="1" noChangeAspect="1"/>
-          </p:cNvSpPr>
-          <p:nvPr>
-            <p:ph type="sldImg"/>
-          </p:nvPr>
-        </p:nvSpPr>
-        <p:spPr/>
-      </p:sp>
-      <p:sp>
-        <p:nvSpPr>
-          <p:cNvPr id="3" name="Notes Placeholder 2"/>
-          <p:cNvSpPr>
-            <a:spLocks noGrp="1"/>
-          </p:cNvSpPr>
-          <p:nvPr>
-            <p:ph type="body" idx="1"/>
-          </p:nvPr>
-        </p:nvSpPr>
-        <p:spPr/>
-        <p:txBody>
-          <a:bodyPr/>
-          <a:lstStyle/>
-          <a:p>
-            <a:pPr marL="0" indent="0">
-              <a:buNone/>
-            </a:pPr>
-            <a:endParaRPr lang="en-US" dirty="0"/>
-          </a:p>
-        </p:txBody>
-      </p:sp>
-      <p:sp>
-        <p:nvSpPr>
-          <p:cNvPr id="4" name="Slide Number Placeholder 3"/>
-          <p:cNvSpPr>
-            <a:spLocks noGrp="1"/>
-          </p:cNvSpPr>
-          <p:nvPr>
-            <p:ph type="sldNum" sz="quarter" idx="10"/>
-          </p:nvPr>
-        </p:nvSpPr>
-        <p:spPr/>
-        <p:txBody>
-          <a:bodyPr/>
-          <a:lstStyle/>
-          <a:p>
-            <a:fld id="{FFA5E540-6D76-429F-95AD-C7F13B3CAC82}" type="slidenum">
-              <a:rPr lang="en-US" smtClean="0"/>
-              <a:t>7</a:t>
-            </a:fld>
-            <a:endParaRPr lang="en-US" dirty="0"/>
-          </a:p>
-        </p:txBody>
-      </p:sp>
-    </p:spTree>
-    <p:extLst>
-      <p:ext uri="{BB962C8B-B14F-4D97-AF65-F5344CB8AC3E}">
-        <p14:creationId xmlns:p14="http://schemas.microsoft.com/office/powerpoint/2010/main" val="903497370"/>
-      </p:ext>
-    </p:extLst>
-  </p:cSld>
-  <p:clrMapOvr>
-    <a:masterClrMapping/>
-  </p:clrMapOvr>
-</p:notes>
-</file>
-
-<file path=ppt/notesSlides/notesSlide8.xml><?xml version="1.0" encoding="utf-8"?>
-<p:notes xmlns:a="http://schemas.openxmlformats.org/drawingml/2006/main" xmlns:r="http://schemas.openxmlformats.org/officeDocument/2006/relationships" xmlns:p="http://schemas.openxmlformats.org/presentationml/2006/main">
-  <p:cSld>
-    <p:spTree>
-      <p:nvGrpSpPr>
-        <p:cNvPr id="1" name=""/>
-        <p:cNvGrpSpPr/>
-        <p:nvPr/>
-      </p:nvGrpSpPr>
-      <p:grpSpPr>
-        <a:xfrm>
-          <a:off x="0" y="0"/>
-          <a:ext cx="0" cy="0"/>
-          <a:chOff x="0" y="0"/>
-          <a:chExt cx="0" cy="0"/>
-        </a:xfrm>
-      </p:grpSpPr>
-      <p:sp>
-        <p:nvSpPr>
-          <p:cNvPr id="2" name="Slide Image Placeholder 1"/>
-          <p:cNvSpPr>
-            <a:spLocks noGrp="1" noRot="1" noChangeAspect="1"/>
-          </p:cNvSpPr>
-          <p:nvPr>
-            <p:ph type="sldImg"/>
-          </p:nvPr>
-        </p:nvSpPr>
-        <p:spPr/>
-      </p:sp>
-      <p:sp>
-        <p:nvSpPr>
-          <p:cNvPr id="3" name="Notes Placeholder 2"/>
-          <p:cNvSpPr>
-            <a:spLocks noGrp="1"/>
-          </p:cNvSpPr>
-          <p:nvPr>
-            <p:ph type="body" idx="1"/>
-          </p:nvPr>
-        </p:nvSpPr>
-        <p:spPr/>
-        <p:txBody>
-          <a:bodyPr/>
-          <a:lstStyle/>
-          <a:p>
-            <a:pPr marL="0" indent="0">
-              <a:buNone/>
-            </a:pPr>
-            <a:endParaRPr lang="en-US" dirty="0"/>
-          </a:p>
-        </p:txBody>
-      </p:sp>
-      <p:sp>
-        <p:nvSpPr>
-          <p:cNvPr id="4" name="Slide Number Placeholder 3"/>
+          <p:cNvPr id="4" name="Slide Number Placeholder 3">
+            <a:extLst>
+              <a:ext uri="{FF2B5EF4-FFF2-40B4-BE49-F238E27FC236}">
+                <a16:creationId xmlns:a16="http://schemas.microsoft.com/office/drawing/2014/main" id="{E2AC06BD-499A-7408-23DF-16318FDE3CFF}"/>
+              </a:ext>
+            </a:extLst>
+          </p:cNvPr>
           <p:cNvSpPr>
             <a:spLocks noGrp="1"/>
           </p:cNvSpPr>
@@ -2175,7 +2767,7 @@
     </p:spTree>
     <p:extLst>
       <p:ext uri="{BB962C8B-B14F-4D97-AF65-F5344CB8AC3E}">
-        <p14:creationId xmlns:p14="http://schemas.microsoft.com/office/powerpoint/2010/main" val="4134521755"/>
+        <p14:creationId xmlns:p14="http://schemas.microsoft.com/office/powerpoint/2010/main" val="2389906920"/>
       </p:ext>
     </p:extLst>
   </p:cSld>
@@ -2262,7 +2854,7 @@
     </p:spTree>
     <p:extLst>
       <p:ext uri="{BB962C8B-B14F-4D97-AF65-F5344CB8AC3E}">
-        <p14:creationId xmlns:p14="http://schemas.microsoft.com/office/powerpoint/2010/main" val="104754045"/>
+        <p14:creationId xmlns:p14="http://schemas.microsoft.com/office/powerpoint/2010/main" val="2859619452"/>
       </p:ext>
     </p:extLst>
   </p:cSld>
@@ -21454,7 +22046,7 @@
           <a:p>
             <a:fld id="{F7015205-6E1C-4AA4-A1F5-F88A14739F8D}" type="datetime1">
               <a:rPr lang="en-US" altLang="zh-CN" smtClean="0"/>
-              <a:t>4/18/2024</a:t>
+              <a:t>4/20/2024</a:t>
             </a:fld>
             <a:endParaRPr lang="en-US"/>
           </a:p>
@@ -21664,7 +22256,7 @@
           <a:p>
             <a:fld id="{C5005B59-A863-49AB-8A46-4FABF628DCDB}" type="datetime1">
               <a:rPr lang="en-US" altLang="zh-CN" smtClean="0"/>
-              <a:t>4/18/2024</a:t>
+              <a:t>4/20/2024</a:t>
             </a:fld>
             <a:endParaRPr lang="en-US"/>
           </a:p>
@@ -21839,7 +22431,7 @@
           <a:p>
             <a:fld id="{B9B359B8-BB35-4942-BB3F-553087A1AB07}" type="datetime1">
               <a:rPr lang="en-US" altLang="zh-CN" smtClean="0"/>
-              <a:t>4/18/2024</a:t>
+              <a:t>4/20/2024</a:t>
             </a:fld>
             <a:endParaRPr lang="en-US"/>
           </a:p>
@@ -22004,7 +22596,7 @@
           <a:p>
             <a:fld id="{0051FDAB-E13B-4DED-ACB5-C97F04F9745D}" type="datetime1">
               <a:rPr lang="en-US" altLang="zh-CN" smtClean="0"/>
-              <a:t>4/18/2024</a:t>
+              <a:t>4/20/2024</a:t>
             </a:fld>
             <a:endParaRPr lang="en-US"/>
           </a:p>
@@ -22191,7 +22783,7 @@
           <a:p>
             <a:fld id="{411C2638-AFB1-4A52-81EA-13B8957633A2}" type="datetime1">
               <a:rPr lang="en-US" altLang="zh-CN" smtClean="0"/>
-              <a:t>4/18/2024</a:t>
+              <a:t>4/20/2024</a:t>
             </a:fld>
             <a:endParaRPr lang="en-US"/>
           </a:p>
@@ -22474,7 +23066,7 @@
           <a:p>
             <a:fld id="{86FEA545-9191-4074-8B47-064CD17714D7}" type="datetime1">
               <a:rPr lang="en-US" altLang="zh-CN" smtClean="0"/>
-              <a:t>4/18/2024</a:t>
+              <a:t>4/20/2024</a:t>
             </a:fld>
             <a:endParaRPr lang="en-US"/>
           </a:p>
@@ -22896,7 +23488,7 @@
           <a:p>
             <a:fld id="{FEDA739D-67B9-461E-9E24-584E6BDA3BCB}" type="datetime1">
               <a:rPr lang="en-US" altLang="zh-CN" smtClean="0"/>
-              <a:t>4/18/2024</a:t>
+              <a:t>4/20/2024</a:t>
             </a:fld>
             <a:endParaRPr lang="en-US"/>
           </a:p>
@@ -23009,7 +23601,7 @@
           <a:p>
             <a:fld id="{9B17A94F-F96B-45CF-824C-A53F0758AB69}" type="datetime1">
               <a:rPr lang="en-US" altLang="zh-CN" smtClean="0"/>
-              <a:t>4/18/2024</a:t>
+              <a:t>4/20/2024</a:t>
             </a:fld>
             <a:endParaRPr lang="en-US"/>
           </a:p>
@@ -23099,7 +23691,7 @@
           <a:p>
             <a:fld id="{0E7E811E-CB35-486D-A51A-D28D7B88C8A1}" type="datetime1">
               <a:rPr lang="en-US" altLang="zh-CN" smtClean="0"/>
-              <a:t>4/18/2024</a:t>
+              <a:t>4/20/2024</a:t>
             </a:fld>
             <a:endParaRPr lang="en-US"/>
           </a:p>
@@ -23371,7 +23963,7 @@
           <a:p>
             <a:fld id="{49060A9D-03E3-407A-91FE-4FD83FD5236C}" type="datetime1">
               <a:rPr lang="en-US" altLang="zh-CN" smtClean="0"/>
-              <a:t>4/18/2024</a:t>
+              <a:t>4/20/2024</a:t>
             </a:fld>
             <a:endParaRPr lang="en-US"/>
           </a:p>
@@ -23624,7 +24216,7 @@
           <a:p>
             <a:fld id="{27EABF16-FC76-43D1-8210-F66033CB86AD}" type="datetime1">
               <a:rPr lang="en-US" altLang="zh-CN" smtClean="0"/>
-              <a:t>4/18/2024</a:t>
+              <a:t>4/20/2024</a:t>
             </a:fld>
             <a:endParaRPr lang="en-US"/>
           </a:p>
@@ -23886,7 +24478,7 @@
           <a:p>
             <a:fld id="{5C24D9CC-1561-4C99-B045-95C038C2B123}" type="datetime1">
               <a:rPr lang="en-US" altLang="zh-CN" smtClean="0"/>
-              <a:t>4/18/2024</a:t>
+              <a:t>4/20/2024</a:t>
             </a:fld>
             <a:endParaRPr lang="en-US"/>
           </a:p>
@@ -25024,6 +25616,66 @@
           </a:p>
         </p:txBody>
       </p:sp>
+      <p:pic>
+        <p:nvPicPr>
+          <p:cNvPr id="5" name="Picture 4">
+            <a:extLst>
+              <a:ext uri="{FF2B5EF4-FFF2-40B4-BE49-F238E27FC236}">
+                <a16:creationId xmlns:a16="http://schemas.microsoft.com/office/drawing/2014/main" id="{D6D53031-87C9-EEFB-FC82-6EF9906B175E}"/>
+              </a:ext>
+            </a:extLst>
+          </p:cNvPr>
+          <p:cNvPicPr>
+            <a:picLocks noChangeAspect="1"/>
+          </p:cNvPicPr>
+          <p:nvPr/>
+        </p:nvPicPr>
+        <p:blipFill>
+          <a:blip r:embed="rId3"/>
+          <a:stretch>
+            <a:fillRect/>
+          </a:stretch>
+        </p:blipFill>
+        <p:spPr>
+          <a:xfrm>
+            <a:off x="1371600" y="2273624"/>
+            <a:ext cx="3200400" cy="2406701"/>
+          </a:xfrm>
+          <a:prstGeom prst="rect">
+            <a:avLst/>
+          </a:prstGeom>
+        </p:spPr>
+      </p:pic>
+      <p:pic>
+        <p:nvPicPr>
+          <p:cNvPr id="7" name="Picture 6">
+            <a:extLst>
+              <a:ext uri="{FF2B5EF4-FFF2-40B4-BE49-F238E27FC236}">
+                <a16:creationId xmlns:a16="http://schemas.microsoft.com/office/drawing/2014/main" id="{F910AC52-327A-3BE5-7FE2-81837643E099}"/>
+              </a:ext>
+            </a:extLst>
+          </p:cNvPr>
+          <p:cNvPicPr>
+            <a:picLocks noChangeAspect="1"/>
+          </p:cNvPicPr>
+          <p:nvPr/>
+        </p:nvPicPr>
+        <p:blipFill>
+          <a:blip r:embed="rId4"/>
+          <a:stretch>
+            <a:fillRect/>
+          </a:stretch>
+        </p:blipFill>
+        <p:spPr>
+          <a:xfrm>
+            <a:off x="4539379" y="2271035"/>
+            <a:ext cx="3200400" cy="2409290"/>
+          </a:xfrm>
+          <a:prstGeom prst="rect">
+            <a:avLst/>
+          </a:prstGeom>
+        </p:spPr>
+      </p:pic>
       <p:sp>
         <p:nvSpPr>
           <p:cNvPr id="17" name="内容占位符 2">
@@ -25040,8 +25692,8 @@
         </p:nvSpPr>
         <p:spPr bwMode="auto">
           <a:xfrm>
-            <a:off x="93652" y="1068113"/>
-            <a:ext cx="6535748" cy="932338"/>
+            <a:off x="93652" y="1068112"/>
+            <a:ext cx="9144000" cy="1399397"/>
           </a:xfrm>
           <a:prstGeom prst="rect">
             <a:avLst/>
@@ -25282,7 +25934,1727 @@
                 <a:latin typeface="+mn-lt"/>
                 <a:cs typeface="Times New Roman" panose="02020603050405020304" pitchFamily="18" charset="0"/>
               </a:rPr>
-              <a:t>CS0 does reproduce the results with no SGS</a:t>
+              <a:t>KAP=0.41 and 0.4187 produce almost the same results, although KAP0.41 is negligibly better</a:t>
+            </a:r>
+          </a:p>
+        </p:txBody>
+      </p:sp>
+      <p:pic>
+        <p:nvPicPr>
+          <p:cNvPr id="4" name="Picture 3">
+            <a:extLst>
+              <a:ext uri="{FF2B5EF4-FFF2-40B4-BE49-F238E27FC236}">
+                <a16:creationId xmlns:a16="http://schemas.microsoft.com/office/drawing/2014/main" id="{02DCF4CE-6BD6-87DD-437D-E04E661667FA}"/>
+              </a:ext>
+            </a:extLst>
+          </p:cNvPr>
+          <p:cNvPicPr>
+            <a:picLocks noChangeAspect="1"/>
+          </p:cNvPicPr>
+          <p:nvPr/>
+        </p:nvPicPr>
+        <p:blipFill>
+          <a:blip r:embed="rId5"/>
+          <a:stretch>
+            <a:fillRect/>
+          </a:stretch>
+        </p:blipFill>
+        <p:spPr>
+          <a:xfrm>
+            <a:off x="1371600" y="4680325"/>
+            <a:ext cx="3200400" cy="2392582"/>
+          </a:xfrm>
+          <a:prstGeom prst="rect">
+            <a:avLst/>
+          </a:prstGeom>
+        </p:spPr>
+      </p:pic>
+    </p:spTree>
+    <p:extLst>
+      <p:ext uri="{BB962C8B-B14F-4D97-AF65-F5344CB8AC3E}">
+        <p14:creationId xmlns:p14="http://schemas.microsoft.com/office/powerpoint/2010/main" val="1196598494"/>
+      </p:ext>
+    </p:extLst>
+  </p:cSld>
+  <p:clrMapOvr>
+    <a:masterClrMapping/>
+  </p:clrMapOvr>
+  <p:transition spd="med" advTm="63997"/>
+</p:sld>
+</file>
+
+<file path=ppt/slides/slide11.xml><?xml version="1.0" encoding="utf-8"?>
+<p:sld xmlns:a="http://schemas.openxmlformats.org/drawingml/2006/main" xmlns:r="http://schemas.openxmlformats.org/officeDocument/2006/relationships" xmlns:p="http://schemas.openxmlformats.org/presentationml/2006/main">
+  <p:cSld>
+    <p:spTree>
+      <p:nvGrpSpPr>
+        <p:cNvPr id="1" name=""/>
+        <p:cNvGrpSpPr/>
+        <p:nvPr/>
+      </p:nvGrpSpPr>
+      <p:grpSpPr>
+        <a:xfrm>
+          <a:off x="0" y="0"/>
+          <a:ext cx="0" cy="0"/>
+          <a:chOff x="0" y="0"/>
+          <a:chExt cx="0" cy="0"/>
+        </a:xfrm>
+      </p:grpSpPr>
+      <p:sp>
+        <p:nvSpPr>
+          <p:cNvPr id="2" name="Title 1"/>
+          <p:cNvSpPr>
+            <a:spLocks noGrp="1"/>
+          </p:cNvSpPr>
+          <p:nvPr>
+            <p:ph type="title"/>
+          </p:nvPr>
+        </p:nvSpPr>
+        <p:spPr>
+          <a:xfrm>
+            <a:off x="152400" y="152400"/>
+            <a:ext cx="8610600" cy="838200"/>
+          </a:xfrm>
+        </p:spPr>
+        <p:txBody>
+          <a:bodyPr/>
+          <a:lstStyle/>
+          <a:p>
+            <a:r>
+              <a:rPr lang="en-US" altLang="zh-CN" dirty="0"/>
+              <a:t>Channel</a:t>
+            </a:r>
+            <a:endParaRPr lang="zh-CN" altLang="en-US" dirty="0"/>
+          </a:p>
+        </p:txBody>
+      </p:sp>
+      <p:sp>
+        <p:nvSpPr>
+          <p:cNvPr id="9" name="Rectangle 2"/>
+          <p:cNvSpPr>
+            <a:spLocks noChangeArrowheads="1"/>
+          </p:cNvSpPr>
+          <p:nvPr/>
+        </p:nvSpPr>
+        <p:spPr bwMode="auto">
+          <a:xfrm>
+            <a:off x="0" y="0"/>
+            <a:ext cx="9144000" cy="0"/>
+          </a:xfrm>
+          <a:prstGeom prst="rect">
+            <a:avLst/>
+          </a:prstGeom>
+          <a:noFill/>
+          <a:ln>
+            <a:noFill/>
+          </a:ln>
+          <a:effectLst/>
+          <a:extLst>
+            <a:ext uri="{909E8E84-426E-40DD-AFC4-6F175D3DCCD1}">
+              <a14:hiddenFill xmlns:a14="http://schemas.microsoft.com/office/drawing/2010/main">
+                <a:solidFill>
+                  <a:schemeClr val="accent1"/>
+                </a:solidFill>
+              </a14:hiddenFill>
+            </a:ext>
+            <a:ext uri="{91240B29-F687-4F45-9708-019B960494DF}">
+              <a14:hiddenLine xmlns:a14="http://schemas.microsoft.com/office/drawing/2010/main" w="9525">
+                <a:solidFill>
+                  <a:schemeClr val="tx1"/>
+                </a:solidFill>
+                <a:miter lim="800000"/>
+                <a:headEnd/>
+                <a:tailEnd/>
+              </a14:hiddenLine>
+            </a:ext>
+            <a:ext uri="{AF507438-7753-43E0-B8FC-AC1667EBCBE1}">
+              <a14:hiddenEffects xmlns:a14="http://schemas.microsoft.com/office/drawing/2010/main">
+                <a:effectLst>
+                  <a:outerShdw dist="35921" dir="2700000" algn="ctr" rotWithShape="0">
+                    <a:schemeClr val="bg2"/>
+                  </a:outerShdw>
+                </a:effectLst>
+              </a14:hiddenEffects>
+            </a:ext>
+          </a:extLst>
+        </p:spPr>
+        <p:txBody>
+          <a:bodyPr vert="horz" wrap="none" lIns="91440" tIns="45720" rIns="91440" bIns="45720" numCol="1" anchor="ctr" anchorCtr="0" compatLnSpc="1">
+            <a:prstTxWarp prst="textNoShape">
+              <a:avLst/>
+            </a:prstTxWarp>
+            <a:spAutoFit/>
+          </a:bodyPr>
+          <a:lstStyle/>
+          <a:p>
+            <a:endParaRPr lang="zh-CN" altLang="en-US"/>
+          </a:p>
+        </p:txBody>
+      </p:sp>
+      <p:pic>
+        <p:nvPicPr>
+          <p:cNvPr id="15" name="Picture 14">
+            <a:extLst>
+              <a:ext uri="{FF2B5EF4-FFF2-40B4-BE49-F238E27FC236}">
+                <a16:creationId xmlns:a16="http://schemas.microsoft.com/office/drawing/2014/main" id="{5D29B047-1FA6-BD43-1403-30798B734CD5}"/>
+              </a:ext>
+            </a:extLst>
+          </p:cNvPr>
+          <p:cNvPicPr>
+            <a:picLocks noChangeAspect="1"/>
+          </p:cNvPicPr>
+          <p:nvPr/>
+        </p:nvPicPr>
+        <p:blipFill>
+          <a:blip r:embed="rId3"/>
+          <a:stretch>
+            <a:fillRect/>
+          </a:stretch>
+        </p:blipFill>
+        <p:spPr>
+          <a:xfrm>
+            <a:off x="4572000" y="2211105"/>
+            <a:ext cx="3200400" cy="2379915"/>
+          </a:xfrm>
+          <a:prstGeom prst="rect">
+            <a:avLst/>
+          </a:prstGeom>
+        </p:spPr>
+      </p:pic>
+      <p:sp>
+        <p:nvSpPr>
+          <p:cNvPr id="17" name="内容占位符 2">
+            <a:extLst>
+              <a:ext uri="{FF2B5EF4-FFF2-40B4-BE49-F238E27FC236}">
+                <a16:creationId xmlns:a16="http://schemas.microsoft.com/office/drawing/2014/main" id="{D7B13CA5-CF5D-287A-9ACB-EF5CA77485F1}"/>
+              </a:ext>
+            </a:extLst>
+          </p:cNvPr>
+          <p:cNvSpPr txBox="1">
+            <a:spLocks/>
+          </p:cNvSpPr>
+          <p:nvPr/>
+        </p:nvSpPr>
+        <p:spPr bwMode="auto">
+          <a:xfrm>
+            <a:off x="93652" y="1068112"/>
+            <a:ext cx="9144000" cy="1399397"/>
+          </a:xfrm>
+          <a:prstGeom prst="rect">
+            <a:avLst/>
+          </a:prstGeom>
+          <a:noFill/>
+          <a:ln>
+            <a:noFill/>
+          </a:ln>
+          <a:extLst>
+            <a:ext uri="{909E8E84-426E-40DD-AFC4-6F175D3DCCD1}">
+              <a14:hiddenFill xmlns:a14="http://schemas.microsoft.com/office/drawing/2010/main">
+                <a:solidFill>
+                  <a:srgbClr val="FFFFFF"/>
+                </a:solidFill>
+              </a14:hiddenFill>
+            </a:ext>
+            <a:ext uri="{91240B29-F687-4F45-9708-019B960494DF}">
+              <a14:hiddenLine xmlns:a14="http://schemas.microsoft.com/office/drawing/2010/main" w="28575">
+                <a:solidFill>
+                  <a:srgbClr val="000000"/>
+                </a:solidFill>
+                <a:miter lim="800000"/>
+                <a:headEnd/>
+                <a:tailEnd/>
+              </a14:hiddenLine>
+            </a:ext>
+          </a:extLst>
+        </p:spPr>
+        <p:txBody>
+          <a:bodyPr vert="horz" wrap="square" lIns="91440" tIns="45720" rIns="91440" bIns="45720" numCol="1" anchor="t" anchorCtr="0" compatLnSpc="1">
+            <a:prstTxWarp prst="textNoShape">
+              <a:avLst/>
+            </a:prstTxWarp>
+          </a:bodyPr>
+          <a:lstStyle>
+            <a:lvl1pPr marL="342900" indent="-342900" algn="l" rtl="0" eaLnBrk="1" fontAlgn="base" hangingPunct="1">
+              <a:spcBef>
+                <a:spcPct val="30000"/>
+              </a:spcBef>
+              <a:spcAft>
+                <a:spcPct val="0"/>
+              </a:spcAft>
+              <a:buClr>
+                <a:schemeClr val="hlink"/>
+              </a:buClr>
+              <a:buFont typeface="Wingdings" pitchFamily="2" charset="2"/>
+              <a:buChar char="§"/>
+              <a:defRPr sz="3200">
+                <a:solidFill>
+                  <a:srgbClr val="000066"/>
+                </a:solidFill>
+                <a:latin typeface="微软雅黑" pitchFamily="34" charset="-122"/>
+                <a:ea typeface="微软雅黑" pitchFamily="34" charset="-122"/>
+                <a:cs typeface="+mn-cs"/>
+              </a:defRPr>
+            </a:lvl1pPr>
+            <a:lvl2pPr marL="742950" indent="-285750" algn="l" rtl="0" eaLnBrk="1" fontAlgn="base" hangingPunct="1">
+              <a:spcBef>
+                <a:spcPct val="30000"/>
+              </a:spcBef>
+              <a:spcAft>
+                <a:spcPct val="0"/>
+              </a:spcAft>
+              <a:buClr>
+                <a:schemeClr val="tx2"/>
+              </a:buClr>
+              <a:buSzPct val="85000"/>
+              <a:buFont typeface="Wingdings" pitchFamily="2" charset="2"/>
+              <a:buChar char="Ø"/>
+              <a:defRPr sz="2800">
+                <a:solidFill>
+                  <a:srgbClr val="006666"/>
+                </a:solidFill>
+                <a:latin typeface="微软雅黑" pitchFamily="34" charset="-122"/>
+                <a:ea typeface="微软雅黑" pitchFamily="34" charset="-122"/>
+              </a:defRPr>
+            </a:lvl2pPr>
+            <a:lvl3pPr marL="1143000" indent="-228600" algn="l" rtl="0" eaLnBrk="1" fontAlgn="base" hangingPunct="1">
+              <a:spcBef>
+                <a:spcPct val="30000"/>
+              </a:spcBef>
+              <a:spcAft>
+                <a:spcPct val="0"/>
+              </a:spcAft>
+              <a:buClr>
+                <a:schemeClr val="hlink"/>
+              </a:buClr>
+              <a:buSzPct val="95000"/>
+              <a:buFont typeface="Wingdings 2" pitchFamily="18" charset="2"/>
+              <a:buChar char="¡"/>
+              <a:defRPr sz="2400">
+                <a:solidFill>
+                  <a:schemeClr val="hlink"/>
+                </a:solidFill>
+                <a:latin typeface="微软雅黑" pitchFamily="34" charset="-122"/>
+                <a:ea typeface="微软雅黑" pitchFamily="34" charset="-122"/>
+              </a:defRPr>
+            </a:lvl3pPr>
+            <a:lvl4pPr marL="1600200" indent="-228600" algn="l" rtl="0" eaLnBrk="1" fontAlgn="base" hangingPunct="1">
+              <a:spcBef>
+                <a:spcPct val="30000"/>
+              </a:spcBef>
+              <a:spcAft>
+                <a:spcPct val="0"/>
+              </a:spcAft>
+              <a:buClr>
+                <a:schemeClr val="tx2"/>
+              </a:buClr>
+              <a:buSzPct val="90000"/>
+              <a:buFont typeface="Wingdings" pitchFamily="2" charset="2"/>
+              <a:buChar char="Ø"/>
+              <a:defRPr sz="2000">
+                <a:solidFill>
+                  <a:srgbClr val="990099"/>
+                </a:solidFill>
+                <a:latin typeface="微软雅黑" pitchFamily="34" charset="-122"/>
+                <a:ea typeface="微软雅黑" pitchFamily="34" charset="-122"/>
+              </a:defRPr>
+            </a:lvl4pPr>
+            <a:lvl5pPr marL="2057400" indent="-228600" algn="l" rtl="0" eaLnBrk="1" fontAlgn="base" hangingPunct="1">
+              <a:spcBef>
+                <a:spcPct val="30000"/>
+              </a:spcBef>
+              <a:spcAft>
+                <a:spcPct val="0"/>
+              </a:spcAft>
+              <a:buClr>
+                <a:schemeClr val="hlink"/>
+              </a:buClr>
+              <a:buFont typeface="Wingdings 2" pitchFamily="18" charset="2"/>
+              <a:buChar char="¡"/>
+              <a:defRPr sz="2000">
+                <a:solidFill>
+                  <a:schemeClr val="tx1"/>
+                </a:solidFill>
+                <a:latin typeface="微软雅黑" pitchFamily="34" charset="-122"/>
+                <a:ea typeface="微软雅黑" pitchFamily="34" charset="-122"/>
+              </a:defRPr>
+            </a:lvl5pPr>
+            <a:lvl6pPr marL="2514600" indent="-228600" algn="l" rtl="0" eaLnBrk="1" fontAlgn="base" hangingPunct="1">
+              <a:spcBef>
+                <a:spcPct val="30000"/>
+              </a:spcBef>
+              <a:spcAft>
+                <a:spcPct val="0"/>
+              </a:spcAft>
+              <a:buClr>
+                <a:schemeClr val="hlink"/>
+              </a:buClr>
+              <a:buFont typeface="Wingdings 2" pitchFamily="18" charset="2"/>
+              <a:buChar char="¡"/>
+              <a:defRPr sz="2000">
+                <a:solidFill>
+                  <a:schemeClr val="tx1"/>
+                </a:solidFill>
+                <a:latin typeface="+mn-lt"/>
+                <a:ea typeface="+mn-ea"/>
+              </a:defRPr>
+            </a:lvl6pPr>
+            <a:lvl7pPr marL="2971800" indent="-228600" algn="l" rtl="0" eaLnBrk="1" fontAlgn="base" hangingPunct="1">
+              <a:spcBef>
+                <a:spcPct val="30000"/>
+              </a:spcBef>
+              <a:spcAft>
+                <a:spcPct val="0"/>
+              </a:spcAft>
+              <a:buClr>
+                <a:schemeClr val="hlink"/>
+              </a:buClr>
+              <a:buFont typeface="Wingdings 2" pitchFamily="18" charset="2"/>
+              <a:buChar char="¡"/>
+              <a:defRPr sz="2000">
+                <a:solidFill>
+                  <a:schemeClr val="tx1"/>
+                </a:solidFill>
+                <a:latin typeface="+mn-lt"/>
+                <a:ea typeface="+mn-ea"/>
+              </a:defRPr>
+            </a:lvl7pPr>
+            <a:lvl8pPr marL="3429000" indent="-228600" algn="l" rtl="0" eaLnBrk="1" fontAlgn="base" hangingPunct="1">
+              <a:spcBef>
+                <a:spcPct val="30000"/>
+              </a:spcBef>
+              <a:spcAft>
+                <a:spcPct val="0"/>
+              </a:spcAft>
+              <a:buClr>
+                <a:schemeClr val="hlink"/>
+              </a:buClr>
+              <a:buFont typeface="Wingdings 2" pitchFamily="18" charset="2"/>
+              <a:buChar char="¡"/>
+              <a:defRPr sz="2000">
+                <a:solidFill>
+                  <a:schemeClr val="tx1"/>
+                </a:solidFill>
+                <a:latin typeface="+mn-lt"/>
+                <a:ea typeface="+mn-ea"/>
+              </a:defRPr>
+            </a:lvl8pPr>
+            <a:lvl9pPr marL="3886200" indent="-228600" algn="l" rtl="0" eaLnBrk="1" fontAlgn="base" hangingPunct="1">
+              <a:spcBef>
+                <a:spcPct val="30000"/>
+              </a:spcBef>
+              <a:spcAft>
+                <a:spcPct val="0"/>
+              </a:spcAft>
+              <a:buClr>
+                <a:schemeClr val="hlink"/>
+              </a:buClr>
+              <a:buFont typeface="Wingdings 2" pitchFamily="18" charset="2"/>
+              <a:buChar char="¡"/>
+              <a:defRPr sz="2000">
+                <a:solidFill>
+                  <a:schemeClr val="tx1"/>
+                </a:solidFill>
+                <a:latin typeface="+mn-lt"/>
+                <a:ea typeface="+mn-ea"/>
+              </a:defRPr>
+            </a:lvl9pPr>
+          </a:lstStyle>
+          <a:p>
+            <a:r>
+              <a:rPr lang="en-US" altLang="zh-CN" sz="2400" kern="0" dirty="0">
+                <a:latin typeface="+mn-lt"/>
+                <a:cs typeface="Times New Roman" panose="02020603050405020304" pitchFamily="18" charset="0"/>
+              </a:rPr>
+              <a:t>RETAU5200</a:t>
+            </a:r>
+            <a:endParaRPr lang="en-US" altLang="zh-CN" sz="2000" kern="0" dirty="0">
+              <a:latin typeface="+mn-lt"/>
+              <a:cs typeface="Times New Roman" panose="02020603050405020304" pitchFamily="18" charset="0"/>
+            </a:endParaRPr>
+          </a:p>
+          <a:p>
+            <a:pPr lvl="1"/>
+            <a:r>
+              <a:rPr lang="en-US" altLang="zh-CN" sz="2000" dirty="0">
+                <a:latin typeface="+mn-lt"/>
+                <a:cs typeface="Times New Roman" panose="02020603050405020304" pitchFamily="18" charset="0"/>
+              </a:rPr>
+              <a:t>KAP=0.41 and 0.4187 produce almost the same results, although KAP0.41 is negligibly better</a:t>
+            </a:r>
+          </a:p>
+        </p:txBody>
+      </p:sp>
+      <p:pic>
+        <p:nvPicPr>
+          <p:cNvPr id="23" name="Picture 22">
+            <a:extLst>
+              <a:ext uri="{FF2B5EF4-FFF2-40B4-BE49-F238E27FC236}">
+                <a16:creationId xmlns:a16="http://schemas.microsoft.com/office/drawing/2014/main" id="{AEB7BA5B-DB3E-34A4-DEB8-76288665C6A4}"/>
+              </a:ext>
+            </a:extLst>
+          </p:cNvPr>
+          <p:cNvPicPr>
+            <a:picLocks noChangeAspect="1"/>
+          </p:cNvPicPr>
+          <p:nvPr/>
+        </p:nvPicPr>
+        <p:blipFill>
+          <a:blip r:embed="rId4"/>
+          <a:stretch>
+            <a:fillRect/>
+          </a:stretch>
+        </p:blipFill>
+        <p:spPr>
+          <a:xfrm>
+            <a:off x="1385047" y="2209800"/>
+            <a:ext cx="3200400" cy="2381220"/>
+          </a:xfrm>
+          <a:prstGeom prst="rect">
+            <a:avLst/>
+          </a:prstGeom>
+        </p:spPr>
+      </p:pic>
+    </p:spTree>
+    <p:extLst>
+      <p:ext uri="{BB962C8B-B14F-4D97-AF65-F5344CB8AC3E}">
+        <p14:creationId xmlns:p14="http://schemas.microsoft.com/office/powerpoint/2010/main" val="3893613421"/>
+      </p:ext>
+    </p:extLst>
+  </p:cSld>
+  <p:clrMapOvr>
+    <a:masterClrMapping/>
+  </p:clrMapOvr>
+  <p:transition spd="med" advTm="63997"/>
+</p:sld>
+</file>
+
+<file path=ppt/slides/slide12.xml><?xml version="1.0" encoding="utf-8"?>
+<p:sld xmlns:a="http://schemas.openxmlformats.org/drawingml/2006/main" xmlns:r="http://schemas.openxmlformats.org/officeDocument/2006/relationships" xmlns:p="http://schemas.openxmlformats.org/presentationml/2006/main">
+  <p:cSld>
+    <p:spTree>
+      <p:nvGrpSpPr>
+        <p:cNvPr id="1" name=""/>
+        <p:cNvGrpSpPr/>
+        <p:nvPr/>
+      </p:nvGrpSpPr>
+      <p:grpSpPr>
+        <a:xfrm>
+          <a:off x="0" y="0"/>
+          <a:ext cx="0" cy="0"/>
+          <a:chOff x="0" y="0"/>
+          <a:chExt cx="0" cy="0"/>
+        </a:xfrm>
+      </p:grpSpPr>
+      <p:sp>
+        <p:nvSpPr>
+          <p:cNvPr id="2" name="Title 1"/>
+          <p:cNvSpPr>
+            <a:spLocks noGrp="1"/>
+          </p:cNvSpPr>
+          <p:nvPr>
+            <p:ph type="title"/>
+          </p:nvPr>
+        </p:nvSpPr>
+        <p:spPr>
+          <a:xfrm>
+            <a:off x="152400" y="152400"/>
+            <a:ext cx="8610600" cy="838200"/>
+          </a:xfrm>
+        </p:spPr>
+        <p:txBody>
+          <a:bodyPr/>
+          <a:lstStyle/>
+          <a:p>
+            <a:r>
+              <a:rPr lang="en-US" altLang="zh-CN" dirty="0"/>
+              <a:t>Channel</a:t>
+            </a:r>
+            <a:endParaRPr lang="zh-CN" altLang="en-US" dirty="0"/>
+          </a:p>
+        </p:txBody>
+      </p:sp>
+      <p:sp>
+        <p:nvSpPr>
+          <p:cNvPr id="9" name="Rectangle 2"/>
+          <p:cNvSpPr>
+            <a:spLocks noChangeArrowheads="1"/>
+          </p:cNvSpPr>
+          <p:nvPr/>
+        </p:nvSpPr>
+        <p:spPr bwMode="auto">
+          <a:xfrm>
+            <a:off x="0" y="0"/>
+            <a:ext cx="9144000" cy="0"/>
+          </a:xfrm>
+          <a:prstGeom prst="rect">
+            <a:avLst/>
+          </a:prstGeom>
+          <a:noFill/>
+          <a:ln>
+            <a:noFill/>
+          </a:ln>
+          <a:effectLst/>
+          <a:extLst>
+            <a:ext uri="{909E8E84-426E-40DD-AFC4-6F175D3DCCD1}">
+              <a14:hiddenFill xmlns:a14="http://schemas.microsoft.com/office/drawing/2010/main">
+                <a:solidFill>
+                  <a:schemeClr val="accent1"/>
+                </a:solidFill>
+              </a14:hiddenFill>
+            </a:ext>
+            <a:ext uri="{91240B29-F687-4F45-9708-019B960494DF}">
+              <a14:hiddenLine xmlns:a14="http://schemas.microsoft.com/office/drawing/2010/main" w="9525">
+                <a:solidFill>
+                  <a:schemeClr val="tx1"/>
+                </a:solidFill>
+                <a:miter lim="800000"/>
+                <a:headEnd/>
+                <a:tailEnd/>
+              </a14:hiddenLine>
+            </a:ext>
+            <a:ext uri="{AF507438-7753-43E0-B8FC-AC1667EBCBE1}">
+              <a14:hiddenEffects xmlns:a14="http://schemas.microsoft.com/office/drawing/2010/main">
+                <a:effectLst>
+                  <a:outerShdw dist="35921" dir="2700000" algn="ctr" rotWithShape="0">
+                    <a:schemeClr val="bg2"/>
+                  </a:outerShdw>
+                </a:effectLst>
+              </a14:hiddenEffects>
+            </a:ext>
+          </a:extLst>
+        </p:spPr>
+        <p:txBody>
+          <a:bodyPr vert="horz" wrap="none" lIns="91440" tIns="45720" rIns="91440" bIns="45720" numCol="1" anchor="ctr" anchorCtr="0" compatLnSpc="1">
+            <a:prstTxWarp prst="textNoShape">
+              <a:avLst/>
+            </a:prstTxWarp>
+            <a:spAutoFit/>
+          </a:bodyPr>
+          <a:lstStyle/>
+          <a:p>
+            <a:endParaRPr lang="zh-CN" altLang="en-US"/>
+          </a:p>
+        </p:txBody>
+      </p:sp>
+      <p:sp>
+        <p:nvSpPr>
+          <p:cNvPr id="17" name="内容占位符 2">
+            <a:extLst>
+              <a:ext uri="{FF2B5EF4-FFF2-40B4-BE49-F238E27FC236}">
+                <a16:creationId xmlns:a16="http://schemas.microsoft.com/office/drawing/2014/main" id="{D7B13CA5-CF5D-287A-9ACB-EF5CA77485F1}"/>
+              </a:ext>
+            </a:extLst>
+          </p:cNvPr>
+          <p:cNvSpPr txBox="1">
+            <a:spLocks/>
+          </p:cNvSpPr>
+          <p:nvPr/>
+        </p:nvSpPr>
+        <p:spPr bwMode="auto">
+          <a:xfrm>
+            <a:off x="93652" y="1068112"/>
+            <a:ext cx="9144000" cy="1399397"/>
+          </a:xfrm>
+          <a:prstGeom prst="rect">
+            <a:avLst/>
+          </a:prstGeom>
+          <a:noFill/>
+          <a:ln>
+            <a:noFill/>
+          </a:ln>
+          <a:extLst>
+            <a:ext uri="{909E8E84-426E-40DD-AFC4-6F175D3DCCD1}">
+              <a14:hiddenFill xmlns:a14="http://schemas.microsoft.com/office/drawing/2010/main">
+                <a:solidFill>
+                  <a:srgbClr val="FFFFFF"/>
+                </a:solidFill>
+              </a14:hiddenFill>
+            </a:ext>
+            <a:ext uri="{91240B29-F687-4F45-9708-019B960494DF}">
+              <a14:hiddenLine xmlns:a14="http://schemas.microsoft.com/office/drawing/2010/main" w="28575">
+                <a:solidFill>
+                  <a:srgbClr val="000000"/>
+                </a:solidFill>
+                <a:miter lim="800000"/>
+                <a:headEnd/>
+                <a:tailEnd/>
+              </a14:hiddenLine>
+            </a:ext>
+          </a:extLst>
+        </p:spPr>
+        <p:txBody>
+          <a:bodyPr vert="horz" wrap="square" lIns="91440" tIns="45720" rIns="91440" bIns="45720" numCol="1" anchor="t" anchorCtr="0" compatLnSpc="1">
+            <a:prstTxWarp prst="textNoShape">
+              <a:avLst/>
+            </a:prstTxWarp>
+          </a:bodyPr>
+          <a:lstStyle>
+            <a:lvl1pPr marL="342900" indent="-342900" algn="l" rtl="0" eaLnBrk="1" fontAlgn="base" hangingPunct="1">
+              <a:spcBef>
+                <a:spcPct val="30000"/>
+              </a:spcBef>
+              <a:spcAft>
+                <a:spcPct val="0"/>
+              </a:spcAft>
+              <a:buClr>
+                <a:schemeClr val="hlink"/>
+              </a:buClr>
+              <a:buFont typeface="Wingdings" pitchFamily="2" charset="2"/>
+              <a:buChar char="§"/>
+              <a:defRPr sz="3200">
+                <a:solidFill>
+                  <a:srgbClr val="000066"/>
+                </a:solidFill>
+                <a:latin typeface="微软雅黑" pitchFamily="34" charset="-122"/>
+                <a:ea typeface="微软雅黑" pitchFamily="34" charset="-122"/>
+                <a:cs typeface="+mn-cs"/>
+              </a:defRPr>
+            </a:lvl1pPr>
+            <a:lvl2pPr marL="742950" indent="-285750" algn="l" rtl="0" eaLnBrk="1" fontAlgn="base" hangingPunct="1">
+              <a:spcBef>
+                <a:spcPct val="30000"/>
+              </a:spcBef>
+              <a:spcAft>
+                <a:spcPct val="0"/>
+              </a:spcAft>
+              <a:buClr>
+                <a:schemeClr val="tx2"/>
+              </a:buClr>
+              <a:buSzPct val="85000"/>
+              <a:buFont typeface="Wingdings" pitchFamily="2" charset="2"/>
+              <a:buChar char="Ø"/>
+              <a:defRPr sz="2800">
+                <a:solidFill>
+                  <a:srgbClr val="006666"/>
+                </a:solidFill>
+                <a:latin typeface="微软雅黑" pitchFamily="34" charset="-122"/>
+                <a:ea typeface="微软雅黑" pitchFamily="34" charset="-122"/>
+              </a:defRPr>
+            </a:lvl2pPr>
+            <a:lvl3pPr marL="1143000" indent="-228600" algn="l" rtl="0" eaLnBrk="1" fontAlgn="base" hangingPunct="1">
+              <a:spcBef>
+                <a:spcPct val="30000"/>
+              </a:spcBef>
+              <a:spcAft>
+                <a:spcPct val="0"/>
+              </a:spcAft>
+              <a:buClr>
+                <a:schemeClr val="hlink"/>
+              </a:buClr>
+              <a:buSzPct val="95000"/>
+              <a:buFont typeface="Wingdings 2" pitchFamily="18" charset="2"/>
+              <a:buChar char="¡"/>
+              <a:defRPr sz="2400">
+                <a:solidFill>
+                  <a:schemeClr val="hlink"/>
+                </a:solidFill>
+                <a:latin typeface="微软雅黑" pitchFamily="34" charset="-122"/>
+                <a:ea typeface="微软雅黑" pitchFamily="34" charset="-122"/>
+              </a:defRPr>
+            </a:lvl3pPr>
+            <a:lvl4pPr marL="1600200" indent="-228600" algn="l" rtl="0" eaLnBrk="1" fontAlgn="base" hangingPunct="1">
+              <a:spcBef>
+                <a:spcPct val="30000"/>
+              </a:spcBef>
+              <a:spcAft>
+                <a:spcPct val="0"/>
+              </a:spcAft>
+              <a:buClr>
+                <a:schemeClr val="tx2"/>
+              </a:buClr>
+              <a:buSzPct val="90000"/>
+              <a:buFont typeface="Wingdings" pitchFamily="2" charset="2"/>
+              <a:buChar char="Ø"/>
+              <a:defRPr sz="2000">
+                <a:solidFill>
+                  <a:srgbClr val="990099"/>
+                </a:solidFill>
+                <a:latin typeface="微软雅黑" pitchFamily="34" charset="-122"/>
+                <a:ea typeface="微软雅黑" pitchFamily="34" charset="-122"/>
+              </a:defRPr>
+            </a:lvl4pPr>
+            <a:lvl5pPr marL="2057400" indent="-228600" algn="l" rtl="0" eaLnBrk="1" fontAlgn="base" hangingPunct="1">
+              <a:spcBef>
+                <a:spcPct val="30000"/>
+              </a:spcBef>
+              <a:spcAft>
+                <a:spcPct val="0"/>
+              </a:spcAft>
+              <a:buClr>
+                <a:schemeClr val="hlink"/>
+              </a:buClr>
+              <a:buFont typeface="Wingdings 2" pitchFamily="18" charset="2"/>
+              <a:buChar char="¡"/>
+              <a:defRPr sz="2000">
+                <a:solidFill>
+                  <a:schemeClr val="tx1"/>
+                </a:solidFill>
+                <a:latin typeface="微软雅黑" pitchFamily="34" charset="-122"/>
+                <a:ea typeface="微软雅黑" pitchFamily="34" charset="-122"/>
+              </a:defRPr>
+            </a:lvl5pPr>
+            <a:lvl6pPr marL="2514600" indent="-228600" algn="l" rtl="0" eaLnBrk="1" fontAlgn="base" hangingPunct="1">
+              <a:spcBef>
+                <a:spcPct val="30000"/>
+              </a:spcBef>
+              <a:spcAft>
+                <a:spcPct val="0"/>
+              </a:spcAft>
+              <a:buClr>
+                <a:schemeClr val="hlink"/>
+              </a:buClr>
+              <a:buFont typeface="Wingdings 2" pitchFamily="18" charset="2"/>
+              <a:buChar char="¡"/>
+              <a:defRPr sz="2000">
+                <a:solidFill>
+                  <a:schemeClr val="tx1"/>
+                </a:solidFill>
+                <a:latin typeface="+mn-lt"/>
+                <a:ea typeface="+mn-ea"/>
+              </a:defRPr>
+            </a:lvl6pPr>
+            <a:lvl7pPr marL="2971800" indent="-228600" algn="l" rtl="0" eaLnBrk="1" fontAlgn="base" hangingPunct="1">
+              <a:spcBef>
+                <a:spcPct val="30000"/>
+              </a:spcBef>
+              <a:spcAft>
+                <a:spcPct val="0"/>
+              </a:spcAft>
+              <a:buClr>
+                <a:schemeClr val="hlink"/>
+              </a:buClr>
+              <a:buFont typeface="Wingdings 2" pitchFamily="18" charset="2"/>
+              <a:buChar char="¡"/>
+              <a:defRPr sz="2000">
+                <a:solidFill>
+                  <a:schemeClr val="tx1"/>
+                </a:solidFill>
+                <a:latin typeface="+mn-lt"/>
+                <a:ea typeface="+mn-ea"/>
+              </a:defRPr>
+            </a:lvl7pPr>
+            <a:lvl8pPr marL="3429000" indent="-228600" algn="l" rtl="0" eaLnBrk="1" fontAlgn="base" hangingPunct="1">
+              <a:spcBef>
+                <a:spcPct val="30000"/>
+              </a:spcBef>
+              <a:spcAft>
+                <a:spcPct val="0"/>
+              </a:spcAft>
+              <a:buClr>
+                <a:schemeClr val="hlink"/>
+              </a:buClr>
+              <a:buFont typeface="Wingdings 2" pitchFamily="18" charset="2"/>
+              <a:buChar char="¡"/>
+              <a:defRPr sz="2000">
+                <a:solidFill>
+                  <a:schemeClr val="tx1"/>
+                </a:solidFill>
+                <a:latin typeface="+mn-lt"/>
+                <a:ea typeface="+mn-ea"/>
+              </a:defRPr>
+            </a:lvl8pPr>
+            <a:lvl9pPr marL="3886200" indent="-228600" algn="l" rtl="0" eaLnBrk="1" fontAlgn="base" hangingPunct="1">
+              <a:spcBef>
+                <a:spcPct val="30000"/>
+              </a:spcBef>
+              <a:spcAft>
+                <a:spcPct val="0"/>
+              </a:spcAft>
+              <a:buClr>
+                <a:schemeClr val="hlink"/>
+              </a:buClr>
+              <a:buFont typeface="Wingdings 2" pitchFamily="18" charset="2"/>
+              <a:buChar char="¡"/>
+              <a:defRPr sz="2000">
+                <a:solidFill>
+                  <a:schemeClr val="tx1"/>
+                </a:solidFill>
+                <a:latin typeface="+mn-lt"/>
+                <a:ea typeface="+mn-ea"/>
+              </a:defRPr>
+            </a:lvl9pPr>
+          </a:lstStyle>
+          <a:p>
+            <a:r>
+              <a:rPr lang="en-US" altLang="zh-CN" sz="2400" kern="0" dirty="0">
+                <a:latin typeface="+mn-lt"/>
+                <a:cs typeface="Times New Roman" panose="02020603050405020304" pitchFamily="18" charset="0"/>
+              </a:rPr>
+              <a:t>RETAU5200</a:t>
+            </a:r>
+            <a:endParaRPr lang="en-US" altLang="zh-CN" sz="2000" kern="0" dirty="0">
+              <a:latin typeface="+mn-lt"/>
+              <a:cs typeface="Times New Roman" panose="02020603050405020304" pitchFamily="18" charset="0"/>
+            </a:endParaRPr>
+          </a:p>
+          <a:p>
+            <a:pPr lvl="1"/>
+            <a:r>
+              <a:rPr lang="en-US" altLang="zh-CN" sz="2000" dirty="0">
+                <a:latin typeface="+mn-lt"/>
+                <a:cs typeface="Times New Roman" panose="02020603050405020304" pitchFamily="18" charset="0"/>
+              </a:rPr>
+              <a:t>CS0.11 is optimal, and CS0.05 is too small, especially in the core region.</a:t>
+            </a:r>
+          </a:p>
+        </p:txBody>
+      </p:sp>
+      <p:pic>
+        <p:nvPicPr>
+          <p:cNvPr id="11" name="Picture 10">
+            <a:extLst>
+              <a:ext uri="{FF2B5EF4-FFF2-40B4-BE49-F238E27FC236}">
+                <a16:creationId xmlns:a16="http://schemas.microsoft.com/office/drawing/2014/main" id="{DC008D5A-B323-E2B2-B77B-254F1AFEA484}"/>
+              </a:ext>
+            </a:extLst>
+          </p:cNvPr>
+          <p:cNvPicPr>
+            <a:picLocks noChangeAspect="1"/>
+          </p:cNvPicPr>
+          <p:nvPr/>
+        </p:nvPicPr>
+        <p:blipFill>
+          <a:blip r:embed="rId3"/>
+          <a:stretch>
+            <a:fillRect/>
+          </a:stretch>
+        </p:blipFill>
+        <p:spPr>
+          <a:xfrm>
+            <a:off x="1371600" y="2819400"/>
+            <a:ext cx="3200400" cy="2387519"/>
+          </a:xfrm>
+          <a:prstGeom prst="rect">
+            <a:avLst/>
+          </a:prstGeom>
+        </p:spPr>
+      </p:pic>
+      <p:pic>
+        <p:nvPicPr>
+          <p:cNvPr id="14" name="Picture 13">
+            <a:extLst>
+              <a:ext uri="{FF2B5EF4-FFF2-40B4-BE49-F238E27FC236}">
+                <a16:creationId xmlns:a16="http://schemas.microsoft.com/office/drawing/2014/main" id="{22B582E0-111D-049E-4E46-646C3EC6032F}"/>
+              </a:ext>
+            </a:extLst>
+          </p:cNvPr>
+          <p:cNvPicPr>
+            <a:picLocks noChangeAspect="1"/>
+          </p:cNvPicPr>
+          <p:nvPr/>
+        </p:nvPicPr>
+        <p:blipFill>
+          <a:blip r:embed="rId4"/>
+          <a:stretch>
+            <a:fillRect/>
+          </a:stretch>
+        </p:blipFill>
+        <p:spPr>
+          <a:xfrm>
+            <a:off x="4605867" y="2819400"/>
+            <a:ext cx="3200400" cy="2390108"/>
+          </a:xfrm>
+          <a:prstGeom prst="rect">
+            <a:avLst/>
+          </a:prstGeom>
+        </p:spPr>
+      </p:pic>
+    </p:spTree>
+    <p:extLst>
+      <p:ext uri="{BB962C8B-B14F-4D97-AF65-F5344CB8AC3E}">
+        <p14:creationId xmlns:p14="http://schemas.microsoft.com/office/powerpoint/2010/main" val="506017243"/>
+      </p:ext>
+    </p:extLst>
+  </p:cSld>
+  <p:clrMapOvr>
+    <a:masterClrMapping/>
+  </p:clrMapOvr>
+  <p:transition spd="med" advTm="63997"/>
+</p:sld>
+</file>
+
+<file path=ppt/slides/slide13.xml><?xml version="1.0" encoding="utf-8"?>
+<p:sld xmlns:a="http://schemas.openxmlformats.org/drawingml/2006/main" xmlns:r="http://schemas.openxmlformats.org/officeDocument/2006/relationships" xmlns:p="http://schemas.openxmlformats.org/presentationml/2006/main">
+  <p:cSld>
+    <p:spTree>
+      <p:nvGrpSpPr>
+        <p:cNvPr id="1" name=""/>
+        <p:cNvGrpSpPr/>
+        <p:nvPr/>
+      </p:nvGrpSpPr>
+      <p:grpSpPr>
+        <a:xfrm>
+          <a:off x="0" y="0"/>
+          <a:ext cx="0" cy="0"/>
+          <a:chOff x="0" y="0"/>
+          <a:chExt cx="0" cy="0"/>
+        </a:xfrm>
+      </p:grpSpPr>
+      <p:sp>
+        <p:nvSpPr>
+          <p:cNvPr id="2" name="Title 1"/>
+          <p:cNvSpPr>
+            <a:spLocks noGrp="1"/>
+          </p:cNvSpPr>
+          <p:nvPr>
+            <p:ph type="title"/>
+          </p:nvPr>
+        </p:nvSpPr>
+        <p:spPr>
+          <a:xfrm>
+            <a:off x="152400" y="152400"/>
+            <a:ext cx="8610600" cy="838200"/>
+          </a:xfrm>
+        </p:spPr>
+        <p:txBody>
+          <a:bodyPr/>
+          <a:lstStyle/>
+          <a:p>
+            <a:r>
+              <a:rPr lang="en-US" altLang="zh-CN" dirty="0"/>
+              <a:t>Channel</a:t>
+            </a:r>
+            <a:endParaRPr lang="zh-CN" altLang="en-US" dirty="0"/>
+          </a:p>
+        </p:txBody>
+      </p:sp>
+      <p:sp>
+        <p:nvSpPr>
+          <p:cNvPr id="9" name="Rectangle 2"/>
+          <p:cNvSpPr>
+            <a:spLocks noChangeArrowheads="1"/>
+          </p:cNvSpPr>
+          <p:nvPr/>
+        </p:nvSpPr>
+        <p:spPr bwMode="auto">
+          <a:xfrm>
+            <a:off x="0" y="0"/>
+            <a:ext cx="9144000" cy="0"/>
+          </a:xfrm>
+          <a:prstGeom prst="rect">
+            <a:avLst/>
+          </a:prstGeom>
+          <a:noFill/>
+          <a:ln>
+            <a:noFill/>
+          </a:ln>
+          <a:effectLst/>
+          <a:extLst>
+            <a:ext uri="{909E8E84-426E-40DD-AFC4-6F175D3DCCD1}">
+              <a14:hiddenFill xmlns:a14="http://schemas.microsoft.com/office/drawing/2010/main">
+                <a:solidFill>
+                  <a:schemeClr val="accent1"/>
+                </a:solidFill>
+              </a14:hiddenFill>
+            </a:ext>
+            <a:ext uri="{91240B29-F687-4F45-9708-019B960494DF}">
+              <a14:hiddenLine xmlns:a14="http://schemas.microsoft.com/office/drawing/2010/main" w="9525">
+                <a:solidFill>
+                  <a:schemeClr val="tx1"/>
+                </a:solidFill>
+                <a:miter lim="800000"/>
+                <a:headEnd/>
+                <a:tailEnd/>
+              </a14:hiddenLine>
+            </a:ext>
+            <a:ext uri="{AF507438-7753-43E0-B8FC-AC1667EBCBE1}">
+              <a14:hiddenEffects xmlns:a14="http://schemas.microsoft.com/office/drawing/2010/main">
+                <a:effectLst>
+                  <a:outerShdw dist="35921" dir="2700000" algn="ctr" rotWithShape="0">
+                    <a:schemeClr val="bg2"/>
+                  </a:outerShdw>
+                </a:effectLst>
+              </a14:hiddenEffects>
+            </a:ext>
+          </a:extLst>
+        </p:spPr>
+        <p:txBody>
+          <a:bodyPr vert="horz" wrap="none" lIns="91440" tIns="45720" rIns="91440" bIns="45720" numCol="1" anchor="ctr" anchorCtr="0" compatLnSpc="1">
+            <a:prstTxWarp prst="textNoShape">
+              <a:avLst/>
+            </a:prstTxWarp>
+            <a:spAutoFit/>
+          </a:bodyPr>
+          <a:lstStyle/>
+          <a:p>
+            <a:endParaRPr lang="zh-CN" altLang="en-US"/>
+          </a:p>
+        </p:txBody>
+      </p:sp>
+      <p:sp>
+        <p:nvSpPr>
+          <p:cNvPr id="17" name="内容占位符 2">
+            <a:extLst>
+              <a:ext uri="{FF2B5EF4-FFF2-40B4-BE49-F238E27FC236}">
+                <a16:creationId xmlns:a16="http://schemas.microsoft.com/office/drawing/2014/main" id="{D7B13CA5-CF5D-287A-9ACB-EF5CA77485F1}"/>
+              </a:ext>
+            </a:extLst>
+          </p:cNvPr>
+          <p:cNvSpPr txBox="1">
+            <a:spLocks/>
+          </p:cNvSpPr>
+          <p:nvPr/>
+        </p:nvSpPr>
+        <p:spPr bwMode="auto">
+          <a:xfrm>
+            <a:off x="93652" y="1068112"/>
+            <a:ext cx="9144000" cy="1399397"/>
+          </a:xfrm>
+          <a:prstGeom prst="rect">
+            <a:avLst/>
+          </a:prstGeom>
+          <a:noFill/>
+          <a:ln>
+            <a:noFill/>
+          </a:ln>
+          <a:extLst>
+            <a:ext uri="{909E8E84-426E-40DD-AFC4-6F175D3DCCD1}">
+              <a14:hiddenFill xmlns:a14="http://schemas.microsoft.com/office/drawing/2010/main">
+                <a:solidFill>
+                  <a:srgbClr val="FFFFFF"/>
+                </a:solidFill>
+              </a14:hiddenFill>
+            </a:ext>
+            <a:ext uri="{91240B29-F687-4F45-9708-019B960494DF}">
+              <a14:hiddenLine xmlns:a14="http://schemas.microsoft.com/office/drawing/2010/main" w="28575">
+                <a:solidFill>
+                  <a:srgbClr val="000000"/>
+                </a:solidFill>
+                <a:miter lim="800000"/>
+                <a:headEnd/>
+                <a:tailEnd/>
+              </a14:hiddenLine>
+            </a:ext>
+          </a:extLst>
+        </p:spPr>
+        <p:txBody>
+          <a:bodyPr vert="horz" wrap="square" lIns="91440" tIns="45720" rIns="91440" bIns="45720" numCol="1" anchor="t" anchorCtr="0" compatLnSpc="1">
+            <a:prstTxWarp prst="textNoShape">
+              <a:avLst/>
+            </a:prstTxWarp>
+          </a:bodyPr>
+          <a:lstStyle>
+            <a:lvl1pPr marL="342900" indent="-342900" algn="l" rtl="0" eaLnBrk="1" fontAlgn="base" hangingPunct="1">
+              <a:spcBef>
+                <a:spcPct val="30000"/>
+              </a:spcBef>
+              <a:spcAft>
+                <a:spcPct val="0"/>
+              </a:spcAft>
+              <a:buClr>
+                <a:schemeClr val="hlink"/>
+              </a:buClr>
+              <a:buFont typeface="Wingdings" pitchFamily="2" charset="2"/>
+              <a:buChar char="§"/>
+              <a:defRPr sz="3200">
+                <a:solidFill>
+                  <a:srgbClr val="000066"/>
+                </a:solidFill>
+                <a:latin typeface="微软雅黑" pitchFamily="34" charset="-122"/>
+                <a:ea typeface="微软雅黑" pitchFamily="34" charset="-122"/>
+                <a:cs typeface="+mn-cs"/>
+              </a:defRPr>
+            </a:lvl1pPr>
+            <a:lvl2pPr marL="742950" indent="-285750" algn="l" rtl="0" eaLnBrk="1" fontAlgn="base" hangingPunct="1">
+              <a:spcBef>
+                <a:spcPct val="30000"/>
+              </a:spcBef>
+              <a:spcAft>
+                <a:spcPct val="0"/>
+              </a:spcAft>
+              <a:buClr>
+                <a:schemeClr val="tx2"/>
+              </a:buClr>
+              <a:buSzPct val="85000"/>
+              <a:buFont typeface="Wingdings" pitchFamily="2" charset="2"/>
+              <a:buChar char="Ø"/>
+              <a:defRPr sz="2800">
+                <a:solidFill>
+                  <a:srgbClr val="006666"/>
+                </a:solidFill>
+                <a:latin typeface="微软雅黑" pitchFamily="34" charset="-122"/>
+                <a:ea typeface="微软雅黑" pitchFamily="34" charset="-122"/>
+              </a:defRPr>
+            </a:lvl2pPr>
+            <a:lvl3pPr marL="1143000" indent="-228600" algn="l" rtl="0" eaLnBrk="1" fontAlgn="base" hangingPunct="1">
+              <a:spcBef>
+                <a:spcPct val="30000"/>
+              </a:spcBef>
+              <a:spcAft>
+                <a:spcPct val="0"/>
+              </a:spcAft>
+              <a:buClr>
+                <a:schemeClr val="hlink"/>
+              </a:buClr>
+              <a:buSzPct val="95000"/>
+              <a:buFont typeface="Wingdings 2" pitchFamily="18" charset="2"/>
+              <a:buChar char="¡"/>
+              <a:defRPr sz="2400">
+                <a:solidFill>
+                  <a:schemeClr val="hlink"/>
+                </a:solidFill>
+                <a:latin typeface="微软雅黑" pitchFamily="34" charset="-122"/>
+                <a:ea typeface="微软雅黑" pitchFamily="34" charset="-122"/>
+              </a:defRPr>
+            </a:lvl3pPr>
+            <a:lvl4pPr marL="1600200" indent="-228600" algn="l" rtl="0" eaLnBrk="1" fontAlgn="base" hangingPunct="1">
+              <a:spcBef>
+                <a:spcPct val="30000"/>
+              </a:spcBef>
+              <a:spcAft>
+                <a:spcPct val="0"/>
+              </a:spcAft>
+              <a:buClr>
+                <a:schemeClr val="tx2"/>
+              </a:buClr>
+              <a:buSzPct val="90000"/>
+              <a:buFont typeface="Wingdings" pitchFamily="2" charset="2"/>
+              <a:buChar char="Ø"/>
+              <a:defRPr sz="2000">
+                <a:solidFill>
+                  <a:srgbClr val="990099"/>
+                </a:solidFill>
+                <a:latin typeface="微软雅黑" pitchFamily="34" charset="-122"/>
+                <a:ea typeface="微软雅黑" pitchFamily="34" charset="-122"/>
+              </a:defRPr>
+            </a:lvl4pPr>
+            <a:lvl5pPr marL="2057400" indent="-228600" algn="l" rtl="0" eaLnBrk="1" fontAlgn="base" hangingPunct="1">
+              <a:spcBef>
+                <a:spcPct val="30000"/>
+              </a:spcBef>
+              <a:spcAft>
+                <a:spcPct val="0"/>
+              </a:spcAft>
+              <a:buClr>
+                <a:schemeClr val="hlink"/>
+              </a:buClr>
+              <a:buFont typeface="Wingdings 2" pitchFamily="18" charset="2"/>
+              <a:buChar char="¡"/>
+              <a:defRPr sz="2000">
+                <a:solidFill>
+                  <a:schemeClr val="tx1"/>
+                </a:solidFill>
+                <a:latin typeface="微软雅黑" pitchFamily="34" charset="-122"/>
+                <a:ea typeface="微软雅黑" pitchFamily="34" charset="-122"/>
+              </a:defRPr>
+            </a:lvl5pPr>
+            <a:lvl6pPr marL="2514600" indent="-228600" algn="l" rtl="0" eaLnBrk="1" fontAlgn="base" hangingPunct="1">
+              <a:spcBef>
+                <a:spcPct val="30000"/>
+              </a:spcBef>
+              <a:spcAft>
+                <a:spcPct val="0"/>
+              </a:spcAft>
+              <a:buClr>
+                <a:schemeClr val="hlink"/>
+              </a:buClr>
+              <a:buFont typeface="Wingdings 2" pitchFamily="18" charset="2"/>
+              <a:buChar char="¡"/>
+              <a:defRPr sz="2000">
+                <a:solidFill>
+                  <a:schemeClr val="tx1"/>
+                </a:solidFill>
+                <a:latin typeface="+mn-lt"/>
+                <a:ea typeface="+mn-ea"/>
+              </a:defRPr>
+            </a:lvl6pPr>
+            <a:lvl7pPr marL="2971800" indent="-228600" algn="l" rtl="0" eaLnBrk="1" fontAlgn="base" hangingPunct="1">
+              <a:spcBef>
+                <a:spcPct val="30000"/>
+              </a:spcBef>
+              <a:spcAft>
+                <a:spcPct val="0"/>
+              </a:spcAft>
+              <a:buClr>
+                <a:schemeClr val="hlink"/>
+              </a:buClr>
+              <a:buFont typeface="Wingdings 2" pitchFamily="18" charset="2"/>
+              <a:buChar char="¡"/>
+              <a:defRPr sz="2000">
+                <a:solidFill>
+                  <a:schemeClr val="tx1"/>
+                </a:solidFill>
+                <a:latin typeface="+mn-lt"/>
+                <a:ea typeface="+mn-ea"/>
+              </a:defRPr>
+            </a:lvl7pPr>
+            <a:lvl8pPr marL="3429000" indent="-228600" algn="l" rtl="0" eaLnBrk="1" fontAlgn="base" hangingPunct="1">
+              <a:spcBef>
+                <a:spcPct val="30000"/>
+              </a:spcBef>
+              <a:spcAft>
+                <a:spcPct val="0"/>
+              </a:spcAft>
+              <a:buClr>
+                <a:schemeClr val="hlink"/>
+              </a:buClr>
+              <a:buFont typeface="Wingdings 2" pitchFamily="18" charset="2"/>
+              <a:buChar char="¡"/>
+              <a:defRPr sz="2000">
+                <a:solidFill>
+                  <a:schemeClr val="tx1"/>
+                </a:solidFill>
+                <a:latin typeface="+mn-lt"/>
+                <a:ea typeface="+mn-ea"/>
+              </a:defRPr>
+            </a:lvl8pPr>
+            <a:lvl9pPr marL="3886200" indent="-228600" algn="l" rtl="0" eaLnBrk="1" fontAlgn="base" hangingPunct="1">
+              <a:spcBef>
+                <a:spcPct val="30000"/>
+              </a:spcBef>
+              <a:spcAft>
+                <a:spcPct val="0"/>
+              </a:spcAft>
+              <a:buClr>
+                <a:schemeClr val="hlink"/>
+              </a:buClr>
+              <a:buFont typeface="Wingdings 2" pitchFamily="18" charset="2"/>
+              <a:buChar char="¡"/>
+              <a:defRPr sz="2000">
+                <a:solidFill>
+                  <a:schemeClr val="tx1"/>
+                </a:solidFill>
+                <a:latin typeface="+mn-lt"/>
+                <a:ea typeface="+mn-ea"/>
+              </a:defRPr>
+            </a:lvl9pPr>
+          </a:lstStyle>
+          <a:p>
+            <a:r>
+              <a:rPr lang="en-US" altLang="zh-CN" sz="2400" kern="0" dirty="0">
+                <a:latin typeface="+mn-lt"/>
+                <a:cs typeface="Times New Roman" panose="02020603050405020304" pitchFamily="18" charset="0"/>
+              </a:rPr>
+              <a:t>RETAU5200</a:t>
+            </a:r>
+            <a:endParaRPr lang="en-US" altLang="zh-CN" sz="2000" kern="0" dirty="0">
+              <a:latin typeface="+mn-lt"/>
+              <a:cs typeface="Times New Roman" panose="02020603050405020304" pitchFamily="18" charset="0"/>
+            </a:endParaRPr>
+          </a:p>
+          <a:p>
+            <a:pPr lvl="1"/>
+            <a:r>
+              <a:rPr lang="en-US" altLang="zh-CN" sz="2000" dirty="0">
+                <a:latin typeface="+mn-lt"/>
+                <a:cs typeface="Times New Roman" panose="02020603050405020304" pitchFamily="18" charset="0"/>
+              </a:rPr>
+              <a:t>CS0 reproduces the results without SGS</a:t>
+            </a:r>
+          </a:p>
+        </p:txBody>
+      </p:sp>
+      <p:pic>
+        <p:nvPicPr>
+          <p:cNvPr id="19" name="Picture 18">
+            <a:extLst>
+              <a:ext uri="{FF2B5EF4-FFF2-40B4-BE49-F238E27FC236}">
+                <a16:creationId xmlns:a16="http://schemas.microsoft.com/office/drawing/2014/main" id="{77F3895B-202B-3D41-46E4-68AC6908346D}"/>
+              </a:ext>
+            </a:extLst>
+          </p:cNvPr>
+          <p:cNvPicPr>
+            <a:picLocks noChangeAspect="1"/>
+          </p:cNvPicPr>
+          <p:nvPr/>
+        </p:nvPicPr>
+        <p:blipFill>
+          <a:blip r:embed="rId3"/>
+          <a:stretch>
+            <a:fillRect/>
+          </a:stretch>
+        </p:blipFill>
+        <p:spPr>
+          <a:xfrm>
+            <a:off x="93652" y="3562089"/>
+            <a:ext cx="3200400" cy="2396459"/>
+          </a:xfrm>
+          <a:prstGeom prst="rect">
+            <a:avLst/>
+          </a:prstGeom>
+        </p:spPr>
+      </p:pic>
+    </p:spTree>
+    <p:extLst>
+      <p:ext uri="{BB962C8B-B14F-4D97-AF65-F5344CB8AC3E}">
+        <p14:creationId xmlns:p14="http://schemas.microsoft.com/office/powerpoint/2010/main" val="1101504850"/>
+      </p:ext>
+    </p:extLst>
+  </p:cSld>
+  <p:clrMapOvr>
+    <a:masterClrMapping/>
+  </p:clrMapOvr>
+  <p:transition spd="med" advTm="63997"/>
+</p:sld>
+</file>
+
+<file path=ppt/slides/slide14.xml><?xml version="1.0" encoding="utf-8"?>
+<p:sld xmlns:a="http://schemas.openxmlformats.org/drawingml/2006/main" xmlns:r="http://schemas.openxmlformats.org/officeDocument/2006/relationships" xmlns:p="http://schemas.openxmlformats.org/presentationml/2006/main">
+  <p:cSld>
+    <p:spTree>
+      <p:nvGrpSpPr>
+        <p:cNvPr id="1" name=""/>
+        <p:cNvGrpSpPr/>
+        <p:nvPr/>
+      </p:nvGrpSpPr>
+      <p:grpSpPr>
+        <a:xfrm>
+          <a:off x="0" y="0"/>
+          <a:ext cx="0" cy="0"/>
+          <a:chOff x="0" y="0"/>
+          <a:chExt cx="0" cy="0"/>
+        </a:xfrm>
+      </p:grpSpPr>
+      <p:sp>
+        <p:nvSpPr>
+          <p:cNvPr id="2" name="Title 1"/>
+          <p:cNvSpPr>
+            <a:spLocks noGrp="1"/>
+          </p:cNvSpPr>
+          <p:nvPr>
+            <p:ph type="title"/>
+          </p:nvPr>
+        </p:nvSpPr>
+        <p:spPr>
+          <a:xfrm>
+            <a:off x="152400" y="152400"/>
+            <a:ext cx="8610600" cy="838200"/>
+          </a:xfrm>
+        </p:spPr>
+        <p:txBody>
+          <a:bodyPr/>
+          <a:lstStyle/>
+          <a:p>
+            <a:r>
+              <a:rPr lang="en-US" altLang="zh-CN" dirty="0"/>
+              <a:t>Channel</a:t>
+            </a:r>
+            <a:endParaRPr lang="zh-CN" altLang="en-US" dirty="0"/>
+          </a:p>
+        </p:txBody>
+      </p:sp>
+      <p:sp>
+        <p:nvSpPr>
+          <p:cNvPr id="9" name="Rectangle 2"/>
+          <p:cNvSpPr>
+            <a:spLocks noChangeArrowheads="1"/>
+          </p:cNvSpPr>
+          <p:nvPr/>
+        </p:nvSpPr>
+        <p:spPr bwMode="auto">
+          <a:xfrm>
+            <a:off x="0" y="0"/>
+            <a:ext cx="9144000" cy="0"/>
+          </a:xfrm>
+          <a:prstGeom prst="rect">
+            <a:avLst/>
+          </a:prstGeom>
+          <a:noFill/>
+          <a:ln>
+            <a:noFill/>
+          </a:ln>
+          <a:effectLst/>
+          <a:extLst>
+            <a:ext uri="{909E8E84-426E-40DD-AFC4-6F175D3DCCD1}">
+              <a14:hiddenFill xmlns:a14="http://schemas.microsoft.com/office/drawing/2010/main">
+                <a:solidFill>
+                  <a:schemeClr val="accent1"/>
+                </a:solidFill>
+              </a14:hiddenFill>
+            </a:ext>
+            <a:ext uri="{91240B29-F687-4F45-9708-019B960494DF}">
+              <a14:hiddenLine xmlns:a14="http://schemas.microsoft.com/office/drawing/2010/main" w="9525">
+                <a:solidFill>
+                  <a:schemeClr val="tx1"/>
+                </a:solidFill>
+                <a:miter lim="800000"/>
+                <a:headEnd/>
+                <a:tailEnd/>
+              </a14:hiddenLine>
+            </a:ext>
+            <a:ext uri="{AF507438-7753-43E0-B8FC-AC1667EBCBE1}">
+              <a14:hiddenEffects xmlns:a14="http://schemas.microsoft.com/office/drawing/2010/main">
+                <a:effectLst>
+                  <a:outerShdw dist="35921" dir="2700000" algn="ctr" rotWithShape="0">
+                    <a:schemeClr val="bg2"/>
+                  </a:outerShdw>
+                </a:effectLst>
+              </a14:hiddenEffects>
+            </a:ext>
+          </a:extLst>
+        </p:spPr>
+        <p:txBody>
+          <a:bodyPr vert="horz" wrap="none" lIns="91440" tIns="45720" rIns="91440" bIns="45720" numCol="1" anchor="ctr" anchorCtr="0" compatLnSpc="1">
+            <a:prstTxWarp prst="textNoShape">
+              <a:avLst/>
+            </a:prstTxWarp>
+            <a:spAutoFit/>
+          </a:bodyPr>
+          <a:lstStyle/>
+          <a:p>
+            <a:endParaRPr lang="zh-CN" altLang="en-US"/>
+          </a:p>
+        </p:txBody>
+      </p:sp>
+      <p:sp>
+        <p:nvSpPr>
+          <p:cNvPr id="17" name="内容占位符 2">
+            <a:extLst>
+              <a:ext uri="{FF2B5EF4-FFF2-40B4-BE49-F238E27FC236}">
+                <a16:creationId xmlns:a16="http://schemas.microsoft.com/office/drawing/2014/main" id="{D7B13CA5-CF5D-287A-9ACB-EF5CA77485F1}"/>
+              </a:ext>
+            </a:extLst>
+          </p:cNvPr>
+          <p:cNvSpPr txBox="1">
+            <a:spLocks/>
+          </p:cNvSpPr>
+          <p:nvPr/>
+        </p:nvSpPr>
+        <p:spPr bwMode="auto">
+          <a:xfrm>
+            <a:off x="93652" y="1068113"/>
+            <a:ext cx="8610600" cy="932338"/>
+          </a:xfrm>
+          <a:prstGeom prst="rect">
+            <a:avLst/>
+          </a:prstGeom>
+          <a:noFill/>
+          <a:ln>
+            <a:noFill/>
+          </a:ln>
+          <a:extLst>
+            <a:ext uri="{909E8E84-426E-40DD-AFC4-6F175D3DCCD1}">
+              <a14:hiddenFill xmlns:a14="http://schemas.microsoft.com/office/drawing/2010/main">
+                <a:solidFill>
+                  <a:srgbClr val="FFFFFF"/>
+                </a:solidFill>
+              </a14:hiddenFill>
+            </a:ext>
+            <a:ext uri="{91240B29-F687-4F45-9708-019B960494DF}">
+              <a14:hiddenLine xmlns:a14="http://schemas.microsoft.com/office/drawing/2010/main" w="28575">
+                <a:solidFill>
+                  <a:srgbClr val="000000"/>
+                </a:solidFill>
+                <a:miter lim="800000"/>
+                <a:headEnd/>
+                <a:tailEnd/>
+              </a14:hiddenLine>
+            </a:ext>
+          </a:extLst>
+        </p:spPr>
+        <p:txBody>
+          <a:bodyPr vert="horz" wrap="square" lIns="91440" tIns="45720" rIns="91440" bIns="45720" numCol="1" anchor="t" anchorCtr="0" compatLnSpc="1">
+            <a:prstTxWarp prst="textNoShape">
+              <a:avLst/>
+            </a:prstTxWarp>
+          </a:bodyPr>
+          <a:lstStyle>
+            <a:lvl1pPr marL="342900" indent="-342900" algn="l" rtl="0" eaLnBrk="1" fontAlgn="base" hangingPunct="1">
+              <a:spcBef>
+                <a:spcPct val="30000"/>
+              </a:spcBef>
+              <a:spcAft>
+                <a:spcPct val="0"/>
+              </a:spcAft>
+              <a:buClr>
+                <a:schemeClr val="hlink"/>
+              </a:buClr>
+              <a:buFont typeface="Wingdings" pitchFamily="2" charset="2"/>
+              <a:buChar char="§"/>
+              <a:defRPr sz="3200">
+                <a:solidFill>
+                  <a:srgbClr val="000066"/>
+                </a:solidFill>
+                <a:latin typeface="微软雅黑" pitchFamily="34" charset="-122"/>
+                <a:ea typeface="微软雅黑" pitchFamily="34" charset="-122"/>
+                <a:cs typeface="+mn-cs"/>
+              </a:defRPr>
+            </a:lvl1pPr>
+            <a:lvl2pPr marL="742950" indent="-285750" algn="l" rtl="0" eaLnBrk="1" fontAlgn="base" hangingPunct="1">
+              <a:spcBef>
+                <a:spcPct val="30000"/>
+              </a:spcBef>
+              <a:spcAft>
+                <a:spcPct val="0"/>
+              </a:spcAft>
+              <a:buClr>
+                <a:schemeClr val="tx2"/>
+              </a:buClr>
+              <a:buSzPct val="85000"/>
+              <a:buFont typeface="Wingdings" pitchFamily="2" charset="2"/>
+              <a:buChar char="Ø"/>
+              <a:defRPr sz="2800">
+                <a:solidFill>
+                  <a:srgbClr val="006666"/>
+                </a:solidFill>
+                <a:latin typeface="微软雅黑" pitchFamily="34" charset="-122"/>
+                <a:ea typeface="微软雅黑" pitchFamily="34" charset="-122"/>
+              </a:defRPr>
+            </a:lvl2pPr>
+            <a:lvl3pPr marL="1143000" indent="-228600" algn="l" rtl="0" eaLnBrk="1" fontAlgn="base" hangingPunct="1">
+              <a:spcBef>
+                <a:spcPct val="30000"/>
+              </a:spcBef>
+              <a:spcAft>
+                <a:spcPct val="0"/>
+              </a:spcAft>
+              <a:buClr>
+                <a:schemeClr val="hlink"/>
+              </a:buClr>
+              <a:buSzPct val="95000"/>
+              <a:buFont typeface="Wingdings 2" pitchFamily="18" charset="2"/>
+              <a:buChar char="¡"/>
+              <a:defRPr sz="2400">
+                <a:solidFill>
+                  <a:schemeClr val="hlink"/>
+                </a:solidFill>
+                <a:latin typeface="微软雅黑" pitchFamily="34" charset="-122"/>
+                <a:ea typeface="微软雅黑" pitchFamily="34" charset="-122"/>
+              </a:defRPr>
+            </a:lvl3pPr>
+            <a:lvl4pPr marL="1600200" indent="-228600" algn="l" rtl="0" eaLnBrk="1" fontAlgn="base" hangingPunct="1">
+              <a:spcBef>
+                <a:spcPct val="30000"/>
+              </a:spcBef>
+              <a:spcAft>
+                <a:spcPct val="0"/>
+              </a:spcAft>
+              <a:buClr>
+                <a:schemeClr val="tx2"/>
+              </a:buClr>
+              <a:buSzPct val="90000"/>
+              <a:buFont typeface="Wingdings" pitchFamily="2" charset="2"/>
+              <a:buChar char="Ø"/>
+              <a:defRPr sz="2000">
+                <a:solidFill>
+                  <a:srgbClr val="990099"/>
+                </a:solidFill>
+                <a:latin typeface="微软雅黑" pitchFamily="34" charset="-122"/>
+                <a:ea typeface="微软雅黑" pitchFamily="34" charset="-122"/>
+              </a:defRPr>
+            </a:lvl4pPr>
+            <a:lvl5pPr marL="2057400" indent="-228600" algn="l" rtl="0" eaLnBrk="1" fontAlgn="base" hangingPunct="1">
+              <a:spcBef>
+                <a:spcPct val="30000"/>
+              </a:spcBef>
+              <a:spcAft>
+                <a:spcPct val="0"/>
+              </a:spcAft>
+              <a:buClr>
+                <a:schemeClr val="hlink"/>
+              </a:buClr>
+              <a:buFont typeface="Wingdings 2" pitchFamily="18" charset="2"/>
+              <a:buChar char="¡"/>
+              <a:defRPr sz="2000">
+                <a:solidFill>
+                  <a:schemeClr val="tx1"/>
+                </a:solidFill>
+                <a:latin typeface="微软雅黑" pitchFamily="34" charset="-122"/>
+                <a:ea typeface="微软雅黑" pitchFamily="34" charset="-122"/>
+              </a:defRPr>
+            </a:lvl5pPr>
+            <a:lvl6pPr marL="2514600" indent="-228600" algn="l" rtl="0" eaLnBrk="1" fontAlgn="base" hangingPunct="1">
+              <a:spcBef>
+                <a:spcPct val="30000"/>
+              </a:spcBef>
+              <a:spcAft>
+                <a:spcPct val="0"/>
+              </a:spcAft>
+              <a:buClr>
+                <a:schemeClr val="hlink"/>
+              </a:buClr>
+              <a:buFont typeface="Wingdings 2" pitchFamily="18" charset="2"/>
+              <a:buChar char="¡"/>
+              <a:defRPr sz="2000">
+                <a:solidFill>
+                  <a:schemeClr val="tx1"/>
+                </a:solidFill>
+                <a:latin typeface="+mn-lt"/>
+                <a:ea typeface="+mn-ea"/>
+              </a:defRPr>
+            </a:lvl6pPr>
+            <a:lvl7pPr marL="2971800" indent="-228600" algn="l" rtl="0" eaLnBrk="1" fontAlgn="base" hangingPunct="1">
+              <a:spcBef>
+                <a:spcPct val="30000"/>
+              </a:spcBef>
+              <a:spcAft>
+                <a:spcPct val="0"/>
+              </a:spcAft>
+              <a:buClr>
+                <a:schemeClr val="hlink"/>
+              </a:buClr>
+              <a:buFont typeface="Wingdings 2" pitchFamily="18" charset="2"/>
+              <a:buChar char="¡"/>
+              <a:defRPr sz="2000">
+                <a:solidFill>
+                  <a:schemeClr val="tx1"/>
+                </a:solidFill>
+                <a:latin typeface="+mn-lt"/>
+                <a:ea typeface="+mn-ea"/>
+              </a:defRPr>
+            </a:lvl7pPr>
+            <a:lvl8pPr marL="3429000" indent="-228600" algn="l" rtl="0" eaLnBrk="1" fontAlgn="base" hangingPunct="1">
+              <a:spcBef>
+                <a:spcPct val="30000"/>
+              </a:spcBef>
+              <a:spcAft>
+                <a:spcPct val="0"/>
+              </a:spcAft>
+              <a:buClr>
+                <a:schemeClr val="hlink"/>
+              </a:buClr>
+              <a:buFont typeface="Wingdings 2" pitchFamily="18" charset="2"/>
+              <a:buChar char="¡"/>
+              <a:defRPr sz="2000">
+                <a:solidFill>
+                  <a:schemeClr val="tx1"/>
+                </a:solidFill>
+                <a:latin typeface="+mn-lt"/>
+                <a:ea typeface="+mn-ea"/>
+              </a:defRPr>
+            </a:lvl8pPr>
+            <a:lvl9pPr marL="3886200" indent="-228600" algn="l" rtl="0" eaLnBrk="1" fontAlgn="base" hangingPunct="1">
+              <a:spcBef>
+                <a:spcPct val="30000"/>
+              </a:spcBef>
+              <a:spcAft>
+                <a:spcPct val="0"/>
+              </a:spcAft>
+              <a:buClr>
+                <a:schemeClr val="hlink"/>
+              </a:buClr>
+              <a:buFont typeface="Wingdings 2" pitchFamily="18" charset="2"/>
+              <a:buChar char="¡"/>
+              <a:defRPr sz="2000">
+                <a:solidFill>
+                  <a:schemeClr val="tx1"/>
+                </a:solidFill>
+                <a:latin typeface="+mn-lt"/>
+                <a:ea typeface="+mn-ea"/>
+              </a:defRPr>
+            </a:lvl9pPr>
+          </a:lstStyle>
+          <a:p>
+            <a:r>
+              <a:rPr lang="en-US" altLang="zh-CN" sz="2400" kern="0" dirty="0">
+                <a:latin typeface="+mn-lt"/>
+                <a:cs typeface="Times New Roman" panose="02020603050405020304" pitchFamily="18" charset="0"/>
+              </a:rPr>
+              <a:t>RETAU5200</a:t>
+            </a:r>
+            <a:endParaRPr lang="en-US" altLang="zh-CN" sz="2000" kern="0" dirty="0">
+              <a:latin typeface="+mn-lt"/>
+              <a:cs typeface="Times New Roman" panose="02020603050405020304" pitchFamily="18" charset="0"/>
+            </a:endParaRPr>
+          </a:p>
+          <a:p>
+            <a:pPr lvl="1"/>
+            <a:r>
+              <a:rPr lang="en-US" altLang="zh-CN" sz="2000" dirty="0">
+                <a:latin typeface="+mn-lt"/>
+                <a:cs typeface="Times New Roman" panose="02020603050405020304" pitchFamily="18" charset="0"/>
+              </a:rPr>
+              <a:t>Simplified viscous terms produce a bit better results on coarse grids</a:t>
             </a:r>
           </a:p>
         </p:txBody>
@@ -25421,7 +27793,1474 @@
 </p:sld>
 </file>
 
-<file path=ppt/slides/slide11.xml><?xml version="1.0" encoding="utf-8"?>
+<file path=ppt/slides/slide15.xml><?xml version="1.0" encoding="utf-8"?>
+<p:sld xmlns:a="http://schemas.openxmlformats.org/drawingml/2006/main" xmlns:r="http://schemas.openxmlformats.org/officeDocument/2006/relationships" xmlns:p="http://schemas.openxmlformats.org/presentationml/2006/main">
+  <p:cSld>
+    <p:spTree>
+      <p:nvGrpSpPr>
+        <p:cNvPr id="1" name=""/>
+        <p:cNvGrpSpPr/>
+        <p:nvPr/>
+      </p:nvGrpSpPr>
+      <p:grpSpPr>
+        <a:xfrm>
+          <a:off x="0" y="0"/>
+          <a:ext cx="0" cy="0"/>
+          <a:chOff x="0" y="0"/>
+          <a:chExt cx="0" cy="0"/>
+        </a:xfrm>
+      </p:grpSpPr>
+      <p:sp>
+        <p:nvSpPr>
+          <p:cNvPr id="2" name="Title 1"/>
+          <p:cNvSpPr>
+            <a:spLocks noGrp="1"/>
+          </p:cNvSpPr>
+          <p:nvPr>
+            <p:ph type="title"/>
+          </p:nvPr>
+        </p:nvSpPr>
+        <p:spPr>
+          <a:xfrm>
+            <a:off x="152400" y="152400"/>
+            <a:ext cx="8610600" cy="838200"/>
+          </a:xfrm>
+        </p:spPr>
+        <p:txBody>
+          <a:bodyPr/>
+          <a:lstStyle/>
+          <a:p>
+            <a:r>
+              <a:rPr lang="en-US" altLang="zh-CN" dirty="0"/>
+              <a:t>Channel</a:t>
+            </a:r>
+            <a:endParaRPr lang="zh-CN" altLang="en-US" dirty="0"/>
+          </a:p>
+        </p:txBody>
+      </p:sp>
+      <p:sp>
+        <p:nvSpPr>
+          <p:cNvPr id="9" name="Rectangle 2"/>
+          <p:cNvSpPr>
+            <a:spLocks noChangeArrowheads="1"/>
+          </p:cNvSpPr>
+          <p:nvPr/>
+        </p:nvSpPr>
+        <p:spPr bwMode="auto">
+          <a:xfrm>
+            <a:off x="0" y="0"/>
+            <a:ext cx="9144000" cy="0"/>
+          </a:xfrm>
+          <a:prstGeom prst="rect">
+            <a:avLst/>
+          </a:prstGeom>
+          <a:noFill/>
+          <a:ln>
+            <a:noFill/>
+          </a:ln>
+          <a:effectLst/>
+          <a:extLst>
+            <a:ext uri="{909E8E84-426E-40DD-AFC4-6F175D3DCCD1}">
+              <a14:hiddenFill xmlns:a14="http://schemas.microsoft.com/office/drawing/2010/main">
+                <a:solidFill>
+                  <a:schemeClr val="accent1"/>
+                </a:solidFill>
+              </a14:hiddenFill>
+            </a:ext>
+            <a:ext uri="{91240B29-F687-4F45-9708-019B960494DF}">
+              <a14:hiddenLine xmlns:a14="http://schemas.microsoft.com/office/drawing/2010/main" w="9525">
+                <a:solidFill>
+                  <a:schemeClr val="tx1"/>
+                </a:solidFill>
+                <a:miter lim="800000"/>
+                <a:headEnd/>
+                <a:tailEnd/>
+              </a14:hiddenLine>
+            </a:ext>
+            <a:ext uri="{AF507438-7753-43E0-B8FC-AC1667EBCBE1}">
+              <a14:hiddenEffects xmlns:a14="http://schemas.microsoft.com/office/drawing/2010/main">
+                <a:effectLst>
+                  <a:outerShdw dist="35921" dir="2700000" algn="ctr" rotWithShape="0">
+                    <a:schemeClr val="bg2"/>
+                  </a:outerShdw>
+                </a:effectLst>
+              </a14:hiddenEffects>
+            </a:ext>
+          </a:extLst>
+        </p:spPr>
+        <p:txBody>
+          <a:bodyPr vert="horz" wrap="none" lIns="91440" tIns="45720" rIns="91440" bIns="45720" numCol="1" anchor="ctr" anchorCtr="0" compatLnSpc="1">
+            <a:prstTxWarp prst="textNoShape">
+              <a:avLst/>
+            </a:prstTxWarp>
+            <a:spAutoFit/>
+          </a:bodyPr>
+          <a:lstStyle/>
+          <a:p>
+            <a:endParaRPr lang="zh-CN" altLang="en-US"/>
+          </a:p>
+        </p:txBody>
+      </p:sp>
+      <p:sp>
+        <p:nvSpPr>
+          <p:cNvPr id="17" name="内容占位符 2">
+            <a:extLst>
+              <a:ext uri="{FF2B5EF4-FFF2-40B4-BE49-F238E27FC236}">
+                <a16:creationId xmlns:a16="http://schemas.microsoft.com/office/drawing/2014/main" id="{D7B13CA5-CF5D-287A-9ACB-EF5CA77485F1}"/>
+              </a:ext>
+            </a:extLst>
+          </p:cNvPr>
+          <p:cNvSpPr txBox="1">
+            <a:spLocks/>
+          </p:cNvSpPr>
+          <p:nvPr/>
+        </p:nvSpPr>
+        <p:spPr bwMode="auto">
+          <a:xfrm>
+            <a:off x="93652" y="1068113"/>
+            <a:ext cx="8610600" cy="932338"/>
+          </a:xfrm>
+          <a:prstGeom prst="rect">
+            <a:avLst/>
+          </a:prstGeom>
+          <a:noFill/>
+          <a:ln>
+            <a:noFill/>
+          </a:ln>
+          <a:extLst>
+            <a:ext uri="{909E8E84-426E-40DD-AFC4-6F175D3DCCD1}">
+              <a14:hiddenFill xmlns:a14="http://schemas.microsoft.com/office/drawing/2010/main">
+                <a:solidFill>
+                  <a:srgbClr val="FFFFFF"/>
+                </a:solidFill>
+              </a14:hiddenFill>
+            </a:ext>
+            <a:ext uri="{91240B29-F687-4F45-9708-019B960494DF}">
+              <a14:hiddenLine xmlns:a14="http://schemas.microsoft.com/office/drawing/2010/main" w="28575">
+                <a:solidFill>
+                  <a:srgbClr val="000000"/>
+                </a:solidFill>
+                <a:miter lim="800000"/>
+                <a:headEnd/>
+                <a:tailEnd/>
+              </a14:hiddenLine>
+            </a:ext>
+          </a:extLst>
+        </p:spPr>
+        <p:txBody>
+          <a:bodyPr vert="horz" wrap="square" lIns="91440" tIns="45720" rIns="91440" bIns="45720" numCol="1" anchor="t" anchorCtr="0" compatLnSpc="1">
+            <a:prstTxWarp prst="textNoShape">
+              <a:avLst/>
+            </a:prstTxWarp>
+          </a:bodyPr>
+          <a:lstStyle>
+            <a:lvl1pPr marL="342900" indent="-342900" algn="l" rtl="0" eaLnBrk="1" fontAlgn="base" hangingPunct="1">
+              <a:spcBef>
+                <a:spcPct val="30000"/>
+              </a:spcBef>
+              <a:spcAft>
+                <a:spcPct val="0"/>
+              </a:spcAft>
+              <a:buClr>
+                <a:schemeClr val="hlink"/>
+              </a:buClr>
+              <a:buFont typeface="Wingdings" pitchFamily="2" charset="2"/>
+              <a:buChar char="§"/>
+              <a:defRPr sz="3200">
+                <a:solidFill>
+                  <a:srgbClr val="000066"/>
+                </a:solidFill>
+                <a:latin typeface="微软雅黑" pitchFamily="34" charset="-122"/>
+                <a:ea typeface="微软雅黑" pitchFamily="34" charset="-122"/>
+                <a:cs typeface="+mn-cs"/>
+              </a:defRPr>
+            </a:lvl1pPr>
+            <a:lvl2pPr marL="742950" indent="-285750" algn="l" rtl="0" eaLnBrk="1" fontAlgn="base" hangingPunct="1">
+              <a:spcBef>
+                <a:spcPct val="30000"/>
+              </a:spcBef>
+              <a:spcAft>
+                <a:spcPct val="0"/>
+              </a:spcAft>
+              <a:buClr>
+                <a:schemeClr val="tx2"/>
+              </a:buClr>
+              <a:buSzPct val="85000"/>
+              <a:buFont typeface="Wingdings" pitchFamily="2" charset="2"/>
+              <a:buChar char="Ø"/>
+              <a:defRPr sz="2800">
+                <a:solidFill>
+                  <a:srgbClr val="006666"/>
+                </a:solidFill>
+                <a:latin typeface="微软雅黑" pitchFamily="34" charset="-122"/>
+                <a:ea typeface="微软雅黑" pitchFamily="34" charset="-122"/>
+              </a:defRPr>
+            </a:lvl2pPr>
+            <a:lvl3pPr marL="1143000" indent="-228600" algn="l" rtl="0" eaLnBrk="1" fontAlgn="base" hangingPunct="1">
+              <a:spcBef>
+                <a:spcPct val="30000"/>
+              </a:spcBef>
+              <a:spcAft>
+                <a:spcPct val="0"/>
+              </a:spcAft>
+              <a:buClr>
+                <a:schemeClr val="hlink"/>
+              </a:buClr>
+              <a:buSzPct val="95000"/>
+              <a:buFont typeface="Wingdings 2" pitchFamily="18" charset="2"/>
+              <a:buChar char="¡"/>
+              <a:defRPr sz="2400">
+                <a:solidFill>
+                  <a:schemeClr val="hlink"/>
+                </a:solidFill>
+                <a:latin typeface="微软雅黑" pitchFamily="34" charset="-122"/>
+                <a:ea typeface="微软雅黑" pitchFamily="34" charset="-122"/>
+              </a:defRPr>
+            </a:lvl3pPr>
+            <a:lvl4pPr marL="1600200" indent="-228600" algn="l" rtl="0" eaLnBrk="1" fontAlgn="base" hangingPunct="1">
+              <a:spcBef>
+                <a:spcPct val="30000"/>
+              </a:spcBef>
+              <a:spcAft>
+                <a:spcPct val="0"/>
+              </a:spcAft>
+              <a:buClr>
+                <a:schemeClr val="tx2"/>
+              </a:buClr>
+              <a:buSzPct val="90000"/>
+              <a:buFont typeface="Wingdings" pitchFamily="2" charset="2"/>
+              <a:buChar char="Ø"/>
+              <a:defRPr sz="2000">
+                <a:solidFill>
+                  <a:srgbClr val="990099"/>
+                </a:solidFill>
+                <a:latin typeface="微软雅黑" pitchFamily="34" charset="-122"/>
+                <a:ea typeface="微软雅黑" pitchFamily="34" charset="-122"/>
+              </a:defRPr>
+            </a:lvl4pPr>
+            <a:lvl5pPr marL="2057400" indent="-228600" algn="l" rtl="0" eaLnBrk="1" fontAlgn="base" hangingPunct="1">
+              <a:spcBef>
+                <a:spcPct val="30000"/>
+              </a:spcBef>
+              <a:spcAft>
+                <a:spcPct val="0"/>
+              </a:spcAft>
+              <a:buClr>
+                <a:schemeClr val="hlink"/>
+              </a:buClr>
+              <a:buFont typeface="Wingdings 2" pitchFamily="18" charset="2"/>
+              <a:buChar char="¡"/>
+              <a:defRPr sz="2000">
+                <a:solidFill>
+                  <a:schemeClr val="tx1"/>
+                </a:solidFill>
+                <a:latin typeface="微软雅黑" pitchFamily="34" charset="-122"/>
+                <a:ea typeface="微软雅黑" pitchFamily="34" charset="-122"/>
+              </a:defRPr>
+            </a:lvl5pPr>
+            <a:lvl6pPr marL="2514600" indent="-228600" algn="l" rtl="0" eaLnBrk="1" fontAlgn="base" hangingPunct="1">
+              <a:spcBef>
+                <a:spcPct val="30000"/>
+              </a:spcBef>
+              <a:spcAft>
+                <a:spcPct val="0"/>
+              </a:spcAft>
+              <a:buClr>
+                <a:schemeClr val="hlink"/>
+              </a:buClr>
+              <a:buFont typeface="Wingdings 2" pitchFamily="18" charset="2"/>
+              <a:buChar char="¡"/>
+              <a:defRPr sz="2000">
+                <a:solidFill>
+                  <a:schemeClr val="tx1"/>
+                </a:solidFill>
+                <a:latin typeface="+mn-lt"/>
+                <a:ea typeface="+mn-ea"/>
+              </a:defRPr>
+            </a:lvl6pPr>
+            <a:lvl7pPr marL="2971800" indent="-228600" algn="l" rtl="0" eaLnBrk="1" fontAlgn="base" hangingPunct="1">
+              <a:spcBef>
+                <a:spcPct val="30000"/>
+              </a:spcBef>
+              <a:spcAft>
+                <a:spcPct val="0"/>
+              </a:spcAft>
+              <a:buClr>
+                <a:schemeClr val="hlink"/>
+              </a:buClr>
+              <a:buFont typeface="Wingdings 2" pitchFamily="18" charset="2"/>
+              <a:buChar char="¡"/>
+              <a:defRPr sz="2000">
+                <a:solidFill>
+                  <a:schemeClr val="tx1"/>
+                </a:solidFill>
+                <a:latin typeface="+mn-lt"/>
+                <a:ea typeface="+mn-ea"/>
+              </a:defRPr>
+            </a:lvl7pPr>
+            <a:lvl8pPr marL="3429000" indent="-228600" algn="l" rtl="0" eaLnBrk="1" fontAlgn="base" hangingPunct="1">
+              <a:spcBef>
+                <a:spcPct val="30000"/>
+              </a:spcBef>
+              <a:spcAft>
+                <a:spcPct val="0"/>
+              </a:spcAft>
+              <a:buClr>
+                <a:schemeClr val="hlink"/>
+              </a:buClr>
+              <a:buFont typeface="Wingdings 2" pitchFamily="18" charset="2"/>
+              <a:buChar char="¡"/>
+              <a:defRPr sz="2000">
+                <a:solidFill>
+                  <a:schemeClr val="tx1"/>
+                </a:solidFill>
+                <a:latin typeface="+mn-lt"/>
+                <a:ea typeface="+mn-ea"/>
+              </a:defRPr>
+            </a:lvl8pPr>
+            <a:lvl9pPr marL="3886200" indent="-228600" algn="l" rtl="0" eaLnBrk="1" fontAlgn="base" hangingPunct="1">
+              <a:spcBef>
+                <a:spcPct val="30000"/>
+              </a:spcBef>
+              <a:spcAft>
+                <a:spcPct val="0"/>
+              </a:spcAft>
+              <a:buClr>
+                <a:schemeClr val="hlink"/>
+              </a:buClr>
+              <a:buFont typeface="Wingdings 2" pitchFamily="18" charset="2"/>
+              <a:buChar char="¡"/>
+              <a:defRPr sz="2000">
+                <a:solidFill>
+                  <a:schemeClr val="tx1"/>
+                </a:solidFill>
+                <a:latin typeface="+mn-lt"/>
+                <a:ea typeface="+mn-ea"/>
+              </a:defRPr>
+            </a:lvl9pPr>
+          </a:lstStyle>
+          <a:p>
+            <a:r>
+              <a:rPr lang="en-US" altLang="zh-CN" sz="2400" kern="0" dirty="0">
+                <a:latin typeface="+mn-lt"/>
+                <a:cs typeface="Times New Roman" panose="02020603050405020304" pitchFamily="18" charset="0"/>
+              </a:rPr>
+              <a:t>RETAU5200</a:t>
+            </a:r>
+            <a:endParaRPr lang="en-US" altLang="zh-CN" sz="2000" kern="0" dirty="0">
+              <a:latin typeface="+mn-lt"/>
+              <a:cs typeface="Times New Roman" panose="02020603050405020304" pitchFamily="18" charset="0"/>
+            </a:endParaRPr>
+          </a:p>
+          <a:p>
+            <a:pPr lvl="1"/>
+            <a:r>
+              <a:rPr lang="en-US" altLang="zh-CN" sz="2000" dirty="0">
+                <a:latin typeface="+mn-lt"/>
+                <a:cs typeface="Times New Roman" panose="02020603050405020304" pitchFamily="18" charset="0"/>
+              </a:rPr>
+              <a:t>CFL0.5</a:t>
+            </a:r>
+          </a:p>
+        </p:txBody>
+      </p:sp>
+      <p:pic>
+        <p:nvPicPr>
+          <p:cNvPr id="5" name="Picture 4">
+            <a:extLst>
+              <a:ext uri="{FF2B5EF4-FFF2-40B4-BE49-F238E27FC236}">
+                <a16:creationId xmlns:a16="http://schemas.microsoft.com/office/drawing/2014/main" id="{AF53D56A-ECC1-45DE-6E74-59B6182C61C9}"/>
+              </a:ext>
+            </a:extLst>
+          </p:cNvPr>
+          <p:cNvPicPr>
+            <a:picLocks noChangeAspect="1"/>
+          </p:cNvPicPr>
+          <p:nvPr/>
+        </p:nvPicPr>
+        <p:blipFill>
+          <a:blip r:embed="rId3"/>
+          <a:stretch>
+            <a:fillRect/>
+          </a:stretch>
+        </p:blipFill>
+        <p:spPr>
+          <a:xfrm>
+            <a:off x="-228600" y="1905000"/>
+            <a:ext cx="3200400" cy="2397728"/>
+          </a:xfrm>
+          <a:prstGeom prst="rect">
+            <a:avLst/>
+          </a:prstGeom>
+        </p:spPr>
+      </p:pic>
+      <p:pic>
+        <p:nvPicPr>
+          <p:cNvPr id="10" name="Picture 9">
+            <a:extLst>
+              <a:ext uri="{FF2B5EF4-FFF2-40B4-BE49-F238E27FC236}">
+                <a16:creationId xmlns:a16="http://schemas.microsoft.com/office/drawing/2014/main" id="{145F60B9-0522-F3BE-C533-646559AF64FB}"/>
+              </a:ext>
+            </a:extLst>
+          </p:cNvPr>
+          <p:cNvPicPr>
+            <a:picLocks noChangeAspect="1"/>
+          </p:cNvPicPr>
+          <p:nvPr/>
+        </p:nvPicPr>
+        <p:blipFill>
+          <a:blip r:embed="rId4"/>
+          <a:stretch>
+            <a:fillRect/>
+          </a:stretch>
+        </p:blipFill>
+        <p:spPr>
+          <a:xfrm>
+            <a:off x="2971800" y="1912219"/>
+            <a:ext cx="3200400" cy="2420948"/>
+          </a:xfrm>
+          <a:prstGeom prst="rect">
+            <a:avLst/>
+          </a:prstGeom>
+        </p:spPr>
+      </p:pic>
+      <p:pic>
+        <p:nvPicPr>
+          <p:cNvPr id="12" name="Picture 11">
+            <a:extLst>
+              <a:ext uri="{FF2B5EF4-FFF2-40B4-BE49-F238E27FC236}">
+                <a16:creationId xmlns:a16="http://schemas.microsoft.com/office/drawing/2014/main" id="{96221B43-44A3-761F-D30F-7F110DDABC54}"/>
+              </a:ext>
+            </a:extLst>
+          </p:cNvPr>
+          <p:cNvPicPr>
+            <a:picLocks noChangeAspect="1"/>
+          </p:cNvPicPr>
+          <p:nvPr/>
+        </p:nvPicPr>
+        <p:blipFill>
+          <a:blip r:embed="rId5"/>
+          <a:stretch>
+            <a:fillRect/>
+          </a:stretch>
+        </p:blipFill>
+        <p:spPr>
+          <a:xfrm>
+            <a:off x="-228600" y="4301926"/>
+            <a:ext cx="3200400" cy="2408018"/>
+          </a:xfrm>
+          <a:prstGeom prst="rect">
+            <a:avLst/>
+          </a:prstGeom>
+        </p:spPr>
+      </p:pic>
+      <p:pic>
+        <p:nvPicPr>
+          <p:cNvPr id="15" name="Picture 14">
+            <a:extLst>
+              <a:ext uri="{FF2B5EF4-FFF2-40B4-BE49-F238E27FC236}">
+                <a16:creationId xmlns:a16="http://schemas.microsoft.com/office/drawing/2014/main" id="{F8DE271E-8906-B962-836F-79390583624D}"/>
+              </a:ext>
+            </a:extLst>
+          </p:cNvPr>
+          <p:cNvPicPr>
+            <a:picLocks noChangeAspect="1"/>
+          </p:cNvPicPr>
+          <p:nvPr/>
+        </p:nvPicPr>
+        <p:blipFill>
+          <a:blip r:embed="rId6"/>
+          <a:stretch>
+            <a:fillRect/>
+          </a:stretch>
+        </p:blipFill>
+        <p:spPr>
+          <a:xfrm>
+            <a:off x="2971800" y="4333167"/>
+            <a:ext cx="3200400" cy="2395171"/>
+          </a:xfrm>
+          <a:prstGeom prst="rect">
+            <a:avLst/>
+          </a:prstGeom>
+        </p:spPr>
+      </p:pic>
+      <p:pic>
+        <p:nvPicPr>
+          <p:cNvPr id="20" name="Picture 19">
+            <a:extLst>
+              <a:ext uri="{FF2B5EF4-FFF2-40B4-BE49-F238E27FC236}">
+                <a16:creationId xmlns:a16="http://schemas.microsoft.com/office/drawing/2014/main" id="{C7329EFE-0603-5AFE-09EB-E2BCB4411417}"/>
+              </a:ext>
+            </a:extLst>
+          </p:cNvPr>
+          <p:cNvPicPr>
+            <a:picLocks noChangeAspect="1"/>
+          </p:cNvPicPr>
+          <p:nvPr/>
+        </p:nvPicPr>
+        <p:blipFill>
+          <a:blip r:embed="rId7"/>
+          <a:stretch>
+            <a:fillRect/>
+          </a:stretch>
+        </p:blipFill>
+        <p:spPr>
+          <a:xfrm>
+            <a:off x="6172200" y="1935719"/>
+            <a:ext cx="3200400" cy="2392680"/>
+          </a:xfrm>
+          <a:prstGeom prst="rect">
+            <a:avLst/>
+          </a:prstGeom>
+        </p:spPr>
+      </p:pic>
+      <p:pic>
+        <p:nvPicPr>
+          <p:cNvPr id="22" name="Picture 21">
+            <a:extLst>
+              <a:ext uri="{FF2B5EF4-FFF2-40B4-BE49-F238E27FC236}">
+                <a16:creationId xmlns:a16="http://schemas.microsoft.com/office/drawing/2014/main" id="{D0B50E0F-DB14-987C-35C1-B83AB0FB0FBC}"/>
+              </a:ext>
+            </a:extLst>
+          </p:cNvPr>
+          <p:cNvPicPr>
+            <a:picLocks noChangeAspect="1"/>
+          </p:cNvPicPr>
+          <p:nvPr/>
+        </p:nvPicPr>
+        <p:blipFill>
+          <a:blip r:embed="rId8"/>
+          <a:stretch>
+            <a:fillRect/>
+          </a:stretch>
+        </p:blipFill>
+        <p:spPr>
+          <a:xfrm>
+            <a:off x="6172200" y="4333167"/>
+            <a:ext cx="3200400" cy="2381220"/>
+          </a:xfrm>
+          <a:prstGeom prst="rect">
+            <a:avLst/>
+          </a:prstGeom>
+        </p:spPr>
+      </p:pic>
+    </p:spTree>
+    <p:extLst>
+      <p:ext uri="{BB962C8B-B14F-4D97-AF65-F5344CB8AC3E}">
+        <p14:creationId xmlns:p14="http://schemas.microsoft.com/office/powerpoint/2010/main" val="2078290593"/>
+      </p:ext>
+    </p:extLst>
+  </p:cSld>
+  <p:clrMapOvr>
+    <a:masterClrMapping/>
+  </p:clrMapOvr>
+  <p:transition spd="med" advTm="63997"/>
+</p:sld>
+</file>
+
+<file path=ppt/slides/slide16.xml><?xml version="1.0" encoding="utf-8"?>
+<p:sld xmlns:a="http://schemas.openxmlformats.org/drawingml/2006/main" xmlns:r="http://schemas.openxmlformats.org/officeDocument/2006/relationships" xmlns:p="http://schemas.openxmlformats.org/presentationml/2006/main">
+  <p:cSld>
+    <p:spTree>
+      <p:nvGrpSpPr>
+        <p:cNvPr id="1" name=""/>
+        <p:cNvGrpSpPr/>
+        <p:nvPr/>
+      </p:nvGrpSpPr>
+      <p:grpSpPr>
+        <a:xfrm>
+          <a:off x="0" y="0"/>
+          <a:ext cx="0" cy="0"/>
+          <a:chOff x="0" y="0"/>
+          <a:chExt cx="0" cy="0"/>
+        </a:xfrm>
+      </p:grpSpPr>
+      <p:sp>
+        <p:nvSpPr>
+          <p:cNvPr id="2" name="Title 1"/>
+          <p:cNvSpPr>
+            <a:spLocks noGrp="1"/>
+          </p:cNvSpPr>
+          <p:nvPr>
+            <p:ph type="title"/>
+          </p:nvPr>
+        </p:nvSpPr>
+        <p:spPr>
+          <a:xfrm>
+            <a:off x="152400" y="152400"/>
+            <a:ext cx="8610600" cy="838200"/>
+          </a:xfrm>
+        </p:spPr>
+        <p:txBody>
+          <a:bodyPr/>
+          <a:lstStyle/>
+          <a:p>
+            <a:r>
+              <a:rPr lang="en-US" altLang="zh-CN" dirty="0"/>
+              <a:t>Channel</a:t>
+            </a:r>
+            <a:endParaRPr lang="zh-CN" altLang="en-US" dirty="0"/>
+          </a:p>
+        </p:txBody>
+      </p:sp>
+      <p:sp>
+        <p:nvSpPr>
+          <p:cNvPr id="9" name="Rectangle 2"/>
+          <p:cNvSpPr>
+            <a:spLocks noChangeArrowheads="1"/>
+          </p:cNvSpPr>
+          <p:nvPr/>
+        </p:nvSpPr>
+        <p:spPr bwMode="auto">
+          <a:xfrm>
+            <a:off x="0" y="0"/>
+            <a:ext cx="9144000" cy="0"/>
+          </a:xfrm>
+          <a:prstGeom prst="rect">
+            <a:avLst/>
+          </a:prstGeom>
+          <a:noFill/>
+          <a:ln>
+            <a:noFill/>
+          </a:ln>
+          <a:effectLst/>
+          <a:extLst>
+            <a:ext uri="{909E8E84-426E-40DD-AFC4-6F175D3DCCD1}">
+              <a14:hiddenFill xmlns:a14="http://schemas.microsoft.com/office/drawing/2010/main">
+                <a:solidFill>
+                  <a:schemeClr val="accent1"/>
+                </a:solidFill>
+              </a14:hiddenFill>
+            </a:ext>
+            <a:ext uri="{91240B29-F687-4F45-9708-019B960494DF}">
+              <a14:hiddenLine xmlns:a14="http://schemas.microsoft.com/office/drawing/2010/main" w="9525">
+                <a:solidFill>
+                  <a:schemeClr val="tx1"/>
+                </a:solidFill>
+                <a:miter lim="800000"/>
+                <a:headEnd/>
+                <a:tailEnd/>
+              </a14:hiddenLine>
+            </a:ext>
+            <a:ext uri="{AF507438-7753-43E0-B8FC-AC1667EBCBE1}">
+              <a14:hiddenEffects xmlns:a14="http://schemas.microsoft.com/office/drawing/2010/main">
+                <a:effectLst>
+                  <a:outerShdw dist="35921" dir="2700000" algn="ctr" rotWithShape="0">
+                    <a:schemeClr val="bg2"/>
+                  </a:outerShdw>
+                </a:effectLst>
+              </a14:hiddenEffects>
+            </a:ext>
+          </a:extLst>
+        </p:spPr>
+        <p:txBody>
+          <a:bodyPr vert="horz" wrap="none" lIns="91440" tIns="45720" rIns="91440" bIns="45720" numCol="1" anchor="ctr" anchorCtr="0" compatLnSpc="1">
+            <a:prstTxWarp prst="textNoShape">
+              <a:avLst/>
+            </a:prstTxWarp>
+            <a:spAutoFit/>
+          </a:bodyPr>
+          <a:lstStyle/>
+          <a:p>
+            <a:endParaRPr lang="zh-CN" altLang="en-US"/>
+          </a:p>
+        </p:txBody>
+      </p:sp>
+      <p:sp>
+        <p:nvSpPr>
+          <p:cNvPr id="17" name="内容占位符 2">
+            <a:extLst>
+              <a:ext uri="{FF2B5EF4-FFF2-40B4-BE49-F238E27FC236}">
+                <a16:creationId xmlns:a16="http://schemas.microsoft.com/office/drawing/2014/main" id="{D7B13CA5-CF5D-287A-9ACB-EF5CA77485F1}"/>
+              </a:ext>
+            </a:extLst>
+          </p:cNvPr>
+          <p:cNvSpPr txBox="1">
+            <a:spLocks/>
+          </p:cNvSpPr>
+          <p:nvPr/>
+        </p:nvSpPr>
+        <p:spPr bwMode="auto">
+          <a:xfrm>
+            <a:off x="93652" y="1068113"/>
+            <a:ext cx="8610600" cy="932338"/>
+          </a:xfrm>
+          <a:prstGeom prst="rect">
+            <a:avLst/>
+          </a:prstGeom>
+          <a:noFill/>
+          <a:ln>
+            <a:noFill/>
+          </a:ln>
+          <a:extLst>
+            <a:ext uri="{909E8E84-426E-40DD-AFC4-6F175D3DCCD1}">
+              <a14:hiddenFill xmlns:a14="http://schemas.microsoft.com/office/drawing/2010/main">
+                <a:solidFill>
+                  <a:srgbClr val="FFFFFF"/>
+                </a:solidFill>
+              </a14:hiddenFill>
+            </a:ext>
+            <a:ext uri="{91240B29-F687-4F45-9708-019B960494DF}">
+              <a14:hiddenLine xmlns:a14="http://schemas.microsoft.com/office/drawing/2010/main" w="28575">
+                <a:solidFill>
+                  <a:srgbClr val="000000"/>
+                </a:solidFill>
+                <a:miter lim="800000"/>
+                <a:headEnd/>
+                <a:tailEnd/>
+              </a14:hiddenLine>
+            </a:ext>
+          </a:extLst>
+        </p:spPr>
+        <p:txBody>
+          <a:bodyPr vert="horz" wrap="square" lIns="91440" tIns="45720" rIns="91440" bIns="45720" numCol="1" anchor="t" anchorCtr="0" compatLnSpc="1">
+            <a:prstTxWarp prst="textNoShape">
+              <a:avLst/>
+            </a:prstTxWarp>
+          </a:bodyPr>
+          <a:lstStyle>
+            <a:lvl1pPr marL="342900" indent="-342900" algn="l" rtl="0" eaLnBrk="1" fontAlgn="base" hangingPunct="1">
+              <a:spcBef>
+                <a:spcPct val="30000"/>
+              </a:spcBef>
+              <a:spcAft>
+                <a:spcPct val="0"/>
+              </a:spcAft>
+              <a:buClr>
+                <a:schemeClr val="hlink"/>
+              </a:buClr>
+              <a:buFont typeface="Wingdings" pitchFamily="2" charset="2"/>
+              <a:buChar char="§"/>
+              <a:defRPr sz="3200">
+                <a:solidFill>
+                  <a:srgbClr val="000066"/>
+                </a:solidFill>
+                <a:latin typeface="微软雅黑" pitchFamily="34" charset="-122"/>
+                <a:ea typeface="微软雅黑" pitchFamily="34" charset="-122"/>
+                <a:cs typeface="+mn-cs"/>
+              </a:defRPr>
+            </a:lvl1pPr>
+            <a:lvl2pPr marL="742950" indent="-285750" algn="l" rtl="0" eaLnBrk="1" fontAlgn="base" hangingPunct="1">
+              <a:spcBef>
+                <a:spcPct val="30000"/>
+              </a:spcBef>
+              <a:spcAft>
+                <a:spcPct val="0"/>
+              </a:spcAft>
+              <a:buClr>
+                <a:schemeClr val="tx2"/>
+              </a:buClr>
+              <a:buSzPct val="85000"/>
+              <a:buFont typeface="Wingdings" pitchFamily="2" charset="2"/>
+              <a:buChar char="Ø"/>
+              <a:defRPr sz="2800">
+                <a:solidFill>
+                  <a:srgbClr val="006666"/>
+                </a:solidFill>
+                <a:latin typeface="微软雅黑" pitchFamily="34" charset="-122"/>
+                <a:ea typeface="微软雅黑" pitchFamily="34" charset="-122"/>
+              </a:defRPr>
+            </a:lvl2pPr>
+            <a:lvl3pPr marL="1143000" indent="-228600" algn="l" rtl="0" eaLnBrk="1" fontAlgn="base" hangingPunct="1">
+              <a:spcBef>
+                <a:spcPct val="30000"/>
+              </a:spcBef>
+              <a:spcAft>
+                <a:spcPct val="0"/>
+              </a:spcAft>
+              <a:buClr>
+                <a:schemeClr val="hlink"/>
+              </a:buClr>
+              <a:buSzPct val="95000"/>
+              <a:buFont typeface="Wingdings 2" pitchFamily="18" charset="2"/>
+              <a:buChar char="¡"/>
+              <a:defRPr sz="2400">
+                <a:solidFill>
+                  <a:schemeClr val="hlink"/>
+                </a:solidFill>
+                <a:latin typeface="微软雅黑" pitchFamily="34" charset="-122"/>
+                <a:ea typeface="微软雅黑" pitchFamily="34" charset="-122"/>
+              </a:defRPr>
+            </a:lvl3pPr>
+            <a:lvl4pPr marL="1600200" indent="-228600" algn="l" rtl="0" eaLnBrk="1" fontAlgn="base" hangingPunct="1">
+              <a:spcBef>
+                <a:spcPct val="30000"/>
+              </a:spcBef>
+              <a:spcAft>
+                <a:spcPct val="0"/>
+              </a:spcAft>
+              <a:buClr>
+                <a:schemeClr val="tx2"/>
+              </a:buClr>
+              <a:buSzPct val="90000"/>
+              <a:buFont typeface="Wingdings" pitchFamily="2" charset="2"/>
+              <a:buChar char="Ø"/>
+              <a:defRPr sz="2000">
+                <a:solidFill>
+                  <a:srgbClr val="990099"/>
+                </a:solidFill>
+                <a:latin typeface="微软雅黑" pitchFamily="34" charset="-122"/>
+                <a:ea typeface="微软雅黑" pitchFamily="34" charset="-122"/>
+              </a:defRPr>
+            </a:lvl4pPr>
+            <a:lvl5pPr marL="2057400" indent="-228600" algn="l" rtl="0" eaLnBrk="1" fontAlgn="base" hangingPunct="1">
+              <a:spcBef>
+                <a:spcPct val="30000"/>
+              </a:spcBef>
+              <a:spcAft>
+                <a:spcPct val="0"/>
+              </a:spcAft>
+              <a:buClr>
+                <a:schemeClr val="hlink"/>
+              </a:buClr>
+              <a:buFont typeface="Wingdings 2" pitchFamily="18" charset="2"/>
+              <a:buChar char="¡"/>
+              <a:defRPr sz="2000">
+                <a:solidFill>
+                  <a:schemeClr val="tx1"/>
+                </a:solidFill>
+                <a:latin typeface="微软雅黑" pitchFamily="34" charset="-122"/>
+                <a:ea typeface="微软雅黑" pitchFamily="34" charset="-122"/>
+              </a:defRPr>
+            </a:lvl5pPr>
+            <a:lvl6pPr marL="2514600" indent="-228600" algn="l" rtl="0" eaLnBrk="1" fontAlgn="base" hangingPunct="1">
+              <a:spcBef>
+                <a:spcPct val="30000"/>
+              </a:spcBef>
+              <a:spcAft>
+                <a:spcPct val="0"/>
+              </a:spcAft>
+              <a:buClr>
+                <a:schemeClr val="hlink"/>
+              </a:buClr>
+              <a:buFont typeface="Wingdings 2" pitchFamily="18" charset="2"/>
+              <a:buChar char="¡"/>
+              <a:defRPr sz="2000">
+                <a:solidFill>
+                  <a:schemeClr val="tx1"/>
+                </a:solidFill>
+                <a:latin typeface="+mn-lt"/>
+                <a:ea typeface="+mn-ea"/>
+              </a:defRPr>
+            </a:lvl6pPr>
+            <a:lvl7pPr marL="2971800" indent="-228600" algn="l" rtl="0" eaLnBrk="1" fontAlgn="base" hangingPunct="1">
+              <a:spcBef>
+                <a:spcPct val="30000"/>
+              </a:spcBef>
+              <a:spcAft>
+                <a:spcPct val="0"/>
+              </a:spcAft>
+              <a:buClr>
+                <a:schemeClr val="hlink"/>
+              </a:buClr>
+              <a:buFont typeface="Wingdings 2" pitchFamily="18" charset="2"/>
+              <a:buChar char="¡"/>
+              <a:defRPr sz="2000">
+                <a:solidFill>
+                  <a:schemeClr val="tx1"/>
+                </a:solidFill>
+                <a:latin typeface="+mn-lt"/>
+                <a:ea typeface="+mn-ea"/>
+              </a:defRPr>
+            </a:lvl7pPr>
+            <a:lvl8pPr marL="3429000" indent="-228600" algn="l" rtl="0" eaLnBrk="1" fontAlgn="base" hangingPunct="1">
+              <a:spcBef>
+                <a:spcPct val="30000"/>
+              </a:spcBef>
+              <a:spcAft>
+                <a:spcPct val="0"/>
+              </a:spcAft>
+              <a:buClr>
+                <a:schemeClr val="hlink"/>
+              </a:buClr>
+              <a:buFont typeface="Wingdings 2" pitchFamily="18" charset="2"/>
+              <a:buChar char="¡"/>
+              <a:defRPr sz="2000">
+                <a:solidFill>
+                  <a:schemeClr val="tx1"/>
+                </a:solidFill>
+                <a:latin typeface="+mn-lt"/>
+                <a:ea typeface="+mn-ea"/>
+              </a:defRPr>
+            </a:lvl8pPr>
+            <a:lvl9pPr marL="3886200" indent="-228600" algn="l" rtl="0" eaLnBrk="1" fontAlgn="base" hangingPunct="1">
+              <a:spcBef>
+                <a:spcPct val="30000"/>
+              </a:spcBef>
+              <a:spcAft>
+                <a:spcPct val="0"/>
+              </a:spcAft>
+              <a:buClr>
+                <a:schemeClr val="hlink"/>
+              </a:buClr>
+              <a:buFont typeface="Wingdings 2" pitchFamily="18" charset="2"/>
+              <a:buChar char="¡"/>
+              <a:defRPr sz="2000">
+                <a:solidFill>
+                  <a:schemeClr val="tx1"/>
+                </a:solidFill>
+                <a:latin typeface="+mn-lt"/>
+                <a:ea typeface="+mn-ea"/>
+              </a:defRPr>
+            </a:lvl9pPr>
+          </a:lstStyle>
+          <a:p>
+            <a:r>
+              <a:rPr lang="en-US" altLang="zh-CN" sz="2400" kern="0" dirty="0">
+                <a:latin typeface="+mn-lt"/>
+                <a:cs typeface="Times New Roman" panose="02020603050405020304" pitchFamily="18" charset="0"/>
+              </a:rPr>
+              <a:t>RETAU5200</a:t>
+            </a:r>
+            <a:endParaRPr lang="en-US" altLang="zh-CN" sz="2000" kern="0" dirty="0">
+              <a:latin typeface="+mn-lt"/>
+              <a:cs typeface="Times New Roman" panose="02020603050405020304" pitchFamily="18" charset="0"/>
+            </a:endParaRPr>
+          </a:p>
+          <a:p>
+            <a:pPr lvl="1"/>
+            <a:r>
+              <a:rPr lang="en-US" altLang="zh-CN" sz="2000" dirty="0">
+                <a:latin typeface="+mn-lt"/>
+                <a:cs typeface="Times New Roman" panose="02020603050405020304" pitchFamily="18" charset="0"/>
+              </a:rPr>
+              <a:t>The effect of damping function increases with mesh refinement</a:t>
+            </a:r>
+          </a:p>
+        </p:txBody>
+      </p:sp>
+      <p:pic>
+        <p:nvPicPr>
+          <p:cNvPr id="4" name="Picture 3">
+            <a:extLst>
+              <a:ext uri="{FF2B5EF4-FFF2-40B4-BE49-F238E27FC236}">
+                <a16:creationId xmlns:a16="http://schemas.microsoft.com/office/drawing/2014/main" id="{1FE68F17-2EE4-7BDF-30C7-BA59731A41C8}"/>
+              </a:ext>
+            </a:extLst>
+          </p:cNvPr>
+          <p:cNvPicPr>
+            <a:picLocks noChangeAspect="1"/>
+          </p:cNvPicPr>
+          <p:nvPr/>
+        </p:nvPicPr>
+        <p:blipFill>
+          <a:blip r:embed="rId3"/>
+          <a:stretch>
+            <a:fillRect/>
+          </a:stretch>
+        </p:blipFill>
+        <p:spPr>
+          <a:xfrm>
+            <a:off x="1219200" y="1983785"/>
+            <a:ext cx="3200400" cy="2396435"/>
+          </a:xfrm>
+          <a:prstGeom prst="rect">
+            <a:avLst/>
+          </a:prstGeom>
+        </p:spPr>
+      </p:pic>
+      <p:pic>
+        <p:nvPicPr>
+          <p:cNvPr id="7" name="Picture 6">
+            <a:extLst>
+              <a:ext uri="{FF2B5EF4-FFF2-40B4-BE49-F238E27FC236}">
+                <a16:creationId xmlns:a16="http://schemas.microsoft.com/office/drawing/2014/main" id="{518851A8-BBFD-6364-7578-240225909CD2}"/>
+              </a:ext>
+            </a:extLst>
+          </p:cNvPr>
+          <p:cNvPicPr>
+            <a:picLocks noChangeAspect="1"/>
+          </p:cNvPicPr>
+          <p:nvPr/>
+        </p:nvPicPr>
+        <p:blipFill>
+          <a:blip r:embed="rId4"/>
+          <a:stretch>
+            <a:fillRect/>
+          </a:stretch>
+        </p:blipFill>
+        <p:spPr>
+          <a:xfrm>
+            <a:off x="4495800" y="1970930"/>
+            <a:ext cx="3200400" cy="2409290"/>
+          </a:xfrm>
+          <a:prstGeom prst="rect">
+            <a:avLst/>
+          </a:prstGeom>
+        </p:spPr>
+      </p:pic>
+      <p:pic>
+        <p:nvPicPr>
+          <p:cNvPr id="11" name="Picture 10">
+            <a:extLst>
+              <a:ext uri="{FF2B5EF4-FFF2-40B4-BE49-F238E27FC236}">
+                <a16:creationId xmlns:a16="http://schemas.microsoft.com/office/drawing/2014/main" id="{C4AFAE64-3D12-57C9-2BBD-E843A022EA8B}"/>
+              </a:ext>
+            </a:extLst>
+          </p:cNvPr>
+          <p:cNvPicPr>
+            <a:picLocks noChangeAspect="1"/>
+          </p:cNvPicPr>
+          <p:nvPr/>
+        </p:nvPicPr>
+        <p:blipFill>
+          <a:blip r:embed="rId5"/>
+          <a:stretch>
+            <a:fillRect/>
+          </a:stretch>
+        </p:blipFill>
+        <p:spPr>
+          <a:xfrm>
+            <a:off x="1219200" y="4380220"/>
+            <a:ext cx="3200400" cy="2401580"/>
+          </a:xfrm>
+          <a:prstGeom prst="rect">
+            <a:avLst/>
+          </a:prstGeom>
+        </p:spPr>
+      </p:pic>
+    </p:spTree>
+    <p:extLst>
+      <p:ext uri="{BB962C8B-B14F-4D97-AF65-F5344CB8AC3E}">
+        <p14:creationId xmlns:p14="http://schemas.microsoft.com/office/powerpoint/2010/main" val="197348845"/>
+      </p:ext>
+    </p:extLst>
+  </p:cSld>
+  <p:clrMapOvr>
+    <a:masterClrMapping/>
+  </p:clrMapOvr>
+  <p:transition spd="med" advTm="63997"/>
+</p:sld>
+</file>
+
+<file path=ppt/slides/slide17.xml><?xml version="1.0" encoding="utf-8"?>
+<p:sld xmlns:a="http://schemas.openxmlformats.org/drawingml/2006/main" xmlns:r="http://schemas.openxmlformats.org/officeDocument/2006/relationships" xmlns:p="http://schemas.openxmlformats.org/presentationml/2006/main">
+  <p:cSld>
+    <p:spTree>
+      <p:nvGrpSpPr>
+        <p:cNvPr id="1" name=""/>
+        <p:cNvGrpSpPr/>
+        <p:nvPr/>
+      </p:nvGrpSpPr>
+      <p:grpSpPr>
+        <a:xfrm>
+          <a:off x="0" y="0"/>
+          <a:ext cx="0" cy="0"/>
+          <a:chOff x="0" y="0"/>
+          <a:chExt cx="0" cy="0"/>
+        </a:xfrm>
+      </p:grpSpPr>
+      <p:pic>
+        <p:nvPicPr>
+          <p:cNvPr id="5" name="Picture 4">
+            <a:extLst>
+              <a:ext uri="{FF2B5EF4-FFF2-40B4-BE49-F238E27FC236}">
+                <a16:creationId xmlns:a16="http://schemas.microsoft.com/office/drawing/2014/main" id="{AA64513B-3257-D6B7-185E-605233E48E94}"/>
+              </a:ext>
+            </a:extLst>
+          </p:cNvPr>
+          <p:cNvPicPr>
+            <a:picLocks noChangeAspect="1"/>
+          </p:cNvPicPr>
+          <p:nvPr/>
+        </p:nvPicPr>
+        <p:blipFill>
+          <a:blip r:embed="rId2"/>
+          <a:stretch>
+            <a:fillRect/>
+          </a:stretch>
+        </p:blipFill>
+        <p:spPr>
+          <a:xfrm>
+            <a:off x="2590800" y="2590800"/>
+            <a:ext cx="3200400" cy="2391339"/>
+          </a:xfrm>
+          <a:prstGeom prst="rect">
+            <a:avLst/>
+          </a:prstGeom>
+        </p:spPr>
+      </p:pic>
+      <p:sp>
+        <p:nvSpPr>
+          <p:cNvPr id="6" name="Title 1">
+            <a:extLst>
+              <a:ext uri="{FF2B5EF4-FFF2-40B4-BE49-F238E27FC236}">
+                <a16:creationId xmlns:a16="http://schemas.microsoft.com/office/drawing/2014/main" id="{672A50A6-DF4F-C15D-3695-4B8C888F16FF}"/>
+              </a:ext>
+            </a:extLst>
+          </p:cNvPr>
+          <p:cNvSpPr>
+            <a:spLocks noGrp="1"/>
+          </p:cNvSpPr>
+          <p:nvPr>
+            <p:ph type="title"/>
+          </p:nvPr>
+        </p:nvSpPr>
+        <p:spPr>
+          <a:xfrm>
+            <a:off x="152400" y="152400"/>
+            <a:ext cx="8610600" cy="838200"/>
+          </a:xfrm>
+        </p:spPr>
+        <p:txBody>
+          <a:bodyPr/>
+          <a:lstStyle/>
+          <a:p>
+            <a:r>
+              <a:rPr lang="en-US" altLang="zh-CN" dirty="0"/>
+              <a:t>Channel</a:t>
+            </a:r>
+            <a:endParaRPr lang="zh-CN" altLang="en-US" dirty="0"/>
+          </a:p>
+        </p:txBody>
+      </p:sp>
+      <p:sp>
+        <p:nvSpPr>
+          <p:cNvPr id="7" name="Rectangle 2">
+            <a:extLst>
+              <a:ext uri="{FF2B5EF4-FFF2-40B4-BE49-F238E27FC236}">
+                <a16:creationId xmlns:a16="http://schemas.microsoft.com/office/drawing/2014/main" id="{C265F459-F5F2-3B99-F640-E154B1F95DD6}"/>
+              </a:ext>
+            </a:extLst>
+          </p:cNvPr>
+          <p:cNvSpPr>
+            <a:spLocks noChangeArrowheads="1"/>
+          </p:cNvSpPr>
+          <p:nvPr/>
+        </p:nvSpPr>
+        <p:spPr bwMode="auto">
+          <a:xfrm>
+            <a:off x="0" y="0"/>
+            <a:ext cx="9144000" cy="0"/>
+          </a:xfrm>
+          <a:prstGeom prst="rect">
+            <a:avLst/>
+          </a:prstGeom>
+          <a:noFill/>
+          <a:ln>
+            <a:noFill/>
+          </a:ln>
+          <a:effectLst/>
+          <a:extLst>
+            <a:ext uri="{909E8E84-426E-40DD-AFC4-6F175D3DCCD1}">
+              <a14:hiddenFill xmlns:a14="http://schemas.microsoft.com/office/drawing/2010/main">
+                <a:solidFill>
+                  <a:schemeClr val="accent1"/>
+                </a:solidFill>
+              </a14:hiddenFill>
+            </a:ext>
+            <a:ext uri="{91240B29-F687-4F45-9708-019B960494DF}">
+              <a14:hiddenLine xmlns:a14="http://schemas.microsoft.com/office/drawing/2010/main" w="9525">
+                <a:solidFill>
+                  <a:schemeClr val="tx1"/>
+                </a:solidFill>
+                <a:miter lim="800000"/>
+                <a:headEnd/>
+                <a:tailEnd/>
+              </a14:hiddenLine>
+            </a:ext>
+            <a:ext uri="{AF507438-7753-43E0-B8FC-AC1667EBCBE1}">
+              <a14:hiddenEffects xmlns:a14="http://schemas.microsoft.com/office/drawing/2010/main">
+                <a:effectLst>
+                  <a:outerShdw dist="35921" dir="2700000" algn="ctr" rotWithShape="0">
+                    <a:schemeClr val="bg2"/>
+                  </a:outerShdw>
+                </a:effectLst>
+              </a14:hiddenEffects>
+            </a:ext>
+          </a:extLst>
+        </p:spPr>
+        <p:txBody>
+          <a:bodyPr vert="horz" wrap="none" lIns="91440" tIns="45720" rIns="91440" bIns="45720" numCol="1" anchor="ctr" anchorCtr="0" compatLnSpc="1">
+            <a:prstTxWarp prst="textNoShape">
+              <a:avLst/>
+            </a:prstTxWarp>
+            <a:spAutoFit/>
+          </a:bodyPr>
+          <a:lstStyle/>
+          <a:p>
+            <a:endParaRPr lang="zh-CN" altLang="en-US"/>
+          </a:p>
+        </p:txBody>
+      </p:sp>
+      <p:sp>
+        <p:nvSpPr>
+          <p:cNvPr id="8" name="内容占位符 2">
+            <a:extLst>
+              <a:ext uri="{FF2B5EF4-FFF2-40B4-BE49-F238E27FC236}">
+                <a16:creationId xmlns:a16="http://schemas.microsoft.com/office/drawing/2014/main" id="{2CA7BECD-9996-EA33-E05F-D04BFFAF531D}"/>
+              </a:ext>
+            </a:extLst>
+          </p:cNvPr>
+          <p:cNvSpPr txBox="1">
+            <a:spLocks/>
+          </p:cNvSpPr>
+          <p:nvPr/>
+        </p:nvSpPr>
+        <p:spPr bwMode="auto">
+          <a:xfrm>
+            <a:off x="93652" y="1068113"/>
+            <a:ext cx="8610600" cy="932338"/>
+          </a:xfrm>
+          <a:prstGeom prst="rect">
+            <a:avLst/>
+          </a:prstGeom>
+          <a:noFill/>
+          <a:ln>
+            <a:noFill/>
+          </a:ln>
+          <a:extLst>
+            <a:ext uri="{909E8E84-426E-40DD-AFC4-6F175D3DCCD1}">
+              <a14:hiddenFill xmlns:a14="http://schemas.microsoft.com/office/drawing/2010/main">
+                <a:solidFill>
+                  <a:srgbClr val="FFFFFF"/>
+                </a:solidFill>
+              </a14:hiddenFill>
+            </a:ext>
+            <a:ext uri="{91240B29-F687-4F45-9708-019B960494DF}">
+              <a14:hiddenLine xmlns:a14="http://schemas.microsoft.com/office/drawing/2010/main" w="28575">
+                <a:solidFill>
+                  <a:srgbClr val="000000"/>
+                </a:solidFill>
+                <a:miter lim="800000"/>
+                <a:headEnd/>
+                <a:tailEnd/>
+              </a14:hiddenLine>
+            </a:ext>
+          </a:extLst>
+        </p:spPr>
+        <p:txBody>
+          <a:bodyPr vert="horz" wrap="square" lIns="91440" tIns="45720" rIns="91440" bIns="45720" numCol="1" anchor="t" anchorCtr="0" compatLnSpc="1">
+            <a:prstTxWarp prst="textNoShape">
+              <a:avLst/>
+            </a:prstTxWarp>
+          </a:bodyPr>
+          <a:lstStyle>
+            <a:lvl1pPr marL="342900" indent="-342900" algn="l" rtl="0" eaLnBrk="1" fontAlgn="base" hangingPunct="1">
+              <a:spcBef>
+                <a:spcPct val="30000"/>
+              </a:spcBef>
+              <a:spcAft>
+                <a:spcPct val="0"/>
+              </a:spcAft>
+              <a:buClr>
+                <a:schemeClr val="hlink"/>
+              </a:buClr>
+              <a:buFont typeface="Wingdings" pitchFamily="2" charset="2"/>
+              <a:buChar char="§"/>
+              <a:defRPr sz="3200">
+                <a:solidFill>
+                  <a:srgbClr val="000066"/>
+                </a:solidFill>
+                <a:latin typeface="微软雅黑" pitchFamily="34" charset="-122"/>
+                <a:ea typeface="微软雅黑" pitchFamily="34" charset="-122"/>
+                <a:cs typeface="+mn-cs"/>
+              </a:defRPr>
+            </a:lvl1pPr>
+            <a:lvl2pPr marL="742950" indent="-285750" algn="l" rtl="0" eaLnBrk="1" fontAlgn="base" hangingPunct="1">
+              <a:spcBef>
+                <a:spcPct val="30000"/>
+              </a:spcBef>
+              <a:spcAft>
+                <a:spcPct val="0"/>
+              </a:spcAft>
+              <a:buClr>
+                <a:schemeClr val="tx2"/>
+              </a:buClr>
+              <a:buSzPct val="85000"/>
+              <a:buFont typeface="Wingdings" pitchFamily="2" charset="2"/>
+              <a:buChar char="Ø"/>
+              <a:defRPr sz="2800">
+                <a:solidFill>
+                  <a:srgbClr val="006666"/>
+                </a:solidFill>
+                <a:latin typeface="微软雅黑" pitchFamily="34" charset="-122"/>
+                <a:ea typeface="微软雅黑" pitchFamily="34" charset="-122"/>
+              </a:defRPr>
+            </a:lvl2pPr>
+            <a:lvl3pPr marL="1143000" indent="-228600" algn="l" rtl="0" eaLnBrk="1" fontAlgn="base" hangingPunct="1">
+              <a:spcBef>
+                <a:spcPct val="30000"/>
+              </a:spcBef>
+              <a:spcAft>
+                <a:spcPct val="0"/>
+              </a:spcAft>
+              <a:buClr>
+                <a:schemeClr val="hlink"/>
+              </a:buClr>
+              <a:buSzPct val="95000"/>
+              <a:buFont typeface="Wingdings 2" pitchFamily="18" charset="2"/>
+              <a:buChar char="¡"/>
+              <a:defRPr sz="2400">
+                <a:solidFill>
+                  <a:schemeClr val="hlink"/>
+                </a:solidFill>
+                <a:latin typeface="微软雅黑" pitchFamily="34" charset="-122"/>
+                <a:ea typeface="微软雅黑" pitchFamily="34" charset="-122"/>
+              </a:defRPr>
+            </a:lvl3pPr>
+            <a:lvl4pPr marL="1600200" indent="-228600" algn="l" rtl="0" eaLnBrk="1" fontAlgn="base" hangingPunct="1">
+              <a:spcBef>
+                <a:spcPct val="30000"/>
+              </a:spcBef>
+              <a:spcAft>
+                <a:spcPct val="0"/>
+              </a:spcAft>
+              <a:buClr>
+                <a:schemeClr val="tx2"/>
+              </a:buClr>
+              <a:buSzPct val="90000"/>
+              <a:buFont typeface="Wingdings" pitchFamily="2" charset="2"/>
+              <a:buChar char="Ø"/>
+              <a:defRPr sz="2000">
+                <a:solidFill>
+                  <a:srgbClr val="990099"/>
+                </a:solidFill>
+                <a:latin typeface="微软雅黑" pitchFamily="34" charset="-122"/>
+                <a:ea typeface="微软雅黑" pitchFamily="34" charset="-122"/>
+              </a:defRPr>
+            </a:lvl4pPr>
+            <a:lvl5pPr marL="2057400" indent="-228600" algn="l" rtl="0" eaLnBrk="1" fontAlgn="base" hangingPunct="1">
+              <a:spcBef>
+                <a:spcPct val="30000"/>
+              </a:spcBef>
+              <a:spcAft>
+                <a:spcPct val="0"/>
+              </a:spcAft>
+              <a:buClr>
+                <a:schemeClr val="hlink"/>
+              </a:buClr>
+              <a:buFont typeface="Wingdings 2" pitchFamily="18" charset="2"/>
+              <a:buChar char="¡"/>
+              <a:defRPr sz="2000">
+                <a:solidFill>
+                  <a:schemeClr val="tx1"/>
+                </a:solidFill>
+                <a:latin typeface="微软雅黑" pitchFamily="34" charset="-122"/>
+                <a:ea typeface="微软雅黑" pitchFamily="34" charset="-122"/>
+              </a:defRPr>
+            </a:lvl5pPr>
+            <a:lvl6pPr marL="2514600" indent="-228600" algn="l" rtl="0" eaLnBrk="1" fontAlgn="base" hangingPunct="1">
+              <a:spcBef>
+                <a:spcPct val="30000"/>
+              </a:spcBef>
+              <a:spcAft>
+                <a:spcPct val="0"/>
+              </a:spcAft>
+              <a:buClr>
+                <a:schemeClr val="hlink"/>
+              </a:buClr>
+              <a:buFont typeface="Wingdings 2" pitchFamily="18" charset="2"/>
+              <a:buChar char="¡"/>
+              <a:defRPr sz="2000">
+                <a:solidFill>
+                  <a:schemeClr val="tx1"/>
+                </a:solidFill>
+                <a:latin typeface="+mn-lt"/>
+                <a:ea typeface="+mn-ea"/>
+              </a:defRPr>
+            </a:lvl6pPr>
+            <a:lvl7pPr marL="2971800" indent="-228600" algn="l" rtl="0" eaLnBrk="1" fontAlgn="base" hangingPunct="1">
+              <a:spcBef>
+                <a:spcPct val="30000"/>
+              </a:spcBef>
+              <a:spcAft>
+                <a:spcPct val="0"/>
+              </a:spcAft>
+              <a:buClr>
+                <a:schemeClr val="hlink"/>
+              </a:buClr>
+              <a:buFont typeface="Wingdings 2" pitchFamily="18" charset="2"/>
+              <a:buChar char="¡"/>
+              <a:defRPr sz="2000">
+                <a:solidFill>
+                  <a:schemeClr val="tx1"/>
+                </a:solidFill>
+                <a:latin typeface="+mn-lt"/>
+                <a:ea typeface="+mn-ea"/>
+              </a:defRPr>
+            </a:lvl7pPr>
+            <a:lvl8pPr marL="3429000" indent="-228600" algn="l" rtl="0" eaLnBrk="1" fontAlgn="base" hangingPunct="1">
+              <a:spcBef>
+                <a:spcPct val="30000"/>
+              </a:spcBef>
+              <a:spcAft>
+                <a:spcPct val="0"/>
+              </a:spcAft>
+              <a:buClr>
+                <a:schemeClr val="hlink"/>
+              </a:buClr>
+              <a:buFont typeface="Wingdings 2" pitchFamily="18" charset="2"/>
+              <a:buChar char="¡"/>
+              <a:defRPr sz="2000">
+                <a:solidFill>
+                  <a:schemeClr val="tx1"/>
+                </a:solidFill>
+                <a:latin typeface="+mn-lt"/>
+                <a:ea typeface="+mn-ea"/>
+              </a:defRPr>
+            </a:lvl8pPr>
+            <a:lvl9pPr marL="3886200" indent="-228600" algn="l" rtl="0" eaLnBrk="1" fontAlgn="base" hangingPunct="1">
+              <a:spcBef>
+                <a:spcPct val="30000"/>
+              </a:spcBef>
+              <a:spcAft>
+                <a:spcPct val="0"/>
+              </a:spcAft>
+              <a:buClr>
+                <a:schemeClr val="hlink"/>
+              </a:buClr>
+              <a:buFont typeface="Wingdings 2" pitchFamily="18" charset="2"/>
+              <a:buChar char="¡"/>
+              <a:defRPr sz="2000">
+                <a:solidFill>
+                  <a:schemeClr val="tx1"/>
+                </a:solidFill>
+                <a:latin typeface="+mn-lt"/>
+                <a:ea typeface="+mn-ea"/>
+              </a:defRPr>
+            </a:lvl9pPr>
+          </a:lstStyle>
+          <a:p>
+            <a:r>
+              <a:rPr lang="en-US" altLang="zh-CN" sz="2400" kern="0" dirty="0">
+                <a:latin typeface="+mn-lt"/>
+                <a:cs typeface="Times New Roman" panose="02020603050405020304" pitchFamily="18" charset="0"/>
+              </a:rPr>
+              <a:t>RETAU5200</a:t>
+            </a:r>
+            <a:endParaRPr lang="en-US" altLang="zh-CN" sz="2000" kern="0" dirty="0">
+              <a:latin typeface="+mn-lt"/>
+              <a:cs typeface="Times New Roman" panose="02020603050405020304" pitchFamily="18" charset="0"/>
+            </a:endParaRPr>
+          </a:p>
+          <a:p>
+            <a:pPr lvl="1"/>
+            <a:r>
+              <a:rPr lang="en-US" altLang="zh-CN" sz="2000" dirty="0">
+                <a:latin typeface="+mn-lt"/>
+                <a:cs typeface="Times New Roman" panose="02020603050405020304" pitchFamily="18" charset="0"/>
+              </a:rPr>
+              <a:t>Large domain</a:t>
+            </a:r>
+          </a:p>
+        </p:txBody>
+      </p:sp>
+    </p:spTree>
+    <p:extLst>
+      <p:ext uri="{BB962C8B-B14F-4D97-AF65-F5344CB8AC3E}">
+        <p14:creationId xmlns:p14="http://schemas.microsoft.com/office/powerpoint/2010/main" val="2404903028"/>
+      </p:ext>
+    </p:extLst>
+  </p:cSld>
+  <p:clrMapOvr>
+    <a:masterClrMapping/>
+  </p:clrMapOvr>
+  <p:transition spd="med"/>
+</p:sld>
+</file>
+
+<file path=ppt/slides/slide18.xml><?xml version="1.0" encoding="utf-8"?>
 <p:sld xmlns:a="http://schemas.openxmlformats.org/drawingml/2006/main" xmlns:r="http://schemas.openxmlformats.org/officeDocument/2006/relationships" xmlns:p="http://schemas.openxmlformats.org/presentationml/2006/main">
   <p:cSld>
     <p:spTree>
@@ -26074,7 +29913,7 @@
 </p:sld>
 </file>
 
-<file path=ppt/slides/slide12.xml><?xml version="1.0" encoding="utf-8"?>
+<file path=ppt/slides/slide19.xml><?xml version="1.0" encoding="utf-8"?>
 <p:sld xmlns:a="http://schemas.openxmlformats.org/drawingml/2006/main" xmlns:r="http://schemas.openxmlformats.org/officeDocument/2006/relationships" xmlns:p="http://schemas.openxmlformats.org/presentationml/2006/main">
   <p:cSld>
     <p:spTree>
@@ -26727,7 +30566,306 @@
 </p:sld>
 </file>
 
-<file path=ppt/slides/slide13.xml><?xml version="1.0" encoding="utf-8"?>
+<file path=ppt/slides/slide2.xml><?xml version="1.0" encoding="utf-8"?>
+<p:sld xmlns:a="http://schemas.openxmlformats.org/drawingml/2006/main" xmlns:r="http://schemas.openxmlformats.org/officeDocument/2006/relationships" xmlns:p="http://schemas.openxmlformats.org/presentationml/2006/main">
+  <p:cSld>
+    <p:spTree>
+      <p:nvGrpSpPr>
+        <p:cNvPr id="1" name="">
+          <a:extLst>
+            <a:ext uri="{FF2B5EF4-FFF2-40B4-BE49-F238E27FC236}">
+              <a16:creationId xmlns:a16="http://schemas.microsoft.com/office/drawing/2014/main" id="{2D15152C-B19F-6BB3-728D-5F7F2B035AD0}"/>
+            </a:ext>
+          </a:extLst>
+        </p:cNvPr>
+        <p:cNvGrpSpPr/>
+        <p:nvPr/>
+      </p:nvGrpSpPr>
+      <p:grpSpPr>
+        <a:xfrm>
+          <a:off x="0" y="0"/>
+          <a:ext cx="0" cy="0"/>
+          <a:chOff x="0" y="0"/>
+          <a:chExt cx="0" cy="0"/>
+        </a:xfrm>
+      </p:grpSpPr>
+      <p:sp>
+        <p:nvSpPr>
+          <p:cNvPr id="2" name="Title 1">
+            <a:extLst>
+              <a:ext uri="{FF2B5EF4-FFF2-40B4-BE49-F238E27FC236}">
+                <a16:creationId xmlns:a16="http://schemas.microsoft.com/office/drawing/2014/main" id="{D13EE2B0-B4C2-89D5-D5B9-1DF5BE70DC5F}"/>
+              </a:ext>
+            </a:extLst>
+          </p:cNvPr>
+          <p:cNvSpPr>
+            <a:spLocks noGrp="1"/>
+          </p:cNvSpPr>
+          <p:nvPr>
+            <p:ph type="title"/>
+          </p:nvPr>
+        </p:nvSpPr>
+        <p:spPr>
+          <a:xfrm>
+            <a:off x="152400" y="152400"/>
+            <a:ext cx="8610600" cy="838200"/>
+          </a:xfrm>
+        </p:spPr>
+        <p:txBody>
+          <a:bodyPr/>
+          <a:lstStyle/>
+          <a:p>
+            <a:r>
+              <a:rPr lang="en-US" altLang="zh-CN" dirty="0"/>
+              <a:t>Channel</a:t>
+            </a:r>
+            <a:endParaRPr lang="zh-CN" altLang="en-US" dirty="0"/>
+          </a:p>
+        </p:txBody>
+      </p:sp>
+      <p:sp>
+        <p:nvSpPr>
+          <p:cNvPr id="7" name="内容占位符 2">
+            <a:extLst>
+              <a:ext uri="{FF2B5EF4-FFF2-40B4-BE49-F238E27FC236}">
+                <a16:creationId xmlns:a16="http://schemas.microsoft.com/office/drawing/2014/main" id="{D2C6C04E-3AE6-BF1A-EE2B-80CAEA4AD7AC}"/>
+              </a:ext>
+            </a:extLst>
+          </p:cNvPr>
+          <p:cNvSpPr>
+            <a:spLocks noGrp="1"/>
+          </p:cNvSpPr>
+          <p:nvPr>
+            <p:ph idx="4294967295"/>
+          </p:nvPr>
+        </p:nvSpPr>
+        <p:spPr>
+          <a:xfrm>
+            <a:off x="93652" y="1068111"/>
+            <a:ext cx="9050348" cy="1979889"/>
+          </a:xfrm>
+        </p:spPr>
+        <p:txBody>
+          <a:bodyPr/>
+          <a:lstStyle/>
+          <a:p>
+            <a:r>
+              <a:rPr lang="en-US" altLang="zh-CN" sz="2400" dirty="0">
+                <a:latin typeface="+mn-lt"/>
+                <a:cs typeface="Times New Roman" panose="02020603050405020304" pitchFamily="18" charset="0"/>
+              </a:rPr>
+              <a:t>RETAU180</a:t>
+            </a:r>
+            <a:endParaRPr lang="en-US" altLang="zh-CN" sz="2000" dirty="0">
+              <a:latin typeface="+mn-lt"/>
+              <a:cs typeface="Times New Roman" panose="02020603050405020304" pitchFamily="18" charset="0"/>
+            </a:endParaRPr>
+          </a:p>
+          <a:p>
+            <a:pPr lvl="1"/>
+            <a:r>
+              <a:rPr lang="en-US" altLang="zh-CN" sz="2000" dirty="0">
+                <a:latin typeface="+mn-lt"/>
+                <a:cs typeface="Times New Roman" panose="02020603050405020304" pitchFamily="18" charset="0"/>
+              </a:rPr>
+              <a:t>Both Neumann and wall model yield acceptable profiles</a:t>
+            </a:r>
+          </a:p>
+          <a:p>
+            <a:pPr lvl="1"/>
+            <a:r>
+              <a:rPr lang="en-US" altLang="zh-CN" sz="2000" dirty="0">
+                <a:latin typeface="+mn-lt"/>
+                <a:cs typeface="Times New Roman" panose="02020603050405020304" pitchFamily="18" charset="0"/>
+              </a:rPr>
+              <a:t>The DNS grid and the finest wall model grid produce the same results, but show difference from the DNS results, demonstrating imperfection of the wall model</a:t>
+            </a:r>
+            <a:endParaRPr lang="en-US" altLang="zh-CN" sz="2000" kern="0" dirty="0">
+              <a:latin typeface="+mn-lt"/>
+              <a:cs typeface="Times New Roman" panose="02020603050405020304" pitchFamily="18" charset="0"/>
+            </a:endParaRPr>
+          </a:p>
+          <a:p>
+            <a:pPr marL="457200" lvl="1" indent="0">
+              <a:buNone/>
+            </a:pPr>
+            <a:endParaRPr lang="en-US" altLang="zh-CN" sz="2000" baseline="30000" dirty="0">
+              <a:latin typeface="+mn-lt"/>
+              <a:cs typeface="Times New Roman" panose="02020603050405020304" pitchFamily="18" charset="0"/>
+            </a:endParaRPr>
+          </a:p>
+          <a:p>
+            <a:pPr marL="457200" lvl="1" indent="0">
+              <a:buNone/>
+            </a:pPr>
+            <a:endParaRPr lang="en-US" altLang="zh-CN" sz="2000" baseline="30000" dirty="0">
+              <a:latin typeface="+mn-lt"/>
+              <a:cs typeface="Times New Roman" panose="02020603050405020304" pitchFamily="18" charset="0"/>
+            </a:endParaRPr>
+          </a:p>
+          <a:p>
+            <a:pPr marL="457200" lvl="1" indent="0">
+              <a:buNone/>
+            </a:pPr>
+            <a:endParaRPr lang="en-US" altLang="zh-CN" sz="2000" baseline="30000" dirty="0">
+              <a:latin typeface="+mn-lt"/>
+              <a:cs typeface="Times New Roman" panose="02020603050405020304" pitchFamily="18" charset="0"/>
+            </a:endParaRPr>
+          </a:p>
+          <a:p>
+            <a:pPr marL="457200" lvl="1" indent="0">
+              <a:buNone/>
+            </a:pPr>
+            <a:endParaRPr lang="en-US" altLang="zh-CN" sz="2000" baseline="30000" dirty="0">
+              <a:latin typeface="+mn-lt"/>
+              <a:cs typeface="Times New Roman" panose="02020603050405020304" pitchFamily="18" charset="0"/>
+            </a:endParaRPr>
+          </a:p>
+          <a:p>
+            <a:pPr marL="457200" lvl="1" indent="0">
+              <a:buNone/>
+            </a:pPr>
+            <a:endParaRPr lang="en-US" altLang="zh-CN" sz="2000" baseline="30000" dirty="0">
+              <a:latin typeface="+mn-lt"/>
+              <a:cs typeface="Times New Roman" panose="02020603050405020304" pitchFamily="18" charset="0"/>
+            </a:endParaRPr>
+          </a:p>
+          <a:p>
+            <a:pPr marL="457200" lvl="1" indent="0">
+              <a:buNone/>
+            </a:pPr>
+            <a:endParaRPr lang="en-US" altLang="zh-CN" sz="2000" baseline="30000" dirty="0">
+              <a:latin typeface="+mn-lt"/>
+              <a:cs typeface="Times New Roman" panose="02020603050405020304" pitchFamily="18" charset="0"/>
+            </a:endParaRPr>
+          </a:p>
+          <a:p>
+            <a:pPr marL="457200" lvl="1" indent="0">
+              <a:buNone/>
+            </a:pPr>
+            <a:endParaRPr lang="en-US" altLang="zh-CN" sz="2000" baseline="30000" dirty="0">
+              <a:latin typeface="+mn-lt"/>
+              <a:cs typeface="Times New Roman" panose="02020603050405020304" pitchFamily="18" charset="0"/>
+            </a:endParaRPr>
+          </a:p>
+          <a:p>
+            <a:pPr marL="457200" lvl="1" indent="0">
+              <a:buNone/>
+            </a:pPr>
+            <a:endParaRPr lang="en-US" altLang="zh-CN" sz="2000" baseline="30000" dirty="0">
+              <a:latin typeface="+mn-lt"/>
+              <a:cs typeface="Times New Roman" panose="02020603050405020304" pitchFamily="18" charset="0"/>
+            </a:endParaRPr>
+          </a:p>
+          <a:p>
+            <a:pPr>
+              <a:lnSpc>
+                <a:spcPct val="125000"/>
+              </a:lnSpc>
+            </a:pPr>
+            <a:endParaRPr lang="en-US" altLang="zh-CN" sz="2400" dirty="0">
+              <a:latin typeface="+mn-lt"/>
+              <a:cs typeface="Times New Roman" panose="02020603050405020304" pitchFamily="18" charset="0"/>
+            </a:endParaRPr>
+          </a:p>
+          <a:p>
+            <a:pPr marL="457200" lvl="1" indent="0">
+              <a:lnSpc>
+                <a:spcPct val="125000"/>
+              </a:lnSpc>
+              <a:buNone/>
+            </a:pPr>
+            <a:endParaRPr lang="en-US" altLang="zh-CN" sz="2000" dirty="0">
+              <a:latin typeface="+mn-lt"/>
+              <a:cs typeface="Times New Roman" panose="02020603050405020304" pitchFamily="18" charset="0"/>
+            </a:endParaRPr>
+          </a:p>
+        </p:txBody>
+      </p:sp>
+      <p:sp>
+        <p:nvSpPr>
+          <p:cNvPr id="9" name="Rectangle 2">
+            <a:extLst>
+              <a:ext uri="{FF2B5EF4-FFF2-40B4-BE49-F238E27FC236}">
+                <a16:creationId xmlns:a16="http://schemas.microsoft.com/office/drawing/2014/main" id="{39432E37-D0CA-42E2-B210-9AC1CA0029EC}"/>
+              </a:ext>
+            </a:extLst>
+          </p:cNvPr>
+          <p:cNvSpPr>
+            <a:spLocks noChangeArrowheads="1"/>
+          </p:cNvSpPr>
+          <p:nvPr/>
+        </p:nvSpPr>
+        <p:spPr bwMode="auto">
+          <a:xfrm>
+            <a:off x="0" y="0"/>
+            <a:ext cx="9144000" cy="0"/>
+          </a:xfrm>
+          <a:prstGeom prst="rect">
+            <a:avLst/>
+          </a:prstGeom>
+          <a:noFill/>
+          <a:ln>
+            <a:noFill/>
+          </a:ln>
+          <a:effectLst/>
+          <a:extLst>
+            <a:ext uri="{909E8E84-426E-40DD-AFC4-6F175D3DCCD1}">
+              <a14:hiddenFill xmlns:a14="http://schemas.microsoft.com/office/drawing/2010/main">
+                <a:solidFill>
+                  <a:schemeClr val="accent1"/>
+                </a:solidFill>
+              </a14:hiddenFill>
+            </a:ext>
+            <a:ext uri="{91240B29-F687-4F45-9708-019B960494DF}">
+              <a14:hiddenLine xmlns:a14="http://schemas.microsoft.com/office/drawing/2010/main" w="9525">
+                <a:solidFill>
+                  <a:schemeClr val="tx1"/>
+                </a:solidFill>
+                <a:miter lim="800000"/>
+                <a:headEnd/>
+                <a:tailEnd/>
+              </a14:hiddenLine>
+            </a:ext>
+            <a:ext uri="{AF507438-7753-43E0-B8FC-AC1667EBCBE1}">
+              <a14:hiddenEffects xmlns:a14="http://schemas.microsoft.com/office/drawing/2010/main">
+                <a:effectLst>
+                  <a:outerShdw dist="35921" dir="2700000" algn="ctr" rotWithShape="0">
+                    <a:schemeClr val="bg2"/>
+                  </a:outerShdw>
+                </a:effectLst>
+              </a14:hiddenEffects>
+            </a:ext>
+          </a:extLst>
+        </p:spPr>
+        <p:txBody>
+          <a:bodyPr vert="horz" wrap="none" lIns="91440" tIns="45720" rIns="91440" bIns="45720" numCol="1" anchor="ctr" anchorCtr="0" compatLnSpc="1">
+            <a:prstTxWarp prst="textNoShape">
+              <a:avLst/>
+            </a:prstTxWarp>
+            <a:spAutoFit/>
+          </a:bodyPr>
+          <a:lstStyle/>
+          <a:p>
+            <a:endParaRPr lang="zh-CN" altLang="en-US"/>
+          </a:p>
+        </p:txBody>
+      </p:sp>
+    </p:spTree>
+    <p:extLst>
+      <p:ext uri="{BB962C8B-B14F-4D97-AF65-F5344CB8AC3E}">
+        <p14:creationId xmlns:p14="http://schemas.microsoft.com/office/powerpoint/2010/main" val="3334254190"/>
+      </p:ext>
+    </p:extLst>
+  </p:cSld>
+  <p:clrMapOvr>
+    <a:masterClrMapping/>
+  </p:clrMapOvr>
+  <p:transition spd="med" advTm="63997"/>
+</p:sld>
+</file>
+
+<file path=ppt/slides/slide20.xml><?xml version="1.0" encoding="utf-8"?>
 <p:sld xmlns:a="http://schemas.openxmlformats.org/drawingml/2006/main" xmlns:r="http://schemas.openxmlformats.org/officeDocument/2006/relationships" xmlns:p="http://schemas.openxmlformats.org/presentationml/2006/main">
   <p:cSld>
     <p:spTree>
@@ -27248,7 +31386,7 @@
 </p:sld>
 </file>
 
-<file path=ppt/slides/slide14.xml><?xml version="1.0" encoding="utf-8"?>
+<file path=ppt/slides/slide21.xml><?xml version="1.0" encoding="utf-8"?>
 <p:sld xmlns:a="http://schemas.openxmlformats.org/drawingml/2006/main" xmlns:r="http://schemas.openxmlformats.org/officeDocument/2006/relationships" xmlns:p="http://schemas.openxmlformats.org/presentationml/2006/main">
   <p:cSld>
     <p:spTree>
@@ -27935,7 +32073,7 @@
 </p:sld>
 </file>
 
-<file path=ppt/slides/slide15.xml><?xml version="1.0" encoding="utf-8"?>
+<file path=ppt/slides/slide22.xml><?xml version="1.0" encoding="utf-8"?>
 <p:sld xmlns:a="http://schemas.openxmlformats.org/drawingml/2006/main" xmlns:r="http://schemas.openxmlformats.org/officeDocument/2006/relationships" xmlns:p="http://schemas.openxmlformats.org/presentationml/2006/main">
   <p:cSld>
     <p:spTree>
@@ -28315,7 +32453,7 @@
 </p:sld>
 </file>
 
-<file path=ppt/slides/slide16.xml><?xml version="1.0" encoding="utf-8"?>
+<file path=ppt/slides/slide23.xml><?xml version="1.0" encoding="utf-8"?>
 <p:sld xmlns:a="http://schemas.openxmlformats.org/drawingml/2006/main" xmlns:r="http://schemas.openxmlformats.org/officeDocument/2006/relationships" xmlns:p="http://schemas.openxmlformats.org/presentationml/2006/main">
   <p:cSld>
     <p:spTree>
@@ -28697,305 +32835,6 @@
     <p:extLst>
       <p:ext uri="{BB962C8B-B14F-4D97-AF65-F5344CB8AC3E}">
         <p14:creationId xmlns:p14="http://schemas.microsoft.com/office/powerpoint/2010/main" val="2238880401"/>
-      </p:ext>
-    </p:extLst>
-  </p:cSld>
-  <p:clrMapOvr>
-    <a:masterClrMapping/>
-  </p:clrMapOvr>
-  <p:transition spd="med" advTm="63997"/>
-</p:sld>
-</file>
-
-<file path=ppt/slides/slide2.xml><?xml version="1.0" encoding="utf-8"?>
-<p:sld xmlns:a="http://schemas.openxmlformats.org/drawingml/2006/main" xmlns:r="http://schemas.openxmlformats.org/officeDocument/2006/relationships" xmlns:p="http://schemas.openxmlformats.org/presentationml/2006/main">
-  <p:cSld>
-    <p:spTree>
-      <p:nvGrpSpPr>
-        <p:cNvPr id="1" name="">
-          <a:extLst>
-            <a:ext uri="{FF2B5EF4-FFF2-40B4-BE49-F238E27FC236}">
-              <a16:creationId xmlns:a16="http://schemas.microsoft.com/office/drawing/2014/main" id="{2D15152C-B19F-6BB3-728D-5F7F2B035AD0}"/>
-            </a:ext>
-          </a:extLst>
-        </p:cNvPr>
-        <p:cNvGrpSpPr/>
-        <p:nvPr/>
-      </p:nvGrpSpPr>
-      <p:grpSpPr>
-        <a:xfrm>
-          <a:off x="0" y="0"/>
-          <a:ext cx="0" cy="0"/>
-          <a:chOff x="0" y="0"/>
-          <a:chExt cx="0" cy="0"/>
-        </a:xfrm>
-      </p:grpSpPr>
-      <p:sp>
-        <p:nvSpPr>
-          <p:cNvPr id="2" name="Title 1">
-            <a:extLst>
-              <a:ext uri="{FF2B5EF4-FFF2-40B4-BE49-F238E27FC236}">
-                <a16:creationId xmlns:a16="http://schemas.microsoft.com/office/drawing/2014/main" id="{D13EE2B0-B4C2-89D5-D5B9-1DF5BE70DC5F}"/>
-              </a:ext>
-            </a:extLst>
-          </p:cNvPr>
-          <p:cNvSpPr>
-            <a:spLocks noGrp="1"/>
-          </p:cNvSpPr>
-          <p:nvPr>
-            <p:ph type="title"/>
-          </p:nvPr>
-        </p:nvSpPr>
-        <p:spPr>
-          <a:xfrm>
-            <a:off x="152400" y="152400"/>
-            <a:ext cx="8610600" cy="838200"/>
-          </a:xfrm>
-        </p:spPr>
-        <p:txBody>
-          <a:bodyPr/>
-          <a:lstStyle/>
-          <a:p>
-            <a:r>
-              <a:rPr lang="en-US" altLang="zh-CN" dirty="0"/>
-              <a:t>Channel</a:t>
-            </a:r>
-            <a:endParaRPr lang="zh-CN" altLang="en-US" dirty="0"/>
-          </a:p>
-        </p:txBody>
-      </p:sp>
-      <p:sp>
-        <p:nvSpPr>
-          <p:cNvPr id="7" name="内容占位符 2">
-            <a:extLst>
-              <a:ext uri="{FF2B5EF4-FFF2-40B4-BE49-F238E27FC236}">
-                <a16:creationId xmlns:a16="http://schemas.microsoft.com/office/drawing/2014/main" id="{D2C6C04E-3AE6-BF1A-EE2B-80CAEA4AD7AC}"/>
-              </a:ext>
-            </a:extLst>
-          </p:cNvPr>
-          <p:cNvSpPr>
-            <a:spLocks noGrp="1"/>
-          </p:cNvSpPr>
-          <p:nvPr>
-            <p:ph idx="4294967295"/>
-          </p:nvPr>
-        </p:nvSpPr>
-        <p:spPr>
-          <a:xfrm>
-            <a:off x="93652" y="1068111"/>
-            <a:ext cx="9050348" cy="1979889"/>
-          </a:xfrm>
-        </p:spPr>
-        <p:txBody>
-          <a:bodyPr/>
-          <a:lstStyle/>
-          <a:p>
-            <a:r>
-              <a:rPr lang="en-US" altLang="zh-CN" sz="2400" dirty="0">
-                <a:latin typeface="+mn-lt"/>
-                <a:cs typeface="Times New Roman" panose="02020603050405020304" pitchFamily="18" charset="0"/>
-              </a:rPr>
-              <a:t>RETAU180</a:t>
-            </a:r>
-            <a:endParaRPr lang="en-US" altLang="zh-CN" sz="2000" dirty="0">
-              <a:latin typeface="+mn-lt"/>
-              <a:cs typeface="Times New Roman" panose="02020603050405020304" pitchFamily="18" charset="0"/>
-            </a:endParaRPr>
-          </a:p>
-          <a:p>
-            <a:pPr lvl="1"/>
-            <a:r>
-              <a:rPr lang="en-US" altLang="zh-CN" sz="2000" dirty="0">
-                <a:latin typeface="+mn-lt"/>
-                <a:cs typeface="Times New Roman" panose="02020603050405020304" pitchFamily="18" charset="0"/>
-              </a:rPr>
-              <a:t>Both Neumann and wall model yield acceptable profiles</a:t>
-            </a:r>
-          </a:p>
-          <a:p>
-            <a:pPr lvl="1"/>
-            <a:r>
-              <a:rPr lang="en-US" altLang="zh-CN" sz="2000" dirty="0">
-                <a:latin typeface="+mn-lt"/>
-                <a:cs typeface="Times New Roman" panose="02020603050405020304" pitchFamily="18" charset="0"/>
-              </a:rPr>
-              <a:t>The DNS grid and the finest wall model grid produce the same results, but show difference from the DNS results, demonstrating imperfection of the wall model</a:t>
-            </a:r>
-            <a:endParaRPr lang="en-US" altLang="zh-CN" sz="2000" kern="0" dirty="0">
-              <a:latin typeface="+mn-lt"/>
-              <a:cs typeface="Times New Roman" panose="02020603050405020304" pitchFamily="18" charset="0"/>
-            </a:endParaRPr>
-          </a:p>
-          <a:p>
-            <a:pPr marL="457200" lvl="1" indent="0">
-              <a:buNone/>
-            </a:pPr>
-            <a:endParaRPr lang="en-US" altLang="zh-CN" sz="2000" baseline="30000" dirty="0">
-              <a:latin typeface="+mn-lt"/>
-              <a:cs typeface="Times New Roman" panose="02020603050405020304" pitchFamily="18" charset="0"/>
-            </a:endParaRPr>
-          </a:p>
-          <a:p>
-            <a:pPr marL="457200" lvl="1" indent="0">
-              <a:buNone/>
-            </a:pPr>
-            <a:endParaRPr lang="en-US" altLang="zh-CN" sz="2000" baseline="30000" dirty="0">
-              <a:latin typeface="+mn-lt"/>
-              <a:cs typeface="Times New Roman" panose="02020603050405020304" pitchFamily="18" charset="0"/>
-            </a:endParaRPr>
-          </a:p>
-          <a:p>
-            <a:pPr marL="457200" lvl="1" indent="0">
-              <a:buNone/>
-            </a:pPr>
-            <a:endParaRPr lang="en-US" altLang="zh-CN" sz="2000" baseline="30000" dirty="0">
-              <a:latin typeface="+mn-lt"/>
-              <a:cs typeface="Times New Roman" panose="02020603050405020304" pitchFamily="18" charset="0"/>
-            </a:endParaRPr>
-          </a:p>
-          <a:p>
-            <a:pPr marL="457200" lvl="1" indent="0">
-              <a:buNone/>
-            </a:pPr>
-            <a:endParaRPr lang="en-US" altLang="zh-CN" sz="2000" baseline="30000" dirty="0">
-              <a:latin typeface="+mn-lt"/>
-              <a:cs typeface="Times New Roman" panose="02020603050405020304" pitchFamily="18" charset="0"/>
-            </a:endParaRPr>
-          </a:p>
-          <a:p>
-            <a:pPr marL="457200" lvl="1" indent="0">
-              <a:buNone/>
-            </a:pPr>
-            <a:endParaRPr lang="en-US" altLang="zh-CN" sz="2000" baseline="30000" dirty="0">
-              <a:latin typeface="+mn-lt"/>
-              <a:cs typeface="Times New Roman" panose="02020603050405020304" pitchFamily="18" charset="0"/>
-            </a:endParaRPr>
-          </a:p>
-          <a:p>
-            <a:pPr marL="457200" lvl="1" indent="0">
-              <a:buNone/>
-            </a:pPr>
-            <a:endParaRPr lang="en-US" altLang="zh-CN" sz="2000" baseline="30000" dirty="0">
-              <a:latin typeface="+mn-lt"/>
-              <a:cs typeface="Times New Roman" panose="02020603050405020304" pitchFamily="18" charset="0"/>
-            </a:endParaRPr>
-          </a:p>
-          <a:p>
-            <a:pPr marL="457200" lvl="1" indent="0">
-              <a:buNone/>
-            </a:pPr>
-            <a:endParaRPr lang="en-US" altLang="zh-CN" sz="2000" baseline="30000" dirty="0">
-              <a:latin typeface="+mn-lt"/>
-              <a:cs typeface="Times New Roman" panose="02020603050405020304" pitchFamily="18" charset="0"/>
-            </a:endParaRPr>
-          </a:p>
-          <a:p>
-            <a:pPr marL="457200" lvl="1" indent="0">
-              <a:buNone/>
-            </a:pPr>
-            <a:endParaRPr lang="en-US" altLang="zh-CN" sz="2000" baseline="30000" dirty="0">
-              <a:latin typeface="+mn-lt"/>
-              <a:cs typeface="Times New Roman" panose="02020603050405020304" pitchFamily="18" charset="0"/>
-            </a:endParaRPr>
-          </a:p>
-          <a:p>
-            <a:pPr>
-              <a:lnSpc>
-                <a:spcPct val="125000"/>
-              </a:lnSpc>
-            </a:pPr>
-            <a:endParaRPr lang="en-US" altLang="zh-CN" sz="2400" dirty="0">
-              <a:latin typeface="+mn-lt"/>
-              <a:cs typeface="Times New Roman" panose="02020603050405020304" pitchFamily="18" charset="0"/>
-            </a:endParaRPr>
-          </a:p>
-          <a:p>
-            <a:pPr marL="457200" lvl="1" indent="0">
-              <a:lnSpc>
-                <a:spcPct val="125000"/>
-              </a:lnSpc>
-              <a:buNone/>
-            </a:pPr>
-            <a:endParaRPr lang="en-US" altLang="zh-CN" sz="2000" dirty="0">
-              <a:latin typeface="+mn-lt"/>
-              <a:cs typeface="Times New Roman" panose="02020603050405020304" pitchFamily="18" charset="0"/>
-            </a:endParaRPr>
-          </a:p>
-        </p:txBody>
-      </p:sp>
-      <p:sp>
-        <p:nvSpPr>
-          <p:cNvPr id="9" name="Rectangle 2">
-            <a:extLst>
-              <a:ext uri="{FF2B5EF4-FFF2-40B4-BE49-F238E27FC236}">
-                <a16:creationId xmlns:a16="http://schemas.microsoft.com/office/drawing/2014/main" id="{39432E37-D0CA-42E2-B210-9AC1CA0029EC}"/>
-              </a:ext>
-            </a:extLst>
-          </p:cNvPr>
-          <p:cNvSpPr>
-            <a:spLocks noChangeArrowheads="1"/>
-          </p:cNvSpPr>
-          <p:nvPr/>
-        </p:nvSpPr>
-        <p:spPr bwMode="auto">
-          <a:xfrm>
-            <a:off x="0" y="0"/>
-            <a:ext cx="9144000" cy="0"/>
-          </a:xfrm>
-          <a:prstGeom prst="rect">
-            <a:avLst/>
-          </a:prstGeom>
-          <a:noFill/>
-          <a:ln>
-            <a:noFill/>
-          </a:ln>
-          <a:effectLst/>
-          <a:extLst>
-            <a:ext uri="{909E8E84-426E-40DD-AFC4-6F175D3DCCD1}">
-              <a14:hiddenFill xmlns:a14="http://schemas.microsoft.com/office/drawing/2010/main">
-                <a:solidFill>
-                  <a:schemeClr val="accent1"/>
-                </a:solidFill>
-              </a14:hiddenFill>
-            </a:ext>
-            <a:ext uri="{91240B29-F687-4F45-9708-019B960494DF}">
-              <a14:hiddenLine xmlns:a14="http://schemas.microsoft.com/office/drawing/2010/main" w="9525">
-                <a:solidFill>
-                  <a:schemeClr val="tx1"/>
-                </a:solidFill>
-                <a:miter lim="800000"/>
-                <a:headEnd/>
-                <a:tailEnd/>
-              </a14:hiddenLine>
-            </a:ext>
-            <a:ext uri="{AF507438-7753-43E0-B8FC-AC1667EBCBE1}">
-              <a14:hiddenEffects xmlns:a14="http://schemas.microsoft.com/office/drawing/2010/main">
-                <a:effectLst>
-                  <a:outerShdw dist="35921" dir="2700000" algn="ctr" rotWithShape="0">
-                    <a:schemeClr val="bg2"/>
-                  </a:outerShdw>
-                </a:effectLst>
-              </a14:hiddenEffects>
-            </a:ext>
-          </a:extLst>
-        </p:spPr>
-        <p:txBody>
-          <a:bodyPr vert="horz" wrap="none" lIns="91440" tIns="45720" rIns="91440" bIns="45720" numCol="1" anchor="ctr" anchorCtr="0" compatLnSpc="1">
-            <a:prstTxWarp prst="textNoShape">
-              <a:avLst/>
-            </a:prstTxWarp>
-            <a:spAutoFit/>
-          </a:bodyPr>
-          <a:lstStyle/>
-          <a:p>
-            <a:endParaRPr lang="zh-CN" altLang="en-US"/>
-          </a:p>
-        </p:txBody>
-      </p:sp>
-    </p:spTree>
-    <p:extLst>
-      <p:ext uri="{BB962C8B-B14F-4D97-AF65-F5344CB8AC3E}">
-        <p14:creationId xmlns:p14="http://schemas.microsoft.com/office/powerpoint/2010/main" val="3334254190"/>
       </p:ext>
     </p:extLst>
   </p:cSld>
@@ -29602,6 +33441,489 @@
         <p:cNvPr id="1" name="">
           <a:extLst>
             <a:ext uri="{FF2B5EF4-FFF2-40B4-BE49-F238E27FC236}">
+              <a16:creationId xmlns:a16="http://schemas.microsoft.com/office/drawing/2014/main" id="{F88127A5-1BF4-A303-EDD5-EE7B5483D35E}"/>
+            </a:ext>
+          </a:extLst>
+        </p:cNvPr>
+        <p:cNvGrpSpPr/>
+        <p:nvPr/>
+      </p:nvGrpSpPr>
+      <p:grpSpPr>
+        <a:xfrm>
+          <a:off x="0" y="0"/>
+          <a:ext cx="0" cy="0"/>
+          <a:chOff x="0" y="0"/>
+          <a:chExt cx="0" cy="0"/>
+        </a:xfrm>
+      </p:grpSpPr>
+      <p:sp>
+        <p:nvSpPr>
+          <p:cNvPr id="9" name="Rectangle 2">
+            <a:extLst>
+              <a:ext uri="{FF2B5EF4-FFF2-40B4-BE49-F238E27FC236}">
+                <a16:creationId xmlns:a16="http://schemas.microsoft.com/office/drawing/2014/main" id="{0403F9C4-3150-E7B4-F7AA-9241D90B091C}"/>
+              </a:ext>
+            </a:extLst>
+          </p:cNvPr>
+          <p:cNvSpPr>
+            <a:spLocks noChangeArrowheads="1"/>
+          </p:cNvSpPr>
+          <p:nvPr/>
+        </p:nvSpPr>
+        <p:spPr bwMode="auto">
+          <a:xfrm>
+            <a:off x="0" y="0"/>
+            <a:ext cx="9144000" cy="0"/>
+          </a:xfrm>
+          <a:prstGeom prst="rect">
+            <a:avLst/>
+          </a:prstGeom>
+          <a:noFill/>
+          <a:ln>
+            <a:noFill/>
+          </a:ln>
+          <a:effectLst/>
+          <a:extLst>
+            <a:ext uri="{909E8E84-426E-40DD-AFC4-6F175D3DCCD1}">
+              <a14:hiddenFill xmlns:a14="http://schemas.microsoft.com/office/drawing/2010/main">
+                <a:solidFill>
+                  <a:schemeClr val="accent1"/>
+                </a:solidFill>
+              </a14:hiddenFill>
+            </a:ext>
+            <a:ext uri="{91240B29-F687-4F45-9708-019B960494DF}">
+              <a14:hiddenLine xmlns:a14="http://schemas.microsoft.com/office/drawing/2010/main" w="9525">
+                <a:solidFill>
+                  <a:schemeClr val="tx1"/>
+                </a:solidFill>
+                <a:miter lim="800000"/>
+                <a:headEnd/>
+                <a:tailEnd/>
+              </a14:hiddenLine>
+            </a:ext>
+            <a:ext uri="{AF507438-7753-43E0-B8FC-AC1667EBCBE1}">
+              <a14:hiddenEffects xmlns:a14="http://schemas.microsoft.com/office/drawing/2010/main">
+                <a:effectLst>
+                  <a:outerShdw dist="35921" dir="2700000" algn="ctr" rotWithShape="0">
+                    <a:schemeClr val="bg2"/>
+                  </a:outerShdw>
+                </a:effectLst>
+              </a14:hiddenEffects>
+            </a:ext>
+          </a:extLst>
+        </p:spPr>
+        <p:txBody>
+          <a:bodyPr vert="horz" wrap="none" lIns="91440" tIns="45720" rIns="91440" bIns="45720" numCol="1" anchor="ctr" anchorCtr="0" compatLnSpc="1">
+            <a:prstTxWarp prst="textNoShape">
+              <a:avLst/>
+            </a:prstTxWarp>
+            <a:spAutoFit/>
+          </a:bodyPr>
+          <a:lstStyle/>
+          <a:p>
+            <a:endParaRPr lang="zh-CN" altLang="en-US"/>
+          </a:p>
+        </p:txBody>
+      </p:sp>
+      <p:sp>
+        <p:nvSpPr>
+          <p:cNvPr id="13" name="Title 1">
+            <a:extLst>
+              <a:ext uri="{FF2B5EF4-FFF2-40B4-BE49-F238E27FC236}">
+                <a16:creationId xmlns:a16="http://schemas.microsoft.com/office/drawing/2014/main" id="{6FDE24A7-108E-8F3D-A3A0-236CCCB0B9DC}"/>
+              </a:ext>
+            </a:extLst>
+          </p:cNvPr>
+          <p:cNvSpPr>
+            <a:spLocks noGrp="1"/>
+          </p:cNvSpPr>
+          <p:nvPr>
+            <p:ph type="title"/>
+          </p:nvPr>
+        </p:nvSpPr>
+        <p:spPr>
+          <a:xfrm>
+            <a:off x="152400" y="152400"/>
+            <a:ext cx="8610600" cy="838200"/>
+          </a:xfrm>
+        </p:spPr>
+        <p:txBody>
+          <a:bodyPr/>
+          <a:lstStyle/>
+          <a:p>
+            <a:r>
+              <a:rPr lang="en-US" altLang="zh-CN" dirty="0"/>
+              <a:t>Channel</a:t>
+            </a:r>
+            <a:endParaRPr lang="zh-CN" altLang="en-US" dirty="0"/>
+          </a:p>
+        </p:txBody>
+      </p:sp>
+      <p:sp>
+        <p:nvSpPr>
+          <p:cNvPr id="16" name="内容占位符 2">
+            <a:extLst>
+              <a:ext uri="{FF2B5EF4-FFF2-40B4-BE49-F238E27FC236}">
+                <a16:creationId xmlns:a16="http://schemas.microsoft.com/office/drawing/2014/main" id="{E06380B4-F0EF-0F3E-264F-55AACA038C5F}"/>
+              </a:ext>
+            </a:extLst>
+          </p:cNvPr>
+          <p:cNvSpPr txBox="1">
+            <a:spLocks/>
+          </p:cNvSpPr>
+          <p:nvPr/>
+        </p:nvSpPr>
+        <p:spPr bwMode="auto">
+          <a:xfrm>
+            <a:off x="93652" y="1068112"/>
+            <a:ext cx="9050348" cy="474198"/>
+          </a:xfrm>
+          <a:prstGeom prst="rect">
+            <a:avLst/>
+          </a:prstGeom>
+          <a:noFill/>
+          <a:ln>
+            <a:noFill/>
+          </a:ln>
+          <a:extLst>
+            <a:ext uri="{909E8E84-426E-40DD-AFC4-6F175D3DCCD1}">
+              <a14:hiddenFill xmlns:a14="http://schemas.microsoft.com/office/drawing/2010/main">
+                <a:solidFill>
+                  <a:srgbClr val="FFFFFF"/>
+                </a:solidFill>
+              </a14:hiddenFill>
+            </a:ext>
+            <a:ext uri="{91240B29-F687-4F45-9708-019B960494DF}">
+              <a14:hiddenLine xmlns:a14="http://schemas.microsoft.com/office/drawing/2010/main" w="28575">
+                <a:solidFill>
+                  <a:srgbClr val="000000"/>
+                </a:solidFill>
+                <a:miter lim="800000"/>
+                <a:headEnd/>
+                <a:tailEnd/>
+              </a14:hiddenLine>
+            </a:ext>
+          </a:extLst>
+        </p:spPr>
+        <p:txBody>
+          <a:bodyPr vert="horz" wrap="square" lIns="91440" tIns="45720" rIns="91440" bIns="45720" numCol="1" anchor="t" anchorCtr="0" compatLnSpc="1">
+            <a:prstTxWarp prst="textNoShape">
+              <a:avLst/>
+            </a:prstTxWarp>
+          </a:bodyPr>
+          <a:lstStyle>
+            <a:lvl1pPr marL="342900" indent="-342900" algn="l" rtl="0" eaLnBrk="1" fontAlgn="base" hangingPunct="1">
+              <a:spcBef>
+                <a:spcPct val="30000"/>
+              </a:spcBef>
+              <a:spcAft>
+                <a:spcPct val="0"/>
+              </a:spcAft>
+              <a:buClr>
+                <a:schemeClr val="hlink"/>
+              </a:buClr>
+              <a:buFont typeface="Wingdings" pitchFamily="2" charset="2"/>
+              <a:buChar char="§"/>
+              <a:defRPr sz="3200">
+                <a:solidFill>
+                  <a:srgbClr val="000066"/>
+                </a:solidFill>
+                <a:latin typeface="微软雅黑" pitchFamily="34" charset="-122"/>
+                <a:ea typeface="微软雅黑" pitchFamily="34" charset="-122"/>
+                <a:cs typeface="+mn-cs"/>
+              </a:defRPr>
+            </a:lvl1pPr>
+            <a:lvl2pPr marL="742950" indent="-285750" algn="l" rtl="0" eaLnBrk="1" fontAlgn="base" hangingPunct="1">
+              <a:spcBef>
+                <a:spcPct val="30000"/>
+              </a:spcBef>
+              <a:spcAft>
+                <a:spcPct val="0"/>
+              </a:spcAft>
+              <a:buClr>
+                <a:schemeClr val="tx2"/>
+              </a:buClr>
+              <a:buSzPct val="85000"/>
+              <a:buFont typeface="Wingdings" pitchFamily="2" charset="2"/>
+              <a:buChar char="Ø"/>
+              <a:defRPr sz="2800">
+                <a:solidFill>
+                  <a:srgbClr val="006666"/>
+                </a:solidFill>
+                <a:latin typeface="微软雅黑" pitchFamily="34" charset="-122"/>
+                <a:ea typeface="微软雅黑" pitchFamily="34" charset="-122"/>
+              </a:defRPr>
+            </a:lvl2pPr>
+            <a:lvl3pPr marL="1143000" indent="-228600" algn="l" rtl="0" eaLnBrk="1" fontAlgn="base" hangingPunct="1">
+              <a:spcBef>
+                <a:spcPct val="30000"/>
+              </a:spcBef>
+              <a:spcAft>
+                <a:spcPct val="0"/>
+              </a:spcAft>
+              <a:buClr>
+                <a:schemeClr val="hlink"/>
+              </a:buClr>
+              <a:buSzPct val="95000"/>
+              <a:buFont typeface="Wingdings 2" pitchFamily="18" charset="2"/>
+              <a:buChar char="¡"/>
+              <a:defRPr sz="2400">
+                <a:solidFill>
+                  <a:schemeClr val="hlink"/>
+                </a:solidFill>
+                <a:latin typeface="微软雅黑" pitchFamily="34" charset="-122"/>
+                <a:ea typeface="微软雅黑" pitchFamily="34" charset="-122"/>
+              </a:defRPr>
+            </a:lvl3pPr>
+            <a:lvl4pPr marL="1600200" indent="-228600" algn="l" rtl="0" eaLnBrk="1" fontAlgn="base" hangingPunct="1">
+              <a:spcBef>
+                <a:spcPct val="30000"/>
+              </a:spcBef>
+              <a:spcAft>
+                <a:spcPct val="0"/>
+              </a:spcAft>
+              <a:buClr>
+                <a:schemeClr val="tx2"/>
+              </a:buClr>
+              <a:buSzPct val="90000"/>
+              <a:buFont typeface="Wingdings" pitchFamily="2" charset="2"/>
+              <a:buChar char="Ø"/>
+              <a:defRPr sz="2000">
+                <a:solidFill>
+                  <a:srgbClr val="990099"/>
+                </a:solidFill>
+                <a:latin typeface="微软雅黑" pitchFamily="34" charset="-122"/>
+                <a:ea typeface="微软雅黑" pitchFamily="34" charset="-122"/>
+              </a:defRPr>
+            </a:lvl4pPr>
+            <a:lvl5pPr marL="2057400" indent="-228600" algn="l" rtl="0" eaLnBrk="1" fontAlgn="base" hangingPunct="1">
+              <a:spcBef>
+                <a:spcPct val="30000"/>
+              </a:spcBef>
+              <a:spcAft>
+                <a:spcPct val="0"/>
+              </a:spcAft>
+              <a:buClr>
+                <a:schemeClr val="hlink"/>
+              </a:buClr>
+              <a:buFont typeface="Wingdings 2" pitchFamily="18" charset="2"/>
+              <a:buChar char="¡"/>
+              <a:defRPr sz="2000">
+                <a:solidFill>
+                  <a:schemeClr val="tx1"/>
+                </a:solidFill>
+                <a:latin typeface="微软雅黑" pitchFamily="34" charset="-122"/>
+                <a:ea typeface="微软雅黑" pitchFamily="34" charset="-122"/>
+              </a:defRPr>
+            </a:lvl5pPr>
+            <a:lvl6pPr marL="2514600" indent="-228600" algn="l" rtl="0" eaLnBrk="1" fontAlgn="base" hangingPunct="1">
+              <a:spcBef>
+                <a:spcPct val="30000"/>
+              </a:spcBef>
+              <a:spcAft>
+                <a:spcPct val="0"/>
+              </a:spcAft>
+              <a:buClr>
+                <a:schemeClr val="hlink"/>
+              </a:buClr>
+              <a:buFont typeface="Wingdings 2" pitchFamily="18" charset="2"/>
+              <a:buChar char="¡"/>
+              <a:defRPr sz="2000">
+                <a:solidFill>
+                  <a:schemeClr val="tx1"/>
+                </a:solidFill>
+                <a:latin typeface="+mn-lt"/>
+                <a:ea typeface="+mn-ea"/>
+              </a:defRPr>
+            </a:lvl6pPr>
+            <a:lvl7pPr marL="2971800" indent="-228600" algn="l" rtl="0" eaLnBrk="1" fontAlgn="base" hangingPunct="1">
+              <a:spcBef>
+                <a:spcPct val="30000"/>
+              </a:spcBef>
+              <a:spcAft>
+                <a:spcPct val="0"/>
+              </a:spcAft>
+              <a:buClr>
+                <a:schemeClr val="hlink"/>
+              </a:buClr>
+              <a:buFont typeface="Wingdings 2" pitchFamily="18" charset="2"/>
+              <a:buChar char="¡"/>
+              <a:defRPr sz="2000">
+                <a:solidFill>
+                  <a:schemeClr val="tx1"/>
+                </a:solidFill>
+                <a:latin typeface="+mn-lt"/>
+                <a:ea typeface="+mn-ea"/>
+              </a:defRPr>
+            </a:lvl7pPr>
+            <a:lvl8pPr marL="3429000" indent="-228600" algn="l" rtl="0" eaLnBrk="1" fontAlgn="base" hangingPunct="1">
+              <a:spcBef>
+                <a:spcPct val="30000"/>
+              </a:spcBef>
+              <a:spcAft>
+                <a:spcPct val="0"/>
+              </a:spcAft>
+              <a:buClr>
+                <a:schemeClr val="hlink"/>
+              </a:buClr>
+              <a:buFont typeface="Wingdings 2" pitchFamily="18" charset="2"/>
+              <a:buChar char="¡"/>
+              <a:defRPr sz="2000">
+                <a:solidFill>
+                  <a:schemeClr val="tx1"/>
+                </a:solidFill>
+                <a:latin typeface="+mn-lt"/>
+                <a:ea typeface="+mn-ea"/>
+              </a:defRPr>
+            </a:lvl8pPr>
+            <a:lvl9pPr marL="3886200" indent="-228600" algn="l" rtl="0" eaLnBrk="1" fontAlgn="base" hangingPunct="1">
+              <a:spcBef>
+                <a:spcPct val="30000"/>
+              </a:spcBef>
+              <a:spcAft>
+                <a:spcPct val="0"/>
+              </a:spcAft>
+              <a:buClr>
+                <a:schemeClr val="hlink"/>
+              </a:buClr>
+              <a:buFont typeface="Wingdings 2" pitchFamily="18" charset="2"/>
+              <a:buChar char="¡"/>
+              <a:defRPr sz="2000">
+                <a:solidFill>
+                  <a:schemeClr val="tx1"/>
+                </a:solidFill>
+                <a:latin typeface="+mn-lt"/>
+                <a:ea typeface="+mn-ea"/>
+              </a:defRPr>
+            </a:lvl9pPr>
+          </a:lstStyle>
+          <a:p>
+            <a:r>
+              <a:rPr lang="en-US" altLang="zh-CN" sz="2400" kern="0" dirty="0">
+                <a:latin typeface="+mn-lt"/>
+                <a:cs typeface="Times New Roman" panose="02020603050405020304" pitchFamily="18" charset="0"/>
+              </a:rPr>
+              <a:t>RETAU180</a:t>
+            </a:r>
+            <a:endParaRPr lang="en-US" altLang="zh-CN" sz="2000" kern="0" dirty="0">
+              <a:latin typeface="+mn-lt"/>
+              <a:cs typeface="Times New Roman" panose="02020603050405020304" pitchFamily="18" charset="0"/>
+            </a:endParaRPr>
+          </a:p>
+        </p:txBody>
+      </p:sp>
+      <p:pic>
+        <p:nvPicPr>
+          <p:cNvPr id="14" name="Picture 13">
+            <a:extLst>
+              <a:ext uri="{FF2B5EF4-FFF2-40B4-BE49-F238E27FC236}">
+                <a16:creationId xmlns:a16="http://schemas.microsoft.com/office/drawing/2014/main" id="{68C9F6FD-A41B-AC98-57CF-8DFDDA4B9F2A}"/>
+              </a:ext>
+            </a:extLst>
+          </p:cNvPr>
+          <p:cNvPicPr>
+            <a:picLocks noChangeAspect="1"/>
+          </p:cNvPicPr>
+          <p:nvPr/>
+        </p:nvPicPr>
+        <p:blipFill>
+          <a:blip r:embed="rId3"/>
+          <a:stretch>
+            <a:fillRect/>
+          </a:stretch>
+        </p:blipFill>
+        <p:spPr>
+          <a:xfrm>
+            <a:off x="4343400" y="1981200"/>
+            <a:ext cx="3200400" cy="2410558"/>
+          </a:xfrm>
+          <a:prstGeom prst="rect">
+            <a:avLst/>
+          </a:prstGeom>
+        </p:spPr>
+      </p:pic>
+      <p:pic>
+        <p:nvPicPr>
+          <p:cNvPr id="18" name="Picture 17">
+            <a:extLst>
+              <a:ext uri="{FF2B5EF4-FFF2-40B4-BE49-F238E27FC236}">
+                <a16:creationId xmlns:a16="http://schemas.microsoft.com/office/drawing/2014/main" id="{FE4CB8F9-DC8F-1C46-00D0-67AC2DF85547}"/>
+              </a:ext>
+            </a:extLst>
+          </p:cNvPr>
+          <p:cNvPicPr>
+            <a:picLocks noChangeAspect="1"/>
+          </p:cNvPicPr>
+          <p:nvPr/>
+        </p:nvPicPr>
+        <p:blipFill>
+          <a:blip r:embed="rId4"/>
+          <a:stretch>
+            <a:fillRect/>
+          </a:stretch>
+        </p:blipFill>
+        <p:spPr>
+          <a:xfrm>
+            <a:off x="1138646" y="1981200"/>
+            <a:ext cx="3200400" cy="2392631"/>
+          </a:xfrm>
+          <a:prstGeom prst="rect">
+            <a:avLst/>
+          </a:prstGeom>
+        </p:spPr>
+      </p:pic>
+      <p:pic>
+        <p:nvPicPr>
+          <p:cNvPr id="3" name="Picture 2">
+            <a:extLst>
+              <a:ext uri="{FF2B5EF4-FFF2-40B4-BE49-F238E27FC236}">
+                <a16:creationId xmlns:a16="http://schemas.microsoft.com/office/drawing/2014/main" id="{931217F1-EA3D-055A-A9BD-0276407FC2AA}"/>
+              </a:ext>
+            </a:extLst>
+          </p:cNvPr>
+          <p:cNvPicPr>
+            <a:picLocks noChangeAspect="1"/>
+          </p:cNvPicPr>
+          <p:nvPr/>
+        </p:nvPicPr>
+        <p:blipFill>
+          <a:blip r:embed="rId5"/>
+          <a:stretch>
+            <a:fillRect/>
+          </a:stretch>
+        </p:blipFill>
+        <p:spPr>
+          <a:xfrm>
+            <a:off x="1138646" y="4391758"/>
+            <a:ext cx="3200400" cy="2393837"/>
+          </a:xfrm>
+          <a:prstGeom prst="rect">
+            <a:avLst/>
+          </a:prstGeom>
+        </p:spPr>
+      </p:pic>
+    </p:spTree>
+    <p:extLst>
+      <p:ext uri="{BB962C8B-B14F-4D97-AF65-F5344CB8AC3E}">
+        <p14:creationId xmlns:p14="http://schemas.microsoft.com/office/powerpoint/2010/main" val="1868583014"/>
+      </p:ext>
+    </p:extLst>
+  </p:cSld>
+  <p:clrMapOvr>
+    <a:masterClrMapping/>
+  </p:clrMapOvr>
+  <p:transition spd="med" advTm="63997"/>
+</p:sld>
+</file>
+
+<file path=ppt/slides/slide5.xml><?xml version="1.0" encoding="utf-8"?>
+<p:sld xmlns:a="http://schemas.openxmlformats.org/drawingml/2006/main" xmlns:r="http://schemas.openxmlformats.org/officeDocument/2006/relationships" xmlns:p="http://schemas.openxmlformats.org/presentationml/2006/main">
+  <p:cSld>
+    <p:spTree>
+      <p:nvGrpSpPr>
+        <p:cNvPr id="1" name="">
+          <a:extLst>
+            <a:ext uri="{FF2B5EF4-FFF2-40B4-BE49-F238E27FC236}">
               <a16:creationId xmlns:a16="http://schemas.microsoft.com/office/drawing/2014/main" id="{CF11DB0D-C7A8-E826-4746-04D8875E9064}"/>
             </a:ext>
           </a:extLst>
@@ -30055,7 +34377,303 @@
 </p:sld>
 </file>
 
-<file path=ppt/slides/slide5.xml><?xml version="1.0" encoding="utf-8"?>
+<file path=ppt/slides/slide6.xml><?xml version="1.0" encoding="utf-8"?>
+<p:sld xmlns:a="http://schemas.openxmlformats.org/drawingml/2006/main" xmlns:r="http://schemas.openxmlformats.org/officeDocument/2006/relationships" xmlns:p="http://schemas.openxmlformats.org/presentationml/2006/main">
+  <p:cSld>
+    <p:spTree>
+      <p:nvGrpSpPr>
+        <p:cNvPr id="1" name="">
+          <a:extLst>
+            <a:ext uri="{FF2B5EF4-FFF2-40B4-BE49-F238E27FC236}">
+              <a16:creationId xmlns:a16="http://schemas.microsoft.com/office/drawing/2014/main" id="{CF11DB0D-C7A8-E826-4746-04D8875E9064}"/>
+            </a:ext>
+          </a:extLst>
+        </p:cNvPr>
+        <p:cNvGrpSpPr/>
+        <p:nvPr/>
+      </p:nvGrpSpPr>
+      <p:grpSpPr>
+        <a:xfrm>
+          <a:off x="0" y="0"/>
+          <a:ext cx="0" cy="0"/>
+          <a:chOff x="0" y="0"/>
+          <a:chExt cx="0" cy="0"/>
+        </a:xfrm>
+      </p:grpSpPr>
+      <p:sp>
+        <p:nvSpPr>
+          <p:cNvPr id="2" name="Title 1">
+            <a:extLst>
+              <a:ext uri="{FF2B5EF4-FFF2-40B4-BE49-F238E27FC236}">
+                <a16:creationId xmlns:a16="http://schemas.microsoft.com/office/drawing/2014/main" id="{E023CC34-DD90-F195-065C-8690D567C7CA}"/>
+              </a:ext>
+            </a:extLst>
+          </p:cNvPr>
+          <p:cNvSpPr>
+            <a:spLocks noGrp="1"/>
+          </p:cNvSpPr>
+          <p:nvPr>
+            <p:ph type="title"/>
+          </p:nvPr>
+        </p:nvSpPr>
+        <p:spPr>
+          <a:xfrm>
+            <a:off x="152400" y="152400"/>
+            <a:ext cx="8610600" cy="838200"/>
+          </a:xfrm>
+        </p:spPr>
+        <p:txBody>
+          <a:bodyPr/>
+          <a:lstStyle/>
+          <a:p>
+            <a:r>
+              <a:rPr lang="en-US" altLang="zh-CN" dirty="0"/>
+              <a:t>Channel</a:t>
+            </a:r>
+            <a:endParaRPr lang="zh-CN" altLang="en-US" dirty="0"/>
+          </a:p>
+        </p:txBody>
+      </p:sp>
+      <p:sp>
+        <p:nvSpPr>
+          <p:cNvPr id="7" name="内容占位符 2">
+            <a:extLst>
+              <a:ext uri="{FF2B5EF4-FFF2-40B4-BE49-F238E27FC236}">
+                <a16:creationId xmlns:a16="http://schemas.microsoft.com/office/drawing/2014/main" id="{77358499-8047-EF37-77D2-D5BA9A2BEE93}"/>
+              </a:ext>
+            </a:extLst>
+          </p:cNvPr>
+          <p:cNvSpPr>
+            <a:spLocks noGrp="1"/>
+          </p:cNvSpPr>
+          <p:nvPr>
+            <p:ph idx="4294967295"/>
+          </p:nvPr>
+        </p:nvSpPr>
+        <p:spPr>
+          <a:xfrm>
+            <a:off x="93652" y="1068112"/>
+            <a:ext cx="9050348" cy="455888"/>
+          </a:xfrm>
+        </p:spPr>
+        <p:txBody>
+          <a:bodyPr/>
+          <a:lstStyle/>
+          <a:p>
+            <a:r>
+              <a:rPr lang="en-US" altLang="zh-CN" sz="2400" dirty="0">
+                <a:latin typeface="+mn-lt"/>
+                <a:cs typeface="Times New Roman" panose="02020603050405020304" pitchFamily="18" charset="0"/>
+              </a:rPr>
+              <a:t>RETAU550</a:t>
+            </a:r>
+            <a:endParaRPr lang="en-US" altLang="zh-CN" sz="2000" baseline="30000" dirty="0">
+              <a:latin typeface="+mn-lt"/>
+              <a:cs typeface="Times New Roman" panose="02020603050405020304" pitchFamily="18" charset="0"/>
+            </a:endParaRPr>
+          </a:p>
+          <a:p>
+            <a:pPr marL="457200" lvl="1" indent="0">
+              <a:buNone/>
+            </a:pPr>
+            <a:endParaRPr lang="en-US" altLang="zh-CN" sz="2000" baseline="30000" dirty="0">
+              <a:latin typeface="+mn-lt"/>
+              <a:cs typeface="Times New Roman" panose="02020603050405020304" pitchFamily="18" charset="0"/>
+            </a:endParaRPr>
+          </a:p>
+          <a:p>
+            <a:pPr marL="457200" lvl="1" indent="0">
+              <a:buNone/>
+            </a:pPr>
+            <a:endParaRPr lang="en-US" altLang="zh-CN" sz="2000" baseline="30000" dirty="0">
+              <a:latin typeface="+mn-lt"/>
+              <a:cs typeface="Times New Roman" panose="02020603050405020304" pitchFamily="18" charset="0"/>
+            </a:endParaRPr>
+          </a:p>
+          <a:p>
+            <a:pPr marL="457200" lvl="1" indent="0">
+              <a:buNone/>
+            </a:pPr>
+            <a:endParaRPr lang="en-US" altLang="zh-CN" sz="2000" baseline="30000" dirty="0">
+              <a:latin typeface="+mn-lt"/>
+              <a:cs typeface="Times New Roman" panose="02020603050405020304" pitchFamily="18" charset="0"/>
+            </a:endParaRPr>
+          </a:p>
+          <a:p>
+            <a:pPr marL="457200" lvl="1" indent="0">
+              <a:buNone/>
+            </a:pPr>
+            <a:endParaRPr lang="en-US" altLang="zh-CN" sz="2000" baseline="30000" dirty="0">
+              <a:latin typeface="+mn-lt"/>
+              <a:cs typeface="Times New Roman" panose="02020603050405020304" pitchFamily="18" charset="0"/>
+            </a:endParaRPr>
+          </a:p>
+          <a:p>
+            <a:pPr marL="457200" lvl="1" indent="0">
+              <a:buNone/>
+            </a:pPr>
+            <a:endParaRPr lang="en-US" altLang="zh-CN" sz="2000" baseline="30000" dirty="0">
+              <a:latin typeface="+mn-lt"/>
+              <a:cs typeface="Times New Roman" panose="02020603050405020304" pitchFamily="18" charset="0"/>
+            </a:endParaRPr>
+          </a:p>
+          <a:p>
+            <a:pPr marL="457200" lvl="1" indent="0">
+              <a:buNone/>
+            </a:pPr>
+            <a:endParaRPr lang="en-US" altLang="zh-CN" sz="2000" baseline="30000" dirty="0">
+              <a:latin typeface="+mn-lt"/>
+              <a:cs typeface="Times New Roman" panose="02020603050405020304" pitchFamily="18" charset="0"/>
+            </a:endParaRPr>
+          </a:p>
+          <a:p>
+            <a:pPr marL="457200" lvl="1" indent="0">
+              <a:buNone/>
+            </a:pPr>
+            <a:endParaRPr lang="en-US" altLang="zh-CN" sz="2000" baseline="30000" dirty="0">
+              <a:latin typeface="+mn-lt"/>
+              <a:cs typeface="Times New Roman" panose="02020603050405020304" pitchFamily="18" charset="0"/>
+            </a:endParaRPr>
+          </a:p>
+          <a:p>
+            <a:pPr>
+              <a:lnSpc>
+                <a:spcPct val="125000"/>
+              </a:lnSpc>
+            </a:pPr>
+            <a:endParaRPr lang="en-US" altLang="zh-CN" sz="2400" dirty="0">
+              <a:latin typeface="+mn-lt"/>
+              <a:cs typeface="Times New Roman" panose="02020603050405020304" pitchFamily="18" charset="0"/>
+            </a:endParaRPr>
+          </a:p>
+          <a:p>
+            <a:pPr marL="457200" lvl="1" indent="0">
+              <a:lnSpc>
+                <a:spcPct val="125000"/>
+              </a:lnSpc>
+              <a:buNone/>
+            </a:pPr>
+            <a:endParaRPr lang="en-US" altLang="zh-CN" sz="2000" dirty="0">
+              <a:latin typeface="+mn-lt"/>
+              <a:cs typeface="Times New Roman" panose="02020603050405020304" pitchFamily="18" charset="0"/>
+            </a:endParaRPr>
+          </a:p>
+        </p:txBody>
+      </p:sp>
+      <p:sp>
+        <p:nvSpPr>
+          <p:cNvPr id="9" name="Rectangle 2">
+            <a:extLst>
+              <a:ext uri="{FF2B5EF4-FFF2-40B4-BE49-F238E27FC236}">
+                <a16:creationId xmlns:a16="http://schemas.microsoft.com/office/drawing/2014/main" id="{2FB58356-09D7-B518-3635-1FF228F562AA}"/>
+              </a:ext>
+            </a:extLst>
+          </p:cNvPr>
+          <p:cNvSpPr>
+            <a:spLocks noChangeArrowheads="1"/>
+          </p:cNvSpPr>
+          <p:nvPr/>
+        </p:nvSpPr>
+        <p:spPr bwMode="auto">
+          <a:xfrm>
+            <a:off x="0" y="0"/>
+            <a:ext cx="9144000" cy="0"/>
+          </a:xfrm>
+          <a:prstGeom prst="rect">
+            <a:avLst/>
+          </a:prstGeom>
+          <a:noFill/>
+          <a:ln>
+            <a:noFill/>
+          </a:ln>
+          <a:effectLst/>
+          <a:extLst>
+            <a:ext uri="{909E8E84-426E-40DD-AFC4-6F175D3DCCD1}">
+              <a14:hiddenFill xmlns:a14="http://schemas.microsoft.com/office/drawing/2010/main">
+                <a:solidFill>
+                  <a:schemeClr val="accent1"/>
+                </a:solidFill>
+              </a14:hiddenFill>
+            </a:ext>
+            <a:ext uri="{91240B29-F687-4F45-9708-019B960494DF}">
+              <a14:hiddenLine xmlns:a14="http://schemas.microsoft.com/office/drawing/2010/main" w="9525">
+                <a:solidFill>
+                  <a:schemeClr val="tx1"/>
+                </a:solidFill>
+                <a:miter lim="800000"/>
+                <a:headEnd/>
+                <a:tailEnd/>
+              </a14:hiddenLine>
+            </a:ext>
+            <a:ext uri="{AF507438-7753-43E0-B8FC-AC1667EBCBE1}">
+              <a14:hiddenEffects xmlns:a14="http://schemas.microsoft.com/office/drawing/2010/main">
+                <a:effectLst>
+                  <a:outerShdw dist="35921" dir="2700000" algn="ctr" rotWithShape="0">
+                    <a:schemeClr val="bg2"/>
+                  </a:outerShdw>
+                </a:effectLst>
+              </a14:hiddenEffects>
+            </a:ext>
+          </a:extLst>
+        </p:spPr>
+        <p:txBody>
+          <a:bodyPr vert="horz" wrap="none" lIns="91440" tIns="45720" rIns="91440" bIns="45720" numCol="1" anchor="ctr" anchorCtr="0" compatLnSpc="1">
+            <a:prstTxWarp prst="textNoShape">
+              <a:avLst/>
+            </a:prstTxWarp>
+            <a:spAutoFit/>
+          </a:bodyPr>
+          <a:lstStyle/>
+          <a:p>
+            <a:endParaRPr lang="zh-CN" altLang="en-US"/>
+          </a:p>
+        </p:txBody>
+      </p:sp>
+      <p:pic>
+        <p:nvPicPr>
+          <p:cNvPr id="6" name="Picture 5">
+            <a:extLst>
+              <a:ext uri="{FF2B5EF4-FFF2-40B4-BE49-F238E27FC236}">
+                <a16:creationId xmlns:a16="http://schemas.microsoft.com/office/drawing/2014/main" id="{111B36FE-F869-875E-6729-16C6FD59A629}"/>
+              </a:ext>
+            </a:extLst>
+          </p:cNvPr>
+          <p:cNvPicPr>
+            <a:picLocks noChangeAspect="1"/>
+          </p:cNvPicPr>
+          <p:nvPr/>
+        </p:nvPicPr>
+        <p:blipFill>
+          <a:blip r:embed="rId3"/>
+          <a:stretch>
+            <a:fillRect/>
+          </a:stretch>
+        </p:blipFill>
+        <p:spPr>
+          <a:xfrm>
+            <a:off x="1828800" y="1905000"/>
+            <a:ext cx="3200400" cy="2409290"/>
+          </a:xfrm>
+          <a:prstGeom prst="rect">
+            <a:avLst/>
+          </a:prstGeom>
+        </p:spPr>
+      </p:pic>
+    </p:spTree>
+    <p:extLst>
+      <p:ext uri="{BB962C8B-B14F-4D97-AF65-F5344CB8AC3E}">
+        <p14:creationId xmlns:p14="http://schemas.microsoft.com/office/powerpoint/2010/main" val="1266517650"/>
+      </p:ext>
+    </p:extLst>
+  </p:cSld>
+  <p:clrMapOvr>
+    <a:masterClrMapping/>
+  </p:clrMapOvr>
+  <p:transition spd="med" advTm="63997"/>
+</p:sld>
+</file>
+
+<file path=ppt/slides/slide7.xml><?xml version="1.0" encoding="utf-8"?>
 <p:sld xmlns:a="http://schemas.openxmlformats.org/drawingml/2006/main" xmlns:r="http://schemas.openxmlformats.org/officeDocument/2006/relationships" xmlns:p="http://schemas.openxmlformats.org/presentationml/2006/main">
   <p:cSld>
     <p:spTree>
@@ -30451,7 +35069,455 @@
 </p:sld>
 </file>
 
-<file path=ppt/slides/slide6.xml><?xml version="1.0" encoding="utf-8"?>
+<file path=ppt/slides/slide8.xml><?xml version="1.0" encoding="utf-8"?>
+<p:sld xmlns:a="http://schemas.openxmlformats.org/drawingml/2006/main" xmlns:r="http://schemas.openxmlformats.org/officeDocument/2006/relationships" xmlns:p="http://schemas.openxmlformats.org/presentationml/2006/main">
+  <p:cSld>
+    <p:spTree>
+      <p:nvGrpSpPr>
+        <p:cNvPr id="1" name="">
+          <a:extLst>
+            <a:ext uri="{FF2B5EF4-FFF2-40B4-BE49-F238E27FC236}">
+              <a16:creationId xmlns:a16="http://schemas.microsoft.com/office/drawing/2014/main" id="{E36FAF1C-FB3C-6E4F-3EF6-B91416465A30}"/>
+            </a:ext>
+          </a:extLst>
+        </p:cNvPr>
+        <p:cNvGrpSpPr/>
+        <p:nvPr/>
+      </p:nvGrpSpPr>
+      <p:grpSpPr>
+        <a:xfrm>
+          <a:off x="0" y="0"/>
+          <a:ext cx="0" cy="0"/>
+          <a:chOff x="0" y="0"/>
+          <a:chExt cx="0" cy="0"/>
+        </a:xfrm>
+      </p:grpSpPr>
+      <p:sp>
+        <p:nvSpPr>
+          <p:cNvPr id="2" name="Title 1">
+            <a:extLst>
+              <a:ext uri="{FF2B5EF4-FFF2-40B4-BE49-F238E27FC236}">
+                <a16:creationId xmlns:a16="http://schemas.microsoft.com/office/drawing/2014/main" id="{5ADC8DE3-593B-5208-402D-39D2452CA6CD}"/>
+              </a:ext>
+            </a:extLst>
+          </p:cNvPr>
+          <p:cNvSpPr>
+            <a:spLocks noGrp="1"/>
+          </p:cNvSpPr>
+          <p:nvPr>
+            <p:ph type="title"/>
+          </p:nvPr>
+        </p:nvSpPr>
+        <p:spPr>
+          <a:xfrm>
+            <a:off x="152400" y="152400"/>
+            <a:ext cx="8610600" cy="838200"/>
+          </a:xfrm>
+        </p:spPr>
+        <p:txBody>
+          <a:bodyPr/>
+          <a:lstStyle/>
+          <a:p>
+            <a:r>
+              <a:rPr lang="en-US" altLang="zh-CN" dirty="0"/>
+              <a:t>Channel</a:t>
+            </a:r>
+            <a:endParaRPr lang="zh-CN" altLang="en-US" dirty="0"/>
+          </a:p>
+        </p:txBody>
+      </p:sp>
+      <p:pic>
+        <p:nvPicPr>
+          <p:cNvPr id="16" name="Picture 15">
+            <a:extLst>
+              <a:ext uri="{FF2B5EF4-FFF2-40B4-BE49-F238E27FC236}">
+                <a16:creationId xmlns:a16="http://schemas.microsoft.com/office/drawing/2014/main" id="{BE181C3B-8EE1-3C24-D08F-CC31E2A5BD83}"/>
+              </a:ext>
+            </a:extLst>
+          </p:cNvPr>
+          <p:cNvPicPr>
+            <a:picLocks noChangeAspect="1"/>
+          </p:cNvPicPr>
+          <p:nvPr/>
+        </p:nvPicPr>
+        <p:blipFill>
+          <a:blip r:embed="rId3"/>
+          <a:stretch>
+            <a:fillRect/>
+          </a:stretch>
+        </p:blipFill>
+        <p:spPr>
+          <a:xfrm>
+            <a:off x="2209800" y="2438400"/>
+            <a:ext cx="3200400" cy="2392631"/>
+          </a:xfrm>
+          <a:prstGeom prst="rect">
+            <a:avLst/>
+          </a:prstGeom>
+        </p:spPr>
+      </p:pic>
+      <p:sp>
+        <p:nvSpPr>
+          <p:cNvPr id="17" name="内容占位符 2">
+            <a:extLst>
+              <a:ext uri="{FF2B5EF4-FFF2-40B4-BE49-F238E27FC236}">
+                <a16:creationId xmlns:a16="http://schemas.microsoft.com/office/drawing/2014/main" id="{D7E08BCD-AEE7-9056-0B15-7EFBABD31162}"/>
+              </a:ext>
+            </a:extLst>
+          </p:cNvPr>
+          <p:cNvSpPr txBox="1">
+            <a:spLocks/>
+          </p:cNvSpPr>
+          <p:nvPr/>
+        </p:nvSpPr>
+        <p:spPr bwMode="auto">
+          <a:xfrm>
+            <a:off x="93652" y="1068111"/>
+            <a:ext cx="9050348" cy="1979889"/>
+          </a:xfrm>
+          <a:prstGeom prst="rect">
+            <a:avLst/>
+          </a:prstGeom>
+          <a:noFill/>
+          <a:ln>
+            <a:noFill/>
+          </a:ln>
+          <a:extLst>
+            <a:ext uri="{909E8E84-426E-40DD-AFC4-6F175D3DCCD1}">
+              <a14:hiddenFill xmlns:a14="http://schemas.microsoft.com/office/drawing/2010/main">
+                <a:solidFill>
+                  <a:srgbClr val="FFFFFF"/>
+                </a:solidFill>
+              </a14:hiddenFill>
+            </a:ext>
+            <a:ext uri="{91240B29-F687-4F45-9708-019B960494DF}">
+              <a14:hiddenLine xmlns:a14="http://schemas.microsoft.com/office/drawing/2010/main" w="28575">
+                <a:solidFill>
+                  <a:srgbClr val="000000"/>
+                </a:solidFill>
+                <a:miter lim="800000"/>
+                <a:headEnd/>
+                <a:tailEnd/>
+              </a14:hiddenLine>
+            </a:ext>
+          </a:extLst>
+        </p:spPr>
+        <p:txBody>
+          <a:bodyPr vert="horz" wrap="square" lIns="91440" tIns="45720" rIns="91440" bIns="45720" numCol="1" anchor="t" anchorCtr="0" compatLnSpc="1">
+            <a:prstTxWarp prst="textNoShape">
+              <a:avLst/>
+            </a:prstTxWarp>
+          </a:bodyPr>
+          <a:lstStyle>
+            <a:lvl1pPr marL="342900" indent="-342900" algn="l" rtl="0" eaLnBrk="1" fontAlgn="base" hangingPunct="1">
+              <a:spcBef>
+                <a:spcPct val="30000"/>
+              </a:spcBef>
+              <a:spcAft>
+                <a:spcPct val="0"/>
+              </a:spcAft>
+              <a:buClr>
+                <a:schemeClr val="hlink"/>
+              </a:buClr>
+              <a:buFont typeface="Wingdings" pitchFamily="2" charset="2"/>
+              <a:buChar char="§"/>
+              <a:defRPr sz="3200">
+                <a:solidFill>
+                  <a:srgbClr val="000066"/>
+                </a:solidFill>
+                <a:latin typeface="微软雅黑" pitchFamily="34" charset="-122"/>
+                <a:ea typeface="微软雅黑" pitchFamily="34" charset="-122"/>
+                <a:cs typeface="+mn-cs"/>
+              </a:defRPr>
+            </a:lvl1pPr>
+            <a:lvl2pPr marL="742950" indent="-285750" algn="l" rtl="0" eaLnBrk="1" fontAlgn="base" hangingPunct="1">
+              <a:spcBef>
+                <a:spcPct val="30000"/>
+              </a:spcBef>
+              <a:spcAft>
+                <a:spcPct val="0"/>
+              </a:spcAft>
+              <a:buClr>
+                <a:schemeClr val="tx2"/>
+              </a:buClr>
+              <a:buSzPct val="85000"/>
+              <a:buFont typeface="Wingdings" pitchFamily="2" charset="2"/>
+              <a:buChar char="Ø"/>
+              <a:defRPr sz="2800">
+                <a:solidFill>
+                  <a:srgbClr val="006666"/>
+                </a:solidFill>
+                <a:latin typeface="微软雅黑" pitchFamily="34" charset="-122"/>
+                <a:ea typeface="微软雅黑" pitchFamily="34" charset="-122"/>
+              </a:defRPr>
+            </a:lvl2pPr>
+            <a:lvl3pPr marL="1143000" indent="-228600" algn="l" rtl="0" eaLnBrk="1" fontAlgn="base" hangingPunct="1">
+              <a:spcBef>
+                <a:spcPct val="30000"/>
+              </a:spcBef>
+              <a:spcAft>
+                <a:spcPct val="0"/>
+              </a:spcAft>
+              <a:buClr>
+                <a:schemeClr val="hlink"/>
+              </a:buClr>
+              <a:buSzPct val="95000"/>
+              <a:buFont typeface="Wingdings 2" pitchFamily="18" charset="2"/>
+              <a:buChar char="¡"/>
+              <a:defRPr sz="2400">
+                <a:solidFill>
+                  <a:schemeClr val="hlink"/>
+                </a:solidFill>
+                <a:latin typeface="微软雅黑" pitchFamily="34" charset="-122"/>
+                <a:ea typeface="微软雅黑" pitchFamily="34" charset="-122"/>
+              </a:defRPr>
+            </a:lvl3pPr>
+            <a:lvl4pPr marL="1600200" indent="-228600" algn="l" rtl="0" eaLnBrk="1" fontAlgn="base" hangingPunct="1">
+              <a:spcBef>
+                <a:spcPct val="30000"/>
+              </a:spcBef>
+              <a:spcAft>
+                <a:spcPct val="0"/>
+              </a:spcAft>
+              <a:buClr>
+                <a:schemeClr val="tx2"/>
+              </a:buClr>
+              <a:buSzPct val="90000"/>
+              <a:buFont typeface="Wingdings" pitchFamily="2" charset="2"/>
+              <a:buChar char="Ø"/>
+              <a:defRPr sz="2000">
+                <a:solidFill>
+                  <a:srgbClr val="990099"/>
+                </a:solidFill>
+                <a:latin typeface="微软雅黑" pitchFamily="34" charset="-122"/>
+                <a:ea typeface="微软雅黑" pitchFamily="34" charset="-122"/>
+              </a:defRPr>
+            </a:lvl4pPr>
+            <a:lvl5pPr marL="2057400" indent="-228600" algn="l" rtl="0" eaLnBrk="1" fontAlgn="base" hangingPunct="1">
+              <a:spcBef>
+                <a:spcPct val="30000"/>
+              </a:spcBef>
+              <a:spcAft>
+                <a:spcPct val="0"/>
+              </a:spcAft>
+              <a:buClr>
+                <a:schemeClr val="hlink"/>
+              </a:buClr>
+              <a:buFont typeface="Wingdings 2" pitchFamily="18" charset="2"/>
+              <a:buChar char="¡"/>
+              <a:defRPr sz="2000">
+                <a:solidFill>
+                  <a:schemeClr val="tx1"/>
+                </a:solidFill>
+                <a:latin typeface="微软雅黑" pitchFamily="34" charset="-122"/>
+                <a:ea typeface="微软雅黑" pitchFamily="34" charset="-122"/>
+              </a:defRPr>
+            </a:lvl5pPr>
+            <a:lvl6pPr marL="2514600" indent="-228600" algn="l" rtl="0" eaLnBrk="1" fontAlgn="base" hangingPunct="1">
+              <a:spcBef>
+                <a:spcPct val="30000"/>
+              </a:spcBef>
+              <a:spcAft>
+                <a:spcPct val="0"/>
+              </a:spcAft>
+              <a:buClr>
+                <a:schemeClr val="hlink"/>
+              </a:buClr>
+              <a:buFont typeface="Wingdings 2" pitchFamily="18" charset="2"/>
+              <a:buChar char="¡"/>
+              <a:defRPr sz="2000">
+                <a:solidFill>
+                  <a:schemeClr val="tx1"/>
+                </a:solidFill>
+                <a:latin typeface="+mn-lt"/>
+                <a:ea typeface="+mn-ea"/>
+              </a:defRPr>
+            </a:lvl6pPr>
+            <a:lvl7pPr marL="2971800" indent="-228600" algn="l" rtl="0" eaLnBrk="1" fontAlgn="base" hangingPunct="1">
+              <a:spcBef>
+                <a:spcPct val="30000"/>
+              </a:spcBef>
+              <a:spcAft>
+                <a:spcPct val="0"/>
+              </a:spcAft>
+              <a:buClr>
+                <a:schemeClr val="hlink"/>
+              </a:buClr>
+              <a:buFont typeface="Wingdings 2" pitchFamily="18" charset="2"/>
+              <a:buChar char="¡"/>
+              <a:defRPr sz="2000">
+                <a:solidFill>
+                  <a:schemeClr val="tx1"/>
+                </a:solidFill>
+                <a:latin typeface="+mn-lt"/>
+                <a:ea typeface="+mn-ea"/>
+              </a:defRPr>
+            </a:lvl7pPr>
+            <a:lvl8pPr marL="3429000" indent="-228600" algn="l" rtl="0" eaLnBrk="1" fontAlgn="base" hangingPunct="1">
+              <a:spcBef>
+                <a:spcPct val="30000"/>
+              </a:spcBef>
+              <a:spcAft>
+                <a:spcPct val="0"/>
+              </a:spcAft>
+              <a:buClr>
+                <a:schemeClr val="hlink"/>
+              </a:buClr>
+              <a:buFont typeface="Wingdings 2" pitchFamily="18" charset="2"/>
+              <a:buChar char="¡"/>
+              <a:defRPr sz="2000">
+                <a:solidFill>
+                  <a:schemeClr val="tx1"/>
+                </a:solidFill>
+                <a:latin typeface="+mn-lt"/>
+                <a:ea typeface="+mn-ea"/>
+              </a:defRPr>
+            </a:lvl8pPr>
+            <a:lvl9pPr marL="3886200" indent="-228600" algn="l" rtl="0" eaLnBrk="1" fontAlgn="base" hangingPunct="1">
+              <a:spcBef>
+                <a:spcPct val="30000"/>
+              </a:spcBef>
+              <a:spcAft>
+                <a:spcPct val="0"/>
+              </a:spcAft>
+              <a:buClr>
+                <a:schemeClr val="hlink"/>
+              </a:buClr>
+              <a:buFont typeface="Wingdings 2" pitchFamily="18" charset="2"/>
+              <a:buChar char="¡"/>
+              <a:defRPr sz="2000">
+                <a:solidFill>
+                  <a:schemeClr val="tx1"/>
+                </a:solidFill>
+                <a:latin typeface="+mn-lt"/>
+                <a:ea typeface="+mn-ea"/>
+              </a:defRPr>
+            </a:lvl9pPr>
+          </a:lstStyle>
+          <a:p>
+            <a:r>
+              <a:rPr lang="en-US" altLang="zh-CN" sz="2400" kern="0">
+                <a:latin typeface="+mn-lt"/>
+                <a:cs typeface="Times New Roman" panose="02020603050405020304" pitchFamily="18" charset="0"/>
+              </a:rPr>
+              <a:t>RETAU1000</a:t>
+            </a:r>
+            <a:endParaRPr lang="en-US" altLang="zh-CN" sz="2000" kern="0" baseline="30000">
+              <a:latin typeface="+mn-lt"/>
+              <a:cs typeface="Times New Roman" panose="02020603050405020304" pitchFamily="18" charset="0"/>
+            </a:endParaRPr>
+          </a:p>
+          <a:p>
+            <a:pPr marL="457200" lvl="1" indent="0">
+              <a:buFont typeface="Wingdings" pitchFamily="2" charset="2"/>
+              <a:buNone/>
+            </a:pPr>
+            <a:endParaRPr lang="en-US" altLang="zh-CN" sz="2000" kern="0" baseline="30000">
+              <a:latin typeface="+mn-lt"/>
+              <a:cs typeface="Times New Roman" panose="02020603050405020304" pitchFamily="18" charset="0"/>
+            </a:endParaRPr>
+          </a:p>
+          <a:p>
+            <a:pPr marL="457200" lvl="1" indent="0">
+              <a:buFont typeface="Wingdings" pitchFamily="2" charset="2"/>
+              <a:buNone/>
+            </a:pPr>
+            <a:endParaRPr lang="en-US" altLang="zh-CN" sz="2000" kern="0" baseline="30000">
+              <a:latin typeface="+mn-lt"/>
+              <a:cs typeface="Times New Roman" panose="02020603050405020304" pitchFamily="18" charset="0"/>
+            </a:endParaRPr>
+          </a:p>
+          <a:p>
+            <a:pPr marL="457200" lvl="1" indent="0">
+              <a:buFont typeface="Wingdings" pitchFamily="2" charset="2"/>
+              <a:buNone/>
+            </a:pPr>
+            <a:endParaRPr lang="en-US" altLang="zh-CN" sz="2000" kern="0" baseline="30000">
+              <a:latin typeface="+mn-lt"/>
+              <a:cs typeface="Times New Roman" panose="02020603050405020304" pitchFamily="18" charset="0"/>
+            </a:endParaRPr>
+          </a:p>
+          <a:p>
+            <a:pPr marL="457200" lvl="1" indent="0">
+              <a:buFont typeface="Wingdings" pitchFamily="2" charset="2"/>
+              <a:buNone/>
+            </a:pPr>
+            <a:endParaRPr lang="en-US" altLang="zh-CN" sz="2000" kern="0" baseline="30000">
+              <a:latin typeface="+mn-lt"/>
+              <a:cs typeface="Times New Roman" panose="02020603050405020304" pitchFamily="18" charset="0"/>
+            </a:endParaRPr>
+          </a:p>
+          <a:p>
+            <a:pPr marL="457200" lvl="1" indent="0">
+              <a:buFont typeface="Wingdings" pitchFamily="2" charset="2"/>
+              <a:buNone/>
+            </a:pPr>
+            <a:endParaRPr lang="en-US" altLang="zh-CN" sz="2000" kern="0" baseline="30000">
+              <a:latin typeface="+mn-lt"/>
+              <a:cs typeface="Times New Roman" panose="02020603050405020304" pitchFamily="18" charset="0"/>
+            </a:endParaRPr>
+          </a:p>
+          <a:p>
+            <a:pPr marL="457200" lvl="1" indent="0">
+              <a:buFont typeface="Wingdings" pitchFamily="2" charset="2"/>
+              <a:buNone/>
+            </a:pPr>
+            <a:endParaRPr lang="en-US" altLang="zh-CN" sz="2000" kern="0" baseline="30000">
+              <a:latin typeface="+mn-lt"/>
+              <a:cs typeface="Times New Roman" panose="02020603050405020304" pitchFamily="18" charset="0"/>
+            </a:endParaRPr>
+          </a:p>
+          <a:p>
+            <a:pPr marL="457200" lvl="1" indent="0">
+              <a:buFont typeface="Wingdings" pitchFamily="2" charset="2"/>
+              <a:buNone/>
+            </a:pPr>
+            <a:endParaRPr lang="en-US" altLang="zh-CN" sz="2000" kern="0" baseline="30000">
+              <a:latin typeface="+mn-lt"/>
+              <a:cs typeface="Times New Roman" panose="02020603050405020304" pitchFamily="18" charset="0"/>
+            </a:endParaRPr>
+          </a:p>
+          <a:p>
+            <a:pPr>
+              <a:lnSpc>
+                <a:spcPct val="125000"/>
+              </a:lnSpc>
+            </a:pPr>
+            <a:endParaRPr lang="en-US" altLang="zh-CN" sz="2400" kern="0">
+              <a:latin typeface="+mn-lt"/>
+              <a:cs typeface="Times New Roman" panose="02020603050405020304" pitchFamily="18" charset="0"/>
+            </a:endParaRPr>
+          </a:p>
+          <a:p>
+            <a:pPr marL="457200" lvl="1" indent="0">
+              <a:lnSpc>
+                <a:spcPct val="125000"/>
+              </a:lnSpc>
+              <a:buFont typeface="Wingdings" pitchFamily="2" charset="2"/>
+              <a:buNone/>
+            </a:pPr>
+            <a:endParaRPr lang="en-US" altLang="zh-CN" sz="2000" kern="0" dirty="0">
+              <a:latin typeface="+mn-lt"/>
+              <a:cs typeface="Times New Roman" panose="02020603050405020304" pitchFamily="18" charset="0"/>
+            </a:endParaRPr>
+          </a:p>
+        </p:txBody>
+      </p:sp>
+    </p:spTree>
+    <p:extLst>
+      <p:ext uri="{BB962C8B-B14F-4D97-AF65-F5344CB8AC3E}">
+        <p14:creationId xmlns:p14="http://schemas.microsoft.com/office/powerpoint/2010/main" val="1503813011"/>
+      </p:ext>
+    </p:extLst>
+  </p:cSld>
+  <p:clrMapOvr>
+    <a:masterClrMapping/>
+  </p:clrMapOvr>
+  <p:transition spd="med" advTm="63997"/>
+</p:sld>
+</file>
+
+<file path=ppt/slides/slide9.xml><?xml version="1.0" encoding="utf-8"?>
 <p:sld xmlns:a="http://schemas.openxmlformats.org/drawingml/2006/main" xmlns:r="http://schemas.openxmlformats.org/officeDocument/2006/relationships" xmlns:p="http://schemas.openxmlformats.org/presentationml/2006/main">
   <p:cSld>
     <p:spTree>
@@ -30966,1381 +36032,6 @@
     <p:extLst>
       <p:ext uri="{BB962C8B-B14F-4D97-AF65-F5344CB8AC3E}">
         <p14:creationId xmlns:p14="http://schemas.microsoft.com/office/powerpoint/2010/main" val="1039208005"/>
-      </p:ext>
-    </p:extLst>
-  </p:cSld>
-  <p:clrMapOvr>
-    <a:masterClrMapping/>
-  </p:clrMapOvr>
-  <p:transition spd="med" advTm="63997"/>
-</p:sld>
-</file>
-
-<file path=ppt/slides/slide7.xml><?xml version="1.0" encoding="utf-8"?>
-<p:sld xmlns:a="http://schemas.openxmlformats.org/drawingml/2006/main" xmlns:r="http://schemas.openxmlformats.org/officeDocument/2006/relationships" xmlns:p="http://schemas.openxmlformats.org/presentationml/2006/main">
-  <p:cSld>
-    <p:spTree>
-      <p:nvGrpSpPr>
-        <p:cNvPr id="1" name=""/>
-        <p:cNvGrpSpPr/>
-        <p:nvPr/>
-      </p:nvGrpSpPr>
-      <p:grpSpPr>
-        <a:xfrm>
-          <a:off x="0" y="0"/>
-          <a:ext cx="0" cy="0"/>
-          <a:chOff x="0" y="0"/>
-          <a:chExt cx="0" cy="0"/>
-        </a:xfrm>
-      </p:grpSpPr>
-      <p:sp>
-        <p:nvSpPr>
-          <p:cNvPr id="2" name="Title 1"/>
-          <p:cNvSpPr>
-            <a:spLocks noGrp="1"/>
-          </p:cNvSpPr>
-          <p:nvPr>
-            <p:ph type="title"/>
-          </p:nvPr>
-        </p:nvSpPr>
-        <p:spPr>
-          <a:xfrm>
-            <a:off x="152400" y="152400"/>
-            <a:ext cx="8610600" cy="838200"/>
-          </a:xfrm>
-        </p:spPr>
-        <p:txBody>
-          <a:bodyPr/>
-          <a:lstStyle/>
-          <a:p>
-            <a:r>
-              <a:rPr lang="en-US" altLang="zh-CN" dirty="0"/>
-              <a:t>Channel</a:t>
-            </a:r>
-            <a:endParaRPr lang="zh-CN" altLang="en-US" dirty="0"/>
-          </a:p>
-        </p:txBody>
-      </p:sp>
-      <p:sp>
-        <p:nvSpPr>
-          <p:cNvPr id="9" name="Rectangle 2"/>
-          <p:cNvSpPr>
-            <a:spLocks noChangeArrowheads="1"/>
-          </p:cNvSpPr>
-          <p:nvPr/>
-        </p:nvSpPr>
-        <p:spPr bwMode="auto">
-          <a:xfrm>
-            <a:off x="0" y="0"/>
-            <a:ext cx="9144000" cy="0"/>
-          </a:xfrm>
-          <a:prstGeom prst="rect">
-            <a:avLst/>
-          </a:prstGeom>
-          <a:noFill/>
-          <a:ln>
-            <a:noFill/>
-          </a:ln>
-          <a:effectLst/>
-          <a:extLst>
-            <a:ext uri="{909E8E84-426E-40DD-AFC4-6F175D3DCCD1}">
-              <a14:hiddenFill xmlns:a14="http://schemas.microsoft.com/office/drawing/2010/main">
-                <a:solidFill>
-                  <a:schemeClr val="accent1"/>
-                </a:solidFill>
-              </a14:hiddenFill>
-            </a:ext>
-            <a:ext uri="{91240B29-F687-4F45-9708-019B960494DF}">
-              <a14:hiddenLine xmlns:a14="http://schemas.microsoft.com/office/drawing/2010/main" w="9525">
-                <a:solidFill>
-                  <a:schemeClr val="tx1"/>
-                </a:solidFill>
-                <a:miter lim="800000"/>
-                <a:headEnd/>
-                <a:tailEnd/>
-              </a14:hiddenLine>
-            </a:ext>
-            <a:ext uri="{AF507438-7753-43E0-B8FC-AC1667EBCBE1}">
-              <a14:hiddenEffects xmlns:a14="http://schemas.microsoft.com/office/drawing/2010/main">
-                <a:effectLst>
-                  <a:outerShdw dist="35921" dir="2700000" algn="ctr" rotWithShape="0">
-                    <a:schemeClr val="bg2"/>
-                  </a:outerShdw>
-                </a:effectLst>
-              </a14:hiddenEffects>
-            </a:ext>
-          </a:extLst>
-        </p:spPr>
-        <p:txBody>
-          <a:bodyPr vert="horz" wrap="none" lIns="91440" tIns="45720" rIns="91440" bIns="45720" numCol="1" anchor="ctr" anchorCtr="0" compatLnSpc="1">
-            <a:prstTxWarp prst="textNoShape">
-              <a:avLst/>
-            </a:prstTxWarp>
-            <a:spAutoFit/>
-          </a:bodyPr>
-          <a:lstStyle/>
-          <a:p>
-            <a:endParaRPr lang="zh-CN" altLang="en-US"/>
-          </a:p>
-        </p:txBody>
-      </p:sp>
-      <p:pic>
-        <p:nvPicPr>
-          <p:cNvPr id="5" name="Picture 4">
-            <a:extLst>
-              <a:ext uri="{FF2B5EF4-FFF2-40B4-BE49-F238E27FC236}">
-                <a16:creationId xmlns:a16="http://schemas.microsoft.com/office/drawing/2014/main" id="{D6D53031-87C9-EEFB-FC82-6EF9906B175E}"/>
-              </a:ext>
-            </a:extLst>
-          </p:cNvPr>
-          <p:cNvPicPr>
-            <a:picLocks noChangeAspect="1"/>
-          </p:cNvPicPr>
-          <p:nvPr/>
-        </p:nvPicPr>
-        <p:blipFill>
-          <a:blip r:embed="rId3"/>
-          <a:stretch>
-            <a:fillRect/>
-          </a:stretch>
-        </p:blipFill>
-        <p:spPr>
-          <a:xfrm>
-            <a:off x="1447800" y="1936699"/>
-            <a:ext cx="3200400" cy="2406701"/>
-          </a:xfrm>
-          <a:prstGeom prst="rect">
-            <a:avLst/>
-          </a:prstGeom>
-        </p:spPr>
-      </p:pic>
-      <p:pic>
-        <p:nvPicPr>
-          <p:cNvPr id="7" name="Picture 6">
-            <a:extLst>
-              <a:ext uri="{FF2B5EF4-FFF2-40B4-BE49-F238E27FC236}">
-                <a16:creationId xmlns:a16="http://schemas.microsoft.com/office/drawing/2014/main" id="{F910AC52-327A-3BE5-7FE2-81837643E099}"/>
-              </a:ext>
-            </a:extLst>
-          </p:cNvPr>
-          <p:cNvPicPr>
-            <a:picLocks noChangeAspect="1"/>
-          </p:cNvPicPr>
-          <p:nvPr/>
-        </p:nvPicPr>
-        <p:blipFill>
-          <a:blip r:embed="rId4"/>
-          <a:stretch>
-            <a:fillRect/>
-          </a:stretch>
-        </p:blipFill>
-        <p:spPr>
-          <a:xfrm>
-            <a:off x="4615579" y="1934110"/>
-            <a:ext cx="3200400" cy="2409290"/>
-          </a:xfrm>
-          <a:prstGeom prst="rect">
-            <a:avLst/>
-          </a:prstGeom>
-        </p:spPr>
-      </p:pic>
-      <p:pic>
-        <p:nvPicPr>
-          <p:cNvPr id="15" name="Picture 14">
-            <a:extLst>
-              <a:ext uri="{FF2B5EF4-FFF2-40B4-BE49-F238E27FC236}">
-                <a16:creationId xmlns:a16="http://schemas.microsoft.com/office/drawing/2014/main" id="{5D29B047-1FA6-BD43-1403-30798B734CD5}"/>
-              </a:ext>
-            </a:extLst>
-          </p:cNvPr>
-          <p:cNvPicPr>
-            <a:picLocks noChangeAspect="1"/>
-          </p:cNvPicPr>
-          <p:nvPr/>
-        </p:nvPicPr>
-        <p:blipFill>
-          <a:blip r:embed="rId5"/>
-          <a:stretch>
-            <a:fillRect/>
-          </a:stretch>
-        </p:blipFill>
-        <p:spPr>
-          <a:xfrm>
-            <a:off x="4648200" y="4369760"/>
-            <a:ext cx="3200400" cy="2379915"/>
-          </a:xfrm>
-          <a:prstGeom prst="rect">
-            <a:avLst/>
-          </a:prstGeom>
-        </p:spPr>
-      </p:pic>
-      <p:sp>
-        <p:nvSpPr>
-          <p:cNvPr id="17" name="内容占位符 2">
-            <a:extLst>
-              <a:ext uri="{FF2B5EF4-FFF2-40B4-BE49-F238E27FC236}">
-                <a16:creationId xmlns:a16="http://schemas.microsoft.com/office/drawing/2014/main" id="{D7B13CA5-CF5D-287A-9ACB-EF5CA77485F1}"/>
-              </a:ext>
-            </a:extLst>
-          </p:cNvPr>
-          <p:cNvSpPr txBox="1">
-            <a:spLocks/>
-          </p:cNvSpPr>
-          <p:nvPr/>
-        </p:nvSpPr>
-        <p:spPr bwMode="auto">
-          <a:xfrm>
-            <a:off x="93652" y="1068112"/>
-            <a:ext cx="8288348" cy="1399397"/>
-          </a:xfrm>
-          <a:prstGeom prst="rect">
-            <a:avLst/>
-          </a:prstGeom>
-          <a:noFill/>
-          <a:ln>
-            <a:noFill/>
-          </a:ln>
-          <a:extLst>
-            <a:ext uri="{909E8E84-426E-40DD-AFC4-6F175D3DCCD1}">
-              <a14:hiddenFill xmlns:a14="http://schemas.microsoft.com/office/drawing/2010/main">
-                <a:solidFill>
-                  <a:srgbClr val="FFFFFF"/>
-                </a:solidFill>
-              </a14:hiddenFill>
-            </a:ext>
-            <a:ext uri="{91240B29-F687-4F45-9708-019B960494DF}">
-              <a14:hiddenLine xmlns:a14="http://schemas.microsoft.com/office/drawing/2010/main" w="28575">
-                <a:solidFill>
-                  <a:srgbClr val="000000"/>
-                </a:solidFill>
-                <a:miter lim="800000"/>
-                <a:headEnd/>
-                <a:tailEnd/>
-              </a14:hiddenLine>
-            </a:ext>
-          </a:extLst>
-        </p:spPr>
-        <p:txBody>
-          <a:bodyPr vert="horz" wrap="square" lIns="91440" tIns="45720" rIns="91440" bIns="45720" numCol="1" anchor="t" anchorCtr="0" compatLnSpc="1">
-            <a:prstTxWarp prst="textNoShape">
-              <a:avLst/>
-            </a:prstTxWarp>
-          </a:bodyPr>
-          <a:lstStyle>
-            <a:lvl1pPr marL="342900" indent="-342900" algn="l" rtl="0" eaLnBrk="1" fontAlgn="base" hangingPunct="1">
-              <a:spcBef>
-                <a:spcPct val="30000"/>
-              </a:spcBef>
-              <a:spcAft>
-                <a:spcPct val="0"/>
-              </a:spcAft>
-              <a:buClr>
-                <a:schemeClr val="hlink"/>
-              </a:buClr>
-              <a:buFont typeface="Wingdings" pitchFamily="2" charset="2"/>
-              <a:buChar char="§"/>
-              <a:defRPr sz="3200">
-                <a:solidFill>
-                  <a:srgbClr val="000066"/>
-                </a:solidFill>
-                <a:latin typeface="微软雅黑" pitchFamily="34" charset="-122"/>
-                <a:ea typeface="微软雅黑" pitchFamily="34" charset="-122"/>
-                <a:cs typeface="+mn-cs"/>
-              </a:defRPr>
-            </a:lvl1pPr>
-            <a:lvl2pPr marL="742950" indent="-285750" algn="l" rtl="0" eaLnBrk="1" fontAlgn="base" hangingPunct="1">
-              <a:spcBef>
-                <a:spcPct val="30000"/>
-              </a:spcBef>
-              <a:spcAft>
-                <a:spcPct val="0"/>
-              </a:spcAft>
-              <a:buClr>
-                <a:schemeClr val="tx2"/>
-              </a:buClr>
-              <a:buSzPct val="85000"/>
-              <a:buFont typeface="Wingdings" pitchFamily="2" charset="2"/>
-              <a:buChar char="Ø"/>
-              <a:defRPr sz="2800">
-                <a:solidFill>
-                  <a:srgbClr val="006666"/>
-                </a:solidFill>
-                <a:latin typeface="微软雅黑" pitchFamily="34" charset="-122"/>
-                <a:ea typeface="微软雅黑" pitchFamily="34" charset="-122"/>
-              </a:defRPr>
-            </a:lvl2pPr>
-            <a:lvl3pPr marL="1143000" indent="-228600" algn="l" rtl="0" eaLnBrk="1" fontAlgn="base" hangingPunct="1">
-              <a:spcBef>
-                <a:spcPct val="30000"/>
-              </a:spcBef>
-              <a:spcAft>
-                <a:spcPct val="0"/>
-              </a:spcAft>
-              <a:buClr>
-                <a:schemeClr val="hlink"/>
-              </a:buClr>
-              <a:buSzPct val="95000"/>
-              <a:buFont typeface="Wingdings 2" pitchFamily="18" charset="2"/>
-              <a:buChar char="¡"/>
-              <a:defRPr sz="2400">
-                <a:solidFill>
-                  <a:schemeClr val="hlink"/>
-                </a:solidFill>
-                <a:latin typeface="微软雅黑" pitchFamily="34" charset="-122"/>
-                <a:ea typeface="微软雅黑" pitchFamily="34" charset="-122"/>
-              </a:defRPr>
-            </a:lvl3pPr>
-            <a:lvl4pPr marL="1600200" indent="-228600" algn="l" rtl="0" eaLnBrk="1" fontAlgn="base" hangingPunct="1">
-              <a:spcBef>
-                <a:spcPct val="30000"/>
-              </a:spcBef>
-              <a:spcAft>
-                <a:spcPct val="0"/>
-              </a:spcAft>
-              <a:buClr>
-                <a:schemeClr val="tx2"/>
-              </a:buClr>
-              <a:buSzPct val="90000"/>
-              <a:buFont typeface="Wingdings" pitchFamily="2" charset="2"/>
-              <a:buChar char="Ø"/>
-              <a:defRPr sz="2000">
-                <a:solidFill>
-                  <a:srgbClr val="990099"/>
-                </a:solidFill>
-                <a:latin typeface="微软雅黑" pitchFamily="34" charset="-122"/>
-                <a:ea typeface="微软雅黑" pitchFamily="34" charset="-122"/>
-              </a:defRPr>
-            </a:lvl4pPr>
-            <a:lvl5pPr marL="2057400" indent="-228600" algn="l" rtl="0" eaLnBrk="1" fontAlgn="base" hangingPunct="1">
-              <a:spcBef>
-                <a:spcPct val="30000"/>
-              </a:spcBef>
-              <a:spcAft>
-                <a:spcPct val="0"/>
-              </a:spcAft>
-              <a:buClr>
-                <a:schemeClr val="hlink"/>
-              </a:buClr>
-              <a:buFont typeface="Wingdings 2" pitchFamily="18" charset="2"/>
-              <a:buChar char="¡"/>
-              <a:defRPr sz="2000">
-                <a:solidFill>
-                  <a:schemeClr val="tx1"/>
-                </a:solidFill>
-                <a:latin typeface="微软雅黑" pitchFamily="34" charset="-122"/>
-                <a:ea typeface="微软雅黑" pitchFamily="34" charset="-122"/>
-              </a:defRPr>
-            </a:lvl5pPr>
-            <a:lvl6pPr marL="2514600" indent="-228600" algn="l" rtl="0" eaLnBrk="1" fontAlgn="base" hangingPunct="1">
-              <a:spcBef>
-                <a:spcPct val="30000"/>
-              </a:spcBef>
-              <a:spcAft>
-                <a:spcPct val="0"/>
-              </a:spcAft>
-              <a:buClr>
-                <a:schemeClr val="hlink"/>
-              </a:buClr>
-              <a:buFont typeface="Wingdings 2" pitchFamily="18" charset="2"/>
-              <a:buChar char="¡"/>
-              <a:defRPr sz="2000">
-                <a:solidFill>
-                  <a:schemeClr val="tx1"/>
-                </a:solidFill>
-                <a:latin typeface="+mn-lt"/>
-                <a:ea typeface="+mn-ea"/>
-              </a:defRPr>
-            </a:lvl6pPr>
-            <a:lvl7pPr marL="2971800" indent="-228600" algn="l" rtl="0" eaLnBrk="1" fontAlgn="base" hangingPunct="1">
-              <a:spcBef>
-                <a:spcPct val="30000"/>
-              </a:spcBef>
-              <a:spcAft>
-                <a:spcPct val="0"/>
-              </a:spcAft>
-              <a:buClr>
-                <a:schemeClr val="hlink"/>
-              </a:buClr>
-              <a:buFont typeface="Wingdings 2" pitchFamily="18" charset="2"/>
-              <a:buChar char="¡"/>
-              <a:defRPr sz="2000">
-                <a:solidFill>
-                  <a:schemeClr val="tx1"/>
-                </a:solidFill>
-                <a:latin typeface="+mn-lt"/>
-                <a:ea typeface="+mn-ea"/>
-              </a:defRPr>
-            </a:lvl7pPr>
-            <a:lvl8pPr marL="3429000" indent="-228600" algn="l" rtl="0" eaLnBrk="1" fontAlgn="base" hangingPunct="1">
-              <a:spcBef>
-                <a:spcPct val="30000"/>
-              </a:spcBef>
-              <a:spcAft>
-                <a:spcPct val="0"/>
-              </a:spcAft>
-              <a:buClr>
-                <a:schemeClr val="hlink"/>
-              </a:buClr>
-              <a:buFont typeface="Wingdings 2" pitchFamily="18" charset="2"/>
-              <a:buChar char="¡"/>
-              <a:defRPr sz="2000">
-                <a:solidFill>
-                  <a:schemeClr val="tx1"/>
-                </a:solidFill>
-                <a:latin typeface="+mn-lt"/>
-                <a:ea typeface="+mn-ea"/>
-              </a:defRPr>
-            </a:lvl8pPr>
-            <a:lvl9pPr marL="3886200" indent="-228600" algn="l" rtl="0" eaLnBrk="1" fontAlgn="base" hangingPunct="1">
-              <a:spcBef>
-                <a:spcPct val="30000"/>
-              </a:spcBef>
-              <a:spcAft>
-                <a:spcPct val="0"/>
-              </a:spcAft>
-              <a:buClr>
-                <a:schemeClr val="hlink"/>
-              </a:buClr>
-              <a:buFont typeface="Wingdings 2" pitchFamily="18" charset="2"/>
-              <a:buChar char="¡"/>
-              <a:defRPr sz="2000">
-                <a:solidFill>
-                  <a:schemeClr val="tx1"/>
-                </a:solidFill>
-                <a:latin typeface="+mn-lt"/>
-                <a:ea typeface="+mn-ea"/>
-              </a:defRPr>
-            </a:lvl9pPr>
-          </a:lstStyle>
-          <a:p>
-            <a:r>
-              <a:rPr lang="en-US" altLang="zh-CN" sz="2400" kern="0" dirty="0">
-                <a:latin typeface="+mn-lt"/>
-                <a:cs typeface="Times New Roman" panose="02020603050405020304" pitchFamily="18" charset="0"/>
-              </a:rPr>
-              <a:t>RETAU5200</a:t>
-            </a:r>
-            <a:endParaRPr lang="en-US" altLang="zh-CN" sz="2000" kern="0" dirty="0">
-              <a:latin typeface="+mn-lt"/>
-              <a:cs typeface="Times New Roman" panose="02020603050405020304" pitchFamily="18" charset="0"/>
-            </a:endParaRPr>
-          </a:p>
-          <a:p>
-            <a:pPr lvl="1"/>
-            <a:r>
-              <a:rPr lang="en-US" altLang="zh-CN" sz="2000" dirty="0">
-                <a:latin typeface="+mn-lt"/>
-                <a:cs typeface="Times New Roman" panose="02020603050405020304" pitchFamily="18" charset="0"/>
-              </a:rPr>
-              <a:t>Two sets of (KAP, B) have almost the same results, although KAP0.41 is negligibly better </a:t>
-            </a:r>
-          </a:p>
-        </p:txBody>
-      </p:sp>
-      <p:pic>
-        <p:nvPicPr>
-          <p:cNvPr id="23" name="Picture 22">
-            <a:extLst>
-              <a:ext uri="{FF2B5EF4-FFF2-40B4-BE49-F238E27FC236}">
-                <a16:creationId xmlns:a16="http://schemas.microsoft.com/office/drawing/2014/main" id="{AEB7BA5B-DB3E-34A4-DEB8-76288665C6A4}"/>
-              </a:ext>
-            </a:extLst>
-          </p:cNvPr>
-          <p:cNvPicPr>
-            <a:picLocks noChangeAspect="1"/>
-          </p:cNvPicPr>
-          <p:nvPr/>
-        </p:nvPicPr>
-        <p:blipFill>
-          <a:blip r:embed="rId6"/>
-          <a:stretch>
-            <a:fillRect/>
-          </a:stretch>
-        </p:blipFill>
-        <p:spPr>
-          <a:xfrm>
-            <a:off x="1461247" y="4368455"/>
-            <a:ext cx="3200400" cy="2381220"/>
-          </a:xfrm>
-          <a:prstGeom prst="rect">
-            <a:avLst/>
-          </a:prstGeom>
-        </p:spPr>
-      </p:pic>
-    </p:spTree>
-    <p:extLst>
-      <p:ext uri="{BB962C8B-B14F-4D97-AF65-F5344CB8AC3E}">
-        <p14:creationId xmlns:p14="http://schemas.microsoft.com/office/powerpoint/2010/main" val="1196598494"/>
-      </p:ext>
-    </p:extLst>
-  </p:cSld>
-  <p:clrMapOvr>
-    <a:masterClrMapping/>
-  </p:clrMapOvr>
-  <p:transition spd="med" advTm="63997"/>
-</p:sld>
-</file>
-
-<file path=ppt/slides/slide8.xml><?xml version="1.0" encoding="utf-8"?>
-<p:sld xmlns:a="http://schemas.openxmlformats.org/drawingml/2006/main" xmlns:r="http://schemas.openxmlformats.org/officeDocument/2006/relationships" xmlns:p="http://schemas.openxmlformats.org/presentationml/2006/main">
-  <p:cSld>
-    <p:spTree>
-      <p:nvGrpSpPr>
-        <p:cNvPr id="1" name=""/>
-        <p:cNvGrpSpPr/>
-        <p:nvPr/>
-      </p:nvGrpSpPr>
-      <p:grpSpPr>
-        <a:xfrm>
-          <a:off x="0" y="0"/>
-          <a:ext cx="0" cy="0"/>
-          <a:chOff x="0" y="0"/>
-          <a:chExt cx="0" cy="0"/>
-        </a:xfrm>
-      </p:grpSpPr>
-      <p:sp>
-        <p:nvSpPr>
-          <p:cNvPr id="2" name="Title 1"/>
-          <p:cNvSpPr>
-            <a:spLocks noGrp="1"/>
-          </p:cNvSpPr>
-          <p:nvPr>
-            <p:ph type="title"/>
-          </p:nvPr>
-        </p:nvSpPr>
-        <p:spPr>
-          <a:xfrm>
-            <a:off x="152400" y="152400"/>
-            <a:ext cx="8610600" cy="838200"/>
-          </a:xfrm>
-        </p:spPr>
-        <p:txBody>
-          <a:bodyPr/>
-          <a:lstStyle/>
-          <a:p>
-            <a:r>
-              <a:rPr lang="en-US" altLang="zh-CN" dirty="0"/>
-              <a:t>Channel</a:t>
-            </a:r>
-            <a:endParaRPr lang="zh-CN" altLang="en-US" dirty="0"/>
-          </a:p>
-        </p:txBody>
-      </p:sp>
-      <p:sp>
-        <p:nvSpPr>
-          <p:cNvPr id="9" name="Rectangle 2"/>
-          <p:cNvSpPr>
-            <a:spLocks noChangeArrowheads="1"/>
-          </p:cNvSpPr>
-          <p:nvPr/>
-        </p:nvSpPr>
-        <p:spPr bwMode="auto">
-          <a:xfrm>
-            <a:off x="0" y="0"/>
-            <a:ext cx="9144000" cy="0"/>
-          </a:xfrm>
-          <a:prstGeom prst="rect">
-            <a:avLst/>
-          </a:prstGeom>
-          <a:noFill/>
-          <a:ln>
-            <a:noFill/>
-          </a:ln>
-          <a:effectLst/>
-          <a:extLst>
-            <a:ext uri="{909E8E84-426E-40DD-AFC4-6F175D3DCCD1}">
-              <a14:hiddenFill xmlns:a14="http://schemas.microsoft.com/office/drawing/2010/main">
-                <a:solidFill>
-                  <a:schemeClr val="accent1"/>
-                </a:solidFill>
-              </a14:hiddenFill>
-            </a:ext>
-            <a:ext uri="{91240B29-F687-4F45-9708-019B960494DF}">
-              <a14:hiddenLine xmlns:a14="http://schemas.microsoft.com/office/drawing/2010/main" w="9525">
-                <a:solidFill>
-                  <a:schemeClr val="tx1"/>
-                </a:solidFill>
-                <a:miter lim="800000"/>
-                <a:headEnd/>
-                <a:tailEnd/>
-              </a14:hiddenLine>
-            </a:ext>
-            <a:ext uri="{AF507438-7753-43E0-B8FC-AC1667EBCBE1}">
-              <a14:hiddenEffects xmlns:a14="http://schemas.microsoft.com/office/drawing/2010/main">
-                <a:effectLst>
-                  <a:outerShdw dist="35921" dir="2700000" algn="ctr" rotWithShape="0">
-                    <a:schemeClr val="bg2"/>
-                  </a:outerShdw>
-                </a:effectLst>
-              </a14:hiddenEffects>
-            </a:ext>
-          </a:extLst>
-        </p:spPr>
-        <p:txBody>
-          <a:bodyPr vert="horz" wrap="none" lIns="91440" tIns="45720" rIns="91440" bIns="45720" numCol="1" anchor="ctr" anchorCtr="0" compatLnSpc="1">
-            <a:prstTxWarp prst="textNoShape">
-              <a:avLst/>
-            </a:prstTxWarp>
-            <a:spAutoFit/>
-          </a:bodyPr>
-          <a:lstStyle/>
-          <a:p>
-            <a:endParaRPr lang="zh-CN" altLang="en-US"/>
-          </a:p>
-        </p:txBody>
-      </p:sp>
-      <p:sp>
-        <p:nvSpPr>
-          <p:cNvPr id="17" name="内容占位符 2">
-            <a:extLst>
-              <a:ext uri="{FF2B5EF4-FFF2-40B4-BE49-F238E27FC236}">
-                <a16:creationId xmlns:a16="http://schemas.microsoft.com/office/drawing/2014/main" id="{D7B13CA5-CF5D-287A-9ACB-EF5CA77485F1}"/>
-              </a:ext>
-            </a:extLst>
-          </p:cNvPr>
-          <p:cNvSpPr txBox="1">
-            <a:spLocks/>
-          </p:cNvSpPr>
-          <p:nvPr/>
-        </p:nvSpPr>
-        <p:spPr bwMode="auto">
-          <a:xfrm>
-            <a:off x="93652" y="1068112"/>
-            <a:ext cx="9144000" cy="1399397"/>
-          </a:xfrm>
-          <a:prstGeom prst="rect">
-            <a:avLst/>
-          </a:prstGeom>
-          <a:noFill/>
-          <a:ln>
-            <a:noFill/>
-          </a:ln>
-          <a:extLst>
-            <a:ext uri="{909E8E84-426E-40DD-AFC4-6F175D3DCCD1}">
-              <a14:hiddenFill xmlns:a14="http://schemas.microsoft.com/office/drawing/2010/main">
-                <a:solidFill>
-                  <a:srgbClr val="FFFFFF"/>
-                </a:solidFill>
-              </a14:hiddenFill>
-            </a:ext>
-            <a:ext uri="{91240B29-F687-4F45-9708-019B960494DF}">
-              <a14:hiddenLine xmlns:a14="http://schemas.microsoft.com/office/drawing/2010/main" w="28575">
-                <a:solidFill>
-                  <a:srgbClr val="000000"/>
-                </a:solidFill>
-                <a:miter lim="800000"/>
-                <a:headEnd/>
-                <a:tailEnd/>
-              </a14:hiddenLine>
-            </a:ext>
-          </a:extLst>
-        </p:spPr>
-        <p:txBody>
-          <a:bodyPr vert="horz" wrap="square" lIns="91440" tIns="45720" rIns="91440" bIns="45720" numCol="1" anchor="t" anchorCtr="0" compatLnSpc="1">
-            <a:prstTxWarp prst="textNoShape">
-              <a:avLst/>
-            </a:prstTxWarp>
-          </a:bodyPr>
-          <a:lstStyle>
-            <a:lvl1pPr marL="342900" indent="-342900" algn="l" rtl="0" eaLnBrk="1" fontAlgn="base" hangingPunct="1">
-              <a:spcBef>
-                <a:spcPct val="30000"/>
-              </a:spcBef>
-              <a:spcAft>
-                <a:spcPct val="0"/>
-              </a:spcAft>
-              <a:buClr>
-                <a:schemeClr val="hlink"/>
-              </a:buClr>
-              <a:buFont typeface="Wingdings" pitchFamily="2" charset="2"/>
-              <a:buChar char="§"/>
-              <a:defRPr sz="3200">
-                <a:solidFill>
-                  <a:srgbClr val="000066"/>
-                </a:solidFill>
-                <a:latin typeface="微软雅黑" pitchFamily="34" charset="-122"/>
-                <a:ea typeface="微软雅黑" pitchFamily="34" charset="-122"/>
-                <a:cs typeface="+mn-cs"/>
-              </a:defRPr>
-            </a:lvl1pPr>
-            <a:lvl2pPr marL="742950" indent="-285750" algn="l" rtl="0" eaLnBrk="1" fontAlgn="base" hangingPunct="1">
-              <a:spcBef>
-                <a:spcPct val="30000"/>
-              </a:spcBef>
-              <a:spcAft>
-                <a:spcPct val="0"/>
-              </a:spcAft>
-              <a:buClr>
-                <a:schemeClr val="tx2"/>
-              </a:buClr>
-              <a:buSzPct val="85000"/>
-              <a:buFont typeface="Wingdings" pitchFamily="2" charset="2"/>
-              <a:buChar char="Ø"/>
-              <a:defRPr sz="2800">
-                <a:solidFill>
-                  <a:srgbClr val="006666"/>
-                </a:solidFill>
-                <a:latin typeface="微软雅黑" pitchFamily="34" charset="-122"/>
-                <a:ea typeface="微软雅黑" pitchFamily="34" charset="-122"/>
-              </a:defRPr>
-            </a:lvl2pPr>
-            <a:lvl3pPr marL="1143000" indent="-228600" algn="l" rtl="0" eaLnBrk="1" fontAlgn="base" hangingPunct="1">
-              <a:spcBef>
-                <a:spcPct val="30000"/>
-              </a:spcBef>
-              <a:spcAft>
-                <a:spcPct val="0"/>
-              </a:spcAft>
-              <a:buClr>
-                <a:schemeClr val="hlink"/>
-              </a:buClr>
-              <a:buSzPct val="95000"/>
-              <a:buFont typeface="Wingdings 2" pitchFamily="18" charset="2"/>
-              <a:buChar char="¡"/>
-              <a:defRPr sz="2400">
-                <a:solidFill>
-                  <a:schemeClr val="hlink"/>
-                </a:solidFill>
-                <a:latin typeface="微软雅黑" pitchFamily="34" charset="-122"/>
-                <a:ea typeface="微软雅黑" pitchFamily="34" charset="-122"/>
-              </a:defRPr>
-            </a:lvl3pPr>
-            <a:lvl4pPr marL="1600200" indent="-228600" algn="l" rtl="0" eaLnBrk="1" fontAlgn="base" hangingPunct="1">
-              <a:spcBef>
-                <a:spcPct val="30000"/>
-              </a:spcBef>
-              <a:spcAft>
-                <a:spcPct val="0"/>
-              </a:spcAft>
-              <a:buClr>
-                <a:schemeClr val="tx2"/>
-              </a:buClr>
-              <a:buSzPct val="90000"/>
-              <a:buFont typeface="Wingdings" pitchFamily="2" charset="2"/>
-              <a:buChar char="Ø"/>
-              <a:defRPr sz="2000">
-                <a:solidFill>
-                  <a:srgbClr val="990099"/>
-                </a:solidFill>
-                <a:latin typeface="微软雅黑" pitchFamily="34" charset="-122"/>
-                <a:ea typeface="微软雅黑" pitchFamily="34" charset="-122"/>
-              </a:defRPr>
-            </a:lvl4pPr>
-            <a:lvl5pPr marL="2057400" indent="-228600" algn="l" rtl="0" eaLnBrk="1" fontAlgn="base" hangingPunct="1">
-              <a:spcBef>
-                <a:spcPct val="30000"/>
-              </a:spcBef>
-              <a:spcAft>
-                <a:spcPct val="0"/>
-              </a:spcAft>
-              <a:buClr>
-                <a:schemeClr val="hlink"/>
-              </a:buClr>
-              <a:buFont typeface="Wingdings 2" pitchFamily="18" charset="2"/>
-              <a:buChar char="¡"/>
-              <a:defRPr sz="2000">
-                <a:solidFill>
-                  <a:schemeClr val="tx1"/>
-                </a:solidFill>
-                <a:latin typeface="微软雅黑" pitchFamily="34" charset="-122"/>
-                <a:ea typeface="微软雅黑" pitchFamily="34" charset="-122"/>
-              </a:defRPr>
-            </a:lvl5pPr>
-            <a:lvl6pPr marL="2514600" indent="-228600" algn="l" rtl="0" eaLnBrk="1" fontAlgn="base" hangingPunct="1">
-              <a:spcBef>
-                <a:spcPct val="30000"/>
-              </a:spcBef>
-              <a:spcAft>
-                <a:spcPct val="0"/>
-              </a:spcAft>
-              <a:buClr>
-                <a:schemeClr val="hlink"/>
-              </a:buClr>
-              <a:buFont typeface="Wingdings 2" pitchFamily="18" charset="2"/>
-              <a:buChar char="¡"/>
-              <a:defRPr sz="2000">
-                <a:solidFill>
-                  <a:schemeClr val="tx1"/>
-                </a:solidFill>
-                <a:latin typeface="+mn-lt"/>
-                <a:ea typeface="+mn-ea"/>
-              </a:defRPr>
-            </a:lvl6pPr>
-            <a:lvl7pPr marL="2971800" indent="-228600" algn="l" rtl="0" eaLnBrk="1" fontAlgn="base" hangingPunct="1">
-              <a:spcBef>
-                <a:spcPct val="30000"/>
-              </a:spcBef>
-              <a:spcAft>
-                <a:spcPct val="0"/>
-              </a:spcAft>
-              <a:buClr>
-                <a:schemeClr val="hlink"/>
-              </a:buClr>
-              <a:buFont typeface="Wingdings 2" pitchFamily="18" charset="2"/>
-              <a:buChar char="¡"/>
-              <a:defRPr sz="2000">
-                <a:solidFill>
-                  <a:schemeClr val="tx1"/>
-                </a:solidFill>
-                <a:latin typeface="+mn-lt"/>
-                <a:ea typeface="+mn-ea"/>
-              </a:defRPr>
-            </a:lvl7pPr>
-            <a:lvl8pPr marL="3429000" indent="-228600" algn="l" rtl="0" eaLnBrk="1" fontAlgn="base" hangingPunct="1">
-              <a:spcBef>
-                <a:spcPct val="30000"/>
-              </a:spcBef>
-              <a:spcAft>
-                <a:spcPct val="0"/>
-              </a:spcAft>
-              <a:buClr>
-                <a:schemeClr val="hlink"/>
-              </a:buClr>
-              <a:buFont typeface="Wingdings 2" pitchFamily="18" charset="2"/>
-              <a:buChar char="¡"/>
-              <a:defRPr sz="2000">
-                <a:solidFill>
-                  <a:schemeClr val="tx1"/>
-                </a:solidFill>
-                <a:latin typeface="+mn-lt"/>
-                <a:ea typeface="+mn-ea"/>
-              </a:defRPr>
-            </a:lvl8pPr>
-            <a:lvl9pPr marL="3886200" indent="-228600" algn="l" rtl="0" eaLnBrk="1" fontAlgn="base" hangingPunct="1">
-              <a:spcBef>
-                <a:spcPct val="30000"/>
-              </a:spcBef>
-              <a:spcAft>
-                <a:spcPct val="0"/>
-              </a:spcAft>
-              <a:buClr>
-                <a:schemeClr val="hlink"/>
-              </a:buClr>
-              <a:buFont typeface="Wingdings 2" pitchFamily="18" charset="2"/>
-              <a:buChar char="¡"/>
-              <a:defRPr sz="2000">
-                <a:solidFill>
-                  <a:schemeClr val="tx1"/>
-                </a:solidFill>
-                <a:latin typeface="+mn-lt"/>
-                <a:ea typeface="+mn-ea"/>
-              </a:defRPr>
-            </a:lvl9pPr>
-          </a:lstStyle>
-          <a:p>
-            <a:r>
-              <a:rPr lang="en-US" altLang="zh-CN" sz="2400" kern="0" dirty="0">
-                <a:latin typeface="+mn-lt"/>
-                <a:cs typeface="Times New Roman" panose="02020603050405020304" pitchFamily="18" charset="0"/>
-              </a:rPr>
-              <a:t>RETAU5200</a:t>
-            </a:r>
-            <a:endParaRPr lang="en-US" altLang="zh-CN" sz="2000" kern="0" dirty="0">
-              <a:latin typeface="+mn-lt"/>
-              <a:cs typeface="Times New Roman" panose="02020603050405020304" pitchFamily="18" charset="0"/>
-            </a:endParaRPr>
-          </a:p>
-          <a:p>
-            <a:pPr lvl="1"/>
-            <a:r>
-              <a:rPr lang="en-US" altLang="zh-CN" sz="2000" dirty="0">
-                <a:latin typeface="+mn-lt"/>
-                <a:cs typeface="Times New Roman" panose="02020603050405020304" pitchFamily="18" charset="0"/>
-              </a:rPr>
-              <a:t>Two sets of (KAP, B) produce the same results. KAP0.41 is negligibly better</a:t>
-            </a:r>
-          </a:p>
-          <a:p>
-            <a:pPr lvl="1"/>
-            <a:r>
-              <a:rPr lang="en-US" altLang="zh-CN" sz="2000" dirty="0">
-                <a:latin typeface="+mn-lt"/>
-                <a:cs typeface="Times New Roman" panose="02020603050405020304" pitchFamily="18" charset="0"/>
-              </a:rPr>
-              <a:t>CS0.11 is optimum. CS0.05 is too small, especially in the core region.</a:t>
-            </a:r>
-          </a:p>
-        </p:txBody>
-      </p:sp>
-      <p:pic>
-        <p:nvPicPr>
-          <p:cNvPr id="11" name="Picture 10">
-            <a:extLst>
-              <a:ext uri="{FF2B5EF4-FFF2-40B4-BE49-F238E27FC236}">
-                <a16:creationId xmlns:a16="http://schemas.microsoft.com/office/drawing/2014/main" id="{DC008D5A-B323-E2B2-B77B-254F1AFEA484}"/>
-              </a:ext>
-            </a:extLst>
-          </p:cNvPr>
-          <p:cNvPicPr>
-            <a:picLocks noChangeAspect="1"/>
-          </p:cNvPicPr>
-          <p:nvPr/>
-        </p:nvPicPr>
-        <p:blipFill>
-          <a:blip r:embed="rId3"/>
-          <a:stretch>
-            <a:fillRect/>
-          </a:stretch>
-        </p:blipFill>
-        <p:spPr>
-          <a:xfrm>
-            <a:off x="1371600" y="2819400"/>
-            <a:ext cx="3200400" cy="2387519"/>
-          </a:xfrm>
-          <a:prstGeom prst="rect">
-            <a:avLst/>
-          </a:prstGeom>
-        </p:spPr>
-      </p:pic>
-      <p:pic>
-        <p:nvPicPr>
-          <p:cNvPr id="14" name="Picture 13">
-            <a:extLst>
-              <a:ext uri="{FF2B5EF4-FFF2-40B4-BE49-F238E27FC236}">
-                <a16:creationId xmlns:a16="http://schemas.microsoft.com/office/drawing/2014/main" id="{22B582E0-111D-049E-4E46-646C3EC6032F}"/>
-              </a:ext>
-            </a:extLst>
-          </p:cNvPr>
-          <p:cNvPicPr>
-            <a:picLocks noChangeAspect="1"/>
-          </p:cNvPicPr>
-          <p:nvPr/>
-        </p:nvPicPr>
-        <p:blipFill>
-          <a:blip r:embed="rId4"/>
-          <a:stretch>
-            <a:fillRect/>
-          </a:stretch>
-        </p:blipFill>
-        <p:spPr>
-          <a:xfrm>
-            <a:off x="4605867" y="2819400"/>
-            <a:ext cx="3200400" cy="2390108"/>
-          </a:xfrm>
-          <a:prstGeom prst="rect">
-            <a:avLst/>
-          </a:prstGeom>
-        </p:spPr>
-      </p:pic>
-    </p:spTree>
-    <p:extLst>
-      <p:ext uri="{BB962C8B-B14F-4D97-AF65-F5344CB8AC3E}">
-        <p14:creationId xmlns:p14="http://schemas.microsoft.com/office/powerpoint/2010/main" val="506017243"/>
-      </p:ext>
-    </p:extLst>
-  </p:cSld>
-  <p:clrMapOvr>
-    <a:masterClrMapping/>
-  </p:clrMapOvr>
-  <p:transition spd="med" advTm="63997"/>
-</p:sld>
-</file>
-
-<file path=ppt/slides/slide9.xml><?xml version="1.0" encoding="utf-8"?>
-<p:sld xmlns:a="http://schemas.openxmlformats.org/drawingml/2006/main" xmlns:r="http://schemas.openxmlformats.org/officeDocument/2006/relationships" xmlns:p="http://schemas.openxmlformats.org/presentationml/2006/main">
-  <p:cSld>
-    <p:spTree>
-      <p:nvGrpSpPr>
-        <p:cNvPr id="1" name=""/>
-        <p:cNvGrpSpPr/>
-        <p:nvPr/>
-      </p:nvGrpSpPr>
-      <p:grpSpPr>
-        <a:xfrm>
-          <a:off x="0" y="0"/>
-          <a:ext cx="0" cy="0"/>
-          <a:chOff x="0" y="0"/>
-          <a:chExt cx="0" cy="0"/>
-        </a:xfrm>
-      </p:grpSpPr>
-      <p:sp>
-        <p:nvSpPr>
-          <p:cNvPr id="2" name="Title 1"/>
-          <p:cNvSpPr>
-            <a:spLocks noGrp="1"/>
-          </p:cNvSpPr>
-          <p:nvPr>
-            <p:ph type="title"/>
-          </p:nvPr>
-        </p:nvSpPr>
-        <p:spPr>
-          <a:xfrm>
-            <a:off x="152400" y="152400"/>
-            <a:ext cx="8610600" cy="838200"/>
-          </a:xfrm>
-        </p:spPr>
-        <p:txBody>
-          <a:bodyPr/>
-          <a:lstStyle/>
-          <a:p>
-            <a:r>
-              <a:rPr lang="en-US" altLang="zh-CN" dirty="0"/>
-              <a:t>Channel</a:t>
-            </a:r>
-            <a:endParaRPr lang="zh-CN" altLang="en-US" dirty="0"/>
-          </a:p>
-        </p:txBody>
-      </p:sp>
-      <p:sp>
-        <p:nvSpPr>
-          <p:cNvPr id="9" name="Rectangle 2"/>
-          <p:cNvSpPr>
-            <a:spLocks noChangeArrowheads="1"/>
-          </p:cNvSpPr>
-          <p:nvPr/>
-        </p:nvSpPr>
-        <p:spPr bwMode="auto">
-          <a:xfrm>
-            <a:off x="0" y="0"/>
-            <a:ext cx="9144000" cy="0"/>
-          </a:xfrm>
-          <a:prstGeom prst="rect">
-            <a:avLst/>
-          </a:prstGeom>
-          <a:noFill/>
-          <a:ln>
-            <a:noFill/>
-          </a:ln>
-          <a:effectLst/>
-          <a:extLst>
-            <a:ext uri="{909E8E84-426E-40DD-AFC4-6F175D3DCCD1}">
-              <a14:hiddenFill xmlns:a14="http://schemas.microsoft.com/office/drawing/2010/main">
-                <a:solidFill>
-                  <a:schemeClr val="accent1"/>
-                </a:solidFill>
-              </a14:hiddenFill>
-            </a:ext>
-            <a:ext uri="{91240B29-F687-4F45-9708-019B960494DF}">
-              <a14:hiddenLine xmlns:a14="http://schemas.microsoft.com/office/drawing/2010/main" w="9525">
-                <a:solidFill>
-                  <a:schemeClr val="tx1"/>
-                </a:solidFill>
-                <a:miter lim="800000"/>
-                <a:headEnd/>
-                <a:tailEnd/>
-              </a14:hiddenLine>
-            </a:ext>
-            <a:ext uri="{AF507438-7753-43E0-B8FC-AC1667EBCBE1}">
-              <a14:hiddenEffects xmlns:a14="http://schemas.microsoft.com/office/drawing/2010/main">
-                <a:effectLst>
-                  <a:outerShdw dist="35921" dir="2700000" algn="ctr" rotWithShape="0">
-                    <a:schemeClr val="bg2"/>
-                  </a:outerShdw>
-                </a:effectLst>
-              </a14:hiddenEffects>
-            </a:ext>
-          </a:extLst>
-        </p:spPr>
-        <p:txBody>
-          <a:bodyPr vert="horz" wrap="none" lIns="91440" tIns="45720" rIns="91440" bIns="45720" numCol="1" anchor="ctr" anchorCtr="0" compatLnSpc="1">
-            <a:prstTxWarp prst="textNoShape">
-              <a:avLst/>
-            </a:prstTxWarp>
-            <a:spAutoFit/>
-          </a:bodyPr>
-          <a:lstStyle/>
-          <a:p>
-            <a:endParaRPr lang="zh-CN" altLang="en-US"/>
-          </a:p>
-        </p:txBody>
-      </p:sp>
-      <p:sp>
-        <p:nvSpPr>
-          <p:cNvPr id="17" name="内容占位符 2">
-            <a:extLst>
-              <a:ext uri="{FF2B5EF4-FFF2-40B4-BE49-F238E27FC236}">
-                <a16:creationId xmlns:a16="http://schemas.microsoft.com/office/drawing/2014/main" id="{D7B13CA5-CF5D-287A-9ACB-EF5CA77485F1}"/>
-              </a:ext>
-            </a:extLst>
-          </p:cNvPr>
-          <p:cNvSpPr txBox="1">
-            <a:spLocks/>
-          </p:cNvSpPr>
-          <p:nvPr/>
-        </p:nvSpPr>
-        <p:spPr bwMode="auto">
-          <a:xfrm>
-            <a:off x="93652" y="1068112"/>
-            <a:ext cx="9144000" cy="1399397"/>
-          </a:xfrm>
-          <a:prstGeom prst="rect">
-            <a:avLst/>
-          </a:prstGeom>
-          <a:noFill/>
-          <a:ln>
-            <a:noFill/>
-          </a:ln>
-          <a:extLst>
-            <a:ext uri="{909E8E84-426E-40DD-AFC4-6F175D3DCCD1}">
-              <a14:hiddenFill xmlns:a14="http://schemas.microsoft.com/office/drawing/2010/main">
-                <a:solidFill>
-                  <a:srgbClr val="FFFFFF"/>
-                </a:solidFill>
-              </a14:hiddenFill>
-            </a:ext>
-            <a:ext uri="{91240B29-F687-4F45-9708-019B960494DF}">
-              <a14:hiddenLine xmlns:a14="http://schemas.microsoft.com/office/drawing/2010/main" w="28575">
-                <a:solidFill>
-                  <a:srgbClr val="000000"/>
-                </a:solidFill>
-                <a:miter lim="800000"/>
-                <a:headEnd/>
-                <a:tailEnd/>
-              </a14:hiddenLine>
-            </a:ext>
-          </a:extLst>
-        </p:spPr>
-        <p:txBody>
-          <a:bodyPr vert="horz" wrap="square" lIns="91440" tIns="45720" rIns="91440" bIns="45720" numCol="1" anchor="t" anchorCtr="0" compatLnSpc="1">
-            <a:prstTxWarp prst="textNoShape">
-              <a:avLst/>
-            </a:prstTxWarp>
-          </a:bodyPr>
-          <a:lstStyle>
-            <a:lvl1pPr marL="342900" indent="-342900" algn="l" rtl="0" eaLnBrk="1" fontAlgn="base" hangingPunct="1">
-              <a:spcBef>
-                <a:spcPct val="30000"/>
-              </a:spcBef>
-              <a:spcAft>
-                <a:spcPct val="0"/>
-              </a:spcAft>
-              <a:buClr>
-                <a:schemeClr val="hlink"/>
-              </a:buClr>
-              <a:buFont typeface="Wingdings" pitchFamily="2" charset="2"/>
-              <a:buChar char="§"/>
-              <a:defRPr sz="3200">
-                <a:solidFill>
-                  <a:srgbClr val="000066"/>
-                </a:solidFill>
-                <a:latin typeface="微软雅黑" pitchFamily="34" charset="-122"/>
-                <a:ea typeface="微软雅黑" pitchFamily="34" charset="-122"/>
-                <a:cs typeface="+mn-cs"/>
-              </a:defRPr>
-            </a:lvl1pPr>
-            <a:lvl2pPr marL="742950" indent="-285750" algn="l" rtl="0" eaLnBrk="1" fontAlgn="base" hangingPunct="1">
-              <a:spcBef>
-                <a:spcPct val="30000"/>
-              </a:spcBef>
-              <a:spcAft>
-                <a:spcPct val="0"/>
-              </a:spcAft>
-              <a:buClr>
-                <a:schemeClr val="tx2"/>
-              </a:buClr>
-              <a:buSzPct val="85000"/>
-              <a:buFont typeface="Wingdings" pitchFamily="2" charset="2"/>
-              <a:buChar char="Ø"/>
-              <a:defRPr sz="2800">
-                <a:solidFill>
-                  <a:srgbClr val="006666"/>
-                </a:solidFill>
-                <a:latin typeface="微软雅黑" pitchFamily="34" charset="-122"/>
-                <a:ea typeface="微软雅黑" pitchFamily="34" charset="-122"/>
-              </a:defRPr>
-            </a:lvl2pPr>
-            <a:lvl3pPr marL="1143000" indent="-228600" algn="l" rtl="0" eaLnBrk="1" fontAlgn="base" hangingPunct="1">
-              <a:spcBef>
-                <a:spcPct val="30000"/>
-              </a:spcBef>
-              <a:spcAft>
-                <a:spcPct val="0"/>
-              </a:spcAft>
-              <a:buClr>
-                <a:schemeClr val="hlink"/>
-              </a:buClr>
-              <a:buSzPct val="95000"/>
-              <a:buFont typeface="Wingdings 2" pitchFamily="18" charset="2"/>
-              <a:buChar char="¡"/>
-              <a:defRPr sz="2400">
-                <a:solidFill>
-                  <a:schemeClr val="hlink"/>
-                </a:solidFill>
-                <a:latin typeface="微软雅黑" pitchFamily="34" charset="-122"/>
-                <a:ea typeface="微软雅黑" pitchFamily="34" charset="-122"/>
-              </a:defRPr>
-            </a:lvl3pPr>
-            <a:lvl4pPr marL="1600200" indent="-228600" algn="l" rtl="0" eaLnBrk="1" fontAlgn="base" hangingPunct="1">
-              <a:spcBef>
-                <a:spcPct val="30000"/>
-              </a:spcBef>
-              <a:spcAft>
-                <a:spcPct val="0"/>
-              </a:spcAft>
-              <a:buClr>
-                <a:schemeClr val="tx2"/>
-              </a:buClr>
-              <a:buSzPct val="90000"/>
-              <a:buFont typeface="Wingdings" pitchFamily="2" charset="2"/>
-              <a:buChar char="Ø"/>
-              <a:defRPr sz="2000">
-                <a:solidFill>
-                  <a:srgbClr val="990099"/>
-                </a:solidFill>
-                <a:latin typeface="微软雅黑" pitchFamily="34" charset="-122"/>
-                <a:ea typeface="微软雅黑" pitchFamily="34" charset="-122"/>
-              </a:defRPr>
-            </a:lvl4pPr>
-            <a:lvl5pPr marL="2057400" indent="-228600" algn="l" rtl="0" eaLnBrk="1" fontAlgn="base" hangingPunct="1">
-              <a:spcBef>
-                <a:spcPct val="30000"/>
-              </a:spcBef>
-              <a:spcAft>
-                <a:spcPct val="0"/>
-              </a:spcAft>
-              <a:buClr>
-                <a:schemeClr val="hlink"/>
-              </a:buClr>
-              <a:buFont typeface="Wingdings 2" pitchFamily="18" charset="2"/>
-              <a:buChar char="¡"/>
-              <a:defRPr sz="2000">
-                <a:solidFill>
-                  <a:schemeClr val="tx1"/>
-                </a:solidFill>
-                <a:latin typeface="微软雅黑" pitchFamily="34" charset="-122"/>
-                <a:ea typeface="微软雅黑" pitchFamily="34" charset="-122"/>
-              </a:defRPr>
-            </a:lvl5pPr>
-            <a:lvl6pPr marL="2514600" indent="-228600" algn="l" rtl="0" eaLnBrk="1" fontAlgn="base" hangingPunct="1">
-              <a:spcBef>
-                <a:spcPct val="30000"/>
-              </a:spcBef>
-              <a:spcAft>
-                <a:spcPct val="0"/>
-              </a:spcAft>
-              <a:buClr>
-                <a:schemeClr val="hlink"/>
-              </a:buClr>
-              <a:buFont typeface="Wingdings 2" pitchFamily="18" charset="2"/>
-              <a:buChar char="¡"/>
-              <a:defRPr sz="2000">
-                <a:solidFill>
-                  <a:schemeClr val="tx1"/>
-                </a:solidFill>
-                <a:latin typeface="+mn-lt"/>
-                <a:ea typeface="+mn-ea"/>
-              </a:defRPr>
-            </a:lvl6pPr>
-            <a:lvl7pPr marL="2971800" indent="-228600" algn="l" rtl="0" eaLnBrk="1" fontAlgn="base" hangingPunct="1">
-              <a:spcBef>
-                <a:spcPct val="30000"/>
-              </a:spcBef>
-              <a:spcAft>
-                <a:spcPct val="0"/>
-              </a:spcAft>
-              <a:buClr>
-                <a:schemeClr val="hlink"/>
-              </a:buClr>
-              <a:buFont typeface="Wingdings 2" pitchFamily="18" charset="2"/>
-              <a:buChar char="¡"/>
-              <a:defRPr sz="2000">
-                <a:solidFill>
-                  <a:schemeClr val="tx1"/>
-                </a:solidFill>
-                <a:latin typeface="+mn-lt"/>
-                <a:ea typeface="+mn-ea"/>
-              </a:defRPr>
-            </a:lvl7pPr>
-            <a:lvl8pPr marL="3429000" indent="-228600" algn="l" rtl="0" eaLnBrk="1" fontAlgn="base" hangingPunct="1">
-              <a:spcBef>
-                <a:spcPct val="30000"/>
-              </a:spcBef>
-              <a:spcAft>
-                <a:spcPct val="0"/>
-              </a:spcAft>
-              <a:buClr>
-                <a:schemeClr val="hlink"/>
-              </a:buClr>
-              <a:buFont typeface="Wingdings 2" pitchFamily="18" charset="2"/>
-              <a:buChar char="¡"/>
-              <a:defRPr sz="2000">
-                <a:solidFill>
-                  <a:schemeClr val="tx1"/>
-                </a:solidFill>
-                <a:latin typeface="+mn-lt"/>
-                <a:ea typeface="+mn-ea"/>
-              </a:defRPr>
-            </a:lvl8pPr>
-            <a:lvl9pPr marL="3886200" indent="-228600" algn="l" rtl="0" eaLnBrk="1" fontAlgn="base" hangingPunct="1">
-              <a:spcBef>
-                <a:spcPct val="30000"/>
-              </a:spcBef>
-              <a:spcAft>
-                <a:spcPct val="0"/>
-              </a:spcAft>
-              <a:buClr>
-                <a:schemeClr val="hlink"/>
-              </a:buClr>
-              <a:buFont typeface="Wingdings 2" pitchFamily="18" charset="2"/>
-              <a:buChar char="¡"/>
-              <a:defRPr sz="2000">
-                <a:solidFill>
-                  <a:schemeClr val="tx1"/>
-                </a:solidFill>
-                <a:latin typeface="+mn-lt"/>
-                <a:ea typeface="+mn-ea"/>
-              </a:defRPr>
-            </a:lvl9pPr>
-          </a:lstStyle>
-          <a:p>
-            <a:r>
-              <a:rPr lang="en-US" altLang="zh-CN" sz="2400" kern="0" dirty="0">
-                <a:latin typeface="+mn-lt"/>
-                <a:cs typeface="Times New Roman" panose="02020603050405020304" pitchFamily="18" charset="0"/>
-              </a:rPr>
-              <a:t>RETAU5200</a:t>
-            </a:r>
-            <a:endParaRPr lang="en-US" altLang="zh-CN" sz="2000" kern="0" dirty="0">
-              <a:latin typeface="+mn-lt"/>
-              <a:cs typeface="Times New Roman" panose="02020603050405020304" pitchFamily="18" charset="0"/>
-            </a:endParaRPr>
-          </a:p>
-          <a:p>
-            <a:pPr lvl="1"/>
-            <a:r>
-              <a:rPr lang="en-US" altLang="zh-CN" sz="2000" dirty="0">
-                <a:latin typeface="+mn-lt"/>
-                <a:cs typeface="Times New Roman" panose="02020603050405020304" pitchFamily="18" charset="0"/>
-              </a:rPr>
-              <a:t>CS0 does reproduce the results with no SGS</a:t>
-            </a:r>
-          </a:p>
-        </p:txBody>
-      </p:sp>
-      <p:pic>
-        <p:nvPicPr>
-          <p:cNvPr id="19" name="Picture 18">
-            <a:extLst>
-              <a:ext uri="{FF2B5EF4-FFF2-40B4-BE49-F238E27FC236}">
-                <a16:creationId xmlns:a16="http://schemas.microsoft.com/office/drawing/2014/main" id="{77F3895B-202B-3D41-46E4-68AC6908346D}"/>
-              </a:ext>
-            </a:extLst>
-          </p:cNvPr>
-          <p:cNvPicPr>
-            <a:picLocks noChangeAspect="1"/>
-          </p:cNvPicPr>
-          <p:nvPr/>
-        </p:nvPicPr>
-        <p:blipFill>
-          <a:blip r:embed="rId3"/>
-          <a:stretch>
-            <a:fillRect/>
-          </a:stretch>
-        </p:blipFill>
-        <p:spPr>
-          <a:xfrm>
-            <a:off x="93652" y="3562089"/>
-            <a:ext cx="3200400" cy="2396459"/>
-          </a:xfrm>
-          <a:prstGeom prst="rect">
-            <a:avLst/>
-          </a:prstGeom>
-        </p:spPr>
-      </p:pic>
-    </p:spTree>
-    <p:extLst>
-      <p:ext uri="{BB962C8B-B14F-4D97-AF65-F5344CB8AC3E}">
-        <p14:creationId xmlns:p14="http://schemas.microsoft.com/office/powerpoint/2010/main" val="1101504850"/>
       </p:ext>
     </p:extLst>
   </p:cSld>

--- a/docs/vv.pptx
+++ b/docs/vv.pptx
@@ -5,35 +5,37 @@
     <p:sldMasterId id="2147483660" r:id="rId1"/>
   </p:sldMasterIdLst>
   <p:notesMasterIdLst>
-    <p:notesMasterId r:id="rId25"/>
+    <p:notesMasterId r:id="rId27"/>
   </p:notesMasterIdLst>
   <p:handoutMasterIdLst>
-    <p:handoutMasterId r:id="rId26"/>
+    <p:handoutMasterId r:id="rId28"/>
   </p:handoutMasterIdLst>
   <p:sldIdLst>
     <p:sldId id="256" r:id="rId2"/>
     <p:sldId id="647" r:id="rId3"/>
     <p:sldId id="654" r:id="rId4"/>
     <p:sldId id="665" r:id="rId5"/>
-    <p:sldId id="648" r:id="rId6"/>
-    <p:sldId id="666" r:id="rId7"/>
-    <p:sldId id="650" r:id="rId8"/>
-    <p:sldId id="667" r:id="rId9"/>
-    <p:sldId id="645" r:id="rId10"/>
-    <p:sldId id="658" r:id="rId11"/>
-    <p:sldId id="669" r:id="rId12"/>
-    <p:sldId id="660" r:id="rId13"/>
-    <p:sldId id="661" r:id="rId14"/>
-    <p:sldId id="662" r:id="rId15"/>
-    <p:sldId id="663" r:id="rId16"/>
-    <p:sldId id="664" r:id="rId17"/>
-    <p:sldId id="668" r:id="rId18"/>
-    <p:sldId id="651" r:id="rId19"/>
-    <p:sldId id="653" r:id="rId20"/>
-    <p:sldId id="655" r:id="rId21"/>
-    <p:sldId id="656" r:id="rId22"/>
-    <p:sldId id="649" r:id="rId23"/>
-    <p:sldId id="646" r:id="rId24"/>
+    <p:sldId id="671" r:id="rId6"/>
+    <p:sldId id="648" r:id="rId7"/>
+    <p:sldId id="666" r:id="rId8"/>
+    <p:sldId id="650" r:id="rId9"/>
+    <p:sldId id="667" r:id="rId10"/>
+    <p:sldId id="645" r:id="rId11"/>
+    <p:sldId id="658" r:id="rId12"/>
+    <p:sldId id="669" r:id="rId13"/>
+    <p:sldId id="660" r:id="rId14"/>
+    <p:sldId id="661" r:id="rId15"/>
+    <p:sldId id="662" r:id="rId16"/>
+    <p:sldId id="663" r:id="rId17"/>
+    <p:sldId id="664" r:id="rId18"/>
+    <p:sldId id="668" r:id="rId19"/>
+    <p:sldId id="670" r:id="rId20"/>
+    <p:sldId id="651" r:id="rId21"/>
+    <p:sldId id="653" r:id="rId22"/>
+    <p:sldId id="655" r:id="rId23"/>
+    <p:sldId id="656" r:id="rId24"/>
+    <p:sldId id="649" r:id="rId25"/>
+    <p:sldId id="646" r:id="rId26"/>
   </p:sldIdLst>
   <p:sldSz cx="9144000" cy="6858000" type="screen4x3"/>
   <p:notesSz cx="6797675" cy="9931400"/>
@@ -820,7 +822,7 @@
           <a:p>
             <a:fld id="{FFA5E540-6D76-429F-95AD-C7F13B3CAC82}" type="slidenum">
               <a:rPr lang="en-US" smtClean="0"/>
-              <a:t>10</a:t>
+              <a:t>11</a:t>
             </a:fld>
             <a:endParaRPr lang="en-US" dirty="0"/>
           </a:p>
@@ -907,7 +909,7 @@
           <a:p>
             <a:fld id="{FFA5E540-6D76-429F-95AD-C7F13B3CAC82}" type="slidenum">
               <a:rPr lang="en-US" smtClean="0"/>
-              <a:t>11</a:t>
+              <a:t>12</a:t>
             </a:fld>
             <a:endParaRPr lang="en-US" dirty="0"/>
           </a:p>
@@ -994,7 +996,7 @@
           <a:p>
             <a:fld id="{FFA5E540-6D76-429F-95AD-C7F13B3CAC82}" type="slidenum">
               <a:rPr lang="en-US" smtClean="0"/>
-              <a:t>12</a:t>
+              <a:t>13</a:t>
             </a:fld>
             <a:endParaRPr lang="en-US" dirty="0"/>
           </a:p>
@@ -1081,7 +1083,7 @@
           <a:p>
             <a:fld id="{FFA5E540-6D76-429F-95AD-C7F13B3CAC82}" type="slidenum">
               <a:rPr lang="en-US" smtClean="0"/>
-              <a:t>13</a:t>
+              <a:t>14</a:t>
             </a:fld>
             <a:endParaRPr lang="en-US" dirty="0"/>
           </a:p>
@@ -1168,7 +1170,7 @@
           <a:p>
             <a:fld id="{FFA5E540-6D76-429F-95AD-C7F13B3CAC82}" type="slidenum">
               <a:rPr lang="en-US" smtClean="0"/>
-              <a:t>14</a:t>
+              <a:t>15</a:t>
             </a:fld>
             <a:endParaRPr lang="en-US" dirty="0"/>
           </a:p>
@@ -1255,7 +1257,7 @@
           <a:p>
             <a:fld id="{FFA5E540-6D76-429F-95AD-C7F13B3CAC82}" type="slidenum">
               <a:rPr lang="en-US" smtClean="0"/>
-              <a:t>15</a:t>
+              <a:t>16</a:t>
             </a:fld>
             <a:endParaRPr lang="en-US" dirty="0"/>
           </a:p>
@@ -1342,7 +1344,7 @@
           <a:p>
             <a:fld id="{FFA5E540-6D76-429F-95AD-C7F13B3CAC82}" type="slidenum">
               <a:rPr lang="en-US" smtClean="0"/>
-              <a:t>16</a:t>
+              <a:t>17</a:t>
             </a:fld>
             <a:endParaRPr lang="en-US" dirty="0"/>
           </a:p>
@@ -1453,7 +1455,7 @@
           <a:p>
             <a:fld id="{FFA5E540-6D76-429F-95AD-C7F13B3CAC82}" type="slidenum">
               <a:rPr lang="en-US" smtClean="0"/>
-              <a:t>18</a:t>
+              <a:t>20</a:t>
             </a:fld>
             <a:endParaRPr lang="en-US" dirty="0"/>
           </a:p>
@@ -1564,7 +1566,7 @@
           <a:p>
             <a:fld id="{FFA5E540-6D76-429F-95AD-C7F13B3CAC82}" type="slidenum">
               <a:rPr lang="en-US" smtClean="0"/>
-              <a:t>19</a:t>
+              <a:t>21</a:t>
             </a:fld>
             <a:endParaRPr lang="en-US" dirty="0"/>
           </a:p>
@@ -1675,7 +1677,7 @@
           <a:p>
             <a:fld id="{FFA5E540-6D76-429F-95AD-C7F13B3CAC82}" type="slidenum">
               <a:rPr lang="en-US" smtClean="0"/>
-              <a:t>20</a:t>
+              <a:t>22</a:t>
             </a:fld>
             <a:endParaRPr lang="en-US" dirty="0"/>
           </a:p>
@@ -1894,7 +1896,7 @@
           <a:p>
             <a:fld id="{FFA5E540-6D76-429F-95AD-C7F13B3CAC82}" type="slidenum">
               <a:rPr lang="en-US" smtClean="0"/>
-              <a:t>21</a:t>
+              <a:t>23</a:t>
             </a:fld>
             <a:endParaRPr lang="en-US" dirty="0"/>
           </a:p>
@@ -2002,7 +2004,7 @@
           <a:p>
             <a:fld id="{FFA5E540-6D76-429F-95AD-C7F13B3CAC82}" type="slidenum">
               <a:rPr lang="en-US" smtClean="0"/>
-              <a:t>22</a:t>
+              <a:t>24</a:t>
             </a:fld>
             <a:endParaRPr lang="en-US" dirty="0"/>
           </a:p>
@@ -2110,7 +2112,7 @@
           <a:p>
             <a:fld id="{FFA5E540-6D76-429F-95AD-C7F13B3CAC82}" type="slidenum">
               <a:rPr lang="en-US" smtClean="0"/>
-              <a:t>23</a:t>
+              <a:t>25</a:t>
             </a:fld>
             <a:endParaRPr lang="en-US" dirty="0"/>
           </a:p>
@@ -2434,7 +2436,7 @@
           <a:p>
             <a:fld id="{FFA5E540-6D76-429F-95AD-C7F13B3CAC82}" type="slidenum">
               <a:rPr lang="en-US" smtClean="0"/>
-              <a:t>5</a:t>
+              <a:t>6</a:t>
             </a:fld>
             <a:endParaRPr lang="en-US" dirty="0"/>
           </a:p>
@@ -2542,7 +2544,7 @@
           <a:p>
             <a:fld id="{FFA5E540-6D76-429F-95AD-C7F13B3CAC82}" type="slidenum">
               <a:rPr lang="en-US" smtClean="0"/>
-              <a:t>6</a:t>
+              <a:t>7</a:t>
             </a:fld>
             <a:endParaRPr lang="en-US" dirty="0"/>
           </a:p>
@@ -2650,7 +2652,7 @@
           <a:p>
             <a:fld id="{FFA5E540-6D76-429F-95AD-C7F13B3CAC82}" type="slidenum">
               <a:rPr lang="en-US" smtClean="0"/>
-              <a:t>7</a:t>
+              <a:t>8</a:t>
             </a:fld>
             <a:endParaRPr lang="en-US" dirty="0"/>
           </a:p>
@@ -2758,7 +2760,7 @@
           <a:p>
             <a:fld id="{FFA5E540-6D76-429F-95AD-C7F13B3CAC82}" type="slidenum">
               <a:rPr lang="en-US" smtClean="0"/>
-              <a:t>8</a:t>
+              <a:t>9</a:t>
             </a:fld>
             <a:endParaRPr lang="en-US" dirty="0"/>
           </a:p>
@@ -2845,7 +2847,7 @@
           <a:p>
             <a:fld id="{FFA5E540-6D76-429F-95AD-C7F13B3CAC82}" type="slidenum">
               <a:rPr lang="en-US" smtClean="0"/>
-              <a:t>9</a:t>
+              <a:t>10</a:t>
             </a:fld>
             <a:endParaRPr lang="en-US" dirty="0"/>
           </a:p>
@@ -25616,6 +25618,531 @@
           </a:p>
         </p:txBody>
       </p:sp>
+      <p:sp>
+        <p:nvSpPr>
+          <p:cNvPr id="18" name="内容占位符 2">
+            <a:extLst>
+              <a:ext uri="{FF2B5EF4-FFF2-40B4-BE49-F238E27FC236}">
+                <a16:creationId xmlns:a16="http://schemas.microsoft.com/office/drawing/2014/main" id="{5B83F688-3AAF-6E92-D5A4-B8DCA97B9756}"/>
+              </a:ext>
+            </a:extLst>
+          </p:cNvPr>
+          <p:cNvSpPr txBox="1">
+            <a:spLocks/>
+          </p:cNvSpPr>
+          <p:nvPr/>
+        </p:nvSpPr>
+        <p:spPr bwMode="auto">
+          <a:xfrm>
+            <a:off x="93652" y="1068111"/>
+            <a:ext cx="9050348" cy="1446487"/>
+          </a:xfrm>
+          <a:prstGeom prst="rect">
+            <a:avLst/>
+          </a:prstGeom>
+          <a:noFill/>
+          <a:ln>
+            <a:noFill/>
+          </a:ln>
+          <a:extLst>
+            <a:ext uri="{909E8E84-426E-40DD-AFC4-6F175D3DCCD1}">
+              <a14:hiddenFill xmlns:a14="http://schemas.microsoft.com/office/drawing/2010/main">
+                <a:solidFill>
+                  <a:srgbClr val="FFFFFF"/>
+                </a:solidFill>
+              </a14:hiddenFill>
+            </a:ext>
+            <a:ext uri="{91240B29-F687-4F45-9708-019B960494DF}">
+              <a14:hiddenLine xmlns:a14="http://schemas.microsoft.com/office/drawing/2010/main" w="28575">
+                <a:solidFill>
+                  <a:srgbClr val="000000"/>
+                </a:solidFill>
+                <a:miter lim="800000"/>
+                <a:headEnd/>
+                <a:tailEnd/>
+              </a14:hiddenLine>
+            </a:ext>
+          </a:extLst>
+        </p:spPr>
+        <p:txBody>
+          <a:bodyPr vert="horz" wrap="square" lIns="91440" tIns="45720" rIns="91440" bIns="45720" numCol="1" anchor="t" anchorCtr="0" compatLnSpc="1">
+            <a:prstTxWarp prst="textNoShape">
+              <a:avLst/>
+            </a:prstTxWarp>
+          </a:bodyPr>
+          <a:lstStyle>
+            <a:lvl1pPr marL="342900" indent="-342900" algn="l" rtl="0" eaLnBrk="1" fontAlgn="base" hangingPunct="1">
+              <a:spcBef>
+                <a:spcPct val="30000"/>
+              </a:spcBef>
+              <a:spcAft>
+                <a:spcPct val="0"/>
+              </a:spcAft>
+              <a:buClr>
+                <a:schemeClr val="hlink"/>
+              </a:buClr>
+              <a:buFont typeface="Wingdings" pitchFamily="2" charset="2"/>
+              <a:buChar char="§"/>
+              <a:defRPr sz="3200">
+                <a:solidFill>
+                  <a:srgbClr val="000066"/>
+                </a:solidFill>
+                <a:latin typeface="微软雅黑" pitchFamily="34" charset="-122"/>
+                <a:ea typeface="微软雅黑" pitchFamily="34" charset="-122"/>
+                <a:cs typeface="+mn-cs"/>
+              </a:defRPr>
+            </a:lvl1pPr>
+            <a:lvl2pPr marL="742950" indent="-285750" algn="l" rtl="0" eaLnBrk="1" fontAlgn="base" hangingPunct="1">
+              <a:spcBef>
+                <a:spcPct val="30000"/>
+              </a:spcBef>
+              <a:spcAft>
+                <a:spcPct val="0"/>
+              </a:spcAft>
+              <a:buClr>
+                <a:schemeClr val="tx2"/>
+              </a:buClr>
+              <a:buSzPct val="85000"/>
+              <a:buFont typeface="Wingdings" pitchFamily="2" charset="2"/>
+              <a:buChar char="Ø"/>
+              <a:defRPr sz="2800">
+                <a:solidFill>
+                  <a:srgbClr val="006666"/>
+                </a:solidFill>
+                <a:latin typeface="微软雅黑" pitchFamily="34" charset="-122"/>
+                <a:ea typeface="微软雅黑" pitchFamily="34" charset="-122"/>
+              </a:defRPr>
+            </a:lvl2pPr>
+            <a:lvl3pPr marL="1143000" indent="-228600" algn="l" rtl="0" eaLnBrk="1" fontAlgn="base" hangingPunct="1">
+              <a:spcBef>
+                <a:spcPct val="30000"/>
+              </a:spcBef>
+              <a:spcAft>
+                <a:spcPct val="0"/>
+              </a:spcAft>
+              <a:buClr>
+                <a:schemeClr val="hlink"/>
+              </a:buClr>
+              <a:buSzPct val="95000"/>
+              <a:buFont typeface="Wingdings 2" pitchFamily="18" charset="2"/>
+              <a:buChar char="¡"/>
+              <a:defRPr sz="2400">
+                <a:solidFill>
+                  <a:schemeClr val="hlink"/>
+                </a:solidFill>
+                <a:latin typeface="微软雅黑" pitchFamily="34" charset="-122"/>
+                <a:ea typeface="微软雅黑" pitchFamily="34" charset="-122"/>
+              </a:defRPr>
+            </a:lvl3pPr>
+            <a:lvl4pPr marL="1600200" indent="-228600" algn="l" rtl="0" eaLnBrk="1" fontAlgn="base" hangingPunct="1">
+              <a:spcBef>
+                <a:spcPct val="30000"/>
+              </a:spcBef>
+              <a:spcAft>
+                <a:spcPct val="0"/>
+              </a:spcAft>
+              <a:buClr>
+                <a:schemeClr val="tx2"/>
+              </a:buClr>
+              <a:buSzPct val="90000"/>
+              <a:buFont typeface="Wingdings" pitchFamily="2" charset="2"/>
+              <a:buChar char="Ø"/>
+              <a:defRPr sz="2000">
+                <a:solidFill>
+                  <a:srgbClr val="990099"/>
+                </a:solidFill>
+                <a:latin typeface="微软雅黑" pitchFamily="34" charset="-122"/>
+                <a:ea typeface="微软雅黑" pitchFamily="34" charset="-122"/>
+              </a:defRPr>
+            </a:lvl4pPr>
+            <a:lvl5pPr marL="2057400" indent="-228600" algn="l" rtl="0" eaLnBrk="1" fontAlgn="base" hangingPunct="1">
+              <a:spcBef>
+                <a:spcPct val="30000"/>
+              </a:spcBef>
+              <a:spcAft>
+                <a:spcPct val="0"/>
+              </a:spcAft>
+              <a:buClr>
+                <a:schemeClr val="hlink"/>
+              </a:buClr>
+              <a:buFont typeface="Wingdings 2" pitchFamily="18" charset="2"/>
+              <a:buChar char="¡"/>
+              <a:defRPr sz="2000">
+                <a:solidFill>
+                  <a:schemeClr val="tx1"/>
+                </a:solidFill>
+                <a:latin typeface="微软雅黑" pitchFamily="34" charset="-122"/>
+                <a:ea typeface="微软雅黑" pitchFamily="34" charset="-122"/>
+              </a:defRPr>
+            </a:lvl5pPr>
+            <a:lvl6pPr marL="2514600" indent="-228600" algn="l" rtl="0" eaLnBrk="1" fontAlgn="base" hangingPunct="1">
+              <a:spcBef>
+                <a:spcPct val="30000"/>
+              </a:spcBef>
+              <a:spcAft>
+                <a:spcPct val="0"/>
+              </a:spcAft>
+              <a:buClr>
+                <a:schemeClr val="hlink"/>
+              </a:buClr>
+              <a:buFont typeface="Wingdings 2" pitchFamily="18" charset="2"/>
+              <a:buChar char="¡"/>
+              <a:defRPr sz="2000">
+                <a:solidFill>
+                  <a:schemeClr val="tx1"/>
+                </a:solidFill>
+                <a:latin typeface="+mn-lt"/>
+                <a:ea typeface="+mn-ea"/>
+              </a:defRPr>
+            </a:lvl6pPr>
+            <a:lvl7pPr marL="2971800" indent="-228600" algn="l" rtl="0" eaLnBrk="1" fontAlgn="base" hangingPunct="1">
+              <a:spcBef>
+                <a:spcPct val="30000"/>
+              </a:spcBef>
+              <a:spcAft>
+                <a:spcPct val="0"/>
+              </a:spcAft>
+              <a:buClr>
+                <a:schemeClr val="hlink"/>
+              </a:buClr>
+              <a:buFont typeface="Wingdings 2" pitchFamily="18" charset="2"/>
+              <a:buChar char="¡"/>
+              <a:defRPr sz="2000">
+                <a:solidFill>
+                  <a:schemeClr val="tx1"/>
+                </a:solidFill>
+                <a:latin typeface="+mn-lt"/>
+                <a:ea typeface="+mn-ea"/>
+              </a:defRPr>
+            </a:lvl7pPr>
+            <a:lvl8pPr marL="3429000" indent="-228600" algn="l" rtl="0" eaLnBrk="1" fontAlgn="base" hangingPunct="1">
+              <a:spcBef>
+                <a:spcPct val="30000"/>
+              </a:spcBef>
+              <a:spcAft>
+                <a:spcPct val="0"/>
+              </a:spcAft>
+              <a:buClr>
+                <a:schemeClr val="hlink"/>
+              </a:buClr>
+              <a:buFont typeface="Wingdings 2" pitchFamily="18" charset="2"/>
+              <a:buChar char="¡"/>
+              <a:defRPr sz="2000">
+                <a:solidFill>
+                  <a:schemeClr val="tx1"/>
+                </a:solidFill>
+                <a:latin typeface="+mn-lt"/>
+                <a:ea typeface="+mn-ea"/>
+              </a:defRPr>
+            </a:lvl8pPr>
+            <a:lvl9pPr marL="3886200" indent="-228600" algn="l" rtl="0" eaLnBrk="1" fontAlgn="base" hangingPunct="1">
+              <a:spcBef>
+                <a:spcPct val="30000"/>
+              </a:spcBef>
+              <a:spcAft>
+                <a:spcPct val="0"/>
+              </a:spcAft>
+              <a:buClr>
+                <a:schemeClr val="hlink"/>
+              </a:buClr>
+              <a:buFont typeface="Wingdings 2" pitchFamily="18" charset="2"/>
+              <a:buChar char="¡"/>
+              <a:defRPr sz="2000">
+                <a:solidFill>
+                  <a:schemeClr val="tx1"/>
+                </a:solidFill>
+                <a:latin typeface="+mn-lt"/>
+                <a:ea typeface="+mn-ea"/>
+              </a:defRPr>
+            </a:lvl9pPr>
+          </a:lstStyle>
+          <a:p>
+            <a:r>
+              <a:rPr lang="en-US" altLang="zh-CN" sz="2400" kern="0" dirty="0">
+                <a:latin typeface="+mn-lt"/>
+                <a:cs typeface="Times New Roman" panose="02020603050405020304" pitchFamily="18" charset="0"/>
+              </a:rPr>
+              <a:t>RETAU5200</a:t>
+            </a:r>
+            <a:endParaRPr lang="en-US" altLang="zh-CN" sz="2000" kern="0" dirty="0">
+              <a:latin typeface="+mn-lt"/>
+              <a:cs typeface="Times New Roman" panose="02020603050405020304" pitchFamily="18" charset="0"/>
+            </a:endParaRPr>
+          </a:p>
+          <a:p>
+            <a:pPr lvl="1"/>
+            <a:r>
+              <a:rPr lang="en-US" altLang="zh-CN" sz="2000" dirty="0">
+                <a:latin typeface="+mn-lt"/>
+                <a:cs typeface="Times New Roman" panose="02020603050405020304" pitchFamily="18" charset="0"/>
+              </a:rPr>
+              <a:t>Neither Neumann nor wall model yields acceptable profiles</a:t>
+            </a:r>
+          </a:p>
+          <a:p>
+            <a:pPr lvl="1"/>
+            <a:r>
+              <a:rPr lang="en-US" altLang="zh-CN" sz="2000" kern="0" dirty="0">
+                <a:latin typeface="+mn-lt"/>
+                <a:cs typeface="Times New Roman" panose="02020603050405020304" pitchFamily="18" charset="0"/>
+              </a:rPr>
+              <a:t>Resolutions are insufficient</a:t>
+            </a:r>
+          </a:p>
+        </p:txBody>
+      </p:sp>
+      <p:pic>
+        <p:nvPicPr>
+          <p:cNvPr id="8" name="Picture 7">
+            <a:extLst>
+              <a:ext uri="{FF2B5EF4-FFF2-40B4-BE49-F238E27FC236}">
+                <a16:creationId xmlns:a16="http://schemas.microsoft.com/office/drawing/2014/main" id="{9A407A00-2EDD-F2E4-D7E8-2AAB53D81723}"/>
+              </a:ext>
+            </a:extLst>
+          </p:cNvPr>
+          <p:cNvPicPr>
+            <a:picLocks noChangeAspect="1"/>
+          </p:cNvPicPr>
+          <p:nvPr/>
+        </p:nvPicPr>
+        <p:blipFill>
+          <a:blip r:embed="rId3"/>
+          <a:stretch>
+            <a:fillRect/>
+          </a:stretch>
+        </p:blipFill>
+        <p:spPr>
+          <a:xfrm>
+            <a:off x="4191000" y="2618643"/>
+            <a:ext cx="3200400" cy="2410557"/>
+          </a:xfrm>
+          <a:prstGeom prst="rect">
+            <a:avLst/>
+          </a:prstGeom>
+        </p:spPr>
+      </p:pic>
+      <p:pic>
+        <p:nvPicPr>
+          <p:cNvPr id="11" name="Picture 10">
+            <a:extLst>
+              <a:ext uri="{FF2B5EF4-FFF2-40B4-BE49-F238E27FC236}">
+                <a16:creationId xmlns:a16="http://schemas.microsoft.com/office/drawing/2014/main" id="{EE43C99D-87F0-BDA6-6BBC-EDCE9C3EEC27}"/>
+              </a:ext>
+            </a:extLst>
+          </p:cNvPr>
+          <p:cNvPicPr>
+            <a:picLocks noChangeAspect="1"/>
+          </p:cNvPicPr>
+          <p:nvPr/>
+        </p:nvPicPr>
+        <p:blipFill>
+          <a:blip r:embed="rId4"/>
+          <a:stretch>
+            <a:fillRect/>
+          </a:stretch>
+        </p:blipFill>
+        <p:spPr>
+          <a:xfrm>
+            <a:off x="990600" y="2607437"/>
+            <a:ext cx="3200400" cy="2405429"/>
+          </a:xfrm>
+          <a:prstGeom prst="rect">
+            <a:avLst/>
+          </a:prstGeom>
+        </p:spPr>
+      </p:pic>
+      <p:sp>
+        <p:nvSpPr>
+          <p:cNvPr id="3" name="TextBox 2">
+            <a:extLst>
+              <a:ext uri="{FF2B5EF4-FFF2-40B4-BE49-F238E27FC236}">
+                <a16:creationId xmlns:a16="http://schemas.microsoft.com/office/drawing/2014/main" id="{CEFC1CA4-6BDA-687A-BF4B-114098DF5FEC}"/>
+              </a:ext>
+            </a:extLst>
+          </p:cNvPr>
+          <p:cNvSpPr txBox="1"/>
+          <p:nvPr/>
+        </p:nvSpPr>
+        <p:spPr>
+          <a:xfrm>
+            <a:off x="4394792" y="2923905"/>
+            <a:ext cx="1184940" cy="369332"/>
+          </a:xfrm>
+          <a:prstGeom prst="rect">
+            <a:avLst/>
+          </a:prstGeom>
+          <a:noFill/>
+        </p:spPr>
+        <p:txBody>
+          <a:bodyPr wrap="none" rtlCol="0">
+            <a:spAutoFit/>
+          </a:bodyPr>
+          <a:lstStyle/>
+          <a:p>
+            <a:r>
+              <a:rPr lang="en-US" dirty="0"/>
+              <a:t>Neumann</a:t>
+            </a:r>
+          </a:p>
+        </p:txBody>
+      </p:sp>
+      <p:sp>
+        <p:nvSpPr>
+          <p:cNvPr id="4" name="TextBox 3">
+            <a:extLst>
+              <a:ext uri="{FF2B5EF4-FFF2-40B4-BE49-F238E27FC236}">
+                <a16:creationId xmlns:a16="http://schemas.microsoft.com/office/drawing/2014/main" id="{1312CB8D-E9F5-FF1E-4ED8-D2F0EB944E34}"/>
+              </a:ext>
+            </a:extLst>
+          </p:cNvPr>
+          <p:cNvSpPr txBox="1"/>
+          <p:nvPr/>
+        </p:nvSpPr>
+        <p:spPr>
+          <a:xfrm>
+            <a:off x="1194392" y="2893935"/>
+            <a:ext cx="1317412" cy="369332"/>
+          </a:xfrm>
+          <a:prstGeom prst="rect">
+            <a:avLst/>
+          </a:prstGeom>
+          <a:noFill/>
+        </p:spPr>
+        <p:txBody>
+          <a:bodyPr wrap="none" rtlCol="0">
+            <a:spAutoFit/>
+          </a:bodyPr>
+          <a:lstStyle/>
+          <a:p>
+            <a:r>
+              <a:rPr lang="en-US" dirty="0"/>
+              <a:t>Wall model</a:t>
+            </a:r>
+          </a:p>
+        </p:txBody>
+      </p:sp>
+    </p:spTree>
+    <p:extLst>
+      <p:ext uri="{BB962C8B-B14F-4D97-AF65-F5344CB8AC3E}">
+        <p14:creationId xmlns:p14="http://schemas.microsoft.com/office/powerpoint/2010/main" val="1039208005"/>
+      </p:ext>
+    </p:extLst>
+  </p:cSld>
+  <p:clrMapOvr>
+    <a:masterClrMapping/>
+  </p:clrMapOvr>
+  <p:transition spd="med" advTm="63997"/>
+</p:sld>
+</file>
+
+<file path=ppt/slides/slide11.xml><?xml version="1.0" encoding="utf-8"?>
+<p:sld xmlns:a="http://schemas.openxmlformats.org/drawingml/2006/main" xmlns:r="http://schemas.openxmlformats.org/officeDocument/2006/relationships" xmlns:p="http://schemas.openxmlformats.org/presentationml/2006/main">
+  <p:cSld>
+    <p:spTree>
+      <p:nvGrpSpPr>
+        <p:cNvPr id="1" name=""/>
+        <p:cNvGrpSpPr/>
+        <p:nvPr/>
+      </p:nvGrpSpPr>
+      <p:grpSpPr>
+        <a:xfrm>
+          <a:off x="0" y="0"/>
+          <a:ext cx="0" cy="0"/>
+          <a:chOff x="0" y="0"/>
+          <a:chExt cx="0" cy="0"/>
+        </a:xfrm>
+      </p:grpSpPr>
+      <p:sp>
+        <p:nvSpPr>
+          <p:cNvPr id="2" name="Title 1"/>
+          <p:cNvSpPr>
+            <a:spLocks noGrp="1"/>
+          </p:cNvSpPr>
+          <p:nvPr>
+            <p:ph type="title"/>
+          </p:nvPr>
+        </p:nvSpPr>
+        <p:spPr>
+          <a:xfrm>
+            <a:off x="152400" y="152400"/>
+            <a:ext cx="8610600" cy="838200"/>
+          </a:xfrm>
+        </p:spPr>
+        <p:txBody>
+          <a:bodyPr/>
+          <a:lstStyle/>
+          <a:p>
+            <a:r>
+              <a:rPr lang="en-US" altLang="zh-CN" dirty="0"/>
+              <a:t>Channel</a:t>
+            </a:r>
+            <a:endParaRPr lang="zh-CN" altLang="en-US" dirty="0"/>
+          </a:p>
+        </p:txBody>
+      </p:sp>
+      <p:sp>
+        <p:nvSpPr>
+          <p:cNvPr id="9" name="Rectangle 2"/>
+          <p:cNvSpPr>
+            <a:spLocks noChangeArrowheads="1"/>
+          </p:cNvSpPr>
+          <p:nvPr/>
+        </p:nvSpPr>
+        <p:spPr bwMode="auto">
+          <a:xfrm>
+            <a:off x="0" y="0"/>
+            <a:ext cx="9144000" cy="0"/>
+          </a:xfrm>
+          <a:prstGeom prst="rect">
+            <a:avLst/>
+          </a:prstGeom>
+          <a:noFill/>
+          <a:ln>
+            <a:noFill/>
+          </a:ln>
+          <a:effectLst/>
+          <a:extLst>
+            <a:ext uri="{909E8E84-426E-40DD-AFC4-6F175D3DCCD1}">
+              <a14:hiddenFill xmlns:a14="http://schemas.microsoft.com/office/drawing/2010/main">
+                <a:solidFill>
+                  <a:schemeClr val="accent1"/>
+                </a:solidFill>
+              </a14:hiddenFill>
+            </a:ext>
+            <a:ext uri="{91240B29-F687-4F45-9708-019B960494DF}">
+              <a14:hiddenLine xmlns:a14="http://schemas.microsoft.com/office/drawing/2010/main" w="9525">
+                <a:solidFill>
+                  <a:schemeClr val="tx1"/>
+                </a:solidFill>
+                <a:miter lim="800000"/>
+                <a:headEnd/>
+                <a:tailEnd/>
+              </a14:hiddenLine>
+            </a:ext>
+            <a:ext uri="{AF507438-7753-43E0-B8FC-AC1667EBCBE1}">
+              <a14:hiddenEffects xmlns:a14="http://schemas.microsoft.com/office/drawing/2010/main">
+                <a:effectLst>
+                  <a:outerShdw dist="35921" dir="2700000" algn="ctr" rotWithShape="0">
+                    <a:schemeClr val="bg2"/>
+                  </a:outerShdw>
+                </a:effectLst>
+              </a14:hiddenEffects>
+            </a:ext>
+          </a:extLst>
+        </p:spPr>
+        <p:txBody>
+          <a:bodyPr vert="horz" wrap="none" lIns="91440" tIns="45720" rIns="91440" bIns="45720" numCol="1" anchor="ctr" anchorCtr="0" compatLnSpc="1">
+            <a:prstTxWarp prst="textNoShape">
+              <a:avLst/>
+            </a:prstTxWarp>
+            <a:spAutoFit/>
+          </a:bodyPr>
+          <a:lstStyle/>
+          <a:p>
+            <a:endParaRPr lang="zh-CN" altLang="en-US"/>
+          </a:p>
+        </p:txBody>
+      </p:sp>
       <p:pic>
         <p:nvPicPr>
           <p:cNvPr id="5" name="Picture 4">
@@ -25983,7 +26510,7 @@
 </p:sld>
 </file>
 
-<file path=ppt/slides/slide11.xml><?xml version="1.0" encoding="utf-8"?>
+<file path=ppt/slides/slide12.xml><?xml version="1.0" encoding="utf-8"?>
 <p:sld xmlns:a="http://schemas.openxmlformats.org/drawingml/2006/main" xmlns:r="http://schemas.openxmlformats.org/officeDocument/2006/relationships" xmlns:p="http://schemas.openxmlformats.org/presentationml/2006/main">
   <p:cSld>
     <p:spTree>
@@ -26428,7 +26955,7 @@
 </p:sld>
 </file>
 
-<file path=ppt/slides/slide12.xml><?xml version="1.0" encoding="utf-8"?>
+<file path=ppt/slides/slide13.xml><?xml version="1.0" encoding="utf-8"?>
 <p:sld xmlns:a="http://schemas.openxmlformats.org/drawingml/2006/main" xmlns:r="http://schemas.openxmlformats.org/officeDocument/2006/relationships" xmlns:p="http://schemas.openxmlformats.org/presentationml/2006/main">
   <p:cSld>
     <p:spTree>
@@ -26873,7 +27400,7 @@
 </p:sld>
 </file>
 
-<file path=ppt/slides/slide13.xml><?xml version="1.0" encoding="utf-8"?>
+<file path=ppt/slides/slide14.xml><?xml version="1.0" encoding="utf-8"?>
 <p:sld xmlns:a="http://schemas.openxmlformats.org/drawingml/2006/main" xmlns:r="http://schemas.openxmlformats.org/officeDocument/2006/relationships" xmlns:p="http://schemas.openxmlformats.org/presentationml/2006/main">
   <p:cSld>
     <p:spTree>
@@ -27288,7 +27815,7 @@
 </p:sld>
 </file>
 
-<file path=ppt/slides/slide14.xml><?xml version="1.0" encoding="utf-8"?>
+<file path=ppt/slides/slide15.xml><?xml version="1.0" encoding="utf-8"?>
 <p:sld xmlns:a="http://schemas.openxmlformats.org/drawingml/2006/main" xmlns:r="http://schemas.openxmlformats.org/officeDocument/2006/relationships" xmlns:p="http://schemas.openxmlformats.org/presentationml/2006/main">
   <p:cSld>
     <p:spTree>
@@ -27793,7 +28320,7 @@
 </p:sld>
 </file>
 
-<file path=ppt/slides/slide15.xml><?xml version="1.0" encoding="utf-8"?>
+<file path=ppt/slides/slide16.xml><?xml version="1.0" encoding="utf-8"?>
 <p:sld xmlns:a="http://schemas.openxmlformats.org/drawingml/2006/main" xmlns:r="http://schemas.openxmlformats.org/officeDocument/2006/relationships" xmlns:p="http://schemas.openxmlformats.org/presentationml/2006/main">
   <p:cSld>
     <p:spTree>
@@ -27918,7 +28445,7 @@
         <p:spPr bwMode="auto">
           <a:xfrm>
             <a:off x="93652" y="1068113"/>
-            <a:ext cx="8610600" cy="932338"/>
+            <a:ext cx="4783148" cy="932338"/>
           </a:xfrm>
           <a:prstGeom prst="rect">
             <a:avLst/>
@@ -28159,17 +28686,17 @@
                 <a:latin typeface="+mn-lt"/>
                 <a:cs typeface="Times New Roman" panose="02020603050405020304" pitchFamily="18" charset="0"/>
               </a:rPr>
-              <a:t>CFL0.5</a:t>
+              <a:t>CFL</a:t>
             </a:r>
           </a:p>
         </p:txBody>
       </p:sp>
       <p:pic>
         <p:nvPicPr>
-          <p:cNvPr id="5" name="Picture 4">
+          <p:cNvPr id="4" name="Picture 3">
             <a:extLst>
               <a:ext uri="{FF2B5EF4-FFF2-40B4-BE49-F238E27FC236}">
-                <a16:creationId xmlns:a16="http://schemas.microsoft.com/office/drawing/2014/main" id="{AF53D56A-ECC1-45DE-6E74-59B6182C61C9}"/>
+                <a16:creationId xmlns:a16="http://schemas.microsoft.com/office/drawing/2014/main" id="{1C3B916A-6DE7-1652-FF19-C3A7BF292D4C}"/>
               </a:ext>
             </a:extLst>
           </p:cNvPr>
@@ -28186,8 +28713,8 @@
         </p:blipFill>
         <p:spPr>
           <a:xfrm>
-            <a:off x="-228600" y="1905000"/>
-            <a:ext cx="3200400" cy="2397728"/>
+            <a:off x="-302394" y="1981200"/>
+            <a:ext cx="3200400" cy="2424859"/>
           </a:xfrm>
           <a:prstGeom prst="rect">
             <a:avLst/>
@@ -28196,10 +28723,10 @@
       </p:pic>
       <p:pic>
         <p:nvPicPr>
-          <p:cNvPr id="10" name="Picture 9">
+          <p:cNvPr id="7" name="Picture 6">
             <a:extLst>
               <a:ext uri="{FF2B5EF4-FFF2-40B4-BE49-F238E27FC236}">
-                <a16:creationId xmlns:a16="http://schemas.microsoft.com/office/drawing/2014/main" id="{145F60B9-0522-F3BE-C533-646559AF64FB}"/>
+                <a16:creationId xmlns:a16="http://schemas.microsoft.com/office/drawing/2014/main" id="{CC667EED-56A1-0AA4-AEE5-0F00328C189D}"/>
               </a:ext>
             </a:extLst>
           </p:cNvPr>
@@ -28216,8 +28743,8 @@
         </p:blipFill>
         <p:spPr>
           <a:xfrm>
-            <a:off x="2971800" y="1912219"/>
-            <a:ext cx="3200400" cy="2420948"/>
+            <a:off x="2895600" y="1992752"/>
+            <a:ext cx="3200400" cy="2409290"/>
           </a:xfrm>
           <a:prstGeom prst="rect">
             <a:avLst/>
@@ -28226,10 +28753,10 @@
       </p:pic>
       <p:pic>
         <p:nvPicPr>
-          <p:cNvPr id="12" name="Picture 11">
+          <p:cNvPr id="14" name="Picture 13">
             <a:extLst>
               <a:ext uri="{FF2B5EF4-FFF2-40B4-BE49-F238E27FC236}">
-                <a16:creationId xmlns:a16="http://schemas.microsoft.com/office/drawing/2014/main" id="{96221B43-44A3-761F-D30F-7F110DDABC54}"/>
+                <a16:creationId xmlns:a16="http://schemas.microsoft.com/office/drawing/2014/main" id="{CD121F3D-BE76-64CA-8390-8B0D96110E99}"/>
               </a:ext>
             </a:extLst>
           </p:cNvPr>
@@ -28246,8 +28773,8 @@
         </p:blipFill>
         <p:spPr>
           <a:xfrm>
-            <a:off x="-228600" y="4301926"/>
-            <a:ext cx="3200400" cy="2408018"/>
+            <a:off x="2895600" y="4400820"/>
+            <a:ext cx="3200400" cy="2408068"/>
           </a:xfrm>
           <a:prstGeom prst="rect">
             <a:avLst/>
@@ -28256,10 +28783,10 @@
       </p:pic>
       <p:pic>
         <p:nvPicPr>
-          <p:cNvPr id="15" name="Picture 14">
+          <p:cNvPr id="18" name="Picture 17">
             <a:extLst>
               <a:ext uri="{FF2B5EF4-FFF2-40B4-BE49-F238E27FC236}">
-                <a16:creationId xmlns:a16="http://schemas.microsoft.com/office/drawing/2014/main" id="{F8DE271E-8906-B962-836F-79390583624D}"/>
+                <a16:creationId xmlns:a16="http://schemas.microsoft.com/office/drawing/2014/main" id="{4C1D288E-6D0F-6C6F-50C7-913B194E279C}"/>
               </a:ext>
             </a:extLst>
           </p:cNvPr>
@@ -28276,68 +28803,8 @@
         </p:blipFill>
         <p:spPr>
           <a:xfrm>
-            <a:off x="2971800" y="4333167"/>
-            <a:ext cx="3200400" cy="2395171"/>
-          </a:xfrm>
-          <a:prstGeom prst="rect">
-            <a:avLst/>
-          </a:prstGeom>
-        </p:spPr>
-      </p:pic>
-      <p:pic>
-        <p:nvPicPr>
-          <p:cNvPr id="20" name="Picture 19">
-            <a:extLst>
-              <a:ext uri="{FF2B5EF4-FFF2-40B4-BE49-F238E27FC236}">
-                <a16:creationId xmlns:a16="http://schemas.microsoft.com/office/drawing/2014/main" id="{C7329EFE-0603-5AFE-09EB-E2BCB4411417}"/>
-              </a:ext>
-            </a:extLst>
-          </p:cNvPr>
-          <p:cNvPicPr>
-            <a:picLocks noChangeAspect="1"/>
-          </p:cNvPicPr>
-          <p:nvPr/>
-        </p:nvPicPr>
-        <p:blipFill>
-          <a:blip r:embed="rId7"/>
-          <a:stretch>
-            <a:fillRect/>
-          </a:stretch>
-        </p:blipFill>
-        <p:spPr>
-          <a:xfrm>
-            <a:off x="6172200" y="1935719"/>
-            <a:ext cx="3200400" cy="2392680"/>
-          </a:xfrm>
-          <a:prstGeom prst="rect">
-            <a:avLst/>
-          </a:prstGeom>
-        </p:spPr>
-      </p:pic>
-      <p:pic>
-        <p:nvPicPr>
-          <p:cNvPr id="22" name="Picture 21">
-            <a:extLst>
-              <a:ext uri="{FF2B5EF4-FFF2-40B4-BE49-F238E27FC236}">
-                <a16:creationId xmlns:a16="http://schemas.microsoft.com/office/drawing/2014/main" id="{D0B50E0F-DB14-987C-35C1-B83AB0FB0FBC}"/>
-              </a:ext>
-            </a:extLst>
-          </p:cNvPr>
-          <p:cNvPicPr>
-            <a:picLocks noChangeAspect="1"/>
-          </p:cNvPicPr>
-          <p:nvPr/>
-        </p:nvPicPr>
-        <p:blipFill>
-          <a:blip r:embed="rId8"/>
-          <a:stretch>
-            <a:fillRect/>
-          </a:stretch>
-        </p:blipFill>
-        <p:spPr>
-          <a:xfrm>
-            <a:off x="6172200" y="4333167"/>
-            <a:ext cx="3200400" cy="2381220"/>
+            <a:off x="-304800" y="4402042"/>
+            <a:ext cx="3200400" cy="2393879"/>
           </a:xfrm>
           <a:prstGeom prst="rect">
             <a:avLst/>
@@ -28358,7 +28825,7 @@
 </p:sld>
 </file>
 
-<file path=ppt/slides/slide16.xml><?xml version="1.0" encoding="utf-8"?>
+<file path=ppt/slides/slide17.xml><?xml version="1.0" encoding="utf-8"?>
 <p:sld xmlns:a="http://schemas.openxmlformats.org/drawingml/2006/main" xmlns:r="http://schemas.openxmlformats.org/officeDocument/2006/relationships" xmlns:p="http://schemas.openxmlformats.org/presentationml/2006/main">
   <p:cSld>
     <p:spTree>
@@ -28751,7 +29218,7 @@
         </p:blipFill>
         <p:spPr>
           <a:xfrm>
-            <a:off x="1219200" y="1983785"/>
+            <a:off x="-990600" y="2527455"/>
             <a:ext cx="3200400" cy="2396435"/>
           </a:xfrm>
           <a:prstGeom prst="rect">
@@ -28781,7 +29248,7 @@
         </p:blipFill>
         <p:spPr>
           <a:xfrm>
-            <a:off x="4495800" y="1970930"/>
+            <a:off x="2286000" y="2514600"/>
             <a:ext cx="3200400" cy="2409290"/>
           </a:xfrm>
           <a:prstGeom prst="rect">
@@ -28811,8 +29278,38 @@
         </p:blipFill>
         <p:spPr>
           <a:xfrm>
-            <a:off x="1219200" y="4380220"/>
+            <a:off x="-990600" y="4923890"/>
             <a:ext cx="3200400" cy="2401580"/>
+          </a:xfrm>
+          <a:prstGeom prst="rect">
+            <a:avLst/>
+          </a:prstGeom>
+        </p:spPr>
+      </p:pic>
+      <p:pic>
+        <p:nvPicPr>
+          <p:cNvPr id="5" name="Picture 4">
+            <a:extLst>
+              <a:ext uri="{FF2B5EF4-FFF2-40B4-BE49-F238E27FC236}">
+                <a16:creationId xmlns:a16="http://schemas.microsoft.com/office/drawing/2014/main" id="{4129898F-AB8F-B346-D62C-0EE8441CC3F0}"/>
+              </a:ext>
+            </a:extLst>
+          </p:cNvPr>
+          <p:cNvPicPr>
+            <a:picLocks noChangeAspect="1"/>
+          </p:cNvPicPr>
+          <p:nvPr/>
+        </p:nvPicPr>
+        <p:blipFill>
+          <a:blip r:embed="rId6"/>
+          <a:stretch>
+            <a:fillRect/>
+          </a:stretch>
+        </p:blipFill>
+        <p:spPr>
+          <a:xfrm>
+            <a:off x="2286000" y="4950517"/>
+            <a:ext cx="3200400" cy="2388815"/>
           </a:xfrm>
           <a:prstGeom prst="rect">
             <a:avLst/>
@@ -28833,7 +29330,7 @@
 </p:sld>
 </file>
 
-<file path=ppt/slides/slide17.xml><?xml version="1.0" encoding="utf-8"?>
+<file path=ppt/slides/slide18.xml><?xml version="1.0" encoding="utf-8"?>
 <p:sld xmlns:a="http://schemas.openxmlformats.org/drawingml/2006/main" xmlns:r="http://schemas.openxmlformats.org/officeDocument/2006/relationships" xmlns:p="http://schemas.openxmlformats.org/presentationml/2006/main">
   <p:cSld>
     <p:spTree>
@@ -28850,36 +29347,6 @@
           <a:chExt cx="0" cy="0"/>
         </a:xfrm>
       </p:grpSpPr>
-      <p:pic>
-        <p:nvPicPr>
-          <p:cNvPr id="5" name="Picture 4">
-            <a:extLst>
-              <a:ext uri="{FF2B5EF4-FFF2-40B4-BE49-F238E27FC236}">
-                <a16:creationId xmlns:a16="http://schemas.microsoft.com/office/drawing/2014/main" id="{AA64513B-3257-D6B7-185E-605233E48E94}"/>
-              </a:ext>
-            </a:extLst>
-          </p:cNvPr>
-          <p:cNvPicPr>
-            <a:picLocks noChangeAspect="1"/>
-          </p:cNvPicPr>
-          <p:nvPr/>
-        </p:nvPicPr>
-        <p:blipFill>
-          <a:blip r:embed="rId2"/>
-          <a:stretch>
-            <a:fillRect/>
-          </a:stretch>
-        </p:blipFill>
-        <p:spPr>
-          <a:xfrm>
-            <a:off x="2590800" y="2590800"/>
-            <a:ext cx="3200400" cy="2391339"/>
-          </a:xfrm>
-          <a:prstGeom prst="rect">
-            <a:avLst/>
-          </a:prstGeom>
-        </p:spPr>
-      </p:pic>
       <p:sp>
         <p:nvSpPr>
           <p:cNvPr id="6" name="Title 1">
@@ -28916,22 +29383,22 @@
       </p:sp>
       <p:sp>
         <p:nvSpPr>
-          <p:cNvPr id="7" name="Rectangle 2">
+          <p:cNvPr id="8" name="内容占位符 2">
             <a:extLst>
               <a:ext uri="{FF2B5EF4-FFF2-40B4-BE49-F238E27FC236}">
-                <a16:creationId xmlns:a16="http://schemas.microsoft.com/office/drawing/2014/main" id="{C265F459-F5F2-3B99-F640-E154B1F95DD6}"/>
+                <a16:creationId xmlns:a16="http://schemas.microsoft.com/office/drawing/2014/main" id="{2CA7BECD-9996-EA33-E05F-D04BFFAF531D}"/>
               </a:ext>
             </a:extLst>
           </p:cNvPr>
-          <p:cNvSpPr>
-            <a:spLocks noChangeArrowheads="1"/>
+          <p:cNvSpPr txBox="1">
+            <a:spLocks/>
           </p:cNvSpPr>
           <p:nvPr/>
         </p:nvSpPr>
         <p:spPr bwMode="auto">
           <a:xfrm>
-            <a:off x="0" y="0"/>
-            <a:ext cx="9144000" cy="0"/>
+            <a:off x="93652" y="1068112"/>
+            <a:ext cx="9202748" cy="1903687"/>
           </a:xfrm>
           <a:prstGeom prst="rect">
             <a:avLst/>
@@ -28940,46 +29407,465 @@
           <a:ln>
             <a:noFill/>
           </a:ln>
-          <a:effectLst/>
           <a:extLst>
             <a:ext uri="{909E8E84-426E-40DD-AFC4-6F175D3DCCD1}">
               <a14:hiddenFill xmlns:a14="http://schemas.microsoft.com/office/drawing/2010/main">
                 <a:solidFill>
-                  <a:schemeClr val="accent1"/>
+                  <a:srgbClr val="FFFFFF"/>
                 </a:solidFill>
               </a14:hiddenFill>
             </a:ext>
             <a:ext uri="{91240B29-F687-4F45-9708-019B960494DF}">
-              <a14:hiddenLine xmlns:a14="http://schemas.microsoft.com/office/drawing/2010/main" w="9525">
+              <a14:hiddenLine xmlns:a14="http://schemas.microsoft.com/office/drawing/2010/main" w="28575">
                 <a:solidFill>
-                  <a:schemeClr val="tx1"/>
+                  <a:srgbClr val="000000"/>
                 </a:solidFill>
                 <a:miter lim="800000"/>
                 <a:headEnd/>
                 <a:tailEnd/>
               </a14:hiddenLine>
             </a:ext>
-            <a:ext uri="{AF507438-7753-43E0-B8FC-AC1667EBCBE1}">
-              <a14:hiddenEffects xmlns:a14="http://schemas.microsoft.com/office/drawing/2010/main">
-                <a:effectLst>
-                  <a:outerShdw dist="35921" dir="2700000" algn="ctr" rotWithShape="0">
-                    <a:schemeClr val="bg2"/>
-                  </a:outerShdw>
-                </a:effectLst>
-              </a14:hiddenEffects>
-            </a:ext>
           </a:extLst>
         </p:spPr>
         <p:txBody>
-          <a:bodyPr vert="horz" wrap="none" lIns="91440" tIns="45720" rIns="91440" bIns="45720" numCol="1" anchor="ctr" anchorCtr="0" compatLnSpc="1">
+          <a:bodyPr vert="horz" wrap="square" lIns="91440" tIns="45720" rIns="91440" bIns="45720" numCol="1" anchor="t" anchorCtr="0" compatLnSpc="1">
             <a:prstTxWarp prst="textNoShape">
               <a:avLst/>
             </a:prstTxWarp>
-            <a:spAutoFit/>
           </a:bodyPr>
+          <a:lstStyle>
+            <a:lvl1pPr marL="342900" indent="-342900" algn="l" rtl="0" eaLnBrk="1" fontAlgn="base" hangingPunct="1">
+              <a:spcBef>
+                <a:spcPct val="30000"/>
+              </a:spcBef>
+              <a:spcAft>
+                <a:spcPct val="0"/>
+              </a:spcAft>
+              <a:buClr>
+                <a:schemeClr val="hlink"/>
+              </a:buClr>
+              <a:buFont typeface="Wingdings" pitchFamily="2" charset="2"/>
+              <a:buChar char="§"/>
+              <a:defRPr sz="3200">
+                <a:solidFill>
+                  <a:srgbClr val="000066"/>
+                </a:solidFill>
+                <a:latin typeface="微软雅黑" pitchFamily="34" charset="-122"/>
+                <a:ea typeface="微软雅黑" pitchFamily="34" charset="-122"/>
+                <a:cs typeface="+mn-cs"/>
+              </a:defRPr>
+            </a:lvl1pPr>
+            <a:lvl2pPr marL="742950" indent="-285750" algn="l" rtl="0" eaLnBrk="1" fontAlgn="base" hangingPunct="1">
+              <a:spcBef>
+                <a:spcPct val="30000"/>
+              </a:spcBef>
+              <a:spcAft>
+                <a:spcPct val="0"/>
+              </a:spcAft>
+              <a:buClr>
+                <a:schemeClr val="tx2"/>
+              </a:buClr>
+              <a:buSzPct val="85000"/>
+              <a:buFont typeface="Wingdings" pitchFamily="2" charset="2"/>
+              <a:buChar char="Ø"/>
+              <a:defRPr sz="2800">
+                <a:solidFill>
+                  <a:srgbClr val="006666"/>
+                </a:solidFill>
+                <a:latin typeface="微软雅黑" pitchFamily="34" charset="-122"/>
+                <a:ea typeface="微软雅黑" pitchFamily="34" charset="-122"/>
+              </a:defRPr>
+            </a:lvl2pPr>
+            <a:lvl3pPr marL="1143000" indent="-228600" algn="l" rtl="0" eaLnBrk="1" fontAlgn="base" hangingPunct="1">
+              <a:spcBef>
+                <a:spcPct val="30000"/>
+              </a:spcBef>
+              <a:spcAft>
+                <a:spcPct val="0"/>
+              </a:spcAft>
+              <a:buClr>
+                <a:schemeClr val="hlink"/>
+              </a:buClr>
+              <a:buSzPct val="95000"/>
+              <a:buFont typeface="Wingdings 2" pitchFamily="18" charset="2"/>
+              <a:buChar char="¡"/>
+              <a:defRPr sz="2400">
+                <a:solidFill>
+                  <a:schemeClr val="hlink"/>
+                </a:solidFill>
+                <a:latin typeface="微软雅黑" pitchFamily="34" charset="-122"/>
+                <a:ea typeface="微软雅黑" pitchFamily="34" charset="-122"/>
+              </a:defRPr>
+            </a:lvl3pPr>
+            <a:lvl4pPr marL="1600200" indent="-228600" algn="l" rtl="0" eaLnBrk="1" fontAlgn="base" hangingPunct="1">
+              <a:spcBef>
+                <a:spcPct val="30000"/>
+              </a:spcBef>
+              <a:spcAft>
+                <a:spcPct val="0"/>
+              </a:spcAft>
+              <a:buClr>
+                <a:schemeClr val="tx2"/>
+              </a:buClr>
+              <a:buSzPct val="90000"/>
+              <a:buFont typeface="Wingdings" pitchFamily="2" charset="2"/>
+              <a:buChar char="Ø"/>
+              <a:defRPr sz="2000">
+                <a:solidFill>
+                  <a:srgbClr val="990099"/>
+                </a:solidFill>
+                <a:latin typeface="微软雅黑" pitchFamily="34" charset="-122"/>
+                <a:ea typeface="微软雅黑" pitchFamily="34" charset="-122"/>
+              </a:defRPr>
+            </a:lvl4pPr>
+            <a:lvl5pPr marL="2057400" indent="-228600" algn="l" rtl="0" eaLnBrk="1" fontAlgn="base" hangingPunct="1">
+              <a:spcBef>
+                <a:spcPct val="30000"/>
+              </a:spcBef>
+              <a:spcAft>
+                <a:spcPct val="0"/>
+              </a:spcAft>
+              <a:buClr>
+                <a:schemeClr val="hlink"/>
+              </a:buClr>
+              <a:buFont typeface="Wingdings 2" pitchFamily="18" charset="2"/>
+              <a:buChar char="¡"/>
+              <a:defRPr sz="2000">
+                <a:solidFill>
+                  <a:schemeClr val="tx1"/>
+                </a:solidFill>
+                <a:latin typeface="微软雅黑" pitchFamily="34" charset="-122"/>
+                <a:ea typeface="微软雅黑" pitchFamily="34" charset="-122"/>
+              </a:defRPr>
+            </a:lvl5pPr>
+            <a:lvl6pPr marL="2514600" indent="-228600" algn="l" rtl="0" eaLnBrk="1" fontAlgn="base" hangingPunct="1">
+              <a:spcBef>
+                <a:spcPct val="30000"/>
+              </a:spcBef>
+              <a:spcAft>
+                <a:spcPct val="0"/>
+              </a:spcAft>
+              <a:buClr>
+                <a:schemeClr val="hlink"/>
+              </a:buClr>
+              <a:buFont typeface="Wingdings 2" pitchFamily="18" charset="2"/>
+              <a:buChar char="¡"/>
+              <a:defRPr sz="2000">
+                <a:solidFill>
+                  <a:schemeClr val="tx1"/>
+                </a:solidFill>
+                <a:latin typeface="+mn-lt"/>
+                <a:ea typeface="+mn-ea"/>
+              </a:defRPr>
+            </a:lvl6pPr>
+            <a:lvl7pPr marL="2971800" indent="-228600" algn="l" rtl="0" eaLnBrk="1" fontAlgn="base" hangingPunct="1">
+              <a:spcBef>
+                <a:spcPct val="30000"/>
+              </a:spcBef>
+              <a:spcAft>
+                <a:spcPct val="0"/>
+              </a:spcAft>
+              <a:buClr>
+                <a:schemeClr val="hlink"/>
+              </a:buClr>
+              <a:buFont typeface="Wingdings 2" pitchFamily="18" charset="2"/>
+              <a:buChar char="¡"/>
+              <a:defRPr sz="2000">
+                <a:solidFill>
+                  <a:schemeClr val="tx1"/>
+                </a:solidFill>
+                <a:latin typeface="+mn-lt"/>
+                <a:ea typeface="+mn-ea"/>
+              </a:defRPr>
+            </a:lvl7pPr>
+            <a:lvl8pPr marL="3429000" indent="-228600" algn="l" rtl="0" eaLnBrk="1" fontAlgn="base" hangingPunct="1">
+              <a:spcBef>
+                <a:spcPct val="30000"/>
+              </a:spcBef>
+              <a:spcAft>
+                <a:spcPct val="0"/>
+              </a:spcAft>
+              <a:buClr>
+                <a:schemeClr val="hlink"/>
+              </a:buClr>
+              <a:buFont typeface="Wingdings 2" pitchFamily="18" charset="2"/>
+              <a:buChar char="¡"/>
+              <a:defRPr sz="2000">
+                <a:solidFill>
+                  <a:schemeClr val="tx1"/>
+                </a:solidFill>
+                <a:latin typeface="+mn-lt"/>
+                <a:ea typeface="+mn-ea"/>
+              </a:defRPr>
+            </a:lvl8pPr>
+            <a:lvl9pPr marL="3886200" indent="-228600" algn="l" rtl="0" eaLnBrk="1" fontAlgn="base" hangingPunct="1">
+              <a:spcBef>
+                <a:spcPct val="30000"/>
+              </a:spcBef>
+              <a:spcAft>
+                <a:spcPct val="0"/>
+              </a:spcAft>
+              <a:buClr>
+                <a:schemeClr val="hlink"/>
+              </a:buClr>
+              <a:buFont typeface="Wingdings 2" pitchFamily="18" charset="2"/>
+              <a:buChar char="¡"/>
+              <a:defRPr sz="2000">
+                <a:solidFill>
+                  <a:schemeClr val="tx1"/>
+                </a:solidFill>
+                <a:latin typeface="+mn-lt"/>
+                <a:ea typeface="+mn-ea"/>
+              </a:defRPr>
+            </a:lvl9pPr>
+          </a:lstStyle>
+          <a:p>
+            <a:r>
+              <a:rPr lang="en-US" altLang="zh-CN" sz="2400" kern="0" dirty="0">
+                <a:latin typeface="+mn-lt"/>
+                <a:cs typeface="Times New Roman" panose="02020603050405020304" pitchFamily="18" charset="0"/>
+              </a:rPr>
+              <a:t>RETAU5200</a:t>
+            </a:r>
+            <a:endParaRPr lang="en-US" altLang="zh-CN" sz="2000" kern="0" dirty="0">
+              <a:latin typeface="+mn-lt"/>
+              <a:cs typeface="Times New Roman" panose="02020603050405020304" pitchFamily="18" charset="0"/>
+            </a:endParaRPr>
+          </a:p>
+          <a:p>
+            <a:pPr lvl="1"/>
+            <a:r>
+              <a:rPr lang="en-US" altLang="zh-CN" sz="2000" dirty="0">
+                <a:latin typeface="+mn-lt"/>
+                <a:cs typeface="Times New Roman" panose="02020603050405020304" pitchFamily="18" charset="0"/>
+              </a:rPr>
+              <a:t>Domain size hardly influences the results. The outer layer is negligibly influenced</a:t>
+            </a:r>
+          </a:p>
+          <a:p>
+            <a:pPr lvl="1"/>
+            <a:r>
+              <a:rPr lang="en-US" altLang="zh-CN" sz="2000" dirty="0">
+                <a:latin typeface="+mn-lt"/>
+                <a:cs typeface="Times New Roman" panose="02020603050405020304" pitchFamily="18" charset="0"/>
+              </a:rPr>
+              <a:t>Longer domain needs longer transient time (larger structures resolved, longer periods?) </a:t>
+            </a:r>
+          </a:p>
+        </p:txBody>
+      </p:sp>
+      <p:pic>
+        <p:nvPicPr>
+          <p:cNvPr id="11" name="Picture 10">
+            <a:extLst>
+              <a:ext uri="{FF2B5EF4-FFF2-40B4-BE49-F238E27FC236}">
+                <a16:creationId xmlns:a16="http://schemas.microsoft.com/office/drawing/2014/main" id="{E2630609-308B-8633-CD1A-6158822B26DC}"/>
+              </a:ext>
+            </a:extLst>
+          </p:cNvPr>
+          <p:cNvPicPr>
+            <a:picLocks noChangeAspect="1"/>
+          </p:cNvPicPr>
+          <p:nvPr/>
+        </p:nvPicPr>
+        <p:blipFill>
+          <a:blip r:embed="rId2"/>
+          <a:stretch>
+            <a:fillRect/>
+          </a:stretch>
+        </p:blipFill>
+        <p:spPr>
+          <a:xfrm>
+            <a:off x="-304800" y="2983162"/>
+            <a:ext cx="3200400" cy="2381220"/>
+          </a:xfrm>
+          <a:prstGeom prst="rect">
+            <a:avLst/>
+          </a:prstGeom>
+        </p:spPr>
+      </p:pic>
+      <p:pic>
+        <p:nvPicPr>
+          <p:cNvPr id="13" name="Picture 12">
+            <a:extLst>
+              <a:ext uri="{FF2B5EF4-FFF2-40B4-BE49-F238E27FC236}">
+                <a16:creationId xmlns:a16="http://schemas.microsoft.com/office/drawing/2014/main" id="{386F3BE4-8913-CAA8-F26E-778284745CF9}"/>
+              </a:ext>
+            </a:extLst>
+          </p:cNvPr>
+          <p:cNvPicPr>
+            <a:picLocks noChangeAspect="1"/>
+          </p:cNvPicPr>
+          <p:nvPr/>
+        </p:nvPicPr>
+        <p:blipFill>
+          <a:blip r:embed="rId3"/>
+          <a:stretch>
+            <a:fillRect/>
+          </a:stretch>
+        </p:blipFill>
+        <p:spPr>
+          <a:xfrm>
+            <a:off x="3048000" y="2942179"/>
+            <a:ext cx="3200400" cy="2422203"/>
+          </a:xfrm>
+          <a:prstGeom prst="rect">
+            <a:avLst/>
+          </a:prstGeom>
+        </p:spPr>
+      </p:pic>
+      <p:pic>
+        <p:nvPicPr>
+          <p:cNvPr id="15" name="Picture 14">
+            <a:extLst>
+              <a:ext uri="{FF2B5EF4-FFF2-40B4-BE49-F238E27FC236}">
+                <a16:creationId xmlns:a16="http://schemas.microsoft.com/office/drawing/2014/main" id="{ECEA8E5F-4A55-85EE-A594-9A4E5891371D}"/>
+              </a:ext>
+            </a:extLst>
+          </p:cNvPr>
+          <p:cNvPicPr>
+            <a:picLocks noChangeAspect="1"/>
+          </p:cNvPicPr>
+          <p:nvPr/>
+        </p:nvPicPr>
+        <p:blipFill>
+          <a:blip r:embed="rId4"/>
+          <a:stretch>
+            <a:fillRect/>
+          </a:stretch>
+        </p:blipFill>
+        <p:spPr>
+          <a:xfrm>
+            <a:off x="-304800" y="5364382"/>
+            <a:ext cx="3200400" cy="2404153"/>
+          </a:xfrm>
+          <a:prstGeom prst="rect">
+            <a:avLst/>
+          </a:prstGeom>
+        </p:spPr>
+      </p:pic>
+      <p:pic>
+        <p:nvPicPr>
+          <p:cNvPr id="17" name="Picture 16">
+            <a:extLst>
+              <a:ext uri="{FF2B5EF4-FFF2-40B4-BE49-F238E27FC236}">
+                <a16:creationId xmlns:a16="http://schemas.microsoft.com/office/drawing/2014/main" id="{0300D5A1-D905-059E-56BB-62668C325DA7}"/>
+              </a:ext>
+            </a:extLst>
+          </p:cNvPr>
+          <p:cNvPicPr>
+            <a:picLocks noChangeAspect="1"/>
+          </p:cNvPicPr>
+          <p:nvPr/>
+        </p:nvPicPr>
+        <p:blipFill>
+          <a:blip r:embed="rId5"/>
+          <a:stretch>
+            <a:fillRect/>
+          </a:stretch>
+        </p:blipFill>
+        <p:spPr>
+          <a:xfrm>
+            <a:off x="3047198" y="5364382"/>
+            <a:ext cx="3200400" cy="2408018"/>
+          </a:xfrm>
+          <a:prstGeom prst="rect">
+            <a:avLst/>
+          </a:prstGeom>
+        </p:spPr>
+      </p:pic>
+      <p:pic>
+        <p:nvPicPr>
+          <p:cNvPr id="19" name="Picture 18">
+            <a:extLst>
+              <a:ext uri="{FF2B5EF4-FFF2-40B4-BE49-F238E27FC236}">
+                <a16:creationId xmlns:a16="http://schemas.microsoft.com/office/drawing/2014/main" id="{F80313AA-D024-368E-D24B-947AF83A4E32}"/>
+              </a:ext>
+            </a:extLst>
+          </p:cNvPr>
+          <p:cNvPicPr>
+            <a:picLocks noChangeAspect="1"/>
+          </p:cNvPicPr>
+          <p:nvPr/>
+        </p:nvPicPr>
+        <p:blipFill>
+          <a:blip r:embed="rId6"/>
+          <a:stretch>
+            <a:fillRect/>
+          </a:stretch>
+        </p:blipFill>
+        <p:spPr>
+          <a:xfrm>
+            <a:off x="6247598" y="2942179"/>
+            <a:ext cx="3200400" cy="2379915"/>
+          </a:xfrm>
+          <a:prstGeom prst="rect">
+            <a:avLst/>
+          </a:prstGeom>
+        </p:spPr>
+      </p:pic>
+    </p:spTree>
+    <p:extLst>
+      <p:ext uri="{BB962C8B-B14F-4D97-AF65-F5344CB8AC3E}">
+        <p14:creationId xmlns:p14="http://schemas.microsoft.com/office/powerpoint/2010/main" val="2404903028"/>
+      </p:ext>
+    </p:extLst>
+  </p:cSld>
+  <p:clrMapOvr>
+    <a:masterClrMapping/>
+  </p:clrMapOvr>
+  <p:transition spd="med"/>
+</p:sld>
+</file>
+
+<file path=ppt/slides/slide19.xml><?xml version="1.0" encoding="utf-8"?>
+<p:sld xmlns:a="http://schemas.openxmlformats.org/drawingml/2006/main" xmlns:r="http://schemas.openxmlformats.org/officeDocument/2006/relationships" xmlns:p="http://schemas.openxmlformats.org/presentationml/2006/main">
+  <p:cSld>
+    <p:spTree>
+      <p:nvGrpSpPr>
+        <p:cNvPr id="1" name=""/>
+        <p:cNvGrpSpPr/>
+        <p:nvPr/>
+      </p:nvGrpSpPr>
+      <p:grpSpPr>
+        <a:xfrm>
+          <a:off x="0" y="0"/>
+          <a:ext cx="0" cy="0"/>
+          <a:chOff x="0" y="0"/>
+          <a:chExt cx="0" cy="0"/>
+        </a:xfrm>
+      </p:grpSpPr>
+      <p:sp>
+        <p:nvSpPr>
+          <p:cNvPr id="6" name="Title 1">
+            <a:extLst>
+              <a:ext uri="{FF2B5EF4-FFF2-40B4-BE49-F238E27FC236}">
+                <a16:creationId xmlns:a16="http://schemas.microsoft.com/office/drawing/2014/main" id="{672A50A6-DF4F-C15D-3695-4B8C888F16FF}"/>
+              </a:ext>
+            </a:extLst>
+          </p:cNvPr>
+          <p:cNvSpPr>
+            <a:spLocks noGrp="1"/>
+          </p:cNvSpPr>
+          <p:nvPr>
+            <p:ph type="title"/>
+          </p:nvPr>
+        </p:nvSpPr>
+        <p:spPr>
+          <a:xfrm>
+            <a:off x="152400" y="152400"/>
+            <a:ext cx="8610600" cy="838200"/>
+          </a:xfrm>
+        </p:spPr>
+        <p:txBody>
+          <a:bodyPr/>
           <a:lstStyle/>
           <a:p>
-            <a:endParaRPr lang="zh-CN" altLang="en-US"/>
+            <a:r>
+              <a:rPr lang="en-US" altLang="zh-CN" dirty="0"/>
+              <a:t>Channel</a:t>
+            </a:r>
+            <a:endParaRPr lang="zh-CN" altLang="en-US" dirty="0"/>
           </a:p>
         </p:txBody>
       </p:sp>
@@ -29241,15 +30127,135 @@
                 <a:latin typeface="+mn-lt"/>
                 <a:cs typeface="Times New Roman" panose="02020603050405020304" pitchFamily="18" charset="0"/>
               </a:rPr>
-              <a:t>Large domain</a:t>
+              <a:t>ACC does not influence the statistics</a:t>
             </a:r>
           </a:p>
         </p:txBody>
       </p:sp>
+      <p:pic>
+        <p:nvPicPr>
+          <p:cNvPr id="3" name="Picture 2">
+            <a:extLst>
+              <a:ext uri="{FF2B5EF4-FFF2-40B4-BE49-F238E27FC236}">
+                <a16:creationId xmlns:a16="http://schemas.microsoft.com/office/drawing/2014/main" id="{0CD99542-3386-2991-496D-8A08632C5858}"/>
+              </a:ext>
+            </a:extLst>
+          </p:cNvPr>
+          <p:cNvPicPr>
+            <a:picLocks noChangeAspect="1"/>
+          </p:cNvPicPr>
+          <p:nvPr/>
+        </p:nvPicPr>
+        <p:blipFill>
+          <a:blip r:embed="rId2"/>
+          <a:stretch>
+            <a:fillRect/>
+          </a:stretch>
+        </p:blipFill>
+        <p:spPr>
+          <a:xfrm>
+            <a:off x="457200" y="1981200"/>
+            <a:ext cx="3200400" cy="2411895"/>
+          </a:xfrm>
+          <a:prstGeom prst="rect">
+            <a:avLst/>
+          </a:prstGeom>
+        </p:spPr>
+      </p:pic>
+      <p:pic>
+        <p:nvPicPr>
+          <p:cNvPr id="5" name="Picture 4">
+            <a:extLst>
+              <a:ext uri="{FF2B5EF4-FFF2-40B4-BE49-F238E27FC236}">
+                <a16:creationId xmlns:a16="http://schemas.microsoft.com/office/drawing/2014/main" id="{B92FA21C-1460-E650-01C8-4ED777F7473F}"/>
+              </a:ext>
+            </a:extLst>
+          </p:cNvPr>
+          <p:cNvPicPr>
+            <a:picLocks noChangeAspect="1"/>
+          </p:cNvPicPr>
+          <p:nvPr/>
+        </p:nvPicPr>
+        <p:blipFill>
+          <a:blip r:embed="rId3"/>
+          <a:stretch>
+            <a:fillRect/>
+          </a:stretch>
+        </p:blipFill>
+        <p:spPr>
+          <a:xfrm>
+            <a:off x="3886202" y="1994079"/>
+            <a:ext cx="3200400" cy="2399016"/>
+          </a:xfrm>
+          <a:prstGeom prst="rect">
+            <a:avLst/>
+          </a:prstGeom>
+        </p:spPr>
+      </p:pic>
+      <p:pic>
+        <p:nvPicPr>
+          <p:cNvPr id="9" name="Picture 8">
+            <a:extLst>
+              <a:ext uri="{FF2B5EF4-FFF2-40B4-BE49-F238E27FC236}">
+                <a16:creationId xmlns:a16="http://schemas.microsoft.com/office/drawing/2014/main" id="{6D992492-230E-65F7-FA3D-2249B97D53DB}"/>
+              </a:ext>
+            </a:extLst>
+          </p:cNvPr>
+          <p:cNvPicPr>
+            <a:picLocks noChangeAspect="1"/>
+          </p:cNvPicPr>
+          <p:nvPr/>
+        </p:nvPicPr>
+        <p:blipFill>
+          <a:blip r:embed="rId4"/>
+          <a:stretch>
+            <a:fillRect/>
+          </a:stretch>
+        </p:blipFill>
+        <p:spPr>
+          <a:xfrm>
+            <a:off x="457198" y="4393095"/>
+            <a:ext cx="3200400" cy="2378607"/>
+          </a:xfrm>
+          <a:prstGeom prst="rect">
+            <a:avLst/>
+          </a:prstGeom>
+        </p:spPr>
+      </p:pic>
+      <p:pic>
+        <p:nvPicPr>
+          <p:cNvPr id="12" name="Picture 11">
+            <a:extLst>
+              <a:ext uri="{FF2B5EF4-FFF2-40B4-BE49-F238E27FC236}">
+                <a16:creationId xmlns:a16="http://schemas.microsoft.com/office/drawing/2014/main" id="{AFACF0B2-940A-0964-8826-554AAF75E296}"/>
+              </a:ext>
+            </a:extLst>
+          </p:cNvPr>
+          <p:cNvPicPr>
+            <a:picLocks noChangeAspect="1"/>
+          </p:cNvPicPr>
+          <p:nvPr/>
+        </p:nvPicPr>
+        <p:blipFill>
+          <a:blip r:embed="rId5"/>
+          <a:stretch>
+            <a:fillRect/>
+          </a:stretch>
+        </p:blipFill>
+        <p:spPr>
+          <a:xfrm>
+            <a:off x="3886202" y="4393095"/>
+            <a:ext cx="3200400" cy="2401580"/>
+          </a:xfrm>
+          <a:prstGeom prst="rect">
+            <a:avLst/>
+          </a:prstGeom>
+        </p:spPr>
+      </p:pic>
     </p:spTree>
     <p:extLst>
       <p:ext uri="{BB962C8B-B14F-4D97-AF65-F5344CB8AC3E}">
-        <p14:creationId xmlns:p14="http://schemas.microsoft.com/office/powerpoint/2010/main" val="2404903028"/>
+        <p14:creationId xmlns:p14="http://schemas.microsoft.com/office/powerpoint/2010/main" val="3794358770"/>
       </p:ext>
     </p:extLst>
   </p:cSld>
@@ -29260,7 +30266,306 @@
 </p:sld>
 </file>
 
-<file path=ppt/slides/slide18.xml><?xml version="1.0" encoding="utf-8"?>
+<file path=ppt/slides/slide2.xml><?xml version="1.0" encoding="utf-8"?>
+<p:sld xmlns:a="http://schemas.openxmlformats.org/drawingml/2006/main" xmlns:r="http://schemas.openxmlformats.org/officeDocument/2006/relationships" xmlns:p="http://schemas.openxmlformats.org/presentationml/2006/main">
+  <p:cSld>
+    <p:spTree>
+      <p:nvGrpSpPr>
+        <p:cNvPr id="1" name="">
+          <a:extLst>
+            <a:ext uri="{FF2B5EF4-FFF2-40B4-BE49-F238E27FC236}">
+              <a16:creationId xmlns:a16="http://schemas.microsoft.com/office/drawing/2014/main" id="{2D15152C-B19F-6BB3-728D-5F7F2B035AD0}"/>
+            </a:ext>
+          </a:extLst>
+        </p:cNvPr>
+        <p:cNvGrpSpPr/>
+        <p:nvPr/>
+      </p:nvGrpSpPr>
+      <p:grpSpPr>
+        <a:xfrm>
+          <a:off x="0" y="0"/>
+          <a:ext cx="0" cy="0"/>
+          <a:chOff x="0" y="0"/>
+          <a:chExt cx="0" cy="0"/>
+        </a:xfrm>
+      </p:grpSpPr>
+      <p:sp>
+        <p:nvSpPr>
+          <p:cNvPr id="2" name="Title 1">
+            <a:extLst>
+              <a:ext uri="{FF2B5EF4-FFF2-40B4-BE49-F238E27FC236}">
+                <a16:creationId xmlns:a16="http://schemas.microsoft.com/office/drawing/2014/main" id="{D13EE2B0-B4C2-89D5-D5B9-1DF5BE70DC5F}"/>
+              </a:ext>
+            </a:extLst>
+          </p:cNvPr>
+          <p:cNvSpPr>
+            <a:spLocks noGrp="1"/>
+          </p:cNvSpPr>
+          <p:nvPr>
+            <p:ph type="title"/>
+          </p:nvPr>
+        </p:nvSpPr>
+        <p:spPr>
+          <a:xfrm>
+            <a:off x="152400" y="152400"/>
+            <a:ext cx="8610600" cy="838200"/>
+          </a:xfrm>
+        </p:spPr>
+        <p:txBody>
+          <a:bodyPr/>
+          <a:lstStyle/>
+          <a:p>
+            <a:r>
+              <a:rPr lang="en-US" altLang="zh-CN" dirty="0"/>
+              <a:t>Channel</a:t>
+            </a:r>
+            <a:endParaRPr lang="zh-CN" altLang="en-US" dirty="0"/>
+          </a:p>
+        </p:txBody>
+      </p:sp>
+      <p:sp>
+        <p:nvSpPr>
+          <p:cNvPr id="7" name="内容占位符 2">
+            <a:extLst>
+              <a:ext uri="{FF2B5EF4-FFF2-40B4-BE49-F238E27FC236}">
+                <a16:creationId xmlns:a16="http://schemas.microsoft.com/office/drawing/2014/main" id="{D2C6C04E-3AE6-BF1A-EE2B-80CAEA4AD7AC}"/>
+              </a:ext>
+            </a:extLst>
+          </p:cNvPr>
+          <p:cNvSpPr>
+            <a:spLocks noGrp="1"/>
+          </p:cNvSpPr>
+          <p:nvPr>
+            <p:ph idx="4294967295"/>
+          </p:nvPr>
+        </p:nvSpPr>
+        <p:spPr>
+          <a:xfrm>
+            <a:off x="93652" y="1068111"/>
+            <a:ext cx="9050348" cy="1979889"/>
+          </a:xfrm>
+        </p:spPr>
+        <p:txBody>
+          <a:bodyPr/>
+          <a:lstStyle/>
+          <a:p>
+            <a:r>
+              <a:rPr lang="en-US" altLang="zh-CN" sz="2400" dirty="0">
+                <a:latin typeface="+mn-lt"/>
+                <a:cs typeface="Times New Roman" panose="02020603050405020304" pitchFamily="18" charset="0"/>
+              </a:rPr>
+              <a:t>RETAU180</a:t>
+            </a:r>
+            <a:endParaRPr lang="en-US" altLang="zh-CN" sz="2000" dirty="0">
+              <a:latin typeface="+mn-lt"/>
+              <a:cs typeface="Times New Roman" panose="02020603050405020304" pitchFamily="18" charset="0"/>
+            </a:endParaRPr>
+          </a:p>
+          <a:p>
+            <a:pPr lvl="1"/>
+            <a:r>
+              <a:rPr lang="en-US" altLang="zh-CN" sz="2000" dirty="0">
+                <a:latin typeface="+mn-lt"/>
+                <a:cs typeface="Times New Roman" panose="02020603050405020304" pitchFamily="18" charset="0"/>
+              </a:rPr>
+              <a:t>Both Neumann and wall model yield acceptable profiles</a:t>
+            </a:r>
+          </a:p>
+          <a:p>
+            <a:pPr lvl="1"/>
+            <a:r>
+              <a:rPr lang="en-US" altLang="zh-CN" sz="2000" dirty="0">
+                <a:latin typeface="+mn-lt"/>
+                <a:cs typeface="Times New Roman" panose="02020603050405020304" pitchFamily="18" charset="0"/>
+              </a:rPr>
+              <a:t>The DNS grid and the finest wall model grid produce the same results, but show difference from the DNS results, demonstrating imperfection of the wall model</a:t>
+            </a:r>
+            <a:endParaRPr lang="en-US" altLang="zh-CN" sz="2000" kern="0" dirty="0">
+              <a:latin typeface="+mn-lt"/>
+              <a:cs typeface="Times New Roman" panose="02020603050405020304" pitchFamily="18" charset="0"/>
+            </a:endParaRPr>
+          </a:p>
+          <a:p>
+            <a:pPr marL="457200" lvl="1" indent="0">
+              <a:buNone/>
+            </a:pPr>
+            <a:endParaRPr lang="en-US" altLang="zh-CN" sz="2000" baseline="30000" dirty="0">
+              <a:latin typeface="+mn-lt"/>
+              <a:cs typeface="Times New Roman" panose="02020603050405020304" pitchFamily="18" charset="0"/>
+            </a:endParaRPr>
+          </a:p>
+          <a:p>
+            <a:pPr marL="457200" lvl="1" indent="0">
+              <a:buNone/>
+            </a:pPr>
+            <a:endParaRPr lang="en-US" altLang="zh-CN" sz="2000" baseline="30000" dirty="0">
+              <a:latin typeface="+mn-lt"/>
+              <a:cs typeface="Times New Roman" panose="02020603050405020304" pitchFamily="18" charset="0"/>
+            </a:endParaRPr>
+          </a:p>
+          <a:p>
+            <a:pPr marL="457200" lvl="1" indent="0">
+              <a:buNone/>
+            </a:pPr>
+            <a:endParaRPr lang="en-US" altLang="zh-CN" sz="2000" baseline="30000" dirty="0">
+              <a:latin typeface="+mn-lt"/>
+              <a:cs typeface="Times New Roman" panose="02020603050405020304" pitchFamily="18" charset="0"/>
+            </a:endParaRPr>
+          </a:p>
+          <a:p>
+            <a:pPr marL="457200" lvl="1" indent="0">
+              <a:buNone/>
+            </a:pPr>
+            <a:endParaRPr lang="en-US" altLang="zh-CN" sz="2000" baseline="30000" dirty="0">
+              <a:latin typeface="+mn-lt"/>
+              <a:cs typeface="Times New Roman" panose="02020603050405020304" pitchFamily="18" charset="0"/>
+            </a:endParaRPr>
+          </a:p>
+          <a:p>
+            <a:pPr marL="457200" lvl="1" indent="0">
+              <a:buNone/>
+            </a:pPr>
+            <a:endParaRPr lang="en-US" altLang="zh-CN" sz="2000" baseline="30000" dirty="0">
+              <a:latin typeface="+mn-lt"/>
+              <a:cs typeface="Times New Roman" panose="02020603050405020304" pitchFamily="18" charset="0"/>
+            </a:endParaRPr>
+          </a:p>
+          <a:p>
+            <a:pPr marL="457200" lvl="1" indent="0">
+              <a:buNone/>
+            </a:pPr>
+            <a:endParaRPr lang="en-US" altLang="zh-CN" sz="2000" baseline="30000" dirty="0">
+              <a:latin typeface="+mn-lt"/>
+              <a:cs typeface="Times New Roman" panose="02020603050405020304" pitchFamily="18" charset="0"/>
+            </a:endParaRPr>
+          </a:p>
+          <a:p>
+            <a:pPr marL="457200" lvl="1" indent="0">
+              <a:buNone/>
+            </a:pPr>
+            <a:endParaRPr lang="en-US" altLang="zh-CN" sz="2000" baseline="30000" dirty="0">
+              <a:latin typeface="+mn-lt"/>
+              <a:cs typeface="Times New Roman" panose="02020603050405020304" pitchFamily="18" charset="0"/>
+            </a:endParaRPr>
+          </a:p>
+          <a:p>
+            <a:pPr marL="457200" lvl="1" indent="0">
+              <a:buNone/>
+            </a:pPr>
+            <a:endParaRPr lang="en-US" altLang="zh-CN" sz="2000" baseline="30000" dirty="0">
+              <a:latin typeface="+mn-lt"/>
+              <a:cs typeface="Times New Roman" panose="02020603050405020304" pitchFamily="18" charset="0"/>
+            </a:endParaRPr>
+          </a:p>
+          <a:p>
+            <a:pPr>
+              <a:lnSpc>
+                <a:spcPct val="125000"/>
+              </a:lnSpc>
+            </a:pPr>
+            <a:endParaRPr lang="en-US" altLang="zh-CN" sz="2400" dirty="0">
+              <a:latin typeface="+mn-lt"/>
+              <a:cs typeface="Times New Roman" panose="02020603050405020304" pitchFamily="18" charset="0"/>
+            </a:endParaRPr>
+          </a:p>
+          <a:p>
+            <a:pPr marL="457200" lvl="1" indent="0">
+              <a:lnSpc>
+                <a:spcPct val="125000"/>
+              </a:lnSpc>
+              <a:buNone/>
+            </a:pPr>
+            <a:endParaRPr lang="en-US" altLang="zh-CN" sz="2000" dirty="0">
+              <a:latin typeface="+mn-lt"/>
+              <a:cs typeface="Times New Roman" panose="02020603050405020304" pitchFamily="18" charset="0"/>
+            </a:endParaRPr>
+          </a:p>
+        </p:txBody>
+      </p:sp>
+      <p:sp>
+        <p:nvSpPr>
+          <p:cNvPr id="9" name="Rectangle 2">
+            <a:extLst>
+              <a:ext uri="{FF2B5EF4-FFF2-40B4-BE49-F238E27FC236}">
+                <a16:creationId xmlns:a16="http://schemas.microsoft.com/office/drawing/2014/main" id="{39432E37-D0CA-42E2-B210-9AC1CA0029EC}"/>
+              </a:ext>
+            </a:extLst>
+          </p:cNvPr>
+          <p:cNvSpPr>
+            <a:spLocks noChangeArrowheads="1"/>
+          </p:cNvSpPr>
+          <p:nvPr/>
+        </p:nvSpPr>
+        <p:spPr bwMode="auto">
+          <a:xfrm>
+            <a:off x="0" y="0"/>
+            <a:ext cx="9144000" cy="0"/>
+          </a:xfrm>
+          <a:prstGeom prst="rect">
+            <a:avLst/>
+          </a:prstGeom>
+          <a:noFill/>
+          <a:ln>
+            <a:noFill/>
+          </a:ln>
+          <a:effectLst/>
+          <a:extLst>
+            <a:ext uri="{909E8E84-426E-40DD-AFC4-6F175D3DCCD1}">
+              <a14:hiddenFill xmlns:a14="http://schemas.microsoft.com/office/drawing/2010/main">
+                <a:solidFill>
+                  <a:schemeClr val="accent1"/>
+                </a:solidFill>
+              </a14:hiddenFill>
+            </a:ext>
+            <a:ext uri="{91240B29-F687-4F45-9708-019B960494DF}">
+              <a14:hiddenLine xmlns:a14="http://schemas.microsoft.com/office/drawing/2010/main" w="9525">
+                <a:solidFill>
+                  <a:schemeClr val="tx1"/>
+                </a:solidFill>
+                <a:miter lim="800000"/>
+                <a:headEnd/>
+                <a:tailEnd/>
+              </a14:hiddenLine>
+            </a:ext>
+            <a:ext uri="{AF507438-7753-43E0-B8FC-AC1667EBCBE1}">
+              <a14:hiddenEffects xmlns:a14="http://schemas.microsoft.com/office/drawing/2010/main">
+                <a:effectLst>
+                  <a:outerShdw dist="35921" dir="2700000" algn="ctr" rotWithShape="0">
+                    <a:schemeClr val="bg2"/>
+                  </a:outerShdw>
+                </a:effectLst>
+              </a14:hiddenEffects>
+            </a:ext>
+          </a:extLst>
+        </p:spPr>
+        <p:txBody>
+          <a:bodyPr vert="horz" wrap="none" lIns="91440" tIns="45720" rIns="91440" bIns="45720" numCol="1" anchor="ctr" anchorCtr="0" compatLnSpc="1">
+            <a:prstTxWarp prst="textNoShape">
+              <a:avLst/>
+            </a:prstTxWarp>
+            <a:spAutoFit/>
+          </a:bodyPr>
+          <a:lstStyle/>
+          <a:p>
+            <a:endParaRPr lang="zh-CN" altLang="en-US"/>
+          </a:p>
+        </p:txBody>
+      </p:sp>
+    </p:spTree>
+    <p:extLst>
+      <p:ext uri="{BB962C8B-B14F-4D97-AF65-F5344CB8AC3E}">
+        <p14:creationId xmlns:p14="http://schemas.microsoft.com/office/powerpoint/2010/main" val="3334254190"/>
+      </p:ext>
+    </p:extLst>
+  </p:cSld>
+  <p:clrMapOvr>
+    <a:masterClrMapping/>
+  </p:clrMapOvr>
+  <p:transition spd="med" advTm="63997"/>
+</p:sld>
+</file>
+
+<file path=ppt/slides/slide20.xml><?xml version="1.0" encoding="utf-8"?>
 <p:sld xmlns:a="http://schemas.openxmlformats.org/drawingml/2006/main" xmlns:r="http://schemas.openxmlformats.org/officeDocument/2006/relationships" xmlns:p="http://schemas.openxmlformats.org/presentationml/2006/main">
   <p:cSld>
     <p:spTree>
@@ -29913,7 +31218,7 @@
 </p:sld>
 </file>
 
-<file path=ppt/slides/slide19.xml><?xml version="1.0" encoding="utf-8"?>
+<file path=ppt/slides/slide21.xml><?xml version="1.0" encoding="utf-8"?>
 <p:sld xmlns:a="http://schemas.openxmlformats.org/drawingml/2006/main" xmlns:r="http://schemas.openxmlformats.org/officeDocument/2006/relationships" xmlns:p="http://schemas.openxmlformats.org/presentationml/2006/main">
   <p:cSld>
     <p:spTree>
@@ -30566,306 +31871,7 @@
 </p:sld>
 </file>
 
-<file path=ppt/slides/slide2.xml><?xml version="1.0" encoding="utf-8"?>
-<p:sld xmlns:a="http://schemas.openxmlformats.org/drawingml/2006/main" xmlns:r="http://schemas.openxmlformats.org/officeDocument/2006/relationships" xmlns:p="http://schemas.openxmlformats.org/presentationml/2006/main">
-  <p:cSld>
-    <p:spTree>
-      <p:nvGrpSpPr>
-        <p:cNvPr id="1" name="">
-          <a:extLst>
-            <a:ext uri="{FF2B5EF4-FFF2-40B4-BE49-F238E27FC236}">
-              <a16:creationId xmlns:a16="http://schemas.microsoft.com/office/drawing/2014/main" id="{2D15152C-B19F-6BB3-728D-5F7F2B035AD0}"/>
-            </a:ext>
-          </a:extLst>
-        </p:cNvPr>
-        <p:cNvGrpSpPr/>
-        <p:nvPr/>
-      </p:nvGrpSpPr>
-      <p:grpSpPr>
-        <a:xfrm>
-          <a:off x="0" y="0"/>
-          <a:ext cx="0" cy="0"/>
-          <a:chOff x="0" y="0"/>
-          <a:chExt cx="0" cy="0"/>
-        </a:xfrm>
-      </p:grpSpPr>
-      <p:sp>
-        <p:nvSpPr>
-          <p:cNvPr id="2" name="Title 1">
-            <a:extLst>
-              <a:ext uri="{FF2B5EF4-FFF2-40B4-BE49-F238E27FC236}">
-                <a16:creationId xmlns:a16="http://schemas.microsoft.com/office/drawing/2014/main" id="{D13EE2B0-B4C2-89D5-D5B9-1DF5BE70DC5F}"/>
-              </a:ext>
-            </a:extLst>
-          </p:cNvPr>
-          <p:cNvSpPr>
-            <a:spLocks noGrp="1"/>
-          </p:cNvSpPr>
-          <p:nvPr>
-            <p:ph type="title"/>
-          </p:nvPr>
-        </p:nvSpPr>
-        <p:spPr>
-          <a:xfrm>
-            <a:off x="152400" y="152400"/>
-            <a:ext cx="8610600" cy="838200"/>
-          </a:xfrm>
-        </p:spPr>
-        <p:txBody>
-          <a:bodyPr/>
-          <a:lstStyle/>
-          <a:p>
-            <a:r>
-              <a:rPr lang="en-US" altLang="zh-CN" dirty="0"/>
-              <a:t>Channel</a:t>
-            </a:r>
-            <a:endParaRPr lang="zh-CN" altLang="en-US" dirty="0"/>
-          </a:p>
-        </p:txBody>
-      </p:sp>
-      <p:sp>
-        <p:nvSpPr>
-          <p:cNvPr id="7" name="内容占位符 2">
-            <a:extLst>
-              <a:ext uri="{FF2B5EF4-FFF2-40B4-BE49-F238E27FC236}">
-                <a16:creationId xmlns:a16="http://schemas.microsoft.com/office/drawing/2014/main" id="{D2C6C04E-3AE6-BF1A-EE2B-80CAEA4AD7AC}"/>
-              </a:ext>
-            </a:extLst>
-          </p:cNvPr>
-          <p:cNvSpPr>
-            <a:spLocks noGrp="1"/>
-          </p:cNvSpPr>
-          <p:nvPr>
-            <p:ph idx="4294967295"/>
-          </p:nvPr>
-        </p:nvSpPr>
-        <p:spPr>
-          <a:xfrm>
-            <a:off x="93652" y="1068111"/>
-            <a:ext cx="9050348" cy="1979889"/>
-          </a:xfrm>
-        </p:spPr>
-        <p:txBody>
-          <a:bodyPr/>
-          <a:lstStyle/>
-          <a:p>
-            <a:r>
-              <a:rPr lang="en-US" altLang="zh-CN" sz="2400" dirty="0">
-                <a:latin typeface="+mn-lt"/>
-                <a:cs typeface="Times New Roman" panose="02020603050405020304" pitchFamily="18" charset="0"/>
-              </a:rPr>
-              <a:t>RETAU180</a:t>
-            </a:r>
-            <a:endParaRPr lang="en-US" altLang="zh-CN" sz="2000" dirty="0">
-              <a:latin typeface="+mn-lt"/>
-              <a:cs typeface="Times New Roman" panose="02020603050405020304" pitchFamily="18" charset="0"/>
-            </a:endParaRPr>
-          </a:p>
-          <a:p>
-            <a:pPr lvl="1"/>
-            <a:r>
-              <a:rPr lang="en-US" altLang="zh-CN" sz="2000" dirty="0">
-                <a:latin typeface="+mn-lt"/>
-                <a:cs typeface="Times New Roman" panose="02020603050405020304" pitchFamily="18" charset="0"/>
-              </a:rPr>
-              <a:t>Both Neumann and wall model yield acceptable profiles</a:t>
-            </a:r>
-          </a:p>
-          <a:p>
-            <a:pPr lvl="1"/>
-            <a:r>
-              <a:rPr lang="en-US" altLang="zh-CN" sz="2000" dirty="0">
-                <a:latin typeface="+mn-lt"/>
-                <a:cs typeface="Times New Roman" panose="02020603050405020304" pitchFamily="18" charset="0"/>
-              </a:rPr>
-              <a:t>The DNS grid and the finest wall model grid produce the same results, but show difference from the DNS results, demonstrating imperfection of the wall model</a:t>
-            </a:r>
-            <a:endParaRPr lang="en-US" altLang="zh-CN" sz="2000" kern="0" dirty="0">
-              <a:latin typeface="+mn-lt"/>
-              <a:cs typeface="Times New Roman" panose="02020603050405020304" pitchFamily="18" charset="0"/>
-            </a:endParaRPr>
-          </a:p>
-          <a:p>
-            <a:pPr marL="457200" lvl="1" indent="0">
-              <a:buNone/>
-            </a:pPr>
-            <a:endParaRPr lang="en-US" altLang="zh-CN" sz="2000" baseline="30000" dirty="0">
-              <a:latin typeface="+mn-lt"/>
-              <a:cs typeface="Times New Roman" panose="02020603050405020304" pitchFamily="18" charset="0"/>
-            </a:endParaRPr>
-          </a:p>
-          <a:p>
-            <a:pPr marL="457200" lvl="1" indent="0">
-              <a:buNone/>
-            </a:pPr>
-            <a:endParaRPr lang="en-US" altLang="zh-CN" sz="2000" baseline="30000" dirty="0">
-              <a:latin typeface="+mn-lt"/>
-              <a:cs typeface="Times New Roman" panose="02020603050405020304" pitchFamily="18" charset="0"/>
-            </a:endParaRPr>
-          </a:p>
-          <a:p>
-            <a:pPr marL="457200" lvl="1" indent="0">
-              <a:buNone/>
-            </a:pPr>
-            <a:endParaRPr lang="en-US" altLang="zh-CN" sz="2000" baseline="30000" dirty="0">
-              <a:latin typeface="+mn-lt"/>
-              <a:cs typeface="Times New Roman" panose="02020603050405020304" pitchFamily="18" charset="0"/>
-            </a:endParaRPr>
-          </a:p>
-          <a:p>
-            <a:pPr marL="457200" lvl="1" indent="0">
-              <a:buNone/>
-            </a:pPr>
-            <a:endParaRPr lang="en-US" altLang="zh-CN" sz="2000" baseline="30000" dirty="0">
-              <a:latin typeface="+mn-lt"/>
-              <a:cs typeface="Times New Roman" panose="02020603050405020304" pitchFamily="18" charset="0"/>
-            </a:endParaRPr>
-          </a:p>
-          <a:p>
-            <a:pPr marL="457200" lvl="1" indent="0">
-              <a:buNone/>
-            </a:pPr>
-            <a:endParaRPr lang="en-US" altLang="zh-CN" sz="2000" baseline="30000" dirty="0">
-              <a:latin typeface="+mn-lt"/>
-              <a:cs typeface="Times New Roman" panose="02020603050405020304" pitchFamily="18" charset="0"/>
-            </a:endParaRPr>
-          </a:p>
-          <a:p>
-            <a:pPr marL="457200" lvl="1" indent="0">
-              <a:buNone/>
-            </a:pPr>
-            <a:endParaRPr lang="en-US" altLang="zh-CN" sz="2000" baseline="30000" dirty="0">
-              <a:latin typeface="+mn-lt"/>
-              <a:cs typeface="Times New Roman" panose="02020603050405020304" pitchFamily="18" charset="0"/>
-            </a:endParaRPr>
-          </a:p>
-          <a:p>
-            <a:pPr marL="457200" lvl="1" indent="0">
-              <a:buNone/>
-            </a:pPr>
-            <a:endParaRPr lang="en-US" altLang="zh-CN" sz="2000" baseline="30000" dirty="0">
-              <a:latin typeface="+mn-lt"/>
-              <a:cs typeface="Times New Roman" panose="02020603050405020304" pitchFamily="18" charset="0"/>
-            </a:endParaRPr>
-          </a:p>
-          <a:p>
-            <a:pPr marL="457200" lvl="1" indent="0">
-              <a:buNone/>
-            </a:pPr>
-            <a:endParaRPr lang="en-US" altLang="zh-CN" sz="2000" baseline="30000" dirty="0">
-              <a:latin typeface="+mn-lt"/>
-              <a:cs typeface="Times New Roman" panose="02020603050405020304" pitchFamily="18" charset="0"/>
-            </a:endParaRPr>
-          </a:p>
-          <a:p>
-            <a:pPr>
-              <a:lnSpc>
-                <a:spcPct val="125000"/>
-              </a:lnSpc>
-            </a:pPr>
-            <a:endParaRPr lang="en-US" altLang="zh-CN" sz="2400" dirty="0">
-              <a:latin typeface="+mn-lt"/>
-              <a:cs typeface="Times New Roman" panose="02020603050405020304" pitchFamily="18" charset="0"/>
-            </a:endParaRPr>
-          </a:p>
-          <a:p>
-            <a:pPr marL="457200" lvl="1" indent="0">
-              <a:lnSpc>
-                <a:spcPct val="125000"/>
-              </a:lnSpc>
-              <a:buNone/>
-            </a:pPr>
-            <a:endParaRPr lang="en-US" altLang="zh-CN" sz="2000" dirty="0">
-              <a:latin typeface="+mn-lt"/>
-              <a:cs typeface="Times New Roman" panose="02020603050405020304" pitchFamily="18" charset="0"/>
-            </a:endParaRPr>
-          </a:p>
-        </p:txBody>
-      </p:sp>
-      <p:sp>
-        <p:nvSpPr>
-          <p:cNvPr id="9" name="Rectangle 2">
-            <a:extLst>
-              <a:ext uri="{FF2B5EF4-FFF2-40B4-BE49-F238E27FC236}">
-                <a16:creationId xmlns:a16="http://schemas.microsoft.com/office/drawing/2014/main" id="{39432E37-D0CA-42E2-B210-9AC1CA0029EC}"/>
-              </a:ext>
-            </a:extLst>
-          </p:cNvPr>
-          <p:cNvSpPr>
-            <a:spLocks noChangeArrowheads="1"/>
-          </p:cNvSpPr>
-          <p:nvPr/>
-        </p:nvSpPr>
-        <p:spPr bwMode="auto">
-          <a:xfrm>
-            <a:off x="0" y="0"/>
-            <a:ext cx="9144000" cy="0"/>
-          </a:xfrm>
-          <a:prstGeom prst="rect">
-            <a:avLst/>
-          </a:prstGeom>
-          <a:noFill/>
-          <a:ln>
-            <a:noFill/>
-          </a:ln>
-          <a:effectLst/>
-          <a:extLst>
-            <a:ext uri="{909E8E84-426E-40DD-AFC4-6F175D3DCCD1}">
-              <a14:hiddenFill xmlns:a14="http://schemas.microsoft.com/office/drawing/2010/main">
-                <a:solidFill>
-                  <a:schemeClr val="accent1"/>
-                </a:solidFill>
-              </a14:hiddenFill>
-            </a:ext>
-            <a:ext uri="{91240B29-F687-4F45-9708-019B960494DF}">
-              <a14:hiddenLine xmlns:a14="http://schemas.microsoft.com/office/drawing/2010/main" w="9525">
-                <a:solidFill>
-                  <a:schemeClr val="tx1"/>
-                </a:solidFill>
-                <a:miter lim="800000"/>
-                <a:headEnd/>
-                <a:tailEnd/>
-              </a14:hiddenLine>
-            </a:ext>
-            <a:ext uri="{AF507438-7753-43E0-B8FC-AC1667EBCBE1}">
-              <a14:hiddenEffects xmlns:a14="http://schemas.microsoft.com/office/drawing/2010/main">
-                <a:effectLst>
-                  <a:outerShdw dist="35921" dir="2700000" algn="ctr" rotWithShape="0">
-                    <a:schemeClr val="bg2"/>
-                  </a:outerShdw>
-                </a:effectLst>
-              </a14:hiddenEffects>
-            </a:ext>
-          </a:extLst>
-        </p:spPr>
-        <p:txBody>
-          <a:bodyPr vert="horz" wrap="none" lIns="91440" tIns="45720" rIns="91440" bIns="45720" numCol="1" anchor="ctr" anchorCtr="0" compatLnSpc="1">
-            <a:prstTxWarp prst="textNoShape">
-              <a:avLst/>
-            </a:prstTxWarp>
-            <a:spAutoFit/>
-          </a:bodyPr>
-          <a:lstStyle/>
-          <a:p>
-            <a:endParaRPr lang="zh-CN" altLang="en-US"/>
-          </a:p>
-        </p:txBody>
-      </p:sp>
-    </p:spTree>
-    <p:extLst>
-      <p:ext uri="{BB962C8B-B14F-4D97-AF65-F5344CB8AC3E}">
-        <p14:creationId xmlns:p14="http://schemas.microsoft.com/office/powerpoint/2010/main" val="3334254190"/>
-      </p:ext>
-    </p:extLst>
-  </p:cSld>
-  <p:clrMapOvr>
-    <a:masterClrMapping/>
-  </p:clrMapOvr>
-  <p:transition spd="med" advTm="63997"/>
-</p:sld>
-</file>
-
-<file path=ppt/slides/slide20.xml><?xml version="1.0" encoding="utf-8"?>
+<file path=ppt/slides/slide22.xml><?xml version="1.0" encoding="utf-8"?>
 <p:sld xmlns:a="http://schemas.openxmlformats.org/drawingml/2006/main" xmlns:r="http://schemas.openxmlformats.org/officeDocument/2006/relationships" xmlns:p="http://schemas.openxmlformats.org/presentationml/2006/main">
   <p:cSld>
     <p:spTree>
@@ -31386,7 +32392,7 @@
 </p:sld>
 </file>
 
-<file path=ppt/slides/slide21.xml><?xml version="1.0" encoding="utf-8"?>
+<file path=ppt/slides/slide23.xml><?xml version="1.0" encoding="utf-8"?>
 <p:sld xmlns:a="http://schemas.openxmlformats.org/drawingml/2006/main" xmlns:r="http://schemas.openxmlformats.org/officeDocument/2006/relationships" xmlns:p="http://schemas.openxmlformats.org/presentationml/2006/main">
   <p:cSld>
     <p:spTree>
@@ -32073,7 +33079,7 @@
 </p:sld>
 </file>
 
-<file path=ppt/slides/slide22.xml><?xml version="1.0" encoding="utf-8"?>
+<file path=ppt/slides/slide24.xml><?xml version="1.0" encoding="utf-8"?>
 <p:sld xmlns:a="http://schemas.openxmlformats.org/drawingml/2006/main" xmlns:r="http://schemas.openxmlformats.org/officeDocument/2006/relationships" xmlns:p="http://schemas.openxmlformats.org/presentationml/2006/main">
   <p:cSld>
     <p:spTree>
@@ -32453,7 +33459,7 @@
 </p:sld>
 </file>
 
-<file path=ppt/slides/slide23.xml><?xml version="1.0" encoding="utf-8"?>
+<file path=ppt/slides/slide25.xml><?xml version="1.0" encoding="utf-8"?>
 <p:sld xmlns:a="http://schemas.openxmlformats.org/drawingml/2006/main" xmlns:r="http://schemas.openxmlformats.org/officeDocument/2006/relationships" xmlns:p="http://schemas.openxmlformats.org/presentationml/2006/main">
   <p:cSld>
     <p:spTree>
@@ -33834,7 +34840,7 @@
         </p:blipFill>
         <p:spPr>
           <a:xfrm>
-            <a:off x="4343400" y="1981200"/>
+            <a:off x="4572000" y="1748805"/>
             <a:ext cx="3200400" cy="2410558"/>
           </a:xfrm>
           <a:prstGeom prst="rect">
@@ -33864,7 +34870,7 @@
         </p:blipFill>
         <p:spPr>
           <a:xfrm>
-            <a:off x="1138646" y="1981200"/>
+            <a:off x="1367246" y="1748805"/>
             <a:ext cx="3200400" cy="2392631"/>
           </a:xfrm>
           <a:prstGeom prst="rect">
@@ -33894,7 +34900,7 @@
         </p:blipFill>
         <p:spPr>
           <a:xfrm>
-            <a:off x="1138646" y="4391758"/>
+            <a:off x="1367246" y="4159363"/>
             <a:ext cx="3200400" cy="2393837"/>
           </a:xfrm>
           <a:prstGeom prst="rect">
@@ -33917,6 +34923,454 @@
 </file>
 
 <file path=ppt/slides/slide5.xml><?xml version="1.0" encoding="utf-8"?>
+<p:sld xmlns:a="http://schemas.openxmlformats.org/drawingml/2006/main" xmlns:r="http://schemas.openxmlformats.org/officeDocument/2006/relationships" xmlns:p="http://schemas.openxmlformats.org/presentationml/2006/main">
+  <p:cSld>
+    <p:spTree>
+      <p:nvGrpSpPr>
+        <p:cNvPr id="1" name=""/>
+        <p:cNvGrpSpPr/>
+        <p:nvPr/>
+      </p:nvGrpSpPr>
+      <p:grpSpPr>
+        <a:xfrm>
+          <a:off x="0" y="0"/>
+          <a:ext cx="0" cy="0"/>
+          <a:chOff x="0" y="0"/>
+          <a:chExt cx="0" cy="0"/>
+        </a:xfrm>
+      </p:grpSpPr>
+      <p:sp>
+        <p:nvSpPr>
+          <p:cNvPr id="6" name="Title 1">
+            <a:extLst>
+              <a:ext uri="{FF2B5EF4-FFF2-40B4-BE49-F238E27FC236}">
+                <a16:creationId xmlns:a16="http://schemas.microsoft.com/office/drawing/2014/main" id="{672A50A6-DF4F-C15D-3695-4B8C888F16FF}"/>
+              </a:ext>
+            </a:extLst>
+          </p:cNvPr>
+          <p:cNvSpPr>
+            <a:spLocks noGrp="1"/>
+          </p:cNvSpPr>
+          <p:nvPr>
+            <p:ph type="title"/>
+          </p:nvPr>
+        </p:nvSpPr>
+        <p:spPr>
+          <a:xfrm>
+            <a:off x="152400" y="152400"/>
+            <a:ext cx="8610600" cy="838200"/>
+          </a:xfrm>
+        </p:spPr>
+        <p:txBody>
+          <a:bodyPr/>
+          <a:lstStyle/>
+          <a:p>
+            <a:r>
+              <a:rPr lang="en-US" altLang="zh-CN" dirty="0"/>
+              <a:t>Channel</a:t>
+            </a:r>
+            <a:endParaRPr lang="zh-CN" altLang="en-US" dirty="0"/>
+          </a:p>
+        </p:txBody>
+      </p:sp>
+      <p:sp>
+        <p:nvSpPr>
+          <p:cNvPr id="8" name="内容占位符 2">
+            <a:extLst>
+              <a:ext uri="{FF2B5EF4-FFF2-40B4-BE49-F238E27FC236}">
+                <a16:creationId xmlns:a16="http://schemas.microsoft.com/office/drawing/2014/main" id="{2CA7BECD-9996-EA33-E05F-D04BFFAF531D}"/>
+              </a:ext>
+            </a:extLst>
+          </p:cNvPr>
+          <p:cNvSpPr txBox="1">
+            <a:spLocks/>
+          </p:cNvSpPr>
+          <p:nvPr/>
+        </p:nvSpPr>
+        <p:spPr bwMode="auto">
+          <a:xfrm>
+            <a:off x="93652" y="1068113"/>
+            <a:ext cx="8610600" cy="932338"/>
+          </a:xfrm>
+          <a:prstGeom prst="rect">
+            <a:avLst/>
+          </a:prstGeom>
+          <a:noFill/>
+          <a:ln>
+            <a:noFill/>
+          </a:ln>
+          <a:extLst>
+            <a:ext uri="{909E8E84-426E-40DD-AFC4-6F175D3DCCD1}">
+              <a14:hiddenFill xmlns:a14="http://schemas.microsoft.com/office/drawing/2010/main">
+                <a:solidFill>
+                  <a:srgbClr val="FFFFFF"/>
+                </a:solidFill>
+              </a14:hiddenFill>
+            </a:ext>
+            <a:ext uri="{91240B29-F687-4F45-9708-019B960494DF}">
+              <a14:hiddenLine xmlns:a14="http://schemas.microsoft.com/office/drawing/2010/main" w="28575">
+                <a:solidFill>
+                  <a:srgbClr val="000000"/>
+                </a:solidFill>
+                <a:miter lim="800000"/>
+                <a:headEnd/>
+                <a:tailEnd/>
+              </a14:hiddenLine>
+            </a:ext>
+          </a:extLst>
+        </p:spPr>
+        <p:txBody>
+          <a:bodyPr vert="horz" wrap="square" lIns="91440" tIns="45720" rIns="91440" bIns="45720" numCol="1" anchor="t" anchorCtr="0" compatLnSpc="1">
+            <a:prstTxWarp prst="textNoShape">
+              <a:avLst/>
+            </a:prstTxWarp>
+          </a:bodyPr>
+          <a:lstStyle>
+            <a:lvl1pPr marL="342900" indent="-342900" algn="l" rtl="0" eaLnBrk="1" fontAlgn="base" hangingPunct="1">
+              <a:spcBef>
+                <a:spcPct val="30000"/>
+              </a:spcBef>
+              <a:spcAft>
+                <a:spcPct val="0"/>
+              </a:spcAft>
+              <a:buClr>
+                <a:schemeClr val="hlink"/>
+              </a:buClr>
+              <a:buFont typeface="Wingdings" pitchFamily="2" charset="2"/>
+              <a:buChar char="§"/>
+              <a:defRPr sz="3200">
+                <a:solidFill>
+                  <a:srgbClr val="000066"/>
+                </a:solidFill>
+                <a:latin typeface="微软雅黑" pitchFamily="34" charset="-122"/>
+                <a:ea typeface="微软雅黑" pitchFamily="34" charset="-122"/>
+                <a:cs typeface="+mn-cs"/>
+              </a:defRPr>
+            </a:lvl1pPr>
+            <a:lvl2pPr marL="742950" indent="-285750" algn="l" rtl="0" eaLnBrk="1" fontAlgn="base" hangingPunct="1">
+              <a:spcBef>
+                <a:spcPct val="30000"/>
+              </a:spcBef>
+              <a:spcAft>
+                <a:spcPct val="0"/>
+              </a:spcAft>
+              <a:buClr>
+                <a:schemeClr val="tx2"/>
+              </a:buClr>
+              <a:buSzPct val="85000"/>
+              <a:buFont typeface="Wingdings" pitchFamily="2" charset="2"/>
+              <a:buChar char="Ø"/>
+              <a:defRPr sz="2800">
+                <a:solidFill>
+                  <a:srgbClr val="006666"/>
+                </a:solidFill>
+                <a:latin typeface="微软雅黑" pitchFamily="34" charset="-122"/>
+                <a:ea typeface="微软雅黑" pitchFamily="34" charset="-122"/>
+              </a:defRPr>
+            </a:lvl2pPr>
+            <a:lvl3pPr marL="1143000" indent="-228600" algn="l" rtl="0" eaLnBrk="1" fontAlgn="base" hangingPunct="1">
+              <a:spcBef>
+                <a:spcPct val="30000"/>
+              </a:spcBef>
+              <a:spcAft>
+                <a:spcPct val="0"/>
+              </a:spcAft>
+              <a:buClr>
+                <a:schemeClr val="hlink"/>
+              </a:buClr>
+              <a:buSzPct val="95000"/>
+              <a:buFont typeface="Wingdings 2" pitchFamily="18" charset="2"/>
+              <a:buChar char="¡"/>
+              <a:defRPr sz="2400">
+                <a:solidFill>
+                  <a:schemeClr val="hlink"/>
+                </a:solidFill>
+                <a:latin typeface="微软雅黑" pitchFamily="34" charset="-122"/>
+                <a:ea typeface="微软雅黑" pitchFamily="34" charset="-122"/>
+              </a:defRPr>
+            </a:lvl3pPr>
+            <a:lvl4pPr marL="1600200" indent="-228600" algn="l" rtl="0" eaLnBrk="1" fontAlgn="base" hangingPunct="1">
+              <a:spcBef>
+                <a:spcPct val="30000"/>
+              </a:spcBef>
+              <a:spcAft>
+                <a:spcPct val="0"/>
+              </a:spcAft>
+              <a:buClr>
+                <a:schemeClr val="tx2"/>
+              </a:buClr>
+              <a:buSzPct val="90000"/>
+              <a:buFont typeface="Wingdings" pitchFamily="2" charset="2"/>
+              <a:buChar char="Ø"/>
+              <a:defRPr sz="2000">
+                <a:solidFill>
+                  <a:srgbClr val="990099"/>
+                </a:solidFill>
+                <a:latin typeface="微软雅黑" pitchFamily="34" charset="-122"/>
+                <a:ea typeface="微软雅黑" pitchFamily="34" charset="-122"/>
+              </a:defRPr>
+            </a:lvl4pPr>
+            <a:lvl5pPr marL="2057400" indent="-228600" algn="l" rtl="0" eaLnBrk="1" fontAlgn="base" hangingPunct="1">
+              <a:spcBef>
+                <a:spcPct val="30000"/>
+              </a:spcBef>
+              <a:spcAft>
+                <a:spcPct val="0"/>
+              </a:spcAft>
+              <a:buClr>
+                <a:schemeClr val="hlink"/>
+              </a:buClr>
+              <a:buFont typeface="Wingdings 2" pitchFamily="18" charset="2"/>
+              <a:buChar char="¡"/>
+              <a:defRPr sz="2000">
+                <a:solidFill>
+                  <a:schemeClr val="tx1"/>
+                </a:solidFill>
+                <a:latin typeface="微软雅黑" pitchFamily="34" charset="-122"/>
+                <a:ea typeface="微软雅黑" pitchFamily="34" charset="-122"/>
+              </a:defRPr>
+            </a:lvl5pPr>
+            <a:lvl6pPr marL="2514600" indent="-228600" algn="l" rtl="0" eaLnBrk="1" fontAlgn="base" hangingPunct="1">
+              <a:spcBef>
+                <a:spcPct val="30000"/>
+              </a:spcBef>
+              <a:spcAft>
+                <a:spcPct val="0"/>
+              </a:spcAft>
+              <a:buClr>
+                <a:schemeClr val="hlink"/>
+              </a:buClr>
+              <a:buFont typeface="Wingdings 2" pitchFamily="18" charset="2"/>
+              <a:buChar char="¡"/>
+              <a:defRPr sz="2000">
+                <a:solidFill>
+                  <a:schemeClr val="tx1"/>
+                </a:solidFill>
+                <a:latin typeface="+mn-lt"/>
+                <a:ea typeface="+mn-ea"/>
+              </a:defRPr>
+            </a:lvl6pPr>
+            <a:lvl7pPr marL="2971800" indent="-228600" algn="l" rtl="0" eaLnBrk="1" fontAlgn="base" hangingPunct="1">
+              <a:spcBef>
+                <a:spcPct val="30000"/>
+              </a:spcBef>
+              <a:spcAft>
+                <a:spcPct val="0"/>
+              </a:spcAft>
+              <a:buClr>
+                <a:schemeClr val="hlink"/>
+              </a:buClr>
+              <a:buFont typeface="Wingdings 2" pitchFamily="18" charset="2"/>
+              <a:buChar char="¡"/>
+              <a:defRPr sz="2000">
+                <a:solidFill>
+                  <a:schemeClr val="tx1"/>
+                </a:solidFill>
+                <a:latin typeface="+mn-lt"/>
+                <a:ea typeface="+mn-ea"/>
+              </a:defRPr>
+            </a:lvl7pPr>
+            <a:lvl8pPr marL="3429000" indent="-228600" algn="l" rtl="0" eaLnBrk="1" fontAlgn="base" hangingPunct="1">
+              <a:spcBef>
+                <a:spcPct val="30000"/>
+              </a:spcBef>
+              <a:spcAft>
+                <a:spcPct val="0"/>
+              </a:spcAft>
+              <a:buClr>
+                <a:schemeClr val="hlink"/>
+              </a:buClr>
+              <a:buFont typeface="Wingdings 2" pitchFamily="18" charset="2"/>
+              <a:buChar char="¡"/>
+              <a:defRPr sz="2000">
+                <a:solidFill>
+                  <a:schemeClr val="tx1"/>
+                </a:solidFill>
+                <a:latin typeface="+mn-lt"/>
+                <a:ea typeface="+mn-ea"/>
+              </a:defRPr>
+            </a:lvl8pPr>
+            <a:lvl9pPr marL="3886200" indent="-228600" algn="l" rtl="0" eaLnBrk="1" fontAlgn="base" hangingPunct="1">
+              <a:spcBef>
+                <a:spcPct val="30000"/>
+              </a:spcBef>
+              <a:spcAft>
+                <a:spcPct val="0"/>
+              </a:spcAft>
+              <a:buClr>
+                <a:schemeClr val="hlink"/>
+              </a:buClr>
+              <a:buFont typeface="Wingdings 2" pitchFamily="18" charset="2"/>
+              <a:buChar char="¡"/>
+              <a:defRPr sz="2000">
+                <a:solidFill>
+                  <a:schemeClr val="tx1"/>
+                </a:solidFill>
+                <a:latin typeface="+mn-lt"/>
+                <a:ea typeface="+mn-ea"/>
+              </a:defRPr>
+            </a:lvl9pPr>
+          </a:lstStyle>
+          <a:p>
+            <a:r>
+              <a:rPr lang="en-US" altLang="zh-CN" sz="2400" kern="0" dirty="0">
+                <a:latin typeface="+mn-lt"/>
+                <a:cs typeface="Times New Roman" panose="02020603050405020304" pitchFamily="18" charset="0"/>
+              </a:rPr>
+              <a:t>RETAU180</a:t>
+            </a:r>
+            <a:endParaRPr lang="en-US" altLang="zh-CN" sz="2000" kern="0" dirty="0">
+              <a:latin typeface="+mn-lt"/>
+              <a:cs typeface="Times New Roman" panose="02020603050405020304" pitchFamily="18" charset="0"/>
+            </a:endParaRPr>
+          </a:p>
+          <a:p>
+            <a:pPr lvl="1"/>
+            <a:r>
+              <a:rPr lang="en-US" altLang="zh-CN" sz="2000" dirty="0">
+                <a:latin typeface="+mn-lt"/>
+                <a:cs typeface="Times New Roman" panose="02020603050405020304" pitchFamily="18" charset="0"/>
+              </a:rPr>
+              <a:t>ACC does not influence the statistics</a:t>
+            </a:r>
+          </a:p>
+        </p:txBody>
+      </p:sp>
+      <p:pic>
+        <p:nvPicPr>
+          <p:cNvPr id="4" name="Picture 3">
+            <a:extLst>
+              <a:ext uri="{FF2B5EF4-FFF2-40B4-BE49-F238E27FC236}">
+                <a16:creationId xmlns:a16="http://schemas.microsoft.com/office/drawing/2014/main" id="{EA2324CD-E7DF-6B6E-6B48-C69B5D783DAC}"/>
+              </a:ext>
+            </a:extLst>
+          </p:cNvPr>
+          <p:cNvPicPr>
+            <a:picLocks noChangeAspect="1"/>
+          </p:cNvPicPr>
+          <p:nvPr/>
+        </p:nvPicPr>
+        <p:blipFill>
+          <a:blip r:embed="rId2"/>
+          <a:stretch>
+            <a:fillRect/>
+          </a:stretch>
+        </p:blipFill>
+        <p:spPr>
+          <a:xfrm>
+            <a:off x="1066800" y="1981200"/>
+            <a:ext cx="3200400" cy="2413247"/>
+          </a:xfrm>
+          <a:prstGeom prst="rect">
+            <a:avLst/>
+          </a:prstGeom>
+        </p:spPr>
+      </p:pic>
+      <p:pic>
+        <p:nvPicPr>
+          <p:cNvPr id="10" name="Picture 9">
+            <a:extLst>
+              <a:ext uri="{FF2B5EF4-FFF2-40B4-BE49-F238E27FC236}">
+                <a16:creationId xmlns:a16="http://schemas.microsoft.com/office/drawing/2014/main" id="{0CA86D08-19D3-8A62-9FCC-F3831C1ABD23}"/>
+              </a:ext>
+            </a:extLst>
+          </p:cNvPr>
+          <p:cNvPicPr>
+            <a:picLocks noChangeAspect="1"/>
+          </p:cNvPicPr>
+          <p:nvPr/>
+        </p:nvPicPr>
+        <p:blipFill>
+          <a:blip r:embed="rId3"/>
+          <a:stretch>
+            <a:fillRect/>
+          </a:stretch>
+        </p:blipFill>
+        <p:spPr>
+          <a:xfrm>
+            <a:off x="4267200" y="2010878"/>
+            <a:ext cx="3200400" cy="2387519"/>
+          </a:xfrm>
+          <a:prstGeom prst="rect">
+            <a:avLst/>
+          </a:prstGeom>
+        </p:spPr>
+      </p:pic>
+      <p:pic>
+        <p:nvPicPr>
+          <p:cNvPr id="13" name="Picture 12">
+            <a:extLst>
+              <a:ext uri="{FF2B5EF4-FFF2-40B4-BE49-F238E27FC236}">
+                <a16:creationId xmlns:a16="http://schemas.microsoft.com/office/drawing/2014/main" id="{A8518244-07FD-3FFE-6EF7-9A1D63919549}"/>
+              </a:ext>
+            </a:extLst>
+          </p:cNvPr>
+          <p:cNvPicPr>
+            <a:picLocks noChangeAspect="1"/>
+          </p:cNvPicPr>
+          <p:nvPr/>
+        </p:nvPicPr>
+        <p:blipFill>
+          <a:blip r:embed="rId4"/>
+          <a:stretch>
+            <a:fillRect/>
+          </a:stretch>
+        </p:blipFill>
+        <p:spPr>
+          <a:xfrm>
+            <a:off x="1066800" y="4394447"/>
+            <a:ext cx="3200400" cy="2395171"/>
+          </a:xfrm>
+          <a:prstGeom prst="rect">
+            <a:avLst/>
+          </a:prstGeom>
+        </p:spPr>
+      </p:pic>
+      <p:pic>
+        <p:nvPicPr>
+          <p:cNvPr id="15" name="Picture 14">
+            <a:extLst>
+              <a:ext uri="{FF2B5EF4-FFF2-40B4-BE49-F238E27FC236}">
+                <a16:creationId xmlns:a16="http://schemas.microsoft.com/office/drawing/2014/main" id="{5F348A18-1C96-3C4E-DE98-BA2202505C7F}"/>
+              </a:ext>
+            </a:extLst>
+          </p:cNvPr>
+          <p:cNvPicPr>
+            <a:picLocks noChangeAspect="1"/>
+          </p:cNvPicPr>
+          <p:nvPr/>
+        </p:nvPicPr>
+        <p:blipFill>
+          <a:blip r:embed="rId5"/>
+          <a:stretch>
+            <a:fillRect/>
+          </a:stretch>
+        </p:blipFill>
+        <p:spPr>
+          <a:xfrm>
+            <a:off x="4267200" y="4394447"/>
+            <a:ext cx="3200400" cy="2426277"/>
+          </a:xfrm>
+          <a:prstGeom prst="rect">
+            <a:avLst/>
+          </a:prstGeom>
+        </p:spPr>
+      </p:pic>
+    </p:spTree>
+    <p:extLst>
+      <p:ext uri="{BB962C8B-B14F-4D97-AF65-F5344CB8AC3E}">
+        <p14:creationId xmlns:p14="http://schemas.microsoft.com/office/powerpoint/2010/main" val="1699782982"/>
+      </p:ext>
+    </p:extLst>
+  </p:cSld>
+  <p:clrMapOvr>
+    <a:masterClrMapping/>
+  </p:clrMapOvr>
+  <p:transition spd="med"/>
+</p:sld>
+</file>
+
+<file path=ppt/slides/slide6.xml><?xml version="1.0" encoding="utf-8"?>
 <p:sld xmlns:a="http://schemas.openxmlformats.org/drawingml/2006/main" xmlns:r="http://schemas.openxmlformats.org/officeDocument/2006/relationships" xmlns:p="http://schemas.openxmlformats.org/presentationml/2006/main">
   <p:cSld>
     <p:spTree>
@@ -34377,7 +35831,7 @@
 </p:sld>
 </file>
 
-<file path=ppt/slides/slide6.xml><?xml version="1.0" encoding="utf-8"?>
+<file path=ppt/slides/slide7.xml><?xml version="1.0" encoding="utf-8"?>
 <p:sld xmlns:a="http://schemas.openxmlformats.org/drawingml/2006/main" xmlns:r="http://schemas.openxmlformats.org/officeDocument/2006/relationships" xmlns:p="http://schemas.openxmlformats.org/presentationml/2006/main">
   <p:cSld>
     <p:spTree>
@@ -34673,7 +36127,7 @@
 </p:sld>
 </file>
 
-<file path=ppt/slides/slide7.xml><?xml version="1.0" encoding="utf-8"?>
+<file path=ppt/slides/slide8.xml><?xml version="1.0" encoding="utf-8"?>
 <p:sld xmlns:a="http://schemas.openxmlformats.org/drawingml/2006/main" xmlns:r="http://schemas.openxmlformats.org/officeDocument/2006/relationships" xmlns:p="http://schemas.openxmlformats.org/presentationml/2006/main">
   <p:cSld>
     <p:spTree>
@@ -35069,7 +36523,7 @@
 </p:sld>
 </file>
 
-<file path=ppt/slides/slide8.xml><?xml version="1.0" encoding="utf-8"?>
+<file path=ppt/slides/slide9.xml><?xml version="1.0" encoding="utf-8"?>
 <p:sld xmlns:a="http://schemas.openxmlformats.org/drawingml/2006/main" xmlns:r="http://schemas.openxmlformats.org/officeDocument/2006/relationships" xmlns:p="http://schemas.openxmlformats.org/presentationml/2006/main">
   <p:cSld>
     <p:spTree>
@@ -35507,531 +36961,6 @@
     <p:extLst>
       <p:ext uri="{BB962C8B-B14F-4D97-AF65-F5344CB8AC3E}">
         <p14:creationId xmlns:p14="http://schemas.microsoft.com/office/powerpoint/2010/main" val="1503813011"/>
-      </p:ext>
-    </p:extLst>
-  </p:cSld>
-  <p:clrMapOvr>
-    <a:masterClrMapping/>
-  </p:clrMapOvr>
-  <p:transition spd="med" advTm="63997"/>
-</p:sld>
-</file>
-
-<file path=ppt/slides/slide9.xml><?xml version="1.0" encoding="utf-8"?>
-<p:sld xmlns:a="http://schemas.openxmlformats.org/drawingml/2006/main" xmlns:r="http://schemas.openxmlformats.org/officeDocument/2006/relationships" xmlns:p="http://schemas.openxmlformats.org/presentationml/2006/main">
-  <p:cSld>
-    <p:spTree>
-      <p:nvGrpSpPr>
-        <p:cNvPr id="1" name=""/>
-        <p:cNvGrpSpPr/>
-        <p:nvPr/>
-      </p:nvGrpSpPr>
-      <p:grpSpPr>
-        <a:xfrm>
-          <a:off x="0" y="0"/>
-          <a:ext cx="0" cy="0"/>
-          <a:chOff x="0" y="0"/>
-          <a:chExt cx="0" cy="0"/>
-        </a:xfrm>
-      </p:grpSpPr>
-      <p:sp>
-        <p:nvSpPr>
-          <p:cNvPr id="2" name="Title 1"/>
-          <p:cNvSpPr>
-            <a:spLocks noGrp="1"/>
-          </p:cNvSpPr>
-          <p:nvPr>
-            <p:ph type="title"/>
-          </p:nvPr>
-        </p:nvSpPr>
-        <p:spPr>
-          <a:xfrm>
-            <a:off x="152400" y="152400"/>
-            <a:ext cx="8610600" cy="838200"/>
-          </a:xfrm>
-        </p:spPr>
-        <p:txBody>
-          <a:bodyPr/>
-          <a:lstStyle/>
-          <a:p>
-            <a:r>
-              <a:rPr lang="en-US" altLang="zh-CN" dirty="0"/>
-              <a:t>Channel</a:t>
-            </a:r>
-            <a:endParaRPr lang="zh-CN" altLang="en-US" dirty="0"/>
-          </a:p>
-        </p:txBody>
-      </p:sp>
-      <p:sp>
-        <p:nvSpPr>
-          <p:cNvPr id="9" name="Rectangle 2"/>
-          <p:cNvSpPr>
-            <a:spLocks noChangeArrowheads="1"/>
-          </p:cNvSpPr>
-          <p:nvPr/>
-        </p:nvSpPr>
-        <p:spPr bwMode="auto">
-          <a:xfrm>
-            <a:off x="0" y="0"/>
-            <a:ext cx="9144000" cy="0"/>
-          </a:xfrm>
-          <a:prstGeom prst="rect">
-            <a:avLst/>
-          </a:prstGeom>
-          <a:noFill/>
-          <a:ln>
-            <a:noFill/>
-          </a:ln>
-          <a:effectLst/>
-          <a:extLst>
-            <a:ext uri="{909E8E84-426E-40DD-AFC4-6F175D3DCCD1}">
-              <a14:hiddenFill xmlns:a14="http://schemas.microsoft.com/office/drawing/2010/main">
-                <a:solidFill>
-                  <a:schemeClr val="accent1"/>
-                </a:solidFill>
-              </a14:hiddenFill>
-            </a:ext>
-            <a:ext uri="{91240B29-F687-4F45-9708-019B960494DF}">
-              <a14:hiddenLine xmlns:a14="http://schemas.microsoft.com/office/drawing/2010/main" w="9525">
-                <a:solidFill>
-                  <a:schemeClr val="tx1"/>
-                </a:solidFill>
-                <a:miter lim="800000"/>
-                <a:headEnd/>
-                <a:tailEnd/>
-              </a14:hiddenLine>
-            </a:ext>
-            <a:ext uri="{AF507438-7753-43E0-B8FC-AC1667EBCBE1}">
-              <a14:hiddenEffects xmlns:a14="http://schemas.microsoft.com/office/drawing/2010/main">
-                <a:effectLst>
-                  <a:outerShdw dist="35921" dir="2700000" algn="ctr" rotWithShape="0">
-                    <a:schemeClr val="bg2"/>
-                  </a:outerShdw>
-                </a:effectLst>
-              </a14:hiddenEffects>
-            </a:ext>
-          </a:extLst>
-        </p:spPr>
-        <p:txBody>
-          <a:bodyPr vert="horz" wrap="none" lIns="91440" tIns="45720" rIns="91440" bIns="45720" numCol="1" anchor="ctr" anchorCtr="0" compatLnSpc="1">
-            <a:prstTxWarp prst="textNoShape">
-              <a:avLst/>
-            </a:prstTxWarp>
-            <a:spAutoFit/>
-          </a:bodyPr>
-          <a:lstStyle/>
-          <a:p>
-            <a:endParaRPr lang="zh-CN" altLang="en-US"/>
-          </a:p>
-        </p:txBody>
-      </p:sp>
-      <p:sp>
-        <p:nvSpPr>
-          <p:cNvPr id="18" name="内容占位符 2">
-            <a:extLst>
-              <a:ext uri="{FF2B5EF4-FFF2-40B4-BE49-F238E27FC236}">
-                <a16:creationId xmlns:a16="http://schemas.microsoft.com/office/drawing/2014/main" id="{5B83F688-3AAF-6E92-D5A4-B8DCA97B9756}"/>
-              </a:ext>
-            </a:extLst>
-          </p:cNvPr>
-          <p:cNvSpPr txBox="1">
-            <a:spLocks/>
-          </p:cNvSpPr>
-          <p:nvPr/>
-        </p:nvSpPr>
-        <p:spPr bwMode="auto">
-          <a:xfrm>
-            <a:off x="93652" y="1068111"/>
-            <a:ext cx="9050348" cy="1446487"/>
-          </a:xfrm>
-          <a:prstGeom prst="rect">
-            <a:avLst/>
-          </a:prstGeom>
-          <a:noFill/>
-          <a:ln>
-            <a:noFill/>
-          </a:ln>
-          <a:extLst>
-            <a:ext uri="{909E8E84-426E-40DD-AFC4-6F175D3DCCD1}">
-              <a14:hiddenFill xmlns:a14="http://schemas.microsoft.com/office/drawing/2010/main">
-                <a:solidFill>
-                  <a:srgbClr val="FFFFFF"/>
-                </a:solidFill>
-              </a14:hiddenFill>
-            </a:ext>
-            <a:ext uri="{91240B29-F687-4F45-9708-019B960494DF}">
-              <a14:hiddenLine xmlns:a14="http://schemas.microsoft.com/office/drawing/2010/main" w="28575">
-                <a:solidFill>
-                  <a:srgbClr val="000000"/>
-                </a:solidFill>
-                <a:miter lim="800000"/>
-                <a:headEnd/>
-                <a:tailEnd/>
-              </a14:hiddenLine>
-            </a:ext>
-          </a:extLst>
-        </p:spPr>
-        <p:txBody>
-          <a:bodyPr vert="horz" wrap="square" lIns="91440" tIns="45720" rIns="91440" bIns="45720" numCol="1" anchor="t" anchorCtr="0" compatLnSpc="1">
-            <a:prstTxWarp prst="textNoShape">
-              <a:avLst/>
-            </a:prstTxWarp>
-          </a:bodyPr>
-          <a:lstStyle>
-            <a:lvl1pPr marL="342900" indent="-342900" algn="l" rtl="0" eaLnBrk="1" fontAlgn="base" hangingPunct="1">
-              <a:spcBef>
-                <a:spcPct val="30000"/>
-              </a:spcBef>
-              <a:spcAft>
-                <a:spcPct val="0"/>
-              </a:spcAft>
-              <a:buClr>
-                <a:schemeClr val="hlink"/>
-              </a:buClr>
-              <a:buFont typeface="Wingdings" pitchFamily="2" charset="2"/>
-              <a:buChar char="§"/>
-              <a:defRPr sz="3200">
-                <a:solidFill>
-                  <a:srgbClr val="000066"/>
-                </a:solidFill>
-                <a:latin typeface="微软雅黑" pitchFamily="34" charset="-122"/>
-                <a:ea typeface="微软雅黑" pitchFamily="34" charset="-122"/>
-                <a:cs typeface="+mn-cs"/>
-              </a:defRPr>
-            </a:lvl1pPr>
-            <a:lvl2pPr marL="742950" indent="-285750" algn="l" rtl="0" eaLnBrk="1" fontAlgn="base" hangingPunct="1">
-              <a:spcBef>
-                <a:spcPct val="30000"/>
-              </a:spcBef>
-              <a:spcAft>
-                <a:spcPct val="0"/>
-              </a:spcAft>
-              <a:buClr>
-                <a:schemeClr val="tx2"/>
-              </a:buClr>
-              <a:buSzPct val="85000"/>
-              <a:buFont typeface="Wingdings" pitchFamily="2" charset="2"/>
-              <a:buChar char="Ø"/>
-              <a:defRPr sz="2800">
-                <a:solidFill>
-                  <a:srgbClr val="006666"/>
-                </a:solidFill>
-                <a:latin typeface="微软雅黑" pitchFamily="34" charset="-122"/>
-                <a:ea typeface="微软雅黑" pitchFamily="34" charset="-122"/>
-              </a:defRPr>
-            </a:lvl2pPr>
-            <a:lvl3pPr marL="1143000" indent="-228600" algn="l" rtl="0" eaLnBrk="1" fontAlgn="base" hangingPunct="1">
-              <a:spcBef>
-                <a:spcPct val="30000"/>
-              </a:spcBef>
-              <a:spcAft>
-                <a:spcPct val="0"/>
-              </a:spcAft>
-              <a:buClr>
-                <a:schemeClr val="hlink"/>
-              </a:buClr>
-              <a:buSzPct val="95000"/>
-              <a:buFont typeface="Wingdings 2" pitchFamily="18" charset="2"/>
-              <a:buChar char="¡"/>
-              <a:defRPr sz="2400">
-                <a:solidFill>
-                  <a:schemeClr val="hlink"/>
-                </a:solidFill>
-                <a:latin typeface="微软雅黑" pitchFamily="34" charset="-122"/>
-                <a:ea typeface="微软雅黑" pitchFamily="34" charset="-122"/>
-              </a:defRPr>
-            </a:lvl3pPr>
-            <a:lvl4pPr marL="1600200" indent="-228600" algn="l" rtl="0" eaLnBrk="1" fontAlgn="base" hangingPunct="1">
-              <a:spcBef>
-                <a:spcPct val="30000"/>
-              </a:spcBef>
-              <a:spcAft>
-                <a:spcPct val="0"/>
-              </a:spcAft>
-              <a:buClr>
-                <a:schemeClr val="tx2"/>
-              </a:buClr>
-              <a:buSzPct val="90000"/>
-              <a:buFont typeface="Wingdings" pitchFamily="2" charset="2"/>
-              <a:buChar char="Ø"/>
-              <a:defRPr sz="2000">
-                <a:solidFill>
-                  <a:srgbClr val="990099"/>
-                </a:solidFill>
-                <a:latin typeface="微软雅黑" pitchFamily="34" charset="-122"/>
-                <a:ea typeface="微软雅黑" pitchFamily="34" charset="-122"/>
-              </a:defRPr>
-            </a:lvl4pPr>
-            <a:lvl5pPr marL="2057400" indent="-228600" algn="l" rtl="0" eaLnBrk="1" fontAlgn="base" hangingPunct="1">
-              <a:spcBef>
-                <a:spcPct val="30000"/>
-              </a:spcBef>
-              <a:spcAft>
-                <a:spcPct val="0"/>
-              </a:spcAft>
-              <a:buClr>
-                <a:schemeClr val="hlink"/>
-              </a:buClr>
-              <a:buFont typeface="Wingdings 2" pitchFamily="18" charset="2"/>
-              <a:buChar char="¡"/>
-              <a:defRPr sz="2000">
-                <a:solidFill>
-                  <a:schemeClr val="tx1"/>
-                </a:solidFill>
-                <a:latin typeface="微软雅黑" pitchFamily="34" charset="-122"/>
-                <a:ea typeface="微软雅黑" pitchFamily="34" charset="-122"/>
-              </a:defRPr>
-            </a:lvl5pPr>
-            <a:lvl6pPr marL="2514600" indent="-228600" algn="l" rtl="0" eaLnBrk="1" fontAlgn="base" hangingPunct="1">
-              <a:spcBef>
-                <a:spcPct val="30000"/>
-              </a:spcBef>
-              <a:spcAft>
-                <a:spcPct val="0"/>
-              </a:spcAft>
-              <a:buClr>
-                <a:schemeClr val="hlink"/>
-              </a:buClr>
-              <a:buFont typeface="Wingdings 2" pitchFamily="18" charset="2"/>
-              <a:buChar char="¡"/>
-              <a:defRPr sz="2000">
-                <a:solidFill>
-                  <a:schemeClr val="tx1"/>
-                </a:solidFill>
-                <a:latin typeface="+mn-lt"/>
-                <a:ea typeface="+mn-ea"/>
-              </a:defRPr>
-            </a:lvl6pPr>
-            <a:lvl7pPr marL="2971800" indent="-228600" algn="l" rtl="0" eaLnBrk="1" fontAlgn="base" hangingPunct="1">
-              <a:spcBef>
-                <a:spcPct val="30000"/>
-              </a:spcBef>
-              <a:spcAft>
-                <a:spcPct val="0"/>
-              </a:spcAft>
-              <a:buClr>
-                <a:schemeClr val="hlink"/>
-              </a:buClr>
-              <a:buFont typeface="Wingdings 2" pitchFamily="18" charset="2"/>
-              <a:buChar char="¡"/>
-              <a:defRPr sz="2000">
-                <a:solidFill>
-                  <a:schemeClr val="tx1"/>
-                </a:solidFill>
-                <a:latin typeface="+mn-lt"/>
-                <a:ea typeface="+mn-ea"/>
-              </a:defRPr>
-            </a:lvl7pPr>
-            <a:lvl8pPr marL="3429000" indent="-228600" algn="l" rtl="0" eaLnBrk="1" fontAlgn="base" hangingPunct="1">
-              <a:spcBef>
-                <a:spcPct val="30000"/>
-              </a:spcBef>
-              <a:spcAft>
-                <a:spcPct val="0"/>
-              </a:spcAft>
-              <a:buClr>
-                <a:schemeClr val="hlink"/>
-              </a:buClr>
-              <a:buFont typeface="Wingdings 2" pitchFamily="18" charset="2"/>
-              <a:buChar char="¡"/>
-              <a:defRPr sz="2000">
-                <a:solidFill>
-                  <a:schemeClr val="tx1"/>
-                </a:solidFill>
-                <a:latin typeface="+mn-lt"/>
-                <a:ea typeface="+mn-ea"/>
-              </a:defRPr>
-            </a:lvl8pPr>
-            <a:lvl9pPr marL="3886200" indent="-228600" algn="l" rtl="0" eaLnBrk="1" fontAlgn="base" hangingPunct="1">
-              <a:spcBef>
-                <a:spcPct val="30000"/>
-              </a:spcBef>
-              <a:spcAft>
-                <a:spcPct val="0"/>
-              </a:spcAft>
-              <a:buClr>
-                <a:schemeClr val="hlink"/>
-              </a:buClr>
-              <a:buFont typeface="Wingdings 2" pitchFamily="18" charset="2"/>
-              <a:buChar char="¡"/>
-              <a:defRPr sz="2000">
-                <a:solidFill>
-                  <a:schemeClr val="tx1"/>
-                </a:solidFill>
-                <a:latin typeface="+mn-lt"/>
-                <a:ea typeface="+mn-ea"/>
-              </a:defRPr>
-            </a:lvl9pPr>
-          </a:lstStyle>
-          <a:p>
-            <a:r>
-              <a:rPr lang="en-US" altLang="zh-CN" sz="2400" kern="0" dirty="0">
-                <a:latin typeface="+mn-lt"/>
-                <a:cs typeface="Times New Roman" panose="02020603050405020304" pitchFamily="18" charset="0"/>
-              </a:rPr>
-              <a:t>RETAU5200</a:t>
-            </a:r>
-            <a:endParaRPr lang="en-US" altLang="zh-CN" sz="2000" kern="0" dirty="0">
-              <a:latin typeface="+mn-lt"/>
-              <a:cs typeface="Times New Roman" panose="02020603050405020304" pitchFamily="18" charset="0"/>
-            </a:endParaRPr>
-          </a:p>
-          <a:p>
-            <a:pPr lvl="1"/>
-            <a:r>
-              <a:rPr lang="en-US" altLang="zh-CN" sz="2000" dirty="0">
-                <a:latin typeface="+mn-lt"/>
-                <a:cs typeface="Times New Roman" panose="02020603050405020304" pitchFamily="18" charset="0"/>
-              </a:rPr>
-              <a:t>Neither Neumann nor wall model yields acceptable profiles</a:t>
-            </a:r>
-          </a:p>
-          <a:p>
-            <a:pPr lvl="1"/>
-            <a:r>
-              <a:rPr lang="en-US" altLang="zh-CN" sz="2000" kern="0" dirty="0">
-                <a:latin typeface="+mn-lt"/>
-                <a:cs typeface="Times New Roman" panose="02020603050405020304" pitchFamily="18" charset="0"/>
-              </a:rPr>
-              <a:t>Resolutions are insufficient</a:t>
-            </a:r>
-          </a:p>
-        </p:txBody>
-      </p:sp>
-      <p:pic>
-        <p:nvPicPr>
-          <p:cNvPr id="8" name="Picture 7">
-            <a:extLst>
-              <a:ext uri="{FF2B5EF4-FFF2-40B4-BE49-F238E27FC236}">
-                <a16:creationId xmlns:a16="http://schemas.microsoft.com/office/drawing/2014/main" id="{9A407A00-2EDD-F2E4-D7E8-2AAB53D81723}"/>
-              </a:ext>
-            </a:extLst>
-          </p:cNvPr>
-          <p:cNvPicPr>
-            <a:picLocks noChangeAspect="1"/>
-          </p:cNvPicPr>
-          <p:nvPr/>
-        </p:nvPicPr>
-        <p:blipFill>
-          <a:blip r:embed="rId3"/>
-          <a:stretch>
-            <a:fillRect/>
-          </a:stretch>
-        </p:blipFill>
-        <p:spPr>
-          <a:xfrm>
-            <a:off x="4191000" y="2618643"/>
-            <a:ext cx="3200400" cy="2410557"/>
-          </a:xfrm>
-          <a:prstGeom prst="rect">
-            <a:avLst/>
-          </a:prstGeom>
-        </p:spPr>
-      </p:pic>
-      <p:pic>
-        <p:nvPicPr>
-          <p:cNvPr id="11" name="Picture 10">
-            <a:extLst>
-              <a:ext uri="{FF2B5EF4-FFF2-40B4-BE49-F238E27FC236}">
-                <a16:creationId xmlns:a16="http://schemas.microsoft.com/office/drawing/2014/main" id="{EE43C99D-87F0-BDA6-6BBC-EDCE9C3EEC27}"/>
-              </a:ext>
-            </a:extLst>
-          </p:cNvPr>
-          <p:cNvPicPr>
-            <a:picLocks noChangeAspect="1"/>
-          </p:cNvPicPr>
-          <p:nvPr/>
-        </p:nvPicPr>
-        <p:blipFill>
-          <a:blip r:embed="rId4"/>
-          <a:stretch>
-            <a:fillRect/>
-          </a:stretch>
-        </p:blipFill>
-        <p:spPr>
-          <a:xfrm>
-            <a:off x="990600" y="2607437"/>
-            <a:ext cx="3200400" cy="2405429"/>
-          </a:xfrm>
-          <a:prstGeom prst="rect">
-            <a:avLst/>
-          </a:prstGeom>
-        </p:spPr>
-      </p:pic>
-      <p:sp>
-        <p:nvSpPr>
-          <p:cNvPr id="3" name="TextBox 2">
-            <a:extLst>
-              <a:ext uri="{FF2B5EF4-FFF2-40B4-BE49-F238E27FC236}">
-                <a16:creationId xmlns:a16="http://schemas.microsoft.com/office/drawing/2014/main" id="{CEFC1CA4-6BDA-687A-BF4B-114098DF5FEC}"/>
-              </a:ext>
-            </a:extLst>
-          </p:cNvPr>
-          <p:cNvSpPr txBox="1"/>
-          <p:nvPr/>
-        </p:nvSpPr>
-        <p:spPr>
-          <a:xfrm>
-            <a:off x="4394792" y="2923905"/>
-            <a:ext cx="1184940" cy="369332"/>
-          </a:xfrm>
-          <a:prstGeom prst="rect">
-            <a:avLst/>
-          </a:prstGeom>
-          <a:noFill/>
-        </p:spPr>
-        <p:txBody>
-          <a:bodyPr wrap="none" rtlCol="0">
-            <a:spAutoFit/>
-          </a:bodyPr>
-          <a:lstStyle/>
-          <a:p>
-            <a:r>
-              <a:rPr lang="en-US" dirty="0"/>
-              <a:t>Neumann</a:t>
-            </a:r>
-          </a:p>
-        </p:txBody>
-      </p:sp>
-      <p:sp>
-        <p:nvSpPr>
-          <p:cNvPr id="4" name="TextBox 3">
-            <a:extLst>
-              <a:ext uri="{FF2B5EF4-FFF2-40B4-BE49-F238E27FC236}">
-                <a16:creationId xmlns:a16="http://schemas.microsoft.com/office/drawing/2014/main" id="{1312CB8D-E9F5-FF1E-4ED8-D2F0EB944E34}"/>
-              </a:ext>
-            </a:extLst>
-          </p:cNvPr>
-          <p:cNvSpPr txBox="1"/>
-          <p:nvPr/>
-        </p:nvSpPr>
-        <p:spPr>
-          <a:xfrm>
-            <a:off x="1194392" y="2893935"/>
-            <a:ext cx="1317412" cy="369332"/>
-          </a:xfrm>
-          <a:prstGeom prst="rect">
-            <a:avLst/>
-          </a:prstGeom>
-          <a:noFill/>
-        </p:spPr>
-        <p:txBody>
-          <a:bodyPr wrap="none" rtlCol="0">
-            <a:spAutoFit/>
-          </a:bodyPr>
-          <a:lstStyle/>
-          <a:p>
-            <a:r>
-              <a:rPr lang="en-US" dirty="0"/>
-              <a:t>Wall model</a:t>
-            </a:r>
-          </a:p>
-        </p:txBody>
-      </p:sp>
-    </p:spTree>
-    <p:extLst>
-      <p:ext uri="{BB962C8B-B14F-4D97-AF65-F5344CB8AC3E}">
-        <p14:creationId xmlns:p14="http://schemas.microsoft.com/office/powerpoint/2010/main" val="1039208005"/>
       </p:ext>
     </p:extLst>
   </p:cSld>

--- a/docs/vv.pptx
+++ b/docs/vv.pptx
@@ -5,10 +5,10 @@
     <p:sldMasterId id="2147483660" r:id="rId1"/>
   </p:sldMasterIdLst>
   <p:notesMasterIdLst>
-    <p:notesMasterId r:id="rId27"/>
+    <p:notesMasterId r:id="rId28"/>
   </p:notesMasterIdLst>
   <p:handoutMasterIdLst>
-    <p:handoutMasterId r:id="rId28"/>
+    <p:handoutMasterId r:id="rId29"/>
   </p:handoutMasterIdLst>
   <p:sldIdLst>
     <p:sldId id="256" r:id="rId2"/>
@@ -16,26 +16,27 @@
     <p:sldId id="654" r:id="rId4"/>
     <p:sldId id="665" r:id="rId5"/>
     <p:sldId id="671" r:id="rId6"/>
-    <p:sldId id="648" r:id="rId7"/>
-    <p:sldId id="666" r:id="rId8"/>
-    <p:sldId id="650" r:id="rId9"/>
-    <p:sldId id="667" r:id="rId10"/>
-    <p:sldId id="645" r:id="rId11"/>
-    <p:sldId id="658" r:id="rId12"/>
-    <p:sldId id="669" r:id="rId13"/>
-    <p:sldId id="660" r:id="rId14"/>
-    <p:sldId id="661" r:id="rId15"/>
-    <p:sldId id="662" r:id="rId16"/>
-    <p:sldId id="663" r:id="rId17"/>
-    <p:sldId id="664" r:id="rId18"/>
-    <p:sldId id="668" r:id="rId19"/>
-    <p:sldId id="670" r:id="rId20"/>
-    <p:sldId id="651" r:id="rId21"/>
-    <p:sldId id="653" r:id="rId22"/>
-    <p:sldId id="655" r:id="rId23"/>
-    <p:sldId id="656" r:id="rId24"/>
-    <p:sldId id="649" r:id="rId25"/>
-    <p:sldId id="646" r:id="rId26"/>
+    <p:sldId id="672" r:id="rId7"/>
+    <p:sldId id="674" r:id="rId8"/>
+    <p:sldId id="648" r:id="rId9"/>
+    <p:sldId id="666" r:id="rId10"/>
+    <p:sldId id="650" r:id="rId11"/>
+    <p:sldId id="667" r:id="rId12"/>
+    <p:sldId id="645" r:id="rId13"/>
+    <p:sldId id="658" r:id="rId14"/>
+    <p:sldId id="669" r:id="rId15"/>
+    <p:sldId id="673" r:id="rId16"/>
+    <p:sldId id="661" r:id="rId17"/>
+    <p:sldId id="662" r:id="rId18"/>
+    <p:sldId id="676" r:id="rId19"/>
+    <p:sldId id="663" r:id="rId20"/>
+    <p:sldId id="668" r:id="rId21"/>
+    <p:sldId id="670" r:id="rId22"/>
+    <p:sldId id="664" r:id="rId23"/>
+    <p:sldId id="675" r:id="rId24"/>
+    <p:sldId id="655" r:id="rId25"/>
+    <p:sldId id="649" r:id="rId26"/>
+    <p:sldId id="646" r:id="rId27"/>
   </p:sldIdLst>
   <p:sldSz cx="9144000" cy="6858000" type="screen4x3"/>
   <p:notesSz cx="6797675" cy="9931400"/>
@@ -822,7 +823,7 @@
           <a:p>
             <a:fld id="{FFA5E540-6D76-429F-95AD-C7F13B3CAC82}" type="slidenum">
               <a:rPr lang="en-US" smtClean="0"/>
-              <a:t>11</a:t>
+              <a:t>12</a:t>
             </a:fld>
             <a:endParaRPr lang="en-US" dirty="0"/>
           </a:p>
@@ -831,7 +832,7 @@
     </p:spTree>
     <p:extLst>
       <p:ext uri="{BB962C8B-B14F-4D97-AF65-F5344CB8AC3E}">
-        <p14:creationId xmlns:p14="http://schemas.microsoft.com/office/powerpoint/2010/main" val="903497370"/>
+        <p14:creationId xmlns:p14="http://schemas.microsoft.com/office/powerpoint/2010/main" val="2859619452"/>
       </p:ext>
     </p:extLst>
   </p:cSld>
@@ -909,7 +910,7 @@
           <a:p>
             <a:fld id="{FFA5E540-6D76-429F-95AD-C7F13B3CAC82}" type="slidenum">
               <a:rPr lang="en-US" smtClean="0"/>
-              <a:t>12</a:t>
+              <a:t>13</a:t>
             </a:fld>
             <a:endParaRPr lang="en-US" dirty="0"/>
           </a:p>
@@ -918,7 +919,7 @@
     </p:spTree>
     <p:extLst>
       <p:ext uri="{BB962C8B-B14F-4D97-AF65-F5344CB8AC3E}">
-        <p14:creationId xmlns:p14="http://schemas.microsoft.com/office/powerpoint/2010/main" val="463014086"/>
+        <p14:creationId xmlns:p14="http://schemas.microsoft.com/office/powerpoint/2010/main" val="903497370"/>
       </p:ext>
     </p:extLst>
   </p:cSld>
@@ -996,7 +997,7 @@
           <a:p>
             <a:fld id="{FFA5E540-6D76-429F-95AD-C7F13B3CAC82}" type="slidenum">
               <a:rPr lang="en-US" smtClean="0"/>
-              <a:t>13</a:t>
+              <a:t>14</a:t>
             </a:fld>
             <a:endParaRPr lang="en-US" dirty="0"/>
           </a:p>
@@ -1005,7 +1006,7 @@
     </p:spTree>
     <p:extLst>
       <p:ext uri="{BB962C8B-B14F-4D97-AF65-F5344CB8AC3E}">
-        <p14:creationId xmlns:p14="http://schemas.microsoft.com/office/powerpoint/2010/main" val="4134521755"/>
+        <p14:creationId xmlns:p14="http://schemas.microsoft.com/office/powerpoint/2010/main" val="463014086"/>
       </p:ext>
     </p:extLst>
   </p:cSld>
@@ -1083,7 +1084,7 @@
           <a:p>
             <a:fld id="{FFA5E540-6D76-429F-95AD-C7F13B3CAC82}" type="slidenum">
               <a:rPr lang="en-US" smtClean="0"/>
-              <a:t>14</a:t>
+              <a:t>15</a:t>
             </a:fld>
             <a:endParaRPr lang="en-US" dirty="0"/>
           </a:p>
@@ -1092,7 +1093,7 @@
     </p:spTree>
     <p:extLst>
       <p:ext uri="{BB962C8B-B14F-4D97-AF65-F5344CB8AC3E}">
-        <p14:creationId xmlns:p14="http://schemas.microsoft.com/office/powerpoint/2010/main" val="104754045"/>
+        <p14:creationId xmlns:p14="http://schemas.microsoft.com/office/powerpoint/2010/main" val="3705224790"/>
       </p:ext>
     </p:extLst>
   </p:cSld>
@@ -1170,7 +1171,7 @@
           <a:p>
             <a:fld id="{FFA5E540-6D76-429F-95AD-C7F13B3CAC82}" type="slidenum">
               <a:rPr lang="en-US" smtClean="0"/>
-              <a:t>15</a:t>
+              <a:t>16</a:t>
             </a:fld>
             <a:endParaRPr lang="en-US" dirty="0"/>
           </a:p>
@@ -1179,7 +1180,7 @@
     </p:spTree>
     <p:extLst>
       <p:ext uri="{BB962C8B-B14F-4D97-AF65-F5344CB8AC3E}">
-        <p14:creationId xmlns:p14="http://schemas.microsoft.com/office/powerpoint/2010/main" val="9479848"/>
+        <p14:creationId xmlns:p14="http://schemas.microsoft.com/office/powerpoint/2010/main" val="104754045"/>
       </p:ext>
     </p:extLst>
   </p:cSld>
@@ -1257,7 +1258,7 @@
           <a:p>
             <a:fld id="{FFA5E540-6D76-429F-95AD-C7F13B3CAC82}" type="slidenum">
               <a:rPr lang="en-US" smtClean="0"/>
-              <a:t>16</a:t>
+              <a:t>17</a:t>
             </a:fld>
             <a:endParaRPr lang="en-US" dirty="0"/>
           </a:p>
@@ -1266,7 +1267,7 @@
     </p:spTree>
     <p:extLst>
       <p:ext uri="{BB962C8B-B14F-4D97-AF65-F5344CB8AC3E}">
-        <p14:creationId xmlns:p14="http://schemas.microsoft.com/office/powerpoint/2010/main" val="2934220991"/>
+        <p14:creationId xmlns:p14="http://schemas.microsoft.com/office/powerpoint/2010/main" val="9479848"/>
       </p:ext>
     </p:extLst>
   </p:cSld>
@@ -1344,7 +1345,7 @@
           <a:p>
             <a:fld id="{FFA5E540-6D76-429F-95AD-C7F13B3CAC82}" type="slidenum">
               <a:rPr lang="en-US" smtClean="0"/>
-              <a:t>17</a:t>
+              <a:t>18</a:t>
             </a:fld>
             <a:endParaRPr lang="en-US" dirty="0"/>
           </a:p>
@@ -1353,7 +1354,7 @@
     </p:spTree>
     <p:extLst>
       <p:ext uri="{BB962C8B-B14F-4D97-AF65-F5344CB8AC3E}">
-        <p14:creationId xmlns:p14="http://schemas.microsoft.com/office/powerpoint/2010/main" val="2519188471"/>
+        <p14:creationId xmlns:p14="http://schemas.microsoft.com/office/powerpoint/2010/main" val="1390806527"/>
       </p:ext>
     </p:extLst>
   </p:cSld>
@@ -1368,13 +1369,7 @@
   <p:cSld>
     <p:spTree>
       <p:nvGrpSpPr>
-        <p:cNvPr id="1" name="">
-          <a:extLst>
-            <a:ext uri="{FF2B5EF4-FFF2-40B4-BE49-F238E27FC236}">
-              <a16:creationId xmlns:a16="http://schemas.microsoft.com/office/drawing/2014/main" id="{6D7ED9F6-3217-1E52-F122-11506604D5A4}"/>
-            </a:ext>
-          </a:extLst>
-        </p:cNvPr>
+        <p:cNvPr id="1" name=""/>
         <p:cNvGrpSpPr/>
         <p:nvPr/>
       </p:nvGrpSpPr>
@@ -1388,13 +1383,7 @@
       </p:grpSpPr>
       <p:sp>
         <p:nvSpPr>
-          <p:cNvPr id="2" name="Slide Image Placeholder 1">
-            <a:extLst>
-              <a:ext uri="{FF2B5EF4-FFF2-40B4-BE49-F238E27FC236}">
-                <a16:creationId xmlns:a16="http://schemas.microsoft.com/office/drawing/2014/main" id="{9A6031B9-D293-0C7E-5C10-2B88FF08519F}"/>
-              </a:ext>
-            </a:extLst>
-          </p:cNvPr>
+          <p:cNvPr id="2" name="Slide Image Placeholder 1"/>
           <p:cNvSpPr>
             <a:spLocks noGrp="1" noRot="1" noChangeAspect="1"/>
           </p:cNvSpPr>
@@ -1406,13 +1395,7 @@
       </p:sp>
       <p:sp>
         <p:nvSpPr>
-          <p:cNvPr id="3" name="Notes Placeholder 2">
-            <a:extLst>
-              <a:ext uri="{FF2B5EF4-FFF2-40B4-BE49-F238E27FC236}">
-                <a16:creationId xmlns:a16="http://schemas.microsoft.com/office/drawing/2014/main" id="{1501AABF-7606-273A-9AFD-3F19620EDD39}"/>
-              </a:ext>
-            </a:extLst>
-          </p:cNvPr>
+          <p:cNvPr id="3" name="Notes Placeholder 2"/>
           <p:cNvSpPr>
             <a:spLocks noGrp="1"/>
           </p:cNvSpPr>
@@ -1434,13 +1417,7 @@
       </p:sp>
       <p:sp>
         <p:nvSpPr>
-          <p:cNvPr id="4" name="Slide Number Placeholder 3">
-            <a:extLst>
-              <a:ext uri="{FF2B5EF4-FFF2-40B4-BE49-F238E27FC236}">
-                <a16:creationId xmlns:a16="http://schemas.microsoft.com/office/drawing/2014/main" id="{5527F8DC-37ED-6310-0978-CCF47D489A31}"/>
-              </a:ext>
-            </a:extLst>
-          </p:cNvPr>
+          <p:cNvPr id="4" name="Slide Number Placeholder 3"/>
           <p:cNvSpPr>
             <a:spLocks noGrp="1"/>
           </p:cNvSpPr>
@@ -1455,7 +1432,7 @@
           <a:p>
             <a:fld id="{FFA5E540-6D76-429F-95AD-C7F13B3CAC82}" type="slidenum">
               <a:rPr lang="en-US" smtClean="0"/>
-              <a:t>20</a:t>
+              <a:t>19</a:t>
             </a:fld>
             <a:endParaRPr lang="en-US" dirty="0"/>
           </a:p>
@@ -1464,7 +1441,7 @@
     </p:spTree>
     <p:extLst>
       <p:ext uri="{BB962C8B-B14F-4D97-AF65-F5344CB8AC3E}">
-        <p14:creationId xmlns:p14="http://schemas.microsoft.com/office/powerpoint/2010/main" val="4233718859"/>
+        <p14:creationId xmlns:p14="http://schemas.microsoft.com/office/powerpoint/2010/main" val="2934220991"/>
       </p:ext>
     </p:extLst>
   </p:cSld>
@@ -1479,13 +1456,7 @@
   <p:cSld>
     <p:spTree>
       <p:nvGrpSpPr>
-        <p:cNvPr id="1" name="">
-          <a:extLst>
-            <a:ext uri="{FF2B5EF4-FFF2-40B4-BE49-F238E27FC236}">
-              <a16:creationId xmlns:a16="http://schemas.microsoft.com/office/drawing/2014/main" id="{5EB4A1C9-ECDB-41F8-3884-738BCCB738D8}"/>
-            </a:ext>
-          </a:extLst>
-        </p:cNvPr>
+        <p:cNvPr id="1" name=""/>
         <p:cNvGrpSpPr/>
         <p:nvPr/>
       </p:nvGrpSpPr>
@@ -1499,13 +1470,7 @@
       </p:grpSpPr>
       <p:sp>
         <p:nvSpPr>
-          <p:cNvPr id="2" name="Slide Image Placeholder 1">
-            <a:extLst>
-              <a:ext uri="{FF2B5EF4-FFF2-40B4-BE49-F238E27FC236}">
-                <a16:creationId xmlns:a16="http://schemas.microsoft.com/office/drawing/2014/main" id="{06EC575E-38B0-DAD3-2344-2BFE2434719F}"/>
-              </a:ext>
-            </a:extLst>
-          </p:cNvPr>
+          <p:cNvPr id="2" name="Slide Image Placeholder 1"/>
           <p:cNvSpPr>
             <a:spLocks noGrp="1" noRot="1" noChangeAspect="1"/>
           </p:cNvSpPr>
@@ -1517,13 +1482,7 @@
       </p:sp>
       <p:sp>
         <p:nvSpPr>
-          <p:cNvPr id="3" name="Notes Placeholder 2">
-            <a:extLst>
-              <a:ext uri="{FF2B5EF4-FFF2-40B4-BE49-F238E27FC236}">
-                <a16:creationId xmlns:a16="http://schemas.microsoft.com/office/drawing/2014/main" id="{22EBD3C7-DFD0-1B18-4A8B-378F172083D4}"/>
-              </a:ext>
-            </a:extLst>
-          </p:cNvPr>
+          <p:cNvPr id="3" name="Notes Placeholder 2"/>
           <p:cNvSpPr>
             <a:spLocks noGrp="1"/>
           </p:cNvSpPr>
@@ -1545,124 +1504,7 @@
       </p:sp>
       <p:sp>
         <p:nvSpPr>
-          <p:cNvPr id="4" name="Slide Number Placeholder 3">
-            <a:extLst>
-              <a:ext uri="{FF2B5EF4-FFF2-40B4-BE49-F238E27FC236}">
-                <a16:creationId xmlns:a16="http://schemas.microsoft.com/office/drawing/2014/main" id="{FEC3B541-4859-138B-B16F-363E5C818D79}"/>
-              </a:ext>
-            </a:extLst>
-          </p:cNvPr>
-          <p:cNvSpPr>
-            <a:spLocks noGrp="1"/>
-          </p:cNvSpPr>
-          <p:nvPr>
-            <p:ph type="sldNum" sz="quarter" idx="10"/>
-          </p:nvPr>
-        </p:nvSpPr>
-        <p:spPr/>
-        <p:txBody>
-          <a:bodyPr/>
-          <a:lstStyle/>
-          <a:p>
-            <a:fld id="{FFA5E540-6D76-429F-95AD-C7F13B3CAC82}" type="slidenum">
-              <a:rPr lang="en-US" smtClean="0"/>
-              <a:t>21</a:t>
-            </a:fld>
-            <a:endParaRPr lang="en-US" dirty="0"/>
-          </a:p>
-        </p:txBody>
-      </p:sp>
-    </p:spTree>
-    <p:extLst>
-      <p:ext uri="{BB962C8B-B14F-4D97-AF65-F5344CB8AC3E}">
-        <p14:creationId xmlns:p14="http://schemas.microsoft.com/office/powerpoint/2010/main" val="282513375"/>
-      </p:ext>
-    </p:extLst>
-  </p:cSld>
-  <p:clrMapOvr>
-    <a:masterClrMapping/>
-  </p:clrMapOvr>
-</p:notes>
-</file>
-
-<file path=ppt/notesSlides/notesSlide19.xml><?xml version="1.0" encoding="utf-8"?>
-<p:notes xmlns:a="http://schemas.openxmlformats.org/drawingml/2006/main" xmlns:r="http://schemas.openxmlformats.org/officeDocument/2006/relationships" xmlns:p="http://schemas.openxmlformats.org/presentationml/2006/main">
-  <p:cSld>
-    <p:spTree>
-      <p:nvGrpSpPr>
-        <p:cNvPr id="1" name="">
-          <a:extLst>
-            <a:ext uri="{FF2B5EF4-FFF2-40B4-BE49-F238E27FC236}">
-              <a16:creationId xmlns:a16="http://schemas.microsoft.com/office/drawing/2014/main" id="{217A2AAE-6BC8-5808-E162-24A5377FFF91}"/>
-            </a:ext>
-          </a:extLst>
-        </p:cNvPr>
-        <p:cNvGrpSpPr/>
-        <p:nvPr/>
-      </p:nvGrpSpPr>
-      <p:grpSpPr>
-        <a:xfrm>
-          <a:off x="0" y="0"/>
-          <a:ext cx="0" cy="0"/>
-          <a:chOff x="0" y="0"/>
-          <a:chExt cx="0" cy="0"/>
-        </a:xfrm>
-      </p:grpSpPr>
-      <p:sp>
-        <p:nvSpPr>
-          <p:cNvPr id="2" name="Slide Image Placeholder 1">
-            <a:extLst>
-              <a:ext uri="{FF2B5EF4-FFF2-40B4-BE49-F238E27FC236}">
-                <a16:creationId xmlns:a16="http://schemas.microsoft.com/office/drawing/2014/main" id="{8711CEC4-AE77-552C-E28F-E007F72AD713}"/>
-              </a:ext>
-            </a:extLst>
-          </p:cNvPr>
-          <p:cNvSpPr>
-            <a:spLocks noGrp="1" noRot="1" noChangeAspect="1"/>
-          </p:cNvSpPr>
-          <p:nvPr>
-            <p:ph type="sldImg"/>
-          </p:nvPr>
-        </p:nvSpPr>
-        <p:spPr/>
-      </p:sp>
-      <p:sp>
-        <p:nvSpPr>
-          <p:cNvPr id="3" name="Notes Placeholder 2">
-            <a:extLst>
-              <a:ext uri="{FF2B5EF4-FFF2-40B4-BE49-F238E27FC236}">
-                <a16:creationId xmlns:a16="http://schemas.microsoft.com/office/drawing/2014/main" id="{D13FBE2A-8637-C7BB-F205-5DDD71C632AD}"/>
-              </a:ext>
-            </a:extLst>
-          </p:cNvPr>
-          <p:cNvSpPr>
-            <a:spLocks noGrp="1"/>
-          </p:cNvSpPr>
-          <p:nvPr>
-            <p:ph type="body" idx="1"/>
-          </p:nvPr>
-        </p:nvSpPr>
-        <p:spPr/>
-        <p:txBody>
-          <a:bodyPr/>
-          <a:lstStyle/>
-          <a:p>
-            <a:pPr marL="0" indent="0">
-              <a:buNone/>
-            </a:pPr>
-            <a:endParaRPr lang="en-US" dirty="0"/>
-          </a:p>
-        </p:txBody>
-      </p:sp>
-      <p:sp>
-        <p:nvSpPr>
-          <p:cNvPr id="4" name="Slide Number Placeholder 3">
-            <a:extLst>
-              <a:ext uri="{FF2B5EF4-FFF2-40B4-BE49-F238E27FC236}">
-                <a16:creationId xmlns:a16="http://schemas.microsoft.com/office/drawing/2014/main" id="{FD36D316-19DC-B709-334C-9F4AB28C4701}"/>
-              </a:ext>
-            </a:extLst>
-          </p:cNvPr>
+          <p:cNvPr id="4" name="Slide Number Placeholder 3"/>
           <p:cNvSpPr>
             <a:spLocks noGrp="1"/>
           </p:cNvSpPr>
@@ -1686,7 +1528,94 @@
     </p:spTree>
     <p:extLst>
       <p:ext uri="{BB962C8B-B14F-4D97-AF65-F5344CB8AC3E}">
-        <p14:creationId xmlns:p14="http://schemas.microsoft.com/office/powerpoint/2010/main" val="3186069772"/>
+        <p14:creationId xmlns:p14="http://schemas.microsoft.com/office/powerpoint/2010/main" val="2519188471"/>
+      </p:ext>
+    </p:extLst>
+  </p:cSld>
+  <p:clrMapOvr>
+    <a:masterClrMapping/>
+  </p:clrMapOvr>
+</p:notes>
+</file>
+
+<file path=ppt/notesSlides/notesSlide19.xml><?xml version="1.0" encoding="utf-8"?>
+<p:notes xmlns:a="http://schemas.openxmlformats.org/drawingml/2006/main" xmlns:r="http://schemas.openxmlformats.org/officeDocument/2006/relationships" xmlns:p="http://schemas.openxmlformats.org/presentationml/2006/main">
+  <p:cSld>
+    <p:spTree>
+      <p:nvGrpSpPr>
+        <p:cNvPr id="1" name=""/>
+        <p:cNvGrpSpPr/>
+        <p:nvPr/>
+      </p:nvGrpSpPr>
+      <p:grpSpPr>
+        <a:xfrm>
+          <a:off x="0" y="0"/>
+          <a:ext cx="0" cy="0"/>
+          <a:chOff x="0" y="0"/>
+          <a:chExt cx="0" cy="0"/>
+        </a:xfrm>
+      </p:grpSpPr>
+      <p:sp>
+        <p:nvSpPr>
+          <p:cNvPr id="2" name="Slide Image Placeholder 1"/>
+          <p:cNvSpPr>
+            <a:spLocks noGrp="1" noRot="1" noChangeAspect="1"/>
+          </p:cNvSpPr>
+          <p:nvPr>
+            <p:ph type="sldImg"/>
+          </p:nvPr>
+        </p:nvSpPr>
+        <p:spPr/>
+      </p:sp>
+      <p:sp>
+        <p:nvSpPr>
+          <p:cNvPr id="3" name="Notes Placeholder 2"/>
+          <p:cNvSpPr>
+            <a:spLocks noGrp="1"/>
+          </p:cNvSpPr>
+          <p:nvPr>
+            <p:ph type="body" idx="1"/>
+          </p:nvPr>
+        </p:nvSpPr>
+        <p:spPr/>
+        <p:txBody>
+          <a:bodyPr/>
+          <a:lstStyle/>
+          <a:p>
+            <a:pPr marL="0" indent="0">
+              <a:buNone/>
+            </a:pPr>
+            <a:endParaRPr lang="en-US" dirty="0"/>
+          </a:p>
+        </p:txBody>
+      </p:sp>
+      <p:sp>
+        <p:nvSpPr>
+          <p:cNvPr id="4" name="Slide Number Placeholder 3"/>
+          <p:cNvSpPr>
+            <a:spLocks noGrp="1"/>
+          </p:cNvSpPr>
+          <p:nvPr>
+            <p:ph type="sldNum" sz="quarter" idx="10"/>
+          </p:nvPr>
+        </p:nvSpPr>
+        <p:spPr/>
+        <p:txBody>
+          <a:bodyPr/>
+          <a:lstStyle/>
+          <a:p>
+            <a:fld id="{FFA5E540-6D76-429F-95AD-C7F13B3CAC82}" type="slidenum">
+              <a:rPr lang="en-US" smtClean="0"/>
+              <a:t>23</a:t>
+            </a:fld>
+            <a:endParaRPr lang="en-US" dirty="0"/>
+          </a:p>
+        </p:txBody>
+      </p:sp>
+    </p:spTree>
+    <p:extLst>
+      <p:ext uri="{BB962C8B-B14F-4D97-AF65-F5344CB8AC3E}">
+        <p14:creationId xmlns:p14="http://schemas.microsoft.com/office/powerpoint/2010/main" val="3841435580"/>
       </p:ext>
     </p:extLst>
   </p:cSld>
@@ -1812,7 +1741,7 @@
         <p:cNvPr id="1" name="">
           <a:extLst>
             <a:ext uri="{FF2B5EF4-FFF2-40B4-BE49-F238E27FC236}">
-              <a16:creationId xmlns:a16="http://schemas.microsoft.com/office/drawing/2014/main" id="{77D48704-A97B-6AB1-B4E8-82D796B57A28}"/>
+              <a16:creationId xmlns:a16="http://schemas.microsoft.com/office/drawing/2014/main" id="{217A2AAE-6BC8-5808-E162-24A5377FFF91}"/>
             </a:ext>
           </a:extLst>
         </p:cNvPr>
@@ -1832,7 +1761,7 @@
           <p:cNvPr id="2" name="Slide Image Placeholder 1">
             <a:extLst>
               <a:ext uri="{FF2B5EF4-FFF2-40B4-BE49-F238E27FC236}">
-                <a16:creationId xmlns:a16="http://schemas.microsoft.com/office/drawing/2014/main" id="{A62B8F63-995F-C4FE-A432-D86511D8610E}"/>
+                <a16:creationId xmlns:a16="http://schemas.microsoft.com/office/drawing/2014/main" id="{8711CEC4-AE77-552C-E28F-E007F72AD713}"/>
               </a:ext>
             </a:extLst>
           </p:cNvPr>
@@ -1850,7 +1779,7 @@
           <p:cNvPr id="3" name="Notes Placeholder 2">
             <a:extLst>
               <a:ext uri="{FF2B5EF4-FFF2-40B4-BE49-F238E27FC236}">
-                <a16:creationId xmlns:a16="http://schemas.microsoft.com/office/drawing/2014/main" id="{EE4D095E-A64B-EF2C-9723-5EB558A85164}"/>
+                <a16:creationId xmlns:a16="http://schemas.microsoft.com/office/drawing/2014/main" id="{D13FBE2A-8637-C7BB-F205-5DDD71C632AD}"/>
               </a:ext>
             </a:extLst>
           </p:cNvPr>
@@ -1878,7 +1807,7 @@
           <p:cNvPr id="4" name="Slide Number Placeholder 3">
             <a:extLst>
               <a:ext uri="{FF2B5EF4-FFF2-40B4-BE49-F238E27FC236}">
-                <a16:creationId xmlns:a16="http://schemas.microsoft.com/office/drawing/2014/main" id="{BCBFC0FC-1813-8444-349C-AEFD82EEB12A}"/>
+                <a16:creationId xmlns:a16="http://schemas.microsoft.com/office/drawing/2014/main" id="{FD36D316-19DC-B709-334C-9F4AB28C4701}"/>
               </a:ext>
             </a:extLst>
           </p:cNvPr>
@@ -1896,7 +1825,7 @@
           <a:p>
             <a:fld id="{FFA5E540-6D76-429F-95AD-C7F13B3CAC82}" type="slidenum">
               <a:rPr lang="en-US" smtClean="0"/>
-              <a:t>23</a:t>
+              <a:t>24</a:t>
             </a:fld>
             <a:endParaRPr lang="en-US" dirty="0"/>
           </a:p>
@@ -1905,7 +1834,7 @@
     </p:spTree>
     <p:extLst>
       <p:ext uri="{BB962C8B-B14F-4D97-AF65-F5344CB8AC3E}">
-        <p14:creationId xmlns:p14="http://schemas.microsoft.com/office/powerpoint/2010/main" val="3292914359"/>
+        <p14:creationId xmlns:p14="http://schemas.microsoft.com/office/powerpoint/2010/main" val="3186069772"/>
       </p:ext>
     </p:extLst>
   </p:cSld>
@@ -2004,7 +1933,7 @@
           <a:p>
             <a:fld id="{FFA5E540-6D76-429F-95AD-C7F13B3CAC82}" type="slidenum">
               <a:rPr lang="en-US" smtClean="0"/>
-              <a:t>24</a:t>
+              <a:t>25</a:t>
             </a:fld>
             <a:endParaRPr lang="en-US" dirty="0"/>
           </a:p>
@@ -2112,7 +2041,7 @@
           <a:p>
             <a:fld id="{FFA5E540-6D76-429F-95AD-C7F13B3CAC82}" type="slidenum">
               <a:rPr lang="en-US" smtClean="0"/>
-              <a:t>25</a:t>
+              <a:t>26</a:t>
             </a:fld>
             <a:endParaRPr lang="en-US" dirty="0"/>
           </a:p>
@@ -2352,13 +2281,7 @@
   <p:cSld>
     <p:spTree>
       <p:nvGrpSpPr>
-        <p:cNvPr id="1" name="">
-          <a:extLst>
-            <a:ext uri="{FF2B5EF4-FFF2-40B4-BE49-F238E27FC236}">
-              <a16:creationId xmlns:a16="http://schemas.microsoft.com/office/drawing/2014/main" id="{B82CD7DD-D620-77A7-C782-2C721CBDC202}"/>
-            </a:ext>
-          </a:extLst>
-        </p:cNvPr>
+        <p:cNvPr id="1" name=""/>
         <p:cNvGrpSpPr/>
         <p:nvPr/>
       </p:nvGrpSpPr>
@@ -2372,13 +2295,7 @@
       </p:grpSpPr>
       <p:sp>
         <p:nvSpPr>
-          <p:cNvPr id="2" name="Slide Image Placeholder 1">
-            <a:extLst>
-              <a:ext uri="{FF2B5EF4-FFF2-40B4-BE49-F238E27FC236}">
-                <a16:creationId xmlns:a16="http://schemas.microsoft.com/office/drawing/2014/main" id="{F1BA0D12-8F89-320A-F5CB-05803F076A24}"/>
-              </a:ext>
-            </a:extLst>
-          </p:cNvPr>
+          <p:cNvPr id="2" name="Slide Image Placeholder 1"/>
           <p:cNvSpPr>
             <a:spLocks noGrp="1" noRot="1" noChangeAspect="1"/>
           </p:cNvSpPr>
@@ -2390,13 +2307,7 @@
       </p:sp>
       <p:sp>
         <p:nvSpPr>
-          <p:cNvPr id="3" name="Notes Placeholder 2">
-            <a:extLst>
-              <a:ext uri="{FF2B5EF4-FFF2-40B4-BE49-F238E27FC236}">
-                <a16:creationId xmlns:a16="http://schemas.microsoft.com/office/drawing/2014/main" id="{D34F3DAA-CA3C-ED78-901D-052459FC9F7E}"/>
-              </a:ext>
-            </a:extLst>
-          </p:cNvPr>
+          <p:cNvPr id="3" name="Notes Placeholder 2"/>
           <p:cNvSpPr>
             <a:spLocks noGrp="1"/>
           </p:cNvSpPr>
@@ -2409,19 +2320,16 @@
           <a:bodyPr/>
           <a:lstStyle/>
           <a:p>
+            <a:pPr marL="0" indent="0">
+              <a:buNone/>
+            </a:pPr>
             <a:endParaRPr lang="en-US" dirty="0"/>
           </a:p>
         </p:txBody>
       </p:sp>
       <p:sp>
         <p:nvSpPr>
-          <p:cNvPr id="4" name="Slide Number Placeholder 3">
-            <a:extLst>
-              <a:ext uri="{FF2B5EF4-FFF2-40B4-BE49-F238E27FC236}">
-                <a16:creationId xmlns:a16="http://schemas.microsoft.com/office/drawing/2014/main" id="{F16B5BE1-A505-C910-CDD6-C11DAFD5D18A}"/>
-              </a:ext>
-            </a:extLst>
-          </p:cNvPr>
+          <p:cNvPr id="4" name="Slide Number Placeholder 3"/>
           <p:cNvSpPr>
             <a:spLocks noGrp="1"/>
           </p:cNvSpPr>
@@ -2436,7 +2344,7 @@
           <a:p>
             <a:fld id="{FFA5E540-6D76-429F-95AD-C7F13B3CAC82}" type="slidenum">
               <a:rPr lang="en-US" smtClean="0"/>
-              <a:t>6</a:t>
+              <a:t>7</a:t>
             </a:fld>
             <a:endParaRPr lang="en-US" dirty="0"/>
           </a:p>
@@ -2445,7 +2353,7 @@
     </p:spTree>
     <p:extLst>
       <p:ext uri="{BB962C8B-B14F-4D97-AF65-F5344CB8AC3E}">
-        <p14:creationId xmlns:p14="http://schemas.microsoft.com/office/powerpoint/2010/main" val="1780762574"/>
+        <p14:creationId xmlns:p14="http://schemas.microsoft.com/office/powerpoint/2010/main" val="1888099087"/>
       </p:ext>
     </p:extLst>
   </p:cSld>
@@ -2544,7 +2452,7 @@
           <a:p>
             <a:fld id="{FFA5E540-6D76-429F-95AD-C7F13B3CAC82}" type="slidenum">
               <a:rPr lang="en-US" smtClean="0"/>
-              <a:t>7</a:t>
+              <a:t>8</a:t>
             </a:fld>
             <a:endParaRPr lang="en-US" dirty="0"/>
           </a:p>
@@ -2553,7 +2461,7 @@
     </p:spTree>
     <p:extLst>
       <p:ext uri="{BB962C8B-B14F-4D97-AF65-F5344CB8AC3E}">
-        <p14:creationId xmlns:p14="http://schemas.microsoft.com/office/powerpoint/2010/main" val="2278068725"/>
+        <p14:creationId xmlns:p14="http://schemas.microsoft.com/office/powerpoint/2010/main" val="1780762574"/>
       </p:ext>
     </p:extLst>
   </p:cSld>
@@ -2571,7 +2479,7 @@
         <p:cNvPr id="1" name="">
           <a:extLst>
             <a:ext uri="{FF2B5EF4-FFF2-40B4-BE49-F238E27FC236}">
-              <a16:creationId xmlns:a16="http://schemas.microsoft.com/office/drawing/2014/main" id="{9BBB1A3A-0F8B-8CC4-7B65-DD508165D59C}"/>
+              <a16:creationId xmlns:a16="http://schemas.microsoft.com/office/drawing/2014/main" id="{B82CD7DD-D620-77A7-C782-2C721CBDC202}"/>
             </a:ext>
           </a:extLst>
         </p:cNvPr>
@@ -2591,7 +2499,7 @@
           <p:cNvPr id="2" name="Slide Image Placeholder 1">
             <a:extLst>
               <a:ext uri="{FF2B5EF4-FFF2-40B4-BE49-F238E27FC236}">
-                <a16:creationId xmlns:a16="http://schemas.microsoft.com/office/drawing/2014/main" id="{8C48DF48-D2FF-8B3B-980F-E738BE820377}"/>
+                <a16:creationId xmlns:a16="http://schemas.microsoft.com/office/drawing/2014/main" id="{F1BA0D12-8F89-320A-F5CB-05803F076A24}"/>
               </a:ext>
             </a:extLst>
           </p:cNvPr>
@@ -2609,7 +2517,7 @@
           <p:cNvPr id="3" name="Notes Placeholder 2">
             <a:extLst>
               <a:ext uri="{FF2B5EF4-FFF2-40B4-BE49-F238E27FC236}">
-                <a16:creationId xmlns:a16="http://schemas.microsoft.com/office/drawing/2014/main" id="{8F5F6223-BF06-5DCF-0E5F-9568F632C461}"/>
+                <a16:creationId xmlns:a16="http://schemas.microsoft.com/office/drawing/2014/main" id="{D34F3DAA-CA3C-ED78-901D-052459FC9F7E}"/>
               </a:ext>
             </a:extLst>
           </p:cNvPr>
@@ -2634,7 +2542,7 @@
           <p:cNvPr id="4" name="Slide Number Placeholder 3">
             <a:extLst>
               <a:ext uri="{FF2B5EF4-FFF2-40B4-BE49-F238E27FC236}">
-                <a16:creationId xmlns:a16="http://schemas.microsoft.com/office/drawing/2014/main" id="{E2AC06BD-499A-7408-23DF-16318FDE3CFF}"/>
+                <a16:creationId xmlns:a16="http://schemas.microsoft.com/office/drawing/2014/main" id="{F16B5BE1-A505-C910-CDD6-C11DAFD5D18A}"/>
               </a:ext>
             </a:extLst>
           </p:cNvPr>
@@ -2652,7 +2560,7 @@
           <a:p>
             <a:fld id="{FFA5E540-6D76-429F-95AD-C7F13B3CAC82}" type="slidenum">
               <a:rPr lang="en-US" smtClean="0"/>
-              <a:t>8</a:t>
+              <a:t>9</a:t>
             </a:fld>
             <a:endParaRPr lang="en-US" dirty="0"/>
           </a:p>
@@ -2661,7 +2569,7 @@
     </p:spTree>
     <p:extLst>
       <p:ext uri="{BB962C8B-B14F-4D97-AF65-F5344CB8AC3E}">
-        <p14:creationId xmlns:p14="http://schemas.microsoft.com/office/powerpoint/2010/main" val="4119098890"/>
+        <p14:creationId xmlns:p14="http://schemas.microsoft.com/office/powerpoint/2010/main" val="2278068725"/>
       </p:ext>
     </p:extLst>
   </p:cSld>
@@ -2760,7 +2668,7 @@
           <a:p>
             <a:fld id="{FFA5E540-6D76-429F-95AD-C7F13B3CAC82}" type="slidenum">
               <a:rPr lang="en-US" smtClean="0"/>
-              <a:t>9</a:t>
+              <a:t>10</a:t>
             </a:fld>
             <a:endParaRPr lang="en-US" dirty="0"/>
           </a:p>
@@ -2769,7 +2677,7 @@
     </p:spTree>
     <p:extLst>
       <p:ext uri="{BB962C8B-B14F-4D97-AF65-F5344CB8AC3E}">
-        <p14:creationId xmlns:p14="http://schemas.microsoft.com/office/powerpoint/2010/main" val="2389906920"/>
+        <p14:creationId xmlns:p14="http://schemas.microsoft.com/office/powerpoint/2010/main" val="4119098890"/>
       </p:ext>
     </p:extLst>
   </p:cSld>
@@ -2784,7 +2692,13 @@
   <p:cSld>
     <p:spTree>
       <p:nvGrpSpPr>
-        <p:cNvPr id="1" name=""/>
+        <p:cNvPr id="1" name="">
+          <a:extLst>
+            <a:ext uri="{FF2B5EF4-FFF2-40B4-BE49-F238E27FC236}">
+              <a16:creationId xmlns:a16="http://schemas.microsoft.com/office/drawing/2014/main" id="{9BBB1A3A-0F8B-8CC4-7B65-DD508165D59C}"/>
+            </a:ext>
+          </a:extLst>
+        </p:cNvPr>
         <p:cNvGrpSpPr/>
         <p:nvPr/>
       </p:nvGrpSpPr>
@@ -2798,7 +2712,13 @@
       </p:grpSpPr>
       <p:sp>
         <p:nvSpPr>
-          <p:cNvPr id="2" name="Slide Image Placeholder 1"/>
+          <p:cNvPr id="2" name="Slide Image Placeholder 1">
+            <a:extLst>
+              <a:ext uri="{FF2B5EF4-FFF2-40B4-BE49-F238E27FC236}">
+                <a16:creationId xmlns:a16="http://schemas.microsoft.com/office/drawing/2014/main" id="{8C48DF48-D2FF-8B3B-980F-E738BE820377}"/>
+              </a:ext>
+            </a:extLst>
+          </p:cNvPr>
           <p:cNvSpPr>
             <a:spLocks noGrp="1" noRot="1" noChangeAspect="1"/>
           </p:cNvSpPr>
@@ -2810,7 +2730,13 @@
       </p:sp>
       <p:sp>
         <p:nvSpPr>
-          <p:cNvPr id="3" name="Notes Placeholder 2"/>
+          <p:cNvPr id="3" name="Notes Placeholder 2">
+            <a:extLst>
+              <a:ext uri="{FF2B5EF4-FFF2-40B4-BE49-F238E27FC236}">
+                <a16:creationId xmlns:a16="http://schemas.microsoft.com/office/drawing/2014/main" id="{8F5F6223-BF06-5DCF-0E5F-9568F632C461}"/>
+              </a:ext>
+            </a:extLst>
+          </p:cNvPr>
           <p:cNvSpPr>
             <a:spLocks noGrp="1"/>
           </p:cNvSpPr>
@@ -2823,16 +2749,19 @@
           <a:bodyPr/>
           <a:lstStyle/>
           <a:p>
-            <a:pPr marL="0" indent="0">
-              <a:buNone/>
-            </a:pPr>
             <a:endParaRPr lang="en-US" dirty="0"/>
           </a:p>
         </p:txBody>
       </p:sp>
       <p:sp>
         <p:nvSpPr>
-          <p:cNvPr id="4" name="Slide Number Placeholder 3"/>
+          <p:cNvPr id="4" name="Slide Number Placeholder 3">
+            <a:extLst>
+              <a:ext uri="{FF2B5EF4-FFF2-40B4-BE49-F238E27FC236}">
+                <a16:creationId xmlns:a16="http://schemas.microsoft.com/office/drawing/2014/main" id="{E2AC06BD-499A-7408-23DF-16318FDE3CFF}"/>
+              </a:ext>
+            </a:extLst>
+          </p:cNvPr>
           <p:cNvSpPr>
             <a:spLocks noGrp="1"/>
           </p:cNvSpPr>
@@ -2847,7 +2776,7 @@
           <a:p>
             <a:fld id="{FFA5E540-6D76-429F-95AD-C7F13B3CAC82}" type="slidenum">
               <a:rPr lang="en-US" smtClean="0"/>
-              <a:t>10</a:t>
+              <a:t>11</a:t>
             </a:fld>
             <a:endParaRPr lang="en-US" dirty="0"/>
           </a:p>
@@ -2856,7 +2785,7 @@
     </p:spTree>
     <p:extLst>
       <p:ext uri="{BB962C8B-B14F-4D97-AF65-F5344CB8AC3E}">
-        <p14:creationId xmlns:p14="http://schemas.microsoft.com/office/powerpoint/2010/main" val="2859619452"/>
+        <p14:creationId xmlns:p14="http://schemas.microsoft.com/office/powerpoint/2010/main" val="2389906920"/>
       </p:ext>
     </p:extLst>
   </p:cSld>
@@ -25367,17 +25296,8 @@
           <a:p>
             <a:r>
               <a:rPr lang="en-US" dirty="0"/>
-              <a:t>V&amp;V of</a:t>
+              <a:t>V&amp;V of WMLES</a:t>
             </a:r>
-            <a:r>
-              <a:rPr lang="zh-CN" altLang="en-US" dirty="0"/>
-              <a:t> </a:t>
-            </a:r>
-            <a:r>
-              <a:rPr lang="en-US" altLang="zh-CN" dirty="0"/>
-              <a:t>WMLES</a:t>
-            </a:r>
-            <a:endParaRPr lang="en-US" dirty="0"/>
           </a:p>
         </p:txBody>
       </p:sp>
@@ -25416,27 +25336,7 @@
               <a:rPr lang="en-US" altLang="zh-CN" sz="2800" dirty="0">
                 <a:latin typeface="+mj-lt"/>
               </a:rPr>
-              <a:t>  </a:t>
-            </a:r>
-            <a:r>
-              <a:rPr lang="en-US" altLang="zh-CN" sz="2800" dirty="0" err="1">
-                <a:latin typeface="+mj-lt"/>
-              </a:rPr>
-              <a:t>Maochao</a:t>
-            </a:r>
-            <a:r>
-              <a:rPr lang="en-US" altLang="zh-CN" sz="2800" dirty="0">
-                <a:latin typeface="+mj-lt"/>
-              </a:rPr>
-              <a:t> Xiao</a:t>
-            </a:r>
-          </a:p>
-          <a:p>
-            <a:r>
-              <a:rPr lang="en-US" altLang="zh-CN" sz="2800" dirty="0">
-                <a:latin typeface="+mj-lt"/>
-              </a:rPr>
-              <a:t>  08/02/2024</a:t>
+              <a:t>  Maochao Xiao</a:t>
             </a:r>
           </a:p>
           <a:p>
@@ -25511,6 +25411,850 @@
 </file>
 
 <file path=ppt/slides/slide10.xml><?xml version="1.0" encoding="utf-8"?>
+<p:sld xmlns:a="http://schemas.openxmlformats.org/drawingml/2006/main" xmlns:r="http://schemas.openxmlformats.org/officeDocument/2006/relationships" xmlns:p="http://schemas.openxmlformats.org/presentationml/2006/main">
+  <p:cSld>
+    <p:spTree>
+      <p:nvGrpSpPr>
+        <p:cNvPr id="1" name="">
+          <a:extLst>
+            <a:ext uri="{FF2B5EF4-FFF2-40B4-BE49-F238E27FC236}">
+              <a16:creationId xmlns:a16="http://schemas.microsoft.com/office/drawing/2014/main" id="{E36FAF1C-FB3C-6E4F-3EF6-B91416465A30}"/>
+            </a:ext>
+          </a:extLst>
+        </p:cNvPr>
+        <p:cNvGrpSpPr/>
+        <p:nvPr/>
+      </p:nvGrpSpPr>
+      <p:grpSpPr>
+        <a:xfrm>
+          <a:off x="0" y="0"/>
+          <a:ext cx="0" cy="0"/>
+          <a:chOff x="0" y="0"/>
+          <a:chExt cx="0" cy="0"/>
+        </a:xfrm>
+      </p:grpSpPr>
+      <p:sp>
+        <p:nvSpPr>
+          <p:cNvPr id="2" name="Title 1">
+            <a:extLst>
+              <a:ext uri="{FF2B5EF4-FFF2-40B4-BE49-F238E27FC236}">
+                <a16:creationId xmlns:a16="http://schemas.microsoft.com/office/drawing/2014/main" id="{5ADC8DE3-593B-5208-402D-39D2452CA6CD}"/>
+              </a:ext>
+            </a:extLst>
+          </p:cNvPr>
+          <p:cNvSpPr>
+            <a:spLocks noGrp="1"/>
+          </p:cNvSpPr>
+          <p:nvPr>
+            <p:ph type="title"/>
+          </p:nvPr>
+        </p:nvSpPr>
+        <p:spPr>
+          <a:xfrm>
+            <a:off x="152400" y="152400"/>
+            <a:ext cx="8610600" cy="838200"/>
+          </a:xfrm>
+        </p:spPr>
+        <p:txBody>
+          <a:bodyPr/>
+          <a:lstStyle/>
+          <a:p>
+            <a:r>
+              <a:rPr lang="en-US" altLang="zh-CN" dirty="0"/>
+              <a:t>Channel</a:t>
+            </a:r>
+            <a:endParaRPr lang="zh-CN" altLang="en-US" dirty="0"/>
+          </a:p>
+        </p:txBody>
+      </p:sp>
+      <p:sp>
+        <p:nvSpPr>
+          <p:cNvPr id="7" name="内容占位符 2">
+            <a:extLst>
+              <a:ext uri="{FF2B5EF4-FFF2-40B4-BE49-F238E27FC236}">
+                <a16:creationId xmlns:a16="http://schemas.microsoft.com/office/drawing/2014/main" id="{F3384177-C1B6-3F19-F831-1205A5DA7337}"/>
+              </a:ext>
+            </a:extLst>
+          </p:cNvPr>
+          <p:cNvSpPr>
+            <a:spLocks noGrp="1"/>
+          </p:cNvSpPr>
+          <p:nvPr>
+            <p:ph idx="4294967295"/>
+          </p:nvPr>
+        </p:nvSpPr>
+        <p:spPr>
+          <a:xfrm>
+            <a:off x="93652" y="1068111"/>
+            <a:ext cx="9050348" cy="1979889"/>
+          </a:xfrm>
+        </p:spPr>
+        <p:txBody>
+          <a:bodyPr/>
+          <a:lstStyle/>
+          <a:p>
+            <a:r>
+              <a:rPr lang="en-US" altLang="zh-CN" sz="2400" dirty="0">
+                <a:latin typeface="+mn-lt"/>
+                <a:cs typeface="Times New Roman" panose="02020603050405020304" pitchFamily="18" charset="0"/>
+              </a:rPr>
+              <a:t>RETAU1000</a:t>
+            </a:r>
+            <a:endParaRPr lang="en-US" altLang="zh-CN" sz="2000" baseline="30000" dirty="0">
+              <a:latin typeface="+mn-lt"/>
+              <a:cs typeface="Times New Roman" panose="02020603050405020304" pitchFamily="18" charset="0"/>
+            </a:endParaRPr>
+          </a:p>
+          <a:p>
+            <a:pPr marL="457200" lvl="1" indent="0">
+              <a:buNone/>
+            </a:pPr>
+            <a:endParaRPr lang="en-US" altLang="zh-CN" sz="2000" baseline="30000" dirty="0">
+              <a:latin typeface="+mn-lt"/>
+              <a:cs typeface="Times New Roman" panose="02020603050405020304" pitchFamily="18" charset="0"/>
+            </a:endParaRPr>
+          </a:p>
+          <a:p>
+            <a:pPr marL="457200" lvl="1" indent="0">
+              <a:buNone/>
+            </a:pPr>
+            <a:endParaRPr lang="en-US" altLang="zh-CN" sz="2000" baseline="30000" dirty="0">
+              <a:latin typeface="+mn-lt"/>
+              <a:cs typeface="Times New Roman" panose="02020603050405020304" pitchFamily="18" charset="0"/>
+            </a:endParaRPr>
+          </a:p>
+          <a:p>
+            <a:pPr marL="457200" lvl="1" indent="0">
+              <a:buNone/>
+            </a:pPr>
+            <a:endParaRPr lang="en-US" altLang="zh-CN" sz="2000" baseline="30000" dirty="0">
+              <a:latin typeface="+mn-lt"/>
+              <a:cs typeface="Times New Roman" panose="02020603050405020304" pitchFamily="18" charset="0"/>
+            </a:endParaRPr>
+          </a:p>
+          <a:p>
+            <a:pPr marL="457200" lvl="1" indent="0">
+              <a:buNone/>
+            </a:pPr>
+            <a:endParaRPr lang="en-US" altLang="zh-CN" sz="2000" baseline="30000" dirty="0">
+              <a:latin typeface="+mn-lt"/>
+              <a:cs typeface="Times New Roman" panose="02020603050405020304" pitchFamily="18" charset="0"/>
+            </a:endParaRPr>
+          </a:p>
+          <a:p>
+            <a:pPr marL="457200" lvl="1" indent="0">
+              <a:buNone/>
+            </a:pPr>
+            <a:endParaRPr lang="en-US" altLang="zh-CN" sz="2000" baseline="30000" dirty="0">
+              <a:latin typeface="+mn-lt"/>
+              <a:cs typeface="Times New Roman" panose="02020603050405020304" pitchFamily="18" charset="0"/>
+            </a:endParaRPr>
+          </a:p>
+          <a:p>
+            <a:pPr marL="457200" lvl="1" indent="0">
+              <a:buNone/>
+            </a:pPr>
+            <a:endParaRPr lang="en-US" altLang="zh-CN" sz="2000" baseline="30000" dirty="0">
+              <a:latin typeface="+mn-lt"/>
+              <a:cs typeface="Times New Roman" panose="02020603050405020304" pitchFamily="18" charset="0"/>
+            </a:endParaRPr>
+          </a:p>
+          <a:p>
+            <a:pPr marL="457200" lvl="1" indent="0">
+              <a:buNone/>
+            </a:pPr>
+            <a:endParaRPr lang="en-US" altLang="zh-CN" sz="2000" baseline="30000" dirty="0">
+              <a:latin typeface="+mn-lt"/>
+              <a:cs typeface="Times New Roman" panose="02020603050405020304" pitchFamily="18" charset="0"/>
+            </a:endParaRPr>
+          </a:p>
+          <a:p>
+            <a:pPr>
+              <a:lnSpc>
+                <a:spcPct val="125000"/>
+              </a:lnSpc>
+            </a:pPr>
+            <a:endParaRPr lang="en-US" altLang="zh-CN" sz="2400" dirty="0">
+              <a:latin typeface="+mn-lt"/>
+              <a:cs typeface="Times New Roman" panose="02020603050405020304" pitchFamily="18" charset="0"/>
+            </a:endParaRPr>
+          </a:p>
+          <a:p>
+            <a:pPr marL="457200" lvl="1" indent="0">
+              <a:lnSpc>
+                <a:spcPct val="125000"/>
+              </a:lnSpc>
+              <a:buNone/>
+            </a:pPr>
+            <a:endParaRPr lang="en-US" altLang="zh-CN" sz="2000" dirty="0">
+              <a:latin typeface="+mn-lt"/>
+              <a:cs typeface="Times New Roman" panose="02020603050405020304" pitchFamily="18" charset="0"/>
+            </a:endParaRPr>
+          </a:p>
+        </p:txBody>
+      </p:sp>
+      <p:sp>
+        <p:nvSpPr>
+          <p:cNvPr id="9" name="Rectangle 2">
+            <a:extLst>
+              <a:ext uri="{FF2B5EF4-FFF2-40B4-BE49-F238E27FC236}">
+                <a16:creationId xmlns:a16="http://schemas.microsoft.com/office/drawing/2014/main" id="{CC5CEECD-70F9-A816-BDE0-0CF29A6F574A}"/>
+              </a:ext>
+            </a:extLst>
+          </p:cNvPr>
+          <p:cNvSpPr>
+            <a:spLocks noChangeArrowheads="1"/>
+          </p:cNvSpPr>
+          <p:nvPr/>
+        </p:nvSpPr>
+        <p:spPr bwMode="auto">
+          <a:xfrm>
+            <a:off x="0" y="0"/>
+            <a:ext cx="9144000" cy="0"/>
+          </a:xfrm>
+          <a:prstGeom prst="rect">
+            <a:avLst/>
+          </a:prstGeom>
+          <a:noFill/>
+          <a:ln>
+            <a:noFill/>
+          </a:ln>
+          <a:effectLst/>
+          <a:extLst>
+            <a:ext uri="{909E8E84-426E-40DD-AFC4-6F175D3DCCD1}">
+              <a14:hiddenFill xmlns:a14="http://schemas.microsoft.com/office/drawing/2010/main">
+                <a:solidFill>
+                  <a:schemeClr val="accent1"/>
+                </a:solidFill>
+              </a14:hiddenFill>
+            </a:ext>
+            <a:ext uri="{91240B29-F687-4F45-9708-019B960494DF}">
+              <a14:hiddenLine xmlns:a14="http://schemas.microsoft.com/office/drawing/2010/main" w="9525">
+                <a:solidFill>
+                  <a:schemeClr val="tx1"/>
+                </a:solidFill>
+                <a:miter lim="800000"/>
+                <a:headEnd/>
+                <a:tailEnd/>
+              </a14:hiddenLine>
+            </a:ext>
+            <a:ext uri="{AF507438-7753-43E0-B8FC-AC1667EBCBE1}">
+              <a14:hiddenEffects xmlns:a14="http://schemas.microsoft.com/office/drawing/2010/main">
+                <a:effectLst>
+                  <a:outerShdw dist="35921" dir="2700000" algn="ctr" rotWithShape="0">
+                    <a:schemeClr val="bg2"/>
+                  </a:outerShdw>
+                </a:effectLst>
+              </a14:hiddenEffects>
+            </a:ext>
+          </a:extLst>
+        </p:spPr>
+        <p:txBody>
+          <a:bodyPr vert="horz" wrap="none" lIns="91440" tIns="45720" rIns="91440" bIns="45720" numCol="1" anchor="ctr" anchorCtr="0" compatLnSpc="1">
+            <a:prstTxWarp prst="textNoShape">
+              <a:avLst/>
+            </a:prstTxWarp>
+            <a:spAutoFit/>
+          </a:bodyPr>
+          <a:lstStyle/>
+          <a:p>
+            <a:endParaRPr lang="zh-CN" altLang="en-US"/>
+          </a:p>
+        </p:txBody>
+      </p:sp>
+      <p:pic>
+        <p:nvPicPr>
+          <p:cNvPr id="6" name="Picture 5">
+            <a:extLst>
+              <a:ext uri="{FF2B5EF4-FFF2-40B4-BE49-F238E27FC236}">
+                <a16:creationId xmlns:a16="http://schemas.microsoft.com/office/drawing/2014/main" id="{B59DF556-E795-2300-7F43-648997D04089}"/>
+              </a:ext>
+            </a:extLst>
+          </p:cNvPr>
+          <p:cNvPicPr>
+            <a:picLocks noChangeAspect="1"/>
+          </p:cNvPicPr>
+          <p:nvPr/>
+        </p:nvPicPr>
+        <p:blipFill>
+          <a:blip r:embed="rId3"/>
+          <a:stretch>
+            <a:fillRect/>
+          </a:stretch>
+        </p:blipFill>
+        <p:spPr>
+          <a:xfrm>
+            <a:off x="914400" y="1676400"/>
+            <a:ext cx="3200400" cy="2372359"/>
+          </a:xfrm>
+          <a:prstGeom prst="rect">
+            <a:avLst/>
+          </a:prstGeom>
+        </p:spPr>
+      </p:pic>
+      <p:pic>
+        <p:nvPicPr>
+          <p:cNvPr id="4" name="Picture 3">
+            <a:extLst>
+              <a:ext uri="{FF2B5EF4-FFF2-40B4-BE49-F238E27FC236}">
+                <a16:creationId xmlns:a16="http://schemas.microsoft.com/office/drawing/2014/main" id="{BEB93039-8369-B913-4A11-AE5A4E08A72D}"/>
+              </a:ext>
+            </a:extLst>
+          </p:cNvPr>
+          <p:cNvPicPr>
+            <a:picLocks noChangeAspect="1"/>
+          </p:cNvPicPr>
+          <p:nvPr/>
+        </p:nvPicPr>
+        <p:blipFill>
+          <a:blip r:embed="rId4"/>
+          <a:stretch>
+            <a:fillRect/>
+          </a:stretch>
+        </p:blipFill>
+        <p:spPr>
+          <a:xfrm>
+            <a:off x="4114800" y="1676400"/>
+            <a:ext cx="3200400" cy="2397744"/>
+          </a:xfrm>
+          <a:prstGeom prst="rect">
+            <a:avLst/>
+          </a:prstGeom>
+        </p:spPr>
+      </p:pic>
+      <p:sp>
+        <p:nvSpPr>
+          <p:cNvPr id="5" name="TextBox 4">
+            <a:extLst>
+              <a:ext uri="{FF2B5EF4-FFF2-40B4-BE49-F238E27FC236}">
+                <a16:creationId xmlns:a16="http://schemas.microsoft.com/office/drawing/2014/main" id="{1E333F98-D969-7680-D0BE-D006F8E4AA33}"/>
+              </a:ext>
+            </a:extLst>
+          </p:cNvPr>
+          <p:cNvSpPr txBox="1"/>
+          <p:nvPr/>
+        </p:nvSpPr>
+        <p:spPr>
+          <a:xfrm>
+            <a:off x="4402469" y="1837912"/>
+            <a:ext cx="1184940" cy="369332"/>
+          </a:xfrm>
+          <a:prstGeom prst="rect">
+            <a:avLst/>
+          </a:prstGeom>
+          <a:noFill/>
+        </p:spPr>
+        <p:txBody>
+          <a:bodyPr wrap="none" rtlCol="0">
+            <a:spAutoFit/>
+          </a:bodyPr>
+          <a:lstStyle/>
+          <a:p>
+            <a:r>
+              <a:rPr lang="en-US" dirty="0"/>
+              <a:t>Neumann</a:t>
+            </a:r>
+          </a:p>
+        </p:txBody>
+      </p:sp>
+      <p:sp>
+        <p:nvSpPr>
+          <p:cNvPr id="8" name="TextBox 7">
+            <a:extLst>
+              <a:ext uri="{FF2B5EF4-FFF2-40B4-BE49-F238E27FC236}">
+                <a16:creationId xmlns:a16="http://schemas.microsoft.com/office/drawing/2014/main" id="{BEAADFC7-883F-BEFB-D78E-E7BE34CB3B01}"/>
+              </a:ext>
+            </a:extLst>
+          </p:cNvPr>
+          <p:cNvSpPr txBox="1"/>
+          <p:nvPr/>
+        </p:nvSpPr>
+        <p:spPr>
+          <a:xfrm>
+            <a:off x="1119589" y="1837912"/>
+            <a:ext cx="1317412" cy="369332"/>
+          </a:xfrm>
+          <a:prstGeom prst="rect">
+            <a:avLst/>
+          </a:prstGeom>
+          <a:noFill/>
+        </p:spPr>
+        <p:txBody>
+          <a:bodyPr wrap="none" rtlCol="0">
+            <a:spAutoFit/>
+          </a:bodyPr>
+          <a:lstStyle/>
+          <a:p>
+            <a:r>
+              <a:rPr lang="en-US" dirty="0"/>
+              <a:t>Wall model</a:t>
+            </a:r>
+          </a:p>
+        </p:txBody>
+      </p:sp>
+    </p:spTree>
+    <p:extLst>
+      <p:ext uri="{BB962C8B-B14F-4D97-AF65-F5344CB8AC3E}">
+        <p14:creationId xmlns:p14="http://schemas.microsoft.com/office/powerpoint/2010/main" val="3546392556"/>
+      </p:ext>
+    </p:extLst>
+  </p:cSld>
+  <p:clrMapOvr>
+    <a:masterClrMapping/>
+  </p:clrMapOvr>
+  <p:transition spd="med" advTm="63997"/>
+</p:sld>
+</file>
+
+<file path=ppt/slides/slide11.xml><?xml version="1.0" encoding="utf-8"?>
+<p:sld xmlns:a="http://schemas.openxmlformats.org/drawingml/2006/main" xmlns:r="http://schemas.openxmlformats.org/officeDocument/2006/relationships" xmlns:p="http://schemas.openxmlformats.org/presentationml/2006/main">
+  <p:cSld>
+    <p:spTree>
+      <p:nvGrpSpPr>
+        <p:cNvPr id="1" name="">
+          <a:extLst>
+            <a:ext uri="{FF2B5EF4-FFF2-40B4-BE49-F238E27FC236}">
+              <a16:creationId xmlns:a16="http://schemas.microsoft.com/office/drawing/2014/main" id="{E36FAF1C-FB3C-6E4F-3EF6-B91416465A30}"/>
+            </a:ext>
+          </a:extLst>
+        </p:cNvPr>
+        <p:cNvGrpSpPr/>
+        <p:nvPr/>
+      </p:nvGrpSpPr>
+      <p:grpSpPr>
+        <a:xfrm>
+          <a:off x="0" y="0"/>
+          <a:ext cx="0" cy="0"/>
+          <a:chOff x="0" y="0"/>
+          <a:chExt cx="0" cy="0"/>
+        </a:xfrm>
+      </p:grpSpPr>
+      <p:sp>
+        <p:nvSpPr>
+          <p:cNvPr id="2" name="Title 1">
+            <a:extLst>
+              <a:ext uri="{FF2B5EF4-FFF2-40B4-BE49-F238E27FC236}">
+                <a16:creationId xmlns:a16="http://schemas.microsoft.com/office/drawing/2014/main" id="{5ADC8DE3-593B-5208-402D-39D2452CA6CD}"/>
+              </a:ext>
+            </a:extLst>
+          </p:cNvPr>
+          <p:cNvSpPr>
+            <a:spLocks noGrp="1"/>
+          </p:cNvSpPr>
+          <p:nvPr>
+            <p:ph type="title"/>
+          </p:nvPr>
+        </p:nvSpPr>
+        <p:spPr>
+          <a:xfrm>
+            <a:off x="152400" y="152400"/>
+            <a:ext cx="8610600" cy="838200"/>
+          </a:xfrm>
+        </p:spPr>
+        <p:txBody>
+          <a:bodyPr/>
+          <a:lstStyle/>
+          <a:p>
+            <a:r>
+              <a:rPr lang="en-US" altLang="zh-CN" dirty="0"/>
+              <a:t>Channel</a:t>
+            </a:r>
+            <a:endParaRPr lang="zh-CN" altLang="en-US" dirty="0"/>
+          </a:p>
+        </p:txBody>
+      </p:sp>
+      <p:pic>
+        <p:nvPicPr>
+          <p:cNvPr id="16" name="Picture 15">
+            <a:extLst>
+              <a:ext uri="{FF2B5EF4-FFF2-40B4-BE49-F238E27FC236}">
+                <a16:creationId xmlns:a16="http://schemas.microsoft.com/office/drawing/2014/main" id="{BE181C3B-8EE1-3C24-D08F-CC31E2A5BD83}"/>
+              </a:ext>
+            </a:extLst>
+          </p:cNvPr>
+          <p:cNvPicPr>
+            <a:picLocks noChangeAspect="1"/>
+          </p:cNvPicPr>
+          <p:nvPr/>
+        </p:nvPicPr>
+        <p:blipFill>
+          <a:blip r:embed="rId3"/>
+          <a:stretch>
+            <a:fillRect/>
+          </a:stretch>
+        </p:blipFill>
+        <p:spPr>
+          <a:xfrm>
+            <a:off x="2209800" y="2438400"/>
+            <a:ext cx="3200400" cy="2392631"/>
+          </a:xfrm>
+          <a:prstGeom prst="rect">
+            <a:avLst/>
+          </a:prstGeom>
+        </p:spPr>
+      </p:pic>
+      <p:sp>
+        <p:nvSpPr>
+          <p:cNvPr id="17" name="内容占位符 2">
+            <a:extLst>
+              <a:ext uri="{FF2B5EF4-FFF2-40B4-BE49-F238E27FC236}">
+                <a16:creationId xmlns:a16="http://schemas.microsoft.com/office/drawing/2014/main" id="{D7E08BCD-AEE7-9056-0B15-7EFBABD31162}"/>
+              </a:ext>
+            </a:extLst>
+          </p:cNvPr>
+          <p:cNvSpPr txBox="1">
+            <a:spLocks/>
+          </p:cNvSpPr>
+          <p:nvPr/>
+        </p:nvSpPr>
+        <p:spPr bwMode="auto">
+          <a:xfrm>
+            <a:off x="93652" y="1068111"/>
+            <a:ext cx="9050348" cy="1979889"/>
+          </a:xfrm>
+          <a:prstGeom prst="rect">
+            <a:avLst/>
+          </a:prstGeom>
+          <a:noFill/>
+          <a:ln>
+            <a:noFill/>
+          </a:ln>
+          <a:extLst>
+            <a:ext uri="{909E8E84-426E-40DD-AFC4-6F175D3DCCD1}">
+              <a14:hiddenFill xmlns:a14="http://schemas.microsoft.com/office/drawing/2010/main">
+                <a:solidFill>
+                  <a:srgbClr val="FFFFFF"/>
+                </a:solidFill>
+              </a14:hiddenFill>
+            </a:ext>
+            <a:ext uri="{91240B29-F687-4F45-9708-019B960494DF}">
+              <a14:hiddenLine xmlns:a14="http://schemas.microsoft.com/office/drawing/2010/main" w="28575">
+                <a:solidFill>
+                  <a:srgbClr val="000000"/>
+                </a:solidFill>
+                <a:miter lim="800000"/>
+                <a:headEnd/>
+                <a:tailEnd/>
+              </a14:hiddenLine>
+            </a:ext>
+          </a:extLst>
+        </p:spPr>
+        <p:txBody>
+          <a:bodyPr vert="horz" wrap="square" lIns="91440" tIns="45720" rIns="91440" bIns="45720" numCol="1" anchor="t" anchorCtr="0" compatLnSpc="1">
+            <a:prstTxWarp prst="textNoShape">
+              <a:avLst/>
+            </a:prstTxWarp>
+          </a:bodyPr>
+          <a:lstStyle>
+            <a:lvl1pPr marL="342900" indent="-342900" algn="l" rtl="0" eaLnBrk="1" fontAlgn="base" hangingPunct="1">
+              <a:spcBef>
+                <a:spcPct val="30000"/>
+              </a:spcBef>
+              <a:spcAft>
+                <a:spcPct val="0"/>
+              </a:spcAft>
+              <a:buClr>
+                <a:schemeClr val="hlink"/>
+              </a:buClr>
+              <a:buFont typeface="Wingdings" pitchFamily="2" charset="2"/>
+              <a:buChar char="§"/>
+              <a:defRPr sz="3200">
+                <a:solidFill>
+                  <a:srgbClr val="000066"/>
+                </a:solidFill>
+                <a:latin typeface="微软雅黑" pitchFamily="34" charset="-122"/>
+                <a:ea typeface="微软雅黑" pitchFamily="34" charset="-122"/>
+                <a:cs typeface="+mn-cs"/>
+              </a:defRPr>
+            </a:lvl1pPr>
+            <a:lvl2pPr marL="742950" indent="-285750" algn="l" rtl="0" eaLnBrk="1" fontAlgn="base" hangingPunct="1">
+              <a:spcBef>
+                <a:spcPct val="30000"/>
+              </a:spcBef>
+              <a:spcAft>
+                <a:spcPct val="0"/>
+              </a:spcAft>
+              <a:buClr>
+                <a:schemeClr val="tx2"/>
+              </a:buClr>
+              <a:buSzPct val="85000"/>
+              <a:buFont typeface="Wingdings" pitchFamily="2" charset="2"/>
+              <a:buChar char="Ø"/>
+              <a:defRPr sz="2800">
+                <a:solidFill>
+                  <a:srgbClr val="006666"/>
+                </a:solidFill>
+                <a:latin typeface="微软雅黑" pitchFamily="34" charset="-122"/>
+                <a:ea typeface="微软雅黑" pitchFamily="34" charset="-122"/>
+              </a:defRPr>
+            </a:lvl2pPr>
+            <a:lvl3pPr marL="1143000" indent="-228600" algn="l" rtl="0" eaLnBrk="1" fontAlgn="base" hangingPunct="1">
+              <a:spcBef>
+                <a:spcPct val="30000"/>
+              </a:spcBef>
+              <a:spcAft>
+                <a:spcPct val="0"/>
+              </a:spcAft>
+              <a:buClr>
+                <a:schemeClr val="hlink"/>
+              </a:buClr>
+              <a:buSzPct val="95000"/>
+              <a:buFont typeface="Wingdings 2" pitchFamily="18" charset="2"/>
+              <a:buChar char="¡"/>
+              <a:defRPr sz="2400">
+                <a:solidFill>
+                  <a:schemeClr val="hlink"/>
+                </a:solidFill>
+                <a:latin typeface="微软雅黑" pitchFamily="34" charset="-122"/>
+                <a:ea typeface="微软雅黑" pitchFamily="34" charset="-122"/>
+              </a:defRPr>
+            </a:lvl3pPr>
+            <a:lvl4pPr marL="1600200" indent="-228600" algn="l" rtl="0" eaLnBrk="1" fontAlgn="base" hangingPunct="1">
+              <a:spcBef>
+                <a:spcPct val="30000"/>
+              </a:spcBef>
+              <a:spcAft>
+                <a:spcPct val="0"/>
+              </a:spcAft>
+              <a:buClr>
+                <a:schemeClr val="tx2"/>
+              </a:buClr>
+              <a:buSzPct val="90000"/>
+              <a:buFont typeface="Wingdings" pitchFamily="2" charset="2"/>
+              <a:buChar char="Ø"/>
+              <a:defRPr sz="2000">
+                <a:solidFill>
+                  <a:srgbClr val="990099"/>
+                </a:solidFill>
+                <a:latin typeface="微软雅黑" pitchFamily="34" charset="-122"/>
+                <a:ea typeface="微软雅黑" pitchFamily="34" charset="-122"/>
+              </a:defRPr>
+            </a:lvl4pPr>
+            <a:lvl5pPr marL="2057400" indent="-228600" algn="l" rtl="0" eaLnBrk="1" fontAlgn="base" hangingPunct="1">
+              <a:spcBef>
+                <a:spcPct val="30000"/>
+              </a:spcBef>
+              <a:spcAft>
+                <a:spcPct val="0"/>
+              </a:spcAft>
+              <a:buClr>
+                <a:schemeClr val="hlink"/>
+              </a:buClr>
+              <a:buFont typeface="Wingdings 2" pitchFamily="18" charset="2"/>
+              <a:buChar char="¡"/>
+              <a:defRPr sz="2000">
+                <a:solidFill>
+                  <a:schemeClr val="tx1"/>
+                </a:solidFill>
+                <a:latin typeface="微软雅黑" pitchFamily="34" charset="-122"/>
+                <a:ea typeface="微软雅黑" pitchFamily="34" charset="-122"/>
+              </a:defRPr>
+            </a:lvl5pPr>
+            <a:lvl6pPr marL="2514600" indent="-228600" algn="l" rtl="0" eaLnBrk="1" fontAlgn="base" hangingPunct="1">
+              <a:spcBef>
+                <a:spcPct val="30000"/>
+              </a:spcBef>
+              <a:spcAft>
+                <a:spcPct val="0"/>
+              </a:spcAft>
+              <a:buClr>
+                <a:schemeClr val="hlink"/>
+              </a:buClr>
+              <a:buFont typeface="Wingdings 2" pitchFamily="18" charset="2"/>
+              <a:buChar char="¡"/>
+              <a:defRPr sz="2000">
+                <a:solidFill>
+                  <a:schemeClr val="tx1"/>
+                </a:solidFill>
+                <a:latin typeface="+mn-lt"/>
+                <a:ea typeface="+mn-ea"/>
+              </a:defRPr>
+            </a:lvl6pPr>
+            <a:lvl7pPr marL="2971800" indent="-228600" algn="l" rtl="0" eaLnBrk="1" fontAlgn="base" hangingPunct="1">
+              <a:spcBef>
+                <a:spcPct val="30000"/>
+              </a:spcBef>
+              <a:spcAft>
+                <a:spcPct val="0"/>
+              </a:spcAft>
+              <a:buClr>
+                <a:schemeClr val="hlink"/>
+              </a:buClr>
+              <a:buFont typeface="Wingdings 2" pitchFamily="18" charset="2"/>
+              <a:buChar char="¡"/>
+              <a:defRPr sz="2000">
+                <a:solidFill>
+                  <a:schemeClr val="tx1"/>
+                </a:solidFill>
+                <a:latin typeface="+mn-lt"/>
+                <a:ea typeface="+mn-ea"/>
+              </a:defRPr>
+            </a:lvl7pPr>
+            <a:lvl8pPr marL="3429000" indent="-228600" algn="l" rtl="0" eaLnBrk="1" fontAlgn="base" hangingPunct="1">
+              <a:spcBef>
+                <a:spcPct val="30000"/>
+              </a:spcBef>
+              <a:spcAft>
+                <a:spcPct val="0"/>
+              </a:spcAft>
+              <a:buClr>
+                <a:schemeClr val="hlink"/>
+              </a:buClr>
+              <a:buFont typeface="Wingdings 2" pitchFamily="18" charset="2"/>
+              <a:buChar char="¡"/>
+              <a:defRPr sz="2000">
+                <a:solidFill>
+                  <a:schemeClr val="tx1"/>
+                </a:solidFill>
+                <a:latin typeface="+mn-lt"/>
+                <a:ea typeface="+mn-ea"/>
+              </a:defRPr>
+            </a:lvl8pPr>
+            <a:lvl9pPr marL="3886200" indent="-228600" algn="l" rtl="0" eaLnBrk="1" fontAlgn="base" hangingPunct="1">
+              <a:spcBef>
+                <a:spcPct val="30000"/>
+              </a:spcBef>
+              <a:spcAft>
+                <a:spcPct val="0"/>
+              </a:spcAft>
+              <a:buClr>
+                <a:schemeClr val="hlink"/>
+              </a:buClr>
+              <a:buFont typeface="Wingdings 2" pitchFamily="18" charset="2"/>
+              <a:buChar char="¡"/>
+              <a:defRPr sz="2000">
+                <a:solidFill>
+                  <a:schemeClr val="tx1"/>
+                </a:solidFill>
+                <a:latin typeface="+mn-lt"/>
+                <a:ea typeface="+mn-ea"/>
+              </a:defRPr>
+            </a:lvl9pPr>
+          </a:lstStyle>
+          <a:p>
+            <a:r>
+              <a:rPr lang="en-US" altLang="zh-CN" sz="2400" kern="0">
+                <a:latin typeface="+mn-lt"/>
+                <a:cs typeface="Times New Roman" panose="02020603050405020304" pitchFamily="18" charset="0"/>
+              </a:rPr>
+              <a:t>RETAU1000</a:t>
+            </a:r>
+            <a:endParaRPr lang="en-US" altLang="zh-CN" sz="2000" kern="0" baseline="30000">
+              <a:latin typeface="+mn-lt"/>
+              <a:cs typeface="Times New Roman" panose="02020603050405020304" pitchFamily="18" charset="0"/>
+            </a:endParaRPr>
+          </a:p>
+          <a:p>
+            <a:pPr marL="457200" lvl="1" indent="0">
+              <a:buFont typeface="Wingdings" pitchFamily="2" charset="2"/>
+              <a:buNone/>
+            </a:pPr>
+            <a:endParaRPr lang="en-US" altLang="zh-CN" sz="2000" kern="0" baseline="30000">
+              <a:latin typeface="+mn-lt"/>
+              <a:cs typeface="Times New Roman" panose="02020603050405020304" pitchFamily="18" charset="0"/>
+            </a:endParaRPr>
+          </a:p>
+          <a:p>
+            <a:pPr marL="457200" lvl="1" indent="0">
+              <a:buFont typeface="Wingdings" pitchFamily="2" charset="2"/>
+              <a:buNone/>
+            </a:pPr>
+            <a:endParaRPr lang="en-US" altLang="zh-CN" sz="2000" kern="0" baseline="30000">
+              <a:latin typeface="+mn-lt"/>
+              <a:cs typeface="Times New Roman" panose="02020603050405020304" pitchFamily="18" charset="0"/>
+            </a:endParaRPr>
+          </a:p>
+          <a:p>
+            <a:pPr marL="457200" lvl="1" indent="0">
+              <a:buFont typeface="Wingdings" pitchFamily="2" charset="2"/>
+              <a:buNone/>
+            </a:pPr>
+            <a:endParaRPr lang="en-US" altLang="zh-CN" sz="2000" kern="0" baseline="30000">
+              <a:latin typeface="+mn-lt"/>
+              <a:cs typeface="Times New Roman" panose="02020603050405020304" pitchFamily="18" charset="0"/>
+            </a:endParaRPr>
+          </a:p>
+          <a:p>
+            <a:pPr marL="457200" lvl="1" indent="0">
+              <a:buFont typeface="Wingdings" pitchFamily="2" charset="2"/>
+              <a:buNone/>
+            </a:pPr>
+            <a:endParaRPr lang="en-US" altLang="zh-CN" sz="2000" kern="0" baseline="30000">
+              <a:latin typeface="+mn-lt"/>
+              <a:cs typeface="Times New Roman" panose="02020603050405020304" pitchFamily="18" charset="0"/>
+            </a:endParaRPr>
+          </a:p>
+          <a:p>
+            <a:pPr marL="457200" lvl="1" indent="0">
+              <a:buFont typeface="Wingdings" pitchFamily="2" charset="2"/>
+              <a:buNone/>
+            </a:pPr>
+            <a:endParaRPr lang="en-US" altLang="zh-CN" sz="2000" kern="0" baseline="30000">
+              <a:latin typeface="+mn-lt"/>
+              <a:cs typeface="Times New Roman" panose="02020603050405020304" pitchFamily="18" charset="0"/>
+            </a:endParaRPr>
+          </a:p>
+          <a:p>
+            <a:pPr marL="457200" lvl="1" indent="0">
+              <a:buFont typeface="Wingdings" pitchFamily="2" charset="2"/>
+              <a:buNone/>
+            </a:pPr>
+            <a:endParaRPr lang="en-US" altLang="zh-CN" sz="2000" kern="0" baseline="30000">
+              <a:latin typeface="+mn-lt"/>
+              <a:cs typeface="Times New Roman" panose="02020603050405020304" pitchFamily="18" charset="0"/>
+            </a:endParaRPr>
+          </a:p>
+          <a:p>
+            <a:pPr marL="457200" lvl="1" indent="0">
+              <a:buFont typeface="Wingdings" pitchFamily="2" charset="2"/>
+              <a:buNone/>
+            </a:pPr>
+            <a:endParaRPr lang="en-US" altLang="zh-CN" sz="2000" kern="0" baseline="30000">
+              <a:latin typeface="+mn-lt"/>
+              <a:cs typeface="Times New Roman" panose="02020603050405020304" pitchFamily="18" charset="0"/>
+            </a:endParaRPr>
+          </a:p>
+          <a:p>
+            <a:pPr>
+              <a:lnSpc>
+                <a:spcPct val="125000"/>
+              </a:lnSpc>
+            </a:pPr>
+            <a:endParaRPr lang="en-US" altLang="zh-CN" sz="2400" kern="0">
+              <a:latin typeface="+mn-lt"/>
+              <a:cs typeface="Times New Roman" panose="02020603050405020304" pitchFamily="18" charset="0"/>
+            </a:endParaRPr>
+          </a:p>
+          <a:p>
+            <a:pPr marL="457200" lvl="1" indent="0">
+              <a:lnSpc>
+                <a:spcPct val="125000"/>
+              </a:lnSpc>
+              <a:buFont typeface="Wingdings" pitchFamily="2" charset="2"/>
+              <a:buNone/>
+            </a:pPr>
+            <a:endParaRPr lang="en-US" altLang="zh-CN" sz="2000" kern="0" dirty="0">
+              <a:latin typeface="+mn-lt"/>
+              <a:cs typeface="Times New Roman" panose="02020603050405020304" pitchFamily="18" charset="0"/>
+            </a:endParaRPr>
+          </a:p>
+        </p:txBody>
+      </p:sp>
+    </p:spTree>
+    <p:extLst>
+      <p:ext uri="{BB962C8B-B14F-4D97-AF65-F5344CB8AC3E}">
+        <p14:creationId xmlns:p14="http://schemas.microsoft.com/office/powerpoint/2010/main" val="1503813011"/>
+      </p:ext>
+    </p:extLst>
+  </p:cSld>
+  <p:clrMapOvr>
+    <a:masterClrMapping/>
+  </p:clrMapOvr>
+  <p:transition spd="med" advTm="63997"/>
+</p:sld>
+</file>
+
+<file path=ppt/slides/slide12.xml><?xml version="1.0" encoding="utf-8"?>
 <p:sld xmlns:a="http://schemas.openxmlformats.org/drawingml/2006/main" xmlns:r="http://schemas.openxmlformats.org/officeDocument/2006/relationships" xmlns:p="http://schemas.openxmlformats.org/presentationml/2006/main">
   <p:cSld>
     <p:spTree>
@@ -26035,7 +26779,7 @@
 </p:sld>
 </file>
 
-<file path=ppt/slides/slide11.xml><?xml version="1.0" encoding="utf-8"?>
+<file path=ppt/slides/slide13.xml><?xml version="1.0" encoding="utf-8"?>
 <p:sld xmlns:a="http://schemas.openxmlformats.org/drawingml/2006/main" xmlns:r="http://schemas.openxmlformats.org/officeDocument/2006/relationships" xmlns:p="http://schemas.openxmlformats.org/presentationml/2006/main">
   <p:cSld>
     <p:spTree>
@@ -26165,7 +26909,7 @@
         </p:blipFill>
         <p:spPr>
           <a:xfrm>
-            <a:off x="1371600" y="2273624"/>
+            <a:off x="1371600" y="3049317"/>
             <a:ext cx="3200400" cy="2406701"/>
           </a:xfrm>
           <a:prstGeom prst="rect">
@@ -26195,7 +26939,7 @@
         </p:blipFill>
         <p:spPr>
           <a:xfrm>
-            <a:off x="4539379" y="2271035"/>
+            <a:off x="4539379" y="3046728"/>
             <a:ext cx="3200400" cy="2409290"/>
           </a:xfrm>
           <a:prstGeom prst="rect">
@@ -26220,7 +26964,7 @@
         <p:spPr bwMode="auto">
           <a:xfrm>
             <a:off x="93652" y="1068112"/>
-            <a:ext cx="9144000" cy="1399397"/>
+            <a:ext cx="8821748" cy="2132288"/>
           </a:xfrm>
           <a:prstGeom prst="rect">
             <a:avLst/>
@@ -26461,7 +27205,17 @@
                 <a:latin typeface="+mn-lt"/>
                 <a:cs typeface="Times New Roman" panose="02020603050405020304" pitchFamily="18" charset="0"/>
               </a:rPr>
-              <a:t>KAP=0.41 and 0.4187 produce almost the same results, although KAP0.41 is negligibly better</a:t>
+              <a:t>Standard implementation</a:t>
+            </a:r>
+          </a:p>
+          <a:p>
+            <a:pPr lvl="1"/>
+            <a:r>
+              <a:rPr lang="en-US" altLang="zh-CN" sz="2000" dirty="0">
+                <a:latin typeface="+mn-lt"/>
+                <a:cs typeface="Times New Roman" panose="02020603050405020304" pitchFamily="18" charset="0"/>
+              </a:rPr>
+              <a:t>Slow velocity increase between the first and the second cell centers? More accurate to use the second and the third cell centers for the velocity gradient &amp; extrapolation?</a:t>
             </a:r>
           </a:p>
         </p:txBody>
@@ -26488,7 +27242,7 @@
         </p:blipFill>
         <p:spPr>
           <a:xfrm>
-            <a:off x="1371600" y="4680325"/>
+            <a:off x="1371600" y="5456018"/>
             <a:ext cx="3200400" cy="2392582"/>
           </a:xfrm>
           <a:prstGeom prst="rect">
@@ -26510,7 +27264,7 @@
 </p:sld>
 </file>
 
-<file path=ppt/slides/slide12.xml><?xml version="1.0" encoding="utf-8"?>
+<file path=ppt/slides/slide14.xml><?xml version="1.0" encoding="utf-8"?>
 <p:sld xmlns:a="http://schemas.openxmlformats.org/drawingml/2006/main" xmlns:r="http://schemas.openxmlformats.org/officeDocument/2006/relationships" xmlns:p="http://schemas.openxmlformats.org/presentationml/2006/main">
   <p:cSld>
     <p:spTree>
@@ -26665,7 +27419,7 @@
         <p:spPr bwMode="auto">
           <a:xfrm>
             <a:off x="93652" y="1068112"/>
-            <a:ext cx="9144000" cy="1399397"/>
+            <a:ext cx="8974148" cy="1399397"/>
           </a:xfrm>
           <a:prstGeom prst="rect">
             <a:avLst/>
@@ -26906,7 +27660,7 @@
                 <a:latin typeface="+mn-lt"/>
                 <a:cs typeface="Times New Roman" panose="02020603050405020304" pitchFamily="18" charset="0"/>
               </a:rPr>
-              <a:t>KAP=0.41 and 0.4187 produce almost the same results, although KAP0.41 is negligibly better</a:t>
+              <a:t>Two kappa values produce almost the same results, although 0.41 is negligibly better</a:t>
             </a:r>
           </a:p>
         </p:txBody>
@@ -26955,7 +27709,512 @@
 </p:sld>
 </file>
 
-<file path=ppt/slides/slide13.xml><?xml version="1.0" encoding="utf-8"?>
+<file path=ppt/slides/slide15.xml><?xml version="1.0" encoding="utf-8"?>
+<p:sld xmlns:a="http://schemas.openxmlformats.org/drawingml/2006/main" xmlns:r="http://schemas.openxmlformats.org/officeDocument/2006/relationships" xmlns:p="http://schemas.openxmlformats.org/presentationml/2006/main">
+  <p:cSld>
+    <p:spTree>
+      <p:nvGrpSpPr>
+        <p:cNvPr id="1" name=""/>
+        <p:cNvGrpSpPr/>
+        <p:nvPr/>
+      </p:nvGrpSpPr>
+      <p:grpSpPr>
+        <a:xfrm>
+          <a:off x="0" y="0"/>
+          <a:ext cx="0" cy="0"/>
+          <a:chOff x="0" y="0"/>
+          <a:chExt cx="0" cy="0"/>
+        </a:xfrm>
+      </p:grpSpPr>
+      <p:sp>
+        <p:nvSpPr>
+          <p:cNvPr id="2" name="Title 1"/>
+          <p:cNvSpPr>
+            <a:spLocks noGrp="1"/>
+          </p:cNvSpPr>
+          <p:nvPr>
+            <p:ph type="title"/>
+          </p:nvPr>
+        </p:nvSpPr>
+        <p:spPr>
+          <a:xfrm>
+            <a:off x="152400" y="152400"/>
+            <a:ext cx="8610600" cy="838200"/>
+          </a:xfrm>
+        </p:spPr>
+        <p:txBody>
+          <a:bodyPr/>
+          <a:lstStyle/>
+          <a:p>
+            <a:r>
+              <a:rPr lang="en-US" altLang="zh-CN" dirty="0"/>
+              <a:t>Channel</a:t>
+            </a:r>
+            <a:endParaRPr lang="zh-CN" altLang="en-US" dirty="0"/>
+          </a:p>
+        </p:txBody>
+      </p:sp>
+      <p:sp>
+        <p:nvSpPr>
+          <p:cNvPr id="9" name="Rectangle 2"/>
+          <p:cNvSpPr>
+            <a:spLocks noChangeArrowheads="1"/>
+          </p:cNvSpPr>
+          <p:nvPr/>
+        </p:nvSpPr>
+        <p:spPr bwMode="auto">
+          <a:xfrm>
+            <a:off x="0" y="0"/>
+            <a:ext cx="9144000" cy="0"/>
+          </a:xfrm>
+          <a:prstGeom prst="rect">
+            <a:avLst/>
+          </a:prstGeom>
+          <a:noFill/>
+          <a:ln>
+            <a:noFill/>
+          </a:ln>
+          <a:effectLst/>
+          <a:extLst>
+            <a:ext uri="{909E8E84-426E-40DD-AFC4-6F175D3DCCD1}">
+              <a14:hiddenFill xmlns:a14="http://schemas.microsoft.com/office/drawing/2010/main">
+                <a:solidFill>
+                  <a:schemeClr val="accent1"/>
+                </a:solidFill>
+              </a14:hiddenFill>
+            </a:ext>
+            <a:ext uri="{91240B29-F687-4F45-9708-019B960494DF}">
+              <a14:hiddenLine xmlns:a14="http://schemas.microsoft.com/office/drawing/2010/main" w="9525">
+                <a:solidFill>
+                  <a:schemeClr val="tx1"/>
+                </a:solidFill>
+                <a:miter lim="800000"/>
+                <a:headEnd/>
+                <a:tailEnd/>
+              </a14:hiddenLine>
+            </a:ext>
+            <a:ext uri="{AF507438-7753-43E0-B8FC-AC1667EBCBE1}">
+              <a14:hiddenEffects xmlns:a14="http://schemas.microsoft.com/office/drawing/2010/main">
+                <a:effectLst>
+                  <a:outerShdw dist="35921" dir="2700000" algn="ctr" rotWithShape="0">
+                    <a:schemeClr val="bg2"/>
+                  </a:outerShdw>
+                </a:effectLst>
+              </a14:hiddenEffects>
+            </a:ext>
+          </a:extLst>
+        </p:spPr>
+        <p:txBody>
+          <a:bodyPr vert="horz" wrap="none" lIns="91440" tIns="45720" rIns="91440" bIns="45720" numCol="1" anchor="ctr" anchorCtr="0" compatLnSpc="1">
+            <a:prstTxWarp prst="textNoShape">
+              <a:avLst/>
+            </a:prstTxWarp>
+            <a:spAutoFit/>
+          </a:bodyPr>
+          <a:lstStyle/>
+          <a:p>
+            <a:endParaRPr lang="zh-CN" altLang="en-US"/>
+          </a:p>
+        </p:txBody>
+      </p:sp>
+      <p:sp>
+        <p:nvSpPr>
+          <p:cNvPr id="17" name="内容占位符 2">
+            <a:extLst>
+              <a:ext uri="{FF2B5EF4-FFF2-40B4-BE49-F238E27FC236}">
+                <a16:creationId xmlns:a16="http://schemas.microsoft.com/office/drawing/2014/main" id="{D7B13CA5-CF5D-287A-9ACB-EF5CA77485F1}"/>
+              </a:ext>
+            </a:extLst>
+          </p:cNvPr>
+          <p:cNvSpPr txBox="1">
+            <a:spLocks/>
+          </p:cNvSpPr>
+          <p:nvPr/>
+        </p:nvSpPr>
+        <p:spPr bwMode="auto">
+          <a:xfrm>
+            <a:off x="93652" y="1068113"/>
+            <a:ext cx="9050348" cy="906812"/>
+          </a:xfrm>
+          <a:prstGeom prst="rect">
+            <a:avLst/>
+          </a:prstGeom>
+          <a:noFill/>
+          <a:ln>
+            <a:noFill/>
+          </a:ln>
+          <a:extLst>
+            <a:ext uri="{909E8E84-426E-40DD-AFC4-6F175D3DCCD1}">
+              <a14:hiddenFill xmlns:a14="http://schemas.microsoft.com/office/drawing/2010/main">
+                <a:solidFill>
+                  <a:srgbClr val="FFFFFF"/>
+                </a:solidFill>
+              </a14:hiddenFill>
+            </a:ext>
+            <a:ext uri="{91240B29-F687-4F45-9708-019B960494DF}">
+              <a14:hiddenLine xmlns:a14="http://schemas.microsoft.com/office/drawing/2010/main" w="28575">
+                <a:solidFill>
+                  <a:srgbClr val="000000"/>
+                </a:solidFill>
+                <a:miter lim="800000"/>
+                <a:headEnd/>
+                <a:tailEnd/>
+              </a14:hiddenLine>
+            </a:ext>
+          </a:extLst>
+        </p:spPr>
+        <p:txBody>
+          <a:bodyPr vert="horz" wrap="square" lIns="91440" tIns="45720" rIns="91440" bIns="45720" numCol="1" anchor="t" anchorCtr="0" compatLnSpc="1">
+            <a:prstTxWarp prst="textNoShape">
+              <a:avLst/>
+            </a:prstTxWarp>
+          </a:bodyPr>
+          <a:lstStyle>
+            <a:lvl1pPr marL="342900" indent="-342900" algn="l" rtl="0" eaLnBrk="1" fontAlgn="base" hangingPunct="1">
+              <a:spcBef>
+                <a:spcPct val="30000"/>
+              </a:spcBef>
+              <a:spcAft>
+                <a:spcPct val="0"/>
+              </a:spcAft>
+              <a:buClr>
+                <a:schemeClr val="hlink"/>
+              </a:buClr>
+              <a:buFont typeface="Wingdings" pitchFamily="2" charset="2"/>
+              <a:buChar char="§"/>
+              <a:defRPr sz="3200">
+                <a:solidFill>
+                  <a:srgbClr val="000066"/>
+                </a:solidFill>
+                <a:latin typeface="微软雅黑" pitchFamily="34" charset="-122"/>
+                <a:ea typeface="微软雅黑" pitchFamily="34" charset="-122"/>
+                <a:cs typeface="+mn-cs"/>
+              </a:defRPr>
+            </a:lvl1pPr>
+            <a:lvl2pPr marL="742950" indent="-285750" algn="l" rtl="0" eaLnBrk="1" fontAlgn="base" hangingPunct="1">
+              <a:spcBef>
+                <a:spcPct val="30000"/>
+              </a:spcBef>
+              <a:spcAft>
+                <a:spcPct val="0"/>
+              </a:spcAft>
+              <a:buClr>
+                <a:schemeClr val="tx2"/>
+              </a:buClr>
+              <a:buSzPct val="85000"/>
+              <a:buFont typeface="Wingdings" pitchFamily="2" charset="2"/>
+              <a:buChar char="Ø"/>
+              <a:defRPr sz="2800">
+                <a:solidFill>
+                  <a:srgbClr val="006666"/>
+                </a:solidFill>
+                <a:latin typeface="微软雅黑" pitchFamily="34" charset="-122"/>
+                <a:ea typeface="微软雅黑" pitchFamily="34" charset="-122"/>
+              </a:defRPr>
+            </a:lvl2pPr>
+            <a:lvl3pPr marL="1143000" indent="-228600" algn="l" rtl="0" eaLnBrk="1" fontAlgn="base" hangingPunct="1">
+              <a:spcBef>
+                <a:spcPct val="30000"/>
+              </a:spcBef>
+              <a:spcAft>
+                <a:spcPct val="0"/>
+              </a:spcAft>
+              <a:buClr>
+                <a:schemeClr val="hlink"/>
+              </a:buClr>
+              <a:buSzPct val="95000"/>
+              <a:buFont typeface="Wingdings 2" pitchFamily="18" charset="2"/>
+              <a:buChar char="¡"/>
+              <a:defRPr sz="2400">
+                <a:solidFill>
+                  <a:schemeClr val="hlink"/>
+                </a:solidFill>
+                <a:latin typeface="微软雅黑" pitchFamily="34" charset="-122"/>
+                <a:ea typeface="微软雅黑" pitchFamily="34" charset="-122"/>
+              </a:defRPr>
+            </a:lvl3pPr>
+            <a:lvl4pPr marL="1600200" indent="-228600" algn="l" rtl="0" eaLnBrk="1" fontAlgn="base" hangingPunct="1">
+              <a:spcBef>
+                <a:spcPct val="30000"/>
+              </a:spcBef>
+              <a:spcAft>
+                <a:spcPct val="0"/>
+              </a:spcAft>
+              <a:buClr>
+                <a:schemeClr val="tx2"/>
+              </a:buClr>
+              <a:buSzPct val="90000"/>
+              <a:buFont typeface="Wingdings" pitchFamily="2" charset="2"/>
+              <a:buChar char="Ø"/>
+              <a:defRPr sz="2000">
+                <a:solidFill>
+                  <a:srgbClr val="990099"/>
+                </a:solidFill>
+                <a:latin typeface="微软雅黑" pitchFamily="34" charset="-122"/>
+                <a:ea typeface="微软雅黑" pitchFamily="34" charset="-122"/>
+              </a:defRPr>
+            </a:lvl4pPr>
+            <a:lvl5pPr marL="2057400" indent="-228600" algn="l" rtl="0" eaLnBrk="1" fontAlgn="base" hangingPunct="1">
+              <a:spcBef>
+                <a:spcPct val="30000"/>
+              </a:spcBef>
+              <a:spcAft>
+                <a:spcPct val="0"/>
+              </a:spcAft>
+              <a:buClr>
+                <a:schemeClr val="hlink"/>
+              </a:buClr>
+              <a:buFont typeface="Wingdings 2" pitchFamily="18" charset="2"/>
+              <a:buChar char="¡"/>
+              <a:defRPr sz="2000">
+                <a:solidFill>
+                  <a:schemeClr val="tx1"/>
+                </a:solidFill>
+                <a:latin typeface="微软雅黑" pitchFamily="34" charset="-122"/>
+                <a:ea typeface="微软雅黑" pitchFamily="34" charset="-122"/>
+              </a:defRPr>
+            </a:lvl5pPr>
+            <a:lvl6pPr marL="2514600" indent="-228600" algn="l" rtl="0" eaLnBrk="1" fontAlgn="base" hangingPunct="1">
+              <a:spcBef>
+                <a:spcPct val="30000"/>
+              </a:spcBef>
+              <a:spcAft>
+                <a:spcPct val="0"/>
+              </a:spcAft>
+              <a:buClr>
+                <a:schemeClr val="hlink"/>
+              </a:buClr>
+              <a:buFont typeface="Wingdings 2" pitchFamily="18" charset="2"/>
+              <a:buChar char="¡"/>
+              <a:defRPr sz="2000">
+                <a:solidFill>
+                  <a:schemeClr val="tx1"/>
+                </a:solidFill>
+                <a:latin typeface="+mn-lt"/>
+                <a:ea typeface="+mn-ea"/>
+              </a:defRPr>
+            </a:lvl6pPr>
+            <a:lvl7pPr marL="2971800" indent="-228600" algn="l" rtl="0" eaLnBrk="1" fontAlgn="base" hangingPunct="1">
+              <a:spcBef>
+                <a:spcPct val="30000"/>
+              </a:spcBef>
+              <a:spcAft>
+                <a:spcPct val="0"/>
+              </a:spcAft>
+              <a:buClr>
+                <a:schemeClr val="hlink"/>
+              </a:buClr>
+              <a:buFont typeface="Wingdings 2" pitchFamily="18" charset="2"/>
+              <a:buChar char="¡"/>
+              <a:defRPr sz="2000">
+                <a:solidFill>
+                  <a:schemeClr val="tx1"/>
+                </a:solidFill>
+                <a:latin typeface="+mn-lt"/>
+                <a:ea typeface="+mn-ea"/>
+              </a:defRPr>
+            </a:lvl7pPr>
+            <a:lvl8pPr marL="3429000" indent="-228600" algn="l" rtl="0" eaLnBrk="1" fontAlgn="base" hangingPunct="1">
+              <a:spcBef>
+                <a:spcPct val="30000"/>
+              </a:spcBef>
+              <a:spcAft>
+                <a:spcPct val="0"/>
+              </a:spcAft>
+              <a:buClr>
+                <a:schemeClr val="hlink"/>
+              </a:buClr>
+              <a:buFont typeface="Wingdings 2" pitchFamily="18" charset="2"/>
+              <a:buChar char="¡"/>
+              <a:defRPr sz="2000">
+                <a:solidFill>
+                  <a:schemeClr val="tx1"/>
+                </a:solidFill>
+                <a:latin typeface="+mn-lt"/>
+                <a:ea typeface="+mn-ea"/>
+              </a:defRPr>
+            </a:lvl8pPr>
+            <a:lvl9pPr marL="3886200" indent="-228600" algn="l" rtl="0" eaLnBrk="1" fontAlgn="base" hangingPunct="1">
+              <a:spcBef>
+                <a:spcPct val="30000"/>
+              </a:spcBef>
+              <a:spcAft>
+                <a:spcPct val="0"/>
+              </a:spcAft>
+              <a:buClr>
+                <a:schemeClr val="hlink"/>
+              </a:buClr>
+              <a:buFont typeface="Wingdings 2" pitchFamily="18" charset="2"/>
+              <a:buChar char="¡"/>
+              <a:defRPr sz="2000">
+                <a:solidFill>
+                  <a:schemeClr val="tx1"/>
+                </a:solidFill>
+                <a:latin typeface="+mn-lt"/>
+                <a:ea typeface="+mn-ea"/>
+              </a:defRPr>
+            </a:lvl9pPr>
+          </a:lstStyle>
+          <a:p>
+            <a:r>
+              <a:rPr lang="en-US" altLang="zh-CN" sz="2400" kern="0" dirty="0">
+                <a:latin typeface="+mn-lt"/>
+                <a:cs typeface="Times New Roman" panose="02020603050405020304" pitchFamily="18" charset="0"/>
+              </a:rPr>
+              <a:t>RETAU5200</a:t>
+            </a:r>
+            <a:endParaRPr lang="en-US" altLang="zh-CN" sz="2000" kern="0" dirty="0">
+              <a:latin typeface="+mn-lt"/>
+              <a:cs typeface="Times New Roman" panose="02020603050405020304" pitchFamily="18" charset="0"/>
+            </a:endParaRPr>
+          </a:p>
+          <a:p>
+            <a:pPr lvl="1"/>
+            <a:r>
+              <a:rPr lang="en-US" altLang="zh-CN" sz="2000" dirty="0">
+                <a:latin typeface="+mn-lt"/>
+                <a:cs typeface="Times New Roman" panose="02020603050405020304" pitchFamily="18" charset="0"/>
+              </a:rPr>
+              <a:t>CS0.11 is optimal, and CS0.05 is too small, especially in the core region</a:t>
+            </a:r>
+          </a:p>
+        </p:txBody>
+      </p:sp>
+      <p:pic>
+        <p:nvPicPr>
+          <p:cNvPr id="4" name="Picture 3">
+            <a:extLst>
+              <a:ext uri="{FF2B5EF4-FFF2-40B4-BE49-F238E27FC236}">
+                <a16:creationId xmlns:a16="http://schemas.microsoft.com/office/drawing/2014/main" id="{5C50D673-3CD6-67E5-1D04-998420085980}"/>
+              </a:ext>
+            </a:extLst>
+          </p:cNvPr>
+          <p:cNvPicPr>
+            <a:picLocks noChangeAspect="1"/>
+          </p:cNvPicPr>
+          <p:nvPr/>
+        </p:nvPicPr>
+        <p:blipFill>
+          <a:blip r:embed="rId3"/>
+          <a:stretch>
+            <a:fillRect/>
+          </a:stretch>
+        </p:blipFill>
+        <p:spPr>
+          <a:xfrm>
+            <a:off x="1366787" y="1981200"/>
+            <a:ext cx="3200400" cy="2371044"/>
+          </a:xfrm>
+          <a:prstGeom prst="rect">
+            <a:avLst/>
+          </a:prstGeom>
+        </p:spPr>
+      </p:pic>
+      <p:pic>
+        <p:nvPicPr>
+          <p:cNvPr id="6" name="Picture 5">
+            <a:extLst>
+              <a:ext uri="{FF2B5EF4-FFF2-40B4-BE49-F238E27FC236}">
+                <a16:creationId xmlns:a16="http://schemas.microsoft.com/office/drawing/2014/main" id="{9D378D1E-1DD0-3AD6-D002-32CF10A84DCF}"/>
+              </a:ext>
+            </a:extLst>
+          </p:cNvPr>
+          <p:cNvPicPr>
+            <a:picLocks noChangeAspect="1"/>
+          </p:cNvPicPr>
+          <p:nvPr/>
+        </p:nvPicPr>
+        <p:blipFill>
+          <a:blip r:embed="rId4"/>
+          <a:stretch>
+            <a:fillRect/>
+          </a:stretch>
+        </p:blipFill>
+        <p:spPr>
+          <a:xfrm>
+            <a:off x="4567187" y="1981200"/>
+            <a:ext cx="3200400" cy="2376132"/>
+          </a:xfrm>
+          <a:prstGeom prst="rect">
+            <a:avLst/>
+          </a:prstGeom>
+        </p:spPr>
+      </p:pic>
+      <p:pic>
+        <p:nvPicPr>
+          <p:cNvPr id="8" name="Picture 7">
+            <a:extLst>
+              <a:ext uri="{FF2B5EF4-FFF2-40B4-BE49-F238E27FC236}">
+                <a16:creationId xmlns:a16="http://schemas.microsoft.com/office/drawing/2014/main" id="{B7A36A76-BE35-28E9-DD09-83C445ABB7AA}"/>
+              </a:ext>
+            </a:extLst>
+          </p:cNvPr>
+          <p:cNvPicPr>
+            <a:picLocks noChangeAspect="1"/>
+          </p:cNvPicPr>
+          <p:nvPr/>
+        </p:nvPicPr>
+        <p:blipFill>
+          <a:blip r:embed="rId5"/>
+          <a:stretch>
+            <a:fillRect/>
+          </a:stretch>
+        </p:blipFill>
+        <p:spPr>
+          <a:xfrm>
+            <a:off x="1366787" y="4352244"/>
+            <a:ext cx="3200400" cy="2405429"/>
+          </a:xfrm>
+          <a:prstGeom prst="rect">
+            <a:avLst/>
+          </a:prstGeom>
+        </p:spPr>
+      </p:pic>
+      <p:pic>
+        <p:nvPicPr>
+          <p:cNvPr id="12" name="Picture 11">
+            <a:extLst>
+              <a:ext uri="{FF2B5EF4-FFF2-40B4-BE49-F238E27FC236}">
+                <a16:creationId xmlns:a16="http://schemas.microsoft.com/office/drawing/2014/main" id="{6C7E94A4-9CD3-28E6-733C-B4977FFB7CCE}"/>
+              </a:ext>
+            </a:extLst>
+          </p:cNvPr>
+          <p:cNvPicPr>
+            <a:picLocks noChangeAspect="1"/>
+          </p:cNvPicPr>
+          <p:nvPr/>
+        </p:nvPicPr>
+        <p:blipFill>
+          <a:blip r:embed="rId6"/>
+          <a:stretch>
+            <a:fillRect/>
+          </a:stretch>
+        </p:blipFill>
+        <p:spPr>
+          <a:xfrm>
+            <a:off x="4572000" y="4352244"/>
+            <a:ext cx="3200400" cy="2382407"/>
+          </a:xfrm>
+          <a:prstGeom prst="rect">
+            <a:avLst/>
+          </a:prstGeom>
+        </p:spPr>
+      </p:pic>
+    </p:spTree>
+    <p:extLst>
+      <p:ext uri="{BB962C8B-B14F-4D97-AF65-F5344CB8AC3E}">
+        <p14:creationId xmlns:p14="http://schemas.microsoft.com/office/powerpoint/2010/main" val="105129163"/>
+      </p:ext>
+    </p:extLst>
+  </p:cSld>
+  <p:clrMapOvr>
+    <a:masterClrMapping/>
+  </p:clrMapOvr>
+  <p:transition spd="med" advTm="63997"/>
+</p:sld>
+</file>
+
+<file path=ppt/slides/slide16.xml><?xml version="1.0" encoding="utf-8"?>
 <p:sld xmlns:a="http://schemas.openxmlformats.org/drawingml/2006/main" xmlns:r="http://schemas.openxmlformats.org/officeDocument/2006/relationships" xmlns:p="http://schemas.openxmlformats.org/presentationml/2006/main">
   <p:cSld>
     <p:spTree>
@@ -27321,17 +28580,17 @@
                 <a:latin typeface="+mn-lt"/>
                 <a:cs typeface="Times New Roman" panose="02020603050405020304" pitchFamily="18" charset="0"/>
               </a:rPr>
-              <a:t>CS0.11 is optimal, and CS0.05 is too small, especially in the core region.</a:t>
+              <a:t>CS0 reproduces the statistics without SGS</a:t>
             </a:r>
           </a:p>
         </p:txBody>
       </p:sp>
       <p:pic>
         <p:nvPicPr>
-          <p:cNvPr id="11" name="Picture 10">
+          <p:cNvPr id="19" name="Picture 18">
             <a:extLst>
               <a:ext uri="{FF2B5EF4-FFF2-40B4-BE49-F238E27FC236}">
-                <a16:creationId xmlns:a16="http://schemas.microsoft.com/office/drawing/2014/main" id="{DC008D5A-B323-E2B2-B77B-254F1AFEA484}"/>
+                <a16:creationId xmlns:a16="http://schemas.microsoft.com/office/drawing/2014/main" id="{77F3895B-202B-3D41-46E4-68AC6908346D}"/>
               </a:ext>
             </a:extLst>
           </p:cNvPr>
@@ -27348,38 +28607,8 @@
         </p:blipFill>
         <p:spPr>
           <a:xfrm>
-            <a:off x="1371600" y="2819400"/>
-            <a:ext cx="3200400" cy="2387519"/>
-          </a:xfrm>
-          <a:prstGeom prst="rect">
-            <a:avLst/>
-          </a:prstGeom>
-        </p:spPr>
-      </p:pic>
-      <p:pic>
-        <p:nvPicPr>
-          <p:cNvPr id="14" name="Picture 13">
-            <a:extLst>
-              <a:ext uri="{FF2B5EF4-FFF2-40B4-BE49-F238E27FC236}">
-                <a16:creationId xmlns:a16="http://schemas.microsoft.com/office/drawing/2014/main" id="{22B582E0-111D-049E-4E46-646C3EC6032F}"/>
-              </a:ext>
-            </a:extLst>
-          </p:cNvPr>
-          <p:cNvPicPr>
-            <a:picLocks noChangeAspect="1"/>
-          </p:cNvPicPr>
-          <p:nvPr/>
-        </p:nvPicPr>
-        <p:blipFill>
-          <a:blip r:embed="rId4"/>
-          <a:stretch>
-            <a:fillRect/>
-          </a:stretch>
-        </p:blipFill>
-        <p:spPr>
-          <a:xfrm>
-            <a:off x="4605867" y="2819400"/>
-            <a:ext cx="3200400" cy="2390108"/>
+            <a:off x="1828800" y="2209800"/>
+            <a:ext cx="5189905" cy="3886200"/>
           </a:xfrm>
           <a:prstGeom prst="rect">
             <a:avLst/>
@@ -27389,7 +28618,7 @@
     </p:spTree>
     <p:extLst>
       <p:ext uri="{BB962C8B-B14F-4D97-AF65-F5344CB8AC3E}">
-        <p14:creationId xmlns:p14="http://schemas.microsoft.com/office/powerpoint/2010/main" val="506017243"/>
+        <p14:creationId xmlns:p14="http://schemas.microsoft.com/office/powerpoint/2010/main" val="1101504850"/>
       </p:ext>
     </p:extLst>
   </p:cSld>
@@ -27400,7 +28629,7 @@
 </p:sld>
 </file>
 
-<file path=ppt/slides/slide14.xml><?xml version="1.0" encoding="utf-8"?>
+<file path=ppt/slides/slide17.xml><?xml version="1.0" encoding="utf-8"?>
 <p:sld xmlns:a="http://schemas.openxmlformats.org/drawingml/2006/main" xmlns:r="http://schemas.openxmlformats.org/officeDocument/2006/relationships" xmlns:p="http://schemas.openxmlformats.org/presentationml/2006/main">
   <p:cSld>
     <p:spTree>
@@ -27524,8 +28753,8 @@
         </p:nvSpPr>
         <p:spPr bwMode="auto">
           <a:xfrm>
-            <a:off x="93652" y="1068112"/>
-            <a:ext cx="9144000" cy="1399397"/>
+            <a:off x="93652" y="1068113"/>
+            <a:ext cx="8610600" cy="1211060"/>
           </a:xfrm>
           <a:prstGeom prst="rect">
             <a:avLst/>
@@ -27766,17 +28995,17 @@
                 <a:latin typeface="+mn-lt"/>
                 <a:cs typeface="Times New Roman" panose="02020603050405020304" pitchFamily="18" charset="0"/>
               </a:rPr>
-              <a:t>CS0 reproduces the results without SGS</a:t>
+              <a:t>Simplified viscous terms produce a bit better results on coarse grids, but nearly the same results on the finest grid</a:t>
             </a:r>
           </a:p>
         </p:txBody>
       </p:sp>
       <p:pic>
         <p:nvPicPr>
-          <p:cNvPr id="19" name="Picture 18">
+          <p:cNvPr id="4" name="Picture 3">
             <a:extLst>
               <a:ext uri="{FF2B5EF4-FFF2-40B4-BE49-F238E27FC236}">
-                <a16:creationId xmlns:a16="http://schemas.microsoft.com/office/drawing/2014/main" id="{77F3895B-202B-3D41-46E4-68AC6908346D}"/>
+                <a16:creationId xmlns:a16="http://schemas.microsoft.com/office/drawing/2014/main" id="{50EE1709-EABB-454A-53B1-315DA164832A}"/>
               </a:ext>
             </a:extLst>
           </p:cNvPr>
@@ -27793,7 +29022,97 @@
         </p:blipFill>
         <p:spPr>
           <a:xfrm>
-            <a:off x="93652" y="3562089"/>
+            <a:off x="1295400" y="4672308"/>
+            <a:ext cx="3200400" cy="2390042"/>
+          </a:xfrm>
+          <a:prstGeom prst="rect">
+            <a:avLst/>
+          </a:prstGeom>
+        </p:spPr>
+      </p:pic>
+      <p:pic>
+        <p:nvPicPr>
+          <p:cNvPr id="6" name="Picture 5">
+            <a:extLst>
+              <a:ext uri="{FF2B5EF4-FFF2-40B4-BE49-F238E27FC236}">
+                <a16:creationId xmlns:a16="http://schemas.microsoft.com/office/drawing/2014/main" id="{75FAD4A9-F8BA-3F98-7D08-F79BDD909E55}"/>
+              </a:ext>
+            </a:extLst>
+          </p:cNvPr>
+          <p:cNvPicPr>
+            <a:picLocks noChangeAspect="1"/>
+          </p:cNvPicPr>
+          <p:nvPr/>
+        </p:nvPicPr>
+        <p:blipFill>
+          <a:blip r:embed="rId4"/>
+          <a:stretch>
+            <a:fillRect/>
+          </a:stretch>
+        </p:blipFill>
+        <p:spPr>
+          <a:xfrm>
+            <a:off x="4495800" y="2299948"/>
+            <a:ext cx="3200400" cy="2372360"/>
+          </a:xfrm>
+          <a:prstGeom prst="rect">
+            <a:avLst/>
+          </a:prstGeom>
+        </p:spPr>
+      </p:pic>
+      <p:pic>
+        <p:nvPicPr>
+          <p:cNvPr id="8" name="Picture 7">
+            <a:extLst>
+              <a:ext uri="{FF2B5EF4-FFF2-40B4-BE49-F238E27FC236}">
+                <a16:creationId xmlns:a16="http://schemas.microsoft.com/office/drawing/2014/main" id="{900089F2-6F03-AC4F-47FB-B494550D41D8}"/>
+              </a:ext>
+            </a:extLst>
+          </p:cNvPr>
+          <p:cNvPicPr>
+            <a:picLocks noChangeAspect="1"/>
+          </p:cNvPicPr>
+          <p:nvPr/>
+        </p:nvPicPr>
+        <p:blipFill>
+          <a:blip r:embed="rId5"/>
+          <a:stretch>
+            <a:fillRect/>
+          </a:stretch>
+        </p:blipFill>
+        <p:spPr>
+          <a:xfrm>
+            <a:off x="1295400" y="2286000"/>
+            <a:ext cx="3200400" cy="2386308"/>
+          </a:xfrm>
+          <a:prstGeom prst="rect">
+            <a:avLst/>
+          </a:prstGeom>
+        </p:spPr>
+      </p:pic>
+      <p:pic>
+        <p:nvPicPr>
+          <p:cNvPr id="13" name="Picture 12">
+            <a:extLst>
+              <a:ext uri="{FF2B5EF4-FFF2-40B4-BE49-F238E27FC236}">
+                <a16:creationId xmlns:a16="http://schemas.microsoft.com/office/drawing/2014/main" id="{7FA17928-4EAE-2C6F-0C99-5C67EDC2AB39}"/>
+              </a:ext>
+            </a:extLst>
+          </p:cNvPr>
+          <p:cNvPicPr>
+            <a:picLocks noChangeAspect="1"/>
+          </p:cNvPicPr>
+          <p:nvPr/>
+        </p:nvPicPr>
+        <p:blipFill>
+          <a:blip r:embed="rId6"/>
+          <a:stretch>
+            <a:fillRect/>
+          </a:stretch>
+        </p:blipFill>
+        <p:spPr>
+          <a:xfrm>
+            <a:off x="4495800" y="4672718"/>
             <a:ext cx="3200400" cy="2396459"/>
           </a:xfrm>
           <a:prstGeom prst="rect">
@@ -27804,7 +29123,7 @@
     </p:spTree>
     <p:extLst>
       <p:ext uri="{BB962C8B-B14F-4D97-AF65-F5344CB8AC3E}">
-        <p14:creationId xmlns:p14="http://schemas.microsoft.com/office/powerpoint/2010/main" val="1101504850"/>
+        <p14:creationId xmlns:p14="http://schemas.microsoft.com/office/powerpoint/2010/main" val="1166957128"/>
       </p:ext>
     </p:extLst>
   </p:cSld>
@@ -27815,7 +29134,7 @@
 </p:sld>
 </file>
 
-<file path=ppt/slides/slide15.xml><?xml version="1.0" encoding="utf-8"?>
+<file path=ppt/slides/slide18.xml><?xml version="1.0" encoding="utf-8"?>
 <p:sld xmlns:a="http://schemas.openxmlformats.org/drawingml/2006/main" xmlns:r="http://schemas.openxmlformats.org/officeDocument/2006/relationships" xmlns:p="http://schemas.openxmlformats.org/presentationml/2006/main">
   <p:cSld>
     <p:spTree>
@@ -28188,10 +29507,10 @@
       </p:sp>
       <p:pic>
         <p:nvPicPr>
-          <p:cNvPr id="4" name="Picture 3">
+          <p:cNvPr id="5" name="Picture 4">
             <a:extLst>
               <a:ext uri="{FF2B5EF4-FFF2-40B4-BE49-F238E27FC236}">
-                <a16:creationId xmlns:a16="http://schemas.microsoft.com/office/drawing/2014/main" id="{50EE1709-EABB-454A-53B1-315DA164832A}"/>
+                <a16:creationId xmlns:a16="http://schemas.microsoft.com/office/drawing/2014/main" id="{3D3C4045-905F-C882-77CA-97210A04DF40}"/>
               </a:ext>
             </a:extLst>
           </p:cNvPr>
@@ -28208,8 +29527,8 @@
         </p:blipFill>
         <p:spPr>
           <a:xfrm>
-            <a:off x="1295400" y="4390492"/>
-            <a:ext cx="3200400" cy="2390042"/>
+            <a:off x="1219200" y="2000451"/>
+            <a:ext cx="3200400" cy="2399016"/>
           </a:xfrm>
           <a:prstGeom prst="rect">
             <a:avLst/>
@@ -28218,10 +29537,10 @@
       </p:pic>
       <p:pic>
         <p:nvPicPr>
-          <p:cNvPr id="6" name="Picture 5">
+          <p:cNvPr id="10" name="Picture 9">
             <a:extLst>
               <a:ext uri="{FF2B5EF4-FFF2-40B4-BE49-F238E27FC236}">
-                <a16:creationId xmlns:a16="http://schemas.microsoft.com/office/drawing/2014/main" id="{75FAD4A9-F8BA-3F98-7D08-F79BDD909E55}"/>
+                <a16:creationId xmlns:a16="http://schemas.microsoft.com/office/drawing/2014/main" id="{480931EF-87BF-5DF5-62E0-B1EEA93F372F}"/>
               </a:ext>
             </a:extLst>
           </p:cNvPr>
@@ -28238,8 +29557,8 @@
         </p:blipFill>
         <p:spPr>
           <a:xfrm>
-            <a:off x="4495800" y="2018132"/>
-            <a:ext cx="3200400" cy="2372360"/>
+            <a:off x="4419600" y="1999165"/>
+            <a:ext cx="3200400" cy="2401588"/>
           </a:xfrm>
           <a:prstGeom prst="rect">
             <a:avLst/>
@@ -28248,10 +29567,10 @@
       </p:pic>
       <p:pic>
         <p:nvPicPr>
-          <p:cNvPr id="8" name="Picture 7">
+          <p:cNvPr id="12" name="Picture 11">
             <a:extLst>
               <a:ext uri="{FF2B5EF4-FFF2-40B4-BE49-F238E27FC236}">
-                <a16:creationId xmlns:a16="http://schemas.microsoft.com/office/drawing/2014/main" id="{900089F2-6F03-AC4F-47FB-B494550D41D8}"/>
+                <a16:creationId xmlns:a16="http://schemas.microsoft.com/office/drawing/2014/main" id="{AD837928-1615-2559-3EFE-7C72F210CB77}"/>
               </a:ext>
             </a:extLst>
           </p:cNvPr>
@@ -28268,8 +29587,8 @@
         </p:blipFill>
         <p:spPr>
           <a:xfrm>
-            <a:off x="1295400" y="2004184"/>
-            <a:ext cx="3200400" cy="2386308"/>
+            <a:off x="1219200" y="4399467"/>
+            <a:ext cx="3200400" cy="2405462"/>
           </a:xfrm>
           <a:prstGeom prst="rect">
             <a:avLst/>
@@ -28278,10 +29597,10 @@
       </p:pic>
       <p:pic>
         <p:nvPicPr>
-          <p:cNvPr id="13" name="Picture 12">
+          <p:cNvPr id="15" name="Picture 14">
             <a:extLst>
               <a:ext uri="{FF2B5EF4-FFF2-40B4-BE49-F238E27FC236}">
-                <a16:creationId xmlns:a16="http://schemas.microsoft.com/office/drawing/2014/main" id="{7FA17928-4EAE-2C6F-0C99-5C67EDC2AB39}"/>
+                <a16:creationId xmlns:a16="http://schemas.microsoft.com/office/drawing/2014/main" id="{FE2C9A5C-4D72-D676-3379-B3F73ADD8B5D}"/>
               </a:ext>
             </a:extLst>
           </p:cNvPr>
@@ -28298,8 +29617,8 @@
         </p:blipFill>
         <p:spPr>
           <a:xfrm>
-            <a:off x="4495800" y="4390902"/>
-            <a:ext cx="3200400" cy="2396459"/>
+            <a:off x="4419600" y="4400776"/>
+            <a:ext cx="3200400" cy="2404153"/>
           </a:xfrm>
           <a:prstGeom prst="rect">
             <a:avLst/>
@@ -28309,7 +29628,7 @@
     </p:spTree>
     <p:extLst>
       <p:ext uri="{BB962C8B-B14F-4D97-AF65-F5344CB8AC3E}">
-        <p14:creationId xmlns:p14="http://schemas.microsoft.com/office/powerpoint/2010/main" val="1166957128"/>
+        <p14:creationId xmlns:p14="http://schemas.microsoft.com/office/powerpoint/2010/main" val="1825430981"/>
       </p:ext>
     </p:extLst>
   </p:cSld>
@@ -28320,7 +29639,7 @@
 </p:sld>
 </file>
 
-<file path=ppt/slides/slide16.xml><?xml version="1.0" encoding="utf-8"?>
+<file path=ppt/slides/slide19.xml><?xml version="1.0" encoding="utf-8"?>
 <p:sld xmlns:a="http://schemas.openxmlformats.org/drawingml/2006/main" xmlns:r="http://schemas.openxmlformats.org/officeDocument/2006/relationships" xmlns:p="http://schemas.openxmlformats.org/presentationml/2006/main">
   <p:cSld>
     <p:spTree>
@@ -28713,7 +30032,7 @@
         </p:blipFill>
         <p:spPr>
           <a:xfrm>
-            <a:off x="-302394" y="1981200"/>
+            <a:off x="1221606" y="1981200"/>
             <a:ext cx="3200400" cy="2424859"/>
           </a:xfrm>
           <a:prstGeom prst="rect">
@@ -28743,7 +30062,7 @@
         </p:blipFill>
         <p:spPr>
           <a:xfrm>
-            <a:off x="2895600" y="1992752"/>
+            <a:off x="4419600" y="1992752"/>
             <a:ext cx="3200400" cy="2409290"/>
           </a:xfrm>
           <a:prstGeom prst="rect">
@@ -28773,7 +30092,7 @@
         </p:blipFill>
         <p:spPr>
           <a:xfrm>
-            <a:off x="2895600" y="4400820"/>
+            <a:off x="4419600" y="4400820"/>
             <a:ext cx="3200400" cy="2408068"/>
           </a:xfrm>
           <a:prstGeom prst="rect">
@@ -28803,7 +30122,7 @@
         </p:blipFill>
         <p:spPr>
           <a:xfrm>
-            <a:off x="-304800" y="4402042"/>
+            <a:off x="1219200" y="4402042"/>
             <a:ext cx="3200400" cy="2393879"/>
           </a:xfrm>
           <a:prstGeom prst="rect">
@@ -28825,12 +30144,18 @@
 </p:sld>
 </file>
 
-<file path=ppt/slides/slide17.xml><?xml version="1.0" encoding="utf-8"?>
+<file path=ppt/slides/slide2.xml><?xml version="1.0" encoding="utf-8"?>
 <p:sld xmlns:a="http://schemas.openxmlformats.org/drawingml/2006/main" xmlns:r="http://schemas.openxmlformats.org/officeDocument/2006/relationships" xmlns:p="http://schemas.openxmlformats.org/presentationml/2006/main">
   <p:cSld>
     <p:spTree>
       <p:nvGrpSpPr>
-        <p:cNvPr id="1" name=""/>
+        <p:cNvPr id="1" name="">
+          <a:extLst>
+            <a:ext uri="{FF2B5EF4-FFF2-40B4-BE49-F238E27FC236}">
+              <a16:creationId xmlns:a16="http://schemas.microsoft.com/office/drawing/2014/main" id="{2D15152C-B19F-6BB3-728D-5F7F2B035AD0}"/>
+            </a:ext>
+          </a:extLst>
+        </p:cNvPr>
         <p:cNvGrpSpPr/>
         <p:nvPr/>
       </p:nvGrpSpPr>
@@ -28844,7 +30169,13 @@
       </p:grpSpPr>
       <p:sp>
         <p:nvSpPr>
-          <p:cNvPr id="2" name="Title 1"/>
+          <p:cNvPr id="2" name="Title 1">
+            <a:extLst>
+              <a:ext uri="{FF2B5EF4-FFF2-40B4-BE49-F238E27FC236}">
+                <a16:creationId xmlns:a16="http://schemas.microsoft.com/office/drawing/2014/main" id="{D13EE2B0-B4C2-89D5-D5B9-1DF5BE70DC5F}"/>
+              </a:ext>
+            </a:extLst>
+          </p:cNvPr>
           <p:cNvSpPr>
             <a:spLocks noGrp="1"/>
           </p:cNvSpPr>
@@ -28872,7 +30203,172 @@
       </p:sp>
       <p:sp>
         <p:nvSpPr>
-          <p:cNvPr id="9" name="Rectangle 2"/>
+          <p:cNvPr id="7" name="内容占位符 2">
+            <a:extLst>
+              <a:ext uri="{FF2B5EF4-FFF2-40B4-BE49-F238E27FC236}">
+                <a16:creationId xmlns:a16="http://schemas.microsoft.com/office/drawing/2014/main" id="{D2C6C04E-3AE6-BF1A-EE2B-80CAEA4AD7AC}"/>
+              </a:ext>
+            </a:extLst>
+          </p:cNvPr>
+          <p:cNvSpPr>
+            <a:spLocks noGrp="1"/>
+          </p:cNvSpPr>
+          <p:nvPr>
+            <p:ph idx="4294967295"/>
+          </p:nvPr>
+        </p:nvSpPr>
+        <p:spPr>
+          <a:xfrm>
+            <a:off x="93652" y="1068111"/>
+            <a:ext cx="9050348" cy="1979889"/>
+          </a:xfrm>
+        </p:spPr>
+        <p:txBody>
+          <a:bodyPr/>
+          <a:lstStyle/>
+          <a:p>
+            <a:r>
+              <a:rPr lang="en-US" altLang="zh-CN" sz="2400" dirty="0">
+                <a:latin typeface="+mn-lt"/>
+                <a:cs typeface="Times New Roman" panose="02020603050405020304" pitchFamily="18" charset="0"/>
+              </a:rPr>
+              <a:t>RETAU180</a:t>
+            </a:r>
+            <a:endParaRPr lang="en-US" altLang="zh-CN" sz="2000" dirty="0">
+              <a:latin typeface="+mn-lt"/>
+              <a:cs typeface="Times New Roman" panose="02020603050405020304" pitchFamily="18" charset="0"/>
+            </a:endParaRPr>
+          </a:p>
+          <a:p>
+            <a:pPr lvl="1"/>
+            <a:r>
+              <a:rPr lang="en-US" altLang="zh-CN" sz="2000" dirty="0">
+                <a:latin typeface="+mn-lt"/>
+                <a:cs typeface="Times New Roman" panose="02020603050405020304" pitchFamily="18" charset="0"/>
+              </a:rPr>
+              <a:t>Both Neumann and wall model yield acceptable profiles</a:t>
+            </a:r>
+          </a:p>
+          <a:p>
+            <a:pPr lvl="1"/>
+            <a:r>
+              <a:rPr lang="en-US" altLang="zh-CN" sz="2000" dirty="0">
+                <a:latin typeface="+mn-lt"/>
+                <a:cs typeface="Times New Roman" panose="02020603050405020304" pitchFamily="18" charset="0"/>
+              </a:rPr>
+              <a:t>The DNS grid and the finest wall model grid produce the same results, but show difference from the DNS results, demonstrating imperfection of the wall model</a:t>
+            </a:r>
+            <a:endParaRPr lang="en-US" altLang="zh-CN" sz="2000" kern="0" dirty="0">
+              <a:latin typeface="+mn-lt"/>
+              <a:cs typeface="Times New Roman" panose="02020603050405020304" pitchFamily="18" charset="0"/>
+            </a:endParaRPr>
+          </a:p>
+          <a:p>
+            <a:pPr marL="457200" lvl="1" indent="0">
+              <a:buNone/>
+            </a:pPr>
+            <a:endParaRPr lang="en-US" altLang="zh-CN" sz="2000" baseline="30000" dirty="0">
+              <a:latin typeface="+mn-lt"/>
+              <a:cs typeface="Times New Roman" panose="02020603050405020304" pitchFamily="18" charset="0"/>
+            </a:endParaRPr>
+          </a:p>
+          <a:p>
+            <a:pPr marL="457200" lvl="1" indent="0">
+              <a:buNone/>
+            </a:pPr>
+            <a:endParaRPr lang="en-US" altLang="zh-CN" sz="2000" baseline="30000" dirty="0">
+              <a:latin typeface="+mn-lt"/>
+              <a:cs typeface="Times New Roman" panose="02020603050405020304" pitchFamily="18" charset="0"/>
+            </a:endParaRPr>
+          </a:p>
+          <a:p>
+            <a:pPr marL="457200" lvl="1" indent="0">
+              <a:buNone/>
+            </a:pPr>
+            <a:endParaRPr lang="en-US" altLang="zh-CN" sz="2000" baseline="30000" dirty="0">
+              <a:latin typeface="+mn-lt"/>
+              <a:cs typeface="Times New Roman" panose="02020603050405020304" pitchFamily="18" charset="0"/>
+            </a:endParaRPr>
+          </a:p>
+          <a:p>
+            <a:pPr marL="457200" lvl="1" indent="0">
+              <a:buNone/>
+            </a:pPr>
+            <a:endParaRPr lang="en-US" altLang="zh-CN" sz="2000" baseline="30000" dirty="0">
+              <a:latin typeface="+mn-lt"/>
+              <a:cs typeface="Times New Roman" panose="02020603050405020304" pitchFamily="18" charset="0"/>
+            </a:endParaRPr>
+          </a:p>
+          <a:p>
+            <a:pPr marL="457200" lvl="1" indent="0">
+              <a:buNone/>
+            </a:pPr>
+            <a:endParaRPr lang="en-US" altLang="zh-CN" sz="2000" baseline="30000" dirty="0">
+              <a:latin typeface="+mn-lt"/>
+              <a:cs typeface="Times New Roman" panose="02020603050405020304" pitchFamily="18" charset="0"/>
+            </a:endParaRPr>
+          </a:p>
+          <a:p>
+            <a:pPr marL="457200" lvl="1" indent="0">
+              <a:buNone/>
+            </a:pPr>
+            <a:endParaRPr lang="en-US" altLang="zh-CN" sz="2000" baseline="30000" dirty="0">
+              <a:latin typeface="+mn-lt"/>
+              <a:cs typeface="Times New Roman" panose="02020603050405020304" pitchFamily="18" charset="0"/>
+            </a:endParaRPr>
+          </a:p>
+          <a:p>
+            <a:pPr marL="457200" lvl="1" indent="0">
+              <a:buNone/>
+            </a:pPr>
+            <a:endParaRPr lang="en-US" altLang="zh-CN" sz="2000" baseline="30000" dirty="0">
+              <a:latin typeface="+mn-lt"/>
+              <a:cs typeface="Times New Roman" panose="02020603050405020304" pitchFamily="18" charset="0"/>
+            </a:endParaRPr>
+          </a:p>
+          <a:p>
+            <a:pPr marL="457200" lvl="1" indent="0">
+              <a:buNone/>
+            </a:pPr>
+            <a:endParaRPr lang="en-US" altLang="zh-CN" sz="2000" baseline="30000" dirty="0">
+              <a:latin typeface="+mn-lt"/>
+              <a:cs typeface="Times New Roman" panose="02020603050405020304" pitchFamily="18" charset="0"/>
+            </a:endParaRPr>
+          </a:p>
+          <a:p>
+            <a:pPr>
+              <a:lnSpc>
+                <a:spcPct val="125000"/>
+              </a:lnSpc>
+            </a:pPr>
+            <a:endParaRPr lang="en-US" altLang="zh-CN" sz="2400" dirty="0">
+              <a:latin typeface="+mn-lt"/>
+              <a:cs typeface="Times New Roman" panose="02020603050405020304" pitchFamily="18" charset="0"/>
+            </a:endParaRPr>
+          </a:p>
+          <a:p>
+            <a:pPr marL="457200" lvl="1" indent="0">
+              <a:lnSpc>
+                <a:spcPct val="125000"/>
+              </a:lnSpc>
+              <a:buNone/>
+            </a:pPr>
+            <a:endParaRPr lang="en-US" altLang="zh-CN" sz="2000" dirty="0">
+              <a:latin typeface="+mn-lt"/>
+              <a:cs typeface="Times New Roman" panose="02020603050405020304" pitchFamily="18" charset="0"/>
+            </a:endParaRPr>
+          </a:p>
+        </p:txBody>
+      </p:sp>
+      <p:sp>
+        <p:nvSpPr>
+          <p:cNvPr id="9" name="Rectangle 2">
+            <a:extLst>
+              <a:ext uri="{FF2B5EF4-FFF2-40B4-BE49-F238E27FC236}">
+                <a16:creationId xmlns:a16="http://schemas.microsoft.com/office/drawing/2014/main" id="{39432E37-D0CA-42E2-B210-9AC1CA0029EC}"/>
+              </a:ext>
+            </a:extLst>
+          </p:cNvPr>
           <p:cNvSpPr>
             <a:spLocks noChangeArrowheads="1"/>
           </p:cNvSpPr>
@@ -28933,393 +30429,10 @@
           </a:p>
         </p:txBody>
       </p:sp>
-      <p:sp>
-        <p:nvSpPr>
-          <p:cNvPr id="17" name="内容占位符 2">
-            <a:extLst>
-              <a:ext uri="{FF2B5EF4-FFF2-40B4-BE49-F238E27FC236}">
-                <a16:creationId xmlns:a16="http://schemas.microsoft.com/office/drawing/2014/main" id="{D7B13CA5-CF5D-287A-9ACB-EF5CA77485F1}"/>
-              </a:ext>
-            </a:extLst>
-          </p:cNvPr>
-          <p:cNvSpPr txBox="1">
-            <a:spLocks/>
-          </p:cNvSpPr>
-          <p:nvPr/>
-        </p:nvSpPr>
-        <p:spPr bwMode="auto">
-          <a:xfrm>
-            <a:off x="93652" y="1068113"/>
-            <a:ext cx="8610600" cy="932338"/>
-          </a:xfrm>
-          <a:prstGeom prst="rect">
-            <a:avLst/>
-          </a:prstGeom>
-          <a:noFill/>
-          <a:ln>
-            <a:noFill/>
-          </a:ln>
-          <a:extLst>
-            <a:ext uri="{909E8E84-426E-40DD-AFC4-6F175D3DCCD1}">
-              <a14:hiddenFill xmlns:a14="http://schemas.microsoft.com/office/drawing/2010/main">
-                <a:solidFill>
-                  <a:srgbClr val="FFFFFF"/>
-                </a:solidFill>
-              </a14:hiddenFill>
-            </a:ext>
-            <a:ext uri="{91240B29-F687-4F45-9708-019B960494DF}">
-              <a14:hiddenLine xmlns:a14="http://schemas.microsoft.com/office/drawing/2010/main" w="28575">
-                <a:solidFill>
-                  <a:srgbClr val="000000"/>
-                </a:solidFill>
-                <a:miter lim="800000"/>
-                <a:headEnd/>
-                <a:tailEnd/>
-              </a14:hiddenLine>
-            </a:ext>
-          </a:extLst>
-        </p:spPr>
-        <p:txBody>
-          <a:bodyPr vert="horz" wrap="square" lIns="91440" tIns="45720" rIns="91440" bIns="45720" numCol="1" anchor="t" anchorCtr="0" compatLnSpc="1">
-            <a:prstTxWarp prst="textNoShape">
-              <a:avLst/>
-            </a:prstTxWarp>
-          </a:bodyPr>
-          <a:lstStyle>
-            <a:lvl1pPr marL="342900" indent="-342900" algn="l" rtl="0" eaLnBrk="1" fontAlgn="base" hangingPunct="1">
-              <a:spcBef>
-                <a:spcPct val="30000"/>
-              </a:spcBef>
-              <a:spcAft>
-                <a:spcPct val="0"/>
-              </a:spcAft>
-              <a:buClr>
-                <a:schemeClr val="hlink"/>
-              </a:buClr>
-              <a:buFont typeface="Wingdings" pitchFamily="2" charset="2"/>
-              <a:buChar char="§"/>
-              <a:defRPr sz="3200">
-                <a:solidFill>
-                  <a:srgbClr val="000066"/>
-                </a:solidFill>
-                <a:latin typeface="微软雅黑" pitchFamily="34" charset="-122"/>
-                <a:ea typeface="微软雅黑" pitchFamily="34" charset="-122"/>
-                <a:cs typeface="+mn-cs"/>
-              </a:defRPr>
-            </a:lvl1pPr>
-            <a:lvl2pPr marL="742950" indent="-285750" algn="l" rtl="0" eaLnBrk="1" fontAlgn="base" hangingPunct="1">
-              <a:spcBef>
-                <a:spcPct val="30000"/>
-              </a:spcBef>
-              <a:spcAft>
-                <a:spcPct val="0"/>
-              </a:spcAft>
-              <a:buClr>
-                <a:schemeClr val="tx2"/>
-              </a:buClr>
-              <a:buSzPct val="85000"/>
-              <a:buFont typeface="Wingdings" pitchFamily="2" charset="2"/>
-              <a:buChar char="Ø"/>
-              <a:defRPr sz="2800">
-                <a:solidFill>
-                  <a:srgbClr val="006666"/>
-                </a:solidFill>
-                <a:latin typeface="微软雅黑" pitchFamily="34" charset="-122"/>
-                <a:ea typeface="微软雅黑" pitchFamily="34" charset="-122"/>
-              </a:defRPr>
-            </a:lvl2pPr>
-            <a:lvl3pPr marL="1143000" indent="-228600" algn="l" rtl="0" eaLnBrk="1" fontAlgn="base" hangingPunct="1">
-              <a:spcBef>
-                <a:spcPct val="30000"/>
-              </a:spcBef>
-              <a:spcAft>
-                <a:spcPct val="0"/>
-              </a:spcAft>
-              <a:buClr>
-                <a:schemeClr val="hlink"/>
-              </a:buClr>
-              <a:buSzPct val="95000"/>
-              <a:buFont typeface="Wingdings 2" pitchFamily="18" charset="2"/>
-              <a:buChar char="¡"/>
-              <a:defRPr sz="2400">
-                <a:solidFill>
-                  <a:schemeClr val="hlink"/>
-                </a:solidFill>
-                <a:latin typeface="微软雅黑" pitchFamily="34" charset="-122"/>
-                <a:ea typeface="微软雅黑" pitchFamily="34" charset="-122"/>
-              </a:defRPr>
-            </a:lvl3pPr>
-            <a:lvl4pPr marL="1600200" indent="-228600" algn="l" rtl="0" eaLnBrk="1" fontAlgn="base" hangingPunct="1">
-              <a:spcBef>
-                <a:spcPct val="30000"/>
-              </a:spcBef>
-              <a:spcAft>
-                <a:spcPct val="0"/>
-              </a:spcAft>
-              <a:buClr>
-                <a:schemeClr val="tx2"/>
-              </a:buClr>
-              <a:buSzPct val="90000"/>
-              <a:buFont typeface="Wingdings" pitchFamily="2" charset="2"/>
-              <a:buChar char="Ø"/>
-              <a:defRPr sz="2000">
-                <a:solidFill>
-                  <a:srgbClr val="990099"/>
-                </a:solidFill>
-                <a:latin typeface="微软雅黑" pitchFamily="34" charset="-122"/>
-                <a:ea typeface="微软雅黑" pitchFamily="34" charset="-122"/>
-              </a:defRPr>
-            </a:lvl4pPr>
-            <a:lvl5pPr marL="2057400" indent="-228600" algn="l" rtl="0" eaLnBrk="1" fontAlgn="base" hangingPunct="1">
-              <a:spcBef>
-                <a:spcPct val="30000"/>
-              </a:spcBef>
-              <a:spcAft>
-                <a:spcPct val="0"/>
-              </a:spcAft>
-              <a:buClr>
-                <a:schemeClr val="hlink"/>
-              </a:buClr>
-              <a:buFont typeface="Wingdings 2" pitchFamily="18" charset="2"/>
-              <a:buChar char="¡"/>
-              <a:defRPr sz="2000">
-                <a:solidFill>
-                  <a:schemeClr val="tx1"/>
-                </a:solidFill>
-                <a:latin typeface="微软雅黑" pitchFamily="34" charset="-122"/>
-                <a:ea typeface="微软雅黑" pitchFamily="34" charset="-122"/>
-              </a:defRPr>
-            </a:lvl5pPr>
-            <a:lvl6pPr marL="2514600" indent="-228600" algn="l" rtl="0" eaLnBrk="1" fontAlgn="base" hangingPunct="1">
-              <a:spcBef>
-                <a:spcPct val="30000"/>
-              </a:spcBef>
-              <a:spcAft>
-                <a:spcPct val="0"/>
-              </a:spcAft>
-              <a:buClr>
-                <a:schemeClr val="hlink"/>
-              </a:buClr>
-              <a:buFont typeface="Wingdings 2" pitchFamily="18" charset="2"/>
-              <a:buChar char="¡"/>
-              <a:defRPr sz="2000">
-                <a:solidFill>
-                  <a:schemeClr val="tx1"/>
-                </a:solidFill>
-                <a:latin typeface="+mn-lt"/>
-                <a:ea typeface="+mn-ea"/>
-              </a:defRPr>
-            </a:lvl6pPr>
-            <a:lvl7pPr marL="2971800" indent="-228600" algn="l" rtl="0" eaLnBrk="1" fontAlgn="base" hangingPunct="1">
-              <a:spcBef>
-                <a:spcPct val="30000"/>
-              </a:spcBef>
-              <a:spcAft>
-                <a:spcPct val="0"/>
-              </a:spcAft>
-              <a:buClr>
-                <a:schemeClr val="hlink"/>
-              </a:buClr>
-              <a:buFont typeface="Wingdings 2" pitchFamily="18" charset="2"/>
-              <a:buChar char="¡"/>
-              <a:defRPr sz="2000">
-                <a:solidFill>
-                  <a:schemeClr val="tx1"/>
-                </a:solidFill>
-                <a:latin typeface="+mn-lt"/>
-                <a:ea typeface="+mn-ea"/>
-              </a:defRPr>
-            </a:lvl7pPr>
-            <a:lvl8pPr marL="3429000" indent="-228600" algn="l" rtl="0" eaLnBrk="1" fontAlgn="base" hangingPunct="1">
-              <a:spcBef>
-                <a:spcPct val="30000"/>
-              </a:spcBef>
-              <a:spcAft>
-                <a:spcPct val="0"/>
-              </a:spcAft>
-              <a:buClr>
-                <a:schemeClr val="hlink"/>
-              </a:buClr>
-              <a:buFont typeface="Wingdings 2" pitchFamily="18" charset="2"/>
-              <a:buChar char="¡"/>
-              <a:defRPr sz="2000">
-                <a:solidFill>
-                  <a:schemeClr val="tx1"/>
-                </a:solidFill>
-                <a:latin typeface="+mn-lt"/>
-                <a:ea typeface="+mn-ea"/>
-              </a:defRPr>
-            </a:lvl8pPr>
-            <a:lvl9pPr marL="3886200" indent="-228600" algn="l" rtl="0" eaLnBrk="1" fontAlgn="base" hangingPunct="1">
-              <a:spcBef>
-                <a:spcPct val="30000"/>
-              </a:spcBef>
-              <a:spcAft>
-                <a:spcPct val="0"/>
-              </a:spcAft>
-              <a:buClr>
-                <a:schemeClr val="hlink"/>
-              </a:buClr>
-              <a:buFont typeface="Wingdings 2" pitchFamily="18" charset="2"/>
-              <a:buChar char="¡"/>
-              <a:defRPr sz="2000">
-                <a:solidFill>
-                  <a:schemeClr val="tx1"/>
-                </a:solidFill>
-                <a:latin typeface="+mn-lt"/>
-                <a:ea typeface="+mn-ea"/>
-              </a:defRPr>
-            </a:lvl9pPr>
-          </a:lstStyle>
-          <a:p>
-            <a:r>
-              <a:rPr lang="en-US" altLang="zh-CN" sz="2400" kern="0" dirty="0">
-                <a:latin typeface="+mn-lt"/>
-                <a:cs typeface="Times New Roman" panose="02020603050405020304" pitchFamily="18" charset="0"/>
-              </a:rPr>
-              <a:t>RETAU5200</a:t>
-            </a:r>
-            <a:endParaRPr lang="en-US" altLang="zh-CN" sz="2000" kern="0" dirty="0">
-              <a:latin typeface="+mn-lt"/>
-              <a:cs typeface="Times New Roman" panose="02020603050405020304" pitchFamily="18" charset="0"/>
-            </a:endParaRPr>
-          </a:p>
-          <a:p>
-            <a:pPr lvl="1"/>
-            <a:r>
-              <a:rPr lang="en-US" altLang="zh-CN" sz="2000" dirty="0">
-                <a:latin typeface="+mn-lt"/>
-                <a:cs typeface="Times New Roman" panose="02020603050405020304" pitchFamily="18" charset="0"/>
-              </a:rPr>
-              <a:t>The effect of damping function increases with mesh refinement</a:t>
-            </a:r>
-          </a:p>
-        </p:txBody>
-      </p:sp>
-      <p:pic>
-        <p:nvPicPr>
-          <p:cNvPr id="4" name="Picture 3">
-            <a:extLst>
-              <a:ext uri="{FF2B5EF4-FFF2-40B4-BE49-F238E27FC236}">
-                <a16:creationId xmlns:a16="http://schemas.microsoft.com/office/drawing/2014/main" id="{1FE68F17-2EE4-7BDF-30C7-BA59731A41C8}"/>
-              </a:ext>
-            </a:extLst>
-          </p:cNvPr>
-          <p:cNvPicPr>
-            <a:picLocks noChangeAspect="1"/>
-          </p:cNvPicPr>
-          <p:nvPr/>
-        </p:nvPicPr>
-        <p:blipFill>
-          <a:blip r:embed="rId3"/>
-          <a:stretch>
-            <a:fillRect/>
-          </a:stretch>
-        </p:blipFill>
-        <p:spPr>
-          <a:xfrm>
-            <a:off x="-990600" y="2527455"/>
-            <a:ext cx="3200400" cy="2396435"/>
-          </a:xfrm>
-          <a:prstGeom prst="rect">
-            <a:avLst/>
-          </a:prstGeom>
-        </p:spPr>
-      </p:pic>
-      <p:pic>
-        <p:nvPicPr>
-          <p:cNvPr id="7" name="Picture 6">
-            <a:extLst>
-              <a:ext uri="{FF2B5EF4-FFF2-40B4-BE49-F238E27FC236}">
-                <a16:creationId xmlns:a16="http://schemas.microsoft.com/office/drawing/2014/main" id="{518851A8-BBFD-6364-7578-240225909CD2}"/>
-              </a:ext>
-            </a:extLst>
-          </p:cNvPr>
-          <p:cNvPicPr>
-            <a:picLocks noChangeAspect="1"/>
-          </p:cNvPicPr>
-          <p:nvPr/>
-        </p:nvPicPr>
-        <p:blipFill>
-          <a:blip r:embed="rId4"/>
-          <a:stretch>
-            <a:fillRect/>
-          </a:stretch>
-        </p:blipFill>
-        <p:spPr>
-          <a:xfrm>
-            <a:off x="2286000" y="2514600"/>
-            <a:ext cx="3200400" cy="2409290"/>
-          </a:xfrm>
-          <a:prstGeom prst="rect">
-            <a:avLst/>
-          </a:prstGeom>
-        </p:spPr>
-      </p:pic>
-      <p:pic>
-        <p:nvPicPr>
-          <p:cNvPr id="11" name="Picture 10">
-            <a:extLst>
-              <a:ext uri="{FF2B5EF4-FFF2-40B4-BE49-F238E27FC236}">
-                <a16:creationId xmlns:a16="http://schemas.microsoft.com/office/drawing/2014/main" id="{C4AFAE64-3D12-57C9-2BBD-E843A022EA8B}"/>
-              </a:ext>
-            </a:extLst>
-          </p:cNvPr>
-          <p:cNvPicPr>
-            <a:picLocks noChangeAspect="1"/>
-          </p:cNvPicPr>
-          <p:nvPr/>
-        </p:nvPicPr>
-        <p:blipFill>
-          <a:blip r:embed="rId5"/>
-          <a:stretch>
-            <a:fillRect/>
-          </a:stretch>
-        </p:blipFill>
-        <p:spPr>
-          <a:xfrm>
-            <a:off x="-990600" y="4923890"/>
-            <a:ext cx="3200400" cy="2401580"/>
-          </a:xfrm>
-          <a:prstGeom prst="rect">
-            <a:avLst/>
-          </a:prstGeom>
-        </p:spPr>
-      </p:pic>
-      <p:pic>
-        <p:nvPicPr>
-          <p:cNvPr id="5" name="Picture 4">
-            <a:extLst>
-              <a:ext uri="{FF2B5EF4-FFF2-40B4-BE49-F238E27FC236}">
-                <a16:creationId xmlns:a16="http://schemas.microsoft.com/office/drawing/2014/main" id="{4129898F-AB8F-B346-D62C-0EE8441CC3F0}"/>
-              </a:ext>
-            </a:extLst>
-          </p:cNvPr>
-          <p:cNvPicPr>
-            <a:picLocks noChangeAspect="1"/>
-          </p:cNvPicPr>
-          <p:nvPr/>
-        </p:nvPicPr>
-        <p:blipFill>
-          <a:blip r:embed="rId6"/>
-          <a:stretch>
-            <a:fillRect/>
-          </a:stretch>
-        </p:blipFill>
-        <p:spPr>
-          <a:xfrm>
-            <a:off x="2286000" y="4950517"/>
-            <a:ext cx="3200400" cy="2388815"/>
-          </a:xfrm>
-          <a:prstGeom prst="rect">
-            <a:avLst/>
-          </a:prstGeom>
-        </p:spPr>
-      </p:pic>
     </p:spTree>
     <p:extLst>
       <p:ext uri="{BB962C8B-B14F-4D97-AF65-F5344CB8AC3E}">
-        <p14:creationId xmlns:p14="http://schemas.microsoft.com/office/powerpoint/2010/main" val="197348845"/>
+        <p14:creationId xmlns:p14="http://schemas.microsoft.com/office/powerpoint/2010/main" val="3334254190"/>
       </p:ext>
     </p:extLst>
   </p:cSld>
@@ -29330,7 +30443,7 @@
 </p:sld>
 </file>
 
-<file path=ppt/slides/slide18.xml><?xml version="1.0" encoding="utf-8"?>
+<file path=ppt/slides/slide20.xml><?xml version="1.0" encoding="utf-8"?>
 <p:sld xmlns:a="http://schemas.openxmlformats.org/drawingml/2006/main" xmlns:r="http://schemas.openxmlformats.org/officeDocument/2006/relationships" xmlns:p="http://schemas.openxmlformats.org/presentationml/2006/main">
   <p:cSld>
     <p:spTree>
@@ -29818,7 +30931,7 @@
 </p:sld>
 </file>
 
-<file path=ppt/slides/slide19.xml><?xml version="1.0" encoding="utf-8"?>
+<file path=ppt/slides/slide21.xml><?xml version="1.0" encoding="utf-8"?>
 <p:sld xmlns:a="http://schemas.openxmlformats.org/drawingml/2006/main" xmlns:r="http://schemas.openxmlformats.org/officeDocument/2006/relationships" xmlns:p="http://schemas.openxmlformats.org/presentationml/2006/main">
   <p:cSld>
     <p:spTree>
@@ -30266,18 +31379,12 @@
 </p:sld>
 </file>
 
-<file path=ppt/slides/slide2.xml><?xml version="1.0" encoding="utf-8"?>
+<file path=ppt/slides/slide22.xml><?xml version="1.0" encoding="utf-8"?>
 <p:sld xmlns:a="http://schemas.openxmlformats.org/drawingml/2006/main" xmlns:r="http://schemas.openxmlformats.org/officeDocument/2006/relationships" xmlns:p="http://schemas.openxmlformats.org/presentationml/2006/main">
   <p:cSld>
     <p:spTree>
       <p:nvGrpSpPr>
-        <p:cNvPr id="1" name="">
-          <a:extLst>
-            <a:ext uri="{FF2B5EF4-FFF2-40B4-BE49-F238E27FC236}">
-              <a16:creationId xmlns:a16="http://schemas.microsoft.com/office/drawing/2014/main" id="{2D15152C-B19F-6BB3-728D-5F7F2B035AD0}"/>
-            </a:ext>
-          </a:extLst>
-        </p:cNvPr>
+        <p:cNvPr id="1" name=""/>
         <p:cNvGrpSpPr/>
         <p:nvPr/>
       </p:nvGrpSpPr>
@@ -30291,13 +31398,7 @@
       </p:grpSpPr>
       <p:sp>
         <p:nvSpPr>
-          <p:cNvPr id="2" name="Title 1">
-            <a:extLst>
-              <a:ext uri="{FF2B5EF4-FFF2-40B4-BE49-F238E27FC236}">
-                <a16:creationId xmlns:a16="http://schemas.microsoft.com/office/drawing/2014/main" id="{D13EE2B0-B4C2-89D5-D5B9-1DF5BE70DC5F}"/>
-              </a:ext>
-            </a:extLst>
-          </p:cNvPr>
+          <p:cNvPr id="2" name="Title 1"/>
           <p:cNvSpPr>
             <a:spLocks noGrp="1"/>
           </p:cNvSpPr>
@@ -30325,432 +31426,7 @@
       </p:sp>
       <p:sp>
         <p:nvSpPr>
-          <p:cNvPr id="7" name="内容占位符 2">
-            <a:extLst>
-              <a:ext uri="{FF2B5EF4-FFF2-40B4-BE49-F238E27FC236}">
-                <a16:creationId xmlns:a16="http://schemas.microsoft.com/office/drawing/2014/main" id="{D2C6C04E-3AE6-BF1A-EE2B-80CAEA4AD7AC}"/>
-              </a:ext>
-            </a:extLst>
-          </p:cNvPr>
-          <p:cNvSpPr>
-            <a:spLocks noGrp="1"/>
-          </p:cNvSpPr>
-          <p:nvPr>
-            <p:ph idx="4294967295"/>
-          </p:nvPr>
-        </p:nvSpPr>
-        <p:spPr>
-          <a:xfrm>
-            <a:off x="93652" y="1068111"/>
-            <a:ext cx="9050348" cy="1979889"/>
-          </a:xfrm>
-        </p:spPr>
-        <p:txBody>
-          <a:bodyPr/>
-          <a:lstStyle/>
-          <a:p>
-            <a:r>
-              <a:rPr lang="en-US" altLang="zh-CN" sz="2400" dirty="0">
-                <a:latin typeface="+mn-lt"/>
-                <a:cs typeface="Times New Roman" panose="02020603050405020304" pitchFamily="18" charset="0"/>
-              </a:rPr>
-              <a:t>RETAU180</a:t>
-            </a:r>
-            <a:endParaRPr lang="en-US" altLang="zh-CN" sz="2000" dirty="0">
-              <a:latin typeface="+mn-lt"/>
-              <a:cs typeface="Times New Roman" panose="02020603050405020304" pitchFamily="18" charset="0"/>
-            </a:endParaRPr>
-          </a:p>
-          <a:p>
-            <a:pPr lvl="1"/>
-            <a:r>
-              <a:rPr lang="en-US" altLang="zh-CN" sz="2000" dirty="0">
-                <a:latin typeface="+mn-lt"/>
-                <a:cs typeface="Times New Roman" panose="02020603050405020304" pitchFamily="18" charset="0"/>
-              </a:rPr>
-              <a:t>Both Neumann and wall model yield acceptable profiles</a:t>
-            </a:r>
-          </a:p>
-          <a:p>
-            <a:pPr lvl="1"/>
-            <a:r>
-              <a:rPr lang="en-US" altLang="zh-CN" sz="2000" dirty="0">
-                <a:latin typeface="+mn-lt"/>
-                <a:cs typeface="Times New Roman" panose="02020603050405020304" pitchFamily="18" charset="0"/>
-              </a:rPr>
-              <a:t>The DNS grid and the finest wall model grid produce the same results, but show difference from the DNS results, demonstrating imperfection of the wall model</a:t>
-            </a:r>
-            <a:endParaRPr lang="en-US" altLang="zh-CN" sz="2000" kern="0" dirty="0">
-              <a:latin typeface="+mn-lt"/>
-              <a:cs typeface="Times New Roman" panose="02020603050405020304" pitchFamily="18" charset="0"/>
-            </a:endParaRPr>
-          </a:p>
-          <a:p>
-            <a:pPr marL="457200" lvl="1" indent="0">
-              <a:buNone/>
-            </a:pPr>
-            <a:endParaRPr lang="en-US" altLang="zh-CN" sz="2000" baseline="30000" dirty="0">
-              <a:latin typeface="+mn-lt"/>
-              <a:cs typeface="Times New Roman" panose="02020603050405020304" pitchFamily="18" charset="0"/>
-            </a:endParaRPr>
-          </a:p>
-          <a:p>
-            <a:pPr marL="457200" lvl="1" indent="0">
-              <a:buNone/>
-            </a:pPr>
-            <a:endParaRPr lang="en-US" altLang="zh-CN" sz="2000" baseline="30000" dirty="0">
-              <a:latin typeface="+mn-lt"/>
-              <a:cs typeface="Times New Roman" panose="02020603050405020304" pitchFamily="18" charset="0"/>
-            </a:endParaRPr>
-          </a:p>
-          <a:p>
-            <a:pPr marL="457200" lvl="1" indent="0">
-              <a:buNone/>
-            </a:pPr>
-            <a:endParaRPr lang="en-US" altLang="zh-CN" sz="2000" baseline="30000" dirty="0">
-              <a:latin typeface="+mn-lt"/>
-              <a:cs typeface="Times New Roman" panose="02020603050405020304" pitchFamily="18" charset="0"/>
-            </a:endParaRPr>
-          </a:p>
-          <a:p>
-            <a:pPr marL="457200" lvl="1" indent="0">
-              <a:buNone/>
-            </a:pPr>
-            <a:endParaRPr lang="en-US" altLang="zh-CN" sz="2000" baseline="30000" dirty="0">
-              <a:latin typeface="+mn-lt"/>
-              <a:cs typeface="Times New Roman" panose="02020603050405020304" pitchFamily="18" charset="0"/>
-            </a:endParaRPr>
-          </a:p>
-          <a:p>
-            <a:pPr marL="457200" lvl="1" indent="0">
-              <a:buNone/>
-            </a:pPr>
-            <a:endParaRPr lang="en-US" altLang="zh-CN" sz="2000" baseline="30000" dirty="0">
-              <a:latin typeface="+mn-lt"/>
-              <a:cs typeface="Times New Roman" panose="02020603050405020304" pitchFamily="18" charset="0"/>
-            </a:endParaRPr>
-          </a:p>
-          <a:p>
-            <a:pPr marL="457200" lvl="1" indent="0">
-              <a:buNone/>
-            </a:pPr>
-            <a:endParaRPr lang="en-US" altLang="zh-CN" sz="2000" baseline="30000" dirty="0">
-              <a:latin typeface="+mn-lt"/>
-              <a:cs typeface="Times New Roman" panose="02020603050405020304" pitchFamily="18" charset="0"/>
-            </a:endParaRPr>
-          </a:p>
-          <a:p>
-            <a:pPr marL="457200" lvl="1" indent="0">
-              <a:buNone/>
-            </a:pPr>
-            <a:endParaRPr lang="en-US" altLang="zh-CN" sz="2000" baseline="30000" dirty="0">
-              <a:latin typeface="+mn-lt"/>
-              <a:cs typeface="Times New Roman" panose="02020603050405020304" pitchFamily="18" charset="0"/>
-            </a:endParaRPr>
-          </a:p>
-          <a:p>
-            <a:pPr marL="457200" lvl="1" indent="0">
-              <a:buNone/>
-            </a:pPr>
-            <a:endParaRPr lang="en-US" altLang="zh-CN" sz="2000" baseline="30000" dirty="0">
-              <a:latin typeface="+mn-lt"/>
-              <a:cs typeface="Times New Roman" panose="02020603050405020304" pitchFamily="18" charset="0"/>
-            </a:endParaRPr>
-          </a:p>
-          <a:p>
-            <a:pPr>
-              <a:lnSpc>
-                <a:spcPct val="125000"/>
-              </a:lnSpc>
-            </a:pPr>
-            <a:endParaRPr lang="en-US" altLang="zh-CN" sz="2400" dirty="0">
-              <a:latin typeface="+mn-lt"/>
-              <a:cs typeface="Times New Roman" panose="02020603050405020304" pitchFamily="18" charset="0"/>
-            </a:endParaRPr>
-          </a:p>
-          <a:p>
-            <a:pPr marL="457200" lvl="1" indent="0">
-              <a:lnSpc>
-                <a:spcPct val="125000"/>
-              </a:lnSpc>
-              <a:buNone/>
-            </a:pPr>
-            <a:endParaRPr lang="en-US" altLang="zh-CN" sz="2000" dirty="0">
-              <a:latin typeface="+mn-lt"/>
-              <a:cs typeface="Times New Roman" panose="02020603050405020304" pitchFamily="18" charset="0"/>
-            </a:endParaRPr>
-          </a:p>
-        </p:txBody>
-      </p:sp>
-      <p:sp>
-        <p:nvSpPr>
-          <p:cNvPr id="9" name="Rectangle 2">
-            <a:extLst>
-              <a:ext uri="{FF2B5EF4-FFF2-40B4-BE49-F238E27FC236}">
-                <a16:creationId xmlns:a16="http://schemas.microsoft.com/office/drawing/2014/main" id="{39432E37-D0CA-42E2-B210-9AC1CA0029EC}"/>
-              </a:ext>
-            </a:extLst>
-          </p:cNvPr>
-          <p:cNvSpPr>
-            <a:spLocks noChangeArrowheads="1"/>
-          </p:cNvSpPr>
-          <p:nvPr/>
-        </p:nvSpPr>
-        <p:spPr bwMode="auto">
-          <a:xfrm>
-            <a:off x="0" y="0"/>
-            <a:ext cx="9144000" cy="0"/>
-          </a:xfrm>
-          <a:prstGeom prst="rect">
-            <a:avLst/>
-          </a:prstGeom>
-          <a:noFill/>
-          <a:ln>
-            <a:noFill/>
-          </a:ln>
-          <a:effectLst/>
-          <a:extLst>
-            <a:ext uri="{909E8E84-426E-40DD-AFC4-6F175D3DCCD1}">
-              <a14:hiddenFill xmlns:a14="http://schemas.microsoft.com/office/drawing/2010/main">
-                <a:solidFill>
-                  <a:schemeClr val="accent1"/>
-                </a:solidFill>
-              </a14:hiddenFill>
-            </a:ext>
-            <a:ext uri="{91240B29-F687-4F45-9708-019B960494DF}">
-              <a14:hiddenLine xmlns:a14="http://schemas.microsoft.com/office/drawing/2010/main" w="9525">
-                <a:solidFill>
-                  <a:schemeClr val="tx1"/>
-                </a:solidFill>
-                <a:miter lim="800000"/>
-                <a:headEnd/>
-                <a:tailEnd/>
-              </a14:hiddenLine>
-            </a:ext>
-            <a:ext uri="{AF507438-7753-43E0-B8FC-AC1667EBCBE1}">
-              <a14:hiddenEffects xmlns:a14="http://schemas.microsoft.com/office/drawing/2010/main">
-                <a:effectLst>
-                  <a:outerShdw dist="35921" dir="2700000" algn="ctr" rotWithShape="0">
-                    <a:schemeClr val="bg2"/>
-                  </a:outerShdw>
-                </a:effectLst>
-              </a14:hiddenEffects>
-            </a:ext>
-          </a:extLst>
-        </p:spPr>
-        <p:txBody>
-          <a:bodyPr vert="horz" wrap="none" lIns="91440" tIns="45720" rIns="91440" bIns="45720" numCol="1" anchor="ctr" anchorCtr="0" compatLnSpc="1">
-            <a:prstTxWarp prst="textNoShape">
-              <a:avLst/>
-            </a:prstTxWarp>
-            <a:spAutoFit/>
-          </a:bodyPr>
-          <a:lstStyle/>
-          <a:p>
-            <a:endParaRPr lang="zh-CN" altLang="en-US"/>
-          </a:p>
-        </p:txBody>
-      </p:sp>
-    </p:spTree>
-    <p:extLst>
-      <p:ext uri="{BB962C8B-B14F-4D97-AF65-F5344CB8AC3E}">
-        <p14:creationId xmlns:p14="http://schemas.microsoft.com/office/powerpoint/2010/main" val="3334254190"/>
-      </p:ext>
-    </p:extLst>
-  </p:cSld>
-  <p:clrMapOvr>
-    <a:masterClrMapping/>
-  </p:clrMapOvr>
-  <p:transition spd="med" advTm="63997"/>
-</p:sld>
-</file>
-
-<file path=ppt/slides/slide20.xml><?xml version="1.0" encoding="utf-8"?>
-<p:sld xmlns:a="http://schemas.openxmlformats.org/drawingml/2006/main" xmlns:r="http://schemas.openxmlformats.org/officeDocument/2006/relationships" xmlns:p="http://schemas.openxmlformats.org/presentationml/2006/main">
-  <p:cSld>
-    <p:spTree>
-      <p:nvGrpSpPr>
-        <p:cNvPr id="1" name="">
-          <a:extLst>
-            <a:ext uri="{FF2B5EF4-FFF2-40B4-BE49-F238E27FC236}">
-              <a16:creationId xmlns:a16="http://schemas.microsoft.com/office/drawing/2014/main" id="{AC1F77E0-A72A-D9B7-E0F0-167A00DFB001}"/>
-            </a:ext>
-          </a:extLst>
-        </p:cNvPr>
-        <p:cNvGrpSpPr/>
-        <p:nvPr/>
-      </p:nvGrpSpPr>
-      <p:grpSpPr>
-        <a:xfrm>
-          <a:off x="0" y="0"/>
-          <a:ext cx="0" cy="0"/>
-          <a:chOff x="0" y="0"/>
-          <a:chExt cx="0" cy="0"/>
-        </a:xfrm>
-      </p:grpSpPr>
-      <p:pic>
-        <p:nvPicPr>
-          <p:cNvPr id="4" name="Picture 3">
-            <a:extLst>
-              <a:ext uri="{FF2B5EF4-FFF2-40B4-BE49-F238E27FC236}">
-                <a16:creationId xmlns:a16="http://schemas.microsoft.com/office/drawing/2014/main" id="{797D60A4-F34A-F171-920D-922D62499F64}"/>
-              </a:ext>
-            </a:extLst>
-          </p:cNvPr>
-          <p:cNvPicPr>
-            <a:picLocks noChangeAspect="1"/>
-          </p:cNvPicPr>
-          <p:nvPr/>
-        </p:nvPicPr>
-        <p:blipFill>
-          <a:blip r:embed="rId3"/>
-          <a:stretch>
-            <a:fillRect/>
-          </a:stretch>
-        </p:blipFill>
-        <p:spPr>
-          <a:xfrm>
-            <a:off x="1211723" y="1676400"/>
-            <a:ext cx="3200400" cy="2373502"/>
-          </a:xfrm>
-          <a:prstGeom prst="rect">
-            <a:avLst/>
-          </a:prstGeom>
-        </p:spPr>
-      </p:pic>
-      <p:pic>
-        <p:nvPicPr>
-          <p:cNvPr id="7" name="Picture 6">
-            <a:extLst>
-              <a:ext uri="{FF2B5EF4-FFF2-40B4-BE49-F238E27FC236}">
-                <a16:creationId xmlns:a16="http://schemas.microsoft.com/office/drawing/2014/main" id="{FD08D565-3CBE-5E1F-A671-A1240AF249B7}"/>
-              </a:ext>
-            </a:extLst>
-          </p:cNvPr>
-          <p:cNvPicPr>
-            <a:picLocks noChangeAspect="1"/>
-          </p:cNvPicPr>
-          <p:nvPr/>
-        </p:nvPicPr>
-        <p:blipFill>
-          <a:blip r:embed="rId4"/>
-          <a:stretch>
-            <a:fillRect/>
-          </a:stretch>
-        </p:blipFill>
-        <p:spPr>
-          <a:xfrm>
-            <a:off x="4483718" y="1676400"/>
-            <a:ext cx="3200400" cy="2407969"/>
-          </a:xfrm>
-          <a:prstGeom prst="rect">
-            <a:avLst/>
-          </a:prstGeom>
-        </p:spPr>
-      </p:pic>
-      <p:pic>
-        <p:nvPicPr>
-          <p:cNvPr id="20" name="Picture 19">
-            <a:extLst>
-              <a:ext uri="{FF2B5EF4-FFF2-40B4-BE49-F238E27FC236}">
-                <a16:creationId xmlns:a16="http://schemas.microsoft.com/office/drawing/2014/main" id="{087C6294-9B60-473A-2BBD-1332E9956C68}"/>
-              </a:ext>
-            </a:extLst>
-          </p:cNvPr>
-          <p:cNvPicPr>
-            <a:picLocks noChangeAspect="1"/>
-          </p:cNvPicPr>
-          <p:nvPr/>
-        </p:nvPicPr>
-        <p:blipFill>
-          <a:blip r:embed="rId5"/>
-          <a:stretch>
-            <a:fillRect/>
-          </a:stretch>
-        </p:blipFill>
-        <p:spPr>
-          <a:xfrm>
-            <a:off x="1195115" y="4084369"/>
-            <a:ext cx="3200400" cy="2395203"/>
-          </a:xfrm>
-          <a:prstGeom prst="rect">
-            <a:avLst/>
-          </a:prstGeom>
-        </p:spPr>
-      </p:pic>
-      <p:pic>
-        <p:nvPicPr>
-          <p:cNvPr id="22" name="Picture 21">
-            <a:extLst>
-              <a:ext uri="{FF2B5EF4-FFF2-40B4-BE49-F238E27FC236}">
-                <a16:creationId xmlns:a16="http://schemas.microsoft.com/office/drawing/2014/main" id="{4F0DF793-ACB9-8C48-EA4F-41B8196DE185}"/>
-              </a:ext>
-            </a:extLst>
-          </p:cNvPr>
-          <p:cNvPicPr>
-            <a:picLocks noChangeAspect="1"/>
-          </p:cNvPicPr>
-          <p:nvPr/>
-        </p:nvPicPr>
-        <p:blipFill>
-          <a:blip r:embed="rId6"/>
-          <a:stretch>
-            <a:fillRect/>
-          </a:stretch>
-        </p:blipFill>
-        <p:spPr>
-          <a:xfrm>
-            <a:off x="4488180" y="4084369"/>
-            <a:ext cx="3200400" cy="2420815"/>
-          </a:xfrm>
-          <a:prstGeom prst="rect">
-            <a:avLst/>
-          </a:prstGeom>
-        </p:spPr>
-      </p:pic>
-      <p:sp>
-        <p:nvSpPr>
-          <p:cNvPr id="2" name="Title 1">
-            <a:extLst>
-              <a:ext uri="{FF2B5EF4-FFF2-40B4-BE49-F238E27FC236}">
-                <a16:creationId xmlns:a16="http://schemas.microsoft.com/office/drawing/2014/main" id="{7CD1962D-41C7-8984-8FE7-DBEEF0C4D867}"/>
-              </a:ext>
-            </a:extLst>
-          </p:cNvPr>
-          <p:cNvSpPr>
-            <a:spLocks noGrp="1"/>
-          </p:cNvSpPr>
-          <p:nvPr>
-            <p:ph type="title"/>
-          </p:nvPr>
-        </p:nvSpPr>
-        <p:spPr>
-          <a:xfrm>
-            <a:off x="152400" y="152400"/>
-            <a:ext cx="8610600" cy="838200"/>
-          </a:xfrm>
-        </p:spPr>
-        <p:txBody>
-          <a:bodyPr/>
-          <a:lstStyle/>
-          <a:p>
-            <a:r>
-              <a:rPr lang="en-US" altLang="zh-CN" dirty="0"/>
-              <a:t>Channel</a:t>
-            </a:r>
-            <a:endParaRPr lang="zh-CN" altLang="en-US" dirty="0"/>
-          </a:p>
-        </p:txBody>
-      </p:sp>
-      <p:sp>
-        <p:nvSpPr>
-          <p:cNvPr id="9" name="Rectangle 2">
-            <a:extLst>
-              <a:ext uri="{FF2B5EF4-FFF2-40B4-BE49-F238E27FC236}">
-                <a16:creationId xmlns:a16="http://schemas.microsoft.com/office/drawing/2014/main" id="{B3C7AD1D-37B8-3EB9-D27E-CF2F316B113E}"/>
-              </a:ext>
-            </a:extLst>
-          </p:cNvPr>
+          <p:cNvPr id="9" name="Rectangle 2"/>
           <p:cNvSpPr>
             <a:spLocks noChangeArrowheads="1"/>
           </p:cNvSpPr>
@@ -30813,10 +31489,10 @@
       </p:sp>
       <p:sp>
         <p:nvSpPr>
-          <p:cNvPr id="18" name="内容占位符 2">
+          <p:cNvPr id="17" name="内容占位符 2">
             <a:extLst>
               <a:ext uri="{FF2B5EF4-FFF2-40B4-BE49-F238E27FC236}">
-                <a16:creationId xmlns:a16="http://schemas.microsoft.com/office/drawing/2014/main" id="{8CE674CA-02F4-8EA6-60C0-3C0A90B64F32}"/>
+                <a16:creationId xmlns:a16="http://schemas.microsoft.com/office/drawing/2014/main" id="{D7B13CA5-CF5D-287A-9ACB-EF5CA77485F1}"/>
               </a:ext>
             </a:extLst>
           </p:cNvPr>
@@ -30827,8 +31503,8 @@
         </p:nvSpPr>
         <p:spPr bwMode="auto">
           <a:xfrm>
-            <a:off x="93652" y="1068111"/>
-            <a:ext cx="9050348" cy="1446487"/>
+            <a:off x="93652" y="1068113"/>
+            <a:ext cx="8610600" cy="932338"/>
           </a:xfrm>
           <a:prstGeom prst="rect">
             <a:avLst/>
@@ -31055,198 +31731,31 @@
                 <a:latin typeface="+mn-lt"/>
                 <a:cs typeface="Times New Roman" panose="02020603050405020304" pitchFamily="18" charset="0"/>
               </a:rPr>
-              <a:t>Wall model</a:t>
+              <a:t>RETAU5200</a:t>
             </a:r>
             <a:endParaRPr lang="en-US" altLang="zh-CN" sz="2000" kern="0" dirty="0">
               <a:latin typeface="+mn-lt"/>
               <a:cs typeface="Times New Roman" panose="02020603050405020304" pitchFamily="18" charset="0"/>
             </a:endParaRPr>
           </a:p>
-        </p:txBody>
-      </p:sp>
-      <p:sp>
-        <p:nvSpPr>
-          <p:cNvPr id="14" name="TextBox 13">
-            <a:extLst>
-              <a:ext uri="{FF2B5EF4-FFF2-40B4-BE49-F238E27FC236}">
-                <a16:creationId xmlns:a16="http://schemas.microsoft.com/office/drawing/2014/main" id="{DD7D4A30-2C1F-72E6-2C33-40F24BACB839}"/>
-              </a:ext>
-            </a:extLst>
-          </p:cNvPr>
-          <p:cNvSpPr txBox="1"/>
-          <p:nvPr/>
-        </p:nvSpPr>
-        <p:spPr>
-          <a:xfrm>
-            <a:off x="2171184" y="2704269"/>
-            <a:ext cx="1334533" cy="369332"/>
-          </a:xfrm>
-          <a:prstGeom prst="rect">
-            <a:avLst/>
-          </a:prstGeom>
-          <a:noFill/>
-        </p:spPr>
-        <p:txBody>
-          <a:bodyPr wrap="none" rtlCol="0">
-            <a:spAutoFit/>
-          </a:bodyPr>
-          <a:lstStyle/>
           <a:p>
+            <a:pPr lvl="1"/>
             <a:r>
-              <a:rPr lang="en-US" dirty="0"/>
-              <a:t>RETAU180</a:t>
+              <a:rPr lang="en-US" altLang="zh-CN" sz="2000" dirty="0">
+                <a:latin typeface="+mn-lt"/>
+                <a:cs typeface="Times New Roman" panose="02020603050405020304" pitchFamily="18" charset="0"/>
+              </a:rPr>
+              <a:t>The effect of damping function increases with mesh refinement</a:t>
             </a:r>
           </a:p>
         </p:txBody>
       </p:sp>
-      <p:sp>
-        <p:nvSpPr>
-          <p:cNvPr id="15" name="TextBox 14">
+      <p:pic>
+        <p:nvPicPr>
+          <p:cNvPr id="4" name="Picture 3">
             <a:extLst>
               <a:ext uri="{FF2B5EF4-FFF2-40B4-BE49-F238E27FC236}">
-                <a16:creationId xmlns:a16="http://schemas.microsoft.com/office/drawing/2014/main" id="{B74A4548-3C20-E14E-FBEC-CD5F572CCD92}"/>
-              </a:ext>
-            </a:extLst>
-          </p:cNvPr>
-          <p:cNvSpPr txBox="1"/>
-          <p:nvPr/>
-        </p:nvSpPr>
-        <p:spPr>
-          <a:xfrm>
-            <a:off x="5352533" y="2664001"/>
-            <a:ext cx="1334533" cy="369332"/>
-          </a:xfrm>
-          <a:prstGeom prst="rect">
-            <a:avLst/>
-          </a:prstGeom>
-          <a:noFill/>
-        </p:spPr>
-        <p:txBody>
-          <a:bodyPr wrap="none" rtlCol="0">
-            <a:spAutoFit/>
-          </a:bodyPr>
-          <a:lstStyle/>
-          <a:p>
-            <a:r>
-              <a:rPr lang="en-US" dirty="0"/>
-              <a:t>RETAU550</a:t>
-            </a:r>
-          </a:p>
-        </p:txBody>
-      </p:sp>
-      <p:sp>
-        <p:nvSpPr>
-          <p:cNvPr id="16" name="TextBox 15">
-            <a:extLst>
-              <a:ext uri="{FF2B5EF4-FFF2-40B4-BE49-F238E27FC236}">
-                <a16:creationId xmlns:a16="http://schemas.microsoft.com/office/drawing/2014/main" id="{928D889C-DF25-351A-4CA2-B7F55A743571}"/>
-              </a:ext>
-            </a:extLst>
-          </p:cNvPr>
-          <p:cNvSpPr txBox="1"/>
-          <p:nvPr/>
-        </p:nvSpPr>
-        <p:spPr>
-          <a:xfrm>
-            <a:off x="2209800" y="5026203"/>
-            <a:ext cx="1462773" cy="369332"/>
-          </a:xfrm>
-          <a:prstGeom prst="rect">
-            <a:avLst/>
-          </a:prstGeom>
-          <a:noFill/>
-        </p:spPr>
-        <p:txBody>
-          <a:bodyPr wrap="none" rtlCol="0">
-            <a:spAutoFit/>
-          </a:bodyPr>
-          <a:lstStyle/>
-          <a:p>
-            <a:r>
-              <a:rPr lang="en-US" dirty="0"/>
-              <a:t>RETAU1000</a:t>
-            </a:r>
-          </a:p>
-        </p:txBody>
-      </p:sp>
-      <p:sp>
-        <p:nvSpPr>
-          <p:cNvPr id="17" name="TextBox 16">
-            <a:extLst>
-              <a:ext uri="{FF2B5EF4-FFF2-40B4-BE49-F238E27FC236}">
-                <a16:creationId xmlns:a16="http://schemas.microsoft.com/office/drawing/2014/main" id="{790735DE-AB7A-6962-59D0-1173EC7A4AC3}"/>
-              </a:ext>
-            </a:extLst>
-          </p:cNvPr>
-          <p:cNvSpPr txBox="1"/>
-          <p:nvPr/>
-        </p:nvSpPr>
-        <p:spPr>
-          <a:xfrm>
-            <a:off x="5352532" y="5012193"/>
-            <a:ext cx="1462773" cy="369332"/>
-          </a:xfrm>
-          <a:prstGeom prst="rect">
-            <a:avLst/>
-          </a:prstGeom>
-          <a:noFill/>
-        </p:spPr>
-        <p:txBody>
-          <a:bodyPr wrap="none" rtlCol="0">
-            <a:spAutoFit/>
-          </a:bodyPr>
-          <a:lstStyle/>
-          <a:p>
-            <a:r>
-              <a:rPr lang="en-US" dirty="0"/>
-              <a:t>RETAU5200</a:t>
-            </a:r>
-          </a:p>
-        </p:txBody>
-      </p:sp>
-    </p:spTree>
-    <p:extLst>
-      <p:ext uri="{BB962C8B-B14F-4D97-AF65-F5344CB8AC3E}">
-        <p14:creationId xmlns:p14="http://schemas.microsoft.com/office/powerpoint/2010/main" val="790753085"/>
-      </p:ext>
-    </p:extLst>
-  </p:cSld>
-  <p:clrMapOvr>
-    <a:masterClrMapping/>
-  </p:clrMapOvr>
-  <p:transition spd="med" advTm="63997"/>
-</p:sld>
-</file>
-
-<file path=ppt/slides/slide21.xml><?xml version="1.0" encoding="utf-8"?>
-<p:sld xmlns:a="http://schemas.openxmlformats.org/drawingml/2006/main" xmlns:r="http://schemas.openxmlformats.org/officeDocument/2006/relationships" xmlns:p="http://schemas.openxmlformats.org/presentationml/2006/main">
-  <p:cSld>
-    <p:spTree>
-      <p:nvGrpSpPr>
-        <p:cNvPr id="1" name="">
-          <a:extLst>
-            <a:ext uri="{FF2B5EF4-FFF2-40B4-BE49-F238E27FC236}">
-              <a16:creationId xmlns:a16="http://schemas.microsoft.com/office/drawing/2014/main" id="{B8E2A31D-06EF-EDF5-F976-05230CFA58CE}"/>
-            </a:ext>
-          </a:extLst>
-        </p:cNvPr>
-        <p:cNvGrpSpPr/>
-        <p:nvPr/>
-      </p:nvGrpSpPr>
-      <p:grpSpPr>
-        <a:xfrm>
-          <a:off x="0" y="0"/>
-          <a:ext cx="0" cy="0"/>
-          <a:chOff x="0" y="0"/>
-          <a:chExt cx="0" cy="0"/>
-        </a:xfrm>
-      </p:grpSpPr>
-      <p:pic>
-        <p:nvPicPr>
-          <p:cNvPr id="13" name="Picture 12">
-            <a:extLst>
-              <a:ext uri="{FF2B5EF4-FFF2-40B4-BE49-F238E27FC236}">
-                <a16:creationId xmlns:a16="http://schemas.microsoft.com/office/drawing/2014/main" id="{AA3E92A2-DFE0-7CE9-344E-646126582000}"/>
+                <a16:creationId xmlns:a16="http://schemas.microsoft.com/office/drawing/2014/main" id="{1FE68F17-2EE4-7BDF-30C7-BA59731A41C8}"/>
               </a:ext>
             </a:extLst>
           </p:cNvPr>
@@ -31263,8 +31772,8 @@
         </p:blipFill>
         <p:spPr>
           <a:xfrm>
-            <a:off x="1143000" y="1595482"/>
-            <a:ext cx="3200400" cy="2401580"/>
+            <a:off x="1295400" y="1969923"/>
+            <a:ext cx="3200400" cy="2396435"/>
           </a:xfrm>
           <a:prstGeom prst="rect">
             <a:avLst/>
@@ -31273,10 +31782,10 @@
       </p:pic>
       <p:pic>
         <p:nvPicPr>
-          <p:cNvPr id="4" name="Picture 3">
+          <p:cNvPr id="7" name="Picture 6">
             <a:extLst>
               <a:ext uri="{FF2B5EF4-FFF2-40B4-BE49-F238E27FC236}">
-                <a16:creationId xmlns:a16="http://schemas.microsoft.com/office/drawing/2014/main" id="{38BA0178-AC9A-F7CE-C496-80603446D2AB}"/>
+                <a16:creationId xmlns:a16="http://schemas.microsoft.com/office/drawing/2014/main" id="{518851A8-BBFD-6364-7578-240225909CD2}"/>
               </a:ext>
             </a:extLst>
           </p:cNvPr>
@@ -31293,8 +31802,8 @@
         </p:blipFill>
         <p:spPr>
           <a:xfrm>
-            <a:off x="4343400" y="1595482"/>
-            <a:ext cx="3200400" cy="2405429"/>
+            <a:off x="4572000" y="1957068"/>
+            <a:ext cx="3200400" cy="2409290"/>
           </a:xfrm>
           <a:prstGeom prst="rect">
             <a:avLst/>
@@ -31303,10 +31812,10 @@
       </p:pic>
       <p:pic>
         <p:nvPicPr>
-          <p:cNvPr id="6" name="Picture 5">
+          <p:cNvPr id="11" name="Picture 10">
             <a:extLst>
               <a:ext uri="{FF2B5EF4-FFF2-40B4-BE49-F238E27FC236}">
-                <a16:creationId xmlns:a16="http://schemas.microsoft.com/office/drawing/2014/main" id="{ADAF67AC-B637-B602-B61E-26C39505AE26}"/>
+                <a16:creationId xmlns:a16="http://schemas.microsoft.com/office/drawing/2014/main" id="{C4AFAE64-3D12-57C9-2BBD-E843A022EA8B}"/>
               </a:ext>
             </a:extLst>
           </p:cNvPr>
@@ -31323,8 +31832,8 @@
         </p:blipFill>
         <p:spPr>
           <a:xfrm>
-            <a:off x="1143000" y="4084568"/>
-            <a:ext cx="3200400" cy="2422202"/>
+            <a:off x="1295400" y="4366358"/>
+            <a:ext cx="3200400" cy="2401580"/>
           </a:xfrm>
           <a:prstGeom prst="rect">
             <a:avLst/>
@@ -31333,10 +31842,10 @@
       </p:pic>
       <p:pic>
         <p:nvPicPr>
-          <p:cNvPr id="10" name="Picture 9">
+          <p:cNvPr id="5" name="Picture 4">
             <a:extLst>
               <a:ext uri="{FF2B5EF4-FFF2-40B4-BE49-F238E27FC236}">
-                <a16:creationId xmlns:a16="http://schemas.microsoft.com/office/drawing/2014/main" id="{DE581D4A-7279-2006-1A04-48DFDE2A503C}"/>
+                <a16:creationId xmlns:a16="http://schemas.microsoft.com/office/drawing/2014/main" id="{4129898F-AB8F-B346-D62C-0EE8441CC3F0}"/>
               </a:ext>
             </a:extLst>
           </p:cNvPr>
@@ -31353,23 +31862,48 @@
         </p:blipFill>
         <p:spPr>
           <a:xfrm>
-            <a:off x="4343400" y="4107804"/>
-            <a:ext cx="3200400" cy="2406700"/>
+            <a:off x="4572000" y="4392985"/>
+            <a:ext cx="3200400" cy="2388815"/>
           </a:xfrm>
           <a:prstGeom prst="rect">
             <a:avLst/>
           </a:prstGeom>
         </p:spPr>
       </p:pic>
+    </p:spTree>
+    <p:extLst>
+      <p:ext uri="{BB962C8B-B14F-4D97-AF65-F5344CB8AC3E}">
+        <p14:creationId xmlns:p14="http://schemas.microsoft.com/office/powerpoint/2010/main" val="197348845"/>
+      </p:ext>
+    </p:extLst>
+  </p:cSld>
+  <p:clrMapOvr>
+    <a:masterClrMapping/>
+  </p:clrMapOvr>
+  <p:transition spd="med" advTm="63997"/>
+</p:sld>
+</file>
+
+<file path=ppt/slides/slide23.xml><?xml version="1.0" encoding="utf-8"?>
+<p:sld xmlns:a="http://schemas.openxmlformats.org/drawingml/2006/main" xmlns:r="http://schemas.openxmlformats.org/officeDocument/2006/relationships" xmlns:p="http://schemas.openxmlformats.org/presentationml/2006/main">
+  <p:cSld>
+    <p:spTree>
+      <p:nvGrpSpPr>
+        <p:cNvPr id="1" name=""/>
+        <p:cNvGrpSpPr/>
+        <p:nvPr/>
+      </p:nvGrpSpPr>
+      <p:grpSpPr>
+        <a:xfrm>
+          <a:off x="0" y="0"/>
+          <a:ext cx="0" cy="0"/>
+          <a:chOff x="0" y="0"/>
+          <a:chExt cx="0" cy="0"/>
+        </a:xfrm>
+      </p:grpSpPr>
       <p:sp>
         <p:nvSpPr>
-          <p:cNvPr id="2" name="Title 1">
-            <a:extLst>
-              <a:ext uri="{FF2B5EF4-FFF2-40B4-BE49-F238E27FC236}">
-                <a16:creationId xmlns:a16="http://schemas.microsoft.com/office/drawing/2014/main" id="{5F7D8DA0-C082-EFB6-2D50-4B117CBADD11}"/>
-              </a:ext>
-            </a:extLst>
-          </p:cNvPr>
+          <p:cNvPr id="2" name="Title 1"/>
           <p:cNvSpPr>
             <a:spLocks noGrp="1"/>
           </p:cNvSpPr>
@@ -31397,13 +31931,7 @@
       </p:sp>
       <p:sp>
         <p:nvSpPr>
-          <p:cNvPr id="9" name="Rectangle 2">
-            <a:extLst>
-              <a:ext uri="{FF2B5EF4-FFF2-40B4-BE49-F238E27FC236}">
-                <a16:creationId xmlns:a16="http://schemas.microsoft.com/office/drawing/2014/main" id="{E6F3BC53-E44F-D3BC-3EA2-FB408B327182}"/>
-              </a:ext>
-            </a:extLst>
-          </p:cNvPr>
+          <p:cNvPr id="9" name="Rectangle 2"/>
           <p:cNvSpPr>
             <a:spLocks noChangeArrowheads="1"/>
           </p:cNvSpPr>
@@ -31466,10 +31994,10 @@
       </p:sp>
       <p:sp>
         <p:nvSpPr>
-          <p:cNvPr id="18" name="内容占位符 2">
+          <p:cNvPr id="17" name="内容占位符 2">
             <a:extLst>
               <a:ext uri="{FF2B5EF4-FFF2-40B4-BE49-F238E27FC236}">
-                <a16:creationId xmlns:a16="http://schemas.microsoft.com/office/drawing/2014/main" id="{7B818FB2-A40F-DFB7-1A9B-B79EC2DDEBB5}"/>
+                <a16:creationId xmlns:a16="http://schemas.microsoft.com/office/drawing/2014/main" id="{D7B13CA5-CF5D-287A-9ACB-EF5CA77485F1}"/>
               </a:ext>
             </a:extLst>
           </p:cNvPr>
@@ -31480,8 +32008,8 @@
         </p:nvSpPr>
         <p:spPr bwMode="auto">
           <a:xfrm>
-            <a:off x="93652" y="1068112"/>
-            <a:ext cx="9050348" cy="532088"/>
+            <a:off x="93652" y="1068113"/>
+            <a:ext cx="8974148" cy="932338"/>
           </a:xfrm>
           <a:prstGeom prst="rect">
             <a:avLst/>
@@ -31708,159 +32236,149 @@
                 <a:latin typeface="+mn-lt"/>
                 <a:cs typeface="Times New Roman" panose="02020603050405020304" pitchFamily="18" charset="0"/>
               </a:rPr>
-              <a:t>Neumann</a:t>
+              <a:t>RETAU5200</a:t>
             </a:r>
             <a:endParaRPr lang="en-US" altLang="zh-CN" sz="2000" kern="0" dirty="0">
               <a:latin typeface="+mn-lt"/>
               <a:cs typeface="Times New Roman" panose="02020603050405020304" pitchFamily="18" charset="0"/>
             </a:endParaRPr>
           </a:p>
+          <a:p>
+            <a:pPr lvl="1"/>
+            <a:r>
+              <a:rPr lang="en-US" altLang="zh-CN" sz="2000" dirty="0">
+                <a:latin typeface="+mn-lt"/>
+                <a:cs typeface="Times New Roman" panose="02020603050405020304" pitchFamily="18" charset="0"/>
+              </a:rPr>
+              <a:t>No-slip wall: damping produces larger (more accurate) velocity gradient near the wall</a:t>
+            </a:r>
+          </a:p>
         </p:txBody>
       </p:sp>
-      <p:sp>
-        <p:nvSpPr>
-          <p:cNvPr id="14" name="TextBox 13">
+      <p:pic>
+        <p:nvPicPr>
+          <p:cNvPr id="18" name="Picture 17">
             <a:extLst>
               <a:ext uri="{FF2B5EF4-FFF2-40B4-BE49-F238E27FC236}">
-                <a16:creationId xmlns:a16="http://schemas.microsoft.com/office/drawing/2014/main" id="{1B529017-0B6B-0ACB-89B0-858FFC2A4C20}"/>
+                <a16:creationId xmlns:a16="http://schemas.microsoft.com/office/drawing/2014/main" id="{10135BFD-2898-BF1A-9A1B-E2E65F1EE1BB}"/>
               </a:ext>
             </a:extLst>
           </p:cNvPr>
-          <p:cNvSpPr txBox="1"/>
+          <p:cNvPicPr>
+            <a:picLocks noChangeAspect="1"/>
+          </p:cNvPicPr>
           <p:nvPr/>
-        </p:nvSpPr>
+        </p:nvPicPr>
+        <p:blipFill>
+          <a:blip r:embed="rId3"/>
+          <a:stretch>
+            <a:fillRect/>
+          </a:stretch>
+        </p:blipFill>
         <p:spPr>
           <a:xfrm>
-            <a:off x="2171184" y="2907469"/>
-            <a:ext cx="1334533" cy="369332"/>
+            <a:off x="1219200" y="2286000"/>
+            <a:ext cx="3200400" cy="2399016"/>
           </a:xfrm>
           <a:prstGeom prst="rect">
             <a:avLst/>
           </a:prstGeom>
-          <a:noFill/>
         </p:spPr>
-        <p:txBody>
-          <a:bodyPr wrap="none" rtlCol="0">
-            <a:spAutoFit/>
-          </a:bodyPr>
-          <a:lstStyle/>
-          <a:p>
-            <a:r>
-              <a:rPr lang="en-US" dirty="0"/>
-              <a:t>RETAU180</a:t>
-            </a:r>
-          </a:p>
-        </p:txBody>
-      </p:sp>
-      <p:sp>
-        <p:nvSpPr>
-          <p:cNvPr id="15" name="TextBox 14">
+      </p:pic>
+      <p:pic>
+        <p:nvPicPr>
+          <p:cNvPr id="20" name="Picture 19">
             <a:extLst>
               <a:ext uri="{FF2B5EF4-FFF2-40B4-BE49-F238E27FC236}">
-                <a16:creationId xmlns:a16="http://schemas.microsoft.com/office/drawing/2014/main" id="{C8684D57-EF74-BB89-569F-9FEA59F05739}"/>
+                <a16:creationId xmlns:a16="http://schemas.microsoft.com/office/drawing/2014/main" id="{1F62B49B-B5B8-C792-C93A-BDD5363AD40F}"/>
               </a:ext>
             </a:extLst>
           </p:cNvPr>
-          <p:cNvSpPr txBox="1"/>
+          <p:cNvPicPr>
+            <a:picLocks noChangeAspect="1"/>
+          </p:cNvPicPr>
           <p:nvPr/>
-        </p:nvSpPr>
+        </p:nvPicPr>
+        <p:blipFill>
+          <a:blip r:embed="rId4"/>
+          <a:stretch>
+            <a:fillRect/>
+          </a:stretch>
+        </p:blipFill>
         <p:spPr>
           <a:xfrm>
-            <a:off x="5352533" y="2867201"/>
-            <a:ext cx="1334533" cy="369332"/>
+            <a:off x="4648200" y="2286000"/>
+            <a:ext cx="3200400" cy="2388815"/>
           </a:xfrm>
           <a:prstGeom prst="rect">
             <a:avLst/>
           </a:prstGeom>
-          <a:noFill/>
         </p:spPr>
-        <p:txBody>
-          <a:bodyPr wrap="none" rtlCol="0">
-            <a:spAutoFit/>
-          </a:bodyPr>
-          <a:lstStyle/>
-          <a:p>
-            <a:r>
-              <a:rPr lang="en-US" dirty="0"/>
-              <a:t>RETAU550</a:t>
-            </a:r>
-          </a:p>
-        </p:txBody>
-      </p:sp>
-      <p:sp>
-        <p:nvSpPr>
-          <p:cNvPr id="16" name="TextBox 15">
+      </p:pic>
+      <p:pic>
+        <p:nvPicPr>
+          <p:cNvPr id="22" name="Picture 21">
             <a:extLst>
               <a:ext uri="{FF2B5EF4-FFF2-40B4-BE49-F238E27FC236}">
-                <a16:creationId xmlns:a16="http://schemas.microsoft.com/office/drawing/2014/main" id="{A81E0D96-94BA-7895-4B68-EE65FCEA898F}"/>
+                <a16:creationId xmlns:a16="http://schemas.microsoft.com/office/drawing/2014/main" id="{1751C5DC-CAE4-644F-62BB-15A5D4872A64}"/>
               </a:ext>
             </a:extLst>
           </p:cNvPr>
-          <p:cNvSpPr txBox="1"/>
+          <p:cNvPicPr>
+            <a:picLocks noChangeAspect="1"/>
+          </p:cNvPicPr>
           <p:nvPr/>
-        </p:nvSpPr>
+        </p:nvPicPr>
+        <p:blipFill>
+          <a:blip r:embed="rId5"/>
+          <a:stretch>
+            <a:fillRect/>
+          </a:stretch>
+        </p:blipFill>
         <p:spPr>
           <a:xfrm>
-            <a:off x="2209800" y="5229403"/>
-            <a:ext cx="1462773" cy="369332"/>
+            <a:off x="1219200" y="4685016"/>
+            <a:ext cx="3200400" cy="2410558"/>
           </a:xfrm>
           <a:prstGeom prst="rect">
             <a:avLst/>
           </a:prstGeom>
-          <a:noFill/>
         </p:spPr>
-        <p:txBody>
-          <a:bodyPr wrap="none" rtlCol="0">
-            <a:spAutoFit/>
-          </a:bodyPr>
-          <a:lstStyle/>
-          <a:p>
-            <a:r>
-              <a:rPr lang="en-US" dirty="0"/>
-              <a:t>RETAU1000</a:t>
-            </a:r>
-          </a:p>
-        </p:txBody>
-      </p:sp>
-      <p:sp>
-        <p:nvSpPr>
-          <p:cNvPr id="17" name="TextBox 16">
+      </p:pic>
+      <p:pic>
+        <p:nvPicPr>
+          <p:cNvPr id="24" name="Picture 23">
             <a:extLst>
               <a:ext uri="{FF2B5EF4-FFF2-40B4-BE49-F238E27FC236}">
-                <a16:creationId xmlns:a16="http://schemas.microsoft.com/office/drawing/2014/main" id="{464CDD66-A778-D834-F9C7-CC676A0ADA8D}"/>
+                <a16:creationId xmlns:a16="http://schemas.microsoft.com/office/drawing/2014/main" id="{395D25D6-18C0-78C1-6D33-49F89B1814F1}"/>
               </a:ext>
             </a:extLst>
           </p:cNvPr>
-          <p:cNvSpPr txBox="1"/>
+          <p:cNvPicPr>
+            <a:picLocks noChangeAspect="1"/>
+          </p:cNvPicPr>
           <p:nvPr/>
-        </p:nvSpPr>
+        </p:nvPicPr>
+        <p:blipFill>
+          <a:blip r:embed="rId6"/>
+          <a:stretch>
+            <a:fillRect/>
+          </a:stretch>
+        </p:blipFill>
         <p:spPr>
           <a:xfrm>
-            <a:off x="5352532" y="5215393"/>
-            <a:ext cx="1462773" cy="369332"/>
+            <a:off x="4648200" y="4701730"/>
+            <a:ext cx="3200400" cy="2391339"/>
           </a:xfrm>
           <a:prstGeom prst="rect">
             <a:avLst/>
           </a:prstGeom>
-          <a:noFill/>
         </p:spPr>
-        <p:txBody>
-          <a:bodyPr wrap="none" rtlCol="0">
-            <a:spAutoFit/>
-          </a:bodyPr>
-          <a:lstStyle/>
-          <a:p>
-            <a:r>
-              <a:rPr lang="en-US" dirty="0"/>
-              <a:t>RETAU5200</a:t>
-            </a:r>
-          </a:p>
-        </p:txBody>
-      </p:sp>
+      </p:pic>
     </p:spTree>
     <p:extLst>
       <p:ext uri="{BB962C8B-B14F-4D97-AF65-F5344CB8AC3E}">
-        <p14:creationId xmlns:p14="http://schemas.microsoft.com/office/powerpoint/2010/main" val="1841384156"/>
+        <p14:creationId xmlns:p14="http://schemas.microsoft.com/office/powerpoint/2010/main" val="1172447322"/>
       </p:ext>
     </p:extLst>
   </p:cSld>
@@ -31871,7 +32389,7 @@
 </p:sld>
 </file>
 
-<file path=ppt/slides/slide22.xml><?xml version="1.0" encoding="utf-8"?>
+<file path=ppt/slides/slide24.xml><?xml version="1.0" encoding="utf-8"?>
 <p:sld xmlns:a="http://schemas.openxmlformats.org/drawingml/2006/main" xmlns:r="http://schemas.openxmlformats.org/officeDocument/2006/relationships" xmlns:p="http://schemas.openxmlformats.org/presentationml/2006/main">
   <p:cSld>
     <p:spTree>
@@ -32392,694 +32910,7 @@
 </p:sld>
 </file>
 
-<file path=ppt/slides/slide23.xml><?xml version="1.0" encoding="utf-8"?>
-<p:sld xmlns:a="http://schemas.openxmlformats.org/drawingml/2006/main" xmlns:r="http://schemas.openxmlformats.org/officeDocument/2006/relationships" xmlns:p="http://schemas.openxmlformats.org/presentationml/2006/main">
-  <p:cSld>
-    <p:spTree>
-      <p:nvGrpSpPr>
-        <p:cNvPr id="1" name="">
-          <a:extLst>
-            <a:ext uri="{FF2B5EF4-FFF2-40B4-BE49-F238E27FC236}">
-              <a16:creationId xmlns:a16="http://schemas.microsoft.com/office/drawing/2014/main" id="{1E441310-FF70-3BAA-6331-1ED6A14632CE}"/>
-            </a:ext>
-          </a:extLst>
-        </p:cNvPr>
-        <p:cNvGrpSpPr/>
-        <p:nvPr/>
-      </p:nvGrpSpPr>
-      <p:grpSpPr>
-        <a:xfrm>
-          <a:off x="0" y="0"/>
-          <a:ext cx="0" cy="0"/>
-          <a:chOff x="0" y="0"/>
-          <a:chExt cx="0" cy="0"/>
-        </a:xfrm>
-      </p:grpSpPr>
-      <p:pic>
-        <p:nvPicPr>
-          <p:cNvPr id="11" name="Picture 10">
-            <a:extLst>
-              <a:ext uri="{FF2B5EF4-FFF2-40B4-BE49-F238E27FC236}">
-                <a16:creationId xmlns:a16="http://schemas.microsoft.com/office/drawing/2014/main" id="{F5233DE3-5287-8A7B-A06F-B00D47E53D07}"/>
-              </a:ext>
-            </a:extLst>
-          </p:cNvPr>
-          <p:cNvPicPr>
-            <a:picLocks noChangeAspect="1"/>
-          </p:cNvPicPr>
-          <p:nvPr/>
-        </p:nvPicPr>
-        <p:blipFill>
-          <a:blip r:embed="rId3"/>
-          <a:stretch>
-            <a:fillRect/>
-          </a:stretch>
-        </p:blipFill>
-        <p:spPr>
-          <a:xfrm>
-            <a:off x="1371600" y="1752600"/>
-            <a:ext cx="3200400" cy="2382407"/>
-          </a:xfrm>
-          <a:prstGeom prst="rect">
-            <a:avLst/>
-          </a:prstGeom>
-        </p:spPr>
-      </p:pic>
-      <p:pic>
-        <p:nvPicPr>
-          <p:cNvPr id="13" name="Picture 12">
-            <a:extLst>
-              <a:ext uri="{FF2B5EF4-FFF2-40B4-BE49-F238E27FC236}">
-                <a16:creationId xmlns:a16="http://schemas.microsoft.com/office/drawing/2014/main" id="{5241BC39-4FDA-D71C-CA02-A89C295CBAFD}"/>
-              </a:ext>
-            </a:extLst>
-          </p:cNvPr>
-          <p:cNvPicPr>
-            <a:picLocks noChangeAspect="1"/>
-          </p:cNvPicPr>
-          <p:nvPr/>
-        </p:nvPicPr>
-        <p:blipFill>
-          <a:blip r:embed="rId4"/>
-          <a:stretch>
-            <a:fillRect/>
-          </a:stretch>
-        </p:blipFill>
-        <p:spPr>
-          <a:xfrm>
-            <a:off x="4618826" y="1764167"/>
-            <a:ext cx="3200400" cy="2410557"/>
-          </a:xfrm>
-          <a:prstGeom prst="rect">
-            <a:avLst/>
-          </a:prstGeom>
-        </p:spPr>
-      </p:pic>
-      <p:sp>
-        <p:nvSpPr>
-          <p:cNvPr id="2" name="Title 1">
-            <a:extLst>
-              <a:ext uri="{FF2B5EF4-FFF2-40B4-BE49-F238E27FC236}">
-                <a16:creationId xmlns:a16="http://schemas.microsoft.com/office/drawing/2014/main" id="{18BEBD0A-A0AC-719B-F776-54A1C924C579}"/>
-              </a:ext>
-            </a:extLst>
-          </p:cNvPr>
-          <p:cNvSpPr>
-            <a:spLocks noGrp="1"/>
-          </p:cNvSpPr>
-          <p:nvPr>
-            <p:ph type="title"/>
-          </p:nvPr>
-        </p:nvSpPr>
-        <p:spPr>
-          <a:xfrm>
-            <a:off x="152400" y="152400"/>
-            <a:ext cx="8610600" cy="838200"/>
-          </a:xfrm>
-        </p:spPr>
-        <p:txBody>
-          <a:bodyPr/>
-          <a:lstStyle/>
-          <a:p>
-            <a:r>
-              <a:rPr lang="en-US" altLang="zh-CN" dirty="0"/>
-              <a:t>Channel</a:t>
-            </a:r>
-            <a:endParaRPr lang="zh-CN" altLang="en-US" dirty="0"/>
-          </a:p>
-        </p:txBody>
-      </p:sp>
-      <p:sp>
-        <p:nvSpPr>
-          <p:cNvPr id="9" name="Rectangle 2">
-            <a:extLst>
-              <a:ext uri="{FF2B5EF4-FFF2-40B4-BE49-F238E27FC236}">
-                <a16:creationId xmlns:a16="http://schemas.microsoft.com/office/drawing/2014/main" id="{4A8DB8A6-7A01-F7EB-E464-7976A310F3FC}"/>
-              </a:ext>
-            </a:extLst>
-          </p:cNvPr>
-          <p:cNvSpPr>
-            <a:spLocks noChangeArrowheads="1"/>
-          </p:cNvSpPr>
-          <p:nvPr/>
-        </p:nvSpPr>
-        <p:spPr bwMode="auto">
-          <a:xfrm>
-            <a:off x="0" y="0"/>
-            <a:ext cx="9144000" cy="0"/>
-          </a:xfrm>
-          <a:prstGeom prst="rect">
-            <a:avLst/>
-          </a:prstGeom>
-          <a:noFill/>
-          <a:ln>
-            <a:noFill/>
-          </a:ln>
-          <a:effectLst/>
-          <a:extLst>
-            <a:ext uri="{909E8E84-426E-40DD-AFC4-6F175D3DCCD1}">
-              <a14:hiddenFill xmlns:a14="http://schemas.microsoft.com/office/drawing/2010/main">
-                <a:solidFill>
-                  <a:schemeClr val="accent1"/>
-                </a:solidFill>
-              </a14:hiddenFill>
-            </a:ext>
-            <a:ext uri="{91240B29-F687-4F45-9708-019B960494DF}">
-              <a14:hiddenLine xmlns:a14="http://schemas.microsoft.com/office/drawing/2010/main" w="9525">
-                <a:solidFill>
-                  <a:schemeClr val="tx1"/>
-                </a:solidFill>
-                <a:miter lim="800000"/>
-                <a:headEnd/>
-                <a:tailEnd/>
-              </a14:hiddenLine>
-            </a:ext>
-            <a:ext uri="{AF507438-7753-43E0-B8FC-AC1667EBCBE1}">
-              <a14:hiddenEffects xmlns:a14="http://schemas.microsoft.com/office/drawing/2010/main">
-                <a:effectLst>
-                  <a:outerShdw dist="35921" dir="2700000" algn="ctr" rotWithShape="0">
-                    <a:schemeClr val="bg2"/>
-                  </a:outerShdw>
-                </a:effectLst>
-              </a14:hiddenEffects>
-            </a:ext>
-          </a:extLst>
-        </p:spPr>
-        <p:txBody>
-          <a:bodyPr vert="horz" wrap="none" lIns="91440" tIns="45720" rIns="91440" bIns="45720" numCol="1" anchor="ctr" anchorCtr="0" compatLnSpc="1">
-            <a:prstTxWarp prst="textNoShape">
-              <a:avLst/>
-            </a:prstTxWarp>
-            <a:spAutoFit/>
-          </a:bodyPr>
-          <a:lstStyle/>
-          <a:p>
-            <a:endParaRPr lang="zh-CN" altLang="en-US"/>
-          </a:p>
-        </p:txBody>
-      </p:sp>
-      <p:sp>
-        <p:nvSpPr>
-          <p:cNvPr id="14" name="TextBox 13">
-            <a:extLst>
-              <a:ext uri="{FF2B5EF4-FFF2-40B4-BE49-F238E27FC236}">
-                <a16:creationId xmlns:a16="http://schemas.microsoft.com/office/drawing/2014/main" id="{5BEF1BBC-C316-7FAA-8226-679AF80BCE67}"/>
-              </a:ext>
-            </a:extLst>
-          </p:cNvPr>
-          <p:cNvSpPr txBox="1"/>
-          <p:nvPr/>
-        </p:nvSpPr>
-        <p:spPr>
-          <a:xfrm>
-            <a:off x="2171184" y="2844704"/>
-            <a:ext cx="1334533" cy="369332"/>
-          </a:xfrm>
-          <a:prstGeom prst="rect">
-            <a:avLst/>
-          </a:prstGeom>
-          <a:noFill/>
-        </p:spPr>
-        <p:txBody>
-          <a:bodyPr wrap="none" rtlCol="0">
-            <a:spAutoFit/>
-          </a:bodyPr>
-          <a:lstStyle/>
-          <a:p>
-            <a:r>
-              <a:rPr lang="en-US" dirty="0"/>
-              <a:t>RETAU180</a:t>
-            </a:r>
-          </a:p>
-        </p:txBody>
-      </p:sp>
-      <p:sp>
-        <p:nvSpPr>
-          <p:cNvPr id="15" name="TextBox 14">
-            <a:extLst>
-              <a:ext uri="{FF2B5EF4-FFF2-40B4-BE49-F238E27FC236}">
-                <a16:creationId xmlns:a16="http://schemas.microsoft.com/office/drawing/2014/main" id="{F3F0CD28-8180-3087-5F54-1E42DE9DD221}"/>
-              </a:ext>
-            </a:extLst>
-          </p:cNvPr>
-          <p:cNvSpPr txBox="1"/>
-          <p:nvPr/>
-        </p:nvSpPr>
-        <p:spPr>
-          <a:xfrm>
-            <a:off x="5466316" y="2805749"/>
-            <a:ext cx="1334533" cy="369332"/>
-          </a:xfrm>
-          <a:prstGeom prst="rect">
-            <a:avLst/>
-          </a:prstGeom>
-          <a:noFill/>
-        </p:spPr>
-        <p:txBody>
-          <a:bodyPr wrap="none" rtlCol="0">
-            <a:spAutoFit/>
-          </a:bodyPr>
-          <a:lstStyle/>
-          <a:p>
-            <a:r>
-              <a:rPr lang="en-US" dirty="0"/>
-              <a:t>RETAU550</a:t>
-            </a:r>
-          </a:p>
-        </p:txBody>
-      </p:sp>
-      <p:sp>
-        <p:nvSpPr>
-          <p:cNvPr id="16" name="TextBox 15">
-            <a:extLst>
-              <a:ext uri="{FF2B5EF4-FFF2-40B4-BE49-F238E27FC236}">
-                <a16:creationId xmlns:a16="http://schemas.microsoft.com/office/drawing/2014/main" id="{1835B301-21BA-877B-235F-07600EF8C242}"/>
-              </a:ext>
-            </a:extLst>
-          </p:cNvPr>
-          <p:cNvSpPr txBox="1"/>
-          <p:nvPr/>
-        </p:nvSpPr>
-        <p:spPr>
-          <a:xfrm>
-            <a:off x="2209800" y="5420557"/>
-            <a:ext cx="1462773" cy="369332"/>
-          </a:xfrm>
-          <a:prstGeom prst="rect">
-            <a:avLst/>
-          </a:prstGeom>
-          <a:noFill/>
-        </p:spPr>
-        <p:txBody>
-          <a:bodyPr wrap="none" rtlCol="0">
-            <a:spAutoFit/>
-          </a:bodyPr>
-          <a:lstStyle/>
-          <a:p>
-            <a:r>
-              <a:rPr lang="en-US" dirty="0"/>
-              <a:t>RETAU1000</a:t>
-            </a:r>
-          </a:p>
-        </p:txBody>
-      </p:sp>
-      <p:sp>
-        <p:nvSpPr>
-          <p:cNvPr id="17" name="TextBox 16">
-            <a:extLst>
-              <a:ext uri="{FF2B5EF4-FFF2-40B4-BE49-F238E27FC236}">
-                <a16:creationId xmlns:a16="http://schemas.microsoft.com/office/drawing/2014/main" id="{8F60D1F8-DEA6-6EA0-43AA-CB2006FDB149}"/>
-              </a:ext>
-            </a:extLst>
-          </p:cNvPr>
-          <p:cNvSpPr txBox="1"/>
-          <p:nvPr/>
-        </p:nvSpPr>
-        <p:spPr>
-          <a:xfrm>
-            <a:off x="5352532" y="5406547"/>
-            <a:ext cx="1462773" cy="369332"/>
-          </a:xfrm>
-          <a:prstGeom prst="rect">
-            <a:avLst/>
-          </a:prstGeom>
-          <a:noFill/>
-        </p:spPr>
-        <p:txBody>
-          <a:bodyPr wrap="none" rtlCol="0">
-            <a:spAutoFit/>
-          </a:bodyPr>
-          <a:lstStyle/>
-          <a:p>
-            <a:r>
-              <a:rPr lang="en-US" dirty="0"/>
-              <a:t>RETAU5200</a:t>
-            </a:r>
-          </a:p>
-        </p:txBody>
-      </p:sp>
-      <p:sp>
-        <p:nvSpPr>
-          <p:cNvPr id="19" name="内容占位符 2">
-            <a:extLst>
-              <a:ext uri="{FF2B5EF4-FFF2-40B4-BE49-F238E27FC236}">
-                <a16:creationId xmlns:a16="http://schemas.microsoft.com/office/drawing/2014/main" id="{8BB2625A-81A8-07C1-264C-8777A3C2A072}"/>
-              </a:ext>
-            </a:extLst>
-          </p:cNvPr>
-          <p:cNvSpPr txBox="1">
-            <a:spLocks/>
-          </p:cNvSpPr>
-          <p:nvPr/>
-        </p:nvSpPr>
-        <p:spPr bwMode="auto">
-          <a:xfrm>
-            <a:off x="93652" y="1068111"/>
-            <a:ext cx="9050348" cy="1979889"/>
-          </a:xfrm>
-          <a:prstGeom prst="rect">
-            <a:avLst/>
-          </a:prstGeom>
-          <a:noFill/>
-          <a:ln>
-            <a:noFill/>
-          </a:ln>
-          <a:extLst>
-            <a:ext uri="{909E8E84-426E-40DD-AFC4-6F175D3DCCD1}">
-              <a14:hiddenFill xmlns:a14="http://schemas.microsoft.com/office/drawing/2010/main">
-                <a:solidFill>
-                  <a:srgbClr val="FFFFFF"/>
-                </a:solidFill>
-              </a14:hiddenFill>
-            </a:ext>
-            <a:ext uri="{91240B29-F687-4F45-9708-019B960494DF}">
-              <a14:hiddenLine xmlns:a14="http://schemas.microsoft.com/office/drawing/2010/main" w="28575">
-                <a:solidFill>
-                  <a:srgbClr val="000000"/>
-                </a:solidFill>
-                <a:miter lim="800000"/>
-                <a:headEnd/>
-                <a:tailEnd/>
-              </a14:hiddenLine>
-            </a:ext>
-          </a:extLst>
-        </p:spPr>
-        <p:txBody>
-          <a:bodyPr vert="horz" wrap="square" lIns="91440" tIns="45720" rIns="91440" bIns="45720" numCol="1" anchor="t" anchorCtr="0" compatLnSpc="1">
-            <a:prstTxWarp prst="textNoShape">
-              <a:avLst/>
-            </a:prstTxWarp>
-          </a:bodyPr>
-          <a:lstStyle>
-            <a:lvl1pPr marL="342900" indent="-342900" algn="l" rtl="0" eaLnBrk="1" fontAlgn="base" hangingPunct="1">
-              <a:spcBef>
-                <a:spcPct val="30000"/>
-              </a:spcBef>
-              <a:spcAft>
-                <a:spcPct val="0"/>
-              </a:spcAft>
-              <a:buClr>
-                <a:schemeClr val="hlink"/>
-              </a:buClr>
-              <a:buFont typeface="Wingdings" pitchFamily="2" charset="2"/>
-              <a:buChar char="§"/>
-              <a:defRPr sz="3200">
-                <a:solidFill>
-                  <a:srgbClr val="000066"/>
-                </a:solidFill>
-                <a:latin typeface="微软雅黑" pitchFamily="34" charset="-122"/>
-                <a:ea typeface="微软雅黑" pitchFamily="34" charset="-122"/>
-                <a:cs typeface="+mn-cs"/>
-              </a:defRPr>
-            </a:lvl1pPr>
-            <a:lvl2pPr marL="742950" indent="-285750" algn="l" rtl="0" eaLnBrk="1" fontAlgn="base" hangingPunct="1">
-              <a:spcBef>
-                <a:spcPct val="30000"/>
-              </a:spcBef>
-              <a:spcAft>
-                <a:spcPct val="0"/>
-              </a:spcAft>
-              <a:buClr>
-                <a:schemeClr val="tx2"/>
-              </a:buClr>
-              <a:buSzPct val="85000"/>
-              <a:buFont typeface="Wingdings" pitchFamily="2" charset="2"/>
-              <a:buChar char="Ø"/>
-              <a:defRPr sz="2800">
-                <a:solidFill>
-                  <a:srgbClr val="006666"/>
-                </a:solidFill>
-                <a:latin typeface="微软雅黑" pitchFamily="34" charset="-122"/>
-                <a:ea typeface="微软雅黑" pitchFamily="34" charset="-122"/>
-              </a:defRPr>
-            </a:lvl2pPr>
-            <a:lvl3pPr marL="1143000" indent="-228600" algn="l" rtl="0" eaLnBrk="1" fontAlgn="base" hangingPunct="1">
-              <a:spcBef>
-                <a:spcPct val="30000"/>
-              </a:spcBef>
-              <a:spcAft>
-                <a:spcPct val="0"/>
-              </a:spcAft>
-              <a:buClr>
-                <a:schemeClr val="hlink"/>
-              </a:buClr>
-              <a:buSzPct val="95000"/>
-              <a:buFont typeface="Wingdings 2" pitchFamily="18" charset="2"/>
-              <a:buChar char="¡"/>
-              <a:defRPr sz="2400">
-                <a:solidFill>
-                  <a:schemeClr val="hlink"/>
-                </a:solidFill>
-                <a:latin typeface="微软雅黑" pitchFamily="34" charset="-122"/>
-                <a:ea typeface="微软雅黑" pitchFamily="34" charset="-122"/>
-              </a:defRPr>
-            </a:lvl3pPr>
-            <a:lvl4pPr marL="1600200" indent="-228600" algn="l" rtl="0" eaLnBrk="1" fontAlgn="base" hangingPunct="1">
-              <a:spcBef>
-                <a:spcPct val="30000"/>
-              </a:spcBef>
-              <a:spcAft>
-                <a:spcPct val="0"/>
-              </a:spcAft>
-              <a:buClr>
-                <a:schemeClr val="tx2"/>
-              </a:buClr>
-              <a:buSzPct val="90000"/>
-              <a:buFont typeface="Wingdings" pitchFamily="2" charset="2"/>
-              <a:buChar char="Ø"/>
-              <a:defRPr sz="2000">
-                <a:solidFill>
-                  <a:srgbClr val="990099"/>
-                </a:solidFill>
-                <a:latin typeface="微软雅黑" pitchFamily="34" charset="-122"/>
-                <a:ea typeface="微软雅黑" pitchFamily="34" charset="-122"/>
-              </a:defRPr>
-            </a:lvl4pPr>
-            <a:lvl5pPr marL="2057400" indent="-228600" algn="l" rtl="0" eaLnBrk="1" fontAlgn="base" hangingPunct="1">
-              <a:spcBef>
-                <a:spcPct val="30000"/>
-              </a:spcBef>
-              <a:spcAft>
-                <a:spcPct val="0"/>
-              </a:spcAft>
-              <a:buClr>
-                <a:schemeClr val="hlink"/>
-              </a:buClr>
-              <a:buFont typeface="Wingdings 2" pitchFamily="18" charset="2"/>
-              <a:buChar char="¡"/>
-              <a:defRPr sz="2000">
-                <a:solidFill>
-                  <a:schemeClr val="tx1"/>
-                </a:solidFill>
-                <a:latin typeface="微软雅黑" pitchFamily="34" charset="-122"/>
-                <a:ea typeface="微软雅黑" pitchFamily="34" charset="-122"/>
-              </a:defRPr>
-            </a:lvl5pPr>
-            <a:lvl6pPr marL="2514600" indent="-228600" algn="l" rtl="0" eaLnBrk="1" fontAlgn="base" hangingPunct="1">
-              <a:spcBef>
-                <a:spcPct val="30000"/>
-              </a:spcBef>
-              <a:spcAft>
-                <a:spcPct val="0"/>
-              </a:spcAft>
-              <a:buClr>
-                <a:schemeClr val="hlink"/>
-              </a:buClr>
-              <a:buFont typeface="Wingdings 2" pitchFamily="18" charset="2"/>
-              <a:buChar char="¡"/>
-              <a:defRPr sz="2000">
-                <a:solidFill>
-                  <a:schemeClr val="tx1"/>
-                </a:solidFill>
-                <a:latin typeface="+mn-lt"/>
-                <a:ea typeface="+mn-ea"/>
-              </a:defRPr>
-            </a:lvl6pPr>
-            <a:lvl7pPr marL="2971800" indent="-228600" algn="l" rtl="0" eaLnBrk="1" fontAlgn="base" hangingPunct="1">
-              <a:spcBef>
-                <a:spcPct val="30000"/>
-              </a:spcBef>
-              <a:spcAft>
-                <a:spcPct val="0"/>
-              </a:spcAft>
-              <a:buClr>
-                <a:schemeClr val="hlink"/>
-              </a:buClr>
-              <a:buFont typeface="Wingdings 2" pitchFamily="18" charset="2"/>
-              <a:buChar char="¡"/>
-              <a:defRPr sz="2000">
-                <a:solidFill>
-                  <a:schemeClr val="tx1"/>
-                </a:solidFill>
-                <a:latin typeface="+mn-lt"/>
-                <a:ea typeface="+mn-ea"/>
-              </a:defRPr>
-            </a:lvl7pPr>
-            <a:lvl8pPr marL="3429000" indent="-228600" algn="l" rtl="0" eaLnBrk="1" fontAlgn="base" hangingPunct="1">
-              <a:spcBef>
-                <a:spcPct val="30000"/>
-              </a:spcBef>
-              <a:spcAft>
-                <a:spcPct val="0"/>
-              </a:spcAft>
-              <a:buClr>
-                <a:schemeClr val="hlink"/>
-              </a:buClr>
-              <a:buFont typeface="Wingdings 2" pitchFamily="18" charset="2"/>
-              <a:buChar char="¡"/>
-              <a:defRPr sz="2000">
-                <a:solidFill>
-                  <a:schemeClr val="tx1"/>
-                </a:solidFill>
-                <a:latin typeface="+mn-lt"/>
-                <a:ea typeface="+mn-ea"/>
-              </a:defRPr>
-            </a:lvl8pPr>
-            <a:lvl9pPr marL="3886200" indent="-228600" algn="l" rtl="0" eaLnBrk="1" fontAlgn="base" hangingPunct="1">
-              <a:spcBef>
-                <a:spcPct val="30000"/>
-              </a:spcBef>
-              <a:spcAft>
-                <a:spcPct val="0"/>
-              </a:spcAft>
-              <a:buClr>
-                <a:schemeClr val="hlink"/>
-              </a:buClr>
-              <a:buFont typeface="Wingdings 2" pitchFamily="18" charset="2"/>
-              <a:buChar char="¡"/>
-              <a:defRPr sz="2000">
-                <a:solidFill>
-                  <a:schemeClr val="tx1"/>
-                </a:solidFill>
-                <a:latin typeface="+mn-lt"/>
-                <a:ea typeface="+mn-ea"/>
-              </a:defRPr>
-            </a:lvl9pPr>
-          </a:lstStyle>
-          <a:p>
-            <a:r>
-              <a:rPr lang="en-US" altLang="zh-CN" sz="2400" kern="0" dirty="0">
-                <a:latin typeface="+mn-lt"/>
-                <a:cs typeface="Times New Roman" panose="02020603050405020304" pitchFamily="18" charset="0"/>
-              </a:rPr>
-              <a:t>No-slip</a:t>
-            </a:r>
-            <a:endParaRPr lang="en-US" altLang="zh-CN" sz="2000" kern="0" baseline="30000" dirty="0">
-              <a:latin typeface="+mn-lt"/>
-              <a:cs typeface="Times New Roman" panose="02020603050405020304" pitchFamily="18" charset="0"/>
-            </a:endParaRPr>
-          </a:p>
-          <a:p>
-            <a:pPr marL="457200" lvl="1" indent="0">
-              <a:buFont typeface="Wingdings" pitchFamily="2" charset="2"/>
-              <a:buNone/>
-            </a:pPr>
-            <a:endParaRPr lang="en-US" altLang="zh-CN" sz="2000" kern="0" baseline="30000" dirty="0">
-              <a:latin typeface="+mn-lt"/>
-              <a:cs typeface="Times New Roman" panose="02020603050405020304" pitchFamily="18" charset="0"/>
-            </a:endParaRPr>
-          </a:p>
-          <a:p>
-            <a:pPr marL="457200" lvl="1" indent="0">
-              <a:buFont typeface="Wingdings" pitchFamily="2" charset="2"/>
-              <a:buNone/>
-            </a:pPr>
-            <a:endParaRPr lang="en-US" altLang="zh-CN" sz="2000" kern="0" baseline="30000" dirty="0">
-              <a:latin typeface="+mn-lt"/>
-              <a:cs typeface="Times New Roman" panose="02020603050405020304" pitchFamily="18" charset="0"/>
-            </a:endParaRPr>
-          </a:p>
-          <a:p>
-            <a:pPr marL="457200" lvl="1" indent="0">
-              <a:buFont typeface="Wingdings" pitchFamily="2" charset="2"/>
-              <a:buNone/>
-            </a:pPr>
-            <a:endParaRPr lang="en-US" altLang="zh-CN" sz="2000" kern="0" baseline="30000" dirty="0">
-              <a:latin typeface="+mn-lt"/>
-              <a:cs typeface="Times New Roman" panose="02020603050405020304" pitchFamily="18" charset="0"/>
-            </a:endParaRPr>
-          </a:p>
-          <a:p>
-            <a:pPr marL="457200" lvl="1" indent="0">
-              <a:buFont typeface="Wingdings" pitchFamily="2" charset="2"/>
-              <a:buNone/>
-            </a:pPr>
-            <a:endParaRPr lang="en-US" altLang="zh-CN" sz="2000" kern="0" baseline="30000" dirty="0">
-              <a:latin typeface="+mn-lt"/>
-              <a:cs typeface="Times New Roman" panose="02020603050405020304" pitchFamily="18" charset="0"/>
-            </a:endParaRPr>
-          </a:p>
-          <a:p>
-            <a:pPr marL="457200" lvl="1" indent="0">
-              <a:buFont typeface="Wingdings" pitchFamily="2" charset="2"/>
-              <a:buNone/>
-            </a:pPr>
-            <a:endParaRPr lang="en-US" altLang="zh-CN" sz="2000" kern="0" baseline="30000" dirty="0">
-              <a:latin typeface="+mn-lt"/>
-              <a:cs typeface="Times New Roman" panose="02020603050405020304" pitchFamily="18" charset="0"/>
-            </a:endParaRPr>
-          </a:p>
-          <a:p>
-            <a:pPr marL="457200" lvl="1" indent="0">
-              <a:buFont typeface="Wingdings" pitchFamily="2" charset="2"/>
-              <a:buNone/>
-            </a:pPr>
-            <a:endParaRPr lang="en-US" altLang="zh-CN" sz="2000" kern="0" baseline="30000" dirty="0">
-              <a:latin typeface="+mn-lt"/>
-              <a:cs typeface="Times New Roman" panose="02020603050405020304" pitchFamily="18" charset="0"/>
-            </a:endParaRPr>
-          </a:p>
-          <a:p>
-            <a:pPr marL="457200" lvl="1" indent="0">
-              <a:buFont typeface="Wingdings" pitchFamily="2" charset="2"/>
-              <a:buNone/>
-            </a:pPr>
-            <a:endParaRPr lang="en-US" altLang="zh-CN" sz="2000" kern="0" baseline="30000" dirty="0">
-              <a:latin typeface="+mn-lt"/>
-              <a:cs typeface="Times New Roman" panose="02020603050405020304" pitchFamily="18" charset="0"/>
-            </a:endParaRPr>
-          </a:p>
-          <a:p>
-            <a:pPr>
-              <a:lnSpc>
-                <a:spcPct val="125000"/>
-              </a:lnSpc>
-            </a:pPr>
-            <a:endParaRPr lang="en-US" altLang="zh-CN" sz="2400" kern="0" dirty="0">
-              <a:latin typeface="+mn-lt"/>
-              <a:cs typeface="Times New Roman" panose="02020603050405020304" pitchFamily="18" charset="0"/>
-            </a:endParaRPr>
-          </a:p>
-          <a:p>
-            <a:pPr marL="457200" lvl="1" indent="0">
-              <a:lnSpc>
-                <a:spcPct val="125000"/>
-              </a:lnSpc>
-              <a:buFont typeface="Wingdings" pitchFamily="2" charset="2"/>
-              <a:buNone/>
-            </a:pPr>
-            <a:endParaRPr lang="en-US" altLang="zh-CN" sz="2000" kern="0" dirty="0">
-              <a:latin typeface="+mn-lt"/>
-              <a:cs typeface="Times New Roman" panose="02020603050405020304" pitchFamily="18" charset="0"/>
-            </a:endParaRPr>
-          </a:p>
-        </p:txBody>
-      </p:sp>
-    </p:spTree>
-    <p:extLst>
-      <p:ext uri="{BB962C8B-B14F-4D97-AF65-F5344CB8AC3E}">
-        <p14:creationId xmlns:p14="http://schemas.microsoft.com/office/powerpoint/2010/main" val="4283442579"/>
-      </p:ext>
-    </p:extLst>
-  </p:cSld>
-  <p:clrMapOvr>
-    <a:masterClrMapping/>
-  </p:clrMapOvr>
-  <p:transition spd="med" advTm="63997"/>
-</p:sld>
-</file>
-
-<file path=ppt/slides/slide24.xml><?xml version="1.0" encoding="utf-8"?>
+<file path=ppt/slides/slide25.xml><?xml version="1.0" encoding="utf-8"?>
 <p:sld xmlns:a="http://schemas.openxmlformats.org/drawingml/2006/main" xmlns:r="http://schemas.openxmlformats.org/officeDocument/2006/relationships" xmlns:p="http://schemas.openxmlformats.org/presentationml/2006/main">
   <p:cSld>
     <p:spTree>
@@ -33167,7 +32998,7 @@
                 <a:latin typeface="+mn-lt"/>
                 <a:cs typeface="Times New Roman" panose="02020603050405020304" pitchFamily="18" charset="0"/>
               </a:rPr>
-              <a:t>EXP vs IMP1D, CHA_CFR_RETAU180_H0.1_NX128_NY48_NZ32</a:t>
+              <a:t>Explicit vs implicit1D</a:t>
             </a:r>
             <a:endParaRPr lang="en-US" altLang="zh-CN" sz="2000" dirty="0">
               <a:latin typeface="+mn-lt"/>
@@ -33459,7 +33290,7 @@
 </p:sld>
 </file>
 
-<file path=ppt/slides/slide25.xml><?xml version="1.0" encoding="utf-8"?>
+<file path=ppt/slides/slide26.xml><?xml version="1.0" encoding="utf-8"?>
 <p:sld xmlns:a="http://schemas.openxmlformats.org/drawingml/2006/main" xmlns:r="http://schemas.openxmlformats.org/officeDocument/2006/relationships" xmlns:p="http://schemas.openxmlformats.org/presentationml/2006/main">
   <p:cSld>
     <p:spTree>
@@ -34880,10 +34711,10 @@
       </p:pic>
       <p:pic>
         <p:nvPicPr>
-          <p:cNvPr id="3" name="Picture 2">
+          <p:cNvPr id="7" name="Picture 6">
             <a:extLst>
               <a:ext uri="{FF2B5EF4-FFF2-40B4-BE49-F238E27FC236}">
-                <a16:creationId xmlns:a16="http://schemas.microsoft.com/office/drawing/2014/main" id="{931217F1-EA3D-055A-A9BD-0276407FC2AA}"/>
+                <a16:creationId xmlns:a16="http://schemas.microsoft.com/office/drawing/2014/main" id="{D8CB13BB-2945-9687-8745-829109E7F69D}"/>
               </a:ext>
             </a:extLst>
           </p:cNvPr>
@@ -34900,8 +34731,8 @@
         </p:blipFill>
         <p:spPr>
           <a:xfrm>
-            <a:off x="1367246" y="4159363"/>
-            <a:ext cx="3200400" cy="2393837"/>
+            <a:off x="1367246" y="4267200"/>
+            <a:ext cx="3200400" cy="2393879"/>
           </a:xfrm>
           <a:prstGeom prst="rect">
             <a:avLst/>
@@ -35375,6 +35206,959 @@
   <p:cSld>
     <p:spTree>
       <p:nvGrpSpPr>
+        <p:cNvPr id="1" name=""/>
+        <p:cNvGrpSpPr/>
+        <p:nvPr/>
+      </p:nvGrpSpPr>
+      <p:grpSpPr>
+        <a:xfrm>
+          <a:off x="0" y="0"/>
+          <a:ext cx="0" cy="0"/>
+          <a:chOff x="0" y="0"/>
+          <a:chExt cx="0" cy="0"/>
+        </a:xfrm>
+      </p:grpSpPr>
+      <p:sp>
+        <p:nvSpPr>
+          <p:cNvPr id="6" name="Title 1">
+            <a:extLst>
+              <a:ext uri="{FF2B5EF4-FFF2-40B4-BE49-F238E27FC236}">
+                <a16:creationId xmlns:a16="http://schemas.microsoft.com/office/drawing/2014/main" id="{672A50A6-DF4F-C15D-3695-4B8C888F16FF}"/>
+              </a:ext>
+            </a:extLst>
+          </p:cNvPr>
+          <p:cNvSpPr>
+            <a:spLocks noGrp="1"/>
+          </p:cNvSpPr>
+          <p:nvPr>
+            <p:ph type="title"/>
+          </p:nvPr>
+        </p:nvSpPr>
+        <p:spPr>
+          <a:xfrm>
+            <a:off x="152400" y="152400"/>
+            <a:ext cx="8610600" cy="838200"/>
+          </a:xfrm>
+        </p:spPr>
+        <p:txBody>
+          <a:bodyPr/>
+          <a:lstStyle/>
+          <a:p>
+            <a:r>
+              <a:rPr lang="en-US" altLang="zh-CN" dirty="0"/>
+              <a:t>Channel</a:t>
+            </a:r>
+            <a:endParaRPr lang="zh-CN" altLang="en-US" dirty="0"/>
+          </a:p>
+        </p:txBody>
+      </p:sp>
+      <p:sp>
+        <p:nvSpPr>
+          <p:cNvPr id="8" name="内容占位符 2">
+            <a:extLst>
+              <a:ext uri="{FF2B5EF4-FFF2-40B4-BE49-F238E27FC236}">
+                <a16:creationId xmlns:a16="http://schemas.microsoft.com/office/drawing/2014/main" id="{2CA7BECD-9996-EA33-E05F-D04BFFAF531D}"/>
+              </a:ext>
+            </a:extLst>
+          </p:cNvPr>
+          <p:cNvSpPr txBox="1">
+            <a:spLocks/>
+          </p:cNvSpPr>
+          <p:nvPr/>
+        </p:nvSpPr>
+        <p:spPr bwMode="auto">
+          <a:xfrm>
+            <a:off x="93652" y="1068113"/>
+            <a:ext cx="8610600" cy="932338"/>
+          </a:xfrm>
+          <a:prstGeom prst="rect">
+            <a:avLst/>
+          </a:prstGeom>
+          <a:noFill/>
+          <a:ln>
+            <a:noFill/>
+          </a:ln>
+          <a:extLst>
+            <a:ext uri="{909E8E84-426E-40DD-AFC4-6F175D3DCCD1}">
+              <a14:hiddenFill xmlns:a14="http://schemas.microsoft.com/office/drawing/2010/main">
+                <a:solidFill>
+                  <a:srgbClr val="FFFFFF"/>
+                </a:solidFill>
+              </a14:hiddenFill>
+            </a:ext>
+            <a:ext uri="{91240B29-F687-4F45-9708-019B960494DF}">
+              <a14:hiddenLine xmlns:a14="http://schemas.microsoft.com/office/drawing/2010/main" w="28575">
+                <a:solidFill>
+                  <a:srgbClr val="000000"/>
+                </a:solidFill>
+                <a:miter lim="800000"/>
+                <a:headEnd/>
+                <a:tailEnd/>
+              </a14:hiddenLine>
+            </a:ext>
+          </a:extLst>
+        </p:spPr>
+        <p:txBody>
+          <a:bodyPr vert="horz" wrap="square" lIns="91440" tIns="45720" rIns="91440" bIns="45720" numCol="1" anchor="t" anchorCtr="0" compatLnSpc="1">
+            <a:prstTxWarp prst="textNoShape">
+              <a:avLst/>
+            </a:prstTxWarp>
+          </a:bodyPr>
+          <a:lstStyle>
+            <a:lvl1pPr marL="342900" indent="-342900" algn="l" rtl="0" eaLnBrk="1" fontAlgn="base" hangingPunct="1">
+              <a:spcBef>
+                <a:spcPct val="30000"/>
+              </a:spcBef>
+              <a:spcAft>
+                <a:spcPct val="0"/>
+              </a:spcAft>
+              <a:buClr>
+                <a:schemeClr val="hlink"/>
+              </a:buClr>
+              <a:buFont typeface="Wingdings" pitchFamily="2" charset="2"/>
+              <a:buChar char="§"/>
+              <a:defRPr sz="3200">
+                <a:solidFill>
+                  <a:srgbClr val="000066"/>
+                </a:solidFill>
+                <a:latin typeface="微软雅黑" pitchFamily="34" charset="-122"/>
+                <a:ea typeface="微软雅黑" pitchFamily="34" charset="-122"/>
+                <a:cs typeface="+mn-cs"/>
+              </a:defRPr>
+            </a:lvl1pPr>
+            <a:lvl2pPr marL="742950" indent="-285750" algn="l" rtl="0" eaLnBrk="1" fontAlgn="base" hangingPunct="1">
+              <a:spcBef>
+                <a:spcPct val="30000"/>
+              </a:spcBef>
+              <a:spcAft>
+                <a:spcPct val="0"/>
+              </a:spcAft>
+              <a:buClr>
+                <a:schemeClr val="tx2"/>
+              </a:buClr>
+              <a:buSzPct val="85000"/>
+              <a:buFont typeface="Wingdings" pitchFamily="2" charset="2"/>
+              <a:buChar char="Ø"/>
+              <a:defRPr sz="2800">
+                <a:solidFill>
+                  <a:srgbClr val="006666"/>
+                </a:solidFill>
+                <a:latin typeface="微软雅黑" pitchFamily="34" charset="-122"/>
+                <a:ea typeface="微软雅黑" pitchFamily="34" charset="-122"/>
+              </a:defRPr>
+            </a:lvl2pPr>
+            <a:lvl3pPr marL="1143000" indent="-228600" algn="l" rtl="0" eaLnBrk="1" fontAlgn="base" hangingPunct="1">
+              <a:spcBef>
+                <a:spcPct val="30000"/>
+              </a:spcBef>
+              <a:spcAft>
+                <a:spcPct val="0"/>
+              </a:spcAft>
+              <a:buClr>
+                <a:schemeClr val="hlink"/>
+              </a:buClr>
+              <a:buSzPct val="95000"/>
+              <a:buFont typeface="Wingdings 2" pitchFamily="18" charset="2"/>
+              <a:buChar char="¡"/>
+              <a:defRPr sz="2400">
+                <a:solidFill>
+                  <a:schemeClr val="hlink"/>
+                </a:solidFill>
+                <a:latin typeface="微软雅黑" pitchFamily="34" charset="-122"/>
+                <a:ea typeface="微软雅黑" pitchFamily="34" charset="-122"/>
+              </a:defRPr>
+            </a:lvl3pPr>
+            <a:lvl4pPr marL="1600200" indent="-228600" algn="l" rtl="0" eaLnBrk="1" fontAlgn="base" hangingPunct="1">
+              <a:spcBef>
+                <a:spcPct val="30000"/>
+              </a:spcBef>
+              <a:spcAft>
+                <a:spcPct val="0"/>
+              </a:spcAft>
+              <a:buClr>
+                <a:schemeClr val="tx2"/>
+              </a:buClr>
+              <a:buSzPct val="90000"/>
+              <a:buFont typeface="Wingdings" pitchFamily="2" charset="2"/>
+              <a:buChar char="Ø"/>
+              <a:defRPr sz="2000">
+                <a:solidFill>
+                  <a:srgbClr val="990099"/>
+                </a:solidFill>
+                <a:latin typeface="微软雅黑" pitchFamily="34" charset="-122"/>
+                <a:ea typeface="微软雅黑" pitchFamily="34" charset="-122"/>
+              </a:defRPr>
+            </a:lvl4pPr>
+            <a:lvl5pPr marL="2057400" indent="-228600" algn="l" rtl="0" eaLnBrk="1" fontAlgn="base" hangingPunct="1">
+              <a:spcBef>
+                <a:spcPct val="30000"/>
+              </a:spcBef>
+              <a:spcAft>
+                <a:spcPct val="0"/>
+              </a:spcAft>
+              <a:buClr>
+                <a:schemeClr val="hlink"/>
+              </a:buClr>
+              <a:buFont typeface="Wingdings 2" pitchFamily="18" charset="2"/>
+              <a:buChar char="¡"/>
+              <a:defRPr sz="2000">
+                <a:solidFill>
+                  <a:schemeClr val="tx1"/>
+                </a:solidFill>
+                <a:latin typeface="微软雅黑" pitchFamily="34" charset="-122"/>
+                <a:ea typeface="微软雅黑" pitchFamily="34" charset="-122"/>
+              </a:defRPr>
+            </a:lvl5pPr>
+            <a:lvl6pPr marL="2514600" indent="-228600" algn="l" rtl="0" eaLnBrk="1" fontAlgn="base" hangingPunct="1">
+              <a:spcBef>
+                <a:spcPct val="30000"/>
+              </a:spcBef>
+              <a:spcAft>
+                <a:spcPct val="0"/>
+              </a:spcAft>
+              <a:buClr>
+                <a:schemeClr val="hlink"/>
+              </a:buClr>
+              <a:buFont typeface="Wingdings 2" pitchFamily="18" charset="2"/>
+              <a:buChar char="¡"/>
+              <a:defRPr sz="2000">
+                <a:solidFill>
+                  <a:schemeClr val="tx1"/>
+                </a:solidFill>
+                <a:latin typeface="+mn-lt"/>
+                <a:ea typeface="+mn-ea"/>
+              </a:defRPr>
+            </a:lvl6pPr>
+            <a:lvl7pPr marL="2971800" indent="-228600" algn="l" rtl="0" eaLnBrk="1" fontAlgn="base" hangingPunct="1">
+              <a:spcBef>
+                <a:spcPct val="30000"/>
+              </a:spcBef>
+              <a:spcAft>
+                <a:spcPct val="0"/>
+              </a:spcAft>
+              <a:buClr>
+                <a:schemeClr val="hlink"/>
+              </a:buClr>
+              <a:buFont typeface="Wingdings 2" pitchFamily="18" charset="2"/>
+              <a:buChar char="¡"/>
+              <a:defRPr sz="2000">
+                <a:solidFill>
+                  <a:schemeClr val="tx1"/>
+                </a:solidFill>
+                <a:latin typeface="+mn-lt"/>
+                <a:ea typeface="+mn-ea"/>
+              </a:defRPr>
+            </a:lvl7pPr>
+            <a:lvl8pPr marL="3429000" indent="-228600" algn="l" rtl="0" eaLnBrk="1" fontAlgn="base" hangingPunct="1">
+              <a:spcBef>
+                <a:spcPct val="30000"/>
+              </a:spcBef>
+              <a:spcAft>
+                <a:spcPct val="0"/>
+              </a:spcAft>
+              <a:buClr>
+                <a:schemeClr val="hlink"/>
+              </a:buClr>
+              <a:buFont typeface="Wingdings 2" pitchFamily="18" charset="2"/>
+              <a:buChar char="¡"/>
+              <a:defRPr sz="2000">
+                <a:solidFill>
+                  <a:schemeClr val="tx1"/>
+                </a:solidFill>
+                <a:latin typeface="+mn-lt"/>
+                <a:ea typeface="+mn-ea"/>
+              </a:defRPr>
+            </a:lvl8pPr>
+            <a:lvl9pPr marL="3886200" indent="-228600" algn="l" rtl="0" eaLnBrk="1" fontAlgn="base" hangingPunct="1">
+              <a:spcBef>
+                <a:spcPct val="30000"/>
+              </a:spcBef>
+              <a:spcAft>
+                <a:spcPct val="0"/>
+              </a:spcAft>
+              <a:buClr>
+                <a:schemeClr val="hlink"/>
+              </a:buClr>
+              <a:buFont typeface="Wingdings 2" pitchFamily="18" charset="2"/>
+              <a:buChar char="¡"/>
+              <a:defRPr sz="2000">
+                <a:solidFill>
+                  <a:schemeClr val="tx1"/>
+                </a:solidFill>
+                <a:latin typeface="+mn-lt"/>
+                <a:ea typeface="+mn-ea"/>
+              </a:defRPr>
+            </a:lvl9pPr>
+          </a:lstStyle>
+          <a:p>
+            <a:r>
+              <a:rPr lang="en-US" altLang="zh-CN" sz="2400" kern="0" dirty="0">
+                <a:latin typeface="+mn-lt"/>
+                <a:cs typeface="Times New Roman" panose="02020603050405020304" pitchFamily="18" charset="0"/>
+              </a:rPr>
+              <a:t>RETAU180</a:t>
+            </a:r>
+            <a:endParaRPr lang="en-US" altLang="zh-CN" sz="2000" kern="0" dirty="0">
+              <a:latin typeface="+mn-lt"/>
+              <a:cs typeface="Times New Roman" panose="02020603050405020304" pitchFamily="18" charset="0"/>
+            </a:endParaRPr>
+          </a:p>
+          <a:p>
+            <a:pPr lvl="1"/>
+            <a:r>
+              <a:rPr lang="en-US" altLang="zh-CN" sz="2000" dirty="0">
+                <a:latin typeface="+mn-lt"/>
+                <a:cs typeface="Times New Roman" panose="02020603050405020304" pitchFamily="18" charset="0"/>
+              </a:rPr>
+              <a:t>CFL has negligible influence on the statistics  </a:t>
+            </a:r>
+          </a:p>
+        </p:txBody>
+      </p:sp>
+      <p:pic>
+        <p:nvPicPr>
+          <p:cNvPr id="3" name="Picture 2">
+            <a:extLst>
+              <a:ext uri="{FF2B5EF4-FFF2-40B4-BE49-F238E27FC236}">
+                <a16:creationId xmlns:a16="http://schemas.microsoft.com/office/drawing/2014/main" id="{7F0193A5-25CE-3EF7-7FB2-9035416A925A}"/>
+              </a:ext>
+            </a:extLst>
+          </p:cNvPr>
+          <p:cNvPicPr>
+            <a:picLocks noChangeAspect="1"/>
+          </p:cNvPicPr>
+          <p:nvPr/>
+        </p:nvPicPr>
+        <p:blipFill>
+          <a:blip r:embed="rId2"/>
+          <a:stretch>
+            <a:fillRect/>
+          </a:stretch>
+        </p:blipFill>
+        <p:spPr>
+          <a:xfrm>
+            <a:off x="1198552" y="2001666"/>
+            <a:ext cx="3200400" cy="2382407"/>
+          </a:xfrm>
+          <a:prstGeom prst="rect">
+            <a:avLst/>
+          </a:prstGeom>
+        </p:spPr>
+      </p:pic>
+      <p:pic>
+        <p:nvPicPr>
+          <p:cNvPr id="7" name="Picture 6">
+            <a:extLst>
+              <a:ext uri="{FF2B5EF4-FFF2-40B4-BE49-F238E27FC236}">
+                <a16:creationId xmlns:a16="http://schemas.microsoft.com/office/drawing/2014/main" id="{B4C334CD-3B77-8392-705C-3CE2ED0ED11B}"/>
+              </a:ext>
+            </a:extLst>
+          </p:cNvPr>
+          <p:cNvPicPr>
+            <a:picLocks noChangeAspect="1"/>
+          </p:cNvPicPr>
+          <p:nvPr/>
+        </p:nvPicPr>
+        <p:blipFill>
+          <a:blip r:embed="rId3"/>
+          <a:stretch>
+            <a:fillRect/>
+          </a:stretch>
+        </p:blipFill>
+        <p:spPr>
+          <a:xfrm>
+            <a:off x="4398952" y="1981200"/>
+            <a:ext cx="3200400" cy="2402873"/>
+          </a:xfrm>
+          <a:prstGeom prst="rect">
+            <a:avLst/>
+          </a:prstGeom>
+        </p:spPr>
+      </p:pic>
+      <p:pic>
+        <p:nvPicPr>
+          <p:cNvPr id="11" name="Picture 10">
+            <a:extLst>
+              <a:ext uri="{FF2B5EF4-FFF2-40B4-BE49-F238E27FC236}">
+                <a16:creationId xmlns:a16="http://schemas.microsoft.com/office/drawing/2014/main" id="{664B83C1-36C0-C28A-90AA-9E9BC6ABC262}"/>
+              </a:ext>
+            </a:extLst>
+          </p:cNvPr>
+          <p:cNvPicPr>
+            <a:picLocks noChangeAspect="1"/>
+          </p:cNvPicPr>
+          <p:nvPr/>
+        </p:nvPicPr>
+        <p:blipFill>
+          <a:blip r:embed="rId4"/>
+          <a:stretch>
+            <a:fillRect/>
+          </a:stretch>
+        </p:blipFill>
+        <p:spPr>
+          <a:xfrm>
+            <a:off x="1198552" y="4384073"/>
+            <a:ext cx="3200400" cy="2397728"/>
+          </a:xfrm>
+          <a:prstGeom prst="rect">
+            <a:avLst/>
+          </a:prstGeom>
+        </p:spPr>
+      </p:pic>
+      <p:pic>
+        <p:nvPicPr>
+          <p:cNvPr id="14" name="Picture 13">
+            <a:extLst>
+              <a:ext uri="{FF2B5EF4-FFF2-40B4-BE49-F238E27FC236}">
+                <a16:creationId xmlns:a16="http://schemas.microsoft.com/office/drawing/2014/main" id="{9769C6E7-D60A-14FD-9BD5-8F2180BB0E52}"/>
+              </a:ext>
+            </a:extLst>
+          </p:cNvPr>
+          <p:cNvPicPr>
+            <a:picLocks noChangeAspect="1"/>
+          </p:cNvPicPr>
+          <p:nvPr/>
+        </p:nvPicPr>
+        <p:blipFill>
+          <a:blip r:embed="rId5"/>
+          <a:stretch>
+            <a:fillRect/>
+          </a:stretch>
+        </p:blipFill>
+        <p:spPr>
+          <a:xfrm>
+            <a:off x="4398952" y="4391081"/>
+            <a:ext cx="3200400" cy="2383711"/>
+          </a:xfrm>
+          <a:prstGeom prst="rect">
+            <a:avLst/>
+          </a:prstGeom>
+        </p:spPr>
+      </p:pic>
+    </p:spTree>
+    <p:extLst>
+      <p:ext uri="{BB962C8B-B14F-4D97-AF65-F5344CB8AC3E}">
+        <p14:creationId xmlns:p14="http://schemas.microsoft.com/office/powerpoint/2010/main" val="2295742427"/>
+      </p:ext>
+    </p:extLst>
+  </p:cSld>
+  <p:clrMapOvr>
+    <a:masterClrMapping/>
+  </p:clrMapOvr>
+  <p:transition spd="med"/>
+</p:sld>
+</file>
+
+<file path=ppt/slides/slide7.xml><?xml version="1.0" encoding="utf-8"?>
+<p:sld xmlns:a="http://schemas.openxmlformats.org/drawingml/2006/main" xmlns:r="http://schemas.openxmlformats.org/officeDocument/2006/relationships" xmlns:p="http://schemas.openxmlformats.org/presentationml/2006/main">
+  <p:cSld>
+    <p:spTree>
+      <p:nvGrpSpPr>
+        <p:cNvPr id="1" name=""/>
+        <p:cNvGrpSpPr/>
+        <p:nvPr/>
+      </p:nvGrpSpPr>
+      <p:grpSpPr>
+        <a:xfrm>
+          <a:off x="0" y="0"/>
+          <a:ext cx="0" cy="0"/>
+          <a:chOff x="0" y="0"/>
+          <a:chExt cx="0" cy="0"/>
+        </a:xfrm>
+      </p:grpSpPr>
+      <p:sp>
+        <p:nvSpPr>
+          <p:cNvPr id="2" name="Title 1"/>
+          <p:cNvSpPr>
+            <a:spLocks noGrp="1"/>
+          </p:cNvSpPr>
+          <p:nvPr>
+            <p:ph type="title"/>
+          </p:nvPr>
+        </p:nvSpPr>
+        <p:spPr>
+          <a:xfrm>
+            <a:off x="152400" y="152400"/>
+            <a:ext cx="8610600" cy="838200"/>
+          </a:xfrm>
+        </p:spPr>
+        <p:txBody>
+          <a:bodyPr/>
+          <a:lstStyle/>
+          <a:p>
+            <a:r>
+              <a:rPr lang="en-US" altLang="zh-CN" dirty="0"/>
+              <a:t>Channel</a:t>
+            </a:r>
+            <a:endParaRPr lang="zh-CN" altLang="en-US" dirty="0"/>
+          </a:p>
+        </p:txBody>
+      </p:sp>
+      <p:sp>
+        <p:nvSpPr>
+          <p:cNvPr id="9" name="Rectangle 2"/>
+          <p:cNvSpPr>
+            <a:spLocks noChangeArrowheads="1"/>
+          </p:cNvSpPr>
+          <p:nvPr/>
+        </p:nvSpPr>
+        <p:spPr bwMode="auto">
+          <a:xfrm>
+            <a:off x="0" y="0"/>
+            <a:ext cx="9144000" cy="0"/>
+          </a:xfrm>
+          <a:prstGeom prst="rect">
+            <a:avLst/>
+          </a:prstGeom>
+          <a:noFill/>
+          <a:ln>
+            <a:noFill/>
+          </a:ln>
+          <a:effectLst/>
+          <a:extLst>
+            <a:ext uri="{909E8E84-426E-40DD-AFC4-6F175D3DCCD1}">
+              <a14:hiddenFill xmlns:a14="http://schemas.microsoft.com/office/drawing/2010/main">
+                <a:solidFill>
+                  <a:schemeClr val="accent1"/>
+                </a:solidFill>
+              </a14:hiddenFill>
+            </a:ext>
+            <a:ext uri="{91240B29-F687-4F45-9708-019B960494DF}">
+              <a14:hiddenLine xmlns:a14="http://schemas.microsoft.com/office/drawing/2010/main" w="9525">
+                <a:solidFill>
+                  <a:schemeClr val="tx1"/>
+                </a:solidFill>
+                <a:miter lim="800000"/>
+                <a:headEnd/>
+                <a:tailEnd/>
+              </a14:hiddenLine>
+            </a:ext>
+            <a:ext uri="{AF507438-7753-43E0-B8FC-AC1667EBCBE1}">
+              <a14:hiddenEffects xmlns:a14="http://schemas.microsoft.com/office/drawing/2010/main">
+                <a:effectLst>
+                  <a:outerShdw dist="35921" dir="2700000" algn="ctr" rotWithShape="0">
+                    <a:schemeClr val="bg2"/>
+                  </a:outerShdw>
+                </a:effectLst>
+              </a14:hiddenEffects>
+            </a:ext>
+          </a:extLst>
+        </p:spPr>
+        <p:txBody>
+          <a:bodyPr vert="horz" wrap="none" lIns="91440" tIns="45720" rIns="91440" bIns="45720" numCol="1" anchor="ctr" anchorCtr="0" compatLnSpc="1">
+            <a:prstTxWarp prst="textNoShape">
+              <a:avLst/>
+            </a:prstTxWarp>
+            <a:spAutoFit/>
+          </a:bodyPr>
+          <a:lstStyle/>
+          <a:p>
+            <a:endParaRPr lang="zh-CN" altLang="en-US"/>
+          </a:p>
+        </p:txBody>
+      </p:sp>
+      <p:sp>
+        <p:nvSpPr>
+          <p:cNvPr id="17" name="内容占位符 2">
+            <a:extLst>
+              <a:ext uri="{FF2B5EF4-FFF2-40B4-BE49-F238E27FC236}">
+                <a16:creationId xmlns:a16="http://schemas.microsoft.com/office/drawing/2014/main" id="{D7B13CA5-CF5D-287A-9ACB-EF5CA77485F1}"/>
+              </a:ext>
+            </a:extLst>
+          </p:cNvPr>
+          <p:cNvSpPr txBox="1">
+            <a:spLocks/>
+          </p:cNvSpPr>
+          <p:nvPr/>
+        </p:nvSpPr>
+        <p:spPr bwMode="auto">
+          <a:xfrm>
+            <a:off x="93652" y="1068112"/>
+            <a:ext cx="8610600" cy="1141687"/>
+          </a:xfrm>
+          <a:prstGeom prst="rect">
+            <a:avLst/>
+          </a:prstGeom>
+          <a:noFill/>
+          <a:ln>
+            <a:noFill/>
+          </a:ln>
+          <a:extLst>
+            <a:ext uri="{909E8E84-426E-40DD-AFC4-6F175D3DCCD1}">
+              <a14:hiddenFill xmlns:a14="http://schemas.microsoft.com/office/drawing/2010/main">
+                <a:solidFill>
+                  <a:srgbClr val="FFFFFF"/>
+                </a:solidFill>
+              </a14:hiddenFill>
+            </a:ext>
+            <a:ext uri="{91240B29-F687-4F45-9708-019B960494DF}">
+              <a14:hiddenLine xmlns:a14="http://schemas.microsoft.com/office/drawing/2010/main" w="28575">
+                <a:solidFill>
+                  <a:srgbClr val="000000"/>
+                </a:solidFill>
+                <a:miter lim="800000"/>
+                <a:headEnd/>
+                <a:tailEnd/>
+              </a14:hiddenLine>
+            </a:ext>
+          </a:extLst>
+        </p:spPr>
+        <p:txBody>
+          <a:bodyPr vert="horz" wrap="square" lIns="91440" tIns="45720" rIns="91440" bIns="45720" numCol="1" anchor="t" anchorCtr="0" compatLnSpc="1">
+            <a:prstTxWarp prst="textNoShape">
+              <a:avLst/>
+            </a:prstTxWarp>
+          </a:bodyPr>
+          <a:lstStyle>
+            <a:lvl1pPr marL="342900" indent="-342900" algn="l" rtl="0" eaLnBrk="1" fontAlgn="base" hangingPunct="1">
+              <a:spcBef>
+                <a:spcPct val="30000"/>
+              </a:spcBef>
+              <a:spcAft>
+                <a:spcPct val="0"/>
+              </a:spcAft>
+              <a:buClr>
+                <a:schemeClr val="hlink"/>
+              </a:buClr>
+              <a:buFont typeface="Wingdings" pitchFamily="2" charset="2"/>
+              <a:buChar char="§"/>
+              <a:defRPr sz="3200">
+                <a:solidFill>
+                  <a:srgbClr val="000066"/>
+                </a:solidFill>
+                <a:latin typeface="微软雅黑" pitchFamily="34" charset="-122"/>
+                <a:ea typeface="微软雅黑" pitchFamily="34" charset="-122"/>
+                <a:cs typeface="+mn-cs"/>
+              </a:defRPr>
+            </a:lvl1pPr>
+            <a:lvl2pPr marL="742950" indent="-285750" algn="l" rtl="0" eaLnBrk="1" fontAlgn="base" hangingPunct="1">
+              <a:spcBef>
+                <a:spcPct val="30000"/>
+              </a:spcBef>
+              <a:spcAft>
+                <a:spcPct val="0"/>
+              </a:spcAft>
+              <a:buClr>
+                <a:schemeClr val="tx2"/>
+              </a:buClr>
+              <a:buSzPct val="85000"/>
+              <a:buFont typeface="Wingdings" pitchFamily="2" charset="2"/>
+              <a:buChar char="Ø"/>
+              <a:defRPr sz="2800">
+                <a:solidFill>
+                  <a:srgbClr val="006666"/>
+                </a:solidFill>
+                <a:latin typeface="微软雅黑" pitchFamily="34" charset="-122"/>
+                <a:ea typeface="微软雅黑" pitchFamily="34" charset="-122"/>
+              </a:defRPr>
+            </a:lvl2pPr>
+            <a:lvl3pPr marL="1143000" indent="-228600" algn="l" rtl="0" eaLnBrk="1" fontAlgn="base" hangingPunct="1">
+              <a:spcBef>
+                <a:spcPct val="30000"/>
+              </a:spcBef>
+              <a:spcAft>
+                <a:spcPct val="0"/>
+              </a:spcAft>
+              <a:buClr>
+                <a:schemeClr val="hlink"/>
+              </a:buClr>
+              <a:buSzPct val="95000"/>
+              <a:buFont typeface="Wingdings 2" pitchFamily="18" charset="2"/>
+              <a:buChar char="¡"/>
+              <a:defRPr sz="2400">
+                <a:solidFill>
+                  <a:schemeClr val="hlink"/>
+                </a:solidFill>
+                <a:latin typeface="微软雅黑" pitchFamily="34" charset="-122"/>
+                <a:ea typeface="微软雅黑" pitchFamily="34" charset="-122"/>
+              </a:defRPr>
+            </a:lvl3pPr>
+            <a:lvl4pPr marL="1600200" indent="-228600" algn="l" rtl="0" eaLnBrk="1" fontAlgn="base" hangingPunct="1">
+              <a:spcBef>
+                <a:spcPct val="30000"/>
+              </a:spcBef>
+              <a:spcAft>
+                <a:spcPct val="0"/>
+              </a:spcAft>
+              <a:buClr>
+                <a:schemeClr val="tx2"/>
+              </a:buClr>
+              <a:buSzPct val="90000"/>
+              <a:buFont typeface="Wingdings" pitchFamily="2" charset="2"/>
+              <a:buChar char="Ø"/>
+              <a:defRPr sz="2000">
+                <a:solidFill>
+                  <a:srgbClr val="990099"/>
+                </a:solidFill>
+                <a:latin typeface="微软雅黑" pitchFamily="34" charset="-122"/>
+                <a:ea typeface="微软雅黑" pitchFamily="34" charset="-122"/>
+              </a:defRPr>
+            </a:lvl4pPr>
+            <a:lvl5pPr marL="2057400" indent="-228600" algn="l" rtl="0" eaLnBrk="1" fontAlgn="base" hangingPunct="1">
+              <a:spcBef>
+                <a:spcPct val="30000"/>
+              </a:spcBef>
+              <a:spcAft>
+                <a:spcPct val="0"/>
+              </a:spcAft>
+              <a:buClr>
+                <a:schemeClr val="hlink"/>
+              </a:buClr>
+              <a:buFont typeface="Wingdings 2" pitchFamily="18" charset="2"/>
+              <a:buChar char="¡"/>
+              <a:defRPr sz="2000">
+                <a:solidFill>
+                  <a:schemeClr val="tx1"/>
+                </a:solidFill>
+                <a:latin typeface="微软雅黑" pitchFamily="34" charset="-122"/>
+                <a:ea typeface="微软雅黑" pitchFamily="34" charset="-122"/>
+              </a:defRPr>
+            </a:lvl5pPr>
+            <a:lvl6pPr marL="2514600" indent="-228600" algn="l" rtl="0" eaLnBrk="1" fontAlgn="base" hangingPunct="1">
+              <a:spcBef>
+                <a:spcPct val="30000"/>
+              </a:spcBef>
+              <a:spcAft>
+                <a:spcPct val="0"/>
+              </a:spcAft>
+              <a:buClr>
+                <a:schemeClr val="hlink"/>
+              </a:buClr>
+              <a:buFont typeface="Wingdings 2" pitchFamily="18" charset="2"/>
+              <a:buChar char="¡"/>
+              <a:defRPr sz="2000">
+                <a:solidFill>
+                  <a:schemeClr val="tx1"/>
+                </a:solidFill>
+                <a:latin typeface="+mn-lt"/>
+                <a:ea typeface="+mn-ea"/>
+              </a:defRPr>
+            </a:lvl6pPr>
+            <a:lvl7pPr marL="2971800" indent="-228600" algn="l" rtl="0" eaLnBrk="1" fontAlgn="base" hangingPunct="1">
+              <a:spcBef>
+                <a:spcPct val="30000"/>
+              </a:spcBef>
+              <a:spcAft>
+                <a:spcPct val="0"/>
+              </a:spcAft>
+              <a:buClr>
+                <a:schemeClr val="hlink"/>
+              </a:buClr>
+              <a:buFont typeface="Wingdings 2" pitchFamily="18" charset="2"/>
+              <a:buChar char="¡"/>
+              <a:defRPr sz="2000">
+                <a:solidFill>
+                  <a:schemeClr val="tx1"/>
+                </a:solidFill>
+                <a:latin typeface="+mn-lt"/>
+                <a:ea typeface="+mn-ea"/>
+              </a:defRPr>
+            </a:lvl7pPr>
+            <a:lvl8pPr marL="3429000" indent="-228600" algn="l" rtl="0" eaLnBrk="1" fontAlgn="base" hangingPunct="1">
+              <a:spcBef>
+                <a:spcPct val="30000"/>
+              </a:spcBef>
+              <a:spcAft>
+                <a:spcPct val="0"/>
+              </a:spcAft>
+              <a:buClr>
+                <a:schemeClr val="hlink"/>
+              </a:buClr>
+              <a:buFont typeface="Wingdings 2" pitchFamily="18" charset="2"/>
+              <a:buChar char="¡"/>
+              <a:defRPr sz="2000">
+                <a:solidFill>
+                  <a:schemeClr val="tx1"/>
+                </a:solidFill>
+                <a:latin typeface="+mn-lt"/>
+                <a:ea typeface="+mn-ea"/>
+              </a:defRPr>
+            </a:lvl8pPr>
+            <a:lvl9pPr marL="3886200" indent="-228600" algn="l" rtl="0" eaLnBrk="1" fontAlgn="base" hangingPunct="1">
+              <a:spcBef>
+                <a:spcPct val="30000"/>
+              </a:spcBef>
+              <a:spcAft>
+                <a:spcPct val="0"/>
+              </a:spcAft>
+              <a:buClr>
+                <a:schemeClr val="hlink"/>
+              </a:buClr>
+              <a:buFont typeface="Wingdings 2" pitchFamily="18" charset="2"/>
+              <a:buChar char="¡"/>
+              <a:defRPr sz="2000">
+                <a:solidFill>
+                  <a:schemeClr val="tx1"/>
+                </a:solidFill>
+                <a:latin typeface="+mn-lt"/>
+                <a:ea typeface="+mn-ea"/>
+              </a:defRPr>
+            </a:lvl9pPr>
+          </a:lstStyle>
+          <a:p>
+            <a:r>
+              <a:rPr lang="en-US" altLang="zh-CN" sz="2400" kern="0" dirty="0">
+                <a:latin typeface="+mn-lt"/>
+                <a:cs typeface="Times New Roman" panose="02020603050405020304" pitchFamily="18" charset="0"/>
+              </a:rPr>
+              <a:t>RETAU180</a:t>
+            </a:r>
+            <a:endParaRPr lang="en-US" altLang="zh-CN" sz="2000" kern="0" dirty="0">
+              <a:latin typeface="+mn-lt"/>
+              <a:cs typeface="Times New Roman" panose="02020603050405020304" pitchFamily="18" charset="0"/>
+            </a:endParaRPr>
+          </a:p>
+          <a:p>
+            <a:pPr lvl="1"/>
+            <a:r>
+              <a:rPr lang="en-US" altLang="zh-CN" sz="2000" dirty="0">
+                <a:latin typeface="+mn-lt"/>
+                <a:cs typeface="Times New Roman" panose="02020603050405020304" pitchFamily="18" charset="0"/>
+              </a:rPr>
+              <a:t>No-slip wall: damping produces larger (more accurate) velocity gradient near the wall</a:t>
+            </a:r>
+          </a:p>
+        </p:txBody>
+      </p:sp>
+      <p:pic>
+        <p:nvPicPr>
+          <p:cNvPr id="6" name="Picture 5">
+            <a:extLst>
+              <a:ext uri="{FF2B5EF4-FFF2-40B4-BE49-F238E27FC236}">
+                <a16:creationId xmlns:a16="http://schemas.microsoft.com/office/drawing/2014/main" id="{72F58B73-3081-1901-BC05-76A7721B8E86}"/>
+              </a:ext>
+            </a:extLst>
+          </p:cNvPr>
+          <p:cNvPicPr>
+            <a:picLocks noChangeAspect="1"/>
+          </p:cNvPicPr>
+          <p:nvPr/>
+        </p:nvPicPr>
+        <p:blipFill>
+          <a:blip r:embed="rId3"/>
+          <a:stretch>
+            <a:fillRect/>
+          </a:stretch>
+        </p:blipFill>
+        <p:spPr>
+          <a:xfrm>
+            <a:off x="1219200" y="2210083"/>
+            <a:ext cx="3200400" cy="2393920"/>
+          </a:xfrm>
+          <a:prstGeom prst="rect">
+            <a:avLst/>
+          </a:prstGeom>
+        </p:spPr>
+      </p:pic>
+      <p:pic>
+        <p:nvPicPr>
+          <p:cNvPr id="4" name="Picture 3">
+            <a:extLst>
+              <a:ext uri="{FF2B5EF4-FFF2-40B4-BE49-F238E27FC236}">
+                <a16:creationId xmlns:a16="http://schemas.microsoft.com/office/drawing/2014/main" id="{BC44C646-402F-F4E2-3E08-21F20486ABC6}"/>
+              </a:ext>
+            </a:extLst>
+          </p:cNvPr>
+          <p:cNvPicPr>
+            <a:picLocks noChangeAspect="1"/>
+          </p:cNvPicPr>
+          <p:nvPr/>
+        </p:nvPicPr>
+        <p:blipFill>
+          <a:blip r:embed="rId4"/>
+          <a:stretch>
+            <a:fillRect/>
+          </a:stretch>
+        </p:blipFill>
+        <p:spPr>
+          <a:xfrm>
+            <a:off x="4419600" y="2209800"/>
+            <a:ext cx="3200400" cy="2387519"/>
+          </a:xfrm>
+          <a:prstGeom prst="rect">
+            <a:avLst/>
+          </a:prstGeom>
+        </p:spPr>
+      </p:pic>
+      <p:pic>
+        <p:nvPicPr>
+          <p:cNvPr id="7" name="Picture 6">
+            <a:extLst>
+              <a:ext uri="{FF2B5EF4-FFF2-40B4-BE49-F238E27FC236}">
+                <a16:creationId xmlns:a16="http://schemas.microsoft.com/office/drawing/2014/main" id="{D8B23CD3-FF94-3AE2-D072-D069DEF32952}"/>
+              </a:ext>
+            </a:extLst>
+          </p:cNvPr>
+          <p:cNvPicPr>
+            <a:picLocks noChangeAspect="1"/>
+          </p:cNvPicPr>
+          <p:nvPr/>
+        </p:nvPicPr>
+        <p:blipFill>
+          <a:blip r:embed="rId5"/>
+          <a:stretch>
+            <a:fillRect/>
+          </a:stretch>
+        </p:blipFill>
+        <p:spPr>
+          <a:xfrm>
+            <a:off x="1219200" y="4597319"/>
+            <a:ext cx="3200400" cy="2408018"/>
+          </a:xfrm>
+          <a:prstGeom prst="rect">
+            <a:avLst/>
+          </a:prstGeom>
+        </p:spPr>
+      </p:pic>
+      <p:pic>
+        <p:nvPicPr>
+          <p:cNvPr id="10" name="Picture 9">
+            <a:extLst>
+              <a:ext uri="{FF2B5EF4-FFF2-40B4-BE49-F238E27FC236}">
+                <a16:creationId xmlns:a16="http://schemas.microsoft.com/office/drawing/2014/main" id="{3A59B1EB-1331-1429-1D7B-245C7A402070}"/>
+              </a:ext>
+            </a:extLst>
+          </p:cNvPr>
+          <p:cNvPicPr>
+            <a:picLocks noChangeAspect="1"/>
+          </p:cNvPicPr>
+          <p:nvPr/>
+        </p:nvPicPr>
+        <p:blipFill>
+          <a:blip r:embed="rId6"/>
+          <a:stretch>
+            <a:fillRect/>
+          </a:stretch>
+        </p:blipFill>
+        <p:spPr>
+          <a:xfrm>
+            <a:off x="4419600" y="4597319"/>
+            <a:ext cx="3200400" cy="2408018"/>
+          </a:xfrm>
+          <a:prstGeom prst="rect">
+            <a:avLst/>
+          </a:prstGeom>
+        </p:spPr>
+      </p:pic>
+    </p:spTree>
+    <p:extLst>
+      <p:ext uri="{BB962C8B-B14F-4D97-AF65-F5344CB8AC3E}">
+        <p14:creationId xmlns:p14="http://schemas.microsoft.com/office/powerpoint/2010/main" val="3673068230"/>
+      </p:ext>
+    </p:extLst>
+  </p:cSld>
+  <p:clrMapOvr>
+    <a:masterClrMapping/>
+  </p:clrMapOvr>
+  <p:transition spd="med" advTm="63997"/>
+</p:sld>
+</file>
+
+<file path=ppt/slides/slide8.xml><?xml version="1.0" encoding="utf-8"?>
+<p:sld xmlns:a="http://schemas.openxmlformats.org/drawingml/2006/main" xmlns:r="http://schemas.openxmlformats.org/officeDocument/2006/relationships" xmlns:p="http://schemas.openxmlformats.org/presentationml/2006/main">
+  <p:cSld>
+    <p:spTree>
+      <p:nvGrpSpPr>
         <p:cNvPr id="1" name="">
           <a:extLst>
             <a:ext uri="{FF2B5EF4-FFF2-40B4-BE49-F238E27FC236}">
@@ -35831,7 +36615,7 @@
 </p:sld>
 </file>
 
-<file path=ppt/slides/slide7.xml><?xml version="1.0" encoding="utf-8"?>
+<file path=ppt/slides/slide9.xml><?xml version="1.0" encoding="utf-8"?>
 <p:sld xmlns:a="http://schemas.openxmlformats.org/drawingml/2006/main" xmlns:r="http://schemas.openxmlformats.org/officeDocument/2006/relationships" xmlns:p="http://schemas.openxmlformats.org/presentationml/2006/main">
   <p:cSld>
     <p:spTree>
@@ -36117,850 +36901,6 @@
     <p:extLst>
       <p:ext uri="{BB962C8B-B14F-4D97-AF65-F5344CB8AC3E}">
         <p14:creationId xmlns:p14="http://schemas.microsoft.com/office/powerpoint/2010/main" val="1266517650"/>
-      </p:ext>
-    </p:extLst>
-  </p:cSld>
-  <p:clrMapOvr>
-    <a:masterClrMapping/>
-  </p:clrMapOvr>
-  <p:transition spd="med" advTm="63997"/>
-</p:sld>
-</file>
-
-<file path=ppt/slides/slide8.xml><?xml version="1.0" encoding="utf-8"?>
-<p:sld xmlns:a="http://schemas.openxmlformats.org/drawingml/2006/main" xmlns:r="http://schemas.openxmlformats.org/officeDocument/2006/relationships" xmlns:p="http://schemas.openxmlformats.org/presentationml/2006/main">
-  <p:cSld>
-    <p:spTree>
-      <p:nvGrpSpPr>
-        <p:cNvPr id="1" name="">
-          <a:extLst>
-            <a:ext uri="{FF2B5EF4-FFF2-40B4-BE49-F238E27FC236}">
-              <a16:creationId xmlns:a16="http://schemas.microsoft.com/office/drawing/2014/main" id="{E36FAF1C-FB3C-6E4F-3EF6-B91416465A30}"/>
-            </a:ext>
-          </a:extLst>
-        </p:cNvPr>
-        <p:cNvGrpSpPr/>
-        <p:nvPr/>
-      </p:nvGrpSpPr>
-      <p:grpSpPr>
-        <a:xfrm>
-          <a:off x="0" y="0"/>
-          <a:ext cx="0" cy="0"/>
-          <a:chOff x="0" y="0"/>
-          <a:chExt cx="0" cy="0"/>
-        </a:xfrm>
-      </p:grpSpPr>
-      <p:sp>
-        <p:nvSpPr>
-          <p:cNvPr id="2" name="Title 1">
-            <a:extLst>
-              <a:ext uri="{FF2B5EF4-FFF2-40B4-BE49-F238E27FC236}">
-                <a16:creationId xmlns:a16="http://schemas.microsoft.com/office/drawing/2014/main" id="{5ADC8DE3-593B-5208-402D-39D2452CA6CD}"/>
-              </a:ext>
-            </a:extLst>
-          </p:cNvPr>
-          <p:cNvSpPr>
-            <a:spLocks noGrp="1"/>
-          </p:cNvSpPr>
-          <p:nvPr>
-            <p:ph type="title"/>
-          </p:nvPr>
-        </p:nvSpPr>
-        <p:spPr>
-          <a:xfrm>
-            <a:off x="152400" y="152400"/>
-            <a:ext cx="8610600" cy="838200"/>
-          </a:xfrm>
-        </p:spPr>
-        <p:txBody>
-          <a:bodyPr/>
-          <a:lstStyle/>
-          <a:p>
-            <a:r>
-              <a:rPr lang="en-US" altLang="zh-CN" dirty="0"/>
-              <a:t>Channel</a:t>
-            </a:r>
-            <a:endParaRPr lang="zh-CN" altLang="en-US" dirty="0"/>
-          </a:p>
-        </p:txBody>
-      </p:sp>
-      <p:sp>
-        <p:nvSpPr>
-          <p:cNvPr id="7" name="内容占位符 2">
-            <a:extLst>
-              <a:ext uri="{FF2B5EF4-FFF2-40B4-BE49-F238E27FC236}">
-                <a16:creationId xmlns:a16="http://schemas.microsoft.com/office/drawing/2014/main" id="{F3384177-C1B6-3F19-F831-1205A5DA7337}"/>
-              </a:ext>
-            </a:extLst>
-          </p:cNvPr>
-          <p:cNvSpPr>
-            <a:spLocks noGrp="1"/>
-          </p:cNvSpPr>
-          <p:nvPr>
-            <p:ph idx="4294967295"/>
-          </p:nvPr>
-        </p:nvSpPr>
-        <p:spPr>
-          <a:xfrm>
-            <a:off x="93652" y="1068111"/>
-            <a:ext cx="9050348" cy="1979889"/>
-          </a:xfrm>
-        </p:spPr>
-        <p:txBody>
-          <a:bodyPr/>
-          <a:lstStyle/>
-          <a:p>
-            <a:r>
-              <a:rPr lang="en-US" altLang="zh-CN" sz="2400" dirty="0">
-                <a:latin typeface="+mn-lt"/>
-                <a:cs typeface="Times New Roman" panose="02020603050405020304" pitchFamily="18" charset="0"/>
-              </a:rPr>
-              <a:t>RETAU1000</a:t>
-            </a:r>
-            <a:endParaRPr lang="en-US" altLang="zh-CN" sz="2000" baseline="30000" dirty="0">
-              <a:latin typeface="+mn-lt"/>
-              <a:cs typeface="Times New Roman" panose="02020603050405020304" pitchFamily="18" charset="0"/>
-            </a:endParaRPr>
-          </a:p>
-          <a:p>
-            <a:pPr marL="457200" lvl="1" indent="0">
-              <a:buNone/>
-            </a:pPr>
-            <a:endParaRPr lang="en-US" altLang="zh-CN" sz="2000" baseline="30000" dirty="0">
-              <a:latin typeface="+mn-lt"/>
-              <a:cs typeface="Times New Roman" panose="02020603050405020304" pitchFamily="18" charset="0"/>
-            </a:endParaRPr>
-          </a:p>
-          <a:p>
-            <a:pPr marL="457200" lvl="1" indent="0">
-              <a:buNone/>
-            </a:pPr>
-            <a:endParaRPr lang="en-US" altLang="zh-CN" sz="2000" baseline="30000" dirty="0">
-              <a:latin typeface="+mn-lt"/>
-              <a:cs typeface="Times New Roman" panose="02020603050405020304" pitchFamily="18" charset="0"/>
-            </a:endParaRPr>
-          </a:p>
-          <a:p>
-            <a:pPr marL="457200" lvl="1" indent="0">
-              <a:buNone/>
-            </a:pPr>
-            <a:endParaRPr lang="en-US" altLang="zh-CN" sz="2000" baseline="30000" dirty="0">
-              <a:latin typeface="+mn-lt"/>
-              <a:cs typeface="Times New Roman" panose="02020603050405020304" pitchFamily="18" charset="0"/>
-            </a:endParaRPr>
-          </a:p>
-          <a:p>
-            <a:pPr marL="457200" lvl="1" indent="0">
-              <a:buNone/>
-            </a:pPr>
-            <a:endParaRPr lang="en-US" altLang="zh-CN" sz="2000" baseline="30000" dirty="0">
-              <a:latin typeface="+mn-lt"/>
-              <a:cs typeface="Times New Roman" panose="02020603050405020304" pitchFamily="18" charset="0"/>
-            </a:endParaRPr>
-          </a:p>
-          <a:p>
-            <a:pPr marL="457200" lvl="1" indent="0">
-              <a:buNone/>
-            </a:pPr>
-            <a:endParaRPr lang="en-US" altLang="zh-CN" sz="2000" baseline="30000" dirty="0">
-              <a:latin typeface="+mn-lt"/>
-              <a:cs typeface="Times New Roman" panose="02020603050405020304" pitchFamily="18" charset="0"/>
-            </a:endParaRPr>
-          </a:p>
-          <a:p>
-            <a:pPr marL="457200" lvl="1" indent="0">
-              <a:buNone/>
-            </a:pPr>
-            <a:endParaRPr lang="en-US" altLang="zh-CN" sz="2000" baseline="30000" dirty="0">
-              <a:latin typeface="+mn-lt"/>
-              <a:cs typeface="Times New Roman" panose="02020603050405020304" pitchFamily="18" charset="0"/>
-            </a:endParaRPr>
-          </a:p>
-          <a:p>
-            <a:pPr marL="457200" lvl="1" indent="0">
-              <a:buNone/>
-            </a:pPr>
-            <a:endParaRPr lang="en-US" altLang="zh-CN" sz="2000" baseline="30000" dirty="0">
-              <a:latin typeface="+mn-lt"/>
-              <a:cs typeface="Times New Roman" panose="02020603050405020304" pitchFamily="18" charset="0"/>
-            </a:endParaRPr>
-          </a:p>
-          <a:p>
-            <a:pPr>
-              <a:lnSpc>
-                <a:spcPct val="125000"/>
-              </a:lnSpc>
-            </a:pPr>
-            <a:endParaRPr lang="en-US" altLang="zh-CN" sz="2400" dirty="0">
-              <a:latin typeface="+mn-lt"/>
-              <a:cs typeface="Times New Roman" panose="02020603050405020304" pitchFamily="18" charset="0"/>
-            </a:endParaRPr>
-          </a:p>
-          <a:p>
-            <a:pPr marL="457200" lvl="1" indent="0">
-              <a:lnSpc>
-                <a:spcPct val="125000"/>
-              </a:lnSpc>
-              <a:buNone/>
-            </a:pPr>
-            <a:endParaRPr lang="en-US" altLang="zh-CN" sz="2000" dirty="0">
-              <a:latin typeface="+mn-lt"/>
-              <a:cs typeface="Times New Roman" panose="02020603050405020304" pitchFamily="18" charset="0"/>
-            </a:endParaRPr>
-          </a:p>
-        </p:txBody>
-      </p:sp>
-      <p:sp>
-        <p:nvSpPr>
-          <p:cNvPr id="9" name="Rectangle 2">
-            <a:extLst>
-              <a:ext uri="{FF2B5EF4-FFF2-40B4-BE49-F238E27FC236}">
-                <a16:creationId xmlns:a16="http://schemas.microsoft.com/office/drawing/2014/main" id="{CC5CEECD-70F9-A816-BDE0-0CF29A6F574A}"/>
-              </a:ext>
-            </a:extLst>
-          </p:cNvPr>
-          <p:cNvSpPr>
-            <a:spLocks noChangeArrowheads="1"/>
-          </p:cNvSpPr>
-          <p:nvPr/>
-        </p:nvSpPr>
-        <p:spPr bwMode="auto">
-          <a:xfrm>
-            <a:off x="0" y="0"/>
-            <a:ext cx="9144000" cy="0"/>
-          </a:xfrm>
-          <a:prstGeom prst="rect">
-            <a:avLst/>
-          </a:prstGeom>
-          <a:noFill/>
-          <a:ln>
-            <a:noFill/>
-          </a:ln>
-          <a:effectLst/>
-          <a:extLst>
-            <a:ext uri="{909E8E84-426E-40DD-AFC4-6F175D3DCCD1}">
-              <a14:hiddenFill xmlns:a14="http://schemas.microsoft.com/office/drawing/2010/main">
-                <a:solidFill>
-                  <a:schemeClr val="accent1"/>
-                </a:solidFill>
-              </a14:hiddenFill>
-            </a:ext>
-            <a:ext uri="{91240B29-F687-4F45-9708-019B960494DF}">
-              <a14:hiddenLine xmlns:a14="http://schemas.microsoft.com/office/drawing/2010/main" w="9525">
-                <a:solidFill>
-                  <a:schemeClr val="tx1"/>
-                </a:solidFill>
-                <a:miter lim="800000"/>
-                <a:headEnd/>
-                <a:tailEnd/>
-              </a14:hiddenLine>
-            </a:ext>
-            <a:ext uri="{AF507438-7753-43E0-B8FC-AC1667EBCBE1}">
-              <a14:hiddenEffects xmlns:a14="http://schemas.microsoft.com/office/drawing/2010/main">
-                <a:effectLst>
-                  <a:outerShdw dist="35921" dir="2700000" algn="ctr" rotWithShape="0">
-                    <a:schemeClr val="bg2"/>
-                  </a:outerShdw>
-                </a:effectLst>
-              </a14:hiddenEffects>
-            </a:ext>
-          </a:extLst>
-        </p:spPr>
-        <p:txBody>
-          <a:bodyPr vert="horz" wrap="none" lIns="91440" tIns="45720" rIns="91440" bIns="45720" numCol="1" anchor="ctr" anchorCtr="0" compatLnSpc="1">
-            <a:prstTxWarp prst="textNoShape">
-              <a:avLst/>
-            </a:prstTxWarp>
-            <a:spAutoFit/>
-          </a:bodyPr>
-          <a:lstStyle/>
-          <a:p>
-            <a:endParaRPr lang="zh-CN" altLang="en-US"/>
-          </a:p>
-        </p:txBody>
-      </p:sp>
-      <p:pic>
-        <p:nvPicPr>
-          <p:cNvPr id="6" name="Picture 5">
-            <a:extLst>
-              <a:ext uri="{FF2B5EF4-FFF2-40B4-BE49-F238E27FC236}">
-                <a16:creationId xmlns:a16="http://schemas.microsoft.com/office/drawing/2014/main" id="{B59DF556-E795-2300-7F43-648997D04089}"/>
-              </a:ext>
-            </a:extLst>
-          </p:cNvPr>
-          <p:cNvPicPr>
-            <a:picLocks noChangeAspect="1"/>
-          </p:cNvPicPr>
-          <p:nvPr/>
-        </p:nvPicPr>
-        <p:blipFill>
-          <a:blip r:embed="rId3"/>
-          <a:stretch>
-            <a:fillRect/>
-          </a:stretch>
-        </p:blipFill>
-        <p:spPr>
-          <a:xfrm>
-            <a:off x="914400" y="1676400"/>
-            <a:ext cx="3200400" cy="2372359"/>
-          </a:xfrm>
-          <a:prstGeom prst="rect">
-            <a:avLst/>
-          </a:prstGeom>
-        </p:spPr>
-      </p:pic>
-      <p:pic>
-        <p:nvPicPr>
-          <p:cNvPr id="4" name="Picture 3">
-            <a:extLst>
-              <a:ext uri="{FF2B5EF4-FFF2-40B4-BE49-F238E27FC236}">
-                <a16:creationId xmlns:a16="http://schemas.microsoft.com/office/drawing/2014/main" id="{BEB93039-8369-B913-4A11-AE5A4E08A72D}"/>
-              </a:ext>
-            </a:extLst>
-          </p:cNvPr>
-          <p:cNvPicPr>
-            <a:picLocks noChangeAspect="1"/>
-          </p:cNvPicPr>
-          <p:nvPr/>
-        </p:nvPicPr>
-        <p:blipFill>
-          <a:blip r:embed="rId4"/>
-          <a:stretch>
-            <a:fillRect/>
-          </a:stretch>
-        </p:blipFill>
-        <p:spPr>
-          <a:xfrm>
-            <a:off x="4114800" y="1676400"/>
-            <a:ext cx="3200400" cy="2397744"/>
-          </a:xfrm>
-          <a:prstGeom prst="rect">
-            <a:avLst/>
-          </a:prstGeom>
-        </p:spPr>
-      </p:pic>
-      <p:sp>
-        <p:nvSpPr>
-          <p:cNvPr id="5" name="TextBox 4">
-            <a:extLst>
-              <a:ext uri="{FF2B5EF4-FFF2-40B4-BE49-F238E27FC236}">
-                <a16:creationId xmlns:a16="http://schemas.microsoft.com/office/drawing/2014/main" id="{1E333F98-D969-7680-D0BE-D006F8E4AA33}"/>
-              </a:ext>
-            </a:extLst>
-          </p:cNvPr>
-          <p:cNvSpPr txBox="1"/>
-          <p:nvPr/>
-        </p:nvSpPr>
-        <p:spPr>
-          <a:xfrm>
-            <a:off x="4402469" y="1837912"/>
-            <a:ext cx="1184940" cy="369332"/>
-          </a:xfrm>
-          <a:prstGeom prst="rect">
-            <a:avLst/>
-          </a:prstGeom>
-          <a:noFill/>
-        </p:spPr>
-        <p:txBody>
-          <a:bodyPr wrap="none" rtlCol="0">
-            <a:spAutoFit/>
-          </a:bodyPr>
-          <a:lstStyle/>
-          <a:p>
-            <a:r>
-              <a:rPr lang="en-US" dirty="0"/>
-              <a:t>Neumann</a:t>
-            </a:r>
-          </a:p>
-        </p:txBody>
-      </p:sp>
-      <p:sp>
-        <p:nvSpPr>
-          <p:cNvPr id="8" name="TextBox 7">
-            <a:extLst>
-              <a:ext uri="{FF2B5EF4-FFF2-40B4-BE49-F238E27FC236}">
-                <a16:creationId xmlns:a16="http://schemas.microsoft.com/office/drawing/2014/main" id="{BEAADFC7-883F-BEFB-D78E-E7BE34CB3B01}"/>
-              </a:ext>
-            </a:extLst>
-          </p:cNvPr>
-          <p:cNvSpPr txBox="1"/>
-          <p:nvPr/>
-        </p:nvSpPr>
-        <p:spPr>
-          <a:xfrm>
-            <a:off x="1119589" y="1837912"/>
-            <a:ext cx="1317412" cy="369332"/>
-          </a:xfrm>
-          <a:prstGeom prst="rect">
-            <a:avLst/>
-          </a:prstGeom>
-          <a:noFill/>
-        </p:spPr>
-        <p:txBody>
-          <a:bodyPr wrap="none" rtlCol="0">
-            <a:spAutoFit/>
-          </a:bodyPr>
-          <a:lstStyle/>
-          <a:p>
-            <a:r>
-              <a:rPr lang="en-US" dirty="0"/>
-              <a:t>Wall model</a:t>
-            </a:r>
-          </a:p>
-        </p:txBody>
-      </p:sp>
-    </p:spTree>
-    <p:extLst>
-      <p:ext uri="{BB962C8B-B14F-4D97-AF65-F5344CB8AC3E}">
-        <p14:creationId xmlns:p14="http://schemas.microsoft.com/office/powerpoint/2010/main" val="3546392556"/>
-      </p:ext>
-    </p:extLst>
-  </p:cSld>
-  <p:clrMapOvr>
-    <a:masterClrMapping/>
-  </p:clrMapOvr>
-  <p:transition spd="med" advTm="63997"/>
-</p:sld>
-</file>
-
-<file path=ppt/slides/slide9.xml><?xml version="1.0" encoding="utf-8"?>
-<p:sld xmlns:a="http://schemas.openxmlformats.org/drawingml/2006/main" xmlns:r="http://schemas.openxmlformats.org/officeDocument/2006/relationships" xmlns:p="http://schemas.openxmlformats.org/presentationml/2006/main">
-  <p:cSld>
-    <p:spTree>
-      <p:nvGrpSpPr>
-        <p:cNvPr id="1" name="">
-          <a:extLst>
-            <a:ext uri="{FF2B5EF4-FFF2-40B4-BE49-F238E27FC236}">
-              <a16:creationId xmlns:a16="http://schemas.microsoft.com/office/drawing/2014/main" id="{E36FAF1C-FB3C-6E4F-3EF6-B91416465A30}"/>
-            </a:ext>
-          </a:extLst>
-        </p:cNvPr>
-        <p:cNvGrpSpPr/>
-        <p:nvPr/>
-      </p:nvGrpSpPr>
-      <p:grpSpPr>
-        <a:xfrm>
-          <a:off x="0" y="0"/>
-          <a:ext cx="0" cy="0"/>
-          <a:chOff x="0" y="0"/>
-          <a:chExt cx="0" cy="0"/>
-        </a:xfrm>
-      </p:grpSpPr>
-      <p:sp>
-        <p:nvSpPr>
-          <p:cNvPr id="2" name="Title 1">
-            <a:extLst>
-              <a:ext uri="{FF2B5EF4-FFF2-40B4-BE49-F238E27FC236}">
-                <a16:creationId xmlns:a16="http://schemas.microsoft.com/office/drawing/2014/main" id="{5ADC8DE3-593B-5208-402D-39D2452CA6CD}"/>
-              </a:ext>
-            </a:extLst>
-          </p:cNvPr>
-          <p:cNvSpPr>
-            <a:spLocks noGrp="1"/>
-          </p:cNvSpPr>
-          <p:nvPr>
-            <p:ph type="title"/>
-          </p:nvPr>
-        </p:nvSpPr>
-        <p:spPr>
-          <a:xfrm>
-            <a:off x="152400" y="152400"/>
-            <a:ext cx="8610600" cy="838200"/>
-          </a:xfrm>
-        </p:spPr>
-        <p:txBody>
-          <a:bodyPr/>
-          <a:lstStyle/>
-          <a:p>
-            <a:r>
-              <a:rPr lang="en-US" altLang="zh-CN" dirty="0"/>
-              <a:t>Channel</a:t>
-            </a:r>
-            <a:endParaRPr lang="zh-CN" altLang="en-US" dirty="0"/>
-          </a:p>
-        </p:txBody>
-      </p:sp>
-      <p:pic>
-        <p:nvPicPr>
-          <p:cNvPr id="16" name="Picture 15">
-            <a:extLst>
-              <a:ext uri="{FF2B5EF4-FFF2-40B4-BE49-F238E27FC236}">
-                <a16:creationId xmlns:a16="http://schemas.microsoft.com/office/drawing/2014/main" id="{BE181C3B-8EE1-3C24-D08F-CC31E2A5BD83}"/>
-              </a:ext>
-            </a:extLst>
-          </p:cNvPr>
-          <p:cNvPicPr>
-            <a:picLocks noChangeAspect="1"/>
-          </p:cNvPicPr>
-          <p:nvPr/>
-        </p:nvPicPr>
-        <p:blipFill>
-          <a:blip r:embed="rId3"/>
-          <a:stretch>
-            <a:fillRect/>
-          </a:stretch>
-        </p:blipFill>
-        <p:spPr>
-          <a:xfrm>
-            <a:off x="2209800" y="2438400"/>
-            <a:ext cx="3200400" cy="2392631"/>
-          </a:xfrm>
-          <a:prstGeom prst="rect">
-            <a:avLst/>
-          </a:prstGeom>
-        </p:spPr>
-      </p:pic>
-      <p:sp>
-        <p:nvSpPr>
-          <p:cNvPr id="17" name="内容占位符 2">
-            <a:extLst>
-              <a:ext uri="{FF2B5EF4-FFF2-40B4-BE49-F238E27FC236}">
-                <a16:creationId xmlns:a16="http://schemas.microsoft.com/office/drawing/2014/main" id="{D7E08BCD-AEE7-9056-0B15-7EFBABD31162}"/>
-              </a:ext>
-            </a:extLst>
-          </p:cNvPr>
-          <p:cNvSpPr txBox="1">
-            <a:spLocks/>
-          </p:cNvSpPr>
-          <p:nvPr/>
-        </p:nvSpPr>
-        <p:spPr bwMode="auto">
-          <a:xfrm>
-            <a:off x="93652" y="1068111"/>
-            <a:ext cx="9050348" cy="1979889"/>
-          </a:xfrm>
-          <a:prstGeom prst="rect">
-            <a:avLst/>
-          </a:prstGeom>
-          <a:noFill/>
-          <a:ln>
-            <a:noFill/>
-          </a:ln>
-          <a:extLst>
-            <a:ext uri="{909E8E84-426E-40DD-AFC4-6F175D3DCCD1}">
-              <a14:hiddenFill xmlns:a14="http://schemas.microsoft.com/office/drawing/2010/main">
-                <a:solidFill>
-                  <a:srgbClr val="FFFFFF"/>
-                </a:solidFill>
-              </a14:hiddenFill>
-            </a:ext>
-            <a:ext uri="{91240B29-F687-4F45-9708-019B960494DF}">
-              <a14:hiddenLine xmlns:a14="http://schemas.microsoft.com/office/drawing/2010/main" w="28575">
-                <a:solidFill>
-                  <a:srgbClr val="000000"/>
-                </a:solidFill>
-                <a:miter lim="800000"/>
-                <a:headEnd/>
-                <a:tailEnd/>
-              </a14:hiddenLine>
-            </a:ext>
-          </a:extLst>
-        </p:spPr>
-        <p:txBody>
-          <a:bodyPr vert="horz" wrap="square" lIns="91440" tIns="45720" rIns="91440" bIns="45720" numCol="1" anchor="t" anchorCtr="0" compatLnSpc="1">
-            <a:prstTxWarp prst="textNoShape">
-              <a:avLst/>
-            </a:prstTxWarp>
-          </a:bodyPr>
-          <a:lstStyle>
-            <a:lvl1pPr marL="342900" indent="-342900" algn="l" rtl="0" eaLnBrk="1" fontAlgn="base" hangingPunct="1">
-              <a:spcBef>
-                <a:spcPct val="30000"/>
-              </a:spcBef>
-              <a:spcAft>
-                <a:spcPct val="0"/>
-              </a:spcAft>
-              <a:buClr>
-                <a:schemeClr val="hlink"/>
-              </a:buClr>
-              <a:buFont typeface="Wingdings" pitchFamily="2" charset="2"/>
-              <a:buChar char="§"/>
-              <a:defRPr sz="3200">
-                <a:solidFill>
-                  <a:srgbClr val="000066"/>
-                </a:solidFill>
-                <a:latin typeface="微软雅黑" pitchFamily="34" charset="-122"/>
-                <a:ea typeface="微软雅黑" pitchFamily="34" charset="-122"/>
-                <a:cs typeface="+mn-cs"/>
-              </a:defRPr>
-            </a:lvl1pPr>
-            <a:lvl2pPr marL="742950" indent="-285750" algn="l" rtl="0" eaLnBrk="1" fontAlgn="base" hangingPunct="1">
-              <a:spcBef>
-                <a:spcPct val="30000"/>
-              </a:spcBef>
-              <a:spcAft>
-                <a:spcPct val="0"/>
-              </a:spcAft>
-              <a:buClr>
-                <a:schemeClr val="tx2"/>
-              </a:buClr>
-              <a:buSzPct val="85000"/>
-              <a:buFont typeface="Wingdings" pitchFamily="2" charset="2"/>
-              <a:buChar char="Ø"/>
-              <a:defRPr sz="2800">
-                <a:solidFill>
-                  <a:srgbClr val="006666"/>
-                </a:solidFill>
-                <a:latin typeface="微软雅黑" pitchFamily="34" charset="-122"/>
-                <a:ea typeface="微软雅黑" pitchFamily="34" charset="-122"/>
-              </a:defRPr>
-            </a:lvl2pPr>
-            <a:lvl3pPr marL="1143000" indent="-228600" algn="l" rtl="0" eaLnBrk="1" fontAlgn="base" hangingPunct="1">
-              <a:spcBef>
-                <a:spcPct val="30000"/>
-              </a:spcBef>
-              <a:spcAft>
-                <a:spcPct val="0"/>
-              </a:spcAft>
-              <a:buClr>
-                <a:schemeClr val="hlink"/>
-              </a:buClr>
-              <a:buSzPct val="95000"/>
-              <a:buFont typeface="Wingdings 2" pitchFamily="18" charset="2"/>
-              <a:buChar char="¡"/>
-              <a:defRPr sz="2400">
-                <a:solidFill>
-                  <a:schemeClr val="hlink"/>
-                </a:solidFill>
-                <a:latin typeface="微软雅黑" pitchFamily="34" charset="-122"/>
-                <a:ea typeface="微软雅黑" pitchFamily="34" charset="-122"/>
-              </a:defRPr>
-            </a:lvl3pPr>
-            <a:lvl4pPr marL="1600200" indent="-228600" algn="l" rtl="0" eaLnBrk="1" fontAlgn="base" hangingPunct="1">
-              <a:spcBef>
-                <a:spcPct val="30000"/>
-              </a:spcBef>
-              <a:spcAft>
-                <a:spcPct val="0"/>
-              </a:spcAft>
-              <a:buClr>
-                <a:schemeClr val="tx2"/>
-              </a:buClr>
-              <a:buSzPct val="90000"/>
-              <a:buFont typeface="Wingdings" pitchFamily="2" charset="2"/>
-              <a:buChar char="Ø"/>
-              <a:defRPr sz="2000">
-                <a:solidFill>
-                  <a:srgbClr val="990099"/>
-                </a:solidFill>
-                <a:latin typeface="微软雅黑" pitchFamily="34" charset="-122"/>
-                <a:ea typeface="微软雅黑" pitchFamily="34" charset="-122"/>
-              </a:defRPr>
-            </a:lvl4pPr>
-            <a:lvl5pPr marL="2057400" indent="-228600" algn="l" rtl="0" eaLnBrk="1" fontAlgn="base" hangingPunct="1">
-              <a:spcBef>
-                <a:spcPct val="30000"/>
-              </a:spcBef>
-              <a:spcAft>
-                <a:spcPct val="0"/>
-              </a:spcAft>
-              <a:buClr>
-                <a:schemeClr val="hlink"/>
-              </a:buClr>
-              <a:buFont typeface="Wingdings 2" pitchFamily="18" charset="2"/>
-              <a:buChar char="¡"/>
-              <a:defRPr sz="2000">
-                <a:solidFill>
-                  <a:schemeClr val="tx1"/>
-                </a:solidFill>
-                <a:latin typeface="微软雅黑" pitchFamily="34" charset="-122"/>
-                <a:ea typeface="微软雅黑" pitchFamily="34" charset="-122"/>
-              </a:defRPr>
-            </a:lvl5pPr>
-            <a:lvl6pPr marL="2514600" indent="-228600" algn="l" rtl="0" eaLnBrk="1" fontAlgn="base" hangingPunct="1">
-              <a:spcBef>
-                <a:spcPct val="30000"/>
-              </a:spcBef>
-              <a:spcAft>
-                <a:spcPct val="0"/>
-              </a:spcAft>
-              <a:buClr>
-                <a:schemeClr val="hlink"/>
-              </a:buClr>
-              <a:buFont typeface="Wingdings 2" pitchFamily="18" charset="2"/>
-              <a:buChar char="¡"/>
-              <a:defRPr sz="2000">
-                <a:solidFill>
-                  <a:schemeClr val="tx1"/>
-                </a:solidFill>
-                <a:latin typeface="+mn-lt"/>
-                <a:ea typeface="+mn-ea"/>
-              </a:defRPr>
-            </a:lvl6pPr>
-            <a:lvl7pPr marL="2971800" indent="-228600" algn="l" rtl="0" eaLnBrk="1" fontAlgn="base" hangingPunct="1">
-              <a:spcBef>
-                <a:spcPct val="30000"/>
-              </a:spcBef>
-              <a:spcAft>
-                <a:spcPct val="0"/>
-              </a:spcAft>
-              <a:buClr>
-                <a:schemeClr val="hlink"/>
-              </a:buClr>
-              <a:buFont typeface="Wingdings 2" pitchFamily="18" charset="2"/>
-              <a:buChar char="¡"/>
-              <a:defRPr sz="2000">
-                <a:solidFill>
-                  <a:schemeClr val="tx1"/>
-                </a:solidFill>
-                <a:latin typeface="+mn-lt"/>
-                <a:ea typeface="+mn-ea"/>
-              </a:defRPr>
-            </a:lvl7pPr>
-            <a:lvl8pPr marL="3429000" indent="-228600" algn="l" rtl="0" eaLnBrk="1" fontAlgn="base" hangingPunct="1">
-              <a:spcBef>
-                <a:spcPct val="30000"/>
-              </a:spcBef>
-              <a:spcAft>
-                <a:spcPct val="0"/>
-              </a:spcAft>
-              <a:buClr>
-                <a:schemeClr val="hlink"/>
-              </a:buClr>
-              <a:buFont typeface="Wingdings 2" pitchFamily="18" charset="2"/>
-              <a:buChar char="¡"/>
-              <a:defRPr sz="2000">
-                <a:solidFill>
-                  <a:schemeClr val="tx1"/>
-                </a:solidFill>
-                <a:latin typeface="+mn-lt"/>
-                <a:ea typeface="+mn-ea"/>
-              </a:defRPr>
-            </a:lvl8pPr>
-            <a:lvl9pPr marL="3886200" indent="-228600" algn="l" rtl="0" eaLnBrk="1" fontAlgn="base" hangingPunct="1">
-              <a:spcBef>
-                <a:spcPct val="30000"/>
-              </a:spcBef>
-              <a:spcAft>
-                <a:spcPct val="0"/>
-              </a:spcAft>
-              <a:buClr>
-                <a:schemeClr val="hlink"/>
-              </a:buClr>
-              <a:buFont typeface="Wingdings 2" pitchFamily="18" charset="2"/>
-              <a:buChar char="¡"/>
-              <a:defRPr sz="2000">
-                <a:solidFill>
-                  <a:schemeClr val="tx1"/>
-                </a:solidFill>
-                <a:latin typeface="+mn-lt"/>
-                <a:ea typeface="+mn-ea"/>
-              </a:defRPr>
-            </a:lvl9pPr>
-          </a:lstStyle>
-          <a:p>
-            <a:r>
-              <a:rPr lang="en-US" altLang="zh-CN" sz="2400" kern="0">
-                <a:latin typeface="+mn-lt"/>
-                <a:cs typeface="Times New Roman" panose="02020603050405020304" pitchFamily="18" charset="0"/>
-              </a:rPr>
-              <a:t>RETAU1000</a:t>
-            </a:r>
-            <a:endParaRPr lang="en-US" altLang="zh-CN" sz="2000" kern="0" baseline="30000">
-              <a:latin typeface="+mn-lt"/>
-              <a:cs typeface="Times New Roman" panose="02020603050405020304" pitchFamily="18" charset="0"/>
-            </a:endParaRPr>
-          </a:p>
-          <a:p>
-            <a:pPr marL="457200" lvl="1" indent="0">
-              <a:buFont typeface="Wingdings" pitchFamily="2" charset="2"/>
-              <a:buNone/>
-            </a:pPr>
-            <a:endParaRPr lang="en-US" altLang="zh-CN" sz="2000" kern="0" baseline="30000">
-              <a:latin typeface="+mn-lt"/>
-              <a:cs typeface="Times New Roman" panose="02020603050405020304" pitchFamily="18" charset="0"/>
-            </a:endParaRPr>
-          </a:p>
-          <a:p>
-            <a:pPr marL="457200" lvl="1" indent="0">
-              <a:buFont typeface="Wingdings" pitchFamily="2" charset="2"/>
-              <a:buNone/>
-            </a:pPr>
-            <a:endParaRPr lang="en-US" altLang="zh-CN" sz="2000" kern="0" baseline="30000">
-              <a:latin typeface="+mn-lt"/>
-              <a:cs typeface="Times New Roman" panose="02020603050405020304" pitchFamily="18" charset="0"/>
-            </a:endParaRPr>
-          </a:p>
-          <a:p>
-            <a:pPr marL="457200" lvl="1" indent="0">
-              <a:buFont typeface="Wingdings" pitchFamily="2" charset="2"/>
-              <a:buNone/>
-            </a:pPr>
-            <a:endParaRPr lang="en-US" altLang="zh-CN" sz="2000" kern="0" baseline="30000">
-              <a:latin typeface="+mn-lt"/>
-              <a:cs typeface="Times New Roman" panose="02020603050405020304" pitchFamily="18" charset="0"/>
-            </a:endParaRPr>
-          </a:p>
-          <a:p>
-            <a:pPr marL="457200" lvl="1" indent="0">
-              <a:buFont typeface="Wingdings" pitchFamily="2" charset="2"/>
-              <a:buNone/>
-            </a:pPr>
-            <a:endParaRPr lang="en-US" altLang="zh-CN" sz="2000" kern="0" baseline="30000">
-              <a:latin typeface="+mn-lt"/>
-              <a:cs typeface="Times New Roman" panose="02020603050405020304" pitchFamily="18" charset="0"/>
-            </a:endParaRPr>
-          </a:p>
-          <a:p>
-            <a:pPr marL="457200" lvl="1" indent="0">
-              <a:buFont typeface="Wingdings" pitchFamily="2" charset="2"/>
-              <a:buNone/>
-            </a:pPr>
-            <a:endParaRPr lang="en-US" altLang="zh-CN" sz="2000" kern="0" baseline="30000">
-              <a:latin typeface="+mn-lt"/>
-              <a:cs typeface="Times New Roman" panose="02020603050405020304" pitchFamily="18" charset="0"/>
-            </a:endParaRPr>
-          </a:p>
-          <a:p>
-            <a:pPr marL="457200" lvl="1" indent="0">
-              <a:buFont typeface="Wingdings" pitchFamily="2" charset="2"/>
-              <a:buNone/>
-            </a:pPr>
-            <a:endParaRPr lang="en-US" altLang="zh-CN" sz="2000" kern="0" baseline="30000">
-              <a:latin typeface="+mn-lt"/>
-              <a:cs typeface="Times New Roman" panose="02020603050405020304" pitchFamily="18" charset="0"/>
-            </a:endParaRPr>
-          </a:p>
-          <a:p>
-            <a:pPr marL="457200" lvl="1" indent="0">
-              <a:buFont typeface="Wingdings" pitchFamily="2" charset="2"/>
-              <a:buNone/>
-            </a:pPr>
-            <a:endParaRPr lang="en-US" altLang="zh-CN" sz="2000" kern="0" baseline="30000">
-              <a:latin typeface="+mn-lt"/>
-              <a:cs typeface="Times New Roman" panose="02020603050405020304" pitchFamily="18" charset="0"/>
-            </a:endParaRPr>
-          </a:p>
-          <a:p>
-            <a:pPr>
-              <a:lnSpc>
-                <a:spcPct val="125000"/>
-              </a:lnSpc>
-            </a:pPr>
-            <a:endParaRPr lang="en-US" altLang="zh-CN" sz="2400" kern="0">
-              <a:latin typeface="+mn-lt"/>
-              <a:cs typeface="Times New Roman" panose="02020603050405020304" pitchFamily="18" charset="0"/>
-            </a:endParaRPr>
-          </a:p>
-          <a:p>
-            <a:pPr marL="457200" lvl="1" indent="0">
-              <a:lnSpc>
-                <a:spcPct val="125000"/>
-              </a:lnSpc>
-              <a:buFont typeface="Wingdings" pitchFamily="2" charset="2"/>
-              <a:buNone/>
-            </a:pPr>
-            <a:endParaRPr lang="en-US" altLang="zh-CN" sz="2000" kern="0" dirty="0">
-              <a:latin typeface="+mn-lt"/>
-              <a:cs typeface="Times New Roman" panose="02020603050405020304" pitchFamily="18" charset="0"/>
-            </a:endParaRPr>
-          </a:p>
-        </p:txBody>
-      </p:sp>
-    </p:spTree>
-    <p:extLst>
-      <p:ext uri="{BB962C8B-B14F-4D97-AF65-F5344CB8AC3E}">
-        <p14:creationId xmlns:p14="http://schemas.microsoft.com/office/powerpoint/2010/main" val="1503813011"/>
       </p:ext>
     </p:extLst>
   </p:cSld>

--- a/docs/vv.pptx
+++ b/docs/vv.pptx
@@ -12,31 +12,31 @@
   </p:handoutMasterIdLst>
   <p:sldIdLst>
     <p:sldId id="256" r:id="rId2"/>
-    <p:sldId id="647" r:id="rId3"/>
-    <p:sldId id="654" r:id="rId4"/>
-    <p:sldId id="665" r:id="rId5"/>
-    <p:sldId id="671" r:id="rId6"/>
-    <p:sldId id="672" r:id="rId7"/>
-    <p:sldId id="674" r:id="rId8"/>
-    <p:sldId id="648" r:id="rId9"/>
-    <p:sldId id="666" r:id="rId10"/>
-    <p:sldId id="650" r:id="rId11"/>
-    <p:sldId id="667" r:id="rId12"/>
-    <p:sldId id="645" r:id="rId13"/>
-    <p:sldId id="658" r:id="rId14"/>
-    <p:sldId id="669" r:id="rId15"/>
-    <p:sldId id="673" r:id="rId16"/>
-    <p:sldId id="661" r:id="rId17"/>
-    <p:sldId id="662" r:id="rId18"/>
-    <p:sldId id="676" r:id="rId19"/>
-    <p:sldId id="663" r:id="rId20"/>
+    <p:sldId id="665" r:id="rId3"/>
+    <p:sldId id="671" r:id="rId4"/>
+    <p:sldId id="672" r:id="rId5"/>
+    <p:sldId id="674" r:id="rId6"/>
+    <p:sldId id="666" r:id="rId7"/>
+    <p:sldId id="677" r:id="rId8"/>
+    <p:sldId id="650" r:id="rId9"/>
+    <p:sldId id="667" r:id="rId10"/>
+    <p:sldId id="679" r:id="rId11"/>
+    <p:sldId id="645" r:id="rId12"/>
+    <p:sldId id="658" r:id="rId13"/>
+    <p:sldId id="669" r:id="rId14"/>
+    <p:sldId id="673" r:id="rId15"/>
+    <p:sldId id="661" r:id="rId16"/>
+    <p:sldId id="662" r:id="rId17"/>
+    <p:sldId id="676" r:id="rId18"/>
+    <p:sldId id="663" r:id="rId19"/>
+    <p:sldId id="678" r:id="rId20"/>
     <p:sldId id="668" r:id="rId21"/>
     <p:sldId id="670" r:id="rId22"/>
     <p:sldId id="664" r:id="rId23"/>
     <p:sldId id="675" r:id="rId24"/>
     <p:sldId id="655" r:id="rId25"/>
     <p:sldId id="649" r:id="rId26"/>
-    <p:sldId id="646" r:id="rId27"/>
+    <p:sldId id="680" r:id="rId27"/>
   </p:sldIdLst>
   <p:sldSz cx="9144000" cy="6858000" type="screen4x3"/>
   <p:notesSz cx="6797675" cy="9931400"/>
@@ -239,7 +239,7 @@
           <a:p>
             <a:fld id="{30C704EE-38E9-4E72-9BB6-71E8241CE3C0}" type="datetimeFigureOut">
               <a:rPr lang="en-US" smtClean="0"/>
-              <a:t>4/20/2024</a:t>
+              <a:t>4/24/2024</a:t>
             </a:fld>
             <a:endParaRPr lang="en-US"/>
           </a:p>
@@ -404,7 +404,7 @@
           <a:p>
             <a:fld id="{0D66AE9B-9EE2-43DA-9A8E-D2E5656B8B43}" type="datetimeFigureOut">
               <a:rPr lang="en-US" smtClean="0"/>
-              <a:t>4/20/2024</a:t>
+              <a:t>4/24/2024</a:t>
             </a:fld>
             <a:endParaRPr lang="en-US"/>
           </a:p>
@@ -823,7 +823,7 @@
           <a:p>
             <a:fld id="{FFA5E540-6D76-429F-95AD-C7F13B3CAC82}" type="slidenum">
               <a:rPr lang="en-US" smtClean="0"/>
-              <a:t>12</a:t>
+              <a:t>13</a:t>
             </a:fld>
             <a:endParaRPr lang="en-US" dirty="0"/>
           </a:p>
@@ -832,7 +832,7 @@
     </p:spTree>
     <p:extLst>
       <p:ext uri="{BB962C8B-B14F-4D97-AF65-F5344CB8AC3E}">
-        <p14:creationId xmlns:p14="http://schemas.microsoft.com/office/powerpoint/2010/main" val="2859619452"/>
+        <p14:creationId xmlns:p14="http://schemas.microsoft.com/office/powerpoint/2010/main" val="463014086"/>
       </p:ext>
     </p:extLst>
   </p:cSld>
@@ -910,7 +910,7 @@
           <a:p>
             <a:fld id="{FFA5E540-6D76-429F-95AD-C7F13B3CAC82}" type="slidenum">
               <a:rPr lang="en-US" smtClean="0"/>
-              <a:t>13</a:t>
+              <a:t>14</a:t>
             </a:fld>
             <a:endParaRPr lang="en-US" dirty="0"/>
           </a:p>
@@ -919,7 +919,7 @@
     </p:spTree>
     <p:extLst>
       <p:ext uri="{BB962C8B-B14F-4D97-AF65-F5344CB8AC3E}">
-        <p14:creationId xmlns:p14="http://schemas.microsoft.com/office/powerpoint/2010/main" val="903497370"/>
+        <p14:creationId xmlns:p14="http://schemas.microsoft.com/office/powerpoint/2010/main" val="3705224790"/>
       </p:ext>
     </p:extLst>
   </p:cSld>
@@ -997,7 +997,7 @@
           <a:p>
             <a:fld id="{FFA5E540-6D76-429F-95AD-C7F13B3CAC82}" type="slidenum">
               <a:rPr lang="en-US" smtClean="0"/>
-              <a:t>14</a:t>
+              <a:t>15</a:t>
             </a:fld>
             <a:endParaRPr lang="en-US" dirty="0"/>
           </a:p>
@@ -1006,7 +1006,7 @@
     </p:spTree>
     <p:extLst>
       <p:ext uri="{BB962C8B-B14F-4D97-AF65-F5344CB8AC3E}">
-        <p14:creationId xmlns:p14="http://schemas.microsoft.com/office/powerpoint/2010/main" val="463014086"/>
+        <p14:creationId xmlns:p14="http://schemas.microsoft.com/office/powerpoint/2010/main" val="104754045"/>
       </p:ext>
     </p:extLst>
   </p:cSld>
@@ -1084,7 +1084,7 @@
           <a:p>
             <a:fld id="{FFA5E540-6D76-429F-95AD-C7F13B3CAC82}" type="slidenum">
               <a:rPr lang="en-US" smtClean="0"/>
-              <a:t>15</a:t>
+              <a:t>16</a:t>
             </a:fld>
             <a:endParaRPr lang="en-US" dirty="0"/>
           </a:p>
@@ -1093,7 +1093,7 @@
     </p:spTree>
     <p:extLst>
       <p:ext uri="{BB962C8B-B14F-4D97-AF65-F5344CB8AC3E}">
-        <p14:creationId xmlns:p14="http://schemas.microsoft.com/office/powerpoint/2010/main" val="3705224790"/>
+        <p14:creationId xmlns:p14="http://schemas.microsoft.com/office/powerpoint/2010/main" val="9479848"/>
       </p:ext>
     </p:extLst>
   </p:cSld>
@@ -1171,7 +1171,7 @@
           <a:p>
             <a:fld id="{FFA5E540-6D76-429F-95AD-C7F13B3CAC82}" type="slidenum">
               <a:rPr lang="en-US" smtClean="0"/>
-              <a:t>16</a:t>
+              <a:t>17</a:t>
             </a:fld>
             <a:endParaRPr lang="en-US" dirty="0"/>
           </a:p>
@@ -1180,7 +1180,7 @@
     </p:spTree>
     <p:extLst>
       <p:ext uri="{BB962C8B-B14F-4D97-AF65-F5344CB8AC3E}">
-        <p14:creationId xmlns:p14="http://schemas.microsoft.com/office/powerpoint/2010/main" val="104754045"/>
+        <p14:creationId xmlns:p14="http://schemas.microsoft.com/office/powerpoint/2010/main" val="1390806527"/>
       </p:ext>
     </p:extLst>
   </p:cSld>
@@ -1258,7 +1258,7 @@
           <a:p>
             <a:fld id="{FFA5E540-6D76-429F-95AD-C7F13B3CAC82}" type="slidenum">
               <a:rPr lang="en-US" smtClean="0"/>
-              <a:t>17</a:t>
+              <a:t>18</a:t>
             </a:fld>
             <a:endParaRPr lang="en-US" dirty="0"/>
           </a:p>
@@ -1267,7 +1267,7 @@
     </p:spTree>
     <p:extLst>
       <p:ext uri="{BB962C8B-B14F-4D97-AF65-F5344CB8AC3E}">
-        <p14:creationId xmlns:p14="http://schemas.microsoft.com/office/powerpoint/2010/main" val="9479848"/>
+        <p14:creationId xmlns:p14="http://schemas.microsoft.com/office/powerpoint/2010/main" val="2934220991"/>
       </p:ext>
     </p:extLst>
   </p:cSld>
@@ -1345,7 +1345,7 @@
           <a:p>
             <a:fld id="{FFA5E540-6D76-429F-95AD-C7F13B3CAC82}" type="slidenum">
               <a:rPr lang="en-US" smtClean="0"/>
-              <a:t>18</a:t>
+              <a:t>19</a:t>
             </a:fld>
             <a:endParaRPr lang="en-US" dirty="0"/>
           </a:p>
@@ -1354,7 +1354,7 @@
     </p:spTree>
     <p:extLst>
       <p:ext uri="{BB962C8B-B14F-4D97-AF65-F5344CB8AC3E}">
-        <p14:creationId xmlns:p14="http://schemas.microsoft.com/office/powerpoint/2010/main" val="1390806527"/>
+        <p14:creationId xmlns:p14="http://schemas.microsoft.com/office/powerpoint/2010/main" val="2977735411"/>
       </p:ext>
     </p:extLst>
   </p:cSld>
@@ -1365,93 +1365,6 @@
 </file>
 
 <file path=ppt/notesSlides/notesSlide17.xml><?xml version="1.0" encoding="utf-8"?>
-<p:notes xmlns:a="http://schemas.openxmlformats.org/drawingml/2006/main" xmlns:r="http://schemas.openxmlformats.org/officeDocument/2006/relationships" xmlns:p="http://schemas.openxmlformats.org/presentationml/2006/main">
-  <p:cSld>
-    <p:spTree>
-      <p:nvGrpSpPr>
-        <p:cNvPr id="1" name=""/>
-        <p:cNvGrpSpPr/>
-        <p:nvPr/>
-      </p:nvGrpSpPr>
-      <p:grpSpPr>
-        <a:xfrm>
-          <a:off x="0" y="0"/>
-          <a:ext cx="0" cy="0"/>
-          <a:chOff x="0" y="0"/>
-          <a:chExt cx="0" cy="0"/>
-        </a:xfrm>
-      </p:grpSpPr>
-      <p:sp>
-        <p:nvSpPr>
-          <p:cNvPr id="2" name="Slide Image Placeholder 1"/>
-          <p:cNvSpPr>
-            <a:spLocks noGrp="1" noRot="1" noChangeAspect="1"/>
-          </p:cNvSpPr>
-          <p:nvPr>
-            <p:ph type="sldImg"/>
-          </p:nvPr>
-        </p:nvSpPr>
-        <p:spPr/>
-      </p:sp>
-      <p:sp>
-        <p:nvSpPr>
-          <p:cNvPr id="3" name="Notes Placeholder 2"/>
-          <p:cNvSpPr>
-            <a:spLocks noGrp="1"/>
-          </p:cNvSpPr>
-          <p:nvPr>
-            <p:ph type="body" idx="1"/>
-          </p:nvPr>
-        </p:nvSpPr>
-        <p:spPr/>
-        <p:txBody>
-          <a:bodyPr/>
-          <a:lstStyle/>
-          <a:p>
-            <a:pPr marL="0" indent="0">
-              <a:buNone/>
-            </a:pPr>
-            <a:endParaRPr lang="en-US" dirty="0"/>
-          </a:p>
-        </p:txBody>
-      </p:sp>
-      <p:sp>
-        <p:nvSpPr>
-          <p:cNvPr id="4" name="Slide Number Placeholder 3"/>
-          <p:cNvSpPr>
-            <a:spLocks noGrp="1"/>
-          </p:cNvSpPr>
-          <p:nvPr>
-            <p:ph type="sldNum" sz="quarter" idx="10"/>
-          </p:nvPr>
-        </p:nvSpPr>
-        <p:spPr/>
-        <p:txBody>
-          <a:bodyPr/>
-          <a:lstStyle/>
-          <a:p>
-            <a:fld id="{FFA5E540-6D76-429F-95AD-C7F13B3CAC82}" type="slidenum">
-              <a:rPr lang="en-US" smtClean="0"/>
-              <a:t>19</a:t>
-            </a:fld>
-            <a:endParaRPr lang="en-US" dirty="0"/>
-          </a:p>
-        </p:txBody>
-      </p:sp>
-    </p:spTree>
-    <p:extLst>
-      <p:ext uri="{BB962C8B-B14F-4D97-AF65-F5344CB8AC3E}">
-        <p14:creationId xmlns:p14="http://schemas.microsoft.com/office/powerpoint/2010/main" val="2934220991"/>
-      </p:ext>
-    </p:extLst>
-  </p:cSld>
-  <p:clrMapOvr>
-    <a:masterClrMapping/>
-  </p:clrMapOvr>
-</p:notes>
-</file>
-
-<file path=ppt/notesSlides/notesSlide18.xml><?xml version="1.0" encoding="utf-8"?>
 <p:notes xmlns:a="http://schemas.openxmlformats.org/drawingml/2006/main" xmlns:r="http://schemas.openxmlformats.org/officeDocument/2006/relationships" xmlns:p="http://schemas.openxmlformats.org/presentationml/2006/main">
   <p:cSld>
     <p:spTree>
@@ -1538,7 +1451,7 @@
 </p:notes>
 </file>
 
-<file path=ppt/notesSlides/notesSlide19.xml><?xml version="1.0" encoding="utf-8"?>
+<file path=ppt/notesSlides/notesSlide18.xml><?xml version="1.0" encoding="utf-8"?>
 <p:notes xmlns:a="http://schemas.openxmlformats.org/drawingml/2006/main" xmlns:r="http://schemas.openxmlformats.org/officeDocument/2006/relationships" xmlns:p="http://schemas.openxmlformats.org/presentationml/2006/main">
   <p:cSld>
     <p:spTree>
@@ -1625,115 +1538,7 @@
 </p:notes>
 </file>
 
-<file path=ppt/notesSlides/notesSlide2.xml><?xml version="1.0" encoding="utf-8"?>
-<p:notes xmlns:a="http://schemas.openxmlformats.org/drawingml/2006/main" xmlns:r="http://schemas.openxmlformats.org/officeDocument/2006/relationships" xmlns:p="http://schemas.openxmlformats.org/presentationml/2006/main">
-  <p:cSld>
-    <p:spTree>
-      <p:nvGrpSpPr>
-        <p:cNvPr id="1" name="">
-          <a:extLst>
-            <a:ext uri="{FF2B5EF4-FFF2-40B4-BE49-F238E27FC236}">
-              <a16:creationId xmlns:a16="http://schemas.microsoft.com/office/drawing/2014/main" id="{C0539071-8D93-3A67-E5E6-839A52716C05}"/>
-            </a:ext>
-          </a:extLst>
-        </p:cNvPr>
-        <p:cNvGrpSpPr/>
-        <p:nvPr/>
-      </p:nvGrpSpPr>
-      <p:grpSpPr>
-        <a:xfrm>
-          <a:off x="0" y="0"/>
-          <a:ext cx="0" cy="0"/>
-          <a:chOff x="0" y="0"/>
-          <a:chExt cx="0" cy="0"/>
-        </a:xfrm>
-      </p:grpSpPr>
-      <p:sp>
-        <p:nvSpPr>
-          <p:cNvPr id="2" name="Slide Image Placeholder 1">
-            <a:extLst>
-              <a:ext uri="{FF2B5EF4-FFF2-40B4-BE49-F238E27FC236}">
-                <a16:creationId xmlns:a16="http://schemas.microsoft.com/office/drawing/2014/main" id="{B8B33FB5-C957-6A2A-E241-6CAE11C70CC6}"/>
-              </a:ext>
-            </a:extLst>
-          </p:cNvPr>
-          <p:cNvSpPr>
-            <a:spLocks noGrp="1" noRot="1" noChangeAspect="1"/>
-          </p:cNvSpPr>
-          <p:nvPr>
-            <p:ph type="sldImg"/>
-          </p:nvPr>
-        </p:nvSpPr>
-        <p:spPr/>
-      </p:sp>
-      <p:sp>
-        <p:nvSpPr>
-          <p:cNvPr id="3" name="Notes Placeholder 2">
-            <a:extLst>
-              <a:ext uri="{FF2B5EF4-FFF2-40B4-BE49-F238E27FC236}">
-                <a16:creationId xmlns:a16="http://schemas.microsoft.com/office/drawing/2014/main" id="{FEB59A83-72B7-CD96-A274-198E3B94AE0E}"/>
-              </a:ext>
-            </a:extLst>
-          </p:cNvPr>
-          <p:cNvSpPr>
-            <a:spLocks noGrp="1"/>
-          </p:cNvSpPr>
-          <p:nvPr>
-            <p:ph type="body" idx="1"/>
-          </p:nvPr>
-        </p:nvSpPr>
-        <p:spPr/>
-        <p:txBody>
-          <a:bodyPr/>
-          <a:lstStyle/>
-          <a:p>
-            <a:endParaRPr lang="en-US" dirty="0"/>
-          </a:p>
-        </p:txBody>
-      </p:sp>
-      <p:sp>
-        <p:nvSpPr>
-          <p:cNvPr id="4" name="Slide Number Placeholder 3">
-            <a:extLst>
-              <a:ext uri="{FF2B5EF4-FFF2-40B4-BE49-F238E27FC236}">
-                <a16:creationId xmlns:a16="http://schemas.microsoft.com/office/drawing/2014/main" id="{368DAFB5-10FE-708F-A9E2-01070680B432}"/>
-              </a:ext>
-            </a:extLst>
-          </p:cNvPr>
-          <p:cNvSpPr>
-            <a:spLocks noGrp="1"/>
-          </p:cNvSpPr>
-          <p:nvPr>
-            <p:ph type="sldNum" sz="quarter" idx="10"/>
-          </p:nvPr>
-        </p:nvSpPr>
-        <p:spPr/>
-        <p:txBody>
-          <a:bodyPr/>
-          <a:lstStyle/>
-          <a:p>
-            <a:fld id="{FFA5E540-6D76-429F-95AD-C7F13B3CAC82}" type="slidenum">
-              <a:rPr lang="en-US" smtClean="0"/>
-              <a:t>2</a:t>
-            </a:fld>
-            <a:endParaRPr lang="en-US" dirty="0"/>
-          </a:p>
-        </p:txBody>
-      </p:sp>
-    </p:spTree>
-    <p:extLst>
-      <p:ext uri="{BB962C8B-B14F-4D97-AF65-F5344CB8AC3E}">
-        <p14:creationId xmlns:p14="http://schemas.microsoft.com/office/powerpoint/2010/main" val="3962452878"/>
-      </p:ext>
-    </p:extLst>
-  </p:cSld>
-  <p:clrMapOvr>
-    <a:masterClrMapping/>
-  </p:clrMapOvr>
-</p:notes>
-</file>
-
-<file path=ppt/notesSlides/notesSlide20.xml><?xml version="1.0" encoding="utf-8"?>
+<file path=ppt/notesSlides/notesSlide19.xml><?xml version="1.0" encoding="utf-8"?>
 <p:notes xmlns:a="http://schemas.openxmlformats.org/drawingml/2006/main" xmlns:r="http://schemas.openxmlformats.org/officeDocument/2006/relationships" xmlns:p="http://schemas.openxmlformats.org/presentationml/2006/main">
   <p:cSld>
     <p:spTree>
@@ -1844,7 +1649,115 @@
 </p:notes>
 </file>
 
-<file path=ppt/notesSlides/notesSlide21.xml><?xml version="1.0" encoding="utf-8"?>
+<file path=ppt/notesSlides/notesSlide2.xml><?xml version="1.0" encoding="utf-8"?>
+<p:notes xmlns:a="http://schemas.openxmlformats.org/drawingml/2006/main" xmlns:r="http://schemas.openxmlformats.org/officeDocument/2006/relationships" xmlns:p="http://schemas.openxmlformats.org/presentationml/2006/main">
+  <p:cSld>
+    <p:spTree>
+      <p:nvGrpSpPr>
+        <p:cNvPr id="1" name="">
+          <a:extLst>
+            <a:ext uri="{FF2B5EF4-FFF2-40B4-BE49-F238E27FC236}">
+              <a16:creationId xmlns:a16="http://schemas.microsoft.com/office/drawing/2014/main" id="{8ECF7FF1-8854-F297-74B9-24ACE8F21754}"/>
+            </a:ext>
+          </a:extLst>
+        </p:cNvPr>
+        <p:cNvGrpSpPr/>
+        <p:nvPr/>
+      </p:nvGrpSpPr>
+      <p:grpSpPr>
+        <a:xfrm>
+          <a:off x="0" y="0"/>
+          <a:ext cx="0" cy="0"/>
+          <a:chOff x="0" y="0"/>
+          <a:chExt cx="0" cy="0"/>
+        </a:xfrm>
+      </p:grpSpPr>
+      <p:sp>
+        <p:nvSpPr>
+          <p:cNvPr id="2" name="Slide Image Placeholder 1">
+            <a:extLst>
+              <a:ext uri="{FF2B5EF4-FFF2-40B4-BE49-F238E27FC236}">
+                <a16:creationId xmlns:a16="http://schemas.microsoft.com/office/drawing/2014/main" id="{390FB785-F836-E481-D65D-F4B0F3DBFCD2}"/>
+              </a:ext>
+            </a:extLst>
+          </p:cNvPr>
+          <p:cNvSpPr>
+            <a:spLocks noGrp="1" noRot="1" noChangeAspect="1"/>
+          </p:cNvSpPr>
+          <p:nvPr>
+            <p:ph type="sldImg"/>
+          </p:nvPr>
+        </p:nvSpPr>
+        <p:spPr/>
+      </p:sp>
+      <p:sp>
+        <p:nvSpPr>
+          <p:cNvPr id="3" name="Notes Placeholder 2">
+            <a:extLst>
+              <a:ext uri="{FF2B5EF4-FFF2-40B4-BE49-F238E27FC236}">
+                <a16:creationId xmlns:a16="http://schemas.microsoft.com/office/drawing/2014/main" id="{7EA6D145-500A-1E53-1042-7C31B367DB62}"/>
+              </a:ext>
+            </a:extLst>
+          </p:cNvPr>
+          <p:cNvSpPr>
+            <a:spLocks noGrp="1"/>
+          </p:cNvSpPr>
+          <p:nvPr>
+            <p:ph type="body" idx="1"/>
+          </p:nvPr>
+        </p:nvSpPr>
+        <p:spPr/>
+        <p:txBody>
+          <a:bodyPr/>
+          <a:lstStyle/>
+          <a:p>
+            <a:endParaRPr lang="en-US" dirty="0"/>
+          </a:p>
+        </p:txBody>
+      </p:sp>
+      <p:sp>
+        <p:nvSpPr>
+          <p:cNvPr id="4" name="Slide Number Placeholder 3">
+            <a:extLst>
+              <a:ext uri="{FF2B5EF4-FFF2-40B4-BE49-F238E27FC236}">
+                <a16:creationId xmlns:a16="http://schemas.microsoft.com/office/drawing/2014/main" id="{0603BF4F-AE6F-EDE2-032B-36F7B1E42813}"/>
+              </a:ext>
+            </a:extLst>
+          </p:cNvPr>
+          <p:cNvSpPr>
+            <a:spLocks noGrp="1"/>
+          </p:cNvSpPr>
+          <p:nvPr>
+            <p:ph type="sldNum" sz="quarter" idx="10"/>
+          </p:nvPr>
+        </p:nvSpPr>
+        <p:spPr/>
+        <p:txBody>
+          <a:bodyPr/>
+          <a:lstStyle/>
+          <a:p>
+            <a:fld id="{FFA5E540-6D76-429F-95AD-C7F13B3CAC82}" type="slidenum">
+              <a:rPr lang="en-US" smtClean="0"/>
+              <a:t>2</a:t>
+            </a:fld>
+            <a:endParaRPr lang="en-US" dirty="0"/>
+          </a:p>
+        </p:txBody>
+      </p:sp>
+    </p:spTree>
+    <p:extLst>
+      <p:ext uri="{BB962C8B-B14F-4D97-AF65-F5344CB8AC3E}">
+        <p14:creationId xmlns:p14="http://schemas.microsoft.com/office/powerpoint/2010/main" val="3177302094"/>
+      </p:ext>
+    </p:extLst>
+  </p:cSld>
+  <p:clrMapOvr>
+    <a:masterClrMapping/>
+  </p:clrMapOvr>
+</p:notes>
+</file>
+
+<file path=ppt/notesSlides/notesSlide20.xml><?xml version="1.0" encoding="utf-8"?>
 <p:notes xmlns:a="http://schemas.openxmlformats.org/drawingml/2006/main" xmlns:r="http://schemas.openxmlformats.org/officeDocument/2006/relationships" xmlns:p="http://schemas.openxmlformats.org/presentationml/2006/main">
   <p:cSld>
     <p:spTree>
@@ -1952,7 +1865,7 @@
 </p:notes>
 </file>
 
-<file path=ppt/notesSlides/notesSlide22.xml><?xml version="1.0" encoding="utf-8"?>
+<file path=ppt/notesSlides/notesSlide21.xml><?xml version="1.0" encoding="utf-8"?>
 <p:notes xmlns:a="http://schemas.openxmlformats.org/drawingml/2006/main" xmlns:r="http://schemas.openxmlformats.org/officeDocument/2006/relationships" xmlns:p="http://schemas.openxmlformats.org/presentationml/2006/main">
   <p:cSld>
     <p:spTree>
@@ -1960,7 +1873,7 @@
         <p:cNvPr id="1" name="">
           <a:extLst>
             <a:ext uri="{FF2B5EF4-FFF2-40B4-BE49-F238E27FC236}">
-              <a16:creationId xmlns:a16="http://schemas.microsoft.com/office/drawing/2014/main" id="{F4442583-C6E7-FF61-8F7E-B0F727F33744}"/>
+              <a16:creationId xmlns:a16="http://schemas.microsoft.com/office/drawing/2014/main" id="{C882B80B-CB29-A50D-A6FD-FD13EE274D25}"/>
             </a:ext>
           </a:extLst>
         </p:cNvPr>
@@ -1980,7 +1893,7 @@
           <p:cNvPr id="2" name="Slide Image Placeholder 1">
             <a:extLst>
               <a:ext uri="{FF2B5EF4-FFF2-40B4-BE49-F238E27FC236}">
-                <a16:creationId xmlns:a16="http://schemas.microsoft.com/office/drawing/2014/main" id="{00BB3B79-BBCF-9212-12B0-381DA028CBF0}"/>
+                <a16:creationId xmlns:a16="http://schemas.microsoft.com/office/drawing/2014/main" id="{3B4AD0FE-F436-7846-4C90-2D2DFA3BE74D}"/>
               </a:ext>
             </a:extLst>
           </p:cNvPr>
@@ -1998,7 +1911,7 @@
           <p:cNvPr id="3" name="Notes Placeholder 2">
             <a:extLst>
               <a:ext uri="{FF2B5EF4-FFF2-40B4-BE49-F238E27FC236}">
-                <a16:creationId xmlns:a16="http://schemas.microsoft.com/office/drawing/2014/main" id="{F80E693B-4CCB-1215-E00D-22D83C6857A3}"/>
+                <a16:creationId xmlns:a16="http://schemas.microsoft.com/office/drawing/2014/main" id="{C913C41C-7569-43A2-D2A2-9644A4B7406A}"/>
               </a:ext>
             </a:extLst>
           </p:cNvPr>
@@ -2023,7 +1936,7 @@
           <p:cNvPr id="4" name="Slide Number Placeholder 3">
             <a:extLst>
               <a:ext uri="{FF2B5EF4-FFF2-40B4-BE49-F238E27FC236}">
-                <a16:creationId xmlns:a16="http://schemas.microsoft.com/office/drawing/2014/main" id="{8D96BE29-B270-AAC9-4624-5A1E344C2D0C}"/>
+                <a16:creationId xmlns:a16="http://schemas.microsoft.com/office/drawing/2014/main" id="{4EC37134-B491-46FE-58C3-889B9BADFCED}"/>
               </a:ext>
             </a:extLst>
           </p:cNvPr>
@@ -2050,7 +1963,7 @@
     </p:spTree>
     <p:extLst>
       <p:ext uri="{BB962C8B-B14F-4D97-AF65-F5344CB8AC3E}">
-        <p14:creationId xmlns:p14="http://schemas.microsoft.com/office/powerpoint/2010/main" val="3090747838"/>
+        <p14:creationId xmlns:p14="http://schemas.microsoft.com/office/powerpoint/2010/main" val="855824319"/>
       </p:ext>
     </p:extLst>
   </p:cSld>
@@ -2061,222 +1974,6 @@
 </file>
 
 <file path=ppt/notesSlides/notesSlide3.xml><?xml version="1.0" encoding="utf-8"?>
-<p:notes xmlns:a="http://schemas.openxmlformats.org/drawingml/2006/main" xmlns:r="http://schemas.openxmlformats.org/officeDocument/2006/relationships" xmlns:p="http://schemas.openxmlformats.org/presentationml/2006/main">
-  <p:cSld>
-    <p:spTree>
-      <p:nvGrpSpPr>
-        <p:cNvPr id="1" name="">
-          <a:extLst>
-            <a:ext uri="{FF2B5EF4-FFF2-40B4-BE49-F238E27FC236}">
-              <a16:creationId xmlns:a16="http://schemas.microsoft.com/office/drawing/2014/main" id="{8ECF7FF1-8854-F297-74B9-24ACE8F21754}"/>
-            </a:ext>
-          </a:extLst>
-        </p:cNvPr>
-        <p:cNvGrpSpPr/>
-        <p:nvPr/>
-      </p:nvGrpSpPr>
-      <p:grpSpPr>
-        <a:xfrm>
-          <a:off x="0" y="0"/>
-          <a:ext cx="0" cy="0"/>
-          <a:chOff x="0" y="0"/>
-          <a:chExt cx="0" cy="0"/>
-        </a:xfrm>
-      </p:grpSpPr>
-      <p:sp>
-        <p:nvSpPr>
-          <p:cNvPr id="2" name="Slide Image Placeholder 1">
-            <a:extLst>
-              <a:ext uri="{FF2B5EF4-FFF2-40B4-BE49-F238E27FC236}">
-                <a16:creationId xmlns:a16="http://schemas.microsoft.com/office/drawing/2014/main" id="{390FB785-F836-E481-D65D-F4B0F3DBFCD2}"/>
-              </a:ext>
-            </a:extLst>
-          </p:cNvPr>
-          <p:cNvSpPr>
-            <a:spLocks noGrp="1" noRot="1" noChangeAspect="1"/>
-          </p:cNvSpPr>
-          <p:nvPr>
-            <p:ph type="sldImg"/>
-          </p:nvPr>
-        </p:nvSpPr>
-        <p:spPr/>
-      </p:sp>
-      <p:sp>
-        <p:nvSpPr>
-          <p:cNvPr id="3" name="Notes Placeholder 2">
-            <a:extLst>
-              <a:ext uri="{FF2B5EF4-FFF2-40B4-BE49-F238E27FC236}">
-                <a16:creationId xmlns:a16="http://schemas.microsoft.com/office/drawing/2014/main" id="{7EA6D145-500A-1E53-1042-7C31B367DB62}"/>
-              </a:ext>
-            </a:extLst>
-          </p:cNvPr>
-          <p:cNvSpPr>
-            <a:spLocks noGrp="1"/>
-          </p:cNvSpPr>
-          <p:nvPr>
-            <p:ph type="body" idx="1"/>
-          </p:nvPr>
-        </p:nvSpPr>
-        <p:spPr/>
-        <p:txBody>
-          <a:bodyPr/>
-          <a:lstStyle/>
-          <a:p>
-            <a:endParaRPr lang="en-US" dirty="0"/>
-          </a:p>
-        </p:txBody>
-      </p:sp>
-      <p:sp>
-        <p:nvSpPr>
-          <p:cNvPr id="4" name="Slide Number Placeholder 3">
-            <a:extLst>
-              <a:ext uri="{FF2B5EF4-FFF2-40B4-BE49-F238E27FC236}">
-                <a16:creationId xmlns:a16="http://schemas.microsoft.com/office/drawing/2014/main" id="{0603BF4F-AE6F-EDE2-032B-36F7B1E42813}"/>
-              </a:ext>
-            </a:extLst>
-          </p:cNvPr>
-          <p:cNvSpPr>
-            <a:spLocks noGrp="1"/>
-          </p:cNvSpPr>
-          <p:nvPr>
-            <p:ph type="sldNum" sz="quarter" idx="10"/>
-          </p:nvPr>
-        </p:nvSpPr>
-        <p:spPr/>
-        <p:txBody>
-          <a:bodyPr/>
-          <a:lstStyle/>
-          <a:p>
-            <a:fld id="{FFA5E540-6D76-429F-95AD-C7F13B3CAC82}" type="slidenum">
-              <a:rPr lang="en-US" smtClean="0"/>
-              <a:t>3</a:t>
-            </a:fld>
-            <a:endParaRPr lang="en-US" dirty="0"/>
-          </a:p>
-        </p:txBody>
-      </p:sp>
-    </p:spTree>
-    <p:extLst>
-      <p:ext uri="{BB962C8B-B14F-4D97-AF65-F5344CB8AC3E}">
-        <p14:creationId xmlns:p14="http://schemas.microsoft.com/office/powerpoint/2010/main" val="2602796576"/>
-      </p:ext>
-    </p:extLst>
-  </p:cSld>
-  <p:clrMapOvr>
-    <a:masterClrMapping/>
-  </p:clrMapOvr>
-</p:notes>
-</file>
-
-<file path=ppt/notesSlides/notesSlide4.xml><?xml version="1.0" encoding="utf-8"?>
-<p:notes xmlns:a="http://schemas.openxmlformats.org/drawingml/2006/main" xmlns:r="http://schemas.openxmlformats.org/officeDocument/2006/relationships" xmlns:p="http://schemas.openxmlformats.org/presentationml/2006/main">
-  <p:cSld>
-    <p:spTree>
-      <p:nvGrpSpPr>
-        <p:cNvPr id="1" name="">
-          <a:extLst>
-            <a:ext uri="{FF2B5EF4-FFF2-40B4-BE49-F238E27FC236}">
-              <a16:creationId xmlns:a16="http://schemas.microsoft.com/office/drawing/2014/main" id="{8ECF7FF1-8854-F297-74B9-24ACE8F21754}"/>
-            </a:ext>
-          </a:extLst>
-        </p:cNvPr>
-        <p:cNvGrpSpPr/>
-        <p:nvPr/>
-      </p:nvGrpSpPr>
-      <p:grpSpPr>
-        <a:xfrm>
-          <a:off x="0" y="0"/>
-          <a:ext cx="0" cy="0"/>
-          <a:chOff x="0" y="0"/>
-          <a:chExt cx="0" cy="0"/>
-        </a:xfrm>
-      </p:grpSpPr>
-      <p:sp>
-        <p:nvSpPr>
-          <p:cNvPr id="2" name="Slide Image Placeholder 1">
-            <a:extLst>
-              <a:ext uri="{FF2B5EF4-FFF2-40B4-BE49-F238E27FC236}">
-                <a16:creationId xmlns:a16="http://schemas.microsoft.com/office/drawing/2014/main" id="{390FB785-F836-E481-D65D-F4B0F3DBFCD2}"/>
-              </a:ext>
-            </a:extLst>
-          </p:cNvPr>
-          <p:cNvSpPr>
-            <a:spLocks noGrp="1" noRot="1" noChangeAspect="1"/>
-          </p:cNvSpPr>
-          <p:nvPr>
-            <p:ph type="sldImg"/>
-          </p:nvPr>
-        </p:nvSpPr>
-        <p:spPr/>
-      </p:sp>
-      <p:sp>
-        <p:nvSpPr>
-          <p:cNvPr id="3" name="Notes Placeholder 2">
-            <a:extLst>
-              <a:ext uri="{FF2B5EF4-FFF2-40B4-BE49-F238E27FC236}">
-                <a16:creationId xmlns:a16="http://schemas.microsoft.com/office/drawing/2014/main" id="{7EA6D145-500A-1E53-1042-7C31B367DB62}"/>
-              </a:ext>
-            </a:extLst>
-          </p:cNvPr>
-          <p:cNvSpPr>
-            <a:spLocks noGrp="1"/>
-          </p:cNvSpPr>
-          <p:nvPr>
-            <p:ph type="body" idx="1"/>
-          </p:nvPr>
-        </p:nvSpPr>
-        <p:spPr/>
-        <p:txBody>
-          <a:bodyPr/>
-          <a:lstStyle/>
-          <a:p>
-            <a:endParaRPr lang="en-US" dirty="0"/>
-          </a:p>
-        </p:txBody>
-      </p:sp>
-      <p:sp>
-        <p:nvSpPr>
-          <p:cNvPr id="4" name="Slide Number Placeholder 3">
-            <a:extLst>
-              <a:ext uri="{FF2B5EF4-FFF2-40B4-BE49-F238E27FC236}">
-                <a16:creationId xmlns:a16="http://schemas.microsoft.com/office/drawing/2014/main" id="{0603BF4F-AE6F-EDE2-032B-36F7B1E42813}"/>
-              </a:ext>
-            </a:extLst>
-          </p:cNvPr>
-          <p:cNvSpPr>
-            <a:spLocks noGrp="1"/>
-          </p:cNvSpPr>
-          <p:nvPr>
-            <p:ph type="sldNum" sz="quarter" idx="10"/>
-          </p:nvPr>
-        </p:nvSpPr>
-        <p:spPr/>
-        <p:txBody>
-          <a:bodyPr/>
-          <a:lstStyle/>
-          <a:p>
-            <a:fld id="{FFA5E540-6D76-429F-95AD-C7F13B3CAC82}" type="slidenum">
-              <a:rPr lang="en-US" smtClean="0"/>
-              <a:t>4</a:t>
-            </a:fld>
-            <a:endParaRPr lang="en-US" dirty="0"/>
-          </a:p>
-        </p:txBody>
-      </p:sp>
-    </p:spTree>
-    <p:extLst>
-      <p:ext uri="{BB962C8B-B14F-4D97-AF65-F5344CB8AC3E}">
-        <p14:creationId xmlns:p14="http://schemas.microsoft.com/office/powerpoint/2010/main" val="3177302094"/>
-      </p:ext>
-    </p:extLst>
-  </p:cSld>
-  <p:clrMapOvr>
-    <a:masterClrMapping/>
-  </p:clrMapOvr>
-</p:notes>
-</file>
-
-<file path=ppt/notesSlides/notesSlide5.xml><?xml version="1.0" encoding="utf-8"?>
 <p:notes xmlns:a="http://schemas.openxmlformats.org/drawingml/2006/main" xmlns:r="http://schemas.openxmlformats.org/officeDocument/2006/relationships" xmlns:p="http://schemas.openxmlformats.org/presentationml/2006/main">
   <p:cSld>
     <p:spTree>
@@ -2344,7 +2041,7 @@
           <a:p>
             <a:fld id="{FFA5E540-6D76-429F-95AD-C7F13B3CAC82}" type="slidenum">
               <a:rPr lang="en-US" smtClean="0"/>
-              <a:t>7</a:t>
+              <a:t>5</a:t>
             </a:fld>
             <a:endParaRPr lang="en-US" dirty="0"/>
           </a:p>
@@ -2363,7 +2060,7 @@
 </p:notes>
 </file>
 
-<file path=ppt/notesSlides/notesSlide6.xml><?xml version="1.0" encoding="utf-8"?>
+<file path=ppt/notesSlides/notesSlide4.xml><?xml version="1.0" encoding="utf-8"?>
 <p:notes xmlns:a="http://schemas.openxmlformats.org/drawingml/2006/main" xmlns:r="http://schemas.openxmlformats.org/officeDocument/2006/relationships" xmlns:p="http://schemas.openxmlformats.org/presentationml/2006/main">
   <p:cSld>
     <p:spTree>
@@ -2452,7 +2149,7 @@
           <a:p>
             <a:fld id="{FFA5E540-6D76-429F-95AD-C7F13B3CAC82}" type="slidenum">
               <a:rPr lang="en-US" smtClean="0"/>
-              <a:t>8</a:t>
+              <a:t>6</a:t>
             </a:fld>
             <a:endParaRPr lang="en-US" dirty="0"/>
           </a:p>
@@ -2461,7 +2158,7 @@
     </p:spTree>
     <p:extLst>
       <p:ext uri="{BB962C8B-B14F-4D97-AF65-F5344CB8AC3E}">
-        <p14:creationId xmlns:p14="http://schemas.microsoft.com/office/powerpoint/2010/main" val="1780762574"/>
+        <p14:creationId xmlns:p14="http://schemas.microsoft.com/office/powerpoint/2010/main" val="2278068725"/>
       </p:ext>
     </p:extLst>
   </p:cSld>
@@ -2471,7 +2168,7 @@
 </p:notes>
 </file>
 
-<file path=ppt/notesSlides/notesSlide7.xml><?xml version="1.0" encoding="utf-8"?>
+<file path=ppt/notesSlides/notesSlide5.xml><?xml version="1.0" encoding="utf-8"?>
 <p:notes xmlns:a="http://schemas.openxmlformats.org/drawingml/2006/main" xmlns:r="http://schemas.openxmlformats.org/officeDocument/2006/relationships" xmlns:p="http://schemas.openxmlformats.org/presentationml/2006/main">
   <p:cSld>
     <p:spTree>
@@ -2479,7 +2176,7 @@
         <p:cNvPr id="1" name="">
           <a:extLst>
             <a:ext uri="{FF2B5EF4-FFF2-40B4-BE49-F238E27FC236}">
-              <a16:creationId xmlns:a16="http://schemas.microsoft.com/office/drawing/2014/main" id="{B82CD7DD-D620-77A7-C782-2C721CBDC202}"/>
+              <a16:creationId xmlns:a16="http://schemas.microsoft.com/office/drawing/2014/main" id="{9BBB1A3A-0F8B-8CC4-7B65-DD508165D59C}"/>
             </a:ext>
           </a:extLst>
         </p:cNvPr>
@@ -2499,7 +2196,7 @@
           <p:cNvPr id="2" name="Slide Image Placeholder 1">
             <a:extLst>
               <a:ext uri="{FF2B5EF4-FFF2-40B4-BE49-F238E27FC236}">
-                <a16:creationId xmlns:a16="http://schemas.microsoft.com/office/drawing/2014/main" id="{F1BA0D12-8F89-320A-F5CB-05803F076A24}"/>
+                <a16:creationId xmlns:a16="http://schemas.microsoft.com/office/drawing/2014/main" id="{8C48DF48-D2FF-8B3B-980F-E738BE820377}"/>
               </a:ext>
             </a:extLst>
           </p:cNvPr>
@@ -2517,7 +2214,7 @@
           <p:cNvPr id="3" name="Notes Placeholder 2">
             <a:extLst>
               <a:ext uri="{FF2B5EF4-FFF2-40B4-BE49-F238E27FC236}">
-                <a16:creationId xmlns:a16="http://schemas.microsoft.com/office/drawing/2014/main" id="{D34F3DAA-CA3C-ED78-901D-052459FC9F7E}"/>
+                <a16:creationId xmlns:a16="http://schemas.microsoft.com/office/drawing/2014/main" id="{8F5F6223-BF06-5DCF-0E5F-9568F632C461}"/>
               </a:ext>
             </a:extLst>
           </p:cNvPr>
@@ -2542,7 +2239,115 @@
           <p:cNvPr id="4" name="Slide Number Placeholder 3">
             <a:extLst>
               <a:ext uri="{FF2B5EF4-FFF2-40B4-BE49-F238E27FC236}">
-                <a16:creationId xmlns:a16="http://schemas.microsoft.com/office/drawing/2014/main" id="{F16B5BE1-A505-C910-CDD6-C11DAFD5D18A}"/>
+                <a16:creationId xmlns:a16="http://schemas.microsoft.com/office/drawing/2014/main" id="{E2AC06BD-499A-7408-23DF-16318FDE3CFF}"/>
+              </a:ext>
+            </a:extLst>
+          </p:cNvPr>
+          <p:cNvSpPr>
+            <a:spLocks noGrp="1"/>
+          </p:cNvSpPr>
+          <p:nvPr>
+            <p:ph type="sldNum" sz="quarter" idx="10"/>
+          </p:nvPr>
+        </p:nvSpPr>
+        <p:spPr/>
+        <p:txBody>
+          <a:bodyPr/>
+          <a:lstStyle/>
+          <a:p>
+            <a:fld id="{FFA5E540-6D76-429F-95AD-C7F13B3CAC82}" type="slidenum">
+              <a:rPr lang="en-US" smtClean="0"/>
+              <a:t>8</a:t>
+            </a:fld>
+            <a:endParaRPr lang="en-US" dirty="0"/>
+          </a:p>
+        </p:txBody>
+      </p:sp>
+    </p:spTree>
+    <p:extLst>
+      <p:ext uri="{BB962C8B-B14F-4D97-AF65-F5344CB8AC3E}">
+        <p14:creationId xmlns:p14="http://schemas.microsoft.com/office/powerpoint/2010/main" val="4119098890"/>
+      </p:ext>
+    </p:extLst>
+  </p:cSld>
+  <p:clrMapOvr>
+    <a:masterClrMapping/>
+  </p:clrMapOvr>
+</p:notes>
+</file>
+
+<file path=ppt/notesSlides/notesSlide6.xml><?xml version="1.0" encoding="utf-8"?>
+<p:notes xmlns:a="http://schemas.openxmlformats.org/drawingml/2006/main" xmlns:r="http://schemas.openxmlformats.org/officeDocument/2006/relationships" xmlns:p="http://schemas.openxmlformats.org/presentationml/2006/main">
+  <p:cSld>
+    <p:spTree>
+      <p:nvGrpSpPr>
+        <p:cNvPr id="1" name="">
+          <a:extLst>
+            <a:ext uri="{FF2B5EF4-FFF2-40B4-BE49-F238E27FC236}">
+              <a16:creationId xmlns:a16="http://schemas.microsoft.com/office/drawing/2014/main" id="{9BBB1A3A-0F8B-8CC4-7B65-DD508165D59C}"/>
+            </a:ext>
+          </a:extLst>
+        </p:cNvPr>
+        <p:cNvGrpSpPr/>
+        <p:nvPr/>
+      </p:nvGrpSpPr>
+      <p:grpSpPr>
+        <a:xfrm>
+          <a:off x="0" y="0"/>
+          <a:ext cx="0" cy="0"/>
+          <a:chOff x="0" y="0"/>
+          <a:chExt cx="0" cy="0"/>
+        </a:xfrm>
+      </p:grpSpPr>
+      <p:sp>
+        <p:nvSpPr>
+          <p:cNvPr id="2" name="Slide Image Placeholder 1">
+            <a:extLst>
+              <a:ext uri="{FF2B5EF4-FFF2-40B4-BE49-F238E27FC236}">
+                <a16:creationId xmlns:a16="http://schemas.microsoft.com/office/drawing/2014/main" id="{8C48DF48-D2FF-8B3B-980F-E738BE820377}"/>
+              </a:ext>
+            </a:extLst>
+          </p:cNvPr>
+          <p:cNvSpPr>
+            <a:spLocks noGrp="1" noRot="1" noChangeAspect="1"/>
+          </p:cNvSpPr>
+          <p:nvPr>
+            <p:ph type="sldImg"/>
+          </p:nvPr>
+        </p:nvSpPr>
+        <p:spPr/>
+      </p:sp>
+      <p:sp>
+        <p:nvSpPr>
+          <p:cNvPr id="3" name="Notes Placeholder 2">
+            <a:extLst>
+              <a:ext uri="{FF2B5EF4-FFF2-40B4-BE49-F238E27FC236}">
+                <a16:creationId xmlns:a16="http://schemas.microsoft.com/office/drawing/2014/main" id="{8F5F6223-BF06-5DCF-0E5F-9568F632C461}"/>
+              </a:ext>
+            </a:extLst>
+          </p:cNvPr>
+          <p:cNvSpPr>
+            <a:spLocks noGrp="1"/>
+          </p:cNvSpPr>
+          <p:nvPr>
+            <p:ph type="body" idx="1"/>
+          </p:nvPr>
+        </p:nvSpPr>
+        <p:spPr/>
+        <p:txBody>
+          <a:bodyPr/>
+          <a:lstStyle/>
+          <a:p>
+            <a:endParaRPr lang="en-US" dirty="0"/>
+          </a:p>
+        </p:txBody>
+      </p:sp>
+      <p:sp>
+        <p:nvSpPr>
+          <p:cNvPr id="4" name="Slide Number Placeholder 3">
+            <a:extLst>
+              <a:ext uri="{FF2B5EF4-FFF2-40B4-BE49-F238E27FC236}">
+                <a16:creationId xmlns:a16="http://schemas.microsoft.com/office/drawing/2014/main" id="{E2AC06BD-499A-7408-23DF-16318FDE3CFF}"/>
               </a:ext>
             </a:extLst>
           </p:cNvPr>
@@ -2569,7 +2374,7 @@
     </p:spTree>
     <p:extLst>
       <p:ext uri="{BB962C8B-B14F-4D97-AF65-F5344CB8AC3E}">
-        <p14:creationId xmlns:p14="http://schemas.microsoft.com/office/powerpoint/2010/main" val="2278068725"/>
+        <p14:creationId xmlns:p14="http://schemas.microsoft.com/office/powerpoint/2010/main" val="2389906920"/>
       </p:ext>
     </p:extLst>
   </p:cSld>
@@ -2579,7 +2384,7 @@
 </p:notes>
 </file>
 
-<file path=ppt/notesSlides/notesSlide8.xml><?xml version="1.0" encoding="utf-8"?>
+<file path=ppt/notesSlides/notesSlide7.xml><?xml version="1.0" encoding="utf-8"?>
 <p:notes xmlns:a="http://schemas.openxmlformats.org/drawingml/2006/main" xmlns:r="http://schemas.openxmlformats.org/officeDocument/2006/relationships" xmlns:p="http://schemas.openxmlformats.org/presentationml/2006/main">
   <p:cSld>
     <p:spTree>
@@ -2677,7 +2482,7 @@
     </p:spTree>
     <p:extLst>
       <p:ext uri="{BB962C8B-B14F-4D97-AF65-F5344CB8AC3E}">
-        <p14:creationId xmlns:p14="http://schemas.microsoft.com/office/powerpoint/2010/main" val="4119098890"/>
+        <p14:creationId xmlns:p14="http://schemas.microsoft.com/office/powerpoint/2010/main" val="1728248813"/>
       </p:ext>
     </p:extLst>
   </p:cSld>
@@ -2687,18 +2492,12 @@
 </p:notes>
 </file>
 
-<file path=ppt/notesSlides/notesSlide9.xml><?xml version="1.0" encoding="utf-8"?>
+<file path=ppt/notesSlides/notesSlide8.xml><?xml version="1.0" encoding="utf-8"?>
 <p:notes xmlns:a="http://schemas.openxmlformats.org/drawingml/2006/main" xmlns:r="http://schemas.openxmlformats.org/officeDocument/2006/relationships" xmlns:p="http://schemas.openxmlformats.org/presentationml/2006/main">
   <p:cSld>
     <p:spTree>
       <p:nvGrpSpPr>
-        <p:cNvPr id="1" name="">
-          <a:extLst>
-            <a:ext uri="{FF2B5EF4-FFF2-40B4-BE49-F238E27FC236}">
-              <a16:creationId xmlns:a16="http://schemas.microsoft.com/office/drawing/2014/main" id="{9BBB1A3A-0F8B-8CC4-7B65-DD508165D59C}"/>
-            </a:ext>
-          </a:extLst>
-        </p:cNvPr>
+        <p:cNvPr id="1" name=""/>
         <p:cNvGrpSpPr/>
         <p:nvPr/>
       </p:nvGrpSpPr>
@@ -2712,13 +2511,7 @@
       </p:grpSpPr>
       <p:sp>
         <p:nvSpPr>
-          <p:cNvPr id="2" name="Slide Image Placeholder 1">
-            <a:extLst>
-              <a:ext uri="{FF2B5EF4-FFF2-40B4-BE49-F238E27FC236}">
-                <a16:creationId xmlns:a16="http://schemas.microsoft.com/office/drawing/2014/main" id="{8C48DF48-D2FF-8B3B-980F-E738BE820377}"/>
-              </a:ext>
-            </a:extLst>
-          </p:cNvPr>
+          <p:cNvPr id="2" name="Slide Image Placeholder 1"/>
           <p:cNvSpPr>
             <a:spLocks noGrp="1" noRot="1" noChangeAspect="1"/>
           </p:cNvSpPr>
@@ -2730,13 +2523,7 @@
       </p:sp>
       <p:sp>
         <p:nvSpPr>
-          <p:cNvPr id="3" name="Notes Placeholder 2">
-            <a:extLst>
-              <a:ext uri="{FF2B5EF4-FFF2-40B4-BE49-F238E27FC236}">
-                <a16:creationId xmlns:a16="http://schemas.microsoft.com/office/drawing/2014/main" id="{8F5F6223-BF06-5DCF-0E5F-9568F632C461}"/>
-              </a:ext>
-            </a:extLst>
-          </p:cNvPr>
+          <p:cNvPr id="3" name="Notes Placeholder 2"/>
           <p:cNvSpPr>
             <a:spLocks noGrp="1"/>
           </p:cNvSpPr>
@@ -2749,19 +2536,16 @@
           <a:bodyPr/>
           <a:lstStyle/>
           <a:p>
+            <a:pPr marL="0" indent="0">
+              <a:buNone/>
+            </a:pPr>
             <a:endParaRPr lang="en-US" dirty="0"/>
           </a:p>
         </p:txBody>
       </p:sp>
       <p:sp>
         <p:nvSpPr>
-          <p:cNvPr id="4" name="Slide Number Placeholder 3">
-            <a:extLst>
-              <a:ext uri="{FF2B5EF4-FFF2-40B4-BE49-F238E27FC236}">
-                <a16:creationId xmlns:a16="http://schemas.microsoft.com/office/drawing/2014/main" id="{E2AC06BD-499A-7408-23DF-16318FDE3CFF}"/>
-              </a:ext>
-            </a:extLst>
-          </p:cNvPr>
+          <p:cNvPr id="4" name="Slide Number Placeholder 3"/>
           <p:cNvSpPr>
             <a:spLocks noGrp="1"/>
           </p:cNvSpPr>
@@ -2785,7 +2569,94 @@
     </p:spTree>
     <p:extLst>
       <p:ext uri="{BB962C8B-B14F-4D97-AF65-F5344CB8AC3E}">
-        <p14:creationId xmlns:p14="http://schemas.microsoft.com/office/powerpoint/2010/main" val="2389906920"/>
+        <p14:creationId xmlns:p14="http://schemas.microsoft.com/office/powerpoint/2010/main" val="2859619452"/>
+      </p:ext>
+    </p:extLst>
+  </p:cSld>
+  <p:clrMapOvr>
+    <a:masterClrMapping/>
+  </p:clrMapOvr>
+</p:notes>
+</file>
+
+<file path=ppt/notesSlides/notesSlide9.xml><?xml version="1.0" encoding="utf-8"?>
+<p:notes xmlns:a="http://schemas.openxmlformats.org/drawingml/2006/main" xmlns:r="http://schemas.openxmlformats.org/officeDocument/2006/relationships" xmlns:p="http://schemas.openxmlformats.org/presentationml/2006/main">
+  <p:cSld>
+    <p:spTree>
+      <p:nvGrpSpPr>
+        <p:cNvPr id="1" name=""/>
+        <p:cNvGrpSpPr/>
+        <p:nvPr/>
+      </p:nvGrpSpPr>
+      <p:grpSpPr>
+        <a:xfrm>
+          <a:off x="0" y="0"/>
+          <a:ext cx="0" cy="0"/>
+          <a:chOff x="0" y="0"/>
+          <a:chExt cx="0" cy="0"/>
+        </a:xfrm>
+      </p:grpSpPr>
+      <p:sp>
+        <p:nvSpPr>
+          <p:cNvPr id="2" name="Slide Image Placeholder 1"/>
+          <p:cNvSpPr>
+            <a:spLocks noGrp="1" noRot="1" noChangeAspect="1"/>
+          </p:cNvSpPr>
+          <p:nvPr>
+            <p:ph type="sldImg"/>
+          </p:nvPr>
+        </p:nvSpPr>
+        <p:spPr/>
+      </p:sp>
+      <p:sp>
+        <p:nvSpPr>
+          <p:cNvPr id="3" name="Notes Placeholder 2"/>
+          <p:cNvSpPr>
+            <a:spLocks noGrp="1"/>
+          </p:cNvSpPr>
+          <p:nvPr>
+            <p:ph type="body" idx="1"/>
+          </p:nvPr>
+        </p:nvSpPr>
+        <p:spPr/>
+        <p:txBody>
+          <a:bodyPr/>
+          <a:lstStyle/>
+          <a:p>
+            <a:pPr marL="0" indent="0">
+              <a:buNone/>
+            </a:pPr>
+            <a:endParaRPr lang="en-US" dirty="0"/>
+          </a:p>
+        </p:txBody>
+      </p:sp>
+      <p:sp>
+        <p:nvSpPr>
+          <p:cNvPr id="4" name="Slide Number Placeholder 3"/>
+          <p:cNvSpPr>
+            <a:spLocks noGrp="1"/>
+          </p:cNvSpPr>
+          <p:nvPr>
+            <p:ph type="sldNum" sz="quarter" idx="10"/>
+          </p:nvPr>
+        </p:nvSpPr>
+        <p:spPr/>
+        <p:txBody>
+          <a:bodyPr/>
+          <a:lstStyle/>
+          <a:p>
+            <a:fld id="{FFA5E540-6D76-429F-95AD-C7F13B3CAC82}" type="slidenum">
+              <a:rPr lang="en-US" smtClean="0"/>
+              <a:t>12</a:t>
+            </a:fld>
+            <a:endParaRPr lang="en-US" dirty="0"/>
+          </a:p>
+        </p:txBody>
+      </p:sp>
+    </p:spTree>
+    <p:extLst>
+      <p:ext uri="{BB962C8B-B14F-4D97-AF65-F5344CB8AC3E}">
+        <p14:creationId xmlns:p14="http://schemas.microsoft.com/office/powerpoint/2010/main" val="903497370"/>
       </p:ext>
     </p:extLst>
   </p:cSld>
@@ -21977,7 +21848,7 @@
           <a:p>
             <a:fld id="{F7015205-6E1C-4AA4-A1F5-F88A14739F8D}" type="datetime1">
               <a:rPr lang="en-US" altLang="zh-CN" smtClean="0"/>
-              <a:t>4/20/2024</a:t>
+              <a:t>4/24/2024</a:t>
             </a:fld>
             <a:endParaRPr lang="en-US"/>
           </a:p>
@@ -22187,7 +22058,7 @@
           <a:p>
             <a:fld id="{C5005B59-A863-49AB-8A46-4FABF628DCDB}" type="datetime1">
               <a:rPr lang="en-US" altLang="zh-CN" smtClean="0"/>
-              <a:t>4/20/2024</a:t>
+              <a:t>4/24/2024</a:t>
             </a:fld>
             <a:endParaRPr lang="en-US"/>
           </a:p>
@@ -22362,7 +22233,7 @@
           <a:p>
             <a:fld id="{B9B359B8-BB35-4942-BB3F-553087A1AB07}" type="datetime1">
               <a:rPr lang="en-US" altLang="zh-CN" smtClean="0"/>
-              <a:t>4/20/2024</a:t>
+              <a:t>4/24/2024</a:t>
             </a:fld>
             <a:endParaRPr lang="en-US"/>
           </a:p>
@@ -22527,7 +22398,7 @@
           <a:p>
             <a:fld id="{0051FDAB-E13B-4DED-ACB5-C97F04F9745D}" type="datetime1">
               <a:rPr lang="en-US" altLang="zh-CN" smtClean="0"/>
-              <a:t>4/20/2024</a:t>
+              <a:t>4/24/2024</a:t>
             </a:fld>
             <a:endParaRPr lang="en-US"/>
           </a:p>
@@ -22714,7 +22585,7 @@
           <a:p>
             <a:fld id="{411C2638-AFB1-4A52-81EA-13B8957633A2}" type="datetime1">
               <a:rPr lang="en-US" altLang="zh-CN" smtClean="0"/>
-              <a:t>4/20/2024</a:t>
+              <a:t>4/24/2024</a:t>
             </a:fld>
             <a:endParaRPr lang="en-US"/>
           </a:p>
@@ -22997,7 +22868,7 @@
           <a:p>
             <a:fld id="{86FEA545-9191-4074-8B47-064CD17714D7}" type="datetime1">
               <a:rPr lang="en-US" altLang="zh-CN" smtClean="0"/>
-              <a:t>4/20/2024</a:t>
+              <a:t>4/24/2024</a:t>
             </a:fld>
             <a:endParaRPr lang="en-US"/>
           </a:p>
@@ -23419,7 +23290,7 @@
           <a:p>
             <a:fld id="{FEDA739D-67B9-461E-9E24-584E6BDA3BCB}" type="datetime1">
               <a:rPr lang="en-US" altLang="zh-CN" smtClean="0"/>
-              <a:t>4/20/2024</a:t>
+              <a:t>4/24/2024</a:t>
             </a:fld>
             <a:endParaRPr lang="en-US"/>
           </a:p>
@@ -23532,7 +23403,7 @@
           <a:p>
             <a:fld id="{9B17A94F-F96B-45CF-824C-A53F0758AB69}" type="datetime1">
               <a:rPr lang="en-US" altLang="zh-CN" smtClean="0"/>
-              <a:t>4/20/2024</a:t>
+              <a:t>4/24/2024</a:t>
             </a:fld>
             <a:endParaRPr lang="en-US"/>
           </a:p>
@@ -23622,7 +23493,7 @@
           <a:p>
             <a:fld id="{0E7E811E-CB35-486D-A51A-D28D7B88C8A1}" type="datetime1">
               <a:rPr lang="en-US" altLang="zh-CN" smtClean="0"/>
-              <a:t>4/20/2024</a:t>
+              <a:t>4/24/2024</a:t>
             </a:fld>
             <a:endParaRPr lang="en-US"/>
           </a:p>
@@ -23894,7 +23765,7 @@
           <a:p>
             <a:fld id="{49060A9D-03E3-407A-91FE-4FD83FD5236C}" type="datetime1">
               <a:rPr lang="en-US" altLang="zh-CN" smtClean="0"/>
-              <a:t>4/20/2024</a:t>
+              <a:t>4/24/2024</a:t>
             </a:fld>
             <a:endParaRPr lang="en-US"/>
           </a:p>
@@ -24147,7 +24018,7 @@
           <a:p>
             <a:fld id="{27EABF16-FC76-43D1-8210-F66033CB86AD}" type="datetime1">
               <a:rPr lang="en-US" altLang="zh-CN" smtClean="0"/>
-              <a:t>4/20/2024</a:t>
+              <a:t>4/24/2024</a:t>
             </a:fld>
             <a:endParaRPr lang="en-US"/>
           </a:p>
@@ -24409,7 +24280,7 @@
           <a:p>
             <a:fld id="{5C24D9CC-1561-4C99-B045-95C038C2B123}" type="datetime1">
               <a:rPr lang="en-US" altLang="zh-CN" smtClean="0"/>
-              <a:t>4/20/2024</a:t>
+              <a:t>4/24/2024</a:t>
             </a:fld>
             <a:endParaRPr lang="en-US"/>
           </a:p>
@@ -25469,436 +25340,10 @@
       </p:sp>
       <p:sp>
         <p:nvSpPr>
-          <p:cNvPr id="7" name="内容占位符 2">
+          <p:cNvPr id="3" name="内容占位符 2">
             <a:extLst>
               <a:ext uri="{FF2B5EF4-FFF2-40B4-BE49-F238E27FC236}">
-                <a16:creationId xmlns:a16="http://schemas.microsoft.com/office/drawing/2014/main" id="{F3384177-C1B6-3F19-F831-1205A5DA7337}"/>
-              </a:ext>
-            </a:extLst>
-          </p:cNvPr>
-          <p:cNvSpPr>
-            <a:spLocks noGrp="1"/>
-          </p:cNvSpPr>
-          <p:nvPr>
-            <p:ph idx="4294967295"/>
-          </p:nvPr>
-        </p:nvSpPr>
-        <p:spPr>
-          <a:xfrm>
-            <a:off x="93652" y="1068111"/>
-            <a:ext cx="9050348" cy="1979889"/>
-          </a:xfrm>
-        </p:spPr>
-        <p:txBody>
-          <a:bodyPr/>
-          <a:lstStyle/>
-          <a:p>
-            <a:r>
-              <a:rPr lang="en-US" altLang="zh-CN" sz="2400" dirty="0">
-                <a:latin typeface="+mn-lt"/>
-                <a:cs typeface="Times New Roman" panose="02020603050405020304" pitchFamily="18" charset="0"/>
-              </a:rPr>
-              <a:t>RETAU1000</a:t>
-            </a:r>
-            <a:endParaRPr lang="en-US" altLang="zh-CN" sz="2000" baseline="30000" dirty="0">
-              <a:latin typeface="+mn-lt"/>
-              <a:cs typeface="Times New Roman" panose="02020603050405020304" pitchFamily="18" charset="0"/>
-            </a:endParaRPr>
-          </a:p>
-          <a:p>
-            <a:pPr marL="457200" lvl="1" indent="0">
-              <a:buNone/>
-            </a:pPr>
-            <a:endParaRPr lang="en-US" altLang="zh-CN" sz="2000" baseline="30000" dirty="0">
-              <a:latin typeface="+mn-lt"/>
-              <a:cs typeface="Times New Roman" panose="02020603050405020304" pitchFamily="18" charset="0"/>
-            </a:endParaRPr>
-          </a:p>
-          <a:p>
-            <a:pPr marL="457200" lvl="1" indent="0">
-              <a:buNone/>
-            </a:pPr>
-            <a:endParaRPr lang="en-US" altLang="zh-CN" sz="2000" baseline="30000" dirty="0">
-              <a:latin typeface="+mn-lt"/>
-              <a:cs typeface="Times New Roman" panose="02020603050405020304" pitchFamily="18" charset="0"/>
-            </a:endParaRPr>
-          </a:p>
-          <a:p>
-            <a:pPr marL="457200" lvl="1" indent="0">
-              <a:buNone/>
-            </a:pPr>
-            <a:endParaRPr lang="en-US" altLang="zh-CN" sz="2000" baseline="30000" dirty="0">
-              <a:latin typeface="+mn-lt"/>
-              <a:cs typeface="Times New Roman" panose="02020603050405020304" pitchFamily="18" charset="0"/>
-            </a:endParaRPr>
-          </a:p>
-          <a:p>
-            <a:pPr marL="457200" lvl="1" indent="0">
-              <a:buNone/>
-            </a:pPr>
-            <a:endParaRPr lang="en-US" altLang="zh-CN" sz="2000" baseline="30000" dirty="0">
-              <a:latin typeface="+mn-lt"/>
-              <a:cs typeface="Times New Roman" panose="02020603050405020304" pitchFamily="18" charset="0"/>
-            </a:endParaRPr>
-          </a:p>
-          <a:p>
-            <a:pPr marL="457200" lvl="1" indent="0">
-              <a:buNone/>
-            </a:pPr>
-            <a:endParaRPr lang="en-US" altLang="zh-CN" sz="2000" baseline="30000" dirty="0">
-              <a:latin typeface="+mn-lt"/>
-              <a:cs typeface="Times New Roman" panose="02020603050405020304" pitchFamily="18" charset="0"/>
-            </a:endParaRPr>
-          </a:p>
-          <a:p>
-            <a:pPr marL="457200" lvl="1" indent="0">
-              <a:buNone/>
-            </a:pPr>
-            <a:endParaRPr lang="en-US" altLang="zh-CN" sz="2000" baseline="30000" dirty="0">
-              <a:latin typeface="+mn-lt"/>
-              <a:cs typeface="Times New Roman" panose="02020603050405020304" pitchFamily="18" charset="0"/>
-            </a:endParaRPr>
-          </a:p>
-          <a:p>
-            <a:pPr marL="457200" lvl="1" indent="0">
-              <a:buNone/>
-            </a:pPr>
-            <a:endParaRPr lang="en-US" altLang="zh-CN" sz="2000" baseline="30000" dirty="0">
-              <a:latin typeface="+mn-lt"/>
-              <a:cs typeface="Times New Roman" panose="02020603050405020304" pitchFamily="18" charset="0"/>
-            </a:endParaRPr>
-          </a:p>
-          <a:p>
-            <a:pPr>
-              <a:lnSpc>
-                <a:spcPct val="125000"/>
-              </a:lnSpc>
-            </a:pPr>
-            <a:endParaRPr lang="en-US" altLang="zh-CN" sz="2400" dirty="0">
-              <a:latin typeface="+mn-lt"/>
-              <a:cs typeface="Times New Roman" panose="02020603050405020304" pitchFamily="18" charset="0"/>
-            </a:endParaRPr>
-          </a:p>
-          <a:p>
-            <a:pPr marL="457200" lvl="1" indent="0">
-              <a:lnSpc>
-                <a:spcPct val="125000"/>
-              </a:lnSpc>
-              <a:buNone/>
-            </a:pPr>
-            <a:endParaRPr lang="en-US" altLang="zh-CN" sz="2000" dirty="0">
-              <a:latin typeface="+mn-lt"/>
-              <a:cs typeface="Times New Roman" panose="02020603050405020304" pitchFamily="18" charset="0"/>
-            </a:endParaRPr>
-          </a:p>
-        </p:txBody>
-      </p:sp>
-      <p:sp>
-        <p:nvSpPr>
-          <p:cNvPr id="9" name="Rectangle 2">
-            <a:extLst>
-              <a:ext uri="{FF2B5EF4-FFF2-40B4-BE49-F238E27FC236}">
-                <a16:creationId xmlns:a16="http://schemas.microsoft.com/office/drawing/2014/main" id="{CC5CEECD-70F9-A816-BDE0-0CF29A6F574A}"/>
-              </a:ext>
-            </a:extLst>
-          </p:cNvPr>
-          <p:cNvSpPr>
-            <a:spLocks noChangeArrowheads="1"/>
-          </p:cNvSpPr>
-          <p:nvPr/>
-        </p:nvSpPr>
-        <p:spPr bwMode="auto">
-          <a:xfrm>
-            <a:off x="0" y="0"/>
-            <a:ext cx="9144000" cy="0"/>
-          </a:xfrm>
-          <a:prstGeom prst="rect">
-            <a:avLst/>
-          </a:prstGeom>
-          <a:noFill/>
-          <a:ln>
-            <a:noFill/>
-          </a:ln>
-          <a:effectLst/>
-          <a:extLst>
-            <a:ext uri="{909E8E84-426E-40DD-AFC4-6F175D3DCCD1}">
-              <a14:hiddenFill xmlns:a14="http://schemas.microsoft.com/office/drawing/2010/main">
-                <a:solidFill>
-                  <a:schemeClr val="accent1"/>
-                </a:solidFill>
-              </a14:hiddenFill>
-            </a:ext>
-            <a:ext uri="{91240B29-F687-4F45-9708-019B960494DF}">
-              <a14:hiddenLine xmlns:a14="http://schemas.microsoft.com/office/drawing/2010/main" w="9525">
-                <a:solidFill>
-                  <a:schemeClr val="tx1"/>
-                </a:solidFill>
-                <a:miter lim="800000"/>
-                <a:headEnd/>
-                <a:tailEnd/>
-              </a14:hiddenLine>
-            </a:ext>
-            <a:ext uri="{AF507438-7753-43E0-B8FC-AC1667EBCBE1}">
-              <a14:hiddenEffects xmlns:a14="http://schemas.microsoft.com/office/drawing/2010/main">
-                <a:effectLst>
-                  <a:outerShdw dist="35921" dir="2700000" algn="ctr" rotWithShape="0">
-                    <a:schemeClr val="bg2"/>
-                  </a:outerShdw>
-                </a:effectLst>
-              </a14:hiddenEffects>
-            </a:ext>
-          </a:extLst>
-        </p:spPr>
-        <p:txBody>
-          <a:bodyPr vert="horz" wrap="none" lIns="91440" tIns="45720" rIns="91440" bIns="45720" numCol="1" anchor="ctr" anchorCtr="0" compatLnSpc="1">
-            <a:prstTxWarp prst="textNoShape">
-              <a:avLst/>
-            </a:prstTxWarp>
-            <a:spAutoFit/>
-          </a:bodyPr>
-          <a:lstStyle/>
-          <a:p>
-            <a:endParaRPr lang="zh-CN" altLang="en-US"/>
-          </a:p>
-        </p:txBody>
-      </p:sp>
-      <p:pic>
-        <p:nvPicPr>
-          <p:cNvPr id="6" name="Picture 5">
-            <a:extLst>
-              <a:ext uri="{FF2B5EF4-FFF2-40B4-BE49-F238E27FC236}">
-                <a16:creationId xmlns:a16="http://schemas.microsoft.com/office/drawing/2014/main" id="{B59DF556-E795-2300-7F43-648997D04089}"/>
-              </a:ext>
-            </a:extLst>
-          </p:cNvPr>
-          <p:cNvPicPr>
-            <a:picLocks noChangeAspect="1"/>
-          </p:cNvPicPr>
-          <p:nvPr/>
-        </p:nvPicPr>
-        <p:blipFill>
-          <a:blip r:embed="rId3"/>
-          <a:stretch>
-            <a:fillRect/>
-          </a:stretch>
-        </p:blipFill>
-        <p:spPr>
-          <a:xfrm>
-            <a:off x="914400" y="1676400"/>
-            <a:ext cx="3200400" cy="2372359"/>
-          </a:xfrm>
-          <a:prstGeom prst="rect">
-            <a:avLst/>
-          </a:prstGeom>
-        </p:spPr>
-      </p:pic>
-      <p:pic>
-        <p:nvPicPr>
-          <p:cNvPr id="4" name="Picture 3">
-            <a:extLst>
-              <a:ext uri="{FF2B5EF4-FFF2-40B4-BE49-F238E27FC236}">
-                <a16:creationId xmlns:a16="http://schemas.microsoft.com/office/drawing/2014/main" id="{BEB93039-8369-B913-4A11-AE5A4E08A72D}"/>
-              </a:ext>
-            </a:extLst>
-          </p:cNvPr>
-          <p:cNvPicPr>
-            <a:picLocks noChangeAspect="1"/>
-          </p:cNvPicPr>
-          <p:nvPr/>
-        </p:nvPicPr>
-        <p:blipFill>
-          <a:blip r:embed="rId4"/>
-          <a:stretch>
-            <a:fillRect/>
-          </a:stretch>
-        </p:blipFill>
-        <p:spPr>
-          <a:xfrm>
-            <a:off x="4114800" y="1676400"/>
-            <a:ext cx="3200400" cy="2397744"/>
-          </a:xfrm>
-          <a:prstGeom prst="rect">
-            <a:avLst/>
-          </a:prstGeom>
-        </p:spPr>
-      </p:pic>
-      <p:sp>
-        <p:nvSpPr>
-          <p:cNvPr id="5" name="TextBox 4">
-            <a:extLst>
-              <a:ext uri="{FF2B5EF4-FFF2-40B4-BE49-F238E27FC236}">
-                <a16:creationId xmlns:a16="http://schemas.microsoft.com/office/drawing/2014/main" id="{1E333F98-D969-7680-D0BE-D006F8E4AA33}"/>
-              </a:ext>
-            </a:extLst>
-          </p:cNvPr>
-          <p:cNvSpPr txBox="1"/>
-          <p:nvPr/>
-        </p:nvSpPr>
-        <p:spPr>
-          <a:xfrm>
-            <a:off x="4402469" y="1837912"/>
-            <a:ext cx="1184940" cy="369332"/>
-          </a:xfrm>
-          <a:prstGeom prst="rect">
-            <a:avLst/>
-          </a:prstGeom>
-          <a:noFill/>
-        </p:spPr>
-        <p:txBody>
-          <a:bodyPr wrap="none" rtlCol="0">
-            <a:spAutoFit/>
-          </a:bodyPr>
-          <a:lstStyle/>
-          <a:p>
-            <a:r>
-              <a:rPr lang="en-US" dirty="0"/>
-              <a:t>Neumann</a:t>
-            </a:r>
-          </a:p>
-        </p:txBody>
-      </p:sp>
-      <p:sp>
-        <p:nvSpPr>
-          <p:cNvPr id="8" name="TextBox 7">
-            <a:extLst>
-              <a:ext uri="{FF2B5EF4-FFF2-40B4-BE49-F238E27FC236}">
-                <a16:creationId xmlns:a16="http://schemas.microsoft.com/office/drawing/2014/main" id="{BEAADFC7-883F-BEFB-D78E-E7BE34CB3B01}"/>
-              </a:ext>
-            </a:extLst>
-          </p:cNvPr>
-          <p:cNvSpPr txBox="1"/>
-          <p:nvPr/>
-        </p:nvSpPr>
-        <p:spPr>
-          <a:xfrm>
-            <a:off x="1119589" y="1837912"/>
-            <a:ext cx="1317412" cy="369332"/>
-          </a:xfrm>
-          <a:prstGeom prst="rect">
-            <a:avLst/>
-          </a:prstGeom>
-          <a:noFill/>
-        </p:spPr>
-        <p:txBody>
-          <a:bodyPr wrap="none" rtlCol="0">
-            <a:spAutoFit/>
-          </a:bodyPr>
-          <a:lstStyle/>
-          <a:p>
-            <a:r>
-              <a:rPr lang="en-US" dirty="0"/>
-              <a:t>Wall model</a:t>
-            </a:r>
-          </a:p>
-        </p:txBody>
-      </p:sp>
-    </p:spTree>
-    <p:extLst>
-      <p:ext uri="{BB962C8B-B14F-4D97-AF65-F5344CB8AC3E}">
-        <p14:creationId xmlns:p14="http://schemas.microsoft.com/office/powerpoint/2010/main" val="3546392556"/>
-      </p:ext>
-    </p:extLst>
-  </p:cSld>
-  <p:clrMapOvr>
-    <a:masterClrMapping/>
-  </p:clrMapOvr>
-  <p:transition spd="med" advTm="63997"/>
-</p:sld>
-</file>
-
-<file path=ppt/slides/slide11.xml><?xml version="1.0" encoding="utf-8"?>
-<p:sld xmlns:a="http://schemas.openxmlformats.org/drawingml/2006/main" xmlns:r="http://schemas.openxmlformats.org/officeDocument/2006/relationships" xmlns:p="http://schemas.openxmlformats.org/presentationml/2006/main">
-  <p:cSld>
-    <p:spTree>
-      <p:nvGrpSpPr>
-        <p:cNvPr id="1" name="">
-          <a:extLst>
-            <a:ext uri="{FF2B5EF4-FFF2-40B4-BE49-F238E27FC236}">
-              <a16:creationId xmlns:a16="http://schemas.microsoft.com/office/drawing/2014/main" id="{E36FAF1C-FB3C-6E4F-3EF6-B91416465A30}"/>
-            </a:ext>
-          </a:extLst>
-        </p:cNvPr>
-        <p:cNvGrpSpPr/>
-        <p:nvPr/>
-      </p:nvGrpSpPr>
-      <p:grpSpPr>
-        <a:xfrm>
-          <a:off x="0" y="0"/>
-          <a:ext cx="0" cy="0"/>
-          <a:chOff x="0" y="0"/>
-          <a:chExt cx="0" cy="0"/>
-        </a:xfrm>
-      </p:grpSpPr>
-      <p:sp>
-        <p:nvSpPr>
-          <p:cNvPr id="2" name="Title 1">
-            <a:extLst>
-              <a:ext uri="{FF2B5EF4-FFF2-40B4-BE49-F238E27FC236}">
-                <a16:creationId xmlns:a16="http://schemas.microsoft.com/office/drawing/2014/main" id="{5ADC8DE3-593B-5208-402D-39D2452CA6CD}"/>
-              </a:ext>
-            </a:extLst>
-          </p:cNvPr>
-          <p:cNvSpPr>
-            <a:spLocks noGrp="1"/>
-          </p:cNvSpPr>
-          <p:nvPr>
-            <p:ph type="title"/>
-          </p:nvPr>
-        </p:nvSpPr>
-        <p:spPr>
-          <a:xfrm>
-            <a:off x="152400" y="152400"/>
-            <a:ext cx="8610600" cy="838200"/>
-          </a:xfrm>
-        </p:spPr>
-        <p:txBody>
-          <a:bodyPr/>
-          <a:lstStyle/>
-          <a:p>
-            <a:r>
-              <a:rPr lang="en-US" altLang="zh-CN" dirty="0"/>
-              <a:t>Channel</a:t>
-            </a:r>
-            <a:endParaRPr lang="zh-CN" altLang="en-US" dirty="0"/>
-          </a:p>
-        </p:txBody>
-      </p:sp>
-      <p:pic>
-        <p:nvPicPr>
-          <p:cNvPr id="16" name="Picture 15">
-            <a:extLst>
-              <a:ext uri="{FF2B5EF4-FFF2-40B4-BE49-F238E27FC236}">
-                <a16:creationId xmlns:a16="http://schemas.microsoft.com/office/drawing/2014/main" id="{BE181C3B-8EE1-3C24-D08F-CC31E2A5BD83}"/>
-              </a:ext>
-            </a:extLst>
-          </p:cNvPr>
-          <p:cNvPicPr>
-            <a:picLocks noChangeAspect="1"/>
-          </p:cNvPicPr>
-          <p:nvPr/>
-        </p:nvPicPr>
-        <p:blipFill>
-          <a:blip r:embed="rId3"/>
-          <a:stretch>
-            <a:fillRect/>
-          </a:stretch>
-        </p:blipFill>
-        <p:spPr>
-          <a:xfrm>
-            <a:off x="2209800" y="2438400"/>
-            <a:ext cx="3200400" cy="2392631"/>
-          </a:xfrm>
-          <a:prstGeom prst="rect">
-            <a:avLst/>
-          </a:prstGeom>
-        </p:spPr>
-      </p:pic>
-      <p:sp>
-        <p:nvSpPr>
-          <p:cNvPr id="17" name="内容占位符 2">
-            <a:extLst>
-              <a:ext uri="{FF2B5EF4-FFF2-40B4-BE49-F238E27FC236}">
-                <a16:creationId xmlns:a16="http://schemas.microsoft.com/office/drawing/2014/main" id="{D7E08BCD-AEE7-9056-0B15-7EFBABD31162}"/>
+                <a16:creationId xmlns:a16="http://schemas.microsoft.com/office/drawing/2014/main" id="{546BAD6D-09F4-5710-5F64-F0C2FF48AF3D}"/>
               </a:ext>
             </a:extLst>
           </p:cNvPr>
@@ -25909,8 +25354,8 @@
         </p:nvSpPr>
         <p:spPr bwMode="auto">
           <a:xfrm>
-            <a:off x="93652" y="1068111"/>
-            <a:ext cx="9050348" cy="1979889"/>
+            <a:off x="93652" y="1068113"/>
+            <a:ext cx="8610600" cy="932338"/>
           </a:xfrm>
           <a:prstGeom prst="rect">
             <a:avLst/>
@@ -26133,117 +25578,153 @@
           </a:lstStyle>
           <a:p>
             <a:r>
-              <a:rPr lang="en-US" altLang="zh-CN" sz="2400" kern="0">
+              <a:rPr lang="en-US" altLang="zh-CN" sz="2400" kern="0" dirty="0">
                 <a:latin typeface="+mn-lt"/>
                 <a:cs typeface="Times New Roman" panose="02020603050405020304" pitchFamily="18" charset="0"/>
               </a:rPr>
               <a:t>RETAU1000</a:t>
             </a:r>
-            <a:endParaRPr lang="en-US" altLang="zh-CN" sz="2000" kern="0" baseline="30000">
+            <a:endParaRPr lang="en-US" altLang="zh-CN" sz="2000" kern="0" dirty="0">
               <a:latin typeface="+mn-lt"/>
               <a:cs typeface="Times New Roman" panose="02020603050405020304" pitchFamily="18" charset="0"/>
             </a:endParaRPr>
           </a:p>
           <a:p>
-            <a:pPr marL="457200" lvl="1" indent="0">
-              <a:buFont typeface="Wingdings" pitchFamily="2" charset="2"/>
-              <a:buNone/>
-            </a:pPr>
-            <a:endParaRPr lang="en-US" altLang="zh-CN" sz="2000" kern="0" baseline="30000">
-              <a:latin typeface="+mn-lt"/>
-              <a:cs typeface="Times New Roman" panose="02020603050405020304" pitchFamily="18" charset="0"/>
-            </a:endParaRPr>
-          </a:p>
-          <a:p>
-            <a:pPr marL="457200" lvl="1" indent="0">
-              <a:buFont typeface="Wingdings" pitchFamily="2" charset="2"/>
-              <a:buNone/>
-            </a:pPr>
-            <a:endParaRPr lang="en-US" altLang="zh-CN" sz="2000" kern="0" baseline="30000">
-              <a:latin typeface="+mn-lt"/>
-              <a:cs typeface="Times New Roman" panose="02020603050405020304" pitchFamily="18" charset="0"/>
-            </a:endParaRPr>
-          </a:p>
-          <a:p>
-            <a:pPr marL="457200" lvl="1" indent="0">
-              <a:buFont typeface="Wingdings" pitchFamily="2" charset="2"/>
-              <a:buNone/>
-            </a:pPr>
-            <a:endParaRPr lang="en-US" altLang="zh-CN" sz="2000" kern="0" baseline="30000">
-              <a:latin typeface="+mn-lt"/>
-              <a:cs typeface="Times New Roman" panose="02020603050405020304" pitchFamily="18" charset="0"/>
-            </a:endParaRPr>
-          </a:p>
-          <a:p>
-            <a:pPr marL="457200" lvl="1" indent="0">
-              <a:buFont typeface="Wingdings" pitchFamily="2" charset="2"/>
-              <a:buNone/>
-            </a:pPr>
-            <a:endParaRPr lang="en-US" altLang="zh-CN" sz="2000" kern="0" baseline="30000">
-              <a:latin typeface="+mn-lt"/>
-              <a:cs typeface="Times New Roman" panose="02020603050405020304" pitchFamily="18" charset="0"/>
-            </a:endParaRPr>
-          </a:p>
-          <a:p>
-            <a:pPr marL="457200" lvl="1" indent="0">
-              <a:buFont typeface="Wingdings" pitchFamily="2" charset="2"/>
-              <a:buNone/>
-            </a:pPr>
-            <a:endParaRPr lang="en-US" altLang="zh-CN" sz="2000" kern="0" baseline="30000">
-              <a:latin typeface="+mn-lt"/>
-              <a:cs typeface="Times New Roman" panose="02020603050405020304" pitchFamily="18" charset="0"/>
-            </a:endParaRPr>
-          </a:p>
-          <a:p>
-            <a:pPr marL="457200" lvl="1" indent="0">
-              <a:buFont typeface="Wingdings" pitchFamily="2" charset="2"/>
-              <a:buNone/>
-            </a:pPr>
-            <a:endParaRPr lang="en-US" altLang="zh-CN" sz="2000" kern="0" baseline="30000">
-              <a:latin typeface="+mn-lt"/>
-              <a:cs typeface="Times New Roman" panose="02020603050405020304" pitchFamily="18" charset="0"/>
-            </a:endParaRPr>
-          </a:p>
-          <a:p>
-            <a:pPr marL="457200" lvl="1" indent="0">
-              <a:buFont typeface="Wingdings" pitchFamily="2" charset="2"/>
-              <a:buNone/>
-            </a:pPr>
-            <a:endParaRPr lang="en-US" altLang="zh-CN" sz="2000" kern="0" baseline="30000">
-              <a:latin typeface="+mn-lt"/>
-              <a:cs typeface="Times New Roman" panose="02020603050405020304" pitchFamily="18" charset="0"/>
-            </a:endParaRPr>
-          </a:p>
-          <a:p>
-            <a:pPr>
-              <a:lnSpc>
-                <a:spcPct val="125000"/>
-              </a:lnSpc>
-            </a:pPr>
-            <a:endParaRPr lang="en-US" altLang="zh-CN" sz="2400" kern="0">
-              <a:latin typeface="+mn-lt"/>
-              <a:cs typeface="Times New Roman" panose="02020603050405020304" pitchFamily="18" charset="0"/>
-            </a:endParaRPr>
-          </a:p>
-          <a:p>
-            <a:pPr marL="457200" lvl="1" indent="0">
-              <a:lnSpc>
-                <a:spcPct val="125000"/>
-              </a:lnSpc>
-              <a:buFont typeface="Wingdings" pitchFamily="2" charset="2"/>
-              <a:buNone/>
-            </a:pPr>
-            <a:endParaRPr lang="en-US" altLang="zh-CN" sz="2000" kern="0" dirty="0">
-              <a:latin typeface="+mn-lt"/>
-              <a:cs typeface="Times New Roman" panose="02020603050405020304" pitchFamily="18" charset="0"/>
-            </a:endParaRPr>
+            <a:pPr lvl="1"/>
+            <a:r>
+              <a:rPr lang="en-US" altLang="zh-CN" sz="2000" dirty="0">
+                <a:latin typeface="+mn-lt"/>
+                <a:cs typeface="Times New Roman" panose="02020603050405020304" pitchFamily="18" charset="0"/>
+              </a:rPr>
+              <a:t>CFL has influence on the statistics</a:t>
+            </a:r>
           </a:p>
         </p:txBody>
       </p:sp>
+      <p:pic>
+        <p:nvPicPr>
+          <p:cNvPr id="5" name="Picture 4">
+            <a:extLst>
+              <a:ext uri="{FF2B5EF4-FFF2-40B4-BE49-F238E27FC236}">
+                <a16:creationId xmlns:a16="http://schemas.microsoft.com/office/drawing/2014/main" id="{F57984DA-6DAA-C135-37DC-106C7B9AE66B}"/>
+              </a:ext>
+            </a:extLst>
+          </p:cNvPr>
+          <p:cNvPicPr>
+            <a:picLocks noChangeAspect="1"/>
+          </p:cNvPicPr>
+          <p:nvPr/>
+        </p:nvPicPr>
+        <p:blipFill>
+          <a:blip r:embed="rId3"/>
+          <a:stretch>
+            <a:fillRect/>
+          </a:stretch>
+        </p:blipFill>
+        <p:spPr>
+          <a:xfrm>
+            <a:off x="1219200" y="1981200"/>
+            <a:ext cx="3200400" cy="2378607"/>
+          </a:xfrm>
+          <a:prstGeom prst="rect">
+            <a:avLst/>
+          </a:prstGeom>
+        </p:spPr>
+      </p:pic>
+      <p:pic>
+        <p:nvPicPr>
+          <p:cNvPr id="7" name="Picture 6">
+            <a:extLst>
+              <a:ext uri="{FF2B5EF4-FFF2-40B4-BE49-F238E27FC236}">
+                <a16:creationId xmlns:a16="http://schemas.microsoft.com/office/drawing/2014/main" id="{72A22117-EA6E-3D40-9C98-166D3CA76C47}"/>
+              </a:ext>
+            </a:extLst>
+          </p:cNvPr>
+          <p:cNvPicPr>
+            <a:picLocks noChangeAspect="1"/>
+          </p:cNvPicPr>
+          <p:nvPr/>
+        </p:nvPicPr>
+        <p:blipFill>
+          <a:blip r:embed="rId4"/>
+          <a:stretch>
+            <a:fillRect/>
+          </a:stretch>
+        </p:blipFill>
+        <p:spPr>
+          <a:xfrm>
+            <a:off x="4495800" y="1981200"/>
+            <a:ext cx="3200400" cy="2395171"/>
+          </a:xfrm>
+          <a:prstGeom prst="rect">
+            <a:avLst/>
+          </a:prstGeom>
+        </p:spPr>
+      </p:pic>
+      <p:pic>
+        <p:nvPicPr>
+          <p:cNvPr id="9" name="Picture 8">
+            <a:extLst>
+              <a:ext uri="{FF2B5EF4-FFF2-40B4-BE49-F238E27FC236}">
+                <a16:creationId xmlns:a16="http://schemas.microsoft.com/office/drawing/2014/main" id="{1A2A317A-9A41-FDD3-23CD-B5E27D9C21CA}"/>
+              </a:ext>
+            </a:extLst>
+          </p:cNvPr>
+          <p:cNvPicPr>
+            <a:picLocks noChangeAspect="1"/>
+          </p:cNvPicPr>
+          <p:nvPr/>
+        </p:nvPicPr>
+        <p:blipFill>
+          <a:blip r:embed="rId5"/>
+          <a:stretch>
+            <a:fillRect/>
+          </a:stretch>
+        </p:blipFill>
+        <p:spPr>
+          <a:xfrm>
+            <a:off x="1219200" y="4359807"/>
+            <a:ext cx="3200400" cy="2401572"/>
+          </a:xfrm>
+          <a:prstGeom prst="rect">
+            <a:avLst/>
+          </a:prstGeom>
+        </p:spPr>
+      </p:pic>
+      <p:pic>
+        <p:nvPicPr>
+          <p:cNvPr id="11" name="Picture 10">
+            <a:extLst>
+              <a:ext uri="{FF2B5EF4-FFF2-40B4-BE49-F238E27FC236}">
+                <a16:creationId xmlns:a16="http://schemas.microsoft.com/office/drawing/2014/main" id="{DFCD5C55-AFD2-D03F-088C-5910809AD70C}"/>
+              </a:ext>
+            </a:extLst>
+          </p:cNvPr>
+          <p:cNvPicPr>
+            <a:picLocks noChangeAspect="1"/>
+          </p:cNvPicPr>
+          <p:nvPr/>
+        </p:nvPicPr>
+        <p:blipFill>
+          <a:blip r:embed="rId6"/>
+          <a:stretch>
+            <a:fillRect/>
+          </a:stretch>
+        </p:blipFill>
+        <p:spPr>
+          <a:xfrm>
+            <a:off x="4495800" y="4385207"/>
+            <a:ext cx="3200400" cy="2386218"/>
+          </a:xfrm>
+          <a:prstGeom prst="rect">
+            <a:avLst/>
+          </a:prstGeom>
+        </p:spPr>
+      </p:pic>
     </p:spTree>
     <p:extLst>
       <p:ext uri="{BB962C8B-B14F-4D97-AF65-F5344CB8AC3E}">
-        <p14:creationId xmlns:p14="http://schemas.microsoft.com/office/powerpoint/2010/main" val="1503813011"/>
+        <p14:creationId xmlns:p14="http://schemas.microsoft.com/office/powerpoint/2010/main" val="1329936686"/>
       </p:ext>
     </p:extLst>
   </p:cSld>
@@ -26254,7 +25735,7 @@
 </p:sld>
 </file>
 
-<file path=ppt/slides/slide12.xml><?xml version="1.0" encoding="utf-8"?>
+<file path=ppt/slides/slide11.xml><?xml version="1.0" encoding="utf-8"?>
 <p:sld xmlns:a="http://schemas.openxmlformats.org/drawingml/2006/main" xmlns:r="http://schemas.openxmlformats.org/officeDocument/2006/relationships" xmlns:p="http://schemas.openxmlformats.org/presentationml/2006/main">
   <p:cSld>
     <p:spTree>
@@ -26779,7 +26260,7 @@
 </p:sld>
 </file>
 
-<file path=ppt/slides/slide13.xml><?xml version="1.0" encoding="utf-8"?>
+<file path=ppt/slides/slide12.xml><?xml version="1.0" encoding="utf-8"?>
 <p:sld xmlns:a="http://schemas.openxmlformats.org/drawingml/2006/main" xmlns:r="http://schemas.openxmlformats.org/officeDocument/2006/relationships" xmlns:p="http://schemas.openxmlformats.org/presentationml/2006/main">
   <p:cSld>
     <p:spTree>
@@ -27264,7 +26745,7 @@
 </p:sld>
 </file>
 
-<file path=ppt/slides/slide14.xml><?xml version="1.0" encoding="utf-8"?>
+<file path=ppt/slides/slide13.xml><?xml version="1.0" encoding="utf-8"?>
 <p:sld xmlns:a="http://schemas.openxmlformats.org/drawingml/2006/main" xmlns:r="http://schemas.openxmlformats.org/officeDocument/2006/relationships" xmlns:p="http://schemas.openxmlformats.org/presentationml/2006/main">
   <p:cSld>
     <p:spTree>
@@ -27709,7 +27190,7 @@
 </p:sld>
 </file>
 
-<file path=ppt/slides/slide15.xml><?xml version="1.0" encoding="utf-8"?>
+<file path=ppt/slides/slide14.xml><?xml version="1.0" encoding="utf-8"?>
 <p:sld xmlns:a="http://schemas.openxmlformats.org/drawingml/2006/main" xmlns:r="http://schemas.openxmlformats.org/officeDocument/2006/relationships" xmlns:p="http://schemas.openxmlformats.org/presentationml/2006/main">
   <p:cSld>
     <p:spTree>
@@ -28214,7 +27695,7 @@
 </p:sld>
 </file>
 
-<file path=ppt/slides/slide16.xml><?xml version="1.0" encoding="utf-8"?>
+<file path=ppt/slides/slide15.xml><?xml version="1.0" encoding="utf-8"?>
 <p:sld xmlns:a="http://schemas.openxmlformats.org/drawingml/2006/main" xmlns:r="http://schemas.openxmlformats.org/officeDocument/2006/relationships" xmlns:p="http://schemas.openxmlformats.org/presentationml/2006/main">
   <p:cSld>
     <p:spTree>
@@ -28629,7 +28110,7 @@
 </p:sld>
 </file>
 
-<file path=ppt/slides/slide17.xml><?xml version="1.0" encoding="utf-8"?>
+<file path=ppt/slides/slide16.xml><?xml version="1.0" encoding="utf-8"?>
 <p:sld xmlns:a="http://schemas.openxmlformats.org/drawingml/2006/main" xmlns:r="http://schemas.openxmlformats.org/officeDocument/2006/relationships" xmlns:p="http://schemas.openxmlformats.org/presentationml/2006/main">
   <p:cSld>
     <p:spTree>
@@ -29134,7 +28615,7 @@
 </p:sld>
 </file>
 
-<file path=ppt/slides/slide18.xml><?xml version="1.0" encoding="utf-8"?>
+<file path=ppt/slides/slide17.xml><?xml version="1.0" encoding="utf-8"?>
 <p:sld xmlns:a="http://schemas.openxmlformats.org/drawingml/2006/main" xmlns:r="http://schemas.openxmlformats.org/officeDocument/2006/relationships" xmlns:p="http://schemas.openxmlformats.org/presentationml/2006/main">
   <p:cSld>
     <p:spTree>
@@ -29639,6 +29120,511 @@
 </p:sld>
 </file>
 
+<file path=ppt/slides/slide18.xml><?xml version="1.0" encoding="utf-8"?>
+<p:sld xmlns:a="http://schemas.openxmlformats.org/drawingml/2006/main" xmlns:r="http://schemas.openxmlformats.org/officeDocument/2006/relationships" xmlns:p="http://schemas.openxmlformats.org/presentationml/2006/main">
+  <p:cSld>
+    <p:spTree>
+      <p:nvGrpSpPr>
+        <p:cNvPr id="1" name=""/>
+        <p:cNvGrpSpPr/>
+        <p:nvPr/>
+      </p:nvGrpSpPr>
+      <p:grpSpPr>
+        <a:xfrm>
+          <a:off x="0" y="0"/>
+          <a:ext cx="0" cy="0"/>
+          <a:chOff x="0" y="0"/>
+          <a:chExt cx="0" cy="0"/>
+        </a:xfrm>
+      </p:grpSpPr>
+      <p:sp>
+        <p:nvSpPr>
+          <p:cNvPr id="2" name="Title 1"/>
+          <p:cNvSpPr>
+            <a:spLocks noGrp="1"/>
+          </p:cNvSpPr>
+          <p:nvPr>
+            <p:ph type="title"/>
+          </p:nvPr>
+        </p:nvSpPr>
+        <p:spPr>
+          <a:xfrm>
+            <a:off x="152400" y="152400"/>
+            <a:ext cx="8610600" cy="838200"/>
+          </a:xfrm>
+        </p:spPr>
+        <p:txBody>
+          <a:bodyPr/>
+          <a:lstStyle/>
+          <a:p>
+            <a:r>
+              <a:rPr lang="en-US" altLang="zh-CN" dirty="0"/>
+              <a:t>Channel</a:t>
+            </a:r>
+            <a:endParaRPr lang="zh-CN" altLang="en-US" dirty="0"/>
+          </a:p>
+        </p:txBody>
+      </p:sp>
+      <p:sp>
+        <p:nvSpPr>
+          <p:cNvPr id="9" name="Rectangle 2"/>
+          <p:cNvSpPr>
+            <a:spLocks noChangeArrowheads="1"/>
+          </p:cNvSpPr>
+          <p:nvPr/>
+        </p:nvSpPr>
+        <p:spPr bwMode="auto">
+          <a:xfrm>
+            <a:off x="0" y="0"/>
+            <a:ext cx="9144000" cy="0"/>
+          </a:xfrm>
+          <a:prstGeom prst="rect">
+            <a:avLst/>
+          </a:prstGeom>
+          <a:noFill/>
+          <a:ln>
+            <a:noFill/>
+          </a:ln>
+          <a:effectLst/>
+          <a:extLst>
+            <a:ext uri="{909E8E84-426E-40DD-AFC4-6F175D3DCCD1}">
+              <a14:hiddenFill xmlns:a14="http://schemas.microsoft.com/office/drawing/2010/main">
+                <a:solidFill>
+                  <a:schemeClr val="accent1"/>
+                </a:solidFill>
+              </a14:hiddenFill>
+            </a:ext>
+            <a:ext uri="{91240B29-F687-4F45-9708-019B960494DF}">
+              <a14:hiddenLine xmlns:a14="http://schemas.microsoft.com/office/drawing/2010/main" w="9525">
+                <a:solidFill>
+                  <a:schemeClr val="tx1"/>
+                </a:solidFill>
+                <a:miter lim="800000"/>
+                <a:headEnd/>
+                <a:tailEnd/>
+              </a14:hiddenLine>
+            </a:ext>
+            <a:ext uri="{AF507438-7753-43E0-B8FC-AC1667EBCBE1}">
+              <a14:hiddenEffects xmlns:a14="http://schemas.microsoft.com/office/drawing/2010/main">
+                <a:effectLst>
+                  <a:outerShdw dist="35921" dir="2700000" algn="ctr" rotWithShape="0">
+                    <a:schemeClr val="bg2"/>
+                  </a:outerShdw>
+                </a:effectLst>
+              </a14:hiddenEffects>
+            </a:ext>
+          </a:extLst>
+        </p:spPr>
+        <p:txBody>
+          <a:bodyPr vert="horz" wrap="none" lIns="91440" tIns="45720" rIns="91440" bIns="45720" numCol="1" anchor="ctr" anchorCtr="0" compatLnSpc="1">
+            <a:prstTxWarp prst="textNoShape">
+              <a:avLst/>
+            </a:prstTxWarp>
+            <a:spAutoFit/>
+          </a:bodyPr>
+          <a:lstStyle/>
+          <a:p>
+            <a:endParaRPr lang="zh-CN" altLang="en-US"/>
+          </a:p>
+        </p:txBody>
+      </p:sp>
+      <p:sp>
+        <p:nvSpPr>
+          <p:cNvPr id="17" name="内容占位符 2">
+            <a:extLst>
+              <a:ext uri="{FF2B5EF4-FFF2-40B4-BE49-F238E27FC236}">
+                <a16:creationId xmlns:a16="http://schemas.microsoft.com/office/drawing/2014/main" id="{D7B13CA5-CF5D-287A-9ACB-EF5CA77485F1}"/>
+              </a:ext>
+            </a:extLst>
+          </p:cNvPr>
+          <p:cNvSpPr txBox="1">
+            <a:spLocks/>
+          </p:cNvSpPr>
+          <p:nvPr/>
+        </p:nvSpPr>
+        <p:spPr bwMode="auto">
+          <a:xfrm>
+            <a:off x="93652" y="1068113"/>
+            <a:ext cx="7754948" cy="932338"/>
+          </a:xfrm>
+          <a:prstGeom prst="rect">
+            <a:avLst/>
+          </a:prstGeom>
+          <a:noFill/>
+          <a:ln>
+            <a:noFill/>
+          </a:ln>
+          <a:extLst>
+            <a:ext uri="{909E8E84-426E-40DD-AFC4-6F175D3DCCD1}">
+              <a14:hiddenFill xmlns:a14="http://schemas.microsoft.com/office/drawing/2010/main">
+                <a:solidFill>
+                  <a:srgbClr val="FFFFFF"/>
+                </a:solidFill>
+              </a14:hiddenFill>
+            </a:ext>
+            <a:ext uri="{91240B29-F687-4F45-9708-019B960494DF}">
+              <a14:hiddenLine xmlns:a14="http://schemas.microsoft.com/office/drawing/2010/main" w="28575">
+                <a:solidFill>
+                  <a:srgbClr val="000000"/>
+                </a:solidFill>
+                <a:miter lim="800000"/>
+                <a:headEnd/>
+                <a:tailEnd/>
+              </a14:hiddenLine>
+            </a:ext>
+          </a:extLst>
+        </p:spPr>
+        <p:txBody>
+          <a:bodyPr vert="horz" wrap="square" lIns="91440" tIns="45720" rIns="91440" bIns="45720" numCol="1" anchor="t" anchorCtr="0" compatLnSpc="1">
+            <a:prstTxWarp prst="textNoShape">
+              <a:avLst/>
+            </a:prstTxWarp>
+          </a:bodyPr>
+          <a:lstStyle>
+            <a:lvl1pPr marL="342900" indent="-342900" algn="l" rtl="0" eaLnBrk="1" fontAlgn="base" hangingPunct="1">
+              <a:spcBef>
+                <a:spcPct val="30000"/>
+              </a:spcBef>
+              <a:spcAft>
+                <a:spcPct val="0"/>
+              </a:spcAft>
+              <a:buClr>
+                <a:schemeClr val="hlink"/>
+              </a:buClr>
+              <a:buFont typeface="Wingdings" pitchFamily="2" charset="2"/>
+              <a:buChar char="§"/>
+              <a:defRPr sz="3200">
+                <a:solidFill>
+                  <a:srgbClr val="000066"/>
+                </a:solidFill>
+                <a:latin typeface="微软雅黑" pitchFamily="34" charset="-122"/>
+                <a:ea typeface="微软雅黑" pitchFamily="34" charset="-122"/>
+                <a:cs typeface="+mn-cs"/>
+              </a:defRPr>
+            </a:lvl1pPr>
+            <a:lvl2pPr marL="742950" indent="-285750" algn="l" rtl="0" eaLnBrk="1" fontAlgn="base" hangingPunct="1">
+              <a:spcBef>
+                <a:spcPct val="30000"/>
+              </a:spcBef>
+              <a:spcAft>
+                <a:spcPct val="0"/>
+              </a:spcAft>
+              <a:buClr>
+                <a:schemeClr val="tx2"/>
+              </a:buClr>
+              <a:buSzPct val="85000"/>
+              <a:buFont typeface="Wingdings" pitchFamily="2" charset="2"/>
+              <a:buChar char="Ø"/>
+              <a:defRPr sz="2800">
+                <a:solidFill>
+                  <a:srgbClr val="006666"/>
+                </a:solidFill>
+                <a:latin typeface="微软雅黑" pitchFamily="34" charset="-122"/>
+                <a:ea typeface="微软雅黑" pitchFamily="34" charset="-122"/>
+              </a:defRPr>
+            </a:lvl2pPr>
+            <a:lvl3pPr marL="1143000" indent="-228600" algn="l" rtl="0" eaLnBrk="1" fontAlgn="base" hangingPunct="1">
+              <a:spcBef>
+                <a:spcPct val="30000"/>
+              </a:spcBef>
+              <a:spcAft>
+                <a:spcPct val="0"/>
+              </a:spcAft>
+              <a:buClr>
+                <a:schemeClr val="hlink"/>
+              </a:buClr>
+              <a:buSzPct val="95000"/>
+              <a:buFont typeface="Wingdings 2" pitchFamily="18" charset="2"/>
+              <a:buChar char="¡"/>
+              <a:defRPr sz="2400">
+                <a:solidFill>
+                  <a:schemeClr val="hlink"/>
+                </a:solidFill>
+                <a:latin typeface="微软雅黑" pitchFamily="34" charset="-122"/>
+                <a:ea typeface="微软雅黑" pitchFamily="34" charset="-122"/>
+              </a:defRPr>
+            </a:lvl3pPr>
+            <a:lvl4pPr marL="1600200" indent="-228600" algn="l" rtl="0" eaLnBrk="1" fontAlgn="base" hangingPunct="1">
+              <a:spcBef>
+                <a:spcPct val="30000"/>
+              </a:spcBef>
+              <a:spcAft>
+                <a:spcPct val="0"/>
+              </a:spcAft>
+              <a:buClr>
+                <a:schemeClr val="tx2"/>
+              </a:buClr>
+              <a:buSzPct val="90000"/>
+              <a:buFont typeface="Wingdings" pitchFamily="2" charset="2"/>
+              <a:buChar char="Ø"/>
+              <a:defRPr sz="2000">
+                <a:solidFill>
+                  <a:srgbClr val="990099"/>
+                </a:solidFill>
+                <a:latin typeface="微软雅黑" pitchFamily="34" charset="-122"/>
+                <a:ea typeface="微软雅黑" pitchFamily="34" charset="-122"/>
+              </a:defRPr>
+            </a:lvl4pPr>
+            <a:lvl5pPr marL="2057400" indent="-228600" algn="l" rtl="0" eaLnBrk="1" fontAlgn="base" hangingPunct="1">
+              <a:spcBef>
+                <a:spcPct val="30000"/>
+              </a:spcBef>
+              <a:spcAft>
+                <a:spcPct val="0"/>
+              </a:spcAft>
+              <a:buClr>
+                <a:schemeClr val="hlink"/>
+              </a:buClr>
+              <a:buFont typeface="Wingdings 2" pitchFamily="18" charset="2"/>
+              <a:buChar char="¡"/>
+              <a:defRPr sz="2000">
+                <a:solidFill>
+                  <a:schemeClr val="tx1"/>
+                </a:solidFill>
+                <a:latin typeface="微软雅黑" pitchFamily="34" charset="-122"/>
+                <a:ea typeface="微软雅黑" pitchFamily="34" charset="-122"/>
+              </a:defRPr>
+            </a:lvl5pPr>
+            <a:lvl6pPr marL="2514600" indent="-228600" algn="l" rtl="0" eaLnBrk="1" fontAlgn="base" hangingPunct="1">
+              <a:spcBef>
+                <a:spcPct val="30000"/>
+              </a:spcBef>
+              <a:spcAft>
+                <a:spcPct val="0"/>
+              </a:spcAft>
+              <a:buClr>
+                <a:schemeClr val="hlink"/>
+              </a:buClr>
+              <a:buFont typeface="Wingdings 2" pitchFamily="18" charset="2"/>
+              <a:buChar char="¡"/>
+              <a:defRPr sz="2000">
+                <a:solidFill>
+                  <a:schemeClr val="tx1"/>
+                </a:solidFill>
+                <a:latin typeface="+mn-lt"/>
+                <a:ea typeface="+mn-ea"/>
+              </a:defRPr>
+            </a:lvl6pPr>
+            <a:lvl7pPr marL="2971800" indent="-228600" algn="l" rtl="0" eaLnBrk="1" fontAlgn="base" hangingPunct="1">
+              <a:spcBef>
+                <a:spcPct val="30000"/>
+              </a:spcBef>
+              <a:spcAft>
+                <a:spcPct val="0"/>
+              </a:spcAft>
+              <a:buClr>
+                <a:schemeClr val="hlink"/>
+              </a:buClr>
+              <a:buFont typeface="Wingdings 2" pitchFamily="18" charset="2"/>
+              <a:buChar char="¡"/>
+              <a:defRPr sz="2000">
+                <a:solidFill>
+                  <a:schemeClr val="tx1"/>
+                </a:solidFill>
+                <a:latin typeface="+mn-lt"/>
+                <a:ea typeface="+mn-ea"/>
+              </a:defRPr>
+            </a:lvl7pPr>
+            <a:lvl8pPr marL="3429000" indent="-228600" algn="l" rtl="0" eaLnBrk="1" fontAlgn="base" hangingPunct="1">
+              <a:spcBef>
+                <a:spcPct val="30000"/>
+              </a:spcBef>
+              <a:spcAft>
+                <a:spcPct val="0"/>
+              </a:spcAft>
+              <a:buClr>
+                <a:schemeClr val="hlink"/>
+              </a:buClr>
+              <a:buFont typeface="Wingdings 2" pitchFamily="18" charset="2"/>
+              <a:buChar char="¡"/>
+              <a:defRPr sz="2000">
+                <a:solidFill>
+                  <a:schemeClr val="tx1"/>
+                </a:solidFill>
+                <a:latin typeface="+mn-lt"/>
+                <a:ea typeface="+mn-ea"/>
+              </a:defRPr>
+            </a:lvl8pPr>
+            <a:lvl9pPr marL="3886200" indent="-228600" algn="l" rtl="0" eaLnBrk="1" fontAlgn="base" hangingPunct="1">
+              <a:spcBef>
+                <a:spcPct val="30000"/>
+              </a:spcBef>
+              <a:spcAft>
+                <a:spcPct val="0"/>
+              </a:spcAft>
+              <a:buClr>
+                <a:schemeClr val="hlink"/>
+              </a:buClr>
+              <a:buFont typeface="Wingdings 2" pitchFamily="18" charset="2"/>
+              <a:buChar char="¡"/>
+              <a:defRPr sz="2000">
+                <a:solidFill>
+                  <a:schemeClr val="tx1"/>
+                </a:solidFill>
+                <a:latin typeface="+mn-lt"/>
+                <a:ea typeface="+mn-ea"/>
+              </a:defRPr>
+            </a:lvl9pPr>
+          </a:lstStyle>
+          <a:p>
+            <a:r>
+              <a:rPr lang="en-US" altLang="zh-CN" sz="2400" kern="0" dirty="0">
+                <a:latin typeface="+mn-lt"/>
+                <a:cs typeface="Times New Roman" panose="02020603050405020304" pitchFamily="18" charset="0"/>
+              </a:rPr>
+              <a:t>RETAU5200</a:t>
+            </a:r>
+            <a:endParaRPr lang="en-US" altLang="zh-CN" sz="2000" kern="0" dirty="0">
+              <a:latin typeface="+mn-lt"/>
+              <a:cs typeface="Times New Roman" panose="02020603050405020304" pitchFamily="18" charset="0"/>
+            </a:endParaRPr>
+          </a:p>
+          <a:p>
+            <a:pPr lvl="1"/>
+            <a:r>
+              <a:rPr lang="en-US" altLang="zh-CN" sz="2000" dirty="0">
+                <a:latin typeface="+mn-lt"/>
+                <a:cs typeface="Times New Roman" panose="02020603050405020304" pitchFamily="18" charset="0"/>
+              </a:rPr>
+              <a:t>CFL has influence on the statistics</a:t>
+            </a:r>
+          </a:p>
+        </p:txBody>
+      </p:sp>
+      <p:pic>
+        <p:nvPicPr>
+          <p:cNvPr id="4" name="Picture 3">
+            <a:extLst>
+              <a:ext uri="{FF2B5EF4-FFF2-40B4-BE49-F238E27FC236}">
+                <a16:creationId xmlns:a16="http://schemas.microsoft.com/office/drawing/2014/main" id="{1C3B916A-6DE7-1652-FF19-C3A7BF292D4C}"/>
+              </a:ext>
+            </a:extLst>
+          </p:cNvPr>
+          <p:cNvPicPr>
+            <a:picLocks noChangeAspect="1"/>
+          </p:cNvPicPr>
+          <p:nvPr/>
+        </p:nvPicPr>
+        <p:blipFill>
+          <a:blip r:embed="rId3"/>
+          <a:stretch>
+            <a:fillRect/>
+          </a:stretch>
+        </p:blipFill>
+        <p:spPr>
+          <a:xfrm>
+            <a:off x="1221606" y="1994741"/>
+            <a:ext cx="3200400" cy="2424859"/>
+          </a:xfrm>
+          <a:prstGeom prst="rect">
+            <a:avLst/>
+          </a:prstGeom>
+        </p:spPr>
+      </p:pic>
+      <p:pic>
+        <p:nvPicPr>
+          <p:cNvPr id="7" name="Picture 6">
+            <a:extLst>
+              <a:ext uri="{FF2B5EF4-FFF2-40B4-BE49-F238E27FC236}">
+                <a16:creationId xmlns:a16="http://schemas.microsoft.com/office/drawing/2014/main" id="{CC667EED-56A1-0AA4-AEE5-0F00328C189D}"/>
+              </a:ext>
+            </a:extLst>
+          </p:cNvPr>
+          <p:cNvPicPr>
+            <a:picLocks noChangeAspect="1"/>
+          </p:cNvPicPr>
+          <p:nvPr/>
+        </p:nvPicPr>
+        <p:blipFill>
+          <a:blip r:embed="rId4"/>
+          <a:stretch>
+            <a:fillRect/>
+          </a:stretch>
+        </p:blipFill>
+        <p:spPr>
+          <a:xfrm>
+            <a:off x="4419600" y="1992752"/>
+            <a:ext cx="3200400" cy="2409290"/>
+          </a:xfrm>
+          <a:prstGeom prst="rect">
+            <a:avLst/>
+          </a:prstGeom>
+        </p:spPr>
+      </p:pic>
+      <p:pic>
+        <p:nvPicPr>
+          <p:cNvPr id="14" name="Picture 13">
+            <a:extLst>
+              <a:ext uri="{FF2B5EF4-FFF2-40B4-BE49-F238E27FC236}">
+                <a16:creationId xmlns:a16="http://schemas.microsoft.com/office/drawing/2014/main" id="{CD121F3D-BE76-64CA-8390-8B0D96110E99}"/>
+              </a:ext>
+            </a:extLst>
+          </p:cNvPr>
+          <p:cNvPicPr>
+            <a:picLocks noChangeAspect="1"/>
+          </p:cNvPicPr>
+          <p:nvPr/>
+        </p:nvPicPr>
+        <p:blipFill>
+          <a:blip r:embed="rId5"/>
+          <a:stretch>
+            <a:fillRect/>
+          </a:stretch>
+        </p:blipFill>
+        <p:spPr>
+          <a:xfrm>
+            <a:off x="4419600" y="4400820"/>
+            <a:ext cx="3200400" cy="2408068"/>
+          </a:xfrm>
+          <a:prstGeom prst="rect">
+            <a:avLst/>
+          </a:prstGeom>
+        </p:spPr>
+      </p:pic>
+      <p:pic>
+        <p:nvPicPr>
+          <p:cNvPr id="18" name="Picture 17">
+            <a:extLst>
+              <a:ext uri="{FF2B5EF4-FFF2-40B4-BE49-F238E27FC236}">
+                <a16:creationId xmlns:a16="http://schemas.microsoft.com/office/drawing/2014/main" id="{4C1D288E-6D0F-6C6F-50C7-913B194E279C}"/>
+              </a:ext>
+            </a:extLst>
+          </p:cNvPr>
+          <p:cNvPicPr>
+            <a:picLocks noChangeAspect="1"/>
+          </p:cNvPicPr>
+          <p:nvPr/>
+        </p:nvPicPr>
+        <p:blipFill>
+          <a:blip r:embed="rId6"/>
+          <a:stretch>
+            <a:fillRect/>
+          </a:stretch>
+        </p:blipFill>
+        <p:spPr>
+          <a:xfrm>
+            <a:off x="1219200" y="4402042"/>
+            <a:ext cx="3200400" cy="2393879"/>
+          </a:xfrm>
+          <a:prstGeom prst="rect">
+            <a:avLst/>
+          </a:prstGeom>
+        </p:spPr>
+      </p:pic>
+    </p:spTree>
+    <p:extLst>
+      <p:ext uri="{BB962C8B-B14F-4D97-AF65-F5344CB8AC3E}">
+        <p14:creationId xmlns:p14="http://schemas.microsoft.com/office/powerpoint/2010/main" val="2078290593"/>
+      </p:ext>
+    </p:extLst>
+  </p:cSld>
+  <p:clrMapOvr>
+    <a:masterClrMapping/>
+  </p:clrMapOvr>
+  <p:transition spd="med" advTm="63997"/>
+</p:sld>
+</file>
+
 <file path=ppt/slides/slide19.xml><?xml version="1.0" encoding="utf-8"?>
 <p:sld xmlns:a="http://schemas.openxmlformats.org/drawingml/2006/main" xmlns:r="http://schemas.openxmlformats.org/officeDocument/2006/relationships" xmlns:p="http://schemas.openxmlformats.org/presentationml/2006/main">
   <p:cSld>
@@ -30012,10 +29998,10 @@
       </p:sp>
       <p:pic>
         <p:nvPicPr>
-          <p:cNvPr id="4" name="Picture 3">
+          <p:cNvPr id="5" name="Picture 4">
             <a:extLst>
               <a:ext uri="{FF2B5EF4-FFF2-40B4-BE49-F238E27FC236}">
-                <a16:creationId xmlns:a16="http://schemas.microsoft.com/office/drawing/2014/main" id="{1C3B916A-6DE7-1652-FF19-C3A7BF292D4C}"/>
+                <a16:creationId xmlns:a16="http://schemas.microsoft.com/office/drawing/2014/main" id="{2DA78EF1-E6DC-E8A0-DACF-202C3B44799E}"/>
               </a:ext>
             </a:extLst>
           </p:cNvPr>
@@ -30032,8 +30018,8 @@
         </p:blipFill>
         <p:spPr>
           <a:xfrm>
-            <a:off x="1221606" y="1981200"/>
-            <a:ext cx="3200400" cy="2424859"/>
+            <a:off x="1295400" y="1962994"/>
+            <a:ext cx="3200400" cy="2402873"/>
           </a:xfrm>
           <a:prstGeom prst="rect">
             <a:avLst/>
@@ -30042,10 +30028,10 @@
       </p:pic>
       <p:pic>
         <p:nvPicPr>
-          <p:cNvPr id="7" name="Picture 6">
+          <p:cNvPr id="8" name="Picture 7">
             <a:extLst>
               <a:ext uri="{FF2B5EF4-FFF2-40B4-BE49-F238E27FC236}">
-                <a16:creationId xmlns:a16="http://schemas.microsoft.com/office/drawing/2014/main" id="{CC667EED-56A1-0AA4-AEE5-0F00328C189D}"/>
+                <a16:creationId xmlns:a16="http://schemas.microsoft.com/office/drawing/2014/main" id="{3B8817A4-BAD6-D1BB-A35A-682F66B22299}"/>
               </a:ext>
             </a:extLst>
           </p:cNvPr>
@@ -30062,8 +30048,8 @@
         </p:blipFill>
         <p:spPr>
           <a:xfrm>
-            <a:off x="4419600" y="1992752"/>
-            <a:ext cx="3200400" cy="2409290"/>
+            <a:off x="4495800" y="1955309"/>
+            <a:ext cx="3200400" cy="2410558"/>
           </a:xfrm>
           <a:prstGeom prst="rect">
             <a:avLst/>
@@ -30072,10 +30058,10 @@
       </p:pic>
       <p:pic>
         <p:nvPicPr>
-          <p:cNvPr id="14" name="Picture 13">
+          <p:cNvPr id="11" name="Picture 10">
             <a:extLst>
               <a:ext uri="{FF2B5EF4-FFF2-40B4-BE49-F238E27FC236}">
-                <a16:creationId xmlns:a16="http://schemas.microsoft.com/office/drawing/2014/main" id="{CD121F3D-BE76-64CA-8390-8B0D96110E99}"/>
+                <a16:creationId xmlns:a16="http://schemas.microsoft.com/office/drawing/2014/main" id="{F65F42CA-1EC8-F0A2-FBB6-0ED9269E4B08}"/>
               </a:ext>
             </a:extLst>
           </p:cNvPr>
@@ -30092,8 +30078,8 @@
         </p:blipFill>
         <p:spPr>
           <a:xfrm>
-            <a:off x="4419600" y="4400820"/>
-            <a:ext cx="3200400" cy="2408068"/>
+            <a:off x="1295400" y="4360852"/>
+            <a:ext cx="3200400" cy="2420948"/>
           </a:xfrm>
           <a:prstGeom prst="rect">
             <a:avLst/>
@@ -30102,10 +30088,10 @@
       </p:pic>
       <p:pic>
         <p:nvPicPr>
-          <p:cNvPr id="18" name="Picture 17">
+          <p:cNvPr id="13" name="Picture 12">
             <a:extLst>
               <a:ext uri="{FF2B5EF4-FFF2-40B4-BE49-F238E27FC236}">
-                <a16:creationId xmlns:a16="http://schemas.microsoft.com/office/drawing/2014/main" id="{4C1D288E-6D0F-6C6F-50C7-913B194E279C}"/>
+                <a16:creationId xmlns:a16="http://schemas.microsoft.com/office/drawing/2014/main" id="{917E1E48-8415-1E7C-92F2-3443C76A2B19}"/>
               </a:ext>
             </a:extLst>
           </p:cNvPr>
@@ -30122,8 +30108,8 @@
         </p:blipFill>
         <p:spPr>
           <a:xfrm>
-            <a:off x="1219200" y="4402042"/>
-            <a:ext cx="3200400" cy="2393879"/>
+            <a:off x="4572000" y="4373740"/>
+            <a:ext cx="3200400" cy="2395171"/>
           </a:xfrm>
           <a:prstGeom prst="rect">
             <a:avLst/>
@@ -30133,7 +30119,7 @@
     </p:spTree>
     <p:extLst>
       <p:ext uri="{BB962C8B-B14F-4D97-AF65-F5344CB8AC3E}">
-        <p14:creationId xmlns:p14="http://schemas.microsoft.com/office/powerpoint/2010/main" val="2078290593"/>
+        <p14:creationId xmlns:p14="http://schemas.microsoft.com/office/powerpoint/2010/main" val="2306774649"/>
       </p:ext>
     </p:extLst>
   </p:cSld>
@@ -30152,7 +30138,7 @@
         <p:cNvPr id="1" name="">
           <a:extLst>
             <a:ext uri="{FF2B5EF4-FFF2-40B4-BE49-F238E27FC236}">
-              <a16:creationId xmlns:a16="http://schemas.microsoft.com/office/drawing/2014/main" id="{2D15152C-B19F-6BB3-728D-5F7F2B035AD0}"/>
+              <a16:creationId xmlns:a16="http://schemas.microsoft.com/office/drawing/2014/main" id="{F88127A5-1BF4-A303-EDD5-EE7B5483D35E}"/>
             </a:ext>
           </a:extLst>
         </p:cNvPr>
@@ -30169,203 +30155,10 @@
       </p:grpSpPr>
       <p:sp>
         <p:nvSpPr>
-          <p:cNvPr id="2" name="Title 1">
-            <a:extLst>
-              <a:ext uri="{FF2B5EF4-FFF2-40B4-BE49-F238E27FC236}">
-                <a16:creationId xmlns:a16="http://schemas.microsoft.com/office/drawing/2014/main" id="{D13EE2B0-B4C2-89D5-D5B9-1DF5BE70DC5F}"/>
-              </a:ext>
-            </a:extLst>
-          </p:cNvPr>
-          <p:cNvSpPr>
-            <a:spLocks noGrp="1"/>
-          </p:cNvSpPr>
-          <p:nvPr>
-            <p:ph type="title"/>
-          </p:nvPr>
-        </p:nvSpPr>
-        <p:spPr>
-          <a:xfrm>
-            <a:off x="152400" y="152400"/>
-            <a:ext cx="8610600" cy="838200"/>
-          </a:xfrm>
-        </p:spPr>
-        <p:txBody>
-          <a:bodyPr/>
-          <a:lstStyle/>
-          <a:p>
-            <a:r>
-              <a:rPr lang="en-US" altLang="zh-CN" dirty="0"/>
-              <a:t>Channel</a:t>
-            </a:r>
-            <a:endParaRPr lang="zh-CN" altLang="en-US" dirty="0"/>
-          </a:p>
-        </p:txBody>
-      </p:sp>
-      <p:sp>
-        <p:nvSpPr>
-          <p:cNvPr id="7" name="内容占位符 2">
-            <a:extLst>
-              <a:ext uri="{FF2B5EF4-FFF2-40B4-BE49-F238E27FC236}">
-                <a16:creationId xmlns:a16="http://schemas.microsoft.com/office/drawing/2014/main" id="{D2C6C04E-3AE6-BF1A-EE2B-80CAEA4AD7AC}"/>
-              </a:ext>
-            </a:extLst>
-          </p:cNvPr>
-          <p:cNvSpPr>
-            <a:spLocks noGrp="1"/>
-          </p:cNvSpPr>
-          <p:nvPr>
-            <p:ph idx="4294967295"/>
-          </p:nvPr>
-        </p:nvSpPr>
-        <p:spPr>
-          <a:xfrm>
-            <a:off x="93652" y="1068111"/>
-            <a:ext cx="9050348" cy="1979889"/>
-          </a:xfrm>
-        </p:spPr>
-        <p:txBody>
-          <a:bodyPr/>
-          <a:lstStyle/>
-          <a:p>
-            <a:r>
-              <a:rPr lang="en-US" altLang="zh-CN" sz="2400" dirty="0">
-                <a:latin typeface="+mn-lt"/>
-                <a:cs typeface="Times New Roman" panose="02020603050405020304" pitchFamily="18" charset="0"/>
-              </a:rPr>
-              <a:t>RETAU180</a:t>
-            </a:r>
-            <a:endParaRPr lang="en-US" altLang="zh-CN" sz="2000" dirty="0">
-              <a:latin typeface="+mn-lt"/>
-              <a:cs typeface="Times New Roman" panose="02020603050405020304" pitchFamily="18" charset="0"/>
-            </a:endParaRPr>
-          </a:p>
-          <a:p>
-            <a:pPr lvl="1"/>
-            <a:r>
-              <a:rPr lang="en-US" altLang="zh-CN" sz="2000" dirty="0">
-                <a:latin typeface="+mn-lt"/>
-                <a:cs typeface="Times New Roman" panose="02020603050405020304" pitchFamily="18" charset="0"/>
-              </a:rPr>
-              <a:t>Both Neumann and wall model yield acceptable profiles</a:t>
-            </a:r>
-          </a:p>
-          <a:p>
-            <a:pPr lvl="1"/>
-            <a:r>
-              <a:rPr lang="en-US" altLang="zh-CN" sz="2000" dirty="0">
-                <a:latin typeface="+mn-lt"/>
-                <a:cs typeface="Times New Roman" panose="02020603050405020304" pitchFamily="18" charset="0"/>
-              </a:rPr>
-              <a:t>The DNS grid and the finest wall model grid produce the same results, but show difference from the DNS results, demonstrating imperfection of the wall model</a:t>
-            </a:r>
-            <a:endParaRPr lang="en-US" altLang="zh-CN" sz="2000" kern="0" dirty="0">
-              <a:latin typeface="+mn-lt"/>
-              <a:cs typeface="Times New Roman" panose="02020603050405020304" pitchFamily="18" charset="0"/>
-            </a:endParaRPr>
-          </a:p>
-          <a:p>
-            <a:pPr marL="457200" lvl="1" indent="0">
-              <a:buNone/>
-            </a:pPr>
-            <a:endParaRPr lang="en-US" altLang="zh-CN" sz="2000" baseline="30000" dirty="0">
-              <a:latin typeface="+mn-lt"/>
-              <a:cs typeface="Times New Roman" panose="02020603050405020304" pitchFamily="18" charset="0"/>
-            </a:endParaRPr>
-          </a:p>
-          <a:p>
-            <a:pPr marL="457200" lvl="1" indent="0">
-              <a:buNone/>
-            </a:pPr>
-            <a:endParaRPr lang="en-US" altLang="zh-CN" sz="2000" baseline="30000" dirty="0">
-              <a:latin typeface="+mn-lt"/>
-              <a:cs typeface="Times New Roman" panose="02020603050405020304" pitchFamily="18" charset="0"/>
-            </a:endParaRPr>
-          </a:p>
-          <a:p>
-            <a:pPr marL="457200" lvl="1" indent="0">
-              <a:buNone/>
-            </a:pPr>
-            <a:endParaRPr lang="en-US" altLang="zh-CN" sz="2000" baseline="30000" dirty="0">
-              <a:latin typeface="+mn-lt"/>
-              <a:cs typeface="Times New Roman" panose="02020603050405020304" pitchFamily="18" charset="0"/>
-            </a:endParaRPr>
-          </a:p>
-          <a:p>
-            <a:pPr marL="457200" lvl="1" indent="0">
-              <a:buNone/>
-            </a:pPr>
-            <a:endParaRPr lang="en-US" altLang="zh-CN" sz="2000" baseline="30000" dirty="0">
-              <a:latin typeface="+mn-lt"/>
-              <a:cs typeface="Times New Roman" panose="02020603050405020304" pitchFamily="18" charset="0"/>
-            </a:endParaRPr>
-          </a:p>
-          <a:p>
-            <a:pPr marL="457200" lvl="1" indent="0">
-              <a:buNone/>
-            </a:pPr>
-            <a:endParaRPr lang="en-US" altLang="zh-CN" sz="2000" baseline="30000" dirty="0">
-              <a:latin typeface="+mn-lt"/>
-              <a:cs typeface="Times New Roman" panose="02020603050405020304" pitchFamily="18" charset="0"/>
-            </a:endParaRPr>
-          </a:p>
-          <a:p>
-            <a:pPr marL="457200" lvl="1" indent="0">
-              <a:buNone/>
-            </a:pPr>
-            <a:endParaRPr lang="en-US" altLang="zh-CN" sz="2000" baseline="30000" dirty="0">
-              <a:latin typeface="+mn-lt"/>
-              <a:cs typeface="Times New Roman" panose="02020603050405020304" pitchFamily="18" charset="0"/>
-            </a:endParaRPr>
-          </a:p>
-          <a:p>
-            <a:pPr marL="457200" lvl="1" indent="0">
-              <a:buNone/>
-            </a:pPr>
-            <a:endParaRPr lang="en-US" altLang="zh-CN" sz="2000" baseline="30000" dirty="0">
-              <a:latin typeface="+mn-lt"/>
-              <a:cs typeface="Times New Roman" panose="02020603050405020304" pitchFamily="18" charset="0"/>
-            </a:endParaRPr>
-          </a:p>
-          <a:p>
-            <a:pPr marL="457200" lvl="1" indent="0">
-              <a:buNone/>
-            </a:pPr>
-            <a:endParaRPr lang="en-US" altLang="zh-CN" sz="2000" baseline="30000" dirty="0">
-              <a:latin typeface="+mn-lt"/>
-              <a:cs typeface="Times New Roman" panose="02020603050405020304" pitchFamily="18" charset="0"/>
-            </a:endParaRPr>
-          </a:p>
-          <a:p>
-            <a:pPr>
-              <a:lnSpc>
-                <a:spcPct val="125000"/>
-              </a:lnSpc>
-            </a:pPr>
-            <a:endParaRPr lang="en-US" altLang="zh-CN" sz="2400" dirty="0">
-              <a:latin typeface="+mn-lt"/>
-              <a:cs typeface="Times New Roman" panose="02020603050405020304" pitchFamily="18" charset="0"/>
-            </a:endParaRPr>
-          </a:p>
-          <a:p>
-            <a:pPr marL="457200" lvl="1" indent="0">
-              <a:lnSpc>
-                <a:spcPct val="125000"/>
-              </a:lnSpc>
-              <a:buNone/>
-            </a:pPr>
-            <a:endParaRPr lang="en-US" altLang="zh-CN" sz="2000" dirty="0">
-              <a:latin typeface="+mn-lt"/>
-              <a:cs typeface="Times New Roman" panose="02020603050405020304" pitchFamily="18" charset="0"/>
-            </a:endParaRPr>
-          </a:p>
-        </p:txBody>
-      </p:sp>
-      <p:sp>
-        <p:nvSpPr>
           <p:cNvPr id="9" name="Rectangle 2">
             <a:extLst>
               <a:ext uri="{FF2B5EF4-FFF2-40B4-BE49-F238E27FC236}">
-                <a16:creationId xmlns:a16="http://schemas.microsoft.com/office/drawing/2014/main" id="{39432E37-D0CA-42E2-B210-9AC1CA0029EC}"/>
+                <a16:creationId xmlns:a16="http://schemas.microsoft.com/office/drawing/2014/main" id="{0403F9C4-3150-E7B4-F7AA-9241D90B091C}"/>
               </a:ext>
             </a:extLst>
           </p:cNvPr>
@@ -30429,10 +30222,387 @@
           </a:p>
         </p:txBody>
       </p:sp>
+      <p:sp>
+        <p:nvSpPr>
+          <p:cNvPr id="13" name="Title 1">
+            <a:extLst>
+              <a:ext uri="{FF2B5EF4-FFF2-40B4-BE49-F238E27FC236}">
+                <a16:creationId xmlns:a16="http://schemas.microsoft.com/office/drawing/2014/main" id="{6FDE24A7-108E-8F3D-A3A0-236CCCB0B9DC}"/>
+              </a:ext>
+            </a:extLst>
+          </p:cNvPr>
+          <p:cNvSpPr>
+            <a:spLocks noGrp="1"/>
+          </p:cNvSpPr>
+          <p:nvPr>
+            <p:ph type="title"/>
+          </p:nvPr>
+        </p:nvSpPr>
+        <p:spPr>
+          <a:xfrm>
+            <a:off x="152400" y="152400"/>
+            <a:ext cx="8610600" cy="838200"/>
+          </a:xfrm>
+        </p:spPr>
+        <p:txBody>
+          <a:bodyPr/>
+          <a:lstStyle/>
+          <a:p>
+            <a:r>
+              <a:rPr lang="en-US" altLang="zh-CN" dirty="0"/>
+              <a:t>Channel</a:t>
+            </a:r>
+            <a:endParaRPr lang="zh-CN" altLang="en-US" dirty="0"/>
+          </a:p>
+        </p:txBody>
+      </p:sp>
+      <p:sp>
+        <p:nvSpPr>
+          <p:cNvPr id="16" name="内容占位符 2">
+            <a:extLst>
+              <a:ext uri="{FF2B5EF4-FFF2-40B4-BE49-F238E27FC236}">
+                <a16:creationId xmlns:a16="http://schemas.microsoft.com/office/drawing/2014/main" id="{E06380B4-F0EF-0F3E-264F-55AACA038C5F}"/>
+              </a:ext>
+            </a:extLst>
+          </p:cNvPr>
+          <p:cNvSpPr txBox="1">
+            <a:spLocks/>
+          </p:cNvSpPr>
+          <p:nvPr/>
+        </p:nvSpPr>
+        <p:spPr bwMode="auto">
+          <a:xfrm>
+            <a:off x="93652" y="1068112"/>
+            <a:ext cx="9050348" cy="474198"/>
+          </a:xfrm>
+          <a:prstGeom prst="rect">
+            <a:avLst/>
+          </a:prstGeom>
+          <a:noFill/>
+          <a:ln>
+            <a:noFill/>
+          </a:ln>
+          <a:extLst>
+            <a:ext uri="{909E8E84-426E-40DD-AFC4-6F175D3DCCD1}">
+              <a14:hiddenFill xmlns:a14="http://schemas.microsoft.com/office/drawing/2010/main">
+                <a:solidFill>
+                  <a:srgbClr val="FFFFFF"/>
+                </a:solidFill>
+              </a14:hiddenFill>
+            </a:ext>
+            <a:ext uri="{91240B29-F687-4F45-9708-019B960494DF}">
+              <a14:hiddenLine xmlns:a14="http://schemas.microsoft.com/office/drawing/2010/main" w="28575">
+                <a:solidFill>
+                  <a:srgbClr val="000000"/>
+                </a:solidFill>
+                <a:miter lim="800000"/>
+                <a:headEnd/>
+                <a:tailEnd/>
+              </a14:hiddenLine>
+            </a:ext>
+          </a:extLst>
+        </p:spPr>
+        <p:txBody>
+          <a:bodyPr vert="horz" wrap="square" lIns="91440" tIns="45720" rIns="91440" bIns="45720" numCol="1" anchor="t" anchorCtr="0" compatLnSpc="1">
+            <a:prstTxWarp prst="textNoShape">
+              <a:avLst/>
+            </a:prstTxWarp>
+          </a:bodyPr>
+          <a:lstStyle>
+            <a:lvl1pPr marL="342900" indent="-342900" algn="l" rtl="0" eaLnBrk="1" fontAlgn="base" hangingPunct="1">
+              <a:spcBef>
+                <a:spcPct val="30000"/>
+              </a:spcBef>
+              <a:spcAft>
+                <a:spcPct val="0"/>
+              </a:spcAft>
+              <a:buClr>
+                <a:schemeClr val="hlink"/>
+              </a:buClr>
+              <a:buFont typeface="Wingdings" pitchFamily="2" charset="2"/>
+              <a:buChar char="§"/>
+              <a:defRPr sz="3200">
+                <a:solidFill>
+                  <a:srgbClr val="000066"/>
+                </a:solidFill>
+                <a:latin typeface="微软雅黑" pitchFamily="34" charset="-122"/>
+                <a:ea typeface="微软雅黑" pitchFamily="34" charset="-122"/>
+                <a:cs typeface="+mn-cs"/>
+              </a:defRPr>
+            </a:lvl1pPr>
+            <a:lvl2pPr marL="742950" indent="-285750" algn="l" rtl="0" eaLnBrk="1" fontAlgn="base" hangingPunct="1">
+              <a:spcBef>
+                <a:spcPct val="30000"/>
+              </a:spcBef>
+              <a:spcAft>
+                <a:spcPct val="0"/>
+              </a:spcAft>
+              <a:buClr>
+                <a:schemeClr val="tx2"/>
+              </a:buClr>
+              <a:buSzPct val="85000"/>
+              <a:buFont typeface="Wingdings" pitchFamily="2" charset="2"/>
+              <a:buChar char="Ø"/>
+              <a:defRPr sz="2800">
+                <a:solidFill>
+                  <a:srgbClr val="006666"/>
+                </a:solidFill>
+                <a:latin typeface="微软雅黑" pitchFamily="34" charset="-122"/>
+                <a:ea typeface="微软雅黑" pitchFamily="34" charset="-122"/>
+              </a:defRPr>
+            </a:lvl2pPr>
+            <a:lvl3pPr marL="1143000" indent="-228600" algn="l" rtl="0" eaLnBrk="1" fontAlgn="base" hangingPunct="1">
+              <a:spcBef>
+                <a:spcPct val="30000"/>
+              </a:spcBef>
+              <a:spcAft>
+                <a:spcPct val="0"/>
+              </a:spcAft>
+              <a:buClr>
+                <a:schemeClr val="hlink"/>
+              </a:buClr>
+              <a:buSzPct val="95000"/>
+              <a:buFont typeface="Wingdings 2" pitchFamily="18" charset="2"/>
+              <a:buChar char="¡"/>
+              <a:defRPr sz="2400">
+                <a:solidFill>
+                  <a:schemeClr val="hlink"/>
+                </a:solidFill>
+                <a:latin typeface="微软雅黑" pitchFamily="34" charset="-122"/>
+                <a:ea typeface="微软雅黑" pitchFamily="34" charset="-122"/>
+              </a:defRPr>
+            </a:lvl3pPr>
+            <a:lvl4pPr marL="1600200" indent="-228600" algn="l" rtl="0" eaLnBrk="1" fontAlgn="base" hangingPunct="1">
+              <a:spcBef>
+                <a:spcPct val="30000"/>
+              </a:spcBef>
+              <a:spcAft>
+                <a:spcPct val="0"/>
+              </a:spcAft>
+              <a:buClr>
+                <a:schemeClr val="tx2"/>
+              </a:buClr>
+              <a:buSzPct val="90000"/>
+              <a:buFont typeface="Wingdings" pitchFamily="2" charset="2"/>
+              <a:buChar char="Ø"/>
+              <a:defRPr sz="2000">
+                <a:solidFill>
+                  <a:srgbClr val="990099"/>
+                </a:solidFill>
+                <a:latin typeface="微软雅黑" pitchFamily="34" charset="-122"/>
+                <a:ea typeface="微软雅黑" pitchFamily="34" charset="-122"/>
+              </a:defRPr>
+            </a:lvl4pPr>
+            <a:lvl5pPr marL="2057400" indent="-228600" algn="l" rtl="0" eaLnBrk="1" fontAlgn="base" hangingPunct="1">
+              <a:spcBef>
+                <a:spcPct val="30000"/>
+              </a:spcBef>
+              <a:spcAft>
+                <a:spcPct val="0"/>
+              </a:spcAft>
+              <a:buClr>
+                <a:schemeClr val="hlink"/>
+              </a:buClr>
+              <a:buFont typeface="Wingdings 2" pitchFamily="18" charset="2"/>
+              <a:buChar char="¡"/>
+              <a:defRPr sz="2000">
+                <a:solidFill>
+                  <a:schemeClr val="tx1"/>
+                </a:solidFill>
+                <a:latin typeface="微软雅黑" pitchFamily="34" charset="-122"/>
+                <a:ea typeface="微软雅黑" pitchFamily="34" charset="-122"/>
+              </a:defRPr>
+            </a:lvl5pPr>
+            <a:lvl6pPr marL="2514600" indent="-228600" algn="l" rtl="0" eaLnBrk="1" fontAlgn="base" hangingPunct="1">
+              <a:spcBef>
+                <a:spcPct val="30000"/>
+              </a:spcBef>
+              <a:spcAft>
+                <a:spcPct val="0"/>
+              </a:spcAft>
+              <a:buClr>
+                <a:schemeClr val="hlink"/>
+              </a:buClr>
+              <a:buFont typeface="Wingdings 2" pitchFamily="18" charset="2"/>
+              <a:buChar char="¡"/>
+              <a:defRPr sz="2000">
+                <a:solidFill>
+                  <a:schemeClr val="tx1"/>
+                </a:solidFill>
+                <a:latin typeface="+mn-lt"/>
+                <a:ea typeface="+mn-ea"/>
+              </a:defRPr>
+            </a:lvl6pPr>
+            <a:lvl7pPr marL="2971800" indent="-228600" algn="l" rtl="0" eaLnBrk="1" fontAlgn="base" hangingPunct="1">
+              <a:spcBef>
+                <a:spcPct val="30000"/>
+              </a:spcBef>
+              <a:spcAft>
+                <a:spcPct val="0"/>
+              </a:spcAft>
+              <a:buClr>
+                <a:schemeClr val="hlink"/>
+              </a:buClr>
+              <a:buFont typeface="Wingdings 2" pitchFamily="18" charset="2"/>
+              <a:buChar char="¡"/>
+              <a:defRPr sz="2000">
+                <a:solidFill>
+                  <a:schemeClr val="tx1"/>
+                </a:solidFill>
+                <a:latin typeface="+mn-lt"/>
+                <a:ea typeface="+mn-ea"/>
+              </a:defRPr>
+            </a:lvl7pPr>
+            <a:lvl8pPr marL="3429000" indent="-228600" algn="l" rtl="0" eaLnBrk="1" fontAlgn="base" hangingPunct="1">
+              <a:spcBef>
+                <a:spcPct val="30000"/>
+              </a:spcBef>
+              <a:spcAft>
+                <a:spcPct val="0"/>
+              </a:spcAft>
+              <a:buClr>
+                <a:schemeClr val="hlink"/>
+              </a:buClr>
+              <a:buFont typeface="Wingdings 2" pitchFamily="18" charset="2"/>
+              <a:buChar char="¡"/>
+              <a:defRPr sz="2000">
+                <a:solidFill>
+                  <a:schemeClr val="tx1"/>
+                </a:solidFill>
+                <a:latin typeface="+mn-lt"/>
+                <a:ea typeface="+mn-ea"/>
+              </a:defRPr>
+            </a:lvl8pPr>
+            <a:lvl9pPr marL="3886200" indent="-228600" algn="l" rtl="0" eaLnBrk="1" fontAlgn="base" hangingPunct="1">
+              <a:spcBef>
+                <a:spcPct val="30000"/>
+              </a:spcBef>
+              <a:spcAft>
+                <a:spcPct val="0"/>
+              </a:spcAft>
+              <a:buClr>
+                <a:schemeClr val="hlink"/>
+              </a:buClr>
+              <a:buFont typeface="Wingdings 2" pitchFamily="18" charset="2"/>
+              <a:buChar char="¡"/>
+              <a:defRPr sz="2000">
+                <a:solidFill>
+                  <a:schemeClr val="tx1"/>
+                </a:solidFill>
+                <a:latin typeface="+mn-lt"/>
+                <a:ea typeface="+mn-ea"/>
+              </a:defRPr>
+            </a:lvl9pPr>
+          </a:lstStyle>
+          <a:p>
+            <a:r>
+              <a:rPr lang="en-US" altLang="zh-CN" sz="2400" kern="0" dirty="0">
+                <a:latin typeface="+mn-lt"/>
+                <a:cs typeface="Times New Roman" panose="02020603050405020304" pitchFamily="18" charset="0"/>
+              </a:rPr>
+              <a:t>RETAU180</a:t>
+            </a:r>
+            <a:endParaRPr lang="en-US" altLang="zh-CN" sz="2000" kern="0" dirty="0">
+              <a:latin typeface="+mn-lt"/>
+              <a:cs typeface="Times New Roman" panose="02020603050405020304" pitchFamily="18" charset="0"/>
+            </a:endParaRPr>
+          </a:p>
+        </p:txBody>
+      </p:sp>
+      <p:pic>
+        <p:nvPicPr>
+          <p:cNvPr id="14" name="Picture 13">
+            <a:extLst>
+              <a:ext uri="{FF2B5EF4-FFF2-40B4-BE49-F238E27FC236}">
+                <a16:creationId xmlns:a16="http://schemas.microsoft.com/office/drawing/2014/main" id="{68C9F6FD-A41B-AC98-57CF-8DFDDA4B9F2A}"/>
+              </a:ext>
+            </a:extLst>
+          </p:cNvPr>
+          <p:cNvPicPr>
+            <a:picLocks noChangeAspect="1"/>
+          </p:cNvPicPr>
+          <p:nvPr/>
+        </p:nvPicPr>
+        <p:blipFill>
+          <a:blip r:embed="rId3"/>
+          <a:stretch>
+            <a:fillRect/>
+          </a:stretch>
+        </p:blipFill>
+        <p:spPr>
+          <a:xfrm>
+            <a:off x="4572000" y="1748805"/>
+            <a:ext cx="3200400" cy="2410558"/>
+          </a:xfrm>
+          <a:prstGeom prst="rect">
+            <a:avLst/>
+          </a:prstGeom>
+        </p:spPr>
+      </p:pic>
+      <p:pic>
+        <p:nvPicPr>
+          <p:cNvPr id="18" name="Picture 17">
+            <a:extLst>
+              <a:ext uri="{FF2B5EF4-FFF2-40B4-BE49-F238E27FC236}">
+                <a16:creationId xmlns:a16="http://schemas.microsoft.com/office/drawing/2014/main" id="{FE4CB8F9-DC8F-1C46-00D0-67AC2DF85547}"/>
+              </a:ext>
+            </a:extLst>
+          </p:cNvPr>
+          <p:cNvPicPr>
+            <a:picLocks noChangeAspect="1"/>
+          </p:cNvPicPr>
+          <p:nvPr/>
+        </p:nvPicPr>
+        <p:blipFill>
+          <a:blip r:embed="rId4"/>
+          <a:stretch>
+            <a:fillRect/>
+          </a:stretch>
+        </p:blipFill>
+        <p:spPr>
+          <a:xfrm>
+            <a:off x="1367246" y="1748805"/>
+            <a:ext cx="3200400" cy="2392631"/>
+          </a:xfrm>
+          <a:prstGeom prst="rect">
+            <a:avLst/>
+          </a:prstGeom>
+        </p:spPr>
+      </p:pic>
+      <p:pic>
+        <p:nvPicPr>
+          <p:cNvPr id="7" name="Picture 6">
+            <a:extLst>
+              <a:ext uri="{FF2B5EF4-FFF2-40B4-BE49-F238E27FC236}">
+                <a16:creationId xmlns:a16="http://schemas.microsoft.com/office/drawing/2014/main" id="{D8CB13BB-2945-9687-8745-829109E7F69D}"/>
+              </a:ext>
+            </a:extLst>
+          </p:cNvPr>
+          <p:cNvPicPr>
+            <a:picLocks noChangeAspect="1"/>
+          </p:cNvPicPr>
+          <p:nvPr/>
+        </p:nvPicPr>
+        <p:blipFill>
+          <a:blip r:embed="rId5"/>
+          <a:stretch>
+            <a:fillRect/>
+          </a:stretch>
+        </p:blipFill>
+        <p:spPr>
+          <a:xfrm>
+            <a:off x="1367246" y="4267200"/>
+            <a:ext cx="3200400" cy="2393879"/>
+          </a:xfrm>
+          <a:prstGeom prst="rect">
+            <a:avLst/>
+          </a:prstGeom>
+        </p:spPr>
+      </p:pic>
     </p:spTree>
     <p:extLst>
       <p:ext uri="{BB962C8B-B14F-4D97-AF65-F5344CB8AC3E}">
-        <p14:creationId xmlns:p14="http://schemas.microsoft.com/office/powerpoint/2010/main" val="3334254190"/>
+        <p14:creationId xmlns:p14="http://schemas.microsoft.com/office/powerpoint/2010/main" val="1868583014"/>
       </p:ext>
     </p:extLst>
   </p:cSld>
@@ -32008,8 +32178,8 @@
         </p:nvSpPr>
         <p:spPr bwMode="auto">
           <a:xfrm>
-            <a:off x="93652" y="1068113"/>
-            <a:ext cx="8974148" cy="932338"/>
+            <a:off x="93652" y="1068112"/>
+            <a:ext cx="8974148" cy="1181071"/>
           </a:xfrm>
           <a:prstGeom prst="rect">
             <a:avLst/>
@@ -32277,7 +32447,7 @@
         </p:blipFill>
         <p:spPr>
           <a:xfrm>
-            <a:off x="1219200" y="2286000"/>
+            <a:off x="1219200" y="2209800"/>
             <a:ext cx="3200400" cy="2399016"/>
           </a:xfrm>
           <a:prstGeom prst="rect">
@@ -32307,7 +32477,7 @@
         </p:blipFill>
         <p:spPr>
           <a:xfrm>
-            <a:off x="4648200" y="2286000"/>
+            <a:off x="4648200" y="2209800"/>
             <a:ext cx="3200400" cy="2388815"/>
           </a:xfrm>
           <a:prstGeom prst="rect">
@@ -32337,7 +32507,7 @@
         </p:blipFill>
         <p:spPr>
           <a:xfrm>
-            <a:off x="1219200" y="4685016"/>
+            <a:off x="1219200" y="4608816"/>
             <a:ext cx="3200400" cy="2410558"/>
           </a:xfrm>
           <a:prstGeom prst="rect">
@@ -32367,7 +32537,7 @@
         </p:blipFill>
         <p:spPr>
           <a:xfrm>
-            <a:off x="4648200" y="4701730"/>
+            <a:off x="4648200" y="4625530"/>
             <a:ext cx="3200400" cy="2391339"/>
           </a:xfrm>
           <a:prstGeom prst="rect">
@@ -33298,7 +33468,7 @@
         <p:cNvPr id="1" name="">
           <a:extLst>
             <a:ext uri="{FF2B5EF4-FFF2-40B4-BE49-F238E27FC236}">
-              <a16:creationId xmlns:a16="http://schemas.microsoft.com/office/drawing/2014/main" id="{5F7F38A8-EFC3-B06C-FC7D-10EF5C6B618E}"/>
+              <a16:creationId xmlns:a16="http://schemas.microsoft.com/office/drawing/2014/main" id="{FD51F8A1-C545-C753-B009-0A022151AB5E}"/>
             </a:ext>
           </a:extLst>
         </p:cNvPr>
@@ -33318,7 +33488,7 @@
           <p:cNvPr id="2" name="Title 1">
             <a:extLst>
               <a:ext uri="{FF2B5EF4-FFF2-40B4-BE49-F238E27FC236}">
-                <a16:creationId xmlns:a16="http://schemas.microsoft.com/office/drawing/2014/main" id="{5853A2E8-BAA6-B01D-D4A5-0FCB01D6692F}"/>
+                <a16:creationId xmlns:a16="http://schemas.microsoft.com/office/drawing/2014/main" id="{29DD39E9-7677-88D7-3BB8-B65B4DFD9039}"/>
               </a:ext>
             </a:extLst>
           </p:cNvPr>
@@ -33341,406 +33511,158 @@
           <a:p>
             <a:r>
               <a:rPr lang="en-US" altLang="zh-CN" dirty="0"/>
-              <a:t>Square Duct</a:t>
+              <a:t>Channel</a:t>
             </a:r>
             <a:endParaRPr lang="zh-CN" altLang="en-US" dirty="0"/>
           </a:p>
         </p:txBody>
       </p:sp>
-      <mc:AlternateContent xmlns:mc="http://schemas.openxmlformats.org/markup-compatibility/2006" xmlns:a14="http://schemas.microsoft.com/office/drawing/2010/main">
-        <mc:Choice Requires="a14">
-          <p:sp>
-            <p:nvSpPr>
-              <p:cNvPr id="7" name="内容占位符 2">
-                <a:extLst>
-                  <a:ext uri="{FF2B5EF4-FFF2-40B4-BE49-F238E27FC236}">
-                    <a16:creationId xmlns:a16="http://schemas.microsoft.com/office/drawing/2014/main" id="{A7064020-A8FD-D083-3E6B-AB4AA320E5C7}"/>
-                  </a:ext>
-                </a:extLst>
-              </p:cNvPr>
-              <p:cNvSpPr>
-                <a:spLocks noGrp="1"/>
-              </p:cNvSpPr>
-              <p:nvPr>
-                <p:ph idx="4294967295"/>
-              </p:nvPr>
-            </p:nvSpPr>
-            <p:spPr>
-              <a:xfrm>
-                <a:off x="93652" y="1068110"/>
-                <a:ext cx="9050348" cy="6018490"/>
-              </a:xfrm>
-            </p:spPr>
-            <p:txBody>
-              <a:bodyPr/>
-              <a:lstStyle/>
-              <a:p>
-                <a:r>
-                  <a:rPr lang="en-US" altLang="zh-CN" sz="2400" dirty="0">
-                    <a:latin typeface="+mn-lt"/>
-                    <a:cs typeface="Times New Roman" panose="02020603050405020304" pitchFamily="18" charset="0"/>
-                  </a:rPr>
-                  <a:t>High-Reynolds-number wall-bounded turbulence is common in industrial engineering, but is inaccessible to DNS/LES</a:t>
-                </a:r>
-                <a:endParaRPr lang="en-US" altLang="zh-CN" sz="2000" dirty="0">
-                  <a:latin typeface="+mn-lt"/>
-                  <a:cs typeface="Times New Roman" panose="02020603050405020304" pitchFamily="18" charset="0"/>
-                </a:endParaRPr>
-              </a:p>
-              <a:p>
-                <a:pPr lvl="1"/>
-                <a:r>
-                  <a:rPr lang="en-US" altLang="zh-CN" sz="2000" dirty="0">
-                    <a:latin typeface="+mn-lt"/>
-                    <a:cs typeface="Times New Roman" panose="02020603050405020304" pitchFamily="18" charset="0"/>
-                  </a:rPr>
-                  <a:t>LES of a whole aircraft will be ready in 2045</a:t>
-                </a:r>
-              </a:p>
-              <a:p>
-                <a:pPr lvl="1"/>
-                <a:r>
-                  <a:rPr lang="en-US" altLang="zh-CN" sz="2000" dirty="0">
-                    <a:latin typeface="+mn-lt"/>
-                    <a:cs typeface="Times New Roman" panose="02020603050405020304" pitchFamily="18" charset="0"/>
-                  </a:rPr>
-                  <a:t>The highest computable </a:t>
-                </a:r>
-                <a14:m>
-                  <m:oMath xmlns:m="http://schemas.openxmlformats.org/officeDocument/2006/math">
-                    <m:sSub>
-                      <m:sSubPr>
-                        <m:ctrlPr>
-                          <a:rPr lang="en-US" altLang="zh-CN" sz="2000" i="1" smtClean="0">
-                            <a:latin typeface="Cambria Math" panose="02040503050406030204" pitchFamily="18" charset="0"/>
-                            <a:cs typeface="Times New Roman" panose="02020603050405020304" pitchFamily="18" charset="0"/>
-                          </a:rPr>
-                        </m:ctrlPr>
-                      </m:sSubPr>
-                      <m:e>
-                        <m:r>
-                          <a:rPr lang="en-US" altLang="zh-CN" sz="2000" b="0" i="1" smtClean="0">
-                            <a:latin typeface="Cambria Math" panose="02040503050406030204" pitchFamily="18" charset="0"/>
-                            <a:cs typeface="Times New Roman" panose="02020603050405020304" pitchFamily="18" charset="0"/>
-                          </a:rPr>
-                          <m:t>𝑅𝑒</m:t>
-                        </m:r>
-                      </m:e>
-                      <m:sub>
-                        <m:r>
-                          <a:rPr lang="zh-CN" altLang="en-US" sz="2000" i="1" smtClean="0">
-                            <a:latin typeface="Cambria Math" panose="02040503050406030204" pitchFamily="18" charset="0"/>
-                            <a:cs typeface="Times New Roman" panose="02020603050405020304" pitchFamily="18" charset="0"/>
-                          </a:rPr>
-                          <m:t>𝜏</m:t>
-                        </m:r>
-                      </m:sub>
-                    </m:sSub>
-                  </m:oMath>
-                </a14:m>
-                <a:r>
-                  <a:rPr lang="en-US" altLang="zh-CN" sz="2000" dirty="0">
-                    <a:latin typeface="+mn-lt"/>
-                    <a:cs typeface="Times New Roman" panose="02020603050405020304" pitchFamily="18" charset="0"/>
-                  </a:rPr>
-                  <a:t> ~ 10</a:t>
-                </a:r>
-                <a:r>
-                  <a:rPr lang="en-US" altLang="zh-CN" sz="2000" baseline="30000" dirty="0">
-                    <a:latin typeface="+mn-lt"/>
-                    <a:cs typeface="Times New Roman" panose="02020603050405020304" pitchFamily="18" charset="0"/>
-                  </a:rPr>
-                  <a:t>4</a:t>
-                </a:r>
-                <a:r>
-                  <a:rPr lang="en-US" altLang="zh-CN" sz="2000" dirty="0">
-                    <a:latin typeface="+mn-lt"/>
-                    <a:cs typeface="Times New Roman" panose="02020603050405020304" pitchFamily="18" charset="0"/>
-                  </a:rPr>
-                  <a:t> for channel</a:t>
-                </a:r>
-              </a:p>
-              <a:p>
-                <a:pPr lvl="1"/>
-                <a:endParaRPr lang="en-US" altLang="zh-CN" sz="2000" baseline="30000" dirty="0">
-                  <a:latin typeface="+mn-lt"/>
-                  <a:cs typeface="Times New Roman" panose="02020603050405020304" pitchFamily="18" charset="0"/>
-                </a:endParaRPr>
-              </a:p>
-              <a:p>
-                <a:pPr marL="457200" lvl="1" indent="0">
-                  <a:buNone/>
-                </a:pPr>
-                <a:endParaRPr lang="en-US" altLang="zh-CN" sz="2000" baseline="30000" dirty="0">
-                  <a:latin typeface="+mn-lt"/>
-                  <a:cs typeface="Times New Roman" panose="02020603050405020304" pitchFamily="18" charset="0"/>
-                </a:endParaRPr>
-              </a:p>
-              <a:p>
-                <a:pPr marL="457200" lvl="1" indent="0">
-                  <a:buNone/>
-                </a:pPr>
-                <a:endParaRPr lang="en-US" altLang="zh-CN" sz="2000" baseline="30000" dirty="0">
-                  <a:latin typeface="+mn-lt"/>
-                  <a:cs typeface="Times New Roman" panose="02020603050405020304" pitchFamily="18" charset="0"/>
-                </a:endParaRPr>
-              </a:p>
-              <a:p>
-                <a:pPr marL="457200" lvl="1" indent="0">
-                  <a:buNone/>
-                </a:pPr>
-                <a:endParaRPr lang="en-US" altLang="zh-CN" sz="2000" baseline="30000" dirty="0">
-                  <a:latin typeface="+mn-lt"/>
-                  <a:cs typeface="Times New Roman" panose="02020603050405020304" pitchFamily="18" charset="0"/>
-                </a:endParaRPr>
-              </a:p>
-              <a:p>
-                <a:pPr marL="457200" lvl="1" indent="0">
-                  <a:buNone/>
-                </a:pPr>
-                <a:endParaRPr lang="en-US" altLang="zh-CN" sz="2000" baseline="30000" dirty="0">
-                  <a:latin typeface="+mn-lt"/>
-                  <a:cs typeface="Times New Roman" panose="02020603050405020304" pitchFamily="18" charset="0"/>
-                </a:endParaRPr>
-              </a:p>
-              <a:p>
-                <a:pPr marL="457200" lvl="1" indent="0">
-                  <a:buNone/>
-                </a:pPr>
-                <a:endParaRPr lang="en-US" altLang="zh-CN" sz="2000" baseline="30000" dirty="0">
-                  <a:latin typeface="+mn-lt"/>
-                  <a:cs typeface="Times New Roman" panose="02020603050405020304" pitchFamily="18" charset="0"/>
-                </a:endParaRPr>
-              </a:p>
-              <a:p>
-                <a:pPr marL="457200" lvl="1" indent="0">
-                  <a:buNone/>
-                </a:pPr>
-                <a:endParaRPr lang="en-US" altLang="zh-CN" sz="2000" baseline="30000" dirty="0">
-                  <a:latin typeface="+mn-lt"/>
-                  <a:cs typeface="Times New Roman" panose="02020603050405020304" pitchFamily="18" charset="0"/>
-                </a:endParaRPr>
-              </a:p>
-              <a:p>
-                <a:pPr marL="457200" lvl="1" indent="0">
-                  <a:buNone/>
-                </a:pPr>
-                <a:endParaRPr lang="en-US" altLang="zh-CN" sz="2000" baseline="30000" dirty="0">
-                  <a:latin typeface="+mn-lt"/>
-                  <a:cs typeface="Times New Roman" panose="02020603050405020304" pitchFamily="18" charset="0"/>
-                </a:endParaRPr>
-              </a:p>
-              <a:p>
-                <a:pPr>
-                  <a:lnSpc>
-                    <a:spcPct val="125000"/>
-                  </a:lnSpc>
-                </a:pPr>
-                <a:endParaRPr lang="en-US" altLang="zh-CN" sz="2400" dirty="0">
-                  <a:latin typeface="+mn-lt"/>
-                  <a:cs typeface="Times New Roman" panose="02020603050405020304" pitchFamily="18" charset="0"/>
-                </a:endParaRPr>
-              </a:p>
-              <a:p>
-                <a:pPr lvl="1">
-                  <a:lnSpc>
-                    <a:spcPct val="125000"/>
-                  </a:lnSpc>
-                </a:pPr>
-                <a:endParaRPr lang="en-US" altLang="zh-CN" sz="2000" dirty="0">
-                  <a:latin typeface="+mn-lt"/>
-                  <a:cs typeface="Times New Roman" panose="02020603050405020304" pitchFamily="18" charset="0"/>
-                </a:endParaRPr>
-              </a:p>
-            </p:txBody>
-          </p:sp>
-        </mc:Choice>
-        <mc:Fallback xmlns="">
-          <p:sp>
-            <p:nvSpPr>
-              <p:cNvPr id="7" name="内容占位符 2">
-                <a:extLst>
-                  <a:ext uri="{FF2B5EF4-FFF2-40B4-BE49-F238E27FC236}">
-                    <a16:creationId xmlns:a16="http://schemas.microsoft.com/office/drawing/2014/main" id="{A7064020-A8FD-D083-3E6B-AB4AA320E5C7}"/>
-                  </a:ext>
-                </a:extLst>
-              </p:cNvPr>
-              <p:cNvSpPr>
-                <a:spLocks noGrp="1" noRot="1" noChangeAspect="1" noMove="1" noResize="1" noEditPoints="1" noAdjustHandles="1" noChangeArrowheads="1" noChangeShapeType="1" noTextEdit="1"/>
-              </p:cNvSpPr>
-              <p:nvPr>
-                <p:ph idx="4294967295"/>
-              </p:nvPr>
-            </p:nvSpPr>
-            <p:spPr>
-              <a:xfrm>
-                <a:off x="93652" y="1068110"/>
-                <a:ext cx="9050348" cy="6018490"/>
-              </a:xfrm>
-              <a:blipFill>
-                <a:blip r:embed="rId3"/>
-                <a:stretch>
-                  <a:fillRect l="-875" t="-709" r="-943"/>
-                </a:stretch>
-              </a:blipFill>
-            </p:spPr>
-            <p:txBody>
-              <a:bodyPr/>
-              <a:lstStyle/>
-              <a:p>
-                <a:r>
-                  <a:rPr lang="en-US">
-                    <a:noFill/>
-                  </a:rPr>
-                  <a:t> </a:t>
-                </a:r>
-              </a:p>
-            </p:txBody>
-          </p:sp>
-        </mc:Fallback>
-      </mc:AlternateContent>
+      <p:sp>
+        <p:nvSpPr>
+          <p:cNvPr id="7" name="内容占位符 2">
+            <a:extLst>
+              <a:ext uri="{FF2B5EF4-FFF2-40B4-BE49-F238E27FC236}">
+                <a16:creationId xmlns:a16="http://schemas.microsoft.com/office/drawing/2014/main" id="{0F9127B6-8915-E052-521C-E8C25F1A38CF}"/>
+              </a:ext>
+            </a:extLst>
+          </p:cNvPr>
+          <p:cNvSpPr>
+            <a:spLocks noGrp="1"/>
+          </p:cNvSpPr>
+          <p:nvPr>
+            <p:ph idx="4294967295"/>
+          </p:nvPr>
+        </p:nvSpPr>
+        <p:spPr>
+          <a:xfrm>
+            <a:off x="93652" y="1068111"/>
+            <a:ext cx="9050348" cy="2376129"/>
+          </a:xfrm>
+        </p:spPr>
+        <p:txBody>
+          <a:bodyPr/>
+          <a:lstStyle/>
+          <a:p>
+            <a:r>
+              <a:rPr lang="pt-BR" altLang="zh-CN" sz="2400" dirty="0">
+                <a:latin typeface="+mn-lt"/>
+                <a:cs typeface="Times New Roman" panose="02020603050405020304" pitchFamily="18" charset="0"/>
+              </a:rPr>
+              <a:t>Explicit vs implicit1D</a:t>
+            </a:r>
+            <a:endParaRPr lang="en-US" altLang="zh-CN" sz="2000" dirty="0">
+              <a:latin typeface="+mn-lt"/>
+              <a:cs typeface="Times New Roman" panose="02020603050405020304" pitchFamily="18" charset="0"/>
+            </a:endParaRPr>
+          </a:p>
+          <a:p>
+            <a:pPr lvl="1"/>
+            <a:r>
+              <a:rPr lang="en-US" altLang="zh-CN" sz="2000" dirty="0">
+                <a:latin typeface="+mn-lt"/>
+                <a:cs typeface="Times New Roman" panose="02020603050405020304" pitchFamily="18" charset="0"/>
+              </a:rPr>
+              <a:t>The results from the explicit and the implicit1D schemes are almost the same</a:t>
+            </a:r>
+            <a:endParaRPr lang="en-US" altLang="zh-CN" sz="2000" baseline="30000" dirty="0">
+              <a:latin typeface="+mn-lt"/>
+              <a:cs typeface="Times New Roman" panose="02020603050405020304" pitchFamily="18" charset="0"/>
+            </a:endParaRPr>
+          </a:p>
+          <a:p>
+            <a:pPr marL="457200" lvl="1" indent="0">
+              <a:buNone/>
+            </a:pPr>
+            <a:endParaRPr lang="en-US" altLang="zh-CN" sz="2000" baseline="30000" dirty="0">
+              <a:latin typeface="+mn-lt"/>
+              <a:cs typeface="Times New Roman" panose="02020603050405020304" pitchFamily="18" charset="0"/>
+            </a:endParaRPr>
+          </a:p>
+          <a:p>
+            <a:pPr marL="457200" lvl="1" indent="0">
+              <a:buNone/>
+            </a:pPr>
+            <a:endParaRPr lang="en-US" altLang="zh-CN" sz="2000" baseline="30000" dirty="0">
+              <a:latin typeface="+mn-lt"/>
+              <a:cs typeface="Times New Roman" panose="02020603050405020304" pitchFamily="18" charset="0"/>
+            </a:endParaRPr>
+          </a:p>
+          <a:p>
+            <a:pPr marL="457200" lvl="1" indent="0">
+              <a:buNone/>
+            </a:pPr>
+            <a:endParaRPr lang="en-US" altLang="zh-CN" sz="2000" baseline="30000" dirty="0">
+              <a:latin typeface="+mn-lt"/>
+              <a:cs typeface="Times New Roman" panose="02020603050405020304" pitchFamily="18" charset="0"/>
+            </a:endParaRPr>
+          </a:p>
+          <a:p>
+            <a:pPr marL="457200" lvl="1" indent="0">
+              <a:buNone/>
+            </a:pPr>
+            <a:endParaRPr lang="en-US" altLang="zh-CN" sz="2000" baseline="30000" dirty="0">
+              <a:latin typeface="+mn-lt"/>
+              <a:cs typeface="Times New Roman" panose="02020603050405020304" pitchFamily="18" charset="0"/>
+            </a:endParaRPr>
+          </a:p>
+          <a:p>
+            <a:pPr marL="457200" lvl="1" indent="0">
+              <a:buNone/>
+            </a:pPr>
+            <a:endParaRPr lang="en-US" altLang="zh-CN" sz="2000" baseline="30000" dirty="0">
+              <a:latin typeface="+mn-lt"/>
+              <a:cs typeface="Times New Roman" panose="02020603050405020304" pitchFamily="18" charset="0"/>
+            </a:endParaRPr>
+          </a:p>
+          <a:p>
+            <a:pPr marL="457200" lvl="1" indent="0">
+              <a:buNone/>
+            </a:pPr>
+            <a:endParaRPr lang="en-US" altLang="zh-CN" sz="2000" baseline="30000" dirty="0">
+              <a:latin typeface="+mn-lt"/>
+              <a:cs typeface="Times New Roman" panose="02020603050405020304" pitchFamily="18" charset="0"/>
+            </a:endParaRPr>
+          </a:p>
+          <a:p>
+            <a:pPr marL="457200" lvl="1" indent="0">
+              <a:buNone/>
+            </a:pPr>
+            <a:endParaRPr lang="en-US" altLang="zh-CN" sz="2000" baseline="30000" dirty="0">
+              <a:latin typeface="+mn-lt"/>
+              <a:cs typeface="Times New Roman" panose="02020603050405020304" pitchFamily="18" charset="0"/>
+            </a:endParaRPr>
+          </a:p>
+          <a:p>
+            <a:pPr>
+              <a:lnSpc>
+                <a:spcPct val="125000"/>
+              </a:lnSpc>
+            </a:pPr>
+            <a:endParaRPr lang="en-US" altLang="zh-CN" sz="2400" dirty="0">
+              <a:latin typeface="+mn-lt"/>
+              <a:cs typeface="Times New Roman" panose="02020603050405020304" pitchFamily="18" charset="0"/>
+            </a:endParaRPr>
+          </a:p>
+          <a:p>
+            <a:pPr marL="457200" lvl="1" indent="0">
+              <a:lnSpc>
+                <a:spcPct val="125000"/>
+              </a:lnSpc>
+              <a:buNone/>
+            </a:pPr>
+            <a:endParaRPr lang="en-US" altLang="zh-CN" sz="2000" dirty="0">
+              <a:latin typeface="+mn-lt"/>
+              <a:cs typeface="Times New Roman" panose="02020603050405020304" pitchFamily="18" charset="0"/>
+            </a:endParaRPr>
+          </a:p>
+        </p:txBody>
+      </p:sp>
       <p:sp>
         <p:nvSpPr>
           <p:cNvPr id="9" name="Rectangle 2">
             <a:extLst>
               <a:ext uri="{FF2B5EF4-FFF2-40B4-BE49-F238E27FC236}">
-                <a16:creationId xmlns:a16="http://schemas.microsoft.com/office/drawing/2014/main" id="{AEE5A0DC-9B60-D991-778C-935DCF553039}"/>
-              </a:ext>
-            </a:extLst>
-          </p:cNvPr>
-          <p:cNvSpPr>
-            <a:spLocks noChangeArrowheads="1"/>
-          </p:cNvSpPr>
-          <p:nvPr/>
-        </p:nvSpPr>
-        <p:spPr bwMode="auto">
-          <a:xfrm>
-            <a:off x="0" y="0"/>
-            <a:ext cx="9144000" cy="0"/>
-          </a:xfrm>
-          <a:prstGeom prst="rect">
-            <a:avLst/>
-          </a:prstGeom>
-          <a:noFill/>
-          <a:ln>
-            <a:noFill/>
-          </a:ln>
-          <a:effectLst/>
-          <a:extLst>
-            <a:ext uri="{909E8E84-426E-40DD-AFC4-6F175D3DCCD1}">
-              <a14:hiddenFill xmlns:a14="http://schemas.microsoft.com/office/drawing/2010/main">
-                <a:solidFill>
-                  <a:schemeClr val="accent1"/>
-                </a:solidFill>
-              </a14:hiddenFill>
-            </a:ext>
-            <a:ext uri="{91240B29-F687-4F45-9708-019B960494DF}">
-              <a14:hiddenLine xmlns:a14="http://schemas.microsoft.com/office/drawing/2010/main" w="9525">
-                <a:solidFill>
-                  <a:schemeClr val="tx1"/>
-                </a:solidFill>
-                <a:miter lim="800000"/>
-                <a:headEnd/>
-                <a:tailEnd/>
-              </a14:hiddenLine>
-            </a:ext>
-            <a:ext uri="{AF507438-7753-43E0-B8FC-AC1667EBCBE1}">
-              <a14:hiddenEffects xmlns:a14="http://schemas.microsoft.com/office/drawing/2010/main">
-                <a:effectLst>
-                  <a:outerShdw dist="35921" dir="2700000" algn="ctr" rotWithShape="0">
-                    <a:schemeClr val="bg2"/>
-                  </a:outerShdw>
-                </a:effectLst>
-              </a14:hiddenEffects>
-            </a:ext>
-          </a:extLst>
-        </p:spPr>
-        <p:txBody>
-          <a:bodyPr vert="horz" wrap="none" lIns="91440" tIns="45720" rIns="91440" bIns="45720" numCol="1" anchor="ctr" anchorCtr="0" compatLnSpc="1">
-            <a:prstTxWarp prst="textNoShape">
-              <a:avLst/>
-            </a:prstTxWarp>
-            <a:spAutoFit/>
-          </a:bodyPr>
-          <a:lstStyle/>
-          <a:p>
-            <a:endParaRPr lang="zh-CN" altLang="en-US"/>
-          </a:p>
-        </p:txBody>
-      </p:sp>
-    </p:spTree>
-    <p:extLst>
-      <p:ext uri="{BB962C8B-B14F-4D97-AF65-F5344CB8AC3E}">
-        <p14:creationId xmlns:p14="http://schemas.microsoft.com/office/powerpoint/2010/main" val="2238880401"/>
-      </p:ext>
-    </p:extLst>
-  </p:cSld>
-  <p:clrMapOvr>
-    <a:masterClrMapping/>
-  </p:clrMapOvr>
-  <p:transition spd="med" advTm="63997"/>
-</p:sld>
-</file>
-
-<file path=ppt/slides/slide3.xml><?xml version="1.0" encoding="utf-8"?>
-<p:sld xmlns:a="http://schemas.openxmlformats.org/drawingml/2006/main" xmlns:r="http://schemas.openxmlformats.org/officeDocument/2006/relationships" xmlns:p="http://schemas.openxmlformats.org/presentationml/2006/main">
-  <p:cSld>
-    <p:spTree>
-      <p:nvGrpSpPr>
-        <p:cNvPr id="1" name="">
-          <a:extLst>
-            <a:ext uri="{FF2B5EF4-FFF2-40B4-BE49-F238E27FC236}">
-              <a16:creationId xmlns:a16="http://schemas.microsoft.com/office/drawing/2014/main" id="{F88127A5-1BF4-A303-EDD5-EE7B5483D35E}"/>
-            </a:ext>
-          </a:extLst>
-        </p:cNvPr>
-        <p:cNvGrpSpPr/>
-        <p:nvPr/>
-      </p:nvGrpSpPr>
-      <p:grpSpPr>
-        <a:xfrm>
-          <a:off x="0" y="0"/>
-          <a:ext cx="0" cy="0"/>
-          <a:chOff x="0" y="0"/>
-          <a:chExt cx="0" cy="0"/>
-        </a:xfrm>
-      </p:grpSpPr>
-      <p:pic>
-        <p:nvPicPr>
-          <p:cNvPr id="15" name="Picture 14">
-            <a:extLst>
-              <a:ext uri="{FF2B5EF4-FFF2-40B4-BE49-F238E27FC236}">
-                <a16:creationId xmlns:a16="http://schemas.microsoft.com/office/drawing/2014/main" id="{25F5D429-7755-36CE-9195-80DBED4E3BBB}"/>
-              </a:ext>
-            </a:extLst>
-          </p:cNvPr>
-          <p:cNvPicPr>
-            <a:picLocks noChangeAspect="1"/>
-          </p:cNvPicPr>
-          <p:nvPr/>
-        </p:nvPicPr>
-        <p:blipFill>
-          <a:blip r:embed="rId3"/>
-          <a:stretch>
-            <a:fillRect/>
-          </a:stretch>
-        </p:blipFill>
-        <p:spPr>
-          <a:xfrm>
-            <a:off x="1181100" y="4072860"/>
-            <a:ext cx="3200400" cy="2407969"/>
-          </a:xfrm>
-          <a:prstGeom prst="rect">
-            <a:avLst/>
-          </a:prstGeom>
-        </p:spPr>
-      </p:pic>
-      <p:sp>
-        <p:nvSpPr>
-          <p:cNvPr id="9" name="Rectangle 2">
-            <a:extLst>
-              <a:ext uri="{FF2B5EF4-FFF2-40B4-BE49-F238E27FC236}">
-                <a16:creationId xmlns:a16="http://schemas.microsoft.com/office/drawing/2014/main" id="{0403F9C4-3150-E7B4-F7AA-9241D90B091C}"/>
+                <a16:creationId xmlns:a16="http://schemas.microsoft.com/office/drawing/2014/main" id="{A7EC59C2-06EC-9DCB-0F67-A96A07EDBA34}"/>
               </a:ext>
             </a:extLst>
           </p:cNvPr>
@@ -33806,855 +33728,10 @@
       </p:sp>
       <p:pic>
         <p:nvPicPr>
-          <p:cNvPr id="5" name="Picture 4">
+          <p:cNvPr id="6" name="Picture 5">
             <a:extLst>
               <a:ext uri="{FF2B5EF4-FFF2-40B4-BE49-F238E27FC236}">
-                <a16:creationId xmlns:a16="http://schemas.microsoft.com/office/drawing/2014/main" id="{BB53BF31-CAD9-F27F-3F00-BCBA25526B6B}"/>
-              </a:ext>
-            </a:extLst>
-          </p:cNvPr>
-          <p:cNvPicPr>
-            <a:picLocks noChangeAspect="1"/>
-          </p:cNvPicPr>
-          <p:nvPr/>
-        </p:nvPicPr>
-        <p:blipFill>
-          <a:blip r:embed="rId4"/>
-          <a:stretch>
-            <a:fillRect/>
-          </a:stretch>
-        </p:blipFill>
-        <p:spPr>
-          <a:xfrm>
-            <a:off x="4387115" y="1680180"/>
-            <a:ext cx="3200400" cy="2392680"/>
-          </a:xfrm>
-          <a:prstGeom prst="rect">
-            <a:avLst/>
-          </a:prstGeom>
-        </p:spPr>
-      </p:pic>
-      <p:pic>
-        <p:nvPicPr>
-          <p:cNvPr id="11" name="Picture 10">
-            <a:extLst>
-              <a:ext uri="{FF2B5EF4-FFF2-40B4-BE49-F238E27FC236}">
-                <a16:creationId xmlns:a16="http://schemas.microsoft.com/office/drawing/2014/main" id="{11E714D1-86A9-7923-7505-0A1E5630DB09}"/>
-              </a:ext>
-            </a:extLst>
-          </p:cNvPr>
-          <p:cNvPicPr>
-            <a:picLocks noChangeAspect="1"/>
-          </p:cNvPicPr>
-          <p:nvPr/>
-        </p:nvPicPr>
-        <p:blipFill>
-          <a:blip r:embed="rId5"/>
-          <a:stretch>
-            <a:fillRect/>
-          </a:stretch>
-        </p:blipFill>
-        <p:spPr>
-          <a:xfrm>
-            <a:off x="1181100" y="1676400"/>
-            <a:ext cx="3200400" cy="2396460"/>
-          </a:xfrm>
-          <a:prstGeom prst="rect">
-            <a:avLst/>
-          </a:prstGeom>
-        </p:spPr>
-      </p:pic>
-      <p:sp>
-        <p:nvSpPr>
-          <p:cNvPr id="4" name="TextBox 3">
-            <a:extLst>
-              <a:ext uri="{FF2B5EF4-FFF2-40B4-BE49-F238E27FC236}">
-                <a16:creationId xmlns:a16="http://schemas.microsoft.com/office/drawing/2014/main" id="{BB6B4FBE-508A-E38E-975C-A4488FB09E39}"/>
-              </a:ext>
-            </a:extLst>
-          </p:cNvPr>
-          <p:cNvSpPr txBox="1"/>
-          <p:nvPr/>
-        </p:nvSpPr>
-        <p:spPr>
-          <a:xfrm>
-            <a:off x="4656926" y="1783314"/>
-            <a:ext cx="1184940" cy="369332"/>
-          </a:xfrm>
-          <a:prstGeom prst="rect">
-            <a:avLst/>
-          </a:prstGeom>
-          <a:noFill/>
-        </p:spPr>
-        <p:txBody>
-          <a:bodyPr wrap="none" rtlCol="0">
-            <a:spAutoFit/>
-          </a:bodyPr>
-          <a:lstStyle/>
-          <a:p>
-            <a:r>
-              <a:rPr lang="en-US" dirty="0"/>
-              <a:t>Neumann</a:t>
-            </a:r>
-          </a:p>
-        </p:txBody>
-      </p:sp>
-      <p:sp>
-        <p:nvSpPr>
-          <p:cNvPr id="6" name="TextBox 5">
-            <a:extLst>
-              <a:ext uri="{FF2B5EF4-FFF2-40B4-BE49-F238E27FC236}">
-                <a16:creationId xmlns:a16="http://schemas.microsoft.com/office/drawing/2014/main" id="{CAB6FECC-5F82-6284-E96C-30D32FA6BC32}"/>
-              </a:ext>
-            </a:extLst>
-          </p:cNvPr>
-          <p:cNvSpPr txBox="1"/>
-          <p:nvPr/>
-        </p:nvSpPr>
-        <p:spPr>
-          <a:xfrm>
-            <a:off x="1463888" y="1810412"/>
-            <a:ext cx="1317412" cy="369332"/>
-          </a:xfrm>
-          <a:prstGeom prst="rect">
-            <a:avLst/>
-          </a:prstGeom>
-          <a:noFill/>
-        </p:spPr>
-        <p:txBody>
-          <a:bodyPr wrap="none" rtlCol="0">
-            <a:spAutoFit/>
-          </a:bodyPr>
-          <a:lstStyle/>
-          <a:p>
-            <a:r>
-              <a:rPr lang="en-US" dirty="0"/>
-              <a:t>Wall model</a:t>
-            </a:r>
-          </a:p>
-        </p:txBody>
-      </p:sp>
-      <p:sp>
-        <p:nvSpPr>
-          <p:cNvPr id="10" name="TextBox 9">
-            <a:extLst>
-              <a:ext uri="{FF2B5EF4-FFF2-40B4-BE49-F238E27FC236}">
-                <a16:creationId xmlns:a16="http://schemas.microsoft.com/office/drawing/2014/main" id="{0020B962-7A9F-1A81-C259-A27371DD4717}"/>
-              </a:ext>
-            </a:extLst>
-          </p:cNvPr>
-          <p:cNvSpPr txBox="1"/>
-          <p:nvPr/>
-        </p:nvSpPr>
-        <p:spPr>
-          <a:xfrm>
-            <a:off x="1463888" y="4206872"/>
-            <a:ext cx="902811" cy="369332"/>
-          </a:xfrm>
-          <a:prstGeom prst="rect">
-            <a:avLst/>
-          </a:prstGeom>
-          <a:noFill/>
-        </p:spPr>
-        <p:txBody>
-          <a:bodyPr wrap="none" rtlCol="0">
-            <a:spAutoFit/>
-          </a:bodyPr>
-          <a:lstStyle/>
-          <a:p>
-            <a:r>
-              <a:rPr lang="en-US" dirty="0"/>
-              <a:t>No-slip</a:t>
-            </a:r>
-          </a:p>
-        </p:txBody>
-      </p:sp>
-      <p:sp>
-        <p:nvSpPr>
-          <p:cNvPr id="13" name="Title 1">
-            <a:extLst>
-              <a:ext uri="{FF2B5EF4-FFF2-40B4-BE49-F238E27FC236}">
-                <a16:creationId xmlns:a16="http://schemas.microsoft.com/office/drawing/2014/main" id="{6FDE24A7-108E-8F3D-A3A0-236CCCB0B9DC}"/>
-              </a:ext>
-            </a:extLst>
-          </p:cNvPr>
-          <p:cNvSpPr>
-            <a:spLocks noGrp="1"/>
-          </p:cNvSpPr>
-          <p:nvPr>
-            <p:ph type="title"/>
-          </p:nvPr>
-        </p:nvSpPr>
-        <p:spPr>
-          <a:xfrm>
-            <a:off x="152400" y="152400"/>
-            <a:ext cx="8610600" cy="838200"/>
-          </a:xfrm>
-        </p:spPr>
-        <p:txBody>
-          <a:bodyPr/>
-          <a:lstStyle/>
-          <a:p>
-            <a:r>
-              <a:rPr lang="en-US" altLang="zh-CN" dirty="0"/>
-              <a:t>Channel</a:t>
-            </a:r>
-            <a:endParaRPr lang="zh-CN" altLang="en-US" dirty="0"/>
-          </a:p>
-        </p:txBody>
-      </p:sp>
-      <p:sp>
-        <p:nvSpPr>
-          <p:cNvPr id="16" name="内容占位符 2">
-            <a:extLst>
-              <a:ext uri="{FF2B5EF4-FFF2-40B4-BE49-F238E27FC236}">
-                <a16:creationId xmlns:a16="http://schemas.microsoft.com/office/drawing/2014/main" id="{E06380B4-F0EF-0F3E-264F-55AACA038C5F}"/>
-              </a:ext>
-            </a:extLst>
-          </p:cNvPr>
-          <p:cNvSpPr txBox="1">
-            <a:spLocks/>
-          </p:cNvSpPr>
-          <p:nvPr/>
-        </p:nvSpPr>
-        <p:spPr bwMode="auto">
-          <a:xfrm>
-            <a:off x="93652" y="1068112"/>
-            <a:ext cx="9050348" cy="474198"/>
-          </a:xfrm>
-          <a:prstGeom prst="rect">
-            <a:avLst/>
-          </a:prstGeom>
-          <a:noFill/>
-          <a:ln>
-            <a:noFill/>
-          </a:ln>
-          <a:extLst>
-            <a:ext uri="{909E8E84-426E-40DD-AFC4-6F175D3DCCD1}">
-              <a14:hiddenFill xmlns:a14="http://schemas.microsoft.com/office/drawing/2010/main">
-                <a:solidFill>
-                  <a:srgbClr val="FFFFFF"/>
-                </a:solidFill>
-              </a14:hiddenFill>
-            </a:ext>
-            <a:ext uri="{91240B29-F687-4F45-9708-019B960494DF}">
-              <a14:hiddenLine xmlns:a14="http://schemas.microsoft.com/office/drawing/2010/main" w="28575">
-                <a:solidFill>
-                  <a:srgbClr val="000000"/>
-                </a:solidFill>
-                <a:miter lim="800000"/>
-                <a:headEnd/>
-                <a:tailEnd/>
-              </a14:hiddenLine>
-            </a:ext>
-          </a:extLst>
-        </p:spPr>
-        <p:txBody>
-          <a:bodyPr vert="horz" wrap="square" lIns="91440" tIns="45720" rIns="91440" bIns="45720" numCol="1" anchor="t" anchorCtr="0" compatLnSpc="1">
-            <a:prstTxWarp prst="textNoShape">
-              <a:avLst/>
-            </a:prstTxWarp>
-          </a:bodyPr>
-          <a:lstStyle>
-            <a:lvl1pPr marL="342900" indent="-342900" algn="l" rtl="0" eaLnBrk="1" fontAlgn="base" hangingPunct="1">
-              <a:spcBef>
-                <a:spcPct val="30000"/>
-              </a:spcBef>
-              <a:spcAft>
-                <a:spcPct val="0"/>
-              </a:spcAft>
-              <a:buClr>
-                <a:schemeClr val="hlink"/>
-              </a:buClr>
-              <a:buFont typeface="Wingdings" pitchFamily="2" charset="2"/>
-              <a:buChar char="§"/>
-              <a:defRPr sz="3200">
-                <a:solidFill>
-                  <a:srgbClr val="000066"/>
-                </a:solidFill>
-                <a:latin typeface="微软雅黑" pitchFamily="34" charset="-122"/>
-                <a:ea typeface="微软雅黑" pitchFamily="34" charset="-122"/>
-                <a:cs typeface="+mn-cs"/>
-              </a:defRPr>
-            </a:lvl1pPr>
-            <a:lvl2pPr marL="742950" indent="-285750" algn="l" rtl="0" eaLnBrk="1" fontAlgn="base" hangingPunct="1">
-              <a:spcBef>
-                <a:spcPct val="30000"/>
-              </a:spcBef>
-              <a:spcAft>
-                <a:spcPct val="0"/>
-              </a:spcAft>
-              <a:buClr>
-                <a:schemeClr val="tx2"/>
-              </a:buClr>
-              <a:buSzPct val="85000"/>
-              <a:buFont typeface="Wingdings" pitchFamily="2" charset="2"/>
-              <a:buChar char="Ø"/>
-              <a:defRPr sz="2800">
-                <a:solidFill>
-                  <a:srgbClr val="006666"/>
-                </a:solidFill>
-                <a:latin typeface="微软雅黑" pitchFamily="34" charset="-122"/>
-                <a:ea typeface="微软雅黑" pitchFamily="34" charset="-122"/>
-              </a:defRPr>
-            </a:lvl2pPr>
-            <a:lvl3pPr marL="1143000" indent="-228600" algn="l" rtl="0" eaLnBrk="1" fontAlgn="base" hangingPunct="1">
-              <a:spcBef>
-                <a:spcPct val="30000"/>
-              </a:spcBef>
-              <a:spcAft>
-                <a:spcPct val="0"/>
-              </a:spcAft>
-              <a:buClr>
-                <a:schemeClr val="hlink"/>
-              </a:buClr>
-              <a:buSzPct val="95000"/>
-              <a:buFont typeface="Wingdings 2" pitchFamily="18" charset="2"/>
-              <a:buChar char="¡"/>
-              <a:defRPr sz="2400">
-                <a:solidFill>
-                  <a:schemeClr val="hlink"/>
-                </a:solidFill>
-                <a:latin typeface="微软雅黑" pitchFamily="34" charset="-122"/>
-                <a:ea typeface="微软雅黑" pitchFamily="34" charset="-122"/>
-              </a:defRPr>
-            </a:lvl3pPr>
-            <a:lvl4pPr marL="1600200" indent="-228600" algn="l" rtl="0" eaLnBrk="1" fontAlgn="base" hangingPunct="1">
-              <a:spcBef>
-                <a:spcPct val="30000"/>
-              </a:spcBef>
-              <a:spcAft>
-                <a:spcPct val="0"/>
-              </a:spcAft>
-              <a:buClr>
-                <a:schemeClr val="tx2"/>
-              </a:buClr>
-              <a:buSzPct val="90000"/>
-              <a:buFont typeface="Wingdings" pitchFamily="2" charset="2"/>
-              <a:buChar char="Ø"/>
-              <a:defRPr sz="2000">
-                <a:solidFill>
-                  <a:srgbClr val="990099"/>
-                </a:solidFill>
-                <a:latin typeface="微软雅黑" pitchFamily="34" charset="-122"/>
-                <a:ea typeface="微软雅黑" pitchFamily="34" charset="-122"/>
-              </a:defRPr>
-            </a:lvl4pPr>
-            <a:lvl5pPr marL="2057400" indent="-228600" algn="l" rtl="0" eaLnBrk="1" fontAlgn="base" hangingPunct="1">
-              <a:spcBef>
-                <a:spcPct val="30000"/>
-              </a:spcBef>
-              <a:spcAft>
-                <a:spcPct val="0"/>
-              </a:spcAft>
-              <a:buClr>
-                <a:schemeClr val="hlink"/>
-              </a:buClr>
-              <a:buFont typeface="Wingdings 2" pitchFamily="18" charset="2"/>
-              <a:buChar char="¡"/>
-              <a:defRPr sz="2000">
-                <a:solidFill>
-                  <a:schemeClr val="tx1"/>
-                </a:solidFill>
-                <a:latin typeface="微软雅黑" pitchFamily="34" charset="-122"/>
-                <a:ea typeface="微软雅黑" pitchFamily="34" charset="-122"/>
-              </a:defRPr>
-            </a:lvl5pPr>
-            <a:lvl6pPr marL="2514600" indent="-228600" algn="l" rtl="0" eaLnBrk="1" fontAlgn="base" hangingPunct="1">
-              <a:spcBef>
-                <a:spcPct val="30000"/>
-              </a:spcBef>
-              <a:spcAft>
-                <a:spcPct val="0"/>
-              </a:spcAft>
-              <a:buClr>
-                <a:schemeClr val="hlink"/>
-              </a:buClr>
-              <a:buFont typeface="Wingdings 2" pitchFamily="18" charset="2"/>
-              <a:buChar char="¡"/>
-              <a:defRPr sz="2000">
-                <a:solidFill>
-                  <a:schemeClr val="tx1"/>
-                </a:solidFill>
-                <a:latin typeface="+mn-lt"/>
-                <a:ea typeface="+mn-ea"/>
-              </a:defRPr>
-            </a:lvl6pPr>
-            <a:lvl7pPr marL="2971800" indent="-228600" algn="l" rtl="0" eaLnBrk="1" fontAlgn="base" hangingPunct="1">
-              <a:spcBef>
-                <a:spcPct val="30000"/>
-              </a:spcBef>
-              <a:spcAft>
-                <a:spcPct val="0"/>
-              </a:spcAft>
-              <a:buClr>
-                <a:schemeClr val="hlink"/>
-              </a:buClr>
-              <a:buFont typeface="Wingdings 2" pitchFamily="18" charset="2"/>
-              <a:buChar char="¡"/>
-              <a:defRPr sz="2000">
-                <a:solidFill>
-                  <a:schemeClr val="tx1"/>
-                </a:solidFill>
-                <a:latin typeface="+mn-lt"/>
-                <a:ea typeface="+mn-ea"/>
-              </a:defRPr>
-            </a:lvl7pPr>
-            <a:lvl8pPr marL="3429000" indent="-228600" algn="l" rtl="0" eaLnBrk="1" fontAlgn="base" hangingPunct="1">
-              <a:spcBef>
-                <a:spcPct val="30000"/>
-              </a:spcBef>
-              <a:spcAft>
-                <a:spcPct val="0"/>
-              </a:spcAft>
-              <a:buClr>
-                <a:schemeClr val="hlink"/>
-              </a:buClr>
-              <a:buFont typeface="Wingdings 2" pitchFamily="18" charset="2"/>
-              <a:buChar char="¡"/>
-              <a:defRPr sz="2000">
-                <a:solidFill>
-                  <a:schemeClr val="tx1"/>
-                </a:solidFill>
-                <a:latin typeface="+mn-lt"/>
-                <a:ea typeface="+mn-ea"/>
-              </a:defRPr>
-            </a:lvl8pPr>
-            <a:lvl9pPr marL="3886200" indent="-228600" algn="l" rtl="0" eaLnBrk="1" fontAlgn="base" hangingPunct="1">
-              <a:spcBef>
-                <a:spcPct val="30000"/>
-              </a:spcBef>
-              <a:spcAft>
-                <a:spcPct val="0"/>
-              </a:spcAft>
-              <a:buClr>
-                <a:schemeClr val="hlink"/>
-              </a:buClr>
-              <a:buFont typeface="Wingdings 2" pitchFamily="18" charset="2"/>
-              <a:buChar char="¡"/>
-              <a:defRPr sz="2000">
-                <a:solidFill>
-                  <a:schemeClr val="tx1"/>
-                </a:solidFill>
-                <a:latin typeface="+mn-lt"/>
-                <a:ea typeface="+mn-ea"/>
-              </a:defRPr>
-            </a:lvl9pPr>
-          </a:lstStyle>
-          <a:p>
-            <a:r>
-              <a:rPr lang="en-US" altLang="zh-CN" sz="2400" kern="0" dirty="0">
-                <a:latin typeface="+mn-lt"/>
-                <a:cs typeface="Times New Roman" panose="02020603050405020304" pitchFamily="18" charset="0"/>
-              </a:rPr>
-              <a:t>RETAU180</a:t>
-            </a:r>
-            <a:endParaRPr lang="en-US" altLang="zh-CN" sz="2000" kern="0" dirty="0">
-              <a:latin typeface="+mn-lt"/>
-              <a:cs typeface="Times New Roman" panose="02020603050405020304" pitchFamily="18" charset="0"/>
-            </a:endParaRPr>
-          </a:p>
-        </p:txBody>
-      </p:sp>
-    </p:spTree>
-    <p:extLst>
-      <p:ext uri="{BB962C8B-B14F-4D97-AF65-F5344CB8AC3E}">
-        <p14:creationId xmlns:p14="http://schemas.microsoft.com/office/powerpoint/2010/main" val="1417739374"/>
-      </p:ext>
-    </p:extLst>
-  </p:cSld>
-  <p:clrMapOvr>
-    <a:masterClrMapping/>
-  </p:clrMapOvr>
-  <p:transition spd="med" advTm="63997"/>
-</p:sld>
-</file>
-
-<file path=ppt/slides/slide4.xml><?xml version="1.0" encoding="utf-8"?>
-<p:sld xmlns:a="http://schemas.openxmlformats.org/drawingml/2006/main" xmlns:r="http://schemas.openxmlformats.org/officeDocument/2006/relationships" xmlns:p="http://schemas.openxmlformats.org/presentationml/2006/main">
-  <p:cSld>
-    <p:spTree>
-      <p:nvGrpSpPr>
-        <p:cNvPr id="1" name="">
-          <a:extLst>
-            <a:ext uri="{FF2B5EF4-FFF2-40B4-BE49-F238E27FC236}">
-              <a16:creationId xmlns:a16="http://schemas.microsoft.com/office/drawing/2014/main" id="{F88127A5-1BF4-A303-EDD5-EE7B5483D35E}"/>
-            </a:ext>
-          </a:extLst>
-        </p:cNvPr>
-        <p:cNvGrpSpPr/>
-        <p:nvPr/>
-      </p:nvGrpSpPr>
-      <p:grpSpPr>
-        <a:xfrm>
-          <a:off x="0" y="0"/>
-          <a:ext cx="0" cy="0"/>
-          <a:chOff x="0" y="0"/>
-          <a:chExt cx="0" cy="0"/>
-        </a:xfrm>
-      </p:grpSpPr>
-      <p:sp>
-        <p:nvSpPr>
-          <p:cNvPr id="9" name="Rectangle 2">
-            <a:extLst>
-              <a:ext uri="{FF2B5EF4-FFF2-40B4-BE49-F238E27FC236}">
-                <a16:creationId xmlns:a16="http://schemas.microsoft.com/office/drawing/2014/main" id="{0403F9C4-3150-E7B4-F7AA-9241D90B091C}"/>
-              </a:ext>
-            </a:extLst>
-          </p:cNvPr>
-          <p:cNvSpPr>
-            <a:spLocks noChangeArrowheads="1"/>
-          </p:cNvSpPr>
-          <p:nvPr/>
-        </p:nvSpPr>
-        <p:spPr bwMode="auto">
-          <a:xfrm>
-            <a:off x="0" y="0"/>
-            <a:ext cx="9144000" cy="0"/>
-          </a:xfrm>
-          <a:prstGeom prst="rect">
-            <a:avLst/>
-          </a:prstGeom>
-          <a:noFill/>
-          <a:ln>
-            <a:noFill/>
-          </a:ln>
-          <a:effectLst/>
-          <a:extLst>
-            <a:ext uri="{909E8E84-426E-40DD-AFC4-6F175D3DCCD1}">
-              <a14:hiddenFill xmlns:a14="http://schemas.microsoft.com/office/drawing/2010/main">
-                <a:solidFill>
-                  <a:schemeClr val="accent1"/>
-                </a:solidFill>
-              </a14:hiddenFill>
-            </a:ext>
-            <a:ext uri="{91240B29-F687-4F45-9708-019B960494DF}">
-              <a14:hiddenLine xmlns:a14="http://schemas.microsoft.com/office/drawing/2010/main" w="9525">
-                <a:solidFill>
-                  <a:schemeClr val="tx1"/>
-                </a:solidFill>
-                <a:miter lim="800000"/>
-                <a:headEnd/>
-                <a:tailEnd/>
-              </a14:hiddenLine>
-            </a:ext>
-            <a:ext uri="{AF507438-7753-43E0-B8FC-AC1667EBCBE1}">
-              <a14:hiddenEffects xmlns:a14="http://schemas.microsoft.com/office/drawing/2010/main">
-                <a:effectLst>
-                  <a:outerShdw dist="35921" dir="2700000" algn="ctr" rotWithShape="0">
-                    <a:schemeClr val="bg2"/>
-                  </a:outerShdw>
-                </a:effectLst>
-              </a14:hiddenEffects>
-            </a:ext>
-          </a:extLst>
-        </p:spPr>
-        <p:txBody>
-          <a:bodyPr vert="horz" wrap="none" lIns="91440" tIns="45720" rIns="91440" bIns="45720" numCol="1" anchor="ctr" anchorCtr="0" compatLnSpc="1">
-            <a:prstTxWarp prst="textNoShape">
-              <a:avLst/>
-            </a:prstTxWarp>
-            <a:spAutoFit/>
-          </a:bodyPr>
-          <a:lstStyle/>
-          <a:p>
-            <a:endParaRPr lang="zh-CN" altLang="en-US"/>
-          </a:p>
-        </p:txBody>
-      </p:sp>
-      <p:sp>
-        <p:nvSpPr>
-          <p:cNvPr id="13" name="Title 1">
-            <a:extLst>
-              <a:ext uri="{FF2B5EF4-FFF2-40B4-BE49-F238E27FC236}">
-                <a16:creationId xmlns:a16="http://schemas.microsoft.com/office/drawing/2014/main" id="{6FDE24A7-108E-8F3D-A3A0-236CCCB0B9DC}"/>
-              </a:ext>
-            </a:extLst>
-          </p:cNvPr>
-          <p:cNvSpPr>
-            <a:spLocks noGrp="1"/>
-          </p:cNvSpPr>
-          <p:nvPr>
-            <p:ph type="title"/>
-          </p:nvPr>
-        </p:nvSpPr>
-        <p:spPr>
-          <a:xfrm>
-            <a:off x="152400" y="152400"/>
-            <a:ext cx="8610600" cy="838200"/>
-          </a:xfrm>
-        </p:spPr>
-        <p:txBody>
-          <a:bodyPr/>
-          <a:lstStyle/>
-          <a:p>
-            <a:r>
-              <a:rPr lang="en-US" altLang="zh-CN" dirty="0"/>
-              <a:t>Channel</a:t>
-            </a:r>
-            <a:endParaRPr lang="zh-CN" altLang="en-US" dirty="0"/>
-          </a:p>
-        </p:txBody>
-      </p:sp>
-      <p:sp>
-        <p:nvSpPr>
-          <p:cNvPr id="16" name="内容占位符 2">
-            <a:extLst>
-              <a:ext uri="{FF2B5EF4-FFF2-40B4-BE49-F238E27FC236}">
-                <a16:creationId xmlns:a16="http://schemas.microsoft.com/office/drawing/2014/main" id="{E06380B4-F0EF-0F3E-264F-55AACA038C5F}"/>
-              </a:ext>
-            </a:extLst>
-          </p:cNvPr>
-          <p:cNvSpPr txBox="1">
-            <a:spLocks/>
-          </p:cNvSpPr>
-          <p:nvPr/>
-        </p:nvSpPr>
-        <p:spPr bwMode="auto">
-          <a:xfrm>
-            <a:off x="93652" y="1068112"/>
-            <a:ext cx="9050348" cy="474198"/>
-          </a:xfrm>
-          <a:prstGeom prst="rect">
-            <a:avLst/>
-          </a:prstGeom>
-          <a:noFill/>
-          <a:ln>
-            <a:noFill/>
-          </a:ln>
-          <a:extLst>
-            <a:ext uri="{909E8E84-426E-40DD-AFC4-6F175D3DCCD1}">
-              <a14:hiddenFill xmlns:a14="http://schemas.microsoft.com/office/drawing/2010/main">
-                <a:solidFill>
-                  <a:srgbClr val="FFFFFF"/>
-                </a:solidFill>
-              </a14:hiddenFill>
-            </a:ext>
-            <a:ext uri="{91240B29-F687-4F45-9708-019B960494DF}">
-              <a14:hiddenLine xmlns:a14="http://schemas.microsoft.com/office/drawing/2010/main" w="28575">
-                <a:solidFill>
-                  <a:srgbClr val="000000"/>
-                </a:solidFill>
-                <a:miter lim="800000"/>
-                <a:headEnd/>
-                <a:tailEnd/>
-              </a14:hiddenLine>
-            </a:ext>
-          </a:extLst>
-        </p:spPr>
-        <p:txBody>
-          <a:bodyPr vert="horz" wrap="square" lIns="91440" tIns="45720" rIns="91440" bIns="45720" numCol="1" anchor="t" anchorCtr="0" compatLnSpc="1">
-            <a:prstTxWarp prst="textNoShape">
-              <a:avLst/>
-            </a:prstTxWarp>
-          </a:bodyPr>
-          <a:lstStyle>
-            <a:lvl1pPr marL="342900" indent="-342900" algn="l" rtl="0" eaLnBrk="1" fontAlgn="base" hangingPunct="1">
-              <a:spcBef>
-                <a:spcPct val="30000"/>
-              </a:spcBef>
-              <a:spcAft>
-                <a:spcPct val="0"/>
-              </a:spcAft>
-              <a:buClr>
-                <a:schemeClr val="hlink"/>
-              </a:buClr>
-              <a:buFont typeface="Wingdings" pitchFamily="2" charset="2"/>
-              <a:buChar char="§"/>
-              <a:defRPr sz="3200">
-                <a:solidFill>
-                  <a:srgbClr val="000066"/>
-                </a:solidFill>
-                <a:latin typeface="微软雅黑" pitchFamily="34" charset="-122"/>
-                <a:ea typeface="微软雅黑" pitchFamily="34" charset="-122"/>
-                <a:cs typeface="+mn-cs"/>
-              </a:defRPr>
-            </a:lvl1pPr>
-            <a:lvl2pPr marL="742950" indent="-285750" algn="l" rtl="0" eaLnBrk="1" fontAlgn="base" hangingPunct="1">
-              <a:spcBef>
-                <a:spcPct val="30000"/>
-              </a:spcBef>
-              <a:spcAft>
-                <a:spcPct val="0"/>
-              </a:spcAft>
-              <a:buClr>
-                <a:schemeClr val="tx2"/>
-              </a:buClr>
-              <a:buSzPct val="85000"/>
-              <a:buFont typeface="Wingdings" pitchFamily="2" charset="2"/>
-              <a:buChar char="Ø"/>
-              <a:defRPr sz="2800">
-                <a:solidFill>
-                  <a:srgbClr val="006666"/>
-                </a:solidFill>
-                <a:latin typeface="微软雅黑" pitchFamily="34" charset="-122"/>
-                <a:ea typeface="微软雅黑" pitchFamily="34" charset="-122"/>
-              </a:defRPr>
-            </a:lvl2pPr>
-            <a:lvl3pPr marL="1143000" indent="-228600" algn="l" rtl="0" eaLnBrk="1" fontAlgn="base" hangingPunct="1">
-              <a:spcBef>
-                <a:spcPct val="30000"/>
-              </a:spcBef>
-              <a:spcAft>
-                <a:spcPct val="0"/>
-              </a:spcAft>
-              <a:buClr>
-                <a:schemeClr val="hlink"/>
-              </a:buClr>
-              <a:buSzPct val="95000"/>
-              <a:buFont typeface="Wingdings 2" pitchFamily="18" charset="2"/>
-              <a:buChar char="¡"/>
-              <a:defRPr sz="2400">
-                <a:solidFill>
-                  <a:schemeClr val="hlink"/>
-                </a:solidFill>
-                <a:latin typeface="微软雅黑" pitchFamily="34" charset="-122"/>
-                <a:ea typeface="微软雅黑" pitchFamily="34" charset="-122"/>
-              </a:defRPr>
-            </a:lvl3pPr>
-            <a:lvl4pPr marL="1600200" indent="-228600" algn="l" rtl="0" eaLnBrk="1" fontAlgn="base" hangingPunct="1">
-              <a:spcBef>
-                <a:spcPct val="30000"/>
-              </a:spcBef>
-              <a:spcAft>
-                <a:spcPct val="0"/>
-              </a:spcAft>
-              <a:buClr>
-                <a:schemeClr val="tx2"/>
-              </a:buClr>
-              <a:buSzPct val="90000"/>
-              <a:buFont typeface="Wingdings" pitchFamily="2" charset="2"/>
-              <a:buChar char="Ø"/>
-              <a:defRPr sz="2000">
-                <a:solidFill>
-                  <a:srgbClr val="990099"/>
-                </a:solidFill>
-                <a:latin typeface="微软雅黑" pitchFamily="34" charset="-122"/>
-                <a:ea typeface="微软雅黑" pitchFamily="34" charset="-122"/>
-              </a:defRPr>
-            </a:lvl4pPr>
-            <a:lvl5pPr marL="2057400" indent="-228600" algn="l" rtl="0" eaLnBrk="1" fontAlgn="base" hangingPunct="1">
-              <a:spcBef>
-                <a:spcPct val="30000"/>
-              </a:spcBef>
-              <a:spcAft>
-                <a:spcPct val="0"/>
-              </a:spcAft>
-              <a:buClr>
-                <a:schemeClr val="hlink"/>
-              </a:buClr>
-              <a:buFont typeface="Wingdings 2" pitchFamily="18" charset="2"/>
-              <a:buChar char="¡"/>
-              <a:defRPr sz="2000">
-                <a:solidFill>
-                  <a:schemeClr val="tx1"/>
-                </a:solidFill>
-                <a:latin typeface="微软雅黑" pitchFamily="34" charset="-122"/>
-                <a:ea typeface="微软雅黑" pitchFamily="34" charset="-122"/>
-              </a:defRPr>
-            </a:lvl5pPr>
-            <a:lvl6pPr marL="2514600" indent="-228600" algn="l" rtl="0" eaLnBrk="1" fontAlgn="base" hangingPunct="1">
-              <a:spcBef>
-                <a:spcPct val="30000"/>
-              </a:spcBef>
-              <a:spcAft>
-                <a:spcPct val="0"/>
-              </a:spcAft>
-              <a:buClr>
-                <a:schemeClr val="hlink"/>
-              </a:buClr>
-              <a:buFont typeface="Wingdings 2" pitchFamily="18" charset="2"/>
-              <a:buChar char="¡"/>
-              <a:defRPr sz="2000">
-                <a:solidFill>
-                  <a:schemeClr val="tx1"/>
-                </a:solidFill>
-                <a:latin typeface="+mn-lt"/>
-                <a:ea typeface="+mn-ea"/>
-              </a:defRPr>
-            </a:lvl6pPr>
-            <a:lvl7pPr marL="2971800" indent="-228600" algn="l" rtl="0" eaLnBrk="1" fontAlgn="base" hangingPunct="1">
-              <a:spcBef>
-                <a:spcPct val="30000"/>
-              </a:spcBef>
-              <a:spcAft>
-                <a:spcPct val="0"/>
-              </a:spcAft>
-              <a:buClr>
-                <a:schemeClr val="hlink"/>
-              </a:buClr>
-              <a:buFont typeface="Wingdings 2" pitchFamily="18" charset="2"/>
-              <a:buChar char="¡"/>
-              <a:defRPr sz="2000">
-                <a:solidFill>
-                  <a:schemeClr val="tx1"/>
-                </a:solidFill>
-                <a:latin typeface="+mn-lt"/>
-                <a:ea typeface="+mn-ea"/>
-              </a:defRPr>
-            </a:lvl7pPr>
-            <a:lvl8pPr marL="3429000" indent="-228600" algn="l" rtl="0" eaLnBrk="1" fontAlgn="base" hangingPunct="1">
-              <a:spcBef>
-                <a:spcPct val="30000"/>
-              </a:spcBef>
-              <a:spcAft>
-                <a:spcPct val="0"/>
-              </a:spcAft>
-              <a:buClr>
-                <a:schemeClr val="hlink"/>
-              </a:buClr>
-              <a:buFont typeface="Wingdings 2" pitchFamily="18" charset="2"/>
-              <a:buChar char="¡"/>
-              <a:defRPr sz="2000">
-                <a:solidFill>
-                  <a:schemeClr val="tx1"/>
-                </a:solidFill>
-                <a:latin typeface="+mn-lt"/>
-                <a:ea typeface="+mn-ea"/>
-              </a:defRPr>
-            </a:lvl8pPr>
-            <a:lvl9pPr marL="3886200" indent="-228600" algn="l" rtl="0" eaLnBrk="1" fontAlgn="base" hangingPunct="1">
-              <a:spcBef>
-                <a:spcPct val="30000"/>
-              </a:spcBef>
-              <a:spcAft>
-                <a:spcPct val="0"/>
-              </a:spcAft>
-              <a:buClr>
-                <a:schemeClr val="hlink"/>
-              </a:buClr>
-              <a:buFont typeface="Wingdings 2" pitchFamily="18" charset="2"/>
-              <a:buChar char="¡"/>
-              <a:defRPr sz="2000">
-                <a:solidFill>
-                  <a:schemeClr val="tx1"/>
-                </a:solidFill>
-                <a:latin typeface="+mn-lt"/>
-                <a:ea typeface="+mn-ea"/>
-              </a:defRPr>
-            </a:lvl9pPr>
-          </a:lstStyle>
-          <a:p>
-            <a:r>
-              <a:rPr lang="en-US" altLang="zh-CN" sz="2400" kern="0" dirty="0">
-                <a:latin typeface="+mn-lt"/>
-                <a:cs typeface="Times New Roman" panose="02020603050405020304" pitchFamily="18" charset="0"/>
-              </a:rPr>
-              <a:t>RETAU180</a:t>
-            </a:r>
-            <a:endParaRPr lang="en-US" altLang="zh-CN" sz="2000" kern="0" dirty="0">
-              <a:latin typeface="+mn-lt"/>
-              <a:cs typeface="Times New Roman" panose="02020603050405020304" pitchFamily="18" charset="0"/>
-            </a:endParaRPr>
-          </a:p>
-        </p:txBody>
-      </p:sp>
-      <p:pic>
-        <p:nvPicPr>
-          <p:cNvPr id="14" name="Picture 13">
-            <a:extLst>
-              <a:ext uri="{FF2B5EF4-FFF2-40B4-BE49-F238E27FC236}">
-                <a16:creationId xmlns:a16="http://schemas.microsoft.com/office/drawing/2014/main" id="{68C9F6FD-A41B-AC98-57CF-8DFDDA4B9F2A}"/>
+                <a16:creationId xmlns:a16="http://schemas.microsoft.com/office/drawing/2014/main" id="{B4478B1B-B0A1-67F4-8FAF-EE7B7DF675B3}"/>
               </a:ext>
             </a:extLst>
           </p:cNvPr>
@@ -34671,68 +33748,8 @@
         </p:blipFill>
         <p:spPr>
           <a:xfrm>
-            <a:off x="4572000" y="1748805"/>
-            <a:ext cx="3200400" cy="2410558"/>
-          </a:xfrm>
-          <a:prstGeom prst="rect">
-            <a:avLst/>
-          </a:prstGeom>
-        </p:spPr>
-      </p:pic>
-      <p:pic>
-        <p:nvPicPr>
-          <p:cNvPr id="18" name="Picture 17">
-            <a:extLst>
-              <a:ext uri="{FF2B5EF4-FFF2-40B4-BE49-F238E27FC236}">
-                <a16:creationId xmlns:a16="http://schemas.microsoft.com/office/drawing/2014/main" id="{FE4CB8F9-DC8F-1C46-00D0-67AC2DF85547}"/>
-              </a:ext>
-            </a:extLst>
-          </p:cNvPr>
-          <p:cNvPicPr>
-            <a:picLocks noChangeAspect="1"/>
-          </p:cNvPicPr>
-          <p:nvPr/>
-        </p:nvPicPr>
-        <p:blipFill>
-          <a:blip r:embed="rId4"/>
-          <a:stretch>
-            <a:fillRect/>
-          </a:stretch>
-        </p:blipFill>
-        <p:spPr>
-          <a:xfrm>
-            <a:off x="1367246" y="1748805"/>
-            <a:ext cx="3200400" cy="2392631"/>
-          </a:xfrm>
-          <a:prstGeom prst="rect">
-            <a:avLst/>
-          </a:prstGeom>
-        </p:spPr>
-      </p:pic>
-      <p:pic>
-        <p:nvPicPr>
-          <p:cNvPr id="7" name="Picture 6">
-            <a:extLst>
-              <a:ext uri="{FF2B5EF4-FFF2-40B4-BE49-F238E27FC236}">
-                <a16:creationId xmlns:a16="http://schemas.microsoft.com/office/drawing/2014/main" id="{D8CB13BB-2945-9687-8745-829109E7F69D}"/>
-              </a:ext>
-            </a:extLst>
-          </p:cNvPr>
-          <p:cNvPicPr>
-            <a:picLocks noChangeAspect="1"/>
-          </p:cNvPicPr>
-          <p:nvPr/>
-        </p:nvPicPr>
-        <p:blipFill>
-          <a:blip r:embed="rId5"/>
-          <a:stretch>
-            <a:fillRect/>
-          </a:stretch>
-        </p:blipFill>
-        <p:spPr>
-          <a:xfrm>
-            <a:off x="1367246" y="4267200"/>
-            <a:ext cx="3200400" cy="2393879"/>
+            <a:off x="762000" y="3409974"/>
+            <a:ext cx="3200400" cy="2379915"/>
           </a:xfrm>
           <a:prstGeom prst="rect">
             <a:avLst/>
@@ -34742,7 +33759,7 @@
     </p:spTree>
     <p:extLst>
       <p:ext uri="{BB962C8B-B14F-4D97-AF65-F5344CB8AC3E}">
-        <p14:creationId xmlns:p14="http://schemas.microsoft.com/office/powerpoint/2010/main" val="1868583014"/>
+        <p14:creationId xmlns:p14="http://schemas.microsoft.com/office/powerpoint/2010/main" val="1082512099"/>
       </p:ext>
     </p:extLst>
   </p:cSld>
@@ -34753,7 +33770,7 @@
 </p:sld>
 </file>
 
-<file path=ppt/slides/slide5.xml><?xml version="1.0" encoding="utf-8"?>
+<file path=ppt/slides/slide3.xml><?xml version="1.0" encoding="utf-8"?>
 <p:sld xmlns:a="http://schemas.openxmlformats.org/drawingml/2006/main" xmlns:r="http://schemas.openxmlformats.org/officeDocument/2006/relationships" xmlns:p="http://schemas.openxmlformats.org/presentationml/2006/main">
   <p:cSld>
     <p:spTree>
@@ -35201,7 +34218,7 @@
 </p:sld>
 </file>
 
-<file path=ppt/slides/slide6.xml><?xml version="1.0" encoding="utf-8"?>
+<file path=ppt/slides/slide4.xml><?xml version="1.0" encoding="utf-8"?>
 <p:sld xmlns:a="http://schemas.openxmlformats.org/drawingml/2006/main" xmlns:r="http://schemas.openxmlformats.org/officeDocument/2006/relationships" xmlns:p="http://schemas.openxmlformats.org/presentationml/2006/main">
   <p:cSld>
     <p:spTree>
@@ -35649,7 +34666,7 @@
 </p:sld>
 </file>
 
-<file path=ppt/slides/slide7.xml><?xml version="1.0" encoding="utf-8"?>
+<file path=ppt/slides/slide5.xml><?xml version="1.0" encoding="utf-8"?>
 <p:sld xmlns:a="http://schemas.openxmlformats.org/drawingml/2006/main" xmlns:r="http://schemas.openxmlformats.org/officeDocument/2006/relationships" xmlns:p="http://schemas.openxmlformats.org/presentationml/2006/main">
   <p:cSld>
     <p:spTree>
@@ -36154,468 +35171,7 @@
 </p:sld>
 </file>
 
-<file path=ppt/slides/slide8.xml><?xml version="1.0" encoding="utf-8"?>
-<p:sld xmlns:a="http://schemas.openxmlformats.org/drawingml/2006/main" xmlns:r="http://schemas.openxmlformats.org/officeDocument/2006/relationships" xmlns:p="http://schemas.openxmlformats.org/presentationml/2006/main">
-  <p:cSld>
-    <p:spTree>
-      <p:nvGrpSpPr>
-        <p:cNvPr id="1" name="">
-          <a:extLst>
-            <a:ext uri="{FF2B5EF4-FFF2-40B4-BE49-F238E27FC236}">
-              <a16:creationId xmlns:a16="http://schemas.microsoft.com/office/drawing/2014/main" id="{CF11DB0D-C7A8-E826-4746-04D8875E9064}"/>
-            </a:ext>
-          </a:extLst>
-        </p:cNvPr>
-        <p:cNvGrpSpPr/>
-        <p:nvPr/>
-      </p:nvGrpSpPr>
-      <p:grpSpPr>
-        <a:xfrm>
-          <a:off x="0" y="0"/>
-          <a:ext cx="0" cy="0"/>
-          <a:chOff x="0" y="0"/>
-          <a:chExt cx="0" cy="0"/>
-        </a:xfrm>
-      </p:grpSpPr>
-      <p:sp>
-        <p:nvSpPr>
-          <p:cNvPr id="2" name="Title 1">
-            <a:extLst>
-              <a:ext uri="{FF2B5EF4-FFF2-40B4-BE49-F238E27FC236}">
-                <a16:creationId xmlns:a16="http://schemas.microsoft.com/office/drawing/2014/main" id="{E023CC34-DD90-F195-065C-8690D567C7CA}"/>
-              </a:ext>
-            </a:extLst>
-          </p:cNvPr>
-          <p:cNvSpPr>
-            <a:spLocks noGrp="1"/>
-          </p:cNvSpPr>
-          <p:nvPr>
-            <p:ph type="title"/>
-          </p:nvPr>
-        </p:nvSpPr>
-        <p:spPr>
-          <a:xfrm>
-            <a:off x="152400" y="152400"/>
-            <a:ext cx="8610600" cy="838200"/>
-          </a:xfrm>
-        </p:spPr>
-        <p:txBody>
-          <a:bodyPr/>
-          <a:lstStyle/>
-          <a:p>
-            <a:r>
-              <a:rPr lang="en-US" altLang="zh-CN" dirty="0"/>
-              <a:t>Channel</a:t>
-            </a:r>
-            <a:endParaRPr lang="zh-CN" altLang="en-US" dirty="0"/>
-          </a:p>
-        </p:txBody>
-      </p:sp>
-      <p:sp>
-        <p:nvSpPr>
-          <p:cNvPr id="7" name="内容占位符 2">
-            <a:extLst>
-              <a:ext uri="{FF2B5EF4-FFF2-40B4-BE49-F238E27FC236}">
-                <a16:creationId xmlns:a16="http://schemas.microsoft.com/office/drawing/2014/main" id="{77358499-8047-EF37-77D2-D5BA9A2BEE93}"/>
-              </a:ext>
-            </a:extLst>
-          </p:cNvPr>
-          <p:cNvSpPr>
-            <a:spLocks noGrp="1"/>
-          </p:cNvSpPr>
-          <p:nvPr>
-            <p:ph idx="4294967295"/>
-          </p:nvPr>
-        </p:nvSpPr>
-        <p:spPr>
-          <a:xfrm>
-            <a:off x="93652" y="1068112"/>
-            <a:ext cx="9050348" cy="455888"/>
-          </a:xfrm>
-        </p:spPr>
-        <p:txBody>
-          <a:bodyPr/>
-          <a:lstStyle/>
-          <a:p>
-            <a:r>
-              <a:rPr lang="en-US" altLang="zh-CN" sz="2400" dirty="0">
-                <a:latin typeface="+mn-lt"/>
-                <a:cs typeface="Times New Roman" panose="02020603050405020304" pitchFamily="18" charset="0"/>
-              </a:rPr>
-              <a:t>RETAU550</a:t>
-            </a:r>
-            <a:endParaRPr lang="en-US" altLang="zh-CN" sz="2000" baseline="30000" dirty="0">
-              <a:latin typeface="+mn-lt"/>
-              <a:cs typeface="Times New Roman" panose="02020603050405020304" pitchFamily="18" charset="0"/>
-            </a:endParaRPr>
-          </a:p>
-          <a:p>
-            <a:pPr marL="457200" lvl="1" indent="0">
-              <a:buNone/>
-            </a:pPr>
-            <a:endParaRPr lang="en-US" altLang="zh-CN" sz="2000" baseline="30000" dirty="0">
-              <a:latin typeface="+mn-lt"/>
-              <a:cs typeface="Times New Roman" panose="02020603050405020304" pitchFamily="18" charset="0"/>
-            </a:endParaRPr>
-          </a:p>
-          <a:p>
-            <a:pPr marL="457200" lvl="1" indent="0">
-              <a:buNone/>
-            </a:pPr>
-            <a:endParaRPr lang="en-US" altLang="zh-CN" sz="2000" baseline="30000" dirty="0">
-              <a:latin typeface="+mn-lt"/>
-              <a:cs typeface="Times New Roman" panose="02020603050405020304" pitchFamily="18" charset="0"/>
-            </a:endParaRPr>
-          </a:p>
-          <a:p>
-            <a:pPr marL="457200" lvl="1" indent="0">
-              <a:buNone/>
-            </a:pPr>
-            <a:endParaRPr lang="en-US" altLang="zh-CN" sz="2000" baseline="30000" dirty="0">
-              <a:latin typeface="+mn-lt"/>
-              <a:cs typeface="Times New Roman" panose="02020603050405020304" pitchFamily="18" charset="0"/>
-            </a:endParaRPr>
-          </a:p>
-          <a:p>
-            <a:pPr marL="457200" lvl="1" indent="0">
-              <a:buNone/>
-            </a:pPr>
-            <a:endParaRPr lang="en-US" altLang="zh-CN" sz="2000" baseline="30000" dirty="0">
-              <a:latin typeface="+mn-lt"/>
-              <a:cs typeface="Times New Roman" panose="02020603050405020304" pitchFamily="18" charset="0"/>
-            </a:endParaRPr>
-          </a:p>
-          <a:p>
-            <a:pPr marL="457200" lvl="1" indent="0">
-              <a:buNone/>
-            </a:pPr>
-            <a:endParaRPr lang="en-US" altLang="zh-CN" sz="2000" baseline="30000" dirty="0">
-              <a:latin typeface="+mn-lt"/>
-              <a:cs typeface="Times New Roman" panose="02020603050405020304" pitchFamily="18" charset="0"/>
-            </a:endParaRPr>
-          </a:p>
-          <a:p>
-            <a:pPr marL="457200" lvl="1" indent="0">
-              <a:buNone/>
-            </a:pPr>
-            <a:endParaRPr lang="en-US" altLang="zh-CN" sz="2000" baseline="30000" dirty="0">
-              <a:latin typeface="+mn-lt"/>
-              <a:cs typeface="Times New Roman" panose="02020603050405020304" pitchFamily="18" charset="0"/>
-            </a:endParaRPr>
-          </a:p>
-          <a:p>
-            <a:pPr marL="457200" lvl="1" indent="0">
-              <a:buNone/>
-            </a:pPr>
-            <a:endParaRPr lang="en-US" altLang="zh-CN" sz="2000" baseline="30000" dirty="0">
-              <a:latin typeface="+mn-lt"/>
-              <a:cs typeface="Times New Roman" panose="02020603050405020304" pitchFamily="18" charset="0"/>
-            </a:endParaRPr>
-          </a:p>
-          <a:p>
-            <a:pPr>
-              <a:lnSpc>
-                <a:spcPct val="125000"/>
-              </a:lnSpc>
-            </a:pPr>
-            <a:endParaRPr lang="en-US" altLang="zh-CN" sz="2400" dirty="0">
-              <a:latin typeface="+mn-lt"/>
-              <a:cs typeface="Times New Roman" panose="02020603050405020304" pitchFamily="18" charset="0"/>
-            </a:endParaRPr>
-          </a:p>
-          <a:p>
-            <a:pPr marL="457200" lvl="1" indent="0">
-              <a:lnSpc>
-                <a:spcPct val="125000"/>
-              </a:lnSpc>
-              <a:buNone/>
-            </a:pPr>
-            <a:endParaRPr lang="en-US" altLang="zh-CN" sz="2000" dirty="0">
-              <a:latin typeface="+mn-lt"/>
-              <a:cs typeface="Times New Roman" panose="02020603050405020304" pitchFamily="18" charset="0"/>
-            </a:endParaRPr>
-          </a:p>
-        </p:txBody>
-      </p:sp>
-      <p:sp>
-        <p:nvSpPr>
-          <p:cNvPr id="9" name="Rectangle 2">
-            <a:extLst>
-              <a:ext uri="{FF2B5EF4-FFF2-40B4-BE49-F238E27FC236}">
-                <a16:creationId xmlns:a16="http://schemas.microsoft.com/office/drawing/2014/main" id="{2FB58356-09D7-B518-3635-1FF228F562AA}"/>
-              </a:ext>
-            </a:extLst>
-          </p:cNvPr>
-          <p:cNvSpPr>
-            <a:spLocks noChangeArrowheads="1"/>
-          </p:cNvSpPr>
-          <p:nvPr/>
-        </p:nvSpPr>
-        <p:spPr bwMode="auto">
-          <a:xfrm>
-            <a:off x="0" y="0"/>
-            <a:ext cx="9144000" cy="0"/>
-          </a:xfrm>
-          <a:prstGeom prst="rect">
-            <a:avLst/>
-          </a:prstGeom>
-          <a:noFill/>
-          <a:ln>
-            <a:noFill/>
-          </a:ln>
-          <a:effectLst/>
-          <a:extLst>
-            <a:ext uri="{909E8E84-426E-40DD-AFC4-6F175D3DCCD1}">
-              <a14:hiddenFill xmlns:a14="http://schemas.microsoft.com/office/drawing/2010/main">
-                <a:solidFill>
-                  <a:schemeClr val="accent1"/>
-                </a:solidFill>
-              </a14:hiddenFill>
-            </a:ext>
-            <a:ext uri="{91240B29-F687-4F45-9708-019B960494DF}">
-              <a14:hiddenLine xmlns:a14="http://schemas.microsoft.com/office/drawing/2010/main" w="9525">
-                <a:solidFill>
-                  <a:schemeClr val="tx1"/>
-                </a:solidFill>
-                <a:miter lim="800000"/>
-                <a:headEnd/>
-                <a:tailEnd/>
-              </a14:hiddenLine>
-            </a:ext>
-            <a:ext uri="{AF507438-7753-43E0-B8FC-AC1667EBCBE1}">
-              <a14:hiddenEffects xmlns:a14="http://schemas.microsoft.com/office/drawing/2010/main">
-                <a:effectLst>
-                  <a:outerShdw dist="35921" dir="2700000" algn="ctr" rotWithShape="0">
-                    <a:schemeClr val="bg2"/>
-                  </a:outerShdw>
-                </a:effectLst>
-              </a14:hiddenEffects>
-            </a:ext>
-          </a:extLst>
-        </p:spPr>
-        <p:txBody>
-          <a:bodyPr vert="horz" wrap="none" lIns="91440" tIns="45720" rIns="91440" bIns="45720" numCol="1" anchor="ctr" anchorCtr="0" compatLnSpc="1">
-            <a:prstTxWarp prst="textNoShape">
-              <a:avLst/>
-            </a:prstTxWarp>
-            <a:spAutoFit/>
-          </a:bodyPr>
-          <a:lstStyle/>
-          <a:p>
-            <a:endParaRPr lang="zh-CN" altLang="en-US"/>
-          </a:p>
-        </p:txBody>
-      </p:sp>
-      <p:pic>
-        <p:nvPicPr>
-          <p:cNvPr id="4" name="Picture 3">
-            <a:extLst>
-              <a:ext uri="{FF2B5EF4-FFF2-40B4-BE49-F238E27FC236}">
-                <a16:creationId xmlns:a16="http://schemas.microsoft.com/office/drawing/2014/main" id="{FC2977A1-E315-3C41-7054-E921C9EA2037}"/>
-              </a:ext>
-            </a:extLst>
-          </p:cNvPr>
-          <p:cNvPicPr>
-            <a:picLocks noChangeAspect="1"/>
-          </p:cNvPicPr>
-          <p:nvPr/>
-        </p:nvPicPr>
-        <p:blipFill>
-          <a:blip r:embed="rId3"/>
-          <a:stretch>
-            <a:fillRect/>
-          </a:stretch>
-        </p:blipFill>
-        <p:spPr>
-          <a:xfrm>
-            <a:off x="1143000" y="1723106"/>
-            <a:ext cx="3200400" cy="2423454"/>
-          </a:xfrm>
-          <a:prstGeom prst="rect">
-            <a:avLst/>
-          </a:prstGeom>
-        </p:spPr>
-      </p:pic>
-      <p:pic>
-        <p:nvPicPr>
-          <p:cNvPr id="5" name="Picture 4">
-            <a:extLst>
-              <a:ext uri="{FF2B5EF4-FFF2-40B4-BE49-F238E27FC236}">
-                <a16:creationId xmlns:a16="http://schemas.microsoft.com/office/drawing/2014/main" id="{F7776D60-DF05-E43D-82AE-7A57096B561E}"/>
-              </a:ext>
-            </a:extLst>
-          </p:cNvPr>
-          <p:cNvPicPr>
-            <a:picLocks noChangeAspect="1"/>
-          </p:cNvPicPr>
-          <p:nvPr/>
-        </p:nvPicPr>
-        <p:blipFill>
-          <a:blip r:embed="rId4"/>
-          <a:stretch>
-            <a:fillRect/>
-          </a:stretch>
-        </p:blipFill>
-        <p:spPr>
-          <a:xfrm>
-            <a:off x="4486436" y="1723106"/>
-            <a:ext cx="3200400" cy="2393960"/>
-          </a:xfrm>
-          <a:prstGeom prst="rect">
-            <a:avLst/>
-          </a:prstGeom>
-        </p:spPr>
-      </p:pic>
-      <p:pic>
-        <p:nvPicPr>
-          <p:cNvPr id="8" name="Picture 7">
-            <a:extLst>
-              <a:ext uri="{FF2B5EF4-FFF2-40B4-BE49-F238E27FC236}">
-                <a16:creationId xmlns:a16="http://schemas.microsoft.com/office/drawing/2014/main" id="{A902AA01-3ADF-32C7-EFEC-6BFB7C5E4AF9}"/>
-              </a:ext>
-            </a:extLst>
-          </p:cNvPr>
-          <p:cNvPicPr>
-            <a:picLocks noChangeAspect="1"/>
-          </p:cNvPicPr>
-          <p:nvPr/>
-        </p:nvPicPr>
-        <p:blipFill>
-          <a:blip r:embed="rId5"/>
-          <a:stretch>
-            <a:fillRect/>
-          </a:stretch>
-        </p:blipFill>
-        <p:spPr>
-          <a:xfrm>
-            <a:off x="1143000" y="4146560"/>
-            <a:ext cx="3200400" cy="2415786"/>
-          </a:xfrm>
-          <a:prstGeom prst="rect">
-            <a:avLst/>
-          </a:prstGeom>
-        </p:spPr>
-      </p:pic>
-      <p:sp>
-        <p:nvSpPr>
-          <p:cNvPr id="10" name="TextBox 9">
-            <a:extLst>
-              <a:ext uri="{FF2B5EF4-FFF2-40B4-BE49-F238E27FC236}">
-                <a16:creationId xmlns:a16="http://schemas.microsoft.com/office/drawing/2014/main" id="{56C80521-9A4D-908B-A736-B7D17DF69C95}"/>
-              </a:ext>
-            </a:extLst>
-          </p:cNvPr>
-          <p:cNvSpPr txBox="1"/>
-          <p:nvPr/>
-        </p:nvSpPr>
-        <p:spPr>
-          <a:xfrm>
-            <a:off x="4712866" y="1893639"/>
-            <a:ext cx="1184940" cy="369332"/>
-          </a:xfrm>
-          <a:prstGeom prst="rect">
-            <a:avLst/>
-          </a:prstGeom>
-          <a:noFill/>
-        </p:spPr>
-        <p:txBody>
-          <a:bodyPr wrap="none" rtlCol="0">
-            <a:spAutoFit/>
-          </a:bodyPr>
-          <a:lstStyle/>
-          <a:p>
-            <a:r>
-              <a:rPr lang="en-US" dirty="0"/>
-              <a:t>Neumann</a:t>
-            </a:r>
-          </a:p>
-        </p:txBody>
-      </p:sp>
-      <p:sp>
-        <p:nvSpPr>
-          <p:cNvPr id="11" name="TextBox 10">
-            <a:extLst>
-              <a:ext uri="{FF2B5EF4-FFF2-40B4-BE49-F238E27FC236}">
-                <a16:creationId xmlns:a16="http://schemas.microsoft.com/office/drawing/2014/main" id="{C13FB47B-C4D5-57CA-0E70-6769C5A106DB}"/>
-              </a:ext>
-            </a:extLst>
-          </p:cNvPr>
-          <p:cNvSpPr txBox="1"/>
-          <p:nvPr/>
-        </p:nvSpPr>
-        <p:spPr>
-          <a:xfrm>
-            <a:off x="1425788" y="1887289"/>
-            <a:ext cx="1317412" cy="369332"/>
-          </a:xfrm>
-          <a:prstGeom prst="rect">
-            <a:avLst/>
-          </a:prstGeom>
-          <a:noFill/>
-        </p:spPr>
-        <p:txBody>
-          <a:bodyPr wrap="none" rtlCol="0">
-            <a:spAutoFit/>
-          </a:bodyPr>
-          <a:lstStyle/>
-          <a:p>
-            <a:r>
-              <a:rPr lang="en-US" dirty="0"/>
-              <a:t>Wall model</a:t>
-            </a:r>
-          </a:p>
-        </p:txBody>
-      </p:sp>
-      <p:sp>
-        <p:nvSpPr>
-          <p:cNvPr id="12" name="TextBox 11">
-            <a:extLst>
-              <a:ext uri="{FF2B5EF4-FFF2-40B4-BE49-F238E27FC236}">
-                <a16:creationId xmlns:a16="http://schemas.microsoft.com/office/drawing/2014/main" id="{6F7B2530-1540-3C45-7A67-DEA44B00630D}"/>
-              </a:ext>
-            </a:extLst>
-          </p:cNvPr>
-          <p:cNvSpPr txBox="1"/>
-          <p:nvPr/>
-        </p:nvSpPr>
-        <p:spPr>
-          <a:xfrm>
-            <a:off x="1403921" y="4317093"/>
-            <a:ext cx="902811" cy="369332"/>
-          </a:xfrm>
-          <a:prstGeom prst="rect">
-            <a:avLst/>
-          </a:prstGeom>
-          <a:noFill/>
-        </p:spPr>
-        <p:txBody>
-          <a:bodyPr wrap="none" rtlCol="0">
-            <a:spAutoFit/>
-          </a:bodyPr>
-          <a:lstStyle/>
-          <a:p>
-            <a:r>
-              <a:rPr lang="en-US" dirty="0"/>
-              <a:t>No-slip</a:t>
-            </a:r>
-          </a:p>
-        </p:txBody>
-      </p:sp>
-    </p:spTree>
-    <p:extLst>
-      <p:ext uri="{BB962C8B-B14F-4D97-AF65-F5344CB8AC3E}">
-        <p14:creationId xmlns:p14="http://schemas.microsoft.com/office/powerpoint/2010/main" val="4034970986"/>
-      </p:ext>
-    </p:extLst>
-  </p:cSld>
-  <p:clrMapOvr>
-    <a:masterClrMapping/>
-  </p:clrMapOvr>
-  <p:transition spd="med" advTm="63997"/>
-</p:sld>
-</file>
-
-<file path=ppt/slides/slide9.xml><?xml version="1.0" encoding="utf-8"?>
+<file path=ppt/slides/slide6.xml><?xml version="1.0" encoding="utf-8"?>
 <p:sld xmlns:a="http://schemas.openxmlformats.org/drawingml/2006/main" xmlns:r="http://schemas.openxmlformats.org/officeDocument/2006/relationships" xmlns:p="http://schemas.openxmlformats.org/presentationml/2006/main">
   <p:cSld>
     <p:spTree>
@@ -36901,6 +35457,1298 @@
     <p:extLst>
       <p:ext uri="{BB962C8B-B14F-4D97-AF65-F5344CB8AC3E}">
         <p14:creationId xmlns:p14="http://schemas.microsoft.com/office/powerpoint/2010/main" val="1266517650"/>
+      </p:ext>
+    </p:extLst>
+  </p:cSld>
+  <p:clrMapOvr>
+    <a:masterClrMapping/>
+  </p:clrMapOvr>
+  <p:transition spd="med" advTm="63997"/>
+</p:sld>
+</file>
+
+<file path=ppt/slides/slide7.xml><?xml version="1.0" encoding="utf-8"?>
+<p:sld xmlns:a="http://schemas.openxmlformats.org/drawingml/2006/main" xmlns:r="http://schemas.openxmlformats.org/officeDocument/2006/relationships" xmlns:p="http://schemas.openxmlformats.org/presentationml/2006/main">
+  <p:cSld>
+    <p:spTree>
+      <p:nvGrpSpPr>
+        <p:cNvPr id="1" name=""/>
+        <p:cNvGrpSpPr/>
+        <p:nvPr/>
+      </p:nvGrpSpPr>
+      <p:grpSpPr>
+        <a:xfrm>
+          <a:off x="0" y="0"/>
+          <a:ext cx="0" cy="0"/>
+          <a:chOff x="0" y="0"/>
+          <a:chExt cx="0" cy="0"/>
+        </a:xfrm>
+      </p:grpSpPr>
+      <p:sp>
+        <p:nvSpPr>
+          <p:cNvPr id="6" name="Title 1">
+            <a:extLst>
+              <a:ext uri="{FF2B5EF4-FFF2-40B4-BE49-F238E27FC236}">
+                <a16:creationId xmlns:a16="http://schemas.microsoft.com/office/drawing/2014/main" id="{672A50A6-DF4F-C15D-3695-4B8C888F16FF}"/>
+              </a:ext>
+            </a:extLst>
+          </p:cNvPr>
+          <p:cNvSpPr>
+            <a:spLocks noGrp="1"/>
+          </p:cNvSpPr>
+          <p:nvPr>
+            <p:ph type="title"/>
+          </p:nvPr>
+        </p:nvSpPr>
+        <p:spPr>
+          <a:xfrm>
+            <a:off x="152400" y="152400"/>
+            <a:ext cx="8610600" cy="838200"/>
+          </a:xfrm>
+        </p:spPr>
+        <p:txBody>
+          <a:bodyPr/>
+          <a:lstStyle/>
+          <a:p>
+            <a:r>
+              <a:rPr lang="en-US" altLang="zh-CN" dirty="0"/>
+              <a:t>Channel</a:t>
+            </a:r>
+            <a:endParaRPr lang="zh-CN" altLang="en-US" dirty="0"/>
+          </a:p>
+        </p:txBody>
+      </p:sp>
+      <p:sp>
+        <p:nvSpPr>
+          <p:cNvPr id="8" name="内容占位符 2">
+            <a:extLst>
+              <a:ext uri="{FF2B5EF4-FFF2-40B4-BE49-F238E27FC236}">
+                <a16:creationId xmlns:a16="http://schemas.microsoft.com/office/drawing/2014/main" id="{2CA7BECD-9996-EA33-E05F-D04BFFAF531D}"/>
+              </a:ext>
+            </a:extLst>
+          </p:cNvPr>
+          <p:cNvSpPr txBox="1">
+            <a:spLocks/>
+          </p:cNvSpPr>
+          <p:nvPr/>
+        </p:nvSpPr>
+        <p:spPr bwMode="auto">
+          <a:xfrm>
+            <a:off x="93652" y="1068113"/>
+            <a:ext cx="8610600" cy="932338"/>
+          </a:xfrm>
+          <a:prstGeom prst="rect">
+            <a:avLst/>
+          </a:prstGeom>
+          <a:noFill/>
+          <a:ln>
+            <a:noFill/>
+          </a:ln>
+          <a:extLst>
+            <a:ext uri="{909E8E84-426E-40DD-AFC4-6F175D3DCCD1}">
+              <a14:hiddenFill xmlns:a14="http://schemas.microsoft.com/office/drawing/2010/main">
+                <a:solidFill>
+                  <a:srgbClr val="FFFFFF"/>
+                </a:solidFill>
+              </a14:hiddenFill>
+            </a:ext>
+            <a:ext uri="{91240B29-F687-4F45-9708-019B960494DF}">
+              <a14:hiddenLine xmlns:a14="http://schemas.microsoft.com/office/drawing/2010/main" w="28575">
+                <a:solidFill>
+                  <a:srgbClr val="000000"/>
+                </a:solidFill>
+                <a:miter lim="800000"/>
+                <a:headEnd/>
+                <a:tailEnd/>
+              </a14:hiddenLine>
+            </a:ext>
+          </a:extLst>
+        </p:spPr>
+        <p:txBody>
+          <a:bodyPr vert="horz" wrap="square" lIns="91440" tIns="45720" rIns="91440" bIns="45720" numCol="1" anchor="t" anchorCtr="0" compatLnSpc="1">
+            <a:prstTxWarp prst="textNoShape">
+              <a:avLst/>
+            </a:prstTxWarp>
+          </a:bodyPr>
+          <a:lstStyle>
+            <a:lvl1pPr marL="342900" indent="-342900" algn="l" rtl="0" eaLnBrk="1" fontAlgn="base" hangingPunct="1">
+              <a:spcBef>
+                <a:spcPct val="30000"/>
+              </a:spcBef>
+              <a:spcAft>
+                <a:spcPct val="0"/>
+              </a:spcAft>
+              <a:buClr>
+                <a:schemeClr val="hlink"/>
+              </a:buClr>
+              <a:buFont typeface="Wingdings" pitchFamily="2" charset="2"/>
+              <a:buChar char="§"/>
+              <a:defRPr sz="3200">
+                <a:solidFill>
+                  <a:srgbClr val="000066"/>
+                </a:solidFill>
+                <a:latin typeface="微软雅黑" pitchFamily="34" charset="-122"/>
+                <a:ea typeface="微软雅黑" pitchFamily="34" charset="-122"/>
+                <a:cs typeface="+mn-cs"/>
+              </a:defRPr>
+            </a:lvl1pPr>
+            <a:lvl2pPr marL="742950" indent="-285750" algn="l" rtl="0" eaLnBrk="1" fontAlgn="base" hangingPunct="1">
+              <a:spcBef>
+                <a:spcPct val="30000"/>
+              </a:spcBef>
+              <a:spcAft>
+                <a:spcPct val="0"/>
+              </a:spcAft>
+              <a:buClr>
+                <a:schemeClr val="tx2"/>
+              </a:buClr>
+              <a:buSzPct val="85000"/>
+              <a:buFont typeface="Wingdings" pitchFamily="2" charset="2"/>
+              <a:buChar char="Ø"/>
+              <a:defRPr sz="2800">
+                <a:solidFill>
+                  <a:srgbClr val="006666"/>
+                </a:solidFill>
+                <a:latin typeface="微软雅黑" pitchFamily="34" charset="-122"/>
+                <a:ea typeface="微软雅黑" pitchFamily="34" charset="-122"/>
+              </a:defRPr>
+            </a:lvl2pPr>
+            <a:lvl3pPr marL="1143000" indent="-228600" algn="l" rtl="0" eaLnBrk="1" fontAlgn="base" hangingPunct="1">
+              <a:spcBef>
+                <a:spcPct val="30000"/>
+              </a:spcBef>
+              <a:spcAft>
+                <a:spcPct val="0"/>
+              </a:spcAft>
+              <a:buClr>
+                <a:schemeClr val="hlink"/>
+              </a:buClr>
+              <a:buSzPct val="95000"/>
+              <a:buFont typeface="Wingdings 2" pitchFamily="18" charset="2"/>
+              <a:buChar char="¡"/>
+              <a:defRPr sz="2400">
+                <a:solidFill>
+                  <a:schemeClr val="hlink"/>
+                </a:solidFill>
+                <a:latin typeface="微软雅黑" pitchFamily="34" charset="-122"/>
+                <a:ea typeface="微软雅黑" pitchFamily="34" charset="-122"/>
+              </a:defRPr>
+            </a:lvl3pPr>
+            <a:lvl4pPr marL="1600200" indent="-228600" algn="l" rtl="0" eaLnBrk="1" fontAlgn="base" hangingPunct="1">
+              <a:spcBef>
+                <a:spcPct val="30000"/>
+              </a:spcBef>
+              <a:spcAft>
+                <a:spcPct val="0"/>
+              </a:spcAft>
+              <a:buClr>
+                <a:schemeClr val="tx2"/>
+              </a:buClr>
+              <a:buSzPct val="90000"/>
+              <a:buFont typeface="Wingdings" pitchFamily="2" charset="2"/>
+              <a:buChar char="Ø"/>
+              <a:defRPr sz="2000">
+                <a:solidFill>
+                  <a:srgbClr val="990099"/>
+                </a:solidFill>
+                <a:latin typeface="微软雅黑" pitchFamily="34" charset="-122"/>
+                <a:ea typeface="微软雅黑" pitchFamily="34" charset="-122"/>
+              </a:defRPr>
+            </a:lvl4pPr>
+            <a:lvl5pPr marL="2057400" indent="-228600" algn="l" rtl="0" eaLnBrk="1" fontAlgn="base" hangingPunct="1">
+              <a:spcBef>
+                <a:spcPct val="30000"/>
+              </a:spcBef>
+              <a:spcAft>
+                <a:spcPct val="0"/>
+              </a:spcAft>
+              <a:buClr>
+                <a:schemeClr val="hlink"/>
+              </a:buClr>
+              <a:buFont typeface="Wingdings 2" pitchFamily="18" charset="2"/>
+              <a:buChar char="¡"/>
+              <a:defRPr sz="2000">
+                <a:solidFill>
+                  <a:schemeClr val="tx1"/>
+                </a:solidFill>
+                <a:latin typeface="微软雅黑" pitchFamily="34" charset="-122"/>
+                <a:ea typeface="微软雅黑" pitchFamily="34" charset="-122"/>
+              </a:defRPr>
+            </a:lvl5pPr>
+            <a:lvl6pPr marL="2514600" indent="-228600" algn="l" rtl="0" eaLnBrk="1" fontAlgn="base" hangingPunct="1">
+              <a:spcBef>
+                <a:spcPct val="30000"/>
+              </a:spcBef>
+              <a:spcAft>
+                <a:spcPct val="0"/>
+              </a:spcAft>
+              <a:buClr>
+                <a:schemeClr val="hlink"/>
+              </a:buClr>
+              <a:buFont typeface="Wingdings 2" pitchFamily="18" charset="2"/>
+              <a:buChar char="¡"/>
+              <a:defRPr sz="2000">
+                <a:solidFill>
+                  <a:schemeClr val="tx1"/>
+                </a:solidFill>
+                <a:latin typeface="+mn-lt"/>
+                <a:ea typeface="+mn-ea"/>
+              </a:defRPr>
+            </a:lvl6pPr>
+            <a:lvl7pPr marL="2971800" indent="-228600" algn="l" rtl="0" eaLnBrk="1" fontAlgn="base" hangingPunct="1">
+              <a:spcBef>
+                <a:spcPct val="30000"/>
+              </a:spcBef>
+              <a:spcAft>
+                <a:spcPct val="0"/>
+              </a:spcAft>
+              <a:buClr>
+                <a:schemeClr val="hlink"/>
+              </a:buClr>
+              <a:buFont typeface="Wingdings 2" pitchFamily="18" charset="2"/>
+              <a:buChar char="¡"/>
+              <a:defRPr sz="2000">
+                <a:solidFill>
+                  <a:schemeClr val="tx1"/>
+                </a:solidFill>
+                <a:latin typeface="+mn-lt"/>
+                <a:ea typeface="+mn-ea"/>
+              </a:defRPr>
+            </a:lvl7pPr>
+            <a:lvl8pPr marL="3429000" indent="-228600" algn="l" rtl="0" eaLnBrk="1" fontAlgn="base" hangingPunct="1">
+              <a:spcBef>
+                <a:spcPct val="30000"/>
+              </a:spcBef>
+              <a:spcAft>
+                <a:spcPct val="0"/>
+              </a:spcAft>
+              <a:buClr>
+                <a:schemeClr val="hlink"/>
+              </a:buClr>
+              <a:buFont typeface="Wingdings 2" pitchFamily="18" charset="2"/>
+              <a:buChar char="¡"/>
+              <a:defRPr sz="2000">
+                <a:solidFill>
+                  <a:schemeClr val="tx1"/>
+                </a:solidFill>
+                <a:latin typeface="+mn-lt"/>
+                <a:ea typeface="+mn-ea"/>
+              </a:defRPr>
+            </a:lvl8pPr>
+            <a:lvl9pPr marL="3886200" indent="-228600" algn="l" rtl="0" eaLnBrk="1" fontAlgn="base" hangingPunct="1">
+              <a:spcBef>
+                <a:spcPct val="30000"/>
+              </a:spcBef>
+              <a:spcAft>
+                <a:spcPct val="0"/>
+              </a:spcAft>
+              <a:buClr>
+                <a:schemeClr val="hlink"/>
+              </a:buClr>
+              <a:buFont typeface="Wingdings 2" pitchFamily="18" charset="2"/>
+              <a:buChar char="¡"/>
+              <a:defRPr sz="2000">
+                <a:solidFill>
+                  <a:schemeClr val="tx1"/>
+                </a:solidFill>
+                <a:latin typeface="+mn-lt"/>
+                <a:ea typeface="+mn-ea"/>
+              </a:defRPr>
+            </a:lvl9pPr>
+          </a:lstStyle>
+          <a:p>
+            <a:r>
+              <a:rPr lang="en-US" altLang="zh-CN" sz="2400" kern="0" dirty="0">
+                <a:latin typeface="+mn-lt"/>
+                <a:cs typeface="Times New Roman" panose="02020603050405020304" pitchFamily="18" charset="0"/>
+              </a:rPr>
+              <a:t>RETAU550</a:t>
+            </a:r>
+            <a:endParaRPr lang="en-US" altLang="zh-CN" sz="2000" kern="0" dirty="0">
+              <a:latin typeface="+mn-lt"/>
+              <a:cs typeface="Times New Roman" panose="02020603050405020304" pitchFamily="18" charset="0"/>
+            </a:endParaRPr>
+          </a:p>
+          <a:p>
+            <a:pPr lvl="1"/>
+            <a:r>
+              <a:rPr lang="en-US" altLang="zh-CN" sz="2000" dirty="0">
+                <a:latin typeface="+mn-lt"/>
+                <a:cs typeface="Times New Roman" panose="02020603050405020304" pitchFamily="18" charset="0"/>
+              </a:rPr>
+              <a:t>CFL has negligible influence on the statistics</a:t>
+            </a:r>
+          </a:p>
+        </p:txBody>
+      </p:sp>
+      <p:pic>
+        <p:nvPicPr>
+          <p:cNvPr id="17" name="Picture 16">
+            <a:extLst>
+              <a:ext uri="{FF2B5EF4-FFF2-40B4-BE49-F238E27FC236}">
+                <a16:creationId xmlns:a16="http://schemas.microsoft.com/office/drawing/2014/main" id="{ECD60A6B-1415-10FE-7C9B-55C741ABAD47}"/>
+              </a:ext>
+            </a:extLst>
+          </p:cNvPr>
+          <p:cNvPicPr>
+            <a:picLocks noChangeAspect="1"/>
+          </p:cNvPicPr>
+          <p:nvPr/>
+        </p:nvPicPr>
+        <p:blipFill>
+          <a:blip r:embed="rId2"/>
+          <a:stretch>
+            <a:fillRect/>
+          </a:stretch>
+        </p:blipFill>
+        <p:spPr>
+          <a:xfrm>
+            <a:off x="1270000" y="1981200"/>
+            <a:ext cx="3200400" cy="2410624"/>
+          </a:xfrm>
+          <a:prstGeom prst="rect">
+            <a:avLst/>
+          </a:prstGeom>
+        </p:spPr>
+      </p:pic>
+      <p:pic>
+        <p:nvPicPr>
+          <p:cNvPr id="19" name="Picture 18">
+            <a:extLst>
+              <a:ext uri="{FF2B5EF4-FFF2-40B4-BE49-F238E27FC236}">
+                <a16:creationId xmlns:a16="http://schemas.microsoft.com/office/drawing/2014/main" id="{E38D3F2F-0276-F566-E207-111E27E2C9A9}"/>
+              </a:ext>
+            </a:extLst>
+          </p:cNvPr>
+          <p:cNvPicPr>
+            <a:picLocks noChangeAspect="1"/>
+          </p:cNvPicPr>
+          <p:nvPr/>
+        </p:nvPicPr>
+        <p:blipFill>
+          <a:blip r:embed="rId3"/>
+          <a:stretch>
+            <a:fillRect/>
+          </a:stretch>
+        </p:blipFill>
+        <p:spPr>
+          <a:xfrm>
+            <a:off x="4495800" y="1988738"/>
+            <a:ext cx="3200400" cy="2420948"/>
+          </a:xfrm>
+          <a:prstGeom prst="rect">
+            <a:avLst/>
+          </a:prstGeom>
+        </p:spPr>
+      </p:pic>
+      <p:pic>
+        <p:nvPicPr>
+          <p:cNvPr id="21" name="Picture 20">
+            <a:extLst>
+              <a:ext uri="{FF2B5EF4-FFF2-40B4-BE49-F238E27FC236}">
+                <a16:creationId xmlns:a16="http://schemas.microsoft.com/office/drawing/2014/main" id="{549841AD-5F84-7843-AB59-1ABBC5EA4279}"/>
+              </a:ext>
+            </a:extLst>
+          </p:cNvPr>
+          <p:cNvPicPr>
+            <a:picLocks noChangeAspect="1"/>
+          </p:cNvPicPr>
+          <p:nvPr/>
+        </p:nvPicPr>
+        <p:blipFill>
+          <a:blip r:embed="rId4"/>
+          <a:stretch>
+            <a:fillRect/>
+          </a:stretch>
+        </p:blipFill>
+        <p:spPr>
+          <a:xfrm>
+            <a:off x="1270000" y="4366424"/>
+            <a:ext cx="3200400" cy="2417049"/>
+          </a:xfrm>
+          <a:prstGeom prst="rect">
+            <a:avLst/>
+          </a:prstGeom>
+        </p:spPr>
+      </p:pic>
+      <p:pic>
+        <p:nvPicPr>
+          <p:cNvPr id="23" name="Picture 22">
+            <a:extLst>
+              <a:ext uri="{FF2B5EF4-FFF2-40B4-BE49-F238E27FC236}">
+                <a16:creationId xmlns:a16="http://schemas.microsoft.com/office/drawing/2014/main" id="{D5188352-A923-E002-6698-A438834CC48E}"/>
+              </a:ext>
+            </a:extLst>
+          </p:cNvPr>
+          <p:cNvPicPr>
+            <a:picLocks noChangeAspect="1"/>
+          </p:cNvPicPr>
+          <p:nvPr/>
+        </p:nvPicPr>
+        <p:blipFill>
+          <a:blip r:embed="rId5"/>
+          <a:stretch>
+            <a:fillRect/>
+          </a:stretch>
+        </p:blipFill>
+        <p:spPr>
+          <a:xfrm>
+            <a:off x="4495800" y="4366424"/>
+            <a:ext cx="3200400" cy="2426110"/>
+          </a:xfrm>
+          <a:prstGeom prst="rect">
+            <a:avLst/>
+          </a:prstGeom>
+        </p:spPr>
+      </p:pic>
+    </p:spTree>
+    <p:extLst>
+      <p:ext uri="{BB962C8B-B14F-4D97-AF65-F5344CB8AC3E}">
+        <p14:creationId xmlns:p14="http://schemas.microsoft.com/office/powerpoint/2010/main" val="1005344567"/>
+      </p:ext>
+    </p:extLst>
+  </p:cSld>
+  <p:clrMapOvr>
+    <a:masterClrMapping/>
+  </p:clrMapOvr>
+  <p:transition spd="med"/>
+</p:sld>
+</file>
+
+<file path=ppt/slides/slide8.xml><?xml version="1.0" encoding="utf-8"?>
+<p:sld xmlns:a="http://schemas.openxmlformats.org/drawingml/2006/main" xmlns:r="http://schemas.openxmlformats.org/officeDocument/2006/relationships" xmlns:p="http://schemas.openxmlformats.org/presentationml/2006/main">
+  <p:cSld>
+    <p:spTree>
+      <p:nvGrpSpPr>
+        <p:cNvPr id="1" name="">
+          <a:extLst>
+            <a:ext uri="{FF2B5EF4-FFF2-40B4-BE49-F238E27FC236}">
+              <a16:creationId xmlns:a16="http://schemas.microsoft.com/office/drawing/2014/main" id="{E36FAF1C-FB3C-6E4F-3EF6-B91416465A30}"/>
+            </a:ext>
+          </a:extLst>
+        </p:cNvPr>
+        <p:cNvGrpSpPr/>
+        <p:nvPr/>
+      </p:nvGrpSpPr>
+      <p:grpSpPr>
+        <a:xfrm>
+          <a:off x="0" y="0"/>
+          <a:ext cx="0" cy="0"/>
+          <a:chOff x="0" y="0"/>
+          <a:chExt cx="0" cy="0"/>
+        </a:xfrm>
+      </p:grpSpPr>
+      <p:sp>
+        <p:nvSpPr>
+          <p:cNvPr id="2" name="Title 1">
+            <a:extLst>
+              <a:ext uri="{FF2B5EF4-FFF2-40B4-BE49-F238E27FC236}">
+                <a16:creationId xmlns:a16="http://schemas.microsoft.com/office/drawing/2014/main" id="{5ADC8DE3-593B-5208-402D-39D2452CA6CD}"/>
+              </a:ext>
+            </a:extLst>
+          </p:cNvPr>
+          <p:cNvSpPr>
+            <a:spLocks noGrp="1"/>
+          </p:cNvSpPr>
+          <p:nvPr>
+            <p:ph type="title"/>
+          </p:nvPr>
+        </p:nvSpPr>
+        <p:spPr>
+          <a:xfrm>
+            <a:off x="152400" y="152400"/>
+            <a:ext cx="8610600" cy="838200"/>
+          </a:xfrm>
+        </p:spPr>
+        <p:txBody>
+          <a:bodyPr/>
+          <a:lstStyle/>
+          <a:p>
+            <a:r>
+              <a:rPr lang="en-US" altLang="zh-CN" dirty="0"/>
+              <a:t>Channel</a:t>
+            </a:r>
+            <a:endParaRPr lang="zh-CN" altLang="en-US" dirty="0"/>
+          </a:p>
+        </p:txBody>
+      </p:sp>
+      <p:sp>
+        <p:nvSpPr>
+          <p:cNvPr id="7" name="内容占位符 2">
+            <a:extLst>
+              <a:ext uri="{FF2B5EF4-FFF2-40B4-BE49-F238E27FC236}">
+                <a16:creationId xmlns:a16="http://schemas.microsoft.com/office/drawing/2014/main" id="{F3384177-C1B6-3F19-F831-1205A5DA7337}"/>
+              </a:ext>
+            </a:extLst>
+          </p:cNvPr>
+          <p:cNvSpPr>
+            <a:spLocks noGrp="1"/>
+          </p:cNvSpPr>
+          <p:nvPr>
+            <p:ph idx="4294967295"/>
+          </p:nvPr>
+        </p:nvSpPr>
+        <p:spPr>
+          <a:xfrm>
+            <a:off x="93652" y="1068111"/>
+            <a:ext cx="9050348" cy="1979889"/>
+          </a:xfrm>
+        </p:spPr>
+        <p:txBody>
+          <a:bodyPr/>
+          <a:lstStyle/>
+          <a:p>
+            <a:r>
+              <a:rPr lang="en-US" altLang="zh-CN" sz="2400" dirty="0">
+                <a:latin typeface="+mn-lt"/>
+                <a:cs typeface="Times New Roman" panose="02020603050405020304" pitchFamily="18" charset="0"/>
+              </a:rPr>
+              <a:t>RETAU1000</a:t>
+            </a:r>
+            <a:endParaRPr lang="en-US" altLang="zh-CN" sz="2000" baseline="30000" dirty="0">
+              <a:latin typeface="+mn-lt"/>
+              <a:cs typeface="Times New Roman" panose="02020603050405020304" pitchFamily="18" charset="0"/>
+            </a:endParaRPr>
+          </a:p>
+          <a:p>
+            <a:pPr marL="457200" lvl="1" indent="0">
+              <a:buNone/>
+            </a:pPr>
+            <a:endParaRPr lang="en-US" altLang="zh-CN" sz="2000" baseline="30000" dirty="0">
+              <a:latin typeface="+mn-lt"/>
+              <a:cs typeface="Times New Roman" panose="02020603050405020304" pitchFamily="18" charset="0"/>
+            </a:endParaRPr>
+          </a:p>
+          <a:p>
+            <a:pPr marL="457200" lvl="1" indent="0">
+              <a:buNone/>
+            </a:pPr>
+            <a:endParaRPr lang="en-US" altLang="zh-CN" sz="2000" baseline="30000" dirty="0">
+              <a:latin typeface="+mn-lt"/>
+              <a:cs typeface="Times New Roman" panose="02020603050405020304" pitchFamily="18" charset="0"/>
+            </a:endParaRPr>
+          </a:p>
+          <a:p>
+            <a:pPr marL="457200" lvl="1" indent="0">
+              <a:buNone/>
+            </a:pPr>
+            <a:endParaRPr lang="en-US" altLang="zh-CN" sz="2000" baseline="30000" dirty="0">
+              <a:latin typeface="+mn-lt"/>
+              <a:cs typeface="Times New Roman" panose="02020603050405020304" pitchFamily="18" charset="0"/>
+            </a:endParaRPr>
+          </a:p>
+          <a:p>
+            <a:pPr marL="457200" lvl="1" indent="0">
+              <a:buNone/>
+            </a:pPr>
+            <a:endParaRPr lang="en-US" altLang="zh-CN" sz="2000" baseline="30000" dirty="0">
+              <a:latin typeface="+mn-lt"/>
+              <a:cs typeface="Times New Roman" panose="02020603050405020304" pitchFamily="18" charset="0"/>
+            </a:endParaRPr>
+          </a:p>
+          <a:p>
+            <a:pPr marL="457200" lvl="1" indent="0">
+              <a:buNone/>
+            </a:pPr>
+            <a:endParaRPr lang="en-US" altLang="zh-CN" sz="2000" baseline="30000" dirty="0">
+              <a:latin typeface="+mn-lt"/>
+              <a:cs typeface="Times New Roman" panose="02020603050405020304" pitchFamily="18" charset="0"/>
+            </a:endParaRPr>
+          </a:p>
+          <a:p>
+            <a:pPr marL="457200" lvl="1" indent="0">
+              <a:buNone/>
+            </a:pPr>
+            <a:endParaRPr lang="en-US" altLang="zh-CN" sz="2000" baseline="30000" dirty="0">
+              <a:latin typeface="+mn-lt"/>
+              <a:cs typeface="Times New Roman" panose="02020603050405020304" pitchFamily="18" charset="0"/>
+            </a:endParaRPr>
+          </a:p>
+          <a:p>
+            <a:pPr marL="457200" lvl="1" indent="0">
+              <a:buNone/>
+            </a:pPr>
+            <a:endParaRPr lang="en-US" altLang="zh-CN" sz="2000" baseline="30000" dirty="0">
+              <a:latin typeface="+mn-lt"/>
+              <a:cs typeface="Times New Roman" panose="02020603050405020304" pitchFamily="18" charset="0"/>
+            </a:endParaRPr>
+          </a:p>
+          <a:p>
+            <a:pPr>
+              <a:lnSpc>
+                <a:spcPct val="125000"/>
+              </a:lnSpc>
+            </a:pPr>
+            <a:endParaRPr lang="en-US" altLang="zh-CN" sz="2400" dirty="0">
+              <a:latin typeface="+mn-lt"/>
+              <a:cs typeface="Times New Roman" panose="02020603050405020304" pitchFamily="18" charset="0"/>
+            </a:endParaRPr>
+          </a:p>
+          <a:p>
+            <a:pPr marL="457200" lvl="1" indent="0">
+              <a:lnSpc>
+                <a:spcPct val="125000"/>
+              </a:lnSpc>
+              <a:buNone/>
+            </a:pPr>
+            <a:endParaRPr lang="en-US" altLang="zh-CN" sz="2000" dirty="0">
+              <a:latin typeface="+mn-lt"/>
+              <a:cs typeface="Times New Roman" panose="02020603050405020304" pitchFamily="18" charset="0"/>
+            </a:endParaRPr>
+          </a:p>
+        </p:txBody>
+      </p:sp>
+      <p:sp>
+        <p:nvSpPr>
+          <p:cNvPr id="9" name="Rectangle 2">
+            <a:extLst>
+              <a:ext uri="{FF2B5EF4-FFF2-40B4-BE49-F238E27FC236}">
+                <a16:creationId xmlns:a16="http://schemas.microsoft.com/office/drawing/2014/main" id="{CC5CEECD-70F9-A816-BDE0-0CF29A6F574A}"/>
+              </a:ext>
+            </a:extLst>
+          </p:cNvPr>
+          <p:cNvSpPr>
+            <a:spLocks noChangeArrowheads="1"/>
+          </p:cNvSpPr>
+          <p:nvPr/>
+        </p:nvSpPr>
+        <p:spPr bwMode="auto">
+          <a:xfrm>
+            <a:off x="0" y="0"/>
+            <a:ext cx="9144000" cy="0"/>
+          </a:xfrm>
+          <a:prstGeom prst="rect">
+            <a:avLst/>
+          </a:prstGeom>
+          <a:noFill/>
+          <a:ln>
+            <a:noFill/>
+          </a:ln>
+          <a:effectLst/>
+          <a:extLst>
+            <a:ext uri="{909E8E84-426E-40DD-AFC4-6F175D3DCCD1}">
+              <a14:hiddenFill xmlns:a14="http://schemas.microsoft.com/office/drawing/2010/main">
+                <a:solidFill>
+                  <a:schemeClr val="accent1"/>
+                </a:solidFill>
+              </a14:hiddenFill>
+            </a:ext>
+            <a:ext uri="{91240B29-F687-4F45-9708-019B960494DF}">
+              <a14:hiddenLine xmlns:a14="http://schemas.microsoft.com/office/drawing/2010/main" w="9525">
+                <a:solidFill>
+                  <a:schemeClr val="tx1"/>
+                </a:solidFill>
+                <a:miter lim="800000"/>
+                <a:headEnd/>
+                <a:tailEnd/>
+              </a14:hiddenLine>
+            </a:ext>
+            <a:ext uri="{AF507438-7753-43E0-B8FC-AC1667EBCBE1}">
+              <a14:hiddenEffects xmlns:a14="http://schemas.microsoft.com/office/drawing/2010/main">
+                <a:effectLst>
+                  <a:outerShdw dist="35921" dir="2700000" algn="ctr" rotWithShape="0">
+                    <a:schemeClr val="bg2"/>
+                  </a:outerShdw>
+                </a:effectLst>
+              </a14:hiddenEffects>
+            </a:ext>
+          </a:extLst>
+        </p:spPr>
+        <p:txBody>
+          <a:bodyPr vert="horz" wrap="none" lIns="91440" tIns="45720" rIns="91440" bIns="45720" numCol="1" anchor="ctr" anchorCtr="0" compatLnSpc="1">
+            <a:prstTxWarp prst="textNoShape">
+              <a:avLst/>
+            </a:prstTxWarp>
+            <a:spAutoFit/>
+          </a:bodyPr>
+          <a:lstStyle/>
+          <a:p>
+            <a:endParaRPr lang="zh-CN" altLang="en-US"/>
+          </a:p>
+        </p:txBody>
+      </p:sp>
+      <p:pic>
+        <p:nvPicPr>
+          <p:cNvPr id="6" name="Picture 5">
+            <a:extLst>
+              <a:ext uri="{FF2B5EF4-FFF2-40B4-BE49-F238E27FC236}">
+                <a16:creationId xmlns:a16="http://schemas.microsoft.com/office/drawing/2014/main" id="{B59DF556-E795-2300-7F43-648997D04089}"/>
+              </a:ext>
+            </a:extLst>
+          </p:cNvPr>
+          <p:cNvPicPr>
+            <a:picLocks noChangeAspect="1"/>
+          </p:cNvPicPr>
+          <p:nvPr/>
+        </p:nvPicPr>
+        <p:blipFill>
+          <a:blip r:embed="rId3"/>
+          <a:stretch>
+            <a:fillRect/>
+          </a:stretch>
+        </p:blipFill>
+        <p:spPr>
+          <a:xfrm>
+            <a:off x="914400" y="1676400"/>
+            <a:ext cx="3200400" cy="2372359"/>
+          </a:xfrm>
+          <a:prstGeom prst="rect">
+            <a:avLst/>
+          </a:prstGeom>
+        </p:spPr>
+      </p:pic>
+      <p:pic>
+        <p:nvPicPr>
+          <p:cNvPr id="4" name="Picture 3">
+            <a:extLst>
+              <a:ext uri="{FF2B5EF4-FFF2-40B4-BE49-F238E27FC236}">
+                <a16:creationId xmlns:a16="http://schemas.microsoft.com/office/drawing/2014/main" id="{BEB93039-8369-B913-4A11-AE5A4E08A72D}"/>
+              </a:ext>
+            </a:extLst>
+          </p:cNvPr>
+          <p:cNvPicPr>
+            <a:picLocks noChangeAspect="1"/>
+          </p:cNvPicPr>
+          <p:nvPr/>
+        </p:nvPicPr>
+        <p:blipFill>
+          <a:blip r:embed="rId4"/>
+          <a:stretch>
+            <a:fillRect/>
+          </a:stretch>
+        </p:blipFill>
+        <p:spPr>
+          <a:xfrm>
+            <a:off x="4114800" y="1676400"/>
+            <a:ext cx="3200400" cy="2397744"/>
+          </a:xfrm>
+          <a:prstGeom prst="rect">
+            <a:avLst/>
+          </a:prstGeom>
+        </p:spPr>
+      </p:pic>
+      <p:sp>
+        <p:nvSpPr>
+          <p:cNvPr id="5" name="TextBox 4">
+            <a:extLst>
+              <a:ext uri="{FF2B5EF4-FFF2-40B4-BE49-F238E27FC236}">
+                <a16:creationId xmlns:a16="http://schemas.microsoft.com/office/drawing/2014/main" id="{1E333F98-D969-7680-D0BE-D006F8E4AA33}"/>
+              </a:ext>
+            </a:extLst>
+          </p:cNvPr>
+          <p:cNvSpPr txBox="1"/>
+          <p:nvPr/>
+        </p:nvSpPr>
+        <p:spPr>
+          <a:xfrm>
+            <a:off x="4402469" y="1837912"/>
+            <a:ext cx="1184940" cy="369332"/>
+          </a:xfrm>
+          <a:prstGeom prst="rect">
+            <a:avLst/>
+          </a:prstGeom>
+          <a:noFill/>
+        </p:spPr>
+        <p:txBody>
+          <a:bodyPr wrap="none" rtlCol="0">
+            <a:spAutoFit/>
+          </a:bodyPr>
+          <a:lstStyle/>
+          <a:p>
+            <a:r>
+              <a:rPr lang="en-US" dirty="0"/>
+              <a:t>Neumann</a:t>
+            </a:r>
+          </a:p>
+        </p:txBody>
+      </p:sp>
+      <p:sp>
+        <p:nvSpPr>
+          <p:cNvPr id="8" name="TextBox 7">
+            <a:extLst>
+              <a:ext uri="{FF2B5EF4-FFF2-40B4-BE49-F238E27FC236}">
+                <a16:creationId xmlns:a16="http://schemas.microsoft.com/office/drawing/2014/main" id="{BEAADFC7-883F-BEFB-D78E-E7BE34CB3B01}"/>
+              </a:ext>
+            </a:extLst>
+          </p:cNvPr>
+          <p:cNvSpPr txBox="1"/>
+          <p:nvPr/>
+        </p:nvSpPr>
+        <p:spPr>
+          <a:xfrm>
+            <a:off x="1119589" y="1837912"/>
+            <a:ext cx="1317412" cy="369332"/>
+          </a:xfrm>
+          <a:prstGeom prst="rect">
+            <a:avLst/>
+          </a:prstGeom>
+          <a:noFill/>
+        </p:spPr>
+        <p:txBody>
+          <a:bodyPr wrap="none" rtlCol="0">
+            <a:spAutoFit/>
+          </a:bodyPr>
+          <a:lstStyle/>
+          <a:p>
+            <a:r>
+              <a:rPr lang="en-US" dirty="0"/>
+              <a:t>Wall model</a:t>
+            </a:r>
+          </a:p>
+        </p:txBody>
+      </p:sp>
+    </p:spTree>
+    <p:extLst>
+      <p:ext uri="{BB962C8B-B14F-4D97-AF65-F5344CB8AC3E}">
+        <p14:creationId xmlns:p14="http://schemas.microsoft.com/office/powerpoint/2010/main" val="3546392556"/>
+      </p:ext>
+    </p:extLst>
+  </p:cSld>
+  <p:clrMapOvr>
+    <a:masterClrMapping/>
+  </p:clrMapOvr>
+  <p:transition spd="med" advTm="63997"/>
+</p:sld>
+</file>
+
+<file path=ppt/slides/slide9.xml><?xml version="1.0" encoding="utf-8"?>
+<p:sld xmlns:a="http://schemas.openxmlformats.org/drawingml/2006/main" xmlns:r="http://schemas.openxmlformats.org/officeDocument/2006/relationships" xmlns:p="http://schemas.openxmlformats.org/presentationml/2006/main">
+  <p:cSld>
+    <p:spTree>
+      <p:nvGrpSpPr>
+        <p:cNvPr id="1" name="">
+          <a:extLst>
+            <a:ext uri="{FF2B5EF4-FFF2-40B4-BE49-F238E27FC236}">
+              <a16:creationId xmlns:a16="http://schemas.microsoft.com/office/drawing/2014/main" id="{E36FAF1C-FB3C-6E4F-3EF6-B91416465A30}"/>
+            </a:ext>
+          </a:extLst>
+        </p:cNvPr>
+        <p:cNvGrpSpPr/>
+        <p:nvPr/>
+      </p:nvGrpSpPr>
+      <p:grpSpPr>
+        <a:xfrm>
+          <a:off x="0" y="0"/>
+          <a:ext cx="0" cy="0"/>
+          <a:chOff x="0" y="0"/>
+          <a:chExt cx="0" cy="0"/>
+        </a:xfrm>
+      </p:grpSpPr>
+      <p:sp>
+        <p:nvSpPr>
+          <p:cNvPr id="2" name="Title 1">
+            <a:extLst>
+              <a:ext uri="{FF2B5EF4-FFF2-40B4-BE49-F238E27FC236}">
+                <a16:creationId xmlns:a16="http://schemas.microsoft.com/office/drawing/2014/main" id="{5ADC8DE3-593B-5208-402D-39D2452CA6CD}"/>
+              </a:ext>
+            </a:extLst>
+          </p:cNvPr>
+          <p:cNvSpPr>
+            <a:spLocks noGrp="1"/>
+          </p:cNvSpPr>
+          <p:nvPr>
+            <p:ph type="title"/>
+          </p:nvPr>
+        </p:nvSpPr>
+        <p:spPr>
+          <a:xfrm>
+            <a:off x="152400" y="152400"/>
+            <a:ext cx="8610600" cy="838200"/>
+          </a:xfrm>
+        </p:spPr>
+        <p:txBody>
+          <a:bodyPr/>
+          <a:lstStyle/>
+          <a:p>
+            <a:r>
+              <a:rPr lang="en-US" altLang="zh-CN" dirty="0"/>
+              <a:t>Channel</a:t>
+            </a:r>
+            <a:endParaRPr lang="zh-CN" altLang="en-US" dirty="0"/>
+          </a:p>
+        </p:txBody>
+      </p:sp>
+      <p:pic>
+        <p:nvPicPr>
+          <p:cNvPr id="16" name="Picture 15">
+            <a:extLst>
+              <a:ext uri="{FF2B5EF4-FFF2-40B4-BE49-F238E27FC236}">
+                <a16:creationId xmlns:a16="http://schemas.microsoft.com/office/drawing/2014/main" id="{BE181C3B-8EE1-3C24-D08F-CC31E2A5BD83}"/>
+              </a:ext>
+            </a:extLst>
+          </p:cNvPr>
+          <p:cNvPicPr>
+            <a:picLocks noChangeAspect="1"/>
+          </p:cNvPicPr>
+          <p:nvPr/>
+        </p:nvPicPr>
+        <p:blipFill>
+          <a:blip r:embed="rId3"/>
+          <a:stretch>
+            <a:fillRect/>
+          </a:stretch>
+        </p:blipFill>
+        <p:spPr>
+          <a:xfrm>
+            <a:off x="2209800" y="2438400"/>
+            <a:ext cx="3200400" cy="2392631"/>
+          </a:xfrm>
+          <a:prstGeom prst="rect">
+            <a:avLst/>
+          </a:prstGeom>
+        </p:spPr>
+      </p:pic>
+      <p:sp>
+        <p:nvSpPr>
+          <p:cNvPr id="17" name="内容占位符 2">
+            <a:extLst>
+              <a:ext uri="{FF2B5EF4-FFF2-40B4-BE49-F238E27FC236}">
+                <a16:creationId xmlns:a16="http://schemas.microsoft.com/office/drawing/2014/main" id="{D7E08BCD-AEE7-9056-0B15-7EFBABD31162}"/>
+              </a:ext>
+            </a:extLst>
+          </p:cNvPr>
+          <p:cNvSpPr txBox="1">
+            <a:spLocks/>
+          </p:cNvSpPr>
+          <p:nvPr/>
+        </p:nvSpPr>
+        <p:spPr bwMode="auto">
+          <a:xfrm>
+            <a:off x="93652" y="1068111"/>
+            <a:ext cx="9050348" cy="1979889"/>
+          </a:xfrm>
+          <a:prstGeom prst="rect">
+            <a:avLst/>
+          </a:prstGeom>
+          <a:noFill/>
+          <a:ln>
+            <a:noFill/>
+          </a:ln>
+          <a:extLst>
+            <a:ext uri="{909E8E84-426E-40DD-AFC4-6F175D3DCCD1}">
+              <a14:hiddenFill xmlns:a14="http://schemas.microsoft.com/office/drawing/2010/main">
+                <a:solidFill>
+                  <a:srgbClr val="FFFFFF"/>
+                </a:solidFill>
+              </a14:hiddenFill>
+            </a:ext>
+            <a:ext uri="{91240B29-F687-4F45-9708-019B960494DF}">
+              <a14:hiddenLine xmlns:a14="http://schemas.microsoft.com/office/drawing/2010/main" w="28575">
+                <a:solidFill>
+                  <a:srgbClr val="000000"/>
+                </a:solidFill>
+                <a:miter lim="800000"/>
+                <a:headEnd/>
+                <a:tailEnd/>
+              </a14:hiddenLine>
+            </a:ext>
+          </a:extLst>
+        </p:spPr>
+        <p:txBody>
+          <a:bodyPr vert="horz" wrap="square" lIns="91440" tIns="45720" rIns="91440" bIns="45720" numCol="1" anchor="t" anchorCtr="0" compatLnSpc="1">
+            <a:prstTxWarp prst="textNoShape">
+              <a:avLst/>
+            </a:prstTxWarp>
+          </a:bodyPr>
+          <a:lstStyle>
+            <a:lvl1pPr marL="342900" indent="-342900" algn="l" rtl="0" eaLnBrk="1" fontAlgn="base" hangingPunct="1">
+              <a:spcBef>
+                <a:spcPct val="30000"/>
+              </a:spcBef>
+              <a:spcAft>
+                <a:spcPct val="0"/>
+              </a:spcAft>
+              <a:buClr>
+                <a:schemeClr val="hlink"/>
+              </a:buClr>
+              <a:buFont typeface="Wingdings" pitchFamily="2" charset="2"/>
+              <a:buChar char="§"/>
+              <a:defRPr sz="3200">
+                <a:solidFill>
+                  <a:srgbClr val="000066"/>
+                </a:solidFill>
+                <a:latin typeface="微软雅黑" pitchFamily="34" charset="-122"/>
+                <a:ea typeface="微软雅黑" pitchFamily="34" charset="-122"/>
+                <a:cs typeface="+mn-cs"/>
+              </a:defRPr>
+            </a:lvl1pPr>
+            <a:lvl2pPr marL="742950" indent="-285750" algn="l" rtl="0" eaLnBrk="1" fontAlgn="base" hangingPunct="1">
+              <a:spcBef>
+                <a:spcPct val="30000"/>
+              </a:spcBef>
+              <a:spcAft>
+                <a:spcPct val="0"/>
+              </a:spcAft>
+              <a:buClr>
+                <a:schemeClr val="tx2"/>
+              </a:buClr>
+              <a:buSzPct val="85000"/>
+              <a:buFont typeface="Wingdings" pitchFamily="2" charset="2"/>
+              <a:buChar char="Ø"/>
+              <a:defRPr sz="2800">
+                <a:solidFill>
+                  <a:srgbClr val="006666"/>
+                </a:solidFill>
+                <a:latin typeface="微软雅黑" pitchFamily="34" charset="-122"/>
+                <a:ea typeface="微软雅黑" pitchFamily="34" charset="-122"/>
+              </a:defRPr>
+            </a:lvl2pPr>
+            <a:lvl3pPr marL="1143000" indent="-228600" algn="l" rtl="0" eaLnBrk="1" fontAlgn="base" hangingPunct="1">
+              <a:spcBef>
+                <a:spcPct val="30000"/>
+              </a:spcBef>
+              <a:spcAft>
+                <a:spcPct val="0"/>
+              </a:spcAft>
+              <a:buClr>
+                <a:schemeClr val="hlink"/>
+              </a:buClr>
+              <a:buSzPct val="95000"/>
+              <a:buFont typeface="Wingdings 2" pitchFamily="18" charset="2"/>
+              <a:buChar char="¡"/>
+              <a:defRPr sz="2400">
+                <a:solidFill>
+                  <a:schemeClr val="hlink"/>
+                </a:solidFill>
+                <a:latin typeface="微软雅黑" pitchFamily="34" charset="-122"/>
+                <a:ea typeface="微软雅黑" pitchFamily="34" charset="-122"/>
+              </a:defRPr>
+            </a:lvl3pPr>
+            <a:lvl4pPr marL="1600200" indent="-228600" algn="l" rtl="0" eaLnBrk="1" fontAlgn="base" hangingPunct="1">
+              <a:spcBef>
+                <a:spcPct val="30000"/>
+              </a:spcBef>
+              <a:spcAft>
+                <a:spcPct val="0"/>
+              </a:spcAft>
+              <a:buClr>
+                <a:schemeClr val="tx2"/>
+              </a:buClr>
+              <a:buSzPct val="90000"/>
+              <a:buFont typeface="Wingdings" pitchFamily="2" charset="2"/>
+              <a:buChar char="Ø"/>
+              <a:defRPr sz="2000">
+                <a:solidFill>
+                  <a:srgbClr val="990099"/>
+                </a:solidFill>
+                <a:latin typeface="微软雅黑" pitchFamily="34" charset="-122"/>
+                <a:ea typeface="微软雅黑" pitchFamily="34" charset="-122"/>
+              </a:defRPr>
+            </a:lvl4pPr>
+            <a:lvl5pPr marL="2057400" indent="-228600" algn="l" rtl="0" eaLnBrk="1" fontAlgn="base" hangingPunct="1">
+              <a:spcBef>
+                <a:spcPct val="30000"/>
+              </a:spcBef>
+              <a:spcAft>
+                <a:spcPct val="0"/>
+              </a:spcAft>
+              <a:buClr>
+                <a:schemeClr val="hlink"/>
+              </a:buClr>
+              <a:buFont typeface="Wingdings 2" pitchFamily="18" charset="2"/>
+              <a:buChar char="¡"/>
+              <a:defRPr sz="2000">
+                <a:solidFill>
+                  <a:schemeClr val="tx1"/>
+                </a:solidFill>
+                <a:latin typeface="微软雅黑" pitchFamily="34" charset="-122"/>
+                <a:ea typeface="微软雅黑" pitchFamily="34" charset="-122"/>
+              </a:defRPr>
+            </a:lvl5pPr>
+            <a:lvl6pPr marL="2514600" indent="-228600" algn="l" rtl="0" eaLnBrk="1" fontAlgn="base" hangingPunct="1">
+              <a:spcBef>
+                <a:spcPct val="30000"/>
+              </a:spcBef>
+              <a:spcAft>
+                <a:spcPct val="0"/>
+              </a:spcAft>
+              <a:buClr>
+                <a:schemeClr val="hlink"/>
+              </a:buClr>
+              <a:buFont typeface="Wingdings 2" pitchFamily="18" charset="2"/>
+              <a:buChar char="¡"/>
+              <a:defRPr sz="2000">
+                <a:solidFill>
+                  <a:schemeClr val="tx1"/>
+                </a:solidFill>
+                <a:latin typeface="+mn-lt"/>
+                <a:ea typeface="+mn-ea"/>
+              </a:defRPr>
+            </a:lvl6pPr>
+            <a:lvl7pPr marL="2971800" indent="-228600" algn="l" rtl="0" eaLnBrk="1" fontAlgn="base" hangingPunct="1">
+              <a:spcBef>
+                <a:spcPct val="30000"/>
+              </a:spcBef>
+              <a:spcAft>
+                <a:spcPct val="0"/>
+              </a:spcAft>
+              <a:buClr>
+                <a:schemeClr val="hlink"/>
+              </a:buClr>
+              <a:buFont typeface="Wingdings 2" pitchFamily="18" charset="2"/>
+              <a:buChar char="¡"/>
+              <a:defRPr sz="2000">
+                <a:solidFill>
+                  <a:schemeClr val="tx1"/>
+                </a:solidFill>
+                <a:latin typeface="+mn-lt"/>
+                <a:ea typeface="+mn-ea"/>
+              </a:defRPr>
+            </a:lvl7pPr>
+            <a:lvl8pPr marL="3429000" indent="-228600" algn="l" rtl="0" eaLnBrk="1" fontAlgn="base" hangingPunct="1">
+              <a:spcBef>
+                <a:spcPct val="30000"/>
+              </a:spcBef>
+              <a:spcAft>
+                <a:spcPct val="0"/>
+              </a:spcAft>
+              <a:buClr>
+                <a:schemeClr val="hlink"/>
+              </a:buClr>
+              <a:buFont typeface="Wingdings 2" pitchFamily="18" charset="2"/>
+              <a:buChar char="¡"/>
+              <a:defRPr sz="2000">
+                <a:solidFill>
+                  <a:schemeClr val="tx1"/>
+                </a:solidFill>
+                <a:latin typeface="+mn-lt"/>
+                <a:ea typeface="+mn-ea"/>
+              </a:defRPr>
+            </a:lvl8pPr>
+            <a:lvl9pPr marL="3886200" indent="-228600" algn="l" rtl="0" eaLnBrk="1" fontAlgn="base" hangingPunct="1">
+              <a:spcBef>
+                <a:spcPct val="30000"/>
+              </a:spcBef>
+              <a:spcAft>
+                <a:spcPct val="0"/>
+              </a:spcAft>
+              <a:buClr>
+                <a:schemeClr val="hlink"/>
+              </a:buClr>
+              <a:buFont typeface="Wingdings 2" pitchFamily="18" charset="2"/>
+              <a:buChar char="¡"/>
+              <a:defRPr sz="2000">
+                <a:solidFill>
+                  <a:schemeClr val="tx1"/>
+                </a:solidFill>
+                <a:latin typeface="+mn-lt"/>
+                <a:ea typeface="+mn-ea"/>
+              </a:defRPr>
+            </a:lvl9pPr>
+          </a:lstStyle>
+          <a:p>
+            <a:r>
+              <a:rPr lang="en-US" altLang="zh-CN" sz="2400" kern="0" dirty="0">
+                <a:latin typeface="+mn-lt"/>
+                <a:cs typeface="Times New Roman" panose="02020603050405020304" pitchFamily="18" charset="0"/>
+              </a:rPr>
+              <a:t>RETAU1000</a:t>
+            </a:r>
+            <a:endParaRPr lang="en-US" altLang="zh-CN" sz="2000" kern="0" baseline="30000" dirty="0">
+              <a:latin typeface="+mn-lt"/>
+              <a:cs typeface="Times New Roman" panose="02020603050405020304" pitchFamily="18" charset="0"/>
+            </a:endParaRPr>
+          </a:p>
+          <a:p>
+            <a:pPr marL="457200" lvl="1" indent="0">
+              <a:buFont typeface="Wingdings" pitchFamily="2" charset="2"/>
+              <a:buNone/>
+            </a:pPr>
+            <a:endParaRPr lang="en-US" altLang="zh-CN" sz="2000" kern="0" baseline="30000" dirty="0">
+              <a:latin typeface="+mn-lt"/>
+              <a:cs typeface="Times New Roman" panose="02020603050405020304" pitchFamily="18" charset="0"/>
+            </a:endParaRPr>
+          </a:p>
+          <a:p>
+            <a:pPr marL="457200" lvl="1" indent="0">
+              <a:buFont typeface="Wingdings" pitchFamily="2" charset="2"/>
+              <a:buNone/>
+            </a:pPr>
+            <a:endParaRPr lang="en-US" altLang="zh-CN" sz="2000" kern="0" baseline="30000" dirty="0">
+              <a:latin typeface="+mn-lt"/>
+              <a:cs typeface="Times New Roman" panose="02020603050405020304" pitchFamily="18" charset="0"/>
+            </a:endParaRPr>
+          </a:p>
+          <a:p>
+            <a:pPr marL="457200" lvl="1" indent="0">
+              <a:buFont typeface="Wingdings" pitchFamily="2" charset="2"/>
+              <a:buNone/>
+            </a:pPr>
+            <a:endParaRPr lang="en-US" altLang="zh-CN" sz="2000" kern="0" baseline="30000" dirty="0">
+              <a:latin typeface="+mn-lt"/>
+              <a:cs typeface="Times New Roman" panose="02020603050405020304" pitchFamily="18" charset="0"/>
+            </a:endParaRPr>
+          </a:p>
+          <a:p>
+            <a:pPr marL="457200" lvl="1" indent="0">
+              <a:buFont typeface="Wingdings" pitchFamily="2" charset="2"/>
+              <a:buNone/>
+            </a:pPr>
+            <a:endParaRPr lang="en-US" altLang="zh-CN" sz="2000" kern="0" baseline="30000" dirty="0">
+              <a:latin typeface="+mn-lt"/>
+              <a:cs typeface="Times New Roman" panose="02020603050405020304" pitchFamily="18" charset="0"/>
+            </a:endParaRPr>
+          </a:p>
+          <a:p>
+            <a:pPr marL="457200" lvl="1" indent="0">
+              <a:buFont typeface="Wingdings" pitchFamily="2" charset="2"/>
+              <a:buNone/>
+            </a:pPr>
+            <a:endParaRPr lang="en-US" altLang="zh-CN" sz="2000" kern="0" baseline="30000" dirty="0">
+              <a:latin typeface="+mn-lt"/>
+              <a:cs typeface="Times New Roman" panose="02020603050405020304" pitchFamily="18" charset="0"/>
+            </a:endParaRPr>
+          </a:p>
+          <a:p>
+            <a:pPr marL="457200" lvl="1" indent="0">
+              <a:buFont typeface="Wingdings" pitchFamily="2" charset="2"/>
+              <a:buNone/>
+            </a:pPr>
+            <a:endParaRPr lang="en-US" altLang="zh-CN" sz="2000" kern="0" baseline="30000" dirty="0">
+              <a:latin typeface="+mn-lt"/>
+              <a:cs typeface="Times New Roman" panose="02020603050405020304" pitchFamily="18" charset="0"/>
+            </a:endParaRPr>
+          </a:p>
+          <a:p>
+            <a:pPr marL="457200" lvl="1" indent="0">
+              <a:buFont typeface="Wingdings" pitchFamily="2" charset="2"/>
+              <a:buNone/>
+            </a:pPr>
+            <a:endParaRPr lang="en-US" altLang="zh-CN" sz="2000" kern="0" baseline="30000" dirty="0">
+              <a:latin typeface="+mn-lt"/>
+              <a:cs typeface="Times New Roman" panose="02020603050405020304" pitchFamily="18" charset="0"/>
+            </a:endParaRPr>
+          </a:p>
+          <a:p>
+            <a:pPr>
+              <a:lnSpc>
+                <a:spcPct val="125000"/>
+              </a:lnSpc>
+            </a:pPr>
+            <a:endParaRPr lang="en-US" altLang="zh-CN" sz="2400" kern="0" dirty="0">
+              <a:latin typeface="+mn-lt"/>
+              <a:cs typeface="Times New Roman" panose="02020603050405020304" pitchFamily="18" charset="0"/>
+            </a:endParaRPr>
+          </a:p>
+          <a:p>
+            <a:pPr marL="457200" lvl="1" indent="0">
+              <a:lnSpc>
+                <a:spcPct val="125000"/>
+              </a:lnSpc>
+              <a:buFont typeface="Wingdings" pitchFamily="2" charset="2"/>
+              <a:buNone/>
+            </a:pPr>
+            <a:endParaRPr lang="en-US" altLang="zh-CN" sz="2000" kern="0" dirty="0">
+              <a:latin typeface="+mn-lt"/>
+              <a:cs typeface="Times New Roman" panose="02020603050405020304" pitchFamily="18" charset="0"/>
+            </a:endParaRPr>
+          </a:p>
+        </p:txBody>
+      </p:sp>
+    </p:spTree>
+    <p:extLst>
+      <p:ext uri="{BB962C8B-B14F-4D97-AF65-F5344CB8AC3E}">
+        <p14:creationId xmlns:p14="http://schemas.microsoft.com/office/powerpoint/2010/main" val="1503813011"/>
       </p:ext>
     </p:extLst>
   </p:cSld>

--- a/docs/vv.pptx
+++ b/docs/vv.pptx
@@ -5,38 +5,41 @@
     <p:sldMasterId id="2147483660" r:id="rId1"/>
   </p:sldMasterIdLst>
   <p:notesMasterIdLst>
-    <p:notesMasterId r:id="rId28"/>
+    <p:notesMasterId r:id="rId31"/>
   </p:notesMasterIdLst>
   <p:handoutMasterIdLst>
-    <p:handoutMasterId r:id="rId29"/>
+    <p:handoutMasterId r:id="rId32"/>
   </p:handoutMasterIdLst>
   <p:sldIdLst>
     <p:sldId id="256" r:id="rId2"/>
     <p:sldId id="665" r:id="rId3"/>
     <p:sldId id="671" r:id="rId4"/>
     <p:sldId id="672" r:id="rId5"/>
-    <p:sldId id="674" r:id="rId6"/>
-    <p:sldId id="666" r:id="rId7"/>
-    <p:sldId id="677" r:id="rId8"/>
-    <p:sldId id="650" r:id="rId9"/>
-    <p:sldId id="667" r:id="rId10"/>
-    <p:sldId id="679" r:id="rId11"/>
-    <p:sldId id="645" r:id="rId12"/>
-    <p:sldId id="658" r:id="rId13"/>
-    <p:sldId id="669" r:id="rId14"/>
-    <p:sldId id="673" r:id="rId15"/>
-    <p:sldId id="661" r:id="rId16"/>
-    <p:sldId id="662" r:id="rId17"/>
-    <p:sldId id="676" r:id="rId18"/>
-    <p:sldId id="663" r:id="rId19"/>
-    <p:sldId id="678" r:id="rId20"/>
-    <p:sldId id="668" r:id="rId21"/>
-    <p:sldId id="670" r:id="rId22"/>
-    <p:sldId id="664" r:id="rId23"/>
-    <p:sldId id="675" r:id="rId24"/>
-    <p:sldId id="655" r:id="rId25"/>
-    <p:sldId id="649" r:id="rId26"/>
-    <p:sldId id="680" r:id="rId27"/>
+    <p:sldId id="683" r:id="rId6"/>
+    <p:sldId id="674" r:id="rId7"/>
+    <p:sldId id="666" r:id="rId8"/>
+    <p:sldId id="677" r:id="rId9"/>
+    <p:sldId id="682" r:id="rId10"/>
+    <p:sldId id="650" r:id="rId11"/>
+    <p:sldId id="667" r:id="rId12"/>
+    <p:sldId id="679" r:id="rId13"/>
+    <p:sldId id="681" r:id="rId14"/>
+    <p:sldId id="645" r:id="rId15"/>
+    <p:sldId id="658" r:id="rId16"/>
+    <p:sldId id="669" r:id="rId17"/>
+    <p:sldId id="673" r:id="rId18"/>
+    <p:sldId id="661" r:id="rId19"/>
+    <p:sldId id="662" r:id="rId20"/>
+    <p:sldId id="676" r:id="rId21"/>
+    <p:sldId id="663" r:id="rId22"/>
+    <p:sldId id="678" r:id="rId23"/>
+    <p:sldId id="668" r:id="rId24"/>
+    <p:sldId id="670" r:id="rId25"/>
+    <p:sldId id="664" r:id="rId26"/>
+    <p:sldId id="675" r:id="rId27"/>
+    <p:sldId id="655" r:id="rId28"/>
+    <p:sldId id="649" r:id="rId29"/>
+    <p:sldId id="680" r:id="rId30"/>
   </p:sldIdLst>
   <p:sldSz cx="9144000" cy="6858000" type="screen4x3"/>
   <p:notesSz cx="6797675" cy="9931400"/>
@@ -239,7 +242,7 @@
           <a:p>
             <a:fld id="{30C704EE-38E9-4E72-9BB6-71E8241CE3C0}" type="datetimeFigureOut">
               <a:rPr lang="en-US" smtClean="0"/>
-              <a:t>4/24/2024</a:t>
+              <a:t>4/27/2024</a:t>
             </a:fld>
             <a:endParaRPr lang="en-US"/>
           </a:p>
@@ -404,7 +407,7 @@
           <a:p>
             <a:fld id="{0D66AE9B-9EE2-43DA-9A8E-D2E5656B8B43}" type="datetimeFigureOut">
               <a:rPr lang="en-US" smtClean="0"/>
-              <a:t>4/24/2024</a:t>
+              <a:t>4/27/2024</a:t>
             </a:fld>
             <a:endParaRPr lang="en-US"/>
           </a:p>
@@ -760,7 +763,13 @@
   <p:cSld>
     <p:spTree>
       <p:nvGrpSpPr>
-        <p:cNvPr id="1" name=""/>
+        <p:cNvPr id="1" name="">
+          <a:extLst>
+            <a:ext uri="{FF2B5EF4-FFF2-40B4-BE49-F238E27FC236}">
+              <a16:creationId xmlns:a16="http://schemas.microsoft.com/office/drawing/2014/main" id="{9BBB1A3A-0F8B-8CC4-7B65-DD508165D59C}"/>
+            </a:ext>
+          </a:extLst>
+        </p:cNvPr>
         <p:cNvGrpSpPr/>
         <p:nvPr/>
       </p:nvGrpSpPr>
@@ -774,7 +783,13 @@
       </p:grpSpPr>
       <p:sp>
         <p:nvSpPr>
-          <p:cNvPr id="2" name="Slide Image Placeholder 1"/>
+          <p:cNvPr id="2" name="Slide Image Placeholder 1">
+            <a:extLst>
+              <a:ext uri="{FF2B5EF4-FFF2-40B4-BE49-F238E27FC236}">
+                <a16:creationId xmlns:a16="http://schemas.microsoft.com/office/drawing/2014/main" id="{8C48DF48-D2FF-8B3B-980F-E738BE820377}"/>
+              </a:ext>
+            </a:extLst>
+          </p:cNvPr>
           <p:cNvSpPr>
             <a:spLocks noGrp="1" noRot="1" noChangeAspect="1"/>
           </p:cNvSpPr>
@@ -786,7 +801,13 @@
       </p:sp>
       <p:sp>
         <p:nvSpPr>
-          <p:cNvPr id="3" name="Notes Placeholder 2"/>
+          <p:cNvPr id="3" name="Notes Placeholder 2">
+            <a:extLst>
+              <a:ext uri="{FF2B5EF4-FFF2-40B4-BE49-F238E27FC236}">
+                <a16:creationId xmlns:a16="http://schemas.microsoft.com/office/drawing/2014/main" id="{8F5F6223-BF06-5DCF-0E5F-9568F632C461}"/>
+              </a:ext>
+            </a:extLst>
+          </p:cNvPr>
           <p:cNvSpPr>
             <a:spLocks noGrp="1"/>
           </p:cNvSpPr>
@@ -799,16 +820,19 @@
           <a:bodyPr/>
           <a:lstStyle/>
           <a:p>
-            <a:pPr marL="0" indent="0">
-              <a:buNone/>
-            </a:pPr>
             <a:endParaRPr lang="en-US" dirty="0"/>
           </a:p>
         </p:txBody>
       </p:sp>
       <p:sp>
         <p:nvSpPr>
-          <p:cNvPr id="4" name="Slide Number Placeholder 3"/>
+          <p:cNvPr id="4" name="Slide Number Placeholder 3">
+            <a:extLst>
+              <a:ext uri="{FF2B5EF4-FFF2-40B4-BE49-F238E27FC236}">
+                <a16:creationId xmlns:a16="http://schemas.microsoft.com/office/drawing/2014/main" id="{E2AC06BD-499A-7408-23DF-16318FDE3CFF}"/>
+              </a:ext>
+            </a:extLst>
+          </p:cNvPr>
           <p:cNvSpPr>
             <a:spLocks noGrp="1"/>
           </p:cNvSpPr>
@@ -832,7 +856,7 @@
     </p:spTree>
     <p:extLst>
       <p:ext uri="{BB962C8B-B14F-4D97-AF65-F5344CB8AC3E}">
-        <p14:creationId xmlns:p14="http://schemas.microsoft.com/office/powerpoint/2010/main" val="463014086"/>
+        <p14:creationId xmlns:p14="http://schemas.microsoft.com/office/powerpoint/2010/main" val="3305118987"/>
       </p:ext>
     </p:extLst>
   </p:cSld>
@@ -919,7 +943,7 @@
     </p:spTree>
     <p:extLst>
       <p:ext uri="{BB962C8B-B14F-4D97-AF65-F5344CB8AC3E}">
-        <p14:creationId xmlns:p14="http://schemas.microsoft.com/office/powerpoint/2010/main" val="3705224790"/>
+        <p14:creationId xmlns:p14="http://schemas.microsoft.com/office/powerpoint/2010/main" val="2859619452"/>
       </p:ext>
     </p:extLst>
   </p:cSld>
@@ -1006,7 +1030,7 @@
     </p:spTree>
     <p:extLst>
       <p:ext uri="{BB962C8B-B14F-4D97-AF65-F5344CB8AC3E}">
-        <p14:creationId xmlns:p14="http://schemas.microsoft.com/office/powerpoint/2010/main" val="104754045"/>
+        <p14:creationId xmlns:p14="http://schemas.microsoft.com/office/powerpoint/2010/main" val="903497370"/>
       </p:ext>
     </p:extLst>
   </p:cSld>
@@ -1093,7 +1117,7 @@
     </p:spTree>
     <p:extLst>
       <p:ext uri="{BB962C8B-B14F-4D97-AF65-F5344CB8AC3E}">
-        <p14:creationId xmlns:p14="http://schemas.microsoft.com/office/powerpoint/2010/main" val="9479848"/>
+        <p14:creationId xmlns:p14="http://schemas.microsoft.com/office/powerpoint/2010/main" val="463014086"/>
       </p:ext>
     </p:extLst>
   </p:cSld>
@@ -1180,7 +1204,7 @@
     </p:spTree>
     <p:extLst>
       <p:ext uri="{BB962C8B-B14F-4D97-AF65-F5344CB8AC3E}">
-        <p14:creationId xmlns:p14="http://schemas.microsoft.com/office/powerpoint/2010/main" val="1390806527"/>
+        <p14:creationId xmlns:p14="http://schemas.microsoft.com/office/powerpoint/2010/main" val="3705224790"/>
       </p:ext>
     </p:extLst>
   </p:cSld>
@@ -1267,7 +1291,7 @@
     </p:spTree>
     <p:extLst>
       <p:ext uri="{BB962C8B-B14F-4D97-AF65-F5344CB8AC3E}">
-        <p14:creationId xmlns:p14="http://schemas.microsoft.com/office/powerpoint/2010/main" val="2934220991"/>
+        <p14:creationId xmlns:p14="http://schemas.microsoft.com/office/powerpoint/2010/main" val="104754045"/>
       </p:ext>
     </p:extLst>
   </p:cSld>
@@ -1354,7 +1378,7 @@
     </p:spTree>
     <p:extLst>
       <p:ext uri="{BB962C8B-B14F-4D97-AF65-F5344CB8AC3E}">
-        <p14:creationId xmlns:p14="http://schemas.microsoft.com/office/powerpoint/2010/main" val="2977735411"/>
+        <p14:creationId xmlns:p14="http://schemas.microsoft.com/office/powerpoint/2010/main" val="9479848"/>
       </p:ext>
     </p:extLst>
   </p:cSld>
@@ -1432,7 +1456,7 @@
           <a:p>
             <a:fld id="{FFA5E540-6D76-429F-95AD-C7F13B3CAC82}" type="slidenum">
               <a:rPr lang="en-US" smtClean="0"/>
-              <a:t>22</a:t>
+              <a:t>20</a:t>
             </a:fld>
             <a:endParaRPr lang="en-US" dirty="0"/>
           </a:p>
@@ -1441,7 +1465,7 @@
     </p:spTree>
     <p:extLst>
       <p:ext uri="{BB962C8B-B14F-4D97-AF65-F5344CB8AC3E}">
-        <p14:creationId xmlns:p14="http://schemas.microsoft.com/office/powerpoint/2010/main" val="2519188471"/>
+        <p14:creationId xmlns:p14="http://schemas.microsoft.com/office/powerpoint/2010/main" val="1390806527"/>
       </p:ext>
     </p:extLst>
   </p:cSld>
@@ -1519,7 +1543,7 @@
           <a:p>
             <a:fld id="{FFA5E540-6D76-429F-95AD-C7F13B3CAC82}" type="slidenum">
               <a:rPr lang="en-US" smtClean="0"/>
-              <a:t>23</a:t>
+              <a:t>21</a:t>
             </a:fld>
             <a:endParaRPr lang="en-US" dirty="0"/>
           </a:p>
@@ -1528,7 +1552,7 @@
     </p:spTree>
     <p:extLst>
       <p:ext uri="{BB962C8B-B14F-4D97-AF65-F5344CB8AC3E}">
-        <p14:creationId xmlns:p14="http://schemas.microsoft.com/office/powerpoint/2010/main" val="3841435580"/>
+        <p14:creationId xmlns:p14="http://schemas.microsoft.com/office/powerpoint/2010/main" val="2934220991"/>
       </p:ext>
     </p:extLst>
   </p:cSld>
@@ -1543,13 +1567,7 @@
   <p:cSld>
     <p:spTree>
       <p:nvGrpSpPr>
-        <p:cNvPr id="1" name="">
-          <a:extLst>
-            <a:ext uri="{FF2B5EF4-FFF2-40B4-BE49-F238E27FC236}">
-              <a16:creationId xmlns:a16="http://schemas.microsoft.com/office/drawing/2014/main" id="{217A2AAE-6BC8-5808-E162-24A5377FFF91}"/>
-            </a:ext>
-          </a:extLst>
-        </p:cNvPr>
+        <p:cNvPr id="1" name=""/>
         <p:cNvGrpSpPr/>
         <p:nvPr/>
       </p:nvGrpSpPr>
@@ -1563,13 +1581,7 @@
       </p:grpSpPr>
       <p:sp>
         <p:nvSpPr>
-          <p:cNvPr id="2" name="Slide Image Placeholder 1">
-            <a:extLst>
-              <a:ext uri="{FF2B5EF4-FFF2-40B4-BE49-F238E27FC236}">
-                <a16:creationId xmlns:a16="http://schemas.microsoft.com/office/drawing/2014/main" id="{8711CEC4-AE77-552C-E28F-E007F72AD713}"/>
-              </a:ext>
-            </a:extLst>
-          </p:cNvPr>
+          <p:cNvPr id="2" name="Slide Image Placeholder 1"/>
           <p:cNvSpPr>
             <a:spLocks noGrp="1" noRot="1" noChangeAspect="1"/>
           </p:cNvSpPr>
@@ -1581,13 +1593,7 @@
       </p:sp>
       <p:sp>
         <p:nvSpPr>
-          <p:cNvPr id="3" name="Notes Placeholder 2">
-            <a:extLst>
-              <a:ext uri="{FF2B5EF4-FFF2-40B4-BE49-F238E27FC236}">
-                <a16:creationId xmlns:a16="http://schemas.microsoft.com/office/drawing/2014/main" id="{D13FBE2A-8637-C7BB-F205-5DDD71C632AD}"/>
-              </a:ext>
-            </a:extLst>
-          </p:cNvPr>
+          <p:cNvPr id="3" name="Notes Placeholder 2"/>
           <p:cNvSpPr>
             <a:spLocks noGrp="1"/>
           </p:cNvSpPr>
@@ -1609,13 +1615,7 @@
       </p:sp>
       <p:sp>
         <p:nvSpPr>
-          <p:cNvPr id="4" name="Slide Number Placeholder 3">
-            <a:extLst>
-              <a:ext uri="{FF2B5EF4-FFF2-40B4-BE49-F238E27FC236}">
-                <a16:creationId xmlns:a16="http://schemas.microsoft.com/office/drawing/2014/main" id="{FD36D316-19DC-B709-334C-9F4AB28C4701}"/>
-              </a:ext>
-            </a:extLst>
-          </p:cNvPr>
+          <p:cNvPr id="4" name="Slide Number Placeholder 3"/>
           <p:cNvSpPr>
             <a:spLocks noGrp="1"/>
           </p:cNvSpPr>
@@ -1630,7 +1630,7 @@
           <a:p>
             <a:fld id="{FFA5E540-6D76-429F-95AD-C7F13B3CAC82}" type="slidenum">
               <a:rPr lang="en-US" smtClean="0"/>
-              <a:t>24</a:t>
+              <a:t>22</a:t>
             </a:fld>
             <a:endParaRPr lang="en-US" dirty="0"/>
           </a:p>
@@ -1639,7 +1639,7 @@
     </p:spTree>
     <p:extLst>
       <p:ext uri="{BB962C8B-B14F-4D97-AF65-F5344CB8AC3E}">
-        <p14:creationId xmlns:p14="http://schemas.microsoft.com/office/powerpoint/2010/main" val="3186069772"/>
+        <p14:creationId xmlns:p14="http://schemas.microsoft.com/office/powerpoint/2010/main" val="2977735411"/>
       </p:ext>
     </p:extLst>
   </p:cSld>
@@ -1762,13 +1762,7 @@
   <p:cSld>
     <p:spTree>
       <p:nvGrpSpPr>
-        <p:cNvPr id="1" name="">
-          <a:extLst>
-            <a:ext uri="{FF2B5EF4-FFF2-40B4-BE49-F238E27FC236}">
-              <a16:creationId xmlns:a16="http://schemas.microsoft.com/office/drawing/2014/main" id="{C882B80B-CB29-A50D-A6FD-FD13EE274D25}"/>
-            </a:ext>
-          </a:extLst>
-        </p:cNvPr>
+        <p:cNvPr id="1" name=""/>
         <p:cNvGrpSpPr/>
         <p:nvPr/>
       </p:nvGrpSpPr>
@@ -1782,13 +1776,7 @@
       </p:grpSpPr>
       <p:sp>
         <p:nvSpPr>
-          <p:cNvPr id="2" name="Slide Image Placeholder 1">
-            <a:extLst>
-              <a:ext uri="{FF2B5EF4-FFF2-40B4-BE49-F238E27FC236}">
-                <a16:creationId xmlns:a16="http://schemas.microsoft.com/office/drawing/2014/main" id="{3B4AD0FE-F436-7846-4C90-2D2DFA3BE74D}"/>
-              </a:ext>
-            </a:extLst>
-          </p:cNvPr>
+          <p:cNvPr id="2" name="Slide Image Placeholder 1"/>
           <p:cNvSpPr>
             <a:spLocks noGrp="1" noRot="1" noChangeAspect="1"/>
           </p:cNvSpPr>
@@ -1800,13 +1788,7 @@
       </p:sp>
       <p:sp>
         <p:nvSpPr>
-          <p:cNvPr id="3" name="Notes Placeholder 2">
-            <a:extLst>
-              <a:ext uri="{FF2B5EF4-FFF2-40B4-BE49-F238E27FC236}">
-                <a16:creationId xmlns:a16="http://schemas.microsoft.com/office/drawing/2014/main" id="{C913C41C-7569-43A2-D2A2-9644A4B7406A}"/>
-              </a:ext>
-            </a:extLst>
-          </p:cNvPr>
+          <p:cNvPr id="3" name="Notes Placeholder 2"/>
           <p:cNvSpPr>
             <a:spLocks noGrp="1"/>
           </p:cNvSpPr>
@@ -1819,19 +1801,16 @@
           <a:bodyPr/>
           <a:lstStyle/>
           <a:p>
+            <a:pPr marL="0" indent="0">
+              <a:buNone/>
+            </a:pPr>
             <a:endParaRPr lang="en-US" dirty="0"/>
           </a:p>
         </p:txBody>
       </p:sp>
       <p:sp>
         <p:nvSpPr>
-          <p:cNvPr id="4" name="Slide Number Placeholder 3">
-            <a:extLst>
-              <a:ext uri="{FF2B5EF4-FFF2-40B4-BE49-F238E27FC236}">
-                <a16:creationId xmlns:a16="http://schemas.microsoft.com/office/drawing/2014/main" id="{4EC37134-B491-46FE-58C3-889B9BADFCED}"/>
-              </a:ext>
-            </a:extLst>
-          </p:cNvPr>
+          <p:cNvPr id="4" name="Slide Number Placeholder 3"/>
           <p:cNvSpPr>
             <a:spLocks noGrp="1"/>
           </p:cNvSpPr>
@@ -1855,7 +1834,7 @@
     </p:spTree>
     <p:extLst>
       <p:ext uri="{BB962C8B-B14F-4D97-AF65-F5344CB8AC3E}">
-        <p14:creationId xmlns:p14="http://schemas.microsoft.com/office/powerpoint/2010/main" val="3062646772"/>
+        <p14:creationId xmlns:p14="http://schemas.microsoft.com/office/powerpoint/2010/main" val="2519188471"/>
       </p:ext>
     </p:extLst>
   </p:cSld>
@@ -1866,6 +1845,204 @@
 </file>
 
 <file path=ppt/notesSlides/notesSlide21.xml><?xml version="1.0" encoding="utf-8"?>
+<p:notes xmlns:a="http://schemas.openxmlformats.org/drawingml/2006/main" xmlns:r="http://schemas.openxmlformats.org/officeDocument/2006/relationships" xmlns:p="http://schemas.openxmlformats.org/presentationml/2006/main">
+  <p:cSld>
+    <p:spTree>
+      <p:nvGrpSpPr>
+        <p:cNvPr id="1" name=""/>
+        <p:cNvGrpSpPr/>
+        <p:nvPr/>
+      </p:nvGrpSpPr>
+      <p:grpSpPr>
+        <a:xfrm>
+          <a:off x="0" y="0"/>
+          <a:ext cx="0" cy="0"/>
+          <a:chOff x="0" y="0"/>
+          <a:chExt cx="0" cy="0"/>
+        </a:xfrm>
+      </p:grpSpPr>
+      <p:sp>
+        <p:nvSpPr>
+          <p:cNvPr id="2" name="Slide Image Placeholder 1"/>
+          <p:cNvSpPr>
+            <a:spLocks noGrp="1" noRot="1" noChangeAspect="1"/>
+          </p:cNvSpPr>
+          <p:nvPr>
+            <p:ph type="sldImg"/>
+          </p:nvPr>
+        </p:nvSpPr>
+        <p:spPr/>
+      </p:sp>
+      <p:sp>
+        <p:nvSpPr>
+          <p:cNvPr id="3" name="Notes Placeholder 2"/>
+          <p:cNvSpPr>
+            <a:spLocks noGrp="1"/>
+          </p:cNvSpPr>
+          <p:nvPr>
+            <p:ph type="body" idx="1"/>
+          </p:nvPr>
+        </p:nvSpPr>
+        <p:spPr/>
+        <p:txBody>
+          <a:bodyPr/>
+          <a:lstStyle/>
+          <a:p>
+            <a:pPr marL="0" indent="0">
+              <a:buNone/>
+            </a:pPr>
+            <a:endParaRPr lang="en-US" dirty="0"/>
+          </a:p>
+        </p:txBody>
+      </p:sp>
+      <p:sp>
+        <p:nvSpPr>
+          <p:cNvPr id="4" name="Slide Number Placeholder 3"/>
+          <p:cNvSpPr>
+            <a:spLocks noGrp="1"/>
+          </p:cNvSpPr>
+          <p:nvPr>
+            <p:ph type="sldNum" sz="quarter" idx="10"/>
+          </p:nvPr>
+        </p:nvSpPr>
+        <p:spPr/>
+        <p:txBody>
+          <a:bodyPr/>
+          <a:lstStyle/>
+          <a:p>
+            <a:fld id="{FFA5E540-6D76-429F-95AD-C7F13B3CAC82}" type="slidenum">
+              <a:rPr lang="en-US" smtClean="0"/>
+              <a:t>26</a:t>
+            </a:fld>
+            <a:endParaRPr lang="en-US" dirty="0"/>
+          </a:p>
+        </p:txBody>
+      </p:sp>
+    </p:spTree>
+    <p:extLst>
+      <p:ext uri="{BB962C8B-B14F-4D97-AF65-F5344CB8AC3E}">
+        <p14:creationId xmlns:p14="http://schemas.microsoft.com/office/powerpoint/2010/main" val="3841435580"/>
+      </p:ext>
+    </p:extLst>
+  </p:cSld>
+  <p:clrMapOvr>
+    <a:masterClrMapping/>
+  </p:clrMapOvr>
+</p:notes>
+</file>
+
+<file path=ppt/notesSlides/notesSlide22.xml><?xml version="1.0" encoding="utf-8"?>
+<p:notes xmlns:a="http://schemas.openxmlformats.org/drawingml/2006/main" xmlns:r="http://schemas.openxmlformats.org/officeDocument/2006/relationships" xmlns:p="http://schemas.openxmlformats.org/presentationml/2006/main">
+  <p:cSld>
+    <p:spTree>
+      <p:nvGrpSpPr>
+        <p:cNvPr id="1" name="">
+          <a:extLst>
+            <a:ext uri="{FF2B5EF4-FFF2-40B4-BE49-F238E27FC236}">
+              <a16:creationId xmlns:a16="http://schemas.microsoft.com/office/drawing/2014/main" id="{217A2AAE-6BC8-5808-E162-24A5377FFF91}"/>
+            </a:ext>
+          </a:extLst>
+        </p:cNvPr>
+        <p:cNvGrpSpPr/>
+        <p:nvPr/>
+      </p:nvGrpSpPr>
+      <p:grpSpPr>
+        <a:xfrm>
+          <a:off x="0" y="0"/>
+          <a:ext cx="0" cy="0"/>
+          <a:chOff x="0" y="0"/>
+          <a:chExt cx="0" cy="0"/>
+        </a:xfrm>
+      </p:grpSpPr>
+      <p:sp>
+        <p:nvSpPr>
+          <p:cNvPr id="2" name="Slide Image Placeholder 1">
+            <a:extLst>
+              <a:ext uri="{FF2B5EF4-FFF2-40B4-BE49-F238E27FC236}">
+                <a16:creationId xmlns:a16="http://schemas.microsoft.com/office/drawing/2014/main" id="{8711CEC4-AE77-552C-E28F-E007F72AD713}"/>
+              </a:ext>
+            </a:extLst>
+          </p:cNvPr>
+          <p:cNvSpPr>
+            <a:spLocks noGrp="1" noRot="1" noChangeAspect="1"/>
+          </p:cNvSpPr>
+          <p:nvPr>
+            <p:ph type="sldImg"/>
+          </p:nvPr>
+        </p:nvSpPr>
+        <p:spPr/>
+      </p:sp>
+      <p:sp>
+        <p:nvSpPr>
+          <p:cNvPr id="3" name="Notes Placeholder 2">
+            <a:extLst>
+              <a:ext uri="{FF2B5EF4-FFF2-40B4-BE49-F238E27FC236}">
+                <a16:creationId xmlns:a16="http://schemas.microsoft.com/office/drawing/2014/main" id="{D13FBE2A-8637-C7BB-F205-5DDD71C632AD}"/>
+              </a:ext>
+            </a:extLst>
+          </p:cNvPr>
+          <p:cNvSpPr>
+            <a:spLocks noGrp="1"/>
+          </p:cNvSpPr>
+          <p:nvPr>
+            <p:ph type="body" idx="1"/>
+          </p:nvPr>
+        </p:nvSpPr>
+        <p:spPr/>
+        <p:txBody>
+          <a:bodyPr/>
+          <a:lstStyle/>
+          <a:p>
+            <a:pPr marL="0" indent="0">
+              <a:buNone/>
+            </a:pPr>
+            <a:endParaRPr lang="en-US" dirty="0"/>
+          </a:p>
+        </p:txBody>
+      </p:sp>
+      <p:sp>
+        <p:nvSpPr>
+          <p:cNvPr id="4" name="Slide Number Placeholder 3">
+            <a:extLst>
+              <a:ext uri="{FF2B5EF4-FFF2-40B4-BE49-F238E27FC236}">
+                <a16:creationId xmlns:a16="http://schemas.microsoft.com/office/drawing/2014/main" id="{FD36D316-19DC-B709-334C-9F4AB28C4701}"/>
+              </a:ext>
+            </a:extLst>
+          </p:cNvPr>
+          <p:cNvSpPr>
+            <a:spLocks noGrp="1"/>
+          </p:cNvSpPr>
+          <p:nvPr>
+            <p:ph type="sldNum" sz="quarter" idx="10"/>
+          </p:nvPr>
+        </p:nvSpPr>
+        <p:spPr/>
+        <p:txBody>
+          <a:bodyPr/>
+          <a:lstStyle/>
+          <a:p>
+            <a:fld id="{FFA5E540-6D76-429F-95AD-C7F13B3CAC82}" type="slidenum">
+              <a:rPr lang="en-US" smtClean="0"/>
+              <a:t>27</a:t>
+            </a:fld>
+            <a:endParaRPr lang="en-US" dirty="0"/>
+          </a:p>
+        </p:txBody>
+      </p:sp>
+    </p:spTree>
+    <p:extLst>
+      <p:ext uri="{BB962C8B-B14F-4D97-AF65-F5344CB8AC3E}">
+        <p14:creationId xmlns:p14="http://schemas.microsoft.com/office/powerpoint/2010/main" val="3186069772"/>
+      </p:ext>
+    </p:extLst>
+  </p:cSld>
+  <p:clrMapOvr>
+    <a:masterClrMapping/>
+  </p:clrMapOvr>
+</p:notes>
+</file>
+
+<file path=ppt/notesSlides/notesSlide23.xml><?xml version="1.0" encoding="utf-8"?>
 <p:notes xmlns:a="http://schemas.openxmlformats.org/drawingml/2006/main" xmlns:r="http://schemas.openxmlformats.org/officeDocument/2006/relationships" xmlns:p="http://schemas.openxmlformats.org/presentationml/2006/main">
   <p:cSld>
     <p:spTree>
@@ -1954,7 +2131,115 @@
           <a:p>
             <a:fld id="{FFA5E540-6D76-429F-95AD-C7F13B3CAC82}" type="slidenum">
               <a:rPr lang="en-US" smtClean="0"/>
-              <a:t>26</a:t>
+              <a:t>28</a:t>
+            </a:fld>
+            <a:endParaRPr lang="en-US" dirty="0"/>
+          </a:p>
+        </p:txBody>
+      </p:sp>
+    </p:spTree>
+    <p:extLst>
+      <p:ext uri="{BB962C8B-B14F-4D97-AF65-F5344CB8AC3E}">
+        <p14:creationId xmlns:p14="http://schemas.microsoft.com/office/powerpoint/2010/main" val="3062646772"/>
+      </p:ext>
+    </p:extLst>
+  </p:cSld>
+  <p:clrMapOvr>
+    <a:masterClrMapping/>
+  </p:clrMapOvr>
+</p:notes>
+</file>
+
+<file path=ppt/notesSlides/notesSlide24.xml><?xml version="1.0" encoding="utf-8"?>
+<p:notes xmlns:a="http://schemas.openxmlformats.org/drawingml/2006/main" xmlns:r="http://schemas.openxmlformats.org/officeDocument/2006/relationships" xmlns:p="http://schemas.openxmlformats.org/presentationml/2006/main">
+  <p:cSld>
+    <p:spTree>
+      <p:nvGrpSpPr>
+        <p:cNvPr id="1" name="">
+          <a:extLst>
+            <a:ext uri="{FF2B5EF4-FFF2-40B4-BE49-F238E27FC236}">
+              <a16:creationId xmlns:a16="http://schemas.microsoft.com/office/drawing/2014/main" id="{C882B80B-CB29-A50D-A6FD-FD13EE274D25}"/>
+            </a:ext>
+          </a:extLst>
+        </p:cNvPr>
+        <p:cNvGrpSpPr/>
+        <p:nvPr/>
+      </p:nvGrpSpPr>
+      <p:grpSpPr>
+        <a:xfrm>
+          <a:off x="0" y="0"/>
+          <a:ext cx="0" cy="0"/>
+          <a:chOff x="0" y="0"/>
+          <a:chExt cx="0" cy="0"/>
+        </a:xfrm>
+      </p:grpSpPr>
+      <p:sp>
+        <p:nvSpPr>
+          <p:cNvPr id="2" name="Slide Image Placeholder 1">
+            <a:extLst>
+              <a:ext uri="{FF2B5EF4-FFF2-40B4-BE49-F238E27FC236}">
+                <a16:creationId xmlns:a16="http://schemas.microsoft.com/office/drawing/2014/main" id="{3B4AD0FE-F436-7846-4C90-2D2DFA3BE74D}"/>
+              </a:ext>
+            </a:extLst>
+          </p:cNvPr>
+          <p:cNvSpPr>
+            <a:spLocks noGrp="1" noRot="1" noChangeAspect="1"/>
+          </p:cNvSpPr>
+          <p:nvPr>
+            <p:ph type="sldImg"/>
+          </p:nvPr>
+        </p:nvSpPr>
+        <p:spPr/>
+      </p:sp>
+      <p:sp>
+        <p:nvSpPr>
+          <p:cNvPr id="3" name="Notes Placeholder 2">
+            <a:extLst>
+              <a:ext uri="{FF2B5EF4-FFF2-40B4-BE49-F238E27FC236}">
+                <a16:creationId xmlns:a16="http://schemas.microsoft.com/office/drawing/2014/main" id="{C913C41C-7569-43A2-D2A2-9644A4B7406A}"/>
+              </a:ext>
+            </a:extLst>
+          </p:cNvPr>
+          <p:cNvSpPr>
+            <a:spLocks noGrp="1"/>
+          </p:cNvSpPr>
+          <p:nvPr>
+            <p:ph type="body" idx="1"/>
+          </p:nvPr>
+        </p:nvSpPr>
+        <p:spPr/>
+        <p:txBody>
+          <a:bodyPr/>
+          <a:lstStyle/>
+          <a:p>
+            <a:endParaRPr lang="en-US" dirty="0"/>
+          </a:p>
+        </p:txBody>
+      </p:sp>
+      <p:sp>
+        <p:nvSpPr>
+          <p:cNvPr id="4" name="Slide Number Placeholder 3">
+            <a:extLst>
+              <a:ext uri="{FF2B5EF4-FFF2-40B4-BE49-F238E27FC236}">
+                <a16:creationId xmlns:a16="http://schemas.microsoft.com/office/drawing/2014/main" id="{4EC37134-B491-46FE-58C3-889B9BADFCED}"/>
+              </a:ext>
+            </a:extLst>
+          </p:cNvPr>
+          <p:cNvSpPr>
+            <a:spLocks noGrp="1"/>
+          </p:cNvSpPr>
+          <p:nvPr>
+            <p:ph type="sldNum" sz="quarter" idx="10"/>
+          </p:nvPr>
+        </p:nvSpPr>
+        <p:spPr/>
+        <p:txBody>
+          <a:bodyPr/>
+          <a:lstStyle/>
+          <a:p>
+            <a:fld id="{FFA5E540-6D76-429F-95AD-C7F13B3CAC82}" type="slidenum">
+              <a:rPr lang="en-US" smtClean="0"/>
+              <a:t>29</a:t>
             </a:fld>
             <a:endParaRPr lang="en-US" dirty="0"/>
           </a:p>
@@ -1974,6 +2259,114 @@
 </file>
 
 <file path=ppt/notesSlides/notesSlide3.xml><?xml version="1.0" encoding="utf-8"?>
+<p:notes xmlns:a="http://schemas.openxmlformats.org/drawingml/2006/main" xmlns:r="http://schemas.openxmlformats.org/officeDocument/2006/relationships" xmlns:p="http://schemas.openxmlformats.org/presentationml/2006/main">
+  <p:cSld>
+    <p:spTree>
+      <p:nvGrpSpPr>
+        <p:cNvPr id="1" name="">
+          <a:extLst>
+            <a:ext uri="{FF2B5EF4-FFF2-40B4-BE49-F238E27FC236}">
+              <a16:creationId xmlns:a16="http://schemas.microsoft.com/office/drawing/2014/main" id="{9BBB1A3A-0F8B-8CC4-7B65-DD508165D59C}"/>
+            </a:ext>
+          </a:extLst>
+        </p:cNvPr>
+        <p:cNvGrpSpPr/>
+        <p:nvPr/>
+      </p:nvGrpSpPr>
+      <p:grpSpPr>
+        <a:xfrm>
+          <a:off x="0" y="0"/>
+          <a:ext cx="0" cy="0"/>
+          <a:chOff x="0" y="0"/>
+          <a:chExt cx="0" cy="0"/>
+        </a:xfrm>
+      </p:grpSpPr>
+      <p:sp>
+        <p:nvSpPr>
+          <p:cNvPr id="2" name="Slide Image Placeholder 1">
+            <a:extLst>
+              <a:ext uri="{FF2B5EF4-FFF2-40B4-BE49-F238E27FC236}">
+                <a16:creationId xmlns:a16="http://schemas.microsoft.com/office/drawing/2014/main" id="{8C48DF48-D2FF-8B3B-980F-E738BE820377}"/>
+              </a:ext>
+            </a:extLst>
+          </p:cNvPr>
+          <p:cNvSpPr>
+            <a:spLocks noGrp="1" noRot="1" noChangeAspect="1"/>
+          </p:cNvSpPr>
+          <p:nvPr>
+            <p:ph type="sldImg"/>
+          </p:nvPr>
+        </p:nvSpPr>
+        <p:spPr/>
+      </p:sp>
+      <p:sp>
+        <p:nvSpPr>
+          <p:cNvPr id="3" name="Notes Placeholder 2">
+            <a:extLst>
+              <a:ext uri="{FF2B5EF4-FFF2-40B4-BE49-F238E27FC236}">
+                <a16:creationId xmlns:a16="http://schemas.microsoft.com/office/drawing/2014/main" id="{8F5F6223-BF06-5DCF-0E5F-9568F632C461}"/>
+              </a:ext>
+            </a:extLst>
+          </p:cNvPr>
+          <p:cNvSpPr>
+            <a:spLocks noGrp="1"/>
+          </p:cNvSpPr>
+          <p:nvPr>
+            <p:ph type="body" idx="1"/>
+          </p:nvPr>
+        </p:nvSpPr>
+        <p:spPr/>
+        <p:txBody>
+          <a:bodyPr/>
+          <a:lstStyle/>
+          <a:p>
+            <a:endParaRPr lang="en-US" dirty="0"/>
+          </a:p>
+        </p:txBody>
+      </p:sp>
+      <p:sp>
+        <p:nvSpPr>
+          <p:cNvPr id="4" name="Slide Number Placeholder 3">
+            <a:extLst>
+              <a:ext uri="{FF2B5EF4-FFF2-40B4-BE49-F238E27FC236}">
+                <a16:creationId xmlns:a16="http://schemas.microsoft.com/office/drawing/2014/main" id="{E2AC06BD-499A-7408-23DF-16318FDE3CFF}"/>
+              </a:ext>
+            </a:extLst>
+          </p:cNvPr>
+          <p:cNvSpPr>
+            <a:spLocks noGrp="1"/>
+          </p:cNvSpPr>
+          <p:nvPr>
+            <p:ph type="sldNum" sz="quarter" idx="10"/>
+          </p:nvPr>
+        </p:nvSpPr>
+        <p:spPr/>
+        <p:txBody>
+          <a:bodyPr/>
+          <a:lstStyle/>
+          <a:p>
+            <a:fld id="{FFA5E540-6D76-429F-95AD-C7F13B3CAC82}" type="slidenum">
+              <a:rPr lang="en-US" smtClean="0"/>
+              <a:t>5</a:t>
+            </a:fld>
+            <a:endParaRPr lang="en-US" dirty="0"/>
+          </a:p>
+        </p:txBody>
+      </p:sp>
+    </p:spTree>
+    <p:extLst>
+      <p:ext uri="{BB962C8B-B14F-4D97-AF65-F5344CB8AC3E}">
+        <p14:creationId xmlns:p14="http://schemas.microsoft.com/office/powerpoint/2010/main" val="3457787833"/>
+      </p:ext>
+    </p:extLst>
+  </p:cSld>
+  <p:clrMapOvr>
+    <a:masterClrMapping/>
+  </p:clrMapOvr>
+</p:notes>
+</file>
+
+<file path=ppt/notesSlides/notesSlide4.xml><?xml version="1.0" encoding="utf-8"?>
 <p:notes xmlns:a="http://schemas.openxmlformats.org/drawingml/2006/main" xmlns:r="http://schemas.openxmlformats.org/officeDocument/2006/relationships" xmlns:p="http://schemas.openxmlformats.org/presentationml/2006/main">
   <p:cSld>
     <p:spTree>
@@ -2041,7 +2434,7 @@
           <a:p>
             <a:fld id="{FFA5E540-6D76-429F-95AD-C7F13B3CAC82}" type="slidenum">
               <a:rPr lang="en-US" smtClean="0"/>
-              <a:t>5</a:t>
+              <a:t>6</a:t>
             </a:fld>
             <a:endParaRPr lang="en-US" dirty="0"/>
           </a:p>
@@ -2060,7 +2453,7 @@
 </p:notes>
 </file>
 
-<file path=ppt/notesSlides/notesSlide4.xml><?xml version="1.0" encoding="utf-8"?>
+<file path=ppt/notesSlides/notesSlide5.xml><?xml version="1.0" encoding="utf-8"?>
 <p:notes xmlns:a="http://schemas.openxmlformats.org/drawingml/2006/main" xmlns:r="http://schemas.openxmlformats.org/officeDocument/2006/relationships" xmlns:p="http://schemas.openxmlformats.org/presentationml/2006/main">
   <p:cSld>
     <p:spTree>
@@ -2149,7 +2542,7 @@
           <a:p>
             <a:fld id="{FFA5E540-6D76-429F-95AD-C7F13B3CAC82}" type="slidenum">
               <a:rPr lang="en-US" smtClean="0"/>
-              <a:t>6</a:t>
+              <a:t>7</a:t>
             </a:fld>
             <a:endParaRPr lang="en-US" dirty="0"/>
           </a:p>
@@ -2159,114 +2552,6 @@
     <p:extLst>
       <p:ext uri="{BB962C8B-B14F-4D97-AF65-F5344CB8AC3E}">
         <p14:creationId xmlns:p14="http://schemas.microsoft.com/office/powerpoint/2010/main" val="2278068725"/>
-      </p:ext>
-    </p:extLst>
-  </p:cSld>
-  <p:clrMapOvr>
-    <a:masterClrMapping/>
-  </p:clrMapOvr>
-</p:notes>
-</file>
-
-<file path=ppt/notesSlides/notesSlide5.xml><?xml version="1.0" encoding="utf-8"?>
-<p:notes xmlns:a="http://schemas.openxmlformats.org/drawingml/2006/main" xmlns:r="http://schemas.openxmlformats.org/officeDocument/2006/relationships" xmlns:p="http://schemas.openxmlformats.org/presentationml/2006/main">
-  <p:cSld>
-    <p:spTree>
-      <p:nvGrpSpPr>
-        <p:cNvPr id="1" name="">
-          <a:extLst>
-            <a:ext uri="{FF2B5EF4-FFF2-40B4-BE49-F238E27FC236}">
-              <a16:creationId xmlns:a16="http://schemas.microsoft.com/office/drawing/2014/main" id="{9BBB1A3A-0F8B-8CC4-7B65-DD508165D59C}"/>
-            </a:ext>
-          </a:extLst>
-        </p:cNvPr>
-        <p:cNvGrpSpPr/>
-        <p:nvPr/>
-      </p:nvGrpSpPr>
-      <p:grpSpPr>
-        <a:xfrm>
-          <a:off x="0" y="0"/>
-          <a:ext cx="0" cy="0"/>
-          <a:chOff x="0" y="0"/>
-          <a:chExt cx="0" cy="0"/>
-        </a:xfrm>
-      </p:grpSpPr>
-      <p:sp>
-        <p:nvSpPr>
-          <p:cNvPr id="2" name="Slide Image Placeholder 1">
-            <a:extLst>
-              <a:ext uri="{FF2B5EF4-FFF2-40B4-BE49-F238E27FC236}">
-                <a16:creationId xmlns:a16="http://schemas.microsoft.com/office/drawing/2014/main" id="{8C48DF48-D2FF-8B3B-980F-E738BE820377}"/>
-              </a:ext>
-            </a:extLst>
-          </p:cNvPr>
-          <p:cNvSpPr>
-            <a:spLocks noGrp="1" noRot="1" noChangeAspect="1"/>
-          </p:cNvSpPr>
-          <p:nvPr>
-            <p:ph type="sldImg"/>
-          </p:nvPr>
-        </p:nvSpPr>
-        <p:spPr/>
-      </p:sp>
-      <p:sp>
-        <p:nvSpPr>
-          <p:cNvPr id="3" name="Notes Placeholder 2">
-            <a:extLst>
-              <a:ext uri="{FF2B5EF4-FFF2-40B4-BE49-F238E27FC236}">
-                <a16:creationId xmlns:a16="http://schemas.microsoft.com/office/drawing/2014/main" id="{8F5F6223-BF06-5DCF-0E5F-9568F632C461}"/>
-              </a:ext>
-            </a:extLst>
-          </p:cNvPr>
-          <p:cNvSpPr>
-            <a:spLocks noGrp="1"/>
-          </p:cNvSpPr>
-          <p:nvPr>
-            <p:ph type="body" idx="1"/>
-          </p:nvPr>
-        </p:nvSpPr>
-        <p:spPr/>
-        <p:txBody>
-          <a:bodyPr/>
-          <a:lstStyle/>
-          <a:p>
-            <a:endParaRPr lang="en-US" dirty="0"/>
-          </a:p>
-        </p:txBody>
-      </p:sp>
-      <p:sp>
-        <p:nvSpPr>
-          <p:cNvPr id="4" name="Slide Number Placeholder 3">
-            <a:extLst>
-              <a:ext uri="{FF2B5EF4-FFF2-40B4-BE49-F238E27FC236}">
-                <a16:creationId xmlns:a16="http://schemas.microsoft.com/office/drawing/2014/main" id="{E2AC06BD-499A-7408-23DF-16318FDE3CFF}"/>
-              </a:ext>
-            </a:extLst>
-          </p:cNvPr>
-          <p:cNvSpPr>
-            <a:spLocks noGrp="1"/>
-          </p:cNvSpPr>
-          <p:nvPr>
-            <p:ph type="sldNum" sz="quarter" idx="10"/>
-          </p:nvPr>
-        </p:nvSpPr>
-        <p:spPr/>
-        <p:txBody>
-          <a:bodyPr/>
-          <a:lstStyle/>
-          <a:p>
-            <a:fld id="{FFA5E540-6D76-429F-95AD-C7F13B3CAC82}" type="slidenum">
-              <a:rPr lang="en-US" smtClean="0"/>
-              <a:t>8</a:t>
-            </a:fld>
-            <a:endParaRPr lang="en-US" dirty="0"/>
-          </a:p>
-        </p:txBody>
-      </p:sp>
-    </p:spTree>
-    <p:extLst>
-      <p:ext uri="{BB962C8B-B14F-4D97-AF65-F5344CB8AC3E}">
-        <p14:creationId xmlns:p14="http://schemas.microsoft.com/office/powerpoint/2010/main" val="4119098890"/>
       </p:ext>
     </p:extLst>
   </p:cSld>
@@ -2374,7 +2659,7 @@
     </p:spTree>
     <p:extLst>
       <p:ext uri="{BB962C8B-B14F-4D97-AF65-F5344CB8AC3E}">
-        <p14:creationId xmlns:p14="http://schemas.microsoft.com/office/powerpoint/2010/main" val="2389906920"/>
+        <p14:creationId xmlns:p14="http://schemas.microsoft.com/office/powerpoint/2010/main" val="3752744745"/>
       </p:ext>
     </p:extLst>
   </p:cSld>
@@ -2482,7 +2767,7 @@
     </p:spTree>
     <p:extLst>
       <p:ext uri="{BB962C8B-B14F-4D97-AF65-F5344CB8AC3E}">
-        <p14:creationId xmlns:p14="http://schemas.microsoft.com/office/powerpoint/2010/main" val="1728248813"/>
+        <p14:creationId xmlns:p14="http://schemas.microsoft.com/office/powerpoint/2010/main" val="4119098890"/>
       </p:ext>
     </p:extLst>
   </p:cSld>
@@ -2497,7 +2782,13 @@
   <p:cSld>
     <p:spTree>
       <p:nvGrpSpPr>
-        <p:cNvPr id="1" name=""/>
+        <p:cNvPr id="1" name="">
+          <a:extLst>
+            <a:ext uri="{FF2B5EF4-FFF2-40B4-BE49-F238E27FC236}">
+              <a16:creationId xmlns:a16="http://schemas.microsoft.com/office/drawing/2014/main" id="{9BBB1A3A-0F8B-8CC4-7B65-DD508165D59C}"/>
+            </a:ext>
+          </a:extLst>
+        </p:cNvPr>
         <p:cNvGrpSpPr/>
         <p:nvPr/>
       </p:nvGrpSpPr>
@@ -2511,7 +2802,13 @@
       </p:grpSpPr>
       <p:sp>
         <p:nvSpPr>
-          <p:cNvPr id="2" name="Slide Image Placeholder 1"/>
+          <p:cNvPr id="2" name="Slide Image Placeholder 1">
+            <a:extLst>
+              <a:ext uri="{FF2B5EF4-FFF2-40B4-BE49-F238E27FC236}">
+                <a16:creationId xmlns:a16="http://schemas.microsoft.com/office/drawing/2014/main" id="{8C48DF48-D2FF-8B3B-980F-E738BE820377}"/>
+              </a:ext>
+            </a:extLst>
+          </p:cNvPr>
           <p:cNvSpPr>
             <a:spLocks noGrp="1" noRot="1" noChangeAspect="1"/>
           </p:cNvSpPr>
@@ -2523,7 +2820,13 @@
       </p:sp>
       <p:sp>
         <p:nvSpPr>
-          <p:cNvPr id="3" name="Notes Placeholder 2"/>
+          <p:cNvPr id="3" name="Notes Placeholder 2">
+            <a:extLst>
+              <a:ext uri="{FF2B5EF4-FFF2-40B4-BE49-F238E27FC236}">
+                <a16:creationId xmlns:a16="http://schemas.microsoft.com/office/drawing/2014/main" id="{8F5F6223-BF06-5DCF-0E5F-9568F632C461}"/>
+              </a:ext>
+            </a:extLst>
+          </p:cNvPr>
           <p:cNvSpPr>
             <a:spLocks noGrp="1"/>
           </p:cNvSpPr>
@@ -2536,16 +2839,19 @@
           <a:bodyPr/>
           <a:lstStyle/>
           <a:p>
-            <a:pPr marL="0" indent="0">
-              <a:buNone/>
-            </a:pPr>
             <a:endParaRPr lang="en-US" dirty="0"/>
           </a:p>
         </p:txBody>
       </p:sp>
       <p:sp>
         <p:nvSpPr>
-          <p:cNvPr id="4" name="Slide Number Placeholder 3"/>
+          <p:cNvPr id="4" name="Slide Number Placeholder 3">
+            <a:extLst>
+              <a:ext uri="{FF2B5EF4-FFF2-40B4-BE49-F238E27FC236}">
+                <a16:creationId xmlns:a16="http://schemas.microsoft.com/office/drawing/2014/main" id="{E2AC06BD-499A-7408-23DF-16318FDE3CFF}"/>
+              </a:ext>
+            </a:extLst>
+          </p:cNvPr>
           <p:cNvSpPr>
             <a:spLocks noGrp="1"/>
           </p:cNvSpPr>
@@ -2569,7 +2875,7 @@
     </p:spTree>
     <p:extLst>
       <p:ext uri="{BB962C8B-B14F-4D97-AF65-F5344CB8AC3E}">
-        <p14:creationId xmlns:p14="http://schemas.microsoft.com/office/powerpoint/2010/main" val="2859619452"/>
+        <p14:creationId xmlns:p14="http://schemas.microsoft.com/office/powerpoint/2010/main" val="2389906920"/>
       </p:ext>
     </p:extLst>
   </p:cSld>
@@ -2584,7 +2890,13 @@
   <p:cSld>
     <p:spTree>
       <p:nvGrpSpPr>
-        <p:cNvPr id="1" name=""/>
+        <p:cNvPr id="1" name="">
+          <a:extLst>
+            <a:ext uri="{FF2B5EF4-FFF2-40B4-BE49-F238E27FC236}">
+              <a16:creationId xmlns:a16="http://schemas.microsoft.com/office/drawing/2014/main" id="{9BBB1A3A-0F8B-8CC4-7B65-DD508165D59C}"/>
+            </a:ext>
+          </a:extLst>
+        </p:cNvPr>
         <p:cNvGrpSpPr/>
         <p:nvPr/>
       </p:nvGrpSpPr>
@@ -2598,7 +2910,13 @@
       </p:grpSpPr>
       <p:sp>
         <p:nvSpPr>
-          <p:cNvPr id="2" name="Slide Image Placeholder 1"/>
+          <p:cNvPr id="2" name="Slide Image Placeholder 1">
+            <a:extLst>
+              <a:ext uri="{FF2B5EF4-FFF2-40B4-BE49-F238E27FC236}">
+                <a16:creationId xmlns:a16="http://schemas.microsoft.com/office/drawing/2014/main" id="{8C48DF48-D2FF-8B3B-980F-E738BE820377}"/>
+              </a:ext>
+            </a:extLst>
+          </p:cNvPr>
           <p:cNvSpPr>
             <a:spLocks noGrp="1" noRot="1" noChangeAspect="1"/>
           </p:cNvSpPr>
@@ -2610,7 +2928,13 @@
       </p:sp>
       <p:sp>
         <p:nvSpPr>
-          <p:cNvPr id="3" name="Notes Placeholder 2"/>
+          <p:cNvPr id="3" name="Notes Placeholder 2">
+            <a:extLst>
+              <a:ext uri="{FF2B5EF4-FFF2-40B4-BE49-F238E27FC236}">
+                <a16:creationId xmlns:a16="http://schemas.microsoft.com/office/drawing/2014/main" id="{8F5F6223-BF06-5DCF-0E5F-9568F632C461}"/>
+              </a:ext>
+            </a:extLst>
+          </p:cNvPr>
           <p:cNvSpPr>
             <a:spLocks noGrp="1"/>
           </p:cNvSpPr>
@@ -2623,16 +2947,19 @@
           <a:bodyPr/>
           <a:lstStyle/>
           <a:p>
-            <a:pPr marL="0" indent="0">
-              <a:buNone/>
-            </a:pPr>
             <a:endParaRPr lang="en-US" dirty="0"/>
           </a:p>
         </p:txBody>
       </p:sp>
       <p:sp>
         <p:nvSpPr>
-          <p:cNvPr id="4" name="Slide Number Placeholder 3"/>
+          <p:cNvPr id="4" name="Slide Number Placeholder 3">
+            <a:extLst>
+              <a:ext uri="{FF2B5EF4-FFF2-40B4-BE49-F238E27FC236}">
+                <a16:creationId xmlns:a16="http://schemas.microsoft.com/office/drawing/2014/main" id="{E2AC06BD-499A-7408-23DF-16318FDE3CFF}"/>
+              </a:ext>
+            </a:extLst>
+          </p:cNvPr>
           <p:cNvSpPr>
             <a:spLocks noGrp="1"/>
           </p:cNvSpPr>
@@ -2656,7 +2983,7 @@
     </p:spTree>
     <p:extLst>
       <p:ext uri="{BB962C8B-B14F-4D97-AF65-F5344CB8AC3E}">
-        <p14:creationId xmlns:p14="http://schemas.microsoft.com/office/powerpoint/2010/main" val="903497370"/>
+        <p14:creationId xmlns:p14="http://schemas.microsoft.com/office/powerpoint/2010/main" val="1728248813"/>
       </p:ext>
     </p:extLst>
   </p:cSld>
@@ -21848,7 +22175,7 @@
           <a:p>
             <a:fld id="{F7015205-6E1C-4AA4-A1F5-F88A14739F8D}" type="datetime1">
               <a:rPr lang="en-US" altLang="zh-CN" smtClean="0"/>
-              <a:t>4/24/2024</a:t>
+              <a:t>4/27/2024</a:t>
             </a:fld>
             <a:endParaRPr lang="en-US"/>
           </a:p>
@@ -22058,7 +22385,7 @@
           <a:p>
             <a:fld id="{C5005B59-A863-49AB-8A46-4FABF628DCDB}" type="datetime1">
               <a:rPr lang="en-US" altLang="zh-CN" smtClean="0"/>
-              <a:t>4/24/2024</a:t>
+              <a:t>4/27/2024</a:t>
             </a:fld>
             <a:endParaRPr lang="en-US"/>
           </a:p>
@@ -22233,7 +22560,7 @@
           <a:p>
             <a:fld id="{B9B359B8-BB35-4942-BB3F-553087A1AB07}" type="datetime1">
               <a:rPr lang="en-US" altLang="zh-CN" smtClean="0"/>
-              <a:t>4/24/2024</a:t>
+              <a:t>4/27/2024</a:t>
             </a:fld>
             <a:endParaRPr lang="en-US"/>
           </a:p>
@@ -22398,7 +22725,7 @@
           <a:p>
             <a:fld id="{0051FDAB-E13B-4DED-ACB5-C97F04F9745D}" type="datetime1">
               <a:rPr lang="en-US" altLang="zh-CN" smtClean="0"/>
-              <a:t>4/24/2024</a:t>
+              <a:t>4/27/2024</a:t>
             </a:fld>
             <a:endParaRPr lang="en-US"/>
           </a:p>
@@ -22585,7 +22912,7 @@
           <a:p>
             <a:fld id="{411C2638-AFB1-4A52-81EA-13B8957633A2}" type="datetime1">
               <a:rPr lang="en-US" altLang="zh-CN" smtClean="0"/>
-              <a:t>4/24/2024</a:t>
+              <a:t>4/27/2024</a:t>
             </a:fld>
             <a:endParaRPr lang="en-US"/>
           </a:p>
@@ -22868,7 +23195,7 @@
           <a:p>
             <a:fld id="{86FEA545-9191-4074-8B47-064CD17714D7}" type="datetime1">
               <a:rPr lang="en-US" altLang="zh-CN" smtClean="0"/>
-              <a:t>4/24/2024</a:t>
+              <a:t>4/27/2024</a:t>
             </a:fld>
             <a:endParaRPr lang="en-US"/>
           </a:p>
@@ -23290,7 +23617,7 @@
           <a:p>
             <a:fld id="{FEDA739D-67B9-461E-9E24-584E6BDA3BCB}" type="datetime1">
               <a:rPr lang="en-US" altLang="zh-CN" smtClean="0"/>
-              <a:t>4/24/2024</a:t>
+              <a:t>4/27/2024</a:t>
             </a:fld>
             <a:endParaRPr lang="en-US"/>
           </a:p>
@@ -23403,7 +23730,7 @@
           <a:p>
             <a:fld id="{9B17A94F-F96B-45CF-824C-A53F0758AB69}" type="datetime1">
               <a:rPr lang="en-US" altLang="zh-CN" smtClean="0"/>
-              <a:t>4/24/2024</a:t>
+              <a:t>4/27/2024</a:t>
             </a:fld>
             <a:endParaRPr lang="en-US"/>
           </a:p>
@@ -23493,7 +23820,7 @@
           <a:p>
             <a:fld id="{0E7E811E-CB35-486D-A51A-D28D7B88C8A1}" type="datetime1">
               <a:rPr lang="en-US" altLang="zh-CN" smtClean="0"/>
-              <a:t>4/24/2024</a:t>
+              <a:t>4/27/2024</a:t>
             </a:fld>
             <a:endParaRPr lang="en-US"/>
           </a:p>
@@ -23765,7 +24092,7 @@
           <a:p>
             <a:fld id="{49060A9D-03E3-407A-91FE-4FD83FD5236C}" type="datetime1">
               <a:rPr lang="en-US" altLang="zh-CN" smtClean="0"/>
-              <a:t>4/24/2024</a:t>
+              <a:t>4/27/2024</a:t>
             </a:fld>
             <a:endParaRPr lang="en-US"/>
           </a:p>
@@ -24018,7 +24345,7 @@
           <a:p>
             <a:fld id="{27EABF16-FC76-43D1-8210-F66033CB86AD}" type="datetime1">
               <a:rPr lang="en-US" altLang="zh-CN" smtClean="0"/>
-              <a:t>4/24/2024</a:t>
+              <a:t>4/27/2024</a:t>
             </a:fld>
             <a:endParaRPr lang="en-US"/>
           </a:p>
@@ -24280,7 +24607,7 @@
           <a:p>
             <a:fld id="{5C24D9CC-1561-4C99-B045-95C038C2B123}" type="datetime1">
               <a:rPr lang="en-US" altLang="zh-CN" smtClean="0"/>
-              <a:t>4/24/2024</a:t>
+              <a:t>4/27/2024</a:t>
             </a:fld>
             <a:endParaRPr lang="en-US"/>
           </a:p>
@@ -25340,6 +25667,850 @@
       </p:sp>
       <p:sp>
         <p:nvSpPr>
+          <p:cNvPr id="7" name="内容占位符 2">
+            <a:extLst>
+              <a:ext uri="{FF2B5EF4-FFF2-40B4-BE49-F238E27FC236}">
+                <a16:creationId xmlns:a16="http://schemas.microsoft.com/office/drawing/2014/main" id="{F3384177-C1B6-3F19-F831-1205A5DA7337}"/>
+              </a:ext>
+            </a:extLst>
+          </p:cNvPr>
+          <p:cNvSpPr>
+            <a:spLocks noGrp="1"/>
+          </p:cNvSpPr>
+          <p:nvPr>
+            <p:ph idx="4294967295"/>
+          </p:nvPr>
+        </p:nvSpPr>
+        <p:spPr>
+          <a:xfrm>
+            <a:off x="93652" y="1068111"/>
+            <a:ext cx="9050348" cy="1979889"/>
+          </a:xfrm>
+        </p:spPr>
+        <p:txBody>
+          <a:bodyPr/>
+          <a:lstStyle/>
+          <a:p>
+            <a:r>
+              <a:rPr lang="en-US" altLang="zh-CN" sz="2400" dirty="0">
+                <a:latin typeface="+mn-lt"/>
+                <a:cs typeface="Times New Roman" panose="02020603050405020304" pitchFamily="18" charset="0"/>
+              </a:rPr>
+              <a:t>RETAU1000</a:t>
+            </a:r>
+            <a:endParaRPr lang="en-US" altLang="zh-CN" sz="2000" baseline="30000" dirty="0">
+              <a:latin typeface="+mn-lt"/>
+              <a:cs typeface="Times New Roman" panose="02020603050405020304" pitchFamily="18" charset="0"/>
+            </a:endParaRPr>
+          </a:p>
+          <a:p>
+            <a:pPr marL="457200" lvl="1" indent="0">
+              <a:buNone/>
+            </a:pPr>
+            <a:endParaRPr lang="en-US" altLang="zh-CN" sz="2000" baseline="30000" dirty="0">
+              <a:latin typeface="+mn-lt"/>
+              <a:cs typeface="Times New Roman" panose="02020603050405020304" pitchFamily="18" charset="0"/>
+            </a:endParaRPr>
+          </a:p>
+          <a:p>
+            <a:pPr marL="457200" lvl="1" indent="0">
+              <a:buNone/>
+            </a:pPr>
+            <a:endParaRPr lang="en-US" altLang="zh-CN" sz="2000" baseline="30000" dirty="0">
+              <a:latin typeface="+mn-lt"/>
+              <a:cs typeface="Times New Roman" panose="02020603050405020304" pitchFamily="18" charset="0"/>
+            </a:endParaRPr>
+          </a:p>
+          <a:p>
+            <a:pPr marL="457200" lvl="1" indent="0">
+              <a:buNone/>
+            </a:pPr>
+            <a:endParaRPr lang="en-US" altLang="zh-CN" sz="2000" baseline="30000" dirty="0">
+              <a:latin typeface="+mn-lt"/>
+              <a:cs typeface="Times New Roman" panose="02020603050405020304" pitchFamily="18" charset="0"/>
+            </a:endParaRPr>
+          </a:p>
+          <a:p>
+            <a:pPr marL="457200" lvl="1" indent="0">
+              <a:buNone/>
+            </a:pPr>
+            <a:endParaRPr lang="en-US" altLang="zh-CN" sz="2000" baseline="30000" dirty="0">
+              <a:latin typeface="+mn-lt"/>
+              <a:cs typeface="Times New Roman" panose="02020603050405020304" pitchFamily="18" charset="0"/>
+            </a:endParaRPr>
+          </a:p>
+          <a:p>
+            <a:pPr marL="457200" lvl="1" indent="0">
+              <a:buNone/>
+            </a:pPr>
+            <a:endParaRPr lang="en-US" altLang="zh-CN" sz="2000" baseline="30000" dirty="0">
+              <a:latin typeface="+mn-lt"/>
+              <a:cs typeface="Times New Roman" panose="02020603050405020304" pitchFamily="18" charset="0"/>
+            </a:endParaRPr>
+          </a:p>
+          <a:p>
+            <a:pPr marL="457200" lvl="1" indent="0">
+              <a:buNone/>
+            </a:pPr>
+            <a:endParaRPr lang="en-US" altLang="zh-CN" sz="2000" baseline="30000" dirty="0">
+              <a:latin typeface="+mn-lt"/>
+              <a:cs typeface="Times New Roman" panose="02020603050405020304" pitchFamily="18" charset="0"/>
+            </a:endParaRPr>
+          </a:p>
+          <a:p>
+            <a:pPr marL="457200" lvl="1" indent="0">
+              <a:buNone/>
+            </a:pPr>
+            <a:endParaRPr lang="en-US" altLang="zh-CN" sz="2000" baseline="30000" dirty="0">
+              <a:latin typeface="+mn-lt"/>
+              <a:cs typeface="Times New Roman" panose="02020603050405020304" pitchFamily="18" charset="0"/>
+            </a:endParaRPr>
+          </a:p>
+          <a:p>
+            <a:pPr>
+              <a:lnSpc>
+                <a:spcPct val="125000"/>
+              </a:lnSpc>
+            </a:pPr>
+            <a:endParaRPr lang="en-US" altLang="zh-CN" sz="2400" dirty="0">
+              <a:latin typeface="+mn-lt"/>
+              <a:cs typeface="Times New Roman" panose="02020603050405020304" pitchFamily="18" charset="0"/>
+            </a:endParaRPr>
+          </a:p>
+          <a:p>
+            <a:pPr marL="457200" lvl="1" indent="0">
+              <a:lnSpc>
+                <a:spcPct val="125000"/>
+              </a:lnSpc>
+              <a:buNone/>
+            </a:pPr>
+            <a:endParaRPr lang="en-US" altLang="zh-CN" sz="2000" dirty="0">
+              <a:latin typeface="+mn-lt"/>
+              <a:cs typeface="Times New Roman" panose="02020603050405020304" pitchFamily="18" charset="0"/>
+            </a:endParaRPr>
+          </a:p>
+        </p:txBody>
+      </p:sp>
+      <p:sp>
+        <p:nvSpPr>
+          <p:cNvPr id="9" name="Rectangle 2">
+            <a:extLst>
+              <a:ext uri="{FF2B5EF4-FFF2-40B4-BE49-F238E27FC236}">
+                <a16:creationId xmlns:a16="http://schemas.microsoft.com/office/drawing/2014/main" id="{CC5CEECD-70F9-A816-BDE0-0CF29A6F574A}"/>
+              </a:ext>
+            </a:extLst>
+          </p:cNvPr>
+          <p:cNvSpPr>
+            <a:spLocks noChangeArrowheads="1"/>
+          </p:cNvSpPr>
+          <p:nvPr/>
+        </p:nvSpPr>
+        <p:spPr bwMode="auto">
+          <a:xfrm>
+            <a:off x="0" y="0"/>
+            <a:ext cx="9144000" cy="0"/>
+          </a:xfrm>
+          <a:prstGeom prst="rect">
+            <a:avLst/>
+          </a:prstGeom>
+          <a:noFill/>
+          <a:ln>
+            <a:noFill/>
+          </a:ln>
+          <a:effectLst/>
+          <a:extLst>
+            <a:ext uri="{909E8E84-426E-40DD-AFC4-6F175D3DCCD1}">
+              <a14:hiddenFill xmlns:a14="http://schemas.microsoft.com/office/drawing/2010/main">
+                <a:solidFill>
+                  <a:schemeClr val="accent1"/>
+                </a:solidFill>
+              </a14:hiddenFill>
+            </a:ext>
+            <a:ext uri="{91240B29-F687-4F45-9708-019B960494DF}">
+              <a14:hiddenLine xmlns:a14="http://schemas.microsoft.com/office/drawing/2010/main" w="9525">
+                <a:solidFill>
+                  <a:schemeClr val="tx1"/>
+                </a:solidFill>
+                <a:miter lim="800000"/>
+                <a:headEnd/>
+                <a:tailEnd/>
+              </a14:hiddenLine>
+            </a:ext>
+            <a:ext uri="{AF507438-7753-43E0-B8FC-AC1667EBCBE1}">
+              <a14:hiddenEffects xmlns:a14="http://schemas.microsoft.com/office/drawing/2010/main">
+                <a:effectLst>
+                  <a:outerShdw dist="35921" dir="2700000" algn="ctr" rotWithShape="0">
+                    <a:schemeClr val="bg2"/>
+                  </a:outerShdw>
+                </a:effectLst>
+              </a14:hiddenEffects>
+            </a:ext>
+          </a:extLst>
+        </p:spPr>
+        <p:txBody>
+          <a:bodyPr vert="horz" wrap="none" lIns="91440" tIns="45720" rIns="91440" bIns="45720" numCol="1" anchor="ctr" anchorCtr="0" compatLnSpc="1">
+            <a:prstTxWarp prst="textNoShape">
+              <a:avLst/>
+            </a:prstTxWarp>
+            <a:spAutoFit/>
+          </a:bodyPr>
+          <a:lstStyle/>
+          <a:p>
+            <a:endParaRPr lang="zh-CN" altLang="en-US"/>
+          </a:p>
+        </p:txBody>
+      </p:sp>
+      <p:pic>
+        <p:nvPicPr>
+          <p:cNvPr id="6" name="Picture 5">
+            <a:extLst>
+              <a:ext uri="{FF2B5EF4-FFF2-40B4-BE49-F238E27FC236}">
+                <a16:creationId xmlns:a16="http://schemas.microsoft.com/office/drawing/2014/main" id="{B59DF556-E795-2300-7F43-648997D04089}"/>
+              </a:ext>
+            </a:extLst>
+          </p:cNvPr>
+          <p:cNvPicPr>
+            <a:picLocks noChangeAspect="1"/>
+          </p:cNvPicPr>
+          <p:nvPr/>
+        </p:nvPicPr>
+        <p:blipFill>
+          <a:blip r:embed="rId3"/>
+          <a:stretch>
+            <a:fillRect/>
+          </a:stretch>
+        </p:blipFill>
+        <p:spPr>
+          <a:xfrm>
+            <a:off x="914400" y="1676400"/>
+            <a:ext cx="3200400" cy="2372359"/>
+          </a:xfrm>
+          <a:prstGeom prst="rect">
+            <a:avLst/>
+          </a:prstGeom>
+        </p:spPr>
+      </p:pic>
+      <p:pic>
+        <p:nvPicPr>
+          <p:cNvPr id="4" name="Picture 3">
+            <a:extLst>
+              <a:ext uri="{FF2B5EF4-FFF2-40B4-BE49-F238E27FC236}">
+                <a16:creationId xmlns:a16="http://schemas.microsoft.com/office/drawing/2014/main" id="{BEB93039-8369-B913-4A11-AE5A4E08A72D}"/>
+              </a:ext>
+            </a:extLst>
+          </p:cNvPr>
+          <p:cNvPicPr>
+            <a:picLocks noChangeAspect="1"/>
+          </p:cNvPicPr>
+          <p:nvPr/>
+        </p:nvPicPr>
+        <p:blipFill>
+          <a:blip r:embed="rId4"/>
+          <a:stretch>
+            <a:fillRect/>
+          </a:stretch>
+        </p:blipFill>
+        <p:spPr>
+          <a:xfrm>
+            <a:off x="4114800" y="1676400"/>
+            <a:ext cx="3200400" cy="2397744"/>
+          </a:xfrm>
+          <a:prstGeom prst="rect">
+            <a:avLst/>
+          </a:prstGeom>
+        </p:spPr>
+      </p:pic>
+      <p:sp>
+        <p:nvSpPr>
+          <p:cNvPr id="5" name="TextBox 4">
+            <a:extLst>
+              <a:ext uri="{FF2B5EF4-FFF2-40B4-BE49-F238E27FC236}">
+                <a16:creationId xmlns:a16="http://schemas.microsoft.com/office/drawing/2014/main" id="{1E333F98-D969-7680-D0BE-D006F8E4AA33}"/>
+              </a:ext>
+            </a:extLst>
+          </p:cNvPr>
+          <p:cNvSpPr txBox="1"/>
+          <p:nvPr/>
+        </p:nvSpPr>
+        <p:spPr>
+          <a:xfrm>
+            <a:off x="4402469" y="1837912"/>
+            <a:ext cx="1184940" cy="369332"/>
+          </a:xfrm>
+          <a:prstGeom prst="rect">
+            <a:avLst/>
+          </a:prstGeom>
+          <a:noFill/>
+        </p:spPr>
+        <p:txBody>
+          <a:bodyPr wrap="none" rtlCol="0">
+            <a:spAutoFit/>
+          </a:bodyPr>
+          <a:lstStyle/>
+          <a:p>
+            <a:r>
+              <a:rPr lang="en-US" dirty="0"/>
+              <a:t>Neumann</a:t>
+            </a:r>
+          </a:p>
+        </p:txBody>
+      </p:sp>
+      <p:sp>
+        <p:nvSpPr>
+          <p:cNvPr id="8" name="TextBox 7">
+            <a:extLst>
+              <a:ext uri="{FF2B5EF4-FFF2-40B4-BE49-F238E27FC236}">
+                <a16:creationId xmlns:a16="http://schemas.microsoft.com/office/drawing/2014/main" id="{BEAADFC7-883F-BEFB-D78E-E7BE34CB3B01}"/>
+              </a:ext>
+            </a:extLst>
+          </p:cNvPr>
+          <p:cNvSpPr txBox="1"/>
+          <p:nvPr/>
+        </p:nvSpPr>
+        <p:spPr>
+          <a:xfrm>
+            <a:off x="1119589" y="1837912"/>
+            <a:ext cx="1317412" cy="369332"/>
+          </a:xfrm>
+          <a:prstGeom prst="rect">
+            <a:avLst/>
+          </a:prstGeom>
+          <a:noFill/>
+        </p:spPr>
+        <p:txBody>
+          <a:bodyPr wrap="none" rtlCol="0">
+            <a:spAutoFit/>
+          </a:bodyPr>
+          <a:lstStyle/>
+          <a:p>
+            <a:r>
+              <a:rPr lang="en-US" dirty="0"/>
+              <a:t>Wall model</a:t>
+            </a:r>
+          </a:p>
+        </p:txBody>
+      </p:sp>
+    </p:spTree>
+    <p:extLst>
+      <p:ext uri="{BB962C8B-B14F-4D97-AF65-F5344CB8AC3E}">
+        <p14:creationId xmlns:p14="http://schemas.microsoft.com/office/powerpoint/2010/main" val="3546392556"/>
+      </p:ext>
+    </p:extLst>
+  </p:cSld>
+  <p:clrMapOvr>
+    <a:masterClrMapping/>
+  </p:clrMapOvr>
+  <p:transition spd="med" advTm="63997"/>
+</p:sld>
+</file>
+
+<file path=ppt/slides/slide11.xml><?xml version="1.0" encoding="utf-8"?>
+<p:sld xmlns:a="http://schemas.openxmlformats.org/drawingml/2006/main" xmlns:r="http://schemas.openxmlformats.org/officeDocument/2006/relationships" xmlns:p="http://schemas.openxmlformats.org/presentationml/2006/main">
+  <p:cSld>
+    <p:spTree>
+      <p:nvGrpSpPr>
+        <p:cNvPr id="1" name="">
+          <a:extLst>
+            <a:ext uri="{FF2B5EF4-FFF2-40B4-BE49-F238E27FC236}">
+              <a16:creationId xmlns:a16="http://schemas.microsoft.com/office/drawing/2014/main" id="{E36FAF1C-FB3C-6E4F-3EF6-B91416465A30}"/>
+            </a:ext>
+          </a:extLst>
+        </p:cNvPr>
+        <p:cNvGrpSpPr/>
+        <p:nvPr/>
+      </p:nvGrpSpPr>
+      <p:grpSpPr>
+        <a:xfrm>
+          <a:off x="0" y="0"/>
+          <a:ext cx="0" cy="0"/>
+          <a:chOff x="0" y="0"/>
+          <a:chExt cx="0" cy="0"/>
+        </a:xfrm>
+      </p:grpSpPr>
+      <p:sp>
+        <p:nvSpPr>
+          <p:cNvPr id="2" name="Title 1">
+            <a:extLst>
+              <a:ext uri="{FF2B5EF4-FFF2-40B4-BE49-F238E27FC236}">
+                <a16:creationId xmlns:a16="http://schemas.microsoft.com/office/drawing/2014/main" id="{5ADC8DE3-593B-5208-402D-39D2452CA6CD}"/>
+              </a:ext>
+            </a:extLst>
+          </p:cNvPr>
+          <p:cNvSpPr>
+            <a:spLocks noGrp="1"/>
+          </p:cNvSpPr>
+          <p:nvPr>
+            <p:ph type="title"/>
+          </p:nvPr>
+        </p:nvSpPr>
+        <p:spPr>
+          <a:xfrm>
+            <a:off x="152400" y="152400"/>
+            <a:ext cx="8610600" cy="838200"/>
+          </a:xfrm>
+        </p:spPr>
+        <p:txBody>
+          <a:bodyPr/>
+          <a:lstStyle/>
+          <a:p>
+            <a:r>
+              <a:rPr lang="en-US" altLang="zh-CN" dirty="0"/>
+              <a:t>Channel</a:t>
+            </a:r>
+            <a:endParaRPr lang="zh-CN" altLang="en-US" dirty="0"/>
+          </a:p>
+        </p:txBody>
+      </p:sp>
+      <p:pic>
+        <p:nvPicPr>
+          <p:cNvPr id="16" name="Picture 15">
+            <a:extLst>
+              <a:ext uri="{FF2B5EF4-FFF2-40B4-BE49-F238E27FC236}">
+                <a16:creationId xmlns:a16="http://schemas.microsoft.com/office/drawing/2014/main" id="{BE181C3B-8EE1-3C24-D08F-CC31E2A5BD83}"/>
+              </a:ext>
+            </a:extLst>
+          </p:cNvPr>
+          <p:cNvPicPr>
+            <a:picLocks noChangeAspect="1"/>
+          </p:cNvPicPr>
+          <p:nvPr/>
+        </p:nvPicPr>
+        <p:blipFill>
+          <a:blip r:embed="rId3"/>
+          <a:stretch>
+            <a:fillRect/>
+          </a:stretch>
+        </p:blipFill>
+        <p:spPr>
+          <a:xfrm>
+            <a:off x="2209800" y="2438400"/>
+            <a:ext cx="3200400" cy="2392631"/>
+          </a:xfrm>
+          <a:prstGeom prst="rect">
+            <a:avLst/>
+          </a:prstGeom>
+        </p:spPr>
+      </p:pic>
+      <p:sp>
+        <p:nvSpPr>
+          <p:cNvPr id="17" name="内容占位符 2">
+            <a:extLst>
+              <a:ext uri="{FF2B5EF4-FFF2-40B4-BE49-F238E27FC236}">
+                <a16:creationId xmlns:a16="http://schemas.microsoft.com/office/drawing/2014/main" id="{D7E08BCD-AEE7-9056-0B15-7EFBABD31162}"/>
+              </a:ext>
+            </a:extLst>
+          </p:cNvPr>
+          <p:cNvSpPr txBox="1">
+            <a:spLocks/>
+          </p:cNvSpPr>
+          <p:nvPr/>
+        </p:nvSpPr>
+        <p:spPr bwMode="auto">
+          <a:xfrm>
+            <a:off x="93652" y="1068111"/>
+            <a:ext cx="9050348" cy="1979889"/>
+          </a:xfrm>
+          <a:prstGeom prst="rect">
+            <a:avLst/>
+          </a:prstGeom>
+          <a:noFill/>
+          <a:ln>
+            <a:noFill/>
+          </a:ln>
+          <a:extLst>
+            <a:ext uri="{909E8E84-426E-40DD-AFC4-6F175D3DCCD1}">
+              <a14:hiddenFill xmlns:a14="http://schemas.microsoft.com/office/drawing/2010/main">
+                <a:solidFill>
+                  <a:srgbClr val="FFFFFF"/>
+                </a:solidFill>
+              </a14:hiddenFill>
+            </a:ext>
+            <a:ext uri="{91240B29-F687-4F45-9708-019B960494DF}">
+              <a14:hiddenLine xmlns:a14="http://schemas.microsoft.com/office/drawing/2010/main" w="28575">
+                <a:solidFill>
+                  <a:srgbClr val="000000"/>
+                </a:solidFill>
+                <a:miter lim="800000"/>
+                <a:headEnd/>
+                <a:tailEnd/>
+              </a14:hiddenLine>
+            </a:ext>
+          </a:extLst>
+        </p:spPr>
+        <p:txBody>
+          <a:bodyPr vert="horz" wrap="square" lIns="91440" tIns="45720" rIns="91440" bIns="45720" numCol="1" anchor="t" anchorCtr="0" compatLnSpc="1">
+            <a:prstTxWarp prst="textNoShape">
+              <a:avLst/>
+            </a:prstTxWarp>
+          </a:bodyPr>
+          <a:lstStyle>
+            <a:lvl1pPr marL="342900" indent="-342900" algn="l" rtl="0" eaLnBrk="1" fontAlgn="base" hangingPunct="1">
+              <a:spcBef>
+                <a:spcPct val="30000"/>
+              </a:spcBef>
+              <a:spcAft>
+                <a:spcPct val="0"/>
+              </a:spcAft>
+              <a:buClr>
+                <a:schemeClr val="hlink"/>
+              </a:buClr>
+              <a:buFont typeface="Wingdings" pitchFamily="2" charset="2"/>
+              <a:buChar char="§"/>
+              <a:defRPr sz="3200">
+                <a:solidFill>
+                  <a:srgbClr val="000066"/>
+                </a:solidFill>
+                <a:latin typeface="微软雅黑" pitchFamily="34" charset="-122"/>
+                <a:ea typeface="微软雅黑" pitchFamily="34" charset="-122"/>
+                <a:cs typeface="+mn-cs"/>
+              </a:defRPr>
+            </a:lvl1pPr>
+            <a:lvl2pPr marL="742950" indent="-285750" algn="l" rtl="0" eaLnBrk="1" fontAlgn="base" hangingPunct="1">
+              <a:spcBef>
+                <a:spcPct val="30000"/>
+              </a:spcBef>
+              <a:spcAft>
+                <a:spcPct val="0"/>
+              </a:spcAft>
+              <a:buClr>
+                <a:schemeClr val="tx2"/>
+              </a:buClr>
+              <a:buSzPct val="85000"/>
+              <a:buFont typeface="Wingdings" pitchFamily="2" charset="2"/>
+              <a:buChar char="Ø"/>
+              <a:defRPr sz="2800">
+                <a:solidFill>
+                  <a:srgbClr val="006666"/>
+                </a:solidFill>
+                <a:latin typeface="微软雅黑" pitchFamily="34" charset="-122"/>
+                <a:ea typeface="微软雅黑" pitchFamily="34" charset="-122"/>
+              </a:defRPr>
+            </a:lvl2pPr>
+            <a:lvl3pPr marL="1143000" indent="-228600" algn="l" rtl="0" eaLnBrk="1" fontAlgn="base" hangingPunct="1">
+              <a:spcBef>
+                <a:spcPct val="30000"/>
+              </a:spcBef>
+              <a:spcAft>
+                <a:spcPct val="0"/>
+              </a:spcAft>
+              <a:buClr>
+                <a:schemeClr val="hlink"/>
+              </a:buClr>
+              <a:buSzPct val="95000"/>
+              <a:buFont typeface="Wingdings 2" pitchFamily="18" charset="2"/>
+              <a:buChar char="¡"/>
+              <a:defRPr sz="2400">
+                <a:solidFill>
+                  <a:schemeClr val="hlink"/>
+                </a:solidFill>
+                <a:latin typeface="微软雅黑" pitchFamily="34" charset="-122"/>
+                <a:ea typeface="微软雅黑" pitchFamily="34" charset="-122"/>
+              </a:defRPr>
+            </a:lvl3pPr>
+            <a:lvl4pPr marL="1600200" indent="-228600" algn="l" rtl="0" eaLnBrk="1" fontAlgn="base" hangingPunct="1">
+              <a:spcBef>
+                <a:spcPct val="30000"/>
+              </a:spcBef>
+              <a:spcAft>
+                <a:spcPct val="0"/>
+              </a:spcAft>
+              <a:buClr>
+                <a:schemeClr val="tx2"/>
+              </a:buClr>
+              <a:buSzPct val="90000"/>
+              <a:buFont typeface="Wingdings" pitchFamily="2" charset="2"/>
+              <a:buChar char="Ø"/>
+              <a:defRPr sz="2000">
+                <a:solidFill>
+                  <a:srgbClr val="990099"/>
+                </a:solidFill>
+                <a:latin typeface="微软雅黑" pitchFamily="34" charset="-122"/>
+                <a:ea typeface="微软雅黑" pitchFamily="34" charset="-122"/>
+              </a:defRPr>
+            </a:lvl4pPr>
+            <a:lvl5pPr marL="2057400" indent="-228600" algn="l" rtl="0" eaLnBrk="1" fontAlgn="base" hangingPunct="1">
+              <a:spcBef>
+                <a:spcPct val="30000"/>
+              </a:spcBef>
+              <a:spcAft>
+                <a:spcPct val="0"/>
+              </a:spcAft>
+              <a:buClr>
+                <a:schemeClr val="hlink"/>
+              </a:buClr>
+              <a:buFont typeface="Wingdings 2" pitchFamily="18" charset="2"/>
+              <a:buChar char="¡"/>
+              <a:defRPr sz="2000">
+                <a:solidFill>
+                  <a:schemeClr val="tx1"/>
+                </a:solidFill>
+                <a:latin typeface="微软雅黑" pitchFamily="34" charset="-122"/>
+                <a:ea typeface="微软雅黑" pitchFamily="34" charset="-122"/>
+              </a:defRPr>
+            </a:lvl5pPr>
+            <a:lvl6pPr marL="2514600" indent="-228600" algn="l" rtl="0" eaLnBrk="1" fontAlgn="base" hangingPunct="1">
+              <a:spcBef>
+                <a:spcPct val="30000"/>
+              </a:spcBef>
+              <a:spcAft>
+                <a:spcPct val="0"/>
+              </a:spcAft>
+              <a:buClr>
+                <a:schemeClr val="hlink"/>
+              </a:buClr>
+              <a:buFont typeface="Wingdings 2" pitchFamily="18" charset="2"/>
+              <a:buChar char="¡"/>
+              <a:defRPr sz="2000">
+                <a:solidFill>
+                  <a:schemeClr val="tx1"/>
+                </a:solidFill>
+                <a:latin typeface="+mn-lt"/>
+                <a:ea typeface="+mn-ea"/>
+              </a:defRPr>
+            </a:lvl6pPr>
+            <a:lvl7pPr marL="2971800" indent="-228600" algn="l" rtl="0" eaLnBrk="1" fontAlgn="base" hangingPunct="1">
+              <a:spcBef>
+                <a:spcPct val="30000"/>
+              </a:spcBef>
+              <a:spcAft>
+                <a:spcPct val="0"/>
+              </a:spcAft>
+              <a:buClr>
+                <a:schemeClr val="hlink"/>
+              </a:buClr>
+              <a:buFont typeface="Wingdings 2" pitchFamily="18" charset="2"/>
+              <a:buChar char="¡"/>
+              <a:defRPr sz="2000">
+                <a:solidFill>
+                  <a:schemeClr val="tx1"/>
+                </a:solidFill>
+                <a:latin typeface="+mn-lt"/>
+                <a:ea typeface="+mn-ea"/>
+              </a:defRPr>
+            </a:lvl7pPr>
+            <a:lvl8pPr marL="3429000" indent="-228600" algn="l" rtl="0" eaLnBrk="1" fontAlgn="base" hangingPunct="1">
+              <a:spcBef>
+                <a:spcPct val="30000"/>
+              </a:spcBef>
+              <a:spcAft>
+                <a:spcPct val="0"/>
+              </a:spcAft>
+              <a:buClr>
+                <a:schemeClr val="hlink"/>
+              </a:buClr>
+              <a:buFont typeface="Wingdings 2" pitchFamily="18" charset="2"/>
+              <a:buChar char="¡"/>
+              <a:defRPr sz="2000">
+                <a:solidFill>
+                  <a:schemeClr val="tx1"/>
+                </a:solidFill>
+                <a:latin typeface="+mn-lt"/>
+                <a:ea typeface="+mn-ea"/>
+              </a:defRPr>
+            </a:lvl8pPr>
+            <a:lvl9pPr marL="3886200" indent="-228600" algn="l" rtl="0" eaLnBrk="1" fontAlgn="base" hangingPunct="1">
+              <a:spcBef>
+                <a:spcPct val="30000"/>
+              </a:spcBef>
+              <a:spcAft>
+                <a:spcPct val="0"/>
+              </a:spcAft>
+              <a:buClr>
+                <a:schemeClr val="hlink"/>
+              </a:buClr>
+              <a:buFont typeface="Wingdings 2" pitchFamily="18" charset="2"/>
+              <a:buChar char="¡"/>
+              <a:defRPr sz="2000">
+                <a:solidFill>
+                  <a:schemeClr val="tx1"/>
+                </a:solidFill>
+                <a:latin typeface="+mn-lt"/>
+                <a:ea typeface="+mn-ea"/>
+              </a:defRPr>
+            </a:lvl9pPr>
+          </a:lstStyle>
+          <a:p>
+            <a:r>
+              <a:rPr lang="en-US" altLang="zh-CN" sz="2400" kern="0" dirty="0">
+                <a:latin typeface="+mn-lt"/>
+                <a:cs typeface="Times New Roman" panose="02020603050405020304" pitchFamily="18" charset="0"/>
+              </a:rPr>
+              <a:t>RETAU1000</a:t>
+            </a:r>
+            <a:endParaRPr lang="en-US" altLang="zh-CN" sz="2000" kern="0" baseline="30000" dirty="0">
+              <a:latin typeface="+mn-lt"/>
+              <a:cs typeface="Times New Roman" panose="02020603050405020304" pitchFamily="18" charset="0"/>
+            </a:endParaRPr>
+          </a:p>
+          <a:p>
+            <a:pPr marL="457200" lvl="1" indent="0">
+              <a:buFont typeface="Wingdings" pitchFamily="2" charset="2"/>
+              <a:buNone/>
+            </a:pPr>
+            <a:endParaRPr lang="en-US" altLang="zh-CN" sz="2000" kern="0" baseline="30000" dirty="0">
+              <a:latin typeface="+mn-lt"/>
+              <a:cs typeface="Times New Roman" panose="02020603050405020304" pitchFamily="18" charset="0"/>
+            </a:endParaRPr>
+          </a:p>
+          <a:p>
+            <a:pPr marL="457200" lvl="1" indent="0">
+              <a:buFont typeface="Wingdings" pitchFamily="2" charset="2"/>
+              <a:buNone/>
+            </a:pPr>
+            <a:endParaRPr lang="en-US" altLang="zh-CN" sz="2000" kern="0" baseline="30000" dirty="0">
+              <a:latin typeface="+mn-lt"/>
+              <a:cs typeface="Times New Roman" panose="02020603050405020304" pitchFamily="18" charset="0"/>
+            </a:endParaRPr>
+          </a:p>
+          <a:p>
+            <a:pPr marL="457200" lvl="1" indent="0">
+              <a:buFont typeface="Wingdings" pitchFamily="2" charset="2"/>
+              <a:buNone/>
+            </a:pPr>
+            <a:endParaRPr lang="en-US" altLang="zh-CN" sz="2000" kern="0" baseline="30000" dirty="0">
+              <a:latin typeface="+mn-lt"/>
+              <a:cs typeface="Times New Roman" panose="02020603050405020304" pitchFamily="18" charset="0"/>
+            </a:endParaRPr>
+          </a:p>
+          <a:p>
+            <a:pPr marL="457200" lvl="1" indent="0">
+              <a:buFont typeface="Wingdings" pitchFamily="2" charset="2"/>
+              <a:buNone/>
+            </a:pPr>
+            <a:endParaRPr lang="en-US" altLang="zh-CN" sz="2000" kern="0" baseline="30000" dirty="0">
+              <a:latin typeface="+mn-lt"/>
+              <a:cs typeface="Times New Roman" panose="02020603050405020304" pitchFamily="18" charset="0"/>
+            </a:endParaRPr>
+          </a:p>
+          <a:p>
+            <a:pPr marL="457200" lvl="1" indent="0">
+              <a:buFont typeface="Wingdings" pitchFamily="2" charset="2"/>
+              <a:buNone/>
+            </a:pPr>
+            <a:endParaRPr lang="en-US" altLang="zh-CN" sz="2000" kern="0" baseline="30000" dirty="0">
+              <a:latin typeface="+mn-lt"/>
+              <a:cs typeface="Times New Roman" panose="02020603050405020304" pitchFamily="18" charset="0"/>
+            </a:endParaRPr>
+          </a:p>
+          <a:p>
+            <a:pPr marL="457200" lvl="1" indent="0">
+              <a:buFont typeface="Wingdings" pitchFamily="2" charset="2"/>
+              <a:buNone/>
+            </a:pPr>
+            <a:endParaRPr lang="en-US" altLang="zh-CN" sz="2000" kern="0" baseline="30000" dirty="0">
+              <a:latin typeface="+mn-lt"/>
+              <a:cs typeface="Times New Roman" panose="02020603050405020304" pitchFamily="18" charset="0"/>
+            </a:endParaRPr>
+          </a:p>
+          <a:p>
+            <a:pPr marL="457200" lvl="1" indent="0">
+              <a:buFont typeface="Wingdings" pitchFamily="2" charset="2"/>
+              <a:buNone/>
+            </a:pPr>
+            <a:endParaRPr lang="en-US" altLang="zh-CN" sz="2000" kern="0" baseline="30000" dirty="0">
+              <a:latin typeface="+mn-lt"/>
+              <a:cs typeface="Times New Roman" panose="02020603050405020304" pitchFamily="18" charset="0"/>
+            </a:endParaRPr>
+          </a:p>
+          <a:p>
+            <a:pPr>
+              <a:lnSpc>
+                <a:spcPct val="125000"/>
+              </a:lnSpc>
+            </a:pPr>
+            <a:endParaRPr lang="en-US" altLang="zh-CN" sz="2400" kern="0" dirty="0">
+              <a:latin typeface="+mn-lt"/>
+              <a:cs typeface="Times New Roman" panose="02020603050405020304" pitchFamily="18" charset="0"/>
+            </a:endParaRPr>
+          </a:p>
+          <a:p>
+            <a:pPr marL="457200" lvl="1" indent="0">
+              <a:lnSpc>
+                <a:spcPct val="125000"/>
+              </a:lnSpc>
+              <a:buFont typeface="Wingdings" pitchFamily="2" charset="2"/>
+              <a:buNone/>
+            </a:pPr>
+            <a:endParaRPr lang="en-US" altLang="zh-CN" sz="2000" kern="0" dirty="0">
+              <a:latin typeface="+mn-lt"/>
+              <a:cs typeface="Times New Roman" panose="02020603050405020304" pitchFamily="18" charset="0"/>
+            </a:endParaRPr>
+          </a:p>
+        </p:txBody>
+      </p:sp>
+    </p:spTree>
+    <p:extLst>
+      <p:ext uri="{BB962C8B-B14F-4D97-AF65-F5344CB8AC3E}">
+        <p14:creationId xmlns:p14="http://schemas.microsoft.com/office/powerpoint/2010/main" val="1503813011"/>
+      </p:ext>
+    </p:extLst>
+  </p:cSld>
+  <p:clrMapOvr>
+    <a:masterClrMapping/>
+  </p:clrMapOvr>
+  <p:transition spd="med" advTm="63997"/>
+</p:sld>
+</file>
+
+<file path=ppt/slides/slide12.xml><?xml version="1.0" encoding="utf-8"?>
+<p:sld xmlns:a="http://schemas.openxmlformats.org/drawingml/2006/main" xmlns:r="http://schemas.openxmlformats.org/officeDocument/2006/relationships" xmlns:p="http://schemas.openxmlformats.org/presentationml/2006/main">
+  <p:cSld>
+    <p:spTree>
+      <p:nvGrpSpPr>
+        <p:cNvPr id="1" name="">
+          <a:extLst>
+            <a:ext uri="{FF2B5EF4-FFF2-40B4-BE49-F238E27FC236}">
+              <a16:creationId xmlns:a16="http://schemas.microsoft.com/office/drawing/2014/main" id="{E36FAF1C-FB3C-6E4F-3EF6-B91416465A30}"/>
+            </a:ext>
+          </a:extLst>
+        </p:cNvPr>
+        <p:cNvGrpSpPr/>
+        <p:nvPr/>
+      </p:nvGrpSpPr>
+      <p:grpSpPr>
+        <a:xfrm>
+          <a:off x="0" y="0"/>
+          <a:ext cx="0" cy="0"/>
+          <a:chOff x="0" y="0"/>
+          <a:chExt cx="0" cy="0"/>
+        </a:xfrm>
+      </p:grpSpPr>
+      <p:sp>
+        <p:nvSpPr>
+          <p:cNvPr id="2" name="Title 1">
+            <a:extLst>
+              <a:ext uri="{FF2B5EF4-FFF2-40B4-BE49-F238E27FC236}">
+                <a16:creationId xmlns:a16="http://schemas.microsoft.com/office/drawing/2014/main" id="{5ADC8DE3-593B-5208-402D-39D2452CA6CD}"/>
+              </a:ext>
+            </a:extLst>
+          </p:cNvPr>
+          <p:cNvSpPr>
+            <a:spLocks noGrp="1"/>
+          </p:cNvSpPr>
+          <p:nvPr>
+            <p:ph type="title"/>
+          </p:nvPr>
+        </p:nvSpPr>
+        <p:spPr>
+          <a:xfrm>
+            <a:off x="152400" y="152400"/>
+            <a:ext cx="8610600" cy="838200"/>
+          </a:xfrm>
+        </p:spPr>
+        <p:txBody>
+          <a:bodyPr/>
+          <a:lstStyle/>
+          <a:p>
+            <a:r>
+              <a:rPr lang="en-US" altLang="zh-CN" dirty="0"/>
+              <a:t>Channel</a:t>
+            </a:r>
+            <a:endParaRPr lang="zh-CN" altLang="en-US" dirty="0"/>
+          </a:p>
+        </p:txBody>
+      </p:sp>
+      <p:sp>
+        <p:nvSpPr>
           <p:cNvPr id="3" name="内容占位符 2">
             <a:extLst>
               <a:ext uri="{FF2B5EF4-FFF2-40B4-BE49-F238E27FC236}">
@@ -25735,7 +26906,485 @@
 </p:sld>
 </file>
 
-<file path=ppt/slides/slide11.xml><?xml version="1.0" encoding="utf-8"?>
+<file path=ppt/slides/slide13.xml><?xml version="1.0" encoding="utf-8"?>
+<p:sld xmlns:a="http://schemas.openxmlformats.org/drawingml/2006/main" xmlns:r="http://schemas.openxmlformats.org/officeDocument/2006/relationships" xmlns:p="http://schemas.openxmlformats.org/presentationml/2006/main">
+  <p:cSld>
+    <p:spTree>
+      <p:nvGrpSpPr>
+        <p:cNvPr id="1" name="">
+          <a:extLst>
+            <a:ext uri="{FF2B5EF4-FFF2-40B4-BE49-F238E27FC236}">
+              <a16:creationId xmlns:a16="http://schemas.microsoft.com/office/drawing/2014/main" id="{E36FAF1C-FB3C-6E4F-3EF6-B91416465A30}"/>
+            </a:ext>
+          </a:extLst>
+        </p:cNvPr>
+        <p:cNvGrpSpPr/>
+        <p:nvPr/>
+      </p:nvGrpSpPr>
+      <p:grpSpPr>
+        <a:xfrm>
+          <a:off x="0" y="0"/>
+          <a:ext cx="0" cy="0"/>
+          <a:chOff x="0" y="0"/>
+          <a:chExt cx="0" cy="0"/>
+        </a:xfrm>
+      </p:grpSpPr>
+      <p:sp>
+        <p:nvSpPr>
+          <p:cNvPr id="2" name="Title 1">
+            <a:extLst>
+              <a:ext uri="{FF2B5EF4-FFF2-40B4-BE49-F238E27FC236}">
+                <a16:creationId xmlns:a16="http://schemas.microsoft.com/office/drawing/2014/main" id="{5ADC8DE3-593B-5208-402D-39D2452CA6CD}"/>
+              </a:ext>
+            </a:extLst>
+          </p:cNvPr>
+          <p:cNvSpPr>
+            <a:spLocks noGrp="1"/>
+          </p:cNvSpPr>
+          <p:nvPr>
+            <p:ph type="title"/>
+          </p:nvPr>
+        </p:nvSpPr>
+        <p:spPr>
+          <a:xfrm>
+            <a:off x="152400" y="152400"/>
+            <a:ext cx="8610600" cy="838200"/>
+          </a:xfrm>
+        </p:spPr>
+        <p:txBody>
+          <a:bodyPr/>
+          <a:lstStyle/>
+          <a:p>
+            <a:r>
+              <a:rPr lang="en-US" altLang="zh-CN" dirty="0"/>
+              <a:t>Channel</a:t>
+            </a:r>
+            <a:endParaRPr lang="zh-CN" altLang="en-US" dirty="0"/>
+          </a:p>
+        </p:txBody>
+      </p:sp>
+      <p:sp>
+        <p:nvSpPr>
+          <p:cNvPr id="3" name="内容占位符 2">
+            <a:extLst>
+              <a:ext uri="{FF2B5EF4-FFF2-40B4-BE49-F238E27FC236}">
+                <a16:creationId xmlns:a16="http://schemas.microsoft.com/office/drawing/2014/main" id="{546BAD6D-09F4-5710-5F64-F0C2FF48AF3D}"/>
+              </a:ext>
+            </a:extLst>
+          </p:cNvPr>
+          <p:cNvSpPr txBox="1">
+            <a:spLocks/>
+          </p:cNvSpPr>
+          <p:nvPr/>
+        </p:nvSpPr>
+        <p:spPr bwMode="auto">
+          <a:xfrm>
+            <a:off x="93652" y="1068113"/>
+            <a:ext cx="8610600" cy="1228900"/>
+          </a:xfrm>
+          <a:prstGeom prst="rect">
+            <a:avLst/>
+          </a:prstGeom>
+          <a:noFill/>
+          <a:ln>
+            <a:noFill/>
+          </a:ln>
+          <a:extLst>
+            <a:ext uri="{909E8E84-426E-40DD-AFC4-6F175D3DCCD1}">
+              <a14:hiddenFill xmlns:a14="http://schemas.microsoft.com/office/drawing/2010/main">
+                <a:solidFill>
+                  <a:srgbClr val="FFFFFF"/>
+                </a:solidFill>
+              </a14:hiddenFill>
+            </a:ext>
+            <a:ext uri="{91240B29-F687-4F45-9708-019B960494DF}">
+              <a14:hiddenLine xmlns:a14="http://schemas.microsoft.com/office/drawing/2010/main" w="28575">
+                <a:solidFill>
+                  <a:srgbClr val="000000"/>
+                </a:solidFill>
+                <a:miter lim="800000"/>
+                <a:headEnd/>
+                <a:tailEnd/>
+              </a14:hiddenLine>
+            </a:ext>
+          </a:extLst>
+        </p:spPr>
+        <p:txBody>
+          <a:bodyPr vert="horz" wrap="square" lIns="91440" tIns="45720" rIns="91440" bIns="45720" numCol="1" anchor="t" anchorCtr="0" compatLnSpc="1">
+            <a:prstTxWarp prst="textNoShape">
+              <a:avLst/>
+            </a:prstTxWarp>
+          </a:bodyPr>
+          <a:lstStyle>
+            <a:lvl1pPr marL="342900" indent="-342900" algn="l" rtl="0" eaLnBrk="1" fontAlgn="base" hangingPunct="1">
+              <a:spcBef>
+                <a:spcPct val="30000"/>
+              </a:spcBef>
+              <a:spcAft>
+                <a:spcPct val="0"/>
+              </a:spcAft>
+              <a:buClr>
+                <a:schemeClr val="hlink"/>
+              </a:buClr>
+              <a:buFont typeface="Wingdings" pitchFamily="2" charset="2"/>
+              <a:buChar char="§"/>
+              <a:defRPr sz="3200">
+                <a:solidFill>
+                  <a:srgbClr val="000066"/>
+                </a:solidFill>
+                <a:latin typeface="微软雅黑" pitchFamily="34" charset="-122"/>
+                <a:ea typeface="微软雅黑" pitchFamily="34" charset="-122"/>
+                <a:cs typeface="+mn-cs"/>
+              </a:defRPr>
+            </a:lvl1pPr>
+            <a:lvl2pPr marL="742950" indent="-285750" algn="l" rtl="0" eaLnBrk="1" fontAlgn="base" hangingPunct="1">
+              <a:spcBef>
+                <a:spcPct val="30000"/>
+              </a:spcBef>
+              <a:spcAft>
+                <a:spcPct val="0"/>
+              </a:spcAft>
+              <a:buClr>
+                <a:schemeClr val="tx2"/>
+              </a:buClr>
+              <a:buSzPct val="85000"/>
+              <a:buFont typeface="Wingdings" pitchFamily="2" charset="2"/>
+              <a:buChar char="Ø"/>
+              <a:defRPr sz="2800">
+                <a:solidFill>
+                  <a:srgbClr val="006666"/>
+                </a:solidFill>
+                <a:latin typeface="微软雅黑" pitchFamily="34" charset="-122"/>
+                <a:ea typeface="微软雅黑" pitchFamily="34" charset="-122"/>
+              </a:defRPr>
+            </a:lvl2pPr>
+            <a:lvl3pPr marL="1143000" indent="-228600" algn="l" rtl="0" eaLnBrk="1" fontAlgn="base" hangingPunct="1">
+              <a:spcBef>
+                <a:spcPct val="30000"/>
+              </a:spcBef>
+              <a:spcAft>
+                <a:spcPct val="0"/>
+              </a:spcAft>
+              <a:buClr>
+                <a:schemeClr val="hlink"/>
+              </a:buClr>
+              <a:buSzPct val="95000"/>
+              <a:buFont typeface="Wingdings 2" pitchFamily="18" charset="2"/>
+              <a:buChar char="¡"/>
+              <a:defRPr sz="2400">
+                <a:solidFill>
+                  <a:schemeClr val="hlink"/>
+                </a:solidFill>
+                <a:latin typeface="微软雅黑" pitchFamily="34" charset="-122"/>
+                <a:ea typeface="微软雅黑" pitchFamily="34" charset="-122"/>
+              </a:defRPr>
+            </a:lvl3pPr>
+            <a:lvl4pPr marL="1600200" indent="-228600" algn="l" rtl="0" eaLnBrk="1" fontAlgn="base" hangingPunct="1">
+              <a:spcBef>
+                <a:spcPct val="30000"/>
+              </a:spcBef>
+              <a:spcAft>
+                <a:spcPct val="0"/>
+              </a:spcAft>
+              <a:buClr>
+                <a:schemeClr val="tx2"/>
+              </a:buClr>
+              <a:buSzPct val="90000"/>
+              <a:buFont typeface="Wingdings" pitchFamily="2" charset="2"/>
+              <a:buChar char="Ø"/>
+              <a:defRPr sz="2000">
+                <a:solidFill>
+                  <a:srgbClr val="990099"/>
+                </a:solidFill>
+                <a:latin typeface="微软雅黑" pitchFamily="34" charset="-122"/>
+                <a:ea typeface="微软雅黑" pitchFamily="34" charset="-122"/>
+              </a:defRPr>
+            </a:lvl4pPr>
+            <a:lvl5pPr marL="2057400" indent="-228600" algn="l" rtl="0" eaLnBrk="1" fontAlgn="base" hangingPunct="1">
+              <a:spcBef>
+                <a:spcPct val="30000"/>
+              </a:spcBef>
+              <a:spcAft>
+                <a:spcPct val="0"/>
+              </a:spcAft>
+              <a:buClr>
+                <a:schemeClr val="hlink"/>
+              </a:buClr>
+              <a:buFont typeface="Wingdings 2" pitchFamily="18" charset="2"/>
+              <a:buChar char="¡"/>
+              <a:defRPr sz="2000">
+                <a:solidFill>
+                  <a:schemeClr val="tx1"/>
+                </a:solidFill>
+                <a:latin typeface="微软雅黑" pitchFamily="34" charset="-122"/>
+                <a:ea typeface="微软雅黑" pitchFamily="34" charset="-122"/>
+              </a:defRPr>
+            </a:lvl5pPr>
+            <a:lvl6pPr marL="2514600" indent="-228600" algn="l" rtl="0" eaLnBrk="1" fontAlgn="base" hangingPunct="1">
+              <a:spcBef>
+                <a:spcPct val="30000"/>
+              </a:spcBef>
+              <a:spcAft>
+                <a:spcPct val="0"/>
+              </a:spcAft>
+              <a:buClr>
+                <a:schemeClr val="hlink"/>
+              </a:buClr>
+              <a:buFont typeface="Wingdings 2" pitchFamily="18" charset="2"/>
+              <a:buChar char="¡"/>
+              <a:defRPr sz="2000">
+                <a:solidFill>
+                  <a:schemeClr val="tx1"/>
+                </a:solidFill>
+                <a:latin typeface="+mn-lt"/>
+                <a:ea typeface="+mn-ea"/>
+              </a:defRPr>
+            </a:lvl6pPr>
+            <a:lvl7pPr marL="2971800" indent="-228600" algn="l" rtl="0" eaLnBrk="1" fontAlgn="base" hangingPunct="1">
+              <a:spcBef>
+                <a:spcPct val="30000"/>
+              </a:spcBef>
+              <a:spcAft>
+                <a:spcPct val="0"/>
+              </a:spcAft>
+              <a:buClr>
+                <a:schemeClr val="hlink"/>
+              </a:buClr>
+              <a:buFont typeface="Wingdings 2" pitchFamily="18" charset="2"/>
+              <a:buChar char="¡"/>
+              <a:defRPr sz="2000">
+                <a:solidFill>
+                  <a:schemeClr val="tx1"/>
+                </a:solidFill>
+                <a:latin typeface="+mn-lt"/>
+                <a:ea typeface="+mn-ea"/>
+              </a:defRPr>
+            </a:lvl7pPr>
+            <a:lvl8pPr marL="3429000" indent="-228600" algn="l" rtl="0" eaLnBrk="1" fontAlgn="base" hangingPunct="1">
+              <a:spcBef>
+                <a:spcPct val="30000"/>
+              </a:spcBef>
+              <a:spcAft>
+                <a:spcPct val="0"/>
+              </a:spcAft>
+              <a:buClr>
+                <a:schemeClr val="hlink"/>
+              </a:buClr>
+              <a:buFont typeface="Wingdings 2" pitchFamily="18" charset="2"/>
+              <a:buChar char="¡"/>
+              <a:defRPr sz="2000">
+                <a:solidFill>
+                  <a:schemeClr val="tx1"/>
+                </a:solidFill>
+                <a:latin typeface="+mn-lt"/>
+                <a:ea typeface="+mn-ea"/>
+              </a:defRPr>
+            </a:lvl8pPr>
+            <a:lvl9pPr marL="3886200" indent="-228600" algn="l" rtl="0" eaLnBrk="1" fontAlgn="base" hangingPunct="1">
+              <a:spcBef>
+                <a:spcPct val="30000"/>
+              </a:spcBef>
+              <a:spcAft>
+                <a:spcPct val="0"/>
+              </a:spcAft>
+              <a:buClr>
+                <a:schemeClr val="hlink"/>
+              </a:buClr>
+              <a:buFont typeface="Wingdings 2" pitchFamily="18" charset="2"/>
+              <a:buChar char="¡"/>
+              <a:defRPr sz="2000">
+                <a:solidFill>
+                  <a:schemeClr val="tx1"/>
+                </a:solidFill>
+                <a:latin typeface="+mn-lt"/>
+                <a:ea typeface="+mn-ea"/>
+              </a:defRPr>
+            </a:lvl9pPr>
+          </a:lstStyle>
+          <a:p>
+            <a:r>
+              <a:rPr lang="en-US" altLang="zh-CN" sz="2400" kern="0" dirty="0">
+                <a:latin typeface="+mn-lt"/>
+                <a:cs typeface="Times New Roman" panose="02020603050405020304" pitchFamily="18" charset="0"/>
+              </a:rPr>
+              <a:t>RETAU1000</a:t>
+            </a:r>
+            <a:endParaRPr lang="en-US" altLang="zh-CN" sz="2000" kern="0" dirty="0">
+              <a:latin typeface="+mn-lt"/>
+              <a:cs typeface="Times New Roman" panose="02020603050405020304" pitchFamily="18" charset="0"/>
+            </a:endParaRPr>
+          </a:p>
+          <a:p>
+            <a:pPr lvl="1"/>
+            <a:r>
+              <a:rPr lang="en-US" altLang="zh-CN" sz="2000" dirty="0">
+                <a:latin typeface="+mn-lt"/>
+                <a:cs typeface="Times New Roman" panose="02020603050405020304" pitchFamily="18" charset="0"/>
+              </a:rPr>
+              <a:t>Linear variation of </a:t>
+            </a:r>
+            <a:r>
+              <a:rPr lang="en-US" altLang="zh-CN" sz="2000" dirty="0" err="1">
+                <a:latin typeface="+mn-lt"/>
+                <a:cs typeface="Times New Roman" panose="02020603050405020304" pitchFamily="18" charset="0"/>
+              </a:rPr>
+              <a:t>tau_tot</a:t>
+            </a:r>
+            <a:r>
+              <a:rPr lang="en-US" altLang="zh-CN" sz="2000" dirty="0">
+                <a:latin typeface="+mn-lt"/>
+                <a:cs typeface="Times New Roman" panose="02020603050405020304" pitchFamily="18" charset="0"/>
+              </a:rPr>
+              <a:t> also applies in LES/RANS</a:t>
+            </a:r>
+          </a:p>
+          <a:p>
+            <a:pPr lvl="1"/>
+            <a:r>
+              <a:rPr lang="en-US" altLang="zh-CN" sz="2000" dirty="0">
+                <a:latin typeface="+mn-lt"/>
+                <a:cs typeface="Times New Roman" panose="02020603050405020304" pitchFamily="18" charset="0"/>
+              </a:rPr>
+              <a:t>Why eddy viscosity is so small?</a:t>
+            </a:r>
+          </a:p>
+        </p:txBody>
+      </p:sp>
+      <p:pic>
+        <p:nvPicPr>
+          <p:cNvPr id="23" name="Picture 22">
+            <a:extLst>
+              <a:ext uri="{FF2B5EF4-FFF2-40B4-BE49-F238E27FC236}">
+                <a16:creationId xmlns:a16="http://schemas.microsoft.com/office/drawing/2014/main" id="{0855273A-438C-9A07-EC26-58B8C3A23C3B}"/>
+              </a:ext>
+            </a:extLst>
+          </p:cNvPr>
+          <p:cNvPicPr>
+            <a:picLocks noChangeAspect="1"/>
+          </p:cNvPicPr>
+          <p:nvPr/>
+        </p:nvPicPr>
+        <p:blipFill>
+          <a:blip r:embed="rId3"/>
+          <a:stretch>
+            <a:fillRect/>
+          </a:stretch>
+        </p:blipFill>
+        <p:spPr>
+          <a:xfrm>
+            <a:off x="1380067" y="2407355"/>
+            <a:ext cx="3200400" cy="2390108"/>
+          </a:xfrm>
+          <a:prstGeom prst="rect">
+            <a:avLst/>
+          </a:prstGeom>
+        </p:spPr>
+      </p:pic>
+      <p:pic>
+        <p:nvPicPr>
+          <p:cNvPr id="25" name="Picture 24">
+            <a:extLst>
+              <a:ext uri="{FF2B5EF4-FFF2-40B4-BE49-F238E27FC236}">
+                <a16:creationId xmlns:a16="http://schemas.microsoft.com/office/drawing/2014/main" id="{4AAE87AF-C77B-93F0-0A0E-3A7AB94A35BC}"/>
+              </a:ext>
+            </a:extLst>
+          </p:cNvPr>
+          <p:cNvPicPr>
+            <a:picLocks noChangeAspect="1"/>
+          </p:cNvPicPr>
+          <p:nvPr/>
+        </p:nvPicPr>
+        <p:blipFill>
+          <a:blip r:embed="rId4"/>
+          <a:stretch>
+            <a:fillRect/>
+          </a:stretch>
+        </p:blipFill>
+        <p:spPr>
+          <a:xfrm>
+            <a:off x="4648200" y="2407985"/>
+            <a:ext cx="3200400" cy="2401580"/>
+          </a:xfrm>
+          <a:prstGeom prst="rect">
+            <a:avLst/>
+          </a:prstGeom>
+        </p:spPr>
+      </p:pic>
+      <p:pic>
+        <p:nvPicPr>
+          <p:cNvPr id="27" name="Picture 26">
+            <a:extLst>
+              <a:ext uri="{FF2B5EF4-FFF2-40B4-BE49-F238E27FC236}">
+                <a16:creationId xmlns:a16="http://schemas.microsoft.com/office/drawing/2014/main" id="{E901603B-CF4C-84A7-304B-9F33A6707B21}"/>
+              </a:ext>
+            </a:extLst>
+          </p:cNvPr>
+          <p:cNvPicPr>
+            <a:picLocks noChangeAspect="1"/>
+          </p:cNvPicPr>
+          <p:nvPr/>
+        </p:nvPicPr>
+        <p:blipFill>
+          <a:blip r:embed="rId5"/>
+          <a:stretch>
+            <a:fillRect/>
+          </a:stretch>
+        </p:blipFill>
+        <p:spPr>
+          <a:xfrm>
+            <a:off x="1380067" y="4797463"/>
+            <a:ext cx="3200400" cy="2383711"/>
+          </a:xfrm>
+          <a:prstGeom prst="rect">
+            <a:avLst/>
+          </a:prstGeom>
+        </p:spPr>
+      </p:pic>
+      <p:pic>
+        <p:nvPicPr>
+          <p:cNvPr id="29" name="Picture 28">
+            <a:extLst>
+              <a:ext uri="{FF2B5EF4-FFF2-40B4-BE49-F238E27FC236}">
+                <a16:creationId xmlns:a16="http://schemas.microsoft.com/office/drawing/2014/main" id="{6A9CD618-29C0-401D-4874-843E8F649235}"/>
+              </a:ext>
+            </a:extLst>
+          </p:cNvPr>
+          <p:cNvPicPr>
+            <a:picLocks noChangeAspect="1"/>
+          </p:cNvPicPr>
+          <p:nvPr/>
+        </p:nvPicPr>
+        <p:blipFill>
+          <a:blip r:embed="rId6"/>
+          <a:stretch>
+            <a:fillRect/>
+          </a:stretch>
+        </p:blipFill>
+        <p:spPr>
+          <a:xfrm>
+            <a:off x="4656667" y="4809565"/>
+            <a:ext cx="3200400" cy="2401588"/>
+          </a:xfrm>
+          <a:prstGeom prst="rect">
+            <a:avLst/>
+          </a:prstGeom>
+        </p:spPr>
+      </p:pic>
+    </p:spTree>
+    <p:extLst>
+      <p:ext uri="{BB962C8B-B14F-4D97-AF65-F5344CB8AC3E}">
+        <p14:creationId xmlns:p14="http://schemas.microsoft.com/office/powerpoint/2010/main" val="1307280235"/>
+      </p:ext>
+    </p:extLst>
+  </p:cSld>
+  <p:clrMapOvr>
+    <a:masterClrMapping/>
+  </p:clrMapOvr>
+  <p:transition spd="med" advTm="63997"/>
+</p:sld>
+</file>
+
+<file path=ppt/slides/slide14.xml><?xml version="1.0" encoding="utf-8"?>
 <p:sld xmlns:a="http://schemas.openxmlformats.org/drawingml/2006/main" xmlns:r="http://schemas.openxmlformats.org/officeDocument/2006/relationships" xmlns:p="http://schemas.openxmlformats.org/presentationml/2006/main">
   <p:cSld>
     <p:spTree>
@@ -26260,7 +27909,7 @@
 </p:sld>
 </file>
 
-<file path=ppt/slides/slide12.xml><?xml version="1.0" encoding="utf-8"?>
+<file path=ppt/slides/slide15.xml><?xml version="1.0" encoding="utf-8"?>
 <p:sld xmlns:a="http://schemas.openxmlformats.org/drawingml/2006/main" xmlns:r="http://schemas.openxmlformats.org/officeDocument/2006/relationships" xmlns:p="http://schemas.openxmlformats.org/presentationml/2006/main">
   <p:cSld>
     <p:spTree>
@@ -26745,7 +28394,7 @@
 </p:sld>
 </file>
 
-<file path=ppt/slides/slide13.xml><?xml version="1.0" encoding="utf-8"?>
+<file path=ppt/slides/slide16.xml><?xml version="1.0" encoding="utf-8"?>
 <p:sld xmlns:a="http://schemas.openxmlformats.org/drawingml/2006/main" xmlns:r="http://schemas.openxmlformats.org/officeDocument/2006/relationships" xmlns:p="http://schemas.openxmlformats.org/presentationml/2006/main">
   <p:cSld>
     <p:spTree>
@@ -27190,7 +28839,7 @@
 </p:sld>
 </file>
 
-<file path=ppt/slides/slide14.xml><?xml version="1.0" encoding="utf-8"?>
+<file path=ppt/slides/slide17.xml><?xml version="1.0" encoding="utf-8"?>
 <p:sld xmlns:a="http://schemas.openxmlformats.org/drawingml/2006/main" xmlns:r="http://schemas.openxmlformats.org/officeDocument/2006/relationships" xmlns:p="http://schemas.openxmlformats.org/presentationml/2006/main">
   <p:cSld>
     <p:spTree>
@@ -27695,7 +29344,7 @@
 </p:sld>
 </file>
 
-<file path=ppt/slides/slide15.xml><?xml version="1.0" encoding="utf-8"?>
+<file path=ppt/slides/slide18.xml><?xml version="1.0" encoding="utf-8"?>
 <p:sld xmlns:a="http://schemas.openxmlformats.org/drawingml/2006/main" xmlns:r="http://schemas.openxmlformats.org/officeDocument/2006/relationships" xmlns:p="http://schemas.openxmlformats.org/presentationml/2006/main">
   <p:cSld>
     <p:spTree>
@@ -28110,7 +29759,7 @@
 </p:sld>
 </file>
 
-<file path=ppt/slides/slide16.xml><?xml version="1.0" encoding="utf-8"?>
+<file path=ppt/slides/slide19.xml><?xml version="1.0" encoding="utf-8"?>
 <p:sld xmlns:a="http://schemas.openxmlformats.org/drawingml/2006/main" xmlns:r="http://schemas.openxmlformats.org/officeDocument/2006/relationships" xmlns:p="http://schemas.openxmlformats.org/presentationml/2006/main">
   <p:cSld>
     <p:spTree>
@@ -28605,1521 +30254,6 @@
     <p:extLst>
       <p:ext uri="{BB962C8B-B14F-4D97-AF65-F5344CB8AC3E}">
         <p14:creationId xmlns:p14="http://schemas.microsoft.com/office/powerpoint/2010/main" val="1166957128"/>
-      </p:ext>
-    </p:extLst>
-  </p:cSld>
-  <p:clrMapOvr>
-    <a:masterClrMapping/>
-  </p:clrMapOvr>
-  <p:transition spd="med" advTm="63997"/>
-</p:sld>
-</file>
-
-<file path=ppt/slides/slide17.xml><?xml version="1.0" encoding="utf-8"?>
-<p:sld xmlns:a="http://schemas.openxmlformats.org/drawingml/2006/main" xmlns:r="http://schemas.openxmlformats.org/officeDocument/2006/relationships" xmlns:p="http://schemas.openxmlformats.org/presentationml/2006/main">
-  <p:cSld>
-    <p:spTree>
-      <p:nvGrpSpPr>
-        <p:cNvPr id="1" name=""/>
-        <p:cNvGrpSpPr/>
-        <p:nvPr/>
-      </p:nvGrpSpPr>
-      <p:grpSpPr>
-        <a:xfrm>
-          <a:off x="0" y="0"/>
-          <a:ext cx="0" cy="0"/>
-          <a:chOff x="0" y="0"/>
-          <a:chExt cx="0" cy="0"/>
-        </a:xfrm>
-      </p:grpSpPr>
-      <p:sp>
-        <p:nvSpPr>
-          <p:cNvPr id="2" name="Title 1"/>
-          <p:cNvSpPr>
-            <a:spLocks noGrp="1"/>
-          </p:cNvSpPr>
-          <p:nvPr>
-            <p:ph type="title"/>
-          </p:nvPr>
-        </p:nvSpPr>
-        <p:spPr>
-          <a:xfrm>
-            <a:off x="152400" y="152400"/>
-            <a:ext cx="8610600" cy="838200"/>
-          </a:xfrm>
-        </p:spPr>
-        <p:txBody>
-          <a:bodyPr/>
-          <a:lstStyle/>
-          <a:p>
-            <a:r>
-              <a:rPr lang="en-US" altLang="zh-CN" dirty="0"/>
-              <a:t>Channel</a:t>
-            </a:r>
-            <a:endParaRPr lang="zh-CN" altLang="en-US" dirty="0"/>
-          </a:p>
-        </p:txBody>
-      </p:sp>
-      <p:sp>
-        <p:nvSpPr>
-          <p:cNvPr id="9" name="Rectangle 2"/>
-          <p:cNvSpPr>
-            <a:spLocks noChangeArrowheads="1"/>
-          </p:cNvSpPr>
-          <p:nvPr/>
-        </p:nvSpPr>
-        <p:spPr bwMode="auto">
-          <a:xfrm>
-            <a:off x="0" y="0"/>
-            <a:ext cx="9144000" cy="0"/>
-          </a:xfrm>
-          <a:prstGeom prst="rect">
-            <a:avLst/>
-          </a:prstGeom>
-          <a:noFill/>
-          <a:ln>
-            <a:noFill/>
-          </a:ln>
-          <a:effectLst/>
-          <a:extLst>
-            <a:ext uri="{909E8E84-426E-40DD-AFC4-6F175D3DCCD1}">
-              <a14:hiddenFill xmlns:a14="http://schemas.microsoft.com/office/drawing/2010/main">
-                <a:solidFill>
-                  <a:schemeClr val="accent1"/>
-                </a:solidFill>
-              </a14:hiddenFill>
-            </a:ext>
-            <a:ext uri="{91240B29-F687-4F45-9708-019B960494DF}">
-              <a14:hiddenLine xmlns:a14="http://schemas.microsoft.com/office/drawing/2010/main" w="9525">
-                <a:solidFill>
-                  <a:schemeClr val="tx1"/>
-                </a:solidFill>
-                <a:miter lim="800000"/>
-                <a:headEnd/>
-                <a:tailEnd/>
-              </a14:hiddenLine>
-            </a:ext>
-            <a:ext uri="{AF507438-7753-43E0-B8FC-AC1667EBCBE1}">
-              <a14:hiddenEffects xmlns:a14="http://schemas.microsoft.com/office/drawing/2010/main">
-                <a:effectLst>
-                  <a:outerShdw dist="35921" dir="2700000" algn="ctr" rotWithShape="0">
-                    <a:schemeClr val="bg2"/>
-                  </a:outerShdw>
-                </a:effectLst>
-              </a14:hiddenEffects>
-            </a:ext>
-          </a:extLst>
-        </p:spPr>
-        <p:txBody>
-          <a:bodyPr vert="horz" wrap="none" lIns="91440" tIns="45720" rIns="91440" bIns="45720" numCol="1" anchor="ctr" anchorCtr="0" compatLnSpc="1">
-            <a:prstTxWarp prst="textNoShape">
-              <a:avLst/>
-            </a:prstTxWarp>
-            <a:spAutoFit/>
-          </a:bodyPr>
-          <a:lstStyle/>
-          <a:p>
-            <a:endParaRPr lang="zh-CN" altLang="en-US"/>
-          </a:p>
-        </p:txBody>
-      </p:sp>
-      <p:sp>
-        <p:nvSpPr>
-          <p:cNvPr id="17" name="内容占位符 2">
-            <a:extLst>
-              <a:ext uri="{FF2B5EF4-FFF2-40B4-BE49-F238E27FC236}">
-                <a16:creationId xmlns:a16="http://schemas.microsoft.com/office/drawing/2014/main" id="{D7B13CA5-CF5D-287A-9ACB-EF5CA77485F1}"/>
-              </a:ext>
-            </a:extLst>
-          </p:cNvPr>
-          <p:cNvSpPr txBox="1">
-            <a:spLocks/>
-          </p:cNvSpPr>
-          <p:nvPr/>
-        </p:nvSpPr>
-        <p:spPr bwMode="auto">
-          <a:xfrm>
-            <a:off x="93652" y="1068113"/>
-            <a:ext cx="8610600" cy="932338"/>
-          </a:xfrm>
-          <a:prstGeom prst="rect">
-            <a:avLst/>
-          </a:prstGeom>
-          <a:noFill/>
-          <a:ln>
-            <a:noFill/>
-          </a:ln>
-          <a:extLst>
-            <a:ext uri="{909E8E84-426E-40DD-AFC4-6F175D3DCCD1}">
-              <a14:hiddenFill xmlns:a14="http://schemas.microsoft.com/office/drawing/2010/main">
-                <a:solidFill>
-                  <a:srgbClr val="FFFFFF"/>
-                </a:solidFill>
-              </a14:hiddenFill>
-            </a:ext>
-            <a:ext uri="{91240B29-F687-4F45-9708-019B960494DF}">
-              <a14:hiddenLine xmlns:a14="http://schemas.microsoft.com/office/drawing/2010/main" w="28575">
-                <a:solidFill>
-                  <a:srgbClr val="000000"/>
-                </a:solidFill>
-                <a:miter lim="800000"/>
-                <a:headEnd/>
-                <a:tailEnd/>
-              </a14:hiddenLine>
-            </a:ext>
-          </a:extLst>
-        </p:spPr>
-        <p:txBody>
-          <a:bodyPr vert="horz" wrap="square" lIns="91440" tIns="45720" rIns="91440" bIns="45720" numCol="1" anchor="t" anchorCtr="0" compatLnSpc="1">
-            <a:prstTxWarp prst="textNoShape">
-              <a:avLst/>
-            </a:prstTxWarp>
-          </a:bodyPr>
-          <a:lstStyle>
-            <a:lvl1pPr marL="342900" indent="-342900" algn="l" rtl="0" eaLnBrk="1" fontAlgn="base" hangingPunct="1">
-              <a:spcBef>
-                <a:spcPct val="30000"/>
-              </a:spcBef>
-              <a:spcAft>
-                <a:spcPct val="0"/>
-              </a:spcAft>
-              <a:buClr>
-                <a:schemeClr val="hlink"/>
-              </a:buClr>
-              <a:buFont typeface="Wingdings" pitchFamily="2" charset="2"/>
-              <a:buChar char="§"/>
-              <a:defRPr sz="3200">
-                <a:solidFill>
-                  <a:srgbClr val="000066"/>
-                </a:solidFill>
-                <a:latin typeface="微软雅黑" pitchFamily="34" charset="-122"/>
-                <a:ea typeface="微软雅黑" pitchFamily="34" charset="-122"/>
-                <a:cs typeface="+mn-cs"/>
-              </a:defRPr>
-            </a:lvl1pPr>
-            <a:lvl2pPr marL="742950" indent="-285750" algn="l" rtl="0" eaLnBrk="1" fontAlgn="base" hangingPunct="1">
-              <a:spcBef>
-                <a:spcPct val="30000"/>
-              </a:spcBef>
-              <a:spcAft>
-                <a:spcPct val="0"/>
-              </a:spcAft>
-              <a:buClr>
-                <a:schemeClr val="tx2"/>
-              </a:buClr>
-              <a:buSzPct val="85000"/>
-              <a:buFont typeface="Wingdings" pitchFamily="2" charset="2"/>
-              <a:buChar char="Ø"/>
-              <a:defRPr sz="2800">
-                <a:solidFill>
-                  <a:srgbClr val="006666"/>
-                </a:solidFill>
-                <a:latin typeface="微软雅黑" pitchFamily="34" charset="-122"/>
-                <a:ea typeface="微软雅黑" pitchFamily="34" charset="-122"/>
-              </a:defRPr>
-            </a:lvl2pPr>
-            <a:lvl3pPr marL="1143000" indent="-228600" algn="l" rtl="0" eaLnBrk="1" fontAlgn="base" hangingPunct="1">
-              <a:spcBef>
-                <a:spcPct val="30000"/>
-              </a:spcBef>
-              <a:spcAft>
-                <a:spcPct val="0"/>
-              </a:spcAft>
-              <a:buClr>
-                <a:schemeClr val="hlink"/>
-              </a:buClr>
-              <a:buSzPct val="95000"/>
-              <a:buFont typeface="Wingdings 2" pitchFamily="18" charset="2"/>
-              <a:buChar char="¡"/>
-              <a:defRPr sz="2400">
-                <a:solidFill>
-                  <a:schemeClr val="hlink"/>
-                </a:solidFill>
-                <a:latin typeface="微软雅黑" pitchFamily="34" charset="-122"/>
-                <a:ea typeface="微软雅黑" pitchFamily="34" charset="-122"/>
-              </a:defRPr>
-            </a:lvl3pPr>
-            <a:lvl4pPr marL="1600200" indent="-228600" algn="l" rtl="0" eaLnBrk="1" fontAlgn="base" hangingPunct="1">
-              <a:spcBef>
-                <a:spcPct val="30000"/>
-              </a:spcBef>
-              <a:spcAft>
-                <a:spcPct val="0"/>
-              </a:spcAft>
-              <a:buClr>
-                <a:schemeClr val="tx2"/>
-              </a:buClr>
-              <a:buSzPct val="90000"/>
-              <a:buFont typeface="Wingdings" pitchFamily="2" charset="2"/>
-              <a:buChar char="Ø"/>
-              <a:defRPr sz="2000">
-                <a:solidFill>
-                  <a:srgbClr val="990099"/>
-                </a:solidFill>
-                <a:latin typeface="微软雅黑" pitchFamily="34" charset="-122"/>
-                <a:ea typeface="微软雅黑" pitchFamily="34" charset="-122"/>
-              </a:defRPr>
-            </a:lvl4pPr>
-            <a:lvl5pPr marL="2057400" indent="-228600" algn="l" rtl="0" eaLnBrk="1" fontAlgn="base" hangingPunct="1">
-              <a:spcBef>
-                <a:spcPct val="30000"/>
-              </a:spcBef>
-              <a:spcAft>
-                <a:spcPct val="0"/>
-              </a:spcAft>
-              <a:buClr>
-                <a:schemeClr val="hlink"/>
-              </a:buClr>
-              <a:buFont typeface="Wingdings 2" pitchFamily="18" charset="2"/>
-              <a:buChar char="¡"/>
-              <a:defRPr sz="2000">
-                <a:solidFill>
-                  <a:schemeClr val="tx1"/>
-                </a:solidFill>
-                <a:latin typeface="微软雅黑" pitchFamily="34" charset="-122"/>
-                <a:ea typeface="微软雅黑" pitchFamily="34" charset="-122"/>
-              </a:defRPr>
-            </a:lvl5pPr>
-            <a:lvl6pPr marL="2514600" indent="-228600" algn="l" rtl="0" eaLnBrk="1" fontAlgn="base" hangingPunct="1">
-              <a:spcBef>
-                <a:spcPct val="30000"/>
-              </a:spcBef>
-              <a:spcAft>
-                <a:spcPct val="0"/>
-              </a:spcAft>
-              <a:buClr>
-                <a:schemeClr val="hlink"/>
-              </a:buClr>
-              <a:buFont typeface="Wingdings 2" pitchFamily="18" charset="2"/>
-              <a:buChar char="¡"/>
-              <a:defRPr sz="2000">
-                <a:solidFill>
-                  <a:schemeClr val="tx1"/>
-                </a:solidFill>
-                <a:latin typeface="+mn-lt"/>
-                <a:ea typeface="+mn-ea"/>
-              </a:defRPr>
-            </a:lvl6pPr>
-            <a:lvl7pPr marL="2971800" indent="-228600" algn="l" rtl="0" eaLnBrk="1" fontAlgn="base" hangingPunct="1">
-              <a:spcBef>
-                <a:spcPct val="30000"/>
-              </a:spcBef>
-              <a:spcAft>
-                <a:spcPct val="0"/>
-              </a:spcAft>
-              <a:buClr>
-                <a:schemeClr val="hlink"/>
-              </a:buClr>
-              <a:buFont typeface="Wingdings 2" pitchFamily="18" charset="2"/>
-              <a:buChar char="¡"/>
-              <a:defRPr sz="2000">
-                <a:solidFill>
-                  <a:schemeClr val="tx1"/>
-                </a:solidFill>
-                <a:latin typeface="+mn-lt"/>
-                <a:ea typeface="+mn-ea"/>
-              </a:defRPr>
-            </a:lvl7pPr>
-            <a:lvl8pPr marL="3429000" indent="-228600" algn="l" rtl="0" eaLnBrk="1" fontAlgn="base" hangingPunct="1">
-              <a:spcBef>
-                <a:spcPct val="30000"/>
-              </a:spcBef>
-              <a:spcAft>
-                <a:spcPct val="0"/>
-              </a:spcAft>
-              <a:buClr>
-                <a:schemeClr val="hlink"/>
-              </a:buClr>
-              <a:buFont typeface="Wingdings 2" pitchFamily="18" charset="2"/>
-              <a:buChar char="¡"/>
-              <a:defRPr sz="2000">
-                <a:solidFill>
-                  <a:schemeClr val="tx1"/>
-                </a:solidFill>
-                <a:latin typeface="+mn-lt"/>
-                <a:ea typeface="+mn-ea"/>
-              </a:defRPr>
-            </a:lvl8pPr>
-            <a:lvl9pPr marL="3886200" indent="-228600" algn="l" rtl="0" eaLnBrk="1" fontAlgn="base" hangingPunct="1">
-              <a:spcBef>
-                <a:spcPct val="30000"/>
-              </a:spcBef>
-              <a:spcAft>
-                <a:spcPct val="0"/>
-              </a:spcAft>
-              <a:buClr>
-                <a:schemeClr val="hlink"/>
-              </a:buClr>
-              <a:buFont typeface="Wingdings 2" pitchFamily="18" charset="2"/>
-              <a:buChar char="¡"/>
-              <a:defRPr sz="2000">
-                <a:solidFill>
-                  <a:schemeClr val="tx1"/>
-                </a:solidFill>
-                <a:latin typeface="+mn-lt"/>
-                <a:ea typeface="+mn-ea"/>
-              </a:defRPr>
-            </a:lvl9pPr>
-          </a:lstStyle>
-          <a:p>
-            <a:r>
-              <a:rPr lang="en-US" altLang="zh-CN" sz="2400" kern="0" dirty="0">
-                <a:latin typeface="+mn-lt"/>
-                <a:cs typeface="Times New Roman" panose="02020603050405020304" pitchFamily="18" charset="0"/>
-              </a:rPr>
-              <a:t>RETAU5200</a:t>
-            </a:r>
-            <a:endParaRPr lang="en-US" altLang="zh-CN" sz="2000" kern="0" dirty="0">
-              <a:latin typeface="+mn-lt"/>
-              <a:cs typeface="Times New Roman" panose="02020603050405020304" pitchFamily="18" charset="0"/>
-            </a:endParaRPr>
-          </a:p>
-          <a:p>
-            <a:pPr lvl="1"/>
-            <a:r>
-              <a:rPr lang="en-US" altLang="zh-CN" sz="2000" dirty="0">
-                <a:latin typeface="+mn-lt"/>
-                <a:cs typeface="Times New Roman" panose="02020603050405020304" pitchFamily="18" charset="0"/>
-              </a:rPr>
-              <a:t>Simplified viscous terms produce a bit better results on coarse grids</a:t>
-            </a:r>
-          </a:p>
-        </p:txBody>
-      </p:sp>
-      <p:pic>
-        <p:nvPicPr>
-          <p:cNvPr id="5" name="Picture 4">
-            <a:extLst>
-              <a:ext uri="{FF2B5EF4-FFF2-40B4-BE49-F238E27FC236}">
-                <a16:creationId xmlns:a16="http://schemas.microsoft.com/office/drawing/2014/main" id="{3D3C4045-905F-C882-77CA-97210A04DF40}"/>
-              </a:ext>
-            </a:extLst>
-          </p:cNvPr>
-          <p:cNvPicPr>
-            <a:picLocks noChangeAspect="1"/>
-          </p:cNvPicPr>
-          <p:nvPr/>
-        </p:nvPicPr>
-        <p:blipFill>
-          <a:blip r:embed="rId3"/>
-          <a:stretch>
-            <a:fillRect/>
-          </a:stretch>
-        </p:blipFill>
-        <p:spPr>
-          <a:xfrm>
-            <a:off x="1219200" y="2000451"/>
-            <a:ext cx="3200400" cy="2399016"/>
-          </a:xfrm>
-          <a:prstGeom prst="rect">
-            <a:avLst/>
-          </a:prstGeom>
-        </p:spPr>
-      </p:pic>
-      <p:pic>
-        <p:nvPicPr>
-          <p:cNvPr id="10" name="Picture 9">
-            <a:extLst>
-              <a:ext uri="{FF2B5EF4-FFF2-40B4-BE49-F238E27FC236}">
-                <a16:creationId xmlns:a16="http://schemas.microsoft.com/office/drawing/2014/main" id="{480931EF-87BF-5DF5-62E0-B1EEA93F372F}"/>
-              </a:ext>
-            </a:extLst>
-          </p:cNvPr>
-          <p:cNvPicPr>
-            <a:picLocks noChangeAspect="1"/>
-          </p:cNvPicPr>
-          <p:nvPr/>
-        </p:nvPicPr>
-        <p:blipFill>
-          <a:blip r:embed="rId4"/>
-          <a:stretch>
-            <a:fillRect/>
-          </a:stretch>
-        </p:blipFill>
-        <p:spPr>
-          <a:xfrm>
-            <a:off x="4419600" y="1999165"/>
-            <a:ext cx="3200400" cy="2401588"/>
-          </a:xfrm>
-          <a:prstGeom prst="rect">
-            <a:avLst/>
-          </a:prstGeom>
-        </p:spPr>
-      </p:pic>
-      <p:pic>
-        <p:nvPicPr>
-          <p:cNvPr id="12" name="Picture 11">
-            <a:extLst>
-              <a:ext uri="{FF2B5EF4-FFF2-40B4-BE49-F238E27FC236}">
-                <a16:creationId xmlns:a16="http://schemas.microsoft.com/office/drawing/2014/main" id="{AD837928-1615-2559-3EFE-7C72F210CB77}"/>
-              </a:ext>
-            </a:extLst>
-          </p:cNvPr>
-          <p:cNvPicPr>
-            <a:picLocks noChangeAspect="1"/>
-          </p:cNvPicPr>
-          <p:nvPr/>
-        </p:nvPicPr>
-        <p:blipFill>
-          <a:blip r:embed="rId5"/>
-          <a:stretch>
-            <a:fillRect/>
-          </a:stretch>
-        </p:blipFill>
-        <p:spPr>
-          <a:xfrm>
-            <a:off x="1219200" y="4399467"/>
-            <a:ext cx="3200400" cy="2405462"/>
-          </a:xfrm>
-          <a:prstGeom prst="rect">
-            <a:avLst/>
-          </a:prstGeom>
-        </p:spPr>
-      </p:pic>
-      <p:pic>
-        <p:nvPicPr>
-          <p:cNvPr id="15" name="Picture 14">
-            <a:extLst>
-              <a:ext uri="{FF2B5EF4-FFF2-40B4-BE49-F238E27FC236}">
-                <a16:creationId xmlns:a16="http://schemas.microsoft.com/office/drawing/2014/main" id="{FE2C9A5C-4D72-D676-3379-B3F73ADD8B5D}"/>
-              </a:ext>
-            </a:extLst>
-          </p:cNvPr>
-          <p:cNvPicPr>
-            <a:picLocks noChangeAspect="1"/>
-          </p:cNvPicPr>
-          <p:nvPr/>
-        </p:nvPicPr>
-        <p:blipFill>
-          <a:blip r:embed="rId6"/>
-          <a:stretch>
-            <a:fillRect/>
-          </a:stretch>
-        </p:blipFill>
-        <p:spPr>
-          <a:xfrm>
-            <a:off x="4419600" y="4400776"/>
-            <a:ext cx="3200400" cy="2404153"/>
-          </a:xfrm>
-          <a:prstGeom prst="rect">
-            <a:avLst/>
-          </a:prstGeom>
-        </p:spPr>
-      </p:pic>
-    </p:spTree>
-    <p:extLst>
-      <p:ext uri="{BB962C8B-B14F-4D97-AF65-F5344CB8AC3E}">
-        <p14:creationId xmlns:p14="http://schemas.microsoft.com/office/powerpoint/2010/main" val="1825430981"/>
-      </p:ext>
-    </p:extLst>
-  </p:cSld>
-  <p:clrMapOvr>
-    <a:masterClrMapping/>
-  </p:clrMapOvr>
-  <p:transition spd="med" advTm="63997"/>
-</p:sld>
-</file>
-
-<file path=ppt/slides/slide18.xml><?xml version="1.0" encoding="utf-8"?>
-<p:sld xmlns:a="http://schemas.openxmlformats.org/drawingml/2006/main" xmlns:r="http://schemas.openxmlformats.org/officeDocument/2006/relationships" xmlns:p="http://schemas.openxmlformats.org/presentationml/2006/main">
-  <p:cSld>
-    <p:spTree>
-      <p:nvGrpSpPr>
-        <p:cNvPr id="1" name=""/>
-        <p:cNvGrpSpPr/>
-        <p:nvPr/>
-      </p:nvGrpSpPr>
-      <p:grpSpPr>
-        <a:xfrm>
-          <a:off x="0" y="0"/>
-          <a:ext cx="0" cy="0"/>
-          <a:chOff x="0" y="0"/>
-          <a:chExt cx="0" cy="0"/>
-        </a:xfrm>
-      </p:grpSpPr>
-      <p:sp>
-        <p:nvSpPr>
-          <p:cNvPr id="2" name="Title 1"/>
-          <p:cNvSpPr>
-            <a:spLocks noGrp="1"/>
-          </p:cNvSpPr>
-          <p:nvPr>
-            <p:ph type="title"/>
-          </p:nvPr>
-        </p:nvSpPr>
-        <p:spPr>
-          <a:xfrm>
-            <a:off x="152400" y="152400"/>
-            <a:ext cx="8610600" cy="838200"/>
-          </a:xfrm>
-        </p:spPr>
-        <p:txBody>
-          <a:bodyPr/>
-          <a:lstStyle/>
-          <a:p>
-            <a:r>
-              <a:rPr lang="en-US" altLang="zh-CN" dirty="0"/>
-              <a:t>Channel</a:t>
-            </a:r>
-            <a:endParaRPr lang="zh-CN" altLang="en-US" dirty="0"/>
-          </a:p>
-        </p:txBody>
-      </p:sp>
-      <p:sp>
-        <p:nvSpPr>
-          <p:cNvPr id="9" name="Rectangle 2"/>
-          <p:cNvSpPr>
-            <a:spLocks noChangeArrowheads="1"/>
-          </p:cNvSpPr>
-          <p:nvPr/>
-        </p:nvSpPr>
-        <p:spPr bwMode="auto">
-          <a:xfrm>
-            <a:off x="0" y="0"/>
-            <a:ext cx="9144000" cy="0"/>
-          </a:xfrm>
-          <a:prstGeom prst="rect">
-            <a:avLst/>
-          </a:prstGeom>
-          <a:noFill/>
-          <a:ln>
-            <a:noFill/>
-          </a:ln>
-          <a:effectLst/>
-          <a:extLst>
-            <a:ext uri="{909E8E84-426E-40DD-AFC4-6F175D3DCCD1}">
-              <a14:hiddenFill xmlns:a14="http://schemas.microsoft.com/office/drawing/2010/main">
-                <a:solidFill>
-                  <a:schemeClr val="accent1"/>
-                </a:solidFill>
-              </a14:hiddenFill>
-            </a:ext>
-            <a:ext uri="{91240B29-F687-4F45-9708-019B960494DF}">
-              <a14:hiddenLine xmlns:a14="http://schemas.microsoft.com/office/drawing/2010/main" w="9525">
-                <a:solidFill>
-                  <a:schemeClr val="tx1"/>
-                </a:solidFill>
-                <a:miter lim="800000"/>
-                <a:headEnd/>
-                <a:tailEnd/>
-              </a14:hiddenLine>
-            </a:ext>
-            <a:ext uri="{AF507438-7753-43E0-B8FC-AC1667EBCBE1}">
-              <a14:hiddenEffects xmlns:a14="http://schemas.microsoft.com/office/drawing/2010/main">
-                <a:effectLst>
-                  <a:outerShdw dist="35921" dir="2700000" algn="ctr" rotWithShape="0">
-                    <a:schemeClr val="bg2"/>
-                  </a:outerShdw>
-                </a:effectLst>
-              </a14:hiddenEffects>
-            </a:ext>
-          </a:extLst>
-        </p:spPr>
-        <p:txBody>
-          <a:bodyPr vert="horz" wrap="none" lIns="91440" tIns="45720" rIns="91440" bIns="45720" numCol="1" anchor="ctr" anchorCtr="0" compatLnSpc="1">
-            <a:prstTxWarp prst="textNoShape">
-              <a:avLst/>
-            </a:prstTxWarp>
-            <a:spAutoFit/>
-          </a:bodyPr>
-          <a:lstStyle/>
-          <a:p>
-            <a:endParaRPr lang="zh-CN" altLang="en-US"/>
-          </a:p>
-        </p:txBody>
-      </p:sp>
-      <p:sp>
-        <p:nvSpPr>
-          <p:cNvPr id="17" name="内容占位符 2">
-            <a:extLst>
-              <a:ext uri="{FF2B5EF4-FFF2-40B4-BE49-F238E27FC236}">
-                <a16:creationId xmlns:a16="http://schemas.microsoft.com/office/drawing/2014/main" id="{D7B13CA5-CF5D-287A-9ACB-EF5CA77485F1}"/>
-              </a:ext>
-            </a:extLst>
-          </p:cNvPr>
-          <p:cNvSpPr txBox="1">
-            <a:spLocks/>
-          </p:cNvSpPr>
-          <p:nvPr/>
-        </p:nvSpPr>
-        <p:spPr bwMode="auto">
-          <a:xfrm>
-            <a:off x="93652" y="1068113"/>
-            <a:ext cx="7754948" cy="932338"/>
-          </a:xfrm>
-          <a:prstGeom prst="rect">
-            <a:avLst/>
-          </a:prstGeom>
-          <a:noFill/>
-          <a:ln>
-            <a:noFill/>
-          </a:ln>
-          <a:extLst>
-            <a:ext uri="{909E8E84-426E-40DD-AFC4-6F175D3DCCD1}">
-              <a14:hiddenFill xmlns:a14="http://schemas.microsoft.com/office/drawing/2010/main">
-                <a:solidFill>
-                  <a:srgbClr val="FFFFFF"/>
-                </a:solidFill>
-              </a14:hiddenFill>
-            </a:ext>
-            <a:ext uri="{91240B29-F687-4F45-9708-019B960494DF}">
-              <a14:hiddenLine xmlns:a14="http://schemas.microsoft.com/office/drawing/2010/main" w="28575">
-                <a:solidFill>
-                  <a:srgbClr val="000000"/>
-                </a:solidFill>
-                <a:miter lim="800000"/>
-                <a:headEnd/>
-                <a:tailEnd/>
-              </a14:hiddenLine>
-            </a:ext>
-          </a:extLst>
-        </p:spPr>
-        <p:txBody>
-          <a:bodyPr vert="horz" wrap="square" lIns="91440" tIns="45720" rIns="91440" bIns="45720" numCol="1" anchor="t" anchorCtr="0" compatLnSpc="1">
-            <a:prstTxWarp prst="textNoShape">
-              <a:avLst/>
-            </a:prstTxWarp>
-          </a:bodyPr>
-          <a:lstStyle>
-            <a:lvl1pPr marL="342900" indent="-342900" algn="l" rtl="0" eaLnBrk="1" fontAlgn="base" hangingPunct="1">
-              <a:spcBef>
-                <a:spcPct val="30000"/>
-              </a:spcBef>
-              <a:spcAft>
-                <a:spcPct val="0"/>
-              </a:spcAft>
-              <a:buClr>
-                <a:schemeClr val="hlink"/>
-              </a:buClr>
-              <a:buFont typeface="Wingdings" pitchFamily="2" charset="2"/>
-              <a:buChar char="§"/>
-              <a:defRPr sz="3200">
-                <a:solidFill>
-                  <a:srgbClr val="000066"/>
-                </a:solidFill>
-                <a:latin typeface="微软雅黑" pitchFamily="34" charset="-122"/>
-                <a:ea typeface="微软雅黑" pitchFamily="34" charset="-122"/>
-                <a:cs typeface="+mn-cs"/>
-              </a:defRPr>
-            </a:lvl1pPr>
-            <a:lvl2pPr marL="742950" indent="-285750" algn="l" rtl="0" eaLnBrk="1" fontAlgn="base" hangingPunct="1">
-              <a:spcBef>
-                <a:spcPct val="30000"/>
-              </a:spcBef>
-              <a:spcAft>
-                <a:spcPct val="0"/>
-              </a:spcAft>
-              <a:buClr>
-                <a:schemeClr val="tx2"/>
-              </a:buClr>
-              <a:buSzPct val="85000"/>
-              <a:buFont typeface="Wingdings" pitchFamily="2" charset="2"/>
-              <a:buChar char="Ø"/>
-              <a:defRPr sz="2800">
-                <a:solidFill>
-                  <a:srgbClr val="006666"/>
-                </a:solidFill>
-                <a:latin typeface="微软雅黑" pitchFamily="34" charset="-122"/>
-                <a:ea typeface="微软雅黑" pitchFamily="34" charset="-122"/>
-              </a:defRPr>
-            </a:lvl2pPr>
-            <a:lvl3pPr marL="1143000" indent="-228600" algn="l" rtl="0" eaLnBrk="1" fontAlgn="base" hangingPunct="1">
-              <a:spcBef>
-                <a:spcPct val="30000"/>
-              </a:spcBef>
-              <a:spcAft>
-                <a:spcPct val="0"/>
-              </a:spcAft>
-              <a:buClr>
-                <a:schemeClr val="hlink"/>
-              </a:buClr>
-              <a:buSzPct val="95000"/>
-              <a:buFont typeface="Wingdings 2" pitchFamily="18" charset="2"/>
-              <a:buChar char="¡"/>
-              <a:defRPr sz="2400">
-                <a:solidFill>
-                  <a:schemeClr val="hlink"/>
-                </a:solidFill>
-                <a:latin typeface="微软雅黑" pitchFamily="34" charset="-122"/>
-                <a:ea typeface="微软雅黑" pitchFamily="34" charset="-122"/>
-              </a:defRPr>
-            </a:lvl3pPr>
-            <a:lvl4pPr marL="1600200" indent="-228600" algn="l" rtl="0" eaLnBrk="1" fontAlgn="base" hangingPunct="1">
-              <a:spcBef>
-                <a:spcPct val="30000"/>
-              </a:spcBef>
-              <a:spcAft>
-                <a:spcPct val="0"/>
-              </a:spcAft>
-              <a:buClr>
-                <a:schemeClr val="tx2"/>
-              </a:buClr>
-              <a:buSzPct val="90000"/>
-              <a:buFont typeface="Wingdings" pitchFamily="2" charset="2"/>
-              <a:buChar char="Ø"/>
-              <a:defRPr sz="2000">
-                <a:solidFill>
-                  <a:srgbClr val="990099"/>
-                </a:solidFill>
-                <a:latin typeface="微软雅黑" pitchFamily="34" charset="-122"/>
-                <a:ea typeface="微软雅黑" pitchFamily="34" charset="-122"/>
-              </a:defRPr>
-            </a:lvl4pPr>
-            <a:lvl5pPr marL="2057400" indent="-228600" algn="l" rtl="0" eaLnBrk="1" fontAlgn="base" hangingPunct="1">
-              <a:spcBef>
-                <a:spcPct val="30000"/>
-              </a:spcBef>
-              <a:spcAft>
-                <a:spcPct val="0"/>
-              </a:spcAft>
-              <a:buClr>
-                <a:schemeClr val="hlink"/>
-              </a:buClr>
-              <a:buFont typeface="Wingdings 2" pitchFamily="18" charset="2"/>
-              <a:buChar char="¡"/>
-              <a:defRPr sz="2000">
-                <a:solidFill>
-                  <a:schemeClr val="tx1"/>
-                </a:solidFill>
-                <a:latin typeface="微软雅黑" pitchFamily="34" charset="-122"/>
-                <a:ea typeface="微软雅黑" pitchFamily="34" charset="-122"/>
-              </a:defRPr>
-            </a:lvl5pPr>
-            <a:lvl6pPr marL="2514600" indent="-228600" algn="l" rtl="0" eaLnBrk="1" fontAlgn="base" hangingPunct="1">
-              <a:spcBef>
-                <a:spcPct val="30000"/>
-              </a:spcBef>
-              <a:spcAft>
-                <a:spcPct val="0"/>
-              </a:spcAft>
-              <a:buClr>
-                <a:schemeClr val="hlink"/>
-              </a:buClr>
-              <a:buFont typeface="Wingdings 2" pitchFamily="18" charset="2"/>
-              <a:buChar char="¡"/>
-              <a:defRPr sz="2000">
-                <a:solidFill>
-                  <a:schemeClr val="tx1"/>
-                </a:solidFill>
-                <a:latin typeface="+mn-lt"/>
-                <a:ea typeface="+mn-ea"/>
-              </a:defRPr>
-            </a:lvl6pPr>
-            <a:lvl7pPr marL="2971800" indent="-228600" algn="l" rtl="0" eaLnBrk="1" fontAlgn="base" hangingPunct="1">
-              <a:spcBef>
-                <a:spcPct val="30000"/>
-              </a:spcBef>
-              <a:spcAft>
-                <a:spcPct val="0"/>
-              </a:spcAft>
-              <a:buClr>
-                <a:schemeClr val="hlink"/>
-              </a:buClr>
-              <a:buFont typeface="Wingdings 2" pitchFamily="18" charset="2"/>
-              <a:buChar char="¡"/>
-              <a:defRPr sz="2000">
-                <a:solidFill>
-                  <a:schemeClr val="tx1"/>
-                </a:solidFill>
-                <a:latin typeface="+mn-lt"/>
-                <a:ea typeface="+mn-ea"/>
-              </a:defRPr>
-            </a:lvl7pPr>
-            <a:lvl8pPr marL="3429000" indent="-228600" algn="l" rtl="0" eaLnBrk="1" fontAlgn="base" hangingPunct="1">
-              <a:spcBef>
-                <a:spcPct val="30000"/>
-              </a:spcBef>
-              <a:spcAft>
-                <a:spcPct val="0"/>
-              </a:spcAft>
-              <a:buClr>
-                <a:schemeClr val="hlink"/>
-              </a:buClr>
-              <a:buFont typeface="Wingdings 2" pitchFamily="18" charset="2"/>
-              <a:buChar char="¡"/>
-              <a:defRPr sz="2000">
-                <a:solidFill>
-                  <a:schemeClr val="tx1"/>
-                </a:solidFill>
-                <a:latin typeface="+mn-lt"/>
-                <a:ea typeface="+mn-ea"/>
-              </a:defRPr>
-            </a:lvl8pPr>
-            <a:lvl9pPr marL="3886200" indent="-228600" algn="l" rtl="0" eaLnBrk="1" fontAlgn="base" hangingPunct="1">
-              <a:spcBef>
-                <a:spcPct val="30000"/>
-              </a:spcBef>
-              <a:spcAft>
-                <a:spcPct val="0"/>
-              </a:spcAft>
-              <a:buClr>
-                <a:schemeClr val="hlink"/>
-              </a:buClr>
-              <a:buFont typeface="Wingdings 2" pitchFamily="18" charset="2"/>
-              <a:buChar char="¡"/>
-              <a:defRPr sz="2000">
-                <a:solidFill>
-                  <a:schemeClr val="tx1"/>
-                </a:solidFill>
-                <a:latin typeface="+mn-lt"/>
-                <a:ea typeface="+mn-ea"/>
-              </a:defRPr>
-            </a:lvl9pPr>
-          </a:lstStyle>
-          <a:p>
-            <a:r>
-              <a:rPr lang="en-US" altLang="zh-CN" sz="2400" kern="0" dirty="0">
-                <a:latin typeface="+mn-lt"/>
-                <a:cs typeface="Times New Roman" panose="02020603050405020304" pitchFamily="18" charset="0"/>
-              </a:rPr>
-              <a:t>RETAU5200</a:t>
-            </a:r>
-            <a:endParaRPr lang="en-US" altLang="zh-CN" sz="2000" kern="0" dirty="0">
-              <a:latin typeface="+mn-lt"/>
-              <a:cs typeface="Times New Roman" panose="02020603050405020304" pitchFamily="18" charset="0"/>
-            </a:endParaRPr>
-          </a:p>
-          <a:p>
-            <a:pPr lvl="1"/>
-            <a:r>
-              <a:rPr lang="en-US" altLang="zh-CN" sz="2000" dirty="0">
-                <a:latin typeface="+mn-lt"/>
-                <a:cs typeface="Times New Roman" panose="02020603050405020304" pitchFamily="18" charset="0"/>
-              </a:rPr>
-              <a:t>CFL has influence on the statistics</a:t>
-            </a:r>
-          </a:p>
-        </p:txBody>
-      </p:sp>
-      <p:pic>
-        <p:nvPicPr>
-          <p:cNvPr id="4" name="Picture 3">
-            <a:extLst>
-              <a:ext uri="{FF2B5EF4-FFF2-40B4-BE49-F238E27FC236}">
-                <a16:creationId xmlns:a16="http://schemas.microsoft.com/office/drawing/2014/main" id="{1C3B916A-6DE7-1652-FF19-C3A7BF292D4C}"/>
-              </a:ext>
-            </a:extLst>
-          </p:cNvPr>
-          <p:cNvPicPr>
-            <a:picLocks noChangeAspect="1"/>
-          </p:cNvPicPr>
-          <p:nvPr/>
-        </p:nvPicPr>
-        <p:blipFill>
-          <a:blip r:embed="rId3"/>
-          <a:stretch>
-            <a:fillRect/>
-          </a:stretch>
-        </p:blipFill>
-        <p:spPr>
-          <a:xfrm>
-            <a:off x="1221606" y="1994741"/>
-            <a:ext cx="3200400" cy="2424859"/>
-          </a:xfrm>
-          <a:prstGeom prst="rect">
-            <a:avLst/>
-          </a:prstGeom>
-        </p:spPr>
-      </p:pic>
-      <p:pic>
-        <p:nvPicPr>
-          <p:cNvPr id="7" name="Picture 6">
-            <a:extLst>
-              <a:ext uri="{FF2B5EF4-FFF2-40B4-BE49-F238E27FC236}">
-                <a16:creationId xmlns:a16="http://schemas.microsoft.com/office/drawing/2014/main" id="{CC667EED-56A1-0AA4-AEE5-0F00328C189D}"/>
-              </a:ext>
-            </a:extLst>
-          </p:cNvPr>
-          <p:cNvPicPr>
-            <a:picLocks noChangeAspect="1"/>
-          </p:cNvPicPr>
-          <p:nvPr/>
-        </p:nvPicPr>
-        <p:blipFill>
-          <a:blip r:embed="rId4"/>
-          <a:stretch>
-            <a:fillRect/>
-          </a:stretch>
-        </p:blipFill>
-        <p:spPr>
-          <a:xfrm>
-            <a:off x="4419600" y="1992752"/>
-            <a:ext cx="3200400" cy="2409290"/>
-          </a:xfrm>
-          <a:prstGeom prst="rect">
-            <a:avLst/>
-          </a:prstGeom>
-        </p:spPr>
-      </p:pic>
-      <p:pic>
-        <p:nvPicPr>
-          <p:cNvPr id="14" name="Picture 13">
-            <a:extLst>
-              <a:ext uri="{FF2B5EF4-FFF2-40B4-BE49-F238E27FC236}">
-                <a16:creationId xmlns:a16="http://schemas.microsoft.com/office/drawing/2014/main" id="{CD121F3D-BE76-64CA-8390-8B0D96110E99}"/>
-              </a:ext>
-            </a:extLst>
-          </p:cNvPr>
-          <p:cNvPicPr>
-            <a:picLocks noChangeAspect="1"/>
-          </p:cNvPicPr>
-          <p:nvPr/>
-        </p:nvPicPr>
-        <p:blipFill>
-          <a:blip r:embed="rId5"/>
-          <a:stretch>
-            <a:fillRect/>
-          </a:stretch>
-        </p:blipFill>
-        <p:spPr>
-          <a:xfrm>
-            <a:off x="4419600" y="4400820"/>
-            <a:ext cx="3200400" cy="2408068"/>
-          </a:xfrm>
-          <a:prstGeom prst="rect">
-            <a:avLst/>
-          </a:prstGeom>
-        </p:spPr>
-      </p:pic>
-      <p:pic>
-        <p:nvPicPr>
-          <p:cNvPr id="18" name="Picture 17">
-            <a:extLst>
-              <a:ext uri="{FF2B5EF4-FFF2-40B4-BE49-F238E27FC236}">
-                <a16:creationId xmlns:a16="http://schemas.microsoft.com/office/drawing/2014/main" id="{4C1D288E-6D0F-6C6F-50C7-913B194E279C}"/>
-              </a:ext>
-            </a:extLst>
-          </p:cNvPr>
-          <p:cNvPicPr>
-            <a:picLocks noChangeAspect="1"/>
-          </p:cNvPicPr>
-          <p:nvPr/>
-        </p:nvPicPr>
-        <p:blipFill>
-          <a:blip r:embed="rId6"/>
-          <a:stretch>
-            <a:fillRect/>
-          </a:stretch>
-        </p:blipFill>
-        <p:spPr>
-          <a:xfrm>
-            <a:off x="1219200" y="4402042"/>
-            <a:ext cx="3200400" cy="2393879"/>
-          </a:xfrm>
-          <a:prstGeom prst="rect">
-            <a:avLst/>
-          </a:prstGeom>
-        </p:spPr>
-      </p:pic>
-    </p:spTree>
-    <p:extLst>
-      <p:ext uri="{BB962C8B-B14F-4D97-AF65-F5344CB8AC3E}">
-        <p14:creationId xmlns:p14="http://schemas.microsoft.com/office/powerpoint/2010/main" val="2078290593"/>
-      </p:ext>
-    </p:extLst>
-  </p:cSld>
-  <p:clrMapOvr>
-    <a:masterClrMapping/>
-  </p:clrMapOvr>
-  <p:transition spd="med" advTm="63997"/>
-</p:sld>
-</file>
-
-<file path=ppt/slides/slide19.xml><?xml version="1.0" encoding="utf-8"?>
-<p:sld xmlns:a="http://schemas.openxmlformats.org/drawingml/2006/main" xmlns:r="http://schemas.openxmlformats.org/officeDocument/2006/relationships" xmlns:p="http://schemas.openxmlformats.org/presentationml/2006/main">
-  <p:cSld>
-    <p:spTree>
-      <p:nvGrpSpPr>
-        <p:cNvPr id="1" name=""/>
-        <p:cNvGrpSpPr/>
-        <p:nvPr/>
-      </p:nvGrpSpPr>
-      <p:grpSpPr>
-        <a:xfrm>
-          <a:off x="0" y="0"/>
-          <a:ext cx="0" cy="0"/>
-          <a:chOff x="0" y="0"/>
-          <a:chExt cx="0" cy="0"/>
-        </a:xfrm>
-      </p:grpSpPr>
-      <p:sp>
-        <p:nvSpPr>
-          <p:cNvPr id="2" name="Title 1"/>
-          <p:cNvSpPr>
-            <a:spLocks noGrp="1"/>
-          </p:cNvSpPr>
-          <p:nvPr>
-            <p:ph type="title"/>
-          </p:nvPr>
-        </p:nvSpPr>
-        <p:spPr>
-          <a:xfrm>
-            <a:off x="152400" y="152400"/>
-            <a:ext cx="8610600" cy="838200"/>
-          </a:xfrm>
-        </p:spPr>
-        <p:txBody>
-          <a:bodyPr/>
-          <a:lstStyle/>
-          <a:p>
-            <a:r>
-              <a:rPr lang="en-US" altLang="zh-CN" dirty="0"/>
-              <a:t>Channel</a:t>
-            </a:r>
-            <a:endParaRPr lang="zh-CN" altLang="en-US" dirty="0"/>
-          </a:p>
-        </p:txBody>
-      </p:sp>
-      <p:sp>
-        <p:nvSpPr>
-          <p:cNvPr id="9" name="Rectangle 2"/>
-          <p:cNvSpPr>
-            <a:spLocks noChangeArrowheads="1"/>
-          </p:cNvSpPr>
-          <p:nvPr/>
-        </p:nvSpPr>
-        <p:spPr bwMode="auto">
-          <a:xfrm>
-            <a:off x="0" y="0"/>
-            <a:ext cx="9144000" cy="0"/>
-          </a:xfrm>
-          <a:prstGeom prst="rect">
-            <a:avLst/>
-          </a:prstGeom>
-          <a:noFill/>
-          <a:ln>
-            <a:noFill/>
-          </a:ln>
-          <a:effectLst/>
-          <a:extLst>
-            <a:ext uri="{909E8E84-426E-40DD-AFC4-6F175D3DCCD1}">
-              <a14:hiddenFill xmlns:a14="http://schemas.microsoft.com/office/drawing/2010/main">
-                <a:solidFill>
-                  <a:schemeClr val="accent1"/>
-                </a:solidFill>
-              </a14:hiddenFill>
-            </a:ext>
-            <a:ext uri="{91240B29-F687-4F45-9708-019B960494DF}">
-              <a14:hiddenLine xmlns:a14="http://schemas.microsoft.com/office/drawing/2010/main" w="9525">
-                <a:solidFill>
-                  <a:schemeClr val="tx1"/>
-                </a:solidFill>
-                <a:miter lim="800000"/>
-                <a:headEnd/>
-                <a:tailEnd/>
-              </a14:hiddenLine>
-            </a:ext>
-            <a:ext uri="{AF507438-7753-43E0-B8FC-AC1667EBCBE1}">
-              <a14:hiddenEffects xmlns:a14="http://schemas.microsoft.com/office/drawing/2010/main">
-                <a:effectLst>
-                  <a:outerShdw dist="35921" dir="2700000" algn="ctr" rotWithShape="0">
-                    <a:schemeClr val="bg2"/>
-                  </a:outerShdw>
-                </a:effectLst>
-              </a14:hiddenEffects>
-            </a:ext>
-          </a:extLst>
-        </p:spPr>
-        <p:txBody>
-          <a:bodyPr vert="horz" wrap="none" lIns="91440" tIns="45720" rIns="91440" bIns="45720" numCol="1" anchor="ctr" anchorCtr="0" compatLnSpc="1">
-            <a:prstTxWarp prst="textNoShape">
-              <a:avLst/>
-            </a:prstTxWarp>
-            <a:spAutoFit/>
-          </a:bodyPr>
-          <a:lstStyle/>
-          <a:p>
-            <a:endParaRPr lang="zh-CN" altLang="en-US"/>
-          </a:p>
-        </p:txBody>
-      </p:sp>
-      <p:sp>
-        <p:nvSpPr>
-          <p:cNvPr id="17" name="内容占位符 2">
-            <a:extLst>
-              <a:ext uri="{FF2B5EF4-FFF2-40B4-BE49-F238E27FC236}">
-                <a16:creationId xmlns:a16="http://schemas.microsoft.com/office/drawing/2014/main" id="{D7B13CA5-CF5D-287A-9ACB-EF5CA77485F1}"/>
-              </a:ext>
-            </a:extLst>
-          </p:cNvPr>
-          <p:cNvSpPr txBox="1">
-            <a:spLocks/>
-          </p:cNvSpPr>
-          <p:nvPr/>
-        </p:nvSpPr>
-        <p:spPr bwMode="auto">
-          <a:xfrm>
-            <a:off x="93652" y="1068113"/>
-            <a:ext cx="4783148" cy="932338"/>
-          </a:xfrm>
-          <a:prstGeom prst="rect">
-            <a:avLst/>
-          </a:prstGeom>
-          <a:noFill/>
-          <a:ln>
-            <a:noFill/>
-          </a:ln>
-          <a:extLst>
-            <a:ext uri="{909E8E84-426E-40DD-AFC4-6F175D3DCCD1}">
-              <a14:hiddenFill xmlns:a14="http://schemas.microsoft.com/office/drawing/2010/main">
-                <a:solidFill>
-                  <a:srgbClr val="FFFFFF"/>
-                </a:solidFill>
-              </a14:hiddenFill>
-            </a:ext>
-            <a:ext uri="{91240B29-F687-4F45-9708-019B960494DF}">
-              <a14:hiddenLine xmlns:a14="http://schemas.microsoft.com/office/drawing/2010/main" w="28575">
-                <a:solidFill>
-                  <a:srgbClr val="000000"/>
-                </a:solidFill>
-                <a:miter lim="800000"/>
-                <a:headEnd/>
-                <a:tailEnd/>
-              </a14:hiddenLine>
-            </a:ext>
-          </a:extLst>
-        </p:spPr>
-        <p:txBody>
-          <a:bodyPr vert="horz" wrap="square" lIns="91440" tIns="45720" rIns="91440" bIns="45720" numCol="1" anchor="t" anchorCtr="0" compatLnSpc="1">
-            <a:prstTxWarp prst="textNoShape">
-              <a:avLst/>
-            </a:prstTxWarp>
-          </a:bodyPr>
-          <a:lstStyle>
-            <a:lvl1pPr marL="342900" indent="-342900" algn="l" rtl="0" eaLnBrk="1" fontAlgn="base" hangingPunct="1">
-              <a:spcBef>
-                <a:spcPct val="30000"/>
-              </a:spcBef>
-              <a:spcAft>
-                <a:spcPct val="0"/>
-              </a:spcAft>
-              <a:buClr>
-                <a:schemeClr val="hlink"/>
-              </a:buClr>
-              <a:buFont typeface="Wingdings" pitchFamily="2" charset="2"/>
-              <a:buChar char="§"/>
-              <a:defRPr sz="3200">
-                <a:solidFill>
-                  <a:srgbClr val="000066"/>
-                </a:solidFill>
-                <a:latin typeface="微软雅黑" pitchFamily="34" charset="-122"/>
-                <a:ea typeface="微软雅黑" pitchFamily="34" charset="-122"/>
-                <a:cs typeface="+mn-cs"/>
-              </a:defRPr>
-            </a:lvl1pPr>
-            <a:lvl2pPr marL="742950" indent="-285750" algn="l" rtl="0" eaLnBrk="1" fontAlgn="base" hangingPunct="1">
-              <a:spcBef>
-                <a:spcPct val="30000"/>
-              </a:spcBef>
-              <a:spcAft>
-                <a:spcPct val="0"/>
-              </a:spcAft>
-              <a:buClr>
-                <a:schemeClr val="tx2"/>
-              </a:buClr>
-              <a:buSzPct val="85000"/>
-              <a:buFont typeface="Wingdings" pitchFamily="2" charset="2"/>
-              <a:buChar char="Ø"/>
-              <a:defRPr sz="2800">
-                <a:solidFill>
-                  <a:srgbClr val="006666"/>
-                </a:solidFill>
-                <a:latin typeface="微软雅黑" pitchFamily="34" charset="-122"/>
-                <a:ea typeface="微软雅黑" pitchFamily="34" charset="-122"/>
-              </a:defRPr>
-            </a:lvl2pPr>
-            <a:lvl3pPr marL="1143000" indent="-228600" algn="l" rtl="0" eaLnBrk="1" fontAlgn="base" hangingPunct="1">
-              <a:spcBef>
-                <a:spcPct val="30000"/>
-              </a:spcBef>
-              <a:spcAft>
-                <a:spcPct val="0"/>
-              </a:spcAft>
-              <a:buClr>
-                <a:schemeClr val="hlink"/>
-              </a:buClr>
-              <a:buSzPct val="95000"/>
-              <a:buFont typeface="Wingdings 2" pitchFamily="18" charset="2"/>
-              <a:buChar char="¡"/>
-              <a:defRPr sz="2400">
-                <a:solidFill>
-                  <a:schemeClr val="hlink"/>
-                </a:solidFill>
-                <a:latin typeface="微软雅黑" pitchFamily="34" charset="-122"/>
-                <a:ea typeface="微软雅黑" pitchFamily="34" charset="-122"/>
-              </a:defRPr>
-            </a:lvl3pPr>
-            <a:lvl4pPr marL="1600200" indent="-228600" algn="l" rtl="0" eaLnBrk="1" fontAlgn="base" hangingPunct="1">
-              <a:spcBef>
-                <a:spcPct val="30000"/>
-              </a:spcBef>
-              <a:spcAft>
-                <a:spcPct val="0"/>
-              </a:spcAft>
-              <a:buClr>
-                <a:schemeClr val="tx2"/>
-              </a:buClr>
-              <a:buSzPct val="90000"/>
-              <a:buFont typeface="Wingdings" pitchFamily="2" charset="2"/>
-              <a:buChar char="Ø"/>
-              <a:defRPr sz="2000">
-                <a:solidFill>
-                  <a:srgbClr val="990099"/>
-                </a:solidFill>
-                <a:latin typeface="微软雅黑" pitchFamily="34" charset="-122"/>
-                <a:ea typeface="微软雅黑" pitchFamily="34" charset="-122"/>
-              </a:defRPr>
-            </a:lvl4pPr>
-            <a:lvl5pPr marL="2057400" indent="-228600" algn="l" rtl="0" eaLnBrk="1" fontAlgn="base" hangingPunct="1">
-              <a:spcBef>
-                <a:spcPct val="30000"/>
-              </a:spcBef>
-              <a:spcAft>
-                <a:spcPct val="0"/>
-              </a:spcAft>
-              <a:buClr>
-                <a:schemeClr val="hlink"/>
-              </a:buClr>
-              <a:buFont typeface="Wingdings 2" pitchFamily="18" charset="2"/>
-              <a:buChar char="¡"/>
-              <a:defRPr sz="2000">
-                <a:solidFill>
-                  <a:schemeClr val="tx1"/>
-                </a:solidFill>
-                <a:latin typeface="微软雅黑" pitchFamily="34" charset="-122"/>
-                <a:ea typeface="微软雅黑" pitchFamily="34" charset="-122"/>
-              </a:defRPr>
-            </a:lvl5pPr>
-            <a:lvl6pPr marL="2514600" indent="-228600" algn="l" rtl="0" eaLnBrk="1" fontAlgn="base" hangingPunct="1">
-              <a:spcBef>
-                <a:spcPct val="30000"/>
-              </a:spcBef>
-              <a:spcAft>
-                <a:spcPct val="0"/>
-              </a:spcAft>
-              <a:buClr>
-                <a:schemeClr val="hlink"/>
-              </a:buClr>
-              <a:buFont typeface="Wingdings 2" pitchFamily="18" charset="2"/>
-              <a:buChar char="¡"/>
-              <a:defRPr sz="2000">
-                <a:solidFill>
-                  <a:schemeClr val="tx1"/>
-                </a:solidFill>
-                <a:latin typeface="+mn-lt"/>
-                <a:ea typeface="+mn-ea"/>
-              </a:defRPr>
-            </a:lvl6pPr>
-            <a:lvl7pPr marL="2971800" indent="-228600" algn="l" rtl="0" eaLnBrk="1" fontAlgn="base" hangingPunct="1">
-              <a:spcBef>
-                <a:spcPct val="30000"/>
-              </a:spcBef>
-              <a:spcAft>
-                <a:spcPct val="0"/>
-              </a:spcAft>
-              <a:buClr>
-                <a:schemeClr val="hlink"/>
-              </a:buClr>
-              <a:buFont typeface="Wingdings 2" pitchFamily="18" charset="2"/>
-              <a:buChar char="¡"/>
-              <a:defRPr sz="2000">
-                <a:solidFill>
-                  <a:schemeClr val="tx1"/>
-                </a:solidFill>
-                <a:latin typeface="+mn-lt"/>
-                <a:ea typeface="+mn-ea"/>
-              </a:defRPr>
-            </a:lvl7pPr>
-            <a:lvl8pPr marL="3429000" indent="-228600" algn="l" rtl="0" eaLnBrk="1" fontAlgn="base" hangingPunct="1">
-              <a:spcBef>
-                <a:spcPct val="30000"/>
-              </a:spcBef>
-              <a:spcAft>
-                <a:spcPct val="0"/>
-              </a:spcAft>
-              <a:buClr>
-                <a:schemeClr val="hlink"/>
-              </a:buClr>
-              <a:buFont typeface="Wingdings 2" pitchFamily="18" charset="2"/>
-              <a:buChar char="¡"/>
-              <a:defRPr sz="2000">
-                <a:solidFill>
-                  <a:schemeClr val="tx1"/>
-                </a:solidFill>
-                <a:latin typeface="+mn-lt"/>
-                <a:ea typeface="+mn-ea"/>
-              </a:defRPr>
-            </a:lvl8pPr>
-            <a:lvl9pPr marL="3886200" indent="-228600" algn="l" rtl="0" eaLnBrk="1" fontAlgn="base" hangingPunct="1">
-              <a:spcBef>
-                <a:spcPct val="30000"/>
-              </a:spcBef>
-              <a:spcAft>
-                <a:spcPct val="0"/>
-              </a:spcAft>
-              <a:buClr>
-                <a:schemeClr val="hlink"/>
-              </a:buClr>
-              <a:buFont typeface="Wingdings 2" pitchFamily="18" charset="2"/>
-              <a:buChar char="¡"/>
-              <a:defRPr sz="2000">
-                <a:solidFill>
-                  <a:schemeClr val="tx1"/>
-                </a:solidFill>
-                <a:latin typeface="+mn-lt"/>
-                <a:ea typeface="+mn-ea"/>
-              </a:defRPr>
-            </a:lvl9pPr>
-          </a:lstStyle>
-          <a:p>
-            <a:r>
-              <a:rPr lang="en-US" altLang="zh-CN" sz="2400" kern="0" dirty="0">
-                <a:latin typeface="+mn-lt"/>
-                <a:cs typeface="Times New Roman" panose="02020603050405020304" pitchFamily="18" charset="0"/>
-              </a:rPr>
-              <a:t>RETAU5200</a:t>
-            </a:r>
-            <a:endParaRPr lang="en-US" altLang="zh-CN" sz="2000" kern="0" dirty="0">
-              <a:latin typeface="+mn-lt"/>
-              <a:cs typeface="Times New Roman" panose="02020603050405020304" pitchFamily="18" charset="0"/>
-            </a:endParaRPr>
-          </a:p>
-          <a:p>
-            <a:pPr lvl="1"/>
-            <a:r>
-              <a:rPr lang="en-US" altLang="zh-CN" sz="2000" dirty="0">
-                <a:latin typeface="+mn-lt"/>
-                <a:cs typeface="Times New Roman" panose="02020603050405020304" pitchFamily="18" charset="0"/>
-              </a:rPr>
-              <a:t>CFL</a:t>
-            </a:r>
-          </a:p>
-        </p:txBody>
-      </p:sp>
-      <p:pic>
-        <p:nvPicPr>
-          <p:cNvPr id="5" name="Picture 4">
-            <a:extLst>
-              <a:ext uri="{FF2B5EF4-FFF2-40B4-BE49-F238E27FC236}">
-                <a16:creationId xmlns:a16="http://schemas.microsoft.com/office/drawing/2014/main" id="{2DA78EF1-E6DC-E8A0-DACF-202C3B44799E}"/>
-              </a:ext>
-            </a:extLst>
-          </p:cNvPr>
-          <p:cNvPicPr>
-            <a:picLocks noChangeAspect="1"/>
-          </p:cNvPicPr>
-          <p:nvPr/>
-        </p:nvPicPr>
-        <p:blipFill>
-          <a:blip r:embed="rId3"/>
-          <a:stretch>
-            <a:fillRect/>
-          </a:stretch>
-        </p:blipFill>
-        <p:spPr>
-          <a:xfrm>
-            <a:off x="1295400" y="1962994"/>
-            <a:ext cx="3200400" cy="2402873"/>
-          </a:xfrm>
-          <a:prstGeom prst="rect">
-            <a:avLst/>
-          </a:prstGeom>
-        </p:spPr>
-      </p:pic>
-      <p:pic>
-        <p:nvPicPr>
-          <p:cNvPr id="8" name="Picture 7">
-            <a:extLst>
-              <a:ext uri="{FF2B5EF4-FFF2-40B4-BE49-F238E27FC236}">
-                <a16:creationId xmlns:a16="http://schemas.microsoft.com/office/drawing/2014/main" id="{3B8817A4-BAD6-D1BB-A35A-682F66B22299}"/>
-              </a:ext>
-            </a:extLst>
-          </p:cNvPr>
-          <p:cNvPicPr>
-            <a:picLocks noChangeAspect="1"/>
-          </p:cNvPicPr>
-          <p:nvPr/>
-        </p:nvPicPr>
-        <p:blipFill>
-          <a:blip r:embed="rId4"/>
-          <a:stretch>
-            <a:fillRect/>
-          </a:stretch>
-        </p:blipFill>
-        <p:spPr>
-          <a:xfrm>
-            <a:off x="4495800" y="1955309"/>
-            <a:ext cx="3200400" cy="2410558"/>
-          </a:xfrm>
-          <a:prstGeom prst="rect">
-            <a:avLst/>
-          </a:prstGeom>
-        </p:spPr>
-      </p:pic>
-      <p:pic>
-        <p:nvPicPr>
-          <p:cNvPr id="11" name="Picture 10">
-            <a:extLst>
-              <a:ext uri="{FF2B5EF4-FFF2-40B4-BE49-F238E27FC236}">
-                <a16:creationId xmlns:a16="http://schemas.microsoft.com/office/drawing/2014/main" id="{F65F42CA-1EC8-F0A2-FBB6-0ED9269E4B08}"/>
-              </a:ext>
-            </a:extLst>
-          </p:cNvPr>
-          <p:cNvPicPr>
-            <a:picLocks noChangeAspect="1"/>
-          </p:cNvPicPr>
-          <p:nvPr/>
-        </p:nvPicPr>
-        <p:blipFill>
-          <a:blip r:embed="rId5"/>
-          <a:stretch>
-            <a:fillRect/>
-          </a:stretch>
-        </p:blipFill>
-        <p:spPr>
-          <a:xfrm>
-            <a:off x="1295400" y="4360852"/>
-            <a:ext cx="3200400" cy="2420948"/>
-          </a:xfrm>
-          <a:prstGeom prst="rect">
-            <a:avLst/>
-          </a:prstGeom>
-        </p:spPr>
-      </p:pic>
-      <p:pic>
-        <p:nvPicPr>
-          <p:cNvPr id="13" name="Picture 12">
-            <a:extLst>
-              <a:ext uri="{FF2B5EF4-FFF2-40B4-BE49-F238E27FC236}">
-                <a16:creationId xmlns:a16="http://schemas.microsoft.com/office/drawing/2014/main" id="{917E1E48-8415-1E7C-92F2-3443C76A2B19}"/>
-              </a:ext>
-            </a:extLst>
-          </p:cNvPr>
-          <p:cNvPicPr>
-            <a:picLocks noChangeAspect="1"/>
-          </p:cNvPicPr>
-          <p:nvPr/>
-        </p:nvPicPr>
-        <p:blipFill>
-          <a:blip r:embed="rId6"/>
-          <a:stretch>
-            <a:fillRect/>
-          </a:stretch>
-        </p:blipFill>
-        <p:spPr>
-          <a:xfrm>
-            <a:off x="4572000" y="4373740"/>
-            <a:ext cx="3200400" cy="2395171"/>
-          </a:xfrm>
-          <a:prstGeom prst="rect">
-            <a:avLst/>
-          </a:prstGeom>
-        </p:spPr>
-      </p:pic>
-    </p:spTree>
-    <p:extLst>
-      <p:ext uri="{BB962C8B-B14F-4D97-AF65-F5344CB8AC3E}">
-        <p14:creationId xmlns:p14="http://schemas.microsoft.com/office/powerpoint/2010/main" val="2306774649"/>
       </p:ext>
     </p:extLst>
   </p:cSld>
@@ -30632,6 +30766,1521 @@
       </p:grpSpPr>
       <p:sp>
         <p:nvSpPr>
+          <p:cNvPr id="2" name="Title 1"/>
+          <p:cNvSpPr>
+            <a:spLocks noGrp="1"/>
+          </p:cNvSpPr>
+          <p:nvPr>
+            <p:ph type="title"/>
+          </p:nvPr>
+        </p:nvSpPr>
+        <p:spPr>
+          <a:xfrm>
+            <a:off x="152400" y="152400"/>
+            <a:ext cx="8610600" cy="838200"/>
+          </a:xfrm>
+        </p:spPr>
+        <p:txBody>
+          <a:bodyPr/>
+          <a:lstStyle/>
+          <a:p>
+            <a:r>
+              <a:rPr lang="en-US" altLang="zh-CN" dirty="0"/>
+              <a:t>Channel</a:t>
+            </a:r>
+            <a:endParaRPr lang="zh-CN" altLang="en-US" dirty="0"/>
+          </a:p>
+        </p:txBody>
+      </p:sp>
+      <p:sp>
+        <p:nvSpPr>
+          <p:cNvPr id="9" name="Rectangle 2"/>
+          <p:cNvSpPr>
+            <a:spLocks noChangeArrowheads="1"/>
+          </p:cNvSpPr>
+          <p:nvPr/>
+        </p:nvSpPr>
+        <p:spPr bwMode="auto">
+          <a:xfrm>
+            <a:off x="0" y="0"/>
+            <a:ext cx="9144000" cy="0"/>
+          </a:xfrm>
+          <a:prstGeom prst="rect">
+            <a:avLst/>
+          </a:prstGeom>
+          <a:noFill/>
+          <a:ln>
+            <a:noFill/>
+          </a:ln>
+          <a:effectLst/>
+          <a:extLst>
+            <a:ext uri="{909E8E84-426E-40DD-AFC4-6F175D3DCCD1}">
+              <a14:hiddenFill xmlns:a14="http://schemas.microsoft.com/office/drawing/2010/main">
+                <a:solidFill>
+                  <a:schemeClr val="accent1"/>
+                </a:solidFill>
+              </a14:hiddenFill>
+            </a:ext>
+            <a:ext uri="{91240B29-F687-4F45-9708-019B960494DF}">
+              <a14:hiddenLine xmlns:a14="http://schemas.microsoft.com/office/drawing/2010/main" w="9525">
+                <a:solidFill>
+                  <a:schemeClr val="tx1"/>
+                </a:solidFill>
+                <a:miter lim="800000"/>
+                <a:headEnd/>
+                <a:tailEnd/>
+              </a14:hiddenLine>
+            </a:ext>
+            <a:ext uri="{AF507438-7753-43E0-B8FC-AC1667EBCBE1}">
+              <a14:hiddenEffects xmlns:a14="http://schemas.microsoft.com/office/drawing/2010/main">
+                <a:effectLst>
+                  <a:outerShdw dist="35921" dir="2700000" algn="ctr" rotWithShape="0">
+                    <a:schemeClr val="bg2"/>
+                  </a:outerShdw>
+                </a:effectLst>
+              </a14:hiddenEffects>
+            </a:ext>
+          </a:extLst>
+        </p:spPr>
+        <p:txBody>
+          <a:bodyPr vert="horz" wrap="none" lIns="91440" tIns="45720" rIns="91440" bIns="45720" numCol="1" anchor="ctr" anchorCtr="0" compatLnSpc="1">
+            <a:prstTxWarp prst="textNoShape">
+              <a:avLst/>
+            </a:prstTxWarp>
+            <a:spAutoFit/>
+          </a:bodyPr>
+          <a:lstStyle/>
+          <a:p>
+            <a:endParaRPr lang="zh-CN" altLang="en-US"/>
+          </a:p>
+        </p:txBody>
+      </p:sp>
+      <p:sp>
+        <p:nvSpPr>
+          <p:cNvPr id="17" name="内容占位符 2">
+            <a:extLst>
+              <a:ext uri="{FF2B5EF4-FFF2-40B4-BE49-F238E27FC236}">
+                <a16:creationId xmlns:a16="http://schemas.microsoft.com/office/drawing/2014/main" id="{D7B13CA5-CF5D-287A-9ACB-EF5CA77485F1}"/>
+              </a:ext>
+            </a:extLst>
+          </p:cNvPr>
+          <p:cNvSpPr txBox="1">
+            <a:spLocks/>
+          </p:cNvSpPr>
+          <p:nvPr/>
+        </p:nvSpPr>
+        <p:spPr bwMode="auto">
+          <a:xfrm>
+            <a:off x="93652" y="1068113"/>
+            <a:ext cx="8610600" cy="932338"/>
+          </a:xfrm>
+          <a:prstGeom prst="rect">
+            <a:avLst/>
+          </a:prstGeom>
+          <a:noFill/>
+          <a:ln>
+            <a:noFill/>
+          </a:ln>
+          <a:extLst>
+            <a:ext uri="{909E8E84-426E-40DD-AFC4-6F175D3DCCD1}">
+              <a14:hiddenFill xmlns:a14="http://schemas.microsoft.com/office/drawing/2010/main">
+                <a:solidFill>
+                  <a:srgbClr val="FFFFFF"/>
+                </a:solidFill>
+              </a14:hiddenFill>
+            </a:ext>
+            <a:ext uri="{91240B29-F687-4F45-9708-019B960494DF}">
+              <a14:hiddenLine xmlns:a14="http://schemas.microsoft.com/office/drawing/2010/main" w="28575">
+                <a:solidFill>
+                  <a:srgbClr val="000000"/>
+                </a:solidFill>
+                <a:miter lim="800000"/>
+                <a:headEnd/>
+                <a:tailEnd/>
+              </a14:hiddenLine>
+            </a:ext>
+          </a:extLst>
+        </p:spPr>
+        <p:txBody>
+          <a:bodyPr vert="horz" wrap="square" lIns="91440" tIns="45720" rIns="91440" bIns="45720" numCol="1" anchor="t" anchorCtr="0" compatLnSpc="1">
+            <a:prstTxWarp prst="textNoShape">
+              <a:avLst/>
+            </a:prstTxWarp>
+          </a:bodyPr>
+          <a:lstStyle>
+            <a:lvl1pPr marL="342900" indent="-342900" algn="l" rtl="0" eaLnBrk="1" fontAlgn="base" hangingPunct="1">
+              <a:spcBef>
+                <a:spcPct val="30000"/>
+              </a:spcBef>
+              <a:spcAft>
+                <a:spcPct val="0"/>
+              </a:spcAft>
+              <a:buClr>
+                <a:schemeClr val="hlink"/>
+              </a:buClr>
+              <a:buFont typeface="Wingdings" pitchFamily="2" charset="2"/>
+              <a:buChar char="§"/>
+              <a:defRPr sz="3200">
+                <a:solidFill>
+                  <a:srgbClr val="000066"/>
+                </a:solidFill>
+                <a:latin typeface="微软雅黑" pitchFamily="34" charset="-122"/>
+                <a:ea typeface="微软雅黑" pitchFamily="34" charset="-122"/>
+                <a:cs typeface="+mn-cs"/>
+              </a:defRPr>
+            </a:lvl1pPr>
+            <a:lvl2pPr marL="742950" indent="-285750" algn="l" rtl="0" eaLnBrk="1" fontAlgn="base" hangingPunct="1">
+              <a:spcBef>
+                <a:spcPct val="30000"/>
+              </a:spcBef>
+              <a:spcAft>
+                <a:spcPct val="0"/>
+              </a:spcAft>
+              <a:buClr>
+                <a:schemeClr val="tx2"/>
+              </a:buClr>
+              <a:buSzPct val="85000"/>
+              <a:buFont typeface="Wingdings" pitchFamily="2" charset="2"/>
+              <a:buChar char="Ø"/>
+              <a:defRPr sz="2800">
+                <a:solidFill>
+                  <a:srgbClr val="006666"/>
+                </a:solidFill>
+                <a:latin typeface="微软雅黑" pitchFamily="34" charset="-122"/>
+                <a:ea typeface="微软雅黑" pitchFamily="34" charset="-122"/>
+              </a:defRPr>
+            </a:lvl2pPr>
+            <a:lvl3pPr marL="1143000" indent="-228600" algn="l" rtl="0" eaLnBrk="1" fontAlgn="base" hangingPunct="1">
+              <a:spcBef>
+                <a:spcPct val="30000"/>
+              </a:spcBef>
+              <a:spcAft>
+                <a:spcPct val="0"/>
+              </a:spcAft>
+              <a:buClr>
+                <a:schemeClr val="hlink"/>
+              </a:buClr>
+              <a:buSzPct val="95000"/>
+              <a:buFont typeface="Wingdings 2" pitchFamily="18" charset="2"/>
+              <a:buChar char="¡"/>
+              <a:defRPr sz="2400">
+                <a:solidFill>
+                  <a:schemeClr val="hlink"/>
+                </a:solidFill>
+                <a:latin typeface="微软雅黑" pitchFamily="34" charset="-122"/>
+                <a:ea typeface="微软雅黑" pitchFamily="34" charset="-122"/>
+              </a:defRPr>
+            </a:lvl3pPr>
+            <a:lvl4pPr marL="1600200" indent="-228600" algn="l" rtl="0" eaLnBrk="1" fontAlgn="base" hangingPunct="1">
+              <a:spcBef>
+                <a:spcPct val="30000"/>
+              </a:spcBef>
+              <a:spcAft>
+                <a:spcPct val="0"/>
+              </a:spcAft>
+              <a:buClr>
+                <a:schemeClr val="tx2"/>
+              </a:buClr>
+              <a:buSzPct val="90000"/>
+              <a:buFont typeface="Wingdings" pitchFamily="2" charset="2"/>
+              <a:buChar char="Ø"/>
+              <a:defRPr sz="2000">
+                <a:solidFill>
+                  <a:srgbClr val="990099"/>
+                </a:solidFill>
+                <a:latin typeface="微软雅黑" pitchFamily="34" charset="-122"/>
+                <a:ea typeface="微软雅黑" pitchFamily="34" charset="-122"/>
+              </a:defRPr>
+            </a:lvl4pPr>
+            <a:lvl5pPr marL="2057400" indent="-228600" algn="l" rtl="0" eaLnBrk="1" fontAlgn="base" hangingPunct="1">
+              <a:spcBef>
+                <a:spcPct val="30000"/>
+              </a:spcBef>
+              <a:spcAft>
+                <a:spcPct val="0"/>
+              </a:spcAft>
+              <a:buClr>
+                <a:schemeClr val="hlink"/>
+              </a:buClr>
+              <a:buFont typeface="Wingdings 2" pitchFamily="18" charset="2"/>
+              <a:buChar char="¡"/>
+              <a:defRPr sz="2000">
+                <a:solidFill>
+                  <a:schemeClr val="tx1"/>
+                </a:solidFill>
+                <a:latin typeface="微软雅黑" pitchFamily="34" charset="-122"/>
+                <a:ea typeface="微软雅黑" pitchFamily="34" charset="-122"/>
+              </a:defRPr>
+            </a:lvl5pPr>
+            <a:lvl6pPr marL="2514600" indent="-228600" algn="l" rtl="0" eaLnBrk="1" fontAlgn="base" hangingPunct="1">
+              <a:spcBef>
+                <a:spcPct val="30000"/>
+              </a:spcBef>
+              <a:spcAft>
+                <a:spcPct val="0"/>
+              </a:spcAft>
+              <a:buClr>
+                <a:schemeClr val="hlink"/>
+              </a:buClr>
+              <a:buFont typeface="Wingdings 2" pitchFamily="18" charset="2"/>
+              <a:buChar char="¡"/>
+              <a:defRPr sz="2000">
+                <a:solidFill>
+                  <a:schemeClr val="tx1"/>
+                </a:solidFill>
+                <a:latin typeface="+mn-lt"/>
+                <a:ea typeface="+mn-ea"/>
+              </a:defRPr>
+            </a:lvl6pPr>
+            <a:lvl7pPr marL="2971800" indent="-228600" algn="l" rtl="0" eaLnBrk="1" fontAlgn="base" hangingPunct="1">
+              <a:spcBef>
+                <a:spcPct val="30000"/>
+              </a:spcBef>
+              <a:spcAft>
+                <a:spcPct val="0"/>
+              </a:spcAft>
+              <a:buClr>
+                <a:schemeClr val="hlink"/>
+              </a:buClr>
+              <a:buFont typeface="Wingdings 2" pitchFamily="18" charset="2"/>
+              <a:buChar char="¡"/>
+              <a:defRPr sz="2000">
+                <a:solidFill>
+                  <a:schemeClr val="tx1"/>
+                </a:solidFill>
+                <a:latin typeface="+mn-lt"/>
+                <a:ea typeface="+mn-ea"/>
+              </a:defRPr>
+            </a:lvl7pPr>
+            <a:lvl8pPr marL="3429000" indent="-228600" algn="l" rtl="0" eaLnBrk="1" fontAlgn="base" hangingPunct="1">
+              <a:spcBef>
+                <a:spcPct val="30000"/>
+              </a:spcBef>
+              <a:spcAft>
+                <a:spcPct val="0"/>
+              </a:spcAft>
+              <a:buClr>
+                <a:schemeClr val="hlink"/>
+              </a:buClr>
+              <a:buFont typeface="Wingdings 2" pitchFamily="18" charset="2"/>
+              <a:buChar char="¡"/>
+              <a:defRPr sz="2000">
+                <a:solidFill>
+                  <a:schemeClr val="tx1"/>
+                </a:solidFill>
+                <a:latin typeface="+mn-lt"/>
+                <a:ea typeface="+mn-ea"/>
+              </a:defRPr>
+            </a:lvl8pPr>
+            <a:lvl9pPr marL="3886200" indent="-228600" algn="l" rtl="0" eaLnBrk="1" fontAlgn="base" hangingPunct="1">
+              <a:spcBef>
+                <a:spcPct val="30000"/>
+              </a:spcBef>
+              <a:spcAft>
+                <a:spcPct val="0"/>
+              </a:spcAft>
+              <a:buClr>
+                <a:schemeClr val="hlink"/>
+              </a:buClr>
+              <a:buFont typeface="Wingdings 2" pitchFamily="18" charset="2"/>
+              <a:buChar char="¡"/>
+              <a:defRPr sz="2000">
+                <a:solidFill>
+                  <a:schemeClr val="tx1"/>
+                </a:solidFill>
+                <a:latin typeface="+mn-lt"/>
+                <a:ea typeface="+mn-ea"/>
+              </a:defRPr>
+            </a:lvl9pPr>
+          </a:lstStyle>
+          <a:p>
+            <a:r>
+              <a:rPr lang="en-US" altLang="zh-CN" sz="2400" kern="0" dirty="0">
+                <a:latin typeface="+mn-lt"/>
+                <a:cs typeface="Times New Roman" panose="02020603050405020304" pitchFamily="18" charset="0"/>
+              </a:rPr>
+              <a:t>RETAU5200</a:t>
+            </a:r>
+            <a:endParaRPr lang="en-US" altLang="zh-CN" sz="2000" kern="0" dirty="0">
+              <a:latin typeface="+mn-lt"/>
+              <a:cs typeface="Times New Roman" panose="02020603050405020304" pitchFamily="18" charset="0"/>
+            </a:endParaRPr>
+          </a:p>
+          <a:p>
+            <a:pPr lvl="1"/>
+            <a:r>
+              <a:rPr lang="en-US" altLang="zh-CN" sz="2000" dirty="0">
+                <a:latin typeface="+mn-lt"/>
+                <a:cs typeface="Times New Roman" panose="02020603050405020304" pitchFamily="18" charset="0"/>
+              </a:rPr>
+              <a:t>Simplified viscous terms produce a bit better results on coarse grids</a:t>
+            </a:r>
+          </a:p>
+        </p:txBody>
+      </p:sp>
+      <p:pic>
+        <p:nvPicPr>
+          <p:cNvPr id="5" name="Picture 4">
+            <a:extLst>
+              <a:ext uri="{FF2B5EF4-FFF2-40B4-BE49-F238E27FC236}">
+                <a16:creationId xmlns:a16="http://schemas.microsoft.com/office/drawing/2014/main" id="{3D3C4045-905F-C882-77CA-97210A04DF40}"/>
+              </a:ext>
+            </a:extLst>
+          </p:cNvPr>
+          <p:cNvPicPr>
+            <a:picLocks noChangeAspect="1"/>
+          </p:cNvPicPr>
+          <p:nvPr/>
+        </p:nvPicPr>
+        <p:blipFill>
+          <a:blip r:embed="rId3"/>
+          <a:stretch>
+            <a:fillRect/>
+          </a:stretch>
+        </p:blipFill>
+        <p:spPr>
+          <a:xfrm>
+            <a:off x="1219200" y="2000451"/>
+            <a:ext cx="3200400" cy="2399016"/>
+          </a:xfrm>
+          <a:prstGeom prst="rect">
+            <a:avLst/>
+          </a:prstGeom>
+        </p:spPr>
+      </p:pic>
+      <p:pic>
+        <p:nvPicPr>
+          <p:cNvPr id="10" name="Picture 9">
+            <a:extLst>
+              <a:ext uri="{FF2B5EF4-FFF2-40B4-BE49-F238E27FC236}">
+                <a16:creationId xmlns:a16="http://schemas.microsoft.com/office/drawing/2014/main" id="{480931EF-87BF-5DF5-62E0-B1EEA93F372F}"/>
+              </a:ext>
+            </a:extLst>
+          </p:cNvPr>
+          <p:cNvPicPr>
+            <a:picLocks noChangeAspect="1"/>
+          </p:cNvPicPr>
+          <p:nvPr/>
+        </p:nvPicPr>
+        <p:blipFill>
+          <a:blip r:embed="rId4"/>
+          <a:stretch>
+            <a:fillRect/>
+          </a:stretch>
+        </p:blipFill>
+        <p:spPr>
+          <a:xfrm>
+            <a:off x="4419600" y="1999165"/>
+            <a:ext cx="3200400" cy="2401588"/>
+          </a:xfrm>
+          <a:prstGeom prst="rect">
+            <a:avLst/>
+          </a:prstGeom>
+        </p:spPr>
+      </p:pic>
+      <p:pic>
+        <p:nvPicPr>
+          <p:cNvPr id="12" name="Picture 11">
+            <a:extLst>
+              <a:ext uri="{FF2B5EF4-FFF2-40B4-BE49-F238E27FC236}">
+                <a16:creationId xmlns:a16="http://schemas.microsoft.com/office/drawing/2014/main" id="{AD837928-1615-2559-3EFE-7C72F210CB77}"/>
+              </a:ext>
+            </a:extLst>
+          </p:cNvPr>
+          <p:cNvPicPr>
+            <a:picLocks noChangeAspect="1"/>
+          </p:cNvPicPr>
+          <p:nvPr/>
+        </p:nvPicPr>
+        <p:blipFill>
+          <a:blip r:embed="rId5"/>
+          <a:stretch>
+            <a:fillRect/>
+          </a:stretch>
+        </p:blipFill>
+        <p:spPr>
+          <a:xfrm>
+            <a:off x="1219200" y="4399467"/>
+            <a:ext cx="3200400" cy="2405462"/>
+          </a:xfrm>
+          <a:prstGeom prst="rect">
+            <a:avLst/>
+          </a:prstGeom>
+        </p:spPr>
+      </p:pic>
+      <p:pic>
+        <p:nvPicPr>
+          <p:cNvPr id="15" name="Picture 14">
+            <a:extLst>
+              <a:ext uri="{FF2B5EF4-FFF2-40B4-BE49-F238E27FC236}">
+                <a16:creationId xmlns:a16="http://schemas.microsoft.com/office/drawing/2014/main" id="{FE2C9A5C-4D72-D676-3379-B3F73ADD8B5D}"/>
+              </a:ext>
+            </a:extLst>
+          </p:cNvPr>
+          <p:cNvPicPr>
+            <a:picLocks noChangeAspect="1"/>
+          </p:cNvPicPr>
+          <p:nvPr/>
+        </p:nvPicPr>
+        <p:blipFill>
+          <a:blip r:embed="rId6"/>
+          <a:stretch>
+            <a:fillRect/>
+          </a:stretch>
+        </p:blipFill>
+        <p:spPr>
+          <a:xfrm>
+            <a:off x="4419600" y="4400776"/>
+            <a:ext cx="3200400" cy="2404153"/>
+          </a:xfrm>
+          <a:prstGeom prst="rect">
+            <a:avLst/>
+          </a:prstGeom>
+        </p:spPr>
+      </p:pic>
+    </p:spTree>
+    <p:extLst>
+      <p:ext uri="{BB962C8B-B14F-4D97-AF65-F5344CB8AC3E}">
+        <p14:creationId xmlns:p14="http://schemas.microsoft.com/office/powerpoint/2010/main" val="1825430981"/>
+      </p:ext>
+    </p:extLst>
+  </p:cSld>
+  <p:clrMapOvr>
+    <a:masterClrMapping/>
+  </p:clrMapOvr>
+  <p:transition spd="med" advTm="63997"/>
+</p:sld>
+</file>
+
+<file path=ppt/slides/slide21.xml><?xml version="1.0" encoding="utf-8"?>
+<p:sld xmlns:a="http://schemas.openxmlformats.org/drawingml/2006/main" xmlns:r="http://schemas.openxmlformats.org/officeDocument/2006/relationships" xmlns:p="http://schemas.openxmlformats.org/presentationml/2006/main">
+  <p:cSld>
+    <p:spTree>
+      <p:nvGrpSpPr>
+        <p:cNvPr id="1" name=""/>
+        <p:cNvGrpSpPr/>
+        <p:nvPr/>
+      </p:nvGrpSpPr>
+      <p:grpSpPr>
+        <a:xfrm>
+          <a:off x="0" y="0"/>
+          <a:ext cx="0" cy="0"/>
+          <a:chOff x="0" y="0"/>
+          <a:chExt cx="0" cy="0"/>
+        </a:xfrm>
+      </p:grpSpPr>
+      <p:sp>
+        <p:nvSpPr>
+          <p:cNvPr id="2" name="Title 1"/>
+          <p:cNvSpPr>
+            <a:spLocks noGrp="1"/>
+          </p:cNvSpPr>
+          <p:nvPr>
+            <p:ph type="title"/>
+          </p:nvPr>
+        </p:nvSpPr>
+        <p:spPr>
+          <a:xfrm>
+            <a:off x="152400" y="152400"/>
+            <a:ext cx="8610600" cy="838200"/>
+          </a:xfrm>
+        </p:spPr>
+        <p:txBody>
+          <a:bodyPr/>
+          <a:lstStyle/>
+          <a:p>
+            <a:r>
+              <a:rPr lang="en-US" altLang="zh-CN" dirty="0"/>
+              <a:t>Channel</a:t>
+            </a:r>
+            <a:endParaRPr lang="zh-CN" altLang="en-US" dirty="0"/>
+          </a:p>
+        </p:txBody>
+      </p:sp>
+      <p:sp>
+        <p:nvSpPr>
+          <p:cNvPr id="9" name="Rectangle 2"/>
+          <p:cNvSpPr>
+            <a:spLocks noChangeArrowheads="1"/>
+          </p:cNvSpPr>
+          <p:nvPr/>
+        </p:nvSpPr>
+        <p:spPr bwMode="auto">
+          <a:xfrm>
+            <a:off x="0" y="0"/>
+            <a:ext cx="9144000" cy="0"/>
+          </a:xfrm>
+          <a:prstGeom prst="rect">
+            <a:avLst/>
+          </a:prstGeom>
+          <a:noFill/>
+          <a:ln>
+            <a:noFill/>
+          </a:ln>
+          <a:effectLst/>
+          <a:extLst>
+            <a:ext uri="{909E8E84-426E-40DD-AFC4-6F175D3DCCD1}">
+              <a14:hiddenFill xmlns:a14="http://schemas.microsoft.com/office/drawing/2010/main">
+                <a:solidFill>
+                  <a:schemeClr val="accent1"/>
+                </a:solidFill>
+              </a14:hiddenFill>
+            </a:ext>
+            <a:ext uri="{91240B29-F687-4F45-9708-019B960494DF}">
+              <a14:hiddenLine xmlns:a14="http://schemas.microsoft.com/office/drawing/2010/main" w="9525">
+                <a:solidFill>
+                  <a:schemeClr val="tx1"/>
+                </a:solidFill>
+                <a:miter lim="800000"/>
+                <a:headEnd/>
+                <a:tailEnd/>
+              </a14:hiddenLine>
+            </a:ext>
+            <a:ext uri="{AF507438-7753-43E0-B8FC-AC1667EBCBE1}">
+              <a14:hiddenEffects xmlns:a14="http://schemas.microsoft.com/office/drawing/2010/main">
+                <a:effectLst>
+                  <a:outerShdw dist="35921" dir="2700000" algn="ctr" rotWithShape="0">
+                    <a:schemeClr val="bg2"/>
+                  </a:outerShdw>
+                </a:effectLst>
+              </a14:hiddenEffects>
+            </a:ext>
+          </a:extLst>
+        </p:spPr>
+        <p:txBody>
+          <a:bodyPr vert="horz" wrap="none" lIns="91440" tIns="45720" rIns="91440" bIns="45720" numCol="1" anchor="ctr" anchorCtr="0" compatLnSpc="1">
+            <a:prstTxWarp prst="textNoShape">
+              <a:avLst/>
+            </a:prstTxWarp>
+            <a:spAutoFit/>
+          </a:bodyPr>
+          <a:lstStyle/>
+          <a:p>
+            <a:endParaRPr lang="zh-CN" altLang="en-US"/>
+          </a:p>
+        </p:txBody>
+      </p:sp>
+      <p:sp>
+        <p:nvSpPr>
+          <p:cNvPr id="17" name="内容占位符 2">
+            <a:extLst>
+              <a:ext uri="{FF2B5EF4-FFF2-40B4-BE49-F238E27FC236}">
+                <a16:creationId xmlns:a16="http://schemas.microsoft.com/office/drawing/2014/main" id="{D7B13CA5-CF5D-287A-9ACB-EF5CA77485F1}"/>
+              </a:ext>
+            </a:extLst>
+          </p:cNvPr>
+          <p:cNvSpPr txBox="1">
+            <a:spLocks/>
+          </p:cNvSpPr>
+          <p:nvPr/>
+        </p:nvSpPr>
+        <p:spPr bwMode="auto">
+          <a:xfrm>
+            <a:off x="93652" y="1068113"/>
+            <a:ext cx="7754948" cy="932338"/>
+          </a:xfrm>
+          <a:prstGeom prst="rect">
+            <a:avLst/>
+          </a:prstGeom>
+          <a:noFill/>
+          <a:ln>
+            <a:noFill/>
+          </a:ln>
+          <a:extLst>
+            <a:ext uri="{909E8E84-426E-40DD-AFC4-6F175D3DCCD1}">
+              <a14:hiddenFill xmlns:a14="http://schemas.microsoft.com/office/drawing/2010/main">
+                <a:solidFill>
+                  <a:srgbClr val="FFFFFF"/>
+                </a:solidFill>
+              </a14:hiddenFill>
+            </a:ext>
+            <a:ext uri="{91240B29-F687-4F45-9708-019B960494DF}">
+              <a14:hiddenLine xmlns:a14="http://schemas.microsoft.com/office/drawing/2010/main" w="28575">
+                <a:solidFill>
+                  <a:srgbClr val="000000"/>
+                </a:solidFill>
+                <a:miter lim="800000"/>
+                <a:headEnd/>
+                <a:tailEnd/>
+              </a14:hiddenLine>
+            </a:ext>
+          </a:extLst>
+        </p:spPr>
+        <p:txBody>
+          <a:bodyPr vert="horz" wrap="square" lIns="91440" tIns="45720" rIns="91440" bIns="45720" numCol="1" anchor="t" anchorCtr="0" compatLnSpc="1">
+            <a:prstTxWarp prst="textNoShape">
+              <a:avLst/>
+            </a:prstTxWarp>
+          </a:bodyPr>
+          <a:lstStyle>
+            <a:lvl1pPr marL="342900" indent="-342900" algn="l" rtl="0" eaLnBrk="1" fontAlgn="base" hangingPunct="1">
+              <a:spcBef>
+                <a:spcPct val="30000"/>
+              </a:spcBef>
+              <a:spcAft>
+                <a:spcPct val="0"/>
+              </a:spcAft>
+              <a:buClr>
+                <a:schemeClr val="hlink"/>
+              </a:buClr>
+              <a:buFont typeface="Wingdings" pitchFamily="2" charset="2"/>
+              <a:buChar char="§"/>
+              <a:defRPr sz="3200">
+                <a:solidFill>
+                  <a:srgbClr val="000066"/>
+                </a:solidFill>
+                <a:latin typeface="微软雅黑" pitchFamily="34" charset="-122"/>
+                <a:ea typeface="微软雅黑" pitchFamily="34" charset="-122"/>
+                <a:cs typeface="+mn-cs"/>
+              </a:defRPr>
+            </a:lvl1pPr>
+            <a:lvl2pPr marL="742950" indent="-285750" algn="l" rtl="0" eaLnBrk="1" fontAlgn="base" hangingPunct="1">
+              <a:spcBef>
+                <a:spcPct val="30000"/>
+              </a:spcBef>
+              <a:spcAft>
+                <a:spcPct val="0"/>
+              </a:spcAft>
+              <a:buClr>
+                <a:schemeClr val="tx2"/>
+              </a:buClr>
+              <a:buSzPct val="85000"/>
+              <a:buFont typeface="Wingdings" pitchFamily="2" charset="2"/>
+              <a:buChar char="Ø"/>
+              <a:defRPr sz="2800">
+                <a:solidFill>
+                  <a:srgbClr val="006666"/>
+                </a:solidFill>
+                <a:latin typeface="微软雅黑" pitchFamily="34" charset="-122"/>
+                <a:ea typeface="微软雅黑" pitchFamily="34" charset="-122"/>
+              </a:defRPr>
+            </a:lvl2pPr>
+            <a:lvl3pPr marL="1143000" indent="-228600" algn="l" rtl="0" eaLnBrk="1" fontAlgn="base" hangingPunct="1">
+              <a:spcBef>
+                <a:spcPct val="30000"/>
+              </a:spcBef>
+              <a:spcAft>
+                <a:spcPct val="0"/>
+              </a:spcAft>
+              <a:buClr>
+                <a:schemeClr val="hlink"/>
+              </a:buClr>
+              <a:buSzPct val="95000"/>
+              <a:buFont typeface="Wingdings 2" pitchFamily="18" charset="2"/>
+              <a:buChar char="¡"/>
+              <a:defRPr sz="2400">
+                <a:solidFill>
+                  <a:schemeClr val="hlink"/>
+                </a:solidFill>
+                <a:latin typeface="微软雅黑" pitchFamily="34" charset="-122"/>
+                <a:ea typeface="微软雅黑" pitchFamily="34" charset="-122"/>
+              </a:defRPr>
+            </a:lvl3pPr>
+            <a:lvl4pPr marL="1600200" indent="-228600" algn="l" rtl="0" eaLnBrk="1" fontAlgn="base" hangingPunct="1">
+              <a:spcBef>
+                <a:spcPct val="30000"/>
+              </a:spcBef>
+              <a:spcAft>
+                <a:spcPct val="0"/>
+              </a:spcAft>
+              <a:buClr>
+                <a:schemeClr val="tx2"/>
+              </a:buClr>
+              <a:buSzPct val="90000"/>
+              <a:buFont typeface="Wingdings" pitchFamily="2" charset="2"/>
+              <a:buChar char="Ø"/>
+              <a:defRPr sz="2000">
+                <a:solidFill>
+                  <a:srgbClr val="990099"/>
+                </a:solidFill>
+                <a:latin typeface="微软雅黑" pitchFamily="34" charset="-122"/>
+                <a:ea typeface="微软雅黑" pitchFamily="34" charset="-122"/>
+              </a:defRPr>
+            </a:lvl4pPr>
+            <a:lvl5pPr marL="2057400" indent="-228600" algn="l" rtl="0" eaLnBrk="1" fontAlgn="base" hangingPunct="1">
+              <a:spcBef>
+                <a:spcPct val="30000"/>
+              </a:spcBef>
+              <a:spcAft>
+                <a:spcPct val="0"/>
+              </a:spcAft>
+              <a:buClr>
+                <a:schemeClr val="hlink"/>
+              </a:buClr>
+              <a:buFont typeface="Wingdings 2" pitchFamily="18" charset="2"/>
+              <a:buChar char="¡"/>
+              <a:defRPr sz="2000">
+                <a:solidFill>
+                  <a:schemeClr val="tx1"/>
+                </a:solidFill>
+                <a:latin typeface="微软雅黑" pitchFamily="34" charset="-122"/>
+                <a:ea typeface="微软雅黑" pitchFamily="34" charset="-122"/>
+              </a:defRPr>
+            </a:lvl5pPr>
+            <a:lvl6pPr marL="2514600" indent="-228600" algn="l" rtl="0" eaLnBrk="1" fontAlgn="base" hangingPunct="1">
+              <a:spcBef>
+                <a:spcPct val="30000"/>
+              </a:spcBef>
+              <a:spcAft>
+                <a:spcPct val="0"/>
+              </a:spcAft>
+              <a:buClr>
+                <a:schemeClr val="hlink"/>
+              </a:buClr>
+              <a:buFont typeface="Wingdings 2" pitchFamily="18" charset="2"/>
+              <a:buChar char="¡"/>
+              <a:defRPr sz="2000">
+                <a:solidFill>
+                  <a:schemeClr val="tx1"/>
+                </a:solidFill>
+                <a:latin typeface="+mn-lt"/>
+                <a:ea typeface="+mn-ea"/>
+              </a:defRPr>
+            </a:lvl6pPr>
+            <a:lvl7pPr marL="2971800" indent="-228600" algn="l" rtl="0" eaLnBrk="1" fontAlgn="base" hangingPunct="1">
+              <a:spcBef>
+                <a:spcPct val="30000"/>
+              </a:spcBef>
+              <a:spcAft>
+                <a:spcPct val="0"/>
+              </a:spcAft>
+              <a:buClr>
+                <a:schemeClr val="hlink"/>
+              </a:buClr>
+              <a:buFont typeface="Wingdings 2" pitchFamily="18" charset="2"/>
+              <a:buChar char="¡"/>
+              <a:defRPr sz="2000">
+                <a:solidFill>
+                  <a:schemeClr val="tx1"/>
+                </a:solidFill>
+                <a:latin typeface="+mn-lt"/>
+                <a:ea typeface="+mn-ea"/>
+              </a:defRPr>
+            </a:lvl7pPr>
+            <a:lvl8pPr marL="3429000" indent="-228600" algn="l" rtl="0" eaLnBrk="1" fontAlgn="base" hangingPunct="1">
+              <a:spcBef>
+                <a:spcPct val="30000"/>
+              </a:spcBef>
+              <a:spcAft>
+                <a:spcPct val="0"/>
+              </a:spcAft>
+              <a:buClr>
+                <a:schemeClr val="hlink"/>
+              </a:buClr>
+              <a:buFont typeface="Wingdings 2" pitchFamily="18" charset="2"/>
+              <a:buChar char="¡"/>
+              <a:defRPr sz="2000">
+                <a:solidFill>
+                  <a:schemeClr val="tx1"/>
+                </a:solidFill>
+                <a:latin typeface="+mn-lt"/>
+                <a:ea typeface="+mn-ea"/>
+              </a:defRPr>
+            </a:lvl8pPr>
+            <a:lvl9pPr marL="3886200" indent="-228600" algn="l" rtl="0" eaLnBrk="1" fontAlgn="base" hangingPunct="1">
+              <a:spcBef>
+                <a:spcPct val="30000"/>
+              </a:spcBef>
+              <a:spcAft>
+                <a:spcPct val="0"/>
+              </a:spcAft>
+              <a:buClr>
+                <a:schemeClr val="hlink"/>
+              </a:buClr>
+              <a:buFont typeface="Wingdings 2" pitchFamily="18" charset="2"/>
+              <a:buChar char="¡"/>
+              <a:defRPr sz="2000">
+                <a:solidFill>
+                  <a:schemeClr val="tx1"/>
+                </a:solidFill>
+                <a:latin typeface="+mn-lt"/>
+                <a:ea typeface="+mn-ea"/>
+              </a:defRPr>
+            </a:lvl9pPr>
+          </a:lstStyle>
+          <a:p>
+            <a:r>
+              <a:rPr lang="en-US" altLang="zh-CN" sz="2400" kern="0" dirty="0">
+                <a:latin typeface="+mn-lt"/>
+                <a:cs typeface="Times New Roman" panose="02020603050405020304" pitchFamily="18" charset="0"/>
+              </a:rPr>
+              <a:t>RETAU5200</a:t>
+            </a:r>
+            <a:endParaRPr lang="en-US" altLang="zh-CN" sz="2000" kern="0" dirty="0">
+              <a:latin typeface="+mn-lt"/>
+              <a:cs typeface="Times New Roman" panose="02020603050405020304" pitchFamily="18" charset="0"/>
+            </a:endParaRPr>
+          </a:p>
+          <a:p>
+            <a:pPr lvl="1"/>
+            <a:r>
+              <a:rPr lang="en-US" altLang="zh-CN" sz="2000" dirty="0">
+                <a:latin typeface="+mn-lt"/>
+                <a:cs typeface="Times New Roman" panose="02020603050405020304" pitchFamily="18" charset="0"/>
+              </a:rPr>
+              <a:t>CFL has influence on the statistics</a:t>
+            </a:r>
+          </a:p>
+        </p:txBody>
+      </p:sp>
+      <p:pic>
+        <p:nvPicPr>
+          <p:cNvPr id="4" name="Picture 3">
+            <a:extLst>
+              <a:ext uri="{FF2B5EF4-FFF2-40B4-BE49-F238E27FC236}">
+                <a16:creationId xmlns:a16="http://schemas.microsoft.com/office/drawing/2014/main" id="{1C3B916A-6DE7-1652-FF19-C3A7BF292D4C}"/>
+              </a:ext>
+            </a:extLst>
+          </p:cNvPr>
+          <p:cNvPicPr>
+            <a:picLocks noChangeAspect="1"/>
+          </p:cNvPicPr>
+          <p:nvPr/>
+        </p:nvPicPr>
+        <p:blipFill>
+          <a:blip r:embed="rId3"/>
+          <a:stretch>
+            <a:fillRect/>
+          </a:stretch>
+        </p:blipFill>
+        <p:spPr>
+          <a:xfrm>
+            <a:off x="1221606" y="1994741"/>
+            <a:ext cx="3200400" cy="2424859"/>
+          </a:xfrm>
+          <a:prstGeom prst="rect">
+            <a:avLst/>
+          </a:prstGeom>
+        </p:spPr>
+      </p:pic>
+      <p:pic>
+        <p:nvPicPr>
+          <p:cNvPr id="7" name="Picture 6">
+            <a:extLst>
+              <a:ext uri="{FF2B5EF4-FFF2-40B4-BE49-F238E27FC236}">
+                <a16:creationId xmlns:a16="http://schemas.microsoft.com/office/drawing/2014/main" id="{CC667EED-56A1-0AA4-AEE5-0F00328C189D}"/>
+              </a:ext>
+            </a:extLst>
+          </p:cNvPr>
+          <p:cNvPicPr>
+            <a:picLocks noChangeAspect="1"/>
+          </p:cNvPicPr>
+          <p:nvPr/>
+        </p:nvPicPr>
+        <p:blipFill>
+          <a:blip r:embed="rId4"/>
+          <a:stretch>
+            <a:fillRect/>
+          </a:stretch>
+        </p:blipFill>
+        <p:spPr>
+          <a:xfrm>
+            <a:off x="4419600" y="1992752"/>
+            <a:ext cx="3200400" cy="2409290"/>
+          </a:xfrm>
+          <a:prstGeom prst="rect">
+            <a:avLst/>
+          </a:prstGeom>
+        </p:spPr>
+      </p:pic>
+      <p:pic>
+        <p:nvPicPr>
+          <p:cNvPr id="14" name="Picture 13">
+            <a:extLst>
+              <a:ext uri="{FF2B5EF4-FFF2-40B4-BE49-F238E27FC236}">
+                <a16:creationId xmlns:a16="http://schemas.microsoft.com/office/drawing/2014/main" id="{CD121F3D-BE76-64CA-8390-8B0D96110E99}"/>
+              </a:ext>
+            </a:extLst>
+          </p:cNvPr>
+          <p:cNvPicPr>
+            <a:picLocks noChangeAspect="1"/>
+          </p:cNvPicPr>
+          <p:nvPr/>
+        </p:nvPicPr>
+        <p:blipFill>
+          <a:blip r:embed="rId5"/>
+          <a:stretch>
+            <a:fillRect/>
+          </a:stretch>
+        </p:blipFill>
+        <p:spPr>
+          <a:xfrm>
+            <a:off x="4419600" y="4400820"/>
+            <a:ext cx="3200400" cy="2408068"/>
+          </a:xfrm>
+          <a:prstGeom prst="rect">
+            <a:avLst/>
+          </a:prstGeom>
+        </p:spPr>
+      </p:pic>
+      <p:pic>
+        <p:nvPicPr>
+          <p:cNvPr id="18" name="Picture 17">
+            <a:extLst>
+              <a:ext uri="{FF2B5EF4-FFF2-40B4-BE49-F238E27FC236}">
+                <a16:creationId xmlns:a16="http://schemas.microsoft.com/office/drawing/2014/main" id="{4C1D288E-6D0F-6C6F-50C7-913B194E279C}"/>
+              </a:ext>
+            </a:extLst>
+          </p:cNvPr>
+          <p:cNvPicPr>
+            <a:picLocks noChangeAspect="1"/>
+          </p:cNvPicPr>
+          <p:nvPr/>
+        </p:nvPicPr>
+        <p:blipFill>
+          <a:blip r:embed="rId6"/>
+          <a:stretch>
+            <a:fillRect/>
+          </a:stretch>
+        </p:blipFill>
+        <p:spPr>
+          <a:xfrm>
+            <a:off x="1219200" y="4402042"/>
+            <a:ext cx="3200400" cy="2393879"/>
+          </a:xfrm>
+          <a:prstGeom prst="rect">
+            <a:avLst/>
+          </a:prstGeom>
+        </p:spPr>
+      </p:pic>
+    </p:spTree>
+    <p:extLst>
+      <p:ext uri="{BB962C8B-B14F-4D97-AF65-F5344CB8AC3E}">
+        <p14:creationId xmlns:p14="http://schemas.microsoft.com/office/powerpoint/2010/main" val="2078290593"/>
+      </p:ext>
+    </p:extLst>
+  </p:cSld>
+  <p:clrMapOvr>
+    <a:masterClrMapping/>
+  </p:clrMapOvr>
+  <p:transition spd="med" advTm="63997"/>
+</p:sld>
+</file>
+
+<file path=ppt/slides/slide22.xml><?xml version="1.0" encoding="utf-8"?>
+<p:sld xmlns:a="http://schemas.openxmlformats.org/drawingml/2006/main" xmlns:r="http://schemas.openxmlformats.org/officeDocument/2006/relationships" xmlns:p="http://schemas.openxmlformats.org/presentationml/2006/main">
+  <p:cSld>
+    <p:spTree>
+      <p:nvGrpSpPr>
+        <p:cNvPr id="1" name=""/>
+        <p:cNvGrpSpPr/>
+        <p:nvPr/>
+      </p:nvGrpSpPr>
+      <p:grpSpPr>
+        <a:xfrm>
+          <a:off x="0" y="0"/>
+          <a:ext cx="0" cy="0"/>
+          <a:chOff x="0" y="0"/>
+          <a:chExt cx="0" cy="0"/>
+        </a:xfrm>
+      </p:grpSpPr>
+      <p:sp>
+        <p:nvSpPr>
+          <p:cNvPr id="2" name="Title 1"/>
+          <p:cNvSpPr>
+            <a:spLocks noGrp="1"/>
+          </p:cNvSpPr>
+          <p:nvPr>
+            <p:ph type="title"/>
+          </p:nvPr>
+        </p:nvSpPr>
+        <p:spPr>
+          <a:xfrm>
+            <a:off x="152400" y="152400"/>
+            <a:ext cx="8610600" cy="838200"/>
+          </a:xfrm>
+        </p:spPr>
+        <p:txBody>
+          <a:bodyPr/>
+          <a:lstStyle/>
+          <a:p>
+            <a:r>
+              <a:rPr lang="en-US" altLang="zh-CN" dirty="0"/>
+              <a:t>Channel</a:t>
+            </a:r>
+            <a:endParaRPr lang="zh-CN" altLang="en-US" dirty="0"/>
+          </a:p>
+        </p:txBody>
+      </p:sp>
+      <p:sp>
+        <p:nvSpPr>
+          <p:cNvPr id="9" name="Rectangle 2"/>
+          <p:cNvSpPr>
+            <a:spLocks noChangeArrowheads="1"/>
+          </p:cNvSpPr>
+          <p:nvPr/>
+        </p:nvSpPr>
+        <p:spPr bwMode="auto">
+          <a:xfrm>
+            <a:off x="0" y="0"/>
+            <a:ext cx="9144000" cy="0"/>
+          </a:xfrm>
+          <a:prstGeom prst="rect">
+            <a:avLst/>
+          </a:prstGeom>
+          <a:noFill/>
+          <a:ln>
+            <a:noFill/>
+          </a:ln>
+          <a:effectLst/>
+          <a:extLst>
+            <a:ext uri="{909E8E84-426E-40DD-AFC4-6F175D3DCCD1}">
+              <a14:hiddenFill xmlns:a14="http://schemas.microsoft.com/office/drawing/2010/main">
+                <a:solidFill>
+                  <a:schemeClr val="accent1"/>
+                </a:solidFill>
+              </a14:hiddenFill>
+            </a:ext>
+            <a:ext uri="{91240B29-F687-4F45-9708-019B960494DF}">
+              <a14:hiddenLine xmlns:a14="http://schemas.microsoft.com/office/drawing/2010/main" w="9525">
+                <a:solidFill>
+                  <a:schemeClr val="tx1"/>
+                </a:solidFill>
+                <a:miter lim="800000"/>
+                <a:headEnd/>
+                <a:tailEnd/>
+              </a14:hiddenLine>
+            </a:ext>
+            <a:ext uri="{AF507438-7753-43E0-B8FC-AC1667EBCBE1}">
+              <a14:hiddenEffects xmlns:a14="http://schemas.microsoft.com/office/drawing/2010/main">
+                <a:effectLst>
+                  <a:outerShdw dist="35921" dir="2700000" algn="ctr" rotWithShape="0">
+                    <a:schemeClr val="bg2"/>
+                  </a:outerShdw>
+                </a:effectLst>
+              </a14:hiddenEffects>
+            </a:ext>
+          </a:extLst>
+        </p:spPr>
+        <p:txBody>
+          <a:bodyPr vert="horz" wrap="none" lIns="91440" tIns="45720" rIns="91440" bIns="45720" numCol="1" anchor="ctr" anchorCtr="0" compatLnSpc="1">
+            <a:prstTxWarp prst="textNoShape">
+              <a:avLst/>
+            </a:prstTxWarp>
+            <a:spAutoFit/>
+          </a:bodyPr>
+          <a:lstStyle/>
+          <a:p>
+            <a:endParaRPr lang="zh-CN" altLang="en-US"/>
+          </a:p>
+        </p:txBody>
+      </p:sp>
+      <p:sp>
+        <p:nvSpPr>
+          <p:cNvPr id="17" name="内容占位符 2">
+            <a:extLst>
+              <a:ext uri="{FF2B5EF4-FFF2-40B4-BE49-F238E27FC236}">
+                <a16:creationId xmlns:a16="http://schemas.microsoft.com/office/drawing/2014/main" id="{D7B13CA5-CF5D-287A-9ACB-EF5CA77485F1}"/>
+              </a:ext>
+            </a:extLst>
+          </p:cNvPr>
+          <p:cNvSpPr txBox="1">
+            <a:spLocks/>
+          </p:cNvSpPr>
+          <p:nvPr/>
+        </p:nvSpPr>
+        <p:spPr bwMode="auto">
+          <a:xfrm>
+            <a:off x="93652" y="1068113"/>
+            <a:ext cx="4783148" cy="932338"/>
+          </a:xfrm>
+          <a:prstGeom prst="rect">
+            <a:avLst/>
+          </a:prstGeom>
+          <a:noFill/>
+          <a:ln>
+            <a:noFill/>
+          </a:ln>
+          <a:extLst>
+            <a:ext uri="{909E8E84-426E-40DD-AFC4-6F175D3DCCD1}">
+              <a14:hiddenFill xmlns:a14="http://schemas.microsoft.com/office/drawing/2010/main">
+                <a:solidFill>
+                  <a:srgbClr val="FFFFFF"/>
+                </a:solidFill>
+              </a14:hiddenFill>
+            </a:ext>
+            <a:ext uri="{91240B29-F687-4F45-9708-019B960494DF}">
+              <a14:hiddenLine xmlns:a14="http://schemas.microsoft.com/office/drawing/2010/main" w="28575">
+                <a:solidFill>
+                  <a:srgbClr val="000000"/>
+                </a:solidFill>
+                <a:miter lim="800000"/>
+                <a:headEnd/>
+                <a:tailEnd/>
+              </a14:hiddenLine>
+            </a:ext>
+          </a:extLst>
+        </p:spPr>
+        <p:txBody>
+          <a:bodyPr vert="horz" wrap="square" lIns="91440" tIns="45720" rIns="91440" bIns="45720" numCol="1" anchor="t" anchorCtr="0" compatLnSpc="1">
+            <a:prstTxWarp prst="textNoShape">
+              <a:avLst/>
+            </a:prstTxWarp>
+          </a:bodyPr>
+          <a:lstStyle>
+            <a:lvl1pPr marL="342900" indent="-342900" algn="l" rtl="0" eaLnBrk="1" fontAlgn="base" hangingPunct="1">
+              <a:spcBef>
+                <a:spcPct val="30000"/>
+              </a:spcBef>
+              <a:spcAft>
+                <a:spcPct val="0"/>
+              </a:spcAft>
+              <a:buClr>
+                <a:schemeClr val="hlink"/>
+              </a:buClr>
+              <a:buFont typeface="Wingdings" pitchFamily="2" charset="2"/>
+              <a:buChar char="§"/>
+              <a:defRPr sz="3200">
+                <a:solidFill>
+                  <a:srgbClr val="000066"/>
+                </a:solidFill>
+                <a:latin typeface="微软雅黑" pitchFamily="34" charset="-122"/>
+                <a:ea typeface="微软雅黑" pitchFamily="34" charset="-122"/>
+                <a:cs typeface="+mn-cs"/>
+              </a:defRPr>
+            </a:lvl1pPr>
+            <a:lvl2pPr marL="742950" indent="-285750" algn="l" rtl="0" eaLnBrk="1" fontAlgn="base" hangingPunct="1">
+              <a:spcBef>
+                <a:spcPct val="30000"/>
+              </a:spcBef>
+              <a:spcAft>
+                <a:spcPct val="0"/>
+              </a:spcAft>
+              <a:buClr>
+                <a:schemeClr val="tx2"/>
+              </a:buClr>
+              <a:buSzPct val="85000"/>
+              <a:buFont typeface="Wingdings" pitchFamily="2" charset="2"/>
+              <a:buChar char="Ø"/>
+              <a:defRPr sz="2800">
+                <a:solidFill>
+                  <a:srgbClr val="006666"/>
+                </a:solidFill>
+                <a:latin typeface="微软雅黑" pitchFamily="34" charset="-122"/>
+                <a:ea typeface="微软雅黑" pitchFamily="34" charset="-122"/>
+              </a:defRPr>
+            </a:lvl2pPr>
+            <a:lvl3pPr marL="1143000" indent="-228600" algn="l" rtl="0" eaLnBrk="1" fontAlgn="base" hangingPunct="1">
+              <a:spcBef>
+                <a:spcPct val="30000"/>
+              </a:spcBef>
+              <a:spcAft>
+                <a:spcPct val="0"/>
+              </a:spcAft>
+              <a:buClr>
+                <a:schemeClr val="hlink"/>
+              </a:buClr>
+              <a:buSzPct val="95000"/>
+              <a:buFont typeface="Wingdings 2" pitchFamily="18" charset="2"/>
+              <a:buChar char="¡"/>
+              <a:defRPr sz="2400">
+                <a:solidFill>
+                  <a:schemeClr val="hlink"/>
+                </a:solidFill>
+                <a:latin typeface="微软雅黑" pitchFamily="34" charset="-122"/>
+                <a:ea typeface="微软雅黑" pitchFamily="34" charset="-122"/>
+              </a:defRPr>
+            </a:lvl3pPr>
+            <a:lvl4pPr marL="1600200" indent="-228600" algn="l" rtl="0" eaLnBrk="1" fontAlgn="base" hangingPunct="1">
+              <a:spcBef>
+                <a:spcPct val="30000"/>
+              </a:spcBef>
+              <a:spcAft>
+                <a:spcPct val="0"/>
+              </a:spcAft>
+              <a:buClr>
+                <a:schemeClr val="tx2"/>
+              </a:buClr>
+              <a:buSzPct val="90000"/>
+              <a:buFont typeface="Wingdings" pitchFamily="2" charset="2"/>
+              <a:buChar char="Ø"/>
+              <a:defRPr sz="2000">
+                <a:solidFill>
+                  <a:srgbClr val="990099"/>
+                </a:solidFill>
+                <a:latin typeface="微软雅黑" pitchFamily="34" charset="-122"/>
+                <a:ea typeface="微软雅黑" pitchFamily="34" charset="-122"/>
+              </a:defRPr>
+            </a:lvl4pPr>
+            <a:lvl5pPr marL="2057400" indent="-228600" algn="l" rtl="0" eaLnBrk="1" fontAlgn="base" hangingPunct="1">
+              <a:spcBef>
+                <a:spcPct val="30000"/>
+              </a:spcBef>
+              <a:spcAft>
+                <a:spcPct val="0"/>
+              </a:spcAft>
+              <a:buClr>
+                <a:schemeClr val="hlink"/>
+              </a:buClr>
+              <a:buFont typeface="Wingdings 2" pitchFamily="18" charset="2"/>
+              <a:buChar char="¡"/>
+              <a:defRPr sz="2000">
+                <a:solidFill>
+                  <a:schemeClr val="tx1"/>
+                </a:solidFill>
+                <a:latin typeface="微软雅黑" pitchFamily="34" charset="-122"/>
+                <a:ea typeface="微软雅黑" pitchFamily="34" charset="-122"/>
+              </a:defRPr>
+            </a:lvl5pPr>
+            <a:lvl6pPr marL="2514600" indent="-228600" algn="l" rtl="0" eaLnBrk="1" fontAlgn="base" hangingPunct="1">
+              <a:spcBef>
+                <a:spcPct val="30000"/>
+              </a:spcBef>
+              <a:spcAft>
+                <a:spcPct val="0"/>
+              </a:spcAft>
+              <a:buClr>
+                <a:schemeClr val="hlink"/>
+              </a:buClr>
+              <a:buFont typeface="Wingdings 2" pitchFamily="18" charset="2"/>
+              <a:buChar char="¡"/>
+              <a:defRPr sz="2000">
+                <a:solidFill>
+                  <a:schemeClr val="tx1"/>
+                </a:solidFill>
+                <a:latin typeface="+mn-lt"/>
+                <a:ea typeface="+mn-ea"/>
+              </a:defRPr>
+            </a:lvl6pPr>
+            <a:lvl7pPr marL="2971800" indent="-228600" algn="l" rtl="0" eaLnBrk="1" fontAlgn="base" hangingPunct="1">
+              <a:spcBef>
+                <a:spcPct val="30000"/>
+              </a:spcBef>
+              <a:spcAft>
+                <a:spcPct val="0"/>
+              </a:spcAft>
+              <a:buClr>
+                <a:schemeClr val="hlink"/>
+              </a:buClr>
+              <a:buFont typeface="Wingdings 2" pitchFamily="18" charset="2"/>
+              <a:buChar char="¡"/>
+              <a:defRPr sz="2000">
+                <a:solidFill>
+                  <a:schemeClr val="tx1"/>
+                </a:solidFill>
+                <a:latin typeface="+mn-lt"/>
+                <a:ea typeface="+mn-ea"/>
+              </a:defRPr>
+            </a:lvl7pPr>
+            <a:lvl8pPr marL="3429000" indent="-228600" algn="l" rtl="0" eaLnBrk="1" fontAlgn="base" hangingPunct="1">
+              <a:spcBef>
+                <a:spcPct val="30000"/>
+              </a:spcBef>
+              <a:spcAft>
+                <a:spcPct val="0"/>
+              </a:spcAft>
+              <a:buClr>
+                <a:schemeClr val="hlink"/>
+              </a:buClr>
+              <a:buFont typeface="Wingdings 2" pitchFamily="18" charset="2"/>
+              <a:buChar char="¡"/>
+              <a:defRPr sz="2000">
+                <a:solidFill>
+                  <a:schemeClr val="tx1"/>
+                </a:solidFill>
+                <a:latin typeface="+mn-lt"/>
+                <a:ea typeface="+mn-ea"/>
+              </a:defRPr>
+            </a:lvl8pPr>
+            <a:lvl9pPr marL="3886200" indent="-228600" algn="l" rtl="0" eaLnBrk="1" fontAlgn="base" hangingPunct="1">
+              <a:spcBef>
+                <a:spcPct val="30000"/>
+              </a:spcBef>
+              <a:spcAft>
+                <a:spcPct val="0"/>
+              </a:spcAft>
+              <a:buClr>
+                <a:schemeClr val="hlink"/>
+              </a:buClr>
+              <a:buFont typeface="Wingdings 2" pitchFamily="18" charset="2"/>
+              <a:buChar char="¡"/>
+              <a:defRPr sz="2000">
+                <a:solidFill>
+                  <a:schemeClr val="tx1"/>
+                </a:solidFill>
+                <a:latin typeface="+mn-lt"/>
+                <a:ea typeface="+mn-ea"/>
+              </a:defRPr>
+            </a:lvl9pPr>
+          </a:lstStyle>
+          <a:p>
+            <a:r>
+              <a:rPr lang="en-US" altLang="zh-CN" sz="2400" kern="0" dirty="0">
+                <a:latin typeface="+mn-lt"/>
+                <a:cs typeface="Times New Roman" panose="02020603050405020304" pitchFamily="18" charset="0"/>
+              </a:rPr>
+              <a:t>RETAU5200</a:t>
+            </a:r>
+            <a:endParaRPr lang="en-US" altLang="zh-CN" sz="2000" kern="0" dirty="0">
+              <a:latin typeface="+mn-lt"/>
+              <a:cs typeface="Times New Roman" panose="02020603050405020304" pitchFamily="18" charset="0"/>
+            </a:endParaRPr>
+          </a:p>
+          <a:p>
+            <a:pPr lvl="1"/>
+            <a:r>
+              <a:rPr lang="en-US" altLang="zh-CN" sz="2000" dirty="0">
+                <a:latin typeface="+mn-lt"/>
+                <a:cs typeface="Times New Roman" panose="02020603050405020304" pitchFamily="18" charset="0"/>
+              </a:rPr>
+              <a:t>CFL</a:t>
+            </a:r>
+          </a:p>
+        </p:txBody>
+      </p:sp>
+      <p:pic>
+        <p:nvPicPr>
+          <p:cNvPr id="5" name="Picture 4">
+            <a:extLst>
+              <a:ext uri="{FF2B5EF4-FFF2-40B4-BE49-F238E27FC236}">
+                <a16:creationId xmlns:a16="http://schemas.microsoft.com/office/drawing/2014/main" id="{2DA78EF1-E6DC-E8A0-DACF-202C3B44799E}"/>
+              </a:ext>
+            </a:extLst>
+          </p:cNvPr>
+          <p:cNvPicPr>
+            <a:picLocks noChangeAspect="1"/>
+          </p:cNvPicPr>
+          <p:nvPr/>
+        </p:nvPicPr>
+        <p:blipFill>
+          <a:blip r:embed="rId3"/>
+          <a:stretch>
+            <a:fillRect/>
+          </a:stretch>
+        </p:blipFill>
+        <p:spPr>
+          <a:xfrm>
+            <a:off x="1295400" y="1962994"/>
+            <a:ext cx="3200400" cy="2402873"/>
+          </a:xfrm>
+          <a:prstGeom prst="rect">
+            <a:avLst/>
+          </a:prstGeom>
+        </p:spPr>
+      </p:pic>
+      <p:pic>
+        <p:nvPicPr>
+          <p:cNvPr id="8" name="Picture 7">
+            <a:extLst>
+              <a:ext uri="{FF2B5EF4-FFF2-40B4-BE49-F238E27FC236}">
+                <a16:creationId xmlns:a16="http://schemas.microsoft.com/office/drawing/2014/main" id="{3B8817A4-BAD6-D1BB-A35A-682F66B22299}"/>
+              </a:ext>
+            </a:extLst>
+          </p:cNvPr>
+          <p:cNvPicPr>
+            <a:picLocks noChangeAspect="1"/>
+          </p:cNvPicPr>
+          <p:nvPr/>
+        </p:nvPicPr>
+        <p:blipFill>
+          <a:blip r:embed="rId4"/>
+          <a:stretch>
+            <a:fillRect/>
+          </a:stretch>
+        </p:blipFill>
+        <p:spPr>
+          <a:xfrm>
+            <a:off x="4495800" y="1955309"/>
+            <a:ext cx="3200400" cy="2410558"/>
+          </a:xfrm>
+          <a:prstGeom prst="rect">
+            <a:avLst/>
+          </a:prstGeom>
+        </p:spPr>
+      </p:pic>
+      <p:pic>
+        <p:nvPicPr>
+          <p:cNvPr id="11" name="Picture 10">
+            <a:extLst>
+              <a:ext uri="{FF2B5EF4-FFF2-40B4-BE49-F238E27FC236}">
+                <a16:creationId xmlns:a16="http://schemas.microsoft.com/office/drawing/2014/main" id="{F65F42CA-1EC8-F0A2-FBB6-0ED9269E4B08}"/>
+              </a:ext>
+            </a:extLst>
+          </p:cNvPr>
+          <p:cNvPicPr>
+            <a:picLocks noChangeAspect="1"/>
+          </p:cNvPicPr>
+          <p:nvPr/>
+        </p:nvPicPr>
+        <p:blipFill>
+          <a:blip r:embed="rId5"/>
+          <a:stretch>
+            <a:fillRect/>
+          </a:stretch>
+        </p:blipFill>
+        <p:spPr>
+          <a:xfrm>
+            <a:off x="1295400" y="4360852"/>
+            <a:ext cx="3200400" cy="2420948"/>
+          </a:xfrm>
+          <a:prstGeom prst="rect">
+            <a:avLst/>
+          </a:prstGeom>
+        </p:spPr>
+      </p:pic>
+      <p:pic>
+        <p:nvPicPr>
+          <p:cNvPr id="13" name="Picture 12">
+            <a:extLst>
+              <a:ext uri="{FF2B5EF4-FFF2-40B4-BE49-F238E27FC236}">
+                <a16:creationId xmlns:a16="http://schemas.microsoft.com/office/drawing/2014/main" id="{917E1E48-8415-1E7C-92F2-3443C76A2B19}"/>
+              </a:ext>
+            </a:extLst>
+          </p:cNvPr>
+          <p:cNvPicPr>
+            <a:picLocks noChangeAspect="1"/>
+          </p:cNvPicPr>
+          <p:nvPr/>
+        </p:nvPicPr>
+        <p:blipFill>
+          <a:blip r:embed="rId6"/>
+          <a:stretch>
+            <a:fillRect/>
+          </a:stretch>
+        </p:blipFill>
+        <p:spPr>
+          <a:xfrm>
+            <a:off x="4572000" y="4373740"/>
+            <a:ext cx="3200400" cy="2395171"/>
+          </a:xfrm>
+          <a:prstGeom prst="rect">
+            <a:avLst/>
+          </a:prstGeom>
+        </p:spPr>
+      </p:pic>
+    </p:spTree>
+    <p:extLst>
+      <p:ext uri="{BB962C8B-B14F-4D97-AF65-F5344CB8AC3E}">
+        <p14:creationId xmlns:p14="http://schemas.microsoft.com/office/powerpoint/2010/main" val="2306774649"/>
+      </p:ext>
+    </p:extLst>
+  </p:cSld>
+  <p:clrMapOvr>
+    <a:masterClrMapping/>
+  </p:clrMapOvr>
+  <p:transition spd="med" advTm="63997"/>
+</p:sld>
+</file>
+
+<file path=ppt/slides/slide23.xml><?xml version="1.0" encoding="utf-8"?>
+<p:sld xmlns:a="http://schemas.openxmlformats.org/drawingml/2006/main" xmlns:r="http://schemas.openxmlformats.org/officeDocument/2006/relationships" xmlns:p="http://schemas.openxmlformats.org/presentationml/2006/main">
+  <p:cSld>
+    <p:spTree>
+      <p:nvGrpSpPr>
+        <p:cNvPr id="1" name=""/>
+        <p:cNvGrpSpPr/>
+        <p:nvPr/>
+      </p:nvGrpSpPr>
+      <p:grpSpPr>
+        <a:xfrm>
+          <a:off x="0" y="0"/>
+          <a:ext cx="0" cy="0"/>
+          <a:chOff x="0" y="0"/>
+          <a:chExt cx="0" cy="0"/>
+        </a:xfrm>
+      </p:grpSpPr>
+      <p:sp>
+        <p:nvSpPr>
           <p:cNvPr id="6" name="Title 1">
             <a:extLst>
               <a:ext uri="{FF2B5EF4-FFF2-40B4-BE49-F238E27FC236}">
@@ -31101,7 +32750,7 @@
 </p:sld>
 </file>
 
-<file path=ppt/slides/slide21.xml><?xml version="1.0" encoding="utf-8"?>
+<file path=ppt/slides/slide24.xml><?xml version="1.0" encoding="utf-8"?>
 <p:sld xmlns:a="http://schemas.openxmlformats.org/drawingml/2006/main" xmlns:r="http://schemas.openxmlformats.org/officeDocument/2006/relationships" xmlns:p="http://schemas.openxmlformats.org/presentationml/2006/main">
   <p:cSld>
     <p:spTree>
@@ -31549,7 +33198,7 @@
 </p:sld>
 </file>
 
-<file path=ppt/slides/slide22.xml><?xml version="1.0" encoding="utf-8"?>
+<file path=ppt/slides/slide25.xml><?xml version="1.0" encoding="utf-8"?>
 <p:sld xmlns:a="http://schemas.openxmlformats.org/drawingml/2006/main" xmlns:r="http://schemas.openxmlformats.org/officeDocument/2006/relationships" xmlns:p="http://schemas.openxmlformats.org/presentationml/2006/main">
   <p:cSld>
     <p:spTree>
@@ -32054,7 +33703,7 @@
 </p:sld>
 </file>
 
-<file path=ppt/slides/slide23.xml><?xml version="1.0" encoding="utf-8"?>
+<file path=ppt/slides/slide26.xml><?xml version="1.0" encoding="utf-8"?>
 <p:sld xmlns:a="http://schemas.openxmlformats.org/drawingml/2006/main" xmlns:r="http://schemas.openxmlformats.org/officeDocument/2006/relationships" xmlns:p="http://schemas.openxmlformats.org/presentationml/2006/main">
   <p:cSld>
     <p:spTree>
@@ -32559,7 +34208,7 @@
 </p:sld>
 </file>
 
-<file path=ppt/slides/slide24.xml><?xml version="1.0" encoding="utf-8"?>
+<file path=ppt/slides/slide27.xml><?xml version="1.0" encoding="utf-8"?>
 <p:sld xmlns:a="http://schemas.openxmlformats.org/drawingml/2006/main" xmlns:r="http://schemas.openxmlformats.org/officeDocument/2006/relationships" xmlns:p="http://schemas.openxmlformats.org/presentationml/2006/main">
   <p:cSld>
     <p:spTree>
@@ -33080,7 +34729,7 @@
 </p:sld>
 </file>
 
-<file path=ppt/slides/slide25.xml><?xml version="1.0" encoding="utf-8"?>
+<file path=ppt/slides/slide28.xml><?xml version="1.0" encoding="utf-8"?>
 <p:sld xmlns:a="http://schemas.openxmlformats.org/drawingml/2006/main" xmlns:r="http://schemas.openxmlformats.org/officeDocument/2006/relationships" xmlns:p="http://schemas.openxmlformats.org/presentationml/2006/main">
   <p:cSld>
     <p:spTree>
@@ -33460,7 +35109,7 @@
 </p:sld>
 </file>
 
-<file path=ppt/slides/slide26.xml><?xml version="1.0" encoding="utf-8"?>
+<file path=ppt/slides/slide29.xml><?xml version="1.0" encoding="utf-8"?>
 <p:sld xmlns:a="http://schemas.openxmlformats.org/drawingml/2006/main" xmlns:r="http://schemas.openxmlformats.org/officeDocument/2006/relationships" xmlns:p="http://schemas.openxmlformats.org/presentationml/2006/main">
   <p:cSld>
     <p:spTree>
@@ -34671,6 +36320,347 @@
   <p:cSld>
     <p:spTree>
       <p:nvGrpSpPr>
+        <p:cNvPr id="1" name="">
+          <a:extLst>
+            <a:ext uri="{FF2B5EF4-FFF2-40B4-BE49-F238E27FC236}">
+              <a16:creationId xmlns:a16="http://schemas.microsoft.com/office/drawing/2014/main" id="{E36FAF1C-FB3C-6E4F-3EF6-B91416465A30}"/>
+            </a:ext>
+          </a:extLst>
+        </p:cNvPr>
+        <p:cNvGrpSpPr/>
+        <p:nvPr/>
+      </p:nvGrpSpPr>
+      <p:grpSpPr>
+        <a:xfrm>
+          <a:off x="0" y="0"/>
+          <a:ext cx="0" cy="0"/>
+          <a:chOff x="0" y="0"/>
+          <a:chExt cx="0" cy="0"/>
+        </a:xfrm>
+      </p:grpSpPr>
+      <p:sp>
+        <p:nvSpPr>
+          <p:cNvPr id="2" name="Title 1">
+            <a:extLst>
+              <a:ext uri="{FF2B5EF4-FFF2-40B4-BE49-F238E27FC236}">
+                <a16:creationId xmlns:a16="http://schemas.microsoft.com/office/drawing/2014/main" id="{5ADC8DE3-593B-5208-402D-39D2452CA6CD}"/>
+              </a:ext>
+            </a:extLst>
+          </p:cNvPr>
+          <p:cNvSpPr>
+            <a:spLocks noGrp="1"/>
+          </p:cNvSpPr>
+          <p:nvPr>
+            <p:ph type="title"/>
+          </p:nvPr>
+        </p:nvSpPr>
+        <p:spPr>
+          <a:xfrm>
+            <a:off x="152400" y="152400"/>
+            <a:ext cx="8610600" cy="838200"/>
+          </a:xfrm>
+        </p:spPr>
+        <p:txBody>
+          <a:bodyPr/>
+          <a:lstStyle/>
+          <a:p>
+            <a:r>
+              <a:rPr lang="en-US" altLang="zh-CN" dirty="0"/>
+              <a:t>Channel</a:t>
+            </a:r>
+            <a:endParaRPr lang="zh-CN" altLang="en-US" dirty="0"/>
+          </a:p>
+        </p:txBody>
+      </p:sp>
+      <p:sp>
+        <p:nvSpPr>
+          <p:cNvPr id="3" name="内容占位符 2">
+            <a:extLst>
+              <a:ext uri="{FF2B5EF4-FFF2-40B4-BE49-F238E27FC236}">
+                <a16:creationId xmlns:a16="http://schemas.microsoft.com/office/drawing/2014/main" id="{546BAD6D-09F4-5710-5F64-F0C2FF48AF3D}"/>
+              </a:ext>
+            </a:extLst>
+          </p:cNvPr>
+          <p:cNvSpPr txBox="1">
+            <a:spLocks/>
+          </p:cNvSpPr>
+          <p:nvPr/>
+        </p:nvSpPr>
+        <p:spPr bwMode="auto">
+          <a:xfrm>
+            <a:off x="93652" y="1068113"/>
+            <a:ext cx="8897948" cy="1625630"/>
+          </a:xfrm>
+          <a:prstGeom prst="rect">
+            <a:avLst/>
+          </a:prstGeom>
+          <a:noFill/>
+          <a:ln>
+            <a:noFill/>
+          </a:ln>
+          <a:extLst>
+            <a:ext uri="{909E8E84-426E-40DD-AFC4-6F175D3DCCD1}">
+              <a14:hiddenFill xmlns:a14="http://schemas.microsoft.com/office/drawing/2010/main">
+                <a:solidFill>
+                  <a:srgbClr val="FFFFFF"/>
+                </a:solidFill>
+              </a14:hiddenFill>
+            </a:ext>
+            <a:ext uri="{91240B29-F687-4F45-9708-019B960494DF}">
+              <a14:hiddenLine xmlns:a14="http://schemas.microsoft.com/office/drawing/2010/main" w="28575">
+                <a:solidFill>
+                  <a:srgbClr val="000000"/>
+                </a:solidFill>
+                <a:miter lim="800000"/>
+                <a:headEnd/>
+                <a:tailEnd/>
+              </a14:hiddenLine>
+            </a:ext>
+          </a:extLst>
+        </p:spPr>
+        <p:txBody>
+          <a:bodyPr vert="horz" wrap="square" lIns="91440" tIns="45720" rIns="91440" bIns="45720" numCol="1" anchor="t" anchorCtr="0" compatLnSpc="1">
+            <a:prstTxWarp prst="textNoShape">
+              <a:avLst/>
+            </a:prstTxWarp>
+          </a:bodyPr>
+          <a:lstStyle>
+            <a:lvl1pPr marL="342900" indent="-342900" algn="l" rtl="0" eaLnBrk="1" fontAlgn="base" hangingPunct="1">
+              <a:spcBef>
+                <a:spcPct val="30000"/>
+              </a:spcBef>
+              <a:spcAft>
+                <a:spcPct val="0"/>
+              </a:spcAft>
+              <a:buClr>
+                <a:schemeClr val="hlink"/>
+              </a:buClr>
+              <a:buFont typeface="Wingdings" pitchFamily="2" charset="2"/>
+              <a:buChar char="§"/>
+              <a:defRPr sz="3200">
+                <a:solidFill>
+                  <a:srgbClr val="000066"/>
+                </a:solidFill>
+                <a:latin typeface="微软雅黑" pitchFamily="34" charset="-122"/>
+                <a:ea typeface="微软雅黑" pitchFamily="34" charset="-122"/>
+                <a:cs typeface="+mn-cs"/>
+              </a:defRPr>
+            </a:lvl1pPr>
+            <a:lvl2pPr marL="742950" indent="-285750" algn="l" rtl="0" eaLnBrk="1" fontAlgn="base" hangingPunct="1">
+              <a:spcBef>
+                <a:spcPct val="30000"/>
+              </a:spcBef>
+              <a:spcAft>
+                <a:spcPct val="0"/>
+              </a:spcAft>
+              <a:buClr>
+                <a:schemeClr val="tx2"/>
+              </a:buClr>
+              <a:buSzPct val="85000"/>
+              <a:buFont typeface="Wingdings" pitchFamily="2" charset="2"/>
+              <a:buChar char="Ø"/>
+              <a:defRPr sz="2800">
+                <a:solidFill>
+                  <a:srgbClr val="006666"/>
+                </a:solidFill>
+                <a:latin typeface="微软雅黑" pitchFamily="34" charset="-122"/>
+                <a:ea typeface="微软雅黑" pitchFamily="34" charset="-122"/>
+              </a:defRPr>
+            </a:lvl2pPr>
+            <a:lvl3pPr marL="1143000" indent="-228600" algn="l" rtl="0" eaLnBrk="1" fontAlgn="base" hangingPunct="1">
+              <a:spcBef>
+                <a:spcPct val="30000"/>
+              </a:spcBef>
+              <a:spcAft>
+                <a:spcPct val="0"/>
+              </a:spcAft>
+              <a:buClr>
+                <a:schemeClr val="hlink"/>
+              </a:buClr>
+              <a:buSzPct val="95000"/>
+              <a:buFont typeface="Wingdings 2" pitchFamily="18" charset="2"/>
+              <a:buChar char="¡"/>
+              <a:defRPr sz="2400">
+                <a:solidFill>
+                  <a:schemeClr val="hlink"/>
+                </a:solidFill>
+                <a:latin typeface="微软雅黑" pitchFamily="34" charset="-122"/>
+                <a:ea typeface="微软雅黑" pitchFamily="34" charset="-122"/>
+              </a:defRPr>
+            </a:lvl3pPr>
+            <a:lvl4pPr marL="1600200" indent="-228600" algn="l" rtl="0" eaLnBrk="1" fontAlgn="base" hangingPunct="1">
+              <a:spcBef>
+                <a:spcPct val="30000"/>
+              </a:spcBef>
+              <a:spcAft>
+                <a:spcPct val="0"/>
+              </a:spcAft>
+              <a:buClr>
+                <a:schemeClr val="tx2"/>
+              </a:buClr>
+              <a:buSzPct val="90000"/>
+              <a:buFont typeface="Wingdings" pitchFamily="2" charset="2"/>
+              <a:buChar char="Ø"/>
+              <a:defRPr sz="2000">
+                <a:solidFill>
+                  <a:srgbClr val="990099"/>
+                </a:solidFill>
+                <a:latin typeface="微软雅黑" pitchFamily="34" charset="-122"/>
+                <a:ea typeface="微软雅黑" pitchFamily="34" charset="-122"/>
+              </a:defRPr>
+            </a:lvl4pPr>
+            <a:lvl5pPr marL="2057400" indent="-228600" algn="l" rtl="0" eaLnBrk="1" fontAlgn="base" hangingPunct="1">
+              <a:spcBef>
+                <a:spcPct val="30000"/>
+              </a:spcBef>
+              <a:spcAft>
+                <a:spcPct val="0"/>
+              </a:spcAft>
+              <a:buClr>
+                <a:schemeClr val="hlink"/>
+              </a:buClr>
+              <a:buFont typeface="Wingdings 2" pitchFamily="18" charset="2"/>
+              <a:buChar char="¡"/>
+              <a:defRPr sz="2000">
+                <a:solidFill>
+                  <a:schemeClr val="tx1"/>
+                </a:solidFill>
+                <a:latin typeface="微软雅黑" pitchFamily="34" charset="-122"/>
+                <a:ea typeface="微软雅黑" pitchFamily="34" charset="-122"/>
+              </a:defRPr>
+            </a:lvl5pPr>
+            <a:lvl6pPr marL="2514600" indent="-228600" algn="l" rtl="0" eaLnBrk="1" fontAlgn="base" hangingPunct="1">
+              <a:spcBef>
+                <a:spcPct val="30000"/>
+              </a:spcBef>
+              <a:spcAft>
+                <a:spcPct val="0"/>
+              </a:spcAft>
+              <a:buClr>
+                <a:schemeClr val="hlink"/>
+              </a:buClr>
+              <a:buFont typeface="Wingdings 2" pitchFamily="18" charset="2"/>
+              <a:buChar char="¡"/>
+              <a:defRPr sz="2000">
+                <a:solidFill>
+                  <a:schemeClr val="tx1"/>
+                </a:solidFill>
+                <a:latin typeface="+mn-lt"/>
+                <a:ea typeface="+mn-ea"/>
+              </a:defRPr>
+            </a:lvl6pPr>
+            <a:lvl7pPr marL="2971800" indent="-228600" algn="l" rtl="0" eaLnBrk="1" fontAlgn="base" hangingPunct="1">
+              <a:spcBef>
+                <a:spcPct val="30000"/>
+              </a:spcBef>
+              <a:spcAft>
+                <a:spcPct val="0"/>
+              </a:spcAft>
+              <a:buClr>
+                <a:schemeClr val="hlink"/>
+              </a:buClr>
+              <a:buFont typeface="Wingdings 2" pitchFamily="18" charset="2"/>
+              <a:buChar char="¡"/>
+              <a:defRPr sz="2000">
+                <a:solidFill>
+                  <a:schemeClr val="tx1"/>
+                </a:solidFill>
+                <a:latin typeface="+mn-lt"/>
+                <a:ea typeface="+mn-ea"/>
+              </a:defRPr>
+            </a:lvl7pPr>
+            <a:lvl8pPr marL="3429000" indent="-228600" algn="l" rtl="0" eaLnBrk="1" fontAlgn="base" hangingPunct="1">
+              <a:spcBef>
+                <a:spcPct val="30000"/>
+              </a:spcBef>
+              <a:spcAft>
+                <a:spcPct val="0"/>
+              </a:spcAft>
+              <a:buClr>
+                <a:schemeClr val="hlink"/>
+              </a:buClr>
+              <a:buFont typeface="Wingdings 2" pitchFamily="18" charset="2"/>
+              <a:buChar char="¡"/>
+              <a:defRPr sz="2000">
+                <a:solidFill>
+                  <a:schemeClr val="tx1"/>
+                </a:solidFill>
+                <a:latin typeface="+mn-lt"/>
+                <a:ea typeface="+mn-ea"/>
+              </a:defRPr>
+            </a:lvl8pPr>
+            <a:lvl9pPr marL="3886200" indent="-228600" algn="l" rtl="0" eaLnBrk="1" fontAlgn="base" hangingPunct="1">
+              <a:spcBef>
+                <a:spcPct val="30000"/>
+              </a:spcBef>
+              <a:spcAft>
+                <a:spcPct val="0"/>
+              </a:spcAft>
+              <a:buClr>
+                <a:schemeClr val="hlink"/>
+              </a:buClr>
+              <a:buFont typeface="Wingdings 2" pitchFamily="18" charset="2"/>
+              <a:buChar char="¡"/>
+              <a:defRPr sz="2000">
+                <a:solidFill>
+                  <a:schemeClr val="tx1"/>
+                </a:solidFill>
+                <a:latin typeface="+mn-lt"/>
+                <a:ea typeface="+mn-ea"/>
+              </a:defRPr>
+            </a:lvl9pPr>
+          </a:lstStyle>
+          <a:p>
+            <a:r>
+              <a:rPr lang="en-US" altLang="zh-CN" sz="2400" kern="0" dirty="0">
+                <a:latin typeface="+mn-lt"/>
+                <a:cs typeface="Times New Roman" panose="02020603050405020304" pitchFamily="18" charset="0"/>
+              </a:rPr>
+              <a:t>RETAU395</a:t>
+            </a:r>
+            <a:endParaRPr lang="en-US" altLang="zh-CN" sz="2000" kern="0" dirty="0">
+              <a:latin typeface="+mn-lt"/>
+              <a:cs typeface="Times New Roman" panose="02020603050405020304" pitchFamily="18" charset="0"/>
+            </a:endParaRPr>
+          </a:p>
+          <a:p>
+            <a:pPr lvl="1"/>
+            <a:r>
+              <a:rPr lang="en-US" altLang="zh-CN" sz="2000" dirty="0" err="1">
+                <a:latin typeface="+mn-lt"/>
+                <a:cs typeface="Times New Roman" panose="02020603050405020304" pitchFamily="18" charset="0"/>
+              </a:rPr>
+              <a:t>Orlandi’s</a:t>
+            </a:r>
+            <a:r>
+              <a:rPr lang="en-US" altLang="zh-CN" sz="2000" dirty="0">
+                <a:latin typeface="+mn-lt"/>
+                <a:cs typeface="Times New Roman" panose="02020603050405020304" pitchFamily="18" charset="0"/>
+              </a:rPr>
+              <a:t> setting, except Reb=13750 (not 13000) </a:t>
+            </a:r>
+          </a:p>
+        </p:txBody>
+      </p:sp>
+    </p:spTree>
+    <p:extLst>
+      <p:ext uri="{BB962C8B-B14F-4D97-AF65-F5344CB8AC3E}">
+        <p14:creationId xmlns:p14="http://schemas.microsoft.com/office/powerpoint/2010/main" val="826919565"/>
+      </p:ext>
+    </p:extLst>
+  </p:cSld>
+  <p:clrMapOvr>
+    <a:masterClrMapping/>
+  </p:clrMapOvr>
+  <p:transition spd="med" advTm="63997"/>
+</p:sld>
+</file>
+
+<file path=ppt/slides/slide6.xml><?xml version="1.0" encoding="utf-8"?>
+<p:sld xmlns:a="http://schemas.openxmlformats.org/drawingml/2006/main" xmlns:r="http://schemas.openxmlformats.org/officeDocument/2006/relationships" xmlns:p="http://schemas.openxmlformats.org/presentationml/2006/main">
+  <p:cSld>
+    <p:spTree>
+      <p:nvGrpSpPr>
         <p:cNvPr id="1" name=""/>
         <p:cNvGrpSpPr/>
         <p:nvPr/>
@@ -35171,7 +37161,7 @@
 </p:sld>
 </file>
 
-<file path=ppt/slides/slide6.xml><?xml version="1.0" encoding="utf-8"?>
+<file path=ppt/slides/slide7.xml><?xml version="1.0" encoding="utf-8"?>
 <p:sld xmlns:a="http://schemas.openxmlformats.org/drawingml/2006/main" xmlns:r="http://schemas.openxmlformats.org/officeDocument/2006/relationships" xmlns:p="http://schemas.openxmlformats.org/presentationml/2006/main">
   <p:cSld>
     <p:spTree>
@@ -35467,7 +37457,7 @@
 </p:sld>
 </file>
 
-<file path=ppt/slides/slide7.xml><?xml version="1.0" encoding="utf-8"?>
+<file path=ppt/slides/slide8.xml><?xml version="1.0" encoding="utf-8"?>
 <p:sld xmlns:a="http://schemas.openxmlformats.org/drawingml/2006/main" xmlns:r="http://schemas.openxmlformats.org/officeDocument/2006/relationships" xmlns:p="http://schemas.openxmlformats.org/presentationml/2006/main">
   <p:cSld>
     <p:spTree>
@@ -35915,7 +37905,7 @@
 </p:sld>
 </file>
 
-<file path=ppt/slides/slide8.xml><?xml version="1.0" encoding="utf-8"?>
+<file path=ppt/slides/slide9.xml><?xml version="1.0" encoding="utf-8"?>
 <p:sld xmlns:a="http://schemas.openxmlformats.org/drawingml/2006/main" xmlns:r="http://schemas.openxmlformats.org/officeDocument/2006/relationships" xmlns:p="http://schemas.openxmlformats.org/presentationml/2006/main">
   <p:cSld>
     <p:spTree>
@@ -35974,436 +37964,10 @@
       </p:sp>
       <p:sp>
         <p:nvSpPr>
-          <p:cNvPr id="7" name="内容占位符 2">
+          <p:cNvPr id="3" name="内容占位符 2">
             <a:extLst>
               <a:ext uri="{FF2B5EF4-FFF2-40B4-BE49-F238E27FC236}">
-                <a16:creationId xmlns:a16="http://schemas.microsoft.com/office/drawing/2014/main" id="{F3384177-C1B6-3F19-F831-1205A5DA7337}"/>
-              </a:ext>
-            </a:extLst>
-          </p:cNvPr>
-          <p:cNvSpPr>
-            <a:spLocks noGrp="1"/>
-          </p:cNvSpPr>
-          <p:nvPr>
-            <p:ph idx="4294967295"/>
-          </p:nvPr>
-        </p:nvSpPr>
-        <p:spPr>
-          <a:xfrm>
-            <a:off x="93652" y="1068111"/>
-            <a:ext cx="9050348" cy="1979889"/>
-          </a:xfrm>
-        </p:spPr>
-        <p:txBody>
-          <a:bodyPr/>
-          <a:lstStyle/>
-          <a:p>
-            <a:r>
-              <a:rPr lang="en-US" altLang="zh-CN" sz="2400" dirty="0">
-                <a:latin typeface="+mn-lt"/>
-                <a:cs typeface="Times New Roman" panose="02020603050405020304" pitchFamily="18" charset="0"/>
-              </a:rPr>
-              <a:t>RETAU1000</a:t>
-            </a:r>
-            <a:endParaRPr lang="en-US" altLang="zh-CN" sz="2000" baseline="30000" dirty="0">
-              <a:latin typeface="+mn-lt"/>
-              <a:cs typeface="Times New Roman" panose="02020603050405020304" pitchFamily="18" charset="0"/>
-            </a:endParaRPr>
-          </a:p>
-          <a:p>
-            <a:pPr marL="457200" lvl="1" indent="0">
-              <a:buNone/>
-            </a:pPr>
-            <a:endParaRPr lang="en-US" altLang="zh-CN" sz="2000" baseline="30000" dirty="0">
-              <a:latin typeface="+mn-lt"/>
-              <a:cs typeface="Times New Roman" panose="02020603050405020304" pitchFamily="18" charset="0"/>
-            </a:endParaRPr>
-          </a:p>
-          <a:p>
-            <a:pPr marL="457200" lvl="1" indent="0">
-              <a:buNone/>
-            </a:pPr>
-            <a:endParaRPr lang="en-US" altLang="zh-CN" sz="2000" baseline="30000" dirty="0">
-              <a:latin typeface="+mn-lt"/>
-              <a:cs typeface="Times New Roman" panose="02020603050405020304" pitchFamily="18" charset="0"/>
-            </a:endParaRPr>
-          </a:p>
-          <a:p>
-            <a:pPr marL="457200" lvl="1" indent="0">
-              <a:buNone/>
-            </a:pPr>
-            <a:endParaRPr lang="en-US" altLang="zh-CN" sz="2000" baseline="30000" dirty="0">
-              <a:latin typeface="+mn-lt"/>
-              <a:cs typeface="Times New Roman" panose="02020603050405020304" pitchFamily="18" charset="0"/>
-            </a:endParaRPr>
-          </a:p>
-          <a:p>
-            <a:pPr marL="457200" lvl="1" indent="0">
-              <a:buNone/>
-            </a:pPr>
-            <a:endParaRPr lang="en-US" altLang="zh-CN" sz="2000" baseline="30000" dirty="0">
-              <a:latin typeface="+mn-lt"/>
-              <a:cs typeface="Times New Roman" panose="02020603050405020304" pitchFamily="18" charset="0"/>
-            </a:endParaRPr>
-          </a:p>
-          <a:p>
-            <a:pPr marL="457200" lvl="1" indent="0">
-              <a:buNone/>
-            </a:pPr>
-            <a:endParaRPr lang="en-US" altLang="zh-CN" sz="2000" baseline="30000" dirty="0">
-              <a:latin typeface="+mn-lt"/>
-              <a:cs typeface="Times New Roman" panose="02020603050405020304" pitchFamily="18" charset="0"/>
-            </a:endParaRPr>
-          </a:p>
-          <a:p>
-            <a:pPr marL="457200" lvl="1" indent="0">
-              <a:buNone/>
-            </a:pPr>
-            <a:endParaRPr lang="en-US" altLang="zh-CN" sz="2000" baseline="30000" dirty="0">
-              <a:latin typeface="+mn-lt"/>
-              <a:cs typeface="Times New Roman" panose="02020603050405020304" pitchFamily="18" charset="0"/>
-            </a:endParaRPr>
-          </a:p>
-          <a:p>
-            <a:pPr marL="457200" lvl="1" indent="0">
-              <a:buNone/>
-            </a:pPr>
-            <a:endParaRPr lang="en-US" altLang="zh-CN" sz="2000" baseline="30000" dirty="0">
-              <a:latin typeface="+mn-lt"/>
-              <a:cs typeface="Times New Roman" panose="02020603050405020304" pitchFamily="18" charset="0"/>
-            </a:endParaRPr>
-          </a:p>
-          <a:p>
-            <a:pPr>
-              <a:lnSpc>
-                <a:spcPct val="125000"/>
-              </a:lnSpc>
-            </a:pPr>
-            <a:endParaRPr lang="en-US" altLang="zh-CN" sz="2400" dirty="0">
-              <a:latin typeface="+mn-lt"/>
-              <a:cs typeface="Times New Roman" panose="02020603050405020304" pitchFamily="18" charset="0"/>
-            </a:endParaRPr>
-          </a:p>
-          <a:p>
-            <a:pPr marL="457200" lvl="1" indent="0">
-              <a:lnSpc>
-                <a:spcPct val="125000"/>
-              </a:lnSpc>
-              <a:buNone/>
-            </a:pPr>
-            <a:endParaRPr lang="en-US" altLang="zh-CN" sz="2000" dirty="0">
-              <a:latin typeface="+mn-lt"/>
-              <a:cs typeface="Times New Roman" panose="02020603050405020304" pitchFamily="18" charset="0"/>
-            </a:endParaRPr>
-          </a:p>
-        </p:txBody>
-      </p:sp>
-      <p:sp>
-        <p:nvSpPr>
-          <p:cNvPr id="9" name="Rectangle 2">
-            <a:extLst>
-              <a:ext uri="{FF2B5EF4-FFF2-40B4-BE49-F238E27FC236}">
-                <a16:creationId xmlns:a16="http://schemas.microsoft.com/office/drawing/2014/main" id="{CC5CEECD-70F9-A816-BDE0-0CF29A6F574A}"/>
-              </a:ext>
-            </a:extLst>
-          </p:cNvPr>
-          <p:cNvSpPr>
-            <a:spLocks noChangeArrowheads="1"/>
-          </p:cNvSpPr>
-          <p:nvPr/>
-        </p:nvSpPr>
-        <p:spPr bwMode="auto">
-          <a:xfrm>
-            <a:off x="0" y="0"/>
-            <a:ext cx="9144000" cy="0"/>
-          </a:xfrm>
-          <a:prstGeom prst="rect">
-            <a:avLst/>
-          </a:prstGeom>
-          <a:noFill/>
-          <a:ln>
-            <a:noFill/>
-          </a:ln>
-          <a:effectLst/>
-          <a:extLst>
-            <a:ext uri="{909E8E84-426E-40DD-AFC4-6F175D3DCCD1}">
-              <a14:hiddenFill xmlns:a14="http://schemas.microsoft.com/office/drawing/2010/main">
-                <a:solidFill>
-                  <a:schemeClr val="accent1"/>
-                </a:solidFill>
-              </a14:hiddenFill>
-            </a:ext>
-            <a:ext uri="{91240B29-F687-4F45-9708-019B960494DF}">
-              <a14:hiddenLine xmlns:a14="http://schemas.microsoft.com/office/drawing/2010/main" w="9525">
-                <a:solidFill>
-                  <a:schemeClr val="tx1"/>
-                </a:solidFill>
-                <a:miter lim="800000"/>
-                <a:headEnd/>
-                <a:tailEnd/>
-              </a14:hiddenLine>
-            </a:ext>
-            <a:ext uri="{AF507438-7753-43E0-B8FC-AC1667EBCBE1}">
-              <a14:hiddenEffects xmlns:a14="http://schemas.microsoft.com/office/drawing/2010/main">
-                <a:effectLst>
-                  <a:outerShdw dist="35921" dir="2700000" algn="ctr" rotWithShape="0">
-                    <a:schemeClr val="bg2"/>
-                  </a:outerShdw>
-                </a:effectLst>
-              </a14:hiddenEffects>
-            </a:ext>
-          </a:extLst>
-        </p:spPr>
-        <p:txBody>
-          <a:bodyPr vert="horz" wrap="none" lIns="91440" tIns="45720" rIns="91440" bIns="45720" numCol="1" anchor="ctr" anchorCtr="0" compatLnSpc="1">
-            <a:prstTxWarp prst="textNoShape">
-              <a:avLst/>
-            </a:prstTxWarp>
-            <a:spAutoFit/>
-          </a:bodyPr>
-          <a:lstStyle/>
-          <a:p>
-            <a:endParaRPr lang="zh-CN" altLang="en-US"/>
-          </a:p>
-        </p:txBody>
-      </p:sp>
-      <p:pic>
-        <p:nvPicPr>
-          <p:cNvPr id="6" name="Picture 5">
-            <a:extLst>
-              <a:ext uri="{FF2B5EF4-FFF2-40B4-BE49-F238E27FC236}">
-                <a16:creationId xmlns:a16="http://schemas.microsoft.com/office/drawing/2014/main" id="{B59DF556-E795-2300-7F43-648997D04089}"/>
-              </a:ext>
-            </a:extLst>
-          </p:cNvPr>
-          <p:cNvPicPr>
-            <a:picLocks noChangeAspect="1"/>
-          </p:cNvPicPr>
-          <p:nvPr/>
-        </p:nvPicPr>
-        <p:blipFill>
-          <a:blip r:embed="rId3"/>
-          <a:stretch>
-            <a:fillRect/>
-          </a:stretch>
-        </p:blipFill>
-        <p:spPr>
-          <a:xfrm>
-            <a:off x="914400" y="1676400"/>
-            <a:ext cx="3200400" cy="2372359"/>
-          </a:xfrm>
-          <a:prstGeom prst="rect">
-            <a:avLst/>
-          </a:prstGeom>
-        </p:spPr>
-      </p:pic>
-      <p:pic>
-        <p:nvPicPr>
-          <p:cNvPr id="4" name="Picture 3">
-            <a:extLst>
-              <a:ext uri="{FF2B5EF4-FFF2-40B4-BE49-F238E27FC236}">
-                <a16:creationId xmlns:a16="http://schemas.microsoft.com/office/drawing/2014/main" id="{BEB93039-8369-B913-4A11-AE5A4E08A72D}"/>
-              </a:ext>
-            </a:extLst>
-          </p:cNvPr>
-          <p:cNvPicPr>
-            <a:picLocks noChangeAspect="1"/>
-          </p:cNvPicPr>
-          <p:nvPr/>
-        </p:nvPicPr>
-        <p:blipFill>
-          <a:blip r:embed="rId4"/>
-          <a:stretch>
-            <a:fillRect/>
-          </a:stretch>
-        </p:blipFill>
-        <p:spPr>
-          <a:xfrm>
-            <a:off x="4114800" y="1676400"/>
-            <a:ext cx="3200400" cy="2397744"/>
-          </a:xfrm>
-          <a:prstGeom prst="rect">
-            <a:avLst/>
-          </a:prstGeom>
-        </p:spPr>
-      </p:pic>
-      <p:sp>
-        <p:nvSpPr>
-          <p:cNvPr id="5" name="TextBox 4">
-            <a:extLst>
-              <a:ext uri="{FF2B5EF4-FFF2-40B4-BE49-F238E27FC236}">
-                <a16:creationId xmlns:a16="http://schemas.microsoft.com/office/drawing/2014/main" id="{1E333F98-D969-7680-D0BE-D006F8E4AA33}"/>
-              </a:ext>
-            </a:extLst>
-          </p:cNvPr>
-          <p:cNvSpPr txBox="1"/>
-          <p:nvPr/>
-        </p:nvSpPr>
-        <p:spPr>
-          <a:xfrm>
-            <a:off x="4402469" y="1837912"/>
-            <a:ext cx="1184940" cy="369332"/>
-          </a:xfrm>
-          <a:prstGeom prst="rect">
-            <a:avLst/>
-          </a:prstGeom>
-          <a:noFill/>
-        </p:spPr>
-        <p:txBody>
-          <a:bodyPr wrap="none" rtlCol="0">
-            <a:spAutoFit/>
-          </a:bodyPr>
-          <a:lstStyle/>
-          <a:p>
-            <a:r>
-              <a:rPr lang="en-US" dirty="0"/>
-              <a:t>Neumann</a:t>
-            </a:r>
-          </a:p>
-        </p:txBody>
-      </p:sp>
-      <p:sp>
-        <p:nvSpPr>
-          <p:cNvPr id="8" name="TextBox 7">
-            <a:extLst>
-              <a:ext uri="{FF2B5EF4-FFF2-40B4-BE49-F238E27FC236}">
-                <a16:creationId xmlns:a16="http://schemas.microsoft.com/office/drawing/2014/main" id="{BEAADFC7-883F-BEFB-D78E-E7BE34CB3B01}"/>
-              </a:ext>
-            </a:extLst>
-          </p:cNvPr>
-          <p:cNvSpPr txBox="1"/>
-          <p:nvPr/>
-        </p:nvSpPr>
-        <p:spPr>
-          <a:xfrm>
-            <a:off x="1119589" y="1837912"/>
-            <a:ext cx="1317412" cy="369332"/>
-          </a:xfrm>
-          <a:prstGeom prst="rect">
-            <a:avLst/>
-          </a:prstGeom>
-          <a:noFill/>
-        </p:spPr>
-        <p:txBody>
-          <a:bodyPr wrap="none" rtlCol="0">
-            <a:spAutoFit/>
-          </a:bodyPr>
-          <a:lstStyle/>
-          <a:p>
-            <a:r>
-              <a:rPr lang="en-US" dirty="0"/>
-              <a:t>Wall model</a:t>
-            </a:r>
-          </a:p>
-        </p:txBody>
-      </p:sp>
-    </p:spTree>
-    <p:extLst>
-      <p:ext uri="{BB962C8B-B14F-4D97-AF65-F5344CB8AC3E}">
-        <p14:creationId xmlns:p14="http://schemas.microsoft.com/office/powerpoint/2010/main" val="3546392556"/>
-      </p:ext>
-    </p:extLst>
-  </p:cSld>
-  <p:clrMapOvr>
-    <a:masterClrMapping/>
-  </p:clrMapOvr>
-  <p:transition spd="med" advTm="63997"/>
-</p:sld>
-</file>
-
-<file path=ppt/slides/slide9.xml><?xml version="1.0" encoding="utf-8"?>
-<p:sld xmlns:a="http://schemas.openxmlformats.org/drawingml/2006/main" xmlns:r="http://schemas.openxmlformats.org/officeDocument/2006/relationships" xmlns:p="http://schemas.openxmlformats.org/presentationml/2006/main">
-  <p:cSld>
-    <p:spTree>
-      <p:nvGrpSpPr>
-        <p:cNvPr id="1" name="">
-          <a:extLst>
-            <a:ext uri="{FF2B5EF4-FFF2-40B4-BE49-F238E27FC236}">
-              <a16:creationId xmlns:a16="http://schemas.microsoft.com/office/drawing/2014/main" id="{E36FAF1C-FB3C-6E4F-3EF6-B91416465A30}"/>
-            </a:ext>
-          </a:extLst>
-        </p:cNvPr>
-        <p:cNvGrpSpPr/>
-        <p:nvPr/>
-      </p:nvGrpSpPr>
-      <p:grpSpPr>
-        <a:xfrm>
-          <a:off x="0" y="0"/>
-          <a:ext cx="0" cy="0"/>
-          <a:chOff x="0" y="0"/>
-          <a:chExt cx="0" cy="0"/>
-        </a:xfrm>
-      </p:grpSpPr>
-      <p:sp>
-        <p:nvSpPr>
-          <p:cNvPr id="2" name="Title 1">
-            <a:extLst>
-              <a:ext uri="{FF2B5EF4-FFF2-40B4-BE49-F238E27FC236}">
-                <a16:creationId xmlns:a16="http://schemas.microsoft.com/office/drawing/2014/main" id="{5ADC8DE3-593B-5208-402D-39D2452CA6CD}"/>
-              </a:ext>
-            </a:extLst>
-          </p:cNvPr>
-          <p:cNvSpPr>
-            <a:spLocks noGrp="1"/>
-          </p:cNvSpPr>
-          <p:nvPr>
-            <p:ph type="title"/>
-          </p:nvPr>
-        </p:nvSpPr>
-        <p:spPr>
-          <a:xfrm>
-            <a:off x="152400" y="152400"/>
-            <a:ext cx="8610600" cy="838200"/>
-          </a:xfrm>
-        </p:spPr>
-        <p:txBody>
-          <a:bodyPr/>
-          <a:lstStyle/>
-          <a:p>
-            <a:r>
-              <a:rPr lang="en-US" altLang="zh-CN" dirty="0"/>
-              <a:t>Channel</a:t>
-            </a:r>
-            <a:endParaRPr lang="zh-CN" altLang="en-US" dirty="0"/>
-          </a:p>
-        </p:txBody>
-      </p:sp>
-      <p:pic>
-        <p:nvPicPr>
-          <p:cNvPr id="16" name="Picture 15">
-            <a:extLst>
-              <a:ext uri="{FF2B5EF4-FFF2-40B4-BE49-F238E27FC236}">
-                <a16:creationId xmlns:a16="http://schemas.microsoft.com/office/drawing/2014/main" id="{BE181C3B-8EE1-3C24-D08F-CC31E2A5BD83}"/>
-              </a:ext>
-            </a:extLst>
-          </p:cNvPr>
-          <p:cNvPicPr>
-            <a:picLocks noChangeAspect="1"/>
-          </p:cNvPicPr>
-          <p:nvPr/>
-        </p:nvPicPr>
-        <p:blipFill>
-          <a:blip r:embed="rId3"/>
-          <a:stretch>
-            <a:fillRect/>
-          </a:stretch>
-        </p:blipFill>
-        <p:spPr>
-          <a:xfrm>
-            <a:off x="2209800" y="2438400"/>
-            <a:ext cx="3200400" cy="2392631"/>
-          </a:xfrm>
-          <a:prstGeom prst="rect">
-            <a:avLst/>
-          </a:prstGeom>
-        </p:spPr>
-      </p:pic>
-      <p:sp>
-        <p:nvSpPr>
-          <p:cNvPr id="17" name="内容占位符 2">
-            <a:extLst>
-              <a:ext uri="{FF2B5EF4-FFF2-40B4-BE49-F238E27FC236}">
-                <a16:creationId xmlns:a16="http://schemas.microsoft.com/office/drawing/2014/main" id="{D7E08BCD-AEE7-9056-0B15-7EFBABD31162}"/>
+                <a16:creationId xmlns:a16="http://schemas.microsoft.com/office/drawing/2014/main" id="{546BAD6D-09F4-5710-5F64-F0C2FF48AF3D}"/>
               </a:ext>
             </a:extLst>
           </p:cNvPr>
@@ -36414,8 +37978,8 @@
         </p:nvSpPr>
         <p:spPr bwMode="auto">
           <a:xfrm>
-            <a:off x="93652" y="1068111"/>
-            <a:ext cx="9050348" cy="1979889"/>
+            <a:off x="93652" y="1068113"/>
+            <a:ext cx="8897948" cy="1625630"/>
           </a:xfrm>
           <a:prstGeom prst="rect">
             <a:avLst/>
@@ -36642,113 +38206,159 @@
                 <a:latin typeface="+mn-lt"/>
                 <a:cs typeface="Times New Roman" panose="02020603050405020304" pitchFamily="18" charset="0"/>
               </a:rPr>
-              <a:t>RETAU1000</a:t>
+              <a:t>RETAU550</a:t>
             </a:r>
-            <a:endParaRPr lang="en-US" altLang="zh-CN" sz="2000" kern="0" baseline="30000" dirty="0">
+            <a:endParaRPr lang="en-US" altLang="zh-CN" sz="2000" kern="0" dirty="0">
               <a:latin typeface="+mn-lt"/>
               <a:cs typeface="Times New Roman" panose="02020603050405020304" pitchFamily="18" charset="0"/>
             </a:endParaRPr>
           </a:p>
           <a:p>
-            <a:pPr marL="457200" lvl="1" indent="0">
-              <a:buFont typeface="Wingdings" pitchFamily="2" charset="2"/>
-              <a:buNone/>
-            </a:pPr>
-            <a:endParaRPr lang="en-US" altLang="zh-CN" sz="2000" kern="0" baseline="30000" dirty="0">
-              <a:latin typeface="+mn-lt"/>
-              <a:cs typeface="Times New Roman" panose="02020603050405020304" pitchFamily="18" charset="0"/>
-            </a:endParaRPr>
+            <a:pPr lvl="1"/>
+            <a:r>
+              <a:rPr lang="en-US" altLang="zh-CN" sz="2000" dirty="0">
+                <a:latin typeface="+mn-lt"/>
+                <a:cs typeface="Times New Roman" panose="02020603050405020304" pitchFamily="18" charset="0"/>
+              </a:rPr>
+              <a:t>(Lx, Ly)=(6.4, 2.4) produces almost the same results as (Lx, Ly)=(12.8, 4.8)</a:t>
+            </a:r>
           </a:p>
           <a:p>
-            <a:pPr marL="457200" lvl="1" indent="0">
-              <a:buFont typeface="Wingdings" pitchFamily="2" charset="2"/>
-              <a:buNone/>
-            </a:pPr>
-            <a:endParaRPr lang="en-US" altLang="zh-CN" sz="2000" kern="0" baseline="30000" dirty="0">
-              <a:latin typeface="+mn-lt"/>
-              <a:cs typeface="Times New Roman" panose="02020603050405020304" pitchFamily="18" charset="0"/>
-            </a:endParaRPr>
-          </a:p>
-          <a:p>
-            <a:pPr marL="457200" lvl="1" indent="0">
-              <a:buFont typeface="Wingdings" pitchFamily="2" charset="2"/>
-              <a:buNone/>
-            </a:pPr>
-            <a:endParaRPr lang="en-US" altLang="zh-CN" sz="2000" kern="0" baseline="30000" dirty="0">
-              <a:latin typeface="+mn-lt"/>
-              <a:cs typeface="Times New Roman" panose="02020603050405020304" pitchFamily="18" charset="0"/>
-            </a:endParaRPr>
-          </a:p>
-          <a:p>
-            <a:pPr marL="457200" lvl="1" indent="0">
-              <a:buFont typeface="Wingdings" pitchFamily="2" charset="2"/>
-              <a:buNone/>
-            </a:pPr>
-            <a:endParaRPr lang="en-US" altLang="zh-CN" sz="2000" kern="0" baseline="30000" dirty="0">
-              <a:latin typeface="+mn-lt"/>
-              <a:cs typeface="Times New Roman" panose="02020603050405020304" pitchFamily="18" charset="0"/>
-            </a:endParaRPr>
-          </a:p>
-          <a:p>
-            <a:pPr marL="457200" lvl="1" indent="0">
-              <a:buFont typeface="Wingdings" pitchFamily="2" charset="2"/>
-              <a:buNone/>
-            </a:pPr>
-            <a:endParaRPr lang="en-US" altLang="zh-CN" sz="2000" kern="0" baseline="30000" dirty="0">
-              <a:latin typeface="+mn-lt"/>
-              <a:cs typeface="Times New Roman" panose="02020603050405020304" pitchFamily="18" charset="0"/>
-            </a:endParaRPr>
-          </a:p>
-          <a:p>
-            <a:pPr marL="457200" lvl="1" indent="0">
-              <a:buFont typeface="Wingdings" pitchFamily="2" charset="2"/>
-              <a:buNone/>
-            </a:pPr>
-            <a:endParaRPr lang="en-US" altLang="zh-CN" sz="2000" kern="0" baseline="30000" dirty="0">
-              <a:latin typeface="+mn-lt"/>
-              <a:cs typeface="Times New Roman" panose="02020603050405020304" pitchFamily="18" charset="0"/>
-            </a:endParaRPr>
-          </a:p>
-          <a:p>
-            <a:pPr marL="457200" lvl="1" indent="0">
-              <a:buFont typeface="Wingdings" pitchFamily="2" charset="2"/>
-              <a:buNone/>
-            </a:pPr>
-            <a:endParaRPr lang="en-US" altLang="zh-CN" sz="2000" kern="0" baseline="30000" dirty="0">
-              <a:latin typeface="+mn-lt"/>
-              <a:cs typeface="Times New Roman" panose="02020603050405020304" pitchFamily="18" charset="0"/>
-            </a:endParaRPr>
-          </a:p>
-          <a:p>
-            <a:pPr>
-              <a:lnSpc>
-                <a:spcPct val="125000"/>
-              </a:lnSpc>
-            </a:pPr>
-            <a:endParaRPr lang="en-US" altLang="zh-CN" sz="2400" kern="0" dirty="0">
-              <a:latin typeface="+mn-lt"/>
-              <a:cs typeface="Times New Roman" panose="02020603050405020304" pitchFamily="18" charset="0"/>
-            </a:endParaRPr>
-          </a:p>
-          <a:p>
-            <a:pPr marL="457200" lvl="1" indent="0">
-              <a:lnSpc>
-                <a:spcPct val="125000"/>
-              </a:lnSpc>
-              <a:buFont typeface="Wingdings" pitchFamily="2" charset="2"/>
-              <a:buNone/>
-            </a:pPr>
-            <a:endParaRPr lang="en-US" altLang="zh-CN" sz="2000" kern="0" dirty="0">
-              <a:latin typeface="+mn-lt"/>
-              <a:cs typeface="Times New Roman" panose="02020603050405020304" pitchFamily="18" charset="0"/>
-            </a:endParaRPr>
+            <a:pPr lvl="1"/>
+            <a:r>
+              <a:rPr lang="en-US" altLang="zh-CN" sz="2000" dirty="0">
+                <a:latin typeface="+mn-lt"/>
+                <a:cs typeface="Times New Roman" panose="02020603050405020304" pitchFamily="18" charset="0"/>
+              </a:rPr>
+              <a:t>CS0.16 produces the best overall results (CS0.15, best log law)</a:t>
+            </a:r>
           </a:p>
         </p:txBody>
       </p:sp>
+      <p:pic>
+        <p:nvPicPr>
+          <p:cNvPr id="7" name="Picture 6">
+            <a:extLst>
+              <a:ext uri="{FF2B5EF4-FFF2-40B4-BE49-F238E27FC236}">
+                <a16:creationId xmlns:a16="http://schemas.microsoft.com/office/drawing/2014/main" id="{8700D637-156D-45C7-C0B6-EF2F2C6FF646}"/>
+              </a:ext>
+            </a:extLst>
+          </p:cNvPr>
+          <p:cNvPicPr>
+            <a:picLocks noChangeAspect="1"/>
+          </p:cNvPicPr>
+          <p:nvPr/>
+        </p:nvPicPr>
+        <p:blipFill>
+          <a:blip r:embed="rId3"/>
+          <a:stretch>
+            <a:fillRect/>
+          </a:stretch>
+        </p:blipFill>
+        <p:spPr>
+          <a:xfrm>
+            <a:off x="4495800" y="2693743"/>
+            <a:ext cx="3200400" cy="2406742"/>
+          </a:xfrm>
+          <a:prstGeom prst="rect">
+            <a:avLst/>
+          </a:prstGeom>
+        </p:spPr>
+      </p:pic>
+      <p:pic>
+        <p:nvPicPr>
+          <p:cNvPr id="9" name="Picture 8">
+            <a:extLst>
+              <a:ext uri="{FF2B5EF4-FFF2-40B4-BE49-F238E27FC236}">
+                <a16:creationId xmlns:a16="http://schemas.microsoft.com/office/drawing/2014/main" id="{936DC6D2-56B0-4814-3CC5-CFB79A99B91A}"/>
+              </a:ext>
+            </a:extLst>
+          </p:cNvPr>
+          <p:cNvPicPr>
+            <a:picLocks noChangeAspect="1"/>
+          </p:cNvPicPr>
+          <p:nvPr/>
+        </p:nvPicPr>
+        <p:blipFill>
+          <a:blip r:embed="rId4"/>
+          <a:stretch>
+            <a:fillRect/>
+          </a:stretch>
+        </p:blipFill>
+        <p:spPr>
+          <a:xfrm>
+            <a:off x="1219200" y="5087785"/>
+            <a:ext cx="3200400" cy="2387519"/>
+          </a:xfrm>
+          <a:prstGeom prst="rect">
+            <a:avLst/>
+          </a:prstGeom>
+        </p:spPr>
+      </p:pic>
+      <p:pic>
+        <p:nvPicPr>
+          <p:cNvPr id="13" name="Picture 12">
+            <a:extLst>
+              <a:ext uri="{FF2B5EF4-FFF2-40B4-BE49-F238E27FC236}">
+                <a16:creationId xmlns:a16="http://schemas.microsoft.com/office/drawing/2014/main" id="{86747A07-7394-83B4-0C8F-CC8272A4D915}"/>
+              </a:ext>
+            </a:extLst>
+          </p:cNvPr>
+          <p:cNvPicPr>
+            <a:picLocks noChangeAspect="1"/>
+          </p:cNvPicPr>
+          <p:nvPr/>
+        </p:nvPicPr>
+        <p:blipFill>
+          <a:blip r:embed="rId5"/>
+          <a:stretch>
+            <a:fillRect/>
+          </a:stretch>
+        </p:blipFill>
+        <p:spPr>
+          <a:xfrm>
+            <a:off x="4495800" y="5138338"/>
+            <a:ext cx="3200400" cy="2405462"/>
+          </a:xfrm>
+          <a:prstGeom prst="rect">
+            <a:avLst/>
+          </a:prstGeom>
+        </p:spPr>
+      </p:pic>
+      <p:pic>
+        <p:nvPicPr>
+          <p:cNvPr id="28" name="Picture 27">
+            <a:extLst>
+              <a:ext uri="{FF2B5EF4-FFF2-40B4-BE49-F238E27FC236}">
+                <a16:creationId xmlns:a16="http://schemas.microsoft.com/office/drawing/2014/main" id="{13940DC7-1595-5664-9E05-E750B121C45F}"/>
+              </a:ext>
+            </a:extLst>
+          </p:cNvPr>
+          <p:cNvPicPr>
+            <a:picLocks noChangeAspect="1"/>
+          </p:cNvPicPr>
+          <p:nvPr/>
+        </p:nvPicPr>
+        <p:blipFill>
+          <a:blip r:embed="rId6"/>
+          <a:stretch>
+            <a:fillRect/>
+          </a:stretch>
+        </p:blipFill>
+        <p:spPr>
+          <a:xfrm>
+            <a:off x="1336239" y="2702706"/>
+            <a:ext cx="3200400" cy="2388815"/>
+          </a:xfrm>
+          <a:prstGeom prst="rect">
+            <a:avLst/>
+          </a:prstGeom>
+        </p:spPr>
+      </p:pic>
     </p:spTree>
     <p:extLst>
       <p:ext uri="{BB962C8B-B14F-4D97-AF65-F5344CB8AC3E}">
-        <p14:creationId xmlns:p14="http://schemas.microsoft.com/office/powerpoint/2010/main" val="1503813011"/>
+        <p14:creationId xmlns:p14="http://schemas.microsoft.com/office/powerpoint/2010/main" val="501311142"/>
       </p:ext>
     </p:extLst>
   </p:cSld>

--- a/docs/vv.pptx
+++ b/docs/vv.pptx
@@ -36642,6 +36642,36 @@
           </a:p>
         </p:txBody>
       </p:sp>
+      <p:pic>
+        <p:nvPicPr>
+          <p:cNvPr id="8" name="Picture 7">
+            <a:extLst>
+              <a:ext uri="{FF2B5EF4-FFF2-40B4-BE49-F238E27FC236}">
+                <a16:creationId xmlns:a16="http://schemas.microsoft.com/office/drawing/2014/main" id="{F417901C-3C6D-4A5E-4ED9-BF573F86F7A4}"/>
+              </a:ext>
+            </a:extLst>
+          </p:cNvPr>
+          <p:cNvPicPr>
+            <a:picLocks noChangeAspect="1"/>
+          </p:cNvPicPr>
+          <p:nvPr/>
+        </p:nvPicPr>
+        <p:blipFill>
+          <a:blip r:embed="rId3"/>
+          <a:stretch>
+            <a:fillRect/>
+          </a:stretch>
+        </p:blipFill>
+        <p:spPr>
+          <a:xfrm>
+            <a:off x="762000" y="2057400"/>
+            <a:ext cx="3200400" cy="2408068"/>
+          </a:xfrm>
+          <a:prstGeom prst="rect">
+            <a:avLst/>
+          </a:prstGeom>
+        </p:spPr>
+      </p:pic>
     </p:spTree>
     <p:extLst>
       <p:ext uri="{BB962C8B-B14F-4D97-AF65-F5344CB8AC3E}">

--- a/docs/vv.pptx
+++ b/docs/vv.pptx
@@ -5,10 +5,10 @@
     <p:sldMasterId id="2147483660" r:id="rId1"/>
   </p:sldMasterIdLst>
   <p:notesMasterIdLst>
-    <p:notesMasterId r:id="rId31"/>
+    <p:notesMasterId r:id="rId32"/>
   </p:notesMasterIdLst>
   <p:handoutMasterIdLst>
-    <p:handoutMasterId r:id="rId32"/>
+    <p:handoutMasterId r:id="rId33"/>
   </p:handoutMasterIdLst>
   <p:sldIdLst>
     <p:sldId id="256" r:id="rId2"/>
@@ -20,26 +20,27 @@
     <p:sldId id="666" r:id="rId8"/>
     <p:sldId id="677" r:id="rId9"/>
     <p:sldId id="682" r:id="rId10"/>
-    <p:sldId id="650" r:id="rId11"/>
-    <p:sldId id="667" r:id="rId12"/>
-    <p:sldId id="679" r:id="rId13"/>
-    <p:sldId id="681" r:id="rId14"/>
-    <p:sldId id="645" r:id="rId15"/>
-    <p:sldId id="658" r:id="rId16"/>
-    <p:sldId id="669" r:id="rId17"/>
-    <p:sldId id="673" r:id="rId18"/>
-    <p:sldId id="661" r:id="rId19"/>
-    <p:sldId id="662" r:id="rId20"/>
-    <p:sldId id="676" r:id="rId21"/>
-    <p:sldId id="663" r:id="rId22"/>
-    <p:sldId id="678" r:id="rId23"/>
-    <p:sldId id="668" r:id="rId24"/>
-    <p:sldId id="670" r:id="rId25"/>
-    <p:sldId id="664" r:id="rId26"/>
-    <p:sldId id="675" r:id="rId27"/>
-    <p:sldId id="655" r:id="rId28"/>
-    <p:sldId id="649" r:id="rId29"/>
-    <p:sldId id="680" r:id="rId30"/>
+    <p:sldId id="684" r:id="rId11"/>
+    <p:sldId id="650" r:id="rId12"/>
+    <p:sldId id="667" r:id="rId13"/>
+    <p:sldId id="679" r:id="rId14"/>
+    <p:sldId id="681" r:id="rId15"/>
+    <p:sldId id="645" r:id="rId16"/>
+    <p:sldId id="658" r:id="rId17"/>
+    <p:sldId id="669" r:id="rId18"/>
+    <p:sldId id="673" r:id="rId19"/>
+    <p:sldId id="661" r:id="rId20"/>
+    <p:sldId id="662" r:id="rId21"/>
+    <p:sldId id="676" r:id="rId22"/>
+    <p:sldId id="663" r:id="rId23"/>
+    <p:sldId id="678" r:id="rId24"/>
+    <p:sldId id="668" r:id="rId25"/>
+    <p:sldId id="670" r:id="rId26"/>
+    <p:sldId id="664" r:id="rId27"/>
+    <p:sldId id="675" r:id="rId28"/>
+    <p:sldId id="655" r:id="rId29"/>
+    <p:sldId id="649" r:id="rId30"/>
+    <p:sldId id="680" r:id="rId31"/>
   </p:sldIdLst>
   <p:sldSz cx="9144000" cy="6858000" type="screen4x3"/>
   <p:notesSz cx="6797675" cy="9931400"/>
@@ -856,7 +857,7 @@
     </p:spTree>
     <p:extLst>
       <p:ext uri="{BB962C8B-B14F-4D97-AF65-F5344CB8AC3E}">
-        <p14:creationId xmlns:p14="http://schemas.microsoft.com/office/powerpoint/2010/main" val="3305118987"/>
+        <p14:creationId xmlns:p14="http://schemas.microsoft.com/office/powerpoint/2010/main" val="1728248813"/>
       </p:ext>
     </p:extLst>
   </p:cSld>
@@ -871,7 +872,13 @@
   <p:cSld>
     <p:spTree>
       <p:nvGrpSpPr>
-        <p:cNvPr id="1" name=""/>
+        <p:cNvPr id="1" name="">
+          <a:extLst>
+            <a:ext uri="{FF2B5EF4-FFF2-40B4-BE49-F238E27FC236}">
+              <a16:creationId xmlns:a16="http://schemas.microsoft.com/office/drawing/2014/main" id="{9BBB1A3A-0F8B-8CC4-7B65-DD508165D59C}"/>
+            </a:ext>
+          </a:extLst>
+        </p:cNvPr>
         <p:cNvGrpSpPr/>
         <p:nvPr/>
       </p:nvGrpSpPr>
@@ -885,7 +892,13 @@
       </p:grpSpPr>
       <p:sp>
         <p:nvSpPr>
-          <p:cNvPr id="2" name="Slide Image Placeholder 1"/>
+          <p:cNvPr id="2" name="Slide Image Placeholder 1">
+            <a:extLst>
+              <a:ext uri="{FF2B5EF4-FFF2-40B4-BE49-F238E27FC236}">
+                <a16:creationId xmlns:a16="http://schemas.microsoft.com/office/drawing/2014/main" id="{8C48DF48-D2FF-8B3B-980F-E738BE820377}"/>
+              </a:ext>
+            </a:extLst>
+          </p:cNvPr>
           <p:cNvSpPr>
             <a:spLocks noGrp="1" noRot="1" noChangeAspect="1"/>
           </p:cNvSpPr>
@@ -897,7 +910,13 @@
       </p:sp>
       <p:sp>
         <p:nvSpPr>
-          <p:cNvPr id="3" name="Notes Placeholder 2"/>
+          <p:cNvPr id="3" name="Notes Placeholder 2">
+            <a:extLst>
+              <a:ext uri="{FF2B5EF4-FFF2-40B4-BE49-F238E27FC236}">
+                <a16:creationId xmlns:a16="http://schemas.microsoft.com/office/drawing/2014/main" id="{8F5F6223-BF06-5DCF-0E5F-9568F632C461}"/>
+              </a:ext>
+            </a:extLst>
+          </p:cNvPr>
           <p:cNvSpPr>
             <a:spLocks noGrp="1"/>
           </p:cNvSpPr>
@@ -910,16 +929,19 @@
           <a:bodyPr/>
           <a:lstStyle/>
           <a:p>
-            <a:pPr marL="0" indent="0">
-              <a:buNone/>
-            </a:pPr>
             <a:endParaRPr lang="en-US" dirty="0"/>
           </a:p>
         </p:txBody>
       </p:sp>
       <p:sp>
         <p:nvSpPr>
-          <p:cNvPr id="4" name="Slide Number Placeholder 3"/>
+          <p:cNvPr id="4" name="Slide Number Placeholder 3">
+            <a:extLst>
+              <a:ext uri="{FF2B5EF4-FFF2-40B4-BE49-F238E27FC236}">
+                <a16:creationId xmlns:a16="http://schemas.microsoft.com/office/drawing/2014/main" id="{E2AC06BD-499A-7408-23DF-16318FDE3CFF}"/>
+              </a:ext>
+            </a:extLst>
+          </p:cNvPr>
           <p:cNvSpPr>
             <a:spLocks noGrp="1"/>
           </p:cNvSpPr>
@@ -943,7 +965,7 @@
     </p:spTree>
     <p:extLst>
       <p:ext uri="{BB962C8B-B14F-4D97-AF65-F5344CB8AC3E}">
-        <p14:creationId xmlns:p14="http://schemas.microsoft.com/office/powerpoint/2010/main" val="2859619452"/>
+        <p14:creationId xmlns:p14="http://schemas.microsoft.com/office/powerpoint/2010/main" val="3305118987"/>
       </p:ext>
     </p:extLst>
   </p:cSld>
@@ -1030,7 +1052,7 @@
     </p:spTree>
     <p:extLst>
       <p:ext uri="{BB962C8B-B14F-4D97-AF65-F5344CB8AC3E}">
-        <p14:creationId xmlns:p14="http://schemas.microsoft.com/office/powerpoint/2010/main" val="903497370"/>
+        <p14:creationId xmlns:p14="http://schemas.microsoft.com/office/powerpoint/2010/main" val="2859619452"/>
       </p:ext>
     </p:extLst>
   </p:cSld>
@@ -1117,7 +1139,7 @@
     </p:spTree>
     <p:extLst>
       <p:ext uri="{BB962C8B-B14F-4D97-AF65-F5344CB8AC3E}">
-        <p14:creationId xmlns:p14="http://schemas.microsoft.com/office/powerpoint/2010/main" val="463014086"/>
+        <p14:creationId xmlns:p14="http://schemas.microsoft.com/office/powerpoint/2010/main" val="903497370"/>
       </p:ext>
     </p:extLst>
   </p:cSld>
@@ -1204,7 +1226,7 @@
     </p:spTree>
     <p:extLst>
       <p:ext uri="{BB962C8B-B14F-4D97-AF65-F5344CB8AC3E}">
-        <p14:creationId xmlns:p14="http://schemas.microsoft.com/office/powerpoint/2010/main" val="3705224790"/>
+        <p14:creationId xmlns:p14="http://schemas.microsoft.com/office/powerpoint/2010/main" val="463014086"/>
       </p:ext>
     </p:extLst>
   </p:cSld>
@@ -1291,7 +1313,7 @@
     </p:spTree>
     <p:extLst>
       <p:ext uri="{BB962C8B-B14F-4D97-AF65-F5344CB8AC3E}">
-        <p14:creationId xmlns:p14="http://schemas.microsoft.com/office/powerpoint/2010/main" val="104754045"/>
+        <p14:creationId xmlns:p14="http://schemas.microsoft.com/office/powerpoint/2010/main" val="3705224790"/>
       </p:ext>
     </p:extLst>
   </p:cSld>
@@ -1378,7 +1400,7 @@
     </p:spTree>
     <p:extLst>
       <p:ext uri="{BB962C8B-B14F-4D97-AF65-F5344CB8AC3E}">
-        <p14:creationId xmlns:p14="http://schemas.microsoft.com/office/powerpoint/2010/main" val="9479848"/>
+        <p14:creationId xmlns:p14="http://schemas.microsoft.com/office/powerpoint/2010/main" val="104754045"/>
       </p:ext>
     </p:extLst>
   </p:cSld>
@@ -1465,7 +1487,7 @@
     </p:spTree>
     <p:extLst>
       <p:ext uri="{BB962C8B-B14F-4D97-AF65-F5344CB8AC3E}">
-        <p14:creationId xmlns:p14="http://schemas.microsoft.com/office/powerpoint/2010/main" val="1390806527"/>
+        <p14:creationId xmlns:p14="http://schemas.microsoft.com/office/powerpoint/2010/main" val="9479848"/>
       </p:ext>
     </p:extLst>
   </p:cSld>
@@ -1552,7 +1574,7 @@
     </p:spTree>
     <p:extLst>
       <p:ext uri="{BB962C8B-B14F-4D97-AF65-F5344CB8AC3E}">
-        <p14:creationId xmlns:p14="http://schemas.microsoft.com/office/powerpoint/2010/main" val="2934220991"/>
+        <p14:creationId xmlns:p14="http://schemas.microsoft.com/office/powerpoint/2010/main" val="1390806527"/>
       </p:ext>
     </p:extLst>
   </p:cSld>
@@ -1639,7 +1661,7 @@
     </p:spTree>
     <p:extLst>
       <p:ext uri="{BB962C8B-B14F-4D97-AF65-F5344CB8AC3E}">
-        <p14:creationId xmlns:p14="http://schemas.microsoft.com/office/powerpoint/2010/main" val="2977735411"/>
+        <p14:creationId xmlns:p14="http://schemas.microsoft.com/office/powerpoint/2010/main" val="2934220991"/>
       </p:ext>
     </p:extLst>
   </p:cSld>
@@ -1825,7 +1847,7 @@
           <a:p>
             <a:fld id="{FFA5E540-6D76-429F-95AD-C7F13B3CAC82}" type="slidenum">
               <a:rPr lang="en-US" smtClean="0"/>
-              <a:t>25</a:t>
+              <a:t>23</a:t>
             </a:fld>
             <a:endParaRPr lang="en-US" dirty="0"/>
           </a:p>
@@ -1834,7 +1856,7 @@
     </p:spTree>
     <p:extLst>
       <p:ext uri="{BB962C8B-B14F-4D97-AF65-F5344CB8AC3E}">
-        <p14:creationId xmlns:p14="http://schemas.microsoft.com/office/powerpoint/2010/main" val="2519188471"/>
+        <p14:creationId xmlns:p14="http://schemas.microsoft.com/office/powerpoint/2010/main" val="2977735411"/>
       </p:ext>
     </p:extLst>
   </p:cSld>
@@ -1921,6 +1943,93 @@
     </p:spTree>
     <p:extLst>
       <p:ext uri="{BB962C8B-B14F-4D97-AF65-F5344CB8AC3E}">
+        <p14:creationId xmlns:p14="http://schemas.microsoft.com/office/powerpoint/2010/main" val="2519188471"/>
+      </p:ext>
+    </p:extLst>
+  </p:cSld>
+  <p:clrMapOvr>
+    <a:masterClrMapping/>
+  </p:clrMapOvr>
+</p:notes>
+</file>
+
+<file path=ppt/notesSlides/notesSlide22.xml><?xml version="1.0" encoding="utf-8"?>
+<p:notes xmlns:a="http://schemas.openxmlformats.org/drawingml/2006/main" xmlns:r="http://schemas.openxmlformats.org/officeDocument/2006/relationships" xmlns:p="http://schemas.openxmlformats.org/presentationml/2006/main">
+  <p:cSld>
+    <p:spTree>
+      <p:nvGrpSpPr>
+        <p:cNvPr id="1" name=""/>
+        <p:cNvGrpSpPr/>
+        <p:nvPr/>
+      </p:nvGrpSpPr>
+      <p:grpSpPr>
+        <a:xfrm>
+          <a:off x="0" y="0"/>
+          <a:ext cx="0" cy="0"/>
+          <a:chOff x="0" y="0"/>
+          <a:chExt cx="0" cy="0"/>
+        </a:xfrm>
+      </p:grpSpPr>
+      <p:sp>
+        <p:nvSpPr>
+          <p:cNvPr id="2" name="Slide Image Placeholder 1"/>
+          <p:cNvSpPr>
+            <a:spLocks noGrp="1" noRot="1" noChangeAspect="1"/>
+          </p:cNvSpPr>
+          <p:nvPr>
+            <p:ph type="sldImg"/>
+          </p:nvPr>
+        </p:nvSpPr>
+        <p:spPr/>
+      </p:sp>
+      <p:sp>
+        <p:nvSpPr>
+          <p:cNvPr id="3" name="Notes Placeholder 2"/>
+          <p:cNvSpPr>
+            <a:spLocks noGrp="1"/>
+          </p:cNvSpPr>
+          <p:nvPr>
+            <p:ph type="body" idx="1"/>
+          </p:nvPr>
+        </p:nvSpPr>
+        <p:spPr/>
+        <p:txBody>
+          <a:bodyPr/>
+          <a:lstStyle/>
+          <a:p>
+            <a:pPr marL="0" indent="0">
+              <a:buNone/>
+            </a:pPr>
+            <a:endParaRPr lang="en-US" dirty="0"/>
+          </a:p>
+        </p:txBody>
+      </p:sp>
+      <p:sp>
+        <p:nvSpPr>
+          <p:cNvPr id="4" name="Slide Number Placeholder 3"/>
+          <p:cNvSpPr>
+            <a:spLocks noGrp="1"/>
+          </p:cNvSpPr>
+          <p:nvPr>
+            <p:ph type="sldNum" sz="quarter" idx="10"/>
+          </p:nvPr>
+        </p:nvSpPr>
+        <p:spPr/>
+        <p:txBody>
+          <a:bodyPr/>
+          <a:lstStyle/>
+          <a:p>
+            <a:fld id="{FFA5E540-6D76-429F-95AD-C7F13B3CAC82}" type="slidenum">
+              <a:rPr lang="en-US" smtClean="0"/>
+              <a:t>27</a:t>
+            </a:fld>
+            <a:endParaRPr lang="en-US" dirty="0"/>
+          </a:p>
+        </p:txBody>
+      </p:sp>
+    </p:spTree>
+    <p:extLst>
+      <p:ext uri="{BB962C8B-B14F-4D97-AF65-F5344CB8AC3E}">
         <p14:creationId xmlns:p14="http://schemas.microsoft.com/office/powerpoint/2010/main" val="3841435580"/>
       </p:ext>
     </p:extLst>
@@ -1931,7 +2040,7 @@
 </p:notes>
 </file>
 
-<file path=ppt/notesSlides/notesSlide22.xml><?xml version="1.0" encoding="utf-8"?>
+<file path=ppt/notesSlides/notesSlide23.xml><?xml version="1.0" encoding="utf-8"?>
 <p:notes xmlns:a="http://schemas.openxmlformats.org/drawingml/2006/main" xmlns:r="http://schemas.openxmlformats.org/officeDocument/2006/relationships" xmlns:p="http://schemas.openxmlformats.org/presentationml/2006/main">
   <p:cSld>
     <p:spTree>
@@ -2023,7 +2132,7 @@
           <a:p>
             <a:fld id="{FFA5E540-6D76-429F-95AD-C7F13B3CAC82}" type="slidenum">
               <a:rPr lang="en-US" smtClean="0"/>
-              <a:t>27</a:t>
+              <a:t>28</a:t>
             </a:fld>
             <a:endParaRPr lang="en-US" dirty="0"/>
           </a:p>
@@ -2033,114 +2142,6 @@
     <p:extLst>
       <p:ext uri="{BB962C8B-B14F-4D97-AF65-F5344CB8AC3E}">
         <p14:creationId xmlns:p14="http://schemas.microsoft.com/office/powerpoint/2010/main" val="3186069772"/>
-      </p:ext>
-    </p:extLst>
-  </p:cSld>
-  <p:clrMapOvr>
-    <a:masterClrMapping/>
-  </p:clrMapOvr>
-</p:notes>
-</file>
-
-<file path=ppt/notesSlides/notesSlide23.xml><?xml version="1.0" encoding="utf-8"?>
-<p:notes xmlns:a="http://schemas.openxmlformats.org/drawingml/2006/main" xmlns:r="http://schemas.openxmlformats.org/officeDocument/2006/relationships" xmlns:p="http://schemas.openxmlformats.org/presentationml/2006/main">
-  <p:cSld>
-    <p:spTree>
-      <p:nvGrpSpPr>
-        <p:cNvPr id="1" name="">
-          <a:extLst>
-            <a:ext uri="{FF2B5EF4-FFF2-40B4-BE49-F238E27FC236}">
-              <a16:creationId xmlns:a16="http://schemas.microsoft.com/office/drawing/2014/main" id="{C882B80B-CB29-A50D-A6FD-FD13EE274D25}"/>
-            </a:ext>
-          </a:extLst>
-        </p:cNvPr>
-        <p:cNvGrpSpPr/>
-        <p:nvPr/>
-      </p:nvGrpSpPr>
-      <p:grpSpPr>
-        <a:xfrm>
-          <a:off x="0" y="0"/>
-          <a:ext cx="0" cy="0"/>
-          <a:chOff x="0" y="0"/>
-          <a:chExt cx="0" cy="0"/>
-        </a:xfrm>
-      </p:grpSpPr>
-      <p:sp>
-        <p:nvSpPr>
-          <p:cNvPr id="2" name="Slide Image Placeholder 1">
-            <a:extLst>
-              <a:ext uri="{FF2B5EF4-FFF2-40B4-BE49-F238E27FC236}">
-                <a16:creationId xmlns:a16="http://schemas.microsoft.com/office/drawing/2014/main" id="{3B4AD0FE-F436-7846-4C90-2D2DFA3BE74D}"/>
-              </a:ext>
-            </a:extLst>
-          </p:cNvPr>
-          <p:cNvSpPr>
-            <a:spLocks noGrp="1" noRot="1" noChangeAspect="1"/>
-          </p:cNvSpPr>
-          <p:nvPr>
-            <p:ph type="sldImg"/>
-          </p:nvPr>
-        </p:nvSpPr>
-        <p:spPr/>
-      </p:sp>
-      <p:sp>
-        <p:nvSpPr>
-          <p:cNvPr id="3" name="Notes Placeholder 2">
-            <a:extLst>
-              <a:ext uri="{FF2B5EF4-FFF2-40B4-BE49-F238E27FC236}">
-                <a16:creationId xmlns:a16="http://schemas.microsoft.com/office/drawing/2014/main" id="{C913C41C-7569-43A2-D2A2-9644A4B7406A}"/>
-              </a:ext>
-            </a:extLst>
-          </p:cNvPr>
-          <p:cNvSpPr>
-            <a:spLocks noGrp="1"/>
-          </p:cNvSpPr>
-          <p:nvPr>
-            <p:ph type="body" idx="1"/>
-          </p:nvPr>
-        </p:nvSpPr>
-        <p:spPr/>
-        <p:txBody>
-          <a:bodyPr/>
-          <a:lstStyle/>
-          <a:p>
-            <a:endParaRPr lang="en-US" dirty="0"/>
-          </a:p>
-        </p:txBody>
-      </p:sp>
-      <p:sp>
-        <p:nvSpPr>
-          <p:cNvPr id="4" name="Slide Number Placeholder 3">
-            <a:extLst>
-              <a:ext uri="{FF2B5EF4-FFF2-40B4-BE49-F238E27FC236}">
-                <a16:creationId xmlns:a16="http://schemas.microsoft.com/office/drawing/2014/main" id="{4EC37134-B491-46FE-58C3-889B9BADFCED}"/>
-              </a:ext>
-            </a:extLst>
-          </p:cNvPr>
-          <p:cNvSpPr>
-            <a:spLocks noGrp="1"/>
-          </p:cNvSpPr>
-          <p:nvPr>
-            <p:ph type="sldNum" sz="quarter" idx="10"/>
-          </p:nvPr>
-        </p:nvSpPr>
-        <p:spPr/>
-        <p:txBody>
-          <a:bodyPr/>
-          <a:lstStyle/>
-          <a:p>
-            <a:fld id="{FFA5E540-6D76-429F-95AD-C7F13B3CAC82}" type="slidenum">
-              <a:rPr lang="en-US" smtClean="0"/>
-              <a:t>28</a:t>
-            </a:fld>
-            <a:endParaRPr lang="en-US" dirty="0"/>
-          </a:p>
-        </p:txBody>
-      </p:sp>
-    </p:spTree>
-    <p:extLst>
-      <p:ext uri="{BB962C8B-B14F-4D97-AF65-F5344CB8AC3E}">
-        <p14:creationId xmlns:p14="http://schemas.microsoft.com/office/powerpoint/2010/main" val="3062646772"/>
       </p:ext>
     </p:extLst>
   </p:cSld>
@@ -2240,6 +2241,114 @@
             <a:fld id="{FFA5E540-6D76-429F-95AD-C7F13B3CAC82}" type="slidenum">
               <a:rPr lang="en-US" smtClean="0"/>
               <a:t>29</a:t>
+            </a:fld>
+            <a:endParaRPr lang="en-US" dirty="0"/>
+          </a:p>
+        </p:txBody>
+      </p:sp>
+    </p:spTree>
+    <p:extLst>
+      <p:ext uri="{BB962C8B-B14F-4D97-AF65-F5344CB8AC3E}">
+        <p14:creationId xmlns:p14="http://schemas.microsoft.com/office/powerpoint/2010/main" val="3062646772"/>
+      </p:ext>
+    </p:extLst>
+  </p:cSld>
+  <p:clrMapOvr>
+    <a:masterClrMapping/>
+  </p:clrMapOvr>
+</p:notes>
+</file>
+
+<file path=ppt/notesSlides/notesSlide25.xml><?xml version="1.0" encoding="utf-8"?>
+<p:notes xmlns:a="http://schemas.openxmlformats.org/drawingml/2006/main" xmlns:r="http://schemas.openxmlformats.org/officeDocument/2006/relationships" xmlns:p="http://schemas.openxmlformats.org/presentationml/2006/main">
+  <p:cSld>
+    <p:spTree>
+      <p:nvGrpSpPr>
+        <p:cNvPr id="1" name="">
+          <a:extLst>
+            <a:ext uri="{FF2B5EF4-FFF2-40B4-BE49-F238E27FC236}">
+              <a16:creationId xmlns:a16="http://schemas.microsoft.com/office/drawing/2014/main" id="{C882B80B-CB29-A50D-A6FD-FD13EE274D25}"/>
+            </a:ext>
+          </a:extLst>
+        </p:cNvPr>
+        <p:cNvGrpSpPr/>
+        <p:nvPr/>
+      </p:nvGrpSpPr>
+      <p:grpSpPr>
+        <a:xfrm>
+          <a:off x="0" y="0"/>
+          <a:ext cx="0" cy="0"/>
+          <a:chOff x="0" y="0"/>
+          <a:chExt cx="0" cy="0"/>
+        </a:xfrm>
+      </p:grpSpPr>
+      <p:sp>
+        <p:nvSpPr>
+          <p:cNvPr id="2" name="Slide Image Placeholder 1">
+            <a:extLst>
+              <a:ext uri="{FF2B5EF4-FFF2-40B4-BE49-F238E27FC236}">
+                <a16:creationId xmlns:a16="http://schemas.microsoft.com/office/drawing/2014/main" id="{3B4AD0FE-F436-7846-4C90-2D2DFA3BE74D}"/>
+              </a:ext>
+            </a:extLst>
+          </p:cNvPr>
+          <p:cNvSpPr>
+            <a:spLocks noGrp="1" noRot="1" noChangeAspect="1"/>
+          </p:cNvSpPr>
+          <p:nvPr>
+            <p:ph type="sldImg"/>
+          </p:nvPr>
+        </p:nvSpPr>
+        <p:spPr/>
+      </p:sp>
+      <p:sp>
+        <p:nvSpPr>
+          <p:cNvPr id="3" name="Notes Placeholder 2">
+            <a:extLst>
+              <a:ext uri="{FF2B5EF4-FFF2-40B4-BE49-F238E27FC236}">
+                <a16:creationId xmlns:a16="http://schemas.microsoft.com/office/drawing/2014/main" id="{C913C41C-7569-43A2-D2A2-9644A4B7406A}"/>
+              </a:ext>
+            </a:extLst>
+          </p:cNvPr>
+          <p:cNvSpPr>
+            <a:spLocks noGrp="1"/>
+          </p:cNvSpPr>
+          <p:nvPr>
+            <p:ph type="body" idx="1"/>
+          </p:nvPr>
+        </p:nvSpPr>
+        <p:spPr/>
+        <p:txBody>
+          <a:bodyPr/>
+          <a:lstStyle/>
+          <a:p>
+            <a:endParaRPr lang="en-US" dirty="0"/>
+          </a:p>
+        </p:txBody>
+      </p:sp>
+      <p:sp>
+        <p:nvSpPr>
+          <p:cNvPr id="4" name="Slide Number Placeholder 3">
+            <a:extLst>
+              <a:ext uri="{FF2B5EF4-FFF2-40B4-BE49-F238E27FC236}">
+                <a16:creationId xmlns:a16="http://schemas.microsoft.com/office/drawing/2014/main" id="{4EC37134-B491-46FE-58C3-889B9BADFCED}"/>
+              </a:ext>
+            </a:extLst>
+          </p:cNvPr>
+          <p:cNvSpPr>
+            <a:spLocks noGrp="1"/>
+          </p:cNvSpPr>
+          <p:nvPr>
+            <p:ph type="sldNum" sz="quarter" idx="10"/>
+          </p:nvPr>
+        </p:nvSpPr>
+        <p:spPr/>
+        <p:txBody>
+          <a:bodyPr/>
+          <a:lstStyle/>
+          <a:p>
+            <a:fld id="{FFA5E540-6D76-429F-95AD-C7F13B3CAC82}" type="slidenum">
+              <a:rPr lang="en-US" smtClean="0"/>
+              <a:t>30</a:t>
             </a:fld>
             <a:endParaRPr lang="en-US" dirty="0"/>
           </a:p>
@@ -2767,7 +2876,7 @@
     </p:spTree>
     <p:extLst>
       <p:ext uri="{BB962C8B-B14F-4D97-AF65-F5344CB8AC3E}">
-        <p14:creationId xmlns:p14="http://schemas.microsoft.com/office/powerpoint/2010/main" val="4119098890"/>
+        <p14:creationId xmlns:p14="http://schemas.microsoft.com/office/powerpoint/2010/main" val="3506827854"/>
       </p:ext>
     </p:extLst>
   </p:cSld>
@@ -2875,7 +2984,7 @@
     </p:spTree>
     <p:extLst>
       <p:ext uri="{BB962C8B-B14F-4D97-AF65-F5344CB8AC3E}">
-        <p14:creationId xmlns:p14="http://schemas.microsoft.com/office/powerpoint/2010/main" val="2389906920"/>
+        <p14:creationId xmlns:p14="http://schemas.microsoft.com/office/powerpoint/2010/main" val="4119098890"/>
       </p:ext>
     </p:extLst>
   </p:cSld>
@@ -2983,7 +3092,7 @@
     </p:spTree>
     <p:extLst>
       <p:ext uri="{BB962C8B-B14F-4D97-AF65-F5344CB8AC3E}">
-        <p14:creationId xmlns:p14="http://schemas.microsoft.com/office/powerpoint/2010/main" val="1728248813"/>
+        <p14:creationId xmlns:p14="http://schemas.microsoft.com/office/powerpoint/2010/main" val="2389906920"/>
       </p:ext>
     </p:extLst>
   </p:cSld>
@@ -25667,6 +25776,374 @@
       </p:sp>
       <p:sp>
         <p:nvSpPr>
+          <p:cNvPr id="3" name="内容占位符 2">
+            <a:extLst>
+              <a:ext uri="{FF2B5EF4-FFF2-40B4-BE49-F238E27FC236}">
+                <a16:creationId xmlns:a16="http://schemas.microsoft.com/office/drawing/2014/main" id="{546BAD6D-09F4-5710-5F64-F0C2FF48AF3D}"/>
+              </a:ext>
+            </a:extLst>
+          </p:cNvPr>
+          <p:cNvSpPr txBox="1">
+            <a:spLocks/>
+          </p:cNvSpPr>
+          <p:nvPr/>
+        </p:nvSpPr>
+        <p:spPr bwMode="auto">
+          <a:xfrm>
+            <a:off x="93652" y="1068113"/>
+            <a:ext cx="8897948" cy="1065487"/>
+          </a:xfrm>
+          <a:prstGeom prst="rect">
+            <a:avLst/>
+          </a:prstGeom>
+          <a:noFill/>
+          <a:ln>
+            <a:noFill/>
+          </a:ln>
+          <a:extLst>
+            <a:ext uri="{909E8E84-426E-40DD-AFC4-6F175D3DCCD1}">
+              <a14:hiddenFill xmlns:a14="http://schemas.microsoft.com/office/drawing/2010/main">
+                <a:solidFill>
+                  <a:srgbClr val="FFFFFF"/>
+                </a:solidFill>
+              </a14:hiddenFill>
+            </a:ext>
+            <a:ext uri="{91240B29-F687-4F45-9708-019B960494DF}">
+              <a14:hiddenLine xmlns:a14="http://schemas.microsoft.com/office/drawing/2010/main" w="28575">
+                <a:solidFill>
+                  <a:srgbClr val="000000"/>
+                </a:solidFill>
+                <a:miter lim="800000"/>
+                <a:headEnd/>
+                <a:tailEnd/>
+              </a14:hiddenLine>
+            </a:ext>
+          </a:extLst>
+        </p:spPr>
+        <p:txBody>
+          <a:bodyPr vert="horz" wrap="square" lIns="91440" tIns="45720" rIns="91440" bIns="45720" numCol="1" anchor="t" anchorCtr="0" compatLnSpc="1">
+            <a:prstTxWarp prst="textNoShape">
+              <a:avLst/>
+            </a:prstTxWarp>
+          </a:bodyPr>
+          <a:lstStyle>
+            <a:lvl1pPr marL="342900" indent="-342900" algn="l" rtl="0" eaLnBrk="1" fontAlgn="base" hangingPunct="1">
+              <a:spcBef>
+                <a:spcPct val="30000"/>
+              </a:spcBef>
+              <a:spcAft>
+                <a:spcPct val="0"/>
+              </a:spcAft>
+              <a:buClr>
+                <a:schemeClr val="hlink"/>
+              </a:buClr>
+              <a:buFont typeface="Wingdings" pitchFamily="2" charset="2"/>
+              <a:buChar char="§"/>
+              <a:defRPr sz="3200">
+                <a:solidFill>
+                  <a:srgbClr val="000066"/>
+                </a:solidFill>
+                <a:latin typeface="微软雅黑" pitchFamily="34" charset="-122"/>
+                <a:ea typeface="微软雅黑" pitchFamily="34" charset="-122"/>
+                <a:cs typeface="+mn-cs"/>
+              </a:defRPr>
+            </a:lvl1pPr>
+            <a:lvl2pPr marL="742950" indent="-285750" algn="l" rtl="0" eaLnBrk="1" fontAlgn="base" hangingPunct="1">
+              <a:spcBef>
+                <a:spcPct val="30000"/>
+              </a:spcBef>
+              <a:spcAft>
+                <a:spcPct val="0"/>
+              </a:spcAft>
+              <a:buClr>
+                <a:schemeClr val="tx2"/>
+              </a:buClr>
+              <a:buSzPct val="85000"/>
+              <a:buFont typeface="Wingdings" pitchFamily="2" charset="2"/>
+              <a:buChar char="Ø"/>
+              <a:defRPr sz="2800">
+                <a:solidFill>
+                  <a:srgbClr val="006666"/>
+                </a:solidFill>
+                <a:latin typeface="微软雅黑" pitchFamily="34" charset="-122"/>
+                <a:ea typeface="微软雅黑" pitchFamily="34" charset="-122"/>
+              </a:defRPr>
+            </a:lvl2pPr>
+            <a:lvl3pPr marL="1143000" indent="-228600" algn="l" rtl="0" eaLnBrk="1" fontAlgn="base" hangingPunct="1">
+              <a:spcBef>
+                <a:spcPct val="30000"/>
+              </a:spcBef>
+              <a:spcAft>
+                <a:spcPct val="0"/>
+              </a:spcAft>
+              <a:buClr>
+                <a:schemeClr val="hlink"/>
+              </a:buClr>
+              <a:buSzPct val="95000"/>
+              <a:buFont typeface="Wingdings 2" pitchFamily="18" charset="2"/>
+              <a:buChar char="¡"/>
+              <a:defRPr sz="2400">
+                <a:solidFill>
+                  <a:schemeClr val="hlink"/>
+                </a:solidFill>
+                <a:latin typeface="微软雅黑" pitchFamily="34" charset="-122"/>
+                <a:ea typeface="微软雅黑" pitchFamily="34" charset="-122"/>
+              </a:defRPr>
+            </a:lvl3pPr>
+            <a:lvl4pPr marL="1600200" indent="-228600" algn="l" rtl="0" eaLnBrk="1" fontAlgn="base" hangingPunct="1">
+              <a:spcBef>
+                <a:spcPct val="30000"/>
+              </a:spcBef>
+              <a:spcAft>
+                <a:spcPct val="0"/>
+              </a:spcAft>
+              <a:buClr>
+                <a:schemeClr val="tx2"/>
+              </a:buClr>
+              <a:buSzPct val="90000"/>
+              <a:buFont typeface="Wingdings" pitchFamily="2" charset="2"/>
+              <a:buChar char="Ø"/>
+              <a:defRPr sz="2000">
+                <a:solidFill>
+                  <a:srgbClr val="990099"/>
+                </a:solidFill>
+                <a:latin typeface="微软雅黑" pitchFamily="34" charset="-122"/>
+                <a:ea typeface="微软雅黑" pitchFamily="34" charset="-122"/>
+              </a:defRPr>
+            </a:lvl4pPr>
+            <a:lvl5pPr marL="2057400" indent="-228600" algn="l" rtl="0" eaLnBrk="1" fontAlgn="base" hangingPunct="1">
+              <a:spcBef>
+                <a:spcPct val="30000"/>
+              </a:spcBef>
+              <a:spcAft>
+                <a:spcPct val="0"/>
+              </a:spcAft>
+              <a:buClr>
+                <a:schemeClr val="hlink"/>
+              </a:buClr>
+              <a:buFont typeface="Wingdings 2" pitchFamily="18" charset="2"/>
+              <a:buChar char="¡"/>
+              <a:defRPr sz="2000">
+                <a:solidFill>
+                  <a:schemeClr val="tx1"/>
+                </a:solidFill>
+                <a:latin typeface="微软雅黑" pitchFamily="34" charset="-122"/>
+                <a:ea typeface="微软雅黑" pitchFamily="34" charset="-122"/>
+              </a:defRPr>
+            </a:lvl5pPr>
+            <a:lvl6pPr marL="2514600" indent="-228600" algn="l" rtl="0" eaLnBrk="1" fontAlgn="base" hangingPunct="1">
+              <a:spcBef>
+                <a:spcPct val="30000"/>
+              </a:spcBef>
+              <a:spcAft>
+                <a:spcPct val="0"/>
+              </a:spcAft>
+              <a:buClr>
+                <a:schemeClr val="hlink"/>
+              </a:buClr>
+              <a:buFont typeface="Wingdings 2" pitchFamily="18" charset="2"/>
+              <a:buChar char="¡"/>
+              <a:defRPr sz="2000">
+                <a:solidFill>
+                  <a:schemeClr val="tx1"/>
+                </a:solidFill>
+                <a:latin typeface="+mn-lt"/>
+                <a:ea typeface="+mn-ea"/>
+              </a:defRPr>
+            </a:lvl6pPr>
+            <a:lvl7pPr marL="2971800" indent="-228600" algn="l" rtl="0" eaLnBrk="1" fontAlgn="base" hangingPunct="1">
+              <a:spcBef>
+                <a:spcPct val="30000"/>
+              </a:spcBef>
+              <a:spcAft>
+                <a:spcPct val="0"/>
+              </a:spcAft>
+              <a:buClr>
+                <a:schemeClr val="hlink"/>
+              </a:buClr>
+              <a:buFont typeface="Wingdings 2" pitchFamily="18" charset="2"/>
+              <a:buChar char="¡"/>
+              <a:defRPr sz="2000">
+                <a:solidFill>
+                  <a:schemeClr val="tx1"/>
+                </a:solidFill>
+                <a:latin typeface="+mn-lt"/>
+                <a:ea typeface="+mn-ea"/>
+              </a:defRPr>
+            </a:lvl7pPr>
+            <a:lvl8pPr marL="3429000" indent="-228600" algn="l" rtl="0" eaLnBrk="1" fontAlgn="base" hangingPunct="1">
+              <a:spcBef>
+                <a:spcPct val="30000"/>
+              </a:spcBef>
+              <a:spcAft>
+                <a:spcPct val="0"/>
+              </a:spcAft>
+              <a:buClr>
+                <a:schemeClr val="hlink"/>
+              </a:buClr>
+              <a:buFont typeface="Wingdings 2" pitchFamily="18" charset="2"/>
+              <a:buChar char="¡"/>
+              <a:defRPr sz="2000">
+                <a:solidFill>
+                  <a:schemeClr val="tx1"/>
+                </a:solidFill>
+                <a:latin typeface="+mn-lt"/>
+                <a:ea typeface="+mn-ea"/>
+              </a:defRPr>
+            </a:lvl8pPr>
+            <a:lvl9pPr marL="3886200" indent="-228600" algn="l" rtl="0" eaLnBrk="1" fontAlgn="base" hangingPunct="1">
+              <a:spcBef>
+                <a:spcPct val="30000"/>
+              </a:spcBef>
+              <a:spcAft>
+                <a:spcPct val="0"/>
+              </a:spcAft>
+              <a:buClr>
+                <a:schemeClr val="hlink"/>
+              </a:buClr>
+              <a:buFont typeface="Wingdings 2" pitchFamily="18" charset="2"/>
+              <a:buChar char="¡"/>
+              <a:defRPr sz="2000">
+                <a:solidFill>
+                  <a:schemeClr val="tx1"/>
+                </a:solidFill>
+                <a:latin typeface="+mn-lt"/>
+                <a:ea typeface="+mn-ea"/>
+              </a:defRPr>
+            </a:lvl9pPr>
+          </a:lstStyle>
+          <a:p>
+            <a:r>
+              <a:rPr lang="en-US" altLang="zh-CN" sz="2400" kern="0" dirty="0">
+                <a:latin typeface="+mn-lt"/>
+                <a:cs typeface="Times New Roman" panose="02020603050405020304" pitchFamily="18" charset="0"/>
+              </a:rPr>
+              <a:t>RETAU550</a:t>
+            </a:r>
+            <a:endParaRPr lang="en-US" altLang="zh-CN" sz="2000" kern="0" dirty="0">
+              <a:latin typeface="+mn-lt"/>
+              <a:cs typeface="Times New Roman" panose="02020603050405020304" pitchFamily="18" charset="0"/>
+            </a:endParaRPr>
+          </a:p>
+          <a:p>
+            <a:pPr lvl="1"/>
+            <a:r>
+              <a:rPr lang="en-US" altLang="zh-CN" sz="2000">
+                <a:latin typeface="+mn-lt"/>
+                <a:cs typeface="Times New Roman" panose="02020603050405020304" pitchFamily="18" charset="0"/>
+              </a:rPr>
+              <a:t>Grid convergence</a:t>
+            </a:r>
+            <a:endParaRPr lang="en-US" altLang="zh-CN" sz="2000" dirty="0">
+              <a:latin typeface="+mn-lt"/>
+              <a:cs typeface="Times New Roman" panose="02020603050405020304" pitchFamily="18" charset="0"/>
+            </a:endParaRPr>
+          </a:p>
+        </p:txBody>
+      </p:sp>
+      <p:pic>
+        <p:nvPicPr>
+          <p:cNvPr id="5" name="Picture 4">
+            <a:extLst>
+              <a:ext uri="{FF2B5EF4-FFF2-40B4-BE49-F238E27FC236}">
+                <a16:creationId xmlns:a16="http://schemas.microsoft.com/office/drawing/2014/main" id="{0B213BC0-765B-C51D-7191-D1280CCF4158}"/>
+              </a:ext>
+            </a:extLst>
+          </p:cNvPr>
+          <p:cNvPicPr>
+            <a:picLocks noChangeAspect="1"/>
+          </p:cNvPicPr>
+          <p:nvPr/>
+        </p:nvPicPr>
+        <p:blipFill>
+          <a:blip r:embed="rId3"/>
+          <a:stretch>
+            <a:fillRect/>
+          </a:stretch>
+        </p:blipFill>
+        <p:spPr>
+          <a:xfrm>
+            <a:off x="1676400" y="2133600"/>
+            <a:ext cx="5572735" cy="4202095"/>
+          </a:xfrm>
+          <a:prstGeom prst="rect">
+            <a:avLst/>
+          </a:prstGeom>
+        </p:spPr>
+      </p:pic>
+    </p:spTree>
+    <p:extLst>
+      <p:ext uri="{BB962C8B-B14F-4D97-AF65-F5344CB8AC3E}">
+        <p14:creationId xmlns:p14="http://schemas.microsoft.com/office/powerpoint/2010/main" val="3030650885"/>
+      </p:ext>
+    </p:extLst>
+  </p:cSld>
+  <p:clrMapOvr>
+    <a:masterClrMapping/>
+  </p:clrMapOvr>
+  <p:transition spd="med" advTm="63997"/>
+</p:sld>
+</file>
+
+<file path=ppt/slides/slide11.xml><?xml version="1.0" encoding="utf-8"?>
+<p:sld xmlns:a="http://schemas.openxmlformats.org/drawingml/2006/main" xmlns:r="http://schemas.openxmlformats.org/officeDocument/2006/relationships" xmlns:p="http://schemas.openxmlformats.org/presentationml/2006/main">
+  <p:cSld>
+    <p:spTree>
+      <p:nvGrpSpPr>
+        <p:cNvPr id="1" name="">
+          <a:extLst>
+            <a:ext uri="{FF2B5EF4-FFF2-40B4-BE49-F238E27FC236}">
+              <a16:creationId xmlns:a16="http://schemas.microsoft.com/office/drawing/2014/main" id="{E36FAF1C-FB3C-6E4F-3EF6-B91416465A30}"/>
+            </a:ext>
+          </a:extLst>
+        </p:cNvPr>
+        <p:cNvGrpSpPr/>
+        <p:nvPr/>
+      </p:nvGrpSpPr>
+      <p:grpSpPr>
+        <a:xfrm>
+          <a:off x="0" y="0"/>
+          <a:ext cx="0" cy="0"/>
+          <a:chOff x="0" y="0"/>
+          <a:chExt cx="0" cy="0"/>
+        </a:xfrm>
+      </p:grpSpPr>
+      <p:sp>
+        <p:nvSpPr>
+          <p:cNvPr id="2" name="Title 1">
+            <a:extLst>
+              <a:ext uri="{FF2B5EF4-FFF2-40B4-BE49-F238E27FC236}">
+                <a16:creationId xmlns:a16="http://schemas.microsoft.com/office/drawing/2014/main" id="{5ADC8DE3-593B-5208-402D-39D2452CA6CD}"/>
+              </a:ext>
+            </a:extLst>
+          </p:cNvPr>
+          <p:cNvSpPr>
+            <a:spLocks noGrp="1"/>
+          </p:cNvSpPr>
+          <p:nvPr>
+            <p:ph type="title"/>
+          </p:nvPr>
+        </p:nvSpPr>
+        <p:spPr>
+          <a:xfrm>
+            <a:off x="152400" y="152400"/>
+            <a:ext cx="8610600" cy="838200"/>
+          </a:xfrm>
+        </p:spPr>
+        <p:txBody>
+          <a:bodyPr/>
+          <a:lstStyle/>
+          <a:p>
+            <a:r>
+              <a:rPr lang="en-US" altLang="zh-CN" dirty="0"/>
+              <a:t>Channel</a:t>
+            </a:r>
+            <a:endParaRPr lang="zh-CN" altLang="en-US" dirty="0"/>
+          </a:p>
+        </p:txBody>
+      </p:sp>
+      <p:sp>
+        <p:nvSpPr>
           <p:cNvPr id="7" name="内容占位符 2">
             <a:extLst>
               <a:ext uri="{FF2B5EF4-FFF2-40B4-BE49-F238E27FC236}">
@@ -26004,7 +26481,7 @@
 </p:sld>
 </file>
 
-<file path=ppt/slides/slide11.xml><?xml version="1.0" encoding="utf-8"?>
+<file path=ppt/slides/slide12.xml><?xml version="1.0" encoding="utf-8"?>
 <p:sld xmlns:a="http://schemas.openxmlformats.org/drawingml/2006/main" xmlns:r="http://schemas.openxmlformats.org/officeDocument/2006/relationships" xmlns:p="http://schemas.openxmlformats.org/presentationml/2006/main">
   <p:cSld>
     <p:spTree>
@@ -26452,7 +26929,7 @@
 </p:sld>
 </file>
 
-<file path=ppt/slides/slide12.xml><?xml version="1.0" encoding="utf-8"?>
+<file path=ppt/slides/slide13.xml><?xml version="1.0" encoding="utf-8"?>
 <p:sld xmlns:a="http://schemas.openxmlformats.org/drawingml/2006/main" xmlns:r="http://schemas.openxmlformats.org/officeDocument/2006/relationships" xmlns:p="http://schemas.openxmlformats.org/presentationml/2006/main">
   <p:cSld>
     <p:spTree>
@@ -26906,7 +27383,7 @@
 </p:sld>
 </file>
 
-<file path=ppt/slides/slide13.xml><?xml version="1.0" encoding="utf-8"?>
+<file path=ppt/slides/slide14.xml><?xml version="1.0" encoding="utf-8"?>
 <p:sld xmlns:a="http://schemas.openxmlformats.org/drawingml/2006/main" xmlns:r="http://schemas.openxmlformats.org/officeDocument/2006/relationships" xmlns:p="http://schemas.openxmlformats.org/presentationml/2006/main">
   <p:cSld>
     <p:spTree>
@@ -27245,17 +27722,17 @@
                 <a:latin typeface="+mn-lt"/>
                 <a:cs typeface="Times New Roman" panose="02020603050405020304" pitchFamily="18" charset="0"/>
               </a:rPr>
-              <a:t>Why eddy viscosity is so small?</a:t>
+              <a:t>As Re increases, the influence of Cs is less</a:t>
             </a:r>
           </a:p>
         </p:txBody>
       </p:sp>
       <p:pic>
         <p:nvPicPr>
-          <p:cNvPr id="23" name="Picture 22">
+          <p:cNvPr id="25" name="Picture 24">
             <a:extLst>
               <a:ext uri="{FF2B5EF4-FFF2-40B4-BE49-F238E27FC236}">
-                <a16:creationId xmlns:a16="http://schemas.microsoft.com/office/drawing/2014/main" id="{0855273A-438C-9A07-EC26-58B8C3A23C3B}"/>
+                <a16:creationId xmlns:a16="http://schemas.microsoft.com/office/drawing/2014/main" id="{4AAE87AF-C77B-93F0-0A0E-3A7AB94A35BC}"/>
               </a:ext>
             </a:extLst>
           </p:cNvPr>
@@ -27272,37 +27749,7 @@
         </p:blipFill>
         <p:spPr>
           <a:xfrm>
-            <a:off x="1380067" y="2407355"/>
-            <a:ext cx="3200400" cy="2390108"/>
-          </a:xfrm>
-          <a:prstGeom prst="rect">
-            <a:avLst/>
-          </a:prstGeom>
-        </p:spPr>
-      </p:pic>
-      <p:pic>
-        <p:nvPicPr>
-          <p:cNvPr id="25" name="Picture 24">
-            <a:extLst>
-              <a:ext uri="{FF2B5EF4-FFF2-40B4-BE49-F238E27FC236}">
-                <a16:creationId xmlns:a16="http://schemas.microsoft.com/office/drawing/2014/main" id="{4AAE87AF-C77B-93F0-0A0E-3A7AB94A35BC}"/>
-              </a:ext>
-            </a:extLst>
-          </p:cNvPr>
-          <p:cNvPicPr>
-            <a:picLocks noChangeAspect="1"/>
-          </p:cNvPicPr>
-          <p:nvPr/>
-        </p:nvPicPr>
-        <p:blipFill>
-          <a:blip r:embed="rId4"/>
-          <a:stretch>
-            <a:fillRect/>
-          </a:stretch>
-        </p:blipFill>
-        <p:spPr>
-          <a:xfrm>
-            <a:off x="4648200" y="2407985"/>
+            <a:off x="4411133" y="2664432"/>
             <a:ext cx="3200400" cy="2401580"/>
           </a:xfrm>
           <a:prstGeom prst="rect">
@@ -27325,14 +27772,14 @@
           <p:nvPr/>
         </p:nvPicPr>
         <p:blipFill>
-          <a:blip r:embed="rId5"/>
+          <a:blip r:embed="rId4"/>
           <a:stretch>
             <a:fillRect/>
           </a:stretch>
         </p:blipFill>
         <p:spPr>
           <a:xfrm>
-            <a:off x="1380067" y="4797463"/>
+            <a:off x="1143000" y="5053910"/>
             <a:ext cx="3200400" cy="2383711"/>
           </a:xfrm>
           <a:prstGeom prst="rect">
@@ -27355,6 +27802,36 @@
           <p:nvPr/>
         </p:nvPicPr>
         <p:blipFill>
+          <a:blip r:embed="rId5"/>
+          <a:stretch>
+            <a:fillRect/>
+          </a:stretch>
+        </p:blipFill>
+        <p:spPr>
+          <a:xfrm>
+            <a:off x="4419600" y="5066012"/>
+            <a:ext cx="3200400" cy="2401588"/>
+          </a:xfrm>
+          <a:prstGeom prst="rect">
+            <a:avLst/>
+          </a:prstGeom>
+        </p:spPr>
+      </p:pic>
+      <p:pic>
+        <p:nvPicPr>
+          <p:cNvPr id="35" name="Picture 34">
+            <a:extLst>
+              <a:ext uri="{FF2B5EF4-FFF2-40B4-BE49-F238E27FC236}">
+                <a16:creationId xmlns:a16="http://schemas.microsoft.com/office/drawing/2014/main" id="{183654BF-4D16-5823-4E56-766A2126CE83}"/>
+              </a:ext>
+            </a:extLst>
+          </p:cNvPr>
+          <p:cNvPicPr>
+            <a:picLocks noChangeAspect="1"/>
+          </p:cNvPicPr>
+          <p:nvPr/>
+        </p:nvPicPr>
+        <p:blipFill>
           <a:blip r:embed="rId6"/>
           <a:stretch>
             <a:fillRect/>
@@ -27362,8 +27839,8 @@
         </p:blipFill>
         <p:spPr>
           <a:xfrm>
-            <a:off x="4656667" y="4809565"/>
-            <a:ext cx="3200400" cy="2401588"/>
+            <a:off x="1210733" y="2669552"/>
+            <a:ext cx="3200400" cy="2391339"/>
           </a:xfrm>
           <a:prstGeom prst="rect">
             <a:avLst/>
@@ -27384,7 +27861,7 @@
 </p:sld>
 </file>
 
-<file path=ppt/slides/slide14.xml><?xml version="1.0" encoding="utf-8"?>
+<file path=ppt/slides/slide15.xml><?xml version="1.0" encoding="utf-8"?>
 <p:sld xmlns:a="http://schemas.openxmlformats.org/drawingml/2006/main" xmlns:r="http://schemas.openxmlformats.org/officeDocument/2006/relationships" xmlns:p="http://schemas.openxmlformats.org/presentationml/2006/main">
   <p:cSld>
     <p:spTree>
@@ -27909,7 +28386,7 @@
 </p:sld>
 </file>
 
-<file path=ppt/slides/slide15.xml><?xml version="1.0" encoding="utf-8"?>
+<file path=ppt/slides/slide16.xml><?xml version="1.0" encoding="utf-8"?>
 <p:sld xmlns:a="http://schemas.openxmlformats.org/drawingml/2006/main" xmlns:r="http://schemas.openxmlformats.org/officeDocument/2006/relationships" xmlns:p="http://schemas.openxmlformats.org/presentationml/2006/main">
   <p:cSld>
     <p:spTree>
@@ -28394,7 +28871,7 @@
 </p:sld>
 </file>
 
-<file path=ppt/slides/slide16.xml><?xml version="1.0" encoding="utf-8"?>
+<file path=ppt/slides/slide17.xml><?xml version="1.0" encoding="utf-8"?>
 <p:sld xmlns:a="http://schemas.openxmlformats.org/drawingml/2006/main" xmlns:r="http://schemas.openxmlformats.org/officeDocument/2006/relationships" xmlns:p="http://schemas.openxmlformats.org/presentationml/2006/main">
   <p:cSld>
     <p:spTree>
@@ -28839,7 +29316,7 @@
 </p:sld>
 </file>
 
-<file path=ppt/slides/slide17.xml><?xml version="1.0" encoding="utf-8"?>
+<file path=ppt/slides/slide18.xml><?xml version="1.0" encoding="utf-8"?>
 <p:sld xmlns:a="http://schemas.openxmlformats.org/drawingml/2006/main" xmlns:r="http://schemas.openxmlformats.org/officeDocument/2006/relationships" xmlns:p="http://schemas.openxmlformats.org/presentationml/2006/main">
   <p:cSld>
     <p:spTree>
@@ -29344,7 +29821,7 @@
 </p:sld>
 </file>
 
-<file path=ppt/slides/slide18.xml><?xml version="1.0" encoding="utf-8"?>
+<file path=ppt/slides/slide19.xml><?xml version="1.0" encoding="utf-8"?>
 <p:sld xmlns:a="http://schemas.openxmlformats.org/drawingml/2006/main" xmlns:r="http://schemas.openxmlformats.org/officeDocument/2006/relationships" xmlns:p="http://schemas.openxmlformats.org/presentationml/2006/main">
   <p:cSld>
     <p:spTree>
@@ -29749,511 +30226,6 @@
     <p:extLst>
       <p:ext uri="{BB962C8B-B14F-4D97-AF65-F5344CB8AC3E}">
         <p14:creationId xmlns:p14="http://schemas.microsoft.com/office/powerpoint/2010/main" val="1101504850"/>
-      </p:ext>
-    </p:extLst>
-  </p:cSld>
-  <p:clrMapOvr>
-    <a:masterClrMapping/>
-  </p:clrMapOvr>
-  <p:transition spd="med" advTm="63997"/>
-</p:sld>
-</file>
-
-<file path=ppt/slides/slide19.xml><?xml version="1.0" encoding="utf-8"?>
-<p:sld xmlns:a="http://schemas.openxmlformats.org/drawingml/2006/main" xmlns:r="http://schemas.openxmlformats.org/officeDocument/2006/relationships" xmlns:p="http://schemas.openxmlformats.org/presentationml/2006/main">
-  <p:cSld>
-    <p:spTree>
-      <p:nvGrpSpPr>
-        <p:cNvPr id="1" name=""/>
-        <p:cNvGrpSpPr/>
-        <p:nvPr/>
-      </p:nvGrpSpPr>
-      <p:grpSpPr>
-        <a:xfrm>
-          <a:off x="0" y="0"/>
-          <a:ext cx="0" cy="0"/>
-          <a:chOff x="0" y="0"/>
-          <a:chExt cx="0" cy="0"/>
-        </a:xfrm>
-      </p:grpSpPr>
-      <p:sp>
-        <p:nvSpPr>
-          <p:cNvPr id="2" name="Title 1"/>
-          <p:cNvSpPr>
-            <a:spLocks noGrp="1"/>
-          </p:cNvSpPr>
-          <p:nvPr>
-            <p:ph type="title"/>
-          </p:nvPr>
-        </p:nvSpPr>
-        <p:spPr>
-          <a:xfrm>
-            <a:off x="152400" y="152400"/>
-            <a:ext cx="8610600" cy="838200"/>
-          </a:xfrm>
-        </p:spPr>
-        <p:txBody>
-          <a:bodyPr/>
-          <a:lstStyle/>
-          <a:p>
-            <a:r>
-              <a:rPr lang="en-US" altLang="zh-CN" dirty="0"/>
-              <a:t>Channel</a:t>
-            </a:r>
-            <a:endParaRPr lang="zh-CN" altLang="en-US" dirty="0"/>
-          </a:p>
-        </p:txBody>
-      </p:sp>
-      <p:sp>
-        <p:nvSpPr>
-          <p:cNvPr id="9" name="Rectangle 2"/>
-          <p:cNvSpPr>
-            <a:spLocks noChangeArrowheads="1"/>
-          </p:cNvSpPr>
-          <p:nvPr/>
-        </p:nvSpPr>
-        <p:spPr bwMode="auto">
-          <a:xfrm>
-            <a:off x="0" y="0"/>
-            <a:ext cx="9144000" cy="0"/>
-          </a:xfrm>
-          <a:prstGeom prst="rect">
-            <a:avLst/>
-          </a:prstGeom>
-          <a:noFill/>
-          <a:ln>
-            <a:noFill/>
-          </a:ln>
-          <a:effectLst/>
-          <a:extLst>
-            <a:ext uri="{909E8E84-426E-40DD-AFC4-6F175D3DCCD1}">
-              <a14:hiddenFill xmlns:a14="http://schemas.microsoft.com/office/drawing/2010/main">
-                <a:solidFill>
-                  <a:schemeClr val="accent1"/>
-                </a:solidFill>
-              </a14:hiddenFill>
-            </a:ext>
-            <a:ext uri="{91240B29-F687-4F45-9708-019B960494DF}">
-              <a14:hiddenLine xmlns:a14="http://schemas.microsoft.com/office/drawing/2010/main" w="9525">
-                <a:solidFill>
-                  <a:schemeClr val="tx1"/>
-                </a:solidFill>
-                <a:miter lim="800000"/>
-                <a:headEnd/>
-                <a:tailEnd/>
-              </a14:hiddenLine>
-            </a:ext>
-            <a:ext uri="{AF507438-7753-43E0-B8FC-AC1667EBCBE1}">
-              <a14:hiddenEffects xmlns:a14="http://schemas.microsoft.com/office/drawing/2010/main">
-                <a:effectLst>
-                  <a:outerShdw dist="35921" dir="2700000" algn="ctr" rotWithShape="0">
-                    <a:schemeClr val="bg2"/>
-                  </a:outerShdw>
-                </a:effectLst>
-              </a14:hiddenEffects>
-            </a:ext>
-          </a:extLst>
-        </p:spPr>
-        <p:txBody>
-          <a:bodyPr vert="horz" wrap="none" lIns="91440" tIns="45720" rIns="91440" bIns="45720" numCol="1" anchor="ctr" anchorCtr="0" compatLnSpc="1">
-            <a:prstTxWarp prst="textNoShape">
-              <a:avLst/>
-            </a:prstTxWarp>
-            <a:spAutoFit/>
-          </a:bodyPr>
-          <a:lstStyle/>
-          <a:p>
-            <a:endParaRPr lang="zh-CN" altLang="en-US"/>
-          </a:p>
-        </p:txBody>
-      </p:sp>
-      <p:sp>
-        <p:nvSpPr>
-          <p:cNvPr id="17" name="内容占位符 2">
-            <a:extLst>
-              <a:ext uri="{FF2B5EF4-FFF2-40B4-BE49-F238E27FC236}">
-                <a16:creationId xmlns:a16="http://schemas.microsoft.com/office/drawing/2014/main" id="{D7B13CA5-CF5D-287A-9ACB-EF5CA77485F1}"/>
-              </a:ext>
-            </a:extLst>
-          </p:cNvPr>
-          <p:cNvSpPr txBox="1">
-            <a:spLocks/>
-          </p:cNvSpPr>
-          <p:nvPr/>
-        </p:nvSpPr>
-        <p:spPr bwMode="auto">
-          <a:xfrm>
-            <a:off x="93652" y="1068113"/>
-            <a:ext cx="8610600" cy="1211060"/>
-          </a:xfrm>
-          <a:prstGeom prst="rect">
-            <a:avLst/>
-          </a:prstGeom>
-          <a:noFill/>
-          <a:ln>
-            <a:noFill/>
-          </a:ln>
-          <a:extLst>
-            <a:ext uri="{909E8E84-426E-40DD-AFC4-6F175D3DCCD1}">
-              <a14:hiddenFill xmlns:a14="http://schemas.microsoft.com/office/drawing/2010/main">
-                <a:solidFill>
-                  <a:srgbClr val="FFFFFF"/>
-                </a:solidFill>
-              </a14:hiddenFill>
-            </a:ext>
-            <a:ext uri="{91240B29-F687-4F45-9708-019B960494DF}">
-              <a14:hiddenLine xmlns:a14="http://schemas.microsoft.com/office/drawing/2010/main" w="28575">
-                <a:solidFill>
-                  <a:srgbClr val="000000"/>
-                </a:solidFill>
-                <a:miter lim="800000"/>
-                <a:headEnd/>
-                <a:tailEnd/>
-              </a14:hiddenLine>
-            </a:ext>
-          </a:extLst>
-        </p:spPr>
-        <p:txBody>
-          <a:bodyPr vert="horz" wrap="square" lIns="91440" tIns="45720" rIns="91440" bIns="45720" numCol="1" anchor="t" anchorCtr="0" compatLnSpc="1">
-            <a:prstTxWarp prst="textNoShape">
-              <a:avLst/>
-            </a:prstTxWarp>
-          </a:bodyPr>
-          <a:lstStyle>
-            <a:lvl1pPr marL="342900" indent="-342900" algn="l" rtl="0" eaLnBrk="1" fontAlgn="base" hangingPunct="1">
-              <a:spcBef>
-                <a:spcPct val="30000"/>
-              </a:spcBef>
-              <a:spcAft>
-                <a:spcPct val="0"/>
-              </a:spcAft>
-              <a:buClr>
-                <a:schemeClr val="hlink"/>
-              </a:buClr>
-              <a:buFont typeface="Wingdings" pitchFamily="2" charset="2"/>
-              <a:buChar char="§"/>
-              <a:defRPr sz="3200">
-                <a:solidFill>
-                  <a:srgbClr val="000066"/>
-                </a:solidFill>
-                <a:latin typeface="微软雅黑" pitchFamily="34" charset="-122"/>
-                <a:ea typeface="微软雅黑" pitchFamily="34" charset="-122"/>
-                <a:cs typeface="+mn-cs"/>
-              </a:defRPr>
-            </a:lvl1pPr>
-            <a:lvl2pPr marL="742950" indent="-285750" algn="l" rtl="0" eaLnBrk="1" fontAlgn="base" hangingPunct="1">
-              <a:spcBef>
-                <a:spcPct val="30000"/>
-              </a:spcBef>
-              <a:spcAft>
-                <a:spcPct val="0"/>
-              </a:spcAft>
-              <a:buClr>
-                <a:schemeClr val="tx2"/>
-              </a:buClr>
-              <a:buSzPct val="85000"/>
-              <a:buFont typeface="Wingdings" pitchFamily="2" charset="2"/>
-              <a:buChar char="Ø"/>
-              <a:defRPr sz="2800">
-                <a:solidFill>
-                  <a:srgbClr val="006666"/>
-                </a:solidFill>
-                <a:latin typeface="微软雅黑" pitchFamily="34" charset="-122"/>
-                <a:ea typeface="微软雅黑" pitchFamily="34" charset="-122"/>
-              </a:defRPr>
-            </a:lvl2pPr>
-            <a:lvl3pPr marL="1143000" indent="-228600" algn="l" rtl="0" eaLnBrk="1" fontAlgn="base" hangingPunct="1">
-              <a:spcBef>
-                <a:spcPct val="30000"/>
-              </a:spcBef>
-              <a:spcAft>
-                <a:spcPct val="0"/>
-              </a:spcAft>
-              <a:buClr>
-                <a:schemeClr val="hlink"/>
-              </a:buClr>
-              <a:buSzPct val="95000"/>
-              <a:buFont typeface="Wingdings 2" pitchFamily="18" charset="2"/>
-              <a:buChar char="¡"/>
-              <a:defRPr sz="2400">
-                <a:solidFill>
-                  <a:schemeClr val="hlink"/>
-                </a:solidFill>
-                <a:latin typeface="微软雅黑" pitchFamily="34" charset="-122"/>
-                <a:ea typeface="微软雅黑" pitchFamily="34" charset="-122"/>
-              </a:defRPr>
-            </a:lvl3pPr>
-            <a:lvl4pPr marL="1600200" indent="-228600" algn="l" rtl="0" eaLnBrk="1" fontAlgn="base" hangingPunct="1">
-              <a:spcBef>
-                <a:spcPct val="30000"/>
-              </a:spcBef>
-              <a:spcAft>
-                <a:spcPct val="0"/>
-              </a:spcAft>
-              <a:buClr>
-                <a:schemeClr val="tx2"/>
-              </a:buClr>
-              <a:buSzPct val="90000"/>
-              <a:buFont typeface="Wingdings" pitchFamily="2" charset="2"/>
-              <a:buChar char="Ø"/>
-              <a:defRPr sz="2000">
-                <a:solidFill>
-                  <a:srgbClr val="990099"/>
-                </a:solidFill>
-                <a:latin typeface="微软雅黑" pitchFamily="34" charset="-122"/>
-                <a:ea typeface="微软雅黑" pitchFamily="34" charset="-122"/>
-              </a:defRPr>
-            </a:lvl4pPr>
-            <a:lvl5pPr marL="2057400" indent="-228600" algn="l" rtl="0" eaLnBrk="1" fontAlgn="base" hangingPunct="1">
-              <a:spcBef>
-                <a:spcPct val="30000"/>
-              </a:spcBef>
-              <a:spcAft>
-                <a:spcPct val="0"/>
-              </a:spcAft>
-              <a:buClr>
-                <a:schemeClr val="hlink"/>
-              </a:buClr>
-              <a:buFont typeface="Wingdings 2" pitchFamily="18" charset="2"/>
-              <a:buChar char="¡"/>
-              <a:defRPr sz="2000">
-                <a:solidFill>
-                  <a:schemeClr val="tx1"/>
-                </a:solidFill>
-                <a:latin typeface="微软雅黑" pitchFamily="34" charset="-122"/>
-                <a:ea typeface="微软雅黑" pitchFamily="34" charset="-122"/>
-              </a:defRPr>
-            </a:lvl5pPr>
-            <a:lvl6pPr marL="2514600" indent="-228600" algn="l" rtl="0" eaLnBrk="1" fontAlgn="base" hangingPunct="1">
-              <a:spcBef>
-                <a:spcPct val="30000"/>
-              </a:spcBef>
-              <a:spcAft>
-                <a:spcPct val="0"/>
-              </a:spcAft>
-              <a:buClr>
-                <a:schemeClr val="hlink"/>
-              </a:buClr>
-              <a:buFont typeface="Wingdings 2" pitchFamily="18" charset="2"/>
-              <a:buChar char="¡"/>
-              <a:defRPr sz="2000">
-                <a:solidFill>
-                  <a:schemeClr val="tx1"/>
-                </a:solidFill>
-                <a:latin typeface="+mn-lt"/>
-                <a:ea typeface="+mn-ea"/>
-              </a:defRPr>
-            </a:lvl6pPr>
-            <a:lvl7pPr marL="2971800" indent="-228600" algn="l" rtl="0" eaLnBrk="1" fontAlgn="base" hangingPunct="1">
-              <a:spcBef>
-                <a:spcPct val="30000"/>
-              </a:spcBef>
-              <a:spcAft>
-                <a:spcPct val="0"/>
-              </a:spcAft>
-              <a:buClr>
-                <a:schemeClr val="hlink"/>
-              </a:buClr>
-              <a:buFont typeface="Wingdings 2" pitchFamily="18" charset="2"/>
-              <a:buChar char="¡"/>
-              <a:defRPr sz="2000">
-                <a:solidFill>
-                  <a:schemeClr val="tx1"/>
-                </a:solidFill>
-                <a:latin typeface="+mn-lt"/>
-                <a:ea typeface="+mn-ea"/>
-              </a:defRPr>
-            </a:lvl7pPr>
-            <a:lvl8pPr marL="3429000" indent="-228600" algn="l" rtl="0" eaLnBrk="1" fontAlgn="base" hangingPunct="1">
-              <a:spcBef>
-                <a:spcPct val="30000"/>
-              </a:spcBef>
-              <a:spcAft>
-                <a:spcPct val="0"/>
-              </a:spcAft>
-              <a:buClr>
-                <a:schemeClr val="hlink"/>
-              </a:buClr>
-              <a:buFont typeface="Wingdings 2" pitchFamily="18" charset="2"/>
-              <a:buChar char="¡"/>
-              <a:defRPr sz="2000">
-                <a:solidFill>
-                  <a:schemeClr val="tx1"/>
-                </a:solidFill>
-                <a:latin typeface="+mn-lt"/>
-                <a:ea typeface="+mn-ea"/>
-              </a:defRPr>
-            </a:lvl8pPr>
-            <a:lvl9pPr marL="3886200" indent="-228600" algn="l" rtl="0" eaLnBrk="1" fontAlgn="base" hangingPunct="1">
-              <a:spcBef>
-                <a:spcPct val="30000"/>
-              </a:spcBef>
-              <a:spcAft>
-                <a:spcPct val="0"/>
-              </a:spcAft>
-              <a:buClr>
-                <a:schemeClr val="hlink"/>
-              </a:buClr>
-              <a:buFont typeface="Wingdings 2" pitchFamily="18" charset="2"/>
-              <a:buChar char="¡"/>
-              <a:defRPr sz="2000">
-                <a:solidFill>
-                  <a:schemeClr val="tx1"/>
-                </a:solidFill>
-                <a:latin typeface="+mn-lt"/>
-                <a:ea typeface="+mn-ea"/>
-              </a:defRPr>
-            </a:lvl9pPr>
-          </a:lstStyle>
-          <a:p>
-            <a:r>
-              <a:rPr lang="en-US" altLang="zh-CN" sz="2400" kern="0" dirty="0">
-                <a:latin typeface="+mn-lt"/>
-                <a:cs typeface="Times New Roman" panose="02020603050405020304" pitchFamily="18" charset="0"/>
-              </a:rPr>
-              <a:t>RETAU5200</a:t>
-            </a:r>
-            <a:endParaRPr lang="en-US" altLang="zh-CN" sz="2000" kern="0" dirty="0">
-              <a:latin typeface="+mn-lt"/>
-              <a:cs typeface="Times New Roman" panose="02020603050405020304" pitchFamily="18" charset="0"/>
-            </a:endParaRPr>
-          </a:p>
-          <a:p>
-            <a:pPr lvl="1"/>
-            <a:r>
-              <a:rPr lang="en-US" altLang="zh-CN" sz="2000" dirty="0">
-                <a:latin typeface="+mn-lt"/>
-                <a:cs typeface="Times New Roman" panose="02020603050405020304" pitchFamily="18" charset="0"/>
-              </a:rPr>
-              <a:t>Simplified viscous terms produce a bit better results on coarse grids, but nearly the same results on the finest grid</a:t>
-            </a:r>
-          </a:p>
-        </p:txBody>
-      </p:sp>
-      <p:pic>
-        <p:nvPicPr>
-          <p:cNvPr id="4" name="Picture 3">
-            <a:extLst>
-              <a:ext uri="{FF2B5EF4-FFF2-40B4-BE49-F238E27FC236}">
-                <a16:creationId xmlns:a16="http://schemas.microsoft.com/office/drawing/2014/main" id="{50EE1709-EABB-454A-53B1-315DA164832A}"/>
-              </a:ext>
-            </a:extLst>
-          </p:cNvPr>
-          <p:cNvPicPr>
-            <a:picLocks noChangeAspect="1"/>
-          </p:cNvPicPr>
-          <p:nvPr/>
-        </p:nvPicPr>
-        <p:blipFill>
-          <a:blip r:embed="rId3"/>
-          <a:stretch>
-            <a:fillRect/>
-          </a:stretch>
-        </p:blipFill>
-        <p:spPr>
-          <a:xfrm>
-            <a:off x="1295400" y="4672308"/>
-            <a:ext cx="3200400" cy="2390042"/>
-          </a:xfrm>
-          <a:prstGeom prst="rect">
-            <a:avLst/>
-          </a:prstGeom>
-        </p:spPr>
-      </p:pic>
-      <p:pic>
-        <p:nvPicPr>
-          <p:cNvPr id="6" name="Picture 5">
-            <a:extLst>
-              <a:ext uri="{FF2B5EF4-FFF2-40B4-BE49-F238E27FC236}">
-                <a16:creationId xmlns:a16="http://schemas.microsoft.com/office/drawing/2014/main" id="{75FAD4A9-F8BA-3F98-7D08-F79BDD909E55}"/>
-              </a:ext>
-            </a:extLst>
-          </p:cNvPr>
-          <p:cNvPicPr>
-            <a:picLocks noChangeAspect="1"/>
-          </p:cNvPicPr>
-          <p:nvPr/>
-        </p:nvPicPr>
-        <p:blipFill>
-          <a:blip r:embed="rId4"/>
-          <a:stretch>
-            <a:fillRect/>
-          </a:stretch>
-        </p:blipFill>
-        <p:spPr>
-          <a:xfrm>
-            <a:off x="4495800" y="2299948"/>
-            <a:ext cx="3200400" cy="2372360"/>
-          </a:xfrm>
-          <a:prstGeom prst="rect">
-            <a:avLst/>
-          </a:prstGeom>
-        </p:spPr>
-      </p:pic>
-      <p:pic>
-        <p:nvPicPr>
-          <p:cNvPr id="8" name="Picture 7">
-            <a:extLst>
-              <a:ext uri="{FF2B5EF4-FFF2-40B4-BE49-F238E27FC236}">
-                <a16:creationId xmlns:a16="http://schemas.microsoft.com/office/drawing/2014/main" id="{900089F2-6F03-AC4F-47FB-B494550D41D8}"/>
-              </a:ext>
-            </a:extLst>
-          </p:cNvPr>
-          <p:cNvPicPr>
-            <a:picLocks noChangeAspect="1"/>
-          </p:cNvPicPr>
-          <p:nvPr/>
-        </p:nvPicPr>
-        <p:blipFill>
-          <a:blip r:embed="rId5"/>
-          <a:stretch>
-            <a:fillRect/>
-          </a:stretch>
-        </p:blipFill>
-        <p:spPr>
-          <a:xfrm>
-            <a:off x="1295400" y="2286000"/>
-            <a:ext cx="3200400" cy="2386308"/>
-          </a:xfrm>
-          <a:prstGeom prst="rect">
-            <a:avLst/>
-          </a:prstGeom>
-        </p:spPr>
-      </p:pic>
-      <p:pic>
-        <p:nvPicPr>
-          <p:cNvPr id="13" name="Picture 12">
-            <a:extLst>
-              <a:ext uri="{FF2B5EF4-FFF2-40B4-BE49-F238E27FC236}">
-                <a16:creationId xmlns:a16="http://schemas.microsoft.com/office/drawing/2014/main" id="{7FA17928-4EAE-2C6F-0C99-5C67EDC2AB39}"/>
-              </a:ext>
-            </a:extLst>
-          </p:cNvPr>
-          <p:cNvPicPr>
-            <a:picLocks noChangeAspect="1"/>
-          </p:cNvPicPr>
-          <p:nvPr/>
-        </p:nvPicPr>
-        <p:blipFill>
-          <a:blip r:embed="rId6"/>
-          <a:stretch>
-            <a:fillRect/>
-          </a:stretch>
-        </p:blipFill>
-        <p:spPr>
-          <a:xfrm>
-            <a:off x="4495800" y="4672718"/>
-            <a:ext cx="3200400" cy="2396459"/>
-          </a:xfrm>
-          <a:prstGeom prst="rect">
-            <a:avLst/>
-          </a:prstGeom>
-        </p:spPr>
-      </p:pic>
-    </p:spTree>
-    <p:extLst>
-      <p:ext uri="{BB962C8B-B14F-4D97-AF65-F5344CB8AC3E}">
-        <p14:creationId xmlns:p14="http://schemas.microsoft.com/office/powerpoint/2010/main" val="1166957128"/>
       </p:ext>
     </p:extLst>
   </p:cSld>
@@ -30872,6 +30844,511 @@
         <p:spPr bwMode="auto">
           <a:xfrm>
             <a:off x="93652" y="1068113"/>
+            <a:ext cx="8610600" cy="1211060"/>
+          </a:xfrm>
+          <a:prstGeom prst="rect">
+            <a:avLst/>
+          </a:prstGeom>
+          <a:noFill/>
+          <a:ln>
+            <a:noFill/>
+          </a:ln>
+          <a:extLst>
+            <a:ext uri="{909E8E84-426E-40DD-AFC4-6F175D3DCCD1}">
+              <a14:hiddenFill xmlns:a14="http://schemas.microsoft.com/office/drawing/2010/main">
+                <a:solidFill>
+                  <a:srgbClr val="FFFFFF"/>
+                </a:solidFill>
+              </a14:hiddenFill>
+            </a:ext>
+            <a:ext uri="{91240B29-F687-4F45-9708-019B960494DF}">
+              <a14:hiddenLine xmlns:a14="http://schemas.microsoft.com/office/drawing/2010/main" w="28575">
+                <a:solidFill>
+                  <a:srgbClr val="000000"/>
+                </a:solidFill>
+                <a:miter lim="800000"/>
+                <a:headEnd/>
+                <a:tailEnd/>
+              </a14:hiddenLine>
+            </a:ext>
+          </a:extLst>
+        </p:spPr>
+        <p:txBody>
+          <a:bodyPr vert="horz" wrap="square" lIns="91440" tIns="45720" rIns="91440" bIns="45720" numCol="1" anchor="t" anchorCtr="0" compatLnSpc="1">
+            <a:prstTxWarp prst="textNoShape">
+              <a:avLst/>
+            </a:prstTxWarp>
+          </a:bodyPr>
+          <a:lstStyle>
+            <a:lvl1pPr marL="342900" indent="-342900" algn="l" rtl="0" eaLnBrk="1" fontAlgn="base" hangingPunct="1">
+              <a:spcBef>
+                <a:spcPct val="30000"/>
+              </a:spcBef>
+              <a:spcAft>
+                <a:spcPct val="0"/>
+              </a:spcAft>
+              <a:buClr>
+                <a:schemeClr val="hlink"/>
+              </a:buClr>
+              <a:buFont typeface="Wingdings" pitchFamily="2" charset="2"/>
+              <a:buChar char="§"/>
+              <a:defRPr sz="3200">
+                <a:solidFill>
+                  <a:srgbClr val="000066"/>
+                </a:solidFill>
+                <a:latin typeface="微软雅黑" pitchFamily="34" charset="-122"/>
+                <a:ea typeface="微软雅黑" pitchFamily="34" charset="-122"/>
+                <a:cs typeface="+mn-cs"/>
+              </a:defRPr>
+            </a:lvl1pPr>
+            <a:lvl2pPr marL="742950" indent="-285750" algn="l" rtl="0" eaLnBrk="1" fontAlgn="base" hangingPunct="1">
+              <a:spcBef>
+                <a:spcPct val="30000"/>
+              </a:spcBef>
+              <a:spcAft>
+                <a:spcPct val="0"/>
+              </a:spcAft>
+              <a:buClr>
+                <a:schemeClr val="tx2"/>
+              </a:buClr>
+              <a:buSzPct val="85000"/>
+              <a:buFont typeface="Wingdings" pitchFamily="2" charset="2"/>
+              <a:buChar char="Ø"/>
+              <a:defRPr sz="2800">
+                <a:solidFill>
+                  <a:srgbClr val="006666"/>
+                </a:solidFill>
+                <a:latin typeface="微软雅黑" pitchFamily="34" charset="-122"/>
+                <a:ea typeface="微软雅黑" pitchFamily="34" charset="-122"/>
+              </a:defRPr>
+            </a:lvl2pPr>
+            <a:lvl3pPr marL="1143000" indent="-228600" algn="l" rtl="0" eaLnBrk="1" fontAlgn="base" hangingPunct="1">
+              <a:spcBef>
+                <a:spcPct val="30000"/>
+              </a:spcBef>
+              <a:spcAft>
+                <a:spcPct val="0"/>
+              </a:spcAft>
+              <a:buClr>
+                <a:schemeClr val="hlink"/>
+              </a:buClr>
+              <a:buSzPct val="95000"/>
+              <a:buFont typeface="Wingdings 2" pitchFamily="18" charset="2"/>
+              <a:buChar char="¡"/>
+              <a:defRPr sz="2400">
+                <a:solidFill>
+                  <a:schemeClr val="hlink"/>
+                </a:solidFill>
+                <a:latin typeface="微软雅黑" pitchFamily="34" charset="-122"/>
+                <a:ea typeface="微软雅黑" pitchFamily="34" charset="-122"/>
+              </a:defRPr>
+            </a:lvl3pPr>
+            <a:lvl4pPr marL="1600200" indent="-228600" algn="l" rtl="0" eaLnBrk="1" fontAlgn="base" hangingPunct="1">
+              <a:spcBef>
+                <a:spcPct val="30000"/>
+              </a:spcBef>
+              <a:spcAft>
+                <a:spcPct val="0"/>
+              </a:spcAft>
+              <a:buClr>
+                <a:schemeClr val="tx2"/>
+              </a:buClr>
+              <a:buSzPct val="90000"/>
+              <a:buFont typeface="Wingdings" pitchFamily="2" charset="2"/>
+              <a:buChar char="Ø"/>
+              <a:defRPr sz="2000">
+                <a:solidFill>
+                  <a:srgbClr val="990099"/>
+                </a:solidFill>
+                <a:latin typeface="微软雅黑" pitchFamily="34" charset="-122"/>
+                <a:ea typeface="微软雅黑" pitchFamily="34" charset="-122"/>
+              </a:defRPr>
+            </a:lvl4pPr>
+            <a:lvl5pPr marL="2057400" indent="-228600" algn="l" rtl="0" eaLnBrk="1" fontAlgn="base" hangingPunct="1">
+              <a:spcBef>
+                <a:spcPct val="30000"/>
+              </a:spcBef>
+              <a:spcAft>
+                <a:spcPct val="0"/>
+              </a:spcAft>
+              <a:buClr>
+                <a:schemeClr val="hlink"/>
+              </a:buClr>
+              <a:buFont typeface="Wingdings 2" pitchFamily="18" charset="2"/>
+              <a:buChar char="¡"/>
+              <a:defRPr sz="2000">
+                <a:solidFill>
+                  <a:schemeClr val="tx1"/>
+                </a:solidFill>
+                <a:latin typeface="微软雅黑" pitchFamily="34" charset="-122"/>
+                <a:ea typeface="微软雅黑" pitchFamily="34" charset="-122"/>
+              </a:defRPr>
+            </a:lvl5pPr>
+            <a:lvl6pPr marL="2514600" indent="-228600" algn="l" rtl="0" eaLnBrk="1" fontAlgn="base" hangingPunct="1">
+              <a:spcBef>
+                <a:spcPct val="30000"/>
+              </a:spcBef>
+              <a:spcAft>
+                <a:spcPct val="0"/>
+              </a:spcAft>
+              <a:buClr>
+                <a:schemeClr val="hlink"/>
+              </a:buClr>
+              <a:buFont typeface="Wingdings 2" pitchFamily="18" charset="2"/>
+              <a:buChar char="¡"/>
+              <a:defRPr sz="2000">
+                <a:solidFill>
+                  <a:schemeClr val="tx1"/>
+                </a:solidFill>
+                <a:latin typeface="+mn-lt"/>
+                <a:ea typeface="+mn-ea"/>
+              </a:defRPr>
+            </a:lvl6pPr>
+            <a:lvl7pPr marL="2971800" indent="-228600" algn="l" rtl="0" eaLnBrk="1" fontAlgn="base" hangingPunct="1">
+              <a:spcBef>
+                <a:spcPct val="30000"/>
+              </a:spcBef>
+              <a:spcAft>
+                <a:spcPct val="0"/>
+              </a:spcAft>
+              <a:buClr>
+                <a:schemeClr val="hlink"/>
+              </a:buClr>
+              <a:buFont typeface="Wingdings 2" pitchFamily="18" charset="2"/>
+              <a:buChar char="¡"/>
+              <a:defRPr sz="2000">
+                <a:solidFill>
+                  <a:schemeClr val="tx1"/>
+                </a:solidFill>
+                <a:latin typeface="+mn-lt"/>
+                <a:ea typeface="+mn-ea"/>
+              </a:defRPr>
+            </a:lvl7pPr>
+            <a:lvl8pPr marL="3429000" indent="-228600" algn="l" rtl="0" eaLnBrk="1" fontAlgn="base" hangingPunct="1">
+              <a:spcBef>
+                <a:spcPct val="30000"/>
+              </a:spcBef>
+              <a:spcAft>
+                <a:spcPct val="0"/>
+              </a:spcAft>
+              <a:buClr>
+                <a:schemeClr val="hlink"/>
+              </a:buClr>
+              <a:buFont typeface="Wingdings 2" pitchFamily="18" charset="2"/>
+              <a:buChar char="¡"/>
+              <a:defRPr sz="2000">
+                <a:solidFill>
+                  <a:schemeClr val="tx1"/>
+                </a:solidFill>
+                <a:latin typeface="+mn-lt"/>
+                <a:ea typeface="+mn-ea"/>
+              </a:defRPr>
+            </a:lvl8pPr>
+            <a:lvl9pPr marL="3886200" indent="-228600" algn="l" rtl="0" eaLnBrk="1" fontAlgn="base" hangingPunct="1">
+              <a:spcBef>
+                <a:spcPct val="30000"/>
+              </a:spcBef>
+              <a:spcAft>
+                <a:spcPct val="0"/>
+              </a:spcAft>
+              <a:buClr>
+                <a:schemeClr val="hlink"/>
+              </a:buClr>
+              <a:buFont typeface="Wingdings 2" pitchFamily="18" charset="2"/>
+              <a:buChar char="¡"/>
+              <a:defRPr sz="2000">
+                <a:solidFill>
+                  <a:schemeClr val="tx1"/>
+                </a:solidFill>
+                <a:latin typeface="+mn-lt"/>
+                <a:ea typeface="+mn-ea"/>
+              </a:defRPr>
+            </a:lvl9pPr>
+          </a:lstStyle>
+          <a:p>
+            <a:r>
+              <a:rPr lang="en-US" altLang="zh-CN" sz="2400" kern="0" dirty="0">
+                <a:latin typeface="+mn-lt"/>
+                <a:cs typeface="Times New Roman" panose="02020603050405020304" pitchFamily="18" charset="0"/>
+              </a:rPr>
+              <a:t>RETAU5200</a:t>
+            </a:r>
+            <a:endParaRPr lang="en-US" altLang="zh-CN" sz="2000" kern="0" dirty="0">
+              <a:latin typeface="+mn-lt"/>
+              <a:cs typeface="Times New Roman" panose="02020603050405020304" pitchFamily="18" charset="0"/>
+            </a:endParaRPr>
+          </a:p>
+          <a:p>
+            <a:pPr lvl="1"/>
+            <a:r>
+              <a:rPr lang="en-US" altLang="zh-CN" sz="2000" dirty="0">
+                <a:latin typeface="+mn-lt"/>
+                <a:cs typeface="Times New Roman" panose="02020603050405020304" pitchFamily="18" charset="0"/>
+              </a:rPr>
+              <a:t>Simplified viscous terms produce a bit better results on coarse grids, but nearly the same results on the finest grid</a:t>
+            </a:r>
+          </a:p>
+        </p:txBody>
+      </p:sp>
+      <p:pic>
+        <p:nvPicPr>
+          <p:cNvPr id="4" name="Picture 3">
+            <a:extLst>
+              <a:ext uri="{FF2B5EF4-FFF2-40B4-BE49-F238E27FC236}">
+                <a16:creationId xmlns:a16="http://schemas.microsoft.com/office/drawing/2014/main" id="{50EE1709-EABB-454A-53B1-315DA164832A}"/>
+              </a:ext>
+            </a:extLst>
+          </p:cNvPr>
+          <p:cNvPicPr>
+            <a:picLocks noChangeAspect="1"/>
+          </p:cNvPicPr>
+          <p:nvPr/>
+        </p:nvPicPr>
+        <p:blipFill>
+          <a:blip r:embed="rId3"/>
+          <a:stretch>
+            <a:fillRect/>
+          </a:stretch>
+        </p:blipFill>
+        <p:spPr>
+          <a:xfrm>
+            <a:off x="1295400" y="4672308"/>
+            <a:ext cx="3200400" cy="2390042"/>
+          </a:xfrm>
+          <a:prstGeom prst="rect">
+            <a:avLst/>
+          </a:prstGeom>
+        </p:spPr>
+      </p:pic>
+      <p:pic>
+        <p:nvPicPr>
+          <p:cNvPr id="6" name="Picture 5">
+            <a:extLst>
+              <a:ext uri="{FF2B5EF4-FFF2-40B4-BE49-F238E27FC236}">
+                <a16:creationId xmlns:a16="http://schemas.microsoft.com/office/drawing/2014/main" id="{75FAD4A9-F8BA-3F98-7D08-F79BDD909E55}"/>
+              </a:ext>
+            </a:extLst>
+          </p:cNvPr>
+          <p:cNvPicPr>
+            <a:picLocks noCh